--- a/各單位資料供應現況表.pptx
+++ b/各單位資料供應現況表.pptx
@@ -248,7 +248,7 @@
           <a:p>
             <a:fld id="{AC1AE0A4-47EE-4CE1-A88C-8E719F35BFA0}" type="datetimeFigureOut">
               <a:rPr lang="zh-TW" altLang="en-US" smtClean="0"/>
-              <a:t>2019/5/7</a:t>
+              <a:t>2019/6/24</a:t>
             </a:fld>
             <a:endParaRPr lang="zh-TW" altLang="en-US"/>
           </a:p>
@@ -413,7 +413,7 @@
           <a:p>
             <a:fld id="{92A7EAFB-AA00-4957-A793-D83734C20EF1}" type="datetimeFigureOut">
               <a:rPr lang="zh-TW" altLang="en-US" smtClean="0"/>
-              <a:t>2019/5/7</a:t>
+              <a:t>2019/6/24</a:t>
             </a:fld>
             <a:endParaRPr lang="zh-TW" altLang="en-US"/>
           </a:p>
@@ -2492,7 +2492,7 @@
                 <a:latin typeface="微軟正黑體" panose="020B0604030504040204" pitchFamily="34" charset="-120"/>
                 <a:ea typeface="微軟正黑體" panose="020B0604030504040204" pitchFamily="34" charset="-120"/>
               </a:rPr>
-              <a:t>2019/05/07)</a:t>
+              <a:t>2019/06/24)</a:t>
             </a:r>
             <a:endParaRPr lang="zh-TW" altLang="en-US" sz="1600" b="1" dirty="0">
               <a:solidFill>
@@ -5327,7 +5327,7 @@
           <p:nvPr>
             <p:extLst>
               <p:ext uri="{D42A27DB-BD31-4B8C-83A1-F6EECF244321}">
-                <p14:modId xmlns:p14="http://schemas.microsoft.com/office/powerpoint/2010/main" val="4286107520"/>
+                <p14:modId xmlns:p14="http://schemas.microsoft.com/office/powerpoint/2010/main" val="1892301777"/>
               </p:ext>
             </p:extLst>
           </p:nvPr>
@@ -5346,140 +5346,140 @@
                 <a:gridCol w="826601">
                   <a:extLst>
                     <a:ext uri="{9D8B030D-6E8A-4147-A177-3AD203B41FA5}">
-                      <a16:colId xmlns="" xmlns:a16="http://schemas.microsoft.com/office/drawing/2014/main" val="20003"/>
+                      <a16:colId xmlns:a16="http://schemas.microsoft.com/office/drawing/2014/main" xmlns="" val="20003"/>
                     </a:ext>
                   </a:extLst>
                 </a:gridCol>
                 <a:gridCol w="510169">
                   <a:extLst>
                     <a:ext uri="{9D8B030D-6E8A-4147-A177-3AD203B41FA5}">
-                      <a16:colId xmlns="" xmlns:a16="http://schemas.microsoft.com/office/drawing/2014/main" val="20004"/>
+                      <a16:colId xmlns:a16="http://schemas.microsoft.com/office/drawing/2014/main" xmlns="" val="20004"/>
                     </a:ext>
                   </a:extLst>
                 </a:gridCol>
                 <a:gridCol w="510169">
                   <a:extLst>
                     <a:ext uri="{9D8B030D-6E8A-4147-A177-3AD203B41FA5}">
-                      <a16:colId xmlns="" xmlns:a16="http://schemas.microsoft.com/office/drawing/2014/main" val="20005"/>
+                      <a16:colId xmlns:a16="http://schemas.microsoft.com/office/drawing/2014/main" xmlns="" val="20005"/>
                     </a:ext>
                   </a:extLst>
                 </a:gridCol>
                 <a:gridCol w="510169">
                   <a:extLst>
                     <a:ext uri="{9D8B030D-6E8A-4147-A177-3AD203B41FA5}">
-                      <a16:colId xmlns="" xmlns:a16="http://schemas.microsoft.com/office/drawing/2014/main" val="20006"/>
+                      <a16:colId xmlns:a16="http://schemas.microsoft.com/office/drawing/2014/main" xmlns="" val="20006"/>
                     </a:ext>
                   </a:extLst>
                 </a:gridCol>
                 <a:gridCol w="510169">
                   <a:extLst>
                     <a:ext uri="{9D8B030D-6E8A-4147-A177-3AD203B41FA5}">
-                      <a16:colId xmlns="" xmlns:a16="http://schemas.microsoft.com/office/drawing/2014/main" val="3408207861"/>
+                      <a16:colId xmlns:a16="http://schemas.microsoft.com/office/drawing/2014/main" xmlns="" val="3408207861"/>
                     </a:ext>
                   </a:extLst>
                 </a:gridCol>
                 <a:gridCol w="510169">
                   <a:extLst>
                     <a:ext uri="{9D8B030D-6E8A-4147-A177-3AD203B41FA5}">
-                      <a16:colId xmlns="" xmlns:a16="http://schemas.microsoft.com/office/drawing/2014/main" val="2229076538"/>
+                      <a16:colId xmlns:a16="http://schemas.microsoft.com/office/drawing/2014/main" xmlns="" val="2229076538"/>
                     </a:ext>
                   </a:extLst>
                 </a:gridCol>
                 <a:gridCol w="510169">
                   <a:extLst>
                     <a:ext uri="{9D8B030D-6E8A-4147-A177-3AD203B41FA5}">
-                      <a16:colId xmlns="" xmlns:a16="http://schemas.microsoft.com/office/drawing/2014/main" val="3678966610"/>
+                      <a16:colId xmlns:a16="http://schemas.microsoft.com/office/drawing/2014/main" xmlns="" val="3678966610"/>
                     </a:ext>
                   </a:extLst>
                 </a:gridCol>
                 <a:gridCol w="510169">
                   <a:extLst>
                     <a:ext uri="{9D8B030D-6E8A-4147-A177-3AD203B41FA5}">
-                      <a16:colId xmlns="" xmlns:a16="http://schemas.microsoft.com/office/drawing/2014/main" val="20007"/>
+                      <a16:colId xmlns:a16="http://schemas.microsoft.com/office/drawing/2014/main" xmlns="" val="20007"/>
                     </a:ext>
                   </a:extLst>
                 </a:gridCol>
                 <a:gridCol w="510169">
                   <a:extLst>
                     <a:ext uri="{9D8B030D-6E8A-4147-A177-3AD203B41FA5}">
-                      <a16:colId xmlns="" xmlns:a16="http://schemas.microsoft.com/office/drawing/2014/main" val="20008"/>
+                      <a16:colId xmlns:a16="http://schemas.microsoft.com/office/drawing/2014/main" xmlns="" val="20008"/>
                     </a:ext>
                   </a:extLst>
                 </a:gridCol>
                 <a:gridCol w="510169">
                   <a:extLst>
                     <a:ext uri="{9D8B030D-6E8A-4147-A177-3AD203B41FA5}">
-                      <a16:colId xmlns="" xmlns:a16="http://schemas.microsoft.com/office/drawing/2014/main" val="3280403588"/>
+                      <a16:colId xmlns:a16="http://schemas.microsoft.com/office/drawing/2014/main" xmlns="" val="3280403588"/>
                     </a:ext>
                   </a:extLst>
                 </a:gridCol>
                 <a:gridCol w="510169">
                   <a:extLst>
                     <a:ext uri="{9D8B030D-6E8A-4147-A177-3AD203B41FA5}">
-                      <a16:colId xmlns="" xmlns:a16="http://schemas.microsoft.com/office/drawing/2014/main" val="3626256232"/>
+                      <a16:colId xmlns:a16="http://schemas.microsoft.com/office/drawing/2014/main" xmlns="" val="3626256232"/>
                     </a:ext>
                   </a:extLst>
                 </a:gridCol>
                 <a:gridCol w="510169">
                   <a:extLst>
                     <a:ext uri="{9D8B030D-6E8A-4147-A177-3AD203B41FA5}">
-                      <a16:colId xmlns="" xmlns:a16="http://schemas.microsoft.com/office/drawing/2014/main" val="1479022265"/>
+                      <a16:colId xmlns:a16="http://schemas.microsoft.com/office/drawing/2014/main" xmlns="" val="1479022265"/>
                     </a:ext>
                   </a:extLst>
                 </a:gridCol>
                 <a:gridCol w="510169">
                   <a:extLst>
                     <a:ext uri="{9D8B030D-6E8A-4147-A177-3AD203B41FA5}">
-                      <a16:colId xmlns="" xmlns:a16="http://schemas.microsoft.com/office/drawing/2014/main" val="29243554"/>
+                      <a16:colId xmlns:a16="http://schemas.microsoft.com/office/drawing/2014/main" xmlns="" val="29243554"/>
                     </a:ext>
                   </a:extLst>
                 </a:gridCol>
                 <a:gridCol w="510169">
                   <a:extLst>
                     <a:ext uri="{9D8B030D-6E8A-4147-A177-3AD203B41FA5}">
-                      <a16:colId xmlns="" xmlns:a16="http://schemas.microsoft.com/office/drawing/2014/main" val="1436252718"/>
+                      <a16:colId xmlns:a16="http://schemas.microsoft.com/office/drawing/2014/main" xmlns="" val="1436252718"/>
                     </a:ext>
                   </a:extLst>
                 </a:gridCol>
                 <a:gridCol w="510169">
                   <a:extLst>
                     <a:ext uri="{9D8B030D-6E8A-4147-A177-3AD203B41FA5}">
-                      <a16:colId xmlns="" xmlns:a16="http://schemas.microsoft.com/office/drawing/2014/main" val="20013"/>
+                      <a16:colId xmlns:a16="http://schemas.microsoft.com/office/drawing/2014/main" xmlns="" val="20013"/>
                     </a:ext>
                   </a:extLst>
                 </a:gridCol>
                 <a:gridCol w="510169">
                   <a:extLst>
                     <a:ext uri="{9D8B030D-6E8A-4147-A177-3AD203B41FA5}">
-                      <a16:colId xmlns="" xmlns:a16="http://schemas.microsoft.com/office/drawing/2014/main" val="2227699668"/>
+                      <a16:colId xmlns:a16="http://schemas.microsoft.com/office/drawing/2014/main" xmlns="" val="2227699668"/>
                     </a:ext>
                   </a:extLst>
                 </a:gridCol>
                 <a:gridCol w="510170">
                   <a:extLst>
                     <a:ext uri="{9D8B030D-6E8A-4147-A177-3AD203B41FA5}">
-                      <a16:colId xmlns="" xmlns:a16="http://schemas.microsoft.com/office/drawing/2014/main" val="3451906251"/>
+                      <a16:colId xmlns:a16="http://schemas.microsoft.com/office/drawing/2014/main" xmlns="" val="3451906251"/>
                     </a:ext>
                   </a:extLst>
                 </a:gridCol>
                 <a:gridCol w="510169">
                   <a:extLst>
                     <a:ext uri="{9D8B030D-6E8A-4147-A177-3AD203B41FA5}">
-                      <a16:colId xmlns="" xmlns:a16="http://schemas.microsoft.com/office/drawing/2014/main" val="660092051"/>
+                      <a16:colId xmlns:a16="http://schemas.microsoft.com/office/drawing/2014/main" xmlns="" val="660092051"/>
                     </a:ext>
                   </a:extLst>
                 </a:gridCol>
                 <a:gridCol w="510169">
                   <a:extLst>
                     <a:ext uri="{9D8B030D-6E8A-4147-A177-3AD203B41FA5}">
-                      <a16:colId xmlns="" xmlns:a16="http://schemas.microsoft.com/office/drawing/2014/main" val="2785807340"/>
+                      <a16:colId xmlns:a16="http://schemas.microsoft.com/office/drawing/2014/main" xmlns="" val="2785807340"/>
                     </a:ext>
                   </a:extLst>
                 </a:gridCol>
                 <a:gridCol w="510169">
                   <a:extLst>
                     <a:ext uri="{9D8B030D-6E8A-4147-A177-3AD203B41FA5}">
-                      <a16:colId xmlns="" xmlns:a16="http://schemas.microsoft.com/office/drawing/2014/main" val="20019"/>
+                      <a16:colId xmlns:a16="http://schemas.microsoft.com/office/drawing/2014/main" xmlns="" val="20019"/>
                     </a:ext>
                   </a:extLst>
                 </a:gridCol>
@@ -5742,7 +5742,7 @@
                 </a:tc>
                 <a:extLst>
                   <a:ext uri="{0D108BD9-81ED-4DB2-BD59-A6C34878D82A}">
-                    <a16:rowId xmlns="" xmlns:a16="http://schemas.microsoft.com/office/drawing/2014/main" val="4157930470"/>
+                    <a16:rowId xmlns:a16="http://schemas.microsoft.com/office/drawing/2014/main" xmlns="" val="4157930470"/>
                   </a:ext>
                 </a:extLst>
               </a:tr>
@@ -6241,7 +6241,7 @@
                 </a:tc>
                 <a:extLst>
                   <a:ext uri="{0D108BD9-81ED-4DB2-BD59-A6C34878D82A}">
-                    <a16:rowId xmlns="" xmlns:a16="http://schemas.microsoft.com/office/drawing/2014/main" val="10000"/>
+                    <a16:rowId xmlns:a16="http://schemas.microsoft.com/office/drawing/2014/main" xmlns="" val="10000"/>
                   </a:ext>
                 </a:extLst>
               </a:tr>
@@ -6643,7 +6643,7 @@
                 </a:tc>
                 <a:extLst>
                   <a:ext uri="{0D108BD9-81ED-4DB2-BD59-A6C34878D82A}">
-                    <a16:rowId xmlns="" xmlns:a16="http://schemas.microsoft.com/office/drawing/2014/main" val="10002"/>
+                    <a16:rowId xmlns:a16="http://schemas.microsoft.com/office/drawing/2014/main" xmlns="" val="10002"/>
                   </a:ext>
                 </a:extLst>
               </a:tr>
@@ -7236,7 +7236,7 @@
                 </a:tc>
                 <a:extLst>
                   <a:ext uri="{0D108BD9-81ED-4DB2-BD59-A6C34878D82A}">
-                    <a16:rowId xmlns="" xmlns:a16="http://schemas.microsoft.com/office/drawing/2014/main" val="3675162025"/>
+                    <a16:rowId xmlns:a16="http://schemas.microsoft.com/office/drawing/2014/main" xmlns="" val="3675162025"/>
                   </a:ext>
                 </a:extLst>
               </a:tr>
@@ -7861,7 +7861,7 @@
                 </a:tc>
                 <a:extLst>
                   <a:ext uri="{0D108BD9-81ED-4DB2-BD59-A6C34878D82A}">
-                    <a16:rowId xmlns="" xmlns:a16="http://schemas.microsoft.com/office/drawing/2014/main" val="3832608764"/>
+                    <a16:rowId xmlns:a16="http://schemas.microsoft.com/office/drawing/2014/main" xmlns="" val="3832608764"/>
                   </a:ext>
                 </a:extLst>
               </a:tr>
@@ -8376,7 +8376,7 @@
                 </a:tc>
                 <a:extLst>
                   <a:ext uri="{0D108BD9-81ED-4DB2-BD59-A6C34878D82A}">
-                    <a16:rowId xmlns="" xmlns:a16="http://schemas.microsoft.com/office/drawing/2014/main" val="2613742521"/>
+                    <a16:rowId xmlns:a16="http://schemas.microsoft.com/office/drawing/2014/main" xmlns="" val="2613742521"/>
                   </a:ext>
                 </a:extLst>
               </a:tr>
@@ -8891,7 +8891,7 @@
                 </a:tc>
                 <a:extLst>
                   <a:ext uri="{0D108BD9-81ED-4DB2-BD59-A6C34878D82A}">
-                    <a16:rowId xmlns="" xmlns:a16="http://schemas.microsoft.com/office/drawing/2014/main" val="1381442428"/>
+                    <a16:rowId xmlns:a16="http://schemas.microsoft.com/office/drawing/2014/main" xmlns="" val="1381442428"/>
                   </a:ext>
                 </a:extLst>
               </a:tr>
@@ -8990,34 +8990,7 @@
                     <a:bodyPr/>
                     <a:lstStyle/>
                     <a:p>
-                      <a:pPr algn="ctr"/>
-                      <a:r>
-                        <a:rPr lang="zh-TW" altLang="en-US" sz="1200" kern="0" dirty="0">
-                          <a:solidFill>
-                            <a:schemeClr val="tx1"/>
-                          </a:solidFill>
-                          <a:latin typeface="+mj-ea"/>
-                          <a:ea typeface="+mj-ea"/>
-                        </a:rPr>
-                        <a:t>◎</a:t>
-                      </a:r>
-                      <a:endParaRPr lang="zh-TW" altLang="en-US" sz="1200" dirty="0">
-                        <a:solidFill>
-                          <a:schemeClr val="tx1"/>
-                        </a:solidFill>
-                        <a:latin typeface="+mj-ea"/>
-                        <a:ea typeface="+mj-ea"/>
-                      </a:endParaRPr>
-                    </a:p>
-                  </a:txBody>
-                  <a:tcPr marL="9525" marR="9525" marT="9525" marB="0" anchor="ctr"/>
-                </a:tc>
-                <a:tc>
-                  <a:txBody>
-                    <a:bodyPr/>
-                    <a:lstStyle/>
-                    <a:p>
-                      <a:pPr marL="0" marR="0" indent="0" algn="ctr" defTabSz="914400" rtl="0" eaLnBrk="1" fontAlgn="auto" latinLnBrk="0" hangingPunct="1">
+                      <a:pPr marL="0" marR="0" lvl="0" indent="0" algn="ctr" defTabSz="914400" rtl="0" eaLnBrk="1" fontAlgn="auto" latinLnBrk="0" hangingPunct="1">
                         <a:lnSpc>
                           <a:spcPct val="100000"/>
                         </a:lnSpc>
@@ -9035,212 +9008,16 @@
                         <a:defRPr/>
                       </a:pPr>
                       <a:r>
-                        <a:rPr lang="en-US" altLang="zh-TW" sz="1200" b="0" kern="0" dirty="0">
-                          <a:solidFill>
-                            <a:schemeClr val="tx1"/>
-                          </a:solidFill>
-                        </a:rPr>
-                        <a:t>●</a:t>
-                      </a:r>
-                      <a:endParaRPr lang="zh-TW" altLang="en-US" sz="1200" b="0" dirty="0">
-                        <a:solidFill>
-                          <a:schemeClr val="tx1"/>
-                        </a:solidFill>
-                        <a:latin typeface="微軟正黑體" panose="020B0604030504040204" pitchFamily="34" charset="-120"/>
-                        <a:ea typeface="微軟正黑體" panose="020B0604030504040204" pitchFamily="34" charset="-120"/>
-                      </a:endParaRPr>
-                    </a:p>
-                  </a:txBody>
-                  <a:tcPr marL="9525" marR="9525" marT="9525" marB="0" anchor="ctr"/>
-                </a:tc>
-                <a:tc>
-                  <a:txBody>
-                    <a:bodyPr/>
-                    <a:lstStyle/>
-                    <a:p>
-                      <a:pPr algn="ctr"/>
-                      <a:r>
-                        <a:rPr lang="en-US" altLang="zh-TW" sz="1200" b="0" kern="0" dirty="0">
-                          <a:solidFill>
-                            <a:schemeClr val="tx1"/>
-                          </a:solidFill>
-                        </a:rPr>
-                        <a:t>●</a:t>
-                      </a:r>
-                      <a:endParaRPr lang="zh-TW" altLang="en-US" sz="1200" b="0" dirty="0">
-                        <a:solidFill>
-                          <a:schemeClr val="tx1"/>
-                        </a:solidFill>
-                        <a:latin typeface="微軟正黑體" panose="020B0604030504040204" pitchFamily="34" charset="-120"/>
-                        <a:ea typeface="微軟正黑體" panose="020B0604030504040204" pitchFamily="34" charset="-120"/>
-                      </a:endParaRPr>
-                    </a:p>
-                  </a:txBody>
-                  <a:tcPr marL="9525" marR="9525" marT="9525" marB="0" anchor="ctr"/>
-                </a:tc>
-                <a:tc>
-                  <a:txBody>
-                    <a:bodyPr/>
-                    <a:lstStyle/>
-                    <a:p>
-                      <a:pPr marL="0" algn="ctr" defTabSz="914400" rtl="0" eaLnBrk="1" latinLnBrk="0" hangingPunct="1"/>
-                      <a:r>
-                        <a:rPr lang="zh-TW" altLang="en-US" sz="1200" kern="0" dirty="0">
-                          <a:solidFill>
-                            <a:schemeClr val="tx1"/>
-                          </a:solidFill>
-                          <a:latin typeface="+mj-ea"/>
-                          <a:ea typeface="+mj-ea"/>
-                          <a:cs typeface="+mn-cs"/>
-                        </a:rPr>
-                        <a:t>◎</a:t>
-                      </a:r>
-                    </a:p>
-                  </a:txBody>
-                  <a:tcPr marL="9525" marR="9525" marT="9525" marB="0" anchor="ctr"/>
-                </a:tc>
-                <a:tc>
-                  <a:txBody>
-                    <a:bodyPr/>
-                    <a:lstStyle/>
-                    <a:p>
-                      <a:pPr algn="ctr"/>
-                      <a:r>
-                        <a:rPr lang="zh-TW" altLang="en-US" sz="1200" b="0" kern="0">
-                          <a:solidFill>
-                            <a:schemeClr val="tx1"/>
-                          </a:solidFill>
-                        </a:rPr>
-                        <a:t>○</a:t>
-                      </a:r>
-                      <a:endParaRPr lang="zh-TW" altLang="en-US" sz="1200" b="0" dirty="0">
-                        <a:solidFill>
-                          <a:schemeClr val="tx1"/>
-                        </a:solidFill>
-                        <a:latin typeface="微軟正黑體" panose="020B0604030504040204" pitchFamily="34" charset="-120"/>
-                        <a:ea typeface="微軟正黑體" panose="020B0604030504040204" pitchFamily="34" charset="-120"/>
-                      </a:endParaRPr>
-                    </a:p>
-                  </a:txBody>
-                  <a:tcPr marL="9525" marR="9525" marT="9525" marB="0" anchor="ctr"/>
-                </a:tc>
-                <a:tc>
-                  <a:txBody>
-                    <a:bodyPr/>
-                    <a:lstStyle/>
-                    <a:p>
-                      <a:pPr algn="ctr"/>
-                      <a:r>
-                        <a:rPr lang="en-US" altLang="zh-TW" sz="1200" b="0" kern="0" dirty="0">
-                          <a:solidFill>
-                            <a:schemeClr val="tx1"/>
-                          </a:solidFill>
-                        </a:rPr>
-                        <a:t>●</a:t>
-                      </a:r>
-                      <a:endParaRPr lang="zh-TW" altLang="en-US" sz="1200" b="0" dirty="0">
-                        <a:solidFill>
-                          <a:schemeClr val="tx1"/>
-                        </a:solidFill>
-                        <a:latin typeface="微軟正黑體" panose="020B0604030504040204" pitchFamily="34" charset="-120"/>
-                        <a:ea typeface="微軟正黑體" panose="020B0604030504040204" pitchFamily="34" charset="-120"/>
-                      </a:endParaRPr>
-                    </a:p>
-                  </a:txBody>
-                  <a:tcPr marL="9525" marR="9525" marT="9525" marB="0" anchor="ctr"/>
-                </a:tc>
-                <a:tc>
-                  <a:txBody>
-                    <a:bodyPr/>
-                    <a:lstStyle/>
-                    <a:p>
-                      <a:pPr algn="ctr"/>
-                      <a:r>
-                        <a:rPr lang="en-US" altLang="zh-TW" sz="1200" b="0" kern="0" dirty="0">
-                          <a:solidFill>
-                            <a:schemeClr val="tx1"/>
-                          </a:solidFill>
-                        </a:rPr>
-                        <a:t>●</a:t>
-                      </a:r>
-                      <a:endParaRPr lang="zh-TW" altLang="en-US" sz="1200" b="0" dirty="0">
-                        <a:solidFill>
-                          <a:schemeClr val="tx1"/>
-                        </a:solidFill>
-                        <a:latin typeface="微軟正黑體" panose="020B0604030504040204" pitchFamily="34" charset="-120"/>
-                        <a:ea typeface="微軟正黑體" panose="020B0604030504040204" pitchFamily="34" charset="-120"/>
-                      </a:endParaRPr>
-                    </a:p>
-                  </a:txBody>
-                  <a:tcPr marL="9525" marR="9525" marT="9525" marB="0" anchor="ctr"/>
-                </a:tc>
-                <a:tc>
-                  <a:txBody>
-                    <a:bodyPr/>
-                    <a:lstStyle/>
-                    <a:p>
-                      <a:pPr algn="ctr"/>
-                      <a:r>
-                        <a:rPr lang="en-US" altLang="zh-TW" sz="1200" b="0" kern="0" dirty="0">
-                          <a:solidFill>
-                            <a:schemeClr val="tx1"/>
-                          </a:solidFill>
-                        </a:rPr>
-                        <a:t>●</a:t>
-                      </a:r>
-                      <a:endParaRPr lang="zh-TW" altLang="en-US" sz="1200" b="0" dirty="0">
-                        <a:solidFill>
-                          <a:schemeClr val="tx1"/>
-                        </a:solidFill>
-                        <a:latin typeface="微軟正黑體" panose="020B0604030504040204" pitchFamily="34" charset="-120"/>
-                        <a:ea typeface="微軟正黑體" panose="020B0604030504040204" pitchFamily="34" charset="-120"/>
-                      </a:endParaRPr>
-                    </a:p>
-                  </a:txBody>
-                  <a:tcPr marL="9525" marR="9525" marT="9525" marB="0" anchor="ctr"/>
-                </a:tc>
-                <a:tc>
-                  <a:txBody>
-                    <a:bodyPr/>
-                    <a:lstStyle/>
-                    <a:p>
-                      <a:pPr algn="ctr"/>
-                      <a:r>
-                        <a:rPr lang="en-US" altLang="zh-TW" sz="1200" b="0" kern="0" dirty="0">
-                          <a:solidFill>
-                            <a:schemeClr val="tx1"/>
-                          </a:solidFill>
-                        </a:rPr>
-                        <a:t>●</a:t>
-                      </a:r>
-                      <a:endParaRPr lang="zh-TW" altLang="en-US" sz="1200" b="0" dirty="0">
-                        <a:solidFill>
-                          <a:schemeClr val="tx1"/>
-                        </a:solidFill>
-                        <a:latin typeface="微軟正黑體" panose="020B0604030504040204" pitchFamily="34" charset="-120"/>
-                        <a:ea typeface="微軟正黑體" panose="020B0604030504040204" pitchFamily="34" charset="-120"/>
-                      </a:endParaRPr>
-                    </a:p>
-                  </a:txBody>
-                  <a:tcPr marL="9525" marR="9525" marT="9525" marB="0" anchor="ctr"/>
-                </a:tc>
-                <a:tc>
-                  <a:txBody>
-                    <a:bodyPr/>
-                    <a:lstStyle/>
-                    <a:p>
-                      <a:pPr algn="ctr"/>
-                      <a:r>
-                        <a:rPr lang="en-US" altLang="zh-TW" sz="1200" b="0" kern="0" dirty="0">
-                          <a:solidFill>
-                            <a:schemeClr val="tx1"/>
-                          </a:solidFill>
-                        </a:rPr>
-                        <a:t>●</a:t>
-                      </a:r>
-                      <a:endParaRPr lang="zh-TW" altLang="en-US" sz="1200" b="0" dirty="0">
-                        <a:solidFill>
-                          <a:schemeClr val="tx1"/>
+                        <a:rPr lang="en-US" altLang="zh-TW" sz="1200" b="0" kern="0" dirty="0" smtClean="0">
+                          <a:solidFill>
+                            <a:srgbClr val="C00000"/>
+                          </a:solidFill>
+                        </a:rPr>
+                        <a:t>●</a:t>
+                      </a:r>
+                      <a:endParaRPr lang="zh-TW" altLang="en-US" sz="1200" b="0" dirty="0">
+                        <a:solidFill>
+                          <a:srgbClr val="C00000"/>
                         </a:solidFill>
                         <a:latin typeface="微軟正黑體" panose="020B0604030504040204" pitchFamily="34" charset="-120"/>
                         <a:ea typeface="微軟正黑體" panose="020B0604030504040204" pitchFamily="34" charset="-120"/>
@@ -9295,25 +9072,21 @@
                     <a:bodyPr/>
                     <a:lstStyle/>
                     <a:p>
-                      <a:pPr marL="0" algn="ctr" defTabSz="914400" rtl="0" eaLnBrk="1" latinLnBrk="0" hangingPunct="1"/>
-                      <a:r>
-                        <a:rPr lang="en-US" altLang="zh-TW" sz="1200" kern="0" dirty="0">
-                          <a:solidFill>
-                            <a:schemeClr val="tx1"/>
-                          </a:solidFill>
-                          <a:latin typeface="+mj-ea"/>
-                          <a:ea typeface="+mj-ea"/>
-                          <a:cs typeface="+mn-cs"/>
-                        </a:rPr>
-                        <a:t>●</a:t>
-                      </a:r>
-                      <a:endParaRPr lang="zh-TW" altLang="en-US" sz="1200" kern="0" dirty="0">
-                        <a:solidFill>
-                          <a:schemeClr val="tx1"/>
-                        </a:solidFill>
-                        <a:latin typeface="+mj-ea"/>
-                        <a:ea typeface="+mj-ea"/>
-                        <a:cs typeface="+mn-cs"/>
+                      <a:pPr algn="ctr"/>
+                      <a:r>
+                        <a:rPr lang="en-US" altLang="zh-TW" sz="1200" b="0" kern="0" dirty="0">
+                          <a:solidFill>
+                            <a:schemeClr val="tx1"/>
+                          </a:solidFill>
+                        </a:rPr>
+                        <a:t>●</a:t>
+                      </a:r>
+                      <a:endParaRPr lang="zh-TW" altLang="en-US" sz="1200" b="0" dirty="0">
+                        <a:solidFill>
+                          <a:schemeClr val="tx1"/>
+                        </a:solidFill>
+                        <a:latin typeface="微軟正黑體" panose="020B0604030504040204" pitchFamily="34" charset="-120"/>
+                        <a:ea typeface="微軟正黑體" panose="020B0604030504040204" pitchFamily="34" charset="-120"/>
                       </a:endParaRPr>
                     </a:p>
                   </a:txBody>
@@ -9342,34 +9115,45 @@
                         <a:defRPr/>
                       </a:pPr>
                       <a:r>
-                        <a:rPr lang="zh-TW" altLang="en-US" sz="1200" b="0" dirty="0">
-                          <a:solidFill>
-                            <a:schemeClr val="tx1"/>
-                          </a:solidFill>
-                        </a:rPr>
-                        <a:t>─</a:t>
-                      </a:r>
-                    </a:p>
-                  </a:txBody>
-                  <a:tcPr marL="9525" marR="9525" marT="9525" marB="0" anchor="ctr"/>
-                </a:tc>
-                <a:tc>
-                  <a:txBody>
-                    <a:bodyPr/>
-                    <a:lstStyle/>
-                    <a:p>
-                      <a:pPr marL="0" algn="ctr" defTabSz="914400" rtl="0" eaLnBrk="1" latinLnBrk="0" hangingPunct="1"/>
-                      <a:r>
-                        <a:rPr lang="zh-TW" altLang="en-US" sz="1200" kern="0" dirty="0">
-                          <a:solidFill>
-                            <a:schemeClr val="tx1"/>
-                          </a:solidFill>
-                          <a:latin typeface="+mj-ea"/>
-                          <a:ea typeface="+mj-ea"/>
-                          <a:cs typeface="+mn-cs"/>
-                        </a:rPr>
-                        <a:t>◎</a:t>
-                      </a:r>
+                        <a:rPr lang="en-US" altLang="zh-TW" sz="1200" b="0" kern="0" dirty="0" smtClean="0">
+                          <a:solidFill>
+                            <a:srgbClr val="C00000"/>
+                          </a:solidFill>
+                        </a:rPr>
+                        <a:t>●</a:t>
+                      </a:r>
+                      <a:endParaRPr lang="zh-TW" altLang="en-US" sz="1200" b="0" dirty="0" smtClean="0">
+                        <a:solidFill>
+                          <a:srgbClr val="C00000"/>
+                        </a:solidFill>
+                        <a:latin typeface="微軟正黑體" panose="020B0604030504040204" pitchFamily="34" charset="-120"/>
+                        <a:ea typeface="微軟正黑體" panose="020B0604030504040204" pitchFamily="34" charset="-120"/>
+                      </a:endParaRPr>
+                    </a:p>
+                  </a:txBody>
+                  <a:tcPr marL="9525" marR="9525" marT="9525" marB="0" anchor="ctr"/>
+                </a:tc>
+                <a:tc>
+                  <a:txBody>
+                    <a:bodyPr/>
+                    <a:lstStyle/>
+                    <a:p>
+                      <a:pPr algn="ctr"/>
+                      <a:r>
+                        <a:rPr lang="zh-TW" altLang="en-US" sz="1200" b="0" kern="0">
+                          <a:solidFill>
+                            <a:schemeClr val="tx1"/>
+                          </a:solidFill>
+                        </a:rPr>
+                        <a:t>○</a:t>
+                      </a:r>
+                      <a:endParaRPr lang="zh-TW" altLang="en-US" sz="1200" b="0" dirty="0">
+                        <a:solidFill>
+                          <a:schemeClr val="tx1"/>
+                        </a:solidFill>
+                        <a:latin typeface="微軟正黑體" panose="020B0604030504040204" pitchFamily="34" charset="-120"/>
+                        <a:ea typeface="微軟正黑體" panose="020B0604030504040204" pitchFamily="34" charset="-120"/>
+                      </a:endParaRPr>
                     </a:p>
                   </a:txBody>
                   <a:tcPr marL="9525" marR="9525" marT="9525" marB="0" anchor="ctr"/>
@@ -9404,73 +9188,6 @@
                     <a:bodyPr/>
                     <a:lstStyle/>
                     <a:p>
-                      <a:pPr marL="0" algn="ctr" defTabSz="914400" rtl="0" eaLnBrk="1" latinLnBrk="0" hangingPunct="1"/>
-                      <a:r>
-                        <a:rPr lang="zh-TW" altLang="en-US" sz="1200" b="0" kern="0" dirty="0">
-                          <a:solidFill>
-                            <a:schemeClr val="tx1"/>
-                          </a:solidFill>
-                          <a:latin typeface="+mn-lt"/>
-                          <a:ea typeface="+mn-ea"/>
-                          <a:cs typeface="+mn-cs"/>
-                        </a:rPr>
-                        <a:t>◎</a:t>
-                      </a:r>
-                    </a:p>
-                  </a:txBody>
-                  <a:tcPr marL="9525" marR="9525" marT="9525" marB="0" anchor="ctr"/>
-                </a:tc>
-                <a:extLst>
-                  <a:ext uri="{0D108BD9-81ED-4DB2-BD59-A6C34878D82A}">
-                    <a16:rowId xmlns="" xmlns:a16="http://schemas.microsoft.com/office/drawing/2014/main" val="4102929731"/>
-                  </a:ext>
-                </a:extLst>
-              </a:tr>
-              <a:tr h="370154">
-                <a:tc>
-                  <a:txBody>
-                    <a:bodyPr/>
-                    <a:lstStyle/>
-                    <a:p>
-                      <a:pPr algn="ctr"/>
-                      <a:r>
-                        <a:rPr lang="zh-TW" altLang="en-US" sz="1200" dirty="0">
-                          <a:latin typeface="微軟正黑體" panose="020B0604030504040204" pitchFamily="34" charset="-120"/>
-                          <a:ea typeface="微軟正黑體" panose="020B0604030504040204" pitchFamily="34" charset="-120"/>
-                        </a:rPr>
-                        <a:t>高雄市政府</a:t>
-                      </a:r>
-                      <a:endParaRPr lang="zh-TW" altLang="en-US" sz="1200" b="1" dirty="0">
-                        <a:latin typeface="微軟正黑體" panose="020B0604030504040204" pitchFamily="34" charset="-120"/>
-                        <a:ea typeface="微軟正黑體" panose="020B0604030504040204" pitchFamily="34" charset="-120"/>
-                      </a:endParaRPr>
-                    </a:p>
-                  </a:txBody>
-                  <a:tcPr marL="9525" marR="9525" marT="9525" marB="0" anchor="ctr"/>
-                </a:tc>
-                <a:tc>
-                  <a:txBody>
-                    <a:bodyPr/>
-                    <a:lstStyle/>
-                    <a:p>
-                      <a:pPr algn="ctr"/>
-                      <a:r>
-                        <a:rPr lang="en-US" altLang="zh-TW" sz="1200" kern="0" dirty="0"/>
-                        <a:t>●</a:t>
-                      </a:r>
-                      <a:endParaRPr lang="zh-TW" altLang="en-US" sz="1200" dirty="0">
-                        <a:latin typeface="微軟正黑體" panose="020B0604030504040204" pitchFamily="34" charset="-120"/>
-                        <a:ea typeface="微軟正黑體" panose="020B0604030504040204" pitchFamily="34" charset="-120"/>
-                      </a:endParaRPr>
-                    </a:p>
-                  </a:txBody>
-                  <a:tcPr marL="9525" marR="9525" marT="9525" marB="0" anchor="ctr"/>
-                </a:tc>
-                <a:tc>
-                  <a:txBody>
-                    <a:bodyPr/>
-                    <a:lstStyle/>
-                    <a:p>
                       <a:pPr algn="ctr"/>
                       <a:r>
                         <a:rPr lang="en-US" altLang="zh-TW" sz="1200" b="0" kern="0" dirty="0">
@@ -9523,37 +9240,12 @@
                     <a:p>
                       <a:pPr algn="ctr"/>
                       <a:r>
-                        <a:rPr lang="zh-TW" altLang="en-US" sz="1200" b="0" kern="0" dirty="0">
-                          <a:solidFill>
-                            <a:schemeClr val="tx1"/>
-                          </a:solidFill>
-                        </a:rPr>
-                        <a:t>○</a:t>
-                      </a:r>
-                      <a:endParaRPr lang="zh-TW" altLang="en-US" sz="1200" b="0" dirty="0">
-                        <a:solidFill>
-                          <a:schemeClr val="tx1"/>
-                        </a:solidFill>
-                        <a:latin typeface="微軟正黑體" panose="020B0604030504040204" pitchFamily="34" charset="-120"/>
-                        <a:ea typeface="微軟正黑體" panose="020B0604030504040204" pitchFamily="34" charset="-120"/>
-                      </a:endParaRPr>
-                    </a:p>
-                  </a:txBody>
-                  <a:tcPr marL="9525" marR="9525" marT="9525" marB="0" anchor="ctr"/>
-                </a:tc>
-                <a:tc>
-                  <a:txBody>
-                    <a:bodyPr/>
-                    <a:lstStyle/>
-                    <a:p>
-                      <a:pPr algn="ctr"/>
-                      <a:r>
-                        <a:rPr lang="zh-TW" altLang="en-US" sz="1200" b="0" kern="0" dirty="0">
-                          <a:solidFill>
-                            <a:schemeClr val="tx1"/>
-                          </a:solidFill>
-                        </a:rPr>
-                        <a:t>○</a:t>
+                        <a:rPr lang="en-US" altLang="zh-TW" sz="1200" b="0" kern="0" dirty="0">
+                          <a:solidFill>
+                            <a:schemeClr val="tx1"/>
+                          </a:solidFill>
+                        </a:rPr>
+                        <a:t>●</a:t>
                       </a:r>
                       <a:endParaRPr lang="zh-TW" altLang="en-US" sz="1200" b="0" dirty="0">
                         <a:solidFill>
@@ -9637,221 +9329,25 @@
                     <a:bodyPr/>
                     <a:lstStyle/>
                     <a:p>
-                      <a:pPr algn="ctr"/>
-                      <a:r>
-                        <a:rPr lang="zh-TW" altLang="en-US" sz="1200" b="0" kern="0" dirty="0">
-                          <a:solidFill>
-                            <a:schemeClr val="tx1"/>
-                          </a:solidFill>
-                        </a:rPr>
-                        <a:t>○</a:t>
-                      </a:r>
-                      <a:endParaRPr lang="zh-TW" altLang="en-US" sz="1200" b="0" dirty="0">
-                        <a:solidFill>
-                          <a:schemeClr val="tx1"/>
-                        </a:solidFill>
-                        <a:latin typeface="微軟正黑體" panose="020B0604030504040204" pitchFamily="34" charset="-120"/>
-                        <a:ea typeface="微軟正黑體" panose="020B0604030504040204" pitchFamily="34" charset="-120"/>
-                      </a:endParaRPr>
-                    </a:p>
-                  </a:txBody>
-                  <a:tcPr marL="9525" marR="9525" marT="9525" marB="0" anchor="ctr"/>
-                </a:tc>
-                <a:tc>
-                  <a:txBody>
-                    <a:bodyPr/>
-                    <a:lstStyle/>
-                    <a:p>
-                      <a:pPr algn="ctr"/>
-                      <a:r>
-                        <a:rPr lang="en-US" altLang="zh-TW" sz="1200" b="0" kern="0" dirty="0">
-                          <a:solidFill>
-                            <a:schemeClr val="tx1"/>
-                          </a:solidFill>
-                        </a:rPr>
-                        <a:t>●</a:t>
-                      </a:r>
-                      <a:endParaRPr lang="zh-TW" altLang="en-US" sz="1200" b="0" dirty="0">
-                        <a:solidFill>
-                          <a:schemeClr val="tx1"/>
-                        </a:solidFill>
-                        <a:latin typeface="微軟正黑體" panose="020B0604030504040204" pitchFamily="34" charset="-120"/>
-                        <a:ea typeface="微軟正黑體" panose="020B0604030504040204" pitchFamily="34" charset="-120"/>
-                      </a:endParaRPr>
-                    </a:p>
-                  </a:txBody>
-                  <a:tcPr marL="9525" marR="9525" marT="9525" marB="0" anchor="ctr"/>
-                </a:tc>
-                <a:tc>
-                  <a:txBody>
-                    <a:bodyPr/>
-                    <a:lstStyle/>
-                    <a:p>
-                      <a:pPr algn="ctr"/>
-                      <a:r>
-                        <a:rPr lang="zh-TW" altLang="en-US" sz="1200" b="0" kern="0" dirty="0">
-                          <a:solidFill>
-                            <a:schemeClr val="tx1"/>
-                          </a:solidFill>
-                        </a:rPr>
-                        <a:t>○</a:t>
-                      </a:r>
-                      <a:endParaRPr lang="zh-TW" altLang="en-US" sz="1200" b="0" dirty="0">
-                        <a:solidFill>
-                          <a:schemeClr val="tx1"/>
-                        </a:solidFill>
-                        <a:latin typeface="微軟正黑體" panose="020B0604030504040204" pitchFamily="34" charset="-120"/>
-                        <a:ea typeface="微軟正黑體" panose="020B0604030504040204" pitchFamily="34" charset="-120"/>
-                      </a:endParaRPr>
-                    </a:p>
-                  </a:txBody>
-                  <a:tcPr marL="9525" marR="9525" marT="9525" marB="0" anchor="ctr"/>
-                </a:tc>
-                <a:tc>
-                  <a:txBody>
-                    <a:bodyPr/>
-                    <a:lstStyle/>
-                    <a:p>
-                      <a:pPr algn="ctr"/>
-                      <a:r>
-                        <a:rPr lang="en-US" altLang="zh-TW" sz="1200" b="0" kern="0" dirty="0">
-                          <a:solidFill>
-                            <a:schemeClr val="tx1"/>
-                          </a:solidFill>
-                        </a:rPr>
-                        <a:t>●</a:t>
-                      </a:r>
-                      <a:endParaRPr lang="zh-TW" altLang="en-US" sz="1200" b="0" dirty="0">
-                        <a:solidFill>
-                          <a:schemeClr val="tx1"/>
-                        </a:solidFill>
-                        <a:latin typeface="微軟正黑體" panose="020B0604030504040204" pitchFamily="34" charset="-120"/>
-                        <a:ea typeface="微軟正黑體" panose="020B0604030504040204" pitchFamily="34" charset="-120"/>
-                      </a:endParaRPr>
-                    </a:p>
-                  </a:txBody>
-                  <a:tcPr marL="9525" marR="9525" marT="9525" marB="0" anchor="ctr"/>
-                </a:tc>
-                <a:tc>
-                  <a:txBody>
-                    <a:bodyPr/>
-                    <a:lstStyle/>
-                    <a:p>
-                      <a:pPr algn="ctr"/>
-                      <a:r>
-                        <a:rPr lang="en-US" altLang="zh-TW" sz="1200" b="0" kern="0" dirty="0">
-                          <a:solidFill>
-                            <a:schemeClr val="tx1"/>
-                          </a:solidFill>
-                        </a:rPr>
-                        <a:t>●</a:t>
-                      </a:r>
-                      <a:endParaRPr lang="zh-TW" altLang="en-US" sz="1200" b="0" dirty="0">
-                        <a:solidFill>
-                          <a:schemeClr val="tx1"/>
-                        </a:solidFill>
-                        <a:latin typeface="微軟正黑體" panose="020B0604030504040204" pitchFamily="34" charset="-120"/>
-                        <a:ea typeface="微軟正黑體" panose="020B0604030504040204" pitchFamily="34" charset="-120"/>
-                      </a:endParaRPr>
-                    </a:p>
-                  </a:txBody>
-                  <a:tcPr marL="9525" marR="9525" marT="9525" marB="0" anchor="ctr"/>
-                </a:tc>
-                <a:tc>
-                  <a:txBody>
-                    <a:bodyPr/>
-                    <a:lstStyle/>
-                    <a:p>
-                      <a:pPr algn="ctr"/>
-                      <a:r>
-                        <a:rPr lang="en-US" altLang="zh-TW" sz="1200" b="0" kern="0" dirty="0">
-                          <a:solidFill>
-                            <a:schemeClr val="tx1"/>
-                          </a:solidFill>
-                        </a:rPr>
-                        <a:t>●</a:t>
-                      </a:r>
-                      <a:endParaRPr lang="zh-TW" altLang="en-US" sz="1200" b="0" dirty="0">
-                        <a:solidFill>
-                          <a:schemeClr val="tx1"/>
-                        </a:solidFill>
-                        <a:latin typeface="微軟正黑體" panose="020B0604030504040204" pitchFamily="34" charset="-120"/>
-                        <a:ea typeface="微軟正黑體" panose="020B0604030504040204" pitchFamily="34" charset="-120"/>
-                      </a:endParaRPr>
-                    </a:p>
-                  </a:txBody>
-                  <a:tcPr marL="9525" marR="9525" marT="9525" marB="0" anchor="ctr"/>
-                </a:tc>
-                <a:tc>
-                  <a:txBody>
-                    <a:bodyPr/>
-                    <a:lstStyle/>
-                    <a:p>
-                      <a:pPr algn="ctr"/>
-                      <a:r>
-                        <a:rPr lang="zh-TW" altLang="en-US" sz="1200" b="0" kern="0" dirty="0">
-                          <a:solidFill>
-                            <a:schemeClr val="tx1"/>
-                          </a:solidFill>
-                        </a:rPr>
-                        <a:t>○</a:t>
-                      </a:r>
-                      <a:endParaRPr lang="zh-TW" altLang="en-US" sz="1200" b="0" dirty="0">
-                        <a:solidFill>
-                          <a:schemeClr val="tx1"/>
-                        </a:solidFill>
-                        <a:latin typeface="微軟正黑體" panose="020B0604030504040204" pitchFamily="34" charset="-120"/>
-                        <a:ea typeface="微軟正黑體" panose="020B0604030504040204" pitchFamily="34" charset="-120"/>
-                      </a:endParaRPr>
-                    </a:p>
-                  </a:txBody>
-                  <a:tcPr marL="9525" marR="9525" marT="9525" marB="0" anchor="ctr"/>
-                </a:tc>
-                <a:tc>
-                  <a:txBody>
-                    <a:bodyPr/>
-                    <a:lstStyle/>
-                    <a:p>
-                      <a:pPr algn="ctr"/>
-                      <a:r>
-                        <a:rPr lang="zh-TW" altLang="en-US" sz="1200" b="0" kern="0" dirty="0">
-                          <a:solidFill>
-                            <a:schemeClr val="tx1"/>
-                          </a:solidFill>
-                        </a:rPr>
-                        <a:t>○</a:t>
-                      </a:r>
-                      <a:endParaRPr lang="zh-TW" altLang="en-US" sz="1200" b="0" dirty="0">
-                        <a:solidFill>
-                          <a:schemeClr val="tx1"/>
-                        </a:solidFill>
-                        <a:latin typeface="微軟正黑體" panose="020B0604030504040204" pitchFamily="34" charset="-120"/>
-                        <a:ea typeface="微軟正黑體" panose="020B0604030504040204" pitchFamily="34" charset="-120"/>
-                      </a:endParaRPr>
-                    </a:p>
-                  </a:txBody>
-                  <a:tcPr marL="9525" marR="9525" marT="9525" marB="0" anchor="ctr"/>
-                </a:tc>
-                <a:tc>
-                  <a:txBody>
-                    <a:bodyPr/>
-                    <a:lstStyle/>
-                    <a:p>
-                      <a:pPr algn="ctr"/>
-                      <a:r>
-                        <a:rPr lang="zh-TW" altLang="en-US" sz="1200" b="0" kern="0" dirty="0">
-                          <a:solidFill>
-                            <a:schemeClr val="tx1"/>
-                          </a:solidFill>
-                        </a:rPr>
-                        <a:t>○</a:t>
-                      </a:r>
-                      <a:endParaRPr lang="zh-TW" altLang="en-US" sz="1200" b="0" dirty="0">
-                        <a:solidFill>
-                          <a:schemeClr val="tx1"/>
-                        </a:solidFill>
-                        <a:latin typeface="微軟正黑體" panose="020B0604030504040204" pitchFamily="34" charset="-120"/>
-                        <a:ea typeface="微軟正黑體" panose="020B0604030504040204" pitchFamily="34" charset="-120"/>
+                      <a:pPr marL="0" algn="ctr" defTabSz="914400" rtl="0" eaLnBrk="1" latinLnBrk="0" hangingPunct="1"/>
+                      <a:r>
+                        <a:rPr lang="en-US" altLang="zh-TW" sz="1200" kern="0" dirty="0">
+                          <a:solidFill>
+                            <a:schemeClr val="tx1"/>
+                          </a:solidFill>
+                          <a:latin typeface="+mj-ea"/>
+                          <a:ea typeface="+mj-ea"/>
+                          <a:cs typeface="+mn-cs"/>
+                        </a:rPr>
+                        <a:t>●</a:t>
+                      </a:r>
+                      <a:endParaRPr lang="zh-TW" altLang="en-US" sz="1200" kern="0" dirty="0">
+                        <a:solidFill>
+                          <a:schemeClr val="tx1"/>
+                        </a:solidFill>
+                        <a:latin typeface="+mj-ea"/>
+                        <a:ea typeface="+mj-ea"/>
+                        <a:cs typeface="+mn-cs"/>
                       </a:endParaRPr>
                     </a:p>
                   </a:txBody>
@@ -9880,256 +9376,23 @@
                         <a:defRPr/>
                       </a:pPr>
                       <a:r>
-                        <a:rPr lang="zh-TW" altLang="en-US" sz="1200" b="0" kern="0" dirty="0">
-                          <a:solidFill>
-                            <a:schemeClr val="tx1"/>
-                          </a:solidFill>
-                        </a:rPr>
-                        <a:t>○</a:t>
-                      </a:r>
-                      <a:endParaRPr lang="zh-TW" altLang="en-US" sz="1200" b="0" dirty="0">
-                        <a:solidFill>
-                          <a:schemeClr val="tx1"/>
-                        </a:solidFill>
-                        <a:latin typeface="微軟正黑體" panose="020B0604030504040204" pitchFamily="34" charset="-120"/>
-                        <a:ea typeface="微軟正黑體" panose="020B0604030504040204" pitchFamily="34" charset="-120"/>
-                      </a:endParaRPr>
-                    </a:p>
-                  </a:txBody>
-                  <a:tcPr marL="9525" marR="9525" marT="9525" marB="0" anchor="ctr"/>
-                </a:tc>
-                <a:tc>
-                  <a:txBody>
-                    <a:bodyPr/>
-                    <a:lstStyle/>
-                    <a:p>
-                      <a:pPr algn="ctr"/>
-                      <a:r>
-                        <a:rPr lang="zh-TW" altLang="en-US" sz="1200" b="0" kern="0" dirty="0">
-                          <a:solidFill>
-                            <a:schemeClr val="tx1"/>
-                          </a:solidFill>
-                        </a:rPr>
-                        <a:t>○</a:t>
-                      </a:r>
-                      <a:endParaRPr lang="zh-TW" altLang="en-US" sz="1200" b="0" dirty="0">
-                        <a:solidFill>
-                          <a:schemeClr val="tx1"/>
-                        </a:solidFill>
-                        <a:latin typeface="微軟正黑體" panose="020B0604030504040204" pitchFamily="34" charset="-120"/>
-                        <a:ea typeface="微軟正黑體" panose="020B0604030504040204" pitchFamily="34" charset="-120"/>
-                      </a:endParaRPr>
-                    </a:p>
-                  </a:txBody>
-                  <a:tcPr marL="9525" marR="9525" marT="9525" marB="0" anchor="ctr"/>
-                </a:tc>
-                <a:tc>
-                  <a:txBody>
-                    <a:bodyPr/>
-                    <a:lstStyle/>
-                    <a:p>
-                      <a:pPr algn="ctr"/>
-                      <a:r>
-                        <a:rPr lang="zh-TW" altLang="en-US" sz="1200" b="0" kern="0" dirty="0">
-                          <a:solidFill>
-                            <a:schemeClr val="tx1"/>
-                          </a:solidFill>
-                        </a:rPr>
-                        <a:t>○</a:t>
-                      </a:r>
-                      <a:endParaRPr lang="zh-TW" altLang="en-US" sz="1200" b="0" dirty="0">
-                        <a:solidFill>
-                          <a:schemeClr val="tx1"/>
-                        </a:solidFill>
-                        <a:latin typeface="微軟正黑體" panose="020B0604030504040204" pitchFamily="34" charset="-120"/>
-                        <a:ea typeface="微軟正黑體" panose="020B0604030504040204" pitchFamily="34" charset="-120"/>
-                      </a:endParaRPr>
-                    </a:p>
-                  </a:txBody>
-                  <a:tcPr marL="9525" marR="9525" marT="9525" marB="0" anchor="ctr"/>
-                </a:tc>
-                <a:extLst>
-                  <a:ext uri="{0D108BD9-81ED-4DB2-BD59-A6C34878D82A}">
-                    <a16:rowId xmlns="" xmlns:a16="http://schemas.microsoft.com/office/drawing/2014/main" val="2526977750"/>
-                  </a:ext>
-                </a:extLst>
-              </a:tr>
-              <a:tr h="370154">
-                <a:tc>
-                  <a:txBody>
-                    <a:bodyPr/>
-                    <a:lstStyle/>
-                    <a:p>
-                      <a:pPr algn="ctr" rtl="0" fontAlgn="b"/>
-                      <a:r>
-                        <a:rPr lang="zh-TW" altLang="en-US" sz="1200" u="none" strike="noStrike" dirty="0">
-                          <a:effectLst/>
-                          <a:latin typeface="微軟正黑體" panose="020B0604030504040204" pitchFamily="34" charset="-120"/>
-                          <a:ea typeface="微軟正黑體" panose="020B0604030504040204" pitchFamily="34" charset="-120"/>
-                        </a:rPr>
-                        <a:t>公路總局</a:t>
-                      </a:r>
-                      <a:endParaRPr lang="zh-TW" altLang="en-US" sz="1200" b="1" i="0" u="none" strike="noStrike" dirty="0">
-                        <a:solidFill>
-                          <a:schemeClr val="bg1"/>
-                        </a:solidFill>
-                        <a:effectLst/>
-                        <a:latin typeface="微軟正黑體" panose="020B0604030504040204" pitchFamily="34" charset="-120"/>
-                        <a:ea typeface="微軟正黑體" panose="020B0604030504040204" pitchFamily="34" charset="-120"/>
-                      </a:endParaRPr>
-                    </a:p>
-                  </a:txBody>
-                  <a:tcPr marL="9525" marR="9525" marT="9525" marB="0" anchor="ctr"/>
-                </a:tc>
-                <a:tc>
-                  <a:txBody>
-                    <a:bodyPr/>
-                    <a:lstStyle/>
-                    <a:p>
-                      <a:pPr algn="ctr"/>
-                      <a:r>
-                        <a:rPr lang="en-US" altLang="zh-TW" sz="1200" kern="0" dirty="0"/>
-                        <a:t>●</a:t>
-                      </a:r>
-                      <a:endParaRPr lang="zh-TW" altLang="en-US" sz="1200" dirty="0">
-                        <a:latin typeface="微軟正黑體" panose="020B0604030504040204" pitchFamily="34" charset="-120"/>
-                        <a:ea typeface="微軟正黑體" panose="020B0604030504040204" pitchFamily="34" charset="-120"/>
-                      </a:endParaRPr>
-                    </a:p>
-                  </a:txBody>
-                  <a:tcPr marL="9525" marR="9525" marT="9525" marB="0" anchor="ctr"/>
-                </a:tc>
-                <a:tc>
-                  <a:txBody>
-                    <a:bodyPr/>
-                    <a:lstStyle/>
-                    <a:p>
-                      <a:pPr algn="ctr"/>
-                      <a:r>
-                        <a:rPr lang="en-US" altLang="zh-TW" sz="1200" b="0" kern="0" dirty="0">
-                          <a:solidFill>
-                            <a:schemeClr val="tx1"/>
-                          </a:solidFill>
-                        </a:rPr>
-                        <a:t>●</a:t>
-                      </a:r>
-                      <a:endParaRPr lang="zh-TW" altLang="en-US" sz="1200" b="0" dirty="0">
-                        <a:solidFill>
-                          <a:schemeClr val="tx1"/>
-                        </a:solidFill>
-                        <a:latin typeface="微軟正黑體" panose="020B0604030504040204" pitchFamily="34" charset="-120"/>
-                        <a:ea typeface="微軟正黑體" panose="020B0604030504040204" pitchFamily="34" charset="-120"/>
-                      </a:endParaRPr>
-                    </a:p>
-                  </a:txBody>
-                  <a:tcPr marL="9525" marR="9525" marT="9525" marB="0" anchor="ctr"/>
-                </a:tc>
-                <a:tc>
-                  <a:txBody>
-                    <a:bodyPr/>
-                    <a:lstStyle/>
-                    <a:p>
-                      <a:pPr algn="ctr"/>
-                      <a:r>
-                        <a:rPr lang="en-US" altLang="zh-TW" sz="1200" b="0" kern="0" dirty="0">
-                          <a:solidFill>
-                            <a:schemeClr val="tx1"/>
-                          </a:solidFill>
-                        </a:rPr>
-                        <a:t>●</a:t>
-                      </a:r>
-                      <a:endParaRPr lang="zh-TW" altLang="en-US" sz="1200" b="0" dirty="0">
-                        <a:solidFill>
-                          <a:schemeClr val="tx1"/>
-                        </a:solidFill>
-                        <a:latin typeface="微軟正黑體" panose="020B0604030504040204" pitchFamily="34" charset="-120"/>
-                        <a:ea typeface="微軟正黑體" panose="020B0604030504040204" pitchFamily="34" charset="-120"/>
-                      </a:endParaRPr>
-                    </a:p>
-                  </a:txBody>
-                  <a:tcPr marL="9525" marR="9525" marT="9525" marB="0" anchor="ctr"/>
-                </a:tc>
-                <a:tc>
-                  <a:txBody>
-                    <a:bodyPr/>
-                    <a:lstStyle/>
-                    <a:p>
-                      <a:pPr algn="ctr"/>
-                      <a:r>
-                        <a:rPr lang="zh-TW" altLang="en-US" sz="1200" b="0" kern="0" dirty="0">
-                          <a:solidFill>
-                            <a:schemeClr val="tx1"/>
-                          </a:solidFill>
-                        </a:rPr>
-                        <a:t>○</a:t>
-                      </a:r>
-                      <a:endParaRPr lang="zh-TW" altLang="en-US" sz="1200" b="0" dirty="0">
-                        <a:solidFill>
-                          <a:schemeClr val="tx1"/>
-                        </a:solidFill>
-                        <a:latin typeface="微軟正黑體" panose="020B0604030504040204" pitchFamily="34" charset="-120"/>
-                        <a:ea typeface="微軟正黑體" panose="020B0604030504040204" pitchFamily="34" charset="-120"/>
-                      </a:endParaRPr>
-                    </a:p>
-                  </a:txBody>
-                  <a:tcPr marL="9525" marR="9525" marT="9525" marB="0" anchor="ctr"/>
-                </a:tc>
-                <a:tc>
-                  <a:txBody>
-                    <a:bodyPr/>
-                    <a:lstStyle/>
-                    <a:p>
-                      <a:pPr algn="ctr"/>
-                      <a:r>
-                        <a:rPr lang="en-US" altLang="zh-TW" sz="1200" b="0" kern="0" dirty="0">
-                          <a:solidFill>
-                            <a:schemeClr val="tx1"/>
-                          </a:solidFill>
-                        </a:rPr>
-                        <a:t>●</a:t>
-                      </a:r>
-                      <a:endParaRPr lang="zh-TW" altLang="en-US" sz="1200" b="0" dirty="0">
-                        <a:solidFill>
-                          <a:schemeClr val="tx1"/>
-                        </a:solidFill>
-                        <a:latin typeface="微軟正黑體" panose="020B0604030504040204" pitchFamily="34" charset="-120"/>
-                        <a:ea typeface="微軟正黑體" panose="020B0604030504040204" pitchFamily="34" charset="-120"/>
-                      </a:endParaRPr>
-                    </a:p>
-                  </a:txBody>
-                  <a:tcPr marL="9525" marR="9525" marT="9525" marB="0" anchor="ctr"/>
-                </a:tc>
-                <a:tc>
-                  <a:txBody>
-                    <a:bodyPr/>
-                    <a:lstStyle/>
-                    <a:p>
-                      <a:pPr algn="ctr"/>
-                      <a:r>
-                        <a:rPr lang="en-US" altLang="zh-TW" sz="1200" b="0" kern="0" dirty="0">
-                          <a:solidFill>
-                            <a:schemeClr val="tx1"/>
-                          </a:solidFill>
-                        </a:rPr>
-                        <a:t>●</a:t>
-                      </a:r>
-                      <a:endParaRPr lang="zh-TW" altLang="en-US" sz="1200" b="0" dirty="0">
-                        <a:solidFill>
-                          <a:schemeClr val="tx1"/>
-                        </a:solidFill>
-                        <a:latin typeface="微軟正黑體" panose="020B0604030504040204" pitchFamily="34" charset="-120"/>
-                        <a:ea typeface="微軟正黑體" panose="020B0604030504040204" pitchFamily="34" charset="-120"/>
-                      </a:endParaRPr>
-                    </a:p>
-                  </a:txBody>
-                  <a:tcPr marL="9525" marR="9525" marT="9525" marB="0" anchor="ctr"/>
-                </a:tc>
-                <a:tc>
-                  <a:txBody>
-                    <a:bodyPr/>
-                    <a:lstStyle/>
-                    <a:p>
-                      <a:pPr marL="0" marR="0" indent="0" algn="ctr" defTabSz="914400" rtl="0" eaLnBrk="1" fontAlgn="auto" latinLnBrk="0" hangingPunct="1">
+                        <a:rPr lang="zh-TW" altLang="en-US" sz="1200" b="0" dirty="0">
+                          <a:solidFill>
+                            <a:schemeClr val="tx1"/>
+                          </a:solidFill>
+                        </a:rPr>
+                        <a:t>─</a:t>
+                      </a:r>
+                    </a:p>
+                  </a:txBody>
+                  <a:tcPr marL="9525" marR="9525" marT="9525" marB="0" anchor="ctr"/>
+                </a:tc>
+                <a:tc>
+                  <a:txBody>
+                    <a:bodyPr/>
+                    <a:lstStyle/>
+                    <a:p>
+                      <a:pPr marL="0" marR="0" lvl="0" indent="0" algn="ctr" defTabSz="914400" rtl="0" eaLnBrk="1" fontAlgn="auto" latinLnBrk="0" hangingPunct="1">
                         <a:lnSpc>
                           <a:spcPct val="100000"/>
                         </a:lnSpc>
@@ -10147,6 +9410,31 @@
                         <a:defRPr/>
                       </a:pPr>
                       <a:r>
+                        <a:rPr lang="en-US" altLang="zh-TW" sz="1200" b="0" kern="0" dirty="0" smtClean="0">
+                          <a:solidFill>
+                            <a:srgbClr val="C00000"/>
+                          </a:solidFill>
+                        </a:rPr>
+                        <a:t>●</a:t>
+                      </a:r>
+                      <a:endParaRPr lang="zh-TW" altLang="en-US" sz="1200" b="0" dirty="0">
+                        <a:solidFill>
+                          <a:srgbClr val="C00000"/>
+                        </a:solidFill>
+                        <a:latin typeface="微軟正黑體" panose="020B0604030504040204" pitchFamily="34" charset="-120"/>
+                        <a:ea typeface="微軟正黑體" panose="020B0604030504040204" pitchFamily="34" charset="-120"/>
+                      </a:endParaRPr>
+                    </a:p>
+                  </a:txBody>
+                  <a:tcPr marL="9525" marR="9525" marT="9525" marB="0" anchor="ctr"/>
+                </a:tc>
+                <a:tc>
+                  <a:txBody>
+                    <a:bodyPr/>
+                    <a:lstStyle/>
+                    <a:p>
+                      <a:pPr algn="ctr"/>
+                      <a:r>
                         <a:rPr lang="en-US" altLang="zh-TW" sz="1200" b="0" kern="0" dirty="0">
                           <a:solidFill>
                             <a:schemeClr val="tx1"/>
@@ -10170,7 +9458,199 @@
                     <a:bodyPr/>
                     <a:lstStyle/>
                     <a:p>
-                      <a:pPr marL="0" marR="0" lvl="0" indent="0" algn="ctr" defTabSz="914400" rtl="0" eaLnBrk="1" fontAlgn="auto" latinLnBrk="0" hangingPunct="1">
+                      <a:pPr marL="0" algn="ctr" defTabSz="914400" rtl="0" eaLnBrk="1" latinLnBrk="0" hangingPunct="1"/>
+                      <a:r>
+                        <a:rPr lang="zh-TW" altLang="en-US" sz="1200" b="0" kern="0" dirty="0">
+                          <a:solidFill>
+                            <a:schemeClr val="tx1"/>
+                          </a:solidFill>
+                          <a:latin typeface="+mn-lt"/>
+                          <a:ea typeface="+mn-ea"/>
+                          <a:cs typeface="+mn-cs"/>
+                        </a:rPr>
+                        <a:t>◎</a:t>
+                      </a:r>
+                    </a:p>
+                  </a:txBody>
+                  <a:tcPr marL="9525" marR="9525" marT="9525" marB="0" anchor="ctr"/>
+                </a:tc>
+                <a:extLst>
+                  <a:ext uri="{0D108BD9-81ED-4DB2-BD59-A6C34878D82A}">
+                    <a16:rowId xmlns:a16="http://schemas.microsoft.com/office/drawing/2014/main" xmlns="" val="4102929731"/>
+                  </a:ext>
+                </a:extLst>
+              </a:tr>
+              <a:tr h="370154">
+                <a:tc>
+                  <a:txBody>
+                    <a:bodyPr/>
+                    <a:lstStyle/>
+                    <a:p>
+                      <a:pPr algn="ctr"/>
+                      <a:r>
+                        <a:rPr lang="zh-TW" altLang="en-US" sz="1200" dirty="0">
+                          <a:latin typeface="微軟正黑體" panose="020B0604030504040204" pitchFamily="34" charset="-120"/>
+                          <a:ea typeface="微軟正黑體" panose="020B0604030504040204" pitchFamily="34" charset="-120"/>
+                        </a:rPr>
+                        <a:t>高雄市政府</a:t>
+                      </a:r>
+                      <a:endParaRPr lang="zh-TW" altLang="en-US" sz="1200" b="1" dirty="0">
+                        <a:latin typeface="微軟正黑體" panose="020B0604030504040204" pitchFamily="34" charset="-120"/>
+                        <a:ea typeface="微軟正黑體" panose="020B0604030504040204" pitchFamily="34" charset="-120"/>
+                      </a:endParaRPr>
+                    </a:p>
+                  </a:txBody>
+                  <a:tcPr marL="9525" marR="9525" marT="9525" marB="0" anchor="ctr"/>
+                </a:tc>
+                <a:tc>
+                  <a:txBody>
+                    <a:bodyPr/>
+                    <a:lstStyle/>
+                    <a:p>
+                      <a:pPr algn="ctr"/>
+                      <a:r>
+                        <a:rPr lang="en-US" altLang="zh-TW" sz="1200" kern="0" dirty="0"/>
+                        <a:t>●</a:t>
+                      </a:r>
+                      <a:endParaRPr lang="zh-TW" altLang="en-US" sz="1200" dirty="0">
+                        <a:latin typeface="微軟正黑體" panose="020B0604030504040204" pitchFamily="34" charset="-120"/>
+                        <a:ea typeface="微軟正黑體" panose="020B0604030504040204" pitchFamily="34" charset="-120"/>
+                      </a:endParaRPr>
+                    </a:p>
+                  </a:txBody>
+                  <a:tcPr marL="9525" marR="9525" marT="9525" marB="0" anchor="ctr"/>
+                </a:tc>
+                <a:tc>
+                  <a:txBody>
+                    <a:bodyPr/>
+                    <a:lstStyle/>
+                    <a:p>
+                      <a:pPr algn="ctr"/>
+                      <a:r>
+                        <a:rPr lang="en-US" altLang="zh-TW" sz="1200" b="0" kern="0" dirty="0">
+                          <a:solidFill>
+                            <a:schemeClr val="tx1"/>
+                          </a:solidFill>
+                        </a:rPr>
+                        <a:t>●</a:t>
+                      </a:r>
+                      <a:endParaRPr lang="zh-TW" altLang="en-US" sz="1200" b="0" dirty="0">
+                        <a:solidFill>
+                          <a:schemeClr val="tx1"/>
+                        </a:solidFill>
+                        <a:latin typeface="微軟正黑體" panose="020B0604030504040204" pitchFamily="34" charset="-120"/>
+                        <a:ea typeface="微軟正黑體" panose="020B0604030504040204" pitchFamily="34" charset="-120"/>
+                      </a:endParaRPr>
+                    </a:p>
+                  </a:txBody>
+                  <a:tcPr marL="9525" marR="9525" marT="9525" marB="0" anchor="ctr"/>
+                </a:tc>
+                <a:tc>
+                  <a:txBody>
+                    <a:bodyPr/>
+                    <a:lstStyle/>
+                    <a:p>
+                      <a:pPr algn="ctr"/>
+                      <a:r>
+                        <a:rPr lang="en-US" altLang="zh-TW" sz="1200" b="0" kern="0" dirty="0">
+                          <a:solidFill>
+                            <a:schemeClr val="tx1"/>
+                          </a:solidFill>
+                        </a:rPr>
+                        <a:t>●</a:t>
+                      </a:r>
+                      <a:endParaRPr lang="zh-TW" altLang="en-US" sz="1200" b="0" dirty="0">
+                        <a:solidFill>
+                          <a:schemeClr val="tx1"/>
+                        </a:solidFill>
+                        <a:latin typeface="微軟正黑體" panose="020B0604030504040204" pitchFamily="34" charset="-120"/>
+                        <a:ea typeface="微軟正黑體" panose="020B0604030504040204" pitchFamily="34" charset="-120"/>
+                      </a:endParaRPr>
+                    </a:p>
+                  </a:txBody>
+                  <a:tcPr marL="9525" marR="9525" marT="9525" marB="0" anchor="ctr"/>
+                </a:tc>
+                <a:tc>
+                  <a:txBody>
+                    <a:bodyPr/>
+                    <a:lstStyle/>
+                    <a:p>
+                      <a:pPr algn="ctr"/>
+                      <a:r>
+                        <a:rPr lang="zh-TW" altLang="en-US" sz="1200" b="0" kern="0" dirty="0">
+                          <a:solidFill>
+                            <a:schemeClr val="tx1"/>
+                          </a:solidFill>
+                        </a:rPr>
+                        <a:t>○</a:t>
+                      </a:r>
+                      <a:endParaRPr lang="zh-TW" altLang="en-US" sz="1200" b="0" dirty="0">
+                        <a:solidFill>
+                          <a:schemeClr val="tx1"/>
+                        </a:solidFill>
+                        <a:latin typeface="微軟正黑體" panose="020B0604030504040204" pitchFamily="34" charset="-120"/>
+                        <a:ea typeface="微軟正黑體" panose="020B0604030504040204" pitchFamily="34" charset="-120"/>
+                      </a:endParaRPr>
+                    </a:p>
+                  </a:txBody>
+                  <a:tcPr marL="9525" marR="9525" marT="9525" marB="0" anchor="ctr"/>
+                </a:tc>
+                <a:tc>
+                  <a:txBody>
+                    <a:bodyPr/>
+                    <a:lstStyle/>
+                    <a:p>
+                      <a:pPr algn="ctr"/>
+                      <a:r>
+                        <a:rPr lang="zh-TW" altLang="en-US" sz="1200" b="0" kern="0" dirty="0">
+                          <a:solidFill>
+                            <a:schemeClr val="tx1"/>
+                          </a:solidFill>
+                        </a:rPr>
+                        <a:t>○</a:t>
+                      </a:r>
+                      <a:endParaRPr lang="zh-TW" altLang="en-US" sz="1200" b="0" dirty="0">
+                        <a:solidFill>
+                          <a:schemeClr val="tx1"/>
+                        </a:solidFill>
+                        <a:latin typeface="微軟正黑體" panose="020B0604030504040204" pitchFamily="34" charset="-120"/>
+                        <a:ea typeface="微軟正黑體" panose="020B0604030504040204" pitchFamily="34" charset="-120"/>
+                      </a:endParaRPr>
+                    </a:p>
+                  </a:txBody>
+                  <a:tcPr marL="9525" marR="9525" marT="9525" marB="0" anchor="ctr"/>
+                </a:tc>
+                <a:tc>
+                  <a:txBody>
+                    <a:bodyPr/>
+                    <a:lstStyle/>
+                    <a:p>
+                      <a:pPr algn="ctr"/>
+                      <a:r>
+                        <a:rPr lang="en-US" altLang="zh-TW" sz="1200" b="0" kern="0" dirty="0">
+                          <a:solidFill>
+                            <a:schemeClr val="tx1"/>
+                          </a:solidFill>
+                        </a:rPr>
+                        <a:t>●</a:t>
+                      </a:r>
+                      <a:endParaRPr lang="zh-TW" altLang="en-US" sz="1200" b="0" dirty="0">
+                        <a:solidFill>
+                          <a:schemeClr val="tx1"/>
+                        </a:solidFill>
+                        <a:latin typeface="微軟正黑體" panose="020B0604030504040204" pitchFamily="34" charset="-120"/>
+                        <a:ea typeface="微軟正黑體" panose="020B0604030504040204" pitchFamily="34" charset="-120"/>
+                      </a:endParaRPr>
+                    </a:p>
+                  </a:txBody>
+                  <a:tcPr marL="9525" marR="9525" marT="9525" marB="0" anchor="ctr"/>
+                </a:tc>
+                <a:tc>
+                  <a:txBody>
+                    <a:bodyPr/>
+                    <a:lstStyle/>
+                    <a:p>
+                      <a:pPr marL="0" marR="0" indent="0" algn="ctr" defTabSz="914400" rtl="0" eaLnBrk="1" fontAlgn="auto" latinLnBrk="0" hangingPunct="1">
                         <a:lnSpc>
                           <a:spcPct val="100000"/>
                         </a:lnSpc>
@@ -10190,14 +9670,39 @@
                       <a:r>
                         <a:rPr lang="en-US" altLang="zh-TW" sz="1200" b="0" kern="0" dirty="0">
                           <a:solidFill>
-                            <a:srgbClr val="C00000"/>
-                          </a:solidFill>
-                        </a:rPr>
-                        <a:t>●</a:t>
-                      </a:r>
-                      <a:endParaRPr lang="zh-TW" altLang="en-US" sz="1200" b="0" dirty="0">
-                        <a:solidFill>
-                          <a:srgbClr val="C00000"/>
+                            <a:schemeClr val="tx1"/>
+                          </a:solidFill>
+                        </a:rPr>
+                        <a:t>●</a:t>
+                      </a:r>
+                      <a:endParaRPr lang="zh-TW" altLang="en-US" sz="1200" b="0" dirty="0">
+                        <a:solidFill>
+                          <a:schemeClr val="tx1"/>
+                        </a:solidFill>
+                        <a:latin typeface="微軟正黑體" panose="020B0604030504040204" pitchFamily="34" charset="-120"/>
+                        <a:ea typeface="微軟正黑體" panose="020B0604030504040204" pitchFamily="34" charset="-120"/>
+                      </a:endParaRPr>
+                    </a:p>
+                  </a:txBody>
+                  <a:tcPr marL="9525" marR="9525" marT="9525" marB="0" anchor="ctr"/>
+                </a:tc>
+                <a:tc>
+                  <a:txBody>
+                    <a:bodyPr/>
+                    <a:lstStyle/>
+                    <a:p>
+                      <a:pPr algn="ctr"/>
+                      <a:r>
+                        <a:rPr lang="zh-TW" altLang="en-US" sz="1200" b="0" kern="0" dirty="0">
+                          <a:solidFill>
+                            <a:schemeClr val="tx1"/>
+                          </a:solidFill>
+                        </a:rPr>
+                        <a:t>○</a:t>
+                      </a:r>
+                      <a:endParaRPr lang="zh-TW" altLang="en-US" sz="1200" b="0" dirty="0">
+                        <a:solidFill>
+                          <a:schemeClr val="tx1"/>
                         </a:solidFill>
                         <a:latin typeface="微軟正黑體" panose="020B0604030504040204" pitchFamily="34" charset="-120"/>
                         <a:ea typeface="微軟正黑體" panose="020B0604030504040204" pitchFamily="34" charset="-120"/>
@@ -10238,6 +9743,31 @@
                     <a:p>
                       <a:pPr algn="ctr"/>
                       <a:r>
+                        <a:rPr lang="zh-TW" altLang="en-US" sz="1200" b="0" kern="0" dirty="0">
+                          <a:solidFill>
+                            <a:schemeClr val="tx1"/>
+                          </a:solidFill>
+                        </a:rPr>
+                        <a:t>○</a:t>
+                      </a:r>
+                      <a:endParaRPr lang="zh-TW" altLang="en-US" sz="1200" b="0" dirty="0">
+                        <a:solidFill>
+                          <a:schemeClr val="tx1"/>
+                        </a:solidFill>
+                        <a:latin typeface="微軟正黑體" panose="020B0604030504040204" pitchFamily="34" charset="-120"/>
+                        <a:ea typeface="微軟正黑體" panose="020B0604030504040204" pitchFamily="34" charset="-120"/>
+                      </a:endParaRPr>
+                    </a:p>
+                  </a:txBody>
+                  <a:tcPr marL="9525" marR="9525" marT="9525" marB="0" anchor="ctr"/>
+                </a:tc>
+                <a:tc>
+                  <a:txBody>
+                    <a:bodyPr/>
+                    <a:lstStyle/>
+                    <a:p>
+                      <a:pPr algn="ctr"/>
+                      <a:r>
                         <a:rPr lang="en-US" altLang="zh-TW" sz="1200" b="0" kern="0" dirty="0">
                           <a:solidFill>
                             <a:schemeClr val="tx1"/>
@@ -10318,57 +9848,57 @@
                             <a:schemeClr val="tx1"/>
                           </a:solidFill>
                         </a:rPr>
-                        <a:t>◎</a:t>
-                      </a:r>
-                      <a:endParaRPr lang="zh-TW" altLang="en-US" sz="1200" b="0" dirty="0">
-                        <a:solidFill>
-                          <a:schemeClr val="tx1"/>
-                        </a:solidFill>
-                        <a:latin typeface="微軟正黑體" panose="020B0604030504040204" pitchFamily="34" charset="-120"/>
-                        <a:ea typeface="微軟正黑體" panose="020B0604030504040204" pitchFamily="34" charset="-120"/>
-                      </a:endParaRPr>
-                    </a:p>
-                  </a:txBody>
-                  <a:tcPr marL="9525" marR="9525" marT="9525" marB="0" anchor="ctr"/>
-                </a:tc>
-                <a:tc>
-                  <a:txBody>
-                    <a:bodyPr/>
-                    <a:lstStyle/>
-                    <a:p>
-                      <a:pPr algn="ctr"/>
-                      <a:r>
-                        <a:rPr lang="en-US" altLang="zh-TW" sz="1200" b="0" kern="0" dirty="0">
-                          <a:solidFill>
-                            <a:schemeClr val="tx1"/>
-                          </a:solidFill>
-                        </a:rPr>
-                        <a:t>●</a:t>
-                      </a:r>
-                      <a:endParaRPr lang="zh-TW" altLang="en-US" sz="1200" b="0" dirty="0">
-                        <a:solidFill>
-                          <a:schemeClr val="tx1"/>
-                        </a:solidFill>
-                        <a:latin typeface="微軟正黑體" panose="020B0604030504040204" pitchFamily="34" charset="-120"/>
-                        <a:ea typeface="微軟正黑體" panose="020B0604030504040204" pitchFamily="34" charset="-120"/>
-                      </a:endParaRPr>
-                    </a:p>
-                  </a:txBody>
-                  <a:tcPr marL="9525" marR="9525" marT="9525" marB="0" anchor="ctr"/>
-                </a:tc>
-                <a:tc>
-                  <a:txBody>
-                    <a:bodyPr/>
-                    <a:lstStyle/>
-                    <a:p>
-                      <a:pPr algn="ctr"/>
-                      <a:r>
-                        <a:rPr lang="en-US" altLang="zh-TW" sz="1200" b="0" kern="0" dirty="0">
-                          <a:solidFill>
-                            <a:schemeClr val="tx1"/>
-                          </a:solidFill>
-                        </a:rPr>
-                        <a:t>●</a:t>
+                        <a:t>○</a:t>
+                      </a:r>
+                      <a:endParaRPr lang="zh-TW" altLang="en-US" sz="1200" b="0" dirty="0">
+                        <a:solidFill>
+                          <a:schemeClr val="tx1"/>
+                        </a:solidFill>
+                        <a:latin typeface="微軟正黑體" panose="020B0604030504040204" pitchFamily="34" charset="-120"/>
+                        <a:ea typeface="微軟正黑體" panose="020B0604030504040204" pitchFamily="34" charset="-120"/>
+                      </a:endParaRPr>
+                    </a:p>
+                  </a:txBody>
+                  <a:tcPr marL="9525" marR="9525" marT="9525" marB="0" anchor="ctr"/>
+                </a:tc>
+                <a:tc>
+                  <a:txBody>
+                    <a:bodyPr/>
+                    <a:lstStyle/>
+                    <a:p>
+                      <a:pPr algn="ctr"/>
+                      <a:r>
+                        <a:rPr lang="zh-TW" altLang="en-US" sz="1200" b="0" kern="0" dirty="0">
+                          <a:solidFill>
+                            <a:schemeClr val="tx1"/>
+                          </a:solidFill>
+                        </a:rPr>
+                        <a:t>○</a:t>
+                      </a:r>
+                      <a:endParaRPr lang="zh-TW" altLang="en-US" sz="1200" b="0" dirty="0">
+                        <a:solidFill>
+                          <a:schemeClr val="tx1"/>
+                        </a:solidFill>
+                        <a:latin typeface="微軟正黑體" panose="020B0604030504040204" pitchFamily="34" charset="-120"/>
+                        <a:ea typeface="微軟正黑體" panose="020B0604030504040204" pitchFamily="34" charset="-120"/>
+                      </a:endParaRPr>
+                    </a:p>
+                  </a:txBody>
+                  <a:tcPr marL="9525" marR="9525" marT="9525" marB="0" anchor="ctr"/>
+                </a:tc>
+                <a:tc>
+                  <a:txBody>
+                    <a:bodyPr/>
+                    <a:lstStyle/>
+                    <a:p>
+                      <a:pPr algn="ctr"/>
+                      <a:r>
+                        <a:rPr lang="zh-TW" altLang="en-US" sz="1200" b="0" kern="0" dirty="0">
+                          <a:solidFill>
+                            <a:schemeClr val="tx1"/>
+                          </a:solidFill>
+                        </a:rPr>
+                        <a:t>○</a:t>
                       </a:r>
                       <a:endParaRPr lang="zh-TW" altLang="en-US" sz="1200" b="0" dirty="0">
                         <a:solidFill>
@@ -10404,23 +9934,256 @@
                         <a:defRPr/>
                       </a:pPr>
                       <a:r>
-                        <a:rPr lang="zh-TW" altLang="en-US" sz="1200" b="0" dirty="0">
-                          <a:solidFill>
-                            <a:schemeClr val="tx1"/>
-                          </a:solidFill>
-                        </a:rPr>
-                        <a:t>─</a:t>
-                      </a:r>
-                    </a:p>
-                  </a:txBody>
-                  <a:tcPr marL="9525" marR="9525" marT="9525" marB="0" anchor="ctr"/>
-                </a:tc>
-                <a:tc>
-                  <a:txBody>
-                    <a:bodyPr/>
-                    <a:lstStyle/>
-                    <a:p>
-                      <a:pPr marL="0" marR="0" lvl="0" indent="0" algn="ctr" defTabSz="914400" rtl="0" eaLnBrk="1" fontAlgn="auto" latinLnBrk="0" hangingPunct="1">
+                        <a:rPr lang="zh-TW" altLang="en-US" sz="1200" b="0" kern="0" dirty="0">
+                          <a:solidFill>
+                            <a:schemeClr val="tx1"/>
+                          </a:solidFill>
+                        </a:rPr>
+                        <a:t>○</a:t>
+                      </a:r>
+                      <a:endParaRPr lang="zh-TW" altLang="en-US" sz="1200" b="0" dirty="0">
+                        <a:solidFill>
+                          <a:schemeClr val="tx1"/>
+                        </a:solidFill>
+                        <a:latin typeface="微軟正黑體" panose="020B0604030504040204" pitchFamily="34" charset="-120"/>
+                        <a:ea typeface="微軟正黑體" panose="020B0604030504040204" pitchFamily="34" charset="-120"/>
+                      </a:endParaRPr>
+                    </a:p>
+                  </a:txBody>
+                  <a:tcPr marL="9525" marR="9525" marT="9525" marB="0" anchor="ctr"/>
+                </a:tc>
+                <a:tc>
+                  <a:txBody>
+                    <a:bodyPr/>
+                    <a:lstStyle/>
+                    <a:p>
+                      <a:pPr algn="ctr"/>
+                      <a:r>
+                        <a:rPr lang="zh-TW" altLang="en-US" sz="1200" b="0" kern="0" dirty="0">
+                          <a:solidFill>
+                            <a:schemeClr val="tx1"/>
+                          </a:solidFill>
+                        </a:rPr>
+                        <a:t>○</a:t>
+                      </a:r>
+                      <a:endParaRPr lang="zh-TW" altLang="en-US" sz="1200" b="0" dirty="0">
+                        <a:solidFill>
+                          <a:schemeClr val="tx1"/>
+                        </a:solidFill>
+                        <a:latin typeface="微軟正黑體" panose="020B0604030504040204" pitchFamily="34" charset="-120"/>
+                        <a:ea typeface="微軟正黑體" panose="020B0604030504040204" pitchFamily="34" charset="-120"/>
+                      </a:endParaRPr>
+                    </a:p>
+                  </a:txBody>
+                  <a:tcPr marL="9525" marR="9525" marT="9525" marB="0" anchor="ctr"/>
+                </a:tc>
+                <a:tc>
+                  <a:txBody>
+                    <a:bodyPr/>
+                    <a:lstStyle/>
+                    <a:p>
+                      <a:pPr algn="ctr"/>
+                      <a:r>
+                        <a:rPr lang="zh-TW" altLang="en-US" sz="1200" b="0" kern="0" dirty="0">
+                          <a:solidFill>
+                            <a:schemeClr val="tx1"/>
+                          </a:solidFill>
+                        </a:rPr>
+                        <a:t>○</a:t>
+                      </a:r>
+                      <a:endParaRPr lang="zh-TW" altLang="en-US" sz="1200" b="0" dirty="0">
+                        <a:solidFill>
+                          <a:schemeClr val="tx1"/>
+                        </a:solidFill>
+                        <a:latin typeface="微軟正黑體" panose="020B0604030504040204" pitchFamily="34" charset="-120"/>
+                        <a:ea typeface="微軟正黑體" panose="020B0604030504040204" pitchFamily="34" charset="-120"/>
+                      </a:endParaRPr>
+                    </a:p>
+                  </a:txBody>
+                  <a:tcPr marL="9525" marR="9525" marT="9525" marB="0" anchor="ctr"/>
+                </a:tc>
+                <a:extLst>
+                  <a:ext uri="{0D108BD9-81ED-4DB2-BD59-A6C34878D82A}">
+                    <a16:rowId xmlns:a16="http://schemas.microsoft.com/office/drawing/2014/main" xmlns="" val="2526977750"/>
+                  </a:ext>
+                </a:extLst>
+              </a:tr>
+              <a:tr h="370154">
+                <a:tc>
+                  <a:txBody>
+                    <a:bodyPr/>
+                    <a:lstStyle/>
+                    <a:p>
+                      <a:pPr algn="ctr" rtl="0" fontAlgn="b"/>
+                      <a:r>
+                        <a:rPr lang="zh-TW" altLang="en-US" sz="1200" u="none" strike="noStrike" dirty="0">
+                          <a:effectLst/>
+                          <a:latin typeface="微軟正黑體" panose="020B0604030504040204" pitchFamily="34" charset="-120"/>
+                          <a:ea typeface="微軟正黑體" panose="020B0604030504040204" pitchFamily="34" charset="-120"/>
+                        </a:rPr>
+                        <a:t>公路總局</a:t>
+                      </a:r>
+                      <a:endParaRPr lang="zh-TW" altLang="en-US" sz="1200" b="1" i="0" u="none" strike="noStrike" dirty="0">
+                        <a:solidFill>
+                          <a:schemeClr val="bg1"/>
+                        </a:solidFill>
+                        <a:effectLst/>
+                        <a:latin typeface="微軟正黑體" panose="020B0604030504040204" pitchFamily="34" charset="-120"/>
+                        <a:ea typeface="微軟正黑體" panose="020B0604030504040204" pitchFamily="34" charset="-120"/>
+                      </a:endParaRPr>
+                    </a:p>
+                  </a:txBody>
+                  <a:tcPr marL="9525" marR="9525" marT="9525" marB="0" anchor="ctr"/>
+                </a:tc>
+                <a:tc>
+                  <a:txBody>
+                    <a:bodyPr/>
+                    <a:lstStyle/>
+                    <a:p>
+                      <a:pPr algn="ctr"/>
+                      <a:r>
+                        <a:rPr lang="en-US" altLang="zh-TW" sz="1200" kern="0" dirty="0"/>
+                        <a:t>●</a:t>
+                      </a:r>
+                      <a:endParaRPr lang="zh-TW" altLang="en-US" sz="1200" dirty="0">
+                        <a:latin typeface="微軟正黑體" panose="020B0604030504040204" pitchFamily="34" charset="-120"/>
+                        <a:ea typeface="微軟正黑體" panose="020B0604030504040204" pitchFamily="34" charset="-120"/>
+                      </a:endParaRPr>
+                    </a:p>
+                  </a:txBody>
+                  <a:tcPr marL="9525" marR="9525" marT="9525" marB="0" anchor="ctr"/>
+                </a:tc>
+                <a:tc>
+                  <a:txBody>
+                    <a:bodyPr/>
+                    <a:lstStyle/>
+                    <a:p>
+                      <a:pPr algn="ctr"/>
+                      <a:r>
+                        <a:rPr lang="en-US" altLang="zh-TW" sz="1200" b="0" kern="0" dirty="0">
+                          <a:solidFill>
+                            <a:schemeClr val="tx1"/>
+                          </a:solidFill>
+                        </a:rPr>
+                        <a:t>●</a:t>
+                      </a:r>
+                      <a:endParaRPr lang="zh-TW" altLang="en-US" sz="1200" b="0" dirty="0">
+                        <a:solidFill>
+                          <a:schemeClr val="tx1"/>
+                        </a:solidFill>
+                        <a:latin typeface="微軟正黑體" panose="020B0604030504040204" pitchFamily="34" charset="-120"/>
+                        <a:ea typeface="微軟正黑體" panose="020B0604030504040204" pitchFamily="34" charset="-120"/>
+                      </a:endParaRPr>
+                    </a:p>
+                  </a:txBody>
+                  <a:tcPr marL="9525" marR="9525" marT="9525" marB="0" anchor="ctr"/>
+                </a:tc>
+                <a:tc>
+                  <a:txBody>
+                    <a:bodyPr/>
+                    <a:lstStyle/>
+                    <a:p>
+                      <a:pPr algn="ctr"/>
+                      <a:r>
+                        <a:rPr lang="en-US" altLang="zh-TW" sz="1200" b="0" kern="0" dirty="0">
+                          <a:solidFill>
+                            <a:schemeClr val="tx1"/>
+                          </a:solidFill>
+                        </a:rPr>
+                        <a:t>●</a:t>
+                      </a:r>
+                      <a:endParaRPr lang="zh-TW" altLang="en-US" sz="1200" b="0" dirty="0">
+                        <a:solidFill>
+                          <a:schemeClr val="tx1"/>
+                        </a:solidFill>
+                        <a:latin typeface="微軟正黑體" panose="020B0604030504040204" pitchFamily="34" charset="-120"/>
+                        <a:ea typeface="微軟正黑體" panose="020B0604030504040204" pitchFamily="34" charset="-120"/>
+                      </a:endParaRPr>
+                    </a:p>
+                  </a:txBody>
+                  <a:tcPr marL="9525" marR="9525" marT="9525" marB="0" anchor="ctr"/>
+                </a:tc>
+                <a:tc>
+                  <a:txBody>
+                    <a:bodyPr/>
+                    <a:lstStyle/>
+                    <a:p>
+                      <a:pPr algn="ctr"/>
+                      <a:r>
+                        <a:rPr lang="zh-TW" altLang="en-US" sz="1200" b="0" kern="0" dirty="0">
+                          <a:solidFill>
+                            <a:schemeClr val="tx1"/>
+                          </a:solidFill>
+                        </a:rPr>
+                        <a:t>○</a:t>
+                      </a:r>
+                      <a:endParaRPr lang="zh-TW" altLang="en-US" sz="1200" b="0" dirty="0">
+                        <a:solidFill>
+                          <a:schemeClr val="tx1"/>
+                        </a:solidFill>
+                        <a:latin typeface="微軟正黑體" panose="020B0604030504040204" pitchFamily="34" charset="-120"/>
+                        <a:ea typeface="微軟正黑體" panose="020B0604030504040204" pitchFamily="34" charset="-120"/>
+                      </a:endParaRPr>
+                    </a:p>
+                  </a:txBody>
+                  <a:tcPr marL="9525" marR="9525" marT="9525" marB="0" anchor="ctr"/>
+                </a:tc>
+                <a:tc>
+                  <a:txBody>
+                    <a:bodyPr/>
+                    <a:lstStyle/>
+                    <a:p>
+                      <a:pPr algn="ctr"/>
+                      <a:r>
+                        <a:rPr lang="en-US" altLang="zh-TW" sz="1200" b="0" kern="0" dirty="0">
+                          <a:solidFill>
+                            <a:schemeClr val="tx1"/>
+                          </a:solidFill>
+                        </a:rPr>
+                        <a:t>●</a:t>
+                      </a:r>
+                      <a:endParaRPr lang="zh-TW" altLang="en-US" sz="1200" b="0" dirty="0">
+                        <a:solidFill>
+                          <a:schemeClr val="tx1"/>
+                        </a:solidFill>
+                        <a:latin typeface="微軟正黑體" panose="020B0604030504040204" pitchFamily="34" charset="-120"/>
+                        <a:ea typeface="微軟正黑體" panose="020B0604030504040204" pitchFamily="34" charset="-120"/>
+                      </a:endParaRPr>
+                    </a:p>
+                  </a:txBody>
+                  <a:tcPr marL="9525" marR="9525" marT="9525" marB="0" anchor="ctr"/>
+                </a:tc>
+                <a:tc>
+                  <a:txBody>
+                    <a:bodyPr/>
+                    <a:lstStyle/>
+                    <a:p>
+                      <a:pPr algn="ctr"/>
+                      <a:r>
+                        <a:rPr lang="en-US" altLang="zh-TW" sz="1200" b="0" kern="0" dirty="0">
+                          <a:solidFill>
+                            <a:schemeClr val="tx1"/>
+                          </a:solidFill>
+                        </a:rPr>
+                        <a:t>●</a:t>
+                      </a:r>
+                      <a:endParaRPr lang="zh-TW" altLang="en-US" sz="1200" b="0" dirty="0">
+                        <a:solidFill>
+                          <a:schemeClr val="tx1"/>
+                        </a:solidFill>
+                        <a:latin typeface="微軟正黑體" panose="020B0604030504040204" pitchFamily="34" charset="-120"/>
+                        <a:ea typeface="微軟正黑體" panose="020B0604030504040204" pitchFamily="34" charset="-120"/>
+                      </a:endParaRPr>
+                    </a:p>
+                  </a:txBody>
+                  <a:tcPr marL="9525" marR="9525" marT="9525" marB="0" anchor="ctr"/>
+                </a:tc>
+                <a:tc>
+                  <a:txBody>
+                    <a:bodyPr/>
+                    <a:lstStyle/>
+                    <a:p>
+                      <a:pPr marL="0" marR="0" indent="0" algn="ctr" defTabSz="914400" rtl="0" eaLnBrk="1" fontAlgn="auto" latinLnBrk="0" hangingPunct="1">
                         <a:lnSpc>
                           <a:spcPct val="100000"/>
                         </a:lnSpc>
@@ -10438,128 +10201,6 @@
                         <a:defRPr/>
                       </a:pPr>
                       <a:r>
-                        <a:rPr lang="zh-TW" altLang="en-US" sz="1200" b="0" kern="0" dirty="0">
-                          <a:solidFill>
-                            <a:schemeClr val="tx1"/>
-                          </a:solidFill>
-                        </a:rPr>
-                        <a:t>△</a:t>
-                      </a:r>
-                      <a:endParaRPr lang="zh-TW" altLang="en-US" sz="1200" b="0" dirty="0">
-                        <a:solidFill>
-                          <a:schemeClr val="tx1"/>
-                        </a:solidFill>
-                      </a:endParaRPr>
-                    </a:p>
-                  </a:txBody>
-                  <a:tcPr marL="9525" marR="9525" marT="9525" marB="0" anchor="ctr"/>
-                </a:tc>
-                <a:tc>
-                  <a:txBody>
-                    <a:bodyPr/>
-                    <a:lstStyle/>
-                    <a:p>
-                      <a:pPr algn="ctr"/>
-                      <a:r>
-                        <a:rPr lang="zh-TW" altLang="en-US" sz="1200" b="0" kern="0">
-                          <a:solidFill>
-                            <a:schemeClr val="tx1"/>
-                          </a:solidFill>
-                        </a:rPr>
-                        <a:t>○</a:t>
-                      </a:r>
-                      <a:endParaRPr lang="zh-TW" altLang="en-US" sz="1200" b="0" dirty="0">
-                        <a:solidFill>
-                          <a:schemeClr val="tx1"/>
-                        </a:solidFill>
-                        <a:latin typeface="微軟正黑體" panose="020B0604030504040204" pitchFamily="34" charset="-120"/>
-                        <a:ea typeface="微軟正黑體" panose="020B0604030504040204" pitchFamily="34" charset="-120"/>
-                      </a:endParaRPr>
-                    </a:p>
-                  </a:txBody>
-                  <a:tcPr marL="9525" marR="9525" marT="9525" marB="0" anchor="ctr"/>
-                </a:tc>
-                <a:tc>
-                  <a:txBody>
-                    <a:bodyPr/>
-                    <a:lstStyle/>
-                    <a:p>
-                      <a:pPr algn="ctr"/>
-                      <a:r>
-                        <a:rPr lang="en-US" altLang="zh-TW" sz="1200" b="0" kern="0">
-                          <a:solidFill>
-                            <a:schemeClr val="tx1"/>
-                          </a:solidFill>
-                        </a:rPr>
-                        <a:t>●</a:t>
-                      </a:r>
-                      <a:endParaRPr lang="zh-TW" altLang="en-US" sz="1200" b="0" dirty="0">
-                        <a:solidFill>
-                          <a:schemeClr val="tx1"/>
-                        </a:solidFill>
-                        <a:latin typeface="微軟正黑體" panose="020B0604030504040204" pitchFamily="34" charset="-120"/>
-                        <a:ea typeface="微軟正黑體" panose="020B0604030504040204" pitchFamily="34" charset="-120"/>
-                      </a:endParaRPr>
-                    </a:p>
-                  </a:txBody>
-                  <a:tcPr marL="9525" marR="9525" marT="9525" marB="0" anchor="ctr"/>
-                </a:tc>
-                <a:extLst>
-                  <a:ext uri="{0D108BD9-81ED-4DB2-BD59-A6C34878D82A}">
-                    <a16:rowId xmlns="" xmlns:a16="http://schemas.microsoft.com/office/drawing/2014/main" val="10001"/>
-                  </a:ext>
-                </a:extLst>
-              </a:tr>
-              <a:tr h="370154">
-                <a:tc>
-                  <a:txBody>
-                    <a:bodyPr/>
-                    <a:lstStyle/>
-                    <a:p>
-                      <a:pPr algn="ctr"/>
-                      <a:r>
-                        <a:rPr lang="zh-TW" altLang="en-US" sz="1200" dirty="0">
-                          <a:latin typeface="微軟正黑體" panose="020B0604030504040204" pitchFamily="34" charset="-120"/>
-                          <a:ea typeface="微軟正黑體" panose="020B0604030504040204" pitchFamily="34" charset="-120"/>
-                        </a:rPr>
-                        <a:t>新竹市政府</a:t>
-                      </a:r>
-                      <a:endParaRPr lang="zh-TW" altLang="en-US" sz="1200" b="1" dirty="0">
-                        <a:solidFill>
-                          <a:schemeClr val="bg1"/>
-                        </a:solidFill>
-                        <a:latin typeface="微軟正黑體" panose="020B0604030504040204" pitchFamily="34" charset="-120"/>
-                        <a:ea typeface="微軟正黑體" panose="020B0604030504040204" pitchFamily="34" charset="-120"/>
-                      </a:endParaRPr>
-                    </a:p>
-                  </a:txBody>
-                  <a:tcPr marL="9525" marR="9525" marT="9525" marB="0" anchor="ctr"/>
-                </a:tc>
-                <a:tc>
-                  <a:txBody>
-                    <a:bodyPr/>
-                    <a:lstStyle/>
-                    <a:p>
-                      <a:pPr algn="ctr"/>
-                      <a:r>
-                        <a:rPr lang="en-US" altLang="zh-TW" sz="1200" kern="0" dirty="0"/>
-                        <a:t>●</a:t>
-                      </a:r>
-                      <a:endParaRPr lang="zh-TW" altLang="en-US" sz="1200" dirty="0">
-                        <a:latin typeface="微軟正黑體" panose="020B0604030504040204" pitchFamily="34" charset="-120"/>
-                        <a:ea typeface="微軟正黑體" panose="020B0604030504040204" pitchFamily="34" charset="-120"/>
-                      </a:endParaRPr>
-                    </a:p>
-                  </a:txBody>
-                  <a:tcPr marL="9525" marR="9525" marT="9525" marB="0" anchor="ctr"/>
-                </a:tc>
-                <a:tc>
-                  <a:txBody>
-                    <a:bodyPr/>
-                    <a:lstStyle/>
-                    <a:p>
-                      <a:pPr algn="ctr"/>
-                      <a:r>
                         <a:rPr lang="en-US" altLang="zh-TW" sz="1200" b="0" kern="0" dirty="0">
                           <a:solidFill>
                             <a:schemeClr val="tx1"/>
@@ -10583,107 +10224,7 @@
                     <a:bodyPr/>
                     <a:lstStyle/>
                     <a:p>
-                      <a:pPr algn="ctr"/>
-                      <a:r>
-                        <a:rPr lang="en-US" altLang="zh-TW" sz="1200" b="0" kern="0" dirty="0">
-                          <a:solidFill>
-                            <a:schemeClr val="tx1"/>
-                          </a:solidFill>
-                        </a:rPr>
-                        <a:t>●</a:t>
-                      </a:r>
-                      <a:endParaRPr lang="zh-TW" altLang="en-US" sz="1200" b="0" dirty="0">
-                        <a:solidFill>
-                          <a:schemeClr val="tx1"/>
-                        </a:solidFill>
-                        <a:latin typeface="微軟正黑體" panose="020B0604030504040204" pitchFamily="34" charset="-120"/>
-                        <a:ea typeface="微軟正黑體" panose="020B0604030504040204" pitchFamily="34" charset="-120"/>
-                      </a:endParaRPr>
-                    </a:p>
-                  </a:txBody>
-                  <a:tcPr marL="9525" marR="9525" marT="9525" marB="0" anchor="ctr"/>
-                </a:tc>
-                <a:tc>
-                  <a:txBody>
-                    <a:bodyPr/>
-                    <a:lstStyle/>
-                    <a:p>
-                      <a:pPr algn="ctr"/>
-                      <a:r>
-                        <a:rPr lang="zh-TW" altLang="en-US" sz="1200" b="0" kern="0" dirty="0">
-                          <a:solidFill>
-                            <a:schemeClr val="tx1"/>
-                          </a:solidFill>
-                        </a:rPr>
-                        <a:t>○</a:t>
-                      </a:r>
-                      <a:endParaRPr lang="zh-TW" altLang="en-US" sz="1200" b="0" dirty="0">
-                        <a:solidFill>
-                          <a:schemeClr val="tx1"/>
-                        </a:solidFill>
-                        <a:latin typeface="微軟正黑體" panose="020B0604030504040204" pitchFamily="34" charset="-120"/>
-                        <a:ea typeface="微軟正黑體" panose="020B0604030504040204" pitchFamily="34" charset="-120"/>
-                      </a:endParaRPr>
-                    </a:p>
-                  </a:txBody>
-                  <a:tcPr marL="9525" marR="9525" marT="9525" marB="0" anchor="ctr"/>
-                </a:tc>
-                <a:tc>
-                  <a:txBody>
-                    <a:bodyPr/>
-                    <a:lstStyle/>
-                    <a:p>
-                      <a:pPr algn="ctr"/>
-                      <a:r>
-                        <a:rPr lang="zh-TW" altLang="en-US" sz="1200" b="0" kern="0">
-                          <a:solidFill>
-                            <a:schemeClr val="tx1"/>
-                          </a:solidFill>
-                        </a:rPr>
-                        <a:t>○</a:t>
-                      </a:r>
-                      <a:endParaRPr lang="zh-TW" altLang="en-US" sz="1200" b="0" dirty="0">
-                        <a:solidFill>
-                          <a:schemeClr val="tx1"/>
-                        </a:solidFill>
-                        <a:latin typeface="微軟正黑體" panose="020B0604030504040204" pitchFamily="34" charset="-120"/>
-                        <a:ea typeface="微軟正黑體" panose="020B0604030504040204" pitchFamily="34" charset="-120"/>
-                      </a:endParaRPr>
-                    </a:p>
-                  </a:txBody>
-                  <a:tcPr marL="9525" marR="9525" marT="9525" marB="0" anchor="ctr"/>
-                </a:tc>
-                <a:tc>
-                  <a:txBody>
-                    <a:bodyPr/>
-                    <a:lstStyle/>
-                    <a:p>
-                      <a:pPr algn="ctr"/>
-                      <a:r>
-                        <a:rPr lang="en-US" altLang="zh-TW" sz="1200" b="0" kern="0" dirty="0">
-                          <a:solidFill>
-                            <a:schemeClr val="tx1"/>
-                          </a:solidFill>
-                        </a:rPr>
-                        <a:t>●</a:t>
-                      </a:r>
-                      <a:endParaRPr lang="zh-TW" altLang="en-US" sz="1200" b="0" dirty="0">
-                        <a:solidFill>
-                          <a:schemeClr val="tx1"/>
-                        </a:solidFill>
-                        <a:latin typeface="微軟正黑體" panose="020B0604030504040204" pitchFamily="34" charset="-120"/>
-                        <a:ea typeface="微軟正黑體" panose="020B0604030504040204" pitchFamily="34" charset="-120"/>
-                      </a:endParaRPr>
-                    </a:p>
-                  </a:txBody>
-                  <a:tcPr marL="9525" marR="9525" marT="9525" marB="0" anchor="ctr"/>
-                </a:tc>
-                <a:tc>
-                  <a:txBody>
-                    <a:bodyPr/>
-                    <a:lstStyle/>
-                    <a:p>
-                      <a:pPr marL="0" marR="0" indent="0" algn="ctr" defTabSz="914400" rtl="0" eaLnBrk="1" fontAlgn="auto" latinLnBrk="0" hangingPunct="1">
+                      <a:pPr marL="0" marR="0" lvl="0" indent="0" algn="ctr" defTabSz="914400" rtl="0" eaLnBrk="1" fontAlgn="auto" latinLnBrk="0" hangingPunct="1">
                         <a:lnSpc>
                           <a:spcPct val="100000"/>
                         </a:lnSpc>
@@ -10703,6 +10244,181 @@
                       <a:r>
                         <a:rPr lang="en-US" altLang="zh-TW" sz="1200" b="0" kern="0" dirty="0">
                           <a:solidFill>
+                            <a:srgbClr val="C00000"/>
+                          </a:solidFill>
+                        </a:rPr>
+                        <a:t>●</a:t>
+                      </a:r>
+                      <a:endParaRPr lang="zh-TW" altLang="en-US" sz="1200" b="0" dirty="0">
+                        <a:solidFill>
+                          <a:srgbClr val="C00000"/>
+                        </a:solidFill>
+                        <a:latin typeface="微軟正黑體" panose="020B0604030504040204" pitchFamily="34" charset="-120"/>
+                        <a:ea typeface="微軟正黑體" panose="020B0604030504040204" pitchFamily="34" charset="-120"/>
+                      </a:endParaRPr>
+                    </a:p>
+                  </a:txBody>
+                  <a:tcPr marL="9525" marR="9525" marT="9525" marB="0" anchor="ctr"/>
+                </a:tc>
+                <a:tc>
+                  <a:txBody>
+                    <a:bodyPr/>
+                    <a:lstStyle/>
+                    <a:p>
+                      <a:pPr algn="ctr"/>
+                      <a:r>
+                        <a:rPr lang="en-US" altLang="zh-TW" sz="1200" b="0" kern="0" dirty="0">
+                          <a:solidFill>
+                            <a:schemeClr val="tx1"/>
+                          </a:solidFill>
+                        </a:rPr>
+                        <a:t>●</a:t>
+                      </a:r>
+                      <a:endParaRPr lang="zh-TW" altLang="en-US" sz="1200" b="0" dirty="0">
+                        <a:solidFill>
+                          <a:schemeClr val="tx1"/>
+                        </a:solidFill>
+                        <a:latin typeface="微軟正黑體" panose="020B0604030504040204" pitchFamily="34" charset="-120"/>
+                        <a:ea typeface="微軟正黑體" panose="020B0604030504040204" pitchFamily="34" charset="-120"/>
+                      </a:endParaRPr>
+                    </a:p>
+                  </a:txBody>
+                  <a:tcPr marL="9525" marR="9525" marT="9525" marB="0" anchor="ctr"/>
+                </a:tc>
+                <a:tc>
+                  <a:txBody>
+                    <a:bodyPr/>
+                    <a:lstStyle/>
+                    <a:p>
+                      <a:pPr algn="ctr"/>
+                      <a:r>
+                        <a:rPr lang="en-US" altLang="zh-TW" sz="1200" b="0" kern="0" dirty="0">
+                          <a:solidFill>
+                            <a:schemeClr val="tx1"/>
+                          </a:solidFill>
+                        </a:rPr>
+                        <a:t>●</a:t>
+                      </a:r>
+                      <a:endParaRPr lang="zh-TW" altLang="en-US" sz="1200" b="0" dirty="0">
+                        <a:solidFill>
+                          <a:schemeClr val="tx1"/>
+                        </a:solidFill>
+                        <a:latin typeface="微軟正黑體" panose="020B0604030504040204" pitchFamily="34" charset="-120"/>
+                        <a:ea typeface="微軟正黑體" panose="020B0604030504040204" pitchFamily="34" charset="-120"/>
+                      </a:endParaRPr>
+                    </a:p>
+                  </a:txBody>
+                  <a:tcPr marL="9525" marR="9525" marT="9525" marB="0" anchor="ctr"/>
+                </a:tc>
+                <a:tc>
+                  <a:txBody>
+                    <a:bodyPr/>
+                    <a:lstStyle/>
+                    <a:p>
+                      <a:pPr algn="ctr"/>
+                      <a:r>
+                        <a:rPr lang="en-US" altLang="zh-TW" sz="1200" b="0" kern="0" dirty="0">
+                          <a:solidFill>
+                            <a:schemeClr val="tx1"/>
+                          </a:solidFill>
+                        </a:rPr>
+                        <a:t>●</a:t>
+                      </a:r>
+                      <a:endParaRPr lang="zh-TW" altLang="en-US" sz="1200" b="0" dirty="0">
+                        <a:solidFill>
+                          <a:schemeClr val="tx1"/>
+                        </a:solidFill>
+                        <a:latin typeface="微軟正黑體" panose="020B0604030504040204" pitchFamily="34" charset="-120"/>
+                        <a:ea typeface="微軟正黑體" panose="020B0604030504040204" pitchFamily="34" charset="-120"/>
+                      </a:endParaRPr>
+                    </a:p>
+                  </a:txBody>
+                  <a:tcPr marL="9525" marR="9525" marT="9525" marB="0" anchor="ctr"/>
+                </a:tc>
+                <a:tc>
+                  <a:txBody>
+                    <a:bodyPr/>
+                    <a:lstStyle/>
+                    <a:p>
+                      <a:pPr algn="ctr"/>
+                      <a:r>
+                        <a:rPr lang="en-US" altLang="zh-TW" sz="1200" b="0" kern="0" dirty="0">
+                          <a:solidFill>
+                            <a:schemeClr val="tx1"/>
+                          </a:solidFill>
+                        </a:rPr>
+                        <a:t>●</a:t>
+                      </a:r>
+                      <a:endParaRPr lang="zh-TW" altLang="en-US" sz="1200" b="0" dirty="0">
+                        <a:solidFill>
+                          <a:schemeClr val="tx1"/>
+                        </a:solidFill>
+                        <a:latin typeface="微軟正黑體" panose="020B0604030504040204" pitchFamily="34" charset="-120"/>
+                        <a:ea typeface="微軟正黑體" panose="020B0604030504040204" pitchFamily="34" charset="-120"/>
+                      </a:endParaRPr>
+                    </a:p>
+                  </a:txBody>
+                  <a:tcPr marL="9525" marR="9525" marT="9525" marB="0" anchor="ctr"/>
+                </a:tc>
+                <a:tc>
+                  <a:txBody>
+                    <a:bodyPr/>
+                    <a:lstStyle/>
+                    <a:p>
+                      <a:pPr algn="ctr"/>
+                      <a:r>
+                        <a:rPr lang="zh-TW" altLang="en-US" sz="1200" b="0" kern="0" dirty="0">
+                          <a:solidFill>
+                            <a:schemeClr val="tx1"/>
+                          </a:solidFill>
+                        </a:rPr>
+                        <a:t>◎</a:t>
+                      </a:r>
+                      <a:endParaRPr lang="zh-TW" altLang="en-US" sz="1200" b="0" dirty="0">
+                        <a:solidFill>
+                          <a:schemeClr val="tx1"/>
+                        </a:solidFill>
+                        <a:latin typeface="微軟正黑體" panose="020B0604030504040204" pitchFamily="34" charset="-120"/>
+                        <a:ea typeface="微軟正黑體" panose="020B0604030504040204" pitchFamily="34" charset="-120"/>
+                      </a:endParaRPr>
+                    </a:p>
+                  </a:txBody>
+                  <a:tcPr marL="9525" marR="9525" marT="9525" marB="0" anchor="ctr"/>
+                </a:tc>
+                <a:tc>
+                  <a:txBody>
+                    <a:bodyPr/>
+                    <a:lstStyle/>
+                    <a:p>
+                      <a:pPr algn="ctr"/>
+                      <a:r>
+                        <a:rPr lang="en-US" altLang="zh-TW" sz="1200" b="0" kern="0" dirty="0">
+                          <a:solidFill>
+                            <a:schemeClr val="tx1"/>
+                          </a:solidFill>
+                        </a:rPr>
+                        <a:t>●</a:t>
+                      </a:r>
+                      <a:endParaRPr lang="zh-TW" altLang="en-US" sz="1200" b="0" dirty="0">
+                        <a:solidFill>
+                          <a:schemeClr val="tx1"/>
+                        </a:solidFill>
+                        <a:latin typeface="微軟正黑體" panose="020B0604030504040204" pitchFamily="34" charset="-120"/>
+                        <a:ea typeface="微軟正黑體" panose="020B0604030504040204" pitchFamily="34" charset="-120"/>
+                      </a:endParaRPr>
+                    </a:p>
+                  </a:txBody>
+                  <a:tcPr marL="9525" marR="9525" marT="9525" marB="0" anchor="ctr"/>
+                </a:tc>
+                <a:tc>
+                  <a:txBody>
+                    <a:bodyPr/>
+                    <a:lstStyle/>
+                    <a:p>
+                      <a:pPr algn="ctr"/>
+                      <a:r>
+                        <a:rPr lang="en-US" altLang="zh-TW" sz="1200" b="0" kern="0" dirty="0">
+                          <a:solidFill>
                             <a:schemeClr val="tx1"/>
                           </a:solidFill>
                         </a:rPr>
@@ -10742,205 +10458,23 @@
                         <a:defRPr/>
                       </a:pPr>
                       <a:r>
-                        <a:rPr lang="en-US" altLang="zh-TW" sz="1200" b="0" kern="0">
-                          <a:solidFill>
-                            <a:srgbClr val="C00000"/>
-                          </a:solidFill>
-                        </a:rPr>
-                        <a:t>●</a:t>
-                      </a:r>
-                      <a:endParaRPr lang="zh-TW" altLang="en-US" sz="1200" b="0" dirty="0">
-                        <a:solidFill>
-                          <a:srgbClr val="C00000"/>
-                        </a:solidFill>
-                        <a:latin typeface="微軟正黑體" panose="020B0604030504040204" pitchFamily="34" charset="-120"/>
-                        <a:ea typeface="微軟正黑體" panose="020B0604030504040204" pitchFamily="34" charset="-120"/>
-                      </a:endParaRPr>
-                    </a:p>
-                  </a:txBody>
-                  <a:tcPr marL="9525" marR="9525" marT="9525" marB="0" anchor="ctr"/>
-                </a:tc>
-                <a:tc>
-                  <a:txBody>
-                    <a:bodyPr/>
-                    <a:lstStyle/>
-                    <a:p>
-                      <a:pPr algn="ctr"/>
-                      <a:r>
-                        <a:rPr lang="en-US" altLang="zh-TW" sz="1200" b="0" kern="0" dirty="0">
-                          <a:solidFill>
-                            <a:schemeClr val="tx1"/>
-                          </a:solidFill>
-                        </a:rPr>
-                        <a:t>●</a:t>
-                      </a:r>
-                      <a:endParaRPr lang="zh-TW" altLang="en-US" sz="1200" b="0" dirty="0">
-                        <a:solidFill>
-                          <a:schemeClr val="tx1"/>
-                        </a:solidFill>
-                        <a:latin typeface="微軟正黑體" panose="020B0604030504040204" pitchFamily="34" charset="-120"/>
-                        <a:ea typeface="微軟正黑體" panose="020B0604030504040204" pitchFamily="34" charset="-120"/>
-                      </a:endParaRPr>
-                    </a:p>
-                  </a:txBody>
-                  <a:tcPr marL="9525" marR="9525" marT="9525" marB="0" anchor="ctr"/>
-                </a:tc>
-                <a:tc>
-                  <a:txBody>
-                    <a:bodyPr/>
-                    <a:lstStyle/>
-                    <a:p>
-                      <a:pPr algn="ctr"/>
-                      <a:r>
-                        <a:rPr lang="zh-TW" altLang="en-US" sz="1200" b="0" kern="0" dirty="0">
-                          <a:solidFill>
-                            <a:schemeClr val="tx1"/>
-                          </a:solidFill>
-                        </a:rPr>
-                        <a:t>○</a:t>
-                      </a:r>
-                      <a:endParaRPr lang="zh-TW" altLang="en-US" sz="1200" b="0" dirty="0">
-                        <a:solidFill>
-                          <a:schemeClr val="tx1"/>
-                        </a:solidFill>
-                        <a:latin typeface="微軟正黑體" panose="020B0604030504040204" pitchFamily="34" charset="-120"/>
-                        <a:ea typeface="微軟正黑體" panose="020B0604030504040204" pitchFamily="34" charset="-120"/>
-                      </a:endParaRPr>
-                    </a:p>
-                  </a:txBody>
-                  <a:tcPr marL="9525" marR="9525" marT="9525" marB="0" anchor="ctr"/>
-                </a:tc>
-                <a:tc>
-                  <a:txBody>
-                    <a:bodyPr/>
-                    <a:lstStyle/>
-                    <a:p>
-                      <a:pPr algn="ctr"/>
-                      <a:r>
-                        <a:rPr lang="en-US" altLang="zh-TW" sz="1200" b="0" kern="0" dirty="0">
-                          <a:solidFill>
-                            <a:schemeClr val="tx1"/>
-                          </a:solidFill>
-                        </a:rPr>
-                        <a:t>●</a:t>
-                      </a:r>
-                      <a:endParaRPr lang="zh-TW" altLang="en-US" sz="1200" b="0" dirty="0">
-                        <a:solidFill>
-                          <a:schemeClr val="tx1"/>
-                        </a:solidFill>
-                        <a:latin typeface="微軟正黑體" panose="020B0604030504040204" pitchFamily="34" charset="-120"/>
-                        <a:ea typeface="微軟正黑體" panose="020B0604030504040204" pitchFamily="34" charset="-120"/>
-                      </a:endParaRPr>
-                    </a:p>
-                  </a:txBody>
-                  <a:tcPr marL="9525" marR="9525" marT="9525" marB="0" anchor="ctr"/>
-                </a:tc>
-                <a:tc>
-                  <a:txBody>
-                    <a:bodyPr/>
-                    <a:lstStyle/>
-                    <a:p>
-                      <a:pPr algn="ctr"/>
-                      <a:r>
-                        <a:rPr lang="en-US" altLang="zh-TW" sz="1200" b="0" kern="0" dirty="0">
-                          <a:solidFill>
-                            <a:schemeClr val="tx1"/>
-                          </a:solidFill>
-                        </a:rPr>
-                        <a:t>●</a:t>
-                      </a:r>
-                      <a:endParaRPr lang="zh-TW" altLang="en-US" sz="1200" b="0" dirty="0">
-                        <a:solidFill>
-                          <a:schemeClr val="tx1"/>
-                        </a:solidFill>
-                        <a:latin typeface="微軟正黑體" panose="020B0604030504040204" pitchFamily="34" charset="-120"/>
-                        <a:ea typeface="微軟正黑體" panose="020B0604030504040204" pitchFamily="34" charset="-120"/>
-                      </a:endParaRPr>
-                    </a:p>
-                  </a:txBody>
-                  <a:tcPr marL="9525" marR="9525" marT="9525" marB="0" anchor="ctr"/>
-                </a:tc>
-                <a:tc>
-                  <a:txBody>
-                    <a:bodyPr/>
-                    <a:lstStyle/>
-                    <a:p>
-                      <a:pPr algn="ctr"/>
-                      <a:r>
-                        <a:rPr lang="zh-TW" altLang="en-US" sz="1200" b="0" kern="0" dirty="0">
-                          <a:solidFill>
-                            <a:schemeClr val="tx1"/>
-                          </a:solidFill>
-                        </a:rPr>
-                        <a:t>◎</a:t>
-                      </a:r>
-                      <a:endParaRPr lang="zh-TW" altLang="en-US" sz="1200" b="0" dirty="0">
-                        <a:solidFill>
-                          <a:schemeClr val="tx1"/>
-                        </a:solidFill>
-                        <a:latin typeface="微軟正黑體" panose="020B0604030504040204" pitchFamily="34" charset="-120"/>
-                        <a:ea typeface="微軟正黑體" panose="020B0604030504040204" pitchFamily="34" charset="-120"/>
-                      </a:endParaRPr>
-                    </a:p>
-                  </a:txBody>
-                  <a:tcPr marL="9525" marR="9525" marT="9525" marB="0" anchor="ctr"/>
-                </a:tc>
-                <a:tc>
-                  <a:txBody>
-                    <a:bodyPr/>
-                    <a:lstStyle/>
-                    <a:p>
-                      <a:pPr algn="ctr"/>
-                      <a:r>
-                        <a:rPr lang="en-US" altLang="zh-TW" sz="1200" b="0" kern="0" dirty="0">
-                          <a:solidFill>
-                            <a:schemeClr val="tx1"/>
-                          </a:solidFill>
-                        </a:rPr>
-                        <a:t>●</a:t>
-                      </a:r>
-                      <a:endParaRPr lang="zh-TW" altLang="en-US" sz="1200" b="0" dirty="0">
-                        <a:solidFill>
-                          <a:schemeClr val="tx1"/>
-                        </a:solidFill>
-                        <a:latin typeface="微軟正黑體" panose="020B0604030504040204" pitchFamily="34" charset="-120"/>
-                        <a:ea typeface="微軟正黑體" panose="020B0604030504040204" pitchFamily="34" charset="-120"/>
-                      </a:endParaRPr>
-                    </a:p>
-                  </a:txBody>
-                  <a:tcPr marL="9525" marR="9525" marT="9525" marB="0" anchor="ctr"/>
-                </a:tc>
-                <a:tc>
-                  <a:txBody>
-                    <a:bodyPr/>
-                    <a:lstStyle/>
-                    <a:p>
-                      <a:pPr algn="ctr"/>
-                      <a:r>
-                        <a:rPr lang="en-US" altLang="zh-TW" sz="1200" b="0" kern="0" dirty="0">
-                          <a:solidFill>
-                            <a:schemeClr val="tx1"/>
-                          </a:solidFill>
-                        </a:rPr>
-                        <a:t>●</a:t>
-                      </a:r>
-                      <a:endParaRPr lang="zh-TW" altLang="en-US" sz="1200" b="0" dirty="0">
-                        <a:solidFill>
-                          <a:schemeClr val="tx1"/>
-                        </a:solidFill>
-                        <a:latin typeface="微軟正黑體" panose="020B0604030504040204" pitchFamily="34" charset="-120"/>
-                        <a:ea typeface="微軟正黑體" panose="020B0604030504040204" pitchFamily="34" charset="-120"/>
-                      </a:endParaRPr>
-                    </a:p>
-                  </a:txBody>
-                  <a:tcPr marL="9525" marR="9525" marT="9525" marB="0" anchor="ctr"/>
-                </a:tc>
-                <a:tc>
-                  <a:txBody>
-                    <a:bodyPr/>
-                    <a:lstStyle/>
-                    <a:p>
-                      <a:pPr marL="0" marR="0" indent="0" algn="ctr" defTabSz="914400" rtl="0" eaLnBrk="1" fontAlgn="auto" latinLnBrk="0" hangingPunct="1">
+                        <a:rPr lang="zh-TW" altLang="en-US" sz="1200" b="0" dirty="0">
+                          <a:solidFill>
+                            <a:schemeClr val="tx1"/>
+                          </a:solidFill>
+                        </a:rPr>
+                        <a:t>─</a:t>
+                      </a:r>
+                    </a:p>
+                  </a:txBody>
+                  <a:tcPr marL="9525" marR="9525" marT="9525" marB="0" anchor="ctr"/>
+                </a:tc>
+                <a:tc>
+                  <a:txBody>
+                    <a:bodyPr/>
+                    <a:lstStyle/>
+                    <a:p>
+                      <a:pPr marL="0" marR="0" lvl="0" indent="0" algn="ctr" defTabSz="914400" rtl="0" eaLnBrk="1" fontAlgn="auto" latinLnBrk="0" hangingPunct="1">
                         <a:lnSpc>
                           <a:spcPct val="100000"/>
                         </a:lnSpc>
@@ -10958,13 +10492,242 @@
                         <a:defRPr/>
                       </a:pPr>
                       <a:r>
-                        <a:rPr lang="zh-TW" altLang="en-US" sz="1200" b="0" dirty="0">
-                          <a:solidFill>
-                            <a:schemeClr val="tx1"/>
-                          </a:solidFill>
-                        </a:rPr>
-                        <a:t>─</a:t>
-                      </a:r>
+                        <a:rPr lang="zh-TW" altLang="en-US" sz="1200" b="0" kern="0" dirty="0">
+                          <a:solidFill>
+                            <a:schemeClr val="tx1"/>
+                          </a:solidFill>
+                        </a:rPr>
+                        <a:t>△</a:t>
+                      </a:r>
+                      <a:endParaRPr lang="zh-TW" altLang="en-US" sz="1200" b="0" dirty="0">
+                        <a:solidFill>
+                          <a:schemeClr val="tx1"/>
+                        </a:solidFill>
+                      </a:endParaRPr>
+                    </a:p>
+                  </a:txBody>
+                  <a:tcPr marL="9525" marR="9525" marT="9525" marB="0" anchor="ctr"/>
+                </a:tc>
+                <a:tc>
+                  <a:txBody>
+                    <a:bodyPr/>
+                    <a:lstStyle/>
+                    <a:p>
+                      <a:pPr algn="ctr"/>
+                      <a:r>
+                        <a:rPr lang="zh-TW" altLang="en-US" sz="1200" b="0" kern="0">
+                          <a:solidFill>
+                            <a:schemeClr val="tx1"/>
+                          </a:solidFill>
+                        </a:rPr>
+                        <a:t>○</a:t>
+                      </a:r>
+                      <a:endParaRPr lang="zh-TW" altLang="en-US" sz="1200" b="0" dirty="0">
+                        <a:solidFill>
+                          <a:schemeClr val="tx1"/>
+                        </a:solidFill>
+                        <a:latin typeface="微軟正黑體" panose="020B0604030504040204" pitchFamily="34" charset="-120"/>
+                        <a:ea typeface="微軟正黑體" panose="020B0604030504040204" pitchFamily="34" charset="-120"/>
+                      </a:endParaRPr>
+                    </a:p>
+                  </a:txBody>
+                  <a:tcPr marL="9525" marR="9525" marT="9525" marB="0" anchor="ctr"/>
+                </a:tc>
+                <a:tc>
+                  <a:txBody>
+                    <a:bodyPr/>
+                    <a:lstStyle/>
+                    <a:p>
+                      <a:pPr algn="ctr"/>
+                      <a:r>
+                        <a:rPr lang="en-US" altLang="zh-TW" sz="1200" b="0" kern="0">
+                          <a:solidFill>
+                            <a:schemeClr val="tx1"/>
+                          </a:solidFill>
+                        </a:rPr>
+                        <a:t>●</a:t>
+                      </a:r>
+                      <a:endParaRPr lang="zh-TW" altLang="en-US" sz="1200" b="0" dirty="0">
+                        <a:solidFill>
+                          <a:schemeClr val="tx1"/>
+                        </a:solidFill>
+                        <a:latin typeface="微軟正黑體" panose="020B0604030504040204" pitchFamily="34" charset="-120"/>
+                        <a:ea typeface="微軟正黑體" panose="020B0604030504040204" pitchFamily="34" charset="-120"/>
+                      </a:endParaRPr>
+                    </a:p>
+                  </a:txBody>
+                  <a:tcPr marL="9525" marR="9525" marT="9525" marB="0" anchor="ctr"/>
+                </a:tc>
+                <a:extLst>
+                  <a:ext uri="{0D108BD9-81ED-4DB2-BD59-A6C34878D82A}">
+                    <a16:rowId xmlns:a16="http://schemas.microsoft.com/office/drawing/2014/main" xmlns="" val="10001"/>
+                  </a:ext>
+                </a:extLst>
+              </a:tr>
+              <a:tr h="370154">
+                <a:tc>
+                  <a:txBody>
+                    <a:bodyPr/>
+                    <a:lstStyle/>
+                    <a:p>
+                      <a:pPr algn="ctr"/>
+                      <a:r>
+                        <a:rPr lang="zh-TW" altLang="en-US" sz="1200" dirty="0">
+                          <a:latin typeface="微軟正黑體" panose="020B0604030504040204" pitchFamily="34" charset="-120"/>
+                          <a:ea typeface="微軟正黑體" panose="020B0604030504040204" pitchFamily="34" charset="-120"/>
+                        </a:rPr>
+                        <a:t>新竹市政府</a:t>
+                      </a:r>
+                      <a:endParaRPr lang="zh-TW" altLang="en-US" sz="1200" b="1" dirty="0">
+                        <a:solidFill>
+                          <a:schemeClr val="bg1"/>
+                        </a:solidFill>
+                        <a:latin typeface="微軟正黑體" panose="020B0604030504040204" pitchFamily="34" charset="-120"/>
+                        <a:ea typeface="微軟正黑體" panose="020B0604030504040204" pitchFamily="34" charset="-120"/>
+                      </a:endParaRPr>
+                    </a:p>
+                  </a:txBody>
+                  <a:tcPr marL="9525" marR="9525" marT="9525" marB="0" anchor="ctr"/>
+                </a:tc>
+                <a:tc>
+                  <a:txBody>
+                    <a:bodyPr/>
+                    <a:lstStyle/>
+                    <a:p>
+                      <a:pPr algn="ctr"/>
+                      <a:r>
+                        <a:rPr lang="en-US" altLang="zh-TW" sz="1200" kern="0" dirty="0"/>
+                        <a:t>●</a:t>
+                      </a:r>
+                      <a:endParaRPr lang="zh-TW" altLang="en-US" sz="1200" dirty="0">
+                        <a:latin typeface="微軟正黑體" panose="020B0604030504040204" pitchFamily="34" charset="-120"/>
+                        <a:ea typeface="微軟正黑體" panose="020B0604030504040204" pitchFamily="34" charset="-120"/>
+                      </a:endParaRPr>
+                    </a:p>
+                  </a:txBody>
+                  <a:tcPr marL="9525" marR="9525" marT="9525" marB="0" anchor="ctr"/>
+                </a:tc>
+                <a:tc>
+                  <a:txBody>
+                    <a:bodyPr/>
+                    <a:lstStyle/>
+                    <a:p>
+                      <a:pPr algn="ctr"/>
+                      <a:r>
+                        <a:rPr lang="en-US" altLang="zh-TW" sz="1200" b="0" kern="0" dirty="0">
+                          <a:solidFill>
+                            <a:schemeClr val="tx1"/>
+                          </a:solidFill>
+                        </a:rPr>
+                        <a:t>●</a:t>
+                      </a:r>
+                      <a:endParaRPr lang="zh-TW" altLang="en-US" sz="1200" b="0" dirty="0">
+                        <a:solidFill>
+                          <a:schemeClr val="tx1"/>
+                        </a:solidFill>
+                        <a:latin typeface="微軟正黑體" panose="020B0604030504040204" pitchFamily="34" charset="-120"/>
+                        <a:ea typeface="微軟正黑體" panose="020B0604030504040204" pitchFamily="34" charset="-120"/>
+                      </a:endParaRPr>
+                    </a:p>
+                  </a:txBody>
+                  <a:tcPr marL="9525" marR="9525" marT="9525" marB="0" anchor="ctr"/>
+                </a:tc>
+                <a:tc>
+                  <a:txBody>
+                    <a:bodyPr/>
+                    <a:lstStyle/>
+                    <a:p>
+                      <a:pPr algn="ctr"/>
+                      <a:r>
+                        <a:rPr lang="en-US" altLang="zh-TW" sz="1200" b="0" kern="0" dirty="0">
+                          <a:solidFill>
+                            <a:schemeClr val="tx1"/>
+                          </a:solidFill>
+                        </a:rPr>
+                        <a:t>●</a:t>
+                      </a:r>
+                      <a:endParaRPr lang="zh-TW" altLang="en-US" sz="1200" b="0" dirty="0">
+                        <a:solidFill>
+                          <a:schemeClr val="tx1"/>
+                        </a:solidFill>
+                        <a:latin typeface="微軟正黑體" panose="020B0604030504040204" pitchFamily="34" charset="-120"/>
+                        <a:ea typeface="微軟正黑體" panose="020B0604030504040204" pitchFamily="34" charset="-120"/>
+                      </a:endParaRPr>
+                    </a:p>
+                  </a:txBody>
+                  <a:tcPr marL="9525" marR="9525" marT="9525" marB="0" anchor="ctr"/>
+                </a:tc>
+                <a:tc>
+                  <a:txBody>
+                    <a:bodyPr/>
+                    <a:lstStyle/>
+                    <a:p>
+                      <a:pPr algn="ctr"/>
+                      <a:r>
+                        <a:rPr lang="zh-TW" altLang="en-US" sz="1200" b="0" kern="0" dirty="0">
+                          <a:solidFill>
+                            <a:schemeClr val="tx1"/>
+                          </a:solidFill>
+                        </a:rPr>
+                        <a:t>○</a:t>
+                      </a:r>
+                      <a:endParaRPr lang="zh-TW" altLang="en-US" sz="1200" b="0" dirty="0">
+                        <a:solidFill>
+                          <a:schemeClr val="tx1"/>
+                        </a:solidFill>
+                        <a:latin typeface="微軟正黑體" panose="020B0604030504040204" pitchFamily="34" charset="-120"/>
+                        <a:ea typeface="微軟正黑體" panose="020B0604030504040204" pitchFamily="34" charset="-120"/>
+                      </a:endParaRPr>
+                    </a:p>
+                  </a:txBody>
+                  <a:tcPr marL="9525" marR="9525" marT="9525" marB="0" anchor="ctr"/>
+                </a:tc>
+                <a:tc>
+                  <a:txBody>
+                    <a:bodyPr/>
+                    <a:lstStyle/>
+                    <a:p>
+                      <a:pPr algn="ctr"/>
+                      <a:r>
+                        <a:rPr lang="zh-TW" altLang="en-US" sz="1200" b="0" kern="0">
+                          <a:solidFill>
+                            <a:schemeClr val="tx1"/>
+                          </a:solidFill>
+                        </a:rPr>
+                        <a:t>○</a:t>
+                      </a:r>
+                      <a:endParaRPr lang="zh-TW" altLang="en-US" sz="1200" b="0" dirty="0">
+                        <a:solidFill>
+                          <a:schemeClr val="tx1"/>
+                        </a:solidFill>
+                        <a:latin typeface="微軟正黑體" panose="020B0604030504040204" pitchFamily="34" charset="-120"/>
+                        <a:ea typeface="微軟正黑體" panose="020B0604030504040204" pitchFamily="34" charset="-120"/>
+                      </a:endParaRPr>
+                    </a:p>
+                  </a:txBody>
+                  <a:tcPr marL="9525" marR="9525" marT="9525" marB="0" anchor="ctr"/>
+                </a:tc>
+                <a:tc>
+                  <a:txBody>
+                    <a:bodyPr/>
+                    <a:lstStyle/>
+                    <a:p>
+                      <a:pPr algn="ctr"/>
+                      <a:r>
+                        <a:rPr lang="en-US" altLang="zh-TW" sz="1200" b="0" kern="0" dirty="0">
+                          <a:solidFill>
+                            <a:schemeClr val="tx1"/>
+                          </a:solidFill>
+                        </a:rPr>
+                        <a:t>●</a:t>
+                      </a:r>
+                      <a:endParaRPr lang="zh-TW" altLang="en-US" sz="1200" b="0" dirty="0">
+                        <a:solidFill>
+                          <a:schemeClr val="tx1"/>
+                        </a:solidFill>
+                        <a:latin typeface="微軟正黑體" panose="020B0604030504040204" pitchFamily="34" charset="-120"/>
+                        <a:ea typeface="微軟正黑體" panose="020B0604030504040204" pitchFamily="34" charset="-120"/>
+                      </a:endParaRPr>
                     </a:p>
                   </a:txBody>
                   <a:tcPr marL="9525" marR="9525" marT="9525" marB="0" anchor="ctr"/>
@@ -10992,128 +10755,6 @@
                         <a:defRPr/>
                       </a:pPr>
                       <a:r>
-                        <a:rPr lang="zh-TW" altLang="en-US" sz="1200" b="0" kern="0" dirty="0">
-                          <a:solidFill>
-                            <a:schemeClr val="tx1"/>
-                          </a:solidFill>
-                        </a:rPr>
-                        <a:t>△</a:t>
-                      </a:r>
-                      <a:endParaRPr lang="zh-TW" altLang="en-US" sz="1200" b="0" dirty="0">
-                        <a:solidFill>
-                          <a:schemeClr val="tx1"/>
-                        </a:solidFill>
-                      </a:endParaRPr>
-                    </a:p>
-                  </a:txBody>
-                  <a:tcPr marL="9525" marR="9525" marT="9525" marB="0" anchor="ctr"/>
-                </a:tc>
-                <a:tc>
-                  <a:txBody>
-                    <a:bodyPr/>
-                    <a:lstStyle/>
-                    <a:p>
-                      <a:pPr algn="ctr"/>
-                      <a:r>
-                        <a:rPr lang="zh-TW" altLang="en-US" sz="1200" b="0" kern="0">
-                          <a:solidFill>
-                            <a:schemeClr val="tx1"/>
-                          </a:solidFill>
-                        </a:rPr>
-                        <a:t>○</a:t>
-                      </a:r>
-                      <a:endParaRPr lang="zh-TW" altLang="en-US" sz="1200" b="0" dirty="0">
-                        <a:solidFill>
-                          <a:schemeClr val="tx1"/>
-                        </a:solidFill>
-                        <a:latin typeface="微軟正黑體" panose="020B0604030504040204" pitchFamily="34" charset="-120"/>
-                        <a:ea typeface="微軟正黑體" panose="020B0604030504040204" pitchFamily="34" charset="-120"/>
-                      </a:endParaRPr>
-                    </a:p>
-                  </a:txBody>
-                  <a:tcPr marL="9525" marR="9525" marT="9525" marB="0" anchor="ctr"/>
-                </a:tc>
-                <a:tc>
-                  <a:txBody>
-                    <a:bodyPr/>
-                    <a:lstStyle/>
-                    <a:p>
-                      <a:pPr algn="ctr"/>
-                      <a:r>
-                        <a:rPr lang="en-US" altLang="zh-TW" sz="1200" b="0" kern="0">
-                          <a:solidFill>
-                            <a:schemeClr val="tx1"/>
-                          </a:solidFill>
-                        </a:rPr>
-                        <a:t>●</a:t>
-                      </a:r>
-                      <a:endParaRPr lang="zh-TW" altLang="en-US" sz="1200" b="0" dirty="0">
-                        <a:solidFill>
-                          <a:schemeClr val="tx1"/>
-                        </a:solidFill>
-                        <a:latin typeface="微軟正黑體" panose="020B0604030504040204" pitchFamily="34" charset="-120"/>
-                        <a:ea typeface="微軟正黑體" panose="020B0604030504040204" pitchFamily="34" charset="-120"/>
-                      </a:endParaRPr>
-                    </a:p>
-                  </a:txBody>
-                  <a:tcPr marL="9525" marR="9525" marT="9525" marB="0" anchor="ctr"/>
-                </a:tc>
-                <a:extLst>
-                  <a:ext uri="{0D108BD9-81ED-4DB2-BD59-A6C34878D82A}">
-                    <a16:rowId xmlns="" xmlns:a16="http://schemas.microsoft.com/office/drawing/2014/main" val="10006"/>
-                  </a:ext>
-                </a:extLst>
-              </a:tr>
-              <a:tr h="370154">
-                <a:tc>
-                  <a:txBody>
-                    <a:bodyPr/>
-                    <a:lstStyle/>
-                    <a:p>
-                      <a:pPr algn="ctr"/>
-                      <a:r>
-                        <a:rPr lang="zh-TW" altLang="en-US" sz="1200" dirty="0">
-                          <a:latin typeface="微軟正黑體" panose="020B0604030504040204" pitchFamily="34" charset="-120"/>
-                          <a:ea typeface="微軟正黑體" panose="020B0604030504040204" pitchFamily="34" charset="-120"/>
-                        </a:rPr>
-                        <a:t>新竹縣政府</a:t>
-                      </a:r>
-                      <a:endParaRPr lang="zh-TW" altLang="en-US" sz="1200" b="1" dirty="0">
-                        <a:solidFill>
-                          <a:schemeClr val="bg1"/>
-                        </a:solidFill>
-                        <a:latin typeface="微軟正黑體" panose="020B0604030504040204" pitchFamily="34" charset="-120"/>
-                        <a:ea typeface="微軟正黑體" panose="020B0604030504040204" pitchFamily="34" charset="-120"/>
-                      </a:endParaRPr>
-                    </a:p>
-                  </a:txBody>
-                  <a:tcPr marL="9525" marR="9525" marT="9525" marB="0" anchor="ctr"/>
-                </a:tc>
-                <a:tc>
-                  <a:txBody>
-                    <a:bodyPr/>
-                    <a:lstStyle/>
-                    <a:p>
-                      <a:pPr algn="ctr"/>
-                      <a:r>
-                        <a:rPr lang="en-US" altLang="zh-TW" sz="1200" kern="0" dirty="0"/>
-                        <a:t>●</a:t>
-                      </a:r>
-                      <a:endParaRPr lang="zh-TW" altLang="en-US" sz="1200" dirty="0">
-                        <a:latin typeface="微軟正黑體" panose="020B0604030504040204" pitchFamily="34" charset="-120"/>
-                        <a:ea typeface="微軟正黑體" panose="020B0604030504040204" pitchFamily="34" charset="-120"/>
-                      </a:endParaRPr>
-                    </a:p>
-                  </a:txBody>
-                  <a:tcPr marL="9525" marR="9525" marT="9525" marB="0" anchor="ctr"/>
-                </a:tc>
-                <a:tc>
-                  <a:txBody>
-                    <a:bodyPr/>
-                    <a:lstStyle/>
-                    <a:p>
-                      <a:pPr algn="ctr"/>
-                      <a:r>
                         <a:rPr lang="en-US" altLang="zh-TW" sz="1200" b="0" kern="0" dirty="0">
                           <a:solidFill>
                             <a:schemeClr val="tx1"/>
@@ -11137,107 +10778,7 @@
                     <a:bodyPr/>
                     <a:lstStyle/>
                     <a:p>
-                      <a:pPr algn="ctr"/>
-                      <a:r>
-                        <a:rPr lang="en-US" altLang="zh-TW" sz="1200" b="0" kern="0" dirty="0">
-                          <a:solidFill>
-                            <a:schemeClr val="tx1"/>
-                          </a:solidFill>
-                        </a:rPr>
-                        <a:t>●</a:t>
-                      </a:r>
-                      <a:endParaRPr lang="zh-TW" altLang="en-US" sz="1200" b="0" dirty="0">
-                        <a:solidFill>
-                          <a:schemeClr val="tx1"/>
-                        </a:solidFill>
-                        <a:latin typeface="微軟正黑體" panose="020B0604030504040204" pitchFamily="34" charset="-120"/>
-                        <a:ea typeface="微軟正黑體" panose="020B0604030504040204" pitchFamily="34" charset="-120"/>
-                      </a:endParaRPr>
-                    </a:p>
-                  </a:txBody>
-                  <a:tcPr marL="9525" marR="9525" marT="9525" marB="0" anchor="ctr"/>
-                </a:tc>
-                <a:tc>
-                  <a:txBody>
-                    <a:bodyPr/>
-                    <a:lstStyle/>
-                    <a:p>
-                      <a:pPr algn="ctr"/>
-                      <a:r>
-                        <a:rPr lang="zh-TW" altLang="en-US" sz="1200" b="0" kern="0" dirty="0">
-                          <a:solidFill>
-                            <a:schemeClr val="tx1"/>
-                          </a:solidFill>
-                        </a:rPr>
-                        <a:t>○</a:t>
-                      </a:r>
-                      <a:endParaRPr lang="zh-TW" altLang="en-US" sz="1200" b="0" dirty="0">
-                        <a:solidFill>
-                          <a:schemeClr val="tx1"/>
-                        </a:solidFill>
-                        <a:latin typeface="微軟正黑體" panose="020B0604030504040204" pitchFamily="34" charset="-120"/>
-                        <a:ea typeface="微軟正黑體" panose="020B0604030504040204" pitchFamily="34" charset="-120"/>
-                      </a:endParaRPr>
-                    </a:p>
-                  </a:txBody>
-                  <a:tcPr marL="9525" marR="9525" marT="9525" marB="0" anchor="ctr"/>
-                </a:tc>
-                <a:tc>
-                  <a:txBody>
-                    <a:bodyPr/>
-                    <a:lstStyle/>
-                    <a:p>
-                      <a:pPr algn="ctr"/>
-                      <a:r>
-                        <a:rPr lang="zh-TW" altLang="en-US" sz="1200" b="0" kern="0">
-                          <a:solidFill>
-                            <a:schemeClr val="tx1"/>
-                          </a:solidFill>
-                        </a:rPr>
-                        <a:t>○</a:t>
-                      </a:r>
-                      <a:endParaRPr lang="zh-TW" altLang="en-US" sz="1200" b="0" dirty="0">
-                        <a:solidFill>
-                          <a:schemeClr val="tx1"/>
-                        </a:solidFill>
-                        <a:latin typeface="微軟正黑體" panose="020B0604030504040204" pitchFamily="34" charset="-120"/>
-                        <a:ea typeface="微軟正黑體" panose="020B0604030504040204" pitchFamily="34" charset="-120"/>
-                      </a:endParaRPr>
-                    </a:p>
-                  </a:txBody>
-                  <a:tcPr marL="9525" marR="9525" marT="9525" marB="0" anchor="ctr"/>
-                </a:tc>
-                <a:tc>
-                  <a:txBody>
-                    <a:bodyPr/>
-                    <a:lstStyle/>
-                    <a:p>
-                      <a:pPr algn="ctr"/>
-                      <a:r>
-                        <a:rPr lang="en-US" altLang="zh-TW" sz="1200" b="0" kern="0" dirty="0">
-                          <a:solidFill>
-                            <a:schemeClr val="tx1"/>
-                          </a:solidFill>
-                        </a:rPr>
-                        <a:t>●</a:t>
-                      </a:r>
-                      <a:endParaRPr lang="zh-TW" altLang="en-US" sz="1200" b="0" dirty="0">
-                        <a:solidFill>
-                          <a:schemeClr val="tx1"/>
-                        </a:solidFill>
-                        <a:latin typeface="微軟正黑體" panose="020B0604030504040204" pitchFamily="34" charset="-120"/>
-                        <a:ea typeface="微軟正黑體" panose="020B0604030504040204" pitchFamily="34" charset="-120"/>
-                      </a:endParaRPr>
-                    </a:p>
-                  </a:txBody>
-                  <a:tcPr marL="9525" marR="9525" marT="9525" marB="0" anchor="ctr"/>
-                </a:tc>
-                <a:tc>
-                  <a:txBody>
-                    <a:bodyPr/>
-                    <a:lstStyle/>
-                    <a:p>
-                      <a:pPr marL="0" marR="0" indent="0" algn="ctr" defTabSz="914400" rtl="0" eaLnBrk="1" fontAlgn="auto" latinLnBrk="0" hangingPunct="1">
+                      <a:pPr marL="0" marR="0" lvl="0" indent="0" algn="ctr" defTabSz="914400" rtl="0" eaLnBrk="1" fontAlgn="auto" latinLnBrk="0" hangingPunct="1">
                         <a:lnSpc>
                           <a:spcPct val="100000"/>
                         </a:lnSpc>
@@ -11255,6 +10796,31 @@
                         <a:defRPr/>
                       </a:pPr>
                       <a:r>
+                        <a:rPr lang="en-US" altLang="zh-TW" sz="1200" b="0" kern="0">
+                          <a:solidFill>
+                            <a:srgbClr val="C00000"/>
+                          </a:solidFill>
+                        </a:rPr>
+                        <a:t>●</a:t>
+                      </a:r>
+                      <a:endParaRPr lang="zh-TW" altLang="en-US" sz="1200" b="0" dirty="0">
+                        <a:solidFill>
+                          <a:srgbClr val="C00000"/>
+                        </a:solidFill>
+                        <a:latin typeface="微軟正黑體" panose="020B0604030504040204" pitchFamily="34" charset="-120"/>
+                        <a:ea typeface="微軟正黑體" panose="020B0604030504040204" pitchFamily="34" charset="-120"/>
+                      </a:endParaRPr>
+                    </a:p>
+                  </a:txBody>
+                  <a:tcPr marL="9525" marR="9525" marT="9525" marB="0" anchor="ctr"/>
+                </a:tc>
+                <a:tc>
+                  <a:txBody>
+                    <a:bodyPr/>
+                    <a:lstStyle/>
+                    <a:p>
+                      <a:pPr algn="ctr"/>
+                      <a:r>
                         <a:rPr lang="en-US" altLang="zh-TW" sz="1200" b="0" kern="0" dirty="0">
                           <a:solidFill>
                             <a:schemeClr val="tx1"/>
@@ -11278,7 +10844,157 @@
                     <a:bodyPr/>
                     <a:lstStyle/>
                     <a:p>
-                      <a:pPr marL="0" marR="0" lvl="0" indent="0" algn="ctr" defTabSz="914400" rtl="0" eaLnBrk="1" fontAlgn="auto" latinLnBrk="0" hangingPunct="1">
+                      <a:pPr algn="ctr"/>
+                      <a:r>
+                        <a:rPr lang="zh-TW" altLang="en-US" sz="1200" b="0" kern="0" dirty="0">
+                          <a:solidFill>
+                            <a:schemeClr val="tx1"/>
+                          </a:solidFill>
+                        </a:rPr>
+                        <a:t>○</a:t>
+                      </a:r>
+                      <a:endParaRPr lang="zh-TW" altLang="en-US" sz="1200" b="0" dirty="0">
+                        <a:solidFill>
+                          <a:schemeClr val="tx1"/>
+                        </a:solidFill>
+                        <a:latin typeface="微軟正黑體" panose="020B0604030504040204" pitchFamily="34" charset="-120"/>
+                        <a:ea typeface="微軟正黑體" panose="020B0604030504040204" pitchFamily="34" charset="-120"/>
+                      </a:endParaRPr>
+                    </a:p>
+                  </a:txBody>
+                  <a:tcPr marL="9525" marR="9525" marT="9525" marB="0" anchor="ctr"/>
+                </a:tc>
+                <a:tc>
+                  <a:txBody>
+                    <a:bodyPr/>
+                    <a:lstStyle/>
+                    <a:p>
+                      <a:pPr algn="ctr"/>
+                      <a:r>
+                        <a:rPr lang="en-US" altLang="zh-TW" sz="1200" b="0" kern="0" dirty="0">
+                          <a:solidFill>
+                            <a:schemeClr val="tx1"/>
+                          </a:solidFill>
+                        </a:rPr>
+                        <a:t>●</a:t>
+                      </a:r>
+                      <a:endParaRPr lang="zh-TW" altLang="en-US" sz="1200" b="0" dirty="0">
+                        <a:solidFill>
+                          <a:schemeClr val="tx1"/>
+                        </a:solidFill>
+                        <a:latin typeface="微軟正黑體" panose="020B0604030504040204" pitchFamily="34" charset="-120"/>
+                        <a:ea typeface="微軟正黑體" panose="020B0604030504040204" pitchFamily="34" charset="-120"/>
+                      </a:endParaRPr>
+                    </a:p>
+                  </a:txBody>
+                  <a:tcPr marL="9525" marR="9525" marT="9525" marB="0" anchor="ctr"/>
+                </a:tc>
+                <a:tc>
+                  <a:txBody>
+                    <a:bodyPr/>
+                    <a:lstStyle/>
+                    <a:p>
+                      <a:pPr algn="ctr"/>
+                      <a:r>
+                        <a:rPr lang="en-US" altLang="zh-TW" sz="1200" b="0" kern="0" dirty="0">
+                          <a:solidFill>
+                            <a:schemeClr val="tx1"/>
+                          </a:solidFill>
+                        </a:rPr>
+                        <a:t>●</a:t>
+                      </a:r>
+                      <a:endParaRPr lang="zh-TW" altLang="en-US" sz="1200" b="0" dirty="0">
+                        <a:solidFill>
+                          <a:schemeClr val="tx1"/>
+                        </a:solidFill>
+                        <a:latin typeface="微軟正黑體" panose="020B0604030504040204" pitchFamily="34" charset="-120"/>
+                        <a:ea typeface="微軟正黑體" panose="020B0604030504040204" pitchFamily="34" charset="-120"/>
+                      </a:endParaRPr>
+                    </a:p>
+                  </a:txBody>
+                  <a:tcPr marL="9525" marR="9525" marT="9525" marB="0" anchor="ctr"/>
+                </a:tc>
+                <a:tc>
+                  <a:txBody>
+                    <a:bodyPr/>
+                    <a:lstStyle/>
+                    <a:p>
+                      <a:pPr algn="ctr"/>
+                      <a:r>
+                        <a:rPr lang="zh-TW" altLang="en-US" sz="1200" b="0" kern="0" dirty="0">
+                          <a:solidFill>
+                            <a:schemeClr val="tx1"/>
+                          </a:solidFill>
+                        </a:rPr>
+                        <a:t>◎</a:t>
+                      </a:r>
+                      <a:endParaRPr lang="zh-TW" altLang="en-US" sz="1200" b="0" dirty="0">
+                        <a:solidFill>
+                          <a:schemeClr val="tx1"/>
+                        </a:solidFill>
+                        <a:latin typeface="微軟正黑體" panose="020B0604030504040204" pitchFamily="34" charset="-120"/>
+                        <a:ea typeface="微軟正黑體" panose="020B0604030504040204" pitchFamily="34" charset="-120"/>
+                      </a:endParaRPr>
+                    </a:p>
+                  </a:txBody>
+                  <a:tcPr marL="9525" marR="9525" marT="9525" marB="0" anchor="ctr"/>
+                </a:tc>
+                <a:tc>
+                  <a:txBody>
+                    <a:bodyPr/>
+                    <a:lstStyle/>
+                    <a:p>
+                      <a:pPr algn="ctr"/>
+                      <a:r>
+                        <a:rPr lang="en-US" altLang="zh-TW" sz="1200" b="0" kern="0" dirty="0">
+                          <a:solidFill>
+                            <a:schemeClr val="tx1"/>
+                          </a:solidFill>
+                        </a:rPr>
+                        <a:t>●</a:t>
+                      </a:r>
+                      <a:endParaRPr lang="zh-TW" altLang="en-US" sz="1200" b="0" dirty="0">
+                        <a:solidFill>
+                          <a:schemeClr val="tx1"/>
+                        </a:solidFill>
+                        <a:latin typeface="微軟正黑體" panose="020B0604030504040204" pitchFamily="34" charset="-120"/>
+                        <a:ea typeface="微軟正黑體" panose="020B0604030504040204" pitchFamily="34" charset="-120"/>
+                      </a:endParaRPr>
+                    </a:p>
+                  </a:txBody>
+                  <a:tcPr marL="9525" marR="9525" marT="9525" marB="0" anchor="ctr"/>
+                </a:tc>
+                <a:tc>
+                  <a:txBody>
+                    <a:bodyPr/>
+                    <a:lstStyle/>
+                    <a:p>
+                      <a:pPr algn="ctr"/>
+                      <a:r>
+                        <a:rPr lang="en-US" altLang="zh-TW" sz="1200" b="0" kern="0" dirty="0">
+                          <a:solidFill>
+                            <a:schemeClr val="tx1"/>
+                          </a:solidFill>
+                        </a:rPr>
+                        <a:t>●</a:t>
+                      </a:r>
+                      <a:endParaRPr lang="zh-TW" altLang="en-US" sz="1200" b="0" dirty="0">
+                        <a:solidFill>
+                          <a:schemeClr val="tx1"/>
+                        </a:solidFill>
+                        <a:latin typeface="微軟正黑體" panose="020B0604030504040204" pitchFamily="34" charset="-120"/>
+                        <a:ea typeface="微軟正黑體" panose="020B0604030504040204" pitchFamily="34" charset="-120"/>
+                      </a:endParaRPr>
+                    </a:p>
+                  </a:txBody>
+                  <a:tcPr marL="9525" marR="9525" marT="9525" marB="0" anchor="ctr"/>
+                </a:tc>
+                <a:tc>
+                  <a:txBody>
+                    <a:bodyPr/>
+                    <a:lstStyle/>
+                    <a:p>
+                      <a:pPr marL="0" marR="0" indent="0" algn="ctr" defTabSz="914400" rtl="0" eaLnBrk="1" fontAlgn="auto" latinLnBrk="0" hangingPunct="1">
                         <a:lnSpc>
                           <a:spcPct val="100000"/>
                         </a:lnSpc>
@@ -11296,205 +11012,23 @@
                         <a:defRPr/>
                       </a:pPr>
                       <a:r>
-                        <a:rPr lang="en-US" altLang="zh-TW" sz="1200" b="0" kern="0">
-                          <a:solidFill>
-                            <a:srgbClr val="C00000"/>
-                          </a:solidFill>
-                        </a:rPr>
-                        <a:t>●</a:t>
-                      </a:r>
-                      <a:endParaRPr lang="zh-TW" altLang="en-US" sz="1200" b="0" dirty="0">
-                        <a:solidFill>
-                          <a:srgbClr val="C00000"/>
-                        </a:solidFill>
-                        <a:latin typeface="微軟正黑體" panose="020B0604030504040204" pitchFamily="34" charset="-120"/>
-                        <a:ea typeface="微軟正黑體" panose="020B0604030504040204" pitchFamily="34" charset="-120"/>
-                      </a:endParaRPr>
-                    </a:p>
-                  </a:txBody>
-                  <a:tcPr marL="9525" marR="9525" marT="9525" marB="0" anchor="ctr"/>
-                </a:tc>
-                <a:tc>
-                  <a:txBody>
-                    <a:bodyPr/>
-                    <a:lstStyle/>
-                    <a:p>
-                      <a:pPr algn="ctr"/>
-                      <a:r>
-                        <a:rPr lang="en-US" altLang="zh-TW" sz="1200" b="0" kern="0" dirty="0">
-                          <a:solidFill>
-                            <a:schemeClr val="tx1"/>
-                          </a:solidFill>
-                        </a:rPr>
-                        <a:t>●</a:t>
-                      </a:r>
-                      <a:endParaRPr lang="zh-TW" altLang="en-US" sz="1200" b="0" dirty="0">
-                        <a:solidFill>
-                          <a:schemeClr val="tx1"/>
-                        </a:solidFill>
-                        <a:latin typeface="微軟正黑體" panose="020B0604030504040204" pitchFamily="34" charset="-120"/>
-                        <a:ea typeface="微軟正黑體" panose="020B0604030504040204" pitchFamily="34" charset="-120"/>
-                      </a:endParaRPr>
-                    </a:p>
-                  </a:txBody>
-                  <a:tcPr marL="9525" marR="9525" marT="9525" marB="0" anchor="ctr"/>
-                </a:tc>
-                <a:tc>
-                  <a:txBody>
-                    <a:bodyPr/>
-                    <a:lstStyle/>
-                    <a:p>
-                      <a:pPr algn="ctr"/>
-                      <a:r>
-                        <a:rPr lang="zh-TW" altLang="en-US" sz="1200" b="0" kern="0" dirty="0">
-                          <a:solidFill>
-                            <a:schemeClr val="tx1"/>
-                          </a:solidFill>
-                        </a:rPr>
-                        <a:t>○</a:t>
-                      </a:r>
-                      <a:endParaRPr lang="zh-TW" altLang="en-US" sz="1200" b="0" dirty="0">
-                        <a:solidFill>
-                          <a:schemeClr val="tx1"/>
-                        </a:solidFill>
-                        <a:latin typeface="微軟正黑體" panose="020B0604030504040204" pitchFamily="34" charset="-120"/>
-                        <a:ea typeface="微軟正黑體" panose="020B0604030504040204" pitchFamily="34" charset="-120"/>
-                      </a:endParaRPr>
-                    </a:p>
-                  </a:txBody>
-                  <a:tcPr marL="9525" marR="9525" marT="9525" marB="0" anchor="ctr"/>
-                </a:tc>
-                <a:tc>
-                  <a:txBody>
-                    <a:bodyPr/>
-                    <a:lstStyle/>
-                    <a:p>
-                      <a:pPr algn="ctr"/>
-                      <a:r>
-                        <a:rPr lang="en-US" altLang="zh-TW" sz="1200" b="0" kern="0" dirty="0">
-                          <a:solidFill>
-                            <a:schemeClr val="tx1"/>
-                          </a:solidFill>
-                        </a:rPr>
-                        <a:t>●</a:t>
-                      </a:r>
-                      <a:endParaRPr lang="zh-TW" altLang="en-US" sz="1200" b="0" dirty="0">
-                        <a:solidFill>
-                          <a:schemeClr val="tx1"/>
-                        </a:solidFill>
-                        <a:latin typeface="微軟正黑體" panose="020B0604030504040204" pitchFamily="34" charset="-120"/>
-                        <a:ea typeface="微軟正黑體" panose="020B0604030504040204" pitchFamily="34" charset="-120"/>
-                      </a:endParaRPr>
-                    </a:p>
-                  </a:txBody>
-                  <a:tcPr marL="9525" marR="9525" marT="9525" marB="0" anchor="ctr"/>
-                </a:tc>
-                <a:tc>
-                  <a:txBody>
-                    <a:bodyPr/>
-                    <a:lstStyle/>
-                    <a:p>
-                      <a:pPr algn="ctr"/>
-                      <a:r>
-                        <a:rPr lang="en-US" altLang="zh-TW" sz="1200" b="0" kern="0" dirty="0">
-                          <a:solidFill>
-                            <a:schemeClr val="tx1"/>
-                          </a:solidFill>
-                        </a:rPr>
-                        <a:t>●</a:t>
-                      </a:r>
-                      <a:endParaRPr lang="zh-TW" altLang="en-US" sz="1200" b="0" dirty="0">
-                        <a:solidFill>
-                          <a:schemeClr val="tx1"/>
-                        </a:solidFill>
-                        <a:latin typeface="微軟正黑體" panose="020B0604030504040204" pitchFamily="34" charset="-120"/>
-                        <a:ea typeface="微軟正黑體" panose="020B0604030504040204" pitchFamily="34" charset="-120"/>
-                      </a:endParaRPr>
-                    </a:p>
-                  </a:txBody>
-                  <a:tcPr marL="9525" marR="9525" marT="9525" marB="0" anchor="ctr"/>
-                </a:tc>
-                <a:tc>
-                  <a:txBody>
-                    <a:bodyPr/>
-                    <a:lstStyle/>
-                    <a:p>
-                      <a:pPr algn="ctr"/>
-                      <a:r>
-                        <a:rPr lang="zh-TW" altLang="en-US" sz="1200" b="0" kern="0" dirty="0">
-                          <a:solidFill>
-                            <a:schemeClr val="tx1"/>
-                          </a:solidFill>
-                        </a:rPr>
-                        <a:t>◎</a:t>
-                      </a:r>
-                      <a:endParaRPr lang="zh-TW" altLang="en-US" sz="1200" b="0" dirty="0">
-                        <a:solidFill>
-                          <a:schemeClr val="tx1"/>
-                        </a:solidFill>
-                        <a:latin typeface="微軟正黑體" panose="020B0604030504040204" pitchFamily="34" charset="-120"/>
-                        <a:ea typeface="微軟正黑體" panose="020B0604030504040204" pitchFamily="34" charset="-120"/>
-                      </a:endParaRPr>
-                    </a:p>
-                  </a:txBody>
-                  <a:tcPr marL="9525" marR="9525" marT="9525" marB="0" anchor="ctr"/>
-                </a:tc>
-                <a:tc>
-                  <a:txBody>
-                    <a:bodyPr/>
-                    <a:lstStyle/>
-                    <a:p>
-                      <a:pPr algn="ctr"/>
-                      <a:r>
-                        <a:rPr lang="en-US" altLang="zh-TW" sz="1200" b="0" kern="0" dirty="0">
-                          <a:solidFill>
-                            <a:schemeClr val="tx1"/>
-                          </a:solidFill>
-                        </a:rPr>
-                        <a:t>●</a:t>
-                      </a:r>
-                      <a:endParaRPr lang="zh-TW" altLang="en-US" sz="1200" b="0" dirty="0">
-                        <a:solidFill>
-                          <a:schemeClr val="tx1"/>
-                        </a:solidFill>
-                        <a:latin typeface="微軟正黑體" panose="020B0604030504040204" pitchFamily="34" charset="-120"/>
-                        <a:ea typeface="微軟正黑體" panose="020B0604030504040204" pitchFamily="34" charset="-120"/>
-                      </a:endParaRPr>
-                    </a:p>
-                  </a:txBody>
-                  <a:tcPr marL="9525" marR="9525" marT="9525" marB="0" anchor="ctr"/>
-                </a:tc>
-                <a:tc>
-                  <a:txBody>
-                    <a:bodyPr/>
-                    <a:lstStyle/>
-                    <a:p>
-                      <a:pPr algn="ctr"/>
-                      <a:r>
-                        <a:rPr lang="en-US" altLang="zh-TW" sz="1200" b="0" kern="0" dirty="0">
-                          <a:solidFill>
-                            <a:schemeClr val="tx1"/>
-                          </a:solidFill>
-                        </a:rPr>
-                        <a:t>●</a:t>
-                      </a:r>
-                      <a:endParaRPr lang="zh-TW" altLang="en-US" sz="1200" b="0" dirty="0">
-                        <a:solidFill>
-                          <a:schemeClr val="tx1"/>
-                        </a:solidFill>
-                        <a:latin typeface="微軟正黑體" panose="020B0604030504040204" pitchFamily="34" charset="-120"/>
-                        <a:ea typeface="微軟正黑體" panose="020B0604030504040204" pitchFamily="34" charset="-120"/>
-                      </a:endParaRPr>
-                    </a:p>
-                  </a:txBody>
-                  <a:tcPr marL="9525" marR="9525" marT="9525" marB="0" anchor="ctr"/>
-                </a:tc>
-                <a:tc>
-                  <a:txBody>
-                    <a:bodyPr/>
-                    <a:lstStyle/>
-                    <a:p>
-                      <a:pPr marL="0" marR="0" lvl="0" indent="0" algn="ctr" defTabSz="914400" rtl="0" eaLnBrk="1" fontAlgn="auto" latinLnBrk="0" hangingPunct="1">
+                        <a:rPr lang="zh-TW" altLang="en-US" sz="1200" b="0" dirty="0">
+                          <a:solidFill>
+                            <a:schemeClr val="tx1"/>
+                          </a:solidFill>
+                        </a:rPr>
+                        <a:t>─</a:t>
+                      </a:r>
+                    </a:p>
+                  </a:txBody>
+                  <a:tcPr marL="9525" marR="9525" marT="9525" marB="0" anchor="ctr"/>
+                </a:tc>
+                <a:tc>
+                  <a:txBody>
+                    <a:bodyPr/>
+                    <a:lstStyle/>
+                    <a:p>
+                      <a:pPr marL="0" marR="0" indent="0" algn="ctr" defTabSz="914400" rtl="0" eaLnBrk="1" fontAlgn="auto" latinLnBrk="0" hangingPunct="1">
                         <a:lnSpc>
                           <a:spcPct val="100000"/>
                         </a:lnSpc>
@@ -11512,23 +11046,252 @@
                         <a:defRPr/>
                       </a:pPr>
                       <a:r>
-                        <a:rPr lang="zh-TW" altLang="en-US" sz="1200" b="0" dirty="0">
-                          <a:solidFill>
-                            <a:schemeClr val="tx1"/>
-                          </a:solidFill>
-                        </a:rPr>
-                        <a:t>─</a:t>
-                      </a:r>
-                    </a:p>
-                  </a:txBody>
-                  <a:tcPr marL="9525" marR="9525" marT="9525" marB="0" anchor="ctr"/>
-                </a:tc>
-                <a:tc>
-                  <a:txBody>
-                    <a:bodyPr/>
-                    <a:lstStyle/>
-                    <a:p>
-                      <a:pPr marL="0" marR="0" lvl="0" indent="0" algn="ctr" defTabSz="914400" rtl="0" eaLnBrk="1" fontAlgn="auto" latinLnBrk="0" hangingPunct="1">
+                        <a:rPr lang="zh-TW" altLang="en-US" sz="1200" b="0" kern="0" dirty="0">
+                          <a:solidFill>
+                            <a:schemeClr val="tx1"/>
+                          </a:solidFill>
+                        </a:rPr>
+                        <a:t>△</a:t>
+                      </a:r>
+                      <a:endParaRPr lang="zh-TW" altLang="en-US" sz="1200" b="0" dirty="0">
+                        <a:solidFill>
+                          <a:schemeClr val="tx1"/>
+                        </a:solidFill>
+                      </a:endParaRPr>
+                    </a:p>
+                  </a:txBody>
+                  <a:tcPr marL="9525" marR="9525" marT="9525" marB="0" anchor="ctr"/>
+                </a:tc>
+                <a:tc>
+                  <a:txBody>
+                    <a:bodyPr/>
+                    <a:lstStyle/>
+                    <a:p>
+                      <a:pPr algn="ctr"/>
+                      <a:r>
+                        <a:rPr lang="zh-TW" altLang="en-US" sz="1200" b="0" kern="0">
+                          <a:solidFill>
+                            <a:schemeClr val="tx1"/>
+                          </a:solidFill>
+                        </a:rPr>
+                        <a:t>○</a:t>
+                      </a:r>
+                      <a:endParaRPr lang="zh-TW" altLang="en-US" sz="1200" b="0" dirty="0">
+                        <a:solidFill>
+                          <a:schemeClr val="tx1"/>
+                        </a:solidFill>
+                        <a:latin typeface="微軟正黑體" panose="020B0604030504040204" pitchFamily="34" charset="-120"/>
+                        <a:ea typeface="微軟正黑體" panose="020B0604030504040204" pitchFamily="34" charset="-120"/>
+                      </a:endParaRPr>
+                    </a:p>
+                  </a:txBody>
+                  <a:tcPr marL="9525" marR="9525" marT="9525" marB="0" anchor="ctr"/>
+                </a:tc>
+                <a:tc>
+                  <a:txBody>
+                    <a:bodyPr/>
+                    <a:lstStyle/>
+                    <a:p>
+                      <a:pPr algn="ctr"/>
+                      <a:r>
+                        <a:rPr lang="en-US" altLang="zh-TW" sz="1200" b="0" kern="0">
+                          <a:solidFill>
+                            <a:schemeClr val="tx1"/>
+                          </a:solidFill>
+                        </a:rPr>
+                        <a:t>●</a:t>
+                      </a:r>
+                      <a:endParaRPr lang="zh-TW" altLang="en-US" sz="1200" b="0" dirty="0">
+                        <a:solidFill>
+                          <a:schemeClr val="tx1"/>
+                        </a:solidFill>
+                        <a:latin typeface="微軟正黑體" panose="020B0604030504040204" pitchFamily="34" charset="-120"/>
+                        <a:ea typeface="微軟正黑體" panose="020B0604030504040204" pitchFamily="34" charset="-120"/>
+                      </a:endParaRPr>
+                    </a:p>
+                  </a:txBody>
+                  <a:tcPr marL="9525" marR="9525" marT="9525" marB="0" anchor="ctr"/>
+                </a:tc>
+                <a:extLst>
+                  <a:ext uri="{0D108BD9-81ED-4DB2-BD59-A6C34878D82A}">
+                    <a16:rowId xmlns:a16="http://schemas.microsoft.com/office/drawing/2014/main" xmlns="" val="10006"/>
+                  </a:ext>
+                </a:extLst>
+              </a:tr>
+              <a:tr h="370154">
+                <a:tc>
+                  <a:txBody>
+                    <a:bodyPr/>
+                    <a:lstStyle/>
+                    <a:p>
+                      <a:pPr algn="ctr"/>
+                      <a:r>
+                        <a:rPr lang="zh-TW" altLang="en-US" sz="1200" dirty="0">
+                          <a:latin typeface="微軟正黑體" panose="020B0604030504040204" pitchFamily="34" charset="-120"/>
+                          <a:ea typeface="微軟正黑體" panose="020B0604030504040204" pitchFamily="34" charset="-120"/>
+                        </a:rPr>
+                        <a:t>新竹縣政府</a:t>
+                      </a:r>
+                      <a:endParaRPr lang="zh-TW" altLang="en-US" sz="1200" b="1" dirty="0">
+                        <a:solidFill>
+                          <a:schemeClr val="bg1"/>
+                        </a:solidFill>
+                        <a:latin typeface="微軟正黑體" panose="020B0604030504040204" pitchFamily="34" charset="-120"/>
+                        <a:ea typeface="微軟正黑體" panose="020B0604030504040204" pitchFamily="34" charset="-120"/>
+                      </a:endParaRPr>
+                    </a:p>
+                  </a:txBody>
+                  <a:tcPr marL="9525" marR="9525" marT="9525" marB="0" anchor="ctr"/>
+                </a:tc>
+                <a:tc>
+                  <a:txBody>
+                    <a:bodyPr/>
+                    <a:lstStyle/>
+                    <a:p>
+                      <a:pPr algn="ctr"/>
+                      <a:r>
+                        <a:rPr lang="en-US" altLang="zh-TW" sz="1200" kern="0" dirty="0"/>
+                        <a:t>●</a:t>
+                      </a:r>
+                      <a:endParaRPr lang="zh-TW" altLang="en-US" sz="1200" dirty="0">
+                        <a:latin typeface="微軟正黑體" panose="020B0604030504040204" pitchFamily="34" charset="-120"/>
+                        <a:ea typeface="微軟正黑體" panose="020B0604030504040204" pitchFamily="34" charset="-120"/>
+                      </a:endParaRPr>
+                    </a:p>
+                  </a:txBody>
+                  <a:tcPr marL="9525" marR="9525" marT="9525" marB="0" anchor="ctr"/>
+                </a:tc>
+                <a:tc>
+                  <a:txBody>
+                    <a:bodyPr/>
+                    <a:lstStyle/>
+                    <a:p>
+                      <a:pPr algn="ctr"/>
+                      <a:r>
+                        <a:rPr lang="en-US" altLang="zh-TW" sz="1200" b="0" kern="0" dirty="0">
+                          <a:solidFill>
+                            <a:schemeClr val="tx1"/>
+                          </a:solidFill>
+                        </a:rPr>
+                        <a:t>●</a:t>
+                      </a:r>
+                      <a:endParaRPr lang="zh-TW" altLang="en-US" sz="1200" b="0" dirty="0">
+                        <a:solidFill>
+                          <a:schemeClr val="tx1"/>
+                        </a:solidFill>
+                        <a:latin typeface="微軟正黑體" panose="020B0604030504040204" pitchFamily="34" charset="-120"/>
+                        <a:ea typeface="微軟正黑體" panose="020B0604030504040204" pitchFamily="34" charset="-120"/>
+                      </a:endParaRPr>
+                    </a:p>
+                  </a:txBody>
+                  <a:tcPr marL="9525" marR="9525" marT="9525" marB="0" anchor="ctr"/>
+                </a:tc>
+                <a:tc>
+                  <a:txBody>
+                    <a:bodyPr/>
+                    <a:lstStyle/>
+                    <a:p>
+                      <a:pPr algn="ctr"/>
+                      <a:r>
+                        <a:rPr lang="en-US" altLang="zh-TW" sz="1200" b="0" kern="0" dirty="0">
+                          <a:solidFill>
+                            <a:schemeClr val="tx1"/>
+                          </a:solidFill>
+                        </a:rPr>
+                        <a:t>●</a:t>
+                      </a:r>
+                      <a:endParaRPr lang="zh-TW" altLang="en-US" sz="1200" b="0" dirty="0">
+                        <a:solidFill>
+                          <a:schemeClr val="tx1"/>
+                        </a:solidFill>
+                        <a:latin typeface="微軟正黑體" panose="020B0604030504040204" pitchFamily="34" charset="-120"/>
+                        <a:ea typeface="微軟正黑體" panose="020B0604030504040204" pitchFamily="34" charset="-120"/>
+                      </a:endParaRPr>
+                    </a:p>
+                  </a:txBody>
+                  <a:tcPr marL="9525" marR="9525" marT="9525" marB="0" anchor="ctr"/>
+                </a:tc>
+                <a:tc>
+                  <a:txBody>
+                    <a:bodyPr/>
+                    <a:lstStyle/>
+                    <a:p>
+                      <a:pPr algn="ctr"/>
+                      <a:r>
+                        <a:rPr lang="zh-TW" altLang="en-US" sz="1200" b="0" kern="0" dirty="0">
+                          <a:solidFill>
+                            <a:schemeClr val="tx1"/>
+                          </a:solidFill>
+                        </a:rPr>
+                        <a:t>○</a:t>
+                      </a:r>
+                      <a:endParaRPr lang="zh-TW" altLang="en-US" sz="1200" b="0" dirty="0">
+                        <a:solidFill>
+                          <a:schemeClr val="tx1"/>
+                        </a:solidFill>
+                        <a:latin typeface="微軟正黑體" panose="020B0604030504040204" pitchFamily="34" charset="-120"/>
+                        <a:ea typeface="微軟正黑體" panose="020B0604030504040204" pitchFamily="34" charset="-120"/>
+                      </a:endParaRPr>
+                    </a:p>
+                  </a:txBody>
+                  <a:tcPr marL="9525" marR="9525" marT="9525" marB="0" anchor="ctr"/>
+                </a:tc>
+                <a:tc>
+                  <a:txBody>
+                    <a:bodyPr/>
+                    <a:lstStyle/>
+                    <a:p>
+                      <a:pPr algn="ctr"/>
+                      <a:r>
+                        <a:rPr lang="zh-TW" altLang="en-US" sz="1200" b="0" kern="0">
+                          <a:solidFill>
+                            <a:schemeClr val="tx1"/>
+                          </a:solidFill>
+                        </a:rPr>
+                        <a:t>○</a:t>
+                      </a:r>
+                      <a:endParaRPr lang="zh-TW" altLang="en-US" sz="1200" b="0" dirty="0">
+                        <a:solidFill>
+                          <a:schemeClr val="tx1"/>
+                        </a:solidFill>
+                        <a:latin typeface="微軟正黑體" panose="020B0604030504040204" pitchFamily="34" charset="-120"/>
+                        <a:ea typeface="微軟正黑體" panose="020B0604030504040204" pitchFamily="34" charset="-120"/>
+                      </a:endParaRPr>
+                    </a:p>
+                  </a:txBody>
+                  <a:tcPr marL="9525" marR="9525" marT="9525" marB="0" anchor="ctr"/>
+                </a:tc>
+                <a:tc>
+                  <a:txBody>
+                    <a:bodyPr/>
+                    <a:lstStyle/>
+                    <a:p>
+                      <a:pPr algn="ctr"/>
+                      <a:r>
+                        <a:rPr lang="en-US" altLang="zh-TW" sz="1200" b="0" kern="0" dirty="0">
+                          <a:solidFill>
+                            <a:schemeClr val="tx1"/>
+                          </a:solidFill>
+                        </a:rPr>
+                        <a:t>●</a:t>
+                      </a:r>
+                      <a:endParaRPr lang="zh-TW" altLang="en-US" sz="1200" b="0" dirty="0">
+                        <a:solidFill>
+                          <a:schemeClr val="tx1"/>
+                        </a:solidFill>
+                        <a:latin typeface="微軟正黑體" panose="020B0604030504040204" pitchFamily="34" charset="-120"/>
+                        <a:ea typeface="微軟正黑體" panose="020B0604030504040204" pitchFamily="34" charset="-120"/>
+                      </a:endParaRPr>
+                    </a:p>
+                  </a:txBody>
+                  <a:tcPr marL="9525" marR="9525" marT="9525" marB="0" anchor="ctr"/>
+                </a:tc>
+                <a:tc>
+                  <a:txBody>
+                    <a:bodyPr/>
+                    <a:lstStyle/>
+                    <a:p>
+                      <a:pPr marL="0" marR="0" indent="0" algn="ctr" defTabSz="914400" rtl="0" eaLnBrk="1" fontAlgn="auto" latinLnBrk="0" hangingPunct="1">
                         <a:lnSpc>
                           <a:spcPct val="100000"/>
                         </a:lnSpc>
@@ -11546,128 +11309,6 @@
                         <a:defRPr/>
                       </a:pPr>
                       <a:r>
-                        <a:rPr lang="zh-TW" altLang="en-US" sz="1200" b="0" kern="0" dirty="0">
-                          <a:solidFill>
-                            <a:schemeClr val="tx1"/>
-                          </a:solidFill>
-                        </a:rPr>
-                        <a:t>△</a:t>
-                      </a:r>
-                      <a:endParaRPr lang="zh-TW" altLang="en-US" sz="1200" b="0" dirty="0">
-                        <a:solidFill>
-                          <a:schemeClr val="tx1"/>
-                        </a:solidFill>
-                      </a:endParaRPr>
-                    </a:p>
-                  </a:txBody>
-                  <a:tcPr marL="9525" marR="9525" marT="9525" marB="0" anchor="ctr"/>
-                </a:tc>
-                <a:tc>
-                  <a:txBody>
-                    <a:bodyPr/>
-                    <a:lstStyle/>
-                    <a:p>
-                      <a:pPr algn="ctr"/>
-                      <a:r>
-                        <a:rPr lang="zh-TW" altLang="en-US" sz="1200" b="0" kern="0">
-                          <a:solidFill>
-                            <a:schemeClr val="tx1"/>
-                          </a:solidFill>
-                        </a:rPr>
-                        <a:t>○</a:t>
-                      </a:r>
-                      <a:endParaRPr lang="zh-TW" altLang="en-US" sz="1200" b="0" dirty="0">
-                        <a:solidFill>
-                          <a:schemeClr val="tx1"/>
-                        </a:solidFill>
-                        <a:latin typeface="微軟正黑體" panose="020B0604030504040204" pitchFamily="34" charset="-120"/>
-                        <a:ea typeface="微軟正黑體" panose="020B0604030504040204" pitchFamily="34" charset="-120"/>
-                      </a:endParaRPr>
-                    </a:p>
-                  </a:txBody>
-                  <a:tcPr marL="9525" marR="9525" marT="9525" marB="0" anchor="ctr"/>
-                </a:tc>
-                <a:tc>
-                  <a:txBody>
-                    <a:bodyPr/>
-                    <a:lstStyle/>
-                    <a:p>
-                      <a:pPr algn="ctr"/>
-                      <a:r>
-                        <a:rPr lang="en-US" altLang="zh-TW" sz="1200" b="0" kern="0">
-                          <a:solidFill>
-                            <a:schemeClr val="tx1"/>
-                          </a:solidFill>
-                        </a:rPr>
-                        <a:t>●</a:t>
-                      </a:r>
-                      <a:endParaRPr lang="zh-TW" altLang="en-US" sz="1200" b="0" dirty="0">
-                        <a:solidFill>
-                          <a:schemeClr val="tx1"/>
-                        </a:solidFill>
-                        <a:latin typeface="微軟正黑體" panose="020B0604030504040204" pitchFamily="34" charset="-120"/>
-                        <a:ea typeface="微軟正黑體" panose="020B0604030504040204" pitchFamily="34" charset="-120"/>
-                      </a:endParaRPr>
-                    </a:p>
-                  </a:txBody>
-                  <a:tcPr marL="9525" marR="9525" marT="9525" marB="0" anchor="ctr"/>
-                </a:tc>
-                <a:extLst>
-                  <a:ext uri="{0D108BD9-81ED-4DB2-BD59-A6C34878D82A}">
-                    <a16:rowId xmlns="" xmlns:a16="http://schemas.microsoft.com/office/drawing/2014/main" val="10007"/>
-                  </a:ext>
-                </a:extLst>
-              </a:tr>
-              <a:tr h="370154">
-                <a:tc>
-                  <a:txBody>
-                    <a:bodyPr/>
-                    <a:lstStyle/>
-                    <a:p>
-                      <a:pPr algn="ctr"/>
-                      <a:r>
-                        <a:rPr lang="zh-TW" altLang="en-US" sz="1200" dirty="0">
-                          <a:latin typeface="微軟正黑體" panose="020B0604030504040204" pitchFamily="34" charset="-120"/>
-                          <a:ea typeface="微軟正黑體" panose="020B0604030504040204" pitchFamily="34" charset="-120"/>
-                        </a:rPr>
-                        <a:t>苗栗縣政府</a:t>
-                      </a:r>
-                      <a:endParaRPr lang="zh-TW" altLang="en-US" sz="1200" b="1" dirty="0">
-                        <a:solidFill>
-                          <a:schemeClr val="bg1"/>
-                        </a:solidFill>
-                        <a:latin typeface="微軟正黑體" panose="020B0604030504040204" pitchFamily="34" charset="-120"/>
-                        <a:ea typeface="微軟正黑體" panose="020B0604030504040204" pitchFamily="34" charset="-120"/>
-                      </a:endParaRPr>
-                    </a:p>
-                  </a:txBody>
-                  <a:tcPr marL="9525" marR="9525" marT="9525" marB="0" anchor="ctr"/>
-                </a:tc>
-                <a:tc>
-                  <a:txBody>
-                    <a:bodyPr/>
-                    <a:lstStyle/>
-                    <a:p>
-                      <a:pPr algn="ctr"/>
-                      <a:r>
-                        <a:rPr lang="en-US" altLang="zh-TW" sz="1200" kern="0" dirty="0"/>
-                        <a:t>●</a:t>
-                      </a:r>
-                      <a:endParaRPr lang="zh-TW" altLang="en-US" sz="1200" dirty="0">
-                        <a:latin typeface="微軟正黑體" panose="020B0604030504040204" pitchFamily="34" charset="-120"/>
-                        <a:ea typeface="微軟正黑體" panose="020B0604030504040204" pitchFamily="34" charset="-120"/>
-                      </a:endParaRPr>
-                    </a:p>
-                  </a:txBody>
-                  <a:tcPr marL="9525" marR="9525" marT="9525" marB="0" anchor="ctr"/>
-                </a:tc>
-                <a:tc>
-                  <a:txBody>
-                    <a:bodyPr/>
-                    <a:lstStyle/>
-                    <a:p>
-                      <a:pPr algn="ctr"/>
-                      <a:r>
                         <a:rPr lang="en-US" altLang="zh-TW" sz="1200" b="0" kern="0" dirty="0">
                           <a:solidFill>
                             <a:schemeClr val="tx1"/>
@@ -11691,107 +11332,7 @@
                     <a:bodyPr/>
                     <a:lstStyle/>
                     <a:p>
-                      <a:pPr algn="ctr"/>
-                      <a:r>
-                        <a:rPr lang="en-US" altLang="zh-TW" sz="1200" b="0" kern="0" dirty="0">
-                          <a:solidFill>
-                            <a:schemeClr val="tx1"/>
-                          </a:solidFill>
-                        </a:rPr>
-                        <a:t>●</a:t>
-                      </a:r>
-                      <a:endParaRPr lang="zh-TW" altLang="en-US" sz="1200" b="0" dirty="0">
-                        <a:solidFill>
-                          <a:schemeClr val="tx1"/>
-                        </a:solidFill>
-                        <a:latin typeface="微軟正黑體" panose="020B0604030504040204" pitchFamily="34" charset="-120"/>
-                        <a:ea typeface="微軟正黑體" panose="020B0604030504040204" pitchFamily="34" charset="-120"/>
-                      </a:endParaRPr>
-                    </a:p>
-                  </a:txBody>
-                  <a:tcPr marL="9525" marR="9525" marT="9525" marB="0" anchor="ctr"/>
-                </a:tc>
-                <a:tc>
-                  <a:txBody>
-                    <a:bodyPr/>
-                    <a:lstStyle/>
-                    <a:p>
-                      <a:pPr algn="ctr"/>
-                      <a:r>
-                        <a:rPr lang="zh-TW" altLang="en-US" sz="1200" b="0" kern="0" dirty="0">
-                          <a:solidFill>
-                            <a:schemeClr val="tx1"/>
-                          </a:solidFill>
-                        </a:rPr>
-                        <a:t>○</a:t>
-                      </a:r>
-                      <a:endParaRPr lang="zh-TW" altLang="en-US" sz="1200" b="0" dirty="0">
-                        <a:solidFill>
-                          <a:schemeClr val="tx1"/>
-                        </a:solidFill>
-                        <a:latin typeface="微軟正黑體" panose="020B0604030504040204" pitchFamily="34" charset="-120"/>
-                        <a:ea typeface="微軟正黑體" panose="020B0604030504040204" pitchFamily="34" charset="-120"/>
-                      </a:endParaRPr>
-                    </a:p>
-                  </a:txBody>
-                  <a:tcPr marL="9525" marR="9525" marT="9525" marB="0" anchor="ctr"/>
-                </a:tc>
-                <a:tc>
-                  <a:txBody>
-                    <a:bodyPr/>
-                    <a:lstStyle/>
-                    <a:p>
-                      <a:pPr algn="ctr"/>
-                      <a:r>
-                        <a:rPr lang="zh-TW" altLang="en-US" sz="1200" b="0" kern="0">
-                          <a:solidFill>
-                            <a:schemeClr val="tx1"/>
-                          </a:solidFill>
-                        </a:rPr>
-                        <a:t>○</a:t>
-                      </a:r>
-                      <a:endParaRPr lang="zh-TW" altLang="en-US" sz="1200" b="0" dirty="0">
-                        <a:solidFill>
-                          <a:schemeClr val="tx1"/>
-                        </a:solidFill>
-                        <a:latin typeface="微軟正黑體" panose="020B0604030504040204" pitchFamily="34" charset="-120"/>
-                        <a:ea typeface="微軟正黑體" panose="020B0604030504040204" pitchFamily="34" charset="-120"/>
-                      </a:endParaRPr>
-                    </a:p>
-                  </a:txBody>
-                  <a:tcPr marL="9525" marR="9525" marT="9525" marB="0" anchor="ctr"/>
-                </a:tc>
-                <a:tc>
-                  <a:txBody>
-                    <a:bodyPr/>
-                    <a:lstStyle/>
-                    <a:p>
-                      <a:pPr algn="ctr"/>
-                      <a:r>
-                        <a:rPr lang="en-US" altLang="zh-TW" sz="1200" b="0" kern="0" dirty="0">
-                          <a:solidFill>
-                            <a:schemeClr val="tx1"/>
-                          </a:solidFill>
-                        </a:rPr>
-                        <a:t>●</a:t>
-                      </a:r>
-                      <a:endParaRPr lang="zh-TW" altLang="en-US" sz="1200" b="0" dirty="0">
-                        <a:solidFill>
-                          <a:schemeClr val="tx1"/>
-                        </a:solidFill>
-                        <a:latin typeface="微軟正黑體" panose="020B0604030504040204" pitchFamily="34" charset="-120"/>
-                        <a:ea typeface="微軟正黑體" panose="020B0604030504040204" pitchFamily="34" charset="-120"/>
-                      </a:endParaRPr>
-                    </a:p>
-                  </a:txBody>
-                  <a:tcPr marL="9525" marR="9525" marT="9525" marB="0" anchor="ctr"/>
-                </a:tc>
-                <a:tc>
-                  <a:txBody>
-                    <a:bodyPr/>
-                    <a:lstStyle/>
-                    <a:p>
-                      <a:pPr marL="0" marR="0" indent="0" algn="ctr" defTabSz="914400" rtl="0" eaLnBrk="1" fontAlgn="auto" latinLnBrk="0" hangingPunct="1">
+                      <a:pPr marL="0" marR="0" lvl="0" indent="0" algn="ctr" defTabSz="914400" rtl="0" eaLnBrk="1" fontAlgn="auto" latinLnBrk="0" hangingPunct="1">
                         <a:lnSpc>
                           <a:spcPct val="100000"/>
                         </a:lnSpc>
@@ -11809,6 +11350,181 @@
                         <a:defRPr/>
                       </a:pPr>
                       <a:r>
+                        <a:rPr lang="en-US" altLang="zh-TW" sz="1200" b="0" kern="0">
+                          <a:solidFill>
+                            <a:srgbClr val="C00000"/>
+                          </a:solidFill>
+                        </a:rPr>
+                        <a:t>●</a:t>
+                      </a:r>
+                      <a:endParaRPr lang="zh-TW" altLang="en-US" sz="1200" b="0" dirty="0">
+                        <a:solidFill>
+                          <a:srgbClr val="C00000"/>
+                        </a:solidFill>
+                        <a:latin typeface="微軟正黑體" panose="020B0604030504040204" pitchFamily="34" charset="-120"/>
+                        <a:ea typeface="微軟正黑體" panose="020B0604030504040204" pitchFamily="34" charset="-120"/>
+                      </a:endParaRPr>
+                    </a:p>
+                  </a:txBody>
+                  <a:tcPr marL="9525" marR="9525" marT="9525" marB="0" anchor="ctr"/>
+                </a:tc>
+                <a:tc>
+                  <a:txBody>
+                    <a:bodyPr/>
+                    <a:lstStyle/>
+                    <a:p>
+                      <a:pPr algn="ctr"/>
+                      <a:r>
+                        <a:rPr lang="en-US" altLang="zh-TW" sz="1200" b="0" kern="0" dirty="0">
+                          <a:solidFill>
+                            <a:schemeClr val="tx1"/>
+                          </a:solidFill>
+                        </a:rPr>
+                        <a:t>●</a:t>
+                      </a:r>
+                      <a:endParaRPr lang="zh-TW" altLang="en-US" sz="1200" b="0" dirty="0">
+                        <a:solidFill>
+                          <a:schemeClr val="tx1"/>
+                        </a:solidFill>
+                        <a:latin typeface="微軟正黑體" panose="020B0604030504040204" pitchFamily="34" charset="-120"/>
+                        <a:ea typeface="微軟正黑體" panose="020B0604030504040204" pitchFamily="34" charset="-120"/>
+                      </a:endParaRPr>
+                    </a:p>
+                  </a:txBody>
+                  <a:tcPr marL="9525" marR="9525" marT="9525" marB="0" anchor="ctr"/>
+                </a:tc>
+                <a:tc>
+                  <a:txBody>
+                    <a:bodyPr/>
+                    <a:lstStyle/>
+                    <a:p>
+                      <a:pPr algn="ctr"/>
+                      <a:r>
+                        <a:rPr lang="zh-TW" altLang="en-US" sz="1200" b="0" kern="0" dirty="0">
+                          <a:solidFill>
+                            <a:schemeClr val="tx1"/>
+                          </a:solidFill>
+                        </a:rPr>
+                        <a:t>○</a:t>
+                      </a:r>
+                      <a:endParaRPr lang="zh-TW" altLang="en-US" sz="1200" b="0" dirty="0">
+                        <a:solidFill>
+                          <a:schemeClr val="tx1"/>
+                        </a:solidFill>
+                        <a:latin typeface="微軟正黑體" panose="020B0604030504040204" pitchFamily="34" charset="-120"/>
+                        <a:ea typeface="微軟正黑體" panose="020B0604030504040204" pitchFamily="34" charset="-120"/>
+                      </a:endParaRPr>
+                    </a:p>
+                  </a:txBody>
+                  <a:tcPr marL="9525" marR="9525" marT="9525" marB="0" anchor="ctr"/>
+                </a:tc>
+                <a:tc>
+                  <a:txBody>
+                    <a:bodyPr/>
+                    <a:lstStyle/>
+                    <a:p>
+                      <a:pPr algn="ctr"/>
+                      <a:r>
+                        <a:rPr lang="en-US" altLang="zh-TW" sz="1200" b="0" kern="0" dirty="0">
+                          <a:solidFill>
+                            <a:schemeClr val="tx1"/>
+                          </a:solidFill>
+                        </a:rPr>
+                        <a:t>●</a:t>
+                      </a:r>
+                      <a:endParaRPr lang="zh-TW" altLang="en-US" sz="1200" b="0" dirty="0">
+                        <a:solidFill>
+                          <a:schemeClr val="tx1"/>
+                        </a:solidFill>
+                        <a:latin typeface="微軟正黑體" panose="020B0604030504040204" pitchFamily="34" charset="-120"/>
+                        <a:ea typeface="微軟正黑體" panose="020B0604030504040204" pitchFamily="34" charset="-120"/>
+                      </a:endParaRPr>
+                    </a:p>
+                  </a:txBody>
+                  <a:tcPr marL="9525" marR="9525" marT="9525" marB="0" anchor="ctr"/>
+                </a:tc>
+                <a:tc>
+                  <a:txBody>
+                    <a:bodyPr/>
+                    <a:lstStyle/>
+                    <a:p>
+                      <a:pPr algn="ctr"/>
+                      <a:r>
+                        <a:rPr lang="en-US" altLang="zh-TW" sz="1200" b="0" kern="0" dirty="0">
+                          <a:solidFill>
+                            <a:schemeClr val="tx1"/>
+                          </a:solidFill>
+                        </a:rPr>
+                        <a:t>●</a:t>
+                      </a:r>
+                      <a:endParaRPr lang="zh-TW" altLang="en-US" sz="1200" b="0" dirty="0">
+                        <a:solidFill>
+                          <a:schemeClr val="tx1"/>
+                        </a:solidFill>
+                        <a:latin typeface="微軟正黑體" panose="020B0604030504040204" pitchFamily="34" charset="-120"/>
+                        <a:ea typeface="微軟正黑體" panose="020B0604030504040204" pitchFamily="34" charset="-120"/>
+                      </a:endParaRPr>
+                    </a:p>
+                  </a:txBody>
+                  <a:tcPr marL="9525" marR="9525" marT="9525" marB="0" anchor="ctr"/>
+                </a:tc>
+                <a:tc>
+                  <a:txBody>
+                    <a:bodyPr/>
+                    <a:lstStyle/>
+                    <a:p>
+                      <a:pPr algn="ctr"/>
+                      <a:r>
+                        <a:rPr lang="zh-TW" altLang="en-US" sz="1200" b="0" kern="0" dirty="0">
+                          <a:solidFill>
+                            <a:schemeClr val="tx1"/>
+                          </a:solidFill>
+                        </a:rPr>
+                        <a:t>◎</a:t>
+                      </a:r>
+                      <a:endParaRPr lang="zh-TW" altLang="en-US" sz="1200" b="0" dirty="0">
+                        <a:solidFill>
+                          <a:schemeClr val="tx1"/>
+                        </a:solidFill>
+                        <a:latin typeface="微軟正黑體" panose="020B0604030504040204" pitchFamily="34" charset="-120"/>
+                        <a:ea typeface="微軟正黑體" panose="020B0604030504040204" pitchFamily="34" charset="-120"/>
+                      </a:endParaRPr>
+                    </a:p>
+                  </a:txBody>
+                  <a:tcPr marL="9525" marR="9525" marT="9525" marB="0" anchor="ctr"/>
+                </a:tc>
+                <a:tc>
+                  <a:txBody>
+                    <a:bodyPr/>
+                    <a:lstStyle/>
+                    <a:p>
+                      <a:pPr algn="ctr"/>
+                      <a:r>
+                        <a:rPr lang="en-US" altLang="zh-TW" sz="1200" b="0" kern="0" dirty="0">
+                          <a:solidFill>
+                            <a:schemeClr val="tx1"/>
+                          </a:solidFill>
+                        </a:rPr>
+                        <a:t>●</a:t>
+                      </a:r>
+                      <a:endParaRPr lang="zh-TW" altLang="en-US" sz="1200" b="0" dirty="0">
+                        <a:solidFill>
+                          <a:schemeClr val="tx1"/>
+                        </a:solidFill>
+                        <a:latin typeface="微軟正黑體" panose="020B0604030504040204" pitchFamily="34" charset="-120"/>
+                        <a:ea typeface="微軟正黑體" panose="020B0604030504040204" pitchFamily="34" charset="-120"/>
+                      </a:endParaRPr>
+                    </a:p>
+                  </a:txBody>
+                  <a:tcPr marL="9525" marR="9525" marT="9525" marB="0" anchor="ctr"/>
+                </a:tc>
+                <a:tc>
+                  <a:txBody>
+                    <a:bodyPr/>
+                    <a:lstStyle/>
+                    <a:p>
+                      <a:pPr algn="ctr"/>
+                      <a:r>
                         <a:rPr lang="en-US" altLang="zh-TW" sz="1200" b="0" kern="0" dirty="0">
                           <a:solidFill>
                             <a:schemeClr val="tx1"/>
@@ -11850,205 +11566,23 @@
                         <a:defRPr/>
                       </a:pPr>
                       <a:r>
-                        <a:rPr lang="en-US" altLang="zh-TW" sz="1200" b="0" kern="0">
-                          <a:solidFill>
-                            <a:srgbClr val="C00000"/>
-                          </a:solidFill>
-                        </a:rPr>
-                        <a:t>●</a:t>
-                      </a:r>
-                      <a:endParaRPr lang="zh-TW" altLang="en-US" sz="1200" b="0" dirty="0">
-                        <a:solidFill>
-                          <a:srgbClr val="C00000"/>
-                        </a:solidFill>
-                        <a:latin typeface="微軟正黑體" panose="020B0604030504040204" pitchFamily="34" charset="-120"/>
-                        <a:ea typeface="微軟正黑體" panose="020B0604030504040204" pitchFamily="34" charset="-120"/>
-                      </a:endParaRPr>
-                    </a:p>
-                  </a:txBody>
-                  <a:tcPr marL="9525" marR="9525" marT="9525" marB="0" anchor="ctr"/>
-                </a:tc>
-                <a:tc>
-                  <a:txBody>
-                    <a:bodyPr/>
-                    <a:lstStyle/>
-                    <a:p>
-                      <a:pPr algn="ctr"/>
-                      <a:r>
-                        <a:rPr lang="en-US" altLang="zh-TW" sz="1200" b="0" kern="0" dirty="0">
-                          <a:solidFill>
-                            <a:schemeClr val="tx1"/>
-                          </a:solidFill>
-                        </a:rPr>
-                        <a:t>●</a:t>
-                      </a:r>
-                      <a:endParaRPr lang="zh-TW" altLang="en-US" sz="1200" b="0" dirty="0">
-                        <a:solidFill>
-                          <a:schemeClr val="tx1"/>
-                        </a:solidFill>
-                        <a:latin typeface="微軟正黑體" panose="020B0604030504040204" pitchFamily="34" charset="-120"/>
-                        <a:ea typeface="微軟正黑體" panose="020B0604030504040204" pitchFamily="34" charset="-120"/>
-                      </a:endParaRPr>
-                    </a:p>
-                  </a:txBody>
-                  <a:tcPr marL="9525" marR="9525" marT="9525" marB="0" anchor="ctr"/>
-                </a:tc>
-                <a:tc>
-                  <a:txBody>
-                    <a:bodyPr/>
-                    <a:lstStyle/>
-                    <a:p>
-                      <a:pPr algn="ctr"/>
-                      <a:r>
-                        <a:rPr lang="en-US" altLang="zh-TW" sz="1200" b="0" kern="0" dirty="0">
-                          <a:solidFill>
-                            <a:schemeClr val="tx1"/>
-                          </a:solidFill>
-                        </a:rPr>
-                        <a:t>●</a:t>
-                      </a:r>
-                      <a:endParaRPr lang="zh-TW" altLang="en-US" sz="1200" b="0" dirty="0">
-                        <a:solidFill>
-                          <a:schemeClr val="tx1"/>
-                        </a:solidFill>
-                        <a:latin typeface="微軟正黑體" panose="020B0604030504040204" pitchFamily="34" charset="-120"/>
-                        <a:ea typeface="微軟正黑體" panose="020B0604030504040204" pitchFamily="34" charset="-120"/>
-                      </a:endParaRPr>
-                    </a:p>
-                  </a:txBody>
-                  <a:tcPr marL="9525" marR="9525" marT="9525" marB="0" anchor="ctr"/>
-                </a:tc>
-                <a:tc>
-                  <a:txBody>
-                    <a:bodyPr/>
-                    <a:lstStyle/>
-                    <a:p>
-                      <a:pPr algn="ctr"/>
-                      <a:r>
-                        <a:rPr lang="en-US" altLang="zh-TW" sz="1200" b="0" kern="0" dirty="0">
-                          <a:solidFill>
-                            <a:schemeClr val="tx1"/>
-                          </a:solidFill>
-                        </a:rPr>
-                        <a:t>●</a:t>
-                      </a:r>
-                      <a:endParaRPr lang="zh-TW" altLang="en-US" sz="1200" b="0" dirty="0">
-                        <a:solidFill>
-                          <a:schemeClr val="tx1"/>
-                        </a:solidFill>
-                        <a:latin typeface="微軟正黑體" panose="020B0604030504040204" pitchFamily="34" charset="-120"/>
-                        <a:ea typeface="微軟正黑體" panose="020B0604030504040204" pitchFamily="34" charset="-120"/>
-                      </a:endParaRPr>
-                    </a:p>
-                  </a:txBody>
-                  <a:tcPr marL="9525" marR="9525" marT="9525" marB="0" anchor="ctr"/>
-                </a:tc>
-                <a:tc>
-                  <a:txBody>
-                    <a:bodyPr/>
-                    <a:lstStyle/>
-                    <a:p>
-                      <a:pPr algn="ctr"/>
-                      <a:r>
-                        <a:rPr lang="en-US" altLang="zh-TW" sz="1200" b="0" kern="0" dirty="0">
-                          <a:solidFill>
-                            <a:schemeClr val="tx1"/>
-                          </a:solidFill>
-                        </a:rPr>
-                        <a:t>●</a:t>
-                      </a:r>
-                      <a:endParaRPr lang="zh-TW" altLang="en-US" sz="1200" b="0" dirty="0">
-                        <a:solidFill>
-                          <a:schemeClr val="tx1"/>
-                        </a:solidFill>
-                        <a:latin typeface="微軟正黑體" panose="020B0604030504040204" pitchFamily="34" charset="-120"/>
-                        <a:ea typeface="微軟正黑體" panose="020B0604030504040204" pitchFamily="34" charset="-120"/>
-                      </a:endParaRPr>
-                    </a:p>
-                  </a:txBody>
-                  <a:tcPr marL="9525" marR="9525" marT="9525" marB="0" anchor="ctr"/>
-                </a:tc>
-                <a:tc>
-                  <a:txBody>
-                    <a:bodyPr/>
-                    <a:lstStyle/>
-                    <a:p>
-                      <a:pPr algn="ctr"/>
-                      <a:r>
-                        <a:rPr lang="zh-TW" altLang="en-US" sz="1200" b="0" kern="0" dirty="0">
-                          <a:solidFill>
-                            <a:schemeClr val="tx1"/>
-                          </a:solidFill>
-                        </a:rPr>
-                        <a:t>◎</a:t>
-                      </a:r>
-                      <a:endParaRPr lang="zh-TW" altLang="en-US" sz="1200" b="0" dirty="0">
-                        <a:solidFill>
-                          <a:schemeClr val="tx1"/>
-                        </a:solidFill>
-                        <a:latin typeface="微軟正黑體" panose="020B0604030504040204" pitchFamily="34" charset="-120"/>
-                        <a:ea typeface="微軟正黑體" panose="020B0604030504040204" pitchFamily="34" charset="-120"/>
-                      </a:endParaRPr>
-                    </a:p>
-                  </a:txBody>
-                  <a:tcPr marL="9525" marR="9525" marT="9525" marB="0" anchor="ctr"/>
-                </a:tc>
-                <a:tc>
-                  <a:txBody>
-                    <a:bodyPr/>
-                    <a:lstStyle/>
-                    <a:p>
-                      <a:pPr algn="ctr"/>
-                      <a:r>
-                        <a:rPr lang="en-US" altLang="zh-TW" sz="1200" b="0" kern="0">
-                          <a:solidFill>
-                            <a:schemeClr val="tx1"/>
-                          </a:solidFill>
-                        </a:rPr>
-                        <a:t>●</a:t>
-                      </a:r>
-                      <a:endParaRPr lang="zh-TW" altLang="en-US" sz="1200" b="0" dirty="0">
-                        <a:solidFill>
-                          <a:schemeClr val="tx1"/>
-                        </a:solidFill>
-                        <a:latin typeface="微軟正黑體" panose="020B0604030504040204" pitchFamily="34" charset="-120"/>
-                        <a:ea typeface="微軟正黑體" panose="020B0604030504040204" pitchFamily="34" charset="-120"/>
-                      </a:endParaRPr>
-                    </a:p>
-                  </a:txBody>
-                  <a:tcPr marL="9525" marR="9525" marT="9525" marB="0" anchor="ctr"/>
-                </a:tc>
-                <a:tc>
-                  <a:txBody>
-                    <a:bodyPr/>
-                    <a:lstStyle/>
-                    <a:p>
-                      <a:pPr algn="ctr"/>
-                      <a:r>
-                        <a:rPr lang="en-US" altLang="zh-TW" sz="1200" b="0" kern="0" dirty="0">
-                          <a:solidFill>
-                            <a:schemeClr val="tx1"/>
-                          </a:solidFill>
-                        </a:rPr>
-                        <a:t>●</a:t>
-                      </a:r>
-                      <a:endParaRPr lang="zh-TW" altLang="en-US" sz="1200" b="0" dirty="0">
-                        <a:solidFill>
-                          <a:schemeClr val="tx1"/>
-                        </a:solidFill>
-                        <a:latin typeface="微軟正黑體" panose="020B0604030504040204" pitchFamily="34" charset="-120"/>
-                        <a:ea typeface="微軟正黑體" panose="020B0604030504040204" pitchFamily="34" charset="-120"/>
-                      </a:endParaRPr>
-                    </a:p>
-                  </a:txBody>
-                  <a:tcPr marL="9525" marR="9525" marT="9525" marB="0" anchor="ctr"/>
-                </a:tc>
-                <a:tc>
-                  <a:txBody>
-                    <a:bodyPr/>
-                    <a:lstStyle/>
-                    <a:p>
-                      <a:pPr marL="0" marR="0" indent="0" algn="ctr" defTabSz="914400" rtl="0" eaLnBrk="1" fontAlgn="auto" latinLnBrk="0" hangingPunct="1">
+                        <a:rPr lang="zh-TW" altLang="en-US" sz="1200" b="0" dirty="0">
+                          <a:solidFill>
+                            <a:schemeClr val="tx1"/>
+                          </a:solidFill>
+                        </a:rPr>
+                        <a:t>─</a:t>
+                      </a:r>
+                    </a:p>
+                  </a:txBody>
+                  <a:tcPr marL="9525" marR="9525" marT="9525" marB="0" anchor="ctr"/>
+                </a:tc>
+                <a:tc>
+                  <a:txBody>
+                    <a:bodyPr/>
+                    <a:lstStyle/>
+                    <a:p>
+                      <a:pPr marL="0" marR="0" lvl="0" indent="0" algn="ctr" defTabSz="914400" rtl="0" eaLnBrk="1" fontAlgn="auto" latinLnBrk="0" hangingPunct="1">
                         <a:lnSpc>
                           <a:spcPct val="100000"/>
                         </a:lnSpc>
@@ -12066,13 +11600,242 @@
                         <a:defRPr/>
                       </a:pPr>
                       <a:r>
-                        <a:rPr lang="zh-TW" altLang="en-US" sz="1200" b="0" dirty="0">
-                          <a:solidFill>
-                            <a:schemeClr val="tx1"/>
-                          </a:solidFill>
-                        </a:rPr>
-                        <a:t>─</a:t>
-                      </a:r>
+                        <a:rPr lang="zh-TW" altLang="en-US" sz="1200" b="0" kern="0" dirty="0">
+                          <a:solidFill>
+                            <a:schemeClr val="tx1"/>
+                          </a:solidFill>
+                        </a:rPr>
+                        <a:t>△</a:t>
+                      </a:r>
+                      <a:endParaRPr lang="zh-TW" altLang="en-US" sz="1200" b="0" dirty="0">
+                        <a:solidFill>
+                          <a:schemeClr val="tx1"/>
+                        </a:solidFill>
+                      </a:endParaRPr>
+                    </a:p>
+                  </a:txBody>
+                  <a:tcPr marL="9525" marR="9525" marT="9525" marB="0" anchor="ctr"/>
+                </a:tc>
+                <a:tc>
+                  <a:txBody>
+                    <a:bodyPr/>
+                    <a:lstStyle/>
+                    <a:p>
+                      <a:pPr algn="ctr"/>
+                      <a:r>
+                        <a:rPr lang="zh-TW" altLang="en-US" sz="1200" b="0" kern="0">
+                          <a:solidFill>
+                            <a:schemeClr val="tx1"/>
+                          </a:solidFill>
+                        </a:rPr>
+                        <a:t>○</a:t>
+                      </a:r>
+                      <a:endParaRPr lang="zh-TW" altLang="en-US" sz="1200" b="0" dirty="0">
+                        <a:solidFill>
+                          <a:schemeClr val="tx1"/>
+                        </a:solidFill>
+                        <a:latin typeface="微軟正黑體" panose="020B0604030504040204" pitchFamily="34" charset="-120"/>
+                        <a:ea typeface="微軟正黑體" panose="020B0604030504040204" pitchFamily="34" charset="-120"/>
+                      </a:endParaRPr>
+                    </a:p>
+                  </a:txBody>
+                  <a:tcPr marL="9525" marR="9525" marT="9525" marB="0" anchor="ctr"/>
+                </a:tc>
+                <a:tc>
+                  <a:txBody>
+                    <a:bodyPr/>
+                    <a:lstStyle/>
+                    <a:p>
+                      <a:pPr algn="ctr"/>
+                      <a:r>
+                        <a:rPr lang="en-US" altLang="zh-TW" sz="1200" b="0" kern="0">
+                          <a:solidFill>
+                            <a:schemeClr val="tx1"/>
+                          </a:solidFill>
+                        </a:rPr>
+                        <a:t>●</a:t>
+                      </a:r>
+                      <a:endParaRPr lang="zh-TW" altLang="en-US" sz="1200" b="0" dirty="0">
+                        <a:solidFill>
+                          <a:schemeClr val="tx1"/>
+                        </a:solidFill>
+                        <a:latin typeface="微軟正黑體" panose="020B0604030504040204" pitchFamily="34" charset="-120"/>
+                        <a:ea typeface="微軟正黑體" panose="020B0604030504040204" pitchFamily="34" charset="-120"/>
+                      </a:endParaRPr>
+                    </a:p>
+                  </a:txBody>
+                  <a:tcPr marL="9525" marR="9525" marT="9525" marB="0" anchor="ctr"/>
+                </a:tc>
+                <a:extLst>
+                  <a:ext uri="{0D108BD9-81ED-4DB2-BD59-A6C34878D82A}">
+                    <a16:rowId xmlns:a16="http://schemas.microsoft.com/office/drawing/2014/main" xmlns="" val="10007"/>
+                  </a:ext>
+                </a:extLst>
+              </a:tr>
+              <a:tr h="370154">
+                <a:tc>
+                  <a:txBody>
+                    <a:bodyPr/>
+                    <a:lstStyle/>
+                    <a:p>
+                      <a:pPr algn="ctr"/>
+                      <a:r>
+                        <a:rPr lang="zh-TW" altLang="en-US" sz="1200" dirty="0">
+                          <a:latin typeface="微軟正黑體" panose="020B0604030504040204" pitchFamily="34" charset="-120"/>
+                          <a:ea typeface="微軟正黑體" panose="020B0604030504040204" pitchFamily="34" charset="-120"/>
+                        </a:rPr>
+                        <a:t>苗栗縣政府</a:t>
+                      </a:r>
+                      <a:endParaRPr lang="zh-TW" altLang="en-US" sz="1200" b="1" dirty="0">
+                        <a:solidFill>
+                          <a:schemeClr val="bg1"/>
+                        </a:solidFill>
+                        <a:latin typeface="微軟正黑體" panose="020B0604030504040204" pitchFamily="34" charset="-120"/>
+                        <a:ea typeface="微軟正黑體" panose="020B0604030504040204" pitchFamily="34" charset="-120"/>
+                      </a:endParaRPr>
+                    </a:p>
+                  </a:txBody>
+                  <a:tcPr marL="9525" marR="9525" marT="9525" marB="0" anchor="ctr"/>
+                </a:tc>
+                <a:tc>
+                  <a:txBody>
+                    <a:bodyPr/>
+                    <a:lstStyle/>
+                    <a:p>
+                      <a:pPr algn="ctr"/>
+                      <a:r>
+                        <a:rPr lang="en-US" altLang="zh-TW" sz="1200" kern="0" dirty="0"/>
+                        <a:t>●</a:t>
+                      </a:r>
+                      <a:endParaRPr lang="zh-TW" altLang="en-US" sz="1200" dirty="0">
+                        <a:latin typeface="微軟正黑體" panose="020B0604030504040204" pitchFamily="34" charset="-120"/>
+                        <a:ea typeface="微軟正黑體" panose="020B0604030504040204" pitchFamily="34" charset="-120"/>
+                      </a:endParaRPr>
+                    </a:p>
+                  </a:txBody>
+                  <a:tcPr marL="9525" marR="9525" marT="9525" marB="0" anchor="ctr"/>
+                </a:tc>
+                <a:tc>
+                  <a:txBody>
+                    <a:bodyPr/>
+                    <a:lstStyle/>
+                    <a:p>
+                      <a:pPr algn="ctr"/>
+                      <a:r>
+                        <a:rPr lang="en-US" altLang="zh-TW" sz="1200" b="0" kern="0" dirty="0">
+                          <a:solidFill>
+                            <a:schemeClr val="tx1"/>
+                          </a:solidFill>
+                        </a:rPr>
+                        <a:t>●</a:t>
+                      </a:r>
+                      <a:endParaRPr lang="zh-TW" altLang="en-US" sz="1200" b="0" dirty="0">
+                        <a:solidFill>
+                          <a:schemeClr val="tx1"/>
+                        </a:solidFill>
+                        <a:latin typeface="微軟正黑體" panose="020B0604030504040204" pitchFamily="34" charset="-120"/>
+                        <a:ea typeface="微軟正黑體" panose="020B0604030504040204" pitchFamily="34" charset="-120"/>
+                      </a:endParaRPr>
+                    </a:p>
+                  </a:txBody>
+                  <a:tcPr marL="9525" marR="9525" marT="9525" marB="0" anchor="ctr"/>
+                </a:tc>
+                <a:tc>
+                  <a:txBody>
+                    <a:bodyPr/>
+                    <a:lstStyle/>
+                    <a:p>
+                      <a:pPr algn="ctr"/>
+                      <a:r>
+                        <a:rPr lang="en-US" altLang="zh-TW" sz="1200" b="0" kern="0" dirty="0">
+                          <a:solidFill>
+                            <a:schemeClr val="tx1"/>
+                          </a:solidFill>
+                        </a:rPr>
+                        <a:t>●</a:t>
+                      </a:r>
+                      <a:endParaRPr lang="zh-TW" altLang="en-US" sz="1200" b="0" dirty="0">
+                        <a:solidFill>
+                          <a:schemeClr val="tx1"/>
+                        </a:solidFill>
+                        <a:latin typeface="微軟正黑體" panose="020B0604030504040204" pitchFamily="34" charset="-120"/>
+                        <a:ea typeface="微軟正黑體" panose="020B0604030504040204" pitchFamily="34" charset="-120"/>
+                      </a:endParaRPr>
+                    </a:p>
+                  </a:txBody>
+                  <a:tcPr marL="9525" marR="9525" marT="9525" marB="0" anchor="ctr"/>
+                </a:tc>
+                <a:tc>
+                  <a:txBody>
+                    <a:bodyPr/>
+                    <a:lstStyle/>
+                    <a:p>
+                      <a:pPr algn="ctr"/>
+                      <a:r>
+                        <a:rPr lang="zh-TW" altLang="en-US" sz="1200" b="0" kern="0" dirty="0">
+                          <a:solidFill>
+                            <a:schemeClr val="tx1"/>
+                          </a:solidFill>
+                        </a:rPr>
+                        <a:t>○</a:t>
+                      </a:r>
+                      <a:endParaRPr lang="zh-TW" altLang="en-US" sz="1200" b="0" dirty="0">
+                        <a:solidFill>
+                          <a:schemeClr val="tx1"/>
+                        </a:solidFill>
+                        <a:latin typeface="微軟正黑體" panose="020B0604030504040204" pitchFamily="34" charset="-120"/>
+                        <a:ea typeface="微軟正黑體" panose="020B0604030504040204" pitchFamily="34" charset="-120"/>
+                      </a:endParaRPr>
+                    </a:p>
+                  </a:txBody>
+                  <a:tcPr marL="9525" marR="9525" marT="9525" marB="0" anchor="ctr"/>
+                </a:tc>
+                <a:tc>
+                  <a:txBody>
+                    <a:bodyPr/>
+                    <a:lstStyle/>
+                    <a:p>
+                      <a:pPr algn="ctr"/>
+                      <a:r>
+                        <a:rPr lang="zh-TW" altLang="en-US" sz="1200" b="0" kern="0">
+                          <a:solidFill>
+                            <a:schemeClr val="tx1"/>
+                          </a:solidFill>
+                        </a:rPr>
+                        <a:t>○</a:t>
+                      </a:r>
+                      <a:endParaRPr lang="zh-TW" altLang="en-US" sz="1200" b="0" dirty="0">
+                        <a:solidFill>
+                          <a:schemeClr val="tx1"/>
+                        </a:solidFill>
+                        <a:latin typeface="微軟正黑體" panose="020B0604030504040204" pitchFamily="34" charset="-120"/>
+                        <a:ea typeface="微軟正黑體" panose="020B0604030504040204" pitchFamily="34" charset="-120"/>
+                      </a:endParaRPr>
+                    </a:p>
+                  </a:txBody>
+                  <a:tcPr marL="9525" marR="9525" marT="9525" marB="0" anchor="ctr"/>
+                </a:tc>
+                <a:tc>
+                  <a:txBody>
+                    <a:bodyPr/>
+                    <a:lstStyle/>
+                    <a:p>
+                      <a:pPr algn="ctr"/>
+                      <a:r>
+                        <a:rPr lang="en-US" altLang="zh-TW" sz="1200" b="0" kern="0" dirty="0">
+                          <a:solidFill>
+                            <a:schemeClr val="tx1"/>
+                          </a:solidFill>
+                        </a:rPr>
+                        <a:t>●</a:t>
+                      </a:r>
+                      <a:endParaRPr lang="zh-TW" altLang="en-US" sz="1200" b="0" dirty="0">
+                        <a:solidFill>
+                          <a:schemeClr val="tx1"/>
+                        </a:solidFill>
+                        <a:latin typeface="微軟正黑體" panose="020B0604030504040204" pitchFamily="34" charset="-120"/>
+                        <a:ea typeface="微軟正黑體" panose="020B0604030504040204" pitchFamily="34" charset="-120"/>
+                      </a:endParaRPr>
                     </a:p>
                   </a:txBody>
                   <a:tcPr marL="9525" marR="9525" marT="9525" marB="0" anchor="ctr"/>
@@ -12100,130 +11863,6 @@
                         <a:defRPr/>
                       </a:pPr>
                       <a:r>
-                        <a:rPr lang="zh-TW" altLang="en-US" sz="1200" b="0" kern="0" dirty="0">
-                          <a:solidFill>
-                            <a:schemeClr val="tx1"/>
-                          </a:solidFill>
-                        </a:rPr>
-                        <a:t>△</a:t>
-                      </a:r>
-                      <a:endParaRPr lang="zh-TW" altLang="en-US" sz="1200" b="0" dirty="0">
-                        <a:solidFill>
-                          <a:schemeClr val="tx1"/>
-                        </a:solidFill>
-                      </a:endParaRPr>
-                    </a:p>
-                  </a:txBody>
-                  <a:tcPr marL="9525" marR="9525" marT="9525" marB="0" anchor="ctr"/>
-                </a:tc>
-                <a:tc>
-                  <a:txBody>
-                    <a:bodyPr/>
-                    <a:lstStyle/>
-                    <a:p>
-                      <a:pPr algn="ctr"/>
-                      <a:r>
-                        <a:rPr lang="zh-TW" altLang="en-US" sz="1200" b="0" kern="0" dirty="0">
-                          <a:solidFill>
-                            <a:schemeClr val="tx1"/>
-                          </a:solidFill>
-                        </a:rPr>
-                        <a:t>○</a:t>
-                      </a:r>
-                      <a:endParaRPr lang="zh-TW" altLang="en-US" sz="1200" b="0" dirty="0">
-                        <a:solidFill>
-                          <a:schemeClr val="tx1"/>
-                        </a:solidFill>
-                        <a:latin typeface="微軟正黑體" panose="020B0604030504040204" pitchFamily="34" charset="-120"/>
-                        <a:ea typeface="微軟正黑體" panose="020B0604030504040204" pitchFamily="34" charset="-120"/>
-                      </a:endParaRPr>
-                    </a:p>
-                  </a:txBody>
-                  <a:tcPr marL="9525" marR="9525" marT="9525" marB="0" anchor="ctr"/>
-                </a:tc>
-                <a:tc>
-                  <a:txBody>
-                    <a:bodyPr/>
-                    <a:lstStyle/>
-                    <a:p>
-                      <a:pPr algn="ctr"/>
-                      <a:r>
-                        <a:rPr lang="en-US" altLang="zh-TW" sz="1200" b="0" kern="0">
-                          <a:solidFill>
-                            <a:schemeClr val="tx1"/>
-                          </a:solidFill>
-                        </a:rPr>
-                        <a:t>●</a:t>
-                      </a:r>
-                      <a:endParaRPr lang="zh-TW" altLang="en-US" sz="1200" b="0" dirty="0">
-                        <a:solidFill>
-                          <a:schemeClr val="tx1"/>
-                        </a:solidFill>
-                        <a:latin typeface="微軟正黑體" panose="020B0604030504040204" pitchFamily="34" charset="-120"/>
-                        <a:ea typeface="微軟正黑體" panose="020B0604030504040204" pitchFamily="34" charset="-120"/>
-                      </a:endParaRPr>
-                    </a:p>
-                  </a:txBody>
-                  <a:tcPr marL="9525" marR="9525" marT="9525" marB="0" anchor="ctr"/>
-                </a:tc>
-                <a:extLst>
-                  <a:ext uri="{0D108BD9-81ED-4DB2-BD59-A6C34878D82A}">
-                    <a16:rowId xmlns="" xmlns:a16="http://schemas.microsoft.com/office/drawing/2014/main" val="10008"/>
-                  </a:ext>
-                </a:extLst>
-              </a:tr>
-              <a:tr h="370154">
-                <a:tc>
-                  <a:txBody>
-                    <a:bodyPr/>
-                    <a:lstStyle/>
-                    <a:p>
-                      <a:pPr algn="ctr" rtl="0" fontAlgn="b"/>
-                      <a:r>
-                        <a:rPr lang="zh-TW" altLang="en-US" sz="1200" u="none" strike="noStrike" dirty="0">
-                          <a:effectLst/>
-                          <a:latin typeface="微軟正黑體" panose="020B0604030504040204" pitchFamily="34" charset="-120"/>
-                          <a:ea typeface="微軟正黑體" panose="020B0604030504040204" pitchFamily="34" charset="-120"/>
-                        </a:rPr>
-                        <a:t>彰化縣政府</a:t>
-                      </a:r>
-                      <a:endParaRPr lang="zh-TW" altLang="en-US" sz="1200" b="1" i="0" u="none" strike="noStrike" dirty="0">
-                        <a:solidFill>
-                          <a:schemeClr val="bg1"/>
-                        </a:solidFill>
-                        <a:effectLst/>
-                        <a:latin typeface="微軟正黑體" panose="020B0604030504040204" pitchFamily="34" charset="-120"/>
-                        <a:ea typeface="微軟正黑體" panose="020B0604030504040204" pitchFamily="34" charset="-120"/>
-                      </a:endParaRPr>
-                    </a:p>
-                  </a:txBody>
-                  <a:tcPr marL="9525" marR="9525" marT="9525" marB="0" anchor="ctr"/>
-                </a:tc>
-                <a:tc>
-                  <a:txBody>
-                    <a:bodyPr/>
-                    <a:lstStyle/>
-                    <a:p>
-                      <a:pPr algn="ctr"/>
-                      <a:r>
-                        <a:rPr lang="en-US" altLang="zh-TW" sz="1200" kern="0" dirty="0"/>
-                        <a:t>●</a:t>
-                      </a:r>
-                      <a:endParaRPr lang="zh-TW" altLang="en-US" sz="1200" dirty="0">
-                        <a:latin typeface="微軟正黑體" panose="020B0604030504040204" pitchFamily="34" charset="-120"/>
-                        <a:ea typeface="微軟正黑體" panose="020B0604030504040204" pitchFamily="34" charset="-120"/>
-                      </a:endParaRPr>
-                    </a:p>
-                  </a:txBody>
-                  <a:tcPr marL="9525" marR="9525" marT="9525" marB="0" anchor="ctr"/>
-                </a:tc>
-                <a:tc>
-                  <a:txBody>
-                    <a:bodyPr/>
-                    <a:lstStyle/>
-                    <a:p>
-                      <a:pPr algn="ctr"/>
-                      <a:r>
                         <a:rPr lang="en-US" altLang="zh-TW" sz="1200" b="0" kern="0" dirty="0">
                           <a:solidFill>
                             <a:schemeClr val="tx1"/>
@@ -12247,107 +11886,7 @@
                     <a:bodyPr/>
                     <a:lstStyle/>
                     <a:p>
-                      <a:pPr algn="ctr"/>
-                      <a:r>
-                        <a:rPr lang="en-US" altLang="zh-TW" sz="1200" b="0" kern="0" dirty="0">
-                          <a:solidFill>
-                            <a:schemeClr val="tx1"/>
-                          </a:solidFill>
-                        </a:rPr>
-                        <a:t>●</a:t>
-                      </a:r>
-                      <a:endParaRPr lang="zh-TW" altLang="en-US" sz="1200" b="0" dirty="0">
-                        <a:solidFill>
-                          <a:schemeClr val="tx1"/>
-                        </a:solidFill>
-                        <a:latin typeface="微軟正黑體" panose="020B0604030504040204" pitchFamily="34" charset="-120"/>
-                        <a:ea typeface="微軟正黑體" panose="020B0604030504040204" pitchFamily="34" charset="-120"/>
-                      </a:endParaRPr>
-                    </a:p>
-                  </a:txBody>
-                  <a:tcPr marL="9525" marR="9525" marT="9525" marB="0" anchor="ctr"/>
-                </a:tc>
-                <a:tc>
-                  <a:txBody>
-                    <a:bodyPr/>
-                    <a:lstStyle/>
-                    <a:p>
-                      <a:pPr algn="ctr"/>
-                      <a:r>
-                        <a:rPr lang="zh-TW" altLang="en-US" sz="1200" b="0" kern="0" dirty="0">
-                          <a:solidFill>
-                            <a:schemeClr val="tx1"/>
-                          </a:solidFill>
-                        </a:rPr>
-                        <a:t>○</a:t>
-                      </a:r>
-                      <a:endParaRPr lang="zh-TW" altLang="en-US" sz="1200" b="0" dirty="0">
-                        <a:solidFill>
-                          <a:schemeClr val="tx1"/>
-                        </a:solidFill>
-                        <a:latin typeface="微軟正黑體" panose="020B0604030504040204" pitchFamily="34" charset="-120"/>
-                        <a:ea typeface="微軟正黑體" panose="020B0604030504040204" pitchFamily="34" charset="-120"/>
-                      </a:endParaRPr>
-                    </a:p>
-                  </a:txBody>
-                  <a:tcPr marL="9525" marR="9525" marT="9525" marB="0" anchor="ctr"/>
-                </a:tc>
-                <a:tc>
-                  <a:txBody>
-                    <a:bodyPr/>
-                    <a:lstStyle/>
-                    <a:p>
-                      <a:pPr algn="ctr"/>
-                      <a:r>
-                        <a:rPr lang="zh-TW" altLang="en-US" sz="1200" b="0" kern="0">
-                          <a:solidFill>
-                            <a:schemeClr val="tx1"/>
-                          </a:solidFill>
-                        </a:rPr>
-                        <a:t>○</a:t>
-                      </a:r>
-                      <a:endParaRPr lang="zh-TW" altLang="en-US" sz="1200" b="0" dirty="0">
-                        <a:solidFill>
-                          <a:schemeClr val="tx1"/>
-                        </a:solidFill>
-                        <a:latin typeface="微軟正黑體" panose="020B0604030504040204" pitchFamily="34" charset="-120"/>
-                        <a:ea typeface="微軟正黑體" panose="020B0604030504040204" pitchFamily="34" charset="-120"/>
-                      </a:endParaRPr>
-                    </a:p>
-                  </a:txBody>
-                  <a:tcPr marL="9525" marR="9525" marT="9525" marB="0" anchor="ctr"/>
-                </a:tc>
-                <a:tc>
-                  <a:txBody>
-                    <a:bodyPr/>
-                    <a:lstStyle/>
-                    <a:p>
-                      <a:pPr algn="ctr"/>
-                      <a:r>
-                        <a:rPr lang="en-US" altLang="zh-TW" sz="1200" b="0" kern="0" dirty="0">
-                          <a:solidFill>
-                            <a:schemeClr val="tx1"/>
-                          </a:solidFill>
-                        </a:rPr>
-                        <a:t>●</a:t>
-                      </a:r>
-                      <a:endParaRPr lang="zh-TW" altLang="en-US" sz="1200" b="0" dirty="0">
-                        <a:solidFill>
-                          <a:schemeClr val="tx1"/>
-                        </a:solidFill>
-                        <a:latin typeface="微軟正黑體" panose="020B0604030504040204" pitchFamily="34" charset="-120"/>
-                        <a:ea typeface="微軟正黑體" panose="020B0604030504040204" pitchFamily="34" charset="-120"/>
-                      </a:endParaRPr>
-                    </a:p>
-                  </a:txBody>
-                  <a:tcPr marL="9525" marR="9525" marT="9525" marB="0" anchor="ctr"/>
-                </a:tc>
-                <a:tc>
-                  <a:txBody>
-                    <a:bodyPr/>
-                    <a:lstStyle/>
-                    <a:p>
-                      <a:pPr marL="0" marR="0" indent="0" algn="ctr" defTabSz="914400" rtl="0" eaLnBrk="1" fontAlgn="auto" latinLnBrk="0" hangingPunct="1">
+                      <a:pPr marL="0" marR="0" lvl="0" indent="0" algn="ctr" defTabSz="914400" rtl="0" eaLnBrk="1" fontAlgn="auto" latinLnBrk="0" hangingPunct="1">
                         <a:lnSpc>
                           <a:spcPct val="100000"/>
                         </a:lnSpc>
@@ -12365,6 +11904,31 @@
                         <a:defRPr/>
                       </a:pPr>
                       <a:r>
+                        <a:rPr lang="en-US" altLang="zh-TW" sz="1200" b="0" kern="0">
+                          <a:solidFill>
+                            <a:srgbClr val="C00000"/>
+                          </a:solidFill>
+                        </a:rPr>
+                        <a:t>●</a:t>
+                      </a:r>
+                      <a:endParaRPr lang="zh-TW" altLang="en-US" sz="1200" b="0" dirty="0">
+                        <a:solidFill>
+                          <a:srgbClr val="C00000"/>
+                        </a:solidFill>
+                        <a:latin typeface="微軟正黑體" panose="020B0604030504040204" pitchFamily="34" charset="-120"/>
+                        <a:ea typeface="微軟正黑體" panose="020B0604030504040204" pitchFamily="34" charset="-120"/>
+                      </a:endParaRPr>
+                    </a:p>
+                  </a:txBody>
+                  <a:tcPr marL="9525" marR="9525" marT="9525" marB="0" anchor="ctr"/>
+                </a:tc>
+                <a:tc>
+                  <a:txBody>
+                    <a:bodyPr/>
+                    <a:lstStyle/>
+                    <a:p>
+                      <a:pPr algn="ctr"/>
+                      <a:r>
                         <a:rPr lang="en-US" altLang="zh-TW" sz="1200" b="0" kern="0" dirty="0">
                           <a:solidFill>
                             <a:schemeClr val="tx1"/>
@@ -12388,7 +11952,157 @@
                     <a:bodyPr/>
                     <a:lstStyle/>
                     <a:p>
-                      <a:pPr marL="0" marR="0" lvl="0" indent="0" algn="ctr" defTabSz="914400" rtl="0" eaLnBrk="1" fontAlgn="auto" latinLnBrk="0" hangingPunct="1">
+                      <a:pPr algn="ctr"/>
+                      <a:r>
+                        <a:rPr lang="en-US" altLang="zh-TW" sz="1200" b="0" kern="0" dirty="0">
+                          <a:solidFill>
+                            <a:schemeClr val="tx1"/>
+                          </a:solidFill>
+                        </a:rPr>
+                        <a:t>●</a:t>
+                      </a:r>
+                      <a:endParaRPr lang="zh-TW" altLang="en-US" sz="1200" b="0" dirty="0">
+                        <a:solidFill>
+                          <a:schemeClr val="tx1"/>
+                        </a:solidFill>
+                        <a:latin typeface="微軟正黑體" panose="020B0604030504040204" pitchFamily="34" charset="-120"/>
+                        <a:ea typeface="微軟正黑體" panose="020B0604030504040204" pitchFamily="34" charset="-120"/>
+                      </a:endParaRPr>
+                    </a:p>
+                  </a:txBody>
+                  <a:tcPr marL="9525" marR="9525" marT="9525" marB="0" anchor="ctr"/>
+                </a:tc>
+                <a:tc>
+                  <a:txBody>
+                    <a:bodyPr/>
+                    <a:lstStyle/>
+                    <a:p>
+                      <a:pPr algn="ctr"/>
+                      <a:r>
+                        <a:rPr lang="en-US" altLang="zh-TW" sz="1200" b="0" kern="0" dirty="0">
+                          <a:solidFill>
+                            <a:schemeClr val="tx1"/>
+                          </a:solidFill>
+                        </a:rPr>
+                        <a:t>●</a:t>
+                      </a:r>
+                      <a:endParaRPr lang="zh-TW" altLang="en-US" sz="1200" b="0" dirty="0">
+                        <a:solidFill>
+                          <a:schemeClr val="tx1"/>
+                        </a:solidFill>
+                        <a:latin typeface="微軟正黑體" panose="020B0604030504040204" pitchFamily="34" charset="-120"/>
+                        <a:ea typeface="微軟正黑體" panose="020B0604030504040204" pitchFamily="34" charset="-120"/>
+                      </a:endParaRPr>
+                    </a:p>
+                  </a:txBody>
+                  <a:tcPr marL="9525" marR="9525" marT="9525" marB="0" anchor="ctr"/>
+                </a:tc>
+                <a:tc>
+                  <a:txBody>
+                    <a:bodyPr/>
+                    <a:lstStyle/>
+                    <a:p>
+                      <a:pPr algn="ctr"/>
+                      <a:r>
+                        <a:rPr lang="en-US" altLang="zh-TW" sz="1200" b="0" kern="0" dirty="0">
+                          <a:solidFill>
+                            <a:schemeClr val="tx1"/>
+                          </a:solidFill>
+                        </a:rPr>
+                        <a:t>●</a:t>
+                      </a:r>
+                      <a:endParaRPr lang="zh-TW" altLang="en-US" sz="1200" b="0" dirty="0">
+                        <a:solidFill>
+                          <a:schemeClr val="tx1"/>
+                        </a:solidFill>
+                        <a:latin typeface="微軟正黑體" panose="020B0604030504040204" pitchFamily="34" charset="-120"/>
+                        <a:ea typeface="微軟正黑體" panose="020B0604030504040204" pitchFamily="34" charset="-120"/>
+                      </a:endParaRPr>
+                    </a:p>
+                  </a:txBody>
+                  <a:tcPr marL="9525" marR="9525" marT="9525" marB="0" anchor="ctr"/>
+                </a:tc>
+                <a:tc>
+                  <a:txBody>
+                    <a:bodyPr/>
+                    <a:lstStyle/>
+                    <a:p>
+                      <a:pPr algn="ctr"/>
+                      <a:r>
+                        <a:rPr lang="zh-TW" altLang="en-US" sz="1200" b="0" kern="0" dirty="0">
+                          <a:solidFill>
+                            <a:schemeClr val="tx1"/>
+                          </a:solidFill>
+                        </a:rPr>
+                        <a:t>◎</a:t>
+                      </a:r>
+                      <a:endParaRPr lang="zh-TW" altLang="en-US" sz="1200" b="0" dirty="0">
+                        <a:solidFill>
+                          <a:schemeClr val="tx1"/>
+                        </a:solidFill>
+                        <a:latin typeface="微軟正黑體" panose="020B0604030504040204" pitchFamily="34" charset="-120"/>
+                        <a:ea typeface="微軟正黑體" panose="020B0604030504040204" pitchFamily="34" charset="-120"/>
+                      </a:endParaRPr>
+                    </a:p>
+                  </a:txBody>
+                  <a:tcPr marL="9525" marR="9525" marT="9525" marB="0" anchor="ctr"/>
+                </a:tc>
+                <a:tc>
+                  <a:txBody>
+                    <a:bodyPr/>
+                    <a:lstStyle/>
+                    <a:p>
+                      <a:pPr algn="ctr"/>
+                      <a:r>
+                        <a:rPr lang="en-US" altLang="zh-TW" sz="1200" b="0" kern="0">
+                          <a:solidFill>
+                            <a:schemeClr val="tx1"/>
+                          </a:solidFill>
+                        </a:rPr>
+                        <a:t>●</a:t>
+                      </a:r>
+                      <a:endParaRPr lang="zh-TW" altLang="en-US" sz="1200" b="0" dirty="0">
+                        <a:solidFill>
+                          <a:schemeClr val="tx1"/>
+                        </a:solidFill>
+                        <a:latin typeface="微軟正黑體" panose="020B0604030504040204" pitchFamily="34" charset="-120"/>
+                        <a:ea typeface="微軟正黑體" panose="020B0604030504040204" pitchFamily="34" charset="-120"/>
+                      </a:endParaRPr>
+                    </a:p>
+                  </a:txBody>
+                  <a:tcPr marL="9525" marR="9525" marT="9525" marB="0" anchor="ctr"/>
+                </a:tc>
+                <a:tc>
+                  <a:txBody>
+                    <a:bodyPr/>
+                    <a:lstStyle/>
+                    <a:p>
+                      <a:pPr algn="ctr"/>
+                      <a:r>
+                        <a:rPr lang="en-US" altLang="zh-TW" sz="1200" b="0" kern="0" dirty="0">
+                          <a:solidFill>
+                            <a:schemeClr val="tx1"/>
+                          </a:solidFill>
+                        </a:rPr>
+                        <a:t>●</a:t>
+                      </a:r>
+                      <a:endParaRPr lang="zh-TW" altLang="en-US" sz="1200" b="0" dirty="0">
+                        <a:solidFill>
+                          <a:schemeClr val="tx1"/>
+                        </a:solidFill>
+                        <a:latin typeface="微軟正黑體" panose="020B0604030504040204" pitchFamily="34" charset="-120"/>
+                        <a:ea typeface="微軟正黑體" panose="020B0604030504040204" pitchFamily="34" charset="-120"/>
+                      </a:endParaRPr>
+                    </a:p>
+                  </a:txBody>
+                  <a:tcPr marL="9525" marR="9525" marT="9525" marB="0" anchor="ctr"/>
+                </a:tc>
+                <a:tc>
+                  <a:txBody>
+                    <a:bodyPr/>
+                    <a:lstStyle/>
+                    <a:p>
+                      <a:pPr marL="0" marR="0" indent="0" algn="ctr" defTabSz="914400" rtl="0" eaLnBrk="1" fontAlgn="auto" latinLnBrk="0" hangingPunct="1">
                         <a:lnSpc>
                           <a:spcPct val="100000"/>
                         </a:lnSpc>
@@ -12406,205 +12120,23 @@
                         <a:defRPr/>
                       </a:pPr>
                       <a:r>
-                        <a:rPr lang="en-US" altLang="zh-TW" sz="1200" b="0" kern="0">
-                          <a:solidFill>
-                            <a:srgbClr val="C00000"/>
-                          </a:solidFill>
-                        </a:rPr>
-                        <a:t>●</a:t>
-                      </a:r>
-                      <a:endParaRPr lang="zh-TW" altLang="en-US" sz="1200" b="0" dirty="0">
-                        <a:solidFill>
-                          <a:srgbClr val="C00000"/>
-                        </a:solidFill>
-                        <a:latin typeface="微軟正黑體" panose="020B0604030504040204" pitchFamily="34" charset="-120"/>
-                        <a:ea typeface="微軟正黑體" panose="020B0604030504040204" pitchFamily="34" charset="-120"/>
-                      </a:endParaRPr>
-                    </a:p>
-                  </a:txBody>
-                  <a:tcPr marL="9525" marR="9525" marT="9525" marB="0" anchor="ctr"/>
-                </a:tc>
-                <a:tc>
-                  <a:txBody>
-                    <a:bodyPr/>
-                    <a:lstStyle/>
-                    <a:p>
-                      <a:pPr algn="ctr"/>
-                      <a:r>
-                        <a:rPr lang="en-US" altLang="zh-TW" sz="1200" b="0" kern="0" dirty="0">
-                          <a:solidFill>
-                            <a:schemeClr val="tx1"/>
-                          </a:solidFill>
-                        </a:rPr>
-                        <a:t>●</a:t>
-                      </a:r>
-                      <a:endParaRPr lang="zh-TW" altLang="en-US" sz="1200" b="0" dirty="0">
-                        <a:solidFill>
-                          <a:schemeClr val="tx1"/>
-                        </a:solidFill>
-                        <a:latin typeface="微軟正黑體" panose="020B0604030504040204" pitchFamily="34" charset="-120"/>
-                        <a:ea typeface="微軟正黑體" panose="020B0604030504040204" pitchFamily="34" charset="-120"/>
-                      </a:endParaRPr>
-                    </a:p>
-                  </a:txBody>
-                  <a:tcPr marL="9525" marR="9525" marT="9525" marB="0" anchor="ctr"/>
-                </a:tc>
-                <a:tc>
-                  <a:txBody>
-                    <a:bodyPr/>
-                    <a:lstStyle/>
-                    <a:p>
-                      <a:pPr algn="ctr"/>
-                      <a:r>
-                        <a:rPr lang="zh-TW" altLang="en-US" sz="1200" b="0" kern="0" dirty="0">
-                          <a:solidFill>
-                            <a:schemeClr val="tx1"/>
-                          </a:solidFill>
-                        </a:rPr>
-                        <a:t>○</a:t>
-                      </a:r>
-                      <a:endParaRPr lang="zh-TW" altLang="en-US" sz="1200" b="0" dirty="0">
-                        <a:solidFill>
-                          <a:schemeClr val="tx1"/>
-                        </a:solidFill>
-                        <a:latin typeface="微軟正黑體" panose="020B0604030504040204" pitchFamily="34" charset="-120"/>
-                        <a:ea typeface="微軟正黑體" panose="020B0604030504040204" pitchFamily="34" charset="-120"/>
-                      </a:endParaRPr>
-                    </a:p>
-                  </a:txBody>
-                  <a:tcPr marL="9525" marR="9525" marT="9525" marB="0" anchor="ctr"/>
-                </a:tc>
-                <a:tc>
-                  <a:txBody>
-                    <a:bodyPr/>
-                    <a:lstStyle/>
-                    <a:p>
-                      <a:pPr algn="ctr"/>
-                      <a:r>
-                        <a:rPr lang="en-US" altLang="zh-TW" sz="1200" b="0" kern="0" dirty="0">
-                          <a:solidFill>
-                            <a:schemeClr val="tx1"/>
-                          </a:solidFill>
-                        </a:rPr>
-                        <a:t>●</a:t>
-                      </a:r>
-                      <a:endParaRPr lang="zh-TW" altLang="en-US" sz="1200" b="0" dirty="0">
-                        <a:solidFill>
-                          <a:schemeClr val="tx1"/>
-                        </a:solidFill>
-                        <a:latin typeface="微軟正黑體" panose="020B0604030504040204" pitchFamily="34" charset="-120"/>
-                        <a:ea typeface="微軟正黑體" panose="020B0604030504040204" pitchFamily="34" charset="-120"/>
-                      </a:endParaRPr>
-                    </a:p>
-                  </a:txBody>
-                  <a:tcPr marL="9525" marR="9525" marT="9525" marB="0" anchor="ctr"/>
-                </a:tc>
-                <a:tc>
-                  <a:txBody>
-                    <a:bodyPr/>
-                    <a:lstStyle/>
-                    <a:p>
-                      <a:pPr algn="ctr"/>
-                      <a:r>
-                        <a:rPr lang="en-US" altLang="zh-TW" sz="1200" b="0" kern="0" dirty="0">
-                          <a:solidFill>
-                            <a:schemeClr val="tx1"/>
-                          </a:solidFill>
-                        </a:rPr>
-                        <a:t>●</a:t>
-                      </a:r>
-                      <a:endParaRPr lang="zh-TW" altLang="en-US" sz="1200" b="0" dirty="0">
-                        <a:solidFill>
-                          <a:schemeClr val="tx1"/>
-                        </a:solidFill>
-                        <a:latin typeface="微軟正黑體" panose="020B0604030504040204" pitchFamily="34" charset="-120"/>
-                        <a:ea typeface="微軟正黑體" panose="020B0604030504040204" pitchFamily="34" charset="-120"/>
-                      </a:endParaRPr>
-                    </a:p>
-                  </a:txBody>
-                  <a:tcPr marL="9525" marR="9525" marT="9525" marB="0" anchor="ctr"/>
-                </a:tc>
-                <a:tc>
-                  <a:txBody>
-                    <a:bodyPr/>
-                    <a:lstStyle/>
-                    <a:p>
-                      <a:pPr algn="ctr"/>
-                      <a:r>
-                        <a:rPr lang="zh-TW" altLang="en-US" sz="1200" b="0" kern="0" dirty="0">
-                          <a:solidFill>
-                            <a:schemeClr val="tx1"/>
-                          </a:solidFill>
-                        </a:rPr>
-                        <a:t>◎</a:t>
-                      </a:r>
-                      <a:endParaRPr lang="zh-TW" altLang="en-US" sz="1200" b="0" dirty="0">
-                        <a:solidFill>
-                          <a:schemeClr val="tx1"/>
-                        </a:solidFill>
-                        <a:latin typeface="微軟正黑體" panose="020B0604030504040204" pitchFamily="34" charset="-120"/>
-                        <a:ea typeface="微軟正黑體" panose="020B0604030504040204" pitchFamily="34" charset="-120"/>
-                      </a:endParaRPr>
-                    </a:p>
-                  </a:txBody>
-                  <a:tcPr marL="9525" marR="9525" marT="9525" marB="0" anchor="ctr"/>
-                </a:tc>
-                <a:tc>
-                  <a:txBody>
-                    <a:bodyPr/>
-                    <a:lstStyle/>
-                    <a:p>
-                      <a:pPr algn="ctr"/>
-                      <a:r>
-                        <a:rPr lang="en-US" altLang="zh-TW" sz="1200" b="0" kern="0" dirty="0">
-                          <a:solidFill>
-                            <a:schemeClr val="tx1"/>
-                          </a:solidFill>
-                        </a:rPr>
-                        <a:t>●</a:t>
-                      </a:r>
-                      <a:endParaRPr lang="zh-TW" altLang="en-US" sz="1200" b="0" dirty="0">
-                        <a:solidFill>
-                          <a:schemeClr val="tx1"/>
-                        </a:solidFill>
-                        <a:latin typeface="微軟正黑體" panose="020B0604030504040204" pitchFamily="34" charset="-120"/>
-                        <a:ea typeface="微軟正黑體" panose="020B0604030504040204" pitchFamily="34" charset="-120"/>
-                      </a:endParaRPr>
-                    </a:p>
-                  </a:txBody>
-                  <a:tcPr marL="9525" marR="9525" marT="9525" marB="0" anchor="ctr"/>
-                </a:tc>
-                <a:tc>
-                  <a:txBody>
-                    <a:bodyPr/>
-                    <a:lstStyle/>
-                    <a:p>
-                      <a:pPr algn="ctr"/>
-                      <a:r>
-                        <a:rPr lang="en-US" altLang="zh-TW" sz="1200" b="0" kern="0" dirty="0">
-                          <a:solidFill>
-                            <a:schemeClr val="tx1"/>
-                          </a:solidFill>
-                        </a:rPr>
-                        <a:t>●</a:t>
-                      </a:r>
-                      <a:endParaRPr lang="zh-TW" altLang="en-US" sz="1200" b="0" dirty="0">
-                        <a:solidFill>
-                          <a:schemeClr val="tx1"/>
-                        </a:solidFill>
-                        <a:latin typeface="微軟正黑體" panose="020B0604030504040204" pitchFamily="34" charset="-120"/>
-                        <a:ea typeface="微軟正黑體" panose="020B0604030504040204" pitchFamily="34" charset="-120"/>
-                      </a:endParaRPr>
-                    </a:p>
-                  </a:txBody>
-                  <a:tcPr marL="9525" marR="9525" marT="9525" marB="0" anchor="ctr"/>
-                </a:tc>
-                <a:tc>
-                  <a:txBody>
-                    <a:bodyPr/>
-                    <a:lstStyle/>
-                    <a:p>
-                      <a:pPr marL="0" marR="0" lvl="0" indent="0" algn="ctr" defTabSz="914400" rtl="0" eaLnBrk="1" fontAlgn="auto" latinLnBrk="0" hangingPunct="1">
+                        <a:rPr lang="zh-TW" altLang="en-US" sz="1200" b="0" dirty="0">
+                          <a:solidFill>
+                            <a:schemeClr val="tx1"/>
+                          </a:solidFill>
+                        </a:rPr>
+                        <a:t>─</a:t>
+                      </a:r>
+                    </a:p>
+                  </a:txBody>
+                  <a:tcPr marL="9525" marR="9525" marT="9525" marB="0" anchor="ctr"/>
+                </a:tc>
+                <a:tc>
+                  <a:txBody>
+                    <a:bodyPr/>
+                    <a:lstStyle/>
+                    <a:p>
+                      <a:pPr marL="0" marR="0" indent="0" algn="ctr" defTabSz="914400" rtl="0" eaLnBrk="1" fontAlgn="auto" latinLnBrk="0" hangingPunct="1">
                         <a:lnSpc>
                           <a:spcPct val="100000"/>
                         </a:lnSpc>
@@ -12622,23 +12154,254 @@
                         <a:defRPr/>
                       </a:pPr>
                       <a:r>
-                        <a:rPr lang="zh-TW" altLang="en-US" sz="1200" b="0" dirty="0">
-                          <a:solidFill>
-                            <a:schemeClr val="tx1"/>
-                          </a:solidFill>
-                        </a:rPr>
-                        <a:t>─</a:t>
-                      </a:r>
-                    </a:p>
-                  </a:txBody>
-                  <a:tcPr marL="9525" marR="9525" marT="9525" marB="0" anchor="ctr"/>
-                </a:tc>
-                <a:tc>
-                  <a:txBody>
-                    <a:bodyPr/>
-                    <a:lstStyle/>
-                    <a:p>
-                      <a:pPr marL="0" marR="0" lvl="0" indent="0" algn="ctr" defTabSz="914400" rtl="0" eaLnBrk="1" fontAlgn="auto" latinLnBrk="0" hangingPunct="1">
+                        <a:rPr lang="zh-TW" altLang="en-US" sz="1200" b="0" kern="0" dirty="0">
+                          <a:solidFill>
+                            <a:schemeClr val="tx1"/>
+                          </a:solidFill>
+                        </a:rPr>
+                        <a:t>△</a:t>
+                      </a:r>
+                      <a:endParaRPr lang="zh-TW" altLang="en-US" sz="1200" b="0" dirty="0">
+                        <a:solidFill>
+                          <a:schemeClr val="tx1"/>
+                        </a:solidFill>
+                      </a:endParaRPr>
+                    </a:p>
+                  </a:txBody>
+                  <a:tcPr marL="9525" marR="9525" marT="9525" marB="0" anchor="ctr"/>
+                </a:tc>
+                <a:tc>
+                  <a:txBody>
+                    <a:bodyPr/>
+                    <a:lstStyle/>
+                    <a:p>
+                      <a:pPr algn="ctr"/>
+                      <a:r>
+                        <a:rPr lang="zh-TW" altLang="en-US" sz="1200" b="0" kern="0" dirty="0">
+                          <a:solidFill>
+                            <a:schemeClr val="tx1"/>
+                          </a:solidFill>
+                        </a:rPr>
+                        <a:t>○</a:t>
+                      </a:r>
+                      <a:endParaRPr lang="zh-TW" altLang="en-US" sz="1200" b="0" dirty="0">
+                        <a:solidFill>
+                          <a:schemeClr val="tx1"/>
+                        </a:solidFill>
+                        <a:latin typeface="微軟正黑體" panose="020B0604030504040204" pitchFamily="34" charset="-120"/>
+                        <a:ea typeface="微軟正黑體" panose="020B0604030504040204" pitchFamily="34" charset="-120"/>
+                      </a:endParaRPr>
+                    </a:p>
+                  </a:txBody>
+                  <a:tcPr marL="9525" marR="9525" marT="9525" marB="0" anchor="ctr"/>
+                </a:tc>
+                <a:tc>
+                  <a:txBody>
+                    <a:bodyPr/>
+                    <a:lstStyle/>
+                    <a:p>
+                      <a:pPr algn="ctr"/>
+                      <a:r>
+                        <a:rPr lang="en-US" altLang="zh-TW" sz="1200" b="0" kern="0">
+                          <a:solidFill>
+                            <a:schemeClr val="tx1"/>
+                          </a:solidFill>
+                        </a:rPr>
+                        <a:t>●</a:t>
+                      </a:r>
+                      <a:endParaRPr lang="zh-TW" altLang="en-US" sz="1200" b="0" dirty="0">
+                        <a:solidFill>
+                          <a:schemeClr val="tx1"/>
+                        </a:solidFill>
+                        <a:latin typeface="微軟正黑體" panose="020B0604030504040204" pitchFamily="34" charset="-120"/>
+                        <a:ea typeface="微軟正黑體" panose="020B0604030504040204" pitchFamily="34" charset="-120"/>
+                      </a:endParaRPr>
+                    </a:p>
+                  </a:txBody>
+                  <a:tcPr marL="9525" marR="9525" marT="9525" marB="0" anchor="ctr"/>
+                </a:tc>
+                <a:extLst>
+                  <a:ext uri="{0D108BD9-81ED-4DB2-BD59-A6C34878D82A}">
+                    <a16:rowId xmlns:a16="http://schemas.microsoft.com/office/drawing/2014/main" xmlns="" val="10008"/>
+                  </a:ext>
+                </a:extLst>
+              </a:tr>
+              <a:tr h="370154">
+                <a:tc>
+                  <a:txBody>
+                    <a:bodyPr/>
+                    <a:lstStyle/>
+                    <a:p>
+                      <a:pPr algn="ctr" rtl="0" fontAlgn="b"/>
+                      <a:r>
+                        <a:rPr lang="zh-TW" altLang="en-US" sz="1200" u="none" strike="noStrike" dirty="0">
+                          <a:effectLst/>
+                          <a:latin typeface="微軟正黑體" panose="020B0604030504040204" pitchFamily="34" charset="-120"/>
+                          <a:ea typeface="微軟正黑體" panose="020B0604030504040204" pitchFamily="34" charset="-120"/>
+                        </a:rPr>
+                        <a:t>彰化縣政府</a:t>
+                      </a:r>
+                      <a:endParaRPr lang="zh-TW" altLang="en-US" sz="1200" b="1" i="0" u="none" strike="noStrike" dirty="0">
+                        <a:solidFill>
+                          <a:schemeClr val="bg1"/>
+                        </a:solidFill>
+                        <a:effectLst/>
+                        <a:latin typeface="微軟正黑體" panose="020B0604030504040204" pitchFamily="34" charset="-120"/>
+                        <a:ea typeface="微軟正黑體" panose="020B0604030504040204" pitchFamily="34" charset="-120"/>
+                      </a:endParaRPr>
+                    </a:p>
+                  </a:txBody>
+                  <a:tcPr marL="9525" marR="9525" marT="9525" marB="0" anchor="ctr"/>
+                </a:tc>
+                <a:tc>
+                  <a:txBody>
+                    <a:bodyPr/>
+                    <a:lstStyle/>
+                    <a:p>
+                      <a:pPr algn="ctr"/>
+                      <a:r>
+                        <a:rPr lang="en-US" altLang="zh-TW" sz="1200" kern="0" dirty="0"/>
+                        <a:t>●</a:t>
+                      </a:r>
+                      <a:endParaRPr lang="zh-TW" altLang="en-US" sz="1200" dirty="0">
+                        <a:latin typeface="微軟正黑體" panose="020B0604030504040204" pitchFamily="34" charset="-120"/>
+                        <a:ea typeface="微軟正黑體" panose="020B0604030504040204" pitchFamily="34" charset="-120"/>
+                      </a:endParaRPr>
+                    </a:p>
+                  </a:txBody>
+                  <a:tcPr marL="9525" marR="9525" marT="9525" marB="0" anchor="ctr"/>
+                </a:tc>
+                <a:tc>
+                  <a:txBody>
+                    <a:bodyPr/>
+                    <a:lstStyle/>
+                    <a:p>
+                      <a:pPr algn="ctr"/>
+                      <a:r>
+                        <a:rPr lang="en-US" altLang="zh-TW" sz="1200" b="0" kern="0" dirty="0">
+                          <a:solidFill>
+                            <a:schemeClr val="tx1"/>
+                          </a:solidFill>
+                        </a:rPr>
+                        <a:t>●</a:t>
+                      </a:r>
+                      <a:endParaRPr lang="zh-TW" altLang="en-US" sz="1200" b="0" dirty="0">
+                        <a:solidFill>
+                          <a:schemeClr val="tx1"/>
+                        </a:solidFill>
+                        <a:latin typeface="微軟正黑體" panose="020B0604030504040204" pitchFamily="34" charset="-120"/>
+                        <a:ea typeface="微軟正黑體" panose="020B0604030504040204" pitchFamily="34" charset="-120"/>
+                      </a:endParaRPr>
+                    </a:p>
+                  </a:txBody>
+                  <a:tcPr marL="9525" marR="9525" marT="9525" marB="0" anchor="ctr"/>
+                </a:tc>
+                <a:tc>
+                  <a:txBody>
+                    <a:bodyPr/>
+                    <a:lstStyle/>
+                    <a:p>
+                      <a:pPr algn="ctr"/>
+                      <a:r>
+                        <a:rPr lang="en-US" altLang="zh-TW" sz="1200" b="0" kern="0" dirty="0">
+                          <a:solidFill>
+                            <a:schemeClr val="tx1"/>
+                          </a:solidFill>
+                        </a:rPr>
+                        <a:t>●</a:t>
+                      </a:r>
+                      <a:endParaRPr lang="zh-TW" altLang="en-US" sz="1200" b="0" dirty="0">
+                        <a:solidFill>
+                          <a:schemeClr val="tx1"/>
+                        </a:solidFill>
+                        <a:latin typeface="微軟正黑體" panose="020B0604030504040204" pitchFamily="34" charset="-120"/>
+                        <a:ea typeface="微軟正黑體" panose="020B0604030504040204" pitchFamily="34" charset="-120"/>
+                      </a:endParaRPr>
+                    </a:p>
+                  </a:txBody>
+                  <a:tcPr marL="9525" marR="9525" marT="9525" marB="0" anchor="ctr"/>
+                </a:tc>
+                <a:tc>
+                  <a:txBody>
+                    <a:bodyPr/>
+                    <a:lstStyle/>
+                    <a:p>
+                      <a:pPr algn="ctr"/>
+                      <a:r>
+                        <a:rPr lang="zh-TW" altLang="en-US" sz="1200" b="0" kern="0" dirty="0">
+                          <a:solidFill>
+                            <a:schemeClr val="tx1"/>
+                          </a:solidFill>
+                        </a:rPr>
+                        <a:t>○</a:t>
+                      </a:r>
+                      <a:endParaRPr lang="zh-TW" altLang="en-US" sz="1200" b="0" dirty="0">
+                        <a:solidFill>
+                          <a:schemeClr val="tx1"/>
+                        </a:solidFill>
+                        <a:latin typeface="微軟正黑體" panose="020B0604030504040204" pitchFamily="34" charset="-120"/>
+                        <a:ea typeface="微軟正黑體" panose="020B0604030504040204" pitchFamily="34" charset="-120"/>
+                      </a:endParaRPr>
+                    </a:p>
+                  </a:txBody>
+                  <a:tcPr marL="9525" marR="9525" marT="9525" marB="0" anchor="ctr"/>
+                </a:tc>
+                <a:tc>
+                  <a:txBody>
+                    <a:bodyPr/>
+                    <a:lstStyle/>
+                    <a:p>
+                      <a:pPr algn="ctr"/>
+                      <a:r>
+                        <a:rPr lang="zh-TW" altLang="en-US" sz="1200" b="0" kern="0">
+                          <a:solidFill>
+                            <a:schemeClr val="tx1"/>
+                          </a:solidFill>
+                        </a:rPr>
+                        <a:t>○</a:t>
+                      </a:r>
+                      <a:endParaRPr lang="zh-TW" altLang="en-US" sz="1200" b="0" dirty="0">
+                        <a:solidFill>
+                          <a:schemeClr val="tx1"/>
+                        </a:solidFill>
+                        <a:latin typeface="微軟正黑體" panose="020B0604030504040204" pitchFamily="34" charset="-120"/>
+                        <a:ea typeface="微軟正黑體" panose="020B0604030504040204" pitchFamily="34" charset="-120"/>
+                      </a:endParaRPr>
+                    </a:p>
+                  </a:txBody>
+                  <a:tcPr marL="9525" marR="9525" marT="9525" marB="0" anchor="ctr"/>
+                </a:tc>
+                <a:tc>
+                  <a:txBody>
+                    <a:bodyPr/>
+                    <a:lstStyle/>
+                    <a:p>
+                      <a:pPr algn="ctr"/>
+                      <a:r>
+                        <a:rPr lang="en-US" altLang="zh-TW" sz="1200" b="0" kern="0" dirty="0">
+                          <a:solidFill>
+                            <a:schemeClr val="tx1"/>
+                          </a:solidFill>
+                        </a:rPr>
+                        <a:t>●</a:t>
+                      </a:r>
+                      <a:endParaRPr lang="zh-TW" altLang="en-US" sz="1200" b="0" dirty="0">
+                        <a:solidFill>
+                          <a:schemeClr val="tx1"/>
+                        </a:solidFill>
+                        <a:latin typeface="微軟正黑體" panose="020B0604030504040204" pitchFamily="34" charset="-120"/>
+                        <a:ea typeface="微軟正黑體" panose="020B0604030504040204" pitchFamily="34" charset="-120"/>
+                      </a:endParaRPr>
+                    </a:p>
+                  </a:txBody>
+                  <a:tcPr marL="9525" marR="9525" marT="9525" marB="0" anchor="ctr"/>
+                </a:tc>
+                <a:tc>
+                  <a:txBody>
+                    <a:bodyPr/>
+                    <a:lstStyle/>
+                    <a:p>
+                      <a:pPr marL="0" marR="0" indent="0" algn="ctr" defTabSz="914400" rtl="0" eaLnBrk="1" fontAlgn="auto" latinLnBrk="0" hangingPunct="1">
                         <a:lnSpc>
                           <a:spcPct val="100000"/>
                         </a:lnSpc>
@@ -12656,54 +12419,6 @@
                         <a:defRPr/>
                       </a:pPr>
                       <a:r>
-                        <a:rPr lang="zh-TW" altLang="en-US" sz="1200" b="0" kern="0" dirty="0">
-                          <a:solidFill>
-                            <a:schemeClr val="tx1"/>
-                          </a:solidFill>
-                        </a:rPr>
-                        <a:t>△</a:t>
-                      </a:r>
-                      <a:endParaRPr lang="zh-TW" altLang="en-US" sz="1200" b="0" dirty="0">
-                        <a:solidFill>
-                          <a:schemeClr val="tx1"/>
-                        </a:solidFill>
-                      </a:endParaRPr>
-                    </a:p>
-                  </a:txBody>
-                  <a:tcPr marL="9525" marR="9525" marT="9525" marB="0" anchor="ctr"/>
-                </a:tc>
-                <a:tc>
-                  <a:txBody>
-                    <a:bodyPr/>
-                    <a:lstStyle/>
-                    <a:p>
-                      <a:pPr algn="ctr"/>
-                      <a:r>
-                        <a:rPr lang="zh-TW" altLang="en-US" sz="1200" b="0" kern="0" dirty="0">
-                          <a:solidFill>
-                            <a:schemeClr val="tx1"/>
-                          </a:solidFill>
-                        </a:rPr>
-                        <a:t>○</a:t>
-                      </a:r>
-                      <a:endParaRPr lang="zh-TW" altLang="en-US" sz="1200" b="0" dirty="0">
-                        <a:solidFill>
-                          <a:schemeClr val="tx1"/>
-                        </a:solidFill>
-                        <a:latin typeface="微軟正黑體" panose="020B0604030504040204" pitchFamily="34" charset="-120"/>
-                        <a:ea typeface="微軟正黑體" panose="020B0604030504040204" pitchFamily="34" charset="-120"/>
-                      </a:endParaRPr>
-                    </a:p>
-                  </a:txBody>
-                  <a:tcPr marL="9525" marR="9525" marT="9525" marB="0" anchor="ctr"/>
-                </a:tc>
-                <a:tc>
-                  <a:txBody>
-                    <a:bodyPr/>
-                    <a:lstStyle/>
-                    <a:p>
-                      <a:pPr algn="ctr"/>
-                      <a:r>
                         <a:rPr lang="en-US" altLang="zh-TW" sz="1200" b="0" kern="0" dirty="0">
                           <a:solidFill>
                             <a:schemeClr val="tx1"/>
@@ -12722,183 +12437,12 @@
                   </a:txBody>
                   <a:tcPr marL="9525" marR="9525" marT="9525" marB="0" anchor="ctr"/>
                 </a:tc>
-                <a:extLst>
-                  <a:ext uri="{0D108BD9-81ED-4DB2-BD59-A6C34878D82A}">
-                    <a16:rowId xmlns="" xmlns:a16="http://schemas.microsoft.com/office/drawing/2014/main" val="10010"/>
-                  </a:ext>
-                </a:extLst>
-              </a:tr>
-              <a:tr h="370154">
-                <a:tc>
-                  <a:txBody>
-                    <a:bodyPr/>
-                    <a:lstStyle/>
-                    <a:p>
-                      <a:pPr algn="ctr"/>
-                      <a:r>
-                        <a:rPr lang="zh-TW" altLang="en-US" sz="1200" dirty="0">
-                          <a:latin typeface="微軟正黑體" panose="020B0604030504040204" pitchFamily="34" charset="-120"/>
-                          <a:ea typeface="微軟正黑體" panose="020B0604030504040204" pitchFamily="34" charset="-120"/>
-                        </a:rPr>
-                        <a:t>南投縣政府</a:t>
-                      </a:r>
-                      <a:endParaRPr lang="zh-TW" altLang="en-US" sz="1200" b="1" dirty="0">
-                        <a:latin typeface="微軟正黑體" panose="020B0604030504040204" pitchFamily="34" charset="-120"/>
-                        <a:ea typeface="微軟正黑體" panose="020B0604030504040204" pitchFamily="34" charset="-120"/>
-                      </a:endParaRPr>
-                    </a:p>
-                  </a:txBody>
-                  <a:tcPr marL="9525" marR="9525" marT="9525" marB="0" anchor="ctr"/>
-                </a:tc>
-                <a:tc>
-                  <a:txBody>
-                    <a:bodyPr/>
-                    <a:lstStyle/>
-                    <a:p>
-                      <a:pPr algn="ctr"/>
-                      <a:r>
-                        <a:rPr lang="en-US" altLang="zh-TW" sz="1200" kern="0" dirty="0"/>
-                        <a:t>●</a:t>
-                      </a:r>
-                      <a:endParaRPr lang="zh-TW" altLang="en-US" sz="1200" dirty="0">
-                        <a:latin typeface="微軟正黑體" panose="020B0604030504040204" pitchFamily="34" charset="-120"/>
-                        <a:ea typeface="微軟正黑體" panose="020B0604030504040204" pitchFamily="34" charset="-120"/>
-                      </a:endParaRPr>
-                    </a:p>
-                  </a:txBody>
-                  <a:tcPr marL="9525" marR="9525" marT="9525" marB="0" anchor="ctr"/>
-                </a:tc>
-                <a:tc>
-                  <a:txBody>
-                    <a:bodyPr/>
-                    <a:lstStyle/>
-                    <a:p>
-                      <a:pPr algn="ctr"/>
-                      <a:r>
-                        <a:rPr lang="en-US" altLang="zh-TW" sz="1200" b="0" kern="0" dirty="0">
-                          <a:solidFill>
-                            <a:schemeClr val="tx1"/>
-                          </a:solidFill>
-                        </a:rPr>
-                        <a:t>●</a:t>
-                      </a:r>
-                      <a:endParaRPr lang="zh-TW" altLang="en-US" sz="1200" b="0" dirty="0">
-                        <a:solidFill>
-                          <a:schemeClr val="tx1"/>
-                        </a:solidFill>
-                        <a:latin typeface="微軟正黑體" panose="020B0604030504040204" pitchFamily="34" charset="-120"/>
-                        <a:ea typeface="微軟正黑體" panose="020B0604030504040204" pitchFamily="34" charset="-120"/>
-                      </a:endParaRPr>
-                    </a:p>
-                  </a:txBody>
-                  <a:tcPr marL="9525" marR="9525" marT="9525" marB="0" anchor="ctr"/>
-                </a:tc>
-                <a:tc>
-                  <a:txBody>
-                    <a:bodyPr/>
-                    <a:lstStyle/>
-                    <a:p>
-                      <a:pPr algn="ctr"/>
-                      <a:r>
-                        <a:rPr lang="en-US" altLang="zh-TW" sz="1200" b="0" kern="0" dirty="0">
-                          <a:solidFill>
-                            <a:schemeClr val="tx1"/>
-                          </a:solidFill>
-                        </a:rPr>
-                        <a:t>●</a:t>
-                      </a:r>
-                      <a:endParaRPr lang="zh-TW" altLang="en-US" sz="1200" b="0" dirty="0">
-                        <a:solidFill>
-                          <a:schemeClr val="tx1"/>
-                        </a:solidFill>
-                        <a:latin typeface="微軟正黑體" panose="020B0604030504040204" pitchFamily="34" charset="-120"/>
-                        <a:ea typeface="微軟正黑體" panose="020B0604030504040204" pitchFamily="34" charset="-120"/>
-                      </a:endParaRPr>
-                    </a:p>
-                  </a:txBody>
-                  <a:tcPr marL="9525" marR="9525" marT="9525" marB="0" anchor="ctr"/>
-                </a:tc>
-                <a:tc>
-                  <a:txBody>
-                    <a:bodyPr/>
-                    <a:lstStyle/>
-                    <a:p>
-                      <a:pPr algn="ctr"/>
-                      <a:r>
-                        <a:rPr lang="zh-TW" altLang="en-US" sz="1200" b="0" kern="0" dirty="0">
-                          <a:solidFill>
-                            <a:schemeClr val="tx1"/>
-                          </a:solidFill>
-                        </a:rPr>
-                        <a:t>○</a:t>
-                      </a:r>
-                      <a:endParaRPr lang="zh-TW" altLang="en-US" sz="1200" b="0" dirty="0">
-                        <a:solidFill>
-                          <a:schemeClr val="tx1"/>
-                        </a:solidFill>
-                        <a:latin typeface="微軟正黑體" panose="020B0604030504040204" pitchFamily="34" charset="-120"/>
-                        <a:ea typeface="微軟正黑體" panose="020B0604030504040204" pitchFamily="34" charset="-120"/>
-                      </a:endParaRPr>
-                    </a:p>
-                  </a:txBody>
-                  <a:tcPr marL="9525" marR="9525" marT="9525" marB="0" anchor="ctr"/>
-                </a:tc>
-                <a:tc>
-                  <a:txBody>
-                    <a:bodyPr/>
-                    <a:lstStyle/>
-                    <a:p>
-                      <a:pPr algn="ctr"/>
-                      <a:r>
-                        <a:rPr lang="zh-TW" altLang="en-US" sz="1200" b="0" kern="0" dirty="0">
-                          <a:solidFill>
-                            <a:schemeClr val="tx1"/>
-                          </a:solidFill>
-                        </a:rPr>
-                        <a:t>○</a:t>
-                      </a:r>
-                      <a:endParaRPr lang="zh-TW" altLang="en-US" sz="1200" b="0" dirty="0">
-                        <a:solidFill>
-                          <a:schemeClr val="tx1"/>
-                        </a:solidFill>
-                        <a:latin typeface="微軟正黑體" panose="020B0604030504040204" pitchFamily="34" charset="-120"/>
-                        <a:ea typeface="微軟正黑體" panose="020B0604030504040204" pitchFamily="34" charset="-120"/>
-                      </a:endParaRPr>
-                    </a:p>
-                  </a:txBody>
-                  <a:tcPr marL="9525" marR="9525" marT="9525" marB="0" anchor="ctr"/>
-                </a:tc>
-                <a:tc>
-                  <a:txBody>
-                    <a:bodyPr/>
-                    <a:lstStyle/>
-                    <a:p>
-                      <a:pPr algn="ctr"/>
-                      <a:r>
-                        <a:rPr lang="en-US" altLang="zh-TW" sz="1200" b="0" kern="0" dirty="0">
-                          <a:solidFill>
-                            <a:schemeClr val="tx1"/>
-                          </a:solidFill>
-                        </a:rPr>
-                        <a:t>●</a:t>
-                      </a:r>
-                      <a:endParaRPr lang="zh-TW" altLang="en-US" sz="1200" b="0" dirty="0">
-                        <a:solidFill>
-                          <a:schemeClr val="tx1"/>
-                        </a:solidFill>
-                        <a:latin typeface="微軟正黑體" panose="020B0604030504040204" pitchFamily="34" charset="-120"/>
-                        <a:ea typeface="微軟正黑體" panose="020B0604030504040204" pitchFamily="34" charset="-120"/>
-                      </a:endParaRPr>
-                    </a:p>
-                  </a:txBody>
-                  <a:tcPr marL="9525" marR="9525" marT="9525" marB="0" anchor="ctr"/>
-                </a:tc>
-                <a:tc>
-                  <a:txBody>
-                    <a:bodyPr/>
-                    <a:lstStyle/>
-                    <a:p>
-                      <a:pPr marL="0" marR="0" indent="0" algn="ctr" defTabSz="914400" rtl="0" eaLnBrk="1" fontAlgn="auto" latinLnBrk="0" hangingPunct="1">
+                <a:tc>
+                  <a:txBody>
+                    <a:bodyPr/>
+                    <a:lstStyle/>
+                    <a:p>
+                      <a:pPr marL="0" marR="0" lvl="0" indent="0" algn="ctr" defTabSz="914400" rtl="0" eaLnBrk="1" fontAlgn="auto" latinLnBrk="0" hangingPunct="1">
                         <a:lnSpc>
                           <a:spcPct val="100000"/>
                         </a:lnSpc>
@@ -12916,6 +12460,181 @@
                         <a:defRPr/>
                       </a:pPr>
                       <a:r>
+                        <a:rPr lang="en-US" altLang="zh-TW" sz="1200" b="0" kern="0">
+                          <a:solidFill>
+                            <a:srgbClr val="C00000"/>
+                          </a:solidFill>
+                        </a:rPr>
+                        <a:t>●</a:t>
+                      </a:r>
+                      <a:endParaRPr lang="zh-TW" altLang="en-US" sz="1200" b="0" dirty="0">
+                        <a:solidFill>
+                          <a:srgbClr val="C00000"/>
+                        </a:solidFill>
+                        <a:latin typeface="微軟正黑體" panose="020B0604030504040204" pitchFamily="34" charset="-120"/>
+                        <a:ea typeface="微軟正黑體" panose="020B0604030504040204" pitchFamily="34" charset="-120"/>
+                      </a:endParaRPr>
+                    </a:p>
+                  </a:txBody>
+                  <a:tcPr marL="9525" marR="9525" marT="9525" marB="0" anchor="ctr"/>
+                </a:tc>
+                <a:tc>
+                  <a:txBody>
+                    <a:bodyPr/>
+                    <a:lstStyle/>
+                    <a:p>
+                      <a:pPr algn="ctr"/>
+                      <a:r>
+                        <a:rPr lang="en-US" altLang="zh-TW" sz="1200" b="0" kern="0" dirty="0">
+                          <a:solidFill>
+                            <a:schemeClr val="tx1"/>
+                          </a:solidFill>
+                        </a:rPr>
+                        <a:t>●</a:t>
+                      </a:r>
+                      <a:endParaRPr lang="zh-TW" altLang="en-US" sz="1200" b="0" dirty="0">
+                        <a:solidFill>
+                          <a:schemeClr val="tx1"/>
+                        </a:solidFill>
+                        <a:latin typeface="微軟正黑體" panose="020B0604030504040204" pitchFamily="34" charset="-120"/>
+                        <a:ea typeface="微軟正黑體" panose="020B0604030504040204" pitchFamily="34" charset="-120"/>
+                      </a:endParaRPr>
+                    </a:p>
+                  </a:txBody>
+                  <a:tcPr marL="9525" marR="9525" marT="9525" marB="0" anchor="ctr"/>
+                </a:tc>
+                <a:tc>
+                  <a:txBody>
+                    <a:bodyPr/>
+                    <a:lstStyle/>
+                    <a:p>
+                      <a:pPr algn="ctr"/>
+                      <a:r>
+                        <a:rPr lang="zh-TW" altLang="en-US" sz="1200" b="0" kern="0" dirty="0">
+                          <a:solidFill>
+                            <a:schemeClr val="tx1"/>
+                          </a:solidFill>
+                        </a:rPr>
+                        <a:t>○</a:t>
+                      </a:r>
+                      <a:endParaRPr lang="zh-TW" altLang="en-US" sz="1200" b="0" dirty="0">
+                        <a:solidFill>
+                          <a:schemeClr val="tx1"/>
+                        </a:solidFill>
+                        <a:latin typeface="微軟正黑體" panose="020B0604030504040204" pitchFamily="34" charset="-120"/>
+                        <a:ea typeface="微軟正黑體" panose="020B0604030504040204" pitchFamily="34" charset="-120"/>
+                      </a:endParaRPr>
+                    </a:p>
+                  </a:txBody>
+                  <a:tcPr marL="9525" marR="9525" marT="9525" marB="0" anchor="ctr"/>
+                </a:tc>
+                <a:tc>
+                  <a:txBody>
+                    <a:bodyPr/>
+                    <a:lstStyle/>
+                    <a:p>
+                      <a:pPr algn="ctr"/>
+                      <a:r>
+                        <a:rPr lang="en-US" altLang="zh-TW" sz="1200" b="0" kern="0" dirty="0">
+                          <a:solidFill>
+                            <a:schemeClr val="tx1"/>
+                          </a:solidFill>
+                        </a:rPr>
+                        <a:t>●</a:t>
+                      </a:r>
+                      <a:endParaRPr lang="zh-TW" altLang="en-US" sz="1200" b="0" dirty="0">
+                        <a:solidFill>
+                          <a:schemeClr val="tx1"/>
+                        </a:solidFill>
+                        <a:latin typeface="微軟正黑體" panose="020B0604030504040204" pitchFamily="34" charset="-120"/>
+                        <a:ea typeface="微軟正黑體" panose="020B0604030504040204" pitchFamily="34" charset="-120"/>
+                      </a:endParaRPr>
+                    </a:p>
+                  </a:txBody>
+                  <a:tcPr marL="9525" marR="9525" marT="9525" marB="0" anchor="ctr"/>
+                </a:tc>
+                <a:tc>
+                  <a:txBody>
+                    <a:bodyPr/>
+                    <a:lstStyle/>
+                    <a:p>
+                      <a:pPr algn="ctr"/>
+                      <a:r>
+                        <a:rPr lang="en-US" altLang="zh-TW" sz="1200" b="0" kern="0" dirty="0">
+                          <a:solidFill>
+                            <a:schemeClr val="tx1"/>
+                          </a:solidFill>
+                        </a:rPr>
+                        <a:t>●</a:t>
+                      </a:r>
+                      <a:endParaRPr lang="zh-TW" altLang="en-US" sz="1200" b="0" dirty="0">
+                        <a:solidFill>
+                          <a:schemeClr val="tx1"/>
+                        </a:solidFill>
+                        <a:latin typeface="微軟正黑體" panose="020B0604030504040204" pitchFamily="34" charset="-120"/>
+                        <a:ea typeface="微軟正黑體" panose="020B0604030504040204" pitchFamily="34" charset="-120"/>
+                      </a:endParaRPr>
+                    </a:p>
+                  </a:txBody>
+                  <a:tcPr marL="9525" marR="9525" marT="9525" marB="0" anchor="ctr"/>
+                </a:tc>
+                <a:tc>
+                  <a:txBody>
+                    <a:bodyPr/>
+                    <a:lstStyle/>
+                    <a:p>
+                      <a:pPr algn="ctr"/>
+                      <a:r>
+                        <a:rPr lang="zh-TW" altLang="en-US" sz="1200" b="0" kern="0" dirty="0">
+                          <a:solidFill>
+                            <a:schemeClr val="tx1"/>
+                          </a:solidFill>
+                        </a:rPr>
+                        <a:t>◎</a:t>
+                      </a:r>
+                      <a:endParaRPr lang="zh-TW" altLang="en-US" sz="1200" b="0" dirty="0">
+                        <a:solidFill>
+                          <a:schemeClr val="tx1"/>
+                        </a:solidFill>
+                        <a:latin typeface="微軟正黑體" panose="020B0604030504040204" pitchFamily="34" charset="-120"/>
+                        <a:ea typeface="微軟正黑體" panose="020B0604030504040204" pitchFamily="34" charset="-120"/>
+                      </a:endParaRPr>
+                    </a:p>
+                  </a:txBody>
+                  <a:tcPr marL="9525" marR="9525" marT="9525" marB="0" anchor="ctr"/>
+                </a:tc>
+                <a:tc>
+                  <a:txBody>
+                    <a:bodyPr/>
+                    <a:lstStyle/>
+                    <a:p>
+                      <a:pPr algn="ctr"/>
+                      <a:r>
+                        <a:rPr lang="en-US" altLang="zh-TW" sz="1200" b="0" kern="0" dirty="0">
+                          <a:solidFill>
+                            <a:schemeClr val="tx1"/>
+                          </a:solidFill>
+                        </a:rPr>
+                        <a:t>●</a:t>
+                      </a:r>
+                      <a:endParaRPr lang="zh-TW" altLang="en-US" sz="1200" b="0" dirty="0">
+                        <a:solidFill>
+                          <a:schemeClr val="tx1"/>
+                        </a:solidFill>
+                        <a:latin typeface="微軟正黑體" panose="020B0604030504040204" pitchFamily="34" charset="-120"/>
+                        <a:ea typeface="微軟正黑體" panose="020B0604030504040204" pitchFamily="34" charset="-120"/>
+                      </a:endParaRPr>
+                    </a:p>
+                  </a:txBody>
+                  <a:tcPr marL="9525" marR="9525" marT="9525" marB="0" anchor="ctr"/>
+                </a:tc>
+                <a:tc>
+                  <a:txBody>
+                    <a:bodyPr/>
+                    <a:lstStyle/>
+                    <a:p>
+                      <a:pPr algn="ctr"/>
+                      <a:r>
                         <a:rPr lang="en-US" altLang="zh-TW" sz="1200" b="0" kern="0" dirty="0">
                           <a:solidFill>
                             <a:schemeClr val="tx1"/>
@@ -12957,205 +12676,23 @@
                         <a:defRPr/>
                       </a:pPr>
                       <a:r>
-                        <a:rPr lang="en-US" altLang="zh-TW" sz="1200" b="0" kern="0" dirty="0">
-                          <a:solidFill>
-                            <a:srgbClr val="C00000"/>
-                          </a:solidFill>
-                        </a:rPr>
-                        <a:t>●</a:t>
-                      </a:r>
-                      <a:endParaRPr lang="zh-TW" altLang="en-US" sz="1200" b="0" dirty="0">
-                        <a:solidFill>
-                          <a:srgbClr val="C00000"/>
-                        </a:solidFill>
-                        <a:latin typeface="微軟正黑體" panose="020B0604030504040204" pitchFamily="34" charset="-120"/>
-                        <a:ea typeface="微軟正黑體" panose="020B0604030504040204" pitchFamily="34" charset="-120"/>
-                      </a:endParaRPr>
-                    </a:p>
-                  </a:txBody>
-                  <a:tcPr marL="9525" marR="9525" marT="9525" marB="0" anchor="ctr"/>
-                </a:tc>
-                <a:tc>
-                  <a:txBody>
-                    <a:bodyPr/>
-                    <a:lstStyle/>
-                    <a:p>
-                      <a:pPr algn="ctr"/>
-                      <a:r>
-                        <a:rPr lang="en-US" altLang="zh-TW" sz="1200" b="0" kern="0" dirty="0">
-                          <a:solidFill>
-                            <a:schemeClr val="tx1"/>
-                          </a:solidFill>
-                        </a:rPr>
-                        <a:t>●</a:t>
-                      </a:r>
-                      <a:endParaRPr lang="zh-TW" altLang="en-US" sz="1200" b="0" dirty="0">
-                        <a:solidFill>
-                          <a:schemeClr val="tx1"/>
-                        </a:solidFill>
-                        <a:latin typeface="微軟正黑體" panose="020B0604030504040204" pitchFamily="34" charset="-120"/>
-                        <a:ea typeface="微軟正黑體" panose="020B0604030504040204" pitchFamily="34" charset="-120"/>
-                      </a:endParaRPr>
-                    </a:p>
-                  </a:txBody>
-                  <a:tcPr marL="9525" marR="9525" marT="9525" marB="0" anchor="ctr"/>
-                </a:tc>
-                <a:tc>
-                  <a:txBody>
-                    <a:bodyPr/>
-                    <a:lstStyle/>
-                    <a:p>
-                      <a:pPr algn="ctr"/>
-                      <a:r>
-                        <a:rPr lang="zh-TW" altLang="en-US" sz="1200" b="0" kern="0" dirty="0">
-                          <a:solidFill>
-                            <a:schemeClr val="tx1"/>
-                          </a:solidFill>
-                        </a:rPr>
-                        <a:t>○</a:t>
-                      </a:r>
-                      <a:endParaRPr lang="zh-TW" altLang="en-US" sz="1200" b="0" dirty="0">
-                        <a:solidFill>
-                          <a:schemeClr val="tx1"/>
-                        </a:solidFill>
-                        <a:latin typeface="微軟正黑體" panose="020B0604030504040204" pitchFamily="34" charset="-120"/>
-                        <a:ea typeface="微軟正黑體" panose="020B0604030504040204" pitchFamily="34" charset="-120"/>
-                      </a:endParaRPr>
-                    </a:p>
-                  </a:txBody>
-                  <a:tcPr marL="9525" marR="9525" marT="9525" marB="0" anchor="ctr"/>
-                </a:tc>
-                <a:tc>
-                  <a:txBody>
-                    <a:bodyPr/>
-                    <a:lstStyle/>
-                    <a:p>
-                      <a:pPr algn="ctr"/>
-                      <a:r>
-                        <a:rPr lang="en-US" altLang="zh-TW" sz="1200" b="0" kern="0" dirty="0">
-                          <a:solidFill>
-                            <a:schemeClr val="tx1"/>
-                          </a:solidFill>
-                        </a:rPr>
-                        <a:t>●</a:t>
-                      </a:r>
-                      <a:endParaRPr lang="zh-TW" altLang="en-US" sz="1200" b="0" dirty="0">
-                        <a:solidFill>
-                          <a:schemeClr val="tx1"/>
-                        </a:solidFill>
-                        <a:latin typeface="微軟正黑體" panose="020B0604030504040204" pitchFamily="34" charset="-120"/>
-                        <a:ea typeface="微軟正黑體" panose="020B0604030504040204" pitchFamily="34" charset="-120"/>
-                      </a:endParaRPr>
-                    </a:p>
-                  </a:txBody>
-                  <a:tcPr marL="9525" marR="9525" marT="9525" marB="0" anchor="ctr"/>
-                </a:tc>
-                <a:tc>
-                  <a:txBody>
-                    <a:bodyPr/>
-                    <a:lstStyle/>
-                    <a:p>
-                      <a:pPr algn="ctr"/>
-                      <a:r>
-                        <a:rPr lang="en-US" altLang="zh-TW" sz="1200" b="0" kern="0" dirty="0">
-                          <a:solidFill>
-                            <a:schemeClr val="tx1"/>
-                          </a:solidFill>
-                        </a:rPr>
-                        <a:t>●</a:t>
-                      </a:r>
-                      <a:endParaRPr lang="zh-TW" altLang="en-US" sz="1200" b="0" dirty="0">
-                        <a:solidFill>
-                          <a:schemeClr val="tx1"/>
-                        </a:solidFill>
-                        <a:latin typeface="微軟正黑體" panose="020B0604030504040204" pitchFamily="34" charset="-120"/>
-                        <a:ea typeface="微軟正黑體" panose="020B0604030504040204" pitchFamily="34" charset="-120"/>
-                      </a:endParaRPr>
-                    </a:p>
-                  </a:txBody>
-                  <a:tcPr marL="9525" marR="9525" marT="9525" marB="0" anchor="ctr"/>
-                </a:tc>
-                <a:tc>
-                  <a:txBody>
-                    <a:bodyPr/>
-                    <a:lstStyle/>
-                    <a:p>
-                      <a:pPr algn="ctr"/>
-                      <a:r>
-                        <a:rPr lang="zh-TW" altLang="en-US" sz="1200" b="0" kern="0" dirty="0">
-                          <a:solidFill>
-                            <a:schemeClr val="tx1"/>
-                          </a:solidFill>
-                        </a:rPr>
-                        <a:t>◎</a:t>
-                      </a:r>
-                      <a:endParaRPr lang="zh-TW" altLang="en-US" sz="1200" b="0" dirty="0">
-                        <a:solidFill>
-                          <a:schemeClr val="tx1"/>
-                        </a:solidFill>
-                        <a:latin typeface="微軟正黑體" panose="020B0604030504040204" pitchFamily="34" charset="-120"/>
-                        <a:ea typeface="微軟正黑體" panose="020B0604030504040204" pitchFamily="34" charset="-120"/>
-                      </a:endParaRPr>
-                    </a:p>
-                  </a:txBody>
-                  <a:tcPr marL="9525" marR="9525" marT="9525" marB="0" anchor="ctr"/>
-                </a:tc>
-                <a:tc>
-                  <a:txBody>
-                    <a:bodyPr/>
-                    <a:lstStyle/>
-                    <a:p>
-                      <a:pPr algn="ctr"/>
-                      <a:r>
-                        <a:rPr lang="en-US" altLang="zh-TW" sz="1200" b="0" kern="0" dirty="0">
-                          <a:solidFill>
-                            <a:schemeClr val="tx1"/>
-                          </a:solidFill>
-                        </a:rPr>
-                        <a:t>●</a:t>
-                      </a:r>
-                      <a:endParaRPr lang="zh-TW" altLang="en-US" sz="1200" b="0" dirty="0">
-                        <a:solidFill>
-                          <a:schemeClr val="tx1"/>
-                        </a:solidFill>
-                        <a:latin typeface="微軟正黑體" panose="020B0604030504040204" pitchFamily="34" charset="-120"/>
-                        <a:ea typeface="微軟正黑體" panose="020B0604030504040204" pitchFamily="34" charset="-120"/>
-                      </a:endParaRPr>
-                    </a:p>
-                  </a:txBody>
-                  <a:tcPr marL="9525" marR="9525" marT="9525" marB="0" anchor="ctr"/>
-                </a:tc>
-                <a:tc>
-                  <a:txBody>
-                    <a:bodyPr/>
-                    <a:lstStyle/>
-                    <a:p>
-                      <a:pPr algn="ctr"/>
-                      <a:r>
-                        <a:rPr lang="en-US" altLang="zh-TW" sz="1200" b="0" kern="0" dirty="0">
-                          <a:solidFill>
-                            <a:schemeClr val="tx1"/>
-                          </a:solidFill>
-                        </a:rPr>
-                        <a:t>●</a:t>
-                      </a:r>
-                      <a:endParaRPr lang="zh-TW" altLang="en-US" sz="1200" b="0" dirty="0">
-                        <a:solidFill>
-                          <a:schemeClr val="tx1"/>
-                        </a:solidFill>
-                        <a:latin typeface="微軟正黑體" panose="020B0604030504040204" pitchFamily="34" charset="-120"/>
-                        <a:ea typeface="微軟正黑體" panose="020B0604030504040204" pitchFamily="34" charset="-120"/>
-                      </a:endParaRPr>
-                    </a:p>
-                  </a:txBody>
-                  <a:tcPr marL="9525" marR="9525" marT="9525" marB="0" anchor="ctr"/>
-                </a:tc>
-                <a:tc>
-                  <a:txBody>
-                    <a:bodyPr/>
-                    <a:lstStyle/>
-                    <a:p>
-                      <a:pPr marL="0" marR="0" indent="0" algn="ctr" defTabSz="914400" rtl="0" eaLnBrk="1" fontAlgn="auto" latinLnBrk="0" hangingPunct="1">
+                        <a:rPr lang="zh-TW" altLang="en-US" sz="1200" b="0" dirty="0">
+                          <a:solidFill>
+                            <a:schemeClr val="tx1"/>
+                          </a:solidFill>
+                        </a:rPr>
+                        <a:t>─</a:t>
+                      </a:r>
+                    </a:p>
+                  </a:txBody>
+                  <a:tcPr marL="9525" marR="9525" marT="9525" marB="0" anchor="ctr"/>
+                </a:tc>
+                <a:tc>
+                  <a:txBody>
+                    <a:bodyPr/>
+                    <a:lstStyle/>
+                    <a:p>
+                      <a:pPr marL="0" marR="0" lvl="0" indent="0" algn="ctr" defTabSz="914400" rtl="0" eaLnBrk="1" fontAlgn="auto" latinLnBrk="0" hangingPunct="1">
                         <a:lnSpc>
                           <a:spcPct val="100000"/>
                         </a:lnSpc>
@@ -13173,13 +12710,239 @@
                         <a:defRPr/>
                       </a:pPr>
                       <a:r>
-                        <a:rPr lang="zh-TW" altLang="en-US" sz="1200" b="0" dirty="0">
-                          <a:solidFill>
-                            <a:schemeClr val="tx1"/>
-                          </a:solidFill>
-                        </a:rPr>
-                        <a:t>─</a:t>
-                      </a:r>
+                        <a:rPr lang="zh-TW" altLang="en-US" sz="1200" b="0" kern="0" dirty="0">
+                          <a:solidFill>
+                            <a:schemeClr val="tx1"/>
+                          </a:solidFill>
+                        </a:rPr>
+                        <a:t>△</a:t>
+                      </a:r>
+                      <a:endParaRPr lang="zh-TW" altLang="en-US" sz="1200" b="0" dirty="0">
+                        <a:solidFill>
+                          <a:schemeClr val="tx1"/>
+                        </a:solidFill>
+                      </a:endParaRPr>
+                    </a:p>
+                  </a:txBody>
+                  <a:tcPr marL="9525" marR="9525" marT="9525" marB="0" anchor="ctr"/>
+                </a:tc>
+                <a:tc>
+                  <a:txBody>
+                    <a:bodyPr/>
+                    <a:lstStyle/>
+                    <a:p>
+                      <a:pPr algn="ctr"/>
+                      <a:r>
+                        <a:rPr lang="zh-TW" altLang="en-US" sz="1200" b="0" kern="0" dirty="0">
+                          <a:solidFill>
+                            <a:schemeClr val="tx1"/>
+                          </a:solidFill>
+                        </a:rPr>
+                        <a:t>○</a:t>
+                      </a:r>
+                      <a:endParaRPr lang="zh-TW" altLang="en-US" sz="1200" b="0" dirty="0">
+                        <a:solidFill>
+                          <a:schemeClr val="tx1"/>
+                        </a:solidFill>
+                        <a:latin typeface="微軟正黑體" panose="020B0604030504040204" pitchFamily="34" charset="-120"/>
+                        <a:ea typeface="微軟正黑體" panose="020B0604030504040204" pitchFamily="34" charset="-120"/>
+                      </a:endParaRPr>
+                    </a:p>
+                  </a:txBody>
+                  <a:tcPr marL="9525" marR="9525" marT="9525" marB="0" anchor="ctr"/>
+                </a:tc>
+                <a:tc>
+                  <a:txBody>
+                    <a:bodyPr/>
+                    <a:lstStyle/>
+                    <a:p>
+                      <a:pPr algn="ctr"/>
+                      <a:r>
+                        <a:rPr lang="en-US" altLang="zh-TW" sz="1200" b="0" kern="0" dirty="0">
+                          <a:solidFill>
+                            <a:schemeClr val="tx1"/>
+                          </a:solidFill>
+                        </a:rPr>
+                        <a:t>●</a:t>
+                      </a:r>
+                      <a:endParaRPr lang="zh-TW" altLang="en-US" sz="1200" b="0" dirty="0">
+                        <a:solidFill>
+                          <a:schemeClr val="tx1"/>
+                        </a:solidFill>
+                        <a:latin typeface="微軟正黑體" panose="020B0604030504040204" pitchFamily="34" charset="-120"/>
+                        <a:ea typeface="微軟正黑體" panose="020B0604030504040204" pitchFamily="34" charset="-120"/>
+                      </a:endParaRPr>
+                    </a:p>
+                  </a:txBody>
+                  <a:tcPr marL="9525" marR="9525" marT="9525" marB="0" anchor="ctr"/>
+                </a:tc>
+                <a:extLst>
+                  <a:ext uri="{0D108BD9-81ED-4DB2-BD59-A6C34878D82A}">
+                    <a16:rowId xmlns:a16="http://schemas.microsoft.com/office/drawing/2014/main" xmlns="" val="10010"/>
+                  </a:ext>
+                </a:extLst>
+              </a:tr>
+              <a:tr h="370154">
+                <a:tc>
+                  <a:txBody>
+                    <a:bodyPr/>
+                    <a:lstStyle/>
+                    <a:p>
+                      <a:pPr algn="ctr"/>
+                      <a:r>
+                        <a:rPr lang="zh-TW" altLang="en-US" sz="1200" dirty="0">
+                          <a:latin typeface="微軟正黑體" panose="020B0604030504040204" pitchFamily="34" charset="-120"/>
+                          <a:ea typeface="微軟正黑體" panose="020B0604030504040204" pitchFamily="34" charset="-120"/>
+                        </a:rPr>
+                        <a:t>南投縣政府</a:t>
+                      </a:r>
+                      <a:endParaRPr lang="zh-TW" altLang="en-US" sz="1200" b="1" dirty="0">
+                        <a:latin typeface="微軟正黑體" panose="020B0604030504040204" pitchFamily="34" charset="-120"/>
+                        <a:ea typeface="微軟正黑體" panose="020B0604030504040204" pitchFamily="34" charset="-120"/>
+                      </a:endParaRPr>
+                    </a:p>
+                  </a:txBody>
+                  <a:tcPr marL="9525" marR="9525" marT="9525" marB="0" anchor="ctr"/>
+                </a:tc>
+                <a:tc>
+                  <a:txBody>
+                    <a:bodyPr/>
+                    <a:lstStyle/>
+                    <a:p>
+                      <a:pPr algn="ctr"/>
+                      <a:r>
+                        <a:rPr lang="en-US" altLang="zh-TW" sz="1200" kern="0" dirty="0"/>
+                        <a:t>●</a:t>
+                      </a:r>
+                      <a:endParaRPr lang="zh-TW" altLang="en-US" sz="1200" dirty="0">
+                        <a:latin typeface="微軟正黑體" panose="020B0604030504040204" pitchFamily="34" charset="-120"/>
+                        <a:ea typeface="微軟正黑體" panose="020B0604030504040204" pitchFamily="34" charset="-120"/>
+                      </a:endParaRPr>
+                    </a:p>
+                  </a:txBody>
+                  <a:tcPr marL="9525" marR="9525" marT="9525" marB="0" anchor="ctr"/>
+                </a:tc>
+                <a:tc>
+                  <a:txBody>
+                    <a:bodyPr/>
+                    <a:lstStyle/>
+                    <a:p>
+                      <a:pPr algn="ctr"/>
+                      <a:r>
+                        <a:rPr lang="en-US" altLang="zh-TW" sz="1200" b="0" kern="0" dirty="0">
+                          <a:solidFill>
+                            <a:schemeClr val="tx1"/>
+                          </a:solidFill>
+                        </a:rPr>
+                        <a:t>●</a:t>
+                      </a:r>
+                      <a:endParaRPr lang="zh-TW" altLang="en-US" sz="1200" b="0" dirty="0">
+                        <a:solidFill>
+                          <a:schemeClr val="tx1"/>
+                        </a:solidFill>
+                        <a:latin typeface="微軟正黑體" panose="020B0604030504040204" pitchFamily="34" charset="-120"/>
+                        <a:ea typeface="微軟正黑體" panose="020B0604030504040204" pitchFamily="34" charset="-120"/>
+                      </a:endParaRPr>
+                    </a:p>
+                  </a:txBody>
+                  <a:tcPr marL="9525" marR="9525" marT="9525" marB="0" anchor="ctr"/>
+                </a:tc>
+                <a:tc>
+                  <a:txBody>
+                    <a:bodyPr/>
+                    <a:lstStyle/>
+                    <a:p>
+                      <a:pPr algn="ctr"/>
+                      <a:r>
+                        <a:rPr lang="en-US" altLang="zh-TW" sz="1200" b="0" kern="0" dirty="0">
+                          <a:solidFill>
+                            <a:schemeClr val="tx1"/>
+                          </a:solidFill>
+                        </a:rPr>
+                        <a:t>●</a:t>
+                      </a:r>
+                      <a:endParaRPr lang="zh-TW" altLang="en-US" sz="1200" b="0" dirty="0">
+                        <a:solidFill>
+                          <a:schemeClr val="tx1"/>
+                        </a:solidFill>
+                        <a:latin typeface="微軟正黑體" panose="020B0604030504040204" pitchFamily="34" charset="-120"/>
+                        <a:ea typeface="微軟正黑體" panose="020B0604030504040204" pitchFamily="34" charset="-120"/>
+                      </a:endParaRPr>
+                    </a:p>
+                  </a:txBody>
+                  <a:tcPr marL="9525" marR="9525" marT="9525" marB="0" anchor="ctr"/>
+                </a:tc>
+                <a:tc>
+                  <a:txBody>
+                    <a:bodyPr/>
+                    <a:lstStyle/>
+                    <a:p>
+                      <a:pPr algn="ctr"/>
+                      <a:r>
+                        <a:rPr lang="zh-TW" altLang="en-US" sz="1200" b="0" kern="0" dirty="0">
+                          <a:solidFill>
+                            <a:schemeClr val="tx1"/>
+                          </a:solidFill>
+                        </a:rPr>
+                        <a:t>○</a:t>
+                      </a:r>
+                      <a:endParaRPr lang="zh-TW" altLang="en-US" sz="1200" b="0" dirty="0">
+                        <a:solidFill>
+                          <a:schemeClr val="tx1"/>
+                        </a:solidFill>
+                        <a:latin typeface="微軟正黑體" panose="020B0604030504040204" pitchFamily="34" charset="-120"/>
+                        <a:ea typeface="微軟正黑體" panose="020B0604030504040204" pitchFamily="34" charset="-120"/>
+                      </a:endParaRPr>
+                    </a:p>
+                  </a:txBody>
+                  <a:tcPr marL="9525" marR="9525" marT="9525" marB="0" anchor="ctr"/>
+                </a:tc>
+                <a:tc>
+                  <a:txBody>
+                    <a:bodyPr/>
+                    <a:lstStyle/>
+                    <a:p>
+                      <a:pPr algn="ctr"/>
+                      <a:r>
+                        <a:rPr lang="zh-TW" altLang="en-US" sz="1200" b="0" kern="0" dirty="0">
+                          <a:solidFill>
+                            <a:schemeClr val="tx1"/>
+                          </a:solidFill>
+                        </a:rPr>
+                        <a:t>○</a:t>
+                      </a:r>
+                      <a:endParaRPr lang="zh-TW" altLang="en-US" sz="1200" b="0" dirty="0">
+                        <a:solidFill>
+                          <a:schemeClr val="tx1"/>
+                        </a:solidFill>
+                        <a:latin typeface="微軟正黑體" panose="020B0604030504040204" pitchFamily="34" charset="-120"/>
+                        <a:ea typeface="微軟正黑體" panose="020B0604030504040204" pitchFamily="34" charset="-120"/>
+                      </a:endParaRPr>
+                    </a:p>
+                  </a:txBody>
+                  <a:tcPr marL="9525" marR="9525" marT="9525" marB="0" anchor="ctr"/>
+                </a:tc>
+                <a:tc>
+                  <a:txBody>
+                    <a:bodyPr/>
+                    <a:lstStyle/>
+                    <a:p>
+                      <a:pPr algn="ctr"/>
+                      <a:r>
+                        <a:rPr lang="en-US" altLang="zh-TW" sz="1200" b="0" kern="0" dirty="0">
+                          <a:solidFill>
+                            <a:schemeClr val="tx1"/>
+                          </a:solidFill>
+                        </a:rPr>
+                        <a:t>●</a:t>
+                      </a:r>
+                      <a:endParaRPr lang="zh-TW" altLang="en-US" sz="1200" b="0" dirty="0">
+                        <a:solidFill>
+                          <a:schemeClr val="tx1"/>
+                        </a:solidFill>
+                        <a:latin typeface="微軟正黑體" panose="020B0604030504040204" pitchFamily="34" charset="-120"/>
+                        <a:ea typeface="微軟正黑體" panose="020B0604030504040204" pitchFamily="34" charset="-120"/>
+                      </a:endParaRPr>
                     </a:p>
                   </a:txBody>
                   <a:tcPr marL="9525" marR="9525" marT="9525" marB="0" anchor="ctr"/>
@@ -13207,6 +12970,297 @@
                         <a:defRPr/>
                       </a:pPr>
                       <a:r>
+                        <a:rPr lang="en-US" altLang="zh-TW" sz="1200" b="0" kern="0" dirty="0">
+                          <a:solidFill>
+                            <a:schemeClr val="tx1"/>
+                          </a:solidFill>
+                        </a:rPr>
+                        <a:t>●</a:t>
+                      </a:r>
+                      <a:endParaRPr lang="zh-TW" altLang="en-US" sz="1200" b="0" dirty="0">
+                        <a:solidFill>
+                          <a:schemeClr val="tx1"/>
+                        </a:solidFill>
+                        <a:latin typeface="微軟正黑體" panose="020B0604030504040204" pitchFamily="34" charset="-120"/>
+                        <a:ea typeface="微軟正黑體" panose="020B0604030504040204" pitchFamily="34" charset="-120"/>
+                      </a:endParaRPr>
+                    </a:p>
+                  </a:txBody>
+                  <a:tcPr marL="9525" marR="9525" marT="9525" marB="0" anchor="ctr"/>
+                </a:tc>
+                <a:tc>
+                  <a:txBody>
+                    <a:bodyPr/>
+                    <a:lstStyle/>
+                    <a:p>
+                      <a:pPr marL="0" marR="0" lvl="0" indent="0" algn="ctr" defTabSz="914400" rtl="0" eaLnBrk="1" fontAlgn="auto" latinLnBrk="0" hangingPunct="1">
+                        <a:lnSpc>
+                          <a:spcPct val="100000"/>
+                        </a:lnSpc>
+                        <a:spcBef>
+                          <a:spcPts val="0"/>
+                        </a:spcBef>
+                        <a:spcAft>
+                          <a:spcPts val="0"/>
+                        </a:spcAft>
+                        <a:buClrTx/>
+                        <a:buSzTx/>
+                        <a:buFontTx/>
+                        <a:buNone/>
+                        <a:tabLst/>
+                        <a:defRPr/>
+                      </a:pPr>
+                      <a:r>
+                        <a:rPr lang="en-US" altLang="zh-TW" sz="1200" b="0" kern="0" dirty="0">
+                          <a:solidFill>
+                            <a:srgbClr val="C00000"/>
+                          </a:solidFill>
+                        </a:rPr>
+                        <a:t>●</a:t>
+                      </a:r>
+                      <a:endParaRPr lang="zh-TW" altLang="en-US" sz="1200" b="0" dirty="0">
+                        <a:solidFill>
+                          <a:srgbClr val="C00000"/>
+                        </a:solidFill>
+                        <a:latin typeface="微軟正黑體" panose="020B0604030504040204" pitchFamily="34" charset="-120"/>
+                        <a:ea typeface="微軟正黑體" panose="020B0604030504040204" pitchFamily="34" charset="-120"/>
+                      </a:endParaRPr>
+                    </a:p>
+                  </a:txBody>
+                  <a:tcPr marL="9525" marR="9525" marT="9525" marB="0" anchor="ctr"/>
+                </a:tc>
+                <a:tc>
+                  <a:txBody>
+                    <a:bodyPr/>
+                    <a:lstStyle/>
+                    <a:p>
+                      <a:pPr algn="ctr"/>
+                      <a:r>
+                        <a:rPr lang="en-US" altLang="zh-TW" sz="1200" b="0" kern="0" dirty="0">
+                          <a:solidFill>
+                            <a:schemeClr val="tx1"/>
+                          </a:solidFill>
+                        </a:rPr>
+                        <a:t>●</a:t>
+                      </a:r>
+                      <a:endParaRPr lang="zh-TW" altLang="en-US" sz="1200" b="0" dirty="0">
+                        <a:solidFill>
+                          <a:schemeClr val="tx1"/>
+                        </a:solidFill>
+                        <a:latin typeface="微軟正黑體" panose="020B0604030504040204" pitchFamily="34" charset="-120"/>
+                        <a:ea typeface="微軟正黑體" panose="020B0604030504040204" pitchFamily="34" charset="-120"/>
+                      </a:endParaRPr>
+                    </a:p>
+                  </a:txBody>
+                  <a:tcPr marL="9525" marR="9525" marT="9525" marB="0" anchor="ctr"/>
+                </a:tc>
+                <a:tc>
+                  <a:txBody>
+                    <a:bodyPr/>
+                    <a:lstStyle/>
+                    <a:p>
+                      <a:pPr algn="ctr"/>
+                      <a:r>
+                        <a:rPr lang="zh-TW" altLang="en-US" sz="1200" b="0" kern="0" dirty="0">
+                          <a:solidFill>
+                            <a:schemeClr val="tx1"/>
+                          </a:solidFill>
+                        </a:rPr>
+                        <a:t>○</a:t>
+                      </a:r>
+                      <a:endParaRPr lang="zh-TW" altLang="en-US" sz="1200" b="0" dirty="0">
+                        <a:solidFill>
+                          <a:schemeClr val="tx1"/>
+                        </a:solidFill>
+                        <a:latin typeface="微軟正黑體" panose="020B0604030504040204" pitchFamily="34" charset="-120"/>
+                        <a:ea typeface="微軟正黑體" panose="020B0604030504040204" pitchFamily="34" charset="-120"/>
+                      </a:endParaRPr>
+                    </a:p>
+                  </a:txBody>
+                  <a:tcPr marL="9525" marR="9525" marT="9525" marB="0" anchor="ctr"/>
+                </a:tc>
+                <a:tc>
+                  <a:txBody>
+                    <a:bodyPr/>
+                    <a:lstStyle/>
+                    <a:p>
+                      <a:pPr algn="ctr"/>
+                      <a:r>
+                        <a:rPr lang="en-US" altLang="zh-TW" sz="1200" b="0" kern="0" dirty="0">
+                          <a:solidFill>
+                            <a:schemeClr val="tx1"/>
+                          </a:solidFill>
+                        </a:rPr>
+                        <a:t>●</a:t>
+                      </a:r>
+                      <a:endParaRPr lang="zh-TW" altLang="en-US" sz="1200" b="0" dirty="0">
+                        <a:solidFill>
+                          <a:schemeClr val="tx1"/>
+                        </a:solidFill>
+                        <a:latin typeface="微軟正黑體" panose="020B0604030504040204" pitchFamily="34" charset="-120"/>
+                        <a:ea typeface="微軟正黑體" panose="020B0604030504040204" pitchFamily="34" charset="-120"/>
+                      </a:endParaRPr>
+                    </a:p>
+                  </a:txBody>
+                  <a:tcPr marL="9525" marR="9525" marT="9525" marB="0" anchor="ctr"/>
+                </a:tc>
+                <a:tc>
+                  <a:txBody>
+                    <a:bodyPr/>
+                    <a:lstStyle/>
+                    <a:p>
+                      <a:pPr algn="ctr"/>
+                      <a:r>
+                        <a:rPr lang="en-US" altLang="zh-TW" sz="1200" b="0" kern="0" dirty="0">
+                          <a:solidFill>
+                            <a:schemeClr val="tx1"/>
+                          </a:solidFill>
+                        </a:rPr>
+                        <a:t>●</a:t>
+                      </a:r>
+                      <a:endParaRPr lang="zh-TW" altLang="en-US" sz="1200" b="0" dirty="0">
+                        <a:solidFill>
+                          <a:schemeClr val="tx1"/>
+                        </a:solidFill>
+                        <a:latin typeface="微軟正黑體" panose="020B0604030504040204" pitchFamily="34" charset="-120"/>
+                        <a:ea typeface="微軟正黑體" panose="020B0604030504040204" pitchFamily="34" charset="-120"/>
+                      </a:endParaRPr>
+                    </a:p>
+                  </a:txBody>
+                  <a:tcPr marL="9525" marR="9525" marT="9525" marB="0" anchor="ctr"/>
+                </a:tc>
+                <a:tc>
+                  <a:txBody>
+                    <a:bodyPr/>
+                    <a:lstStyle/>
+                    <a:p>
+                      <a:pPr algn="ctr"/>
+                      <a:r>
+                        <a:rPr lang="zh-TW" altLang="en-US" sz="1200" b="0" kern="0" dirty="0">
+                          <a:solidFill>
+                            <a:schemeClr val="tx1"/>
+                          </a:solidFill>
+                        </a:rPr>
+                        <a:t>◎</a:t>
+                      </a:r>
+                      <a:endParaRPr lang="zh-TW" altLang="en-US" sz="1200" b="0" dirty="0">
+                        <a:solidFill>
+                          <a:schemeClr val="tx1"/>
+                        </a:solidFill>
+                        <a:latin typeface="微軟正黑體" panose="020B0604030504040204" pitchFamily="34" charset="-120"/>
+                        <a:ea typeface="微軟正黑體" panose="020B0604030504040204" pitchFamily="34" charset="-120"/>
+                      </a:endParaRPr>
+                    </a:p>
+                  </a:txBody>
+                  <a:tcPr marL="9525" marR="9525" marT="9525" marB="0" anchor="ctr"/>
+                </a:tc>
+                <a:tc>
+                  <a:txBody>
+                    <a:bodyPr/>
+                    <a:lstStyle/>
+                    <a:p>
+                      <a:pPr algn="ctr"/>
+                      <a:r>
+                        <a:rPr lang="en-US" altLang="zh-TW" sz="1200" b="0" kern="0" dirty="0">
+                          <a:solidFill>
+                            <a:schemeClr val="tx1"/>
+                          </a:solidFill>
+                        </a:rPr>
+                        <a:t>●</a:t>
+                      </a:r>
+                      <a:endParaRPr lang="zh-TW" altLang="en-US" sz="1200" b="0" dirty="0">
+                        <a:solidFill>
+                          <a:schemeClr val="tx1"/>
+                        </a:solidFill>
+                        <a:latin typeface="微軟正黑體" panose="020B0604030504040204" pitchFamily="34" charset="-120"/>
+                        <a:ea typeface="微軟正黑體" panose="020B0604030504040204" pitchFamily="34" charset="-120"/>
+                      </a:endParaRPr>
+                    </a:p>
+                  </a:txBody>
+                  <a:tcPr marL="9525" marR="9525" marT="9525" marB="0" anchor="ctr"/>
+                </a:tc>
+                <a:tc>
+                  <a:txBody>
+                    <a:bodyPr/>
+                    <a:lstStyle/>
+                    <a:p>
+                      <a:pPr algn="ctr"/>
+                      <a:r>
+                        <a:rPr lang="en-US" altLang="zh-TW" sz="1200" b="0" kern="0" dirty="0">
+                          <a:solidFill>
+                            <a:schemeClr val="tx1"/>
+                          </a:solidFill>
+                        </a:rPr>
+                        <a:t>●</a:t>
+                      </a:r>
+                      <a:endParaRPr lang="zh-TW" altLang="en-US" sz="1200" b="0" dirty="0">
+                        <a:solidFill>
+                          <a:schemeClr val="tx1"/>
+                        </a:solidFill>
+                        <a:latin typeface="微軟正黑體" panose="020B0604030504040204" pitchFamily="34" charset="-120"/>
+                        <a:ea typeface="微軟正黑體" panose="020B0604030504040204" pitchFamily="34" charset="-120"/>
+                      </a:endParaRPr>
+                    </a:p>
+                  </a:txBody>
+                  <a:tcPr marL="9525" marR="9525" marT="9525" marB="0" anchor="ctr"/>
+                </a:tc>
+                <a:tc>
+                  <a:txBody>
+                    <a:bodyPr/>
+                    <a:lstStyle/>
+                    <a:p>
+                      <a:pPr marL="0" marR="0" indent="0" algn="ctr" defTabSz="914400" rtl="0" eaLnBrk="1" fontAlgn="auto" latinLnBrk="0" hangingPunct="1">
+                        <a:lnSpc>
+                          <a:spcPct val="100000"/>
+                        </a:lnSpc>
+                        <a:spcBef>
+                          <a:spcPts val="0"/>
+                        </a:spcBef>
+                        <a:spcAft>
+                          <a:spcPts val="0"/>
+                        </a:spcAft>
+                        <a:buClrTx/>
+                        <a:buSzTx/>
+                        <a:buFontTx/>
+                        <a:buNone/>
+                        <a:tabLst/>
+                        <a:defRPr/>
+                      </a:pPr>
+                      <a:r>
+                        <a:rPr lang="zh-TW" altLang="en-US" sz="1200" b="0" dirty="0">
+                          <a:solidFill>
+                            <a:schemeClr val="tx1"/>
+                          </a:solidFill>
+                        </a:rPr>
+                        <a:t>─</a:t>
+                      </a:r>
+                    </a:p>
+                  </a:txBody>
+                  <a:tcPr marL="9525" marR="9525" marT="9525" marB="0" anchor="ctr"/>
+                </a:tc>
+                <a:tc>
+                  <a:txBody>
+                    <a:bodyPr/>
+                    <a:lstStyle/>
+                    <a:p>
+                      <a:pPr marL="0" marR="0" indent="0" algn="ctr" defTabSz="914400" rtl="0" eaLnBrk="1" fontAlgn="auto" latinLnBrk="0" hangingPunct="1">
+                        <a:lnSpc>
+                          <a:spcPct val="100000"/>
+                        </a:lnSpc>
+                        <a:spcBef>
+                          <a:spcPts val="0"/>
+                        </a:spcBef>
+                        <a:spcAft>
+                          <a:spcPts val="0"/>
+                        </a:spcAft>
+                        <a:buClrTx/>
+                        <a:buSzTx/>
+                        <a:buFontTx/>
+                        <a:buNone/>
+                        <a:tabLst/>
+                        <a:defRPr/>
+                      </a:pPr>
+                      <a:r>
                         <a:rPr lang="zh-TW" altLang="en-US" sz="1200" b="0" kern="0" dirty="0">
                           <a:solidFill>
                             <a:schemeClr val="tx1"/>
@@ -13275,7 +13329,7 @@
                 </a:tc>
                 <a:extLst>
                   <a:ext uri="{0D108BD9-81ED-4DB2-BD59-A6C34878D82A}">
-                    <a16:rowId xmlns="" xmlns:a16="http://schemas.microsoft.com/office/drawing/2014/main" val="1396562496"/>
+                    <a16:rowId xmlns:a16="http://schemas.microsoft.com/office/drawing/2014/main" xmlns="" val="1396562496"/>
                   </a:ext>
                 </a:extLst>
               </a:tr>
@@ -13862,140 +13916,140 @@
                 <a:gridCol w="901444">
                   <a:extLst>
                     <a:ext uri="{9D8B030D-6E8A-4147-A177-3AD203B41FA5}">
-                      <a16:colId xmlns="" xmlns:a16="http://schemas.microsoft.com/office/drawing/2014/main" val="20003"/>
+                      <a16:colId xmlns:a16="http://schemas.microsoft.com/office/drawing/2014/main" xmlns="" val="20003"/>
                     </a:ext>
                   </a:extLst>
                 </a:gridCol>
                 <a:gridCol w="501772">
                   <a:extLst>
                     <a:ext uri="{9D8B030D-6E8A-4147-A177-3AD203B41FA5}">
-                      <a16:colId xmlns="" xmlns:a16="http://schemas.microsoft.com/office/drawing/2014/main" val="20004"/>
+                      <a16:colId xmlns:a16="http://schemas.microsoft.com/office/drawing/2014/main" xmlns="" val="20004"/>
                     </a:ext>
                   </a:extLst>
                 </a:gridCol>
                 <a:gridCol w="501772">
                   <a:extLst>
                     <a:ext uri="{9D8B030D-6E8A-4147-A177-3AD203B41FA5}">
-                      <a16:colId xmlns="" xmlns:a16="http://schemas.microsoft.com/office/drawing/2014/main" val="20005"/>
+                      <a16:colId xmlns:a16="http://schemas.microsoft.com/office/drawing/2014/main" xmlns="" val="20005"/>
                     </a:ext>
                   </a:extLst>
                 </a:gridCol>
                 <a:gridCol w="501772">
                   <a:extLst>
                     <a:ext uri="{9D8B030D-6E8A-4147-A177-3AD203B41FA5}">
-                      <a16:colId xmlns="" xmlns:a16="http://schemas.microsoft.com/office/drawing/2014/main" val="20006"/>
+                      <a16:colId xmlns:a16="http://schemas.microsoft.com/office/drawing/2014/main" xmlns="" val="20006"/>
                     </a:ext>
                   </a:extLst>
                 </a:gridCol>
                 <a:gridCol w="501772">
                   <a:extLst>
                     <a:ext uri="{9D8B030D-6E8A-4147-A177-3AD203B41FA5}">
-                      <a16:colId xmlns="" xmlns:a16="http://schemas.microsoft.com/office/drawing/2014/main" val="3428608293"/>
+                      <a16:colId xmlns:a16="http://schemas.microsoft.com/office/drawing/2014/main" xmlns="" val="3428608293"/>
                     </a:ext>
                   </a:extLst>
                 </a:gridCol>
                 <a:gridCol w="501772">
                   <a:extLst>
                     <a:ext uri="{9D8B030D-6E8A-4147-A177-3AD203B41FA5}">
-                      <a16:colId xmlns="" xmlns:a16="http://schemas.microsoft.com/office/drawing/2014/main" val="2688910496"/>
+                      <a16:colId xmlns:a16="http://schemas.microsoft.com/office/drawing/2014/main" xmlns="" val="2688910496"/>
                     </a:ext>
                   </a:extLst>
                 </a:gridCol>
                 <a:gridCol w="501772">
                   <a:extLst>
                     <a:ext uri="{9D8B030D-6E8A-4147-A177-3AD203B41FA5}">
-                      <a16:colId xmlns="" xmlns:a16="http://schemas.microsoft.com/office/drawing/2014/main" val="3678966610"/>
+                      <a16:colId xmlns:a16="http://schemas.microsoft.com/office/drawing/2014/main" xmlns="" val="3678966610"/>
                     </a:ext>
                   </a:extLst>
                 </a:gridCol>
                 <a:gridCol w="501772">
                   <a:extLst>
                     <a:ext uri="{9D8B030D-6E8A-4147-A177-3AD203B41FA5}">
-                      <a16:colId xmlns="" xmlns:a16="http://schemas.microsoft.com/office/drawing/2014/main" val="20007"/>
+                      <a16:colId xmlns:a16="http://schemas.microsoft.com/office/drawing/2014/main" xmlns="" val="20007"/>
                     </a:ext>
                   </a:extLst>
                 </a:gridCol>
                 <a:gridCol w="501772">
                   <a:extLst>
                     <a:ext uri="{9D8B030D-6E8A-4147-A177-3AD203B41FA5}">
-                      <a16:colId xmlns="" xmlns:a16="http://schemas.microsoft.com/office/drawing/2014/main" val="20008"/>
+                      <a16:colId xmlns:a16="http://schemas.microsoft.com/office/drawing/2014/main" xmlns="" val="20008"/>
                     </a:ext>
                   </a:extLst>
                 </a:gridCol>
                 <a:gridCol w="501772">
                   <a:extLst>
                     <a:ext uri="{9D8B030D-6E8A-4147-A177-3AD203B41FA5}">
-                      <a16:colId xmlns="" xmlns:a16="http://schemas.microsoft.com/office/drawing/2014/main" val="3609824002"/>
+                      <a16:colId xmlns:a16="http://schemas.microsoft.com/office/drawing/2014/main" xmlns="" val="3609824002"/>
                     </a:ext>
                   </a:extLst>
                 </a:gridCol>
                 <a:gridCol w="501772">
                   <a:extLst>
                     <a:ext uri="{9D8B030D-6E8A-4147-A177-3AD203B41FA5}">
-                      <a16:colId xmlns="" xmlns:a16="http://schemas.microsoft.com/office/drawing/2014/main" val="1419103565"/>
+                      <a16:colId xmlns:a16="http://schemas.microsoft.com/office/drawing/2014/main" xmlns="" val="1419103565"/>
                     </a:ext>
                   </a:extLst>
                 </a:gridCol>
                 <a:gridCol w="501772">
                   <a:extLst>
                     <a:ext uri="{9D8B030D-6E8A-4147-A177-3AD203B41FA5}">
-                      <a16:colId xmlns="" xmlns:a16="http://schemas.microsoft.com/office/drawing/2014/main" val="2051610090"/>
+                      <a16:colId xmlns:a16="http://schemas.microsoft.com/office/drawing/2014/main" xmlns="" val="2051610090"/>
                     </a:ext>
                   </a:extLst>
                 </a:gridCol>
                 <a:gridCol w="501772">
                   <a:extLst>
                     <a:ext uri="{9D8B030D-6E8A-4147-A177-3AD203B41FA5}">
-                      <a16:colId xmlns="" xmlns:a16="http://schemas.microsoft.com/office/drawing/2014/main" val="29243554"/>
+                      <a16:colId xmlns:a16="http://schemas.microsoft.com/office/drawing/2014/main" xmlns="" val="29243554"/>
                     </a:ext>
                   </a:extLst>
                 </a:gridCol>
                 <a:gridCol w="501772">
                   <a:extLst>
                     <a:ext uri="{9D8B030D-6E8A-4147-A177-3AD203B41FA5}">
-                      <a16:colId xmlns="" xmlns:a16="http://schemas.microsoft.com/office/drawing/2014/main" val="1436252718"/>
+                      <a16:colId xmlns:a16="http://schemas.microsoft.com/office/drawing/2014/main" xmlns="" val="1436252718"/>
                     </a:ext>
                   </a:extLst>
                 </a:gridCol>
                 <a:gridCol w="501772">
                   <a:extLst>
                     <a:ext uri="{9D8B030D-6E8A-4147-A177-3AD203B41FA5}">
-                      <a16:colId xmlns="" xmlns:a16="http://schemas.microsoft.com/office/drawing/2014/main" val="963690119"/>
+                      <a16:colId xmlns:a16="http://schemas.microsoft.com/office/drawing/2014/main" xmlns="" val="963690119"/>
                     </a:ext>
                   </a:extLst>
                 </a:gridCol>
                 <a:gridCol w="501772">
                   <a:extLst>
                     <a:ext uri="{9D8B030D-6E8A-4147-A177-3AD203B41FA5}">
-                      <a16:colId xmlns="" xmlns:a16="http://schemas.microsoft.com/office/drawing/2014/main" val="2227699668"/>
+                      <a16:colId xmlns:a16="http://schemas.microsoft.com/office/drawing/2014/main" xmlns="" val="2227699668"/>
                     </a:ext>
                   </a:extLst>
                 </a:gridCol>
                 <a:gridCol w="501772">
                   <a:extLst>
                     <a:ext uri="{9D8B030D-6E8A-4147-A177-3AD203B41FA5}">
-                      <a16:colId xmlns="" xmlns:a16="http://schemas.microsoft.com/office/drawing/2014/main" val="1987638318"/>
+                      <a16:colId xmlns:a16="http://schemas.microsoft.com/office/drawing/2014/main" xmlns="" val="1987638318"/>
                     </a:ext>
                   </a:extLst>
                 </a:gridCol>
                 <a:gridCol w="501772">
                   <a:extLst>
                     <a:ext uri="{9D8B030D-6E8A-4147-A177-3AD203B41FA5}">
-                      <a16:colId xmlns="" xmlns:a16="http://schemas.microsoft.com/office/drawing/2014/main" val="1636838614"/>
+                      <a16:colId xmlns:a16="http://schemas.microsoft.com/office/drawing/2014/main" xmlns="" val="1636838614"/>
                     </a:ext>
                   </a:extLst>
                 </a:gridCol>
                 <a:gridCol w="501772">
                   <a:extLst>
                     <a:ext uri="{9D8B030D-6E8A-4147-A177-3AD203B41FA5}">
-                      <a16:colId xmlns="" xmlns:a16="http://schemas.microsoft.com/office/drawing/2014/main" val="1332406281"/>
+                      <a16:colId xmlns:a16="http://schemas.microsoft.com/office/drawing/2014/main" xmlns="" val="1332406281"/>
                     </a:ext>
                   </a:extLst>
                 </a:gridCol>
                 <a:gridCol w="501772">
                   <a:extLst>
                     <a:ext uri="{9D8B030D-6E8A-4147-A177-3AD203B41FA5}">
-                      <a16:colId xmlns="" xmlns:a16="http://schemas.microsoft.com/office/drawing/2014/main" val="20019"/>
+                      <a16:colId xmlns:a16="http://schemas.microsoft.com/office/drawing/2014/main" xmlns="" val="20019"/>
                     </a:ext>
                   </a:extLst>
                 </a:gridCol>
@@ -14262,7 +14316,7 @@
                 </a:tc>
                 <a:extLst>
                   <a:ext uri="{0D108BD9-81ED-4DB2-BD59-A6C34878D82A}">
-                    <a16:rowId xmlns="" xmlns:a16="http://schemas.microsoft.com/office/drawing/2014/main" val="4157930470"/>
+                    <a16:rowId xmlns:a16="http://schemas.microsoft.com/office/drawing/2014/main" xmlns="" val="4157930470"/>
                   </a:ext>
                 </a:extLst>
               </a:tr>
@@ -14795,7 +14849,7 @@
                 </a:tc>
                 <a:extLst>
                   <a:ext uri="{0D108BD9-81ED-4DB2-BD59-A6C34878D82A}">
-                    <a16:rowId xmlns="" xmlns:a16="http://schemas.microsoft.com/office/drawing/2014/main" val="10000"/>
+                    <a16:rowId xmlns:a16="http://schemas.microsoft.com/office/drawing/2014/main" xmlns="" val="10000"/>
                   </a:ext>
                 </a:extLst>
               </a:tr>
@@ -15097,7 +15151,7 @@
                 </a:tc>
                 <a:extLst>
                   <a:ext uri="{0D108BD9-81ED-4DB2-BD59-A6C34878D82A}">
-                    <a16:rowId xmlns="" xmlns:a16="http://schemas.microsoft.com/office/drawing/2014/main" val="10005"/>
+                    <a16:rowId xmlns:a16="http://schemas.microsoft.com/office/drawing/2014/main" xmlns="" val="10005"/>
                   </a:ext>
                 </a:extLst>
               </a:tr>
@@ -15634,7 +15688,7 @@
                 </a:tc>
                 <a:extLst>
                   <a:ext uri="{0D108BD9-81ED-4DB2-BD59-A6C34878D82A}">
-                    <a16:rowId xmlns="" xmlns:a16="http://schemas.microsoft.com/office/drawing/2014/main" val="10002"/>
+                    <a16:rowId xmlns:a16="http://schemas.microsoft.com/office/drawing/2014/main" xmlns="" val="10002"/>
                   </a:ext>
                 </a:extLst>
               </a:tr>
@@ -16171,7 +16225,7 @@
                 </a:tc>
                 <a:extLst>
                   <a:ext uri="{0D108BD9-81ED-4DB2-BD59-A6C34878D82A}">
-                    <a16:rowId xmlns="" xmlns:a16="http://schemas.microsoft.com/office/drawing/2014/main" val="10003"/>
+                    <a16:rowId xmlns:a16="http://schemas.microsoft.com/office/drawing/2014/main" xmlns="" val="10003"/>
                   </a:ext>
                 </a:extLst>
               </a:tr>
@@ -16708,7 +16762,7 @@
                 </a:tc>
                 <a:extLst>
                   <a:ext uri="{0D108BD9-81ED-4DB2-BD59-A6C34878D82A}">
-                    <a16:rowId xmlns="" xmlns:a16="http://schemas.microsoft.com/office/drawing/2014/main" val="10004"/>
+                    <a16:rowId xmlns:a16="http://schemas.microsoft.com/office/drawing/2014/main" xmlns="" val="10004"/>
                   </a:ext>
                 </a:extLst>
               </a:tr>
@@ -17245,7 +17299,7 @@
                 </a:tc>
                 <a:extLst>
                   <a:ext uri="{0D108BD9-81ED-4DB2-BD59-A6C34878D82A}">
-                    <a16:rowId xmlns="" xmlns:a16="http://schemas.microsoft.com/office/drawing/2014/main" val="10007"/>
+                    <a16:rowId xmlns:a16="http://schemas.microsoft.com/office/drawing/2014/main" xmlns="" val="10007"/>
                   </a:ext>
                 </a:extLst>
               </a:tr>
@@ -17782,7 +17836,7 @@
                 </a:tc>
                 <a:extLst>
                   <a:ext uri="{0D108BD9-81ED-4DB2-BD59-A6C34878D82A}">
-                    <a16:rowId xmlns="" xmlns:a16="http://schemas.microsoft.com/office/drawing/2014/main" val="10008"/>
+                    <a16:rowId xmlns:a16="http://schemas.microsoft.com/office/drawing/2014/main" xmlns="" val="10008"/>
                   </a:ext>
                 </a:extLst>
               </a:tr>
@@ -18319,7 +18373,7 @@
                 </a:tc>
                 <a:extLst>
                   <a:ext uri="{0D108BD9-81ED-4DB2-BD59-A6C34878D82A}">
-                    <a16:rowId xmlns="" xmlns:a16="http://schemas.microsoft.com/office/drawing/2014/main" val="10009"/>
+                    <a16:rowId xmlns:a16="http://schemas.microsoft.com/office/drawing/2014/main" xmlns="" val="10009"/>
                   </a:ext>
                 </a:extLst>
               </a:tr>
@@ -18856,7 +18910,7 @@
                 </a:tc>
                 <a:extLst>
                   <a:ext uri="{0D108BD9-81ED-4DB2-BD59-A6C34878D82A}">
-                    <a16:rowId xmlns="" xmlns:a16="http://schemas.microsoft.com/office/drawing/2014/main" val="2234251665"/>
+                    <a16:rowId xmlns:a16="http://schemas.microsoft.com/office/drawing/2014/main" xmlns="" val="2234251665"/>
                   </a:ext>
                 </a:extLst>
               </a:tr>
@@ -19382,7 +19436,7 @@
                 </a:tc>
                 <a:extLst>
                   <a:ext uri="{0D108BD9-81ED-4DB2-BD59-A6C34878D82A}">
-                    <a16:rowId xmlns="" xmlns:a16="http://schemas.microsoft.com/office/drawing/2014/main" val="2106796917"/>
+                    <a16:rowId xmlns:a16="http://schemas.microsoft.com/office/drawing/2014/main" xmlns="" val="2106796917"/>
                   </a:ext>
                 </a:extLst>
               </a:tr>
@@ -19924,7 +19978,7 @@
                 </a:tc>
                 <a:extLst>
                   <a:ext uri="{0D108BD9-81ED-4DB2-BD59-A6C34878D82A}">
-                    <a16:rowId xmlns="" xmlns:a16="http://schemas.microsoft.com/office/drawing/2014/main" val="3710798345"/>
+                    <a16:rowId xmlns:a16="http://schemas.microsoft.com/office/drawing/2014/main" xmlns="" val="3710798345"/>
                   </a:ext>
                 </a:extLst>
               </a:tr>
@@ -20450,7 +20504,7 @@
                 </a:tc>
                 <a:extLst>
                   <a:ext uri="{0D108BD9-81ED-4DB2-BD59-A6C34878D82A}">
-                    <a16:rowId xmlns="" xmlns:a16="http://schemas.microsoft.com/office/drawing/2014/main" val="2533665971"/>
+                    <a16:rowId xmlns:a16="http://schemas.microsoft.com/office/drawing/2014/main" xmlns="" val="2533665971"/>
                   </a:ext>
                 </a:extLst>
               </a:tr>
@@ -20960,7 +21014,7 @@
                 </a:tc>
                 <a:extLst>
                   <a:ext uri="{0D108BD9-81ED-4DB2-BD59-A6C34878D82A}">
-                    <a16:rowId xmlns="" xmlns:a16="http://schemas.microsoft.com/office/drawing/2014/main" val="10010"/>
+                    <a16:rowId xmlns:a16="http://schemas.microsoft.com/office/drawing/2014/main" xmlns="" val="10010"/>
                   </a:ext>
                 </a:extLst>
               </a:tr>
@@ -21774,7 +21828,7 @@
                 </a:tc>
                 <a:extLst>
                   <a:ext uri="{0D108BD9-81ED-4DB2-BD59-A6C34878D82A}">
-                    <a16:rowId xmlns="" xmlns:a16="http://schemas.microsoft.com/office/drawing/2014/main" val="2811962193"/>
+                    <a16:rowId xmlns:a16="http://schemas.microsoft.com/office/drawing/2014/main" xmlns="" val="2811962193"/>
                   </a:ext>
                 </a:extLst>
               </a:tr>
@@ -22370,126 +22424,126 @@
                 <a:gridCol w="677230">
                   <a:extLst>
                     <a:ext uri="{9D8B030D-6E8A-4147-A177-3AD203B41FA5}">
-                      <a16:colId xmlns="" xmlns:a16="http://schemas.microsoft.com/office/drawing/2014/main" val="20003"/>
+                      <a16:colId xmlns:a16="http://schemas.microsoft.com/office/drawing/2014/main" xmlns="" val="20003"/>
                     </a:ext>
                   </a:extLst>
                 </a:gridCol>
                 <a:gridCol w="589135">
                   <a:extLst>
                     <a:ext uri="{9D8B030D-6E8A-4147-A177-3AD203B41FA5}">
-                      <a16:colId xmlns="" xmlns:a16="http://schemas.microsoft.com/office/drawing/2014/main" val="20004"/>
+                      <a16:colId xmlns:a16="http://schemas.microsoft.com/office/drawing/2014/main" xmlns="" val="20004"/>
                     </a:ext>
                   </a:extLst>
                 </a:gridCol>
                 <a:gridCol w="589135">
                   <a:extLst>
                     <a:ext uri="{9D8B030D-6E8A-4147-A177-3AD203B41FA5}">
-                      <a16:colId xmlns="" xmlns:a16="http://schemas.microsoft.com/office/drawing/2014/main" val="3393601540"/>
+                      <a16:colId xmlns:a16="http://schemas.microsoft.com/office/drawing/2014/main" xmlns="" val="3393601540"/>
                     </a:ext>
                   </a:extLst>
                 </a:gridCol>
                 <a:gridCol w="589135">
                   <a:extLst>
                     <a:ext uri="{9D8B030D-6E8A-4147-A177-3AD203B41FA5}">
-                      <a16:colId xmlns="" xmlns:a16="http://schemas.microsoft.com/office/drawing/2014/main" val="3679918837"/>
+                      <a16:colId xmlns:a16="http://schemas.microsoft.com/office/drawing/2014/main" xmlns="" val="3679918837"/>
                     </a:ext>
                   </a:extLst>
                 </a:gridCol>
                 <a:gridCol w="570591">
                   <a:extLst>
                     <a:ext uri="{9D8B030D-6E8A-4147-A177-3AD203B41FA5}">
-                      <a16:colId xmlns="" xmlns:a16="http://schemas.microsoft.com/office/drawing/2014/main" val="2897207107"/>
+                      <a16:colId xmlns:a16="http://schemas.microsoft.com/office/drawing/2014/main" xmlns="" val="2897207107"/>
                     </a:ext>
                   </a:extLst>
                 </a:gridCol>
                 <a:gridCol w="570591">
                   <a:extLst>
                     <a:ext uri="{9D8B030D-6E8A-4147-A177-3AD203B41FA5}">
-                      <a16:colId xmlns="" xmlns:a16="http://schemas.microsoft.com/office/drawing/2014/main" val="2482035779"/>
+                      <a16:colId xmlns:a16="http://schemas.microsoft.com/office/drawing/2014/main" xmlns="" val="2482035779"/>
                     </a:ext>
                   </a:extLst>
                 </a:gridCol>
                 <a:gridCol w="570591">
                   <a:extLst>
                     <a:ext uri="{9D8B030D-6E8A-4147-A177-3AD203B41FA5}">
-                      <a16:colId xmlns="" xmlns:a16="http://schemas.microsoft.com/office/drawing/2014/main" val="3678108844"/>
+                      <a16:colId xmlns:a16="http://schemas.microsoft.com/office/drawing/2014/main" xmlns="" val="3678108844"/>
                     </a:ext>
                   </a:extLst>
                 </a:gridCol>
                 <a:gridCol w="570591">
                   <a:extLst>
                     <a:ext uri="{9D8B030D-6E8A-4147-A177-3AD203B41FA5}">
-                      <a16:colId xmlns="" xmlns:a16="http://schemas.microsoft.com/office/drawing/2014/main" val="1513467911"/>
+                      <a16:colId xmlns:a16="http://schemas.microsoft.com/office/drawing/2014/main" xmlns="" val="1513467911"/>
                     </a:ext>
                   </a:extLst>
                 </a:gridCol>
                 <a:gridCol w="570591">
                   <a:extLst>
                     <a:ext uri="{9D8B030D-6E8A-4147-A177-3AD203B41FA5}">
-                      <a16:colId xmlns="" xmlns:a16="http://schemas.microsoft.com/office/drawing/2014/main" val="20008"/>
+                      <a16:colId xmlns:a16="http://schemas.microsoft.com/office/drawing/2014/main" xmlns="" val="20008"/>
                     </a:ext>
                   </a:extLst>
                 </a:gridCol>
                 <a:gridCol w="570591">
                   <a:extLst>
                     <a:ext uri="{9D8B030D-6E8A-4147-A177-3AD203B41FA5}">
-                      <a16:colId xmlns="" xmlns:a16="http://schemas.microsoft.com/office/drawing/2014/main" val="3474974294"/>
+                      <a16:colId xmlns:a16="http://schemas.microsoft.com/office/drawing/2014/main" xmlns="" val="3474974294"/>
                     </a:ext>
                   </a:extLst>
                 </a:gridCol>
                 <a:gridCol w="570591">
                   <a:extLst>
                     <a:ext uri="{9D8B030D-6E8A-4147-A177-3AD203B41FA5}">
-                      <a16:colId xmlns="" xmlns:a16="http://schemas.microsoft.com/office/drawing/2014/main" val="2739021416"/>
+                      <a16:colId xmlns:a16="http://schemas.microsoft.com/office/drawing/2014/main" xmlns="" val="2739021416"/>
                     </a:ext>
                   </a:extLst>
                 </a:gridCol>
                 <a:gridCol w="570591">
                   <a:extLst>
                     <a:ext uri="{9D8B030D-6E8A-4147-A177-3AD203B41FA5}">
-                      <a16:colId xmlns="" xmlns:a16="http://schemas.microsoft.com/office/drawing/2014/main" val="876172250"/>
+                      <a16:colId xmlns:a16="http://schemas.microsoft.com/office/drawing/2014/main" xmlns="" val="876172250"/>
                     </a:ext>
                   </a:extLst>
                 </a:gridCol>
                 <a:gridCol w="570591">
                   <a:extLst>
                     <a:ext uri="{9D8B030D-6E8A-4147-A177-3AD203B41FA5}">
-                      <a16:colId xmlns="" xmlns:a16="http://schemas.microsoft.com/office/drawing/2014/main" val="20011"/>
+                      <a16:colId xmlns:a16="http://schemas.microsoft.com/office/drawing/2014/main" xmlns="" val="20011"/>
                     </a:ext>
                   </a:extLst>
                 </a:gridCol>
                 <a:gridCol w="570591">
                   <a:extLst>
                     <a:ext uri="{9D8B030D-6E8A-4147-A177-3AD203B41FA5}">
-                      <a16:colId xmlns="" xmlns:a16="http://schemas.microsoft.com/office/drawing/2014/main" val="20012"/>
+                      <a16:colId xmlns:a16="http://schemas.microsoft.com/office/drawing/2014/main" xmlns="" val="20012"/>
                     </a:ext>
                   </a:extLst>
                 </a:gridCol>
                 <a:gridCol w="570591">
                   <a:extLst>
                     <a:ext uri="{9D8B030D-6E8A-4147-A177-3AD203B41FA5}">
-                      <a16:colId xmlns="" xmlns:a16="http://schemas.microsoft.com/office/drawing/2014/main" val="20005"/>
+                      <a16:colId xmlns:a16="http://schemas.microsoft.com/office/drawing/2014/main" xmlns="" val="20005"/>
                     </a:ext>
                   </a:extLst>
                 </a:gridCol>
                 <a:gridCol w="570591">
                   <a:extLst>
                     <a:ext uri="{9D8B030D-6E8A-4147-A177-3AD203B41FA5}">
-                      <a16:colId xmlns="" xmlns:a16="http://schemas.microsoft.com/office/drawing/2014/main" val="3644493182"/>
+                      <a16:colId xmlns:a16="http://schemas.microsoft.com/office/drawing/2014/main" xmlns="" val="3644493182"/>
                     </a:ext>
                   </a:extLst>
                 </a:gridCol>
                 <a:gridCol w="570591">
                   <a:extLst>
                     <a:ext uri="{9D8B030D-6E8A-4147-A177-3AD203B41FA5}">
-                      <a16:colId xmlns="" xmlns:a16="http://schemas.microsoft.com/office/drawing/2014/main" val="20016"/>
+                      <a16:colId xmlns:a16="http://schemas.microsoft.com/office/drawing/2014/main" xmlns="" val="20016"/>
                     </a:ext>
                   </a:extLst>
                 </a:gridCol>
                 <a:gridCol w="570591">
                   <a:extLst>
                     <a:ext uri="{9D8B030D-6E8A-4147-A177-3AD203B41FA5}">
-                      <a16:colId xmlns="" xmlns:a16="http://schemas.microsoft.com/office/drawing/2014/main" val="20017"/>
+                      <a16:colId xmlns:a16="http://schemas.microsoft.com/office/drawing/2014/main" xmlns="" val="20017"/>
                     </a:ext>
                   </a:extLst>
                 </a:gridCol>
@@ -22732,7 +22786,7 @@
                 </a:tc>
                 <a:extLst>
                   <a:ext uri="{0D108BD9-81ED-4DB2-BD59-A6C34878D82A}">
-                    <a16:rowId xmlns="" xmlns:a16="http://schemas.microsoft.com/office/drawing/2014/main" val="4157930470"/>
+                    <a16:rowId xmlns:a16="http://schemas.microsoft.com/office/drawing/2014/main" xmlns="" val="4157930470"/>
                   </a:ext>
                 </a:extLst>
               </a:tr>
@@ -23301,7 +23355,7 @@
                 </a:tc>
                 <a:extLst>
                   <a:ext uri="{0D108BD9-81ED-4DB2-BD59-A6C34878D82A}">
-                    <a16:rowId xmlns="" xmlns:a16="http://schemas.microsoft.com/office/drawing/2014/main" val="10000"/>
+                    <a16:rowId xmlns:a16="http://schemas.microsoft.com/office/drawing/2014/main" xmlns="" val="10000"/>
                   </a:ext>
                 </a:extLst>
               </a:tr>
@@ -23854,7 +23908,7 @@
                 </a:tc>
                 <a:extLst>
                   <a:ext uri="{0D108BD9-81ED-4DB2-BD59-A6C34878D82A}">
-                    <a16:rowId xmlns="" xmlns:a16="http://schemas.microsoft.com/office/drawing/2014/main" val="10002"/>
+                    <a16:rowId xmlns:a16="http://schemas.microsoft.com/office/drawing/2014/main" xmlns="" val="10002"/>
                   </a:ext>
                 </a:extLst>
               </a:tr>
@@ -24386,7 +24440,7 @@
                 </a:tc>
                 <a:extLst>
                   <a:ext uri="{0D108BD9-81ED-4DB2-BD59-A6C34878D82A}">
-                    <a16:rowId xmlns="" xmlns:a16="http://schemas.microsoft.com/office/drawing/2014/main" val="10003"/>
+                    <a16:rowId xmlns:a16="http://schemas.microsoft.com/office/drawing/2014/main" xmlns="" val="10003"/>
                   </a:ext>
                 </a:extLst>
               </a:tr>
@@ -24422,140 +24476,140 @@
                 <a:gridCol w="678743">
                   <a:extLst>
                     <a:ext uri="{9D8B030D-6E8A-4147-A177-3AD203B41FA5}">
-                      <a16:colId xmlns="" xmlns:a16="http://schemas.microsoft.com/office/drawing/2014/main" val="20003"/>
+                      <a16:colId xmlns:a16="http://schemas.microsoft.com/office/drawing/2014/main" xmlns="" val="20003"/>
                     </a:ext>
                   </a:extLst>
                 </a:gridCol>
                 <a:gridCol w="643923">
                   <a:extLst>
                     <a:ext uri="{9D8B030D-6E8A-4147-A177-3AD203B41FA5}">
-                      <a16:colId xmlns="" xmlns:a16="http://schemas.microsoft.com/office/drawing/2014/main" val="3950370602"/>
+                      <a16:colId xmlns:a16="http://schemas.microsoft.com/office/drawing/2014/main" xmlns="" val="3950370602"/>
                     </a:ext>
                   </a:extLst>
                 </a:gridCol>
                 <a:gridCol w="475651">
                   <a:extLst>
                     <a:ext uri="{9D8B030D-6E8A-4147-A177-3AD203B41FA5}">
-                      <a16:colId xmlns="" xmlns:a16="http://schemas.microsoft.com/office/drawing/2014/main" val="892499354"/>
+                      <a16:colId xmlns:a16="http://schemas.microsoft.com/office/drawing/2014/main" xmlns="" val="892499354"/>
                     </a:ext>
                   </a:extLst>
                 </a:gridCol>
                 <a:gridCol w="475651">
                   <a:extLst>
                     <a:ext uri="{9D8B030D-6E8A-4147-A177-3AD203B41FA5}">
-                      <a16:colId xmlns="" xmlns:a16="http://schemas.microsoft.com/office/drawing/2014/main" val="2890376269"/>
+                      <a16:colId xmlns:a16="http://schemas.microsoft.com/office/drawing/2014/main" xmlns="" val="2890376269"/>
                     </a:ext>
                   </a:extLst>
                 </a:gridCol>
                 <a:gridCol w="501602">
                   <a:extLst>
                     <a:ext uri="{9D8B030D-6E8A-4147-A177-3AD203B41FA5}">
-                      <a16:colId xmlns="" xmlns:a16="http://schemas.microsoft.com/office/drawing/2014/main" val="2351848522"/>
+                      <a16:colId xmlns:a16="http://schemas.microsoft.com/office/drawing/2014/main" xmlns="" val="2351848522"/>
                     </a:ext>
                   </a:extLst>
                 </a:gridCol>
                 <a:gridCol w="501602">
                   <a:extLst>
                     <a:ext uri="{9D8B030D-6E8A-4147-A177-3AD203B41FA5}">
-                      <a16:colId xmlns="" xmlns:a16="http://schemas.microsoft.com/office/drawing/2014/main" val="3951773805"/>
+                      <a16:colId xmlns:a16="http://schemas.microsoft.com/office/drawing/2014/main" xmlns="" val="3951773805"/>
                     </a:ext>
                   </a:extLst>
                 </a:gridCol>
                 <a:gridCol w="501602">
                   <a:extLst>
                     <a:ext uri="{9D8B030D-6E8A-4147-A177-3AD203B41FA5}">
-                      <a16:colId xmlns="" xmlns:a16="http://schemas.microsoft.com/office/drawing/2014/main" val="20005"/>
+                      <a16:colId xmlns:a16="http://schemas.microsoft.com/office/drawing/2014/main" xmlns="" val="20005"/>
                     </a:ext>
                   </a:extLst>
                 </a:gridCol>
                 <a:gridCol w="501602">
                   <a:extLst>
                     <a:ext uri="{9D8B030D-6E8A-4147-A177-3AD203B41FA5}">
-                      <a16:colId xmlns="" xmlns:a16="http://schemas.microsoft.com/office/drawing/2014/main" val="1658949460"/>
+                      <a16:colId xmlns:a16="http://schemas.microsoft.com/office/drawing/2014/main" xmlns="" val="1658949460"/>
                     </a:ext>
                   </a:extLst>
                 </a:gridCol>
                 <a:gridCol w="501602">
                   <a:extLst>
                     <a:ext uri="{9D8B030D-6E8A-4147-A177-3AD203B41FA5}">
-                      <a16:colId xmlns="" xmlns:a16="http://schemas.microsoft.com/office/drawing/2014/main" val="4009511739"/>
+                      <a16:colId xmlns:a16="http://schemas.microsoft.com/office/drawing/2014/main" xmlns="" val="4009511739"/>
                     </a:ext>
                   </a:extLst>
                 </a:gridCol>
                 <a:gridCol w="648032">
                   <a:extLst>
                     <a:ext uri="{9D8B030D-6E8A-4147-A177-3AD203B41FA5}">
-                      <a16:colId xmlns="" xmlns:a16="http://schemas.microsoft.com/office/drawing/2014/main" val="915448942"/>
+                      <a16:colId xmlns:a16="http://schemas.microsoft.com/office/drawing/2014/main" xmlns="" val="915448942"/>
                     </a:ext>
                   </a:extLst>
                 </a:gridCol>
                 <a:gridCol w="648032">
                   <a:extLst>
                     <a:ext uri="{9D8B030D-6E8A-4147-A177-3AD203B41FA5}">
-                      <a16:colId xmlns="" xmlns:a16="http://schemas.microsoft.com/office/drawing/2014/main" val="20004"/>
+                      <a16:colId xmlns:a16="http://schemas.microsoft.com/office/drawing/2014/main" xmlns="" val="20004"/>
                     </a:ext>
                   </a:extLst>
                 </a:gridCol>
                 <a:gridCol w="523461">
                   <a:extLst>
                     <a:ext uri="{9D8B030D-6E8A-4147-A177-3AD203B41FA5}">
-                      <a16:colId xmlns="" xmlns:a16="http://schemas.microsoft.com/office/drawing/2014/main" val="1735239135"/>
+                      <a16:colId xmlns:a16="http://schemas.microsoft.com/office/drawing/2014/main" xmlns="" val="1735239135"/>
                     </a:ext>
                   </a:extLst>
                 </a:gridCol>
                 <a:gridCol w="523461">
                   <a:extLst>
                     <a:ext uri="{9D8B030D-6E8A-4147-A177-3AD203B41FA5}">
-                      <a16:colId xmlns="" xmlns:a16="http://schemas.microsoft.com/office/drawing/2014/main" val="1012336583"/>
+                      <a16:colId xmlns:a16="http://schemas.microsoft.com/office/drawing/2014/main" xmlns="" val="1012336583"/>
                     </a:ext>
                   </a:extLst>
                 </a:gridCol>
                 <a:gridCol w="523461">
                   <a:extLst>
                     <a:ext uri="{9D8B030D-6E8A-4147-A177-3AD203B41FA5}">
-                      <a16:colId xmlns="" xmlns:a16="http://schemas.microsoft.com/office/drawing/2014/main" val="730367770"/>
+                      <a16:colId xmlns:a16="http://schemas.microsoft.com/office/drawing/2014/main" xmlns="" val="730367770"/>
                     </a:ext>
                   </a:extLst>
                 </a:gridCol>
                 <a:gridCol w="523461">
                   <a:extLst>
                     <a:ext uri="{9D8B030D-6E8A-4147-A177-3AD203B41FA5}">
-                      <a16:colId xmlns="" xmlns:a16="http://schemas.microsoft.com/office/drawing/2014/main" val="1995509689"/>
+                      <a16:colId xmlns:a16="http://schemas.microsoft.com/office/drawing/2014/main" xmlns="" val="1995509689"/>
                     </a:ext>
                   </a:extLst>
                 </a:gridCol>
                 <a:gridCol w="523461">
                   <a:extLst>
                     <a:ext uri="{9D8B030D-6E8A-4147-A177-3AD203B41FA5}">
-                      <a16:colId xmlns="" xmlns:a16="http://schemas.microsoft.com/office/drawing/2014/main" val="4059945013"/>
+                      <a16:colId xmlns:a16="http://schemas.microsoft.com/office/drawing/2014/main" xmlns="" val="4059945013"/>
                     </a:ext>
                   </a:extLst>
                 </a:gridCol>
                 <a:gridCol w="523461">
                   <a:extLst>
                     <a:ext uri="{9D8B030D-6E8A-4147-A177-3AD203B41FA5}">
-                      <a16:colId xmlns="" xmlns:a16="http://schemas.microsoft.com/office/drawing/2014/main" val="20013"/>
+                      <a16:colId xmlns:a16="http://schemas.microsoft.com/office/drawing/2014/main" xmlns="" val="20013"/>
                     </a:ext>
                   </a:extLst>
                 </a:gridCol>
                 <a:gridCol w="612741">
                   <a:extLst>
                     <a:ext uri="{9D8B030D-6E8A-4147-A177-3AD203B41FA5}">
-                      <a16:colId xmlns="" xmlns:a16="http://schemas.microsoft.com/office/drawing/2014/main" val="563954548"/>
+                      <a16:colId xmlns:a16="http://schemas.microsoft.com/office/drawing/2014/main" xmlns="" val="563954548"/>
                     </a:ext>
                   </a:extLst>
                 </a:gridCol>
                 <a:gridCol w="612741">
                   <a:extLst>
                     <a:ext uri="{9D8B030D-6E8A-4147-A177-3AD203B41FA5}">
-                      <a16:colId xmlns="" xmlns:a16="http://schemas.microsoft.com/office/drawing/2014/main" val="626849779"/>
+                      <a16:colId xmlns:a16="http://schemas.microsoft.com/office/drawing/2014/main" xmlns="" val="626849779"/>
                     </a:ext>
                   </a:extLst>
                 </a:gridCol>
                 <a:gridCol w="612741">
                   <a:extLst>
                     <a:ext uri="{9D8B030D-6E8A-4147-A177-3AD203B41FA5}">
-                      <a16:colId xmlns="" xmlns:a16="http://schemas.microsoft.com/office/drawing/2014/main" val="2774746132"/>
+                      <a16:colId xmlns:a16="http://schemas.microsoft.com/office/drawing/2014/main" xmlns="" val="2774746132"/>
                     </a:ext>
                   </a:extLst>
                 </a:gridCol>
@@ -24883,7 +24937,7 @@
                 </a:tc>
                 <a:extLst>
                   <a:ext uri="{0D108BD9-81ED-4DB2-BD59-A6C34878D82A}">
-                    <a16:rowId xmlns="" xmlns:a16="http://schemas.microsoft.com/office/drawing/2014/main" val="290152553"/>
+                    <a16:rowId xmlns:a16="http://schemas.microsoft.com/office/drawing/2014/main" xmlns="" val="290152553"/>
                   </a:ext>
                 </a:extLst>
               </a:tr>
@@ -25630,7 +25684,7 @@
                 </a:tc>
                 <a:extLst>
                   <a:ext uri="{0D108BD9-81ED-4DB2-BD59-A6C34878D82A}">
-                    <a16:rowId xmlns="" xmlns:a16="http://schemas.microsoft.com/office/drawing/2014/main" val="1372355905"/>
+                    <a16:rowId xmlns:a16="http://schemas.microsoft.com/office/drawing/2014/main" xmlns="" val="1372355905"/>
                   </a:ext>
                 </a:extLst>
               </a:tr>
@@ -26126,7 +26180,7 @@
                 </a:tc>
                 <a:extLst>
                   <a:ext uri="{0D108BD9-81ED-4DB2-BD59-A6C34878D82A}">
-                    <a16:rowId xmlns="" xmlns:a16="http://schemas.microsoft.com/office/drawing/2014/main" val="10005"/>
+                    <a16:rowId xmlns:a16="http://schemas.microsoft.com/office/drawing/2014/main" xmlns="" val="10005"/>
                   </a:ext>
                 </a:extLst>
               </a:tr>
@@ -26638,7 +26692,7 @@
                 </a:tc>
                 <a:extLst>
                   <a:ext uri="{0D108BD9-81ED-4DB2-BD59-A6C34878D82A}">
-                    <a16:rowId xmlns="" xmlns:a16="http://schemas.microsoft.com/office/drawing/2014/main" val="10006"/>
+                    <a16:rowId xmlns:a16="http://schemas.microsoft.com/office/drawing/2014/main" xmlns="" val="10006"/>
                   </a:ext>
                 </a:extLst>
               </a:tr>
@@ -27134,7 +27188,7 @@
                 </a:tc>
                 <a:extLst>
                   <a:ext uri="{0D108BD9-81ED-4DB2-BD59-A6C34878D82A}">
-                    <a16:rowId xmlns="" xmlns:a16="http://schemas.microsoft.com/office/drawing/2014/main" val="10007"/>
+                    <a16:rowId xmlns:a16="http://schemas.microsoft.com/office/drawing/2014/main" xmlns="" val="10007"/>
                   </a:ext>
                 </a:extLst>
               </a:tr>
@@ -27761,7 +27815,7 @@
                 </a:tc>
                 <a:extLst>
                   <a:ext uri="{0D108BD9-81ED-4DB2-BD59-A6C34878D82A}">
-                    <a16:rowId xmlns="" xmlns:a16="http://schemas.microsoft.com/office/drawing/2014/main" val="10008"/>
+                    <a16:rowId xmlns:a16="http://schemas.microsoft.com/office/drawing/2014/main" xmlns="" val="10008"/>
                   </a:ext>
                 </a:extLst>
               </a:tr>
@@ -28577,35 +28631,35 @@
                 <a:gridCol w="1452286">
                   <a:extLst>
                     <a:ext uri="{9D8B030D-6E8A-4147-A177-3AD203B41FA5}">
-                      <a16:colId xmlns="" xmlns:a16="http://schemas.microsoft.com/office/drawing/2014/main" val="20003"/>
+                      <a16:colId xmlns:a16="http://schemas.microsoft.com/office/drawing/2014/main" xmlns="" val="20003"/>
                     </a:ext>
                   </a:extLst>
                 </a:gridCol>
                 <a:gridCol w="1131131">
                   <a:extLst>
                     <a:ext uri="{9D8B030D-6E8A-4147-A177-3AD203B41FA5}">
-                      <a16:colId xmlns="" xmlns:a16="http://schemas.microsoft.com/office/drawing/2014/main" val="3466895849"/>
+                      <a16:colId xmlns:a16="http://schemas.microsoft.com/office/drawing/2014/main" xmlns="" val="3466895849"/>
                     </a:ext>
                   </a:extLst>
                 </a:gridCol>
                 <a:gridCol w="1131131">
                   <a:extLst>
                     <a:ext uri="{9D8B030D-6E8A-4147-A177-3AD203B41FA5}">
-                      <a16:colId xmlns="" xmlns:a16="http://schemas.microsoft.com/office/drawing/2014/main" val="20004"/>
+                      <a16:colId xmlns:a16="http://schemas.microsoft.com/office/drawing/2014/main" xmlns="" val="20004"/>
                     </a:ext>
                   </a:extLst>
                 </a:gridCol>
                 <a:gridCol w="1131131">
                   <a:extLst>
                     <a:ext uri="{9D8B030D-6E8A-4147-A177-3AD203B41FA5}">
-                      <a16:colId xmlns="" xmlns:a16="http://schemas.microsoft.com/office/drawing/2014/main" val="730367770"/>
+                      <a16:colId xmlns:a16="http://schemas.microsoft.com/office/drawing/2014/main" xmlns="" val="730367770"/>
                     </a:ext>
                   </a:extLst>
                 </a:gridCol>
                 <a:gridCol w="1131131">
                   <a:extLst>
                     <a:ext uri="{9D8B030D-6E8A-4147-A177-3AD203B41FA5}">
-                      <a16:colId xmlns="" xmlns:a16="http://schemas.microsoft.com/office/drawing/2014/main" val="624460300"/>
+                      <a16:colId xmlns:a16="http://schemas.microsoft.com/office/drawing/2014/main" xmlns="" val="624460300"/>
                     </a:ext>
                   </a:extLst>
                 </a:gridCol>
@@ -28727,7 +28781,7 @@
                 </a:tc>
                 <a:extLst>
                   <a:ext uri="{0D108BD9-81ED-4DB2-BD59-A6C34878D82A}">
-                    <a16:rowId xmlns="" xmlns:a16="http://schemas.microsoft.com/office/drawing/2014/main" val="290152553"/>
+                    <a16:rowId xmlns:a16="http://schemas.microsoft.com/office/drawing/2014/main" xmlns="" val="290152553"/>
                   </a:ext>
                 </a:extLst>
               </a:tr>
@@ -28846,7 +28900,7 @@
                 </a:tc>
                 <a:extLst>
                   <a:ext uri="{0D108BD9-81ED-4DB2-BD59-A6C34878D82A}">
-                    <a16:rowId xmlns="" xmlns:a16="http://schemas.microsoft.com/office/drawing/2014/main" val="2028298506"/>
+                    <a16:rowId xmlns:a16="http://schemas.microsoft.com/office/drawing/2014/main" xmlns="" val="2028298506"/>
                   </a:ext>
                 </a:extLst>
               </a:tr>
@@ -28987,7 +29041,7 @@
                 </a:tc>
                 <a:extLst>
                   <a:ext uri="{0D108BD9-81ED-4DB2-BD59-A6C34878D82A}">
-                    <a16:rowId xmlns="" xmlns:a16="http://schemas.microsoft.com/office/drawing/2014/main" val="2660065325"/>
+                    <a16:rowId xmlns:a16="http://schemas.microsoft.com/office/drawing/2014/main" xmlns="" val="2660065325"/>
                   </a:ext>
                 </a:extLst>
               </a:tr>
@@ -29128,7 +29182,7 @@
                 </a:tc>
                 <a:extLst>
                   <a:ext uri="{0D108BD9-81ED-4DB2-BD59-A6C34878D82A}">
-                    <a16:rowId xmlns="" xmlns:a16="http://schemas.microsoft.com/office/drawing/2014/main" val="1596747635"/>
+                    <a16:rowId xmlns:a16="http://schemas.microsoft.com/office/drawing/2014/main" xmlns="" val="1596747635"/>
                   </a:ext>
                 </a:extLst>
               </a:tr>
@@ -29269,7 +29323,7 @@
                 </a:tc>
                 <a:extLst>
                   <a:ext uri="{0D108BD9-81ED-4DB2-BD59-A6C34878D82A}">
-                    <a16:rowId xmlns="" xmlns:a16="http://schemas.microsoft.com/office/drawing/2014/main" val="3774430207"/>
+                    <a16:rowId xmlns:a16="http://schemas.microsoft.com/office/drawing/2014/main" xmlns="" val="3774430207"/>
                   </a:ext>
                 </a:extLst>
               </a:tr>
@@ -29416,7 +29470,7 @@
                 </a:tc>
                 <a:extLst>
                   <a:ext uri="{0D108BD9-81ED-4DB2-BD59-A6C34878D82A}">
-                    <a16:rowId xmlns="" xmlns:a16="http://schemas.microsoft.com/office/drawing/2014/main" val="10005"/>
+                    <a16:rowId xmlns:a16="http://schemas.microsoft.com/office/drawing/2014/main" xmlns="" val="10005"/>
                   </a:ext>
                 </a:extLst>
               </a:tr>
@@ -29579,7 +29633,7 @@
                 </a:tc>
                 <a:extLst>
                   <a:ext uri="{0D108BD9-81ED-4DB2-BD59-A6C34878D82A}">
-                    <a16:rowId xmlns="" xmlns:a16="http://schemas.microsoft.com/office/drawing/2014/main" val="10006"/>
+                    <a16:rowId xmlns:a16="http://schemas.microsoft.com/office/drawing/2014/main" xmlns="" val="10006"/>
                   </a:ext>
                 </a:extLst>
               </a:tr>
@@ -29742,7 +29796,7 @@
                 </a:tc>
                 <a:extLst>
                   <a:ext uri="{0D108BD9-81ED-4DB2-BD59-A6C34878D82A}">
-                    <a16:rowId xmlns="" xmlns:a16="http://schemas.microsoft.com/office/drawing/2014/main" val="10007"/>
+                    <a16:rowId xmlns:a16="http://schemas.microsoft.com/office/drawing/2014/main" xmlns="" val="10007"/>
                   </a:ext>
                 </a:extLst>
               </a:tr>
@@ -29883,7 +29937,7 @@
                 </a:tc>
                 <a:extLst>
                   <a:ext uri="{0D108BD9-81ED-4DB2-BD59-A6C34878D82A}">
-                    <a16:rowId xmlns="" xmlns:a16="http://schemas.microsoft.com/office/drawing/2014/main" val="2717943080"/>
+                    <a16:rowId xmlns:a16="http://schemas.microsoft.com/office/drawing/2014/main" xmlns="" val="2717943080"/>
                   </a:ext>
                 </a:extLst>
               </a:tr>
@@ -30109,7 +30163,7 @@
                 </a:tc>
                 <a:extLst>
                   <a:ext uri="{0D108BD9-81ED-4DB2-BD59-A6C34878D82A}">
-                    <a16:rowId xmlns="" xmlns:a16="http://schemas.microsoft.com/office/drawing/2014/main" val="2802642166"/>
+                    <a16:rowId xmlns:a16="http://schemas.microsoft.com/office/drawing/2014/main" xmlns="" val="2802642166"/>
                   </a:ext>
                 </a:extLst>
               </a:tr>
@@ -30314,7 +30368,7 @@
                 </a:tc>
                 <a:extLst>
                   <a:ext uri="{0D108BD9-81ED-4DB2-BD59-A6C34878D82A}">
-                    <a16:rowId xmlns="" xmlns:a16="http://schemas.microsoft.com/office/drawing/2014/main" val="3968310820"/>
+                    <a16:rowId xmlns:a16="http://schemas.microsoft.com/office/drawing/2014/main" xmlns="" val="3968310820"/>
                   </a:ext>
                 </a:extLst>
               </a:tr>
@@ -30519,7 +30573,7 @@
                 </a:tc>
                 <a:extLst>
                   <a:ext uri="{0D108BD9-81ED-4DB2-BD59-A6C34878D82A}">
-                    <a16:rowId xmlns="" xmlns:a16="http://schemas.microsoft.com/office/drawing/2014/main" val="1715990511"/>
+                    <a16:rowId xmlns:a16="http://schemas.microsoft.com/office/drawing/2014/main" xmlns="" val="1715990511"/>
                   </a:ext>
                 </a:extLst>
               </a:tr>
@@ -30724,7 +30778,7 @@
                 </a:tc>
                 <a:extLst>
                   <a:ext uri="{0D108BD9-81ED-4DB2-BD59-A6C34878D82A}">
-                    <a16:rowId xmlns="" xmlns:a16="http://schemas.microsoft.com/office/drawing/2014/main" val="3192680700"/>
+                    <a16:rowId xmlns:a16="http://schemas.microsoft.com/office/drawing/2014/main" xmlns="" val="3192680700"/>
                   </a:ext>
                 </a:extLst>
               </a:tr>
@@ -30950,84 +31004,84 @@
                 <a:gridCol w="828562">
                   <a:extLst>
                     <a:ext uri="{9D8B030D-6E8A-4147-A177-3AD203B41FA5}">
-                      <a16:colId xmlns="" xmlns:a16="http://schemas.microsoft.com/office/drawing/2014/main" val="20000"/>
+                      <a16:colId xmlns:a16="http://schemas.microsoft.com/office/drawing/2014/main" xmlns="" val="20000"/>
                     </a:ext>
                   </a:extLst>
                 </a:gridCol>
                 <a:gridCol w="828562">
                   <a:extLst>
                     <a:ext uri="{9D8B030D-6E8A-4147-A177-3AD203B41FA5}">
-                      <a16:colId xmlns="" xmlns:a16="http://schemas.microsoft.com/office/drawing/2014/main" val="20001"/>
+                      <a16:colId xmlns:a16="http://schemas.microsoft.com/office/drawing/2014/main" xmlns="" val="20001"/>
                     </a:ext>
                   </a:extLst>
                 </a:gridCol>
                 <a:gridCol w="828562">
                   <a:extLst>
                     <a:ext uri="{9D8B030D-6E8A-4147-A177-3AD203B41FA5}">
-                      <a16:colId xmlns="" xmlns:a16="http://schemas.microsoft.com/office/drawing/2014/main" val="20002"/>
+                      <a16:colId xmlns:a16="http://schemas.microsoft.com/office/drawing/2014/main" xmlns="" val="20002"/>
                     </a:ext>
                   </a:extLst>
                 </a:gridCol>
                 <a:gridCol w="828562">
                   <a:extLst>
                     <a:ext uri="{9D8B030D-6E8A-4147-A177-3AD203B41FA5}">
-                      <a16:colId xmlns="" xmlns:a16="http://schemas.microsoft.com/office/drawing/2014/main" val="20003"/>
+                      <a16:colId xmlns:a16="http://schemas.microsoft.com/office/drawing/2014/main" xmlns="" val="20003"/>
                     </a:ext>
                   </a:extLst>
                 </a:gridCol>
                 <a:gridCol w="828562">
                   <a:extLst>
                     <a:ext uri="{9D8B030D-6E8A-4147-A177-3AD203B41FA5}">
-                      <a16:colId xmlns="" xmlns:a16="http://schemas.microsoft.com/office/drawing/2014/main" val="20004"/>
+                      <a16:colId xmlns:a16="http://schemas.microsoft.com/office/drawing/2014/main" xmlns="" val="20004"/>
                     </a:ext>
                   </a:extLst>
                 </a:gridCol>
                 <a:gridCol w="828562">
                   <a:extLst>
                     <a:ext uri="{9D8B030D-6E8A-4147-A177-3AD203B41FA5}">
-                      <a16:colId xmlns="" xmlns:a16="http://schemas.microsoft.com/office/drawing/2014/main" val="20005"/>
+                      <a16:colId xmlns:a16="http://schemas.microsoft.com/office/drawing/2014/main" xmlns="" val="20005"/>
                     </a:ext>
                   </a:extLst>
                 </a:gridCol>
                 <a:gridCol w="828562">
                   <a:extLst>
                     <a:ext uri="{9D8B030D-6E8A-4147-A177-3AD203B41FA5}">
-                      <a16:colId xmlns="" xmlns:a16="http://schemas.microsoft.com/office/drawing/2014/main" val="20006"/>
+                      <a16:colId xmlns:a16="http://schemas.microsoft.com/office/drawing/2014/main" xmlns="" val="20006"/>
                     </a:ext>
                   </a:extLst>
                 </a:gridCol>
                 <a:gridCol w="828562">
                   <a:extLst>
                     <a:ext uri="{9D8B030D-6E8A-4147-A177-3AD203B41FA5}">
-                      <a16:colId xmlns="" xmlns:a16="http://schemas.microsoft.com/office/drawing/2014/main" val="20007"/>
+                      <a16:colId xmlns:a16="http://schemas.microsoft.com/office/drawing/2014/main" xmlns="" val="20007"/>
                     </a:ext>
                   </a:extLst>
                 </a:gridCol>
                 <a:gridCol w="828562">
                   <a:extLst>
                     <a:ext uri="{9D8B030D-6E8A-4147-A177-3AD203B41FA5}">
-                      <a16:colId xmlns="" xmlns:a16="http://schemas.microsoft.com/office/drawing/2014/main" val="20008"/>
+                      <a16:colId xmlns:a16="http://schemas.microsoft.com/office/drawing/2014/main" xmlns="" val="20008"/>
                     </a:ext>
                   </a:extLst>
                 </a:gridCol>
                 <a:gridCol w="828562">
                   <a:extLst>
                     <a:ext uri="{9D8B030D-6E8A-4147-A177-3AD203B41FA5}">
-                      <a16:colId xmlns="" xmlns:a16="http://schemas.microsoft.com/office/drawing/2014/main" val="20009"/>
+                      <a16:colId xmlns:a16="http://schemas.microsoft.com/office/drawing/2014/main" xmlns="" val="20009"/>
                     </a:ext>
                   </a:extLst>
                 </a:gridCol>
                 <a:gridCol w="828562">
                   <a:extLst>
                     <a:ext uri="{9D8B030D-6E8A-4147-A177-3AD203B41FA5}">
-                      <a16:colId xmlns="" xmlns:a16="http://schemas.microsoft.com/office/drawing/2014/main" val="20010"/>
+                      <a16:colId xmlns:a16="http://schemas.microsoft.com/office/drawing/2014/main" xmlns="" val="20010"/>
                     </a:ext>
                   </a:extLst>
                 </a:gridCol>
                 <a:gridCol w="828562">
                   <a:extLst>
                     <a:ext uri="{9D8B030D-6E8A-4147-A177-3AD203B41FA5}">
-                      <a16:colId xmlns="" xmlns:a16="http://schemas.microsoft.com/office/drawing/2014/main" val="20011"/>
+                      <a16:colId xmlns:a16="http://schemas.microsoft.com/office/drawing/2014/main" xmlns="" val="20011"/>
                     </a:ext>
                   </a:extLst>
                 </a:gridCol>
@@ -31222,7 +31276,7 @@
                 </a:tc>
                 <a:extLst>
                   <a:ext uri="{0D108BD9-81ED-4DB2-BD59-A6C34878D82A}">
-                    <a16:rowId xmlns="" xmlns:a16="http://schemas.microsoft.com/office/drawing/2014/main" val="10000"/>
+                    <a16:rowId xmlns:a16="http://schemas.microsoft.com/office/drawing/2014/main" xmlns="" val="10000"/>
                   </a:ext>
                 </a:extLst>
               </a:tr>
@@ -31563,7 +31617,7 @@
                 </a:tc>
                 <a:extLst>
                   <a:ext uri="{0D108BD9-81ED-4DB2-BD59-A6C34878D82A}">
-                    <a16:rowId xmlns="" xmlns:a16="http://schemas.microsoft.com/office/drawing/2014/main" val="10001"/>
+                    <a16:rowId xmlns:a16="http://schemas.microsoft.com/office/drawing/2014/main" xmlns="" val="10001"/>
                   </a:ext>
                 </a:extLst>
               </a:tr>
@@ -31873,7 +31927,7 @@
                 </a:tc>
                 <a:extLst>
                   <a:ext uri="{0D108BD9-81ED-4DB2-BD59-A6C34878D82A}">
-                    <a16:rowId xmlns="" xmlns:a16="http://schemas.microsoft.com/office/drawing/2014/main" val="10002"/>
+                    <a16:rowId xmlns:a16="http://schemas.microsoft.com/office/drawing/2014/main" xmlns="" val="10002"/>
                   </a:ext>
                 </a:extLst>
               </a:tr>
@@ -32201,7 +32255,7 @@
                 </a:tc>
                 <a:extLst>
                   <a:ext uri="{0D108BD9-81ED-4DB2-BD59-A6C34878D82A}">
-                    <a16:rowId xmlns="" xmlns:a16="http://schemas.microsoft.com/office/drawing/2014/main" val="10003"/>
+                    <a16:rowId xmlns:a16="http://schemas.microsoft.com/office/drawing/2014/main" xmlns="" val="10003"/>
                   </a:ext>
                 </a:extLst>
               </a:tr>
@@ -32534,7 +32588,7 @@
                 </a:tc>
                 <a:extLst>
                   <a:ext uri="{0D108BD9-81ED-4DB2-BD59-A6C34878D82A}">
-                    <a16:rowId xmlns="" xmlns:a16="http://schemas.microsoft.com/office/drawing/2014/main" val="10004"/>
+                    <a16:rowId xmlns:a16="http://schemas.microsoft.com/office/drawing/2014/main" xmlns="" val="10004"/>
                   </a:ext>
                 </a:extLst>
               </a:tr>
@@ -32867,7 +32921,7 @@
                 </a:tc>
                 <a:extLst>
                   <a:ext uri="{0D108BD9-81ED-4DB2-BD59-A6C34878D82A}">
-                    <a16:rowId xmlns="" xmlns:a16="http://schemas.microsoft.com/office/drawing/2014/main" val="10005"/>
+                    <a16:rowId xmlns:a16="http://schemas.microsoft.com/office/drawing/2014/main" xmlns="" val="10005"/>
                   </a:ext>
                 </a:extLst>
               </a:tr>
@@ -33234,49 +33288,49 @@
                 <a:gridCol w="1693061">
                   <a:extLst>
                     <a:ext uri="{9D8B030D-6E8A-4147-A177-3AD203B41FA5}">
-                      <a16:colId xmlns="" xmlns:a16="http://schemas.microsoft.com/office/drawing/2014/main" val="596459514"/>
+                      <a16:colId xmlns:a16="http://schemas.microsoft.com/office/drawing/2014/main" xmlns="" val="596459514"/>
                     </a:ext>
                   </a:extLst>
                 </a:gridCol>
                 <a:gridCol w="1105830">
                   <a:extLst>
                     <a:ext uri="{9D8B030D-6E8A-4147-A177-3AD203B41FA5}">
-                      <a16:colId xmlns="" xmlns:a16="http://schemas.microsoft.com/office/drawing/2014/main" val="1104773170"/>
+                      <a16:colId xmlns:a16="http://schemas.microsoft.com/office/drawing/2014/main" xmlns="" val="1104773170"/>
                     </a:ext>
                   </a:extLst>
                 </a:gridCol>
                 <a:gridCol w="1105830">
                   <a:extLst>
                     <a:ext uri="{9D8B030D-6E8A-4147-A177-3AD203B41FA5}">
-                      <a16:colId xmlns="" xmlns:a16="http://schemas.microsoft.com/office/drawing/2014/main" val="2628879976"/>
+                      <a16:colId xmlns:a16="http://schemas.microsoft.com/office/drawing/2014/main" xmlns="" val="2628879976"/>
                     </a:ext>
                   </a:extLst>
                 </a:gridCol>
                 <a:gridCol w="1105830">
                   <a:extLst>
                     <a:ext uri="{9D8B030D-6E8A-4147-A177-3AD203B41FA5}">
-                      <a16:colId xmlns="" xmlns:a16="http://schemas.microsoft.com/office/drawing/2014/main" val="3824673393"/>
+                      <a16:colId xmlns:a16="http://schemas.microsoft.com/office/drawing/2014/main" xmlns="" val="3824673393"/>
                     </a:ext>
                   </a:extLst>
                 </a:gridCol>
                 <a:gridCol w="1105830">
                   <a:extLst>
                     <a:ext uri="{9D8B030D-6E8A-4147-A177-3AD203B41FA5}">
-                      <a16:colId xmlns="" xmlns:a16="http://schemas.microsoft.com/office/drawing/2014/main" val="1207929680"/>
+                      <a16:colId xmlns:a16="http://schemas.microsoft.com/office/drawing/2014/main" xmlns="" val="1207929680"/>
                     </a:ext>
                   </a:extLst>
                 </a:gridCol>
                 <a:gridCol w="1105830">
                   <a:extLst>
                     <a:ext uri="{9D8B030D-6E8A-4147-A177-3AD203B41FA5}">
-                      <a16:colId xmlns="" xmlns:a16="http://schemas.microsoft.com/office/drawing/2014/main" val="196725124"/>
+                      <a16:colId xmlns:a16="http://schemas.microsoft.com/office/drawing/2014/main" xmlns="" val="196725124"/>
                     </a:ext>
                   </a:extLst>
                 </a:gridCol>
                 <a:gridCol w="1105830">
                   <a:extLst>
                     <a:ext uri="{9D8B030D-6E8A-4147-A177-3AD203B41FA5}">
-                      <a16:colId xmlns="" xmlns:a16="http://schemas.microsoft.com/office/drawing/2014/main" val="4015488069"/>
+                      <a16:colId xmlns:a16="http://schemas.microsoft.com/office/drawing/2014/main" xmlns="" val="4015488069"/>
                     </a:ext>
                   </a:extLst>
                 </a:gridCol>
@@ -33386,7 +33440,7 @@
                 </a:tc>
                 <a:extLst>
                   <a:ext uri="{0D108BD9-81ED-4DB2-BD59-A6C34878D82A}">
-                    <a16:rowId xmlns="" xmlns:a16="http://schemas.microsoft.com/office/drawing/2014/main" val="2450048256"/>
+                    <a16:rowId xmlns:a16="http://schemas.microsoft.com/office/drawing/2014/main" xmlns="" val="2450048256"/>
                   </a:ext>
                 </a:extLst>
               </a:tr>
@@ -33526,7 +33580,7 @@
                 </a:tc>
                 <a:extLst>
                   <a:ext uri="{0D108BD9-81ED-4DB2-BD59-A6C34878D82A}">
-                    <a16:rowId xmlns="" xmlns:a16="http://schemas.microsoft.com/office/drawing/2014/main" val="1007795033"/>
+                    <a16:rowId xmlns:a16="http://schemas.microsoft.com/office/drawing/2014/main" xmlns="" val="1007795033"/>
                   </a:ext>
                 </a:extLst>
               </a:tr>
@@ -33662,7 +33716,7 @@
                 </a:tc>
                 <a:extLst>
                   <a:ext uri="{0D108BD9-81ED-4DB2-BD59-A6C34878D82A}">
-                    <a16:rowId xmlns="" xmlns:a16="http://schemas.microsoft.com/office/drawing/2014/main" val="3123214655"/>
+                    <a16:rowId xmlns:a16="http://schemas.microsoft.com/office/drawing/2014/main" xmlns="" val="3123214655"/>
                   </a:ext>
                 </a:extLst>
               </a:tr>
@@ -33808,35 +33862,35 @@
                 <a:gridCol w="1104280">
                   <a:extLst>
                     <a:ext uri="{9D8B030D-6E8A-4147-A177-3AD203B41FA5}">
-                      <a16:colId xmlns="" xmlns:a16="http://schemas.microsoft.com/office/drawing/2014/main" val="596459514"/>
+                      <a16:colId xmlns:a16="http://schemas.microsoft.com/office/drawing/2014/main" xmlns="" val="596459514"/>
                     </a:ext>
                   </a:extLst>
                 </a:gridCol>
                 <a:gridCol w="1082993">
                   <a:extLst>
                     <a:ext uri="{9D8B030D-6E8A-4147-A177-3AD203B41FA5}">
-                      <a16:colId xmlns="" xmlns:a16="http://schemas.microsoft.com/office/drawing/2014/main" val="1104773170"/>
+                      <a16:colId xmlns:a16="http://schemas.microsoft.com/office/drawing/2014/main" xmlns="" val="1104773170"/>
                     </a:ext>
                   </a:extLst>
                 </a:gridCol>
                 <a:gridCol w="1082993">
                   <a:extLst>
                     <a:ext uri="{9D8B030D-6E8A-4147-A177-3AD203B41FA5}">
-                      <a16:colId xmlns="" xmlns:a16="http://schemas.microsoft.com/office/drawing/2014/main" val="2628879976"/>
+                      <a16:colId xmlns:a16="http://schemas.microsoft.com/office/drawing/2014/main" xmlns="" val="2628879976"/>
                     </a:ext>
                   </a:extLst>
                 </a:gridCol>
                 <a:gridCol w="1082993">
                   <a:extLst>
                     <a:ext uri="{9D8B030D-6E8A-4147-A177-3AD203B41FA5}">
-                      <a16:colId xmlns="" xmlns:a16="http://schemas.microsoft.com/office/drawing/2014/main" val="3824673393"/>
+                      <a16:colId xmlns:a16="http://schemas.microsoft.com/office/drawing/2014/main" xmlns="" val="3824673393"/>
                     </a:ext>
                   </a:extLst>
                 </a:gridCol>
                 <a:gridCol w="1082993">
                   <a:extLst>
                     <a:ext uri="{9D8B030D-6E8A-4147-A177-3AD203B41FA5}">
-                      <a16:colId xmlns="" xmlns:a16="http://schemas.microsoft.com/office/drawing/2014/main" val="20004"/>
+                      <a16:colId xmlns:a16="http://schemas.microsoft.com/office/drawing/2014/main" xmlns="" val="20004"/>
                     </a:ext>
                   </a:extLst>
                 </a:gridCol>
@@ -33929,7 +33983,7 @@
                 </a:tc>
                 <a:extLst>
                   <a:ext uri="{0D108BD9-81ED-4DB2-BD59-A6C34878D82A}">
-                    <a16:rowId xmlns="" xmlns:a16="http://schemas.microsoft.com/office/drawing/2014/main" val="2450048256"/>
+                    <a16:rowId xmlns:a16="http://schemas.microsoft.com/office/drawing/2014/main" xmlns="" val="2450048256"/>
                   </a:ext>
                 </a:extLst>
               </a:tr>
@@ -34131,7 +34185,7 @@
                 </a:tc>
                 <a:extLst>
                   <a:ext uri="{0D108BD9-81ED-4DB2-BD59-A6C34878D82A}">
-                    <a16:rowId xmlns="" xmlns:a16="http://schemas.microsoft.com/office/drawing/2014/main" val="1007795033"/>
+                    <a16:rowId xmlns:a16="http://schemas.microsoft.com/office/drawing/2014/main" xmlns="" val="1007795033"/>
                   </a:ext>
                 </a:extLst>
               </a:tr>
@@ -34231,7 +34285,7 @@
                 </a:tc>
                 <a:extLst>
                   <a:ext uri="{0D108BD9-81ED-4DB2-BD59-A6C34878D82A}">
-                    <a16:rowId xmlns="" xmlns:a16="http://schemas.microsoft.com/office/drawing/2014/main" val="3123214655"/>
+                    <a16:rowId xmlns:a16="http://schemas.microsoft.com/office/drawing/2014/main" xmlns="" val="3123214655"/>
                   </a:ext>
                 </a:extLst>
               </a:tr>
@@ -34537,70 +34591,70 @@
                 <a:gridCol w="960187">
                   <a:extLst>
                     <a:ext uri="{9D8B030D-6E8A-4147-A177-3AD203B41FA5}">
-                      <a16:colId xmlns="" xmlns:a16="http://schemas.microsoft.com/office/drawing/2014/main" val="20003"/>
+                      <a16:colId xmlns:a16="http://schemas.microsoft.com/office/drawing/2014/main" xmlns="" val="20003"/>
                     </a:ext>
                   </a:extLst>
                 </a:gridCol>
                 <a:gridCol w="893677">
                   <a:extLst>
                     <a:ext uri="{9D8B030D-6E8A-4147-A177-3AD203B41FA5}">
-                      <a16:colId xmlns="" xmlns:a16="http://schemas.microsoft.com/office/drawing/2014/main" val="3258888783"/>
+                      <a16:colId xmlns:a16="http://schemas.microsoft.com/office/drawing/2014/main" xmlns="" val="3258888783"/>
                     </a:ext>
                   </a:extLst>
                 </a:gridCol>
                 <a:gridCol w="792575">
                   <a:extLst>
                     <a:ext uri="{9D8B030D-6E8A-4147-A177-3AD203B41FA5}">
-                      <a16:colId xmlns="" xmlns:a16="http://schemas.microsoft.com/office/drawing/2014/main" val="20002"/>
+                      <a16:colId xmlns:a16="http://schemas.microsoft.com/office/drawing/2014/main" xmlns="" val="20002"/>
                     </a:ext>
                   </a:extLst>
                 </a:gridCol>
                 <a:gridCol w="519885">
                   <a:extLst>
                     <a:ext uri="{9D8B030D-6E8A-4147-A177-3AD203B41FA5}">
-                      <a16:colId xmlns="" xmlns:a16="http://schemas.microsoft.com/office/drawing/2014/main" val="20004"/>
+                      <a16:colId xmlns:a16="http://schemas.microsoft.com/office/drawing/2014/main" xmlns="" val="20004"/>
                     </a:ext>
                   </a:extLst>
                 </a:gridCol>
                 <a:gridCol w="519885">
                   <a:extLst>
                     <a:ext uri="{9D8B030D-6E8A-4147-A177-3AD203B41FA5}">
-                      <a16:colId xmlns="" xmlns:a16="http://schemas.microsoft.com/office/drawing/2014/main" val="20006"/>
+                      <a16:colId xmlns:a16="http://schemas.microsoft.com/office/drawing/2014/main" xmlns="" val="20006"/>
                     </a:ext>
                   </a:extLst>
                 </a:gridCol>
                 <a:gridCol w="519885">
                   <a:extLst>
                     <a:ext uri="{9D8B030D-6E8A-4147-A177-3AD203B41FA5}">
-                      <a16:colId xmlns="" xmlns:a16="http://schemas.microsoft.com/office/drawing/2014/main" val="20007"/>
+                      <a16:colId xmlns:a16="http://schemas.microsoft.com/office/drawing/2014/main" xmlns="" val="20007"/>
                     </a:ext>
                   </a:extLst>
                 </a:gridCol>
                 <a:gridCol w="700220">
                   <a:extLst>
                     <a:ext uri="{9D8B030D-6E8A-4147-A177-3AD203B41FA5}">
-                      <a16:colId xmlns="" xmlns:a16="http://schemas.microsoft.com/office/drawing/2014/main" val="20008"/>
+                      <a16:colId xmlns:a16="http://schemas.microsoft.com/office/drawing/2014/main" xmlns="" val="20008"/>
                     </a:ext>
                   </a:extLst>
                 </a:gridCol>
                 <a:gridCol w="814245">
                   <a:extLst>
                     <a:ext uri="{9D8B030D-6E8A-4147-A177-3AD203B41FA5}">
-                      <a16:colId xmlns="" xmlns:a16="http://schemas.microsoft.com/office/drawing/2014/main" val="20009"/>
+                      <a16:colId xmlns:a16="http://schemas.microsoft.com/office/drawing/2014/main" xmlns="" val="20009"/>
                     </a:ext>
                   </a:extLst>
                 </a:gridCol>
                 <a:gridCol w="814245">
                   <a:extLst>
                     <a:ext uri="{9D8B030D-6E8A-4147-A177-3AD203B41FA5}">
-                      <a16:colId xmlns="" xmlns:a16="http://schemas.microsoft.com/office/drawing/2014/main" val="20005"/>
+                      <a16:colId xmlns:a16="http://schemas.microsoft.com/office/drawing/2014/main" xmlns="" val="20005"/>
                     </a:ext>
                   </a:extLst>
                 </a:gridCol>
                 <a:gridCol w="814245">
                   <a:extLst>
                     <a:ext uri="{9D8B030D-6E8A-4147-A177-3AD203B41FA5}">
-                      <a16:colId xmlns="" xmlns:a16="http://schemas.microsoft.com/office/drawing/2014/main" val="20010"/>
+                      <a16:colId xmlns:a16="http://schemas.microsoft.com/office/drawing/2014/main" xmlns="" val="20010"/>
                     </a:ext>
                   </a:extLst>
                 </a:gridCol>
@@ -34743,7 +34797,7 @@
                 </a:tc>
                 <a:extLst>
                   <a:ext uri="{0D108BD9-81ED-4DB2-BD59-A6C34878D82A}">
-                    <a16:rowId xmlns="" xmlns:a16="http://schemas.microsoft.com/office/drawing/2014/main" val="4157930470"/>
+                    <a16:rowId xmlns:a16="http://schemas.microsoft.com/office/drawing/2014/main" xmlns="" val="4157930470"/>
                   </a:ext>
                 </a:extLst>
               </a:tr>
@@ -35003,7 +35057,7 @@
                 </a:tc>
                 <a:extLst>
                   <a:ext uri="{0D108BD9-81ED-4DB2-BD59-A6C34878D82A}">
-                    <a16:rowId xmlns="" xmlns:a16="http://schemas.microsoft.com/office/drawing/2014/main" val="1942208770"/>
+                    <a16:rowId xmlns:a16="http://schemas.microsoft.com/office/drawing/2014/main" xmlns="" val="1942208770"/>
                   </a:ext>
                 </a:extLst>
               </a:tr>
@@ -35222,7 +35276,7 @@
                 </a:tc>
                 <a:extLst>
                   <a:ext uri="{0D108BD9-81ED-4DB2-BD59-A6C34878D82A}">
-                    <a16:rowId xmlns="" xmlns:a16="http://schemas.microsoft.com/office/drawing/2014/main" val="10004"/>
+                    <a16:rowId xmlns:a16="http://schemas.microsoft.com/office/drawing/2014/main" xmlns="" val="10004"/>
                   </a:ext>
                 </a:extLst>
               </a:tr>
@@ -35483,7 +35537,7 @@
                 </a:tc>
                 <a:extLst>
                   <a:ext uri="{0D108BD9-81ED-4DB2-BD59-A6C34878D82A}">
-                    <a16:rowId xmlns="" xmlns:a16="http://schemas.microsoft.com/office/drawing/2014/main" val="134965533"/>
+                    <a16:rowId xmlns:a16="http://schemas.microsoft.com/office/drawing/2014/main" xmlns="" val="134965533"/>
                   </a:ext>
                 </a:extLst>
               </a:tr>
@@ -35876,77 +35930,77 @@
                 <a:gridCol w="957305">
                   <a:extLst>
                     <a:ext uri="{9D8B030D-6E8A-4147-A177-3AD203B41FA5}">
-                      <a16:colId xmlns="" xmlns:a16="http://schemas.microsoft.com/office/drawing/2014/main" val="20000"/>
+                      <a16:colId xmlns:a16="http://schemas.microsoft.com/office/drawing/2014/main" xmlns="" val="20000"/>
                     </a:ext>
                   </a:extLst>
                 </a:gridCol>
                 <a:gridCol w="889770">
                   <a:extLst>
                     <a:ext uri="{9D8B030D-6E8A-4147-A177-3AD203B41FA5}">
-                      <a16:colId xmlns="" xmlns:a16="http://schemas.microsoft.com/office/drawing/2014/main" val="20001"/>
+                      <a16:colId xmlns:a16="http://schemas.microsoft.com/office/drawing/2014/main" xmlns="" val="20001"/>
                     </a:ext>
                   </a:extLst>
                 </a:gridCol>
                 <a:gridCol w="643470">
                   <a:extLst>
                     <a:ext uri="{9D8B030D-6E8A-4147-A177-3AD203B41FA5}">
-                      <a16:colId xmlns="" xmlns:a16="http://schemas.microsoft.com/office/drawing/2014/main" val="20002"/>
+                      <a16:colId xmlns:a16="http://schemas.microsoft.com/office/drawing/2014/main" xmlns="" val="20002"/>
                     </a:ext>
                   </a:extLst>
                 </a:gridCol>
                 <a:gridCol w="597600">
                   <a:extLst>
                     <a:ext uri="{9D8B030D-6E8A-4147-A177-3AD203B41FA5}">
-                      <a16:colId xmlns="" xmlns:a16="http://schemas.microsoft.com/office/drawing/2014/main" val="20003"/>
+                      <a16:colId xmlns:a16="http://schemas.microsoft.com/office/drawing/2014/main" xmlns="" val="20003"/>
                     </a:ext>
                   </a:extLst>
                 </a:gridCol>
                 <a:gridCol w="597600">
                   <a:extLst>
                     <a:ext uri="{9D8B030D-6E8A-4147-A177-3AD203B41FA5}">
-                      <a16:colId xmlns="" xmlns:a16="http://schemas.microsoft.com/office/drawing/2014/main" val="20004"/>
+                      <a16:colId xmlns:a16="http://schemas.microsoft.com/office/drawing/2014/main" xmlns="" val="20004"/>
                     </a:ext>
                   </a:extLst>
                 </a:gridCol>
                 <a:gridCol w="683238">
                   <a:extLst>
                     <a:ext uri="{9D8B030D-6E8A-4147-A177-3AD203B41FA5}">
-                      <a16:colId xmlns="" xmlns:a16="http://schemas.microsoft.com/office/drawing/2014/main" val="20005"/>
+                      <a16:colId xmlns:a16="http://schemas.microsoft.com/office/drawing/2014/main" xmlns="" val="20005"/>
                     </a:ext>
                   </a:extLst>
                 </a:gridCol>
                 <a:gridCol w="683238">
                   <a:extLst>
                     <a:ext uri="{9D8B030D-6E8A-4147-A177-3AD203B41FA5}">
-                      <a16:colId xmlns="" xmlns:a16="http://schemas.microsoft.com/office/drawing/2014/main" val="20006"/>
+                      <a16:colId xmlns:a16="http://schemas.microsoft.com/office/drawing/2014/main" xmlns="" val="20006"/>
                     </a:ext>
                   </a:extLst>
                 </a:gridCol>
                 <a:gridCol w="683238">
                   <a:extLst>
                     <a:ext uri="{9D8B030D-6E8A-4147-A177-3AD203B41FA5}">
-                      <a16:colId xmlns="" xmlns:a16="http://schemas.microsoft.com/office/drawing/2014/main" val="20007"/>
+                      <a16:colId xmlns:a16="http://schemas.microsoft.com/office/drawing/2014/main" xmlns="" val="20007"/>
                     </a:ext>
                   </a:extLst>
                 </a:gridCol>
                 <a:gridCol w="683238">
                   <a:extLst>
                     <a:ext uri="{9D8B030D-6E8A-4147-A177-3AD203B41FA5}">
-                      <a16:colId xmlns="" xmlns:a16="http://schemas.microsoft.com/office/drawing/2014/main" val="20008"/>
+                      <a16:colId xmlns:a16="http://schemas.microsoft.com/office/drawing/2014/main" xmlns="" val="20008"/>
                     </a:ext>
                   </a:extLst>
                 </a:gridCol>
                 <a:gridCol w="683238">
                   <a:extLst>
                     <a:ext uri="{9D8B030D-6E8A-4147-A177-3AD203B41FA5}">
-                      <a16:colId xmlns="" xmlns:a16="http://schemas.microsoft.com/office/drawing/2014/main" val="20009"/>
+                      <a16:colId xmlns:a16="http://schemas.microsoft.com/office/drawing/2014/main" xmlns="" val="20009"/>
                     </a:ext>
                   </a:extLst>
                 </a:gridCol>
                 <a:gridCol w="683238">
                   <a:extLst>
                     <a:ext uri="{9D8B030D-6E8A-4147-A177-3AD203B41FA5}">
-                      <a16:colId xmlns="" xmlns:a16="http://schemas.microsoft.com/office/drawing/2014/main" val="20010"/>
+                      <a16:colId xmlns:a16="http://schemas.microsoft.com/office/drawing/2014/main" xmlns="" val="20010"/>
                     </a:ext>
                   </a:extLst>
                 </a:gridCol>
@@ -36239,7 +36293,7 @@
                 </a:tc>
                 <a:extLst>
                   <a:ext uri="{0D108BD9-81ED-4DB2-BD59-A6C34878D82A}">
-                    <a16:rowId xmlns="" xmlns:a16="http://schemas.microsoft.com/office/drawing/2014/main" val="10000"/>
+                    <a16:rowId xmlns:a16="http://schemas.microsoft.com/office/drawing/2014/main" xmlns="" val="10000"/>
                   </a:ext>
                 </a:extLst>
               </a:tr>
@@ -36666,7 +36720,7 @@
                 </a:tc>
                 <a:extLst>
                   <a:ext uri="{0D108BD9-81ED-4DB2-BD59-A6C34878D82A}">
-                    <a16:rowId xmlns="" xmlns:a16="http://schemas.microsoft.com/office/drawing/2014/main" val="10001"/>
+                    <a16:rowId xmlns:a16="http://schemas.microsoft.com/office/drawing/2014/main" xmlns="" val="10001"/>
                   </a:ext>
                 </a:extLst>
               </a:tr>
@@ -36975,7 +37029,7 @@
                 </a:tc>
                 <a:extLst>
                   <a:ext uri="{0D108BD9-81ED-4DB2-BD59-A6C34878D82A}">
-                    <a16:rowId xmlns="" xmlns:a16="http://schemas.microsoft.com/office/drawing/2014/main" val="10002"/>
+                    <a16:rowId xmlns:a16="http://schemas.microsoft.com/office/drawing/2014/main" xmlns="" val="10002"/>
                   </a:ext>
                 </a:extLst>
               </a:tr>
@@ -37293,7 +37347,7 @@
                 </a:tc>
                 <a:extLst>
                   <a:ext uri="{0D108BD9-81ED-4DB2-BD59-A6C34878D82A}">
-                    <a16:rowId xmlns="" xmlns:a16="http://schemas.microsoft.com/office/drawing/2014/main" val="10003"/>
+                    <a16:rowId xmlns:a16="http://schemas.microsoft.com/office/drawing/2014/main" xmlns="" val="10003"/>
                   </a:ext>
                 </a:extLst>
               </a:tr>
@@ -37602,7 +37656,7 @@
                 </a:tc>
                 <a:extLst>
                   <a:ext uri="{0D108BD9-81ED-4DB2-BD59-A6C34878D82A}">
-                    <a16:rowId xmlns="" xmlns:a16="http://schemas.microsoft.com/office/drawing/2014/main" val="10004"/>
+                    <a16:rowId xmlns:a16="http://schemas.microsoft.com/office/drawing/2014/main" xmlns="" val="10004"/>
                   </a:ext>
                 </a:extLst>
               </a:tr>
@@ -37927,7 +37981,7 @@
                 </a:tc>
                 <a:extLst>
                   <a:ext uri="{0D108BD9-81ED-4DB2-BD59-A6C34878D82A}">
-                    <a16:rowId xmlns="" xmlns:a16="http://schemas.microsoft.com/office/drawing/2014/main" val="10005"/>
+                    <a16:rowId xmlns:a16="http://schemas.microsoft.com/office/drawing/2014/main" xmlns="" val="10005"/>
                   </a:ext>
                 </a:extLst>
               </a:tr>
@@ -38252,7 +38306,7 @@
                 </a:tc>
                 <a:extLst>
                   <a:ext uri="{0D108BD9-81ED-4DB2-BD59-A6C34878D82A}">
-                    <a16:rowId xmlns="" xmlns:a16="http://schemas.microsoft.com/office/drawing/2014/main" val="10006"/>
+                    <a16:rowId xmlns:a16="http://schemas.microsoft.com/office/drawing/2014/main" xmlns="" val="10006"/>
                   </a:ext>
                 </a:extLst>
               </a:tr>
@@ -38577,7 +38631,7 @@
                 </a:tc>
                 <a:extLst>
                   <a:ext uri="{0D108BD9-81ED-4DB2-BD59-A6C34878D82A}">
-                    <a16:rowId xmlns="" xmlns:a16="http://schemas.microsoft.com/office/drawing/2014/main" val="10007"/>
+                    <a16:rowId xmlns:a16="http://schemas.microsoft.com/office/drawing/2014/main" xmlns="" val="10007"/>
                   </a:ext>
                 </a:extLst>
               </a:tr>
@@ -38902,7 +38956,7 @@
                 </a:tc>
                 <a:extLst>
                   <a:ext uri="{0D108BD9-81ED-4DB2-BD59-A6C34878D82A}">
-                    <a16:rowId xmlns="" xmlns:a16="http://schemas.microsoft.com/office/drawing/2014/main" val="10008"/>
+                    <a16:rowId xmlns:a16="http://schemas.microsoft.com/office/drawing/2014/main" xmlns="" val="10008"/>
                   </a:ext>
                 </a:extLst>
               </a:tr>
@@ -39227,7 +39281,7 @@
                 </a:tc>
                 <a:extLst>
                   <a:ext uri="{0D108BD9-81ED-4DB2-BD59-A6C34878D82A}">
-                    <a16:rowId xmlns="" xmlns:a16="http://schemas.microsoft.com/office/drawing/2014/main" val="10009"/>
+                    <a16:rowId xmlns:a16="http://schemas.microsoft.com/office/drawing/2014/main" xmlns="" val="10009"/>
                   </a:ext>
                 </a:extLst>
               </a:tr>
@@ -39552,7 +39606,7 @@
                 </a:tc>
                 <a:extLst>
                   <a:ext uri="{0D108BD9-81ED-4DB2-BD59-A6C34878D82A}">
-                    <a16:rowId xmlns="" xmlns:a16="http://schemas.microsoft.com/office/drawing/2014/main" val="10010"/>
+                    <a16:rowId xmlns:a16="http://schemas.microsoft.com/office/drawing/2014/main" xmlns="" val="10010"/>
                   </a:ext>
                 </a:extLst>
               </a:tr>
@@ -39877,7 +39931,7 @@
                 </a:tc>
                 <a:extLst>
                   <a:ext uri="{0D108BD9-81ED-4DB2-BD59-A6C34878D82A}">
-                    <a16:rowId xmlns="" xmlns:a16="http://schemas.microsoft.com/office/drawing/2014/main" val="10011"/>
+                    <a16:rowId xmlns:a16="http://schemas.microsoft.com/office/drawing/2014/main" xmlns="" val="10011"/>
                   </a:ext>
                 </a:extLst>
               </a:tr>

--- a/各單位資料供應現況表.pptx
+++ b/各單位資料供應現況表.pptx
@@ -137,35 +137,6 @@
 </p:presentation>
 </file>
 
-<file path=ppt/changesInfos/changesInfo1.xml><?xml version="1.0" encoding="utf-8"?>
-<pc:chgInfo xmlns:a="http://schemas.openxmlformats.org/drawingml/2006/main" xmlns:r="http://schemas.openxmlformats.org/officeDocument/2006/relationships" xmlns:ac="http://schemas.microsoft.com/office/drawing/2013/main/command" xmlns:pc="http://schemas.microsoft.com/office/powerpoint/2013/main/command">
-  <pc:docChgLst>
-    <pc:chgData name="王翊芬(Fenny Wang)" userId="S::1609011@iisigroup.com::dc56562d-6eef-4f41-a3a4-cbfdb18cf492" providerId="AD" clId="Web-{05A95F08-E799-36AD-57BB-822EA5304121}"/>
-    <pc:docChg chg="modSld">
-      <pc:chgData name="王翊芬(Fenny Wang)" userId="S::1609011@iisigroup.com::dc56562d-6eef-4f41-a3a4-cbfdb18cf492" providerId="AD" clId="Web-{05A95F08-E799-36AD-57BB-822EA5304121}" dt="2019-03-03T13:08:52.830" v="0" actId="1076"/>
-      <pc:docMkLst>
-        <pc:docMk/>
-      </pc:docMkLst>
-      <pc:sldChg chg="modSp">
-        <pc:chgData name="王翊芬(Fenny Wang)" userId="S::1609011@iisigroup.com::dc56562d-6eef-4f41-a3a4-cbfdb18cf492" providerId="AD" clId="Web-{05A95F08-E799-36AD-57BB-822EA5304121}" dt="2019-03-03T13:08:52.830" v="0" actId="1076"/>
-        <pc:sldMkLst>
-          <pc:docMk/>
-          <pc:sldMk cId="1346664182" sldId="262"/>
-        </pc:sldMkLst>
-        <pc:graphicFrameChg chg="mod">
-          <ac:chgData name="王翊芬(Fenny Wang)" userId="S::1609011@iisigroup.com::dc56562d-6eef-4f41-a3a4-cbfdb18cf492" providerId="AD" clId="Web-{05A95F08-E799-36AD-57BB-822EA5304121}" dt="2019-03-03T13:08:52.830" v="0" actId="1076"/>
-          <ac:graphicFrameMkLst>
-            <pc:docMk/>
-            <pc:sldMk cId="1346664182" sldId="262"/>
-            <ac:graphicFrameMk id="10" creationId="{00000000-0000-0000-0000-000000000000}"/>
-          </ac:graphicFrameMkLst>
-        </pc:graphicFrameChg>
-      </pc:sldChg>
-    </pc:docChg>
-  </pc:docChgLst>
-</pc:chgInfo>
-</file>
-
 <file path=ppt/handoutMasters/handoutMaster1.xml><?xml version="1.0" encoding="utf-8"?>
 <p:handoutMaster xmlns:a="http://schemas.openxmlformats.org/drawingml/2006/main" xmlns:r="http://schemas.openxmlformats.org/officeDocument/2006/relationships" xmlns:p="http://schemas.openxmlformats.org/presentationml/2006/main">
   <p:cSld>
@@ -248,7 +219,7 @@
           <a:p>
             <a:fld id="{AC1AE0A4-47EE-4CE1-A88C-8E719F35BFA0}" type="datetimeFigureOut">
               <a:rPr lang="zh-TW" altLang="en-US" smtClean="0"/>
-              <a:t>2019/6/24</a:t>
+              <a:t>2019/6/27</a:t>
             </a:fld>
             <a:endParaRPr lang="zh-TW" altLang="en-US"/>
           </a:p>
@@ -413,7 +384,7 @@
           <a:p>
             <a:fld id="{92A7EAFB-AA00-4957-A793-D83734C20EF1}" type="datetimeFigureOut">
               <a:rPr lang="zh-TW" altLang="en-US" smtClean="0"/>
-              <a:t>2019/6/24</a:t>
+              <a:t>2019/6/27</a:t>
             </a:fld>
             <a:endParaRPr lang="zh-TW" altLang="en-US"/>
           </a:p>
@@ -2485,7 +2456,7 @@
               <a:t>更新時間</a:t>
             </a:r>
             <a:r>
-              <a:rPr lang="en-US" altLang="zh-TW" sz="1600" b="1" dirty="0" smtClean="0">
+              <a:rPr lang="en-US" altLang="zh-TW" sz="1600" b="1" dirty="0">
                 <a:solidFill>
                   <a:srgbClr val="C00000"/>
                 </a:solidFill>
@@ -5327,7 +5298,7 @@
           <p:nvPr>
             <p:extLst>
               <p:ext uri="{D42A27DB-BD31-4B8C-83A1-F6EECF244321}">
-                <p14:modId xmlns:p14="http://schemas.microsoft.com/office/powerpoint/2010/main" val="1892301777"/>
+                <p14:modId xmlns:p14="http://schemas.microsoft.com/office/powerpoint/2010/main" val="602572772"/>
               </p:ext>
             </p:extLst>
           </p:nvPr>
@@ -5346,140 +5317,140 @@
                 <a:gridCol w="826601">
                   <a:extLst>
                     <a:ext uri="{9D8B030D-6E8A-4147-A177-3AD203B41FA5}">
-                      <a16:colId xmlns:a16="http://schemas.microsoft.com/office/drawing/2014/main" xmlns="" val="20003"/>
+                      <a16:colId xmlns:a16="http://schemas.microsoft.com/office/drawing/2014/main" val="20003"/>
                     </a:ext>
                   </a:extLst>
                 </a:gridCol>
                 <a:gridCol w="510169">
                   <a:extLst>
                     <a:ext uri="{9D8B030D-6E8A-4147-A177-3AD203B41FA5}">
-                      <a16:colId xmlns:a16="http://schemas.microsoft.com/office/drawing/2014/main" xmlns="" val="20004"/>
+                      <a16:colId xmlns:a16="http://schemas.microsoft.com/office/drawing/2014/main" val="20004"/>
                     </a:ext>
                   </a:extLst>
                 </a:gridCol>
                 <a:gridCol w="510169">
                   <a:extLst>
                     <a:ext uri="{9D8B030D-6E8A-4147-A177-3AD203B41FA5}">
-                      <a16:colId xmlns:a16="http://schemas.microsoft.com/office/drawing/2014/main" xmlns="" val="20005"/>
+                      <a16:colId xmlns:a16="http://schemas.microsoft.com/office/drawing/2014/main" val="20005"/>
                     </a:ext>
                   </a:extLst>
                 </a:gridCol>
                 <a:gridCol w="510169">
                   <a:extLst>
                     <a:ext uri="{9D8B030D-6E8A-4147-A177-3AD203B41FA5}">
-                      <a16:colId xmlns:a16="http://schemas.microsoft.com/office/drawing/2014/main" xmlns="" val="20006"/>
+                      <a16:colId xmlns:a16="http://schemas.microsoft.com/office/drawing/2014/main" val="20006"/>
                     </a:ext>
                   </a:extLst>
                 </a:gridCol>
                 <a:gridCol w="510169">
                   <a:extLst>
                     <a:ext uri="{9D8B030D-6E8A-4147-A177-3AD203B41FA5}">
-                      <a16:colId xmlns:a16="http://schemas.microsoft.com/office/drawing/2014/main" xmlns="" val="3408207861"/>
+                      <a16:colId xmlns:a16="http://schemas.microsoft.com/office/drawing/2014/main" val="3408207861"/>
                     </a:ext>
                   </a:extLst>
                 </a:gridCol>
                 <a:gridCol w="510169">
                   <a:extLst>
                     <a:ext uri="{9D8B030D-6E8A-4147-A177-3AD203B41FA5}">
-                      <a16:colId xmlns:a16="http://schemas.microsoft.com/office/drawing/2014/main" xmlns="" val="2229076538"/>
+                      <a16:colId xmlns:a16="http://schemas.microsoft.com/office/drawing/2014/main" val="2229076538"/>
                     </a:ext>
                   </a:extLst>
                 </a:gridCol>
                 <a:gridCol w="510169">
                   <a:extLst>
                     <a:ext uri="{9D8B030D-6E8A-4147-A177-3AD203B41FA5}">
-                      <a16:colId xmlns:a16="http://schemas.microsoft.com/office/drawing/2014/main" xmlns="" val="3678966610"/>
+                      <a16:colId xmlns:a16="http://schemas.microsoft.com/office/drawing/2014/main" val="3678966610"/>
                     </a:ext>
                   </a:extLst>
                 </a:gridCol>
                 <a:gridCol w="510169">
                   <a:extLst>
                     <a:ext uri="{9D8B030D-6E8A-4147-A177-3AD203B41FA5}">
-                      <a16:colId xmlns:a16="http://schemas.microsoft.com/office/drawing/2014/main" xmlns="" val="20007"/>
+                      <a16:colId xmlns:a16="http://schemas.microsoft.com/office/drawing/2014/main" val="20007"/>
                     </a:ext>
                   </a:extLst>
                 </a:gridCol>
                 <a:gridCol w="510169">
                   <a:extLst>
                     <a:ext uri="{9D8B030D-6E8A-4147-A177-3AD203B41FA5}">
-                      <a16:colId xmlns:a16="http://schemas.microsoft.com/office/drawing/2014/main" xmlns="" val="20008"/>
+                      <a16:colId xmlns:a16="http://schemas.microsoft.com/office/drawing/2014/main" val="20008"/>
                     </a:ext>
                   </a:extLst>
                 </a:gridCol>
                 <a:gridCol w="510169">
                   <a:extLst>
                     <a:ext uri="{9D8B030D-6E8A-4147-A177-3AD203B41FA5}">
-                      <a16:colId xmlns:a16="http://schemas.microsoft.com/office/drawing/2014/main" xmlns="" val="3280403588"/>
+                      <a16:colId xmlns:a16="http://schemas.microsoft.com/office/drawing/2014/main" val="3280403588"/>
                     </a:ext>
                   </a:extLst>
                 </a:gridCol>
                 <a:gridCol w="510169">
                   <a:extLst>
                     <a:ext uri="{9D8B030D-6E8A-4147-A177-3AD203B41FA5}">
-                      <a16:colId xmlns:a16="http://schemas.microsoft.com/office/drawing/2014/main" xmlns="" val="3626256232"/>
+                      <a16:colId xmlns:a16="http://schemas.microsoft.com/office/drawing/2014/main" val="3626256232"/>
                     </a:ext>
                   </a:extLst>
                 </a:gridCol>
                 <a:gridCol w="510169">
                   <a:extLst>
                     <a:ext uri="{9D8B030D-6E8A-4147-A177-3AD203B41FA5}">
-                      <a16:colId xmlns:a16="http://schemas.microsoft.com/office/drawing/2014/main" xmlns="" val="1479022265"/>
+                      <a16:colId xmlns:a16="http://schemas.microsoft.com/office/drawing/2014/main" val="1479022265"/>
                     </a:ext>
                   </a:extLst>
                 </a:gridCol>
                 <a:gridCol w="510169">
                   <a:extLst>
                     <a:ext uri="{9D8B030D-6E8A-4147-A177-3AD203B41FA5}">
-                      <a16:colId xmlns:a16="http://schemas.microsoft.com/office/drawing/2014/main" xmlns="" val="29243554"/>
+                      <a16:colId xmlns:a16="http://schemas.microsoft.com/office/drawing/2014/main" val="29243554"/>
                     </a:ext>
                   </a:extLst>
                 </a:gridCol>
                 <a:gridCol w="510169">
                   <a:extLst>
                     <a:ext uri="{9D8B030D-6E8A-4147-A177-3AD203B41FA5}">
-                      <a16:colId xmlns:a16="http://schemas.microsoft.com/office/drawing/2014/main" xmlns="" val="1436252718"/>
+                      <a16:colId xmlns:a16="http://schemas.microsoft.com/office/drawing/2014/main" val="1436252718"/>
                     </a:ext>
                   </a:extLst>
                 </a:gridCol>
                 <a:gridCol w="510169">
                   <a:extLst>
                     <a:ext uri="{9D8B030D-6E8A-4147-A177-3AD203B41FA5}">
-                      <a16:colId xmlns:a16="http://schemas.microsoft.com/office/drawing/2014/main" xmlns="" val="20013"/>
+                      <a16:colId xmlns:a16="http://schemas.microsoft.com/office/drawing/2014/main" val="20013"/>
                     </a:ext>
                   </a:extLst>
                 </a:gridCol>
                 <a:gridCol w="510169">
                   <a:extLst>
                     <a:ext uri="{9D8B030D-6E8A-4147-A177-3AD203B41FA5}">
-                      <a16:colId xmlns:a16="http://schemas.microsoft.com/office/drawing/2014/main" xmlns="" val="2227699668"/>
+                      <a16:colId xmlns:a16="http://schemas.microsoft.com/office/drawing/2014/main" val="2227699668"/>
                     </a:ext>
                   </a:extLst>
                 </a:gridCol>
                 <a:gridCol w="510170">
                   <a:extLst>
                     <a:ext uri="{9D8B030D-6E8A-4147-A177-3AD203B41FA5}">
-                      <a16:colId xmlns:a16="http://schemas.microsoft.com/office/drawing/2014/main" xmlns="" val="3451906251"/>
+                      <a16:colId xmlns:a16="http://schemas.microsoft.com/office/drawing/2014/main" val="3451906251"/>
                     </a:ext>
                   </a:extLst>
                 </a:gridCol>
                 <a:gridCol w="510169">
                   <a:extLst>
                     <a:ext uri="{9D8B030D-6E8A-4147-A177-3AD203B41FA5}">
-                      <a16:colId xmlns:a16="http://schemas.microsoft.com/office/drawing/2014/main" xmlns="" val="660092051"/>
+                      <a16:colId xmlns:a16="http://schemas.microsoft.com/office/drawing/2014/main" val="660092051"/>
                     </a:ext>
                   </a:extLst>
                 </a:gridCol>
                 <a:gridCol w="510169">
                   <a:extLst>
                     <a:ext uri="{9D8B030D-6E8A-4147-A177-3AD203B41FA5}">
-                      <a16:colId xmlns:a16="http://schemas.microsoft.com/office/drawing/2014/main" xmlns="" val="2785807340"/>
+                      <a16:colId xmlns:a16="http://schemas.microsoft.com/office/drawing/2014/main" val="2785807340"/>
                     </a:ext>
                   </a:extLst>
                 </a:gridCol>
                 <a:gridCol w="510169">
                   <a:extLst>
                     <a:ext uri="{9D8B030D-6E8A-4147-A177-3AD203B41FA5}">
-                      <a16:colId xmlns:a16="http://schemas.microsoft.com/office/drawing/2014/main" xmlns="" val="20019"/>
+                      <a16:colId xmlns:a16="http://schemas.microsoft.com/office/drawing/2014/main" val="20019"/>
                     </a:ext>
                   </a:extLst>
                 </a:gridCol>
@@ -5742,7 +5713,7 @@
                 </a:tc>
                 <a:extLst>
                   <a:ext uri="{0D108BD9-81ED-4DB2-BD59-A6C34878D82A}">
-                    <a16:rowId xmlns:a16="http://schemas.microsoft.com/office/drawing/2014/main" xmlns="" val="4157930470"/>
+                    <a16:rowId xmlns:a16="http://schemas.microsoft.com/office/drawing/2014/main" val="4157930470"/>
                   </a:ext>
                 </a:extLst>
               </a:tr>
@@ -6241,7 +6212,7 @@
                 </a:tc>
                 <a:extLst>
                   <a:ext uri="{0D108BD9-81ED-4DB2-BD59-A6C34878D82A}">
-                    <a16:rowId xmlns:a16="http://schemas.microsoft.com/office/drawing/2014/main" xmlns="" val="10000"/>
+                    <a16:rowId xmlns:a16="http://schemas.microsoft.com/office/drawing/2014/main" val="10000"/>
                   </a:ext>
                 </a:extLst>
               </a:tr>
@@ -6643,7 +6614,7 @@
                 </a:tc>
                 <a:extLst>
                   <a:ext uri="{0D108BD9-81ED-4DB2-BD59-A6C34878D82A}">
-                    <a16:rowId xmlns:a16="http://schemas.microsoft.com/office/drawing/2014/main" xmlns="" val="10002"/>
+                    <a16:rowId xmlns:a16="http://schemas.microsoft.com/office/drawing/2014/main" val="10002"/>
                   </a:ext>
                 </a:extLst>
               </a:tr>
@@ -7236,7 +7207,7 @@
                 </a:tc>
                 <a:extLst>
                   <a:ext uri="{0D108BD9-81ED-4DB2-BD59-A6C34878D82A}">
-                    <a16:rowId xmlns:a16="http://schemas.microsoft.com/office/drawing/2014/main" xmlns="" val="3675162025"/>
+                    <a16:rowId xmlns:a16="http://schemas.microsoft.com/office/drawing/2014/main" val="3675162025"/>
                   </a:ext>
                 </a:extLst>
               </a:tr>
@@ -7861,7 +7832,7 @@
                 </a:tc>
                 <a:extLst>
                   <a:ext uri="{0D108BD9-81ED-4DB2-BD59-A6C34878D82A}">
-                    <a16:rowId xmlns:a16="http://schemas.microsoft.com/office/drawing/2014/main" xmlns="" val="3832608764"/>
+                    <a16:rowId xmlns:a16="http://schemas.microsoft.com/office/drawing/2014/main" val="3832608764"/>
                   </a:ext>
                 </a:extLst>
               </a:tr>
@@ -8376,7 +8347,7 @@
                 </a:tc>
                 <a:extLst>
                   <a:ext uri="{0D108BD9-81ED-4DB2-BD59-A6C34878D82A}">
-                    <a16:rowId xmlns:a16="http://schemas.microsoft.com/office/drawing/2014/main" xmlns="" val="2613742521"/>
+                    <a16:rowId xmlns:a16="http://schemas.microsoft.com/office/drawing/2014/main" val="2613742521"/>
                   </a:ext>
                 </a:extLst>
               </a:tr>
@@ -8891,7 +8862,7 @@
                 </a:tc>
                 <a:extLst>
                   <a:ext uri="{0D108BD9-81ED-4DB2-BD59-A6C34878D82A}">
-                    <a16:rowId xmlns:a16="http://schemas.microsoft.com/office/drawing/2014/main" xmlns="" val="1381442428"/>
+                    <a16:rowId xmlns:a16="http://schemas.microsoft.com/office/drawing/2014/main" val="1381442428"/>
                   </a:ext>
                 </a:extLst>
               </a:tr>
@@ -9008,7 +8979,7 @@
                         <a:defRPr/>
                       </a:pPr>
                       <a:r>
-                        <a:rPr lang="en-US" altLang="zh-TW" sz="1200" b="0" kern="0" dirty="0" smtClean="0">
+                        <a:rPr lang="en-US" altLang="zh-TW" sz="1200" b="0" kern="0" dirty="0">
                           <a:solidFill>
                             <a:srgbClr val="C00000"/>
                           </a:solidFill>
@@ -9115,14 +9086,14 @@
                         <a:defRPr/>
                       </a:pPr>
                       <a:r>
-                        <a:rPr lang="en-US" altLang="zh-TW" sz="1200" b="0" kern="0" dirty="0" smtClean="0">
+                        <a:rPr lang="en-US" altLang="zh-TW" sz="1200" b="0" kern="0" dirty="0">
                           <a:solidFill>
                             <a:srgbClr val="C00000"/>
                           </a:solidFill>
                         </a:rPr>
                         <a:t>●</a:t>
                       </a:r>
-                      <a:endParaRPr lang="zh-TW" altLang="en-US" sz="1200" b="0" dirty="0" smtClean="0">
+                      <a:endParaRPr lang="zh-TW" altLang="en-US" sz="1200" b="0" dirty="0">
                         <a:solidFill>
                           <a:srgbClr val="C00000"/>
                         </a:solidFill>
@@ -9410,7 +9381,7 @@
                         <a:defRPr/>
                       </a:pPr>
                       <a:r>
-                        <a:rPr lang="en-US" altLang="zh-TW" sz="1200" b="0" kern="0" dirty="0" smtClean="0">
+                        <a:rPr lang="en-US" altLang="zh-TW" sz="1200" b="0" kern="0" dirty="0">
                           <a:solidFill>
                             <a:srgbClr val="C00000"/>
                           </a:solidFill>
@@ -9458,25 +9429,34 @@
                     <a:bodyPr/>
                     <a:lstStyle/>
                     <a:p>
-                      <a:pPr marL="0" algn="ctr" defTabSz="914400" rtl="0" eaLnBrk="1" latinLnBrk="0" hangingPunct="1"/>
-                      <a:r>
-                        <a:rPr lang="zh-TW" altLang="en-US" sz="1200" b="0" kern="0" dirty="0">
-                          <a:solidFill>
-                            <a:schemeClr val="tx1"/>
-                          </a:solidFill>
-                          <a:latin typeface="+mn-lt"/>
-                          <a:ea typeface="+mn-ea"/>
-                          <a:cs typeface="+mn-cs"/>
-                        </a:rPr>
-                        <a:t>◎</a:t>
-                      </a:r>
+                      <a:pPr lvl="0" algn="ctr">
+                        <a:lnSpc>
+                          <a:spcPct val="100000"/>
+                        </a:lnSpc>
+                        <a:spcBef>
+                          <a:spcPts val="0"/>
+                        </a:spcBef>
+                        <a:spcAft>
+                          <a:spcPts val="0"/>
+                        </a:spcAft>
+                        <a:buNone/>
+                      </a:pPr>
+                      <a:r>
+                        <a:rPr lang="en-US" altLang="zh-TW" sz="1200" b="0" i="0" u="none" strike="noStrike" kern="0" noProof="0" dirty="0">
+                          <a:solidFill>
+                            <a:srgbClr val="C00000"/>
+                          </a:solidFill>
+                        </a:rPr>
+                        <a:t>●</a:t>
+                      </a:r>
+                      <a:endParaRPr lang="zh-TW" sz="1200" b="0" i="0" u="none" strike="noStrike" kern="0" noProof="0" dirty="0"/>
                     </a:p>
                   </a:txBody>
                   <a:tcPr marL="9525" marR="9525" marT="9525" marB="0" anchor="ctr"/>
                 </a:tc>
                 <a:extLst>
                   <a:ext uri="{0D108BD9-81ED-4DB2-BD59-A6C34878D82A}">
-                    <a16:rowId xmlns:a16="http://schemas.microsoft.com/office/drawing/2014/main" xmlns="" val="4102929731"/>
+                    <a16:rowId xmlns:a16="http://schemas.microsoft.com/office/drawing/2014/main" val="4102929731"/>
                   </a:ext>
                 </a:extLst>
               </a:tr>
@@ -10004,7 +9984,7 @@
                 </a:tc>
                 <a:extLst>
                   <a:ext uri="{0D108BD9-81ED-4DB2-BD59-A6C34878D82A}">
-                    <a16:rowId xmlns:a16="http://schemas.microsoft.com/office/drawing/2014/main" xmlns="" val="2526977750"/>
+                    <a16:rowId xmlns:a16="http://schemas.microsoft.com/office/drawing/2014/main" val="2526977750"/>
                   </a:ext>
                 </a:extLst>
               </a:tr>
@@ -10540,7 +10520,7 @@
                     <a:p>
                       <a:pPr algn="ctr"/>
                       <a:r>
-                        <a:rPr lang="en-US" altLang="zh-TW" sz="1200" b="0" kern="0">
+                        <a:rPr lang="en-US" altLang="zh-TW" sz="1200" b="0" kern="0" dirty="0">
                           <a:solidFill>
                             <a:schemeClr val="tx1"/>
                           </a:solidFill>
@@ -10560,7 +10540,7 @@
                 </a:tc>
                 <a:extLst>
                   <a:ext uri="{0D108BD9-81ED-4DB2-BD59-A6C34878D82A}">
-                    <a16:rowId xmlns:a16="http://schemas.microsoft.com/office/drawing/2014/main" xmlns="" val="10001"/>
+                    <a16:rowId xmlns:a16="http://schemas.microsoft.com/office/drawing/2014/main" val="10001"/>
                   </a:ext>
                 </a:extLst>
               </a:tr>
@@ -10796,7 +10776,7 @@
                         <a:defRPr/>
                       </a:pPr>
                       <a:r>
-                        <a:rPr lang="en-US" altLang="zh-TW" sz="1200" b="0" kern="0">
+                        <a:rPr lang="en-US" altLang="zh-TW" sz="1200" b="0" kern="0" dirty="0">
                           <a:solidFill>
                             <a:srgbClr val="C00000"/>
                           </a:solidFill>
@@ -11094,7 +11074,7 @@
                     <a:p>
                       <a:pPr algn="ctr"/>
                       <a:r>
-                        <a:rPr lang="en-US" altLang="zh-TW" sz="1200" b="0" kern="0">
+                        <a:rPr lang="en-US" altLang="zh-TW" sz="1200" b="0" kern="0" dirty="0">
                           <a:solidFill>
                             <a:schemeClr val="tx1"/>
                           </a:solidFill>
@@ -11114,7 +11094,7 @@
                 </a:tc>
                 <a:extLst>
                   <a:ext uri="{0D108BD9-81ED-4DB2-BD59-A6C34878D82A}">
-                    <a16:rowId xmlns:a16="http://schemas.microsoft.com/office/drawing/2014/main" xmlns="" val="10006"/>
+                    <a16:rowId xmlns:a16="http://schemas.microsoft.com/office/drawing/2014/main" val="10006"/>
                   </a:ext>
                 </a:extLst>
               </a:tr>
@@ -11350,7 +11330,7 @@
                         <a:defRPr/>
                       </a:pPr>
                       <a:r>
-                        <a:rPr lang="en-US" altLang="zh-TW" sz="1200" b="0" kern="0">
+                        <a:rPr lang="en-US" altLang="zh-TW" sz="1200" b="0" kern="0" dirty="0">
                           <a:solidFill>
                             <a:srgbClr val="C00000"/>
                           </a:solidFill>
@@ -11648,7 +11628,7 @@
                     <a:p>
                       <a:pPr algn="ctr"/>
                       <a:r>
-                        <a:rPr lang="en-US" altLang="zh-TW" sz="1200" b="0" kern="0">
+                        <a:rPr lang="en-US" altLang="zh-TW" sz="1200" b="0" kern="0" dirty="0">
                           <a:solidFill>
                             <a:schemeClr val="tx1"/>
                           </a:solidFill>
@@ -11668,7 +11648,7 @@
                 </a:tc>
                 <a:extLst>
                   <a:ext uri="{0D108BD9-81ED-4DB2-BD59-A6C34878D82A}">
-                    <a16:rowId xmlns:a16="http://schemas.microsoft.com/office/drawing/2014/main" xmlns="" val="10007"/>
+                    <a16:rowId xmlns:a16="http://schemas.microsoft.com/office/drawing/2014/main" val="10007"/>
                   </a:ext>
                 </a:extLst>
               </a:tr>
@@ -11904,7 +11884,7 @@
                         <a:defRPr/>
                       </a:pPr>
                       <a:r>
-                        <a:rPr lang="en-US" altLang="zh-TW" sz="1200" b="0" kern="0">
+                        <a:rPr lang="en-US" altLang="zh-TW" sz="1200" b="0" kern="0" dirty="0">
                           <a:solidFill>
                             <a:srgbClr val="C00000"/>
                           </a:solidFill>
@@ -12054,7 +12034,7 @@
                     <a:p>
                       <a:pPr algn="ctr"/>
                       <a:r>
-                        <a:rPr lang="en-US" altLang="zh-TW" sz="1200" b="0" kern="0">
+                        <a:rPr lang="en-US" altLang="zh-TW" sz="1200" b="0" kern="0" dirty="0">
                           <a:solidFill>
                             <a:schemeClr val="tx1"/>
                           </a:solidFill>
@@ -12202,7 +12182,7 @@
                     <a:p>
                       <a:pPr algn="ctr"/>
                       <a:r>
-                        <a:rPr lang="en-US" altLang="zh-TW" sz="1200" b="0" kern="0">
+                        <a:rPr lang="en-US" altLang="zh-TW" sz="1200" b="0" kern="0" dirty="0">
                           <a:solidFill>
                             <a:schemeClr val="tx1"/>
                           </a:solidFill>
@@ -12222,7 +12202,7 @@
                 </a:tc>
                 <a:extLst>
                   <a:ext uri="{0D108BD9-81ED-4DB2-BD59-A6C34878D82A}">
-                    <a16:rowId xmlns:a16="http://schemas.microsoft.com/office/drawing/2014/main" xmlns="" val="10008"/>
+                    <a16:rowId xmlns:a16="http://schemas.microsoft.com/office/drawing/2014/main" val="10008"/>
                   </a:ext>
                 </a:extLst>
               </a:tr>
@@ -12460,7 +12440,7 @@
                         <a:defRPr/>
                       </a:pPr>
                       <a:r>
-                        <a:rPr lang="en-US" altLang="zh-TW" sz="1200" b="0" kern="0">
+                        <a:rPr lang="en-US" altLang="zh-TW" sz="1200" b="0" kern="0" dirty="0">
                           <a:solidFill>
                             <a:srgbClr val="C00000"/>
                           </a:solidFill>
@@ -12778,7 +12758,7 @@
                 </a:tc>
                 <a:extLst>
                   <a:ext uri="{0D108BD9-81ED-4DB2-BD59-A6C34878D82A}">
-                    <a16:rowId xmlns:a16="http://schemas.microsoft.com/office/drawing/2014/main" xmlns="" val="10010"/>
+                    <a16:rowId xmlns:a16="http://schemas.microsoft.com/office/drawing/2014/main" val="10010"/>
                   </a:ext>
                 </a:extLst>
               </a:tr>
@@ -13329,7 +13309,7 @@
                 </a:tc>
                 <a:extLst>
                   <a:ext uri="{0D108BD9-81ED-4DB2-BD59-A6C34878D82A}">
-                    <a16:rowId xmlns:a16="http://schemas.microsoft.com/office/drawing/2014/main" xmlns="" val="1396562496"/>
+                    <a16:rowId xmlns:a16="http://schemas.microsoft.com/office/drawing/2014/main" val="1396562496"/>
                   </a:ext>
                 </a:extLst>
               </a:tr>
@@ -13897,7 +13877,7 @@
           <p:nvPr>
             <p:extLst>
               <p:ext uri="{D42A27DB-BD31-4B8C-83A1-F6EECF244321}">
-                <p14:modId xmlns:p14="http://schemas.microsoft.com/office/powerpoint/2010/main" val="1411138097"/>
+                <p14:modId xmlns:p14="http://schemas.microsoft.com/office/powerpoint/2010/main" val="950351600"/>
               </p:ext>
             </p:extLst>
           </p:nvPr>
@@ -13916,140 +13896,140 @@
                 <a:gridCol w="901444">
                   <a:extLst>
                     <a:ext uri="{9D8B030D-6E8A-4147-A177-3AD203B41FA5}">
-                      <a16:colId xmlns:a16="http://schemas.microsoft.com/office/drawing/2014/main" xmlns="" val="20003"/>
+                      <a16:colId xmlns:a16="http://schemas.microsoft.com/office/drawing/2014/main" val="20003"/>
                     </a:ext>
                   </a:extLst>
                 </a:gridCol>
                 <a:gridCol w="501772">
                   <a:extLst>
                     <a:ext uri="{9D8B030D-6E8A-4147-A177-3AD203B41FA5}">
-                      <a16:colId xmlns:a16="http://schemas.microsoft.com/office/drawing/2014/main" xmlns="" val="20004"/>
+                      <a16:colId xmlns:a16="http://schemas.microsoft.com/office/drawing/2014/main" val="20004"/>
                     </a:ext>
                   </a:extLst>
                 </a:gridCol>
                 <a:gridCol w="501772">
                   <a:extLst>
                     <a:ext uri="{9D8B030D-6E8A-4147-A177-3AD203B41FA5}">
-                      <a16:colId xmlns:a16="http://schemas.microsoft.com/office/drawing/2014/main" xmlns="" val="20005"/>
+                      <a16:colId xmlns:a16="http://schemas.microsoft.com/office/drawing/2014/main" val="20005"/>
                     </a:ext>
                   </a:extLst>
                 </a:gridCol>
                 <a:gridCol w="501772">
                   <a:extLst>
                     <a:ext uri="{9D8B030D-6E8A-4147-A177-3AD203B41FA5}">
-                      <a16:colId xmlns:a16="http://schemas.microsoft.com/office/drawing/2014/main" xmlns="" val="20006"/>
+                      <a16:colId xmlns:a16="http://schemas.microsoft.com/office/drawing/2014/main" val="20006"/>
                     </a:ext>
                   </a:extLst>
                 </a:gridCol>
                 <a:gridCol w="501772">
                   <a:extLst>
                     <a:ext uri="{9D8B030D-6E8A-4147-A177-3AD203B41FA5}">
-                      <a16:colId xmlns:a16="http://schemas.microsoft.com/office/drawing/2014/main" xmlns="" val="3428608293"/>
+                      <a16:colId xmlns:a16="http://schemas.microsoft.com/office/drawing/2014/main" val="3428608293"/>
                     </a:ext>
                   </a:extLst>
                 </a:gridCol>
                 <a:gridCol w="501772">
                   <a:extLst>
                     <a:ext uri="{9D8B030D-6E8A-4147-A177-3AD203B41FA5}">
-                      <a16:colId xmlns:a16="http://schemas.microsoft.com/office/drawing/2014/main" xmlns="" val="2688910496"/>
+                      <a16:colId xmlns:a16="http://schemas.microsoft.com/office/drawing/2014/main" val="2688910496"/>
                     </a:ext>
                   </a:extLst>
                 </a:gridCol>
                 <a:gridCol w="501772">
                   <a:extLst>
                     <a:ext uri="{9D8B030D-6E8A-4147-A177-3AD203B41FA5}">
-                      <a16:colId xmlns:a16="http://schemas.microsoft.com/office/drawing/2014/main" xmlns="" val="3678966610"/>
+                      <a16:colId xmlns:a16="http://schemas.microsoft.com/office/drawing/2014/main" val="3678966610"/>
                     </a:ext>
                   </a:extLst>
                 </a:gridCol>
                 <a:gridCol w="501772">
                   <a:extLst>
                     <a:ext uri="{9D8B030D-6E8A-4147-A177-3AD203B41FA5}">
-                      <a16:colId xmlns:a16="http://schemas.microsoft.com/office/drawing/2014/main" xmlns="" val="20007"/>
+                      <a16:colId xmlns:a16="http://schemas.microsoft.com/office/drawing/2014/main" val="20007"/>
                     </a:ext>
                   </a:extLst>
                 </a:gridCol>
                 <a:gridCol w="501772">
                   <a:extLst>
                     <a:ext uri="{9D8B030D-6E8A-4147-A177-3AD203B41FA5}">
-                      <a16:colId xmlns:a16="http://schemas.microsoft.com/office/drawing/2014/main" xmlns="" val="20008"/>
+                      <a16:colId xmlns:a16="http://schemas.microsoft.com/office/drawing/2014/main" val="20008"/>
                     </a:ext>
                   </a:extLst>
                 </a:gridCol>
                 <a:gridCol w="501772">
                   <a:extLst>
                     <a:ext uri="{9D8B030D-6E8A-4147-A177-3AD203B41FA5}">
-                      <a16:colId xmlns:a16="http://schemas.microsoft.com/office/drawing/2014/main" xmlns="" val="3609824002"/>
+                      <a16:colId xmlns:a16="http://schemas.microsoft.com/office/drawing/2014/main" val="3609824002"/>
                     </a:ext>
                   </a:extLst>
                 </a:gridCol>
                 <a:gridCol w="501772">
                   <a:extLst>
                     <a:ext uri="{9D8B030D-6E8A-4147-A177-3AD203B41FA5}">
-                      <a16:colId xmlns:a16="http://schemas.microsoft.com/office/drawing/2014/main" xmlns="" val="1419103565"/>
+                      <a16:colId xmlns:a16="http://schemas.microsoft.com/office/drawing/2014/main" val="1419103565"/>
                     </a:ext>
                   </a:extLst>
                 </a:gridCol>
                 <a:gridCol w="501772">
                   <a:extLst>
                     <a:ext uri="{9D8B030D-6E8A-4147-A177-3AD203B41FA5}">
-                      <a16:colId xmlns:a16="http://schemas.microsoft.com/office/drawing/2014/main" xmlns="" val="2051610090"/>
+                      <a16:colId xmlns:a16="http://schemas.microsoft.com/office/drawing/2014/main" val="2051610090"/>
                     </a:ext>
                   </a:extLst>
                 </a:gridCol>
                 <a:gridCol w="501772">
                   <a:extLst>
                     <a:ext uri="{9D8B030D-6E8A-4147-A177-3AD203B41FA5}">
-                      <a16:colId xmlns:a16="http://schemas.microsoft.com/office/drawing/2014/main" xmlns="" val="29243554"/>
+                      <a16:colId xmlns:a16="http://schemas.microsoft.com/office/drawing/2014/main" val="29243554"/>
                     </a:ext>
                   </a:extLst>
                 </a:gridCol>
                 <a:gridCol w="501772">
                   <a:extLst>
                     <a:ext uri="{9D8B030D-6E8A-4147-A177-3AD203B41FA5}">
-                      <a16:colId xmlns:a16="http://schemas.microsoft.com/office/drawing/2014/main" xmlns="" val="1436252718"/>
+                      <a16:colId xmlns:a16="http://schemas.microsoft.com/office/drawing/2014/main" val="1436252718"/>
                     </a:ext>
                   </a:extLst>
                 </a:gridCol>
                 <a:gridCol w="501772">
                   <a:extLst>
                     <a:ext uri="{9D8B030D-6E8A-4147-A177-3AD203B41FA5}">
-                      <a16:colId xmlns:a16="http://schemas.microsoft.com/office/drawing/2014/main" xmlns="" val="963690119"/>
+                      <a16:colId xmlns:a16="http://schemas.microsoft.com/office/drawing/2014/main" val="963690119"/>
                     </a:ext>
                   </a:extLst>
                 </a:gridCol>
                 <a:gridCol w="501772">
                   <a:extLst>
                     <a:ext uri="{9D8B030D-6E8A-4147-A177-3AD203B41FA5}">
-                      <a16:colId xmlns:a16="http://schemas.microsoft.com/office/drawing/2014/main" xmlns="" val="2227699668"/>
+                      <a16:colId xmlns:a16="http://schemas.microsoft.com/office/drawing/2014/main" val="2227699668"/>
                     </a:ext>
                   </a:extLst>
                 </a:gridCol>
                 <a:gridCol w="501772">
                   <a:extLst>
                     <a:ext uri="{9D8B030D-6E8A-4147-A177-3AD203B41FA5}">
-                      <a16:colId xmlns:a16="http://schemas.microsoft.com/office/drawing/2014/main" xmlns="" val="1987638318"/>
+                      <a16:colId xmlns:a16="http://schemas.microsoft.com/office/drawing/2014/main" val="1987638318"/>
                     </a:ext>
                   </a:extLst>
                 </a:gridCol>
                 <a:gridCol w="501772">
                   <a:extLst>
                     <a:ext uri="{9D8B030D-6E8A-4147-A177-3AD203B41FA5}">
-                      <a16:colId xmlns:a16="http://schemas.microsoft.com/office/drawing/2014/main" xmlns="" val="1636838614"/>
+                      <a16:colId xmlns:a16="http://schemas.microsoft.com/office/drawing/2014/main" val="1636838614"/>
                     </a:ext>
                   </a:extLst>
                 </a:gridCol>
                 <a:gridCol w="501772">
                   <a:extLst>
                     <a:ext uri="{9D8B030D-6E8A-4147-A177-3AD203B41FA5}">
-                      <a16:colId xmlns:a16="http://schemas.microsoft.com/office/drawing/2014/main" xmlns="" val="1332406281"/>
+                      <a16:colId xmlns:a16="http://schemas.microsoft.com/office/drawing/2014/main" val="1332406281"/>
                     </a:ext>
                   </a:extLst>
                 </a:gridCol>
                 <a:gridCol w="501772">
                   <a:extLst>
                     <a:ext uri="{9D8B030D-6E8A-4147-A177-3AD203B41FA5}">
-                      <a16:colId xmlns:a16="http://schemas.microsoft.com/office/drawing/2014/main" xmlns="" val="20019"/>
+                      <a16:colId xmlns:a16="http://schemas.microsoft.com/office/drawing/2014/main" val="20019"/>
                     </a:ext>
                   </a:extLst>
                 </a:gridCol>
@@ -14316,7 +14296,7 @@
                 </a:tc>
                 <a:extLst>
                   <a:ext uri="{0D108BD9-81ED-4DB2-BD59-A6C34878D82A}">
-                    <a16:rowId xmlns:a16="http://schemas.microsoft.com/office/drawing/2014/main" xmlns="" val="4157930470"/>
+                    <a16:rowId xmlns:a16="http://schemas.microsoft.com/office/drawing/2014/main" val="4157930470"/>
                   </a:ext>
                 </a:extLst>
               </a:tr>
@@ -14849,7 +14829,7 @@
                 </a:tc>
                 <a:extLst>
                   <a:ext uri="{0D108BD9-81ED-4DB2-BD59-A6C34878D82A}">
-                    <a16:rowId xmlns:a16="http://schemas.microsoft.com/office/drawing/2014/main" xmlns="" val="10000"/>
+                    <a16:rowId xmlns:a16="http://schemas.microsoft.com/office/drawing/2014/main" val="10000"/>
                   </a:ext>
                 </a:extLst>
               </a:tr>
@@ -15151,7 +15131,7 @@
                 </a:tc>
                 <a:extLst>
                   <a:ext uri="{0D108BD9-81ED-4DB2-BD59-A6C34878D82A}">
-                    <a16:rowId xmlns:a16="http://schemas.microsoft.com/office/drawing/2014/main" xmlns="" val="10005"/>
+                    <a16:rowId xmlns:a16="http://schemas.microsoft.com/office/drawing/2014/main" val="10005"/>
                   </a:ext>
                 </a:extLst>
               </a:tr>
@@ -15384,7 +15364,7 @@
                         <a:defRPr/>
                       </a:pPr>
                       <a:r>
-                        <a:rPr lang="en-US" altLang="zh-TW" sz="1200" b="0" kern="0">
+                        <a:rPr lang="en-US" altLang="zh-TW" sz="1200" b="0" kern="0" dirty="0">
                           <a:solidFill>
                             <a:srgbClr val="C00000"/>
                           </a:solidFill>
@@ -15534,7 +15514,7 @@
                     <a:p>
                       <a:pPr algn="ctr"/>
                       <a:r>
-                        <a:rPr lang="en-US" altLang="zh-TW" sz="1200" b="0" kern="0">
+                        <a:rPr lang="en-US" altLang="zh-TW" sz="1200" b="0" kern="0" dirty="0">
                           <a:solidFill>
                             <a:schemeClr val="tx1"/>
                           </a:solidFill>
@@ -15668,7 +15648,7 @@
                     <a:p>
                       <a:pPr algn="ctr"/>
                       <a:r>
-                        <a:rPr lang="en-US" altLang="zh-TW" sz="1200" b="0" kern="0">
+                        <a:rPr lang="en-US" altLang="zh-TW" sz="1200" b="0" kern="0" dirty="0">
                           <a:solidFill>
                             <a:schemeClr val="tx1"/>
                           </a:solidFill>
@@ -15688,7 +15668,7 @@
                 </a:tc>
                 <a:extLst>
                   <a:ext uri="{0D108BD9-81ED-4DB2-BD59-A6C34878D82A}">
-                    <a16:rowId xmlns:a16="http://schemas.microsoft.com/office/drawing/2014/main" xmlns="" val="10002"/>
+                    <a16:rowId xmlns:a16="http://schemas.microsoft.com/office/drawing/2014/main" val="10002"/>
                   </a:ext>
                 </a:extLst>
               </a:tr>
@@ -15921,7 +15901,7 @@
                         <a:defRPr/>
                       </a:pPr>
                       <a:r>
-                        <a:rPr lang="en-US" altLang="zh-TW" sz="1200" b="0" kern="0">
+                        <a:rPr lang="en-US" altLang="zh-TW" sz="1200" b="0" kern="0" dirty="0">
                           <a:solidFill>
                             <a:srgbClr val="C00000"/>
                           </a:solidFill>
@@ -16071,7 +16051,7 @@
                     <a:p>
                       <a:pPr algn="ctr"/>
                       <a:r>
-                        <a:rPr lang="en-US" altLang="zh-TW" sz="1200" b="0" kern="0">
+                        <a:rPr lang="en-US" altLang="zh-TW" sz="1200" b="0" kern="0" dirty="0">
                           <a:solidFill>
                             <a:schemeClr val="tx1"/>
                           </a:solidFill>
@@ -16205,7 +16185,7 @@
                     <a:p>
                       <a:pPr algn="ctr"/>
                       <a:r>
-                        <a:rPr lang="en-US" altLang="zh-TW" sz="1200" b="0" kern="0">
+                        <a:rPr lang="en-US" altLang="zh-TW" sz="1200" b="0" kern="0" dirty="0">
                           <a:solidFill>
                             <a:schemeClr val="tx1"/>
                           </a:solidFill>
@@ -16225,7 +16205,7 @@
                 </a:tc>
                 <a:extLst>
                   <a:ext uri="{0D108BD9-81ED-4DB2-BD59-A6C34878D82A}">
-                    <a16:rowId xmlns:a16="http://schemas.microsoft.com/office/drawing/2014/main" xmlns="" val="10003"/>
+                    <a16:rowId xmlns:a16="http://schemas.microsoft.com/office/drawing/2014/main" val="10003"/>
                   </a:ext>
                 </a:extLst>
               </a:tr>
@@ -16458,7 +16438,7 @@
                         <a:defRPr/>
                       </a:pPr>
                       <a:r>
-                        <a:rPr lang="en-US" altLang="zh-TW" sz="1200" b="0" kern="0">
+                        <a:rPr lang="en-US" altLang="zh-TW" sz="1200" b="0" kern="0" dirty="0">
                           <a:solidFill>
                             <a:srgbClr val="C00000"/>
                           </a:solidFill>
@@ -16608,7 +16588,7 @@
                     <a:p>
                       <a:pPr algn="ctr"/>
                       <a:r>
-                        <a:rPr lang="en-US" altLang="zh-TW" sz="1200" b="0" kern="0">
+                        <a:rPr lang="en-US" altLang="zh-TW" sz="1200" b="0" kern="0" dirty="0">
                           <a:solidFill>
                             <a:schemeClr val="tx1"/>
                           </a:solidFill>
@@ -16742,7 +16722,7 @@
                     <a:p>
                       <a:pPr algn="ctr"/>
                       <a:r>
-                        <a:rPr lang="en-US" altLang="zh-TW" sz="1200" b="0" kern="0">
+                        <a:rPr lang="en-US" altLang="zh-TW" sz="1200" b="0" kern="0" dirty="0">
                           <a:solidFill>
                             <a:schemeClr val="tx1"/>
                           </a:solidFill>
@@ -16762,7 +16742,7 @@
                 </a:tc>
                 <a:extLst>
                   <a:ext uri="{0D108BD9-81ED-4DB2-BD59-A6C34878D82A}">
-                    <a16:rowId xmlns:a16="http://schemas.microsoft.com/office/drawing/2014/main" xmlns="" val="10004"/>
+                    <a16:rowId xmlns:a16="http://schemas.microsoft.com/office/drawing/2014/main" val="10004"/>
                   </a:ext>
                 </a:extLst>
               </a:tr>
@@ -16995,7 +16975,7 @@
                         <a:defRPr/>
                       </a:pPr>
                       <a:r>
-                        <a:rPr lang="en-US" altLang="zh-TW" sz="1200" b="0" kern="0">
+                        <a:rPr lang="en-US" altLang="zh-TW" sz="1200" b="0" kern="0" dirty="0">
                           <a:solidFill>
                             <a:srgbClr val="C00000"/>
                           </a:solidFill>
@@ -17145,7 +17125,7 @@
                     <a:p>
                       <a:pPr algn="ctr"/>
                       <a:r>
-                        <a:rPr lang="en-US" altLang="zh-TW" sz="1200" b="0" kern="0">
+                        <a:rPr lang="en-US" altLang="zh-TW" sz="1200" b="0" kern="0" dirty="0">
                           <a:solidFill>
                             <a:schemeClr val="tx1"/>
                           </a:solidFill>
@@ -17279,7 +17259,7 @@
                     <a:p>
                       <a:pPr algn="ctr"/>
                       <a:r>
-                        <a:rPr lang="en-US" altLang="zh-TW" sz="1200" b="0" kern="0">
+                        <a:rPr lang="en-US" altLang="zh-TW" sz="1200" b="0" kern="0" dirty="0">
                           <a:solidFill>
                             <a:schemeClr val="tx1"/>
                           </a:solidFill>
@@ -17299,7 +17279,7 @@
                 </a:tc>
                 <a:extLst>
                   <a:ext uri="{0D108BD9-81ED-4DB2-BD59-A6C34878D82A}">
-                    <a16:rowId xmlns:a16="http://schemas.microsoft.com/office/drawing/2014/main" xmlns="" val="10007"/>
+                    <a16:rowId xmlns:a16="http://schemas.microsoft.com/office/drawing/2014/main" val="10007"/>
                   </a:ext>
                 </a:extLst>
               </a:tr>
@@ -17532,7 +17512,7 @@
                         <a:defRPr/>
                       </a:pPr>
                       <a:r>
-                        <a:rPr lang="en-US" altLang="zh-TW" sz="1200" b="0" kern="0">
+                        <a:rPr lang="en-US" altLang="zh-TW" sz="1200" b="0" kern="0" dirty="0">
                           <a:solidFill>
                             <a:srgbClr val="C00000"/>
                           </a:solidFill>
@@ -17682,7 +17662,7 @@
                     <a:p>
                       <a:pPr algn="ctr"/>
                       <a:r>
-                        <a:rPr lang="en-US" altLang="zh-TW" sz="1200" b="0" kern="0">
+                        <a:rPr lang="en-US" altLang="zh-TW" sz="1200" b="0" kern="0" dirty="0">
                           <a:solidFill>
                             <a:schemeClr val="tx1"/>
                           </a:solidFill>
@@ -17816,7 +17796,7 @@
                     <a:p>
                       <a:pPr algn="ctr"/>
                       <a:r>
-                        <a:rPr lang="en-US" altLang="zh-TW" sz="1200" b="0" kern="0">
+                        <a:rPr lang="en-US" altLang="zh-TW" sz="1200" b="0" kern="0" dirty="0">
                           <a:solidFill>
                             <a:schemeClr val="tx1"/>
                           </a:solidFill>
@@ -17836,7 +17816,7 @@
                 </a:tc>
                 <a:extLst>
                   <a:ext uri="{0D108BD9-81ED-4DB2-BD59-A6C34878D82A}">
-                    <a16:rowId xmlns:a16="http://schemas.microsoft.com/office/drawing/2014/main" xmlns="" val="10008"/>
+                    <a16:rowId xmlns:a16="http://schemas.microsoft.com/office/drawing/2014/main" val="10008"/>
                   </a:ext>
                 </a:extLst>
               </a:tr>
@@ -18069,7 +18049,7 @@
                         <a:defRPr/>
                       </a:pPr>
                       <a:r>
-                        <a:rPr lang="en-US" altLang="zh-TW" sz="1200" b="0" kern="0">
+                        <a:rPr lang="en-US" altLang="zh-TW" sz="1200" b="0" kern="0" dirty="0">
                           <a:solidFill>
                             <a:srgbClr val="C00000"/>
                           </a:solidFill>
@@ -18219,7 +18199,7 @@
                     <a:p>
                       <a:pPr algn="ctr"/>
                       <a:r>
-                        <a:rPr lang="en-US" altLang="zh-TW" sz="1200" b="0" kern="0">
+                        <a:rPr lang="en-US" altLang="zh-TW" sz="1200" b="0" kern="0" dirty="0">
                           <a:solidFill>
                             <a:schemeClr val="tx1"/>
                           </a:solidFill>
@@ -18373,7 +18353,7 @@
                 </a:tc>
                 <a:extLst>
                   <a:ext uri="{0D108BD9-81ED-4DB2-BD59-A6C34878D82A}">
-                    <a16:rowId xmlns:a16="http://schemas.microsoft.com/office/drawing/2014/main" xmlns="" val="10009"/>
+                    <a16:rowId xmlns:a16="http://schemas.microsoft.com/office/drawing/2014/main" val="10009"/>
                   </a:ext>
                 </a:extLst>
               </a:tr>
@@ -18888,21 +18868,31 @@
                     <a:bodyPr/>
                     <a:lstStyle/>
                     <a:p>
-                      <a:pPr algn="ctr"/>
-                      <a:r>
-                        <a:rPr lang="zh-TW" altLang="en-US" sz="1200" b="0" kern="0">
-                          <a:solidFill>
-                            <a:schemeClr val="tx1"/>
-                          </a:solidFill>
-                        </a:rPr>
-                        <a:t>○</a:t>
-                      </a:r>
-                      <a:endParaRPr lang="zh-TW" altLang="en-US" sz="1200" b="0" dirty="0">
-                        <a:solidFill>
-                          <a:schemeClr val="tx1"/>
-                        </a:solidFill>
-                        <a:latin typeface="微軟正黑體" panose="020B0604030504040204" pitchFamily="34" charset="-120"/>
-                        <a:ea typeface="微軟正黑體" panose="020B0604030504040204" pitchFamily="34" charset="-120"/>
+                      <a:pPr lvl="0" algn="ctr">
+                        <a:lnSpc>
+                          <a:spcPct val="100000"/>
+                        </a:lnSpc>
+                        <a:spcBef>
+                          <a:spcPts val="0"/>
+                        </a:spcBef>
+                        <a:spcAft>
+                          <a:spcPts val="0"/>
+                        </a:spcAft>
+                        <a:buNone/>
+                      </a:pPr>
+                      <a:r>
+                        <a:rPr lang="en-US" altLang="zh-TW" sz="1200" b="0" i="0" u="none" strike="noStrike" kern="0" noProof="0" dirty="0">
+                          <a:solidFill>
+                            <a:schemeClr val="tx1"/>
+                          </a:solidFill>
+                          <a:latin typeface="MS Gothic"/>
+                          <a:ea typeface="MS Gothic"/>
+                        </a:rPr>
+                        <a:t>●</a:t>
+                      </a:r>
+                      <a:endParaRPr lang="zh-TW" sz="1200" b="0" i="0" u="none" strike="noStrike" kern="0" noProof="0" dirty="0">
+                        <a:latin typeface="MS Gothic"/>
+                        <a:ea typeface="MS Gothic"/>
                       </a:endParaRPr>
                     </a:p>
                   </a:txBody>
@@ -18910,7 +18900,7 @@
                 </a:tc>
                 <a:extLst>
                   <a:ext uri="{0D108BD9-81ED-4DB2-BD59-A6C34878D82A}">
-                    <a16:rowId xmlns:a16="http://schemas.microsoft.com/office/drawing/2014/main" xmlns="" val="2234251665"/>
+                    <a16:rowId xmlns:a16="http://schemas.microsoft.com/office/drawing/2014/main" val="2234251665"/>
                   </a:ext>
                 </a:extLst>
               </a:tr>
@@ -19436,7 +19426,7 @@
                 </a:tc>
                 <a:extLst>
                   <a:ext uri="{0D108BD9-81ED-4DB2-BD59-A6C34878D82A}">
-                    <a16:rowId xmlns:a16="http://schemas.microsoft.com/office/drawing/2014/main" xmlns="" val="2106796917"/>
+                    <a16:rowId xmlns:a16="http://schemas.microsoft.com/office/drawing/2014/main" val="2106796917"/>
                   </a:ext>
                 </a:extLst>
               </a:tr>
@@ -19978,7 +19968,7 @@
                 </a:tc>
                 <a:extLst>
                   <a:ext uri="{0D108BD9-81ED-4DB2-BD59-A6C34878D82A}">
-                    <a16:rowId xmlns:a16="http://schemas.microsoft.com/office/drawing/2014/main" xmlns="" val="3710798345"/>
+                    <a16:rowId xmlns:a16="http://schemas.microsoft.com/office/drawing/2014/main" val="3710798345"/>
                   </a:ext>
                 </a:extLst>
               </a:tr>
@@ -20504,7 +20494,7 @@
                 </a:tc>
                 <a:extLst>
                   <a:ext uri="{0D108BD9-81ED-4DB2-BD59-A6C34878D82A}">
-                    <a16:rowId xmlns:a16="http://schemas.microsoft.com/office/drawing/2014/main" xmlns="" val="2533665971"/>
+                    <a16:rowId xmlns:a16="http://schemas.microsoft.com/office/drawing/2014/main" val="2533665971"/>
                   </a:ext>
                 </a:extLst>
               </a:tr>
@@ -21014,7 +21004,7 @@
                 </a:tc>
                 <a:extLst>
                   <a:ext uri="{0D108BD9-81ED-4DB2-BD59-A6C34878D82A}">
-                    <a16:rowId xmlns:a16="http://schemas.microsoft.com/office/drawing/2014/main" xmlns="" val="10010"/>
+                    <a16:rowId xmlns:a16="http://schemas.microsoft.com/office/drawing/2014/main" val="10010"/>
                   </a:ext>
                 </a:extLst>
               </a:tr>
@@ -21828,7 +21818,7 @@
                 </a:tc>
                 <a:extLst>
                   <a:ext uri="{0D108BD9-81ED-4DB2-BD59-A6C34878D82A}">
-                    <a16:rowId xmlns:a16="http://schemas.microsoft.com/office/drawing/2014/main" xmlns="" val="2811962193"/>
+                    <a16:rowId xmlns:a16="http://schemas.microsoft.com/office/drawing/2014/main" val="2811962193"/>
                   </a:ext>
                 </a:extLst>
               </a:tr>
@@ -22424,126 +22414,126 @@
                 <a:gridCol w="677230">
                   <a:extLst>
                     <a:ext uri="{9D8B030D-6E8A-4147-A177-3AD203B41FA5}">
-                      <a16:colId xmlns:a16="http://schemas.microsoft.com/office/drawing/2014/main" xmlns="" val="20003"/>
+                      <a16:colId xmlns:a16="http://schemas.microsoft.com/office/drawing/2014/main" val="20003"/>
                     </a:ext>
                   </a:extLst>
                 </a:gridCol>
                 <a:gridCol w="589135">
                   <a:extLst>
                     <a:ext uri="{9D8B030D-6E8A-4147-A177-3AD203B41FA5}">
-                      <a16:colId xmlns:a16="http://schemas.microsoft.com/office/drawing/2014/main" xmlns="" val="20004"/>
+                      <a16:colId xmlns:a16="http://schemas.microsoft.com/office/drawing/2014/main" val="20004"/>
                     </a:ext>
                   </a:extLst>
                 </a:gridCol>
                 <a:gridCol w="589135">
                   <a:extLst>
                     <a:ext uri="{9D8B030D-6E8A-4147-A177-3AD203B41FA5}">
-                      <a16:colId xmlns:a16="http://schemas.microsoft.com/office/drawing/2014/main" xmlns="" val="3393601540"/>
+                      <a16:colId xmlns:a16="http://schemas.microsoft.com/office/drawing/2014/main" val="3393601540"/>
                     </a:ext>
                   </a:extLst>
                 </a:gridCol>
                 <a:gridCol w="589135">
                   <a:extLst>
                     <a:ext uri="{9D8B030D-6E8A-4147-A177-3AD203B41FA5}">
-                      <a16:colId xmlns:a16="http://schemas.microsoft.com/office/drawing/2014/main" xmlns="" val="3679918837"/>
+                      <a16:colId xmlns:a16="http://schemas.microsoft.com/office/drawing/2014/main" val="3679918837"/>
                     </a:ext>
                   </a:extLst>
                 </a:gridCol>
                 <a:gridCol w="570591">
                   <a:extLst>
                     <a:ext uri="{9D8B030D-6E8A-4147-A177-3AD203B41FA5}">
-                      <a16:colId xmlns:a16="http://schemas.microsoft.com/office/drawing/2014/main" xmlns="" val="2897207107"/>
+                      <a16:colId xmlns:a16="http://schemas.microsoft.com/office/drawing/2014/main" val="2897207107"/>
                     </a:ext>
                   </a:extLst>
                 </a:gridCol>
                 <a:gridCol w="570591">
                   <a:extLst>
                     <a:ext uri="{9D8B030D-6E8A-4147-A177-3AD203B41FA5}">
-                      <a16:colId xmlns:a16="http://schemas.microsoft.com/office/drawing/2014/main" xmlns="" val="2482035779"/>
+                      <a16:colId xmlns:a16="http://schemas.microsoft.com/office/drawing/2014/main" val="2482035779"/>
                     </a:ext>
                   </a:extLst>
                 </a:gridCol>
                 <a:gridCol w="570591">
                   <a:extLst>
                     <a:ext uri="{9D8B030D-6E8A-4147-A177-3AD203B41FA5}">
-                      <a16:colId xmlns:a16="http://schemas.microsoft.com/office/drawing/2014/main" xmlns="" val="3678108844"/>
+                      <a16:colId xmlns:a16="http://schemas.microsoft.com/office/drawing/2014/main" val="3678108844"/>
                     </a:ext>
                   </a:extLst>
                 </a:gridCol>
                 <a:gridCol w="570591">
                   <a:extLst>
                     <a:ext uri="{9D8B030D-6E8A-4147-A177-3AD203B41FA5}">
-                      <a16:colId xmlns:a16="http://schemas.microsoft.com/office/drawing/2014/main" xmlns="" val="1513467911"/>
+                      <a16:colId xmlns:a16="http://schemas.microsoft.com/office/drawing/2014/main" val="1513467911"/>
                     </a:ext>
                   </a:extLst>
                 </a:gridCol>
                 <a:gridCol w="570591">
                   <a:extLst>
                     <a:ext uri="{9D8B030D-6E8A-4147-A177-3AD203B41FA5}">
-                      <a16:colId xmlns:a16="http://schemas.microsoft.com/office/drawing/2014/main" xmlns="" val="20008"/>
+                      <a16:colId xmlns:a16="http://schemas.microsoft.com/office/drawing/2014/main" val="20008"/>
                     </a:ext>
                   </a:extLst>
                 </a:gridCol>
                 <a:gridCol w="570591">
                   <a:extLst>
                     <a:ext uri="{9D8B030D-6E8A-4147-A177-3AD203B41FA5}">
-                      <a16:colId xmlns:a16="http://schemas.microsoft.com/office/drawing/2014/main" xmlns="" val="3474974294"/>
+                      <a16:colId xmlns:a16="http://schemas.microsoft.com/office/drawing/2014/main" val="3474974294"/>
                     </a:ext>
                   </a:extLst>
                 </a:gridCol>
                 <a:gridCol w="570591">
                   <a:extLst>
                     <a:ext uri="{9D8B030D-6E8A-4147-A177-3AD203B41FA5}">
-                      <a16:colId xmlns:a16="http://schemas.microsoft.com/office/drawing/2014/main" xmlns="" val="2739021416"/>
+                      <a16:colId xmlns:a16="http://schemas.microsoft.com/office/drawing/2014/main" val="2739021416"/>
                     </a:ext>
                   </a:extLst>
                 </a:gridCol>
                 <a:gridCol w="570591">
                   <a:extLst>
                     <a:ext uri="{9D8B030D-6E8A-4147-A177-3AD203B41FA5}">
-                      <a16:colId xmlns:a16="http://schemas.microsoft.com/office/drawing/2014/main" xmlns="" val="876172250"/>
+                      <a16:colId xmlns:a16="http://schemas.microsoft.com/office/drawing/2014/main" val="876172250"/>
                     </a:ext>
                   </a:extLst>
                 </a:gridCol>
                 <a:gridCol w="570591">
                   <a:extLst>
                     <a:ext uri="{9D8B030D-6E8A-4147-A177-3AD203B41FA5}">
-                      <a16:colId xmlns:a16="http://schemas.microsoft.com/office/drawing/2014/main" xmlns="" val="20011"/>
+                      <a16:colId xmlns:a16="http://schemas.microsoft.com/office/drawing/2014/main" val="20011"/>
                     </a:ext>
                   </a:extLst>
                 </a:gridCol>
                 <a:gridCol w="570591">
                   <a:extLst>
                     <a:ext uri="{9D8B030D-6E8A-4147-A177-3AD203B41FA5}">
-                      <a16:colId xmlns:a16="http://schemas.microsoft.com/office/drawing/2014/main" xmlns="" val="20012"/>
+                      <a16:colId xmlns:a16="http://schemas.microsoft.com/office/drawing/2014/main" val="20012"/>
                     </a:ext>
                   </a:extLst>
                 </a:gridCol>
                 <a:gridCol w="570591">
                   <a:extLst>
                     <a:ext uri="{9D8B030D-6E8A-4147-A177-3AD203B41FA5}">
-                      <a16:colId xmlns:a16="http://schemas.microsoft.com/office/drawing/2014/main" xmlns="" val="20005"/>
+                      <a16:colId xmlns:a16="http://schemas.microsoft.com/office/drawing/2014/main" val="20005"/>
                     </a:ext>
                   </a:extLst>
                 </a:gridCol>
                 <a:gridCol w="570591">
                   <a:extLst>
                     <a:ext uri="{9D8B030D-6E8A-4147-A177-3AD203B41FA5}">
-                      <a16:colId xmlns:a16="http://schemas.microsoft.com/office/drawing/2014/main" xmlns="" val="3644493182"/>
+                      <a16:colId xmlns:a16="http://schemas.microsoft.com/office/drawing/2014/main" val="3644493182"/>
                     </a:ext>
                   </a:extLst>
                 </a:gridCol>
                 <a:gridCol w="570591">
                   <a:extLst>
                     <a:ext uri="{9D8B030D-6E8A-4147-A177-3AD203B41FA5}">
-                      <a16:colId xmlns:a16="http://schemas.microsoft.com/office/drawing/2014/main" xmlns="" val="20016"/>
+                      <a16:colId xmlns:a16="http://schemas.microsoft.com/office/drawing/2014/main" val="20016"/>
                     </a:ext>
                   </a:extLst>
                 </a:gridCol>
                 <a:gridCol w="570591">
                   <a:extLst>
                     <a:ext uri="{9D8B030D-6E8A-4147-A177-3AD203B41FA5}">
-                      <a16:colId xmlns:a16="http://schemas.microsoft.com/office/drawing/2014/main" xmlns="" val="20017"/>
+                      <a16:colId xmlns:a16="http://schemas.microsoft.com/office/drawing/2014/main" val="20017"/>
                     </a:ext>
                   </a:extLst>
                 </a:gridCol>
@@ -22786,7 +22776,7 @@
                 </a:tc>
                 <a:extLst>
                   <a:ext uri="{0D108BD9-81ED-4DB2-BD59-A6C34878D82A}">
-                    <a16:rowId xmlns:a16="http://schemas.microsoft.com/office/drawing/2014/main" xmlns="" val="4157930470"/>
+                    <a16:rowId xmlns:a16="http://schemas.microsoft.com/office/drawing/2014/main" val="4157930470"/>
                   </a:ext>
                 </a:extLst>
               </a:tr>
@@ -23355,7 +23345,7 @@
                 </a:tc>
                 <a:extLst>
                   <a:ext uri="{0D108BD9-81ED-4DB2-BD59-A6C34878D82A}">
-                    <a16:rowId xmlns:a16="http://schemas.microsoft.com/office/drawing/2014/main" xmlns="" val="10000"/>
+                    <a16:rowId xmlns:a16="http://schemas.microsoft.com/office/drawing/2014/main" val="10000"/>
                   </a:ext>
                 </a:extLst>
               </a:tr>
@@ -23472,14 +23462,14 @@
                         <a:defRPr/>
                       </a:pPr>
                       <a:r>
-                        <a:rPr lang="en-US" altLang="zh-TW" sz="1200" kern="0" dirty="0" smtClean="0">
-                          <a:solidFill>
-                            <a:schemeClr val="tx1"/>
-                          </a:solidFill>
-                        </a:rPr>
-                        <a:t>●</a:t>
-                      </a:r>
-                      <a:endParaRPr lang="zh-TW" altLang="en-US" sz="1200" dirty="0" smtClean="0">
+                        <a:rPr lang="en-US" altLang="zh-TW" sz="1200" kern="0" dirty="0">
+                          <a:solidFill>
+                            <a:schemeClr val="tx1"/>
+                          </a:solidFill>
+                        </a:rPr>
+                        <a:t>●</a:t>
+                      </a:r>
+                      <a:endParaRPr lang="zh-TW" altLang="en-US" sz="1200" dirty="0">
                         <a:solidFill>
                           <a:schemeClr val="tx1"/>
                         </a:solidFill>
@@ -23513,14 +23503,14 @@
                         <a:defRPr/>
                       </a:pPr>
                       <a:r>
-                        <a:rPr lang="en-US" altLang="zh-TW" sz="1200" kern="0" dirty="0" smtClean="0">
-                          <a:solidFill>
-                            <a:schemeClr val="tx1"/>
-                          </a:solidFill>
-                        </a:rPr>
-                        <a:t>●</a:t>
-                      </a:r>
-                      <a:endParaRPr lang="zh-TW" altLang="en-US" sz="1200" dirty="0" smtClean="0">
+                        <a:rPr lang="en-US" altLang="zh-TW" sz="1200" kern="0" dirty="0">
+                          <a:solidFill>
+                            <a:schemeClr val="tx1"/>
+                          </a:solidFill>
+                        </a:rPr>
+                        <a:t>●</a:t>
+                      </a:r>
+                      <a:endParaRPr lang="zh-TW" altLang="en-US" sz="1200" dirty="0">
                         <a:solidFill>
                           <a:schemeClr val="tx1"/>
                         </a:solidFill>
@@ -23604,7 +23594,7 @@
                         <a:defRPr/>
                       </a:pPr>
                       <a:r>
-                        <a:rPr lang="en-US" altLang="zh-TW" sz="1200" kern="0" dirty="0" smtClean="0">
+                        <a:rPr lang="en-US" altLang="zh-TW" sz="1200" kern="0" dirty="0">
                           <a:solidFill>
                             <a:schemeClr val="tx1"/>
                           </a:solidFill>
@@ -23847,7 +23837,7 @@
                     <a:p>
                       <a:pPr algn="ctr"/>
                       <a:r>
-                        <a:rPr lang="en-US" altLang="zh-TW" sz="1200" kern="0" dirty="0" smtClean="0">
+                        <a:rPr lang="en-US" altLang="zh-TW" sz="1200" kern="0" dirty="0">
                           <a:solidFill>
                             <a:schemeClr val="tx1"/>
                           </a:solidFill>
@@ -23888,7 +23878,7 @@
                         <a:defRPr/>
                       </a:pPr>
                       <a:r>
-                        <a:rPr lang="en-US" altLang="zh-TW" sz="1200" kern="0" dirty="0" smtClean="0">
+                        <a:rPr lang="en-US" altLang="zh-TW" sz="1200" kern="0" dirty="0">
                           <a:solidFill>
                             <a:schemeClr val="tx1"/>
                           </a:solidFill>
@@ -23908,7 +23898,7 @@
                 </a:tc>
                 <a:extLst>
                   <a:ext uri="{0D108BD9-81ED-4DB2-BD59-A6C34878D82A}">
-                    <a16:rowId xmlns:a16="http://schemas.microsoft.com/office/drawing/2014/main" xmlns="" val="10002"/>
+                    <a16:rowId xmlns:a16="http://schemas.microsoft.com/office/drawing/2014/main" val="10002"/>
                   </a:ext>
                 </a:extLst>
               </a:tr>
@@ -24440,7 +24430,7 @@
                 </a:tc>
                 <a:extLst>
                   <a:ext uri="{0D108BD9-81ED-4DB2-BD59-A6C34878D82A}">
-                    <a16:rowId xmlns:a16="http://schemas.microsoft.com/office/drawing/2014/main" xmlns="" val="10003"/>
+                    <a16:rowId xmlns:a16="http://schemas.microsoft.com/office/drawing/2014/main" val="10003"/>
                   </a:ext>
                 </a:extLst>
               </a:tr>
@@ -24476,140 +24466,140 @@
                 <a:gridCol w="678743">
                   <a:extLst>
                     <a:ext uri="{9D8B030D-6E8A-4147-A177-3AD203B41FA5}">
-                      <a16:colId xmlns:a16="http://schemas.microsoft.com/office/drawing/2014/main" xmlns="" val="20003"/>
+                      <a16:colId xmlns:a16="http://schemas.microsoft.com/office/drawing/2014/main" val="20003"/>
                     </a:ext>
                   </a:extLst>
                 </a:gridCol>
                 <a:gridCol w="643923">
                   <a:extLst>
                     <a:ext uri="{9D8B030D-6E8A-4147-A177-3AD203B41FA5}">
-                      <a16:colId xmlns:a16="http://schemas.microsoft.com/office/drawing/2014/main" xmlns="" val="3950370602"/>
+                      <a16:colId xmlns:a16="http://schemas.microsoft.com/office/drawing/2014/main" val="3950370602"/>
                     </a:ext>
                   </a:extLst>
                 </a:gridCol>
                 <a:gridCol w="475651">
                   <a:extLst>
                     <a:ext uri="{9D8B030D-6E8A-4147-A177-3AD203B41FA5}">
-                      <a16:colId xmlns:a16="http://schemas.microsoft.com/office/drawing/2014/main" xmlns="" val="892499354"/>
+                      <a16:colId xmlns:a16="http://schemas.microsoft.com/office/drawing/2014/main" val="892499354"/>
                     </a:ext>
                   </a:extLst>
                 </a:gridCol>
                 <a:gridCol w="475651">
                   <a:extLst>
                     <a:ext uri="{9D8B030D-6E8A-4147-A177-3AD203B41FA5}">
-                      <a16:colId xmlns:a16="http://schemas.microsoft.com/office/drawing/2014/main" xmlns="" val="2890376269"/>
+                      <a16:colId xmlns:a16="http://schemas.microsoft.com/office/drawing/2014/main" val="2890376269"/>
                     </a:ext>
                   </a:extLst>
                 </a:gridCol>
                 <a:gridCol w="501602">
                   <a:extLst>
                     <a:ext uri="{9D8B030D-6E8A-4147-A177-3AD203B41FA5}">
-                      <a16:colId xmlns:a16="http://schemas.microsoft.com/office/drawing/2014/main" xmlns="" val="2351848522"/>
+                      <a16:colId xmlns:a16="http://schemas.microsoft.com/office/drawing/2014/main" val="2351848522"/>
                     </a:ext>
                   </a:extLst>
                 </a:gridCol>
                 <a:gridCol w="501602">
                   <a:extLst>
                     <a:ext uri="{9D8B030D-6E8A-4147-A177-3AD203B41FA5}">
-                      <a16:colId xmlns:a16="http://schemas.microsoft.com/office/drawing/2014/main" xmlns="" val="3951773805"/>
+                      <a16:colId xmlns:a16="http://schemas.microsoft.com/office/drawing/2014/main" val="3951773805"/>
                     </a:ext>
                   </a:extLst>
                 </a:gridCol>
                 <a:gridCol w="501602">
                   <a:extLst>
                     <a:ext uri="{9D8B030D-6E8A-4147-A177-3AD203B41FA5}">
-                      <a16:colId xmlns:a16="http://schemas.microsoft.com/office/drawing/2014/main" xmlns="" val="20005"/>
+                      <a16:colId xmlns:a16="http://schemas.microsoft.com/office/drawing/2014/main" val="20005"/>
                     </a:ext>
                   </a:extLst>
                 </a:gridCol>
                 <a:gridCol w="501602">
                   <a:extLst>
                     <a:ext uri="{9D8B030D-6E8A-4147-A177-3AD203B41FA5}">
-                      <a16:colId xmlns:a16="http://schemas.microsoft.com/office/drawing/2014/main" xmlns="" val="1658949460"/>
+                      <a16:colId xmlns:a16="http://schemas.microsoft.com/office/drawing/2014/main" val="1658949460"/>
                     </a:ext>
                   </a:extLst>
                 </a:gridCol>
                 <a:gridCol w="501602">
                   <a:extLst>
                     <a:ext uri="{9D8B030D-6E8A-4147-A177-3AD203B41FA5}">
-                      <a16:colId xmlns:a16="http://schemas.microsoft.com/office/drawing/2014/main" xmlns="" val="4009511739"/>
+                      <a16:colId xmlns:a16="http://schemas.microsoft.com/office/drawing/2014/main" val="4009511739"/>
                     </a:ext>
                   </a:extLst>
                 </a:gridCol>
                 <a:gridCol w="648032">
                   <a:extLst>
                     <a:ext uri="{9D8B030D-6E8A-4147-A177-3AD203B41FA5}">
-                      <a16:colId xmlns:a16="http://schemas.microsoft.com/office/drawing/2014/main" xmlns="" val="915448942"/>
+                      <a16:colId xmlns:a16="http://schemas.microsoft.com/office/drawing/2014/main" val="915448942"/>
                     </a:ext>
                   </a:extLst>
                 </a:gridCol>
                 <a:gridCol w="648032">
                   <a:extLst>
                     <a:ext uri="{9D8B030D-6E8A-4147-A177-3AD203B41FA5}">
-                      <a16:colId xmlns:a16="http://schemas.microsoft.com/office/drawing/2014/main" xmlns="" val="20004"/>
+                      <a16:colId xmlns:a16="http://schemas.microsoft.com/office/drawing/2014/main" val="20004"/>
                     </a:ext>
                   </a:extLst>
                 </a:gridCol>
                 <a:gridCol w="523461">
                   <a:extLst>
                     <a:ext uri="{9D8B030D-6E8A-4147-A177-3AD203B41FA5}">
-                      <a16:colId xmlns:a16="http://schemas.microsoft.com/office/drawing/2014/main" xmlns="" val="1735239135"/>
+                      <a16:colId xmlns:a16="http://schemas.microsoft.com/office/drawing/2014/main" val="1735239135"/>
                     </a:ext>
                   </a:extLst>
                 </a:gridCol>
                 <a:gridCol w="523461">
                   <a:extLst>
                     <a:ext uri="{9D8B030D-6E8A-4147-A177-3AD203B41FA5}">
-                      <a16:colId xmlns:a16="http://schemas.microsoft.com/office/drawing/2014/main" xmlns="" val="1012336583"/>
+                      <a16:colId xmlns:a16="http://schemas.microsoft.com/office/drawing/2014/main" val="1012336583"/>
                     </a:ext>
                   </a:extLst>
                 </a:gridCol>
                 <a:gridCol w="523461">
                   <a:extLst>
                     <a:ext uri="{9D8B030D-6E8A-4147-A177-3AD203B41FA5}">
-                      <a16:colId xmlns:a16="http://schemas.microsoft.com/office/drawing/2014/main" xmlns="" val="730367770"/>
+                      <a16:colId xmlns:a16="http://schemas.microsoft.com/office/drawing/2014/main" val="730367770"/>
                     </a:ext>
                   </a:extLst>
                 </a:gridCol>
                 <a:gridCol w="523461">
                   <a:extLst>
                     <a:ext uri="{9D8B030D-6E8A-4147-A177-3AD203B41FA5}">
-                      <a16:colId xmlns:a16="http://schemas.microsoft.com/office/drawing/2014/main" xmlns="" val="1995509689"/>
+                      <a16:colId xmlns:a16="http://schemas.microsoft.com/office/drawing/2014/main" val="1995509689"/>
                     </a:ext>
                   </a:extLst>
                 </a:gridCol>
                 <a:gridCol w="523461">
                   <a:extLst>
                     <a:ext uri="{9D8B030D-6E8A-4147-A177-3AD203B41FA5}">
-                      <a16:colId xmlns:a16="http://schemas.microsoft.com/office/drawing/2014/main" xmlns="" val="4059945013"/>
+                      <a16:colId xmlns:a16="http://schemas.microsoft.com/office/drawing/2014/main" val="4059945013"/>
                     </a:ext>
                   </a:extLst>
                 </a:gridCol>
                 <a:gridCol w="523461">
                   <a:extLst>
                     <a:ext uri="{9D8B030D-6E8A-4147-A177-3AD203B41FA5}">
-                      <a16:colId xmlns:a16="http://schemas.microsoft.com/office/drawing/2014/main" xmlns="" val="20013"/>
+                      <a16:colId xmlns:a16="http://schemas.microsoft.com/office/drawing/2014/main" val="20013"/>
                     </a:ext>
                   </a:extLst>
                 </a:gridCol>
                 <a:gridCol w="612741">
                   <a:extLst>
                     <a:ext uri="{9D8B030D-6E8A-4147-A177-3AD203B41FA5}">
-                      <a16:colId xmlns:a16="http://schemas.microsoft.com/office/drawing/2014/main" xmlns="" val="563954548"/>
+                      <a16:colId xmlns:a16="http://schemas.microsoft.com/office/drawing/2014/main" val="563954548"/>
                     </a:ext>
                   </a:extLst>
                 </a:gridCol>
                 <a:gridCol w="612741">
                   <a:extLst>
                     <a:ext uri="{9D8B030D-6E8A-4147-A177-3AD203B41FA5}">
-                      <a16:colId xmlns:a16="http://schemas.microsoft.com/office/drawing/2014/main" xmlns="" val="626849779"/>
+                      <a16:colId xmlns:a16="http://schemas.microsoft.com/office/drawing/2014/main" val="626849779"/>
                     </a:ext>
                   </a:extLst>
                 </a:gridCol>
                 <a:gridCol w="612741">
                   <a:extLst>
                     <a:ext uri="{9D8B030D-6E8A-4147-A177-3AD203B41FA5}">
-                      <a16:colId xmlns:a16="http://schemas.microsoft.com/office/drawing/2014/main" xmlns="" val="2774746132"/>
+                      <a16:colId xmlns:a16="http://schemas.microsoft.com/office/drawing/2014/main" val="2774746132"/>
                     </a:ext>
                   </a:extLst>
                 </a:gridCol>
@@ -24937,7 +24927,7 @@
                 </a:tc>
                 <a:extLst>
                   <a:ext uri="{0D108BD9-81ED-4DB2-BD59-A6C34878D82A}">
-                    <a16:rowId xmlns:a16="http://schemas.microsoft.com/office/drawing/2014/main" xmlns="" val="290152553"/>
+                    <a16:rowId xmlns:a16="http://schemas.microsoft.com/office/drawing/2014/main" val="290152553"/>
                   </a:ext>
                 </a:extLst>
               </a:tr>
@@ -25684,7 +25674,7 @@
                 </a:tc>
                 <a:extLst>
                   <a:ext uri="{0D108BD9-81ED-4DB2-BD59-A6C34878D82A}">
-                    <a16:rowId xmlns:a16="http://schemas.microsoft.com/office/drawing/2014/main" xmlns="" val="1372355905"/>
+                    <a16:rowId xmlns:a16="http://schemas.microsoft.com/office/drawing/2014/main" val="1372355905"/>
                   </a:ext>
                 </a:extLst>
               </a:tr>
@@ -26180,7 +26170,7 @@
                 </a:tc>
                 <a:extLst>
                   <a:ext uri="{0D108BD9-81ED-4DB2-BD59-A6C34878D82A}">
-                    <a16:rowId xmlns:a16="http://schemas.microsoft.com/office/drawing/2014/main" xmlns="" val="10005"/>
+                    <a16:rowId xmlns:a16="http://schemas.microsoft.com/office/drawing/2014/main" val="10005"/>
                   </a:ext>
                 </a:extLst>
               </a:tr>
@@ -26692,7 +26682,7 @@
                 </a:tc>
                 <a:extLst>
                   <a:ext uri="{0D108BD9-81ED-4DB2-BD59-A6C34878D82A}">
-                    <a16:rowId xmlns:a16="http://schemas.microsoft.com/office/drawing/2014/main" xmlns="" val="10006"/>
+                    <a16:rowId xmlns:a16="http://schemas.microsoft.com/office/drawing/2014/main" val="10006"/>
                   </a:ext>
                 </a:extLst>
               </a:tr>
@@ -27188,7 +27178,7 @@
                 </a:tc>
                 <a:extLst>
                   <a:ext uri="{0D108BD9-81ED-4DB2-BD59-A6C34878D82A}">
-                    <a16:rowId xmlns:a16="http://schemas.microsoft.com/office/drawing/2014/main" xmlns="" val="10007"/>
+                    <a16:rowId xmlns:a16="http://schemas.microsoft.com/office/drawing/2014/main" val="10007"/>
                   </a:ext>
                 </a:extLst>
               </a:tr>
@@ -27815,7 +27805,7 @@
                 </a:tc>
                 <a:extLst>
                   <a:ext uri="{0D108BD9-81ED-4DB2-BD59-A6C34878D82A}">
-                    <a16:rowId xmlns:a16="http://schemas.microsoft.com/office/drawing/2014/main" xmlns="" val="10008"/>
+                    <a16:rowId xmlns:a16="http://schemas.microsoft.com/office/drawing/2014/main" val="10008"/>
                   </a:ext>
                 </a:extLst>
               </a:tr>
@@ -28631,35 +28621,35 @@
                 <a:gridCol w="1452286">
                   <a:extLst>
                     <a:ext uri="{9D8B030D-6E8A-4147-A177-3AD203B41FA5}">
-                      <a16:colId xmlns:a16="http://schemas.microsoft.com/office/drawing/2014/main" xmlns="" val="20003"/>
+                      <a16:colId xmlns:a16="http://schemas.microsoft.com/office/drawing/2014/main" val="20003"/>
                     </a:ext>
                   </a:extLst>
                 </a:gridCol>
                 <a:gridCol w="1131131">
                   <a:extLst>
                     <a:ext uri="{9D8B030D-6E8A-4147-A177-3AD203B41FA5}">
-                      <a16:colId xmlns:a16="http://schemas.microsoft.com/office/drawing/2014/main" xmlns="" val="3466895849"/>
+                      <a16:colId xmlns:a16="http://schemas.microsoft.com/office/drawing/2014/main" val="3466895849"/>
                     </a:ext>
                   </a:extLst>
                 </a:gridCol>
                 <a:gridCol w="1131131">
                   <a:extLst>
                     <a:ext uri="{9D8B030D-6E8A-4147-A177-3AD203B41FA5}">
-                      <a16:colId xmlns:a16="http://schemas.microsoft.com/office/drawing/2014/main" xmlns="" val="20004"/>
+                      <a16:colId xmlns:a16="http://schemas.microsoft.com/office/drawing/2014/main" val="20004"/>
                     </a:ext>
                   </a:extLst>
                 </a:gridCol>
                 <a:gridCol w="1131131">
                   <a:extLst>
                     <a:ext uri="{9D8B030D-6E8A-4147-A177-3AD203B41FA5}">
-                      <a16:colId xmlns:a16="http://schemas.microsoft.com/office/drawing/2014/main" xmlns="" val="730367770"/>
+                      <a16:colId xmlns:a16="http://schemas.microsoft.com/office/drawing/2014/main" val="730367770"/>
                     </a:ext>
                   </a:extLst>
                 </a:gridCol>
                 <a:gridCol w="1131131">
                   <a:extLst>
                     <a:ext uri="{9D8B030D-6E8A-4147-A177-3AD203B41FA5}">
-                      <a16:colId xmlns:a16="http://schemas.microsoft.com/office/drawing/2014/main" xmlns="" val="624460300"/>
+                      <a16:colId xmlns:a16="http://schemas.microsoft.com/office/drawing/2014/main" val="624460300"/>
                     </a:ext>
                   </a:extLst>
                 </a:gridCol>
@@ -28781,7 +28771,7 @@
                 </a:tc>
                 <a:extLst>
                   <a:ext uri="{0D108BD9-81ED-4DB2-BD59-A6C34878D82A}">
-                    <a16:rowId xmlns:a16="http://schemas.microsoft.com/office/drawing/2014/main" xmlns="" val="290152553"/>
+                    <a16:rowId xmlns:a16="http://schemas.microsoft.com/office/drawing/2014/main" val="290152553"/>
                   </a:ext>
                 </a:extLst>
               </a:tr>
@@ -28900,7 +28890,7 @@
                 </a:tc>
                 <a:extLst>
                   <a:ext uri="{0D108BD9-81ED-4DB2-BD59-A6C34878D82A}">
-                    <a16:rowId xmlns:a16="http://schemas.microsoft.com/office/drawing/2014/main" xmlns="" val="2028298506"/>
+                    <a16:rowId xmlns:a16="http://schemas.microsoft.com/office/drawing/2014/main" val="2028298506"/>
                   </a:ext>
                 </a:extLst>
               </a:tr>
@@ -29041,7 +29031,7 @@
                 </a:tc>
                 <a:extLst>
                   <a:ext uri="{0D108BD9-81ED-4DB2-BD59-A6C34878D82A}">
-                    <a16:rowId xmlns:a16="http://schemas.microsoft.com/office/drawing/2014/main" xmlns="" val="2660065325"/>
+                    <a16:rowId xmlns:a16="http://schemas.microsoft.com/office/drawing/2014/main" val="2660065325"/>
                   </a:ext>
                 </a:extLst>
               </a:tr>
@@ -29182,7 +29172,7 @@
                 </a:tc>
                 <a:extLst>
                   <a:ext uri="{0D108BD9-81ED-4DB2-BD59-A6C34878D82A}">
-                    <a16:rowId xmlns:a16="http://schemas.microsoft.com/office/drawing/2014/main" xmlns="" val="1596747635"/>
+                    <a16:rowId xmlns:a16="http://schemas.microsoft.com/office/drawing/2014/main" val="1596747635"/>
                   </a:ext>
                 </a:extLst>
               </a:tr>
@@ -29323,7 +29313,7 @@
                 </a:tc>
                 <a:extLst>
                   <a:ext uri="{0D108BD9-81ED-4DB2-BD59-A6C34878D82A}">
-                    <a16:rowId xmlns:a16="http://schemas.microsoft.com/office/drawing/2014/main" xmlns="" val="3774430207"/>
+                    <a16:rowId xmlns:a16="http://schemas.microsoft.com/office/drawing/2014/main" val="3774430207"/>
                   </a:ext>
                 </a:extLst>
               </a:tr>
@@ -29470,7 +29460,7 @@
                 </a:tc>
                 <a:extLst>
                   <a:ext uri="{0D108BD9-81ED-4DB2-BD59-A6C34878D82A}">
-                    <a16:rowId xmlns:a16="http://schemas.microsoft.com/office/drawing/2014/main" xmlns="" val="10005"/>
+                    <a16:rowId xmlns:a16="http://schemas.microsoft.com/office/drawing/2014/main" val="10005"/>
                   </a:ext>
                 </a:extLst>
               </a:tr>
@@ -29633,7 +29623,7 @@
                 </a:tc>
                 <a:extLst>
                   <a:ext uri="{0D108BD9-81ED-4DB2-BD59-A6C34878D82A}">
-                    <a16:rowId xmlns:a16="http://schemas.microsoft.com/office/drawing/2014/main" xmlns="" val="10006"/>
+                    <a16:rowId xmlns:a16="http://schemas.microsoft.com/office/drawing/2014/main" val="10006"/>
                   </a:ext>
                 </a:extLst>
               </a:tr>
@@ -29796,7 +29786,7 @@
                 </a:tc>
                 <a:extLst>
                   <a:ext uri="{0D108BD9-81ED-4DB2-BD59-A6C34878D82A}">
-                    <a16:rowId xmlns:a16="http://schemas.microsoft.com/office/drawing/2014/main" xmlns="" val="10007"/>
+                    <a16:rowId xmlns:a16="http://schemas.microsoft.com/office/drawing/2014/main" val="10007"/>
                   </a:ext>
                 </a:extLst>
               </a:tr>
@@ -29937,7 +29927,7 @@
                 </a:tc>
                 <a:extLst>
                   <a:ext uri="{0D108BD9-81ED-4DB2-BD59-A6C34878D82A}">
-                    <a16:rowId xmlns:a16="http://schemas.microsoft.com/office/drawing/2014/main" xmlns="" val="2717943080"/>
+                    <a16:rowId xmlns:a16="http://schemas.microsoft.com/office/drawing/2014/main" val="2717943080"/>
                   </a:ext>
                 </a:extLst>
               </a:tr>
@@ -30163,7 +30153,7 @@
                 </a:tc>
                 <a:extLst>
                   <a:ext uri="{0D108BD9-81ED-4DB2-BD59-A6C34878D82A}">
-                    <a16:rowId xmlns:a16="http://schemas.microsoft.com/office/drawing/2014/main" xmlns="" val="2802642166"/>
+                    <a16:rowId xmlns:a16="http://schemas.microsoft.com/office/drawing/2014/main" val="2802642166"/>
                   </a:ext>
                 </a:extLst>
               </a:tr>
@@ -30368,7 +30358,7 @@
                 </a:tc>
                 <a:extLst>
                   <a:ext uri="{0D108BD9-81ED-4DB2-BD59-A6C34878D82A}">
-                    <a16:rowId xmlns:a16="http://schemas.microsoft.com/office/drawing/2014/main" xmlns="" val="3968310820"/>
+                    <a16:rowId xmlns:a16="http://schemas.microsoft.com/office/drawing/2014/main" val="3968310820"/>
                   </a:ext>
                 </a:extLst>
               </a:tr>
@@ -30573,7 +30563,7 @@
                 </a:tc>
                 <a:extLst>
                   <a:ext uri="{0D108BD9-81ED-4DB2-BD59-A6C34878D82A}">
-                    <a16:rowId xmlns:a16="http://schemas.microsoft.com/office/drawing/2014/main" xmlns="" val="1715990511"/>
+                    <a16:rowId xmlns:a16="http://schemas.microsoft.com/office/drawing/2014/main" val="1715990511"/>
                   </a:ext>
                 </a:extLst>
               </a:tr>
@@ -30778,7 +30768,7 @@
                 </a:tc>
                 <a:extLst>
                   <a:ext uri="{0D108BD9-81ED-4DB2-BD59-A6C34878D82A}">
-                    <a16:rowId xmlns:a16="http://schemas.microsoft.com/office/drawing/2014/main" xmlns="" val="3192680700"/>
+                    <a16:rowId xmlns:a16="http://schemas.microsoft.com/office/drawing/2014/main" val="3192680700"/>
                   </a:ext>
                 </a:extLst>
               </a:tr>
@@ -31004,84 +30994,84 @@
                 <a:gridCol w="828562">
                   <a:extLst>
                     <a:ext uri="{9D8B030D-6E8A-4147-A177-3AD203B41FA5}">
-                      <a16:colId xmlns:a16="http://schemas.microsoft.com/office/drawing/2014/main" xmlns="" val="20000"/>
+                      <a16:colId xmlns:a16="http://schemas.microsoft.com/office/drawing/2014/main" val="20000"/>
                     </a:ext>
                   </a:extLst>
                 </a:gridCol>
                 <a:gridCol w="828562">
                   <a:extLst>
                     <a:ext uri="{9D8B030D-6E8A-4147-A177-3AD203B41FA5}">
-                      <a16:colId xmlns:a16="http://schemas.microsoft.com/office/drawing/2014/main" xmlns="" val="20001"/>
+                      <a16:colId xmlns:a16="http://schemas.microsoft.com/office/drawing/2014/main" val="20001"/>
                     </a:ext>
                   </a:extLst>
                 </a:gridCol>
                 <a:gridCol w="828562">
                   <a:extLst>
                     <a:ext uri="{9D8B030D-6E8A-4147-A177-3AD203B41FA5}">
-                      <a16:colId xmlns:a16="http://schemas.microsoft.com/office/drawing/2014/main" xmlns="" val="20002"/>
+                      <a16:colId xmlns:a16="http://schemas.microsoft.com/office/drawing/2014/main" val="20002"/>
                     </a:ext>
                   </a:extLst>
                 </a:gridCol>
                 <a:gridCol w="828562">
                   <a:extLst>
                     <a:ext uri="{9D8B030D-6E8A-4147-A177-3AD203B41FA5}">
-                      <a16:colId xmlns:a16="http://schemas.microsoft.com/office/drawing/2014/main" xmlns="" val="20003"/>
+                      <a16:colId xmlns:a16="http://schemas.microsoft.com/office/drawing/2014/main" val="20003"/>
                     </a:ext>
                   </a:extLst>
                 </a:gridCol>
                 <a:gridCol w="828562">
                   <a:extLst>
                     <a:ext uri="{9D8B030D-6E8A-4147-A177-3AD203B41FA5}">
-                      <a16:colId xmlns:a16="http://schemas.microsoft.com/office/drawing/2014/main" xmlns="" val="20004"/>
+                      <a16:colId xmlns:a16="http://schemas.microsoft.com/office/drawing/2014/main" val="20004"/>
                     </a:ext>
                   </a:extLst>
                 </a:gridCol>
                 <a:gridCol w="828562">
                   <a:extLst>
                     <a:ext uri="{9D8B030D-6E8A-4147-A177-3AD203B41FA5}">
-                      <a16:colId xmlns:a16="http://schemas.microsoft.com/office/drawing/2014/main" xmlns="" val="20005"/>
+                      <a16:colId xmlns:a16="http://schemas.microsoft.com/office/drawing/2014/main" val="20005"/>
                     </a:ext>
                   </a:extLst>
                 </a:gridCol>
                 <a:gridCol w="828562">
                   <a:extLst>
                     <a:ext uri="{9D8B030D-6E8A-4147-A177-3AD203B41FA5}">
-                      <a16:colId xmlns:a16="http://schemas.microsoft.com/office/drawing/2014/main" xmlns="" val="20006"/>
+                      <a16:colId xmlns:a16="http://schemas.microsoft.com/office/drawing/2014/main" val="20006"/>
                     </a:ext>
                   </a:extLst>
                 </a:gridCol>
                 <a:gridCol w="828562">
                   <a:extLst>
                     <a:ext uri="{9D8B030D-6E8A-4147-A177-3AD203B41FA5}">
-                      <a16:colId xmlns:a16="http://schemas.microsoft.com/office/drawing/2014/main" xmlns="" val="20007"/>
+                      <a16:colId xmlns:a16="http://schemas.microsoft.com/office/drawing/2014/main" val="20007"/>
                     </a:ext>
                   </a:extLst>
                 </a:gridCol>
                 <a:gridCol w="828562">
                   <a:extLst>
                     <a:ext uri="{9D8B030D-6E8A-4147-A177-3AD203B41FA5}">
-                      <a16:colId xmlns:a16="http://schemas.microsoft.com/office/drawing/2014/main" xmlns="" val="20008"/>
+                      <a16:colId xmlns:a16="http://schemas.microsoft.com/office/drawing/2014/main" val="20008"/>
                     </a:ext>
                   </a:extLst>
                 </a:gridCol>
                 <a:gridCol w="828562">
                   <a:extLst>
                     <a:ext uri="{9D8B030D-6E8A-4147-A177-3AD203B41FA5}">
-                      <a16:colId xmlns:a16="http://schemas.microsoft.com/office/drawing/2014/main" xmlns="" val="20009"/>
+                      <a16:colId xmlns:a16="http://schemas.microsoft.com/office/drawing/2014/main" val="20009"/>
                     </a:ext>
                   </a:extLst>
                 </a:gridCol>
                 <a:gridCol w="828562">
                   <a:extLst>
                     <a:ext uri="{9D8B030D-6E8A-4147-A177-3AD203B41FA5}">
-                      <a16:colId xmlns:a16="http://schemas.microsoft.com/office/drawing/2014/main" xmlns="" val="20010"/>
+                      <a16:colId xmlns:a16="http://schemas.microsoft.com/office/drawing/2014/main" val="20010"/>
                     </a:ext>
                   </a:extLst>
                 </a:gridCol>
                 <a:gridCol w="828562">
                   <a:extLst>
                     <a:ext uri="{9D8B030D-6E8A-4147-A177-3AD203B41FA5}">
-                      <a16:colId xmlns:a16="http://schemas.microsoft.com/office/drawing/2014/main" xmlns="" val="20011"/>
+                      <a16:colId xmlns:a16="http://schemas.microsoft.com/office/drawing/2014/main" val="20011"/>
                     </a:ext>
                   </a:extLst>
                 </a:gridCol>
@@ -31276,7 +31266,7 @@
                 </a:tc>
                 <a:extLst>
                   <a:ext uri="{0D108BD9-81ED-4DB2-BD59-A6C34878D82A}">
-                    <a16:rowId xmlns:a16="http://schemas.microsoft.com/office/drawing/2014/main" xmlns="" val="10000"/>
+                    <a16:rowId xmlns:a16="http://schemas.microsoft.com/office/drawing/2014/main" val="10000"/>
                   </a:ext>
                 </a:extLst>
               </a:tr>
@@ -31617,7 +31607,7 @@
                 </a:tc>
                 <a:extLst>
                   <a:ext uri="{0D108BD9-81ED-4DB2-BD59-A6C34878D82A}">
-                    <a16:rowId xmlns:a16="http://schemas.microsoft.com/office/drawing/2014/main" xmlns="" val="10001"/>
+                    <a16:rowId xmlns:a16="http://schemas.microsoft.com/office/drawing/2014/main" val="10001"/>
                   </a:ext>
                 </a:extLst>
               </a:tr>
@@ -31927,7 +31917,7 @@
                 </a:tc>
                 <a:extLst>
                   <a:ext uri="{0D108BD9-81ED-4DB2-BD59-A6C34878D82A}">
-                    <a16:rowId xmlns:a16="http://schemas.microsoft.com/office/drawing/2014/main" xmlns="" val="10002"/>
+                    <a16:rowId xmlns:a16="http://schemas.microsoft.com/office/drawing/2014/main" val="10002"/>
                   </a:ext>
                 </a:extLst>
               </a:tr>
@@ -32255,7 +32245,7 @@
                 </a:tc>
                 <a:extLst>
                   <a:ext uri="{0D108BD9-81ED-4DB2-BD59-A6C34878D82A}">
-                    <a16:rowId xmlns:a16="http://schemas.microsoft.com/office/drawing/2014/main" xmlns="" val="10003"/>
+                    <a16:rowId xmlns:a16="http://schemas.microsoft.com/office/drawing/2014/main" val="10003"/>
                   </a:ext>
                 </a:extLst>
               </a:tr>
@@ -32588,7 +32578,7 @@
                 </a:tc>
                 <a:extLst>
                   <a:ext uri="{0D108BD9-81ED-4DB2-BD59-A6C34878D82A}">
-                    <a16:rowId xmlns:a16="http://schemas.microsoft.com/office/drawing/2014/main" xmlns="" val="10004"/>
+                    <a16:rowId xmlns:a16="http://schemas.microsoft.com/office/drawing/2014/main" val="10004"/>
                   </a:ext>
                 </a:extLst>
               </a:tr>
@@ -32921,7 +32911,7 @@
                 </a:tc>
                 <a:extLst>
                   <a:ext uri="{0D108BD9-81ED-4DB2-BD59-A6C34878D82A}">
-                    <a16:rowId xmlns:a16="http://schemas.microsoft.com/office/drawing/2014/main" xmlns="" val="10005"/>
+                    <a16:rowId xmlns:a16="http://schemas.microsoft.com/office/drawing/2014/main" val="10005"/>
                   </a:ext>
                 </a:extLst>
               </a:tr>
@@ -33288,49 +33278,49 @@
                 <a:gridCol w="1693061">
                   <a:extLst>
                     <a:ext uri="{9D8B030D-6E8A-4147-A177-3AD203B41FA5}">
-                      <a16:colId xmlns:a16="http://schemas.microsoft.com/office/drawing/2014/main" xmlns="" val="596459514"/>
+                      <a16:colId xmlns:a16="http://schemas.microsoft.com/office/drawing/2014/main" val="596459514"/>
                     </a:ext>
                   </a:extLst>
                 </a:gridCol>
                 <a:gridCol w="1105830">
                   <a:extLst>
                     <a:ext uri="{9D8B030D-6E8A-4147-A177-3AD203B41FA5}">
-                      <a16:colId xmlns:a16="http://schemas.microsoft.com/office/drawing/2014/main" xmlns="" val="1104773170"/>
+                      <a16:colId xmlns:a16="http://schemas.microsoft.com/office/drawing/2014/main" val="1104773170"/>
                     </a:ext>
                   </a:extLst>
                 </a:gridCol>
                 <a:gridCol w="1105830">
                   <a:extLst>
                     <a:ext uri="{9D8B030D-6E8A-4147-A177-3AD203B41FA5}">
-                      <a16:colId xmlns:a16="http://schemas.microsoft.com/office/drawing/2014/main" xmlns="" val="2628879976"/>
+                      <a16:colId xmlns:a16="http://schemas.microsoft.com/office/drawing/2014/main" val="2628879976"/>
                     </a:ext>
                   </a:extLst>
                 </a:gridCol>
                 <a:gridCol w="1105830">
                   <a:extLst>
                     <a:ext uri="{9D8B030D-6E8A-4147-A177-3AD203B41FA5}">
-                      <a16:colId xmlns:a16="http://schemas.microsoft.com/office/drawing/2014/main" xmlns="" val="3824673393"/>
+                      <a16:colId xmlns:a16="http://schemas.microsoft.com/office/drawing/2014/main" val="3824673393"/>
                     </a:ext>
                   </a:extLst>
                 </a:gridCol>
                 <a:gridCol w="1105830">
                   <a:extLst>
                     <a:ext uri="{9D8B030D-6E8A-4147-A177-3AD203B41FA5}">
-                      <a16:colId xmlns:a16="http://schemas.microsoft.com/office/drawing/2014/main" xmlns="" val="1207929680"/>
+                      <a16:colId xmlns:a16="http://schemas.microsoft.com/office/drawing/2014/main" val="1207929680"/>
                     </a:ext>
                   </a:extLst>
                 </a:gridCol>
                 <a:gridCol w="1105830">
                   <a:extLst>
                     <a:ext uri="{9D8B030D-6E8A-4147-A177-3AD203B41FA5}">
-                      <a16:colId xmlns:a16="http://schemas.microsoft.com/office/drawing/2014/main" xmlns="" val="196725124"/>
+                      <a16:colId xmlns:a16="http://schemas.microsoft.com/office/drawing/2014/main" val="196725124"/>
                     </a:ext>
                   </a:extLst>
                 </a:gridCol>
                 <a:gridCol w="1105830">
                   <a:extLst>
                     <a:ext uri="{9D8B030D-6E8A-4147-A177-3AD203B41FA5}">
-                      <a16:colId xmlns:a16="http://schemas.microsoft.com/office/drawing/2014/main" xmlns="" val="4015488069"/>
+                      <a16:colId xmlns:a16="http://schemas.microsoft.com/office/drawing/2014/main" val="4015488069"/>
                     </a:ext>
                   </a:extLst>
                 </a:gridCol>
@@ -33440,7 +33430,7 @@
                 </a:tc>
                 <a:extLst>
                   <a:ext uri="{0D108BD9-81ED-4DB2-BD59-A6C34878D82A}">
-                    <a16:rowId xmlns:a16="http://schemas.microsoft.com/office/drawing/2014/main" xmlns="" val="2450048256"/>
+                    <a16:rowId xmlns:a16="http://schemas.microsoft.com/office/drawing/2014/main" val="2450048256"/>
                   </a:ext>
                 </a:extLst>
               </a:tr>
@@ -33580,7 +33570,7 @@
                 </a:tc>
                 <a:extLst>
                   <a:ext uri="{0D108BD9-81ED-4DB2-BD59-A6C34878D82A}">
-                    <a16:rowId xmlns:a16="http://schemas.microsoft.com/office/drawing/2014/main" xmlns="" val="1007795033"/>
+                    <a16:rowId xmlns:a16="http://schemas.microsoft.com/office/drawing/2014/main" val="1007795033"/>
                   </a:ext>
                 </a:extLst>
               </a:tr>
@@ -33716,7 +33706,7 @@
                 </a:tc>
                 <a:extLst>
                   <a:ext uri="{0D108BD9-81ED-4DB2-BD59-A6C34878D82A}">
-                    <a16:rowId xmlns:a16="http://schemas.microsoft.com/office/drawing/2014/main" xmlns="" val="3123214655"/>
+                    <a16:rowId xmlns:a16="http://schemas.microsoft.com/office/drawing/2014/main" val="3123214655"/>
                   </a:ext>
                 </a:extLst>
               </a:tr>
@@ -33862,35 +33852,35 @@
                 <a:gridCol w="1104280">
                   <a:extLst>
                     <a:ext uri="{9D8B030D-6E8A-4147-A177-3AD203B41FA5}">
-                      <a16:colId xmlns:a16="http://schemas.microsoft.com/office/drawing/2014/main" xmlns="" val="596459514"/>
+                      <a16:colId xmlns:a16="http://schemas.microsoft.com/office/drawing/2014/main" val="596459514"/>
                     </a:ext>
                   </a:extLst>
                 </a:gridCol>
                 <a:gridCol w="1082993">
                   <a:extLst>
                     <a:ext uri="{9D8B030D-6E8A-4147-A177-3AD203B41FA5}">
-                      <a16:colId xmlns:a16="http://schemas.microsoft.com/office/drawing/2014/main" xmlns="" val="1104773170"/>
+                      <a16:colId xmlns:a16="http://schemas.microsoft.com/office/drawing/2014/main" val="1104773170"/>
                     </a:ext>
                   </a:extLst>
                 </a:gridCol>
                 <a:gridCol w="1082993">
                   <a:extLst>
                     <a:ext uri="{9D8B030D-6E8A-4147-A177-3AD203B41FA5}">
-                      <a16:colId xmlns:a16="http://schemas.microsoft.com/office/drawing/2014/main" xmlns="" val="2628879976"/>
+                      <a16:colId xmlns:a16="http://schemas.microsoft.com/office/drawing/2014/main" val="2628879976"/>
                     </a:ext>
                   </a:extLst>
                 </a:gridCol>
                 <a:gridCol w="1082993">
                   <a:extLst>
                     <a:ext uri="{9D8B030D-6E8A-4147-A177-3AD203B41FA5}">
-                      <a16:colId xmlns:a16="http://schemas.microsoft.com/office/drawing/2014/main" xmlns="" val="3824673393"/>
+                      <a16:colId xmlns:a16="http://schemas.microsoft.com/office/drawing/2014/main" val="3824673393"/>
                     </a:ext>
                   </a:extLst>
                 </a:gridCol>
                 <a:gridCol w="1082993">
                   <a:extLst>
                     <a:ext uri="{9D8B030D-6E8A-4147-A177-3AD203B41FA5}">
-                      <a16:colId xmlns:a16="http://schemas.microsoft.com/office/drawing/2014/main" xmlns="" val="20004"/>
+                      <a16:colId xmlns:a16="http://schemas.microsoft.com/office/drawing/2014/main" val="20004"/>
                     </a:ext>
                   </a:extLst>
                 </a:gridCol>
@@ -33983,7 +33973,7 @@
                 </a:tc>
                 <a:extLst>
                   <a:ext uri="{0D108BD9-81ED-4DB2-BD59-A6C34878D82A}">
-                    <a16:rowId xmlns:a16="http://schemas.microsoft.com/office/drawing/2014/main" xmlns="" val="2450048256"/>
+                    <a16:rowId xmlns:a16="http://schemas.microsoft.com/office/drawing/2014/main" val="2450048256"/>
                   </a:ext>
                 </a:extLst>
               </a:tr>
@@ -34185,7 +34175,7 @@
                 </a:tc>
                 <a:extLst>
                   <a:ext uri="{0D108BD9-81ED-4DB2-BD59-A6C34878D82A}">
-                    <a16:rowId xmlns:a16="http://schemas.microsoft.com/office/drawing/2014/main" xmlns="" val="1007795033"/>
+                    <a16:rowId xmlns:a16="http://schemas.microsoft.com/office/drawing/2014/main" val="1007795033"/>
                   </a:ext>
                 </a:extLst>
               </a:tr>
@@ -34285,7 +34275,7 @@
                 </a:tc>
                 <a:extLst>
                   <a:ext uri="{0D108BD9-81ED-4DB2-BD59-A6C34878D82A}">
-                    <a16:rowId xmlns:a16="http://schemas.microsoft.com/office/drawing/2014/main" xmlns="" val="3123214655"/>
+                    <a16:rowId xmlns:a16="http://schemas.microsoft.com/office/drawing/2014/main" val="3123214655"/>
                   </a:ext>
                 </a:extLst>
               </a:tr>
@@ -34591,70 +34581,70 @@
                 <a:gridCol w="960187">
                   <a:extLst>
                     <a:ext uri="{9D8B030D-6E8A-4147-A177-3AD203B41FA5}">
-                      <a16:colId xmlns:a16="http://schemas.microsoft.com/office/drawing/2014/main" xmlns="" val="20003"/>
+                      <a16:colId xmlns:a16="http://schemas.microsoft.com/office/drawing/2014/main" val="20003"/>
                     </a:ext>
                   </a:extLst>
                 </a:gridCol>
                 <a:gridCol w="893677">
                   <a:extLst>
                     <a:ext uri="{9D8B030D-6E8A-4147-A177-3AD203B41FA5}">
-                      <a16:colId xmlns:a16="http://schemas.microsoft.com/office/drawing/2014/main" xmlns="" val="3258888783"/>
+                      <a16:colId xmlns:a16="http://schemas.microsoft.com/office/drawing/2014/main" val="3258888783"/>
                     </a:ext>
                   </a:extLst>
                 </a:gridCol>
                 <a:gridCol w="792575">
                   <a:extLst>
                     <a:ext uri="{9D8B030D-6E8A-4147-A177-3AD203B41FA5}">
-                      <a16:colId xmlns:a16="http://schemas.microsoft.com/office/drawing/2014/main" xmlns="" val="20002"/>
+                      <a16:colId xmlns:a16="http://schemas.microsoft.com/office/drawing/2014/main" val="20002"/>
                     </a:ext>
                   </a:extLst>
                 </a:gridCol>
                 <a:gridCol w="519885">
                   <a:extLst>
                     <a:ext uri="{9D8B030D-6E8A-4147-A177-3AD203B41FA5}">
-                      <a16:colId xmlns:a16="http://schemas.microsoft.com/office/drawing/2014/main" xmlns="" val="20004"/>
+                      <a16:colId xmlns:a16="http://schemas.microsoft.com/office/drawing/2014/main" val="20004"/>
                     </a:ext>
                   </a:extLst>
                 </a:gridCol>
                 <a:gridCol w="519885">
                   <a:extLst>
                     <a:ext uri="{9D8B030D-6E8A-4147-A177-3AD203B41FA5}">
-                      <a16:colId xmlns:a16="http://schemas.microsoft.com/office/drawing/2014/main" xmlns="" val="20006"/>
+                      <a16:colId xmlns:a16="http://schemas.microsoft.com/office/drawing/2014/main" val="20006"/>
                     </a:ext>
                   </a:extLst>
                 </a:gridCol>
                 <a:gridCol w="519885">
                   <a:extLst>
                     <a:ext uri="{9D8B030D-6E8A-4147-A177-3AD203B41FA5}">
-                      <a16:colId xmlns:a16="http://schemas.microsoft.com/office/drawing/2014/main" xmlns="" val="20007"/>
+                      <a16:colId xmlns:a16="http://schemas.microsoft.com/office/drawing/2014/main" val="20007"/>
                     </a:ext>
                   </a:extLst>
                 </a:gridCol>
                 <a:gridCol w="700220">
                   <a:extLst>
                     <a:ext uri="{9D8B030D-6E8A-4147-A177-3AD203B41FA5}">
-                      <a16:colId xmlns:a16="http://schemas.microsoft.com/office/drawing/2014/main" xmlns="" val="20008"/>
+                      <a16:colId xmlns:a16="http://schemas.microsoft.com/office/drawing/2014/main" val="20008"/>
                     </a:ext>
                   </a:extLst>
                 </a:gridCol>
                 <a:gridCol w="814245">
                   <a:extLst>
                     <a:ext uri="{9D8B030D-6E8A-4147-A177-3AD203B41FA5}">
-                      <a16:colId xmlns:a16="http://schemas.microsoft.com/office/drawing/2014/main" xmlns="" val="20009"/>
+                      <a16:colId xmlns:a16="http://schemas.microsoft.com/office/drawing/2014/main" val="20009"/>
                     </a:ext>
                   </a:extLst>
                 </a:gridCol>
                 <a:gridCol w="814245">
                   <a:extLst>
                     <a:ext uri="{9D8B030D-6E8A-4147-A177-3AD203B41FA5}">
-                      <a16:colId xmlns:a16="http://schemas.microsoft.com/office/drawing/2014/main" xmlns="" val="20005"/>
+                      <a16:colId xmlns:a16="http://schemas.microsoft.com/office/drawing/2014/main" val="20005"/>
                     </a:ext>
                   </a:extLst>
                 </a:gridCol>
                 <a:gridCol w="814245">
                   <a:extLst>
                     <a:ext uri="{9D8B030D-6E8A-4147-A177-3AD203B41FA5}">
-                      <a16:colId xmlns:a16="http://schemas.microsoft.com/office/drawing/2014/main" xmlns="" val="20010"/>
+                      <a16:colId xmlns:a16="http://schemas.microsoft.com/office/drawing/2014/main" val="20010"/>
                     </a:ext>
                   </a:extLst>
                 </a:gridCol>
@@ -34797,7 +34787,7 @@
                 </a:tc>
                 <a:extLst>
                   <a:ext uri="{0D108BD9-81ED-4DB2-BD59-A6C34878D82A}">
-                    <a16:rowId xmlns:a16="http://schemas.microsoft.com/office/drawing/2014/main" xmlns="" val="4157930470"/>
+                    <a16:rowId xmlns:a16="http://schemas.microsoft.com/office/drawing/2014/main" val="4157930470"/>
                   </a:ext>
                 </a:extLst>
               </a:tr>
@@ -35057,7 +35047,7 @@
                 </a:tc>
                 <a:extLst>
                   <a:ext uri="{0D108BD9-81ED-4DB2-BD59-A6C34878D82A}">
-                    <a16:rowId xmlns:a16="http://schemas.microsoft.com/office/drawing/2014/main" xmlns="" val="1942208770"/>
+                    <a16:rowId xmlns:a16="http://schemas.microsoft.com/office/drawing/2014/main" val="1942208770"/>
                   </a:ext>
                 </a:extLst>
               </a:tr>
@@ -35276,7 +35266,7 @@
                 </a:tc>
                 <a:extLst>
                   <a:ext uri="{0D108BD9-81ED-4DB2-BD59-A6C34878D82A}">
-                    <a16:rowId xmlns:a16="http://schemas.microsoft.com/office/drawing/2014/main" xmlns="" val="10004"/>
+                    <a16:rowId xmlns:a16="http://schemas.microsoft.com/office/drawing/2014/main" val="10004"/>
                   </a:ext>
                 </a:extLst>
               </a:tr>
@@ -35537,7 +35527,7 @@
                 </a:tc>
                 <a:extLst>
                   <a:ext uri="{0D108BD9-81ED-4DB2-BD59-A6C34878D82A}">
-                    <a16:rowId xmlns:a16="http://schemas.microsoft.com/office/drawing/2014/main" xmlns="" val="134965533"/>
+                    <a16:rowId xmlns:a16="http://schemas.microsoft.com/office/drawing/2014/main" val="134965533"/>
                   </a:ext>
                 </a:extLst>
               </a:tr>
@@ -35930,77 +35920,77 @@
                 <a:gridCol w="957305">
                   <a:extLst>
                     <a:ext uri="{9D8B030D-6E8A-4147-A177-3AD203B41FA5}">
-                      <a16:colId xmlns:a16="http://schemas.microsoft.com/office/drawing/2014/main" xmlns="" val="20000"/>
+                      <a16:colId xmlns:a16="http://schemas.microsoft.com/office/drawing/2014/main" val="20000"/>
                     </a:ext>
                   </a:extLst>
                 </a:gridCol>
                 <a:gridCol w="889770">
                   <a:extLst>
                     <a:ext uri="{9D8B030D-6E8A-4147-A177-3AD203B41FA5}">
-                      <a16:colId xmlns:a16="http://schemas.microsoft.com/office/drawing/2014/main" xmlns="" val="20001"/>
+                      <a16:colId xmlns:a16="http://schemas.microsoft.com/office/drawing/2014/main" val="20001"/>
                     </a:ext>
                   </a:extLst>
                 </a:gridCol>
                 <a:gridCol w="643470">
                   <a:extLst>
                     <a:ext uri="{9D8B030D-6E8A-4147-A177-3AD203B41FA5}">
-                      <a16:colId xmlns:a16="http://schemas.microsoft.com/office/drawing/2014/main" xmlns="" val="20002"/>
+                      <a16:colId xmlns:a16="http://schemas.microsoft.com/office/drawing/2014/main" val="20002"/>
                     </a:ext>
                   </a:extLst>
                 </a:gridCol>
                 <a:gridCol w="597600">
                   <a:extLst>
                     <a:ext uri="{9D8B030D-6E8A-4147-A177-3AD203B41FA5}">
-                      <a16:colId xmlns:a16="http://schemas.microsoft.com/office/drawing/2014/main" xmlns="" val="20003"/>
+                      <a16:colId xmlns:a16="http://schemas.microsoft.com/office/drawing/2014/main" val="20003"/>
                     </a:ext>
                   </a:extLst>
                 </a:gridCol>
                 <a:gridCol w="597600">
                   <a:extLst>
                     <a:ext uri="{9D8B030D-6E8A-4147-A177-3AD203B41FA5}">
-                      <a16:colId xmlns:a16="http://schemas.microsoft.com/office/drawing/2014/main" xmlns="" val="20004"/>
+                      <a16:colId xmlns:a16="http://schemas.microsoft.com/office/drawing/2014/main" val="20004"/>
                     </a:ext>
                   </a:extLst>
                 </a:gridCol>
                 <a:gridCol w="683238">
                   <a:extLst>
                     <a:ext uri="{9D8B030D-6E8A-4147-A177-3AD203B41FA5}">
-                      <a16:colId xmlns:a16="http://schemas.microsoft.com/office/drawing/2014/main" xmlns="" val="20005"/>
+                      <a16:colId xmlns:a16="http://schemas.microsoft.com/office/drawing/2014/main" val="20005"/>
                     </a:ext>
                   </a:extLst>
                 </a:gridCol>
                 <a:gridCol w="683238">
                   <a:extLst>
                     <a:ext uri="{9D8B030D-6E8A-4147-A177-3AD203B41FA5}">
-                      <a16:colId xmlns:a16="http://schemas.microsoft.com/office/drawing/2014/main" xmlns="" val="20006"/>
+                      <a16:colId xmlns:a16="http://schemas.microsoft.com/office/drawing/2014/main" val="20006"/>
                     </a:ext>
                   </a:extLst>
                 </a:gridCol>
                 <a:gridCol w="683238">
                   <a:extLst>
                     <a:ext uri="{9D8B030D-6E8A-4147-A177-3AD203B41FA5}">
-                      <a16:colId xmlns:a16="http://schemas.microsoft.com/office/drawing/2014/main" xmlns="" val="20007"/>
+                      <a16:colId xmlns:a16="http://schemas.microsoft.com/office/drawing/2014/main" val="20007"/>
                     </a:ext>
                   </a:extLst>
                 </a:gridCol>
                 <a:gridCol w="683238">
                   <a:extLst>
                     <a:ext uri="{9D8B030D-6E8A-4147-A177-3AD203B41FA5}">
-                      <a16:colId xmlns:a16="http://schemas.microsoft.com/office/drawing/2014/main" xmlns="" val="20008"/>
+                      <a16:colId xmlns:a16="http://schemas.microsoft.com/office/drawing/2014/main" val="20008"/>
                     </a:ext>
                   </a:extLst>
                 </a:gridCol>
                 <a:gridCol w="683238">
                   <a:extLst>
                     <a:ext uri="{9D8B030D-6E8A-4147-A177-3AD203B41FA5}">
-                      <a16:colId xmlns:a16="http://schemas.microsoft.com/office/drawing/2014/main" xmlns="" val="20009"/>
+                      <a16:colId xmlns:a16="http://schemas.microsoft.com/office/drawing/2014/main" val="20009"/>
                     </a:ext>
                   </a:extLst>
                 </a:gridCol>
                 <a:gridCol w="683238">
                   <a:extLst>
                     <a:ext uri="{9D8B030D-6E8A-4147-A177-3AD203B41FA5}">
-                      <a16:colId xmlns:a16="http://schemas.microsoft.com/office/drawing/2014/main" xmlns="" val="20010"/>
+                      <a16:colId xmlns:a16="http://schemas.microsoft.com/office/drawing/2014/main" val="20010"/>
                     </a:ext>
                   </a:extLst>
                 </a:gridCol>
@@ -36293,7 +36283,7 @@
                 </a:tc>
                 <a:extLst>
                   <a:ext uri="{0D108BD9-81ED-4DB2-BD59-A6C34878D82A}">
-                    <a16:rowId xmlns:a16="http://schemas.microsoft.com/office/drawing/2014/main" xmlns="" val="10000"/>
+                    <a16:rowId xmlns:a16="http://schemas.microsoft.com/office/drawing/2014/main" val="10000"/>
                   </a:ext>
                 </a:extLst>
               </a:tr>
@@ -36720,7 +36710,7 @@
                 </a:tc>
                 <a:extLst>
                   <a:ext uri="{0D108BD9-81ED-4DB2-BD59-A6C34878D82A}">
-                    <a16:rowId xmlns:a16="http://schemas.microsoft.com/office/drawing/2014/main" xmlns="" val="10001"/>
+                    <a16:rowId xmlns:a16="http://schemas.microsoft.com/office/drawing/2014/main" val="10001"/>
                   </a:ext>
                 </a:extLst>
               </a:tr>
@@ -37029,7 +37019,7 @@
                 </a:tc>
                 <a:extLst>
                   <a:ext uri="{0D108BD9-81ED-4DB2-BD59-A6C34878D82A}">
-                    <a16:rowId xmlns:a16="http://schemas.microsoft.com/office/drawing/2014/main" xmlns="" val="10002"/>
+                    <a16:rowId xmlns:a16="http://schemas.microsoft.com/office/drawing/2014/main" val="10002"/>
                   </a:ext>
                 </a:extLst>
               </a:tr>
@@ -37347,7 +37337,7 @@
                 </a:tc>
                 <a:extLst>
                   <a:ext uri="{0D108BD9-81ED-4DB2-BD59-A6C34878D82A}">
-                    <a16:rowId xmlns:a16="http://schemas.microsoft.com/office/drawing/2014/main" xmlns="" val="10003"/>
+                    <a16:rowId xmlns:a16="http://schemas.microsoft.com/office/drawing/2014/main" val="10003"/>
                   </a:ext>
                 </a:extLst>
               </a:tr>
@@ -37656,7 +37646,7 @@
                 </a:tc>
                 <a:extLst>
                   <a:ext uri="{0D108BD9-81ED-4DB2-BD59-A6C34878D82A}">
-                    <a16:rowId xmlns:a16="http://schemas.microsoft.com/office/drawing/2014/main" xmlns="" val="10004"/>
+                    <a16:rowId xmlns:a16="http://schemas.microsoft.com/office/drawing/2014/main" val="10004"/>
                   </a:ext>
                 </a:extLst>
               </a:tr>
@@ -37981,7 +37971,7 @@
                 </a:tc>
                 <a:extLst>
                   <a:ext uri="{0D108BD9-81ED-4DB2-BD59-A6C34878D82A}">
-                    <a16:rowId xmlns:a16="http://schemas.microsoft.com/office/drawing/2014/main" xmlns="" val="10005"/>
+                    <a16:rowId xmlns:a16="http://schemas.microsoft.com/office/drawing/2014/main" val="10005"/>
                   </a:ext>
                 </a:extLst>
               </a:tr>
@@ -38306,7 +38296,7 @@
                 </a:tc>
                 <a:extLst>
                   <a:ext uri="{0D108BD9-81ED-4DB2-BD59-A6C34878D82A}">
-                    <a16:rowId xmlns:a16="http://schemas.microsoft.com/office/drawing/2014/main" xmlns="" val="10006"/>
+                    <a16:rowId xmlns:a16="http://schemas.microsoft.com/office/drawing/2014/main" val="10006"/>
                   </a:ext>
                 </a:extLst>
               </a:tr>
@@ -38631,7 +38621,7 @@
                 </a:tc>
                 <a:extLst>
                   <a:ext uri="{0D108BD9-81ED-4DB2-BD59-A6C34878D82A}">
-                    <a16:rowId xmlns:a16="http://schemas.microsoft.com/office/drawing/2014/main" xmlns="" val="10007"/>
+                    <a16:rowId xmlns:a16="http://schemas.microsoft.com/office/drawing/2014/main" val="10007"/>
                   </a:ext>
                 </a:extLst>
               </a:tr>
@@ -38956,7 +38946,7 @@
                 </a:tc>
                 <a:extLst>
                   <a:ext uri="{0D108BD9-81ED-4DB2-BD59-A6C34878D82A}">
-                    <a16:rowId xmlns:a16="http://schemas.microsoft.com/office/drawing/2014/main" xmlns="" val="10008"/>
+                    <a16:rowId xmlns:a16="http://schemas.microsoft.com/office/drawing/2014/main" val="10008"/>
                   </a:ext>
                 </a:extLst>
               </a:tr>
@@ -39281,7 +39271,7 @@
                 </a:tc>
                 <a:extLst>
                   <a:ext uri="{0D108BD9-81ED-4DB2-BD59-A6C34878D82A}">
-                    <a16:rowId xmlns:a16="http://schemas.microsoft.com/office/drawing/2014/main" xmlns="" val="10009"/>
+                    <a16:rowId xmlns:a16="http://schemas.microsoft.com/office/drawing/2014/main" val="10009"/>
                   </a:ext>
                 </a:extLst>
               </a:tr>
@@ -39606,7 +39596,7 @@
                 </a:tc>
                 <a:extLst>
                   <a:ext uri="{0D108BD9-81ED-4DB2-BD59-A6C34878D82A}">
-                    <a16:rowId xmlns:a16="http://schemas.microsoft.com/office/drawing/2014/main" xmlns="" val="10010"/>
+                    <a16:rowId xmlns:a16="http://schemas.microsoft.com/office/drawing/2014/main" val="10010"/>
                   </a:ext>
                 </a:extLst>
               </a:tr>
@@ -39931,7 +39921,7 @@
                 </a:tc>
                 <a:extLst>
                   <a:ext uri="{0D108BD9-81ED-4DB2-BD59-A6C34878D82A}">
-                    <a16:rowId xmlns:a16="http://schemas.microsoft.com/office/drawing/2014/main" xmlns="" val="10011"/>
+                    <a16:rowId xmlns:a16="http://schemas.microsoft.com/office/drawing/2014/main" val="10011"/>
                   </a:ext>
                 </a:extLst>
               </a:tr>

--- a/各單位資料供應現況表.pptx
+++ b/各單位資料供應現況表.pptx
@@ -137,6 +137,74 @@
 </p:presentation>
 </file>
 
+<file path=ppt/changesInfos/changesInfo1.xml><?xml version="1.0" encoding="utf-8"?>
+<pc:chgInfo xmlns:a="http://schemas.openxmlformats.org/drawingml/2006/main" xmlns:r="http://schemas.openxmlformats.org/officeDocument/2006/relationships" xmlns:ac="http://schemas.microsoft.com/office/drawing/2013/main/command" xmlns:pc="http://schemas.microsoft.com/office/powerpoint/2013/main/command">
+  <pc:docChgLst>
+    <pc:chgData name="簡珮倫(Karan Chien)" userId="S::1902009@iisigroup.com::074ca67a-4f71-4edb-9ad4-a60425c5e00b" providerId="AD" clId="Web-{C44DB2E1-2FF1-D1B3-358E-4FA5B9E7A8A5}"/>
+    <pc:docChg chg="modSld">
+      <pc:chgData name="簡珮倫(Karan Chien)" userId="S::1902009@iisigroup.com::074ca67a-4f71-4edb-9ad4-a60425c5e00b" providerId="AD" clId="Web-{C44DB2E1-2FF1-D1B3-358E-4FA5B9E7A8A5}" dt="2019-06-28T02:09:57.614" v="7"/>
+      <pc:docMkLst>
+        <pc:docMk/>
+      </pc:docMkLst>
+      <pc:sldChg chg="modSp">
+        <pc:chgData name="簡珮倫(Karan Chien)" userId="S::1902009@iisigroup.com::074ca67a-4f71-4edb-9ad4-a60425c5e00b" providerId="AD" clId="Web-{C44DB2E1-2FF1-D1B3-358E-4FA5B9E7A8A5}" dt="2019-06-28T02:09:40.583" v="3"/>
+        <pc:sldMkLst>
+          <pc:docMk/>
+          <pc:sldMk cId="2987076929" sldId="258"/>
+        </pc:sldMkLst>
+        <pc:graphicFrameChg chg="mod modGraphic">
+          <ac:chgData name="簡珮倫(Karan Chien)" userId="S::1902009@iisigroup.com::074ca67a-4f71-4edb-9ad4-a60425c5e00b" providerId="AD" clId="Web-{C44DB2E1-2FF1-D1B3-358E-4FA5B9E7A8A5}" dt="2019-06-28T02:09:40.583" v="3"/>
+          <ac:graphicFrameMkLst>
+            <pc:docMk/>
+            <pc:sldMk cId="2987076929" sldId="258"/>
+            <ac:graphicFrameMk id="2" creationId="{00000000-0000-0000-0000-000000000000}"/>
+          </ac:graphicFrameMkLst>
+        </pc:graphicFrameChg>
+      </pc:sldChg>
+      <pc:sldChg chg="modSp">
+        <pc:chgData name="簡珮倫(Karan Chien)" userId="S::1902009@iisigroup.com::074ca67a-4f71-4edb-9ad4-a60425c5e00b" providerId="AD" clId="Web-{C44DB2E1-2FF1-D1B3-358E-4FA5B9E7A8A5}" dt="2019-06-28T02:09:57.614" v="7"/>
+        <pc:sldMkLst>
+          <pc:docMk/>
+          <pc:sldMk cId="1491709353" sldId="259"/>
+        </pc:sldMkLst>
+        <pc:graphicFrameChg chg="mod modGraphic">
+          <ac:chgData name="簡珮倫(Karan Chien)" userId="S::1902009@iisigroup.com::074ca67a-4f71-4edb-9ad4-a60425c5e00b" providerId="AD" clId="Web-{C44DB2E1-2FF1-D1B3-358E-4FA5B9E7A8A5}" dt="2019-06-28T02:09:57.614" v="7"/>
+          <ac:graphicFrameMkLst>
+            <pc:docMk/>
+            <pc:sldMk cId="1491709353" sldId="259"/>
+            <ac:graphicFrameMk id="8" creationId="{00000000-0000-0000-0000-000000000000}"/>
+          </ac:graphicFrameMkLst>
+        </pc:graphicFrameChg>
+      </pc:sldChg>
+    </pc:docChg>
+  </pc:docChgLst>
+  <pc:docChgLst>
+    <pc:chgData name="王翊芬(Fenny Wang)" userId="S::1609011@iisigroup.com::dc56562d-6eef-4f41-a3a4-cbfdb18cf492" providerId="AD" clId="Web-{05A95F08-E799-36AD-57BB-822EA5304121}"/>
+    <pc:docChg chg="modSld">
+      <pc:chgData name="王翊芬(Fenny Wang)" userId="S::1609011@iisigroup.com::dc56562d-6eef-4f41-a3a4-cbfdb18cf492" providerId="AD" clId="Web-{05A95F08-E799-36AD-57BB-822EA5304121}" dt="2019-03-03T13:08:52.830" v="0" actId="1076"/>
+      <pc:docMkLst>
+        <pc:docMk/>
+      </pc:docMkLst>
+      <pc:sldChg chg="modSp">
+        <pc:chgData name="王翊芬(Fenny Wang)" userId="S::1609011@iisigroup.com::dc56562d-6eef-4f41-a3a4-cbfdb18cf492" providerId="AD" clId="Web-{05A95F08-E799-36AD-57BB-822EA5304121}" dt="2019-03-03T13:08:52.830" v="0" actId="1076"/>
+        <pc:sldMkLst>
+          <pc:docMk/>
+          <pc:sldMk cId="1346664182" sldId="262"/>
+        </pc:sldMkLst>
+        <pc:graphicFrameChg chg="mod">
+          <ac:chgData name="王翊芬(Fenny Wang)" userId="S::1609011@iisigroup.com::dc56562d-6eef-4f41-a3a4-cbfdb18cf492" providerId="AD" clId="Web-{05A95F08-E799-36AD-57BB-822EA5304121}" dt="2019-03-03T13:08:52.830" v="0" actId="1076"/>
+          <ac:graphicFrameMkLst>
+            <pc:docMk/>
+            <pc:sldMk cId="1346664182" sldId="262"/>
+            <ac:graphicFrameMk id="10" creationId="{00000000-0000-0000-0000-000000000000}"/>
+          </ac:graphicFrameMkLst>
+        </pc:graphicFrameChg>
+      </pc:sldChg>
+    </pc:docChg>
+  </pc:docChgLst>
+</pc:chgInfo>
+</file>
+
 <file path=ppt/handoutMasters/handoutMaster1.xml><?xml version="1.0" encoding="utf-8"?>
 <p:handoutMaster xmlns:a="http://schemas.openxmlformats.org/drawingml/2006/main" xmlns:r="http://schemas.openxmlformats.org/officeDocument/2006/relationships" xmlns:p="http://schemas.openxmlformats.org/presentationml/2006/main">
   <p:cSld>
@@ -219,7 +287,7 @@
           <a:p>
             <a:fld id="{AC1AE0A4-47EE-4CE1-A88C-8E719F35BFA0}" type="datetimeFigureOut">
               <a:rPr lang="zh-TW" altLang="en-US" smtClean="0"/>
-              <a:t>2019/6/27</a:t>
+              <a:t>2019/9/2</a:t>
             </a:fld>
             <a:endParaRPr lang="zh-TW" altLang="en-US"/>
           </a:p>
@@ -384,7 +452,7 @@
           <a:p>
             <a:fld id="{92A7EAFB-AA00-4957-A793-D83734C20EF1}" type="datetimeFigureOut">
               <a:rPr lang="zh-TW" altLang="en-US" smtClean="0"/>
-              <a:t>2019/6/27</a:t>
+              <a:t>2019/9/2</a:t>
             </a:fld>
             <a:endParaRPr lang="zh-TW" altLang="en-US"/>
           </a:p>
@@ -2456,14 +2524,14 @@
               <a:t>更新時間</a:t>
             </a:r>
             <a:r>
-              <a:rPr lang="en-US" altLang="zh-TW" sz="1600" b="1" dirty="0">
+              <a:rPr lang="en-US" altLang="zh-TW" sz="1600" b="1" dirty="0" smtClean="0">
                 <a:solidFill>
                   <a:srgbClr val="C00000"/>
                 </a:solidFill>
                 <a:latin typeface="微軟正黑體" panose="020B0604030504040204" pitchFamily="34" charset="-120"/>
                 <a:ea typeface="微軟正黑體" panose="020B0604030504040204" pitchFamily="34" charset="-120"/>
               </a:rPr>
-              <a:t>2019/06/24)</a:t>
+              <a:t>2019/09/02)</a:t>
             </a:r>
             <a:endParaRPr lang="zh-TW" altLang="en-US" sz="1600" b="1" dirty="0">
               <a:solidFill>
@@ -5317,140 +5385,140 @@
                 <a:gridCol w="826601">
                   <a:extLst>
                     <a:ext uri="{9D8B030D-6E8A-4147-A177-3AD203B41FA5}">
-                      <a16:colId xmlns:a16="http://schemas.microsoft.com/office/drawing/2014/main" val="20003"/>
+                      <a16:colId xmlns:a16="http://schemas.microsoft.com/office/drawing/2014/main" xmlns="" val="20003"/>
                     </a:ext>
                   </a:extLst>
                 </a:gridCol>
                 <a:gridCol w="510169">
                   <a:extLst>
                     <a:ext uri="{9D8B030D-6E8A-4147-A177-3AD203B41FA5}">
-                      <a16:colId xmlns:a16="http://schemas.microsoft.com/office/drawing/2014/main" val="20004"/>
+                      <a16:colId xmlns:a16="http://schemas.microsoft.com/office/drawing/2014/main" xmlns="" val="20004"/>
                     </a:ext>
                   </a:extLst>
                 </a:gridCol>
                 <a:gridCol w="510169">
                   <a:extLst>
                     <a:ext uri="{9D8B030D-6E8A-4147-A177-3AD203B41FA5}">
-                      <a16:colId xmlns:a16="http://schemas.microsoft.com/office/drawing/2014/main" val="20005"/>
+                      <a16:colId xmlns:a16="http://schemas.microsoft.com/office/drawing/2014/main" xmlns="" val="20005"/>
                     </a:ext>
                   </a:extLst>
                 </a:gridCol>
                 <a:gridCol w="510169">
                   <a:extLst>
                     <a:ext uri="{9D8B030D-6E8A-4147-A177-3AD203B41FA5}">
-                      <a16:colId xmlns:a16="http://schemas.microsoft.com/office/drawing/2014/main" val="20006"/>
+                      <a16:colId xmlns:a16="http://schemas.microsoft.com/office/drawing/2014/main" xmlns="" val="20006"/>
                     </a:ext>
                   </a:extLst>
                 </a:gridCol>
                 <a:gridCol w="510169">
                   <a:extLst>
                     <a:ext uri="{9D8B030D-6E8A-4147-A177-3AD203B41FA5}">
-                      <a16:colId xmlns:a16="http://schemas.microsoft.com/office/drawing/2014/main" val="3408207861"/>
+                      <a16:colId xmlns:a16="http://schemas.microsoft.com/office/drawing/2014/main" xmlns="" val="3408207861"/>
                     </a:ext>
                   </a:extLst>
                 </a:gridCol>
                 <a:gridCol w="510169">
                   <a:extLst>
                     <a:ext uri="{9D8B030D-6E8A-4147-A177-3AD203B41FA5}">
-                      <a16:colId xmlns:a16="http://schemas.microsoft.com/office/drawing/2014/main" val="2229076538"/>
+                      <a16:colId xmlns:a16="http://schemas.microsoft.com/office/drawing/2014/main" xmlns="" val="2229076538"/>
                     </a:ext>
                   </a:extLst>
                 </a:gridCol>
                 <a:gridCol w="510169">
                   <a:extLst>
                     <a:ext uri="{9D8B030D-6E8A-4147-A177-3AD203B41FA5}">
-                      <a16:colId xmlns:a16="http://schemas.microsoft.com/office/drawing/2014/main" val="3678966610"/>
+                      <a16:colId xmlns:a16="http://schemas.microsoft.com/office/drawing/2014/main" xmlns="" val="3678966610"/>
                     </a:ext>
                   </a:extLst>
                 </a:gridCol>
                 <a:gridCol w="510169">
                   <a:extLst>
                     <a:ext uri="{9D8B030D-6E8A-4147-A177-3AD203B41FA5}">
-                      <a16:colId xmlns:a16="http://schemas.microsoft.com/office/drawing/2014/main" val="20007"/>
+                      <a16:colId xmlns:a16="http://schemas.microsoft.com/office/drawing/2014/main" xmlns="" val="20007"/>
                     </a:ext>
                   </a:extLst>
                 </a:gridCol>
                 <a:gridCol w="510169">
                   <a:extLst>
                     <a:ext uri="{9D8B030D-6E8A-4147-A177-3AD203B41FA5}">
-                      <a16:colId xmlns:a16="http://schemas.microsoft.com/office/drawing/2014/main" val="20008"/>
+                      <a16:colId xmlns:a16="http://schemas.microsoft.com/office/drawing/2014/main" xmlns="" val="20008"/>
                     </a:ext>
                   </a:extLst>
                 </a:gridCol>
                 <a:gridCol w="510169">
                   <a:extLst>
                     <a:ext uri="{9D8B030D-6E8A-4147-A177-3AD203B41FA5}">
-                      <a16:colId xmlns:a16="http://schemas.microsoft.com/office/drawing/2014/main" val="3280403588"/>
+                      <a16:colId xmlns:a16="http://schemas.microsoft.com/office/drawing/2014/main" xmlns="" val="3280403588"/>
                     </a:ext>
                   </a:extLst>
                 </a:gridCol>
                 <a:gridCol w="510169">
                   <a:extLst>
                     <a:ext uri="{9D8B030D-6E8A-4147-A177-3AD203B41FA5}">
-                      <a16:colId xmlns:a16="http://schemas.microsoft.com/office/drawing/2014/main" val="3626256232"/>
+                      <a16:colId xmlns:a16="http://schemas.microsoft.com/office/drawing/2014/main" xmlns="" val="3626256232"/>
                     </a:ext>
                   </a:extLst>
                 </a:gridCol>
                 <a:gridCol w="510169">
                   <a:extLst>
                     <a:ext uri="{9D8B030D-6E8A-4147-A177-3AD203B41FA5}">
-                      <a16:colId xmlns:a16="http://schemas.microsoft.com/office/drawing/2014/main" val="1479022265"/>
+                      <a16:colId xmlns:a16="http://schemas.microsoft.com/office/drawing/2014/main" xmlns="" val="1479022265"/>
                     </a:ext>
                   </a:extLst>
                 </a:gridCol>
                 <a:gridCol w="510169">
                   <a:extLst>
                     <a:ext uri="{9D8B030D-6E8A-4147-A177-3AD203B41FA5}">
-                      <a16:colId xmlns:a16="http://schemas.microsoft.com/office/drawing/2014/main" val="29243554"/>
+                      <a16:colId xmlns:a16="http://schemas.microsoft.com/office/drawing/2014/main" xmlns="" val="29243554"/>
                     </a:ext>
                   </a:extLst>
                 </a:gridCol>
                 <a:gridCol w="510169">
                   <a:extLst>
                     <a:ext uri="{9D8B030D-6E8A-4147-A177-3AD203B41FA5}">
-                      <a16:colId xmlns:a16="http://schemas.microsoft.com/office/drawing/2014/main" val="1436252718"/>
+                      <a16:colId xmlns:a16="http://schemas.microsoft.com/office/drawing/2014/main" xmlns="" val="1436252718"/>
                     </a:ext>
                   </a:extLst>
                 </a:gridCol>
                 <a:gridCol w="510169">
                   <a:extLst>
                     <a:ext uri="{9D8B030D-6E8A-4147-A177-3AD203B41FA5}">
-                      <a16:colId xmlns:a16="http://schemas.microsoft.com/office/drawing/2014/main" val="20013"/>
+                      <a16:colId xmlns:a16="http://schemas.microsoft.com/office/drawing/2014/main" xmlns="" val="20013"/>
                     </a:ext>
                   </a:extLst>
                 </a:gridCol>
                 <a:gridCol w="510169">
                   <a:extLst>
                     <a:ext uri="{9D8B030D-6E8A-4147-A177-3AD203B41FA5}">
-                      <a16:colId xmlns:a16="http://schemas.microsoft.com/office/drawing/2014/main" val="2227699668"/>
+                      <a16:colId xmlns:a16="http://schemas.microsoft.com/office/drawing/2014/main" xmlns="" val="2227699668"/>
                     </a:ext>
                   </a:extLst>
                 </a:gridCol>
                 <a:gridCol w="510170">
                   <a:extLst>
                     <a:ext uri="{9D8B030D-6E8A-4147-A177-3AD203B41FA5}">
-                      <a16:colId xmlns:a16="http://schemas.microsoft.com/office/drawing/2014/main" val="3451906251"/>
+                      <a16:colId xmlns:a16="http://schemas.microsoft.com/office/drawing/2014/main" xmlns="" val="3451906251"/>
                     </a:ext>
                   </a:extLst>
                 </a:gridCol>
                 <a:gridCol w="510169">
                   <a:extLst>
                     <a:ext uri="{9D8B030D-6E8A-4147-A177-3AD203B41FA5}">
-                      <a16:colId xmlns:a16="http://schemas.microsoft.com/office/drawing/2014/main" val="660092051"/>
+                      <a16:colId xmlns:a16="http://schemas.microsoft.com/office/drawing/2014/main" xmlns="" val="660092051"/>
                     </a:ext>
                   </a:extLst>
                 </a:gridCol>
                 <a:gridCol w="510169">
                   <a:extLst>
                     <a:ext uri="{9D8B030D-6E8A-4147-A177-3AD203B41FA5}">
-                      <a16:colId xmlns:a16="http://schemas.microsoft.com/office/drawing/2014/main" val="2785807340"/>
+                      <a16:colId xmlns:a16="http://schemas.microsoft.com/office/drawing/2014/main" xmlns="" val="2785807340"/>
                     </a:ext>
                   </a:extLst>
                 </a:gridCol>
                 <a:gridCol w="510169">
                   <a:extLst>
                     <a:ext uri="{9D8B030D-6E8A-4147-A177-3AD203B41FA5}">
-                      <a16:colId xmlns:a16="http://schemas.microsoft.com/office/drawing/2014/main" val="20019"/>
+                      <a16:colId xmlns:a16="http://schemas.microsoft.com/office/drawing/2014/main" xmlns="" val="20019"/>
                     </a:ext>
                   </a:extLst>
                 </a:gridCol>
@@ -5713,7 +5781,7 @@
                 </a:tc>
                 <a:extLst>
                   <a:ext uri="{0D108BD9-81ED-4DB2-BD59-A6C34878D82A}">
-                    <a16:rowId xmlns:a16="http://schemas.microsoft.com/office/drawing/2014/main" val="4157930470"/>
+                    <a16:rowId xmlns:a16="http://schemas.microsoft.com/office/drawing/2014/main" xmlns="" val="4157930470"/>
                   </a:ext>
                 </a:extLst>
               </a:tr>
@@ -6212,7 +6280,7 @@
                 </a:tc>
                 <a:extLst>
                   <a:ext uri="{0D108BD9-81ED-4DB2-BD59-A6C34878D82A}">
-                    <a16:rowId xmlns:a16="http://schemas.microsoft.com/office/drawing/2014/main" val="10000"/>
+                    <a16:rowId xmlns:a16="http://schemas.microsoft.com/office/drawing/2014/main" xmlns="" val="10000"/>
                   </a:ext>
                 </a:extLst>
               </a:tr>
@@ -6614,7 +6682,7 @@
                 </a:tc>
                 <a:extLst>
                   <a:ext uri="{0D108BD9-81ED-4DB2-BD59-A6C34878D82A}">
-                    <a16:rowId xmlns:a16="http://schemas.microsoft.com/office/drawing/2014/main" val="10002"/>
+                    <a16:rowId xmlns:a16="http://schemas.microsoft.com/office/drawing/2014/main" xmlns="" val="10002"/>
                   </a:ext>
                 </a:extLst>
               </a:tr>
@@ -7207,7 +7275,7 @@
                 </a:tc>
                 <a:extLst>
                   <a:ext uri="{0D108BD9-81ED-4DB2-BD59-A6C34878D82A}">
-                    <a16:rowId xmlns:a16="http://schemas.microsoft.com/office/drawing/2014/main" val="3675162025"/>
+                    <a16:rowId xmlns:a16="http://schemas.microsoft.com/office/drawing/2014/main" xmlns="" val="3675162025"/>
                   </a:ext>
                 </a:extLst>
               </a:tr>
@@ -7832,7 +7900,7 @@
                 </a:tc>
                 <a:extLst>
                   <a:ext uri="{0D108BD9-81ED-4DB2-BD59-A6C34878D82A}">
-                    <a16:rowId xmlns:a16="http://schemas.microsoft.com/office/drawing/2014/main" val="3832608764"/>
+                    <a16:rowId xmlns:a16="http://schemas.microsoft.com/office/drawing/2014/main" xmlns="" val="3832608764"/>
                   </a:ext>
                 </a:extLst>
               </a:tr>
@@ -8347,7 +8415,7 @@
                 </a:tc>
                 <a:extLst>
                   <a:ext uri="{0D108BD9-81ED-4DB2-BD59-A6C34878D82A}">
-                    <a16:rowId xmlns:a16="http://schemas.microsoft.com/office/drawing/2014/main" val="2613742521"/>
+                    <a16:rowId xmlns:a16="http://schemas.microsoft.com/office/drawing/2014/main" xmlns="" val="2613742521"/>
                   </a:ext>
                 </a:extLst>
               </a:tr>
@@ -8862,7 +8930,7 @@
                 </a:tc>
                 <a:extLst>
                   <a:ext uri="{0D108BD9-81ED-4DB2-BD59-A6C34878D82A}">
-                    <a16:rowId xmlns:a16="http://schemas.microsoft.com/office/drawing/2014/main" val="1381442428"/>
+                    <a16:rowId xmlns:a16="http://schemas.microsoft.com/office/drawing/2014/main" xmlns="" val="1381442428"/>
                   </a:ext>
                 </a:extLst>
               </a:tr>
@@ -9456,7 +9524,7 @@
                 </a:tc>
                 <a:extLst>
                   <a:ext uri="{0D108BD9-81ED-4DB2-BD59-A6C34878D82A}">
-                    <a16:rowId xmlns:a16="http://schemas.microsoft.com/office/drawing/2014/main" val="4102929731"/>
+                    <a16:rowId xmlns:a16="http://schemas.microsoft.com/office/drawing/2014/main" xmlns="" val="4102929731"/>
                   </a:ext>
                 </a:extLst>
               </a:tr>
@@ -9984,7 +10052,7 @@
                 </a:tc>
                 <a:extLst>
                   <a:ext uri="{0D108BD9-81ED-4DB2-BD59-A6C34878D82A}">
-                    <a16:rowId xmlns:a16="http://schemas.microsoft.com/office/drawing/2014/main" val="2526977750"/>
+                    <a16:rowId xmlns:a16="http://schemas.microsoft.com/office/drawing/2014/main" xmlns="" val="2526977750"/>
                   </a:ext>
                 </a:extLst>
               </a:tr>
@@ -10540,7 +10608,7 @@
                 </a:tc>
                 <a:extLst>
                   <a:ext uri="{0D108BD9-81ED-4DB2-BD59-A6C34878D82A}">
-                    <a16:rowId xmlns:a16="http://schemas.microsoft.com/office/drawing/2014/main" val="10001"/>
+                    <a16:rowId xmlns:a16="http://schemas.microsoft.com/office/drawing/2014/main" xmlns="" val="10001"/>
                   </a:ext>
                 </a:extLst>
               </a:tr>
@@ -11094,7 +11162,7 @@
                 </a:tc>
                 <a:extLst>
                   <a:ext uri="{0D108BD9-81ED-4DB2-BD59-A6C34878D82A}">
-                    <a16:rowId xmlns:a16="http://schemas.microsoft.com/office/drawing/2014/main" val="10006"/>
+                    <a16:rowId xmlns:a16="http://schemas.microsoft.com/office/drawing/2014/main" xmlns="" val="10006"/>
                   </a:ext>
                 </a:extLst>
               </a:tr>
@@ -11648,7 +11716,7 @@
                 </a:tc>
                 <a:extLst>
                   <a:ext uri="{0D108BD9-81ED-4DB2-BD59-A6C34878D82A}">
-                    <a16:rowId xmlns:a16="http://schemas.microsoft.com/office/drawing/2014/main" val="10007"/>
+                    <a16:rowId xmlns:a16="http://schemas.microsoft.com/office/drawing/2014/main" xmlns="" val="10007"/>
                   </a:ext>
                 </a:extLst>
               </a:tr>
@@ -12202,7 +12270,7 @@
                 </a:tc>
                 <a:extLst>
                   <a:ext uri="{0D108BD9-81ED-4DB2-BD59-A6C34878D82A}">
-                    <a16:rowId xmlns:a16="http://schemas.microsoft.com/office/drawing/2014/main" val="10008"/>
+                    <a16:rowId xmlns:a16="http://schemas.microsoft.com/office/drawing/2014/main" xmlns="" val="10008"/>
                   </a:ext>
                 </a:extLst>
               </a:tr>
@@ -12758,7 +12826,7 @@
                 </a:tc>
                 <a:extLst>
                   <a:ext uri="{0D108BD9-81ED-4DB2-BD59-A6C34878D82A}">
-                    <a16:rowId xmlns:a16="http://schemas.microsoft.com/office/drawing/2014/main" val="10010"/>
+                    <a16:rowId xmlns:a16="http://schemas.microsoft.com/office/drawing/2014/main" xmlns="" val="10010"/>
                   </a:ext>
                 </a:extLst>
               </a:tr>
@@ -13309,7 +13377,7 @@
                 </a:tc>
                 <a:extLst>
                   <a:ext uri="{0D108BD9-81ED-4DB2-BD59-A6C34878D82A}">
-                    <a16:rowId xmlns:a16="http://schemas.microsoft.com/office/drawing/2014/main" val="1396562496"/>
+                    <a16:rowId xmlns:a16="http://schemas.microsoft.com/office/drawing/2014/main" xmlns="" val="1396562496"/>
                   </a:ext>
                 </a:extLst>
               </a:tr>
@@ -13896,140 +13964,140 @@
                 <a:gridCol w="901444">
                   <a:extLst>
                     <a:ext uri="{9D8B030D-6E8A-4147-A177-3AD203B41FA5}">
-                      <a16:colId xmlns:a16="http://schemas.microsoft.com/office/drawing/2014/main" val="20003"/>
+                      <a16:colId xmlns:a16="http://schemas.microsoft.com/office/drawing/2014/main" xmlns="" val="20003"/>
                     </a:ext>
                   </a:extLst>
                 </a:gridCol>
                 <a:gridCol w="501772">
                   <a:extLst>
                     <a:ext uri="{9D8B030D-6E8A-4147-A177-3AD203B41FA5}">
-                      <a16:colId xmlns:a16="http://schemas.microsoft.com/office/drawing/2014/main" val="20004"/>
+                      <a16:colId xmlns:a16="http://schemas.microsoft.com/office/drawing/2014/main" xmlns="" val="20004"/>
                     </a:ext>
                   </a:extLst>
                 </a:gridCol>
                 <a:gridCol w="501772">
                   <a:extLst>
                     <a:ext uri="{9D8B030D-6E8A-4147-A177-3AD203B41FA5}">
-                      <a16:colId xmlns:a16="http://schemas.microsoft.com/office/drawing/2014/main" val="20005"/>
+                      <a16:colId xmlns:a16="http://schemas.microsoft.com/office/drawing/2014/main" xmlns="" val="20005"/>
                     </a:ext>
                   </a:extLst>
                 </a:gridCol>
                 <a:gridCol w="501772">
                   <a:extLst>
                     <a:ext uri="{9D8B030D-6E8A-4147-A177-3AD203B41FA5}">
-                      <a16:colId xmlns:a16="http://schemas.microsoft.com/office/drawing/2014/main" val="20006"/>
+                      <a16:colId xmlns:a16="http://schemas.microsoft.com/office/drawing/2014/main" xmlns="" val="20006"/>
                     </a:ext>
                   </a:extLst>
                 </a:gridCol>
                 <a:gridCol w="501772">
                   <a:extLst>
                     <a:ext uri="{9D8B030D-6E8A-4147-A177-3AD203B41FA5}">
-                      <a16:colId xmlns:a16="http://schemas.microsoft.com/office/drawing/2014/main" val="3428608293"/>
+                      <a16:colId xmlns:a16="http://schemas.microsoft.com/office/drawing/2014/main" xmlns="" val="3428608293"/>
                     </a:ext>
                   </a:extLst>
                 </a:gridCol>
                 <a:gridCol w="501772">
                   <a:extLst>
                     <a:ext uri="{9D8B030D-6E8A-4147-A177-3AD203B41FA5}">
-                      <a16:colId xmlns:a16="http://schemas.microsoft.com/office/drawing/2014/main" val="2688910496"/>
+                      <a16:colId xmlns:a16="http://schemas.microsoft.com/office/drawing/2014/main" xmlns="" val="2688910496"/>
                     </a:ext>
                   </a:extLst>
                 </a:gridCol>
                 <a:gridCol w="501772">
                   <a:extLst>
                     <a:ext uri="{9D8B030D-6E8A-4147-A177-3AD203B41FA5}">
-                      <a16:colId xmlns:a16="http://schemas.microsoft.com/office/drawing/2014/main" val="3678966610"/>
+                      <a16:colId xmlns:a16="http://schemas.microsoft.com/office/drawing/2014/main" xmlns="" val="3678966610"/>
                     </a:ext>
                   </a:extLst>
                 </a:gridCol>
                 <a:gridCol w="501772">
                   <a:extLst>
                     <a:ext uri="{9D8B030D-6E8A-4147-A177-3AD203B41FA5}">
-                      <a16:colId xmlns:a16="http://schemas.microsoft.com/office/drawing/2014/main" val="20007"/>
+                      <a16:colId xmlns:a16="http://schemas.microsoft.com/office/drawing/2014/main" xmlns="" val="20007"/>
                     </a:ext>
                   </a:extLst>
                 </a:gridCol>
                 <a:gridCol w="501772">
                   <a:extLst>
                     <a:ext uri="{9D8B030D-6E8A-4147-A177-3AD203B41FA5}">
-                      <a16:colId xmlns:a16="http://schemas.microsoft.com/office/drawing/2014/main" val="20008"/>
+                      <a16:colId xmlns:a16="http://schemas.microsoft.com/office/drawing/2014/main" xmlns="" val="20008"/>
                     </a:ext>
                   </a:extLst>
                 </a:gridCol>
                 <a:gridCol w="501772">
                   <a:extLst>
                     <a:ext uri="{9D8B030D-6E8A-4147-A177-3AD203B41FA5}">
-                      <a16:colId xmlns:a16="http://schemas.microsoft.com/office/drawing/2014/main" val="3609824002"/>
+                      <a16:colId xmlns:a16="http://schemas.microsoft.com/office/drawing/2014/main" xmlns="" val="3609824002"/>
                     </a:ext>
                   </a:extLst>
                 </a:gridCol>
                 <a:gridCol w="501772">
                   <a:extLst>
                     <a:ext uri="{9D8B030D-6E8A-4147-A177-3AD203B41FA5}">
-                      <a16:colId xmlns:a16="http://schemas.microsoft.com/office/drawing/2014/main" val="1419103565"/>
+                      <a16:colId xmlns:a16="http://schemas.microsoft.com/office/drawing/2014/main" xmlns="" val="1419103565"/>
                     </a:ext>
                   </a:extLst>
                 </a:gridCol>
                 <a:gridCol w="501772">
                   <a:extLst>
                     <a:ext uri="{9D8B030D-6E8A-4147-A177-3AD203B41FA5}">
-                      <a16:colId xmlns:a16="http://schemas.microsoft.com/office/drawing/2014/main" val="2051610090"/>
+                      <a16:colId xmlns:a16="http://schemas.microsoft.com/office/drawing/2014/main" xmlns="" val="2051610090"/>
                     </a:ext>
                   </a:extLst>
                 </a:gridCol>
                 <a:gridCol w="501772">
                   <a:extLst>
                     <a:ext uri="{9D8B030D-6E8A-4147-A177-3AD203B41FA5}">
-                      <a16:colId xmlns:a16="http://schemas.microsoft.com/office/drawing/2014/main" val="29243554"/>
+                      <a16:colId xmlns:a16="http://schemas.microsoft.com/office/drawing/2014/main" xmlns="" val="29243554"/>
                     </a:ext>
                   </a:extLst>
                 </a:gridCol>
                 <a:gridCol w="501772">
                   <a:extLst>
                     <a:ext uri="{9D8B030D-6E8A-4147-A177-3AD203B41FA5}">
-                      <a16:colId xmlns:a16="http://schemas.microsoft.com/office/drawing/2014/main" val="1436252718"/>
+                      <a16:colId xmlns:a16="http://schemas.microsoft.com/office/drawing/2014/main" xmlns="" val="1436252718"/>
                     </a:ext>
                   </a:extLst>
                 </a:gridCol>
                 <a:gridCol w="501772">
                   <a:extLst>
                     <a:ext uri="{9D8B030D-6E8A-4147-A177-3AD203B41FA5}">
-                      <a16:colId xmlns:a16="http://schemas.microsoft.com/office/drawing/2014/main" val="963690119"/>
+                      <a16:colId xmlns:a16="http://schemas.microsoft.com/office/drawing/2014/main" xmlns="" val="963690119"/>
                     </a:ext>
                   </a:extLst>
                 </a:gridCol>
                 <a:gridCol w="501772">
                   <a:extLst>
                     <a:ext uri="{9D8B030D-6E8A-4147-A177-3AD203B41FA5}">
-                      <a16:colId xmlns:a16="http://schemas.microsoft.com/office/drawing/2014/main" val="2227699668"/>
+                      <a16:colId xmlns:a16="http://schemas.microsoft.com/office/drawing/2014/main" xmlns="" val="2227699668"/>
                     </a:ext>
                   </a:extLst>
                 </a:gridCol>
                 <a:gridCol w="501772">
                   <a:extLst>
                     <a:ext uri="{9D8B030D-6E8A-4147-A177-3AD203B41FA5}">
-                      <a16:colId xmlns:a16="http://schemas.microsoft.com/office/drawing/2014/main" val="1987638318"/>
+                      <a16:colId xmlns:a16="http://schemas.microsoft.com/office/drawing/2014/main" xmlns="" val="1987638318"/>
                     </a:ext>
                   </a:extLst>
                 </a:gridCol>
                 <a:gridCol w="501772">
                   <a:extLst>
                     <a:ext uri="{9D8B030D-6E8A-4147-A177-3AD203B41FA5}">
-                      <a16:colId xmlns:a16="http://schemas.microsoft.com/office/drawing/2014/main" val="1636838614"/>
+                      <a16:colId xmlns:a16="http://schemas.microsoft.com/office/drawing/2014/main" xmlns="" val="1636838614"/>
                     </a:ext>
                   </a:extLst>
                 </a:gridCol>
                 <a:gridCol w="501772">
                   <a:extLst>
                     <a:ext uri="{9D8B030D-6E8A-4147-A177-3AD203B41FA5}">
-                      <a16:colId xmlns:a16="http://schemas.microsoft.com/office/drawing/2014/main" val="1332406281"/>
+                      <a16:colId xmlns:a16="http://schemas.microsoft.com/office/drawing/2014/main" xmlns="" val="1332406281"/>
                     </a:ext>
                   </a:extLst>
                 </a:gridCol>
                 <a:gridCol w="501772">
                   <a:extLst>
                     <a:ext uri="{9D8B030D-6E8A-4147-A177-3AD203B41FA5}">
-                      <a16:colId xmlns:a16="http://schemas.microsoft.com/office/drawing/2014/main" val="20019"/>
+                      <a16:colId xmlns:a16="http://schemas.microsoft.com/office/drawing/2014/main" xmlns="" val="20019"/>
                     </a:ext>
                   </a:extLst>
                 </a:gridCol>
@@ -14296,7 +14364,7 @@
                 </a:tc>
                 <a:extLst>
                   <a:ext uri="{0D108BD9-81ED-4DB2-BD59-A6C34878D82A}">
-                    <a16:rowId xmlns:a16="http://schemas.microsoft.com/office/drawing/2014/main" val="4157930470"/>
+                    <a16:rowId xmlns:a16="http://schemas.microsoft.com/office/drawing/2014/main" xmlns="" val="4157930470"/>
                   </a:ext>
                 </a:extLst>
               </a:tr>
@@ -14829,7 +14897,7 @@
                 </a:tc>
                 <a:extLst>
                   <a:ext uri="{0D108BD9-81ED-4DB2-BD59-A6C34878D82A}">
-                    <a16:rowId xmlns:a16="http://schemas.microsoft.com/office/drawing/2014/main" val="10000"/>
+                    <a16:rowId xmlns:a16="http://schemas.microsoft.com/office/drawing/2014/main" xmlns="" val="10000"/>
                   </a:ext>
                 </a:extLst>
               </a:tr>
@@ -15131,7 +15199,7 @@
                 </a:tc>
                 <a:extLst>
                   <a:ext uri="{0D108BD9-81ED-4DB2-BD59-A6C34878D82A}">
-                    <a16:rowId xmlns:a16="http://schemas.microsoft.com/office/drawing/2014/main" val="10005"/>
+                    <a16:rowId xmlns:a16="http://schemas.microsoft.com/office/drawing/2014/main" xmlns="" val="10005"/>
                   </a:ext>
                 </a:extLst>
               </a:tr>
@@ -15668,7 +15736,7 @@
                 </a:tc>
                 <a:extLst>
                   <a:ext uri="{0D108BD9-81ED-4DB2-BD59-A6C34878D82A}">
-                    <a16:rowId xmlns:a16="http://schemas.microsoft.com/office/drawing/2014/main" val="10002"/>
+                    <a16:rowId xmlns:a16="http://schemas.microsoft.com/office/drawing/2014/main" xmlns="" val="10002"/>
                   </a:ext>
                 </a:extLst>
               </a:tr>
@@ -16205,7 +16273,7 @@
                 </a:tc>
                 <a:extLst>
                   <a:ext uri="{0D108BD9-81ED-4DB2-BD59-A6C34878D82A}">
-                    <a16:rowId xmlns:a16="http://schemas.microsoft.com/office/drawing/2014/main" val="10003"/>
+                    <a16:rowId xmlns:a16="http://schemas.microsoft.com/office/drawing/2014/main" xmlns="" val="10003"/>
                   </a:ext>
                 </a:extLst>
               </a:tr>
@@ -16742,7 +16810,7 @@
                 </a:tc>
                 <a:extLst>
                   <a:ext uri="{0D108BD9-81ED-4DB2-BD59-A6C34878D82A}">
-                    <a16:rowId xmlns:a16="http://schemas.microsoft.com/office/drawing/2014/main" val="10004"/>
+                    <a16:rowId xmlns:a16="http://schemas.microsoft.com/office/drawing/2014/main" xmlns="" val="10004"/>
                   </a:ext>
                 </a:extLst>
               </a:tr>
@@ -17279,7 +17347,7 @@
                 </a:tc>
                 <a:extLst>
                   <a:ext uri="{0D108BD9-81ED-4DB2-BD59-A6C34878D82A}">
-                    <a16:rowId xmlns:a16="http://schemas.microsoft.com/office/drawing/2014/main" val="10007"/>
+                    <a16:rowId xmlns:a16="http://schemas.microsoft.com/office/drawing/2014/main" xmlns="" val="10007"/>
                   </a:ext>
                 </a:extLst>
               </a:tr>
@@ -17816,7 +17884,7 @@
                 </a:tc>
                 <a:extLst>
                   <a:ext uri="{0D108BD9-81ED-4DB2-BD59-A6C34878D82A}">
-                    <a16:rowId xmlns:a16="http://schemas.microsoft.com/office/drawing/2014/main" val="10008"/>
+                    <a16:rowId xmlns:a16="http://schemas.microsoft.com/office/drawing/2014/main" xmlns="" val="10008"/>
                   </a:ext>
                 </a:extLst>
               </a:tr>
@@ -18353,7 +18421,7 @@
                 </a:tc>
                 <a:extLst>
                   <a:ext uri="{0D108BD9-81ED-4DB2-BD59-A6C34878D82A}">
-                    <a16:rowId xmlns:a16="http://schemas.microsoft.com/office/drawing/2014/main" val="10009"/>
+                    <a16:rowId xmlns:a16="http://schemas.microsoft.com/office/drawing/2014/main" xmlns="" val="10009"/>
                   </a:ext>
                 </a:extLst>
               </a:tr>
@@ -18900,7 +18968,7 @@
                 </a:tc>
                 <a:extLst>
                   <a:ext uri="{0D108BD9-81ED-4DB2-BD59-A6C34878D82A}">
-                    <a16:rowId xmlns:a16="http://schemas.microsoft.com/office/drawing/2014/main" val="2234251665"/>
+                    <a16:rowId xmlns:a16="http://schemas.microsoft.com/office/drawing/2014/main" xmlns="" val="2234251665"/>
                   </a:ext>
                 </a:extLst>
               </a:tr>
@@ -19426,7 +19494,7 @@
                 </a:tc>
                 <a:extLst>
                   <a:ext uri="{0D108BD9-81ED-4DB2-BD59-A6C34878D82A}">
-                    <a16:rowId xmlns:a16="http://schemas.microsoft.com/office/drawing/2014/main" val="2106796917"/>
+                    <a16:rowId xmlns:a16="http://schemas.microsoft.com/office/drawing/2014/main" xmlns="" val="2106796917"/>
                   </a:ext>
                 </a:extLst>
               </a:tr>
@@ -19968,7 +20036,7 @@
                 </a:tc>
                 <a:extLst>
                   <a:ext uri="{0D108BD9-81ED-4DB2-BD59-A6C34878D82A}">
-                    <a16:rowId xmlns:a16="http://schemas.microsoft.com/office/drawing/2014/main" val="3710798345"/>
+                    <a16:rowId xmlns:a16="http://schemas.microsoft.com/office/drawing/2014/main" xmlns="" val="3710798345"/>
                   </a:ext>
                 </a:extLst>
               </a:tr>
@@ -20494,7 +20562,7 @@
                 </a:tc>
                 <a:extLst>
                   <a:ext uri="{0D108BD9-81ED-4DB2-BD59-A6C34878D82A}">
-                    <a16:rowId xmlns:a16="http://schemas.microsoft.com/office/drawing/2014/main" val="2533665971"/>
+                    <a16:rowId xmlns:a16="http://schemas.microsoft.com/office/drawing/2014/main" xmlns="" val="2533665971"/>
                   </a:ext>
                 </a:extLst>
               </a:tr>
@@ -21004,7 +21072,7 @@
                 </a:tc>
                 <a:extLst>
                   <a:ext uri="{0D108BD9-81ED-4DB2-BD59-A6C34878D82A}">
-                    <a16:rowId xmlns:a16="http://schemas.microsoft.com/office/drawing/2014/main" val="10010"/>
+                    <a16:rowId xmlns:a16="http://schemas.microsoft.com/office/drawing/2014/main" xmlns="" val="10010"/>
                   </a:ext>
                 </a:extLst>
               </a:tr>
@@ -21818,7 +21886,7 @@
                 </a:tc>
                 <a:extLst>
                   <a:ext uri="{0D108BD9-81ED-4DB2-BD59-A6C34878D82A}">
-                    <a16:rowId xmlns:a16="http://schemas.microsoft.com/office/drawing/2014/main" val="2811962193"/>
+                    <a16:rowId xmlns:a16="http://schemas.microsoft.com/office/drawing/2014/main" xmlns="" val="2811962193"/>
                   </a:ext>
                 </a:extLst>
               </a:tr>
@@ -22414,126 +22482,126 @@
                 <a:gridCol w="677230">
                   <a:extLst>
                     <a:ext uri="{9D8B030D-6E8A-4147-A177-3AD203B41FA5}">
-                      <a16:colId xmlns:a16="http://schemas.microsoft.com/office/drawing/2014/main" val="20003"/>
+                      <a16:colId xmlns:a16="http://schemas.microsoft.com/office/drawing/2014/main" xmlns="" val="20003"/>
                     </a:ext>
                   </a:extLst>
                 </a:gridCol>
                 <a:gridCol w="589135">
                   <a:extLst>
                     <a:ext uri="{9D8B030D-6E8A-4147-A177-3AD203B41FA5}">
-                      <a16:colId xmlns:a16="http://schemas.microsoft.com/office/drawing/2014/main" val="20004"/>
+                      <a16:colId xmlns:a16="http://schemas.microsoft.com/office/drawing/2014/main" xmlns="" val="20004"/>
                     </a:ext>
                   </a:extLst>
                 </a:gridCol>
                 <a:gridCol w="589135">
                   <a:extLst>
                     <a:ext uri="{9D8B030D-6E8A-4147-A177-3AD203B41FA5}">
-                      <a16:colId xmlns:a16="http://schemas.microsoft.com/office/drawing/2014/main" val="3393601540"/>
+                      <a16:colId xmlns:a16="http://schemas.microsoft.com/office/drawing/2014/main" xmlns="" val="3393601540"/>
                     </a:ext>
                   </a:extLst>
                 </a:gridCol>
                 <a:gridCol w="589135">
                   <a:extLst>
                     <a:ext uri="{9D8B030D-6E8A-4147-A177-3AD203B41FA5}">
-                      <a16:colId xmlns:a16="http://schemas.microsoft.com/office/drawing/2014/main" val="3679918837"/>
+                      <a16:colId xmlns:a16="http://schemas.microsoft.com/office/drawing/2014/main" xmlns="" val="3679918837"/>
                     </a:ext>
                   </a:extLst>
                 </a:gridCol>
                 <a:gridCol w="570591">
                   <a:extLst>
                     <a:ext uri="{9D8B030D-6E8A-4147-A177-3AD203B41FA5}">
-                      <a16:colId xmlns:a16="http://schemas.microsoft.com/office/drawing/2014/main" val="2897207107"/>
+                      <a16:colId xmlns:a16="http://schemas.microsoft.com/office/drawing/2014/main" xmlns="" val="2897207107"/>
                     </a:ext>
                   </a:extLst>
                 </a:gridCol>
                 <a:gridCol w="570591">
                   <a:extLst>
                     <a:ext uri="{9D8B030D-6E8A-4147-A177-3AD203B41FA5}">
-                      <a16:colId xmlns:a16="http://schemas.microsoft.com/office/drawing/2014/main" val="2482035779"/>
+                      <a16:colId xmlns:a16="http://schemas.microsoft.com/office/drawing/2014/main" xmlns="" val="2482035779"/>
                     </a:ext>
                   </a:extLst>
                 </a:gridCol>
                 <a:gridCol w="570591">
                   <a:extLst>
                     <a:ext uri="{9D8B030D-6E8A-4147-A177-3AD203B41FA5}">
-                      <a16:colId xmlns:a16="http://schemas.microsoft.com/office/drawing/2014/main" val="3678108844"/>
+                      <a16:colId xmlns:a16="http://schemas.microsoft.com/office/drawing/2014/main" xmlns="" val="3678108844"/>
                     </a:ext>
                   </a:extLst>
                 </a:gridCol>
                 <a:gridCol w="570591">
                   <a:extLst>
                     <a:ext uri="{9D8B030D-6E8A-4147-A177-3AD203B41FA5}">
-                      <a16:colId xmlns:a16="http://schemas.microsoft.com/office/drawing/2014/main" val="1513467911"/>
+                      <a16:colId xmlns:a16="http://schemas.microsoft.com/office/drawing/2014/main" xmlns="" val="1513467911"/>
                     </a:ext>
                   </a:extLst>
                 </a:gridCol>
                 <a:gridCol w="570591">
                   <a:extLst>
                     <a:ext uri="{9D8B030D-6E8A-4147-A177-3AD203B41FA5}">
-                      <a16:colId xmlns:a16="http://schemas.microsoft.com/office/drawing/2014/main" val="20008"/>
+                      <a16:colId xmlns:a16="http://schemas.microsoft.com/office/drawing/2014/main" xmlns="" val="20008"/>
                     </a:ext>
                   </a:extLst>
                 </a:gridCol>
                 <a:gridCol w="570591">
                   <a:extLst>
                     <a:ext uri="{9D8B030D-6E8A-4147-A177-3AD203B41FA5}">
-                      <a16:colId xmlns:a16="http://schemas.microsoft.com/office/drawing/2014/main" val="3474974294"/>
+                      <a16:colId xmlns:a16="http://schemas.microsoft.com/office/drawing/2014/main" xmlns="" val="3474974294"/>
                     </a:ext>
                   </a:extLst>
                 </a:gridCol>
                 <a:gridCol w="570591">
                   <a:extLst>
                     <a:ext uri="{9D8B030D-6E8A-4147-A177-3AD203B41FA5}">
-                      <a16:colId xmlns:a16="http://schemas.microsoft.com/office/drawing/2014/main" val="2739021416"/>
+                      <a16:colId xmlns:a16="http://schemas.microsoft.com/office/drawing/2014/main" xmlns="" val="2739021416"/>
                     </a:ext>
                   </a:extLst>
                 </a:gridCol>
                 <a:gridCol w="570591">
                   <a:extLst>
                     <a:ext uri="{9D8B030D-6E8A-4147-A177-3AD203B41FA5}">
-                      <a16:colId xmlns:a16="http://schemas.microsoft.com/office/drawing/2014/main" val="876172250"/>
+                      <a16:colId xmlns:a16="http://schemas.microsoft.com/office/drawing/2014/main" xmlns="" val="876172250"/>
                     </a:ext>
                   </a:extLst>
                 </a:gridCol>
                 <a:gridCol w="570591">
                   <a:extLst>
                     <a:ext uri="{9D8B030D-6E8A-4147-A177-3AD203B41FA5}">
-                      <a16:colId xmlns:a16="http://schemas.microsoft.com/office/drawing/2014/main" val="20011"/>
+                      <a16:colId xmlns:a16="http://schemas.microsoft.com/office/drawing/2014/main" xmlns="" val="20011"/>
                     </a:ext>
                   </a:extLst>
                 </a:gridCol>
                 <a:gridCol w="570591">
                   <a:extLst>
                     <a:ext uri="{9D8B030D-6E8A-4147-A177-3AD203B41FA5}">
-                      <a16:colId xmlns:a16="http://schemas.microsoft.com/office/drawing/2014/main" val="20012"/>
+                      <a16:colId xmlns:a16="http://schemas.microsoft.com/office/drawing/2014/main" xmlns="" val="20012"/>
                     </a:ext>
                   </a:extLst>
                 </a:gridCol>
                 <a:gridCol w="570591">
                   <a:extLst>
                     <a:ext uri="{9D8B030D-6E8A-4147-A177-3AD203B41FA5}">
-                      <a16:colId xmlns:a16="http://schemas.microsoft.com/office/drawing/2014/main" val="20005"/>
+                      <a16:colId xmlns:a16="http://schemas.microsoft.com/office/drawing/2014/main" xmlns="" val="20005"/>
                     </a:ext>
                   </a:extLst>
                 </a:gridCol>
                 <a:gridCol w="570591">
                   <a:extLst>
                     <a:ext uri="{9D8B030D-6E8A-4147-A177-3AD203B41FA5}">
-                      <a16:colId xmlns:a16="http://schemas.microsoft.com/office/drawing/2014/main" val="3644493182"/>
+                      <a16:colId xmlns:a16="http://schemas.microsoft.com/office/drawing/2014/main" xmlns="" val="3644493182"/>
                     </a:ext>
                   </a:extLst>
                 </a:gridCol>
                 <a:gridCol w="570591">
                   <a:extLst>
                     <a:ext uri="{9D8B030D-6E8A-4147-A177-3AD203B41FA5}">
-                      <a16:colId xmlns:a16="http://schemas.microsoft.com/office/drawing/2014/main" val="20016"/>
+                      <a16:colId xmlns:a16="http://schemas.microsoft.com/office/drawing/2014/main" xmlns="" val="20016"/>
                     </a:ext>
                   </a:extLst>
                 </a:gridCol>
                 <a:gridCol w="570591">
                   <a:extLst>
                     <a:ext uri="{9D8B030D-6E8A-4147-A177-3AD203B41FA5}">
-                      <a16:colId xmlns:a16="http://schemas.microsoft.com/office/drawing/2014/main" val="20017"/>
+                      <a16:colId xmlns:a16="http://schemas.microsoft.com/office/drawing/2014/main" xmlns="" val="20017"/>
                     </a:ext>
                   </a:extLst>
                 </a:gridCol>
@@ -22776,7 +22844,7 @@
                 </a:tc>
                 <a:extLst>
                   <a:ext uri="{0D108BD9-81ED-4DB2-BD59-A6C34878D82A}">
-                    <a16:rowId xmlns:a16="http://schemas.microsoft.com/office/drawing/2014/main" val="4157930470"/>
+                    <a16:rowId xmlns:a16="http://schemas.microsoft.com/office/drawing/2014/main" xmlns="" val="4157930470"/>
                   </a:ext>
                 </a:extLst>
               </a:tr>
@@ -23345,7 +23413,7 @@
                 </a:tc>
                 <a:extLst>
                   <a:ext uri="{0D108BD9-81ED-4DB2-BD59-A6C34878D82A}">
-                    <a16:rowId xmlns:a16="http://schemas.microsoft.com/office/drawing/2014/main" val="10000"/>
+                    <a16:rowId xmlns:a16="http://schemas.microsoft.com/office/drawing/2014/main" xmlns="" val="10000"/>
                   </a:ext>
                 </a:extLst>
               </a:tr>
@@ -23898,7 +23966,7 @@
                 </a:tc>
                 <a:extLst>
                   <a:ext uri="{0D108BD9-81ED-4DB2-BD59-A6C34878D82A}">
-                    <a16:rowId xmlns:a16="http://schemas.microsoft.com/office/drawing/2014/main" val="10002"/>
+                    <a16:rowId xmlns:a16="http://schemas.microsoft.com/office/drawing/2014/main" xmlns="" val="10002"/>
                   </a:ext>
                 </a:extLst>
               </a:tr>
@@ -24430,7 +24498,7 @@
                 </a:tc>
                 <a:extLst>
                   <a:ext uri="{0D108BD9-81ED-4DB2-BD59-A6C34878D82A}">
-                    <a16:rowId xmlns:a16="http://schemas.microsoft.com/office/drawing/2014/main" val="10003"/>
+                    <a16:rowId xmlns:a16="http://schemas.microsoft.com/office/drawing/2014/main" xmlns="" val="10003"/>
                   </a:ext>
                 </a:extLst>
               </a:tr>
@@ -24466,140 +24534,140 @@
                 <a:gridCol w="678743">
                   <a:extLst>
                     <a:ext uri="{9D8B030D-6E8A-4147-A177-3AD203B41FA5}">
-                      <a16:colId xmlns:a16="http://schemas.microsoft.com/office/drawing/2014/main" val="20003"/>
+                      <a16:colId xmlns:a16="http://schemas.microsoft.com/office/drawing/2014/main" xmlns="" val="20003"/>
                     </a:ext>
                   </a:extLst>
                 </a:gridCol>
                 <a:gridCol w="643923">
                   <a:extLst>
                     <a:ext uri="{9D8B030D-6E8A-4147-A177-3AD203B41FA5}">
-                      <a16:colId xmlns:a16="http://schemas.microsoft.com/office/drawing/2014/main" val="3950370602"/>
+                      <a16:colId xmlns:a16="http://schemas.microsoft.com/office/drawing/2014/main" xmlns="" val="3950370602"/>
                     </a:ext>
                   </a:extLst>
                 </a:gridCol>
                 <a:gridCol w="475651">
                   <a:extLst>
                     <a:ext uri="{9D8B030D-6E8A-4147-A177-3AD203B41FA5}">
-                      <a16:colId xmlns:a16="http://schemas.microsoft.com/office/drawing/2014/main" val="892499354"/>
+                      <a16:colId xmlns:a16="http://schemas.microsoft.com/office/drawing/2014/main" xmlns="" val="892499354"/>
                     </a:ext>
                   </a:extLst>
                 </a:gridCol>
                 <a:gridCol w="475651">
                   <a:extLst>
                     <a:ext uri="{9D8B030D-6E8A-4147-A177-3AD203B41FA5}">
-                      <a16:colId xmlns:a16="http://schemas.microsoft.com/office/drawing/2014/main" val="2890376269"/>
+                      <a16:colId xmlns:a16="http://schemas.microsoft.com/office/drawing/2014/main" xmlns="" val="2890376269"/>
                     </a:ext>
                   </a:extLst>
                 </a:gridCol>
                 <a:gridCol w="501602">
                   <a:extLst>
                     <a:ext uri="{9D8B030D-6E8A-4147-A177-3AD203B41FA5}">
-                      <a16:colId xmlns:a16="http://schemas.microsoft.com/office/drawing/2014/main" val="2351848522"/>
+                      <a16:colId xmlns:a16="http://schemas.microsoft.com/office/drawing/2014/main" xmlns="" val="2351848522"/>
                     </a:ext>
                   </a:extLst>
                 </a:gridCol>
                 <a:gridCol w="501602">
                   <a:extLst>
                     <a:ext uri="{9D8B030D-6E8A-4147-A177-3AD203B41FA5}">
-                      <a16:colId xmlns:a16="http://schemas.microsoft.com/office/drawing/2014/main" val="3951773805"/>
+                      <a16:colId xmlns:a16="http://schemas.microsoft.com/office/drawing/2014/main" xmlns="" val="3951773805"/>
                     </a:ext>
                   </a:extLst>
                 </a:gridCol>
                 <a:gridCol w="501602">
                   <a:extLst>
                     <a:ext uri="{9D8B030D-6E8A-4147-A177-3AD203B41FA5}">
-                      <a16:colId xmlns:a16="http://schemas.microsoft.com/office/drawing/2014/main" val="20005"/>
+                      <a16:colId xmlns:a16="http://schemas.microsoft.com/office/drawing/2014/main" xmlns="" val="20005"/>
                     </a:ext>
                   </a:extLst>
                 </a:gridCol>
                 <a:gridCol w="501602">
                   <a:extLst>
                     <a:ext uri="{9D8B030D-6E8A-4147-A177-3AD203B41FA5}">
-                      <a16:colId xmlns:a16="http://schemas.microsoft.com/office/drawing/2014/main" val="1658949460"/>
+                      <a16:colId xmlns:a16="http://schemas.microsoft.com/office/drawing/2014/main" xmlns="" val="1658949460"/>
                     </a:ext>
                   </a:extLst>
                 </a:gridCol>
                 <a:gridCol w="501602">
                   <a:extLst>
                     <a:ext uri="{9D8B030D-6E8A-4147-A177-3AD203B41FA5}">
-                      <a16:colId xmlns:a16="http://schemas.microsoft.com/office/drawing/2014/main" val="4009511739"/>
+                      <a16:colId xmlns:a16="http://schemas.microsoft.com/office/drawing/2014/main" xmlns="" val="4009511739"/>
                     </a:ext>
                   </a:extLst>
                 </a:gridCol>
                 <a:gridCol w="648032">
                   <a:extLst>
                     <a:ext uri="{9D8B030D-6E8A-4147-A177-3AD203B41FA5}">
-                      <a16:colId xmlns:a16="http://schemas.microsoft.com/office/drawing/2014/main" val="915448942"/>
+                      <a16:colId xmlns:a16="http://schemas.microsoft.com/office/drawing/2014/main" xmlns="" val="915448942"/>
                     </a:ext>
                   </a:extLst>
                 </a:gridCol>
                 <a:gridCol w="648032">
                   <a:extLst>
                     <a:ext uri="{9D8B030D-6E8A-4147-A177-3AD203B41FA5}">
-                      <a16:colId xmlns:a16="http://schemas.microsoft.com/office/drawing/2014/main" val="20004"/>
+                      <a16:colId xmlns:a16="http://schemas.microsoft.com/office/drawing/2014/main" xmlns="" val="20004"/>
                     </a:ext>
                   </a:extLst>
                 </a:gridCol>
                 <a:gridCol w="523461">
                   <a:extLst>
                     <a:ext uri="{9D8B030D-6E8A-4147-A177-3AD203B41FA5}">
-                      <a16:colId xmlns:a16="http://schemas.microsoft.com/office/drawing/2014/main" val="1735239135"/>
+                      <a16:colId xmlns:a16="http://schemas.microsoft.com/office/drawing/2014/main" xmlns="" val="1735239135"/>
                     </a:ext>
                   </a:extLst>
                 </a:gridCol>
                 <a:gridCol w="523461">
                   <a:extLst>
                     <a:ext uri="{9D8B030D-6E8A-4147-A177-3AD203B41FA5}">
-                      <a16:colId xmlns:a16="http://schemas.microsoft.com/office/drawing/2014/main" val="1012336583"/>
+                      <a16:colId xmlns:a16="http://schemas.microsoft.com/office/drawing/2014/main" xmlns="" val="1012336583"/>
                     </a:ext>
                   </a:extLst>
                 </a:gridCol>
                 <a:gridCol w="523461">
                   <a:extLst>
                     <a:ext uri="{9D8B030D-6E8A-4147-A177-3AD203B41FA5}">
-                      <a16:colId xmlns:a16="http://schemas.microsoft.com/office/drawing/2014/main" val="730367770"/>
+                      <a16:colId xmlns:a16="http://schemas.microsoft.com/office/drawing/2014/main" xmlns="" val="730367770"/>
                     </a:ext>
                   </a:extLst>
                 </a:gridCol>
                 <a:gridCol w="523461">
                   <a:extLst>
                     <a:ext uri="{9D8B030D-6E8A-4147-A177-3AD203B41FA5}">
-                      <a16:colId xmlns:a16="http://schemas.microsoft.com/office/drawing/2014/main" val="1995509689"/>
+                      <a16:colId xmlns:a16="http://schemas.microsoft.com/office/drawing/2014/main" xmlns="" val="1995509689"/>
                     </a:ext>
                   </a:extLst>
                 </a:gridCol>
                 <a:gridCol w="523461">
                   <a:extLst>
                     <a:ext uri="{9D8B030D-6E8A-4147-A177-3AD203B41FA5}">
-                      <a16:colId xmlns:a16="http://schemas.microsoft.com/office/drawing/2014/main" val="4059945013"/>
+                      <a16:colId xmlns:a16="http://schemas.microsoft.com/office/drawing/2014/main" xmlns="" val="4059945013"/>
                     </a:ext>
                   </a:extLst>
                 </a:gridCol>
                 <a:gridCol w="523461">
                   <a:extLst>
                     <a:ext uri="{9D8B030D-6E8A-4147-A177-3AD203B41FA5}">
-                      <a16:colId xmlns:a16="http://schemas.microsoft.com/office/drawing/2014/main" val="20013"/>
+                      <a16:colId xmlns:a16="http://schemas.microsoft.com/office/drawing/2014/main" xmlns="" val="20013"/>
                     </a:ext>
                   </a:extLst>
                 </a:gridCol>
                 <a:gridCol w="612741">
                   <a:extLst>
                     <a:ext uri="{9D8B030D-6E8A-4147-A177-3AD203B41FA5}">
-                      <a16:colId xmlns:a16="http://schemas.microsoft.com/office/drawing/2014/main" val="563954548"/>
+                      <a16:colId xmlns:a16="http://schemas.microsoft.com/office/drawing/2014/main" xmlns="" val="563954548"/>
                     </a:ext>
                   </a:extLst>
                 </a:gridCol>
                 <a:gridCol w="612741">
                   <a:extLst>
                     <a:ext uri="{9D8B030D-6E8A-4147-A177-3AD203B41FA5}">
-                      <a16:colId xmlns:a16="http://schemas.microsoft.com/office/drawing/2014/main" val="626849779"/>
+                      <a16:colId xmlns:a16="http://schemas.microsoft.com/office/drawing/2014/main" xmlns="" val="626849779"/>
                     </a:ext>
                   </a:extLst>
                 </a:gridCol>
                 <a:gridCol w="612741">
                   <a:extLst>
                     <a:ext uri="{9D8B030D-6E8A-4147-A177-3AD203B41FA5}">
-                      <a16:colId xmlns:a16="http://schemas.microsoft.com/office/drawing/2014/main" val="2774746132"/>
+                      <a16:colId xmlns:a16="http://schemas.microsoft.com/office/drawing/2014/main" xmlns="" val="2774746132"/>
                     </a:ext>
                   </a:extLst>
                 </a:gridCol>
@@ -24927,7 +24995,7 @@
                 </a:tc>
                 <a:extLst>
                   <a:ext uri="{0D108BD9-81ED-4DB2-BD59-A6C34878D82A}">
-                    <a16:rowId xmlns:a16="http://schemas.microsoft.com/office/drawing/2014/main" val="290152553"/>
+                    <a16:rowId xmlns:a16="http://schemas.microsoft.com/office/drawing/2014/main" xmlns="" val="290152553"/>
                   </a:ext>
                 </a:extLst>
               </a:tr>
@@ -25674,7 +25742,7 @@
                 </a:tc>
                 <a:extLst>
                   <a:ext uri="{0D108BD9-81ED-4DB2-BD59-A6C34878D82A}">
-                    <a16:rowId xmlns:a16="http://schemas.microsoft.com/office/drawing/2014/main" val="1372355905"/>
+                    <a16:rowId xmlns:a16="http://schemas.microsoft.com/office/drawing/2014/main" xmlns="" val="1372355905"/>
                   </a:ext>
                 </a:extLst>
               </a:tr>
@@ -26170,7 +26238,7 @@
                 </a:tc>
                 <a:extLst>
                   <a:ext uri="{0D108BD9-81ED-4DB2-BD59-A6C34878D82A}">
-                    <a16:rowId xmlns:a16="http://schemas.microsoft.com/office/drawing/2014/main" val="10005"/>
+                    <a16:rowId xmlns:a16="http://schemas.microsoft.com/office/drawing/2014/main" xmlns="" val="10005"/>
                   </a:ext>
                 </a:extLst>
               </a:tr>
@@ -26682,7 +26750,7 @@
                 </a:tc>
                 <a:extLst>
                   <a:ext uri="{0D108BD9-81ED-4DB2-BD59-A6C34878D82A}">
-                    <a16:rowId xmlns:a16="http://schemas.microsoft.com/office/drawing/2014/main" val="10006"/>
+                    <a16:rowId xmlns:a16="http://schemas.microsoft.com/office/drawing/2014/main" xmlns="" val="10006"/>
                   </a:ext>
                 </a:extLst>
               </a:tr>
@@ -27178,7 +27246,7 @@
                 </a:tc>
                 <a:extLst>
                   <a:ext uri="{0D108BD9-81ED-4DB2-BD59-A6C34878D82A}">
-                    <a16:rowId xmlns:a16="http://schemas.microsoft.com/office/drawing/2014/main" val="10007"/>
+                    <a16:rowId xmlns:a16="http://schemas.microsoft.com/office/drawing/2014/main" xmlns="" val="10007"/>
                   </a:ext>
                 </a:extLst>
               </a:tr>
@@ -27805,7 +27873,7 @@
                 </a:tc>
                 <a:extLst>
                   <a:ext uri="{0D108BD9-81ED-4DB2-BD59-A6C34878D82A}">
-                    <a16:rowId xmlns:a16="http://schemas.microsoft.com/office/drawing/2014/main" val="10008"/>
+                    <a16:rowId xmlns:a16="http://schemas.microsoft.com/office/drawing/2014/main" xmlns="" val="10008"/>
                   </a:ext>
                 </a:extLst>
               </a:tr>
@@ -28621,35 +28689,35 @@
                 <a:gridCol w="1452286">
                   <a:extLst>
                     <a:ext uri="{9D8B030D-6E8A-4147-A177-3AD203B41FA5}">
-                      <a16:colId xmlns:a16="http://schemas.microsoft.com/office/drawing/2014/main" val="20003"/>
+                      <a16:colId xmlns:a16="http://schemas.microsoft.com/office/drawing/2014/main" xmlns="" val="20003"/>
                     </a:ext>
                   </a:extLst>
                 </a:gridCol>
                 <a:gridCol w="1131131">
                   <a:extLst>
                     <a:ext uri="{9D8B030D-6E8A-4147-A177-3AD203B41FA5}">
-                      <a16:colId xmlns:a16="http://schemas.microsoft.com/office/drawing/2014/main" val="3466895849"/>
+                      <a16:colId xmlns:a16="http://schemas.microsoft.com/office/drawing/2014/main" xmlns="" val="3466895849"/>
                     </a:ext>
                   </a:extLst>
                 </a:gridCol>
                 <a:gridCol w="1131131">
                   <a:extLst>
                     <a:ext uri="{9D8B030D-6E8A-4147-A177-3AD203B41FA5}">
-                      <a16:colId xmlns:a16="http://schemas.microsoft.com/office/drawing/2014/main" val="20004"/>
+                      <a16:colId xmlns:a16="http://schemas.microsoft.com/office/drawing/2014/main" xmlns="" val="20004"/>
                     </a:ext>
                   </a:extLst>
                 </a:gridCol>
                 <a:gridCol w="1131131">
                   <a:extLst>
                     <a:ext uri="{9D8B030D-6E8A-4147-A177-3AD203B41FA5}">
-                      <a16:colId xmlns:a16="http://schemas.microsoft.com/office/drawing/2014/main" val="730367770"/>
+                      <a16:colId xmlns:a16="http://schemas.microsoft.com/office/drawing/2014/main" xmlns="" val="730367770"/>
                     </a:ext>
                   </a:extLst>
                 </a:gridCol>
                 <a:gridCol w="1131131">
                   <a:extLst>
                     <a:ext uri="{9D8B030D-6E8A-4147-A177-3AD203B41FA5}">
-                      <a16:colId xmlns:a16="http://schemas.microsoft.com/office/drawing/2014/main" val="624460300"/>
+                      <a16:colId xmlns:a16="http://schemas.microsoft.com/office/drawing/2014/main" xmlns="" val="624460300"/>
                     </a:ext>
                   </a:extLst>
                 </a:gridCol>
@@ -28771,7 +28839,7 @@
                 </a:tc>
                 <a:extLst>
                   <a:ext uri="{0D108BD9-81ED-4DB2-BD59-A6C34878D82A}">
-                    <a16:rowId xmlns:a16="http://schemas.microsoft.com/office/drawing/2014/main" val="290152553"/>
+                    <a16:rowId xmlns:a16="http://schemas.microsoft.com/office/drawing/2014/main" xmlns="" val="290152553"/>
                   </a:ext>
                 </a:extLst>
               </a:tr>
@@ -28890,7 +28958,7 @@
                 </a:tc>
                 <a:extLst>
                   <a:ext uri="{0D108BD9-81ED-4DB2-BD59-A6C34878D82A}">
-                    <a16:rowId xmlns:a16="http://schemas.microsoft.com/office/drawing/2014/main" val="2028298506"/>
+                    <a16:rowId xmlns:a16="http://schemas.microsoft.com/office/drawing/2014/main" xmlns="" val="2028298506"/>
                   </a:ext>
                 </a:extLst>
               </a:tr>
@@ -29031,7 +29099,7 @@
                 </a:tc>
                 <a:extLst>
                   <a:ext uri="{0D108BD9-81ED-4DB2-BD59-A6C34878D82A}">
-                    <a16:rowId xmlns:a16="http://schemas.microsoft.com/office/drawing/2014/main" val="2660065325"/>
+                    <a16:rowId xmlns:a16="http://schemas.microsoft.com/office/drawing/2014/main" xmlns="" val="2660065325"/>
                   </a:ext>
                 </a:extLst>
               </a:tr>
@@ -29172,7 +29240,7 @@
                 </a:tc>
                 <a:extLst>
                   <a:ext uri="{0D108BD9-81ED-4DB2-BD59-A6C34878D82A}">
-                    <a16:rowId xmlns:a16="http://schemas.microsoft.com/office/drawing/2014/main" val="1596747635"/>
+                    <a16:rowId xmlns:a16="http://schemas.microsoft.com/office/drawing/2014/main" xmlns="" val="1596747635"/>
                   </a:ext>
                 </a:extLst>
               </a:tr>
@@ -29313,7 +29381,7 @@
                 </a:tc>
                 <a:extLst>
                   <a:ext uri="{0D108BD9-81ED-4DB2-BD59-A6C34878D82A}">
-                    <a16:rowId xmlns:a16="http://schemas.microsoft.com/office/drawing/2014/main" val="3774430207"/>
+                    <a16:rowId xmlns:a16="http://schemas.microsoft.com/office/drawing/2014/main" xmlns="" val="3774430207"/>
                   </a:ext>
                 </a:extLst>
               </a:tr>
@@ -29460,7 +29528,7 @@
                 </a:tc>
                 <a:extLst>
                   <a:ext uri="{0D108BD9-81ED-4DB2-BD59-A6C34878D82A}">
-                    <a16:rowId xmlns:a16="http://schemas.microsoft.com/office/drawing/2014/main" val="10005"/>
+                    <a16:rowId xmlns:a16="http://schemas.microsoft.com/office/drawing/2014/main" xmlns="" val="10005"/>
                   </a:ext>
                 </a:extLst>
               </a:tr>
@@ -29623,7 +29691,7 @@
                 </a:tc>
                 <a:extLst>
                   <a:ext uri="{0D108BD9-81ED-4DB2-BD59-A6C34878D82A}">
-                    <a16:rowId xmlns:a16="http://schemas.microsoft.com/office/drawing/2014/main" val="10006"/>
+                    <a16:rowId xmlns:a16="http://schemas.microsoft.com/office/drawing/2014/main" xmlns="" val="10006"/>
                   </a:ext>
                 </a:extLst>
               </a:tr>
@@ -29786,7 +29854,7 @@
                 </a:tc>
                 <a:extLst>
                   <a:ext uri="{0D108BD9-81ED-4DB2-BD59-A6C34878D82A}">
-                    <a16:rowId xmlns:a16="http://schemas.microsoft.com/office/drawing/2014/main" val="10007"/>
+                    <a16:rowId xmlns:a16="http://schemas.microsoft.com/office/drawing/2014/main" xmlns="" val="10007"/>
                   </a:ext>
                 </a:extLst>
               </a:tr>
@@ -29927,7 +29995,7 @@
                 </a:tc>
                 <a:extLst>
                   <a:ext uri="{0D108BD9-81ED-4DB2-BD59-A6C34878D82A}">
-                    <a16:rowId xmlns:a16="http://schemas.microsoft.com/office/drawing/2014/main" val="2717943080"/>
+                    <a16:rowId xmlns:a16="http://schemas.microsoft.com/office/drawing/2014/main" xmlns="" val="2717943080"/>
                   </a:ext>
                 </a:extLst>
               </a:tr>
@@ -30153,7 +30221,7 @@
                 </a:tc>
                 <a:extLst>
                   <a:ext uri="{0D108BD9-81ED-4DB2-BD59-A6C34878D82A}">
-                    <a16:rowId xmlns:a16="http://schemas.microsoft.com/office/drawing/2014/main" val="2802642166"/>
+                    <a16:rowId xmlns:a16="http://schemas.microsoft.com/office/drawing/2014/main" xmlns="" val="2802642166"/>
                   </a:ext>
                 </a:extLst>
               </a:tr>
@@ -30358,7 +30426,7 @@
                 </a:tc>
                 <a:extLst>
                   <a:ext uri="{0D108BD9-81ED-4DB2-BD59-A6C34878D82A}">
-                    <a16:rowId xmlns:a16="http://schemas.microsoft.com/office/drawing/2014/main" val="3968310820"/>
+                    <a16:rowId xmlns:a16="http://schemas.microsoft.com/office/drawing/2014/main" xmlns="" val="3968310820"/>
                   </a:ext>
                 </a:extLst>
               </a:tr>
@@ -30563,7 +30631,7 @@
                 </a:tc>
                 <a:extLst>
                   <a:ext uri="{0D108BD9-81ED-4DB2-BD59-A6C34878D82A}">
-                    <a16:rowId xmlns:a16="http://schemas.microsoft.com/office/drawing/2014/main" val="1715990511"/>
+                    <a16:rowId xmlns:a16="http://schemas.microsoft.com/office/drawing/2014/main" xmlns="" val="1715990511"/>
                   </a:ext>
                 </a:extLst>
               </a:tr>
@@ -30768,7 +30836,7 @@
                 </a:tc>
                 <a:extLst>
                   <a:ext uri="{0D108BD9-81ED-4DB2-BD59-A6C34878D82A}">
-                    <a16:rowId xmlns:a16="http://schemas.microsoft.com/office/drawing/2014/main" val="3192680700"/>
+                    <a16:rowId xmlns:a16="http://schemas.microsoft.com/office/drawing/2014/main" xmlns="" val="3192680700"/>
                   </a:ext>
                 </a:extLst>
               </a:tr>
@@ -30994,84 +31062,84 @@
                 <a:gridCol w="828562">
                   <a:extLst>
                     <a:ext uri="{9D8B030D-6E8A-4147-A177-3AD203B41FA5}">
-                      <a16:colId xmlns:a16="http://schemas.microsoft.com/office/drawing/2014/main" val="20000"/>
+                      <a16:colId xmlns:a16="http://schemas.microsoft.com/office/drawing/2014/main" xmlns="" val="20000"/>
                     </a:ext>
                   </a:extLst>
                 </a:gridCol>
                 <a:gridCol w="828562">
                   <a:extLst>
                     <a:ext uri="{9D8B030D-6E8A-4147-A177-3AD203B41FA5}">
-                      <a16:colId xmlns:a16="http://schemas.microsoft.com/office/drawing/2014/main" val="20001"/>
+                      <a16:colId xmlns:a16="http://schemas.microsoft.com/office/drawing/2014/main" xmlns="" val="20001"/>
                     </a:ext>
                   </a:extLst>
                 </a:gridCol>
                 <a:gridCol w="828562">
                   <a:extLst>
                     <a:ext uri="{9D8B030D-6E8A-4147-A177-3AD203B41FA5}">
-                      <a16:colId xmlns:a16="http://schemas.microsoft.com/office/drawing/2014/main" val="20002"/>
+                      <a16:colId xmlns:a16="http://schemas.microsoft.com/office/drawing/2014/main" xmlns="" val="20002"/>
                     </a:ext>
                   </a:extLst>
                 </a:gridCol>
                 <a:gridCol w="828562">
                   <a:extLst>
                     <a:ext uri="{9D8B030D-6E8A-4147-A177-3AD203B41FA5}">
-                      <a16:colId xmlns:a16="http://schemas.microsoft.com/office/drawing/2014/main" val="20003"/>
+                      <a16:colId xmlns:a16="http://schemas.microsoft.com/office/drawing/2014/main" xmlns="" val="20003"/>
                     </a:ext>
                   </a:extLst>
                 </a:gridCol>
                 <a:gridCol w="828562">
                   <a:extLst>
                     <a:ext uri="{9D8B030D-6E8A-4147-A177-3AD203B41FA5}">
-                      <a16:colId xmlns:a16="http://schemas.microsoft.com/office/drawing/2014/main" val="20004"/>
+                      <a16:colId xmlns:a16="http://schemas.microsoft.com/office/drawing/2014/main" xmlns="" val="20004"/>
                     </a:ext>
                   </a:extLst>
                 </a:gridCol>
                 <a:gridCol w="828562">
                   <a:extLst>
                     <a:ext uri="{9D8B030D-6E8A-4147-A177-3AD203B41FA5}">
-                      <a16:colId xmlns:a16="http://schemas.microsoft.com/office/drawing/2014/main" val="20005"/>
+                      <a16:colId xmlns:a16="http://schemas.microsoft.com/office/drawing/2014/main" xmlns="" val="20005"/>
                     </a:ext>
                   </a:extLst>
                 </a:gridCol>
                 <a:gridCol w="828562">
                   <a:extLst>
                     <a:ext uri="{9D8B030D-6E8A-4147-A177-3AD203B41FA5}">
-                      <a16:colId xmlns:a16="http://schemas.microsoft.com/office/drawing/2014/main" val="20006"/>
+                      <a16:colId xmlns:a16="http://schemas.microsoft.com/office/drawing/2014/main" xmlns="" val="20006"/>
                     </a:ext>
                   </a:extLst>
                 </a:gridCol>
                 <a:gridCol w="828562">
                   <a:extLst>
                     <a:ext uri="{9D8B030D-6E8A-4147-A177-3AD203B41FA5}">
-                      <a16:colId xmlns:a16="http://schemas.microsoft.com/office/drawing/2014/main" val="20007"/>
+                      <a16:colId xmlns:a16="http://schemas.microsoft.com/office/drawing/2014/main" xmlns="" val="20007"/>
                     </a:ext>
                   </a:extLst>
                 </a:gridCol>
                 <a:gridCol w="828562">
                   <a:extLst>
                     <a:ext uri="{9D8B030D-6E8A-4147-A177-3AD203B41FA5}">
-                      <a16:colId xmlns:a16="http://schemas.microsoft.com/office/drawing/2014/main" val="20008"/>
+                      <a16:colId xmlns:a16="http://schemas.microsoft.com/office/drawing/2014/main" xmlns="" val="20008"/>
                     </a:ext>
                   </a:extLst>
                 </a:gridCol>
                 <a:gridCol w="828562">
                   <a:extLst>
                     <a:ext uri="{9D8B030D-6E8A-4147-A177-3AD203B41FA5}">
-                      <a16:colId xmlns:a16="http://schemas.microsoft.com/office/drawing/2014/main" val="20009"/>
+                      <a16:colId xmlns:a16="http://schemas.microsoft.com/office/drawing/2014/main" xmlns="" val="20009"/>
                     </a:ext>
                   </a:extLst>
                 </a:gridCol>
                 <a:gridCol w="828562">
                   <a:extLst>
                     <a:ext uri="{9D8B030D-6E8A-4147-A177-3AD203B41FA5}">
-                      <a16:colId xmlns:a16="http://schemas.microsoft.com/office/drawing/2014/main" val="20010"/>
+                      <a16:colId xmlns:a16="http://schemas.microsoft.com/office/drawing/2014/main" xmlns="" val="20010"/>
                     </a:ext>
                   </a:extLst>
                 </a:gridCol>
                 <a:gridCol w="828562">
                   <a:extLst>
                     <a:ext uri="{9D8B030D-6E8A-4147-A177-3AD203B41FA5}">
-                      <a16:colId xmlns:a16="http://schemas.microsoft.com/office/drawing/2014/main" val="20011"/>
+                      <a16:colId xmlns:a16="http://schemas.microsoft.com/office/drawing/2014/main" xmlns="" val="20011"/>
                     </a:ext>
                   </a:extLst>
                 </a:gridCol>
@@ -31266,7 +31334,7 @@
                 </a:tc>
                 <a:extLst>
                   <a:ext uri="{0D108BD9-81ED-4DB2-BD59-A6C34878D82A}">
-                    <a16:rowId xmlns:a16="http://schemas.microsoft.com/office/drawing/2014/main" val="10000"/>
+                    <a16:rowId xmlns:a16="http://schemas.microsoft.com/office/drawing/2014/main" xmlns="" val="10000"/>
                   </a:ext>
                 </a:extLst>
               </a:tr>
@@ -31607,7 +31675,7 @@
                 </a:tc>
                 <a:extLst>
                   <a:ext uri="{0D108BD9-81ED-4DB2-BD59-A6C34878D82A}">
-                    <a16:rowId xmlns:a16="http://schemas.microsoft.com/office/drawing/2014/main" val="10001"/>
+                    <a16:rowId xmlns:a16="http://schemas.microsoft.com/office/drawing/2014/main" xmlns="" val="10001"/>
                   </a:ext>
                 </a:extLst>
               </a:tr>
@@ -31917,7 +31985,7 @@
                 </a:tc>
                 <a:extLst>
                   <a:ext uri="{0D108BD9-81ED-4DB2-BD59-A6C34878D82A}">
-                    <a16:rowId xmlns:a16="http://schemas.microsoft.com/office/drawing/2014/main" val="10002"/>
+                    <a16:rowId xmlns:a16="http://schemas.microsoft.com/office/drawing/2014/main" xmlns="" val="10002"/>
                   </a:ext>
                 </a:extLst>
               </a:tr>
@@ -32245,7 +32313,7 @@
                 </a:tc>
                 <a:extLst>
                   <a:ext uri="{0D108BD9-81ED-4DB2-BD59-A6C34878D82A}">
-                    <a16:rowId xmlns:a16="http://schemas.microsoft.com/office/drawing/2014/main" val="10003"/>
+                    <a16:rowId xmlns:a16="http://schemas.microsoft.com/office/drawing/2014/main" xmlns="" val="10003"/>
                   </a:ext>
                 </a:extLst>
               </a:tr>
@@ -32578,7 +32646,7 @@
                 </a:tc>
                 <a:extLst>
                   <a:ext uri="{0D108BD9-81ED-4DB2-BD59-A6C34878D82A}">
-                    <a16:rowId xmlns:a16="http://schemas.microsoft.com/office/drawing/2014/main" val="10004"/>
+                    <a16:rowId xmlns:a16="http://schemas.microsoft.com/office/drawing/2014/main" xmlns="" val="10004"/>
                   </a:ext>
                 </a:extLst>
               </a:tr>
@@ -32911,7 +32979,7 @@
                 </a:tc>
                 <a:extLst>
                   <a:ext uri="{0D108BD9-81ED-4DB2-BD59-A6C34878D82A}">
-                    <a16:rowId xmlns:a16="http://schemas.microsoft.com/office/drawing/2014/main" val="10005"/>
+                    <a16:rowId xmlns:a16="http://schemas.microsoft.com/office/drawing/2014/main" xmlns="" val="10005"/>
                   </a:ext>
                 </a:extLst>
               </a:tr>
@@ -33278,49 +33346,49 @@
                 <a:gridCol w="1693061">
                   <a:extLst>
                     <a:ext uri="{9D8B030D-6E8A-4147-A177-3AD203B41FA5}">
-                      <a16:colId xmlns:a16="http://schemas.microsoft.com/office/drawing/2014/main" val="596459514"/>
+                      <a16:colId xmlns:a16="http://schemas.microsoft.com/office/drawing/2014/main" xmlns="" val="596459514"/>
                     </a:ext>
                   </a:extLst>
                 </a:gridCol>
                 <a:gridCol w="1105830">
                   <a:extLst>
                     <a:ext uri="{9D8B030D-6E8A-4147-A177-3AD203B41FA5}">
-                      <a16:colId xmlns:a16="http://schemas.microsoft.com/office/drawing/2014/main" val="1104773170"/>
+                      <a16:colId xmlns:a16="http://schemas.microsoft.com/office/drawing/2014/main" xmlns="" val="1104773170"/>
                     </a:ext>
                   </a:extLst>
                 </a:gridCol>
                 <a:gridCol w="1105830">
                   <a:extLst>
                     <a:ext uri="{9D8B030D-6E8A-4147-A177-3AD203B41FA5}">
-                      <a16:colId xmlns:a16="http://schemas.microsoft.com/office/drawing/2014/main" val="2628879976"/>
+                      <a16:colId xmlns:a16="http://schemas.microsoft.com/office/drawing/2014/main" xmlns="" val="2628879976"/>
                     </a:ext>
                   </a:extLst>
                 </a:gridCol>
                 <a:gridCol w="1105830">
                   <a:extLst>
                     <a:ext uri="{9D8B030D-6E8A-4147-A177-3AD203B41FA5}">
-                      <a16:colId xmlns:a16="http://schemas.microsoft.com/office/drawing/2014/main" val="3824673393"/>
+                      <a16:colId xmlns:a16="http://schemas.microsoft.com/office/drawing/2014/main" xmlns="" val="3824673393"/>
                     </a:ext>
                   </a:extLst>
                 </a:gridCol>
                 <a:gridCol w="1105830">
                   <a:extLst>
                     <a:ext uri="{9D8B030D-6E8A-4147-A177-3AD203B41FA5}">
-                      <a16:colId xmlns:a16="http://schemas.microsoft.com/office/drawing/2014/main" val="1207929680"/>
+                      <a16:colId xmlns:a16="http://schemas.microsoft.com/office/drawing/2014/main" xmlns="" val="1207929680"/>
                     </a:ext>
                   </a:extLst>
                 </a:gridCol>
                 <a:gridCol w="1105830">
                   <a:extLst>
                     <a:ext uri="{9D8B030D-6E8A-4147-A177-3AD203B41FA5}">
-                      <a16:colId xmlns:a16="http://schemas.microsoft.com/office/drawing/2014/main" val="196725124"/>
+                      <a16:colId xmlns:a16="http://schemas.microsoft.com/office/drawing/2014/main" xmlns="" val="196725124"/>
                     </a:ext>
                   </a:extLst>
                 </a:gridCol>
                 <a:gridCol w="1105830">
                   <a:extLst>
                     <a:ext uri="{9D8B030D-6E8A-4147-A177-3AD203B41FA5}">
-                      <a16:colId xmlns:a16="http://schemas.microsoft.com/office/drawing/2014/main" val="4015488069"/>
+                      <a16:colId xmlns:a16="http://schemas.microsoft.com/office/drawing/2014/main" xmlns="" val="4015488069"/>
                     </a:ext>
                   </a:extLst>
                 </a:gridCol>
@@ -33430,7 +33498,7 @@
                 </a:tc>
                 <a:extLst>
                   <a:ext uri="{0D108BD9-81ED-4DB2-BD59-A6C34878D82A}">
-                    <a16:rowId xmlns:a16="http://schemas.microsoft.com/office/drawing/2014/main" val="2450048256"/>
+                    <a16:rowId xmlns:a16="http://schemas.microsoft.com/office/drawing/2014/main" xmlns="" val="2450048256"/>
                   </a:ext>
                 </a:extLst>
               </a:tr>
@@ -33570,7 +33638,7 @@
                 </a:tc>
                 <a:extLst>
                   <a:ext uri="{0D108BD9-81ED-4DB2-BD59-A6C34878D82A}">
-                    <a16:rowId xmlns:a16="http://schemas.microsoft.com/office/drawing/2014/main" val="1007795033"/>
+                    <a16:rowId xmlns:a16="http://schemas.microsoft.com/office/drawing/2014/main" xmlns="" val="1007795033"/>
                   </a:ext>
                 </a:extLst>
               </a:tr>
@@ -33706,7 +33774,7 @@
                 </a:tc>
                 <a:extLst>
                   <a:ext uri="{0D108BD9-81ED-4DB2-BD59-A6C34878D82A}">
-                    <a16:rowId xmlns:a16="http://schemas.microsoft.com/office/drawing/2014/main" val="3123214655"/>
+                    <a16:rowId xmlns:a16="http://schemas.microsoft.com/office/drawing/2014/main" xmlns="" val="3123214655"/>
                   </a:ext>
                 </a:extLst>
               </a:tr>
@@ -33852,35 +33920,35 @@
                 <a:gridCol w="1104280">
                   <a:extLst>
                     <a:ext uri="{9D8B030D-6E8A-4147-A177-3AD203B41FA5}">
-                      <a16:colId xmlns:a16="http://schemas.microsoft.com/office/drawing/2014/main" val="596459514"/>
+                      <a16:colId xmlns:a16="http://schemas.microsoft.com/office/drawing/2014/main" xmlns="" val="596459514"/>
                     </a:ext>
                   </a:extLst>
                 </a:gridCol>
                 <a:gridCol w="1082993">
                   <a:extLst>
                     <a:ext uri="{9D8B030D-6E8A-4147-A177-3AD203B41FA5}">
-                      <a16:colId xmlns:a16="http://schemas.microsoft.com/office/drawing/2014/main" val="1104773170"/>
+                      <a16:colId xmlns:a16="http://schemas.microsoft.com/office/drawing/2014/main" xmlns="" val="1104773170"/>
                     </a:ext>
                   </a:extLst>
                 </a:gridCol>
                 <a:gridCol w="1082993">
                   <a:extLst>
                     <a:ext uri="{9D8B030D-6E8A-4147-A177-3AD203B41FA5}">
-                      <a16:colId xmlns:a16="http://schemas.microsoft.com/office/drawing/2014/main" val="2628879976"/>
+                      <a16:colId xmlns:a16="http://schemas.microsoft.com/office/drawing/2014/main" xmlns="" val="2628879976"/>
                     </a:ext>
                   </a:extLst>
                 </a:gridCol>
                 <a:gridCol w="1082993">
                   <a:extLst>
                     <a:ext uri="{9D8B030D-6E8A-4147-A177-3AD203B41FA5}">
-                      <a16:colId xmlns:a16="http://schemas.microsoft.com/office/drawing/2014/main" val="3824673393"/>
+                      <a16:colId xmlns:a16="http://schemas.microsoft.com/office/drawing/2014/main" xmlns="" val="3824673393"/>
                     </a:ext>
                   </a:extLst>
                 </a:gridCol>
                 <a:gridCol w="1082993">
                   <a:extLst>
                     <a:ext uri="{9D8B030D-6E8A-4147-A177-3AD203B41FA5}">
-                      <a16:colId xmlns:a16="http://schemas.microsoft.com/office/drawing/2014/main" val="20004"/>
+                      <a16:colId xmlns:a16="http://schemas.microsoft.com/office/drawing/2014/main" xmlns="" val="20004"/>
                     </a:ext>
                   </a:extLst>
                 </a:gridCol>
@@ -33973,7 +34041,7 @@
                 </a:tc>
                 <a:extLst>
                   <a:ext uri="{0D108BD9-81ED-4DB2-BD59-A6C34878D82A}">
-                    <a16:rowId xmlns:a16="http://schemas.microsoft.com/office/drawing/2014/main" val="2450048256"/>
+                    <a16:rowId xmlns:a16="http://schemas.microsoft.com/office/drawing/2014/main" xmlns="" val="2450048256"/>
                   </a:ext>
                 </a:extLst>
               </a:tr>
@@ -34175,7 +34243,7 @@
                 </a:tc>
                 <a:extLst>
                   <a:ext uri="{0D108BD9-81ED-4DB2-BD59-A6C34878D82A}">
-                    <a16:rowId xmlns:a16="http://schemas.microsoft.com/office/drawing/2014/main" val="1007795033"/>
+                    <a16:rowId xmlns:a16="http://schemas.microsoft.com/office/drawing/2014/main" xmlns="" val="1007795033"/>
                   </a:ext>
                 </a:extLst>
               </a:tr>
@@ -34275,7 +34343,7 @@
                 </a:tc>
                 <a:extLst>
                   <a:ext uri="{0D108BD9-81ED-4DB2-BD59-A6C34878D82A}">
-                    <a16:rowId xmlns:a16="http://schemas.microsoft.com/office/drawing/2014/main" val="3123214655"/>
+                    <a16:rowId xmlns:a16="http://schemas.microsoft.com/office/drawing/2014/main" xmlns="" val="3123214655"/>
                   </a:ext>
                 </a:extLst>
               </a:tr>
@@ -34581,70 +34649,70 @@
                 <a:gridCol w="960187">
                   <a:extLst>
                     <a:ext uri="{9D8B030D-6E8A-4147-A177-3AD203B41FA5}">
-                      <a16:colId xmlns:a16="http://schemas.microsoft.com/office/drawing/2014/main" val="20003"/>
+                      <a16:colId xmlns:a16="http://schemas.microsoft.com/office/drawing/2014/main" xmlns="" val="20003"/>
                     </a:ext>
                   </a:extLst>
                 </a:gridCol>
                 <a:gridCol w="893677">
                   <a:extLst>
                     <a:ext uri="{9D8B030D-6E8A-4147-A177-3AD203B41FA5}">
-                      <a16:colId xmlns:a16="http://schemas.microsoft.com/office/drawing/2014/main" val="3258888783"/>
+                      <a16:colId xmlns:a16="http://schemas.microsoft.com/office/drawing/2014/main" xmlns="" val="3258888783"/>
                     </a:ext>
                   </a:extLst>
                 </a:gridCol>
                 <a:gridCol w="792575">
                   <a:extLst>
                     <a:ext uri="{9D8B030D-6E8A-4147-A177-3AD203B41FA5}">
-                      <a16:colId xmlns:a16="http://schemas.microsoft.com/office/drawing/2014/main" val="20002"/>
+                      <a16:colId xmlns:a16="http://schemas.microsoft.com/office/drawing/2014/main" xmlns="" val="20002"/>
                     </a:ext>
                   </a:extLst>
                 </a:gridCol>
                 <a:gridCol w="519885">
                   <a:extLst>
                     <a:ext uri="{9D8B030D-6E8A-4147-A177-3AD203B41FA5}">
-                      <a16:colId xmlns:a16="http://schemas.microsoft.com/office/drawing/2014/main" val="20004"/>
+                      <a16:colId xmlns:a16="http://schemas.microsoft.com/office/drawing/2014/main" xmlns="" val="20004"/>
                     </a:ext>
                   </a:extLst>
                 </a:gridCol>
                 <a:gridCol w="519885">
                   <a:extLst>
                     <a:ext uri="{9D8B030D-6E8A-4147-A177-3AD203B41FA5}">
-                      <a16:colId xmlns:a16="http://schemas.microsoft.com/office/drawing/2014/main" val="20006"/>
+                      <a16:colId xmlns:a16="http://schemas.microsoft.com/office/drawing/2014/main" xmlns="" val="20006"/>
                     </a:ext>
                   </a:extLst>
                 </a:gridCol>
                 <a:gridCol w="519885">
                   <a:extLst>
                     <a:ext uri="{9D8B030D-6E8A-4147-A177-3AD203B41FA5}">
-                      <a16:colId xmlns:a16="http://schemas.microsoft.com/office/drawing/2014/main" val="20007"/>
+                      <a16:colId xmlns:a16="http://schemas.microsoft.com/office/drawing/2014/main" xmlns="" val="20007"/>
                     </a:ext>
                   </a:extLst>
                 </a:gridCol>
                 <a:gridCol w="700220">
                   <a:extLst>
                     <a:ext uri="{9D8B030D-6E8A-4147-A177-3AD203B41FA5}">
-                      <a16:colId xmlns:a16="http://schemas.microsoft.com/office/drawing/2014/main" val="20008"/>
+                      <a16:colId xmlns:a16="http://schemas.microsoft.com/office/drawing/2014/main" xmlns="" val="20008"/>
                     </a:ext>
                   </a:extLst>
                 </a:gridCol>
                 <a:gridCol w="814245">
                   <a:extLst>
                     <a:ext uri="{9D8B030D-6E8A-4147-A177-3AD203B41FA5}">
-                      <a16:colId xmlns:a16="http://schemas.microsoft.com/office/drawing/2014/main" val="20009"/>
+                      <a16:colId xmlns:a16="http://schemas.microsoft.com/office/drawing/2014/main" xmlns="" val="20009"/>
                     </a:ext>
                   </a:extLst>
                 </a:gridCol>
                 <a:gridCol w="814245">
                   <a:extLst>
                     <a:ext uri="{9D8B030D-6E8A-4147-A177-3AD203B41FA5}">
-                      <a16:colId xmlns:a16="http://schemas.microsoft.com/office/drawing/2014/main" val="20005"/>
+                      <a16:colId xmlns:a16="http://schemas.microsoft.com/office/drawing/2014/main" xmlns="" val="20005"/>
                     </a:ext>
                   </a:extLst>
                 </a:gridCol>
                 <a:gridCol w="814245">
                   <a:extLst>
                     <a:ext uri="{9D8B030D-6E8A-4147-A177-3AD203B41FA5}">
-                      <a16:colId xmlns:a16="http://schemas.microsoft.com/office/drawing/2014/main" val="20010"/>
+                      <a16:colId xmlns:a16="http://schemas.microsoft.com/office/drawing/2014/main" xmlns="" val="20010"/>
                     </a:ext>
                   </a:extLst>
                 </a:gridCol>
@@ -34787,7 +34855,7 @@
                 </a:tc>
                 <a:extLst>
                   <a:ext uri="{0D108BD9-81ED-4DB2-BD59-A6C34878D82A}">
-                    <a16:rowId xmlns:a16="http://schemas.microsoft.com/office/drawing/2014/main" val="4157930470"/>
+                    <a16:rowId xmlns:a16="http://schemas.microsoft.com/office/drawing/2014/main" xmlns="" val="4157930470"/>
                   </a:ext>
                 </a:extLst>
               </a:tr>
@@ -35047,7 +35115,7 @@
                 </a:tc>
                 <a:extLst>
                   <a:ext uri="{0D108BD9-81ED-4DB2-BD59-A6C34878D82A}">
-                    <a16:rowId xmlns:a16="http://schemas.microsoft.com/office/drawing/2014/main" val="1942208770"/>
+                    <a16:rowId xmlns:a16="http://schemas.microsoft.com/office/drawing/2014/main" xmlns="" val="1942208770"/>
                   </a:ext>
                 </a:extLst>
               </a:tr>
@@ -35266,7 +35334,7 @@
                 </a:tc>
                 <a:extLst>
                   <a:ext uri="{0D108BD9-81ED-4DB2-BD59-A6C34878D82A}">
-                    <a16:rowId xmlns:a16="http://schemas.microsoft.com/office/drawing/2014/main" val="10004"/>
+                    <a16:rowId xmlns:a16="http://schemas.microsoft.com/office/drawing/2014/main" xmlns="" val="10004"/>
                   </a:ext>
                 </a:extLst>
               </a:tr>
@@ -35527,7 +35595,7 @@
                 </a:tc>
                 <a:extLst>
                   <a:ext uri="{0D108BD9-81ED-4DB2-BD59-A6C34878D82A}">
-                    <a16:rowId xmlns:a16="http://schemas.microsoft.com/office/drawing/2014/main" val="134965533"/>
+                    <a16:rowId xmlns:a16="http://schemas.microsoft.com/office/drawing/2014/main" xmlns="" val="134965533"/>
                   </a:ext>
                 </a:extLst>
               </a:tr>
@@ -35901,7 +35969,7 @@
           <p:nvPr>
             <p:extLst>
               <p:ext uri="{D42A27DB-BD31-4B8C-83A1-F6EECF244321}">
-                <p14:modId xmlns:p14="http://schemas.microsoft.com/office/powerpoint/2010/main" val="1513084421"/>
+                <p14:modId xmlns:p14="http://schemas.microsoft.com/office/powerpoint/2010/main" val="3025088198"/>
               </p:ext>
             </p:extLst>
           </p:nvPr>
@@ -35920,77 +35988,77 @@
                 <a:gridCol w="957305">
                   <a:extLst>
                     <a:ext uri="{9D8B030D-6E8A-4147-A177-3AD203B41FA5}">
-                      <a16:colId xmlns:a16="http://schemas.microsoft.com/office/drawing/2014/main" val="20000"/>
+                      <a16:colId xmlns:a16="http://schemas.microsoft.com/office/drawing/2014/main" xmlns="" val="20000"/>
                     </a:ext>
                   </a:extLst>
                 </a:gridCol>
                 <a:gridCol w="889770">
                   <a:extLst>
                     <a:ext uri="{9D8B030D-6E8A-4147-A177-3AD203B41FA5}">
-                      <a16:colId xmlns:a16="http://schemas.microsoft.com/office/drawing/2014/main" val="20001"/>
+                      <a16:colId xmlns:a16="http://schemas.microsoft.com/office/drawing/2014/main" xmlns="" val="20001"/>
                     </a:ext>
                   </a:extLst>
                 </a:gridCol>
                 <a:gridCol w="643470">
                   <a:extLst>
                     <a:ext uri="{9D8B030D-6E8A-4147-A177-3AD203B41FA5}">
-                      <a16:colId xmlns:a16="http://schemas.microsoft.com/office/drawing/2014/main" val="20002"/>
+                      <a16:colId xmlns:a16="http://schemas.microsoft.com/office/drawing/2014/main" xmlns="" val="20002"/>
                     </a:ext>
                   </a:extLst>
                 </a:gridCol>
                 <a:gridCol w="597600">
                   <a:extLst>
                     <a:ext uri="{9D8B030D-6E8A-4147-A177-3AD203B41FA5}">
-                      <a16:colId xmlns:a16="http://schemas.microsoft.com/office/drawing/2014/main" val="20003"/>
+                      <a16:colId xmlns:a16="http://schemas.microsoft.com/office/drawing/2014/main" xmlns="" val="20003"/>
                     </a:ext>
                   </a:extLst>
                 </a:gridCol>
                 <a:gridCol w="597600">
                   <a:extLst>
                     <a:ext uri="{9D8B030D-6E8A-4147-A177-3AD203B41FA5}">
-                      <a16:colId xmlns:a16="http://schemas.microsoft.com/office/drawing/2014/main" val="20004"/>
+                      <a16:colId xmlns:a16="http://schemas.microsoft.com/office/drawing/2014/main" xmlns="" val="20004"/>
                     </a:ext>
                   </a:extLst>
                 </a:gridCol>
                 <a:gridCol w="683238">
                   <a:extLst>
                     <a:ext uri="{9D8B030D-6E8A-4147-A177-3AD203B41FA5}">
-                      <a16:colId xmlns:a16="http://schemas.microsoft.com/office/drawing/2014/main" val="20005"/>
+                      <a16:colId xmlns:a16="http://schemas.microsoft.com/office/drawing/2014/main" xmlns="" val="20005"/>
                     </a:ext>
                   </a:extLst>
                 </a:gridCol>
                 <a:gridCol w="683238">
                   <a:extLst>
                     <a:ext uri="{9D8B030D-6E8A-4147-A177-3AD203B41FA5}">
-                      <a16:colId xmlns:a16="http://schemas.microsoft.com/office/drawing/2014/main" val="20006"/>
+                      <a16:colId xmlns:a16="http://schemas.microsoft.com/office/drawing/2014/main" xmlns="" val="20006"/>
                     </a:ext>
                   </a:extLst>
                 </a:gridCol>
                 <a:gridCol w="683238">
                   <a:extLst>
                     <a:ext uri="{9D8B030D-6E8A-4147-A177-3AD203B41FA5}">
-                      <a16:colId xmlns:a16="http://schemas.microsoft.com/office/drawing/2014/main" val="20007"/>
+                      <a16:colId xmlns:a16="http://schemas.microsoft.com/office/drawing/2014/main" xmlns="" val="20007"/>
                     </a:ext>
                   </a:extLst>
                 </a:gridCol>
                 <a:gridCol w="683238">
                   <a:extLst>
                     <a:ext uri="{9D8B030D-6E8A-4147-A177-3AD203B41FA5}">
-                      <a16:colId xmlns:a16="http://schemas.microsoft.com/office/drawing/2014/main" val="20008"/>
+                      <a16:colId xmlns:a16="http://schemas.microsoft.com/office/drawing/2014/main" xmlns="" val="20008"/>
                     </a:ext>
                   </a:extLst>
                 </a:gridCol>
                 <a:gridCol w="683238">
                   <a:extLst>
                     <a:ext uri="{9D8B030D-6E8A-4147-A177-3AD203B41FA5}">
-                      <a16:colId xmlns:a16="http://schemas.microsoft.com/office/drawing/2014/main" val="20009"/>
+                      <a16:colId xmlns:a16="http://schemas.microsoft.com/office/drawing/2014/main" xmlns="" val="20009"/>
                     </a:ext>
                   </a:extLst>
                 </a:gridCol>
                 <a:gridCol w="683238">
                   <a:extLst>
                     <a:ext uri="{9D8B030D-6E8A-4147-A177-3AD203B41FA5}">
-                      <a16:colId xmlns:a16="http://schemas.microsoft.com/office/drawing/2014/main" val="20010"/>
+                      <a16:colId xmlns:a16="http://schemas.microsoft.com/office/drawing/2014/main" xmlns="" val="20010"/>
                     </a:ext>
                   </a:extLst>
                 </a:gridCol>
@@ -36283,7 +36351,7 @@
                 </a:tc>
                 <a:extLst>
                   <a:ext uri="{0D108BD9-81ED-4DB2-BD59-A6C34878D82A}">
-                    <a16:rowId xmlns:a16="http://schemas.microsoft.com/office/drawing/2014/main" val="10000"/>
+                    <a16:rowId xmlns:a16="http://schemas.microsoft.com/office/drawing/2014/main" xmlns="" val="10000"/>
                   </a:ext>
                 </a:extLst>
               </a:tr>
@@ -36710,7 +36778,7 @@
                 </a:tc>
                 <a:extLst>
                   <a:ext uri="{0D108BD9-81ED-4DB2-BD59-A6C34878D82A}">
-                    <a16:rowId xmlns:a16="http://schemas.microsoft.com/office/drawing/2014/main" val="10001"/>
+                    <a16:rowId xmlns:a16="http://schemas.microsoft.com/office/drawing/2014/main" xmlns="" val="10001"/>
                   </a:ext>
                 </a:extLst>
               </a:tr>
@@ -36754,7 +36822,7 @@
                     <a:p>
                       <a:pPr algn="ctr"/>
                       <a:r>
-                        <a:rPr lang="zh-TW" altLang="en-US" sz="1200" kern="0">
+                        <a:rPr lang="zh-TW" altLang="en-US" sz="1200" kern="0" dirty="0">
                           <a:solidFill>
                             <a:sysClr val="windowText" lastClr="000000"/>
                           </a:solidFill>
@@ -36862,6 +36930,63 @@
                     <a:p>
                       <a:pPr algn="ctr"/>
                       <a:r>
+                        <a:rPr lang="zh-TW" altLang="en-US" sz="1200" kern="1200" dirty="0" smtClean="0">
+                          <a:solidFill>
+                            <a:srgbClr val="FF0000"/>
+                          </a:solidFill>
+                          <a:latin typeface="+mj-ea"/>
+                          <a:ea typeface="+mn-ea"/>
+                          <a:cs typeface="+mn-cs"/>
+                        </a:rPr>
+                        <a:t>◎</a:t>
+                      </a:r>
+                      <a:endParaRPr lang="zh-TW" altLang="en-US" sz="1200" b="0" dirty="0">
+                        <a:solidFill>
+                          <a:srgbClr val="FF0000"/>
+                        </a:solidFill>
+                        <a:latin typeface="+mj-ea"/>
+                        <a:ea typeface="+mj-ea"/>
+                      </a:endParaRPr>
+                    </a:p>
+                  </a:txBody>
+                  <a:tcPr marL="9525" marR="9525" marT="9525" marB="0" anchor="ctr"/>
+                </a:tc>
+                <a:tc>
+                  <a:txBody>
+                    <a:bodyPr/>
+                    <a:lstStyle/>
+                    <a:p>
+                      <a:pPr algn="ctr"/>
+                      <a:r>
+                        <a:rPr lang="zh-TW" altLang="en-US" sz="1200" kern="1200" dirty="0" smtClean="0">
+                          <a:solidFill>
+                            <a:srgbClr val="FF0000"/>
+                          </a:solidFill>
+                          <a:latin typeface="+mj-ea"/>
+                          <a:ea typeface="+mn-ea"/>
+                          <a:cs typeface="+mn-cs"/>
+                        </a:rPr>
+                        <a:t>◎</a:t>
+                      </a:r>
+                      <a:endParaRPr lang="zh-TW" altLang="en-US" sz="1200" b="0" kern="1200" dirty="0">
+                        <a:solidFill>
+                          <a:srgbClr val="FF0000"/>
+                        </a:solidFill>
+                        <a:latin typeface="+mj-ea"/>
+                        <a:ea typeface="+mn-ea"/>
+                        <a:cs typeface="+mn-cs"/>
+                      </a:endParaRPr>
+                    </a:p>
+                  </a:txBody>
+                  <a:tcPr marL="9525" marR="9525" marT="9525" marB="0" anchor="ctr"/>
+                </a:tc>
+                <a:tc>
+                  <a:txBody>
+                    <a:bodyPr/>
+                    <a:lstStyle/>
+                    <a:p>
+                      <a:pPr algn="ctr"/>
+                      <a:r>
                         <a:rPr lang="zh-TW" altLang="en-US" sz="1200" kern="0" dirty="0">
                           <a:solidFill>
                             <a:sysClr val="windowText" lastClr="000000"/>
@@ -36889,7 +37014,36 @@
                     <a:p>
                       <a:pPr algn="ctr"/>
                       <a:r>
-                        <a:rPr lang="zh-TW" altLang="en-US" sz="1200" kern="0" dirty="0">
+                        <a:rPr lang="zh-TW" altLang="en-US" sz="1200" kern="1200" dirty="0" smtClean="0">
+                          <a:solidFill>
+                            <a:srgbClr val="FF0000"/>
+                          </a:solidFill>
+                          <a:latin typeface="+mj-ea"/>
+                          <a:ea typeface="+mn-ea"/>
+                          <a:cs typeface="+mn-cs"/>
+                        </a:rPr>
+                        <a:t>◎</a:t>
+                      </a:r>
+                      <a:endParaRPr lang="zh-TW" altLang="en-US" sz="1200" b="0" kern="1200" dirty="0">
+                        <a:solidFill>
+                          <a:srgbClr val="FF0000"/>
+                        </a:solidFill>
+                        <a:latin typeface="+mj-ea"/>
+                        <a:ea typeface="+mn-ea"/>
+                        <a:cs typeface="+mn-cs"/>
+                      </a:endParaRPr>
+                    </a:p>
+                  </a:txBody>
+                  <a:tcPr marL="9525" marR="9525" marT="9525" marB="0" anchor="ctr"/>
+                </a:tc>
+                <a:tc>
+                  <a:txBody>
+                    <a:bodyPr/>
+                    <a:lstStyle/>
+                    <a:p>
+                      <a:pPr algn="ctr"/>
+                      <a:r>
+                        <a:rPr lang="zh-TW" altLang="en-US" sz="1200" kern="0">
                           <a:solidFill>
                             <a:sysClr val="windowText" lastClr="000000"/>
                           </a:solidFill>
@@ -36916,7 +37070,7 @@
                     <a:p>
                       <a:pPr algn="ctr"/>
                       <a:r>
-                        <a:rPr lang="zh-TW" altLang="en-US" sz="1200" kern="0" dirty="0">
+                        <a:rPr lang="zh-TW" altLang="en-US" sz="1200" kern="0">
                           <a:solidFill>
                             <a:sysClr val="windowText" lastClr="000000"/>
                           </a:solidFill>
@@ -36936,90 +37090,9 @@
                   </a:txBody>
                   <a:tcPr marL="9525" marR="9525" marT="9525" marB="0" anchor="ctr"/>
                 </a:tc>
-                <a:tc>
-                  <a:txBody>
-                    <a:bodyPr/>
-                    <a:lstStyle/>
-                    <a:p>
-                      <a:pPr algn="ctr"/>
-                      <a:r>
-                        <a:rPr lang="zh-TW" altLang="en-US" sz="1200" kern="0">
-                          <a:solidFill>
-                            <a:sysClr val="windowText" lastClr="000000"/>
-                          </a:solidFill>
-                          <a:latin typeface="+mj-ea"/>
-                          <a:ea typeface="+mj-ea"/>
-                        </a:rPr>
-                        <a:t>○</a:t>
-                      </a:r>
-                      <a:endParaRPr lang="zh-TW" altLang="en-US" sz="1200" b="0" dirty="0">
-                        <a:solidFill>
-                          <a:schemeClr val="tx1"/>
-                        </a:solidFill>
-                        <a:latin typeface="+mj-ea"/>
-                        <a:ea typeface="+mj-ea"/>
-                      </a:endParaRPr>
-                    </a:p>
-                  </a:txBody>
-                  <a:tcPr marL="9525" marR="9525" marT="9525" marB="0" anchor="ctr"/>
-                </a:tc>
-                <a:tc>
-                  <a:txBody>
-                    <a:bodyPr/>
-                    <a:lstStyle/>
-                    <a:p>
-                      <a:pPr algn="ctr"/>
-                      <a:r>
-                        <a:rPr lang="zh-TW" altLang="en-US" sz="1200" kern="0">
-                          <a:solidFill>
-                            <a:sysClr val="windowText" lastClr="000000"/>
-                          </a:solidFill>
-                          <a:latin typeface="+mj-ea"/>
-                          <a:ea typeface="+mj-ea"/>
-                        </a:rPr>
-                        <a:t>○</a:t>
-                      </a:r>
-                      <a:endParaRPr lang="zh-TW" altLang="en-US" sz="1200" b="0" dirty="0">
-                        <a:solidFill>
-                          <a:schemeClr val="tx1"/>
-                        </a:solidFill>
-                        <a:latin typeface="+mj-ea"/>
-                        <a:ea typeface="+mj-ea"/>
-                      </a:endParaRPr>
-                    </a:p>
-                  </a:txBody>
-                  <a:tcPr marL="9525" marR="9525" marT="9525" marB="0" anchor="ctr"/>
-                </a:tc>
-                <a:tc>
-                  <a:txBody>
-                    <a:bodyPr/>
-                    <a:lstStyle/>
-                    <a:p>
-                      <a:pPr algn="ctr"/>
-                      <a:r>
-                        <a:rPr lang="zh-TW" altLang="en-US" sz="1200" kern="0">
-                          <a:solidFill>
-                            <a:sysClr val="windowText" lastClr="000000"/>
-                          </a:solidFill>
-                          <a:latin typeface="+mj-ea"/>
-                          <a:ea typeface="+mj-ea"/>
-                        </a:rPr>
-                        <a:t>○</a:t>
-                      </a:r>
-                      <a:endParaRPr lang="zh-TW" altLang="en-US" sz="1200" b="0" dirty="0">
-                        <a:solidFill>
-                          <a:schemeClr val="tx1"/>
-                        </a:solidFill>
-                        <a:latin typeface="+mj-ea"/>
-                        <a:ea typeface="+mj-ea"/>
-                      </a:endParaRPr>
-                    </a:p>
-                  </a:txBody>
-                  <a:tcPr marL="9525" marR="9525" marT="9525" marB="0" anchor="ctr"/>
-                </a:tc>
                 <a:extLst>
                   <a:ext uri="{0D108BD9-81ED-4DB2-BD59-A6C34878D82A}">
-                    <a16:rowId xmlns:a16="http://schemas.microsoft.com/office/drawing/2014/main" val="10002"/>
+                    <a16:rowId xmlns:a16="http://schemas.microsoft.com/office/drawing/2014/main" xmlns="" val="10002"/>
                   </a:ext>
                 </a:extLst>
               </a:tr>
@@ -37180,7 +37253,7 @@
                     <a:p>
                       <a:pPr algn="ctr"/>
                       <a:r>
-                        <a:rPr lang="zh-TW" altLang="en-US" sz="1200" kern="0">
+                        <a:rPr lang="zh-TW" altLang="en-US" sz="1200" kern="0" dirty="0">
                           <a:solidFill>
                             <a:sysClr val="windowText" lastClr="000000"/>
                           </a:solidFill>
@@ -37207,7 +37280,36 @@
                     <a:p>
                       <a:pPr algn="ctr"/>
                       <a:r>
-                        <a:rPr lang="zh-TW" altLang="en-US" sz="1200" kern="0">
+                        <a:rPr lang="zh-TW" altLang="en-US" sz="1200" kern="1200" dirty="0" smtClean="0">
+                          <a:solidFill>
+                            <a:srgbClr val="FF0000"/>
+                          </a:solidFill>
+                          <a:latin typeface="+mj-ea"/>
+                          <a:ea typeface="+mn-ea"/>
+                          <a:cs typeface="+mn-cs"/>
+                        </a:rPr>
+                        <a:t>◎</a:t>
+                      </a:r>
+                      <a:endParaRPr lang="zh-TW" altLang="en-US" sz="1200" b="0" kern="1200" dirty="0">
+                        <a:solidFill>
+                          <a:srgbClr val="FF0000"/>
+                        </a:solidFill>
+                        <a:latin typeface="+mj-ea"/>
+                        <a:ea typeface="+mn-ea"/>
+                        <a:cs typeface="+mn-cs"/>
+                      </a:endParaRPr>
+                    </a:p>
+                  </a:txBody>
+                  <a:tcPr marL="9525" marR="9525" marT="9525" marB="0" anchor="ctr"/>
+                </a:tc>
+                <a:tc>
+                  <a:txBody>
+                    <a:bodyPr/>
+                    <a:lstStyle/>
+                    <a:p>
+                      <a:pPr algn="ctr"/>
+                      <a:r>
+                        <a:rPr lang="zh-TW" altLang="en-US" sz="1200" kern="0" dirty="0">
                           <a:solidFill>
                             <a:sysClr val="windowText" lastClr="000000"/>
                           </a:solidFill>
@@ -37234,7 +37336,7 @@
                     <a:p>
                       <a:pPr algn="ctr"/>
                       <a:r>
-                        <a:rPr lang="zh-TW" altLang="en-US" sz="1200" kern="0" dirty="0">
+                        <a:rPr lang="zh-TW" altLang="en-US" sz="1200" kern="0">
                           <a:solidFill>
                             <a:sysClr val="windowText" lastClr="000000"/>
                           </a:solidFill>
@@ -37308,36 +37410,9 @@
                   </a:txBody>
                   <a:tcPr marL="9525" marR="9525" marT="9525" marB="0" anchor="ctr"/>
                 </a:tc>
-                <a:tc>
-                  <a:txBody>
-                    <a:bodyPr/>
-                    <a:lstStyle/>
-                    <a:p>
-                      <a:pPr algn="ctr"/>
-                      <a:r>
-                        <a:rPr lang="zh-TW" altLang="en-US" sz="1200" kern="0">
-                          <a:solidFill>
-                            <a:sysClr val="windowText" lastClr="000000"/>
-                          </a:solidFill>
-                          <a:latin typeface="+mj-ea"/>
-                          <a:ea typeface="+mj-ea"/>
-                        </a:rPr>
-                        <a:t>○</a:t>
-                      </a:r>
-                      <a:endParaRPr lang="zh-TW" altLang="en-US" sz="1200" b="0" dirty="0">
-                        <a:solidFill>
-                          <a:schemeClr val="tx1"/>
-                        </a:solidFill>
-                        <a:latin typeface="+mj-ea"/>
-                        <a:ea typeface="+mj-ea"/>
-                      </a:endParaRPr>
-                    </a:p>
-                  </a:txBody>
-                  <a:tcPr marL="9525" marR="9525" marT="9525" marB="0" anchor="ctr"/>
-                </a:tc>
                 <a:extLst>
                   <a:ext uri="{0D108BD9-81ED-4DB2-BD59-A6C34878D82A}">
-                    <a16:rowId xmlns:a16="http://schemas.microsoft.com/office/drawing/2014/main" val="10003"/>
+                    <a16:rowId xmlns:a16="http://schemas.microsoft.com/office/drawing/2014/main" xmlns="" val="10003"/>
                   </a:ext>
                 </a:extLst>
               </a:tr>
@@ -37489,7 +37564,65 @@
                     <a:p>
                       <a:pPr algn="ctr"/>
                       <a:r>
-                        <a:rPr lang="zh-TW" altLang="en-US" sz="1200" kern="0" dirty="0">
+                        <a:rPr lang="zh-TW" altLang="en-US" sz="1200" kern="1200" smtClean="0">
+                          <a:solidFill>
+                            <a:srgbClr val="FF0000"/>
+                          </a:solidFill>
+                          <a:latin typeface="+mj-ea"/>
+                          <a:ea typeface="+mn-ea"/>
+                          <a:cs typeface="+mn-cs"/>
+                        </a:rPr>
+                        <a:t>◎</a:t>
+                      </a:r>
+                      <a:endParaRPr lang="zh-TW" altLang="en-US" sz="1200" b="0" kern="1200" dirty="0">
+                        <a:solidFill>
+                          <a:srgbClr val="FF0000"/>
+                        </a:solidFill>
+                        <a:latin typeface="+mj-ea"/>
+                        <a:ea typeface="+mn-ea"/>
+                        <a:cs typeface="+mn-cs"/>
+                      </a:endParaRPr>
+                    </a:p>
+                  </a:txBody>
+                  <a:tcPr marL="9525" marR="9525" marT="9525" marB="0" anchor="ctr"/>
+                </a:tc>
+                <a:tc>
+                  <a:txBody>
+                    <a:bodyPr/>
+                    <a:lstStyle/>
+                    <a:p>
+                      <a:pPr algn="ctr"/>
+                      <a:r>
+                        <a:rPr lang="zh-TW" altLang="en-US" sz="1200" kern="1200" smtClean="0">
+                          <a:solidFill>
+                            <a:srgbClr val="FF0000"/>
+                          </a:solidFill>
+                          <a:latin typeface="+mj-ea"/>
+                          <a:ea typeface="+mn-ea"/>
+                          <a:cs typeface="+mn-cs"/>
+                        </a:rPr>
+                        <a:t>◎</a:t>
+                      </a:r>
+                      <a:endParaRPr lang="zh-TW" altLang="en-US" sz="1200" b="0" kern="1200" dirty="0">
+                        <a:solidFill>
+                          <a:srgbClr val="FF0000"/>
+                        </a:solidFill>
+                        <a:latin typeface="+mj-ea"/>
+                        <a:ea typeface="+mn-ea"/>
+                        <a:cs typeface="+mn-cs"/>
+                      </a:endParaRPr>
+                    </a:p>
+                  </a:txBody>
+                  <a:tcPr marL="9525" marR="9525" marT="9525" marB="0" anchor="ctr"/>
+                </a:tc>
+                <a:tc>
+                  <a:txBody>
+                    <a:bodyPr/>
+                    <a:lstStyle/>
+                    <a:p>
+                      <a:pPr algn="ctr"/>
+                      <a:r>
+                        <a:rPr lang="zh-TW" altLang="en-US" sz="1200" kern="0">
                           <a:solidFill>
                             <a:sysClr val="windowText" lastClr="000000"/>
                           </a:solidFill>
@@ -37516,6 +37649,35 @@
                     <a:p>
                       <a:pPr algn="ctr"/>
                       <a:r>
+                        <a:rPr lang="zh-TW" altLang="en-US" sz="1200" kern="1200" smtClean="0">
+                          <a:solidFill>
+                            <a:srgbClr val="FF0000"/>
+                          </a:solidFill>
+                          <a:latin typeface="+mj-ea"/>
+                          <a:ea typeface="+mn-ea"/>
+                          <a:cs typeface="+mn-cs"/>
+                        </a:rPr>
+                        <a:t>◎</a:t>
+                      </a:r>
+                      <a:endParaRPr lang="zh-TW" altLang="en-US" sz="1200" b="0" kern="1200" dirty="0">
+                        <a:solidFill>
+                          <a:srgbClr val="FF0000"/>
+                        </a:solidFill>
+                        <a:latin typeface="+mj-ea"/>
+                        <a:ea typeface="+mn-ea"/>
+                        <a:cs typeface="+mn-cs"/>
+                      </a:endParaRPr>
+                    </a:p>
+                  </a:txBody>
+                  <a:tcPr marL="9525" marR="9525" marT="9525" marB="0" anchor="ctr"/>
+                </a:tc>
+                <a:tc>
+                  <a:txBody>
+                    <a:bodyPr/>
+                    <a:lstStyle/>
+                    <a:p>
+                      <a:pPr algn="ctr"/>
+                      <a:r>
                         <a:rPr lang="zh-TW" altLang="en-US" sz="1200" kern="0">
                           <a:solidFill>
                             <a:sysClr val="windowText" lastClr="000000"/>
@@ -37563,90 +37725,9 @@
                   </a:txBody>
                   <a:tcPr marL="9525" marR="9525" marT="9525" marB="0" anchor="ctr"/>
                 </a:tc>
-                <a:tc>
-                  <a:txBody>
-                    <a:bodyPr/>
-                    <a:lstStyle/>
-                    <a:p>
-                      <a:pPr algn="ctr"/>
-                      <a:r>
-                        <a:rPr lang="zh-TW" altLang="en-US" sz="1200" kern="0" dirty="0">
-                          <a:solidFill>
-                            <a:sysClr val="windowText" lastClr="000000"/>
-                          </a:solidFill>
-                          <a:latin typeface="+mj-ea"/>
-                          <a:ea typeface="+mj-ea"/>
-                        </a:rPr>
-                        <a:t>○</a:t>
-                      </a:r>
-                      <a:endParaRPr lang="zh-TW" altLang="en-US" sz="1200" b="0" dirty="0">
-                        <a:solidFill>
-                          <a:schemeClr val="tx1"/>
-                        </a:solidFill>
-                        <a:latin typeface="+mj-ea"/>
-                        <a:ea typeface="+mj-ea"/>
-                      </a:endParaRPr>
-                    </a:p>
-                  </a:txBody>
-                  <a:tcPr marL="9525" marR="9525" marT="9525" marB="0" anchor="ctr"/>
-                </a:tc>
-                <a:tc>
-                  <a:txBody>
-                    <a:bodyPr/>
-                    <a:lstStyle/>
-                    <a:p>
-                      <a:pPr algn="ctr"/>
-                      <a:r>
-                        <a:rPr lang="zh-TW" altLang="en-US" sz="1200" kern="0">
-                          <a:solidFill>
-                            <a:sysClr val="windowText" lastClr="000000"/>
-                          </a:solidFill>
-                          <a:latin typeface="+mj-ea"/>
-                          <a:ea typeface="+mj-ea"/>
-                        </a:rPr>
-                        <a:t>○</a:t>
-                      </a:r>
-                      <a:endParaRPr lang="zh-TW" altLang="en-US" sz="1200" b="0" dirty="0">
-                        <a:solidFill>
-                          <a:schemeClr val="tx1"/>
-                        </a:solidFill>
-                        <a:latin typeface="+mj-ea"/>
-                        <a:ea typeface="+mj-ea"/>
-                      </a:endParaRPr>
-                    </a:p>
-                  </a:txBody>
-                  <a:tcPr marL="9525" marR="9525" marT="9525" marB="0" anchor="ctr"/>
-                </a:tc>
-                <a:tc>
-                  <a:txBody>
-                    <a:bodyPr/>
-                    <a:lstStyle/>
-                    <a:p>
-                      <a:pPr algn="ctr"/>
-                      <a:r>
-                        <a:rPr lang="zh-TW" altLang="en-US" sz="1200" kern="0">
-                          <a:solidFill>
-                            <a:sysClr val="windowText" lastClr="000000"/>
-                          </a:solidFill>
-                          <a:latin typeface="+mj-ea"/>
-                          <a:ea typeface="+mj-ea"/>
-                        </a:rPr>
-                        <a:t>○</a:t>
-                      </a:r>
-                      <a:endParaRPr lang="zh-TW" altLang="en-US" sz="1200" b="0" dirty="0">
-                        <a:solidFill>
-                          <a:schemeClr val="tx1"/>
-                        </a:solidFill>
-                        <a:latin typeface="+mj-ea"/>
-                        <a:ea typeface="+mj-ea"/>
-                      </a:endParaRPr>
-                    </a:p>
-                  </a:txBody>
-                  <a:tcPr marL="9525" marR="9525" marT="9525" marB="0" anchor="ctr"/>
-                </a:tc>
                 <a:extLst>
                   <a:ext uri="{0D108BD9-81ED-4DB2-BD59-A6C34878D82A}">
-                    <a16:rowId xmlns:a16="http://schemas.microsoft.com/office/drawing/2014/main" val="10004"/>
+                    <a16:rowId xmlns:a16="http://schemas.microsoft.com/office/drawing/2014/main" xmlns="" val="10004"/>
                   </a:ext>
                 </a:extLst>
               </a:tr>
@@ -37814,7 +37895,65 @@
                     <a:p>
                       <a:pPr algn="ctr"/>
                       <a:r>
-                        <a:rPr lang="zh-TW" altLang="en-US" sz="1200" kern="0" dirty="0">
+                        <a:rPr lang="zh-TW" altLang="en-US" sz="1200" kern="1200" smtClean="0">
+                          <a:solidFill>
+                            <a:srgbClr val="FF0000"/>
+                          </a:solidFill>
+                          <a:latin typeface="+mj-ea"/>
+                          <a:ea typeface="+mn-ea"/>
+                          <a:cs typeface="+mn-cs"/>
+                        </a:rPr>
+                        <a:t>◎</a:t>
+                      </a:r>
+                      <a:endParaRPr lang="zh-TW" altLang="en-US" sz="1200" b="0" kern="1200" dirty="0">
+                        <a:solidFill>
+                          <a:srgbClr val="FF0000"/>
+                        </a:solidFill>
+                        <a:latin typeface="+mj-ea"/>
+                        <a:ea typeface="+mn-ea"/>
+                        <a:cs typeface="+mn-cs"/>
+                      </a:endParaRPr>
+                    </a:p>
+                  </a:txBody>
+                  <a:tcPr marL="9525" marR="9525" marT="9525" marB="0" anchor="ctr"/>
+                </a:tc>
+                <a:tc>
+                  <a:txBody>
+                    <a:bodyPr/>
+                    <a:lstStyle/>
+                    <a:p>
+                      <a:pPr algn="ctr"/>
+                      <a:r>
+                        <a:rPr lang="zh-TW" altLang="en-US" sz="1200" kern="1200" smtClean="0">
+                          <a:solidFill>
+                            <a:srgbClr val="FF0000"/>
+                          </a:solidFill>
+                          <a:latin typeface="+mj-ea"/>
+                          <a:ea typeface="+mn-ea"/>
+                          <a:cs typeface="+mn-cs"/>
+                        </a:rPr>
+                        <a:t>◎</a:t>
+                      </a:r>
+                      <a:endParaRPr lang="zh-TW" altLang="en-US" sz="1200" b="0" kern="1200" dirty="0">
+                        <a:solidFill>
+                          <a:srgbClr val="FF0000"/>
+                        </a:solidFill>
+                        <a:latin typeface="+mj-ea"/>
+                        <a:ea typeface="+mn-ea"/>
+                        <a:cs typeface="+mn-cs"/>
+                      </a:endParaRPr>
+                    </a:p>
+                  </a:txBody>
+                  <a:tcPr marL="9525" marR="9525" marT="9525" marB="0" anchor="ctr"/>
+                </a:tc>
+                <a:tc>
+                  <a:txBody>
+                    <a:bodyPr/>
+                    <a:lstStyle/>
+                    <a:p>
+                      <a:pPr algn="ctr"/>
+                      <a:r>
+                        <a:rPr lang="zh-TW" altLang="en-US" sz="1200" kern="0">
                           <a:solidFill>
                             <a:sysClr val="windowText" lastClr="000000"/>
                           </a:solidFill>
@@ -37841,6 +37980,35 @@
                     <a:p>
                       <a:pPr algn="ctr"/>
                       <a:r>
+                        <a:rPr lang="zh-TW" altLang="en-US" sz="1200" kern="1200" smtClean="0">
+                          <a:solidFill>
+                            <a:srgbClr val="FF0000"/>
+                          </a:solidFill>
+                          <a:latin typeface="+mj-ea"/>
+                          <a:ea typeface="+mn-ea"/>
+                          <a:cs typeface="+mn-cs"/>
+                        </a:rPr>
+                        <a:t>◎</a:t>
+                      </a:r>
+                      <a:endParaRPr lang="zh-TW" altLang="en-US" sz="1200" b="0" kern="1200" dirty="0">
+                        <a:solidFill>
+                          <a:srgbClr val="FF0000"/>
+                        </a:solidFill>
+                        <a:latin typeface="+mj-ea"/>
+                        <a:ea typeface="+mn-ea"/>
+                        <a:cs typeface="+mn-cs"/>
+                      </a:endParaRPr>
+                    </a:p>
+                  </a:txBody>
+                  <a:tcPr marL="9525" marR="9525" marT="9525" marB="0" anchor="ctr"/>
+                </a:tc>
+                <a:tc>
+                  <a:txBody>
+                    <a:bodyPr/>
+                    <a:lstStyle/>
+                    <a:p>
+                      <a:pPr algn="ctr"/>
+                      <a:r>
                         <a:rPr lang="zh-TW" altLang="en-US" sz="1200" kern="0">
                           <a:solidFill>
                             <a:sysClr val="windowText" lastClr="000000"/>
@@ -37888,90 +38056,9 @@
                   </a:txBody>
                   <a:tcPr marL="9525" marR="9525" marT="9525" marB="0" anchor="ctr"/>
                 </a:tc>
-                <a:tc>
-                  <a:txBody>
-                    <a:bodyPr/>
-                    <a:lstStyle/>
-                    <a:p>
-                      <a:pPr algn="ctr"/>
-                      <a:r>
-                        <a:rPr lang="zh-TW" altLang="en-US" sz="1200" kern="0" dirty="0">
-                          <a:solidFill>
-                            <a:sysClr val="windowText" lastClr="000000"/>
-                          </a:solidFill>
-                          <a:latin typeface="+mj-ea"/>
-                          <a:ea typeface="+mj-ea"/>
-                        </a:rPr>
-                        <a:t>○</a:t>
-                      </a:r>
-                      <a:endParaRPr lang="zh-TW" altLang="en-US" sz="1200" b="0" dirty="0">
-                        <a:solidFill>
-                          <a:schemeClr val="tx1"/>
-                        </a:solidFill>
-                        <a:latin typeface="+mj-ea"/>
-                        <a:ea typeface="+mj-ea"/>
-                      </a:endParaRPr>
-                    </a:p>
-                  </a:txBody>
-                  <a:tcPr marL="9525" marR="9525" marT="9525" marB="0" anchor="ctr"/>
-                </a:tc>
-                <a:tc>
-                  <a:txBody>
-                    <a:bodyPr/>
-                    <a:lstStyle/>
-                    <a:p>
-                      <a:pPr algn="ctr"/>
-                      <a:r>
-                        <a:rPr lang="zh-TW" altLang="en-US" sz="1200" kern="0">
-                          <a:solidFill>
-                            <a:sysClr val="windowText" lastClr="000000"/>
-                          </a:solidFill>
-                          <a:latin typeface="+mj-ea"/>
-                          <a:ea typeface="+mj-ea"/>
-                        </a:rPr>
-                        <a:t>○</a:t>
-                      </a:r>
-                      <a:endParaRPr lang="zh-TW" altLang="en-US" sz="1200" b="0" dirty="0">
-                        <a:solidFill>
-                          <a:schemeClr val="tx1"/>
-                        </a:solidFill>
-                        <a:latin typeface="+mj-ea"/>
-                        <a:ea typeface="+mj-ea"/>
-                      </a:endParaRPr>
-                    </a:p>
-                  </a:txBody>
-                  <a:tcPr marL="9525" marR="9525" marT="9525" marB="0" anchor="ctr"/>
-                </a:tc>
-                <a:tc>
-                  <a:txBody>
-                    <a:bodyPr/>
-                    <a:lstStyle/>
-                    <a:p>
-                      <a:pPr algn="ctr"/>
-                      <a:r>
-                        <a:rPr lang="zh-TW" altLang="en-US" sz="1200" kern="0">
-                          <a:solidFill>
-                            <a:sysClr val="windowText" lastClr="000000"/>
-                          </a:solidFill>
-                          <a:latin typeface="+mj-ea"/>
-                          <a:ea typeface="+mj-ea"/>
-                        </a:rPr>
-                        <a:t>○</a:t>
-                      </a:r>
-                      <a:endParaRPr lang="zh-TW" altLang="en-US" sz="1200" b="0" dirty="0">
-                        <a:solidFill>
-                          <a:schemeClr val="tx1"/>
-                        </a:solidFill>
-                        <a:latin typeface="+mj-ea"/>
-                        <a:ea typeface="+mj-ea"/>
-                      </a:endParaRPr>
-                    </a:p>
-                  </a:txBody>
-                  <a:tcPr marL="9525" marR="9525" marT="9525" marB="0" anchor="ctr"/>
-                </a:tc>
                 <a:extLst>
                   <a:ext uri="{0D108BD9-81ED-4DB2-BD59-A6C34878D82A}">
-                    <a16:rowId xmlns:a16="http://schemas.microsoft.com/office/drawing/2014/main" val="10005"/>
+                    <a16:rowId xmlns:a16="http://schemas.microsoft.com/office/drawing/2014/main" xmlns="" val="10005"/>
                   </a:ext>
                 </a:extLst>
               </a:tr>
@@ -38139,7 +38226,65 @@
                     <a:p>
                       <a:pPr algn="ctr"/>
                       <a:r>
-                        <a:rPr lang="zh-TW" altLang="en-US" sz="1200" kern="0" dirty="0">
+                        <a:rPr lang="zh-TW" altLang="en-US" sz="1200" kern="1200" smtClean="0">
+                          <a:solidFill>
+                            <a:srgbClr val="FF0000"/>
+                          </a:solidFill>
+                          <a:latin typeface="+mj-ea"/>
+                          <a:ea typeface="+mn-ea"/>
+                          <a:cs typeface="+mn-cs"/>
+                        </a:rPr>
+                        <a:t>◎</a:t>
+                      </a:r>
+                      <a:endParaRPr lang="zh-TW" altLang="en-US" sz="1200" b="0" kern="1200" dirty="0">
+                        <a:solidFill>
+                          <a:srgbClr val="FF0000"/>
+                        </a:solidFill>
+                        <a:latin typeface="+mj-ea"/>
+                        <a:ea typeface="+mn-ea"/>
+                        <a:cs typeface="+mn-cs"/>
+                      </a:endParaRPr>
+                    </a:p>
+                  </a:txBody>
+                  <a:tcPr marL="9525" marR="9525" marT="9525" marB="0" anchor="ctr"/>
+                </a:tc>
+                <a:tc>
+                  <a:txBody>
+                    <a:bodyPr/>
+                    <a:lstStyle/>
+                    <a:p>
+                      <a:pPr algn="ctr"/>
+                      <a:r>
+                        <a:rPr lang="zh-TW" altLang="en-US" sz="1200" kern="1200" dirty="0" smtClean="0">
+                          <a:solidFill>
+                            <a:srgbClr val="FF0000"/>
+                          </a:solidFill>
+                          <a:latin typeface="+mj-ea"/>
+                          <a:ea typeface="+mn-ea"/>
+                          <a:cs typeface="+mn-cs"/>
+                        </a:rPr>
+                        <a:t>◎</a:t>
+                      </a:r>
+                      <a:endParaRPr lang="zh-TW" altLang="en-US" sz="1200" b="0" kern="1200" dirty="0">
+                        <a:solidFill>
+                          <a:srgbClr val="FF0000"/>
+                        </a:solidFill>
+                        <a:latin typeface="+mj-ea"/>
+                        <a:ea typeface="+mn-ea"/>
+                        <a:cs typeface="+mn-cs"/>
+                      </a:endParaRPr>
+                    </a:p>
+                  </a:txBody>
+                  <a:tcPr marL="9525" marR="9525" marT="9525" marB="0" anchor="ctr"/>
+                </a:tc>
+                <a:tc>
+                  <a:txBody>
+                    <a:bodyPr/>
+                    <a:lstStyle/>
+                    <a:p>
+                      <a:pPr algn="ctr"/>
+                      <a:r>
+                        <a:rPr lang="zh-TW" altLang="en-US" sz="1200" kern="0">
                           <a:solidFill>
                             <a:sysClr val="windowText" lastClr="000000"/>
                           </a:solidFill>
@@ -38166,7 +38311,36 @@
                     <a:p>
                       <a:pPr algn="ctr"/>
                       <a:r>
-                        <a:rPr lang="zh-TW" altLang="en-US" sz="1200" kern="0">
+                        <a:rPr lang="zh-TW" altLang="en-US" sz="1200" kern="1200" smtClean="0">
+                          <a:solidFill>
+                            <a:srgbClr val="FF0000"/>
+                          </a:solidFill>
+                          <a:latin typeface="+mj-ea"/>
+                          <a:ea typeface="+mn-ea"/>
+                          <a:cs typeface="+mn-cs"/>
+                        </a:rPr>
+                        <a:t>◎</a:t>
+                      </a:r>
+                      <a:endParaRPr lang="zh-TW" altLang="en-US" sz="1200" b="0" kern="1200" dirty="0">
+                        <a:solidFill>
+                          <a:srgbClr val="FF0000"/>
+                        </a:solidFill>
+                        <a:latin typeface="+mj-ea"/>
+                        <a:ea typeface="+mn-ea"/>
+                        <a:cs typeface="+mn-cs"/>
+                      </a:endParaRPr>
+                    </a:p>
+                  </a:txBody>
+                  <a:tcPr marL="9525" marR="9525" marT="9525" marB="0" anchor="ctr"/>
+                </a:tc>
+                <a:tc>
+                  <a:txBody>
+                    <a:bodyPr/>
+                    <a:lstStyle/>
+                    <a:p>
+                      <a:pPr algn="ctr"/>
+                      <a:r>
+                        <a:rPr lang="zh-TW" altLang="en-US" sz="1200" kern="0" dirty="0">
                           <a:solidFill>
                             <a:sysClr val="windowText" lastClr="000000"/>
                           </a:solidFill>
@@ -38213,90 +38387,9 @@
                   </a:txBody>
                   <a:tcPr marL="9525" marR="9525" marT="9525" marB="0" anchor="ctr"/>
                 </a:tc>
-                <a:tc>
-                  <a:txBody>
-                    <a:bodyPr/>
-                    <a:lstStyle/>
-                    <a:p>
-                      <a:pPr algn="ctr"/>
-                      <a:r>
-                        <a:rPr lang="zh-TW" altLang="en-US" sz="1200" kern="0">
-                          <a:solidFill>
-                            <a:sysClr val="windowText" lastClr="000000"/>
-                          </a:solidFill>
-                          <a:latin typeface="+mj-ea"/>
-                          <a:ea typeface="+mj-ea"/>
-                        </a:rPr>
-                        <a:t>○</a:t>
-                      </a:r>
-                      <a:endParaRPr lang="zh-TW" altLang="en-US" sz="1200" b="0" dirty="0">
-                        <a:solidFill>
-                          <a:schemeClr val="tx1"/>
-                        </a:solidFill>
-                        <a:latin typeface="+mj-ea"/>
-                        <a:ea typeface="+mj-ea"/>
-                      </a:endParaRPr>
-                    </a:p>
-                  </a:txBody>
-                  <a:tcPr marL="9525" marR="9525" marT="9525" marB="0" anchor="ctr"/>
-                </a:tc>
-                <a:tc>
-                  <a:txBody>
-                    <a:bodyPr/>
-                    <a:lstStyle/>
-                    <a:p>
-                      <a:pPr algn="ctr"/>
-                      <a:r>
-                        <a:rPr lang="zh-TW" altLang="en-US" sz="1200" kern="0" dirty="0">
-                          <a:solidFill>
-                            <a:sysClr val="windowText" lastClr="000000"/>
-                          </a:solidFill>
-                          <a:latin typeface="+mj-ea"/>
-                          <a:ea typeface="+mj-ea"/>
-                        </a:rPr>
-                        <a:t>○</a:t>
-                      </a:r>
-                      <a:endParaRPr lang="zh-TW" altLang="en-US" sz="1200" b="0" dirty="0">
-                        <a:solidFill>
-                          <a:schemeClr val="tx1"/>
-                        </a:solidFill>
-                        <a:latin typeface="+mj-ea"/>
-                        <a:ea typeface="+mj-ea"/>
-                      </a:endParaRPr>
-                    </a:p>
-                  </a:txBody>
-                  <a:tcPr marL="9525" marR="9525" marT="9525" marB="0" anchor="ctr"/>
-                </a:tc>
-                <a:tc>
-                  <a:txBody>
-                    <a:bodyPr/>
-                    <a:lstStyle/>
-                    <a:p>
-                      <a:pPr algn="ctr"/>
-                      <a:r>
-                        <a:rPr lang="zh-TW" altLang="en-US" sz="1200" kern="0">
-                          <a:solidFill>
-                            <a:sysClr val="windowText" lastClr="000000"/>
-                          </a:solidFill>
-                          <a:latin typeface="+mj-ea"/>
-                          <a:ea typeface="+mj-ea"/>
-                        </a:rPr>
-                        <a:t>○</a:t>
-                      </a:r>
-                      <a:endParaRPr lang="zh-TW" altLang="en-US" sz="1200" b="0" dirty="0">
-                        <a:solidFill>
-                          <a:schemeClr val="tx1"/>
-                        </a:solidFill>
-                        <a:latin typeface="+mj-ea"/>
-                        <a:ea typeface="+mj-ea"/>
-                      </a:endParaRPr>
-                    </a:p>
-                  </a:txBody>
-                  <a:tcPr marL="9525" marR="9525" marT="9525" marB="0" anchor="ctr"/>
-                </a:tc>
                 <a:extLst>
                   <a:ext uri="{0D108BD9-81ED-4DB2-BD59-A6C34878D82A}">
-                    <a16:rowId xmlns:a16="http://schemas.microsoft.com/office/drawing/2014/main" val="10006"/>
+                    <a16:rowId xmlns:a16="http://schemas.microsoft.com/office/drawing/2014/main" xmlns="" val="10006"/>
                   </a:ext>
                 </a:extLst>
               </a:tr>
@@ -38464,7 +38557,65 @@
                     <a:p>
                       <a:pPr algn="ctr"/>
                       <a:r>
-                        <a:rPr lang="zh-TW" altLang="en-US" sz="1200" kern="0" dirty="0">
+                        <a:rPr lang="zh-TW" altLang="en-US" sz="1200" kern="1200" smtClean="0">
+                          <a:solidFill>
+                            <a:srgbClr val="FF0000"/>
+                          </a:solidFill>
+                          <a:latin typeface="+mj-ea"/>
+                          <a:ea typeface="+mn-ea"/>
+                          <a:cs typeface="+mn-cs"/>
+                        </a:rPr>
+                        <a:t>◎</a:t>
+                      </a:r>
+                      <a:endParaRPr lang="zh-TW" altLang="en-US" sz="1200" b="0" kern="1200" dirty="0">
+                        <a:solidFill>
+                          <a:srgbClr val="FF0000"/>
+                        </a:solidFill>
+                        <a:latin typeface="+mj-ea"/>
+                        <a:ea typeface="+mn-ea"/>
+                        <a:cs typeface="+mn-cs"/>
+                      </a:endParaRPr>
+                    </a:p>
+                  </a:txBody>
+                  <a:tcPr marL="9525" marR="9525" marT="9525" marB="0" anchor="ctr"/>
+                </a:tc>
+                <a:tc>
+                  <a:txBody>
+                    <a:bodyPr/>
+                    <a:lstStyle/>
+                    <a:p>
+                      <a:pPr algn="ctr"/>
+                      <a:r>
+                        <a:rPr lang="zh-TW" altLang="en-US" sz="1200" kern="1200" dirty="0" smtClean="0">
+                          <a:solidFill>
+                            <a:srgbClr val="FF0000"/>
+                          </a:solidFill>
+                          <a:latin typeface="+mj-ea"/>
+                          <a:ea typeface="+mn-ea"/>
+                          <a:cs typeface="+mn-cs"/>
+                        </a:rPr>
+                        <a:t>◎</a:t>
+                      </a:r>
+                      <a:endParaRPr lang="zh-TW" altLang="en-US" sz="1200" b="0" kern="1200" dirty="0">
+                        <a:solidFill>
+                          <a:srgbClr val="FF0000"/>
+                        </a:solidFill>
+                        <a:latin typeface="+mj-ea"/>
+                        <a:ea typeface="+mn-ea"/>
+                        <a:cs typeface="+mn-cs"/>
+                      </a:endParaRPr>
+                    </a:p>
+                  </a:txBody>
+                  <a:tcPr marL="9525" marR="9525" marT="9525" marB="0" anchor="ctr"/>
+                </a:tc>
+                <a:tc>
+                  <a:txBody>
+                    <a:bodyPr/>
+                    <a:lstStyle/>
+                    <a:p>
+                      <a:pPr algn="ctr"/>
+                      <a:r>
+                        <a:rPr lang="zh-TW" altLang="en-US" sz="1200" kern="0">
                           <a:solidFill>
                             <a:sysClr val="windowText" lastClr="000000"/>
                           </a:solidFill>
@@ -38491,7 +38642,36 @@
                     <a:p>
                       <a:pPr algn="ctr"/>
                       <a:r>
-                        <a:rPr lang="zh-TW" altLang="en-US" sz="1200" kern="0">
+                        <a:rPr lang="zh-TW" altLang="en-US" sz="1200" kern="1200" smtClean="0">
+                          <a:solidFill>
+                            <a:srgbClr val="FF0000"/>
+                          </a:solidFill>
+                          <a:latin typeface="+mj-ea"/>
+                          <a:ea typeface="+mn-ea"/>
+                          <a:cs typeface="+mn-cs"/>
+                        </a:rPr>
+                        <a:t>◎</a:t>
+                      </a:r>
+                      <a:endParaRPr lang="zh-TW" altLang="en-US" sz="1200" b="0" kern="1200" dirty="0">
+                        <a:solidFill>
+                          <a:srgbClr val="FF0000"/>
+                        </a:solidFill>
+                        <a:latin typeface="+mj-ea"/>
+                        <a:ea typeface="+mn-ea"/>
+                        <a:cs typeface="+mn-cs"/>
+                      </a:endParaRPr>
+                    </a:p>
+                  </a:txBody>
+                  <a:tcPr marL="9525" marR="9525" marT="9525" marB="0" anchor="ctr"/>
+                </a:tc>
+                <a:tc>
+                  <a:txBody>
+                    <a:bodyPr/>
+                    <a:lstStyle/>
+                    <a:p>
+                      <a:pPr algn="ctr"/>
+                      <a:r>
+                        <a:rPr lang="zh-TW" altLang="en-US" sz="1200" kern="0" dirty="0">
                           <a:solidFill>
                             <a:sysClr val="windowText" lastClr="000000"/>
                           </a:solidFill>
@@ -38538,90 +38718,9 @@
                   </a:txBody>
                   <a:tcPr marL="9525" marR="9525" marT="9525" marB="0" anchor="ctr"/>
                 </a:tc>
-                <a:tc>
-                  <a:txBody>
-                    <a:bodyPr/>
-                    <a:lstStyle/>
-                    <a:p>
-                      <a:pPr algn="ctr"/>
-                      <a:r>
-                        <a:rPr lang="zh-TW" altLang="en-US" sz="1200" kern="0">
-                          <a:solidFill>
-                            <a:sysClr val="windowText" lastClr="000000"/>
-                          </a:solidFill>
-                          <a:latin typeface="+mj-ea"/>
-                          <a:ea typeface="+mj-ea"/>
-                        </a:rPr>
-                        <a:t>○</a:t>
-                      </a:r>
-                      <a:endParaRPr lang="zh-TW" altLang="en-US" sz="1200" b="0" dirty="0">
-                        <a:solidFill>
-                          <a:schemeClr val="tx1"/>
-                        </a:solidFill>
-                        <a:latin typeface="+mj-ea"/>
-                        <a:ea typeface="+mj-ea"/>
-                      </a:endParaRPr>
-                    </a:p>
-                  </a:txBody>
-                  <a:tcPr marL="9525" marR="9525" marT="9525" marB="0" anchor="ctr"/>
-                </a:tc>
-                <a:tc>
-                  <a:txBody>
-                    <a:bodyPr/>
-                    <a:lstStyle/>
-                    <a:p>
-                      <a:pPr algn="ctr"/>
-                      <a:r>
-                        <a:rPr lang="zh-TW" altLang="en-US" sz="1200" kern="0" dirty="0">
-                          <a:solidFill>
-                            <a:sysClr val="windowText" lastClr="000000"/>
-                          </a:solidFill>
-                          <a:latin typeface="+mj-ea"/>
-                          <a:ea typeface="+mj-ea"/>
-                        </a:rPr>
-                        <a:t>○</a:t>
-                      </a:r>
-                      <a:endParaRPr lang="zh-TW" altLang="en-US" sz="1200" b="0" dirty="0">
-                        <a:solidFill>
-                          <a:schemeClr val="tx1"/>
-                        </a:solidFill>
-                        <a:latin typeface="+mj-ea"/>
-                        <a:ea typeface="+mj-ea"/>
-                      </a:endParaRPr>
-                    </a:p>
-                  </a:txBody>
-                  <a:tcPr marL="9525" marR="9525" marT="9525" marB="0" anchor="ctr"/>
-                </a:tc>
-                <a:tc>
-                  <a:txBody>
-                    <a:bodyPr/>
-                    <a:lstStyle/>
-                    <a:p>
-                      <a:pPr algn="ctr"/>
-                      <a:r>
-                        <a:rPr lang="zh-TW" altLang="en-US" sz="1200" kern="0">
-                          <a:solidFill>
-                            <a:sysClr val="windowText" lastClr="000000"/>
-                          </a:solidFill>
-                          <a:latin typeface="+mj-ea"/>
-                          <a:ea typeface="+mj-ea"/>
-                        </a:rPr>
-                        <a:t>○</a:t>
-                      </a:r>
-                      <a:endParaRPr lang="zh-TW" altLang="en-US" sz="1200" b="0" dirty="0">
-                        <a:solidFill>
-                          <a:schemeClr val="tx1"/>
-                        </a:solidFill>
-                        <a:latin typeface="+mj-ea"/>
-                        <a:ea typeface="+mj-ea"/>
-                      </a:endParaRPr>
-                    </a:p>
-                  </a:txBody>
-                  <a:tcPr marL="9525" marR="9525" marT="9525" marB="0" anchor="ctr"/>
-                </a:tc>
                 <a:extLst>
                   <a:ext uri="{0D108BD9-81ED-4DB2-BD59-A6C34878D82A}">
-                    <a16:rowId xmlns:a16="http://schemas.microsoft.com/office/drawing/2014/main" val="10007"/>
+                    <a16:rowId xmlns:a16="http://schemas.microsoft.com/office/drawing/2014/main" xmlns="" val="10007"/>
                   </a:ext>
                 </a:extLst>
               </a:tr>
@@ -38789,7 +38888,65 @@
                     <a:p>
                       <a:pPr algn="ctr"/>
                       <a:r>
-                        <a:rPr lang="zh-TW" altLang="en-US" sz="1200" kern="0" dirty="0">
+                        <a:rPr lang="zh-TW" altLang="en-US" sz="1200" kern="1200" dirty="0" smtClean="0">
+                          <a:solidFill>
+                            <a:srgbClr val="FF0000"/>
+                          </a:solidFill>
+                          <a:latin typeface="+mj-ea"/>
+                          <a:ea typeface="+mn-ea"/>
+                          <a:cs typeface="+mn-cs"/>
+                        </a:rPr>
+                        <a:t>◎</a:t>
+                      </a:r>
+                      <a:endParaRPr lang="zh-TW" altLang="en-US" sz="1200" b="0" kern="1200" dirty="0">
+                        <a:solidFill>
+                          <a:srgbClr val="FF0000"/>
+                        </a:solidFill>
+                        <a:latin typeface="+mj-ea"/>
+                        <a:ea typeface="+mn-ea"/>
+                        <a:cs typeface="+mn-cs"/>
+                      </a:endParaRPr>
+                    </a:p>
+                  </a:txBody>
+                  <a:tcPr marL="9525" marR="9525" marT="9525" marB="0" anchor="ctr"/>
+                </a:tc>
+                <a:tc>
+                  <a:txBody>
+                    <a:bodyPr/>
+                    <a:lstStyle/>
+                    <a:p>
+                      <a:pPr algn="ctr"/>
+                      <a:r>
+                        <a:rPr lang="zh-TW" altLang="en-US" sz="1200" kern="1200" dirty="0" smtClean="0">
+                          <a:solidFill>
+                            <a:srgbClr val="FF0000"/>
+                          </a:solidFill>
+                          <a:latin typeface="+mj-ea"/>
+                          <a:ea typeface="+mn-ea"/>
+                          <a:cs typeface="+mn-cs"/>
+                        </a:rPr>
+                        <a:t>◎</a:t>
+                      </a:r>
+                      <a:endParaRPr lang="zh-TW" altLang="en-US" sz="1200" b="0" kern="1200" dirty="0">
+                        <a:solidFill>
+                          <a:srgbClr val="FF0000"/>
+                        </a:solidFill>
+                        <a:latin typeface="+mj-ea"/>
+                        <a:ea typeface="+mn-ea"/>
+                        <a:cs typeface="+mn-cs"/>
+                      </a:endParaRPr>
+                    </a:p>
+                  </a:txBody>
+                  <a:tcPr marL="9525" marR="9525" marT="9525" marB="0" anchor="ctr"/>
+                </a:tc>
+                <a:tc>
+                  <a:txBody>
+                    <a:bodyPr/>
+                    <a:lstStyle/>
+                    <a:p>
+                      <a:pPr algn="ctr"/>
+                      <a:r>
+                        <a:rPr lang="zh-TW" altLang="en-US" sz="1200" kern="0">
                           <a:solidFill>
                             <a:sysClr val="windowText" lastClr="000000"/>
                           </a:solidFill>
@@ -38816,7 +38973,36 @@
                     <a:p>
                       <a:pPr algn="ctr"/>
                       <a:r>
-                        <a:rPr lang="zh-TW" altLang="en-US" sz="1200" kern="0">
+                        <a:rPr lang="zh-TW" altLang="en-US" sz="1200" kern="1200" dirty="0" smtClean="0">
+                          <a:solidFill>
+                            <a:srgbClr val="FF0000"/>
+                          </a:solidFill>
+                          <a:latin typeface="+mj-ea"/>
+                          <a:ea typeface="+mn-ea"/>
+                          <a:cs typeface="+mn-cs"/>
+                        </a:rPr>
+                        <a:t>◎</a:t>
+                      </a:r>
+                      <a:endParaRPr lang="zh-TW" altLang="en-US" sz="1200" b="0" kern="1200" dirty="0">
+                        <a:solidFill>
+                          <a:srgbClr val="FF0000"/>
+                        </a:solidFill>
+                        <a:latin typeface="+mj-ea"/>
+                        <a:ea typeface="+mn-ea"/>
+                        <a:cs typeface="+mn-cs"/>
+                      </a:endParaRPr>
+                    </a:p>
+                  </a:txBody>
+                  <a:tcPr marL="9525" marR="9525" marT="9525" marB="0" anchor="ctr"/>
+                </a:tc>
+                <a:tc>
+                  <a:txBody>
+                    <a:bodyPr/>
+                    <a:lstStyle/>
+                    <a:p>
+                      <a:pPr algn="ctr"/>
+                      <a:r>
+                        <a:rPr lang="zh-TW" altLang="en-US" sz="1200" kern="0" dirty="0">
                           <a:solidFill>
                             <a:sysClr val="windowText" lastClr="000000"/>
                           </a:solidFill>
@@ -38843,7 +39029,7 @@
                     <a:p>
                       <a:pPr algn="ctr"/>
                       <a:r>
-                        <a:rPr lang="zh-TW" altLang="en-US" sz="1200" kern="0">
+                        <a:rPr lang="zh-TW" altLang="en-US" sz="1200" kern="0" dirty="0">
                           <a:solidFill>
                             <a:sysClr val="windowText" lastClr="000000"/>
                           </a:solidFill>
@@ -38863,90 +39049,9 @@
                   </a:txBody>
                   <a:tcPr marL="9525" marR="9525" marT="9525" marB="0" anchor="ctr"/>
                 </a:tc>
-                <a:tc>
-                  <a:txBody>
-                    <a:bodyPr/>
-                    <a:lstStyle/>
-                    <a:p>
-                      <a:pPr algn="ctr"/>
-                      <a:r>
-                        <a:rPr lang="zh-TW" altLang="en-US" sz="1200" kern="0">
-                          <a:solidFill>
-                            <a:sysClr val="windowText" lastClr="000000"/>
-                          </a:solidFill>
-                          <a:latin typeface="+mj-ea"/>
-                          <a:ea typeface="+mj-ea"/>
-                        </a:rPr>
-                        <a:t>○</a:t>
-                      </a:r>
-                      <a:endParaRPr lang="zh-TW" altLang="en-US" sz="1200" b="0" dirty="0">
-                        <a:solidFill>
-                          <a:schemeClr val="tx1"/>
-                        </a:solidFill>
-                        <a:latin typeface="+mj-ea"/>
-                        <a:ea typeface="+mj-ea"/>
-                      </a:endParaRPr>
-                    </a:p>
-                  </a:txBody>
-                  <a:tcPr marL="9525" marR="9525" marT="9525" marB="0" anchor="ctr"/>
-                </a:tc>
-                <a:tc>
-                  <a:txBody>
-                    <a:bodyPr/>
-                    <a:lstStyle/>
-                    <a:p>
-                      <a:pPr algn="ctr"/>
-                      <a:r>
-                        <a:rPr lang="zh-TW" altLang="en-US" sz="1200" kern="0" dirty="0">
-                          <a:solidFill>
-                            <a:sysClr val="windowText" lastClr="000000"/>
-                          </a:solidFill>
-                          <a:latin typeface="+mj-ea"/>
-                          <a:ea typeface="+mj-ea"/>
-                        </a:rPr>
-                        <a:t>○</a:t>
-                      </a:r>
-                      <a:endParaRPr lang="zh-TW" altLang="en-US" sz="1200" b="0" dirty="0">
-                        <a:solidFill>
-                          <a:schemeClr val="tx1"/>
-                        </a:solidFill>
-                        <a:latin typeface="+mj-ea"/>
-                        <a:ea typeface="+mj-ea"/>
-                      </a:endParaRPr>
-                    </a:p>
-                  </a:txBody>
-                  <a:tcPr marL="9525" marR="9525" marT="9525" marB="0" anchor="ctr"/>
-                </a:tc>
-                <a:tc>
-                  <a:txBody>
-                    <a:bodyPr/>
-                    <a:lstStyle/>
-                    <a:p>
-                      <a:pPr algn="ctr"/>
-                      <a:r>
-                        <a:rPr lang="zh-TW" altLang="en-US" sz="1200" kern="0" dirty="0">
-                          <a:solidFill>
-                            <a:sysClr val="windowText" lastClr="000000"/>
-                          </a:solidFill>
-                          <a:latin typeface="+mj-ea"/>
-                          <a:ea typeface="+mj-ea"/>
-                        </a:rPr>
-                        <a:t>○</a:t>
-                      </a:r>
-                      <a:endParaRPr lang="zh-TW" altLang="en-US" sz="1200" b="0" dirty="0">
-                        <a:solidFill>
-                          <a:schemeClr val="tx1"/>
-                        </a:solidFill>
-                        <a:latin typeface="+mj-ea"/>
-                        <a:ea typeface="+mj-ea"/>
-                      </a:endParaRPr>
-                    </a:p>
-                  </a:txBody>
-                  <a:tcPr marL="9525" marR="9525" marT="9525" marB="0" anchor="ctr"/>
-                </a:tc>
                 <a:extLst>
                   <a:ext uri="{0D108BD9-81ED-4DB2-BD59-A6C34878D82A}">
-                    <a16:rowId xmlns:a16="http://schemas.microsoft.com/office/drawing/2014/main" val="10008"/>
+                    <a16:rowId xmlns:a16="http://schemas.microsoft.com/office/drawing/2014/main" xmlns="" val="10008"/>
                   </a:ext>
                 </a:extLst>
               </a:tr>
@@ -39114,7 +39219,65 @@
                     <a:p>
                       <a:pPr algn="ctr"/>
                       <a:r>
-                        <a:rPr lang="zh-TW" altLang="en-US" sz="1200" kern="0" dirty="0">
+                        <a:rPr lang="zh-TW" altLang="en-US" sz="1200" kern="1200" dirty="0" smtClean="0">
+                          <a:solidFill>
+                            <a:srgbClr val="FF0000"/>
+                          </a:solidFill>
+                          <a:latin typeface="+mj-ea"/>
+                          <a:ea typeface="+mn-ea"/>
+                          <a:cs typeface="+mn-cs"/>
+                        </a:rPr>
+                        <a:t>◎</a:t>
+                      </a:r>
+                      <a:endParaRPr lang="zh-TW" altLang="en-US" sz="1200" b="0" kern="1200" dirty="0">
+                        <a:solidFill>
+                          <a:srgbClr val="FF0000"/>
+                        </a:solidFill>
+                        <a:latin typeface="+mj-ea"/>
+                        <a:ea typeface="+mn-ea"/>
+                        <a:cs typeface="+mn-cs"/>
+                      </a:endParaRPr>
+                    </a:p>
+                  </a:txBody>
+                  <a:tcPr marL="9525" marR="9525" marT="9525" marB="0" anchor="ctr"/>
+                </a:tc>
+                <a:tc>
+                  <a:txBody>
+                    <a:bodyPr/>
+                    <a:lstStyle/>
+                    <a:p>
+                      <a:pPr algn="ctr"/>
+                      <a:r>
+                        <a:rPr lang="zh-TW" altLang="en-US" sz="1200" kern="1200" dirty="0" smtClean="0">
+                          <a:solidFill>
+                            <a:srgbClr val="FF0000"/>
+                          </a:solidFill>
+                          <a:latin typeface="+mj-ea"/>
+                          <a:ea typeface="+mn-ea"/>
+                          <a:cs typeface="+mn-cs"/>
+                        </a:rPr>
+                        <a:t>◎</a:t>
+                      </a:r>
+                      <a:endParaRPr lang="zh-TW" altLang="en-US" sz="1200" b="0" kern="1200" dirty="0">
+                        <a:solidFill>
+                          <a:srgbClr val="FF0000"/>
+                        </a:solidFill>
+                        <a:latin typeface="+mj-ea"/>
+                        <a:ea typeface="+mn-ea"/>
+                        <a:cs typeface="+mn-cs"/>
+                      </a:endParaRPr>
+                    </a:p>
+                  </a:txBody>
+                  <a:tcPr marL="9525" marR="9525" marT="9525" marB="0" anchor="ctr"/>
+                </a:tc>
+                <a:tc>
+                  <a:txBody>
+                    <a:bodyPr/>
+                    <a:lstStyle/>
+                    <a:p>
+                      <a:pPr algn="ctr"/>
+                      <a:r>
+                        <a:rPr lang="zh-TW" altLang="en-US" sz="1200" kern="0">
                           <a:solidFill>
                             <a:sysClr val="windowText" lastClr="000000"/>
                           </a:solidFill>
@@ -39141,129 +39304,81 @@
                     <a:p>
                       <a:pPr algn="ctr"/>
                       <a:r>
-                        <a:rPr lang="zh-TW" altLang="en-US" sz="1200" kern="0">
-                          <a:solidFill>
-                            <a:sysClr val="windowText" lastClr="000000"/>
+                        <a:rPr lang="zh-TW" altLang="en-US" sz="1200" kern="1200" dirty="0" smtClean="0">
+                          <a:solidFill>
+                            <a:srgbClr val="FF0000"/>
                           </a:solidFill>
                           <a:latin typeface="+mj-ea"/>
-                          <a:ea typeface="+mj-ea"/>
-                        </a:rPr>
-                        <a:t>○</a:t>
-                      </a:r>
-                      <a:endParaRPr lang="zh-TW" altLang="en-US" sz="1200" b="0" dirty="0">
-                        <a:solidFill>
-                          <a:schemeClr val="tx1"/>
+                          <a:ea typeface="+mn-ea"/>
+                          <a:cs typeface="+mn-cs"/>
+                        </a:rPr>
+                        <a:t>◎</a:t>
+                      </a:r>
+                      <a:endParaRPr lang="zh-TW" altLang="en-US" sz="1200" b="0" kern="1200" dirty="0">
+                        <a:solidFill>
+                          <a:srgbClr val="FF0000"/>
                         </a:solidFill>
                         <a:latin typeface="+mj-ea"/>
-                        <a:ea typeface="+mj-ea"/>
-                      </a:endParaRPr>
-                    </a:p>
-                  </a:txBody>
-                  <a:tcPr marL="9525" marR="9525" marT="9525" marB="0" anchor="ctr"/>
-                </a:tc>
-                <a:tc>
-                  <a:txBody>
-                    <a:bodyPr/>
-                    <a:lstStyle/>
-                    <a:p>
-                      <a:pPr algn="ctr"/>
-                      <a:r>
-                        <a:rPr lang="zh-TW" altLang="en-US" sz="1200" kern="0">
-                          <a:solidFill>
-                            <a:sysClr val="windowText" lastClr="000000"/>
+                        <a:ea typeface="+mn-ea"/>
+                        <a:cs typeface="+mn-cs"/>
+                      </a:endParaRPr>
+                    </a:p>
+                  </a:txBody>
+                  <a:tcPr marL="9525" marR="9525" marT="9525" marB="0" anchor="ctr"/>
+                </a:tc>
+                <a:tc>
+                  <a:txBody>
+                    <a:bodyPr/>
+                    <a:lstStyle/>
+                    <a:p>
+                      <a:pPr algn="ctr"/>
+                      <a:r>
+                        <a:rPr lang="zh-TW" altLang="en-US" sz="1200" kern="1200" dirty="0" smtClean="0">
+                          <a:solidFill>
+                            <a:srgbClr val="FF0000"/>
                           </a:solidFill>
                           <a:latin typeface="+mj-ea"/>
-                          <a:ea typeface="+mj-ea"/>
-                        </a:rPr>
-                        <a:t>○</a:t>
-                      </a:r>
-                      <a:endParaRPr lang="zh-TW" altLang="en-US" sz="1200" b="0" dirty="0">
-                        <a:solidFill>
-                          <a:schemeClr val="tx1"/>
+                          <a:ea typeface="+mn-ea"/>
+                          <a:cs typeface="+mn-cs"/>
+                        </a:rPr>
+                        <a:t>◎</a:t>
+                      </a:r>
+                      <a:endParaRPr lang="zh-TW" altLang="en-US" sz="1200" b="0" kern="1200" dirty="0">
+                        <a:solidFill>
+                          <a:srgbClr val="FF0000"/>
                         </a:solidFill>
                         <a:latin typeface="+mj-ea"/>
-                        <a:ea typeface="+mj-ea"/>
-                      </a:endParaRPr>
-                    </a:p>
-                  </a:txBody>
-                  <a:tcPr marL="9525" marR="9525" marT="9525" marB="0" anchor="ctr"/>
-                </a:tc>
-                <a:tc>
-                  <a:txBody>
-                    <a:bodyPr/>
-                    <a:lstStyle/>
-                    <a:p>
-                      <a:pPr algn="ctr"/>
-                      <a:r>
-                        <a:rPr lang="zh-TW" altLang="en-US" sz="1200" kern="0">
-                          <a:solidFill>
-                            <a:sysClr val="windowText" lastClr="000000"/>
+                        <a:ea typeface="+mn-ea"/>
+                        <a:cs typeface="+mn-cs"/>
+                      </a:endParaRPr>
+                    </a:p>
+                  </a:txBody>
+                  <a:tcPr marL="9525" marR="9525" marT="9525" marB="0" anchor="ctr"/>
+                </a:tc>
+                <a:tc>
+                  <a:txBody>
+                    <a:bodyPr/>
+                    <a:lstStyle/>
+                    <a:p>
+                      <a:pPr algn="ctr"/>
+                      <a:r>
+                        <a:rPr lang="zh-TW" altLang="en-US" sz="1200" kern="1200" dirty="0" smtClean="0">
+                          <a:solidFill>
+                            <a:srgbClr val="FF0000"/>
                           </a:solidFill>
                           <a:latin typeface="+mj-ea"/>
-                          <a:ea typeface="+mj-ea"/>
-                        </a:rPr>
-                        <a:t>○</a:t>
-                      </a:r>
-                      <a:endParaRPr lang="zh-TW" altLang="en-US" sz="1200" b="0" dirty="0">
-                        <a:solidFill>
-                          <a:schemeClr val="tx1"/>
+                          <a:ea typeface="+mn-ea"/>
+                          <a:cs typeface="+mn-cs"/>
+                        </a:rPr>
+                        <a:t>◎</a:t>
+                      </a:r>
+                      <a:endParaRPr lang="zh-TW" altLang="en-US" sz="1200" b="0" kern="1200" dirty="0">
+                        <a:solidFill>
+                          <a:srgbClr val="FF0000"/>
                         </a:solidFill>
                         <a:latin typeface="+mj-ea"/>
-                        <a:ea typeface="+mj-ea"/>
-                      </a:endParaRPr>
-                    </a:p>
-                  </a:txBody>
-                  <a:tcPr marL="9525" marR="9525" marT="9525" marB="0" anchor="ctr"/>
-                </a:tc>
-                <a:tc>
-                  <a:txBody>
-                    <a:bodyPr/>
-                    <a:lstStyle/>
-                    <a:p>
-                      <a:pPr algn="ctr"/>
-                      <a:r>
-                        <a:rPr lang="zh-TW" altLang="en-US" sz="1200" kern="0" dirty="0">
-                          <a:solidFill>
-                            <a:sysClr val="windowText" lastClr="000000"/>
-                          </a:solidFill>
-                          <a:latin typeface="+mj-ea"/>
-                          <a:ea typeface="+mj-ea"/>
-                        </a:rPr>
-                        <a:t>○</a:t>
-                      </a:r>
-                      <a:endParaRPr lang="zh-TW" altLang="en-US" sz="1200" b="0" dirty="0">
-                        <a:solidFill>
-                          <a:schemeClr val="tx1"/>
-                        </a:solidFill>
-                        <a:latin typeface="+mj-ea"/>
-                        <a:ea typeface="+mj-ea"/>
-                      </a:endParaRPr>
-                    </a:p>
-                  </a:txBody>
-                  <a:tcPr marL="9525" marR="9525" marT="9525" marB="0" anchor="ctr"/>
-                </a:tc>
-                <a:tc>
-                  <a:txBody>
-                    <a:bodyPr/>
-                    <a:lstStyle/>
-                    <a:p>
-                      <a:pPr algn="ctr"/>
-                      <a:r>
-                        <a:rPr lang="zh-TW" altLang="en-US" sz="1200" kern="0" dirty="0">
-                          <a:solidFill>
-                            <a:sysClr val="windowText" lastClr="000000"/>
-                          </a:solidFill>
-                          <a:latin typeface="+mj-ea"/>
-                          <a:ea typeface="+mj-ea"/>
-                        </a:rPr>
-                        <a:t>○</a:t>
-                      </a:r>
-                      <a:endParaRPr lang="zh-TW" altLang="en-US" sz="1200" b="0" dirty="0">
-                        <a:solidFill>
-                          <a:schemeClr val="tx1"/>
-                        </a:solidFill>
-                        <a:latin typeface="+mj-ea"/>
-                        <a:ea typeface="+mj-ea"/>
+                        <a:ea typeface="+mn-ea"/>
+                        <a:cs typeface="+mn-cs"/>
                       </a:endParaRPr>
                     </a:p>
                   </a:txBody>
@@ -39271,7 +39386,7 @@
                 </a:tc>
                 <a:extLst>
                   <a:ext uri="{0D108BD9-81ED-4DB2-BD59-A6C34878D82A}">
-                    <a16:rowId xmlns:a16="http://schemas.microsoft.com/office/drawing/2014/main" val="10009"/>
+                    <a16:rowId xmlns:a16="http://schemas.microsoft.com/office/drawing/2014/main" xmlns="" val="10009"/>
                   </a:ext>
                 </a:extLst>
               </a:tr>
@@ -39439,7 +39554,65 @@
                     <a:p>
                       <a:pPr algn="ctr"/>
                       <a:r>
-                        <a:rPr lang="zh-TW" altLang="en-US" sz="1200" kern="0" dirty="0">
+                        <a:rPr lang="zh-TW" altLang="en-US" sz="1200" kern="1200" dirty="0" smtClean="0">
+                          <a:solidFill>
+                            <a:srgbClr val="FF0000"/>
+                          </a:solidFill>
+                          <a:latin typeface="+mj-ea"/>
+                          <a:ea typeface="+mn-ea"/>
+                          <a:cs typeface="+mn-cs"/>
+                        </a:rPr>
+                        <a:t>◎</a:t>
+                      </a:r>
+                      <a:endParaRPr lang="zh-TW" altLang="en-US" sz="1200" b="0" kern="1200" dirty="0">
+                        <a:solidFill>
+                          <a:srgbClr val="FF0000"/>
+                        </a:solidFill>
+                        <a:latin typeface="+mj-ea"/>
+                        <a:ea typeface="+mn-ea"/>
+                        <a:cs typeface="+mn-cs"/>
+                      </a:endParaRPr>
+                    </a:p>
+                  </a:txBody>
+                  <a:tcPr marL="9525" marR="9525" marT="9525" marB="0" anchor="ctr"/>
+                </a:tc>
+                <a:tc>
+                  <a:txBody>
+                    <a:bodyPr/>
+                    <a:lstStyle/>
+                    <a:p>
+                      <a:pPr algn="ctr"/>
+                      <a:r>
+                        <a:rPr lang="zh-TW" altLang="en-US" sz="1200" kern="1200" dirty="0" smtClean="0">
+                          <a:solidFill>
+                            <a:srgbClr val="FF0000"/>
+                          </a:solidFill>
+                          <a:latin typeface="+mj-ea"/>
+                          <a:ea typeface="+mn-ea"/>
+                          <a:cs typeface="+mn-cs"/>
+                        </a:rPr>
+                        <a:t>◎</a:t>
+                      </a:r>
+                      <a:endParaRPr lang="zh-TW" altLang="en-US" sz="1200" b="0" kern="1200" dirty="0">
+                        <a:solidFill>
+                          <a:srgbClr val="FF0000"/>
+                        </a:solidFill>
+                        <a:latin typeface="+mj-ea"/>
+                        <a:ea typeface="+mn-ea"/>
+                        <a:cs typeface="+mn-cs"/>
+                      </a:endParaRPr>
+                    </a:p>
+                  </a:txBody>
+                  <a:tcPr marL="9525" marR="9525" marT="9525" marB="0" anchor="ctr"/>
+                </a:tc>
+                <a:tc>
+                  <a:txBody>
+                    <a:bodyPr/>
+                    <a:lstStyle/>
+                    <a:p>
+                      <a:pPr algn="ctr"/>
+                      <a:r>
+                        <a:rPr lang="zh-TW" altLang="en-US" sz="1200" kern="0">
                           <a:solidFill>
                             <a:sysClr val="windowText" lastClr="000000"/>
                           </a:solidFill>
@@ -39466,141 +39639,28 @@
                     <a:p>
                       <a:pPr algn="ctr"/>
                       <a:r>
-                        <a:rPr lang="zh-TW" altLang="en-US" sz="1200" kern="0">
-                          <a:solidFill>
-                            <a:sysClr val="windowText" lastClr="000000"/>
+                        <a:rPr lang="zh-TW" altLang="en-US" sz="1200" kern="1200" dirty="0" smtClean="0">
+                          <a:solidFill>
+                            <a:srgbClr val="FF0000"/>
                           </a:solidFill>
                           <a:latin typeface="+mj-ea"/>
-                          <a:ea typeface="+mj-ea"/>
-                        </a:rPr>
-                        <a:t>○</a:t>
-                      </a:r>
-                      <a:endParaRPr lang="zh-TW" altLang="en-US" sz="1200" b="0" dirty="0">
-                        <a:solidFill>
-                          <a:schemeClr val="tx1"/>
+                          <a:ea typeface="+mn-ea"/>
+                          <a:cs typeface="+mn-cs"/>
+                        </a:rPr>
+                        <a:t>◎</a:t>
+                      </a:r>
+                      <a:endParaRPr lang="zh-TW" altLang="en-US" sz="1200" b="0" kern="1200" dirty="0">
+                        <a:solidFill>
+                          <a:srgbClr val="FF0000"/>
                         </a:solidFill>
                         <a:latin typeface="+mj-ea"/>
-                        <a:ea typeface="+mj-ea"/>
-                      </a:endParaRPr>
-                    </a:p>
-                  </a:txBody>
-                  <a:tcPr marL="9525" marR="9525" marT="9525" marB="0" anchor="ctr"/>
-                </a:tc>
-                <a:tc>
-                  <a:txBody>
-                    <a:bodyPr/>
-                    <a:lstStyle/>
-                    <a:p>
-                      <a:pPr algn="ctr"/>
-                      <a:r>
-                        <a:rPr lang="zh-TW" altLang="en-US" sz="1200" kern="0">
-                          <a:solidFill>
-                            <a:sysClr val="windowText" lastClr="000000"/>
-                          </a:solidFill>
-                          <a:latin typeface="+mj-ea"/>
-                          <a:ea typeface="+mj-ea"/>
-                        </a:rPr>
-                        <a:t>○</a:t>
-                      </a:r>
-                      <a:endParaRPr lang="zh-TW" altLang="en-US" sz="1200" b="0" dirty="0">
-                        <a:solidFill>
-                          <a:schemeClr val="tx1"/>
-                        </a:solidFill>
-                        <a:latin typeface="+mj-ea"/>
-                        <a:ea typeface="+mj-ea"/>
-                      </a:endParaRPr>
-                    </a:p>
-                  </a:txBody>
-                  <a:tcPr marL="9525" marR="9525" marT="9525" marB="0" anchor="ctr"/>
-                </a:tc>
-                <a:tc>
-                  <a:txBody>
-                    <a:bodyPr/>
-                    <a:lstStyle/>
-                    <a:p>
-                      <a:pPr algn="ctr"/>
-                      <a:r>
-                        <a:rPr lang="zh-TW" altLang="en-US" sz="1200" kern="0">
-                          <a:solidFill>
-                            <a:sysClr val="windowText" lastClr="000000"/>
-                          </a:solidFill>
-                          <a:latin typeface="+mj-ea"/>
-                          <a:ea typeface="+mj-ea"/>
-                        </a:rPr>
-                        <a:t>○</a:t>
-                      </a:r>
-                      <a:endParaRPr lang="zh-TW" altLang="en-US" sz="1200" b="0" dirty="0">
-                        <a:solidFill>
-                          <a:schemeClr val="tx1"/>
-                        </a:solidFill>
-                        <a:latin typeface="+mj-ea"/>
-                        <a:ea typeface="+mj-ea"/>
-                      </a:endParaRPr>
-                    </a:p>
-                  </a:txBody>
-                  <a:tcPr marL="9525" marR="9525" marT="9525" marB="0" anchor="ctr"/>
-                </a:tc>
-                <a:tc>
-                  <a:txBody>
-                    <a:bodyPr/>
-                    <a:lstStyle/>
-                    <a:p>
-                      <a:pPr algn="ctr"/>
-                      <a:r>
-                        <a:rPr lang="zh-TW" altLang="en-US" sz="1200" kern="0" dirty="0">
-                          <a:solidFill>
-                            <a:sysClr val="windowText" lastClr="000000"/>
-                          </a:solidFill>
-                          <a:latin typeface="+mj-ea"/>
-                          <a:ea typeface="+mj-ea"/>
-                        </a:rPr>
-                        <a:t>○</a:t>
-                      </a:r>
-                      <a:endParaRPr lang="zh-TW" altLang="en-US" sz="1200" b="0" dirty="0">
-                        <a:solidFill>
-                          <a:schemeClr val="tx1"/>
-                        </a:solidFill>
-                        <a:latin typeface="+mj-ea"/>
-                        <a:ea typeface="+mj-ea"/>
-                      </a:endParaRPr>
-                    </a:p>
-                  </a:txBody>
-                  <a:tcPr marL="9525" marR="9525" marT="9525" marB="0" anchor="ctr"/>
-                </a:tc>
-                <a:tc>
-                  <a:txBody>
-                    <a:bodyPr/>
-                    <a:lstStyle/>
-                    <a:p>
-                      <a:pPr algn="ctr"/>
-                      <a:r>
-                        <a:rPr lang="zh-TW" altLang="en-US" sz="1200" kern="0" dirty="0">
-                          <a:solidFill>
-                            <a:sysClr val="windowText" lastClr="000000"/>
-                          </a:solidFill>
-                          <a:latin typeface="+mj-ea"/>
-                          <a:ea typeface="+mj-ea"/>
-                        </a:rPr>
-                        <a:t>○</a:t>
-                      </a:r>
-                      <a:endParaRPr lang="zh-TW" altLang="en-US" sz="1200" b="0" dirty="0">
-                        <a:solidFill>
-                          <a:schemeClr val="tx1"/>
-                        </a:solidFill>
-                        <a:latin typeface="+mj-ea"/>
-                        <a:ea typeface="+mj-ea"/>
-                      </a:endParaRPr>
-                    </a:p>
-                  </a:txBody>
-                  <a:tcPr marL="9525" marR="9525" marT="9525" marB="0" anchor="ctr"/>
-                </a:tc>
-                <a:extLst>
-                  <a:ext uri="{0D108BD9-81ED-4DB2-BD59-A6C34878D82A}">
-                    <a16:rowId xmlns:a16="http://schemas.microsoft.com/office/drawing/2014/main" val="10010"/>
-                  </a:ext>
-                </a:extLst>
-              </a:tr>
-              <a:tr h="458810">
+                        <a:ea typeface="+mn-ea"/>
+                        <a:cs typeface="+mn-cs"/>
+                      </a:endParaRPr>
+                    </a:p>
+                  </a:txBody>
+                  <a:tcPr marL="9525" marR="9525" marT="9525" marB="0" anchor="ctr"/>
+                </a:tc>
                 <a:tc>
                   <a:txBody>
                     <a:bodyPr/>
@@ -39624,6 +39684,87 @@
                         <a:defRPr/>
                       </a:pPr>
                       <a:r>
+                        <a:rPr lang="zh-TW" altLang="en-US" sz="1200" kern="1200" dirty="0" smtClean="0">
+                          <a:solidFill>
+                            <a:srgbClr val="FF0000"/>
+                          </a:solidFill>
+                          <a:latin typeface="+mj-ea"/>
+                          <a:ea typeface="+mn-ea"/>
+                          <a:cs typeface="+mn-cs"/>
+                        </a:rPr>
+                        <a:t>◎</a:t>
+                      </a:r>
+                      <a:endParaRPr lang="zh-TW" altLang="en-US" sz="1200" b="0" kern="1200" dirty="0" smtClean="0">
+                        <a:solidFill>
+                          <a:srgbClr val="FF0000"/>
+                        </a:solidFill>
+                        <a:latin typeface="+mj-ea"/>
+                        <a:ea typeface="+mn-ea"/>
+                        <a:cs typeface="+mn-cs"/>
+                      </a:endParaRPr>
+                    </a:p>
+                  </a:txBody>
+                  <a:tcPr marL="9525" marR="9525" marT="9525" marB="0" anchor="ctr"/>
+                </a:tc>
+                <a:tc>
+                  <a:txBody>
+                    <a:bodyPr/>
+                    <a:lstStyle/>
+                    <a:p>
+                      <a:pPr algn="ctr"/>
+                      <a:r>
+                        <a:rPr lang="zh-TW" altLang="en-US" sz="1200" kern="1200" dirty="0" smtClean="0">
+                          <a:solidFill>
+                            <a:srgbClr val="FF0000"/>
+                          </a:solidFill>
+                          <a:latin typeface="+mj-ea"/>
+                          <a:ea typeface="+mn-ea"/>
+                          <a:cs typeface="+mn-cs"/>
+                        </a:rPr>
+                        <a:t>◎</a:t>
+                      </a:r>
+                      <a:endParaRPr lang="zh-TW" altLang="en-US" sz="1200" b="0" kern="1200" dirty="0">
+                        <a:solidFill>
+                          <a:srgbClr val="FF0000"/>
+                        </a:solidFill>
+                        <a:latin typeface="+mj-ea"/>
+                        <a:ea typeface="+mn-ea"/>
+                        <a:cs typeface="+mn-cs"/>
+                      </a:endParaRPr>
+                    </a:p>
+                  </a:txBody>
+                  <a:tcPr marL="9525" marR="9525" marT="9525" marB="0" anchor="ctr"/>
+                </a:tc>
+                <a:extLst>
+                  <a:ext uri="{0D108BD9-81ED-4DB2-BD59-A6C34878D82A}">
+                    <a16:rowId xmlns:a16="http://schemas.microsoft.com/office/drawing/2014/main" xmlns="" val="10010"/>
+                  </a:ext>
+                </a:extLst>
+              </a:tr>
+              <a:tr h="458810">
+                <a:tc>
+                  <a:txBody>
+                    <a:bodyPr/>
+                    <a:lstStyle/>
+                    <a:p>
+                      <a:pPr marL="0" marR="0" lvl="0" indent="0" algn="ctr" defTabSz="914400" rtl="0" eaLnBrk="1" fontAlgn="auto" latinLnBrk="0" hangingPunct="1">
+                        <a:lnSpc>
+                          <a:spcPct val="100000"/>
+                        </a:lnSpc>
+                        <a:spcBef>
+                          <a:spcPts val="0"/>
+                        </a:spcBef>
+                        <a:spcAft>
+                          <a:spcPts val="0"/>
+                        </a:spcAft>
+                        <a:buClrTx/>
+                        <a:buSzTx/>
+                        <a:buFontTx/>
+                        <a:buNone/>
+                        <a:tabLst/>
+                        <a:defRPr/>
+                      </a:pPr>
+                      <a:r>
                         <a:rPr lang="zh-TW" altLang="en-US" sz="1200" b="1" dirty="0">
                           <a:solidFill>
                             <a:schemeClr val="bg1"/>
@@ -39764,7 +39905,65 @@
                     <a:p>
                       <a:pPr algn="ctr"/>
                       <a:r>
-                        <a:rPr lang="zh-TW" altLang="en-US" sz="1200" kern="0" dirty="0">
+                        <a:rPr lang="zh-TW" altLang="en-US" sz="1200" kern="1200" smtClean="0">
+                          <a:solidFill>
+                            <a:srgbClr val="FF0000"/>
+                          </a:solidFill>
+                          <a:latin typeface="+mj-ea"/>
+                          <a:ea typeface="+mn-ea"/>
+                          <a:cs typeface="+mn-cs"/>
+                        </a:rPr>
+                        <a:t>◎</a:t>
+                      </a:r>
+                      <a:endParaRPr lang="zh-TW" altLang="en-US" sz="1200" b="0" kern="1200" dirty="0">
+                        <a:solidFill>
+                          <a:srgbClr val="FF0000"/>
+                        </a:solidFill>
+                        <a:latin typeface="+mj-ea"/>
+                        <a:ea typeface="+mn-ea"/>
+                        <a:cs typeface="+mn-cs"/>
+                      </a:endParaRPr>
+                    </a:p>
+                  </a:txBody>
+                  <a:tcPr marL="9525" marR="9525" marT="9525" marB="0" anchor="ctr"/>
+                </a:tc>
+                <a:tc>
+                  <a:txBody>
+                    <a:bodyPr/>
+                    <a:lstStyle/>
+                    <a:p>
+                      <a:pPr algn="ctr"/>
+                      <a:r>
+                        <a:rPr lang="zh-TW" altLang="en-US" sz="1200" kern="1200" dirty="0" smtClean="0">
+                          <a:solidFill>
+                            <a:srgbClr val="FF0000"/>
+                          </a:solidFill>
+                          <a:latin typeface="+mj-ea"/>
+                          <a:ea typeface="+mn-ea"/>
+                          <a:cs typeface="+mn-cs"/>
+                        </a:rPr>
+                        <a:t>◎</a:t>
+                      </a:r>
+                      <a:endParaRPr lang="zh-TW" altLang="en-US" sz="1200" b="0" kern="1200" dirty="0">
+                        <a:solidFill>
+                          <a:srgbClr val="FF0000"/>
+                        </a:solidFill>
+                        <a:latin typeface="+mj-ea"/>
+                        <a:ea typeface="+mn-ea"/>
+                        <a:cs typeface="+mn-cs"/>
+                      </a:endParaRPr>
+                    </a:p>
+                  </a:txBody>
+                  <a:tcPr marL="9525" marR="9525" marT="9525" marB="0" anchor="ctr"/>
+                </a:tc>
+                <a:tc>
+                  <a:txBody>
+                    <a:bodyPr/>
+                    <a:lstStyle/>
+                    <a:p>
+                      <a:pPr algn="ctr"/>
+                      <a:r>
+                        <a:rPr lang="zh-TW" altLang="en-US" sz="1200" kern="0">
                           <a:solidFill>
                             <a:sysClr val="windowText" lastClr="000000"/>
                           </a:solidFill>
@@ -39791,6 +39990,35 @@
                     <a:p>
                       <a:pPr algn="ctr"/>
                       <a:r>
+                        <a:rPr lang="zh-TW" altLang="en-US" sz="1200" kern="1200" dirty="0" smtClean="0">
+                          <a:solidFill>
+                            <a:srgbClr val="FF0000"/>
+                          </a:solidFill>
+                          <a:latin typeface="+mj-ea"/>
+                          <a:ea typeface="+mn-ea"/>
+                          <a:cs typeface="+mn-cs"/>
+                        </a:rPr>
+                        <a:t>◎</a:t>
+                      </a:r>
+                      <a:endParaRPr lang="zh-TW" altLang="en-US" sz="1200" b="0" kern="1200" dirty="0">
+                        <a:solidFill>
+                          <a:srgbClr val="FF0000"/>
+                        </a:solidFill>
+                        <a:latin typeface="+mj-ea"/>
+                        <a:ea typeface="+mn-ea"/>
+                        <a:cs typeface="+mn-cs"/>
+                      </a:endParaRPr>
+                    </a:p>
+                  </a:txBody>
+                  <a:tcPr marL="9525" marR="9525" marT="9525" marB="0" anchor="ctr"/>
+                </a:tc>
+                <a:tc>
+                  <a:txBody>
+                    <a:bodyPr/>
+                    <a:lstStyle/>
+                    <a:p>
+                      <a:pPr algn="ctr"/>
+                      <a:r>
                         <a:rPr lang="zh-TW" altLang="en-US" sz="1200" kern="0" dirty="0">
                           <a:solidFill>
                             <a:sysClr val="windowText" lastClr="000000"/>
@@ -39818,7 +40046,7 @@
                     <a:p>
                       <a:pPr algn="ctr"/>
                       <a:r>
-                        <a:rPr lang="zh-TW" altLang="en-US" sz="1200" kern="0">
+                        <a:rPr lang="zh-TW" altLang="en-US" sz="1200" kern="0" dirty="0">
                           <a:solidFill>
                             <a:sysClr val="windowText" lastClr="000000"/>
                           </a:solidFill>
@@ -39838,90 +40066,9 @@
                   </a:txBody>
                   <a:tcPr marL="9525" marR="9525" marT="9525" marB="0" anchor="ctr"/>
                 </a:tc>
-                <a:tc>
-                  <a:txBody>
-                    <a:bodyPr/>
-                    <a:lstStyle/>
-                    <a:p>
-                      <a:pPr algn="ctr"/>
-                      <a:r>
-                        <a:rPr lang="zh-TW" altLang="en-US" sz="1200" kern="0">
-                          <a:solidFill>
-                            <a:sysClr val="windowText" lastClr="000000"/>
-                          </a:solidFill>
-                          <a:latin typeface="+mj-ea"/>
-                          <a:ea typeface="+mj-ea"/>
-                        </a:rPr>
-                        <a:t>○</a:t>
-                      </a:r>
-                      <a:endParaRPr lang="zh-TW" altLang="en-US" sz="1200" b="0" dirty="0">
-                        <a:solidFill>
-                          <a:schemeClr val="tx1"/>
-                        </a:solidFill>
-                        <a:latin typeface="+mj-ea"/>
-                        <a:ea typeface="+mj-ea"/>
-                      </a:endParaRPr>
-                    </a:p>
-                  </a:txBody>
-                  <a:tcPr marL="9525" marR="9525" marT="9525" marB="0" anchor="ctr"/>
-                </a:tc>
-                <a:tc>
-                  <a:txBody>
-                    <a:bodyPr/>
-                    <a:lstStyle/>
-                    <a:p>
-                      <a:pPr algn="ctr"/>
-                      <a:r>
-                        <a:rPr lang="zh-TW" altLang="en-US" sz="1200" kern="0" dirty="0">
-                          <a:solidFill>
-                            <a:sysClr val="windowText" lastClr="000000"/>
-                          </a:solidFill>
-                          <a:latin typeface="+mj-ea"/>
-                          <a:ea typeface="+mj-ea"/>
-                        </a:rPr>
-                        <a:t>○</a:t>
-                      </a:r>
-                      <a:endParaRPr lang="zh-TW" altLang="en-US" sz="1200" b="0" dirty="0">
-                        <a:solidFill>
-                          <a:schemeClr val="tx1"/>
-                        </a:solidFill>
-                        <a:latin typeface="+mj-ea"/>
-                        <a:ea typeface="+mj-ea"/>
-                      </a:endParaRPr>
-                    </a:p>
-                  </a:txBody>
-                  <a:tcPr marL="9525" marR="9525" marT="9525" marB="0" anchor="ctr"/>
-                </a:tc>
-                <a:tc>
-                  <a:txBody>
-                    <a:bodyPr/>
-                    <a:lstStyle/>
-                    <a:p>
-                      <a:pPr algn="ctr"/>
-                      <a:r>
-                        <a:rPr lang="zh-TW" altLang="en-US" sz="1200" kern="0" dirty="0">
-                          <a:solidFill>
-                            <a:sysClr val="windowText" lastClr="000000"/>
-                          </a:solidFill>
-                          <a:latin typeface="+mj-ea"/>
-                          <a:ea typeface="+mj-ea"/>
-                        </a:rPr>
-                        <a:t>○</a:t>
-                      </a:r>
-                      <a:endParaRPr lang="zh-TW" altLang="en-US" sz="1200" b="0" dirty="0">
-                        <a:solidFill>
-                          <a:schemeClr val="tx1"/>
-                        </a:solidFill>
-                        <a:latin typeface="+mj-ea"/>
-                        <a:ea typeface="+mj-ea"/>
-                      </a:endParaRPr>
-                    </a:p>
-                  </a:txBody>
-                  <a:tcPr marL="9525" marR="9525" marT="9525" marB="0" anchor="ctr"/>
-                </a:tc>
                 <a:extLst>
                   <a:ext uri="{0D108BD9-81ED-4DB2-BD59-A6C34878D82A}">
-                    <a16:rowId xmlns:a16="http://schemas.microsoft.com/office/drawing/2014/main" val="10011"/>
+                    <a16:rowId xmlns:a16="http://schemas.microsoft.com/office/drawing/2014/main" xmlns="" val="10011"/>
                   </a:ext>
                 </a:extLst>
               </a:tr>

--- a/各單位資料供應現況表.pptx
+++ b/各單位資料供應現況表.pptx
@@ -137,74 +137,6 @@
 </p:presentation>
 </file>
 
-<file path=ppt/changesInfos/changesInfo1.xml><?xml version="1.0" encoding="utf-8"?>
-<pc:chgInfo xmlns:a="http://schemas.openxmlformats.org/drawingml/2006/main" xmlns:r="http://schemas.openxmlformats.org/officeDocument/2006/relationships" xmlns:ac="http://schemas.microsoft.com/office/drawing/2013/main/command" xmlns:pc="http://schemas.microsoft.com/office/powerpoint/2013/main/command">
-  <pc:docChgLst>
-    <pc:chgData name="簡珮倫(Karan Chien)" userId="S::1902009@iisigroup.com::074ca67a-4f71-4edb-9ad4-a60425c5e00b" providerId="AD" clId="Web-{C44DB2E1-2FF1-D1B3-358E-4FA5B9E7A8A5}"/>
-    <pc:docChg chg="modSld">
-      <pc:chgData name="簡珮倫(Karan Chien)" userId="S::1902009@iisigroup.com::074ca67a-4f71-4edb-9ad4-a60425c5e00b" providerId="AD" clId="Web-{C44DB2E1-2FF1-D1B3-358E-4FA5B9E7A8A5}" dt="2019-06-28T02:09:57.614" v="7"/>
-      <pc:docMkLst>
-        <pc:docMk/>
-      </pc:docMkLst>
-      <pc:sldChg chg="modSp">
-        <pc:chgData name="簡珮倫(Karan Chien)" userId="S::1902009@iisigroup.com::074ca67a-4f71-4edb-9ad4-a60425c5e00b" providerId="AD" clId="Web-{C44DB2E1-2FF1-D1B3-358E-4FA5B9E7A8A5}" dt="2019-06-28T02:09:40.583" v="3"/>
-        <pc:sldMkLst>
-          <pc:docMk/>
-          <pc:sldMk cId="2987076929" sldId="258"/>
-        </pc:sldMkLst>
-        <pc:graphicFrameChg chg="mod modGraphic">
-          <ac:chgData name="簡珮倫(Karan Chien)" userId="S::1902009@iisigroup.com::074ca67a-4f71-4edb-9ad4-a60425c5e00b" providerId="AD" clId="Web-{C44DB2E1-2FF1-D1B3-358E-4FA5B9E7A8A5}" dt="2019-06-28T02:09:40.583" v="3"/>
-          <ac:graphicFrameMkLst>
-            <pc:docMk/>
-            <pc:sldMk cId="2987076929" sldId="258"/>
-            <ac:graphicFrameMk id="2" creationId="{00000000-0000-0000-0000-000000000000}"/>
-          </ac:graphicFrameMkLst>
-        </pc:graphicFrameChg>
-      </pc:sldChg>
-      <pc:sldChg chg="modSp">
-        <pc:chgData name="簡珮倫(Karan Chien)" userId="S::1902009@iisigroup.com::074ca67a-4f71-4edb-9ad4-a60425c5e00b" providerId="AD" clId="Web-{C44DB2E1-2FF1-D1B3-358E-4FA5B9E7A8A5}" dt="2019-06-28T02:09:57.614" v="7"/>
-        <pc:sldMkLst>
-          <pc:docMk/>
-          <pc:sldMk cId="1491709353" sldId="259"/>
-        </pc:sldMkLst>
-        <pc:graphicFrameChg chg="mod modGraphic">
-          <ac:chgData name="簡珮倫(Karan Chien)" userId="S::1902009@iisigroup.com::074ca67a-4f71-4edb-9ad4-a60425c5e00b" providerId="AD" clId="Web-{C44DB2E1-2FF1-D1B3-358E-4FA5B9E7A8A5}" dt="2019-06-28T02:09:57.614" v="7"/>
-          <ac:graphicFrameMkLst>
-            <pc:docMk/>
-            <pc:sldMk cId="1491709353" sldId="259"/>
-            <ac:graphicFrameMk id="8" creationId="{00000000-0000-0000-0000-000000000000}"/>
-          </ac:graphicFrameMkLst>
-        </pc:graphicFrameChg>
-      </pc:sldChg>
-    </pc:docChg>
-  </pc:docChgLst>
-  <pc:docChgLst>
-    <pc:chgData name="王翊芬(Fenny Wang)" userId="S::1609011@iisigroup.com::dc56562d-6eef-4f41-a3a4-cbfdb18cf492" providerId="AD" clId="Web-{05A95F08-E799-36AD-57BB-822EA5304121}"/>
-    <pc:docChg chg="modSld">
-      <pc:chgData name="王翊芬(Fenny Wang)" userId="S::1609011@iisigroup.com::dc56562d-6eef-4f41-a3a4-cbfdb18cf492" providerId="AD" clId="Web-{05A95F08-E799-36AD-57BB-822EA5304121}" dt="2019-03-03T13:08:52.830" v="0" actId="1076"/>
-      <pc:docMkLst>
-        <pc:docMk/>
-      </pc:docMkLst>
-      <pc:sldChg chg="modSp">
-        <pc:chgData name="王翊芬(Fenny Wang)" userId="S::1609011@iisigroup.com::dc56562d-6eef-4f41-a3a4-cbfdb18cf492" providerId="AD" clId="Web-{05A95F08-E799-36AD-57BB-822EA5304121}" dt="2019-03-03T13:08:52.830" v="0" actId="1076"/>
-        <pc:sldMkLst>
-          <pc:docMk/>
-          <pc:sldMk cId="1346664182" sldId="262"/>
-        </pc:sldMkLst>
-        <pc:graphicFrameChg chg="mod">
-          <ac:chgData name="王翊芬(Fenny Wang)" userId="S::1609011@iisigroup.com::dc56562d-6eef-4f41-a3a4-cbfdb18cf492" providerId="AD" clId="Web-{05A95F08-E799-36AD-57BB-822EA5304121}" dt="2019-03-03T13:08:52.830" v="0" actId="1076"/>
-          <ac:graphicFrameMkLst>
-            <pc:docMk/>
-            <pc:sldMk cId="1346664182" sldId="262"/>
-            <ac:graphicFrameMk id="10" creationId="{00000000-0000-0000-0000-000000000000}"/>
-          </ac:graphicFrameMkLst>
-        </pc:graphicFrameChg>
-      </pc:sldChg>
-    </pc:docChg>
-  </pc:docChgLst>
-</pc:chgInfo>
-</file>
-
 <file path=ppt/handoutMasters/handoutMaster1.xml><?xml version="1.0" encoding="utf-8"?>
 <p:handoutMaster xmlns:a="http://schemas.openxmlformats.org/drawingml/2006/main" xmlns:r="http://schemas.openxmlformats.org/officeDocument/2006/relationships" xmlns:p="http://schemas.openxmlformats.org/presentationml/2006/main">
   <p:cSld>
@@ -287,7 +219,7 @@
           <a:p>
             <a:fld id="{AC1AE0A4-47EE-4CE1-A88C-8E719F35BFA0}" type="datetimeFigureOut">
               <a:rPr lang="zh-TW" altLang="en-US" smtClean="0"/>
-              <a:t>2019/9/2</a:t>
+              <a:t>2019/10/7</a:t>
             </a:fld>
             <a:endParaRPr lang="zh-TW" altLang="en-US"/>
           </a:p>
@@ -452,7 +384,7 @@
           <a:p>
             <a:fld id="{92A7EAFB-AA00-4957-A793-D83734C20EF1}" type="datetimeFigureOut">
               <a:rPr lang="zh-TW" altLang="en-US" smtClean="0"/>
-              <a:t>2019/9/2</a:t>
+              <a:t>2019/10/7</a:t>
             </a:fld>
             <a:endParaRPr lang="zh-TW" altLang="en-US"/>
           </a:p>
@@ -2531,7 +2463,7 @@
                 <a:latin typeface="微軟正黑體" panose="020B0604030504040204" pitchFamily="34" charset="-120"/>
                 <a:ea typeface="微軟正黑體" panose="020B0604030504040204" pitchFamily="34" charset="-120"/>
               </a:rPr>
-              <a:t>2019/09/02)</a:t>
+              <a:t>2019/10/07)</a:t>
             </a:r>
             <a:endParaRPr lang="zh-TW" altLang="en-US" sz="1600" b="1" dirty="0">
               <a:solidFill>
@@ -5385,140 +5317,140 @@
                 <a:gridCol w="826601">
                   <a:extLst>
                     <a:ext uri="{9D8B030D-6E8A-4147-A177-3AD203B41FA5}">
-                      <a16:colId xmlns:a16="http://schemas.microsoft.com/office/drawing/2014/main" xmlns="" val="20003"/>
+                      <a16:colId xmlns="" xmlns:a16="http://schemas.microsoft.com/office/drawing/2014/main" val="20003"/>
                     </a:ext>
                   </a:extLst>
                 </a:gridCol>
                 <a:gridCol w="510169">
                   <a:extLst>
                     <a:ext uri="{9D8B030D-6E8A-4147-A177-3AD203B41FA5}">
-                      <a16:colId xmlns:a16="http://schemas.microsoft.com/office/drawing/2014/main" xmlns="" val="20004"/>
+                      <a16:colId xmlns="" xmlns:a16="http://schemas.microsoft.com/office/drawing/2014/main" val="20004"/>
                     </a:ext>
                   </a:extLst>
                 </a:gridCol>
                 <a:gridCol w="510169">
                   <a:extLst>
                     <a:ext uri="{9D8B030D-6E8A-4147-A177-3AD203B41FA5}">
-                      <a16:colId xmlns:a16="http://schemas.microsoft.com/office/drawing/2014/main" xmlns="" val="20005"/>
+                      <a16:colId xmlns="" xmlns:a16="http://schemas.microsoft.com/office/drawing/2014/main" val="20005"/>
                     </a:ext>
                   </a:extLst>
                 </a:gridCol>
                 <a:gridCol w="510169">
                   <a:extLst>
                     <a:ext uri="{9D8B030D-6E8A-4147-A177-3AD203B41FA5}">
-                      <a16:colId xmlns:a16="http://schemas.microsoft.com/office/drawing/2014/main" xmlns="" val="20006"/>
+                      <a16:colId xmlns="" xmlns:a16="http://schemas.microsoft.com/office/drawing/2014/main" val="20006"/>
                     </a:ext>
                   </a:extLst>
                 </a:gridCol>
                 <a:gridCol w="510169">
                   <a:extLst>
                     <a:ext uri="{9D8B030D-6E8A-4147-A177-3AD203B41FA5}">
-                      <a16:colId xmlns:a16="http://schemas.microsoft.com/office/drawing/2014/main" xmlns="" val="3408207861"/>
+                      <a16:colId xmlns="" xmlns:a16="http://schemas.microsoft.com/office/drawing/2014/main" val="3408207861"/>
                     </a:ext>
                   </a:extLst>
                 </a:gridCol>
                 <a:gridCol w="510169">
                   <a:extLst>
                     <a:ext uri="{9D8B030D-6E8A-4147-A177-3AD203B41FA5}">
-                      <a16:colId xmlns:a16="http://schemas.microsoft.com/office/drawing/2014/main" xmlns="" val="2229076538"/>
+                      <a16:colId xmlns="" xmlns:a16="http://schemas.microsoft.com/office/drawing/2014/main" val="2229076538"/>
                     </a:ext>
                   </a:extLst>
                 </a:gridCol>
                 <a:gridCol w="510169">
                   <a:extLst>
                     <a:ext uri="{9D8B030D-6E8A-4147-A177-3AD203B41FA5}">
-                      <a16:colId xmlns:a16="http://schemas.microsoft.com/office/drawing/2014/main" xmlns="" val="3678966610"/>
+                      <a16:colId xmlns="" xmlns:a16="http://schemas.microsoft.com/office/drawing/2014/main" val="3678966610"/>
                     </a:ext>
                   </a:extLst>
                 </a:gridCol>
                 <a:gridCol w="510169">
                   <a:extLst>
                     <a:ext uri="{9D8B030D-6E8A-4147-A177-3AD203B41FA5}">
-                      <a16:colId xmlns:a16="http://schemas.microsoft.com/office/drawing/2014/main" xmlns="" val="20007"/>
+                      <a16:colId xmlns="" xmlns:a16="http://schemas.microsoft.com/office/drawing/2014/main" val="20007"/>
                     </a:ext>
                   </a:extLst>
                 </a:gridCol>
                 <a:gridCol w="510169">
                   <a:extLst>
                     <a:ext uri="{9D8B030D-6E8A-4147-A177-3AD203B41FA5}">
-                      <a16:colId xmlns:a16="http://schemas.microsoft.com/office/drawing/2014/main" xmlns="" val="20008"/>
+                      <a16:colId xmlns="" xmlns:a16="http://schemas.microsoft.com/office/drawing/2014/main" val="20008"/>
                     </a:ext>
                   </a:extLst>
                 </a:gridCol>
                 <a:gridCol w="510169">
                   <a:extLst>
                     <a:ext uri="{9D8B030D-6E8A-4147-A177-3AD203B41FA5}">
-                      <a16:colId xmlns:a16="http://schemas.microsoft.com/office/drawing/2014/main" xmlns="" val="3280403588"/>
+                      <a16:colId xmlns="" xmlns:a16="http://schemas.microsoft.com/office/drawing/2014/main" val="3280403588"/>
                     </a:ext>
                   </a:extLst>
                 </a:gridCol>
                 <a:gridCol w="510169">
                   <a:extLst>
                     <a:ext uri="{9D8B030D-6E8A-4147-A177-3AD203B41FA5}">
-                      <a16:colId xmlns:a16="http://schemas.microsoft.com/office/drawing/2014/main" xmlns="" val="3626256232"/>
+                      <a16:colId xmlns="" xmlns:a16="http://schemas.microsoft.com/office/drawing/2014/main" val="3626256232"/>
                     </a:ext>
                   </a:extLst>
                 </a:gridCol>
                 <a:gridCol w="510169">
                   <a:extLst>
                     <a:ext uri="{9D8B030D-6E8A-4147-A177-3AD203B41FA5}">
-                      <a16:colId xmlns:a16="http://schemas.microsoft.com/office/drawing/2014/main" xmlns="" val="1479022265"/>
+                      <a16:colId xmlns="" xmlns:a16="http://schemas.microsoft.com/office/drawing/2014/main" val="1479022265"/>
                     </a:ext>
                   </a:extLst>
                 </a:gridCol>
                 <a:gridCol w="510169">
                   <a:extLst>
                     <a:ext uri="{9D8B030D-6E8A-4147-A177-3AD203B41FA5}">
-                      <a16:colId xmlns:a16="http://schemas.microsoft.com/office/drawing/2014/main" xmlns="" val="29243554"/>
+                      <a16:colId xmlns="" xmlns:a16="http://schemas.microsoft.com/office/drawing/2014/main" val="29243554"/>
                     </a:ext>
                   </a:extLst>
                 </a:gridCol>
                 <a:gridCol w="510169">
                   <a:extLst>
                     <a:ext uri="{9D8B030D-6E8A-4147-A177-3AD203B41FA5}">
-                      <a16:colId xmlns:a16="http://schemas.microsoft.com/office/drawing/2014/main" xmlns="" val="1436252718"/>
+                      <a16:colId xmlns="" xmlns:a16="http://schemas.microsoft.com/office/drawing/2014/main" val="1436252718"/>
                     </a:ext>
                   </a:extLst>
                 </a:gridCol>
                 <a:gridCol w="510169">
                   <a:extLst>
                     <a:ext uri="{9D8B030D-6E8A-4147-A177-3AD203B41FA5}">
-                      <a16:colId xmlns:a16="http://schemas.microsoft.com/office/drawing/2014/main" xmlns="" val="20013"/>
+                      <a16:colId xmlns="" xmlns:a16="http://schemas.microsoft.com/office/drawing/2014/main" val="20013"/>
                     </a:ext>
                   </a:extLst>
                 </a:gridCol>
                 <a:gridCol w="510169">
                   <a:extLst>
                     <a:ext uri="{9D8B030D-6E8A-4147-A177-3AD203B41FA5}">
-                      <a16:colId xmlns:a16="http://schemas.microsoft.com/office/drawing/2014/main" xmlns="" val="2227699668"/>
+                      <a16:colId xmlns="" xmlns:a16="http://schemas.microsoft.com/office/drawing/2014/main" val="2227699668"/>
                     </a:ext>
                   </a:extLst>
                 </a:gridCol>
                 <a:gridCol w="510170">
                   <a:extLst>
                     <a:ext uri="{9D8B030D-6E8A-4147-A177-3AD203B41FA5}">
-                      <a16:colId xmlns:a16="http://schemas.microsoft.com/office/drawing/2014/main" xmlns="" val="3451906251"/>
+                      <a16:colId xmlns="" xmlns:a16="http://schemas.microsoft.com/office/drawing/2014/main" val="3451906251"/>
                     </a:ext>
                   </a:extLst>
                 </a:gridCol>
                 <a:gridCol w="510169">
                   <a:extLst>
                     <a:ext uri="{9D8B030D-6E8A-4147-A177-3AD203B41FA5}">
-                      <a16:colId xmlns:a16="http://schemas.microsoft.com/office/drawing/2014/main" xmlns="" val="660092051"/>
+                      <a16:colId xmlns="" xmlns:a16="http://schemas.microsoft.com/office/drawing/2014/main" val="660092051"/>
                     </a:ext>
                   </a:extLst>
                 </a:gridCol>
                 <a:gridCol w="510169">
                   <a:extLst>
                     <a:ext uri="{9D8B030D-6E8A-4147-A177-3AD203B41FA5}">
-                      <a16:colId xmlns:a16="http://schemas.microsoft.com/office/drawing/2014/main" xmlns="" val="2785807340"/>
+                      <a16:colId xmlns="" xmlns:a16="http://schemas.microsoft.com/office/drawing/2014/main" val="2785807340"/>
                     </a:ext>
                   </a:extLst>
                 </a:gridCol>
                 <a:gridCol w="510169">
                   <a:extLst>
                     <a:ext uri="{9D8B030D-6E8A-4147-A177-3AD203B41FA5}">
-                      <a16:colId xmlns:a16="http://schemas.microsoft.com/office/drawing/2014/main" xmlns="" val="20019"/>
+                      <a16:colId xmlns="" xmlns:a16="http://schemas.microsoft.com/office/drawing/2014/main" val="20019"/>
                     </a:ext>
                   </a:extLst>
                 </a:gridCol>
@@ -5781,7 +5713,7 @@
                 </a:tc>
                 <a:extLst>
                   <a:ext uri="{0D108BD9-81ED-4DB2-BD59-A6C34878D82A}">
-                    <a16:rowId xmlns:a16="http://schemas.microsoft.com/office/drawing/2014/main" xmlns="" val="4157930470"/>
+                    <a16:rowId xmlns="" xmlns:a16="http://schemas.microsoft.com/office/drawing/2014/main" val="4157930470"/>
                   </a:ext>
                 </a:extLst>
               </a:tr>
@@ -6280,7 +6212,7 @@
                 </a:tc>
                 <a:extLst>
                   <a:ext uri="{0D108BD9-81ED-4DB2-BD59-A6C34878D82A}">
-                    <a16:rowId xmlns:a16="http://schemas.microsoft.com/office/drawing/2014/main" xmlns="" val="10000"/>
+                    <a16:rowId xmlns="" xmlns:a16="http://schemas.microsoft.com/office/drawing/2014/main" val="10000"/>
                   </a:ext>
                 </a:extLst>
               </a:tr>
@@ -6682,7 +6614,7 @@
                 </a:tc>
                 <a:extLst>
                   <a:ext uri="{0D108BD9-81ED-4DB2-BD59-A6C34878D82A}">
-                    <a16:rowId xmlns:a16="http://schemas.microsoft.com/office/drawing/2014/main" xmlns="" val="10002"/>
+                    <a16:rowId xmlns="" xmlns:a16="http://schemas.microsoft.com/office/drawing/2014/main" val="10002"/>
                   </a:ext>
                 </a:extLst>
               </a:tr>
@@ -7275,7 +7207,7 @@
                 </a:tc>
                 <a:extLst>
                   <a:ext uri="{0D108BD9-81ED-4DB2-BD59-A6C34878D82A}">
-                    <a16:rowId xmlns:a16="http://schemas.microsoft.com/office/drawing/2014/main" xmlns="" val="3675162025"/>
+                    <a16:rowId xmlns="" xmlns:a16="http://schemas.microsoft.com/office/drawing/2014/main" val="3675162025"/>
                   </a:ext>
                 </a:extLst>
               </a:tr>
@@ -7900,7 +7832,7 @@
                 </a:tc>
                 <a:extLst>
                   <a:ext uri="{0D108BD9-81ED-4DB2-BD59-A6C34878D82A}">
-                    <a16:rowId xmlns:a16="http://schemas.microsoft.com/office/drawing/2014/main" xmlns="" val="3832608764"/>
+                    <a16:rowId xmlns="" xmlns:a16="http://schemas.microsoft.com/office/drawing/2014/main" val="3832608764"/>
                   </a:ext>
                 </a:extLst>
               </a:tr>
@@ -8415,7 +8347,7 @@
                 </a:tc>
                 <a:extLst>
                   <a:ext uri="{0D108BD9-81ED-4DB2-BD59-A6C34878D82A}">
-                    <a16:rowId xmlns:a16="http://schemas.microsoft.com/office/drawing/2014/main" xmlns="" val="2613742521"/>
+                    <a16:rowId xmlns="" xmlns:a16="http://schemas.microsoft.com/office/drawing/2014/main" val="2613742521"/>
                   </a:ext>
                 </a:extLst>
               </a:tr>
@@ -8930,7 +8862,7 @@
                 </a:tc>
                 <a:extLst>
                   <a:ext uri="{0D108BD9-81ED-4DB2-BD59-A6C34878D82A}">
-                    <a16:rowId xmlns:a16="http://schemas.microsoft.com/office/drawing/2014/main" xmlns="" val="1381442428"/>
+                    <a16:rowId xmlns="" xmlns:a16="http://schemas.microsoft.com/office/drawing/2014/main" val="1381442428"/>
                   </a:ext>
                 </a:extLst>
               </a:tr>
@@ -9524,7 +9456,7 @@
                 </a:tc>
                 <a:extLst>
                   <a:ext uri="{0D108BD9-81ED-4DB2-BD59-A6C34878D82A}">
-                    <a16:rowId xmlns:a16="http://schemas.microsoft.com/office/drawing/2014/main" xmlns="" val="4102929731"/>
+                    <a16:rowId xmlns="" xmlns:a16="http://schemas.microsoft.com/office/drawing/2014/main" val="4102929731"/>
                   </a:ext>
                 </a:extLst>
               </a:tr>
@@ -10052,7 +9984,7 @@
                 </a:tc>
                 <a:extLst>
                   <a:ext uri="{0D108BD9-81ED-4DB2-BD59-A6C34878D82A}">
-                    <a16:rowId xmlns:a16="http://schemas.microsoft.com/office/drawing/2014/main" xmlns="" val="2526977750"/>
+                    <a16:rowId xmlns="" xmlns:a16="http://schemas.microsoft.com/office/drawing/2014/main" val="2526977750"/>
                   </a:ext>
                 </a:extLst>
               </a:tr>
@@ -10608,7 +10540,7 @@
                 </a:tc>
                 <a:extLst>
                   <a:ext uri="{0D108BD9-81ED-4DB2-BD59-A6C34878D82A}">
-                    <a16:rowId xmlns:a16="http://schemas.microsoft.com/office/drawing/2014/main" xmlns="" val="10001"/>
+                    <a16:rowId xmlns="" xmlns:a16="http://schemas.microsoft.com/office/drawing/2014/main" val="10001"/>
                   </a:ext>
                 </a:extLst>
               </a:tr>
@@ -11162,7 +11094,7 @@
                 </a:tc>
                 <a:extLst>
                   <a:ext uri="{0D108BD9-81ED-4DB2-BD59-A6C34878D82A}">
-                    <a16:rowId xmlns:a16="http://schemas.microsoft.com/office/drawing/2014/main" xmlns="" val="10006"/>
+                    <a16:rowId xmlns="" xmlns:a16="http://schemas.microsoft.com/office/drawing/2014/main" val="10006"/>
                   </a:ext>
                 </a:extLst>
               </a:tr>
@@ -11716,7 +11648,7 @@
                 </a:tc>
                 <a:extLst>
                   <a:ext uri="{0D108BD9-81ED-4DB2-BD59-A6C34878D82A}">
-                    <a16:rowId xmlns:a16="http://schemas.microsoft.com/office/drawing/2014/main" xmlns="" val="10007"/>
+                    <a16:rowId xmlns="" xmlns:a16="http://schemas.microsoft.com/office/drawing/2014/main" val="10007"/>
                   </a:ext>
                 </a:extLst>
               </a:tr>
@@ -12270,7 +12202,7 @@
                 </a:tc>
                 <a:extLst>
                   <a:ext uri="{0D108BD9-81ED-4DB2-BD59-A6C34878D82A}">
-                    <a16:rowId xmlns:a16="http://schemas.microsoft.com/office/drawing/2014/main" xmlns="" val="10008"/>
+                    <a16:rowId xmlns="" xmlns:a16="http://schemas.microsoft.com/office/drawing/2014/main" val="10008"/>
                   </a:ext>
                 </a:extLst>
               </a:tr>
@@ -12826,7 +12758,7 @@
                 </a:tc>
                 <a:extLst>
                   <a:ext uri="{0D108BD9-81ED-4DB2-BD59-A6C34878D82A}">
-                    <a16:rowId xmlns:a16="http://schemas.microsoft.com/office/drawing/2014/main" xmlns="" val="10010"/>
+                    <a16:rowId xmlns="" xmlns:a16="http://schemas.microsoft.com/office/drawing/2014/main" val="10010"/>
                   </a:ext>
                 </a:extLst>
               </a:tr>
@@ -13377,7 +13309,7 @@
                 </a:tc>
                 <a:extLst>
                   <a:ext uri="{0D108BD9-81ED-4DB2-BD59-A6C34878D82A}">
-                    <a16:rowId xmlns:a16="http://schemas.microsoft.com/office/drawing/2014/main" xmlns="" val="1396562496"/>
+                    <a16:rowId xmlns="" xmlns:a16="http://schemas.microsoft.com/office/drawing/2014/main" val="1396562496"/>
                   </a:ext>
                 </a:extLst>
               </a:tr>
@@ -13945,7 +13877,7 @@
           <p:nvPr>
             <p:extLst>
               <p:ext uri="{D42A27DB-BD31-4B8C-83A1-F6EECF244321}">
-                <p14:modId xmlns:p14="http://schemas.microsoft.com/office/powerpoint/2010/main" val="950351600"/>
+                <p14:modId xmlns:p14="http://schemas.microsoft.com/office/powerpoint/2010/main" val="1862982535"/>
               </p:ext>
             </p:extLst>
           </p:nvPr>
@@ -13964,140 +13896,140 @@
                 <a:gridCol w="901444">
                   <a:extLst>
                     <a:ext uri="{9D8B030D-6E8A-4147-A177-3AD203B41FA5}">
-                      <a16:colId xmlns:a16="http://schemas.microsoft.com/office/drawing/2014/main" xmlns="" val="20003"/>
+                      <a16:colId xmlns="" xmlns:a16="http://schemas.microsoft.com/office/drawing/2014/main" val="20003"/>
                     </a:ext>
                   </a:extLst>
                 </a:gridCol>
                 <a:gridCol w="501772">
                   <a:extLst>
                     <a:ext uri="{9D8B030D-6E8A-4147-A177-3AD203B41FA5}">
-                      <a16:colId xmlns:a16="http://schemas.microsoft.com/office/drawing/2014/main" xmlns="" val="20004"/>
+                      <a16:colId xmlns="" xmlns:a16="http://schemas.microsoft.com/office/drawing/2014/main" val="20004"/>
                     </a:ext>
                   </a:extLst>
                 </a:gridCol>
                 <a:gridCol w="501772">
                   <a:extLst>
                     <a:ext uri="{9D8B030D-6E8A-4147-A177-3AD203B41FA5}">
-                      <a16:colId xmlns:a16="http://schemas.microsoft.com/office/drawing/2014/main" xmlns="" val="20005"/>
+                      <a16:colId xmlns="" xmlns:a16="http://schemas.microsoft.com/office/drawing/2014/main" val="20005"/>
                     </a:ext>
                   </a:extLst>
                 </a:gridCol>
                 <a:gridCol w="501772">
                   <a:extLst>
                     <a:ext uri="{9D8B030D-6E8A-4147-A177-3AD203B41FA5}">
-                      <a16:colId xmlns:a16="http://schemas.microsoft.com/office/drawing/2014/main" xmlns="" val="20006"/>
+                      <a16:colId xmlns="" xmlns:a16="http://schemas.microsoft.com/office/drawing/2014/main" val="20006"/>
                     </a:ext>
                   </a:extLst>
                 </a:gridCol>
                 <a:gridCol w="501772">
                   <a:extLst>
                     <a:ext uri="{9D8B030D-6E8A-4147-A177-3AD203B41FA5}">
-                      <a16:colId xmlns:a16="http://schemas.microsoft.com/office/drawing/2014/main" xmlns="" val="3428608293"/>
+                      <a16:colId xmlns="" xmlns:a16="http://schemas.microsoft.com/office/drawing/2014/main" val="3428608293"/>
                     </a:ext>
                   </a:extLst>
                 </a:gridCol>
                 <a:gridCol w="501772">
                   <a:extLst>
                     <a:ext uri="{9D8B030D-6E8A-4147-A177-3AD203B41FA5}">
-                      <a16:colId xmlns:a16="http://schemas.microsoft.com/office/drawing/2014/main" xmlns="" val="2688910496"/>
+                      <a16:colId xmlns="" xmlns:a16="http://schemas.microsoft.com/office/drawing/2014/main" val="2688910496"/>
                     </a:ext>
                   </a:extLst>
                 </a:gridCol>
                 <a:gridCol w="501772">
                   <a:extLst>
                     <a:ext uri="{9D8B030D-6E8A-4147-A177-3AD203B41FA5}">
-                      <a16:colId xmlns:a16="http://schemas.microsoft.com/office/drawing/2014/main" xmlns="" val="3678966610"/>
+                      <a16:colId xmlns="" xmlns:a16="http://schemas.microsoft.com/office/drawing/2014/main" val="3678966610"/>
                     </a:ext>
                   </a:extLst>
                 </a:gridCol>
                 <a:gridCol w="501772">
                   <a:extLst>
                     <a:ext uri="{9D8B030D-6E8A-4147-A177-3AD203B41FA5}">
-                      <a16:colId xmlns:a16="http://schemas.microsoft.com/office/drawing/2014/main" xmlns="" val="20007"/>
+                      <a16:colId xmlns="" xmlns:a16="http://schemas.microsoft.com/office/drawing/2014/main" val="20007"/>
                     </a:ext>
                   </a:extLst>
                 </a:gridCol>
                 <a:gridCol w="501772">
                   <a:extLst>
                     <a:ext uri="{9D8B030D-6E8A-4147-A177-3AD203B41FA5}">
-                      <a16:colId xmlns:a16="http://schemas.microsoft.com/office/drawing/2014/main" xmlns="" val="20008"/>
+                      <a16:colId xmlns="" xmlns:a16="http://schemas.microsoft.com/office/drawing/2014/main" val="20008"/>
                     </a:ext>
                   </a:extLst>
                 </a:gridCol>
                 <a:gridCol w="501772">
                   <a:extLst>
                     <a:ext uri="{9D8B030D-6E8A-4147-A177-3AD203B41FA5}">
-                      <a16:colId xmlns:a16="http://schemas.microsoft.com/office/drawing/2014/main" xmlns="" val="3609824002"/>
+                      <a16:colId xmlns="" xmlns:a16="http://schemas.microsoft.com/office/drawing/2014/main" val="3609824002"/>
                     </a:ext>
                   </a:extLst>
                 </a:gridCol>
                 <a:gridCol w="501772">
                   <a:extLst>
                     <a:ext uri="{9D8B030D-6E8A-4147-A177-3AD203B41FA5}">
-                      <a16:colId xmlns:a16="http://schemas.microsoft.com/office/drawing/2014/main" xmlns="" val="1419103565"/>
+                      <a16:colId xmlns="" xmlns:a16="http://schemas.microsoft.com/office/drawing/2014/main" val="1419103565"/>
                     </a:ext>
                   </a:extLst>
                 </a:gridCol>
                 <a:gridCol w="501772">
                   <a:extLst>
                     <a:ext uri="{9D8B030D-6E8A-4147-A177-3AD203B41FA5}">
-                      <a16:colId xmlns:a16="http://schemas.microsoft.com/office/drawing/2014/main" xmlns="" val="2051610090"/>
+                      <a16:colId xmlns="" xmlns:a16="http://schemas.microsoft.com/office/drawing/2014/main" val="2051610090"/>
                     </a:ext>
                   </a:extLst>
                 </a:gridCol>
                 <a:gridCol w="501772">
                   <a:extLst>
                     <a:ext uri="{9D8B030D-6E8A-4147-A177-3AD203B41FA5}">
-                      <a16:colId xmlns:a16="http://schemas.microsoft.com/office/drawing/2014/main" xmlns="" val="29243554"/>
+                      <a16:colId xmlns="" xmlns:a16="http://schemas.microsoft.com/office/drawing/2014/main" val="29243554"/>
                     </a:ext>
                   </a:extLst>
                 </a:gridCol>
                 <a:gridCol w="501772">
                   <a:extLst>
                     <a:ext uri="{9D8B030D-6E8A-4147-A177-3AD203B41FA5}">
-                      <a16:colId xmlns:a16="http://schemas.microsoft.com/office/drawing/2014/main" xmlns="" val="1436252718"/>
+                      <a16:colId xmlns="" xmlns:a16="http://schemas.microsoft.com/office/drawing/2014/main" val="1436252718"/>
                     </a:ext>
                   </a:extLst>
                 </a:gridCol>
                 <a:gridCol w="501772">
                   <a:extLst>
                     <a:ext uri="{9D8B030D-6E8A-4147-A177-3AD203B41FA5}">
-                      <a16:colId xmlns:a16="http://schemas.microsoft.com/office/drawing/2014/main" xmlns="" val="963690119"/>
+                      <a16:colId xmlns="" xmlns:a16="http://schemas.microsoft.com/office/drawing/2014/main" val="963690119"/>
                     </a:ext>
                   </a:extLst>
                 </a:gridCol>
                 <a:gridCol w="501772">
                   <a:extLst>
                     <a:ext uri="{9D8B030D-6E8A-4147-A177-3AD203B41FA5}">
-                      <a16:colId xmlns:a16="http://schemas.microsoft.com/office/drawing/2014/main" xmlns="" val="2227699668"/>
+                      <a16:colId xmlns="" xmlns:a16="http://schemas.microsoft.com/office/drawing/2014/main" val="2227699668"/>
                     </a:ext>
                   </a:extLst>
                 </a:gridCol>
                 <a:gridCol w="501772">
                   <a:extLst>
                     <a:ext uri="{9D8B030D-6E8A-4147-A177-3AD203B41FA5}">
-                      <a16:colId xmlns:a16="http://schemas.microsoft.com/office/drawing/2014/main" xmlns="" val="1987638318"/>
+                      <a16:colId xmlns="" xmlns:a16="http://schemas.microsoft.com/office/drawing/2014/main" val="1987638318"/>
                     </a:ext>
                   </a:extLst>
                 </a:gridCol>
                 <a:gridCol w="501772">
                   <a:extLst>
                     <a:ext uri="{9D8B030D-6E8A-4147-A177-3AD203B41FA5}">
-                      <a16:colId xmlns:a16="http://schemas.microsoft.com/office/drawing/2014/main" xmlns="" val="1636838614"/>
+                      <a16:colId xmlns="" xmlns:a16="http://schemas.microsoft.com/office/drawing/2014/main" val="1636838614"/>
                     </a:ext>
                   </a:extLst>
                 </a:gridCol>
                 <a:gridCol w="501772">
                   <a:extLst>
                     <a:ext uri="{9D8B030D-6E8A-4147-A177-3AD203B41FA5}">
-                      <a16:colId xmlns:a16="http://schemas.microsoft.com/office/drawing/2014/main" xmlns="" val="1332406281"/>
+                      <a16:colId xmlns="" xmlns:a16="http://schemas.microsoft.com/office/drawing/2014/main" val="1332406281"/>
                     </a:ext>
                   </a:extLst>
                 </a:gridCol>
                 <a:gridCol w="501772">
                   <a:extLst>
                     <a:ext uri="{9D8B030D-6E8A-4147-A177-3AD203B41FA5}">
-                      <a16:colId xmlns:a16="http://schemas.microsoft.com/office/drawing/2014/main" xmlns="" val="20019"/>
+                      <a16:colId xmlns="" xmlns:a16="http://schemas.microsoft.com/office/drawing/2014/main" val="20019"/>
                     </a:ext>
                   </a:extLst>
                 </a:gridCol>
@@ -14364,7 +14296,7 @@
                 </a:tc>
                 <a:extLst>
                   <a:ext uri="{0D108BD9-81ED-4DB2-BD59-A6C34878D82A}">
-                    <a16:rowId xmlns:a16="http://schemas.microsoft.com/office/drawing/2014/main" xmlns="" val="4157930470"/>
+                    <a16:rowId xmlns="" xmlns:a16="http://schemas.microsoft.com/office/drawing/2014/main" val="4157930470"/>
                   </a:ext>
                 </a:extLst>
               </a:tr>
@@ -14897,7 +14829,7 @@
                 </a:tc>
                 <a:extLst>
                   <a:ext uri="{0D108BD9-81ED-4DB2-BD59-A6C34878D82A}">
-                    <a16:rowId xmlns:a16="http://schemas.microsoft.com/office/drawing/2014/main" xmlns="" val="10000"/>
+                    <a16:rowId xmlns="" xmlns:a16="http://schemas.microsoft.com/office/drawing/2014/main" val="10000"/>
                   </a:ext>
                 </a:extLst>
               </a:tr>
@@ -15199,7 +15131,7 @@
                 </a:tc>
                 <a:extLst>
                   <a:ext uri="{0D108BD9-81ED-4DB2-BD59-A6C34878D82A}">
-                    <a16:rowId xmlns:a16="http://schemas.microsoft.com/office/drawing/2014/main" xmlns="" val="10005"/>
+                    <a16:rowId xmlns="" xmlns:a16="http://schemas.microsoft.com/office/drawing/2014/main" val="10005"/>
                   </a:ext>
                 </a:extLst>
               </a:tr>
@@ -15736,7 +15668,7 @@
                 </a:tc>
                 <a:extLst>
                   <a:ext uri="{0D108BD9-81ED-4DB2-BD59-A6C34878D82A}">
-                    <a16:rowId xmlns:a16="http://schemas.microsoft.com/office/drawing/2014/main" xmlns="" val="10002"/>
+                    <a16:rowId xmlns="" xmlns:a16="http://schemas.microsoft.com/office/drawing/2014/main" val="10002"/>
                   </a:ext>
                 </a:extLst>
               </a:tr>
@@ -16273,7 +16205,7 @@
                 </a:tc>
                 <a:extLst>
                   <a:ext uri="{0D108BD9-81ED-4DB2-BD59-A6C34878D82A}">
-                    <a16:rowId xmlns:a16="http://schemas.microsoft.com/office/drawing/2014/main" xmlns="" val="10003"/>
+                    <a16:rowId xmlns="" xmlns:a16="http://schemas.microsoft.com/office/drawing/2014/main" val="10003"/>
                   </a:ext>
                 </a:extLst>
               </a:tr>
@@ -16810,7 +16742,7 @@
                 </a:tc>
                 <a:extLst>
                   <a:ext uri="{0D108BD9-81ED-4DB2-BD59-A6C34878D82A}">
-                    <a16:rowId xmlns:a16="http://schemas.microsoft.com/office/drawing/2014/main" xmlns="" val="10004"/>
+                    <a16:rowId xmlns="" xmlns:a16="http://schemas.microsoft.com/office/drawing/2014/main" val="10004"/>
                   </a:ext>
                 </a:extLst>
               </a:tr>
@@ -17347,7 +17279,7 @@
                 </a:tc>
                 <a:extLst>
                   <a:ext uri="{0D108BD9-81ED-4DB2-BD59-A6C34878D82A}">
-                    <a16:rowId xmlns:a16="http://schemas.microsoft.com/office/drawing/2014/main" xmlns="" val="10007"/>
+                    <a16:rowId xmlns="" xmlns:a16="http://schemas.microsoft.com/office/drawing/2014/main" val="10007"/>
                   </a:ext>
                 </a:extLst>
               </a:tr>
@@ -17884,7 +17816,7 @@
                 </a:tc>
                 <a:extLst>
                   <a:ext uri="{0D108BD9-81ED-4DB2-BD59-A6C34878D82A}">
-                    <a16:rowId xmlns:a16="http://schemas.microsoft.com/office/drawing/2014/main" xmlns="" val="10008"/>
+                    <a16:rowId xmlns="" xmlns:a16="http://schemas.microsoft.com/office/drawing/2014/main" val="10008"/>
                   </a:ext>
                 </a:extLst>
               </a:tr>
@@ -18421,7 +18353,7 @@
                 </a:tc>
                 <a:extLst>
                   <a:ext uri="{0D108BD9-81ED-4DB2-BD59-A6C34878D82A}">
-                    <a16:rowId xmlns:a16="http://schemas.microsoft.com/office/drawing/2014/main" xmlns="" val="10009"/>
+                    <a16:rowId xmlns="" xmlns:a16="http://schemas.microsoft.com/office/drawing/2014/main" val="10009"/>
                   </a:ext>
                 </a:extLst>
               </a:tr>
@@ -18968,7 +18900,7 @@
                 </a:tc>
                 <a:extLst>
                   <a:ext uri="{0D108BD9-81ED-4DB2-BD59-A6C34878D82A}">
-                    <a16:rowId xmlns:a16="http://schemas.microsoft.com/office/drawing/2014/main" xmlns="" val="2234251665"/>
+                    <a16:rowId xmlns="" xmlns:a16="http://schemas.microsoft.com/office/drawing/2014/main" val="2234251665"/>
                   </a:ext>
                 </a:extLst>
               </a:tr>
@@ -19494,7 +19426,7 @@
                 </a:tc>
                 <a:extLst>
                   <a:ext uri="{0D108BD9-81ED-4DB2-BD59-A6C34878D82A}">
-                    <a16:rowId xmlns:a16="http://schemas.microsoft.com/office/drawing/2014/main" xmlns="" val="2106796917"/>
+                    <a16:rowId xmlns="" xmlns:a16="http://schemas.microsoft.com/office/drawing/2014/main" val="2106796917"/>
                   </a:ext>
                 </a:extLst>
               </a:tr>
@@ -20036,7 +19968,7 @@
                 </a:tc>
                 <a:extLst>
                   <a:ext uri="{0D108BD9-81ED-4DB2-BD59-A6C34878D82A}">
-                    <a16:rowId xmlns:a16="http://schemas.microsoft.com/office/drawing/2014/main" xmlns="" val="3710798345"/>
+                    <a16:rowId xmlns="" xmlns:a16="http://schemas.microsoft.com/office/drawing/2014/main" val="3710798345"/>
                   </a:ext>
                 </a:extLst>
               </a:tr>
@@ -20562,7 +20494,7 @@
                 </a:tc>
                 <a:extLst>
                   <a:ext uri="{0D108BD9-81ED-4DB2-BD59-A6C34878D82A}">
-                    <a16:rowId xmlns:a16="http://schemas.microsoft.com/office/drawing/2014/main" xmlns="" val="2533665971"/>
+                    <a16:rowId xmlns="" xmlns:a16="http://schemas.microsoft.com/office/drawing/2014/main" val="2533665971"/>
                   </a:ext>
                 </a:extLst>
               </a:tr>
@@ -20693,12 +20625,12 @@
                     <a:p>
                       <a:pPr algn="ctr"/>
                       <a:r>
-                        <a:rPr lang="zh-TW" altLang="en-US" sz="1200" b="0" kern="0" dirty="0">
-                          <a:solidFill>
-                            <a:schemeClr val="tx1"/>
-                          </a:solidFill>
-                        </a:rPr>
-                        <a:t>○</a:t>
+                        <a:rPr lang="zh-TW" altLang="en-US" sz="1200" b="0" kern="0" dirty="0" smtClean="0">
+                          <a:solidFill>
+                            <a:schemeClr val="tx1"/>
+                          </a:solidFill>
+                        </a:rPr>
+                        <a:t>◎</a:t>
                       </a:r>
                       <a:endParaRPr lang="zh-TW" altLang="en-US" sz="1200" b="0" dirty="0">
                         <a:solidFill>
@@ -21002,36 +20934,36 @@
                     <a:p>
                       <a:pPr algn="ctr"/>
                       <a:r>
+                        <a:rPr lang="zh-TW" altLang="en-US" sz="1200" b="0" kern="0" dirty="0" smtClean="0">
+                          <a:solidFill>
+                            <a:schemeClr val="tx1"/>
+                          </a:solidFill>
+                        </a:rPr>
+                        <a:t>◎</a:t>
+                      </a:r>
+                      <a:endParaRPr lang="zh-TW" altLang="en-US" sz="1200" b="0" dirty="0">
+                        <a:solidFill>
+                          <a:schemeClr val="tx1"/>
+                        </a:solidFill>
+                        <a:latin typeface="微軟正黑體" panose="020B0604030504040204" pitchFamily="34" charset="-120"/>
+                        <a:ea typeface="微軟正黑體" panose="020B0604030504040204" pitchFamily="34" charset="-120"/>
+                      </a:endParaRPr>
+                    </a:p>
+                  </a:txBody>
+                  <a:tcPr marL="9525" marR="9525" marT="9525" marB="0" anchor="ctr"/>
+                </a:tc>
+                <a:tc>
+                  <a:txBody>
+                    <a:bodyPr/>
+                    <a:lstStyle/>
+                    <a:p>
+                      <a:pPr algn="ctr"/>
+                      <a:r>
                         <a:rPr lang="zh-TW" altLang="en-US" sz="1200" b="0" kern="0" dirty="0">
                           <a:solidFill>
                             <a:schemeClr val="tx1"/>
                           </a:solidFill>
                         </a:rPr>
-                        <a:t>△</a:t>
-                      </a:r>
-                      <a:endParaRPr lang="zh-TW" altLang="en-US" sz="1200" b="0" dirty="0">
-                        <a:solidFill>
-                          <a:schemeClr val="tx1"/>
-                        </a:solidFill>
-                        <a:latin typeface="微軟正黑體" panose="020B0604030504040204" pitchFamily="34" charset="-120"/>
-                        <a:ea typeface="微軟正黑體" panose="020B0604030504040204" pitchFamily="34" charset="-120"/>
-                      </a:endParaRPr>
-                    </a:p>
-                  </a:txBody>
-                  <a:tcPr marL="9525" marR="9525" marT="9525" marB="0" anchor="ctr"/>
-                </a:tc>
-                <a:tc>
-                  <a:txBody>
-                    <a:bodyPr/>
-                    <a:lstStyle/>
-                    <a:p>
-                      <a:pPr algn="ctr"/>
-                      <a:r>
-                        <a:rPr lang="zh-TW" altLang="en-US" sz="1200" b="0" kern="0" dirty="0">
-                          <a:solidFill>
-                            <a:schemeClr val="tx1"/>
-                          </a:solidFill>
-                        </a:rPr>
                         <a:t>○</a:t>
                       </a:r>
                       <a:endParaRPr lang="zh-TW" altLang="en-US" sz="1200" b="0" dirty="0">
@@ -21052,12 +20984,12 @@
                     <a:p>
                       <a:pPr algn="ctr"/>
                       <a:r>
-                        <a:rPr lang="zh-TW" altLang="en-US" sz="1200" b="0" kern="0" dirty="0">
-                          <a:solidFill>
-                            <a:schemeClr val="tx1"/>
-                          </a:solidFill>
-                        </a:rPr>
-                        <a:t>○</a:t>
+                        <a:rPr lang="zh-TW" altLang="en-US" sz="1200" b="0" kern="0" dirty="0" smtClean="0">
+                          <a:solidFill>
+                            <a:schemeClr val="tx1"/>
+                          </a:solidFill>
+                        </a:rPr>
+                        <a:t>◎</a:t>
                       </a:r>
                       <a:endParaRPr lang="zh-TW" altLang="en-US" sz="1200" b="0" dirty="0">
                         <a:solidFill>
@@ -21072,7 +21004,7 @@
                 </a:tc>
                 <a:extLst>
                   <a:ext uri="{0D108BD9-81ED-4DB2-BD59-A6C34878D82A}">
-                    <a16:rowId xmlns:a16="http://schemas.microsoft.com/office/drawing/2014/main" xmlns="" val="10010"/>
+                    <a16:rowId xmlns="" xmlns:a16="http://schemas.microsoft.com/office/drawing/2014/main" val="10010"/>
                   </a:ext>
                 </a:extLst>
               </a:tr>
@@ -21886,7 +21818,7 @@
                 </a:tc>
                 <a:extLst>
                   <a:ext uri="{0D108BD9-81ED-4DB2-BD59-A6C34878D82A}">
-                    <a16:rowId xmlns:a16="http://schemas.microsoft.com/office/drawing/2014/main" xmlns="" val="2811962193"/>
+                    <a16:rowId xmlns="" xmlns:a16="http://schemas.microsoft.com/office/drawing/2014/main" val="2811962193"/>
                   </a:ext>
                 </a:extLst>
               </a:tr>
@@ -22482,126 +22414,126 @@
                 <a:gridCol w="677230">
                   <a:extLst>
                     <a:ext uri="{9D8B030D-6E8A-4147-A177-3AD203B41FA5}">
-                      <a16:colId xmlns:a16="http://schemas.microsoft.com/office/drawing/2014/main" xmlns="" val="20003"/>
+                      <a16:colId xmlns="" xmlns:a16="http://schemas.microsoft.com/office/drawing/2014/main" val="20003"/>
                     </a:ext>
                   </a:extLst>
                 </a:gridCol>
                 <a:gridCol w="589135">
                   <a:extLst>
                     <a:ext uri="{9D8B030D-6E8A-4147-A177-3AD203B41FA5}">
-                      <a16:colId xmlns:a16="http://schemas.microsoft.com/office/drawing/2014/main" xmlns="" val="20004"/>
+                      <a16:colId xmlns="" xmlns:a16="http://schemas.microsoft.com/office/drawing/2014/main" val="20004"/>
                     </a:ext>
                   </a:extLst>
                 </a:gridCol>
                 <a:gridCol w="589135">
                   <a:extLst>
                     <a:ext uri="{9D8B030D-6E8A-4147-A177-3AD203B41FA5}">
-                      <a16:colId xmlns:a16="http://schemas.microsoft.com/office/drawing/2014/main" xmlns="" val="3393601540"/>
+                      <a16:colId xmlns="" xmlns:a16="http://schemas.microsoft.com/office/drawing/2014/main" val="3393601540"/>
                     </a:ext>
                   </a:extLst>
                 </a:gridCol>
                 <a:gridCol w="589135">
                   <a:extLst>
                     <a:ext uri="{9D8B030D-6E8A-4147-A177-3AD203B41FA5}">
-                      <a16:colId xmlns:a16="http://schemas.microsoft.com/office/drawing/2014/main" xmlns="" val="3679918837"/>
+                      <a16:colId xmlns="" xmlns:a16="http://schemas.microsoft.com/office/drawing/2014/main" val="3679918837"/>
                     </a:ext>
                   </a:extLst>
                 </a:gridCol>
                 <a:gridCol w="570591">
                   <a:extLst>
                     <a:ext uri="{9D8B030D-6E8A-4147-A177-3AD203B41FA5}">
-                      <a16:colId xmlns:a16="http://schemas.microsoft.com/office/drawing/2014/main" xmlns="" val="2897207107"/>
+                      <a16:colId xmlns="" xmlns:a16="http://schemas.microsoft.com/office/drawing/2014/main" val="2897207107"/>
                     </a:ext>
                   </a:extLst>
                 </a:gridCol>
                 <a:gridCol w="570591">
                   <a:extLst>
                     <a:ext uri="{9D8B030D-6E8A-4147-A177-3AD203B41FA5}">
-                      <a16:colId xmlns:a16="http://schemas.microsoft.com/office/drawing/2014/main" xmlns="" val="2482035779"/>
+                      <a16:colId xmlns="" xmlns:a16="http://schemas.microsoft.com/office/drawing/2014/main" val="2482035779"/>
                     </a:ext>
                   </a:extLst>
                 </a:gridCol>
                 <a:gridCol w="570591">
                   <a:extLst>
                     <a:ext uri="{9D8B030D-6E8A-4147-A177-3AD203B41FA5}">
-                      <a16:colId xmlns:a16="http://schemas.microsoft.com/office/drawing/2014/main" xmlns="" val="3678108844"/>
+                      <a16:colId xmlns="" xmlns:a16="http://schemas.microsoft.com/office/drawing/2014/main" val="3678108844"/>
                     </a:ext>
                   </a:extLst>
                 </a:gridCol>
                 <a:gridCol w="570591">
                   <a:extLst>
                     <a:ext uri="{9D8B030D-6E8A-4147-A177-3AD203B41FA5}">
-                      <a16:colId xmlns:a16="http://schemas.microsoft.com/office/drawing/2014/main" xmlns="" val="1513467911"/>
+                      <a16:colId xmlns="" xmlns:a16="http://schemas.microsoft.com/office/drawing/2014/main" val="1513467911"/>
                     </a:ext>
                   </a:extLst>
                 </a:gridCol>
                 <a:gridCol w="570591">
                   <a:extLst>
                     <a:ext uri="{9D8B030D-6E8A-4147-A177-3AD203B41FA5}">
-                      <a16:colId xmlns:a16="http://schemas.microsoft.com/office/drawing/2014/main" xmlns="" val="20008"/>
+                      <a16:colId xmlns="" xmlns:a16="http://schemas.microsoft.com/office/drawing/2014/main" val="20008"/>
                     </a:ext>
                   </a:extLst>
                 </a:gridCol>
                 <a:gridCol w="570591">
                   <a:extLst>
                     <a:ext uri="{9D8B030D-6E8A-4147-A177-3AD203B41FA5}">
-                      <a16:colId xmlns:a16="http://schemas.microsoft.com/office/drawing/2014/main" xmlns="" val="3474974294"/>
+                      <a16:colId xmlns="" xmlns:a16="http://schemas.microsoft.com/office/drawing/2014/main" val="3474974294"/>
                     </a:ext>
                   </a:extLst>
                 </a:gridCol>
                 <a:gridCol w="570591">
                   <a:extLst>
                     <a:ext uri="{9D8B030D-6E8A-4147-A177-3AD203B41FA5}">
-                      <a16:colId xmlns:a16="http://schemas.microsoft.com/office/drawing/2014/main" xmlns="" val="2739021416"/>
+                      <a16:colId xmlns="" xmlns:a16="http://schemas.microsoft.com/office/drawing/2014/main" val="2739021416"/>
                     </a:ext>
                   </a:extLst>
                 </a:gridCol>
                 <a:gridCol w="570591">
                   <a:extLst>
                     <a:ext uri="{9D8B030D-6E8A-4147-A177-3AD203B41FA5}">
-                      <a16:colId xmlns:a16="http://schemas.microsoft.com/office/drawing/2014/main" xmlns="" val="876172250"/>
+                      <a16:colId xmlns="" xmlns:a16="http://schemas.microsoft.com/office/drawing/2014/main" val="876172250"/>
                     </a:ext>
                   </a:extLst>
                 </a:gridCol>
                 <a:gridCol w="570591">
                   <a:extLst>
                     <a:ext uri="{9D8B030D-6E8A-4147-A177-3AD203B41FA5}">
-                      <a16:colId xmlns:a16="http://schemas.microsoft.com/office/drawing/2014/main" xmlns="" val="20011"/>
+                      <a16:colId xmlns="" xmlns:a16="http://schemas.microsoft.com/office/drawing/2014/main" val="20011"/>
                     </a:ext>
                   </a:extLst>
                 </a:gridCol>
                 <a:gridCol w="570591">
                   <a:extLst>
                     <a:ext uri="{9D8B030D-6E8A-4147-A177-3AD203B41FA5}">
-                      <a16:colId xmlns:a16="http://schemas.microsoft.com/office/drawing/2014/main" xmlns="" val="20012"/>
+                      <a16:colId xmlns="" xmlns:a16="http://schemas.microsoft.com/office/drawing/2014/main" val="20012"/>
                     </a:ext>
                   </a:extLst>
                 </a:gridCol>
                 <a:gridCol w="570591">
                   <a:extLst>
                     <a:ext uri="{9D8B030D-6E8A-4147-A177-3AD203B41FA5}">
-                      <a16:colId xmlns:a16="http://schemas.microsoft.com/office/drawing/2014/main" xmlns="" val="20005"/>
+                      <a16:colId xmlns="" xmlns:a16="http://schemas.microsoft.com/office/drawing/2014/main" val="20005"/>
                     </a:ext>
                   </a:extLst>
                 </a:gridCol>
                 <a:gridCol w="570591">
                   <a:extLst>
                     <a:ext uri="{9D8B030D-6E8A-4147-A177-3AD203B41FA5}">
-                      <a16:colId xmlns:a16="http://schemas.microsoft.com/office/drawing/2014/main" xmlns="" val="3644493182"/>
+                      <a16:colId xmlns="" xmlns:a16="http://schemas.microsoft.com/office/drawing/2014/main" val="3644493182"/>
                     </a:ext>
                   </a:extLst>
                 </a:gridCol>
                 <a:gridCol w="570591">
                   <a:extLst>
                     <a:ext uri="{9D8B030D-6E8A-4147-A177-3AD203B41FA5}">
-                      <a16:colId xmlns:a16="http://schemas.microsoft.com/office/drawing/2014/main" xmlns="" val="20016"/>
+                      <a16:colId xmlns="" xmlns:a16="http://schemas.microsoft.com/office/drawing/2014/main" val="20016"/>
                     </a:ext>
                   </a:extLst>
                 </a:gridCol>
                 <a:gridCol w="570591">
                   <a:extLst>
                     <a:ext uri="{9D8B030D-6E8A-4147-A177-3AD203B41FA5}">
-                      <a16:colId xmlns:a16="http://schemas.microsoft.com/office/drawing/2014/main" xmlns="" val="20017"/>
+                      <a16:colId xmlns="" xmlns:a16="http://schemas.microsoft.com/office/drawing/2014/main" val="20017"/>
                     </a:ext>
                   </a:extLst>
                 </a:gridCol>
@@ -22844,7 +22776,7 @@
                 </a:tc>
                 <a:extLst>
                   <a:ext uri="{0D108BD9-81ED-4DB2-BD59-A6C34878D82A}">
-                    <a16:rowId xmlns:a16="http://schemas.microsoft.com/office/drawing/2014/main" xmlns="" val="4157930470"/>
+                    <a16:rowId xmlns="" xmlns:a16="http://schemas.microsoft.com/office/drawing/2014/main" val="4157930470"/>
                   </a:ext>
                 </a:extLst>
               </a:tr>
@@ -23413,7 +23345,7 @@
                 </a:tc>
                 <a:extLst>
                   <a:ext uri="{0D108BD9-81ED-4DB2-BD59-A6C34878D82A}">
-                    <a16:rowId xmlns:a16="http://schemas.microsoft.com/office/drawing/2014/main" xmlns="" val="10000"/>
+                    <a16:rowId xmlns="" xmlns:a16="http://schemas.microsoft.com/office/drawing/2014/main" val="10000"/>
                   </a:ext>
                 </a:extLst>
               </a:tr>
@@ -23966,7 +23898,7 @@
                 </a:tc>
                 <a:extLst>
                   <a:ext uri="{0D108BD9-81ED-4DB2-BD59-A6C34878D82A}">
-                    <a16:rowId xmlns:a16="http://schemas.microsoft.com/office/drawing/2014/main" xmlns="" val="10002"/>
+                    <a16:rowId xmlns="" xmlns:a16="http://schemas.microsoft.com/office/drawing/2014/main" val="10002"/>
                   </a:ext>
                 </a:extLst>
               </a:tr>
@@ -24498,7 +24430,7 @@
                 </a:tc>
                 <a:extLst>
                   <a:ext uri="{0D108BD9-81ED-4DB2-BD59-A6C34878D82A}">
-                    <a16:rowId xmlns:a16="http://schemas.microsoft.com/office/drawing/2014/main" xmlns="" val="10003"/>
+                    <a16:rowId xmlns="" xmlns:a16="http://schemas.microsoft.com/office/drawing/2014/main" val="10003"/>
                   </a:ext>
                 </a:extLst>
               </a:tr>
@@ -24534,140 +24466,140 @@
                 <a:gridCol w="678743">
                   <a:extLst>
                     <a:ext uri="{9D8B030D-6E8A-4147-A177-3AD203B41FA5}">
-                      <a16:colId xmlns:a16="http://schemas.microsoft.com/office/drawing/2014/main" xmlns="" val="20003"/>
+                      <a16:colId xmlns="" xmlns:a16="http://schemas.microsoft.com/office/drawing/2014/main" val="20003"/>
                     </a:ext>
                   </a:extLst>
                 </a:gridCol>
                 <a:gridCol w="643923">
                   <a:extLst>
                     <a:ext uri="{9D8B030D-6E8A-4147-A177-3AD203B41FA5}">
-                      <a16:colId xmlns:a16="http://schemas.microsoft.com/office/drawing/2014/main" xmlns="" val="3950370602"/>
+                      <a16:colId xmlns="" xmlns:a16="http://schemas.microsoft.com/office/drawing/2014/main" val="3950370602"/>
                     </a:ext>
                   </a:extLst>
                 </a:gridCol>
                 <a:gridCol w="475651">
                   <a:extLst>
                     <a:ext uri="{9D8B030D-6E8A-4147-A177-3AD203B41FA5}">
-                      <a16:colId xmlns:a16="http://schemas.microsoft.com/office/drawing/2014/main" xmlns="" val="892499354"/>
+                      <a16:colId xmlns="" xmlns:a16="http://schemas.microsoft.com/office/drawing/2014/main" val="892499354"/>
                     </a:ext>
                   </a:extLst>
                 </a:gridCol>
                 <a:gridCol w="475651">
                   <a:extLst>
                     <a:ext uri="{9D8B030D-6E8A-4147-A177-3AD203B41FA5}">
-                      <a16:colId xmlns:a16="http://schemas.microsoft.com/office/drawing/2014/main" xmlns="" val="2890376269"/>
+                      <a16:colId xmlns="" xmlns:a16="http://schemas.microsoft.com/office/drawing/2014/main" val="2890376269"/>
                     </a:ext>
                   </a:extLst>
                 </a:gridCol>
                 <a:gridCol w="501602">
                   <a:extLst>
                     <a:ext uri="{9D8B030D-6E8A-4147-A177-3AD203B41FA5}">
-                      <a16:colId xmlns:a16="http://schemas.microsoft.com/office/drawing/2014/main" xmlns="" val="2351848522"/>
+                      <a16:colId xmlns="" xmlns:a16="http://schemas.microsoft.com/office/drawing/2014/main" val="2351848522"/>
                     </a:ext>
                   </a:extLst>
                 </a:gridCol>
                 <a:gridCol w="501602">
                   <a:extLst>
                     <a:ext uri="{9D8B030D-6E8A-4147-A177-3AD203B41FA5}">
-                      <a16:colId xmlns:a16="http://schemas.microsoft.com/office/drawing/2014/main" xmlns="" val="3951773805"/>
+                      <a16:colId xmlns="" xmlns:a16="http://schemas.microsoft.com/office/drawing/2014/main" val="3951773805"/>
                     </a:ext>
                   </a:extLst>
                 </a:gridCol>
                 <a:gridCol w="501602">
                   <a:extLst>
                     <a:ext uri="{9D8B030D-6E8A-4147-A177-3AD203B41FA5}">
-                      <a16:colId xmlns:a16="http://schemas.microsoft.com/office/drawing/2014/main" xmlns="" val="20005"/>
+                      <a16:colId xmlns="" xmlns:a16="http://schemas.microsoft.com/office/drawing/2014/main" val="20005"/>
                     </a:ext>
                   </a:extLst>
                 </a:gridCol>
                 <a:gridCol w="501602">
                   <a:extLst>
                     <a:ext uri="{9D8B030D-6E8A-4147-A177-3AD203B41FA5}">
-                      <a16:colId xmlns:a16="http://schemas.microsoft.com/office/drawing/2014/main" xmlns="" val="1658949460"/>
+                      <a16:colId xmlns="" xmlns:a16="http://schemas.microsoft.com/office/drawing/2014/main" val="1658949460"/>
                     </a:ext>
                   </a:extLst>
                 </a:gridCol>
                 <a:gridCol w="501602">
                   <a:extLst>
                     <a:ext uri="{9D8B030D-6E8A-4147-A177-3AD203B41FA5}">
-                      <a16:colId xmlns:a16="http://schemas.microsoft.com/office/drawing/2014/main" xmlns="" val="4009511739"/>
+                      <a16:colId xmlns="" xmlns:a16="http://schemas.microsoft.com/office/drawing/2014/main" val="4009511739"/>
                     </a:ext>
                   </a:extLst>
                 </a:gridCol>
                 <a:gridCol w="648032">
                   <a:extLst>
                     <a:ext uri="{9D8B030D-6E8A-4147-A177-3AD203B41FA5}">
-                      <a16:colId xmlns:a16="http://schemas.microsoft.com/office/drawing/2014/main" xmlns="" val="915448942"/>
+                      <a16:colId xmlns="" xmlns:a16="http://schemas.microsoft.com/office/drawing/2014/main" val="915448942"/>
                     </a:ext>
                   </a:extLst>
                 </a:gridCol>
                 <a:gridCol w="648032">
                   <a:extLst>
                     <a:ext uri="{9D8B030D-6E8A-4147-A177-3AD203B41FA5}">
-                      <a16:colId xmlns:a16="http://schemas.microsoft.com/office/drawing/2014/main" xmlns="" val="20004"/>
+                      <a16:colId xmlns="" xmlns:a16="http://schemas.microsoft.com/office/drawing/2014/main" val="20004"/>
                     </a:ext>
                   </a:extLst>
                 </a:gridCol>
                 <a:gridCol w="523461">
                   <a:extLst>
                     <a:ext uri="{9D8B030D-6E8A-4147-A177-3AD203B41FA5}">
-                      <a16:colId xmlns:a16="http://schemas.microsoft.com/office/drawing/2014/main" xmlns="" val="1735239135"/>
+                      <a16:colId xmlns="" xmlns:a16="http://schemas.microsoft.com/office/drawing/2014/main" val="1735239135"/>
                     </a:ext>
                   </a:extLst>
                 </a:gridCol>
                 <a:gridCol w="523461">
                   <a:extLst>
                     <a:ext uri="{9D8B030D-6E8A-4147-A177-3AD203B41FA5}">
-                      <a16:colId xmlns:a16="http://schemas.microsoft.com/office/drawing/2014/main" xmlns="" val="1012336583"/>
+                      <a16:colId xmlns="" xmlns:a16="http://schemas.microsoft.com/office/drawing/2014/main" val="1012336583"/>
                     </a:ext>
                   </a:extLst>
                 </a:gridCol>
                 <a:gridCol w="523461">
                   <a:extLst>
                     <a:ext uri="{9D8B030D-6E8A-4147-A177-3AD203B41FA5}">
-                      <a16:colId xmlns:a16="http://schemas.microsoft.com/office/drawing/2014/main" xmlns="" val="730367770"/>
+                      <a16:colId xmlns="" xmlns:a16="http://schemas.microsoft.com/office/drawing/2014/main" val="730367770"/>
                     </a:ext>
                   </a:extLst>
                 </a:gridCol>
                 <a:gridCol w="523461">
                   <a:extLst>
                     <a:ext uri="{9D8B030D-6E8A-4147-A177-3AD203B41FA5}">
-                      <a16:colId xmlns:a16="http://schemas.microsoft.com/office/drawing/2014/main" xmlns="" val="1995509689"/>
+                      <a16:colId xmlns="" xmlns:a16="http://schemas.microsoft.com/office/drawing/2014/main" val="1995509689"/>
                     </a:ext>
                   </a:extLst>
                 </a:gridCol>
                 <a:gridCol w="523461">
                   <a:extLst>
                     <a:ext uri="{9D8B030D-6E8A-4147-A177-3AD203B41FA5}">
-                      <a16:colId xmlns:a16="http://schemas.microsoft.com/office/drawing/2014/main" xmlns="" val="4059945013"/>
+                      <a16:colId xmlns="" xmlns:a16="http://schemas.microsoft.com/office/drawing/2014/main" val="4059945013"/>
                     </a:ext>
                   </a:extLst>
                 </a:gridCol>
                 <a:gridCol w="523461">
                   <a:extLst>
                     <a:ext uri="{9D8B030D-6E8A-4147-A177-3AD203B41FA5}">
-                      <a16:colId xmlns:a16="http://schemas.microsoft.com/office/drawing/2014/main" xmlns="" val="20013"/>
+                      <a16:colId xmlns="" xmlns:a16="http://schemas.microsoft.com/office/drawing/2014/main" val="20013"/>
                     </a:ext>
                   </a:extLst>
                 </a:gridCol>
                 <a:gridCol w="612741">
                   <a:extLst>
                     <a:ext uri="{9D8B030D-6E8A-4147-A177-3AD203B41FA5}">
-                      <a16:colId xmlns:a16="http://schemas.microsoft.com/office/drawing/2014/main" xmlns="" val="563954548"/>
+                      <a16:colId xmlns="" xmlns:a16="http://schemas.microsoft.com/office/drawing/2014/main" val="563954548"/>
                     </a:ext>
                   </a:extLst>
                 </a:gridCol>
                 <a:gridCol w="612741">
                   <a:extLst>
                     <a:ext uri="{9D8B030D-6E8A-4147-A177-3AD203B41FA5}">
-                      <a16:colId xmlns:a16="http://schemas.microsoft.com/office/drawing/2014/main" xmlns="" val="626849779"/>
+                      <a16:colId xmlns="" xmlns:a16="http://schemas.microsoft.com/office/drawing/2014/main" val="626849779"/>
                     </a:ext>
                   </a:extLst>
                 </a:gridCol>
                 <a:gridCol w="612741">
                   <a:extLst>
                     <a:ext uri="{9D8B030D-6E8A-4147-A177-3AD203B41FA5}">
-                      <a16:colId xmlns:a16="http://schemas.microsoft.com/office/drawing/2014/main" xmlns="" val="2774746132"/>
+                      <a16:colId xmlns="" xmlns:a16="http://schemas.microsoft.com/office/drawing/2014/main" val="2774746132"/>
                     </a:ext>
                   </a:extLst>
                 </a:gridCol>
@@ -24995,7 +24927,7 @@
                 </a:tc>
                 <a:extLst>
                   <a:ext uri="{0D108BD9-81ED-4DB2-BD59-A6C34878D82A}">
-                    <a16:rowId xmlns:a16="http://schemas.microsoft.com/office/drawing/2014/main" xmlns="" val="290152553"/>
+                    <a16:rowId xmlns="" xmlns:a16="http://schemas.microsoft.com/office/drawing/2014/main" val="290152553"/>
                   </a:ext>
                 </a:extLst>
               </a:tr>
@@ -25742,7 +25674,7 @@
                 </a:tc>
                 <a:extLst>
                   <a:ext uri="{0D108BD9-81ED-4DB2-BD59-A6C34878D82A}">
-                    <a16:rowId xmlns:a16="http://schemas.microsoft.com/office/drawing/2014/main" xmlns="" val="1372355905"/>
+                    <a16:rowId xmlns="" xmlns:a16="http://schemas.microsoft.com/office/drawing/2014/main" val="1372355905"/>
                   </a:ext>
                 </a:extLst>
               </a:tr>
@@ -26238,7 +26170,7 @@
                 </a:tc>
                 <a:extLst>
                   <a:ext uri="{0D108BD9-81ED-4DB2-BD59-A6C34878D82A}">
-                    <a16:rowId xmlns:a16="http://schemas.microsoft.com/office/drawing/2014/main" xmlns="" val="10005"/>
+                    <a16:rowId xmlns="" xmlns:a16="http://schemas.microsoft.com/office/drawing/2014/main" val="10005"/>
                   </a:ext>
                 </a:extLst>
               </a:tr>
@@ -26750,7 +26682,7 @@
                 </a:tc>
                 <a:extLst>
                   <a:ext uri="{0D108BD9-81ED-4DB2-BD59-A6C34878D82A}">
-                    <a16:rowId xmlns:a16="http://schemas.microsoft.com/office/drawing/2014/main" xmlns="" val="10006"/>
+                    <a16:rowId xmlns="" xmlns:a16="http://schemas.microsoft.com/office/drawing/2014/main" val="10006"/>
                   </a:ext>
                 </a:extLst>
               </a:tr>
@@ -27246,7 +27178,7 @@
                 </a:tc>
                 <a:extLst>
                   <a:ext uri="{0D108BD9-81ED-4DB2-BD59-A6C34878D82A}">
-                    <a16:rowId xmlns:a16="http://schemas.microsoft.com/office/drawing/2014/main" xmlns="" val="10007"/>
+                    <a16:rowId xmlns="" xmlns:a16="http://schemas.microsoft.com/office/drawing/2014/main" val="10007"/>
                   </a:ext>
                 </a:extLst>
               </a:tr>
@@ -27873,7 +27805,7 @@
                 </a:tc>
                 <a:extLst>
                   <a:ext uri="{0D108BD9-81ED-4DB2-BD59-A6C34878D82A}">
-                    <a16:rowId xmlns:a16="http://schemas.microsoft.com/office/drawing/2014/main" xmlns="" val="10008"/>
+                    <a16:rowId xmlns="" xmlns:a16="http://schemas.microsoft.com/office/drawing/2014/main" val="10008"/>
                   </a:ext>
                 </a:extLst>
               </a:tr>
@@ -28689,35 +28621,35 @@
                 <a:gridCol w="1452286">
                   <a:extLst>
                     <a:ext uri="{9D8B030D-6E8A-4147-A177-3AD203B41FA5}">
-                      <a16:colId xmlns:a16="http://schemas.microsoft.com/office/drawing/2014/main" xmlns="" val="20003"/>
+                      <a16:colId xmlns="" xmlns:a16="http://schemas.microsoft.com/office/drawing/2014/main" val="20003"/>
                     </a:ext>
                   </a:extLst>
                 </a:gridCol>
                 <a:gridCol w="1131131">
                   <a:extLst>
                     <a:ext uri="{9D8B030D-6E8A-4147-A177-3AD203B41FA5}">
-                      <a16:colId xmlns:a16="http://schemas.microsoft.com/office/drawing/2014/main" xmlns="" val="3466895849"/>
+                      <a16:colId xmlns="" xmlns:a16="http://schemas.microsoft.com/office/drawing/2014/main" val="3466895849"/>
                     </a:ext>
                   </a:extLst>
                 </a:gridCol>
                 <a:gridCol w="1131131">
                   <a:extLst>
                     <a:ext uri="{9D8B030D-6E8A-4147-A177-3AD203B41FA5}">
-                      <a16:colId xmlns:a16="http://schemas.microsoft.com/office/drawing/2014/main" xmlns="" val="20004"/>
+                      <a16:colId xmlns="" xmlns:a16="http://schemas.microsoft.com/office/drawing/2014/main" val="20004"/>
                     </a:ext>
                   </a:extLst>
                 </a:gridCol>
                 <a:gridCol w="1131131">
                   <a:extLst>
                     <a:ext uri="{9D8B030D-6E8A-4147-A177-3AD203B41FA5}">
-                      <a16:colId xmlns:a16="http://schemas.microsoft.com/office/drawing/2014/main" xmlns="" val="730367770"/>
+                      <a16:colId xmlns="" xmlns:a16="http://schemas.microsoft.com/office/drawing/2014/main" val="730367770"/>
                     </a:ext>
                   </a:extLst>
                 </a:gridCol>
                 <a:gridCol w="1131131">
                   <a:extLst>
                     <a:ext uri="{9D8B030D-6E8A-4147-A177-3AD203B41FA5}">
-                      <a16:colId xmlns:a16="http://schemas.microsoft.com/office/drawing/2014/main" xmlns="" val="624460300"/>
+                      <a16:colId xmlns="" xmlns:a16="http://schemas.microsoft.com/office/drawing/2014/main" val="624460300"/>
                     </a:ext>
                   </a:extLst>
                 </a:gridCol>
@@ -28839,7 +28771,7 @@
                 </a:tc>
                 <a:extLst>
                   <a:ext uri="{0D108BD9-81ED-4DB2-BD59-A6C34878D82A}">
-                    <a16:rowId xmlns:a16="http://schemas.microsoft.com/office/drawing/2014/main" xmlns="" val="290152553"/>
+                    <a16:rowId xmlns="" xmlns:a16="http://schemas.microsoft.com/office/drawing/2014/main" val="290152553"/>
                   </a:ext>
                 </a:extLst>
               </a:tr>
@@ -28958,7 +28890,7 @@
                 </a:tc>
                 <a:extLst>
                   <a:ext uri="{0D108BD9-81ED-4DB2-BD59-A6C34878D82A}">
-                    <a16:rowId xmlns:a16="http://schemas.microsoft.com/office/drawing/2014/main" xmlns="" val="2028298506"/>
+                    <a16:rowId xmlns="" xmlns:a16="http://schemas.microsoft.com/office/drawing/2014/main" val="2028298506"/>
                   </a:ext>
                 </a:extLst>
               </a:tr>
@@ -29099,7 +29031,7 @@
                 </a:tc>
                 <a:extLst>
                   <a:ext uri="{0D108BD9-81ED-4DB2-BD59-A6C34878D82A}">
-                    <a16:rowId xmlns:a16="http://schemas.microsoft.com/office/drawing/2014/main" xmlns="" val="2660065325"/>
+                    <a16:rowId xmlns="" xmlns:a16="http://schemas.microsoft.com/office/drawing/2014/main" val="2660065325"/>
                   </a:ext>
                 </a:extLst>
               </a:tr>
@@ -29240,7 +29172,7 @@
                 </a:tc>
                 <a:extLst>
                   <a:ext uri="{0D108BD9-81ED-4DB2-BD59-A6C34878D82A}">
-                    <a16:rowId xmlns:a16="http://schemas.microsoft.com/office/drawing/2014/main" xmlns="" val="1596747635"/>
+                    <a16:rowId xmlns="" xmlns:a16="http://schemas.microsoft.com/office/drawing/2014/main" val="1596747635"/>
                   </a:ext>
                 </a:extLst>
               </a:tr>
@@ -29381,7 +29313,7 @@
                 </a:tc>
                 <a:extLst>
                   <a:ext uri="{0D108BD9-81ED-4DB2-BD59-A6C34878D82A}">
-                    <a16:rowId xmlns:a16="http://schemas.microsoft.com/office/drawing/2014/main" xmlns="" val="3774430207"/>
+                    <a16:rowId xmlns="" xmlns:a16="http://schemas.microsoft.com/office/drawing/2014/main" val="3774430207"/>
                   </a:ext>
                 </a:extLst>
               </a:tr>
@@ -29528,7 +29460,7 @@
                 </a:tc>
                 <a:extLst>
                   <a:ext uri="{0D108BD9-81ED-4DB2-BD59-A6C34878D82A}">
-                    <a16:rowId xmlns:a16="http://schemas.microsoft.com/office/drawing/2014/main" xmlns="" val="10005"/>
+                    <a16:rowId xmlns="" xmlns:a16="http://schemas.microsoft.com/office/drawing/2014/main" val="10005"/>
                   </a:ext>
                 </a:extLst>
               </a:tr>
@@ -29691,7 +29623,7 @@
                 </a:tc>
                 <a:extLst>
                   <a:ext uri="{0D108BD9-81ED-4DB2-BD59-A6C34878D82A}">
-                    <a16:rowId xmlns:a16="http://schemas.microsoft.com/office/drawing/2014/main" xmlns="" val="10006"/>
+                    <a16:rowId xmlns="" xmlns:a16="http://schemas.microsoft.com/office/drawing/2014/main" val="10006"/>
                   </a:ext>
                 </a:extLst>
               </a:tr>
@@ -29854,7 +29786,7 @@
                 </a:tc>
                 <a:extLst>
                   <a:ext uri="{0D108BD9-81ED-4DB2-BD59-A6C34878D82A}">
-                    <a16:rowId xmlns:a16="http://schemas.microsoft.com/office/drawing/2014/main" xmlns="" val="10007"/>
+                    <a16:rowId xmlns="" xmlns:a16="http://schemas.microsoft.com/office/drawing/2014/main" val="10007"/>
                   </a:ext>
                 </a:extLst>
               </a:tr>
@@ -29995,7 +29927,7 @@
                 </a:tc>
                 <a:extLst>
                   <a:ext uri="{0D108BD9-81ED-4DB2-BD59-A6C34878D82A}">
-                    <a16:rowId xmlns:a16="http://schemas.microsoft.com/office/drawing/2014/main" xmlns="" val="2717943080"/>
+                    <a16:rowId xmlns="" xmlns:a16="http://schemas.microsoft.com/office/drawing/2014/main" val="2717943080"/>
                   </a:ext>
                 </a:extLst>
               </a:tr>
@@ -30221,7 +30153,7 @@
                 </a:tc>
                 <a:extLst>
                   <a:ext uri="{0D108BD9-81ED-4DB2-BD59-A6C34878D82A}">
-                    <a16:rowId xmlns:a16="http://schemas.microsoft.com/office/drawing/2014/main" xmlns="" val="2802642166"/>
+                    <a16:rowId xmlns="" xmlns:a16="http://schemas.microsoft.com/office/drawing/2014/main" val="2802642166"/>
                   </a:ext>
                 </a:extLst>
               </a:tr>
@@ -30426,7 +30358,7 @@
                 </a:tc>
                 <a:extLst>
                   <a:ext uri="{0D108BD9-81ED-4DB2-BD59-A6C34878D82A}">
-                    <a16:rowId xmlns:a16="http://schemas.microsoft.com/office/drawing/2014/main" xmlns="" val="3968310820"/>
+                    <a16:rowId xmlns="" xmlns:a16="http://schemas.microsoft.com/office/drawing/2014/main" val="3968310820"/>
                   </a:ext>
                 </a:extLst>
               </a:tr>
@@ -30631,7 +30563,7 @@
                 </a:tc>
                 <a:extLst>
                   <a:ext uri="{0D108BD9-81ED-4DB2-BD59-A6C34878D82A}">
-                    <a16:rowId xmlns:a16="http://schemas.microsoft.com/office/drawing/2014/main" xmlns="" val="1715990511"/>
+                    <a16:rowId xmlns="" xmlns:a16="http://schemas.microsoft.com/office/drawing/2014/main" val="1715990511"/>
                   </a:ext>
                 </a:extLst>
               </a:tr>
@@ -30836,7 +30768,7 @@
                 </a:tc>
                 <a:extLst>
                   <a:ext uri="{0D108BD9-81ED-4DB2-BD59-A6C34878D82A}">
-                    <a16:rowId xmlns:a16="http://schemas.microsoft.com/office/drawing/2014/main" xmlns="" val="3192680700"/>
+                    <a16:rowId xmlns="" xmlns:a16="http://schemas.microsoft.com/office/drawing/2014/main" val="3192680700"/>
                   </a:ext>
                 </a:extLst>
               </a:tr>
@@ -31062,84 +30994,84 @@
                 <a:gridCol w="828562">
                   <a:extLst>
                     <a:ext uri="{9D8B030D-6E8A-4147-A177-3AD203B41FA5}">
-                      <a16:colId xmlns:a16="http://schemas.microsoft.com/office/drawing/2014/main" xmlns="" val="20000"/>
+                      <a16:colId xmlns="" xmlns:a16="http://schemas.microsoft.com/office/drawing/2014/main" val="20000"/>
                     </a:ext>
                   </a:extLst>
                 </a:gridCol>
                 <a:gridCol w="828562">
                   <a:extLst>
                     <a:ext uri="{9D8B030D-6E8A-4147-A177-3AD203B41FA5}">
-                      <a16:colId xmlns:a16="http://schemas.microsoft.com/office/drawing/2014/main" xmlns="" val="20001"/>
+                      <a16:colId xmlns="" xmlns:a16="http://schemas.microsoft.com/office/drawing/2014/main" val="20001"/>
                     </a:ext>
                   </a:extLst>
                 </a:gridCol>
                 <a:gridCol w="828562">
                   <a:extLst>
                     <a:ext uri="{9D8B030D-6E8A-4147-A177-3AD203B41FA5}">
-                      <a16:colId xmlns:a16="http://schemas.microsoft.com/office/drawing/2014/main" xmlns="" val="20002"/>
+                      <a16:colId xmlns="" xmlns:a16="http://schemas.microsoft.com/office/drawing/2014/main" val="20002"/>
                     </a:ext>
                   </a:extLst>
                 </a:gridCol>
                 <a:gridCol w="828562">
                   <a:extLst>
                     <a:ext uri="{9D8B030D-6E8A-4147-A177-3AD203B41FA5}">
-                      <a16:colId xmlns:a16="http://schemas.microsoft.com/office/drawing/2014/main" xmlns="" val="20003"/>
+                      <a16:colId xmlns="" xmlns:a16="http://schemas.microsoft.com/office/drawing/2014/main" val="20003"/>
                     </a:ext>
                   </a:extLst>
                 </a:gridCol>
                 <a:gridCol w="828562">
                   <a:extLst>
                     <a:ext uri="{9D8B030D-6E8A-4147-A177-3AD203B41FA5}">
-                      <a16:colId xmlns:a16="http://schemas.microsoft.com/office/drawing/2014/main" xmlns="" val="20004"/>
+                      <a16:colId xmlns="" xmlns:a16="http://schemas.microsoft.com/office/drawing/2014/main" val="20004"/>
                     </a:ext>
                   </a:extLst>
                 </a:gridCol>
                 <a:gridCol w="828562">
                   <a:extLst>
                     <a:ext uri="{9D8B030D-6E8A-4147-A177-3AD203B41FA5}">
-                      <a16:colId xmlns:a16="http://schemas.microsoft.com/office/drawing/2014/main" xmlns="" val="20005"/>
+                      <a16:colId xmlns="" xmlns:a16="http://schemas.microsoft.com/office/drawing/2014/main" val="20005"/>
                     </a:ext>
                   </a:extLst>
                 </a:gridCol>
                 <a:gridCol w="828562">
                   <a:extLst>
                     <a:ext uri="{9D8B030D-6E8A-4147-A177-3AD203B41FA5}">
-                      <a16:colId xmlns:a16="http://schemas.microsoft.com/office/drawing/2014/main" xmlns="" val="20006"/>
+                      <a16:colId xmlns="" xmlns:a16="http://schemas.microsoft.com/office/drawing/2014/main" val="20006"/>
                     </a:ext>
                   </a:extLst>
                 </a:gridCol>
                 <a:gridCol w="828562">
                   <a:extLst>
                     <a:ext uri="{9D8B030D-6E8A-4147-A177-3AD203B41FA5}">
-                      <a16:colId xmlns:a16="http://schemas.microsoft.com/office/drawing/2014/main" xmlns="" val="20007"/>
+                      <a16:colId xmlns="" xmlns:a16="http://schemas.microsoft.com/office/drawing/2014/main" val="20007"/>
                     </a:ext>
                   </a:extLst>
                 </a:gridCol>
                 <a:gridCol w="828562">
                   <a:extLst>
                     <a:ext uri="{9D8B030D-6E8A-4147-A177-3AD203B41FA5}">
-                      <a16:colId xmlns:a16="http://schemas.microsoft.com/office/drawing/2014/main" xmlns="" val="20008"/>
+                      <a16:colId xmlns="" xmlns:a16="http://schemas.microsoft.com/office/drawing/2014/main" val="20008"/>
                     </a:ext>
                   </a:extLst>
                 </a:gridCol>
                 <a:gridCol w="828562">
                   <a:extLst>
                     <a:ext uri="{9D8B030D-6E8A-4147-A177-3AD203B41FA5}">
-                      <a16:colId xmlns:a16="http://schemas.microsoft.com/office/drawing/2014/main" xmlns="" val="20009"/>
+                      <a16:colId xmlns="" xmlns:a16="http://schemas.microsoft.com/office/drawing/2014/main" val="20009"/>
                     </a:ext>
                   </a:extLst>
                 </a:gridCol>
                 <a:gridCol w="828562">
                   <a:extLst>
                     <a:ext uri="{9D8B030D-6E8A-4147-A177-3AD203B41FA5}">
-                      <a16:colId xmlns:a16="http://schemas.microsoft.com/office/drawing/2014/main" xmlns="" val="20010"/>
+                      <a16:colId xmlns="" xmlns:a16="http://schemas.microsoft.com/office/drawing/2014/main" val="20010"/>
                     </a:ext>
                   </a:extLst>
                 </a:gridCol>
                 <a:gridCol w="828562">
                   <a:extLst>
                     <a:ext uri="{9D8B030D-6E8A-4147-A177-3AD203B41FA5}">
-                      <a16:colId xmlns:a16="http://schemas.microsoft.com/office/drawing/2014/main" xmlns="" val="20011"/>
+                      <a16:colId xmlns="" xmlns:a16="http://schemas.microsoft.com/office/drawing/2014/main" val="20011"/>
                     </a:ext>
                   </a:extLst>
                 </a:gridCol>
@@ -31334,7 +31266,7 @@
                 </a:tc>
                 <a:extLst>
                   <a:ext uri="{0D108BD9-81ED-4DB2-BD59-A6C34878D82A}">
-                    <a16:rowId xmlns:a16="http://schemas.microsoft.com/office/drawing/2014/main" xmlns="" val="10000"/>
+                    <a16:rowId xmlns="" xmlns:a16="http://schemas.microsoft.com/office/drawing/2014/main" val="10000"/>
                   </a:ext>
                 </a:extLst>
               </a:tr>
@@ -31675,7 +31607,7 @@
                 </a:tc>
                 <a:extLst>
                   <a:ext uri="{0D108BD9-81ED-4DB2-BD59-A6C34878D82A}">
-                    <a16:rowId xmlns:a16="http://schemas.microsoft.com/office/drawing/2014/main" xmlns="" val="10001"/>
+                    <a16:rowId xmlns="" xmlns:a16="http://schemas.microsoft.com/office/drawing/2014/main" val="10001"/>
                   </a:ext>
                 </a:extLst>
               </a:tr>
@@ -31985,7 +31917,7 @@
                 </a:tc>
                 <a:extLst>
                   <a:ext uri="{0D108BD9-81ED-4DB2-BD59-A6C34878D82A}">
-                    <a16:rowId xmlns:a16="http://schemas.microsoft.com/office/drawing/2014/main" xmlns="" val="10002"/>
+                    <a16:rowId xmlns="" xmlns:a16="http://schemas.microsoft.com/office/drawing/2014/main" val="10002"/>
                   </a:ext>
                 </a:extLst>
               </a:tr>
@@ -32313,7 +32245,7 @@
                 </a:tc>
                 <a:extLst>
                   <a:ext uri="{0D108BD9-81ED-4DB2-BD59-A6C34878D82A}">
-                    <a16:rowId xmlns:a16="http://schemas.microsoft.com/office/drawing/2014/main" xmlns="" val="10003"/>
+                    <a16:rowId xmlns="" xmlns:a16="http://schemas.microsoft.com/office/drawing/2014/main" val="10003"/>
                   </a:ext>
                 </a:extLst>
               </a:tr>
@@ -32646,7 +32578,7 @@
                 </a:tc>
                 <a:extLst>
                   <a:ext uri="{0D108BD9-81ED-4DB2-BD59-A6C34878D82A}">
-                    <a16:rowId xmlns:a16="http://schemas.microsoft.com/office/drawing/2014/main" xmlns="" val="10004"/>
+                    <a16:rowId xmlns="" xmlns:a16="http://schemas.microsoft.com/office/drawing/2014/main" val="10004"/>
                   </a:ext>
                 </a:extLst>
               </a:tr>
@@ -32979,7 +32911,7 @@
                 </a:tc>
                 <a:extLst>
                   <a:ext uri="{0D108BD9-81ED-4DB2-BD59-A6C34878D82A}">
-                    <a16:rowId xmlns:a16="http://schemas.microsoft.com/office/drawing/2014/main" xmlns="" val="10005"/>
+                    <a16:rowId xmlns="" xmlns:a16="http://schemas.microsoft.com/office/drawing/2014/main" val="10005"/>
                   </a:ext>
                 </a:extLst>
               </a:tr>
@@ -33346,49 +33278,49 @@
                 <a:gridCol w="1693061">
                   <a:extLst>
                     <a:ext uri="{9D8B030D-6E8A-4147-A177-3AD203B41FA5}">
-                      <a16:colId xmlns:a16="http://schemas.microsoft.com/office/drawing/2014/main" xmlns="" val="596459514"/>
+                      <a16:colId xmlns="" xmlns:a16="http://schemas.microsoft.com/office/drawing/2014/main" val="596459514"/>
                     </a:ext>
                   </a:extLst>
                 </a:gridCol>
                 <a:gridCol w="1105830">
                   <a:extLst>
                     <a:ext uri="{9D8B030D-6E8A-4147-A177-3AD203B41FA5}">
-                      <a16:colId xmlns:a16="http://schemas.microsoft.com/office/drawing/2014/main" xmlns="" val="1104773170"/>
+                      <a16:colId xmlns="" xmlns:a16="http://schemas.microsoft.com/office/drawing/2014/main" val="1104773170"/>
                     </a:ext>
                   </a:extLst>
                 </a:gridCol>
                 <a:gridCol w="1105830">
                   <a:extLst>
                     <a:ext uri="{9D8B030D-6E8A-4147-A177-3AD203B41FA5}">
-                      <a16:colId xmlns:a16="http://schemas.microsoft.com/office/drawing/2014/main" xmlns="" val="2628879976"/>
+                      <a16:colId xmlns="" xmlns:a16="http://schemas.microsoft.com/office/drawing/2014/main" val="2628879976"/>
                     </a:ext>
                   </a:extLst>
                 </a:gridCol>
                 <a:gridCol w="1105830">
                   <a:extLst>
                     <a:ext uri="{9D8B030D-6E8A-4147-A177-3AD203B41FA5}">
-                      <a16:colId xmlns:a16="http://schemas.microsoft.com/office/drawing/2014/main" xmlns="" val="3824673393"/>
+                      <a16:colId xmlns="" xmlns:a16="http://schemas.microsoft.com/office/drawing/2014/main" val="3824673393"/>
                     </a:ext>
                   </a:extLst>
                 </a:gridCol>
                 <a:gridCol w="1105830">
                   <a:extLst>
                     <a:ext uri="{9D8B030D-6E8A-4147-A177-3AD203B41FA5}">
-                      <a16:colId xmlns:a16="http://schemas.microsoft.com/office/drawing/2014/main" xmlns="" val="1207929680"/>
+                      <a16:colId xmlns="" xmlns:a16="http://schemas.microsoft.com/office/drawing/2014/main" val="1207929680"/>
                     </a:ext>
                   </a:extLst>
                 </a:gridCol>
                 <a:gridCol w="1105830">
                   <a:extLst>
                     <a:ext uri="{9D8B030D-6E8A-4147-A177-3AD203B41FA5}">
-                      <a16:colId xmlns:a16="http://schemas.microsoft.com/office/drawing/2014/main" xmlns="" val="196725124"/>
+                      <a16:colId xmlns="" xmlns:a16="http://schemas.microsoft.com/office/drawing/2014/main" val="196725124"/>
                     </a:ext>
                   </a:extLst>
                 </a:gridCol>
                 <a:gridCol w="1105830">
                   <a:extLst>
                     <a:ext uri="{9D8B030D-6E8A-4147-A177-3AD203B41FA5}">
-                      <a16:colId xmlns:a16="http://schemas.microsoft.com/office/drawing/2014/main" xmlns="" val="4015488069"/>
+                      <a16:colId xmlns="" xmlns:a16="http://schemas.microsoft.com/office/drawing/2014/main" val="4015488069"/>
                     </a:ext>
                   </a:extLst>
                 </a:gridCol>
@@ -33498,7 +33430,7 @@
                 </a:tc>
                 <a:extLst>
                   <a:ext uri="{0D108BD9-81ED-4DB2-BD59-A6C34878D82A}">
-                    <a16:rowId xmlns:a16="http://schemas.microsoft.com/office/drawing/2014/main" xmlns="" val="2450048256"/>
+                    <a16:rowId xmlns="" xmlns:a16="http://schemas.microsoft.com/office/drawing/2014/main" val="2450048256"/>
                   </a:ext>
                 </a:extLst>
               </a:tr>
@@ -33638,7 +33570,7 @@
                 </a:tc>
                 <a:extLst>
                   <a:ext uri="{0D108BD9-81ED-4DB2-BD59-A6C34878D82A}">
-                    <a16:rowId xmlns:a16="http://schemas.microsoft.com/office/drawing/2014/main" xmlns="" val="1007795033"/>
+                    <a16:rowId xmlns="" xmlns:a16="http://schemas.microsoft.com/office/drawing/2014/main" val="1007795033"/>
                   </a:ext>
                 </a:extLst>
               </a:tr>
@@ -33774,7 +33706,7 @@
                 </a:tc>
                 <a:extLst>
                   <a:ext uri="{0D108BD9-81ED-4DB2-BD59-A6C34878D82A}">
-                    <a16:rowId xmlns:a16="http://schemas.microsoft.com/office/drawing/2014/main" xmlns="" val="3123214655"/>
+                    <a16:rowId xmlns="" xmlns:a16="http://schemas.microsoft.com/office/drawing/2014/main" val="3123214655"/>
                   </a:ext>
                 </a:extLst>
               </a:tr>
@@ -33920,35 +33852,35 @@
                 <a:gridCol w="1104280">
                   <a:extLst>
                     <a:ext uri="{9D8B030D-6E8A-4147-A177-3AD203B41FA5}">
-                      <a16:colId xmlns:a16="http://schemas.microsoft.com/office/drawing/2014/main" xmlns="" val="596459514"/>
+                      <a16:colId xmlns="" xmlns:a16="http://schemas.microsoft.com/office/drawing/2014/main" val="596459514"/>
                     </a:ext>
                   </a:extLst>
                 </a:gridCol>
                 <a:gridCol w="1082993">
                   <a:extLst>
                     <a:ext uri="{9D8B030D-6E8A-4147-A177-3AD203B41FA5}">
-                      <a16:colId xmlns:a16="http://schemas.microsoft.com/office/drawing/2014/main" xmlns="" val="1104773170"/>
+                      <a16:colId xmlns="" xmlns:a16="http://schemas.microsoft.com/office/drawing/2014/main" val="1104773170"/>
                     </a:ext>
                   </a:extLst>
                 </a:gridCol>
                 <a:gridCol w="1082993">
                   <a:extLst>
                     <a:ext uri="{9D8B030D-6E8A-4147-A177-3AD203B41FA5}">
-                      <a16:colId xmlns:a16="http://schemas.microsoft.com/office/drawing/2014/main" xmlns="" val="2628879976"/>
+                      <a16:colId xmlns="" xmlns:a16="http://schemas.microsoft.com/office/drawing/2014/main" val="2628879976"/>
                     </a:ext>
                   </a:extLst>
                 </a:gridCol>
                 <a:gridCol w="1082993">
                   <a:extLst>
                     <a:ext uri="{9D8B030D-6E8A-4147-A177-3AD203B41FA5}">
-                      <a16:colId xmlns:a16="http://schemas.microsoft.com/office/drawing/2014/main" xmlns="" val="3824673393"/>
+                      <a16:colId xmlns="" xmlns:a16="http://schemas.microsoft.com/office/drawing/2014/main" val="3824673393"/>
                     </a:ext>
                   </a:extLst>
                 </a:gridCol>
                 <a:gridCol w="1082993">
                   <a:extLst>
                     <a:ext uri="{9D8B030D-6E8A-4147-A177-3AD203B41FA5}">
-                      <a16:colId xmlns:a16="http://schemas.microsoft.com/office/drawing/2014/main" xmlns="" val="20004"/>
+                      <a16:colId xmlns="" xmlns:a16="http://schemas.microsoft.com/office/drawing/2014/main" val="20004"/>
                     </a:ext>
                   </a:extLst>
                 </a:gridCol>
@@ -34041,7 +33973,7 @@
                 </a:tc>
                 <a:extLst>
                   <a:ext uri="{0D108BD9-81ED-4DB2-BD59-A6C34878D82A}">
-                    <a16:rowId xmlns:a16="http://schemas.microsoft.com/office/drawing/2014/main" xmlns="" val="2450048256"/>
+                    <a16:rowId xmlns="" xmlns:a16="http://schemas.microsoft.com/office/drawing/2014/main" val="2450048256"/>
                   </a:ext>
                 </a:extLst>
               </a:tr>
@@ -34243,7 +34175,7 @@
                 </a:tc>
                 <a:extLst>
                   <a:ext uri="{0D108BD9-81ED-4DB2-BD59-A6C34878D82A}">
-                    <a16:rowId xmlns:a16="http://schemas.microsoft.com/office/drawing/2014/main" xmlns="" val="1007795033"/>
+                    <a16:rowId xmlns="" xmlns:a16="http://schemas.microsoft.com/office/drawing/2014/main" val="1007795033"/>
                   </a:ext>
                 </a:extLst>
               </a:tr>
@@ -34343,7 +34275,7 @@
                 </a:tc>
                 <a:extLst>
                   <a:ext uri="{0D108BD9-81ED-4DB2-BD59-A6C34878D82A}">
-                    <a16:rowId xmlns:a16="http://schemas.microsoft.com/office/drawing/2014/main" xmlns="" val="3123214655"/>
+                    <a16:rowId xmlns="" xmlns:a16="http://schemas.microsoft.com/office/drawing/2014/main" val="3123214655"/>
                   </a:ext>
                 </a:extLst>
               </a:tr>
@@ -34649,70 +34581,70 @@
                 <a:gridCol w="960187">
                   <a:extLst>
                     <a:ext uri="{9D8B030D-6E8A-4147-A177-3AD203B41FA5}">
-                      <a16:colId xmlns:a16="http://schemas.microsoft.com/office/drawing/2014/main" xmlns="" val="20003"/>
+                      <a16:colId xmlns="" xmlns:a16="http://schemas.microsoft.com/office/drawing/2014/main" val="20003"/>
                     </a:ext>
                   </a:extLst>
                 </a:gridCol>
                 <a:gridCol w="893677">
                   <a:extLst>
                     <a:ext uri="{9D8B030D-6E8A-4147-A177-3AD203B41FA5}">
-                      <a16:colId xmlns:a16="http://schemas.microsoft.com/office/drawing/2014/main" xmlns="" val="3258888783"/>
+                      <a16:colId xmlns="" xmlns:a16="http://schemas.microsoft.com/office/drawing/2014/main" val="3258888783"/>
                     </a:ext>
                   </a:extLst>
                 </a:gridCol>
                 <a:gridCol w="792575">
                   <a:extLst>
                     <a:ext uri="{9D8B030D-6E8A-4147-A177-3AD203B41FA5}">
-                      <a16:colId xmlns:a16="http://schemas.microsoft.com/office/drawing/2014/main" xmlns="" val="20002"/>
+                      <a16:colId xmlns="" xmlns:a16="http://schemas.microsoft.com/office/drawing/2014/main" val="20002"/>
                     </a:ext>
                   </a:extLst>
                 </a:gridCol>
                 <a:gridCol w="519885">
                   <a:extLst>
                     <a:ext uri="{9D8B030D-6E8A-4147-A177-3AD203B41FA5}">
-                      <a16:colId xmlns:a16="http://schemas.microsoft.com/office/drawing/2014/main" xmlns="" val="20004"/>
+                      <a16:colId xmlns="" xmlns:a16="http://schemas.microsoft.com/office/drawing/2014/main" val="20004"/>
                     </a:ext>
                   </a:extLst>
                 </a:gridCol>
                 <a:gridCol w="519885">
                   <a:extLst>
                     <a:ext uri="{9D8B030D-6E8A-4147-A177-3AD203B41FA5}">
-                      <a16:colId xmlns:a16="http://schemas.microsoft.com/office/drawing/2014/main" xmlns="" val="20006"/>
+                      <a16:colId xmlns="" xmlns:a16="http://schemas.microsoft.com/office/drawing/2014/main" val="20006"/>
                     </a:ext>
                   </a:extLst>
                 </a:gridCol>
                 <a:gridCol w="519885">
                   <a:extLst>
                     <a:ext uri="{9D8B030D-6E8A-4147-A177-3AD203B41FA5}">
-                      <a16:colId xmlns:a16="http://schemas.microsoft.com/office/drawing/2014/main" xmlns="" val="20007"/>
+                      <a16:colId xmlns="" xmlns:a16="http://schemas.microsoft.com/office/drawing/2014/main" val="20007"/>
                     </a:ext>
                   </a:extLst>
                 </a:gridCol>
                 <a:gridCol w="700220">
                   <a:extLst>
                     <a:ext uri="{9D8B030D-6E8A-4147-A177-3AD203B41FA5}">
-                      <a16:colId xmlns:a16="http://schemas.microsoft.com/office/drawing/2014/main" xmlns="" val="20008"/>
+                      <a16:colId xmlns="" xmlns:a16="http://schemas.microsoft.com/office/drawing/2014/main" val="20008"/>
                     </a:ext>
                   </a:extLst>
                 </a:gridCol>
                 <a:gridCol w="814245">
                   <a:extLst>
                     <a:ext uri="{9D8B030D-6E8A-4147-A177-3AD203B41FA5}">
-                      <a16:colId xmlns:a16="http://schemas.microsoft.com/office/drawing/2014/main" xmlns="" val="20009"/>
+                      <a16:colId xmlns="" xmlns:a16="http://schemas.microsoft.com/office/drawing/2014/main" val="20009"/>
                     </a:ext>
                   </a:extLst>
                 </a:gridCol>
                 <a:gridCol w="814245">
                   <a:extLst>
                     <a:ext uri="{9D8B030D-6E8A-4147-A177-3AD203B41FA5}">
-                      <a16:colId xmlns:a16="http://schemas.microsoft.com/office/drawing/2014/main" xmlns="" val="20005"/>
+                      <a16:colId xmlns="" xmlns:a16="http://schemas.microsoft.com/office/drawing/2014/main" val="20005"/>
                     </a:ext>
                   </a:extLst>
                 </a:gridCol>
                 <a:gridCol w="814245">
                   <a:extLst>
                     <a:ext uri="{9D8B030D-6E8A-4147-A177-3AD203B41FA5}">
-                      <a16:colId xmlns:a16="http://schemas.microsoft.com/office/drawing/2014/main" xmlns="" val="20010"/>
+                      <a16:colId xmlns="" xmlns:a16="http://schemas.microsoft.com/office/drawing/2014/main" val="20010"/>
                     </a:ext>
                   </a:extLst>
                 </a:gridCol>
@@ -34855,7 +34787,7 @@
                 </a:tc>
                 <a:extLst>
                   <a:ext uri="{0D108BD9-81ED-4DB2-BD59-A6C34878D82A}">
-                    <a16:rowId xmlns:a16="http://schemas.microsoft.com/office/drawing/2014/main" xmlns="" val="4157930470"/>
+                    <a16:rowId xmlns="" xmlns:a16="http://schemas.microsoft.com/office/drawing/2014/main" val="4157930470"/>
                   </a:ext>
                 </a:extLst>
               </a:tr>
@@ -35115,7 +35047,7 @@
                 </a:tc>
                 <a:extLst>
                   <a:ext uri="{0D108BD9-81ED-4DB2-BD59-A6C34878D82A}">
-                    <a16:rowId xmlns:a16="http://schemas.microsoft.com/office/drawing/2014/main" xmlns="" val="1942208770"/>
+                    <a16:rowId xmlns="" xmlns:a16="http://schemas.microsoft.com/office/drawing/2014/main" val="1942208770"/>
                   </a:ext>
                 </a:extLst>
               </a:tr>
@@ -35334,7 +35266,7 @@
                 </a:tc>
                 <a:extLst>
                   <a:ext uri="{0D108BD9-81ED-4DB2-BD59-A6C34878D82A}">
-                    <a16:rowId xmlns:a16="http://schemas.microsoft.com/office/drawing/2014/main" xmlns="" val="10004"/>
+                    <a16:rowId xmlns="" xmlns:a16="http://schemas.microsoft.com/office/drawing/2014/main" val="10004"/>
                   </a:ext>
                 </a:extLst>
               </a:tr>
@@ -35595,7 +35527,7 @@
                 </a:tc>
                 <a:extLst>
                   <a:ext uri="{0D108BD9-81ED-4DB2-BD59-A6C34878D82A}">
-                    <a16:rowId xmlns:a16="http://schemas.microsoft.com/office/drawing/2014/main" xmlns="" val="134965533"/>
+                    <a16:rowId xmlns="" xmlns:a16="http://schemas.microsoft.com/office/drawing/2014/main" val="134965533"/>
                   </a:ext>
                 </a:extLst>
               </a:tr>
@@ -35969,7 +35901,7 @@
           <p:nvPr>
             <p:extLst>
               <p:ext uri="{D42A27DB-BD31-4B8C-83A1-F6EECF244321}">
-                <p14:modId xmlns:p14="http://schemas.microsoft.com/office/powerpoint/2010/main" val="3025088198"/>
+                <p14:modId xmlns:p14="http://schemas.microsoft.com/office/powerpoint/2010/main" val="1519566515"/>
               </p:ext>
             </p:extLst>
           </p:nvPr>
@@ -35988,77 +35920,77 @@
                 <a:gridCol w="957305">
                   <a:extLst>
                     <a:ext uri="{9D8B030D-6E8A-4147-A177-3AD203B41FA5}">
-                      <a16:colId xmlns:a16="http://schemas.microsoft.com/office/drawing/2014/main" xmlns="" val="20000"/>
+                      <a16:colId xmlns="" xmlns:a16="http://schemas.microsoft.com/office/drawing/2014/main" val="20000"/>
                     </a:ext>
                   </a:extLst>
                 </a:gridCol>
                 <a:gridCol w="889770">
                   <a:extLst>
                     <a:ext uri="{9D8B030D-6E8A-4147-A177-3AD203B41FA5}">
-                      <a16:colId xmlns:a16="http://schemas.microsoft.com/office/drawing/2014/main" xmlns="" val="20001"/>
+                      <a16:colId xmlns="" xmlns:a16="http://schemas.microsoft.com/office/drawing/2014/main" val="20001"/>
                     </a:ext>
                   </a:extLst>
                 </a:gridCol>
                 <a:gridCol w="643470">
                   <a:extLst>
                     <a:ext uri="{9D8B030D-6E8A-4147-A177-3AD203B41FA5}">
-                      <a16:colId xmlns:a16="http://schemas.microsoft.com/office/drawing/2014/main" xmlns="" val="20002"/>
+                      <a16:colId xmlns="" xmlns:a16="http://schemas.microsoft.com/office/drawing/2014/main" val="20002"/>
                     </a:ext>
                   </a:extLst>
                 </a:gridCol>
                 <a:gridCol w="597600">
                   <a:extLst>
                     <a:ext uri="{9D8B030D-6E8A-4147-A177-3AD203B41FA5}">
-                      <a16:colId xmlns:a16="http://schemas.microsoft.com/office/drawing/2014/main" xmlns="" val="20003"/>
+                      <a16:colId xmlns="" xmlns:a16="http://schemas.microsoft.com/office/drawing/2014/main" val="20003"/>
                     </a:ext>
                   </a:extLst>
                 </a:gridCol>
                 <a:gridCol w="597600">
                   <a:extLst>
                     <a:ext uri="{9D8B030D-6E8A-4147-A177-3AD203B41FA5}">
-                      <a16:colId xmlns:a16="http://schemas.microsoft.com/office/drawing/2014/main" xmlns="" val="20004"/>
+                      <a16:colId xmlns="" xmlns:a16="http://schemas.microsoft.com/office/drawing/2014/main" val="20004"/>
                     </a:ext>
                   </a:extLst>
                 </a:gridCol>
                 <a:gridCol w="683238">
                   <a:extLst>
                     <a:ext uri="{9D8B030D-6E8A-4147-A177-3AD203B41FA5}">
-                      <a16:colId xmlns:a16="http://schemas.microsoft.com/office/drawing/2014/main" xmlns="" val="20005"/>
+                      <a16:colId xmlns="" xmlns:a16="http://schemas.microsoft.com/office/drawing/2014/main" val="20005"/>
                     </a:ext>
                   </a:extLst>
                 </a:gridCol>
                 <a:gridCol w="683238">
                   <a:extLst>
                     <a:ext uri="{9D8B030D-6E8A-4147-A177-3AD203B41FA5}">
-                      <a16:colId xmlns:a16="http://schemas.microsoft.com/office/drawing/2014/main" xmlns="" val="20006"/>
+                      <a16:colId xmlns="" xmlns:a16="http://schemas.microsoft.com/office/drawing/2014/main" val="20006"/>
                     </a:ext>
                   </a:extLst>
                 </a:gridCol>
                 <a:gridCol w="683238">
                   <a:extLst>
                     <a:ext uri="{9D8B030D-6E8A-4147-A177-3AD203B41FA5}">
-                      <a16:colId xmlns:a16="http://schemas.microsoft.com/office/drawing/2014/main" xmlns="" val="20007"/>
+                      <a16:colId xmlns="" xmlns:a16="http://schemas.microsoft.com/office/drawing/2014/main" val="20007"/>
                     </a:ext>
                   </a:extLst>
                 </a:gridCol>
                 <a:gridCol w="683238">
                   <a:extLst>
                     <a:ext uri="{9D8B030D-6E8A-4147-A177-3AD203B41FA5}">
-                      <a16:colId xmlns:a16="http://schemas.microsoft.com/office/drawing/2014/main" xmlns="" val="20008"/>
+                      <a16:colId xmlns="" xmlns:a16="http://schemas.microsoft.com/office/drawing/2014/main" val="20008"/>
                     </a:ext>
                   </a:extLst>
                 </a:gridCol>
                 <a:gridCol w="683238">
                   <a:extLst>
                     <a:ext uri="{9D8B030D-6E8A-4147-A177-3AD203B41FA5}">
-                      <a16:colId xmlns:a16="http://schemas.microsoft.com/office/drawing/2014/main" xmlns="" val="20009"/>
+                      <a16:colId xmlns="" xmlns:a16="http://schemas.microsoft.com/office/drawing/2014/main" val="20009"/>
                     </a:ext>
                   </a:extLst>
                 </a:gridCol>
                 <a:gridCol w="683238">
                   <a:extLst>
                     <a:ext uri="{9D8B030D-6E8A-4147-A177-3AD203B41FA5}">
-                      <a16:colId xmlns:a16="http://schemas.microsoft.com/office/drawing/2014/main" xmlns="" val="20010"/>
+                      <a16:colId xmlns="" xmlns:a16="http://schemas.microsoft.com/office/drawing/2014/main" val="20010"/>
                     </a:ext>
                   </a:extLst>
                 </a:gridCol>
@@ -36351,7 +36283,7 @@
                 </a:tc>
                 <a:extLst>
                   <a:ext uri="{0D108BD9-81ED-4DB2-BD59-A6C34878D82A}">
-                    <a16:rowId xmlns:a16="http://schemas.microsoft.com/office/drawing/2014/main" xmlns="" val="10000"/>
+                    <a16:rowId xmlns="" xmlns:a16="http://schemas.microsoft.com/office/drawing/2014/main" val="10000"/>
                   </a:ext>
                 </a:extLst>
               </a:tr>
@@ -36778,7 +36710,7 @@
                 </a:tc>
                 <a:extLst>
                   <a:ext uri="{0D108BD9-81ED-4DB2-BD59-A6C34878D82A}">
-                    <a16:rowId xmlns:a16="http://schemas.microsoft.com/office/drawing/2014/main" xmlns="" val="10001"/>
+                    <a16:rowId xmlns="" xmlns:a16="http://schemas.microsoft.com/office/drawing/2014/main" val="10001"/>
                   </a:ext>
                 </a:extLst>
               </a:tr>
@@ -36932,7 +36864,7 @@
                       <a:r>
                         <a:rPr lang="zh-TW" altLang="en-US" sz="1200" kern="1200" dirty="0" smtClean="0">
                           <a:solidFill>
-                            <a:srgbClr val="FF0000"/>
+                            <a:schemeClr val="tx1"/>
                           </a:solidFill>
                           <a:latin typeface="+mj-ea"/>
                           <a:ea typeface="+mn-ea"/>
@@ -36942,7 +36874,7 @@
                       </a:r>
                       <a:endParaRPr lang="zh-TW" altLang="en-US" sz="1200" b="0" dirty="0">
                         <a:solidFill>
-                          <a:srgbClr val="FF0000"/>
+                          <a:schemeClr val="tx1"/>
                         </a:solidFill>
                         <a:latin typeface="+mj-ea"/>
                         <a:ea typeface="+mj-ea"/>
@@ -36960,7 +36892,7 @@
                       <a:r>
                         <a:rPr lang="zh-TW" altLang="en-US" sz="1200" kern="1200" dirty="0" smtClean="0">
                           <a:solidFill>
-                            <a:srgbClr val="FF0000"/>
+                            <a:schemeClr val="tx1"/>
                           </a:solidFill>
                           <a:latin typeface="+mj-ea"/>
                           <a:ea typeface="+mn-ea"/>
@@ -36970,7 +36902,7 @@
                       </a:r>
                       <a:endParaRPr lang="zh-TW" altLang="en-US" sz="1200" b="0" kern="1200" dirty="0">
                         <a:solidFill>
-                          <a:srgbClr val="FF0000"/>
+                          <a:schemeClr val="tx1"/>
                         </a:solidFill>
                         <a:latin typeface="+mj-ea"/>
                         <a:ea typeface="+mn-ea"/>
@@ -36989,7 +36921,7 @@
                       <a:r>
                         <a:rPr lang="zh-TW" altLang="en-US" sz="1200" kern="0" dirty="0">
                           <a:solidFill>
-                            <a:sysClr val="windowText" lastClr="000000"/>
+                            <a:schemeClr val="tx1"/>
                           </a:solidFill>
                           <a:latin typeface="+mj-ea"/>
                           <a:ea typeface="+mj-ea"/>
@@ -37016,7 +36948,7 @@
                       <a:r>
                         <a:rPr lang="zh-TW" altLang="en-US" sz="1200" kern="1200" dirty="0" smtClean="0">
                           <a:solidFill>
-                            <a:srgbClr val="FF0000"/>
+                            <a:schemeClr val="tx1"/>
                           </a:solidFill>
                           <a:latin typeface="+mj-ea"/>
                           <a:ea typeface="+mn-ea"/>
@@ -37026,7 +36958,7 @@
                       </a:r>
                       <a:endParaRPr lang="zh-TW" altLang="en-US" sz="1200" b="0" kern="1200" dirty="0">
                         <a:solidFill>
-                          <a:srgbClr val="FF0000"/>
+                          <a:schemeClr val="tx1"/>
                         </a:solidFill>
                         <a:latin typeface="+mj-ea"/>
                         <a:ea typeface="+mn-ea"/>
@@ -37045,7 +36977,7 @@
                       <a:r>
                         <a:rPr lang="zh-TW" altLang="en-US" sz="1200" kern="0">
                           <a:solidFill>
-                            <a:sysClr val="windowText" lastClr="000000"/>
+                            <a:schemeClr val="tx1"/>
                           </a:solidFill>
                           <a:latin typeface="+mj-ea"/>
                           <a:ea typeface="+mj-ea"/>
@@ -37072,7 +37004,7 @@
                       <a:r>
                         <a:rPr lang="zh-TW" altLang="en-US" sz="1200" kern="0">
                           <a:solidFill>
-                            <a:sysClr val="windowText" lastClr="000000"/>
+                            <a:schemeClr val="tx1"/>
                           </a:solidFill>
                           <a:latin typeface="+mj-ea"/>
                           <a:ea typeface="+mj-ea"/>
@@ -37092,7 +37024,7 @@
                 </a:tc>
                 <a:extLst>
                   <a:ext uri="{0D108BD9-81ED-4DB2-BD59-A6C34878D82A}">
-                    <a16:rowId xmlns:a16="http://schemas.microsoft.com/office/drawing/2014/main" xmlns="" val="10002"/>
+                    <a16:rowId xmlns="" xmlns:a16="http://schemas.microsoft.com/office/drawing/2014/main" val="10002"/>
                   </a:ext>
                 </a:extLst>
               </a:tr>
@@ -37255,7 +37187,7 @@
                       <a:r>
                         <a:rPr lang="zh-TW" altLang="en-US" sz="1200" kern="0" dirty="0">
                           <a:solidFill>
-                            <a:sysClr val="windowText" lastClr="000000"/>
+                            <a:schemeClr val="tx1"/>
                           </a:solidFill>
                           <a:latin typeface="+mj-ea"/>
                           <a:ea typeface="+mj-ea"/>
@@ -37282,7 +37214,7 @@
                       <a:r>
                         <a:rPr lang="zh-TW" altLang="en-US" sz="1200" kern="1200" dirty="0" smtClean="0">
                           <a:solidFill>
-                            <a:srgbClr val="FF0000"/>
+                            <a:schemeClr val="tx1"/>
                           </a:solidFill>
                           <a:latin typeface="+mj-ea"/>
                           <a:ea typeface="+mn-ea"/>
@@ -37292,7 +37224,7 @@
                       </a:r>
                       <a:endParaRPr lang="zh-TW" altLang="en-US" sz="1200" b="0" kern="1200" dirty="0">
                         <a:solidFill>
-                          <a:srgbClr val="FF0000"/>
+                          <a:schemeClr val="tx1"/>
                         </a:solidFill>
                         <a:latin typeface="+mj-ea"/>
                         <a:ea typeface="+mn-ea"/>
@@ -37311,7 +37243,7 @@
                       <a:r>
                         <a:rPr lang="zh-TW" altLang="en-US" sz="1200" kern="0" dirty="0">
                           <a:solidFill>
-                            <a:sysClr val="windowText" lastClr="000000"/>
+                            <a:schemeClr val="tx1"/>
                           </a:solidFill>
                           <a:latin typeface="+mj-ea"/>
                           <a:ea typeface="+mj-ea"/>
@@ -37338,7 +37270,7 @@
                       <a:r>
                         <a:rPr lang="zh-TW" altLang="en-US" sz="1200" kern="0">
                           <a:solidFill>
-                            <a:sysClr val="windowText" lastClr="000000"/>
+                            <a:schemeClr val="tx1"/>
                           </a:solidFill>
                           <a:latin typeface="+mj-ea"/>
                           <a:ea typeface="+mj-ea"/>
@@ -37365,7 +37297,7 @@
                       <a:r>
                         <a:rPr lang="zh-TW" altLang="en-US" sz="1200" kern="0">
                           <a:solidFill>
-                            <a:sysClr val="windowText" lastClr="000000"/>
+                            <a:schemeClr val="tx1"/>
                           </a:solidFill>
                           <a:latin typeface="+mj-ea"/>
                           <a:ea typeface="+mj-ea"/>
@@ -37392,7 +37324,7 @@
                       <a:r>
                         <a:rPr lang="zh-TW" altLang="en-US" sz="1200" kern="0">
                           <a:solidFill>
-                            <a:sysClr val="windowText" lastClr="000000"/>
+                            <a:schemeClr val="tx1"/>
                           </a:solidFill>
                           <a:latin typeface="+mj-ea"/>
                           <a:ea typeface="+mj-ea"/>
@@ -37412,7 +37344,7 @@
                 </a:tc>
                 <a:extLst>
                   <a:ext uri="{0D108BD9-81ED-4DB2-BD59-A6C34878D82A}">
-                    <a16:rowId xmlns:a16="http://schemas.microsoft.com/office/drawing/2014/main" xmlns="" val="10003"/>
+                    <a16:rowId xmlns="" xmlns:a16="http://schemas.microsoft.com/office/drawing/2014/main" val="10003"/>
                   </a:ext>
                 </a:extLst>
               </a:tr>
@@ -37566,7 +37498,7 @@
                       <a:r>
                         <a:rPr lang="zh-TW" altLang="en-US" sz="1200" kern="1200" smtClean="0">
                           <a:solidFill>
-                            <a:srgbClr val="FF0000"/>
+                            <a:schemeClr val="tx1"/>
                           </a:solidFill>
                           <a:latin typeface="+mj-ea"/>
                           <a:ea typeface="+mn-ea"/>
@@ -37576,7 +37508,7 @@
                       </a:r>
                       <a:endParaRPr lang="zh-TW" altLang="en-US" sz="1200" b="0" kern="1200" dirty="0">
                         <a:solidFill>
-                          <a:srgbClr val="FF0000"/>
+                          <a:schemeClr val="tx1"/>
                         </a:solidFill>
                         <a:latin typeface="+mj-ea"/>
                         <a:ea typeface="+mn-ea"/>
@@ -37595,7 +37527,7 @@
                       <a:r>
                         <a:rPr lang="zh-TW" altLang="en-US" sz="1200" kern="1200" smtClean="0">
                           <a:solidFill>
-                            <a:srgbClr val="FF0000"/>
+                            <a:schemeClr val="tx1"/>
                           </a:solidFill>
                           <a:latin typeface="+mj-ea"/>
                           <a:ea typeface="+mn-ea"/>
@@ -37605,7 +37537,7 @@
                       </a:r>
                       <a:endParaRPr lang="zh-TW" altLang="en-US" sz="1200" b="0" kern="1200" dirty="0">
                         <a:solidFill>
-                          <a:srgbClr val="FF0000"/>
+                          <a:schemeClr val="tx1"/>
                         </a:solidFill>
                         <a:latin typeface="+mj-ea"/>
                         <a:ea typeface="+mn-ea"/>
@@ -37622,9 +37554,9 @@
                     <a:p>
                       <a:pPr algn="ctr"/>
                       <a:r>
-                        <a:rPr lang="zh-TW" altLang="en-US" sz="1200" kern="0">
-                          <a:solidFill>
-                            <a:sysClr val="windowText" lastClr="000000"/>
+                        <a:rPr lang="zh-TW" altLang="en-US" sz="1200" kern="0" dirty="0">
+                          <a:solidFill>
+                            <a:schemeClr val="tx1"/>
                           </a:solidFill>
                           <a:latin typeface="+mj-ea"/>
                           <a:ea typeface="+mj-ea"/>
@@ -37651,7 +37583,7 @@
                       <a:r>
                         <a:rPr lang="zh-TW" altLang="en-US" sz="1200" kern="1200" smtClean="0">
                           <a:solidFill>
-                            <a:srgbClr val="FF0000"/>
+                            <a:schemeClr val="tx1"/>
                           </a:solidFill>
                           <a:latin typeface="+mj-ea"/>
                           <a:ea typeface="+mn-ea"/>
@@ -37661,7 +37593,7 @@
                       </a:r>
                       <a:endParaRPr lang="zh-TW" altLang="en-US" sz="1200" b="0" kern="1200" dirty="0">
                         <a:solidFill>
-                          <a:srgbClr val="FF0000"/>
+                          <a:schemeClr val="tx1"/>
                         </a:solidFill>
                         <a:latin typeface="+mj-ea"/>
                         <a:ea typeface="+mn-ea"/>
@@ -37680,7 +37612,7 @@
                       <a:r>
                         <a:rPr lang="zh-TW" altLang="en-US" sz="1200" kern="0">
                           <a:solidFill>
-                            <a:sysClr val="windowText" lastClr="000000"/>
+                            <a:schemeClr val="tx1"/>
                           </a:solidFill>
                           <a:latin typeface="+mj-ea"/>
                           <a:ea typeface="+mj-ea"/>
@@ -37707,7 +37639,7 @@
                       <a:r>
                         <a:rPr lang="zh-TW" altLang="en-US" sz="1200" kern="0">
                           <a:solidFill>
-                            <a:sysClr val="windowText" lastClr="000000"/>
+                            <a:schemeClr val="tx1"/>
                           </a:solidFill>
                           <a:latin typeface="+mj-ea"/>
                           <a:ea typeface="+mj-ea"/>
@@ -37727,7 +37659,7 @@
                 </a:tc>
                 <a:extLst>
                   <a:ext uri="{0D108BD9-81ED-4DB2-BD59-A6C34878D82A}">
-                    <a16:rowId xmlns:a16="http://schemas.microsoft.com/office/drawing/2014/main" xmlns="" val="10004"/>
+                    <a16:rowId xmlns="" xmlns:a16="http://schemas.microsoft.com/office/drawing/2014/main" val="10004"/>
                   </a:ext>
                 </a:extLst>
               </a:tr>
@@ -37897,7 +37829,7 @@
                       <a:r>
                         <a:rPr lang="zh-TW" altLang="en-US" sz="1200" kern="1200" smtClean="0">
                           <a:solidFill>
-                            <a:srgbClr val="FF0000"/>
+                            <a:schemeClr val="tx1"/>
                           </a:solidFill>
                           <a:latin typeface="+mj-ea"/>
                           <a:ea typeface="+mn-ea"/>
@@ -37907,7 +37839,7 @@
                       </a:r>
                       <a:endParaRPr lang="zh-TW" altLang="en-US" sz="1200" b="0" kern="1200" dirty="0">
                         <a:solidFill>
-                          <a:srgbClr val="FF0000"/>
+                          <a:schemeClr val="tx1"/>
                         </a:solidFill>
                         <a:latin typeface="+mj-ea"/>
                         <a:ea typeface="+mn-ea"/>
@@ -37926,7 +37858,7 @@
                       <a:r>
                         <a:rPr lang="zh-TW" altLang="en-US" sz="1200" kern="1200" smtClean="0">
                           <a:solidFill>
-                            <a:srgbClr val="FF0000"/>
+                            <a:schemeClr val="tx1"/>
                           </a:solidFill>
                           <a:latin typeface="+mj-ea"/>
                           <a:ea typeface="+mn-ea"/>
@@ -37936,7 +37868,7 @@
                       </a:r>
                       <a:endParaRPr lang="zh-TW" altLang="en-US" sz="1200" b="0" kern="1200" dirty="0">
                         <a:solidFill>
-                          <a:srgbClr val="FF0000"/>
+                          <a:schemeClr val="tx1"/>
                         </a:solidFill>
                         <a:latin typeface="+mj-ea"/>
                         <a:ea typeface="+mn-ea"/>
@@ -37955,7 +37887,7 @@
                       <a:r>
                         <a:rPr lang="zh-TW" altLang="en-US" sz="1200" kern="0">
                           <a:solidFill>
-                            <a:sysClr val="windowText" lastClr="000000"/>
+                            <a:schemeClr val="tx1"/>
                           </a:solidFill>
                           <a:latin typeface="+mj-ea"/>
                           <a:ea typeface="+mj-ea"/>
@@ -37980,9 +37912,9 @@
                     <a:p>
                       <a:pPr algn="ctr"/>
                       <a:r>
-                        <a:rPr lang="zh-TW" altLang="en-US" sz="1200" kern="1200" smtClean="0">
-                          <a:solidFill>
-                            <a:srgbClr val="FF0000"/>
+                        <a:rPr lang="zh-TW" altLang="en-US" sz="1200" kern="1200" dirty="0" smtClean="0">
+                          <a:solidFill>
+                            <a:schemeClr val="tx1"/>
                           </a:solidFill>
                           <a:latin typeface="+mj-ea"/>
                           <a:ea typeface="+mn-ea"/>
@@ -37992,7 +37924,7 @@
                       </a:r>
                       <a:endParaRPr lang="zh-TW" altLang="en-US" sz="1200" b="0" kern="1200" dirty="0">
                         <a:solidFill>
-                          <a:srgbClr val="FF0000"/>
+                          <a:schemeClr val="tx1"/>
                         </a:solidFill>
                         <a:latin typeface="+mj-ea"/>
                         <a:ea typeface="+mn-ea"/>
@@ -38011,7 +37943,7 @@
                       <a:r>
                         <a:rPr lang="zh-TW" altLang="en-US" sz="1200" kern="0">
                           <a:solidFill>
-                            <a:sysClr val="windowText" lastClr="000000"/>
+                            <a:schemeClr val="tx1"/>
                           </a:solidFill>
                           <a:latin typeface="+mj-ea"/>
                           <a:ea typeface="+mj-ea"/>
@@ -38038,7 +37970,7 @@
                       <a:r>
                         <a:rPr lang="zh-TW" altLang="en-US" sz="1200" kern="0">
                           <a:solidFill>
-                            <a:sysClr val="windowText" lastClr="000000"/>
+                            <a:schemeClr val="tx1"/>
                           </a:solidFill>
                           <a:latin typeface="+mj-ea"/>
                           <a:ea typeface="+mj-ea"/>
@@ -38058,7 +37990,7 @@
                 </a:tc>
                 <a:extLst>
                   <a:ext uri="{0D108BD9-81ED-4DB2-BD59-A6C34878D82A}">
-                    <a16:rowId xmlns:a16="http://schemas.microsoft.com/office/drawing/2014/main" xmlns="" val="10005"/>
+                    <a16:rowId xmlns="" xmlns:a16="http://schemas.microsoft.com/office/drawing/2014/main" val="10005"/>
                   </a:ext>
                 </a:extLst>
               </a:tr>
@@ -38228,7 +38160,7 @@
                       <a:r>
                         <a:rPr lang="zh-TW" altLang="en-US" sz="1200" kern="1200" smtClean="0">
                           <a:solidFill>
-                            <a:srgbClr val="FF0000"/>
+                            <a:schemeClr val="tx1"/>
                           </a:solidFill>
                           <a:latin typeface="+mj-ea"/>
                           <a:ea typeface="+mn-ea"/>
@@ -38238,7 +38170,7 @@
                       </a:r>
                       <a:endParaRPr lang="zh-TW" altLang="en-US" sz="1200" b="0" kern="1200" dirty="0">
                         <a:solidFill>
-                          <a:srgbClr val="FF0000"/>
+                          <a:schemeClr val="tx1"/>
                         </a:solidFill>
                         <a:latin typeface="+mj-ea"/>
                         <a:ea typeface="+mn-ea"/>
@@ -38257,7 +38189,7 @@
                       <a:r>
                         <a:rPr lang="zh-TW" altLang="en-US" sz="1200" kern="1200" dirty="0" smtClean="0">
                           <a:solidFill>
-                            <a:srgbClr val="FF0000"/>
+                            <a:schemeClr val="tx1"/>
                           </a:solidFill>
                           <a:latin typeface="+mj-ea"/>
                           <a:ea typeface="+mn-ea"/>
@@ -38267,7 +38199,7 @@
                       </a:r>
                       <a:endParaRPr lang="zh-TW" altLang="en-US" sz="1200" b="0" kern="1200" dirty="0">
                         <a:solidFill>
-                          <a:srgbClr val="FF0000"/>
+                          <a:schemeClr val="tx1"/>
                         </a:solidFill>
                         <a:latin typeface="+mj-ea"/>
                         <a:ea typeface="+mn-ea"/>
@@ -38286,7 +38218,7 @@
                       <a:r>
                         <a:rPr lang="zh-TW" altLang="en-US" sz="1200" kern="0">
                           <a:solidFill>
-                            <a:sysClr val="windowText" lastClr="000000"/>
+                            <a:schemeClr val="tx1"/>
                           </a:solidFill>
                           <a:latin typeface="+mj-ea"/>
                           <a:ea typeface="+mj-ea"/>
@@ -38311,9 +38243,9 @@
                     <a:p>
                       <a:pPr algn="ctr"/>
                       <a:r>
-                        <a:rPr lang="zh-TW" altLang="en-US" sz="1200" kern="1200" smtClean="0">
-                          <a:solidFill>
-                            <a:srgbClr val="FF0000"/>
+                        <a:rPr lang="zh-TW" altLang="en-US" sz="1200" kern="1200" dirty="0" smtClean="0">
+                          <a:solidFill>
+                            <a:schemeClr val="tx1"/>
                           </a:solidFill>
                           <a:latin typeface="+mj-ea"/>
                           <a:ea typeface="+mn-ea"/>
@@ -38323,7 +38255,7 @@
                       </a:r>
                       <a:endParaRPr lang="zh-TW" altLang="en-US" sz="1200" b="0" kern="1200" dirty="0">
                         <a:solidFill>
-                          <a:srgbClr val="FF0000"/>
+                          <a:schemeClr val="tx1"/>
                         </a:solidFill>
                         <a:latin typeface="+mj-ea"/>
                         <a:ea typeface="+mn-ea"/>
@@ -38342,7 +38274,7 @@
                       <a:r>
                         <a:rPr lang="zh-TW" altLang="en-US" sz="1200" kern="0" dirty="0">
                           <a:solidFill>
-                            <a:sysClr val="windowText" lastClr="000000"/>
+                            <a:schemeClr val="tx1"/>
                           </a:solidFill>
                           <a:latin typeface="+mj-ea"/>
                           <a:ea typeface="+mj-ea"/>
@@ -38369,7 +38301,7 @@
                       <a:r>
                         <a:rPr lang="zh-TW" altLang="en-US" sz="1200" kern="0">
                           <a:solidFill>
-                            <a:sysClr val="windowText" lastClr="000000"/>
+                            <a:schemeClr val="tx1"/>
                           </a:solidFill>
                           <a:latin typeface="+mj-ea"/>
                           <a:ea typeface="+mj-ea"/>
@@ -38389,7 +38321,7 @@
                 </a:tc>
                 <a:extLst>
                   <a:ext uri="{0D108BD9-81ED-4DB2-BD59-A6C34878D82A}">
-                    <a16:rowId xmlns:a16="http://schemas.microsoft.com/office/drawing/2014/main" xmlns="" val="10006"/>
+                    <a16:rowId xmlns="" xmlns:a16="http://schemas.microsoft.com/office/drawing/2014/main" val="10006"/>
                   </a:ext>
                 </a:extLst>
               </a:tr>
@@ -38559,7 +38491,7 @@
                       <a:r>
                         <a:rPr lang="zh-TW" altLang="en-US" sz="1200" kern="1200" smtClean="0">
                           <a:solidFill>
-                            <a:srgbClr val="FF0000"/>
+                            <a:schemeClr val="tx1"/>
                           </a:solidFill>
                           <a:latin typeface="+mj-ea"/>
                           <a:ea typeface="+mn-ea"/>
@@ -38569,7 +38501,7 @@
                       </a:r>
                       <a:endParaRPr lang="zh-TW" altLang="en-US" sz="1200" b="0" kern="1200" dirty="0">
                         <a:solidFill>
-                          <a:srgbClr val="FF0000"/>
+                          <a:schemeClr val="tx1"/>
                         </a:solidFill>
                         <a:latin typeface="+mj-ea"/>
                         <a:ea typeface="+mn-ea"/>
@@ -38588,7 +38520,7 @@
                       <a:r>
                         <a:rPr lang="zh-TW" altLang="en-US" sz="1200" kern="1200" dirty="0" smtClean="0">
                           <a:solidFill>
-                            <a:srgbClr val="FF0000"/>
+                            <a:schemeClr val="tx1"/>
                           </a:solidFill>
                           <a:latin typeface="+mj-ea"/>
                           <a:ea typeface="+mn-ea"/>
@@ -38598,7 +38530,7 @@
                       </a:r>
                       <a:endParaRPr lang="zh-TW" altLang="en-US" sz="1200" b="0" kern="1200" dirty="0">
                         <a:solidFill>
-                          <a:srgbClr val="FF0000"/>
+                          <a:schemeClr val="tx1"/>
                         </a:solidFill>
                         <a:latin typeface="+mj-ea"/>
                         <a:ea typeface="+mn-ea"/>
@@ -38617,7 +38549,7 @@
                       <a:r>
                         <a:rPr lang="zh-TW" altLang="en-US" sz="1200" kern="0">
                           <a:solidFill>
-                            <a:sysClr val="windowText" lastClr="000000"/>
+                            <a:schemeClr val="tx1"/>
                           </a:solidFill>
                           <a:latin typeface="+mj-ea"/>
                           <a:ea typeface="+mj-ea"/>
@@ -38644,7 +38576,7 @@
                       <a:r>
                         <a:rPr lang="zh-TW" altLang="en-US" sz="1200" kern="1200" smtClean="0">
                           <a:solidFill>
-                            <a:srgbClr val="FF0000"/>
+                            <a:schemeClr val="tx1"/>
                           </a:solidFill>
                           <a:latin typeface="+mj-ea"/>
                           <a:ea typeface="+mn-ea"/>
@@ -38654,7 +38586,7 @@
                       </a:r>
                       <a:endParaRPr lang="zh-TW" altLang="en-US" sz="1200" b="0" kern="1200" dirty="0">
                         <a:solidFill>
-                          <a:srgbClr val="FF0000"/>
+                          <a:schemeClr val="tx1"/>
                         </a:solidFill>
                         <a:latin typeface="+mj-ea"/>
                         <a:ea typeface="+mn-ea"/>
@@ -38673,7 +38605,7 @@
                       <a:r>
                         <a:rPr lang="zh-TW" altLang="en-US" sz="1200" kern="0" dirty="0">
                           <a:solidFill>
-                            <a:sysClr val="windowText" lastClr="000000"/>
+                            <a:schemeClr val="tx1"/>
                           </a:solidFill>
                           <a:latin typeface="+mj-ea"/>
                           <a:ea typeface="+mj-ea"/>
@@ -38700,7 +38632,7 @@
                       <a:r>
                         <a:rPr lang="zh-TW" altLang="en-US" sz="1200" kern="0">
                           <a:solidFill>
-                            <a:sysClr val="windowText" lastClr="000000"/>
+                            <a:schemeClr val="tx1"/>
                           </a:solidFill>
                           <a:latin typeface="+mj-ea"/>
                           <a:ea typeface="+mj-ea"/>
@@ -38720,7 +38652,7 @@
                 </a:tc>
                 <a:extLst>
                   <a:ext uri="{0D108BD9-81ED-4DB2-BD59-A6C34878D82A}">
-                    <a16:rowId xmlns:a16="http://schemas.microsoft.com/office/drawing/2014/main" xmlns="" val="10007"/>
+                    <a16:rowId xmlns="" xmlns:a16="http://schemas.microsoft.com/office/drawing/2014/main" val="10007"/>
                   </a:ext>
                 </a:extLst>
               </a:tr>
@@ -38890,7 +38822,7 @@
                       <a:r>
                         <a:rPr lang="zh-TW" altLang="en-US" sz="1200" kern="1200" dirty="0" smtClean="0">
                           <a:solidFill>
-                            <a:srgbClr val="FF0000"/>
+                            <a:schemeClr val="tx1"/>
                           </a:solidFill>
                           <a:latin typeface="+mj-ea"/>
                           <a:ea typeface="+mn-ea"/>
@@ -38900,7 +38832,7 @@
                       </a:r>
                       <a:endParaRPr lang="zh-TW" altLang="en-US" sz="1200" b="0" kern="1200" dirty="0">
                         <a:solidFill>
-                          <a:srgbClr val="FF0000"/>
+                          <a:schemeClr val="tx1"/>
                         </a:solidFill>
                         <a:latin typeface="+mj-ea"/>
                         <a:ea typeface="+mn-ea"/>
@@ -38919,7 +38851,7 @@
                       <a:r>
                         <a:rPr lang="zh-TW" altLang="en-US" sz="1200" kern="1200" dirty="0" smtClean="0">
                           <a:solidFill>
-                            <a:srgbClr val="FF0000"/>
+                            <a:schemeClr val="tx1"/>
                           </a:solidFill>
                           <a:latin typeface="+mj-ea"/>
                           <a:ea typeface="+mn-ea"/>
@@ -38929,7 +38861,7 @@
                       </a:r>
                       <a:endParaRPr lang="zh-TW" altLang="en-US" sz="1200" b="0" kern="1200" dirty="0">
                         <a:solidFill>
-                          <a:srgbClr val="FF0000"/>
+                          <a:schemeClr val="tx1"/>
                         </a:solidFill>
                         <a:latin typeface="+mj-ea"/>
                         <a:ea typeface="+mn-ea"/>
@@ -38948,7 +38880,7 @@
                       <a:r>
                         <a:rPr lang="zh-TW" altLang="en-US" sz="1200" kern="0">
                           <a:solidFill>
-                            <a:sysClr val="windowText" lastClr="000000"/>
+                            <a:schemeClr val="tx1"/>
                           </a:solidFill>
                           <a:latin typeface="+mj-ea"/>
                           <a:ea typeface="+mj-ea"/>
@@ -38975,7 +38907,7 @@
                       <a:r>
                         <a:rPr lang="zh-TW" altLang="en-US" sz="1200" kern="1200" dirty="0" smtClean="0">
                           <a:solidFill>
-                            <a:srgbClr val="FF0000"/>
+                            <a:schemeClr val="tx1"/>
                           </a:solidFill>
                           <a:latin typeface="+mj-ea"/>
                           <a:ea typeface="+mn-ea"/>
@@ -38985,7 +38917,7 @@
                       </a:r>
                       <a:endParaRPr lang="zh-TW" altLang="en-US" sz="1200" b="0" kern="1200" dirty="0">
                         <a:solidFill>
-                          <a:srgbClr val="FF0000"/>
+                          <a:schemeClr val="tx1"/>
                         </a:solidFill>
                         <a:latin typeface="+mj-ea"/>
                         <a:ea typeface="+mn-ea"/>
@@ -39004,7 +38936,7 @@
                       <a:r>
                         <a:rPr lang="zh-TW" altLang="en-US" sz="1200" kern="0" dirty="0">
                           <a:solidFill>
-                            <a:sysClr val="windowText" lastClr="000000"/>
+                            <a:schemeClr val="tx1"/>
                           </a:solidFill>
                           <a:latin typeface="+mj-ea"/>
                           <a:ea typeface="+mj-ea"/>
@@ -39031,7 +38963,7 @@
                       <a:r>
                         <a:rPr lang="zh-TW" altLang="en-US" sz="1200" kern="0" dirty="0">
                           <a:solidFill>
-                            <a:sysClr val="windowText" lastClr="000000"/>
+                            <a:schemeClr val="tx1"/>
                           </a:solidFill>
                           <a:latin typeface="+mj-ea"/>
                           <a:ea typeface="+mj-ea"/>
@@ -39051,7 +38983,7 @@
                 </a:tc>
                 <a:extLst>
                   <a:ext uri="{0D108BD9-81ED-4DB2-BD59-A6C34878D82A}">
-                    <a16:rowId xmlns:a16="http://schemas.microsoft.com/office/drawing/2014/main" xmlns="" val="10008"/>
+                    <a16:rowId xmlns="" xmlns:a16="http://schemas.microsoft.com/office/drawing/2014/main" val="10008"/>
                   </a:ext>
                 </a:extLst>
               </a:tr>
@@ -39165,7 +39097,32 @@
                     <a:p>
                       <a:pPr algn="ctr"/>
                       <a:r>
-                        <a:rPr lang="zh-TW" altLang="en-US" sz="1200" kern="0">
+                        <a:rPr lang="zh-TW" altLang="en-US" sz="1200" b="0" kern="0" dirty="0" smtClean="0">
+                          <a:solidFill>
+                            <a:schemeClr val="tx1"/>
+                          </a:solidFill>
+                        </a:rPr>
+                        <a:t>◎</a:t>
+                      </a:r>
+                      <a:endParaRPr lang="zh-TW" altLang="en-US" sz="1200" b="0" dirty="0">
+                        <a:solidFill>
+                          <a:schemeClr val="tx1"/>
+                        </a:solidFill>
+                        <a:latin typeface="微軟正黑體" panose="020B0604030504040204" pitchFamily="34" charset="-120"/>
+                        <a:ea typeface="微軟正黑體" panose="020B0604030504040204" pitchFamily="34" charset="-120"/>
+                      </a:endParaRPr>
+                    </a:p>
+                  </a:txBody>
+                  <a:tcPr marL="9525" marR="9525" marT="9525" marB="0" anchor="ctr"/>
+                </a:tc>
+                <a:tc>
+                  <a:txBody>
+                    <a:bodyPr/>
+                    <a:lstStyle/>
+                    <a:p>
+                      <a:pPr algn="ctr"/>
+                      <a:r>
+                        <a:rPr lang="zh-TW" altLang="en-US" sz="1200" kern="0" dirty="0">
                           <a:solidFill>
                             <a:sysClr val="windowText" lastClr="000000"/>
                           </a:solidFill>
@@ -39192,36 +39149,9 @@
                     <a:p>
                       <a:pPr algn="ctr"/>
                       <a:r>
-                        <a:rPr lang="zh-TW" altLang="en-US" sz="1200" kern="0" dirty="0">
-                          <a:solidFill>
-                            <a:sysClr val="windowText" lastClr="000000"/>
-                          </a:solidFill>
-                          <a:latin typeface="+mj-ea"/>
-                          <a:ea typeface="+mj-ea"/>
-                        </a:rPr>
-                        <a:t>○</a:t>
-                      </a:r>
-                      <a:endParaRPr lang="zh-TW" altLang="en-US" sz="1200" b="0" dirty="0">
-                        <a:solidFill>
-                          <a:schemeClr val="tx1"/>
-                        </a:solidFill>
-                        <a:latin typeface="+mj-ea"/>
-                        <a:ea typeface="+mj-ea"/>
-                      </a:endParaRPr>
-                    </a:p>
-                  </a:txBody>
-                  <a:tcPr marL="9525" marR="9525" marT="9525" marB="0" anchor="ctr"/>
-                </a:tc>
-                <a:tc>
-                  <a:txBody>
-                    <a:bodyPr/>
-                    <a:lstStyle/>
-                    <a:p>
-                      <a:pPr algn="ctr"/>
-                      <a:r>
                         <a:rPr lang="zh-TW" altLang="en-US" sz="1200" kern="1200" dirty="0" smtClean="0">
                           <a:solidFill>
-                            <a:srgbClr val="FF0000"/>
+                            <a:schemeClr val="tx1"/>
                           </a:solidFill>
                           <a:latin typeface="+mj-ea"/>
                           <a:ea typeface="+mn-ea"/>
@@ -39231,7 +39161,7 @@
                       </a:r>
                       <a:endParaRPr lang="zh-TW" altLang="en-US" sz="1200" b="0" kern="1200" dirty="0">
                         <a:solidFill>
-                          <a:srgbClr val="FF0000"/>
+                          <a:schemeClr val="tx1"/>
                         </a:solidFill>
                         <a:latin typeface="+mj-ea"/>
                         <a:ea typeface="+mn-ea"/>
@@ -39250,7 +39180,7 @@
                       <a:r>
                         <a:rPr lang="zh-TW" altLang="en-US" sz="1200" kern="1200" dirty="0" smtClean="0">
                           <a:solidFill>
-                            <a:srgbClr val="FF0000"/>
+                            <a:schemeClr val="tx1"/>
                           </a:solidFill>
                           <a:latin typeface="+mj-ea"/>
                           <a:ea typeface="+mn-ea"/>
@@ -39260,7 +39190,7 @@
                       </a:r>
                       <a:endParaRPr lang="zh-TW" altLang="en-US" sz="1200" b="0" kern="1200" dirty="0">
                         <a:solidFill>
-                          <a:srgbClr val="FF0000"/>
+                          <a:schemeClr val="tx1"/>
                         </a:solidFill>
                         <a:latin typeface="+mj-ea"/>
                         <a:ea typeface="+mn-ea"/>
@@ -39279,7 +39209,7 @@
                       <a:r>
                         <a:rPr lang="zh-TW" altLang="en-US" sz="1200" kern="0">
                           <a:solidFill>
-                            <a:sysClr val="windowText" lastClr="000000"/>
+                            <a:schemeClr val="tx1"/>
                           </a:solidFill>
                           <a:latin typeface="+mj-ea"/>
                           <a:ea typeface="+mj-ea"/>
@@ -39306,7 +39236,7 @@
                       <a:r>
                         <a:rPr lang="zh-TW" altLang="en-US" sz="1200" kern="1200" dirty="0" smtClean="0">
                           <a:solidFill>
-                            <a:srgbClr val="FF0000"/>
+                            <a:schemeClr val="tx1"/>
                           </a:solidFill>
                           <a:latin typeface="+mj-ea"/>
                           <a:ea typeface="+mn-ea"/>
@@ -39316,7 +39246,7 @@
                       </a:r>
                       <a:endParaRPr lang="zh-TW" altLang="en-US" sz="1200" b="0" kern="1200" dirty="0">
                         <a:solidFill>
-                          <a:srgbClr val="FF0000"/>
+                          <a:schemeClr val="tx1"/>
                         </a:solidFill>
                         <a:latin typeface="+mj-ea"/>
                         <a:ea typeface="+mn-ea"/>
@@ -39335,7 +39265,7 @@
                       <a:r>
                         <a:rPr lang="zh-TW" altLang="en-US" sz="1200" kern="1200" dirty="0" smtClean="0">
                           <a:solidFill>
-                            <a:srgbClr val="FF0000"/>
+                            <a:schemeClr val="tx1"/>
                           </a:solidFill>
                           <a:latin typeface="+mj-ea"/>
                           <a:ea typeface="+mn-ea"/>
@@ -39345,7 +39275,7 @@
                       </a:r>
                       <a:endParaRPr lang="zh-TW" altLang="en-US" sz="1200" b="0" kern="1200" dirty="0">
                         <a:solidFill>
-                          <a:srgbClr val="FF0000"/>
+                          <a:schemeClr val="tx1"/>
                         </a:solidFill>
                         <a:latin typeface="+mj-ea"/>
                         <a:ea typeface="+mn-ea"/>
@@ -39364,7 +39294,7 @@
                       <a:r>
                         <a:rPr lang="zh-TW" altLang="en-US" sz="1200" kern="1200" dirty="0" smtClean="0">
                           <a:solidFill>
-                            <a:srgbClr val="FF0000"/>
+                            <a:schemeClr val="tx1"/>
                           </a:solidFill>
                           <a:latin typeface="+mj-ea"/>
                           <a:ea typeface="+mn-ea"/>
@@ -39374,7 +39304,7 @@
                       </a:r>
                       <a:endParaRPr lang="zh-TW" altLang="en-US" sz="1200" b="0" kern="1200" dirty="0">
                         <a:solidFill>
-                          <a:srgbClr val="FF0000"/>
+                          <a:schemeClr val="tx1"/>
                         </a:solidFill>
                         <a:latin typeface="+mj-ea"/>
                         <a:ea typeface="+mn-ea"/>
@@ -39386,7 +39316,7 @@
                 </a:tc>
                 <a:extLst>
                   <a:ext uri="{0D108BD9-81ED-4DB2-BD59-A6C34878D82A}">
-                    <a16:rowId xmlns:a16="http://schemas.microsoft.com/office/drawing/2014/main" xmlns="" val="10009"/>
+                    <a16:rowId xmlns="" xmlns:a16="http://schemas.microsoft.com/office/drawing/2014/main" val="10009"/>
                   </a:ext>
                 </a:extLst>
               </a:tr>
@@ -39556,7 +39486,7 @@
                       <a:r>
                         <a:rPr lang="zh-TW" altLang="en-US" sz="1200" kern="1200" dirty="0" smtClean="0">
                           <a:solidFill>
-                            <a:srgbClr val="FF0000"/>
+                            <a:schemeClr val="tx1"/>
                           </a:solidFill>
                           <a:latin typeface="+mj-ea"/>
                           <a:ea typeface="+mn-ea"/>
@@ -39566,7 +39496,7 @@
                       </a:r>
                       <a:endParaRPr lang="zh-TW" altLang="en-US" sz="1200" b="0" kern="1200" dirty="0">
                         <a:solidFill>
-                          <a:srgbClr val="FF0000"/>
+                          <a:schemeClr val="tx1"/>
                         </a:solidFill>
                         <a:latin typeface="+mj-ea"/>
                         <a:ea typeface="+mn-ea"/>
@@ -39585,7 +39515,7 @@
                       <a:r>
                         <a:rPr lang="zh-TW" altLang="en-US" sz="1200" kern="1200" dirty="0" smtClean="0">
                           <a:solidFill>
-                            <a:srgbClr val="FF0000"/>
+                            <a:schemeClr val="tx1"/>
                           </a:solidFill>
                           <a:latin typeface="+mj-ea"/>
                           <a:ea typeface="+mn-ea"/>
@@ -39595,7 +39525,7 @@
                       </a:r>
                       <a:endParaRPr lang="zh-TW" altLang="en-US" sz="1200" b="0" kern="1200" dirty="0">
                         <a:solidFill>
-                          <a:srgbClr val="FF0000"/>
+                          <a:schemeClr val="tx1"/>
                         </a:solidFill>
                         <a:latin typeface="+mj-ea"/>
                         <a:ea typeface="+mn-ea"/>
@@ -39614,7 +39544,7 @@
                       <a:r>
                         <a:rPr lang="zh-TW" altLang="en-US" sz="1200" kern="0">
                           <a:solidFill>
-                            <a:sysClr val="windowText" lastClr="000000"/>
+                            <a:schemeClr val="tx1"/>
                           </a:solidFill>
                           <a:latin typeface="+mj-ea"/>
                           <a:ea typeface="+mj-ea"/>
@@ -39641,7 +39571,7 @@
                       <a:r>
                         <a:rPr lang="zh-TW" altLang="en-US" sz="1200" kern="1200" dirty="0" smtClean="0">
                           <a:solidFill>
-                            <a:srgbClr val="FF0000"/>
+                            <a:schemeClr val="tx1"/>
                           </a:solidFill>
                           <a:latin typeface="+mj-ea"/>
                           <a:ea typeface="+mn-ea"/>
@@ -39651,7 +39581,7 @@
                       </a:r>
                       <a:endParaRPr lang="zh-TW" altLang="en-US" sz="1200" b="0" kern="1200" dirty="0">
                         <a:solidFill>
-                          <a:srgbClr val="FF0000"/>
+                          <a:schemeClr val="tx1"/>
                         </a:solidFill>
                         <a:latin typeface="+mj-ea"/>
                         <a:ea typeface="+mn-ea"/>
@@ -39686,7 +39616,7 @@
                       <a:r>
                         <a:rPr lang="zh-TW" altLang="en-US" sz="1200" kern="1200" dirty="0" smtClean="0">
                           <a:solidFill>
-                            <a:srgbClr val="FF0000"/>
+                            <a:schemeClr val="tx1"/>
                           </a:solidFill>
                           <a:latin typeface="+mj-ea"/>
                           <a:ea typeface="+mn-ea"/>
@@ -39696,7 +39626,7 @@
                       </a:r>
                       <a:endParaRPr lang="zh-TW" altLang="en-US" sz="1200" b="0" kern="1200" dirty="0" smtClean="0">
                         <a:solidFill>
-                          <a:srgbClr val="FF0000"/>
+                          <a:schemeClr val="tx1"/>
                         </a:solidFill>
                         <a:latin typeface="+mj-ea"/>
                         <a:ea typeface="+mn-ea"/>
@@ -39715,7 +39645,7 @@
                       <a:r>
                         <a:rPr lang="zh-TW" altLang="en-US" sz="1200" kern="1200" dirty="0" smtClean="0">
                           <a:solidFill>
-                            <a:srgbClr val="FF0000"/>
+                            <a:schemeClr val="tx1"/>
                           </a:solidFill>
                           <a:latin typeface="+mj-ea"/>
                           <a:ea typeface="+mn-ea"/>
@@ -39725,7 +39655,7 @@
                       </a:r>
                       <a:endParaRPr lang="zh-TW" altLang="en-US" sz="1200" b="0" kern="1200" dirty="0">
                         <a:solidFill>
-                          <a:srgbClr val="FF0000"/>
+                          <a:schemeClr val="tx1"/>
                         </a:solidFill>
                         <a:latin typeface="+mj-ea"/>
                         <a:ea typeface="+mn-ea"/>
@@ -39737,7 +39667,7 @@
                 </a:tc>
                 <a:extLst>
                   <a:ext uri="{0D108BD9-81ED-4DB2-BD59-A6C34878D82A}">
-                    <a16:rowId xmlns:a16="http://schemas.microsoft.com/office/drawing/2014/main" xmlns="" val="10010"/>
+                    <a16:rowId xmlns="" xmlns:a16="http://schemas.microsoft.com/office/drawing/2014/main" val="10010"/>
                   </a:ext>
                 </a:extLst>
               </a:tr>
@@ -39907,7 +39837,7 @@
                       <a:r>
                         <a:rPr lang="zh-TW" altLang="en-US" sz="1200" kern="1200" smtClean="0">
                           <a:solidFill>
-                            <a:srgbClr val="FF0000"/>
+                            <a:schemeClr val="tx1"/>
                           </a:solidFill>
                           <a:latin typeface="+mj-ea"/>
                           <a:ea typeface="+mn-ea"/>
@@ -39917,7 +39847,7 @@
                       </a:r>
                       <a:endParaRPr lang="zh-TW" altLang="en-US" sz="1200" b="0" kern="1200" dirty="0">
                         <a:solidFill>
-                          <a:srgbClr val="FF0000"/>
+                          <a:schemeClr val="tx1"/>
                         </a:solidFill>
                         <a:latin typeface="+mj-ea"/>
                         <a:ea typeface="+mn-ea"/>
@@ -39936,7 +39866,7 @@
                       <a:r>
                         <a:rPr lang="zh-TW" altLang="en-US" sz="1200" kern="1200" dirty="0" smtClean="0">
                           <a:solidFill>
-                            <a:srgbClr val="FF0000"/>
+                            <a:schemeClr val="tx1"/>
                           </a:solidFill>
                           <a:latin typeface="+mj-ea"/>
                           <a:ea typeface="+mn-ea"/>
@@ -39946,7 +39876,7 @@
                       </a:r>
                       <a:endParaRPr lang="zh-TW" altLang="en-US" sz="1200" b="0" kern="1200" dirty="0">
                         <a:solidFill>
-                          <a:srgbClr val="FF0000"/>
+                          <a:schemeClr val="tx1"/>
                         </a:solidFill>
                         <a:latin typeface="+mj-ea"/>
                         <a:ea typeface="+mn-ea"/>
@@ -39965,7 +39895,7 @@
                       <a:r>
                         <a:rPr lang="zh-TW" altLang="en-US" sz="1200" kern="0">
                           <a:solidFill>
-                            <a:sysClr val="windowText" lastClr="000000"/>
+                            <a:schemeClr val="tx1"/>
                           </a:solidFill>
                           <a:latin typeface="+mj-ea"/>
                           <a:ea typeface="+mj-ea"/>
@@ -39992,7 +39922,7 @@
                       <a:r>
                         <a:rPr lang="zh-TW" altLang="en-US" sz="1200" kern="1200" dirty="0" smtClean="0">
                           <a:solidFill>
-                            <a:srgbClr val="FF0000"/>
+                            <a:schemeClr val="tx1"/>
                           </a:solidFill>
                           <a:latin typeface="+mj-ea"/>
                           <a:ea typeface="+mn-ea"/>
@@ -40002,7 +39932,7 @@
                       </a:r>
                       <a:endParaRPr lang="zh-TW" altLang="en-US" sz="1200" b="0" kern="1200" dirty="0">
                         <a:solidFill>
-                          <a:srgbClr val="FF0000"/>
+                          <a:schemeClr val="tx1"/>
                         </a:solidFill>
                         <a:latin typeface="+mj-ea"/>
                         <a:ea typeface="+mn-ea"/>
@@ -40021,7 +39951,7 @@
                       <a:r>
                         <a:rPr lang="zh-TW" altLang="en-US" sz="1200" kern="0" dirty="0">
                           <a:solidFill>
-                            <a:sysClr val="windowText" lastClr="000000"/>
+                            <a:schemeClr val="tx1"/>
                           </a:solidFill>
                           <a:latin typeface="+mj-ea"/>
                           <a:ea typeface="+mj-ea"/>
@@ -40048,7 +39978,7 @@
                       <a:r>
                         <a:rPr lang="zh-TW" altLang="en-US" sz="1200" kern="0" dirty="0">
                           <a:solidFill>
-                            <a:sysClr val="windowText" lastClr="000000"/>
+                            <a:schemeClr val="tx1"/>
                           </a:solidFill>
                           <a:latin typeface="+mj-ea"/>
                           <a:ea typeface="+mj-ea"/>
@@ -40068,7 +39998,7 @@
                 </a:tc>
                 <a:extLst>
                   <a:ext uri="{0D108BD9-81ED-4DB2-BD59-A6C34878D82A}">
-                    <a16:rowId xmlns:a16="http://schemas.microsoft.com/office/drawing/2014/main" xmlns="" val="10011"/>
+                    <a16:rowId xmlns="" xmlns:a16="http://schemas.microsoft.com/office/drawing/2014/main" val="10011"/>
                   </a:ext>
                 </a:extLst>
               </a:tr>

--- a/各單位資料供應現況表.pptx
+++ b/各單位資料供應現況表.pptx
@@ -219,7 +219,7 @@
           <a:p>
             <a:fld id="{AC1AE0A4-47EE-4CE1-A88C-8E719F35BFA0}" type="datetimeFigureOut">
               <a:rPr lang="zh-TW" altLang="en-US" smtClean="0"/>
-              <a:t>2019/10/7</a:t>
+              <a:t>2019/11/21</a:t>
             </a:fld>
             <a:endParaRPr lang="zh-TW" altLang="en-US"/>
           </a:p>
@@ -384,7 +384,7 @@
           <a:p>
             <a:fld id="{92A7EAFB-AA00-4957-A793-D83734C20EF1}" type="datetimeFigureOut">
               <a:rPr lang="zh-TW" altLang="en-US" smtClean="0"/>
-              <a:t>2019/10/7</a:t>
+              <a:t>2019/11/21</a:t>
             </a:fld>
             <a:endParaRPr lang="zh-TW" altLang="en-US"/>
           </a:p>
@@ -5317,140 +5317,140 @@
                 <a:gridCol w="826601">
                   <a:extLst>
                     <a:ext uri="{9D8B030D-6E8A-4147-A177-3AD203B41FA5}">
-                      <a16:colId xmlns="" xmlns:a16="http://schemas.microsoft.com/office/drawing/2014/main" val="20003"/>
+                      <a16:colId xmlns:a16="http://schemas.microsoft.com/office/drawing/2014/main" xmlns="" val="20003"/>
                     </a:ext>
                   </a:extLst>
                 </a:gridCol>
                 <a:gridCol w="510169">
                   <a:extLst>
                     <a:ext uri="{9D8B030D-6E8A-4147-A177-3AD203B41FA5}">
-                      <a16:colId xmlns="" xmlns:a16="http://schemas.microsoft.com/office/drawing/2014/main" val="20004"/>
+                      <a16:colId xmlns:a16="http://schemas.microsoft.com/office/drawing/2014/main" xmlns="" val="20004"/>
                     </a:ext>
                   </a:extLst>
                 </a:gridCol>
                 <a:gridCol w="510169">
                   <a:extLst>
                     <a:ext uri="{9D8B030D-6E8A-4147-A177-3AD203B41FA5}">
-                      <a16:colId xmlns="" xmlns:a16="http://schemas.microsoft.com/office/drawing/2014/main" val="20005"/>
+                      <a16:colId xmlns:a16="http://schemas.microsoft.com/office/drawing/2014/main" xmlns="" val="20005"/>
                     </a:ext>
                   </a:extLst>
                 </a:gridCol>
                 <a:gridCol w="510169">
                   <a:extLst>
                     <a:ext uri="{9D8B030D-6E8A-4147-A177-3AD203B41FA5}">
-                      <a16:colId xmlns="" xmlns:a16="http://schemas.microsoft.com/office/drawing/2014/main" val="20006"/>
+                      <a16:colId xmlns:a16="http://schemas.microsoft.com/office/drawing/2014/main" xmlns="" val="20006"/>
                     </a:ext>
                   </a:extLst>
                 </a:gridCol>
                 <a:gridCol w="510169">
                   <a:extLst>
                     <a:ext uri="{9D8B030D-6E8A-4147-A177-3AD203B41FA5}">
-                      <a16:colId xmlns="" xmlns:a16="http://schemas.microsoft.com/office/drawing/2014/main" val="3408207861"/>
+                      <a16:colId xmlns:a16="http://schemas.microsoft.com/office/drawing/2014/main" xmlns="" val="3408207861"/>
                     </a:ext>
                   </a:extLst>
                 </a:gridCol>
                 <a:gridCol w="510169">
                   <a:extLst>
                     <a:ext uri="{9D8B030D-6E8A-4147-A177-3AD203B41FA5}">
-                      <a16:colId xmlns="" xmlns:a16="http://schemas.microsoft.com/office/drawing/2014/main" val="2229076538"/>
+                      <a16:colId xmlns:a16="http://schemas.microsoft.com/office/drawing/2014/main" xmlns="" val="2229076538"/>
                     </a:ext>
                   </a:extLst>
                 </a:gridCol>
                 <a:gridCol w="510169">
                   <a:extLst>
                     <a:ext uri="{9D8B030D-6E8A-4147-A177-3AD203B41FA5}">
-                      <a16:colId xmlns="" xmlns:a16="http://schemas.microsoft.com/office/drawing/2014/main" val="3678966610"/>
+                      <a16:colId xmlns:a16="http://schemas.microsoft.com/office/drawing/2014/main" xmlns="" val="3678966610"/>
                     </a:ext>
                   </a:extLst>
                 </a:gridCol>
                 <a:gridCol w="510169">
                   <a:extLst>
                     <a:ext uri="{9D8B030D-6E8A-4147-A177-3AD203B41FA5}">
-                      <a16:colId xmlns="" xmlns:a16="http://schemas.microsoft.com/office/drawing/2014/main" val="20007"/>
+                      <a16:colId xmlns:a16="http://schemas.microsoft.com/office/drawing/2014/main" xmlns="" val="20007"/>
                     </a:ext>
                   </a:extLst>
                 </a:gridCol>
                 <a:gridCol w="510169">
                   <a:extLst>
                     <a:ext uri="{9D8B030D-6E8A-4147-A177-3AD203B41FA5}">
-                      <a16:colId xmlns="" xmlns:a16="http://schemas.microsoft.com/office/drawing/2014/main" val="20008"/>
+                      <a16:colId xmlns:a16="http://schemas.microsoft.com/office/drawing/2014/main" xmlns="" val="20008"/>
                     </a:ext>
                   </a:extLst>
                 </a:gridCol>
                 <a:gridCol w="510169">
                   <a:extLst>
                     <a:ext uri="{9D8B030D-6E8A-4147-A177-3AD203B41FA5}">
-                      <a16:colId xmlns="" xmlns:a16="http://schemas.microsoft.com/office/drawing/2014/main" val="3280403588"/>
+                      <a16:colId xmlns:a16="http://schemas.microsoft.com/office/drawing/2014/main" xmlns="" val="3280403588"/>
                     </a:ext>
                   </a:extLst>
                 </a:gridCol>
                 <a:gridCol w="510169">
                   <a:extLst>
                     <a:ext uri="{9D8B030D-6E8A-4147-A177-3AD203B41FA5}">
-                      <a16:colId xmlns="" xmlns:a16="http://schemas.microsoft.com/office/drawing/2014/main" val="3626256232"/>
+                      <a16:colId xmlns:a16="http://schemas.microsoft.com/office/drawing/2014/main" xmlns="" val="3626256232"/>
                     </a:ext>
                   </a:extLst>
                 </a:gridCol>
                 <a:gridCol w="510169">
                   <a:extLst>
                     <a:ext uri="{9D8B030D-6E8A-4147-A177-3AD203B41FA5}">
-                      <a16:colId xmlns="" xmlns:a16="http://schemas.microsoft.com/office/drawing/2014/main" val="1479022265"/>
+                      <a16:colId xmlns:a16="http://schemas.microsoft.com/office/drawing/2014/main" xmlns="" val="1479022265"/>
                     </a:ext>
                   </a:extLst>
                 </a:gridCol>
                 <a:gridCol w="510169">
                   <a:extLst>
                     <a:ext uri="{9D8B030D-6E8A-4147-A177-3AD203B41FA5}">
-                      <a16:colId xmlns="" xmlns:a16="http://schemas.microsoft.com/office/drawing/2014/main" val="29243554"/>
+                      <a16:colId xmlns:a16="http://schemas.microsoft.com/office/drawing/2014/main" xmlns="" val="29243554"/>
                     </a:ext>
                   </a:extLst>
                 </a:gridCol>
                 <a:gridCol w="510169">
                   <a:extLst>
                     <a:ext uri="{9D8B030D-6E8A-4147-A177-3AD203B41FA5}">
-                      <a16:colId xmlns="" xmlns:a16="http://schemas.microsoft.com/office/drawing/2014/main" val="1436252718"/>
+                      <a16:colId xmlns:a16="http://schemas.microsoft.com/office/drawing/2014/main" xmlns="" val="1436252718"/>
                     </a:ext>
                   </a:extLst>
                 </a:gridCol>
                 <a:gridCol w="510169">
                   <a:extLst>
                     <a:ext uri="{9D8B030D-6E8A-4147-A177-3AD203B41FA5}">
-                      <a16:colId xmlns="" xmlns:a16="http://schemas.microsoft.com/office/drawing/2014/main" val="20013"/>
+                      <a16:colId xmlns:a16="http://schemas.microsoft.com/office/drawing/2014/main" xmlns="" val="20013"/>
                     </a:ext>
                   </a:extLst>
                 </a:gridCol>
                 <a:gridCol w="510169">
                   <a:extLst>
                     <a:ext uri="{9D8B030D-6E8A-4147-A177-3AD203B41FA5}">
-                      <a16:colId xmlns="" xmlns:a16="http://schemas.microsoft.com/office/drawing/2014/main" val="2227699668"/>
+                      <a16:colId xmlns:a16="http://schemas.microsoft.com/office/drawing/2014/main" xmlns="" val="2227699668"/>
                     </a:ext>
                   </a:extLst>
                 </a:gridCol>
                 <a:gridCol w="510170">
                   <a:extLst>
                     <a:ext uri="{9D8B030D-6E8A-4147-A177-3AD203B41FA5}">
-                      <a16:colId xmlns="" xmlns:a16="http://schemas.microsoft.com/office/drawing/2014/main" val="3451906251"/>
+                      <a16:colId xmlns:a16="http://schemas.microsoft.com/office/drawing/2014/main" xmlns="" val="3451906251"/>
                     </a:ext>
                   </a:extLst>
                 </a:gridCol>
                 <a:gridCol w="510169">
                   <a:extLst>
                     <a:ext uri="{9D8B030D-6E8A-4147-A177-3AD203B41FA5}">
-                      <a16:colId xmlns="" xmlns:a16="http://schemas.microsoft.com/office/drawing/2014/main" val="660092051"/>
+                      <a16:colId xmlns:a16="http://schemas.microsoft.com/office/drawing/2014/main" xmlns="" val="660092051"/>
                     </a:ext>
                   </a:extLst>
                 </a:gridCol>
                 <a:gridCol w="510169">
                   <a:extLst>
                     <a:ext uri="{9D8B030D-6E8A-4147-A177-3AD203B41FA5}">
-                      <a16:colId xmlns="" xmlns:a16="http://schemas.microsoft.com/office/drawing/2014/main" val="2785807340"/>
+                      <a16:colId xmlns:a16="http://schemas.microsoft.com/office/drawing/2014/main" xmlns="" val="2785807340"/>
                     </a:ext>
                   </a:extLst>
                 </a:gridCol>
                 <a:gridCol w="510169">
                   <a:extLst>
                     <a:ext uri="{9D8B030D-6E8A-4147-A177-3AD203B41FA5}">
-                      <a16:colId xmlns="" xmlns:a16="http://schemas.microsoft.com/office/drawing/2014/main" val="20019"/>
+                      <a16:colId xmlns:a16="http://schemas.microsoft.com/office/drawing/2014/main" xmlns="" val="20019"/>
                     </a:ext>
                   </a:extLst>
                 </a:gridCol>
@@ -5713,7 +5713,7 @@
                 </a:tc>
                 <a:extLst>
                   <a:ext uri="{0D108BD9-81ED-4DB2-BD59-A6C34878D82A}">
-                    <a16:rowId xmlns="" xmlns:a16="http://schemas.microsoft.com/office/drawing/2014/main" val="4157930470"/>
+                    <a16:rowId xmlns:a16="http://schemas.microsoft.com/office/drawing/2014/main" xmlns="" val="4157930470"/>
                   </a:ext>
                 </a:extLst>
               </a:tr>
@@ -6212,7 +6212,7 @@
                 </a:tc>
                 <a:extLst>
                   <a:ext uri="{0D108BD9-81ED-4DB2-BD59-A6C34878D82A}">
-                    <a16:rowId xmlns="" xmlns:a16="http://schemas.microsoft.com/office/drawing/2014/main" val="10000"/>
+                    <a16:rowId xmlns:a16="http://schemas.microsoft.com/office/drawing/2014/main" xmlns="" val="10000"/>
                   </a:ext>
                 </a:extLst>
               </a:tr>
@@ -6614,7 +6614,7 @@
                 </a:tc>
                 <a:extLst>
                   <a:ext uri="{0D108BD9-81ED-4DB2-BD59-A6C34878D82A}">
-                    <a16:rowId xmlns="" xmlns:a16="http://schemas.microsoft.com/office/drawing/2014/main" val="10002"/>
+                    <a16:rowId xmlns:a16="http://schemas.microsoft.com/office/drawing/2014/main" xmlns="" val="10002"/>
                   </a:ext>
                 </a:extLst>
               </a:tr>
@@ -7207,7 +7207,7 @@
                 </a:tc>
                 <a:extLst>
                   <a:ext uri="{0D108BD9-81ED-4DB2-BD59-A6C34878D82A}">
-                    <a16:rowId xmlns="" xmlns:a16="http://schemas.microsoft.com/office/drawing/2014/main" val="3675162025"/>
+                    <a16:rowId xmlns:a16="http://schemas.microsoft.com/office/drawing/2014/main" xmlns="" val="3675162025"/>
                   </a:ext>
                 </a:extLst>
               </a:tr>
@@ -7832,7 +7832,7 @@
                 </a:tc>
                 <a:extLst>
                   <a:ext uri="{0D108BD9-81ED-4DB2-BD59-A6C34878D82A}">
-                    <a16:rowId xmlns="" xmlns:a16="http://schemas.microsoft.com/office/drawing/2014/main" val="3832608764"/>
+                    <a16:rowId xmlns:a16="http://schemas.microsoft.com/office/drawing/2014/main" xmlns="" val="3832608764"/>
                   </a:ext>
                 </a:extLst>
               </a:tr>
@@ -8347,7 +8347,7 @@
                 </a:tc>
                 <a:extLst>
                   <a:ext uri="{0D108BD9-81ED-4DB2-BD59-A6C34878D82A}">
-                    <a16:rowId xmlns="" xmlns:a16="http://schemas.microsoft.com/office/drawing/2014/main" val="2613742521"/>
+                    <a16:rowId xmlns:a16="http://schemas.microsoft.com/office/drawing/2014/main" xmlns="" val="2613742521"/>
                   </a:ext>
                 </a:extLst>
               </a:tr>
@@ -8862,7 +8862,7 @@
                 </a:tc>
                 <a:extLst>
                   <a:ext uri="{0D108BD9-81ED-4DB2-BD59-A6C34878D82A}">
-                    <a16:rowId xmlns="" xmlns:a16="http://schemas.microsoft.com/office/drawing/2014/main" val="1381442428"/>
+                    <a16:rowId xmlns:a16="http://schemas.microsoft.com/office/drawing/2014/main" xmlns="" val="1381442428"/>
                   </a:ext>
                 </a:extLst>
               </a:tr>
@@ -9456,7 +9456,7 @@
                 </a:tc>
                 <a:extLst>
                   <a:ext uri="{0D108BD9-81ED-4DB2-BD59-A6C34878D82A}">
-                    <a16:rowId xmlns="" xmlns:a16="http://schemas.microsoft.com/office/drawing/2014/main" val="4102929731"/>
+                    <a16:rowId xmlns:a16="http://schemas.microsoft.com/office/drawing/2014/main" xmlns="" val="4102929731"/>
                   </a:ext>
                 </a:extLst>
               </a:tr>
@@ -9984,7 +9984,7 @@
                 </a:tc>
                 <a:extLst>
                   <a:ext uri="{0D108BD9-81ED-4DB2-BD59-A6C34878D82A}">
-                    <a16:rowId xmlns="" xmlns:a16="http://schemas.microsoft.com/office/drawing/2014/main" val="2526977750"/>
+                    <a16:rowId xmlns:a16="http://schemas.microsoft.com/office/drawing/2014/main" xmlns="" val="2526977750"/>
                   </a:ext>
                 </a:extLst>
               </a:tr>
@@ -10540,7 +10540,7 @@
                 </a:tc>
                 <a:extLst>
                   <a:ext uri="{0D108BD9-81ED-4DB2-BD59-A6C34878D82A}">
-                    <a16:rowId xmlns="" xmlns:a16="http://schemas.microsoft.com/office/drawing/2014/main" val="10001"/>
+                    <a16:rowId xmlns:a16="http://schemas.microsoft.com/office/drawing/2014/main" xmlns="" val="10001"/>
                   </a:ext>
                 </a:extLst>
               </a:tr>
@@ -11094,7 +11094,7 @@
                 </a:tc>
                 <a:extLst>
                   <a:ext uri="{0D108BD9-81ED-4DB2-BD59-A6C34878D82A}">
-                    <a16:rowId xmlns="" xmlns:a16="http://schemas.microsoft.com/office/drawing/2014/main" val="10006"/>
+                    <a16:rowId xmlns:a16="http://schemas.microsoft.com/office/drawing/2014/main" xmlns="" val="10006"/>
                   </a:ext>
                 </a:extLst>
               </a:tr>
@@ -11648,7 +11648,7 @@
                 </a:tc>
                 <a:extLst>
                   <a:ext uri="{0D108BD9-81ED-4DB2-BD59-A6C34878D82A}">
-                    <a16:rowId xmlns="" xmlns:a16="http://schemas.microsoft.com/office/drawing/2014/main" val="10007"/>
+                    <a16:rowId xmlns:a16="http://schemas.microsoft.com/office/drawing/2014/main" xmlns="" val="10007"/>
                   </a:ext>
                 </a:extLst>
               </a:tr>
@@ -12202,7 +12202,7 @@
                 </a:tc>
                 <a:extLst>
                   <a:ext uri="{0D108BD9-81ED-4DB2-BD59-A6C34878D82A}">
-                    <a16:rowId xmlns="" xmlns:a16="http://schemas.microsoft.com/office/drawing/2014/main" val="10008"/>
+                    <a16:rowId xmlns:a16="http://schemas.microsoft.com/office/drawing/2014/main" xmlns="" val="10008"/>
                   </a:ext>
                 </a:extLst>
               </a:tr>
@@ -12758,7 +12758,7 @@
                 </a:tc>
                 <a:extLst>
                   <a:ext uri="{0D108BD9-81ED-4DB2-BD59-A6C34878D82A}">
-                    <a16:rowId xmlns="" xmlns:a16="http://schemas.microsoft.com/office/drawing/2014/main" val="10010"/>
+                    <a16:rowId xmlns:a16="http://schemas.microsoft.com/office/drawing/2014/main" xmlns="" val="10010"/>
                   </a:ext>
                 </a:extLst>
               </a:tr>
@@ -13309,7 +13309,7 @@
                 </a:tc>
                 <a:extLst>
                   <a:ext uri="{0D108BD9-81ED-4DB2-BD59-A6C34878D82A}">
-                    <a16:rowId xmlns="" xmlns:a16="http://schemas.microsoft.com/office/drawing/2014/main" val="1396562496"/>
+                    <a16:rowId xmlns:a16="http://schemas.microsoft.com/office/drawing/2014/main" xmlns="" val="1396562496"/>
                   </a:ext>
                 </a:extLst>
               </a:tr>
@@ -13896,140 +13896,140 @@
                 <a:gridCol w="901444">
                   <a:extLst>
                     <a:ext uri="{9D8B030D-6E8A-4147-A177-3AD203B41FA5}">
-                      <a16:colId xmlns="" xmlns:a16="http://schemas.microsoft.com/office/drawing/2014/main" val="20003"/>
+                      <a16:colId xmlns:a16="http://schemas.microsoft.com/office/drawing/2014/main" xmlns="" val="20003"/>
                     </a:ext>
                   </a:extLst>
                 </a:gridCol>
                 <a:gridCol w="501772">
                   <a:extLst>
                     <a:ext uri="{9D8B030D-6E8A-4147-A177-3AD203B41FA5}">
-                      <a16:colId xmlns="" xmlns:a16="http://schemas.microsoft.com/office/drawing/2014/main" val="20004"/>
+                      <a16:colId xmlns:a16="http://schemas.microsoft.com/office/drawing/2014/main" xmlns="" val="20004"/>
                     </a:ext>
                   </a:extLst>
                 </a:gridCol>
                 <a:gridCol w="501772">
                   <a:extLst>
                     <a:ext uri="{9D8B030D-6E8A-4147-A177-3AD203B41FA5}">
-                      <a16:colId xmlns="" xmlns:a16="http://schemas.microsoft.com/office/drawing/2014/main" val="20005"/>
+                      <a16:colId xmlns:a16="http://schemas.microsoft.com/office/drawing/2014/main" xmlns="" val="20005"/>
                     </a:ext>
                   </a:extLst>
                 </a:gridCol>
                 <a:gridCol w="501772">
                   <a:extLst>
                     <a:ext uri="{9D8B030D-6E8A-4147-A177-3AD203B41FA5}">
-                      <a16:colId xmlns="" xmlns:a16="http://schemas.microsoft.com/office/drawing/2014/main" val="20006"/>
+                      <a16:colId xmlns:a16="http://schemas.microsoft.com/office/drawing/2014/main" xmlns="" val="20006"/>
                     </a:ext>
                   </a:extLst>
                 </a:gridCol>
                 <a:gridCol w="501772">
                   <a:extLst>
                     <a:ext uri="{9D8B030D-6E8A-4147-A177-3AD203B41FA5}">
-                      <a16:colId xmlns="" xmlns:a16="http://schemas.microsoft.com/office/drawing/2014/main" val="3428608293"/>
+                      <a16:colId xmlns:a16="http://schemas.microsoft.com/office/drawing/2014/main" xmlns="" val="3428608293"/>
                     </a:ext>
                   </a:extLst>
                 </a:gridCol>
                 <a:gridCol w="501772">
                   <a:extLst>
                     <a:ext uri="{9D8B030D-6E8A-4147-A177-3AD203B41FA5}">
-                      <a16:colId xmlns="" xmlns:a16="http://schemas.microsoft.com/office/drawing/2014/main" val="2688910496"/>
+                      <a16:colId xmlns:a16="http://schemas.microsoft.com/office/drawing/2014/main" xmlns="" val="2688910496"/>
                     </a:ext>
                   </a:extLst>
                 </a:gridCol>
                 <a:gridCol w="501772">
                   <a:extLst>
                     <a:ext uri="{9D8B030D-6E8A-4147-A177-3AD203B41FA5}">
-                      <a16:colId xmlns="" xmlns:a16="http://schemas.microsoft.com/office/drawing/2014/main" val="3678966610"/>
+                      <a16:colId xmlns:a16="http://schemas.microsoft.com/office/drawing/2014/main" xmlns="" val="3678966610"/>
                     </a:ext>
                   </a:extLst>
                 </a:gridCol>
                 <a:gridCol w="501772">
                   <a:extLst>
                     <a:ext uri="{9D8B030D-6E8A-4147-A177-3AD203B41FA5}">
-                      <a16:colId xmlns="" xmlns:a16="http://schemas.microsoft.com/office/drawing/2014/main" val="20007"/>
+                      <a16:colId xmlns:a16="http://schemas.microsoft.com/office/drawing/2014/main" xmlns="" val="20007"/>
                     </a:ext>
                   </a:extLst>
                 </a:gridCol>
                 <a:gridCol w="501772">
                   <a:extLst>
                     <a:ext uri="{9D8B030D-6E8A-4147-A177-3AD203B41FA5}">
-                      <a16:colId xmlns="" xmlns:a16="http://schemas.microsoft.com/office/drawing/2014/main" val="20008"/>
+                      <a16:colId xmlns:a16="http://schemas.microsoft.com/office/drawing/2014/main" xmlns="" val="20008"/>
                     </a:ext>
                   </a:extLst>
                 </a:gridCol>
                 <a:gridCol w="501772">
                   <a:extLst>
                     <a:ext uri="{9D8B030D-6E8A-4147-A177-3AD203B41FA5}">
-                      <a16:colId xmlns="" xmlns:a16="http://schemas.microsoft.com/office/drawing/2014/main" val="3609824002"/>
+                      <a16:colId xmlns:a16="http://schemas.microsoft.com/office/drawing/2014/main" xmlns="" val="3609824002"/>
                     </a:ext>
                   </a:extLst>
                 </a:gridCol>
                 <a:gridCol w="501772">
                   <a:extLst>
                     <a:ext uri="{9D8B030D-6E8A-4147-A177-3AD203B41FA5}">
-                      <a16:colId xmlns="" xmlns:a16="http://schemas.microsoft.com/office/drawing/2014/main" val="1419103565"/>
+                      <a16:colId xmlns:a16="http://schemas.microsoft.com/office/drawing/2014/main" xmlns="" val="1419103565"/>
                     </a:ext>
                   </a:extLst>
                 </a:gridCol>
                 <a:gridCol w="501772">
                   <a:extLst>
                     <a:ext uri="{9D8B030D-6E8A-4147-A177-3AD203B41FA5}">
-                      <a16:colId xmlns="" xmlns:a16="http://schemas.microsoft.com/office/drawing/2014/main" val="2051610090"/>
+                      <a16:colId xmlns:a16="http://schemas.microsoft.com/office/drawing/2014/main" xmlns="" val="2051610090"/>
                     </a:ext>
                   </a:extLst>
                 </a:gridCol>
                 <a:gridCol w="501772">
                   <a:extLst>
                     <a:ext uri="{9D8B030D-6E8A-4147-A177-3AD203B41FA5}">
-                      <a16:colId xmlns="" xmlns:a16="http://schemas.microsoft.com/office/drawing/2014/main" val="29243554"/>
+                      <a16:colId xmlns:a16="http://schemas.microsoft.com/office/drawing/2014/main" xmlns="" val="29243554"/>
                     </a:ext>
                   </a:extLst>
                 </a:gridCol>
                 <a:gridCol w="501772">
                   <a:extLst>
                     <a:ext uri="{9D8B030D-6E8A-4147-A177-3AD203B41FA5}">
-                      <a16:colId xmlns="" xmlns:a16="http://schemas.microsoft.com/office/drawing/2014/main" val="1436252718"/>
+                      <a16:colId xmlns:a16="http://schemas.microsoft.com/office/drawing/2014/main" xmlns="" val="1436252718"/>
                     </a:ext>
                   </a:extLst>
                 </a:gridCol>
                 <a:gridCol w="501772">
                   <a:extLst>
                     <a:ext uri="{9D8B030D-6E8A-4147-A177-3AD203B41FA5}">
-                      <a16:colId xmlns="" xmlns:a16="http://schemas.microsoft.com/office/drawing/2014/main" val="963690119"/>
+                      <a16:colId xmlns:a16="http://schemas.microsoft.com/office/drawing/2014/main" xmlns="" val="963690119"/>
                     </a:ext>
                   </a:extLst>
                 </a:gridCol>
                 <a:gridCol w="501772">
                   <a:extLst>
                     <a:ext uri="{9D8B030D-6E8A-4147-A177-3AD203B41FA5}">
-                      <a16:colId xmlns="" xmlns:a16="http://schemas.microsoft.com/office/drawing/2014/main" val="2227699668"/>
+                      <a16:colId xmlns:a16="http://schemas.microsoft.com/office/drawing/2014/main" xmlns="" val="2227699668"/>
                     </a:ext>
                   </a:extLst>
                 </a:gridCol>
                 <a:gridCol w="501772">
                   <a:extLst>
                     <a:ext uri="{9D8B030D-6E8A-4147-A177-3AD203B41FA5}">
-                      <a16:colId xmlns="" xmlns:a16="http://schemas.microsoft.com/office/drawing/2014/main" val="1987638318"/>
+                      <a16:colId xmlns:a16="http://schemas.microsoft.com/office/drawing/2014/main" xmlns="" val="1987638318"/>
                     </a:ext>
                   </a:extLst>
                 </a:gridCol>
                 <a:gridCol w="501772">
                   <a:extLst>
                     <a:ext uri="{9D8B030D-6E8A-4147-A177-3AD203B41FA5}">
-                      <a16:colId xmlns="" xmlns:a16="http://schemas.microsoft.com/office/drawing/2014/main" val="1636838614"/>
+                      <a16:colId xmlns:a16="http://schemas.microsoft.com/office/drawing/2014/main" xmlns="" val="1636838614"/>
                     </a:ext>
                   </a:extLst>
                 </a:gridCol>
                 <a:gridCol w="501772">
                   <a:extLst>
                     <a:ext uri="{9D8B030D-6E8A-4147-A177-3AD203B41FA5}">
-                      <a16:colId xmlns="" xmlns:a16="http://schemas.microsoft.com/office/drawing/2014/main" val="1332406281"/>
+                      <a16:colId xmlns:a16="http://schemas.microsoft.com/office/drawing/2014/main" xmlns="" val="1332406281"/>
                     </a:ext>
                   </a:extLst>
                 </a:gridCol>
                 <a:gridCol w="501772">
                   <a:extLst>
                     <a:ext uri="{9D8B030D-6E8A-4147-A177-3AD203B41FA5}">
-                      <a16:colId xmlns="" xmlns:a16="http://schemas.microsoft.com/office/drawing/2014/main" val="20019"/>
+                      <a16:colId xmlns:a16="http://schemas.microsoft.com/office/drawing/2014/main" xmlns="" val="20019"/>
                     </a:ext>
                   </a:extLst>
                 </a:gridCol>
@@ -14296,7 +14296,7 @@
                 </a:tc>
                 <a:extLst>
                   <a:ext uri="{0D108BD9-81ED-4DB2-BD59-A6C34878D82A}">
-                    <a16:rowId xmlns="" xmlns:a16="http://schemas.microsoft.com/office/drawing/2014/main" val="4157930470"/>
+                    <a16:rowId xmlns:a16="http://schemas.microsoft.com/office/drawing/2014/main" xmlns="" val="4157930470"/>
                   </a:ext>
                 </a:extLst>
               </a:tr>
@@ -14829,7 +14829,7 @@
                 </a:tc>
                 <a:extLst>
                   <a:ext uri="{0D108BD9-81ED-4DB2-BD59-A6C34878D82A}">
-                    <a16:rowId xmlns="" xmlns:a16="http://schemas.microsoft.com/office/drawing/2014/main" val="10000"/>
+                    <a16:rowId xmlns:a16="http://schemas.microsoft.com/office/drawing/2014/main" xmlns="" val="10000"/>
                   </a:ext>
                 </a:extLst>
               </a:tr>
@@ -15131,7 +15131,7 @@
                 </a:tc>
                 <a:extLst>
                   <a:ext uri="{0D108BD9-81ED-4DB2-BD59-A6C34878D82A}">
-                    <a16:rowId xmlns="" xmlns:a16="http://schemas.microsoft.com/office/drawing/2014/main" val="10005"/>
+                    <a16:rowId xmlns:a16="http://schemas.microsoft.com/office/drawing/2014/main" xmlns="" val="10005"/>
                   </a:ext>
                 </a:extLst>
               </a:tr>
@@ -15668,7 +15668,7 @@
                 </a:tc>
                 <a:extLst>
                   <a:ext uri="{0D108BD9-81ED-4DB2-BD59-A6C34878D82A}">
-                    <a16:rowId xmlns="" xmlns:a16="http://schemas.microsoft.com/office/drawing/2014/main" val="10002"/>
+                    <a16:rowId xmlns:a16="http://schemas.microsoft.com/office/drawing/2014/main" xmlns="" val="10002"/>
                   </a:ext>
                 </a:extLst>
               </a:tr>
@@ -16205,7 +16205,7 @@
                 </a:tc>
                 <a:extLst>
                   <a:ext uri="{0D108BD9-81ED-4DB2-BD59-A6C34878D82A}">
-                    <a16:rowId xmlns="" xmlns:a16="http://schemas.microsoft.com/office/drawing/2014/main" val="10003"/>
+                    <a16:rowId xmlns:a16="http://schemas.microsoft.com/office/drawing/2014/main" xmlns="" val="10003"/>
                   </a:ext>
                 </a:extLst>
               </a:tr>
@@ -16742,7 +16742,7 @@
                 </a:tc>
                 <a:extLst>
                   <a:ext uri="{0D108BD9-81ED-4DB2-BD59-A6C34878D82A}">
-                    <a16:rowId xmlns="" xmlns:a16="http://schemas.microsoft.com/office/drawing/2014/main" val="10004"/>
+                    <a16:rowId xmlns:a16="http://schemas.microsoft.com/office/drawing/2014/main" xmlns="" val="10004"/>
                   </a:ext>
                 </a:extLst>
               </a:tr>
@@ -17279,7 +17279,7 @@
                 </a:tc>
                 <a:extLst>
                   <a:ext uri="{0D108BD9-81ED-4DB2-BD59-A6C34878D82A}">
-                    <a16:rowId xmlns="" xmlns:a16="http://schemas.microsoft.com/office/drawing/2014/main" val="10007"/>
+                    <a16:rowId xmlns:a16="http://schemas.microsoft.com/office/drawing/2014/main" xmlns="" val="10007"/>
                   </a:ext>
                 </a:extLst>
               </a:tr>
@@ -17816,7 +17816,7 @@
                 </a:tc>
                 <a:extLst>
                   <a:ext uri="{0D108BD9-81ED-4DB2-BD59-A6C34878D82A}">
-                    <a16:rowId xmlns="" xmlns:a16="http://schemas.microsoft.com/office/drawing/2014/main" val="10008"/>
+                    <a16:rowId xmlns:a16="http://schemas.microsoft.com/office/drawing/2014/main" xmlns="" val="10008"/>
                   </a:ext>
                 </a:extLst>
               </a:tr>
@@ -18353,7 +18353,7 @@
                 </a:tc>
                 <a:extLst>
                   <a:ext uri="{0D108BD9-81ED-4DB2-BD59-A6C34878D82A}">
-                    <a16:rowId xmlns="" xmlns:a16="http://schemas.microsoft.com/office/drawing/2014/main" val="10009"/>
+                    <a16:rowId xmlns:a16="http://schemas.microsoft.com/office/drawing/2014/main" xmlns="" val="10009"/>
                   </a:ext>
                 </a:extLst>
               </a:tr>
@@ -18900,7 +18900,7 @@
                 </a:tc>
                 <a:extLst>
                   <a:ext uri="{0D108BD9-81ED-4DB2-BD59-A6C34878D82A}">
-                    <a16:rowId xmlns="" xmlns:a16="http://schemas.microsoft.com/office/drawing/2014/main" val="2234251665"/>
+                    <a16:rowId xmlns:a16="http://schemas.microsoft.com/office/drawing/2014/main" xmlns="" val="2234251665"/>
                   </a:ext>
                 </a:extLst>
               </a:tr>
@@ -19426,7 +19426,7 @@
                 </a:tc>
                 <a:extLst>
                   <a:ext uri="{0D108BD9-81ED-4DB2-BD59-A6C34878D82A}">
-                    <a16:rowId xmlns="" xmlns:a16="http://schemas.microsoft.com/office/drawing/2014/main" val="2106796917"/>
+                    <a16:rowId xmlns:a16="http://schemas.microsoft.com/office/drawing/2014/main" xmlns="" val="2106796917"/>
                   </a:ext>
                 </a:extLst>
               </a:tr>
@@ -19968,7 +19968,7 @@
                 </a:tc>
                 <a:extLst>
                   <a:ext uri="{0D108BD9-81ED-4DB2-BD59-A6C34878D82A}">
-                    <a16:rowId xmlns="" xmlns:a16="http://schemas.microsoft.com/office/drawing/2014/main" val="3710798345"/>
+                    <a16:rowId xmlns:a16="http://schemas.microsoft.com/office/drawing/2014/main" xmlns="" val="3710798345"/>
                   </a:ext>
                 </a:extLst>
               </a:tr>
@@ -20494,7 +20494,7 @@
                 </a:tc>
                 <a:extLst>
                   <a:ext uri="{0D108BD9-81ED-4DB2-BD59-A6C34878D82A}">
-                    <a16:rowId xmlns="" xmlns:a16="http://schemas.microsoft.com/office/drawing/2014/main" val="2533665971"/>
+                    <a16:rowId xmlns:a16="http://schemas.microsoft.com/office/drawing/2014/main" xmlns="" val="2533665971"/>
                   </a:ext>
                 </a:extLst>
               </a:tr>
@@ -21004,7 +21004,7 @@
                 </a:tc>
                 <a:extLst>
                   <a:ext uri="{0D108BD9-81ED-4DB2-BD59-A6C34878D82A}">
-                    <a16:rowId xmlns="" xmlns:a16="http://schemas.microsoft.com/office/drawing/2014/main" val="10010"/>
+                    <a16:rowId xmlns:a16="http://schemas.microsoft.com/office/drawing/2014/main" xmlns="" val="10010"/>
                   </a:ext>
                 </a:extLst>
               </a:tr>
@@ -21818,7 +21818,7 @@
                 </a:tc>
                 <a:extLst>
                   <a:ext uri="{0D108BD9-81ED-4DB2-BD59-A6C34878D82A}">
-                    <a16:rowId xmlns="" xmlns:a16="http://schemas.microsoft.com/office/drawing/2014/main" val="2811962193"/>
+                    <a16:rowId xmlns:a16="http://schemas.microsoft.com/office/drawing/2014/main" xmlns="" val="2811962193"/>
                   </a:ext>
                 </a:extLst>
               </a:tr>
@@ -22395,14 +22395,14 @@
           <p:nvPr>
             <p:extLst>
               <p:ext uri="{D42A27DB-BD31-4B8C-83A1-F6EECF244321}">
-                <p14:modId xmlns:p14="http://schemas.microsoft.com/office/powerpoint/2010/main" val="3432189072"/>
+                <p14:modId xmlns:p14="http://schemas.microsoft.com/office/powerpoint/2010/main" val="2522856507"/>
               </p:ext>
             </p:extLst>
           </p:nvPr>
         </p:nvGraphicFramePr>
         <p:xfrm>
           <a:off x="1358595" y="1407331"/>
-          <a:ext cx="10432909" cy="2107195"/>
+          <a:ext cx="10432910" cy="2183593"/>
         </p:xfrm>
         <a:graphic>
           <a:graphicData uri="http://schemas.openxmlformats.org/drawingml/2006/table">
@@ -22411,132 +22411,134 @@
                 <a:tableStyleId>{00A15C55-8517-42AA-B614-E9B94910E393}</a:tableStyleId>
               </a:tblPr>
               <a:tblGrid>
-                <a:gridCol w="677230">
+                <a:gridCol w="610457">
                   <a:extLst>
                     <a:ext uri="{9D8B030D-6E8A-4147-A177-3AD203B41FA5}">
-                      <a16:colId xmlns="" xmlns:a16="http://schemas.microsoft.com/office/drawing/2014/main" val="20003"/>
+                      <a16:colId xmlns:a16="http://schemas.microsoft.com/office/drawing/2014/main" xmlns="" val="20003"/>
                     </a:ext>
                   </a:extLst>
                 </a:gridCol>
-                <a:gridCol w="589135">
+                <a:gridCol w="531047">
                   <a:extLst>
                     <a:ext uri="{9D8B030D-6E8A-4147-A177-3AD203B41FA5}">
-                      <a16:colId xmlns="" xmlns:a16="http://schemas.microsoft.com/office/drawing/2014/main" val="20004"/>
+                      <a16:colId xmlns:a16="http://schemas.microsoft.com/office/drawing/2014/main" xmlns="" val="20004"/>
                     </a:ext>
                   </a:extLst>
                 </a:gridCol>
-                <a:gridCol w="589135">
+                <a:gridCol w="531047">
                   <a:extLst>
                     <a:ext uri="{9D8B030D-6E8A-4147-A177-3AD203B41FA5}">
-                      <a16:colId xmlns="" xmlns:a16="http://schemas.microsoft.com/office/drawing/2014/main" val="3393601540"/>
+                      <a16:colId xmlns:a16="http://schemas.microsoft.com/office/drawing/2014/main" xmlns="" val="3393601540"/>
                     </a:ext>
                   </a:extLst>
                 </a:gridCol>
-                <a:gridCol w="589135">
+                <a:gridCol w="531047">
                   <a:extLst>
                     <a:ext uri="{9D8B030D-6E8A-4147-A177-3AD203B41FA5}">
-                      <a16:colId xmlns="" xmlns:a16="http://schemas.microsoft.com/office/drawing/2014/main" val="3679918837"/>
+                      <a16:colId xmlns:a16="http://schemas.microsoft.com/office/drawing/2014/main" xmlns="" val="3679918837"/>
                     </a:ext>
                   </a:extLst>
                 </a:gridCol>
-                <a:gridCol w="570591">
+                <a:gridCol w="514332">
                   <a:extLst>
                     <a:ext uri="{9D8B030D-6E8A-4147-A177-3AD203B41FA5}">
-                      <a16:colId xmlns="" xmlns:a16="http://schemas.microsoft.com/office/drawing/2014/main" val="2897207107"/>
+                      <a16:colId xmlns:a16="http://schemas.microsoft.com/office/drawing/2014/main" xmlns="" val="2897207107"/>
                     </a:ext>
                   </a:extLst>
                 </a:gridCol>
-                <a:gridCol w="570591">
+                <a:gridCol w="514332">
                   <a:extLst>
                     <a:ext uri="{9D8B030D-6E8A-4147-A177-3AD203B41FA5}">
-                      <a16:colId xmlns="" xmlns:a16="http://schemas.microsoft.com/office/drawing/2014/main" val="2482035779"/>
+                      <a16:colId xmlns:a16="http://schemas.microsoft.com/office/drawing/2014/main" xmlns="" val="2482035779"/>
                     </a:ext>
                   </a:extLst>
                 </a:gridCol>
-                <a:gridCol w="570591">
+                <a:gridCol w="514332">
                   <a:extLst>
                     <a:ext uri="{9D8B030D-6E8A-4147-A177-3AD203B41FA5}">
-                      <a16:colId xmlns="" xmlns:a16="http://schemas.microsoft.com/office/drawing/2014/main" val="3678108844"/>
+                      <a16:colId xmlns:a16="http://schemas.microsoft.com/office/drawing/2014/main" xmlns="" val="3678108844"/>
                     </a:ext>
                   </a:extLst>
                 </a:gridCol>
-                <a:gridCol w="570591">
+                <a:gridCol w="514332">
                   <a:extLst>
                     <a:ext uri="{9D8B030D-6E8A-4147-A177-3AD203B41FA5}">
-                      <a16:colId xmlns="" xmlns:a16="http://schemas.microsoft.com/office/drawing/2014/main" val="1513467911"/>
+                      <a16:colId xmlns:a16="http://schemas.microsoft.com/office/drawing/2014/main" xmlns="" val="1513467911"/>
                     </a:ext>
                   </a:extLst>
                 </a:gridCol>
-                <a:gridCol w="570591">
+                <a:gridCol w="514332">
                   <a:extLst>
                     <a:ext uri="{9D8B030D-6E8A-4147-A177-3AD203B41FA5}">
-                      <a16:colId xmlns="" xmlns:a16="http://schemas.microsoft.com/office/drawing/2014/main" val="20008"/>
+                      <a16:colId xmlns:a16="http://schemas.microsoft.com/office/drawing/2014/main" xmlns="" val="20008"/>
                     </a:ext>
                   </a:extLst>
                 </a:gridCol>
-                <a:gridCol w="570591">
+                <a:gridCol w="514332">
                   <a:extLst>
                     <a:ext uri="{9D8B030D-6E8A-4147-A177-3AD203B41FA5}">
-                      <a16:colId xmlns="" xmlns:a16="http://schemas.microsoft.com/office/drawing/2014/main" val="3474974294"/>
+                      <a16:colId xmlns:a16="http://schemas.microsoft.com/office/drawing/2014/main" xmlns="" val="3474974294"/>
                     </a:ext>
                   </a:extLst>
                 </a:gridCol>
-                <a:gridCol w="570591">
+                <a:gridCol w="514332">
                   <a:extLst>
                     <a:ext uri="{9D8B030D-6E8A-4147-A177-3AD203B41FA5}">
-                      <a16:colId xmlns="" xmlns:a16="http://schemas.microsoft.com/office/drawing/2014/main" val="2739021416"/>
+                      <a16:colId xmlns:a16="http://schemas.microsoft.com/office/drawing/2014/main" xmlns="" val="2739021416"/>
                     </a:ext>
                   </a:extLst>
                 </a:gridCol>
-                <a:gridCol w="570591">
+                <a:gridCol w="514332">
                   <a:extLst>
                     <a:ext uri="{9D8B030D-6E8A-4147-A177-3AD203B41FA5}">
-                      <a16:colId xmlns="" xmlns:a16="http://schemas.microsoft.com/office/drawing/2014/main" val="876172250"/>
+                      <a16:colId xmlns:a16="http://schemas.microsoft.com/office/drawing/2014/main" xmlns="" val="876172250"/>
                     </a:ext>
                   </a:extLst>
                 </a:gridCol>
-                <a:gridCol w="570591">
+                <a:gridCol w="514332">
                   <a:extLst>
                     <a:ext uri="{9D8B030D-6E8A-4147-A177-3AD203B41FA5}">
-                      <a16:colId xmlns="" xmlns:a16="http://schemas.microsoft.com/office/drawing/2014/main" val="20011"/>
+                      <a16:colId xmlns:a16="http://schemas.microsoft.com/office/drawing/2014/main" xmlns="" val="20011"/>
                     </a:ext>
                   </a:extLst>
                 </a:gridCol>
-                <a:gridCol w="570591">
+                <a:gridCol w="514332">
                   <a:extLst>
                     <a:ext uri="{9D8B030D-6E8A-4147-A177-3AD203B41FA5}">
-                      <a16:colId xmlns="" xmlns:a16="http://schemas.microsoft.com/office/drawing/2014/main" val="20012"/>
+                      <a16:colId xmlns:a16="http://schemas.microsoft.com/office/drawing/2014/main" xmlns="" val="20012"/>
                     </a:ext>
                   </a:extLst>
                 </a:gridCol>
-                <a:gridCol w="570591">
+                <a:gridCol w="514332">
                   <a:extLst>
                     <a:ext uri="{9D8B030D-6E8A-4147-A177-3AD203B41FA5}">
-                      <a16:colId xmlns="" xmlns:a16="http://schemas.microsoft.com/office/drawing/2014/main" val="20005"/>
+                      <a16:colId xmlns:a16="http://schemas.microsoft.com/office/drawing/2014/main" xmlns="" val="20005"/>
                     </a:ext>
                   </a:extLst>
                 </a:gridCol>
-                <a:gridCol w="570591">
+                <a:gridCol w="514332">
                   <a:extLst>
                     <a:ext uri="{9D8B030D-6E8A-4147-A177-3AD203B41FA5}">
-                      <a16:colId xmlns="" xmlns:a16="http://schemas.microsoft.com/office/drawing/2014/main" val="3644493182"/>
+                      <a16:colId xmlns:a16="http://schemas.microsoft.com/office/drawing/2014/main" xmlns="" val="3644493182"/>
                     </a:ext>
                   </a:extLst>
                 </a:gridCol>
-                <a:gridCol w="570591">
+                <a:gridCol w="514332">
                   <a:extLst>
                     <a:ext uri="{9D8B030D-6E8A-4147-A177-3AD203B41FA5}">
-                      <a16:colId xmlns="" xmlns:a16="http://schemas.microsoft.com/office/drawing/2014/main" val="20016"/>
+                      <a16:colId xmlns:a16="http://schemas.microsoft.com/office/drawing/2014/main" xmlns="" val="20016"/>
                     </a:ext>
                   </a:extLst>
                 </a:gridCol>
-                <a:gridCol w="570591">
+                <a:gridCol w="514332">
                   <a:extLst>
                     <a:ext uri="{9D8B030D-6E8A-4147-A177-3AD203B41FA5}">
-                      <a16:colId xmlns="" xmlns:a16="http://schemas.microsoft.com/office/drawing/2014/main" val="20017"/>
+                      <a16:colId xmlns:a16="http://schemas.microsoft.com/office/drawing/2014/main" xmlns="" val="20017"/>
                     </a:ext>
                   </a:extLst>
                 </a:gridCol>
+                <a:gridCol w="514332"/>
+                <a:gridCol w="514332"/>
               </a:tblGrid>
               <a:tr h="518623">
                 <a:tc>
@@ -22631,7 +22633,7 @@
                   </a:txBody>
                   <a:tcPr marL="17068" marR="17068" marT="0" marB="0" anchor="ctr"/>
                 </a:tc>
-                <a:tc gridSpan="12">
+                <a:tc gridSpan="14">
                   <a:txBody>
                     <a:bodyPr/>
                     <a:lstStyle/>
@@ -22774,9 +22776,37 @@
                   </a:txBody>
                   <a:tcPr marL="17068" marR="17068" marT="0" marB="0" anchor="ctr"/>
                 </a:tc>
+                <a:tc hMerge="1">
+                  <a:txBody>
+                    <a:bodyPr/>
+                    <a:lstStyle/>
+                    <a:p>
+                      <a:pPr algn="ctr"/>
+                      <a:endParaRPr lang="zh-TW" altLang="en-US" sz="1200" dirty="0">
+                        <a:latin typeface="微軟正黑體" panose="020B0604030504040204" pitchFamily="34" charset="-120"/>
+                        <a:ea typeface="微軟正黑體" panose="020B0604030504040204" pitchFamily="34" charset="-120"/>
+                      </a:endParaRPr>
+                    </a:p>
+                  </a:txBody>
+                  <a:tcPr marL="17068" marR="17068" marT="0" marB="0" anchor="ctr"/>
+                </a:tc>
+                <a:tc hMerge="1">
+                  <a:txBody>
+                    <a:bodyPr/>
+                    <a:lstStyle/>
+                    <a:p>
+                      <a:pPr algn="ctr"/>
+                      <a:endParaRPr lang="zh-TW" altLang="en-US" sz="1200" dirty="0">
+                        <a:latin typeface="微軟正黑體" panose="020B0604030504040204" pitchFamily="34" charset="-120"/>
+                        <a:ea typeface="微軟正黑體" panose="020B0604030504040204" pitchFamily="34" charset="-120"/>
+                      </a:endParaRPr>
+                    </a:p>
+                  </a:txBody>
+                  <a:tcPr marL="17068" marR="17068" marT="0" marB="0" anchor="ctr"/>
+                </a:tc>
                 <a:extLst>
                   <a:ext uri="{0D108BD9-81ED-4DB2-BD59-A6C34878D82A}">
-                    <a16:rowId xmlns="" xmlns:a16="http://schemas.microsoft.com/office/drawing/2014/main" val="4157930470"/>
+                    <a16:rowId xmlns:a16="http://schemas.microsoft.com/office/drawing/2014/main" xmlns="" val="4157930470"/>
                   </a:ext>
                 </a:extLst>
               </a:tr>
@@ -23343,102 +23373,6 @@
                   </a:txBody>
                   <a:tcPr marL="17068" marR="17068" marT="0" marB="0" anchor="ctr"/>
                 </a:tc>
-                <a:extLst>
-                  <a:ext uri="{0D108BD9-81ED-4DB2-BD59-A6C34878D82A}">
-                    <a16:rowId xmlns="" xmlns:a16="http://schemas.microsoft.com/office/drawing/2014/main" val="10000"/>
-                  </a:ext>
-                </a:extLst>
-              </a:tr>
-              <a:tr h="363941">
-                <a:tc>
-                  <a:txBody>
-                    <a:bodyPr/>
-                    <a:lstStyle/>
-                    <a:p>
-                      <a:pPr algn="ctr"/>
-                      <a:r>
-                        <a:rPr lang="zh-TW" altLang="en-US" sz="1200" dirty="0">
-                          <a:latin typeface="微軟正黑體" panose="020B0604030504040204" pitchFamily="34" charset="-120"/>
-                          <a:ea typeface="微軟正黑體" panose="020B0604030504040204" pitchFamily="34" charset="-120"/>
-                        </a:rPr>
-                        <a:t>台鐵局</a:t>
-                      </a:r>
-                      <a:endParaRPr lang="zh-TW" altLang="en-US" sz="1200" b="1" dirty="0">
-                        <a:latin typeface="微軟正黑體" panose="020B0604030504040204" pitchFamily="34" charset="-120"/>
-                        <a:ea typeface="微軟正黑體" panose="020B0604030504040204" pitchFamily="34" charset="-120"/>
-                      </a:endParaRPr>
-                    </a:p>
-                  </a:txBody>
-                  <a:tcPr marL="9525" marR="9525" marT="9525" marB="0" anchor="ctr"/>
-                </a:tc>
-                <a:tc>
-                  <a:txBody>
-                    <a:bodyPr/>
-                    <a:lstStyle/>
-                    <a:p>
-                      <a:pPr algn="ctr"/>
-                      <a:r>
-                        <a:rPr lang="en-US" altLang="zh-TW" sz="1200" kern="0" dirty="0">
-                          <a:solidFill>
-                            <a:schemeClr val="tx1"/>
-                          </a:solidFill>
-                        </a:rPr>
-                        <a:t>●</a:t>
-                      </a:r>
-                      <a:endParaRPr lang="zh-TW" altLang="en-US" sz="1200" dirty="0">
-                        <a:solidFill>
-                          <a:schemeClr val="tx1"/>
-                        </a:solidFill>
-                        <a:latin typeface="微軟正黑體" panose="020B0604030504040204" pitchFamily="34" charset="-120"/>
-                        <a:ea typeface="微軟正黑體" panose="020B0604030504040204" pitchFamily="34" charset="-120"/>
-                      </a:endParaRPr>
-                    </a:p>
-                  </a:txBody>
-                  <a:tcPr marL="9525" marR="9525" marT="9525" marB="0" anchor="ctr"/>
-                </a:tc>
-                <a:tc>
-                  <a:txBody>
-                    <a:bodyPr/>
-                    <a:lstStyle/>
-                    <a:p>
-                      <a:pPr algn="ctr"/>
-                      <a:r>
-                        <a:rPr lang="en-US" altLang="zh-TW" sz="1200" kern="0" dirty="0">
-                          <a:solidFill>
-                            <a:schemeClr val="tx1"/>
-                          </a:solidFill>
-                        </a:rPr>
-                        <a:t>●</a:t>
-                      </a:r>
-                      <a:endParaRPr lang="zh-TW" altLang="en-US" sz="1200" dirty="0">
-                        <a:solidFill>
-                          <a:schemeClr val="tx1"/>
-                        </a:solidFill>
-                        <a:latin typeface="微軟正黑體" panose="020B0604030504040204" pitchFamily="34" charset="-120"/>
-                        <a:ea typeface="微軟正黑體" panose="020B0604030504040204" pitchFamily="34" charset="-120"/>
-                      </a:endParaRPr>
-                    </a:p>
-                  </a:txBody>
-                  <a:tcPr marL="9525" marR="9525" marT="9525" marB="0" anchor="ctr"/>
-                </a:tc>
-                <a:tc>
-                  <a:txBody>
-                    <a:bodyPr/>
-                    <a:lstStyle/>
-                    <a:p>
-                      <a:pPr algn="ctr"/>
-                      <a:r>
-                        <a:rPr lang="zh-TW" altLang="en-US" sz="1200" dirty="0">
-                          <a:solidFill>
-                            <a:schemeClr val="tx1"/>
-                          </a:solidFill>
-                        </a:rPr>
-                        <a:t>─</a:t>
-                      </a:r>
-                    </a:p>
-                  </a:txBody>
-                  <a:tcPr marL="9525" marR="9525" marT="9525" marB="0" anchor="ctr"/>
-                </a:tc>
                 <a:tc>
                   <a:txBody>
                     <a:bodyPr/>
@@ -23462,23 +23396,19 @@
                         <a:defRPr/>
                       </a:pPr>
                       <a:r>
-                        <a:rPr lang="en-US" altLang="zh-TW" sz="1200" kern="0" dirty="0">
-                          <a:solidFill>
-                            <a:schemeClr val="tx1"/>
-                          </a:solidFill>
-                        </a:rPr>
-                        <a:t>●</a:t>
+                        <a:rPr lang="zh-TW" altLang="en-US" sz="1200" dirty="0" smtClean="0">
+                          <a:latin typeface="微軟正黑體" panose="020B0604030504040204" pitchFamily="34" charset="-120"/>
+                          <a:ea typeface="微軟正黑體" panose="020B0604030504040204" pitchFamily="34" charset="-120"/>
+                        </a:rPr>
+                        <a:t>營運業者</a:t>
                       </a:r>
                       <a:endParaRPr lang="zh-TW" altLang="en-US" sz="1200" dirty="0">
-                        <a:solidFill>
-                          <a:schemeClr val="tx1"/>
-                        </a:solidFill>
-                        <a:latin typeface="微軟正黑體" panose="020B0604030504040204" pitchFamily="34" charset="-120"/>
-                        <a:ea typeface="微軟正黑體" panose="020B0604030504040204" pitchFamily="34" charset="-120"/>
-                      </a:endParaRPr>
-                    </a:p>
-                  </a:txBody>
-                  <a:tcPr marL="9525" marR="9525" marT="9525" marB="0" anchor="ctr"/>
+                        <a:latin typeface="微軟正黑體" panose="020B0604030504040204" pitchFamily="34" charset="-120"/>
+                        <a:ea typeface="微軟正黑體" panose="020B0604030504040204" pitchFamily="34" charset="-120"/>
+                      </a:endParaRPr>
+                    </a:p>
+                  </a:txBody>
+                  <a:tcPr marL="17068" marR="17068" marT="0" marB="0" anchor="ctr"/>
                 </a:tc>
                 <a:tc>
                   <a:txBody>
@@ -23503,6 +23433,55 @@
                         <a:defRPr/>
                       </a:pPr>
                       <a:r>
+                        <a:rPr lang="zh-TW" altLang="en-US" sz="1200" dirty="0" smtClean="0">
+                          <a:latin typeface="微軟正黑體" panose="020B0604030504040204" pitchFamily="34" charset="-120"/>
+                          <a:ea typeface="微軟正黑體" panose="020B0604030504040204" pitchFamily="34" charset="-120"/>
+                        </a:rPr>
+                        <a:t>路線網路拓撲</a:t>
+                      </a:r>
+                      <a:endParaRPr lang="zh-TW" altLang="en-US" sz="1200" dirty="0">
+                        <a:latin typeface="微軟正黑體" panose="020B0604030504040204" pitchFamily="34" charset="-120"/>
+                        <a:ea typeface="微軟正黑體" panose="020B0604030504040204" pitchFamily="34" charset="-120"/>
+                      </a:endParaRPr>
+                    </a:p>
+                  </a:txBody>
+                  <a:tcPr marL="17068" marR="17068" marT="0" marB="0" anchor="ctr"/>
+                </a:tc>
+                <a:extLst>
+                  <a:ext uri="{0D108BD9-81ED-4DB2-BD59-A6C34878D82A}">
+                    <a16:rowId xmlns:a16="http://schemas.microsoft.com/office/drawing/2014/main" xmlns="" val="10000"/>
+                  </a:ext>
+                </a:extLst>
+              </a:tr>
+              <a:tr h="363941">
+                <a:tc>
+                  <a:txBody>
+                    <a:bodyPr/>
+                    <a:lstStyle/>
+                    <a:p>
+                      <a:pPr algn="ctr"/>
+                      <a:r>
+                        <a:rPr lang="zh-TW" altLang="en-US" sz="1200" dirty="0">
+                          <a:latin typeface="微軟正黑體" panose="020B0604030504040204" pitchFamily="34" charset="-120"/>
+                          <a:ea typeface="微軟正黑體" panose="020B0604030504040204" pitchFamily="34" charset="-120"/>
+                        </a:rPr>
+                        <a:t>台鐵局</a:t>
+                      </a:r>
+                      <a:endParaRPr lang="zh-TW" altLang="en-US" sz="1200" b="1" dirty="0">
+                        <a:latin typeface="微軟正黑體" panose="020B0604030504040204" pitchFamily="34" charset="-120"/>
+                        <a:ea typeface="微軟正黑體" panose="020B0604030504040204" pitchFamily="34" charset="-120"/>
+                      </a:endParaRPr>
+                    </a:p>
+                  </a:txBody>
+                  <a:tcPr marL="9525" marR="9525" marT="9525" marB="0" anchor="ctr"/>
+                </a:tc>
+                <a:tc>
+                  <a:txBody>
+                    <a:bodyPr/>
+                    <a:lstStyle/>
+                    <a:p>
+                      <a:pPr algn="ctr"/>
+                      <a:r>
                         <a:rPr lang="en-US" altLang="zh-TW" sz="1200" kern="0" dirty="0">
                           <a:solidFill>
                             <a:schemeClr val="tx1"/>
@@ -23553,20 +23532,13 @@
                     <a:p>
                       <a:pPr algn="ctr"/>
                       <a:r>
-                        <a:rPr lang="en-US" altLang="zh-TW" sz="1200" kern="0" dirty="0">
-                          <a:solidFill>
-                            <a:schemeClr val="tx1"/>
-                          </a:solidFill>
-                        </a:rPr>
-                        <a:t>●</a:t>
-                      </a:r>
-                      <a:endParaRPr lang="zh-TW" altLang="en-US" sz="1200" dirty="0">
-                        <a:solidFill>
-                          <a:schemeClr val="tx1"/>
-                        </a:solidFill>
-                        <a:latin typeface="微軟正黑體" panose="020B0604030504040204" pitchFamily="34" charset="-120"/>
-                        <a:ea typeface="微軟正黑體" panose="020B0604030504040204" pitchFamily="34" charset="-120"/>
-                      </a:endParaRPr>
+                        <a:rPr lang="zh-TW" altLang="en-US" sz="1200" dirty="0">
+                          <a:solidFill>
+                            <a:schemeClr val="tx1"/>
+                          </a:solidFill>
+                        </a:rPr>
+                        <a:t>─</a:t>
+                      </a:r>
                     </a:p>
                   </a:txBody>
                   <a:tcPr marL="9525" marR="9525" marT="9525" marB="0" anchor="ctr"/>
@@ -23617,118 +23589,7 @@
                     <a:bodyPr/>
                     <a:lstStyle/>
                     <a:p>
-                      <a:pPr algn="ctr"/>
-                      <a:r>
-                        <a:rPr lang="en-US" altLang="zh-TW" sz="1200" kern="0" dirty="0">
-                          <a:solidFill>
-                            <a:schemeClr val="tx1"/>
-                          </a:solidFill>
-                        </a:rPr>
-                        <a:t>●</a:t>
-                      </a:r>
-                      <a:endParaRPr lang="zh-TW" altLang="en-US" sz="1200" dirty="0">
-                        <a:solidFill>
-                          <a:schemeClr val="tx1"/>
-                        </a:solidFill>
-                        <a:latin typeface="微軟正黑體" panose="020B0604030504040204" pitchFamily="34" charset="-120"/>
-                        <a:ea typeface="微軟正黑體" panose="020B0604030504040204" pitchFamily="34" charset="-120"/>
-                      </a:endParaRPr>
-                    </a:p>
-                  </a:txBody>
-                  <a:tcPr marL="9525" marR="9525" marT="9525" marB="0" anchor="ctr"/>
-                </a:tc>
-                <a:tc>
-                  <a:txBody>
-                    <a:bodyPr/>
-                    <a:lstStyle/>
-                    <a:p>
-                      <a:pPr algn="ctr"/>
-                      <a:r>
-                        <a:rPr lang="en-US" altLang="zh-TW" sz="1200" kern="0" dirty="0">
-                          <a:solidFill>
-                            <a:schemeClr val="tx1"/>
-                          </a:solidFill>
-                        </a:rPr>
-                        <a:t>●</a:t>
-                      </a:r>
-                      <a:endParaRPr lang="zh-TW" altLang="en-US" sz="1200" dirty="0">
-                        <a:solidFill>
-                          <a:schemeClr val="tx1"/>
-                        </a:solidFill>
-                        <a:latin typeface="微軟正黑體" panose="020B0604030504040204" pitchFamily="34" charset="-120"/>
-                        <a:ea typeface="微軟正黑體" panose="020B0604030504040204" pitchFamily="34" charset="-120"/>
-                      </a:endParaRPr>
-                    </a:p>
-                  </a:txBody>
-                  <a:tcPr marL="9525" marR="9525" marT="9525" marB="0" anchor="ctr"/>
-                </a:tc>
-                <a:tc>
-                  <a:txBody>
-                    <a:bodyPr/>
-                    <a:lstStyle/>
-                    <a:p>
-                      <a:pPr algn="ctr"/>
-                      <a:r>
-                        <a:rPr lang="en-US" altLang="zh-TW" sz="1200" b="0" kern="0" dirty="0">
-                          <a:solidFill>
-                            <a:schemeClr val="tx1"/>
-                          </a:solidFill>
-                        </a:rPr>
-                        <a:t>●</a:t>
-                      </a:r>
-                      <a:endParaRPr lang="zh-TW" altLang="en-US" sz="1200" b="0" dirty="0">
-                        <a:solidFill>
-                          <a:schemeClr val="tx1"/>
-                        </a:solidFill>
-                        <a:latin typeface="微軟正黑體" panose="020B0604030504040204" pitchFamily="34" charset="-120"/>
-                        <a:ea typeface="微軟正黑體" panose="020B0604030504040204" pitchFamily="34" charset="-120"/>
-                      </a:endParaRPr>
-                    </a:p>
-                  </a:txBody>
-                  <a:tcPr marL="9525" marR="9525" marT="9525" marB="0" anchor="ctr"/>
-                </a:tc>
-                <a:tc>
-                  <a:txBody>
-                    <a:bodyPr/>
-                    <a:lstStyle/>
-                    <a:p>
-                      <a:pPr algn="ctr"/>
-                      <a:r>
-                        <a:rPr lang="en-US" altLang="zh-TW" sz="1200" kern="0" dirty="0">
-                          <a:solidFill>
-                            <a:schemeClr val="tx1"/>
-                          </a:solidFill>
-                        </a:rPr>
-                        <a:t>●</a:t>
-                      </a:r>
-                      <a:endParaRPr lang="zh-TW" altLang="en-US" sz="1200" dirty="0">
-                        <a:solidFill>
-                          <a:schemeClr val="tx1"/>
-                        </a:solidFill>
-                        <a:latin typeface="微軟正黑體" panose="020B0604030504040204" pitchFamily="34" charset="-120"/>
-                        <a:ea typeface="微軟正黑體" panose="020B0604030504040204" pitchFamily="34" charset="-120"/>
-                      </a:endParaRPr>
-                    </a:p>
-                  </a:txBody>
-                  <a:tcPr marL="9525" marR="9525" marT="9525" marB="0" anchor="ctr"/>
-                </a:tc>
-                <a:tc>
-                  <a:txBody>
-                    <a:bodyPr/>
-                    <a:lstStyle/>
-                    <a:p>
-                      <a:pPr algn="ctr"/>
-                      <a:r>
-                        <a:rPr lang="en-US" altLang="zh-TW" sz="1200" kern="0" dirty="0">
-                          <a:solidFill>
-                            <a:schemeClr val="tx1"/>
-                          </a:solidFill>
-                        </a:rPr>
-                        <a:t>●</a:t>
-                      </a:r>
-                    </a:p>
-                    <a:p>
-                      <a:pPr marL="0" marR="0" indent="0" algn="ctr" defTabSz="914400" rtl="0" eaLnBrk="1" fontAlgn="auto" latinLnBrk="0" hangingPunct="1">
+                      <a:pPr marL="0" marR="0" lvl="0" indent="0" algn="ctr" defTabSz="914400" rtl="0" eaLnBrk="1" fontAlgn="auto" latinLnBrk="0" hangingPunct="1">
                         <a:lnSpc>
                           <a:spcPct val="100000"/>
                         </a:lnSpc>
@@ -23751,47 +23612,6 @@
                             <a:schemeClr val="tx1"/>
                           </a:solidFill>
                         </a:rPr>
-                        <a:t>(60</a:t>
-                      </a:r>
-                      <a:r>
-                        <a:rPr lang="zh-TW" altLang="en-US" sz="1200" kern="0" dirty="0">
-                          <a:solidFill>
-                            <a:schemeClr val="tx1"/>
-                          </a:solidFill>
-                        </a:rPr>
-                        <a:t>天</a:t>
-                      </a:r>
-                      <a:r>
-                        <a:rPr lang="en-US" altLang="zh-TW" sz="1200" kern="0" dirty="0">
-                          <a:solidFill>
-                            <a:schemeClr val="tx1"/>
-                          </a:solidFill>
-                        </a:rPr>
-                        <a:t>)</a:t>
-                      </a:r>
-                      <a:endParaRPr lang="zh-TW" altLang="en-US" sz="1200" dirty="0">
-                        <a:solidFill>
-                          <a:schemeClr val="tx1"/>
-                        </a:solidFill>
-                        <a:latin typeface="微軟正黑體" panose="020B0604030504040204" pitchFamily="34" charset="-120"/>
-                        <a:ea typeface="微軟正黑體" panose="020B0604030504040204" pitchFamily="34" charset="-120"/>
-                      </a:endParaRPr>
-                    </a:p>
-                  </a:txBody>
-                  <a:tcPr marL="9525" marR="9525" marT="9525" marB="0" anchor="ctr"/>
-                </a:tc>
-                <a:tc>
-                  <a:txBody>
-                    <a:bodyPr/>
-                    <a:lstStyle/>
-                    <a:p>
-                      <a:pPr algn="ctr"/>
-                      <a:r>
-                        <a:rPr lang="en-US" altLang="zh-TW" sz="1200" kern="0" dirty="0">
-                          <a:solidFill>
-                            <a:schemeClr val="tx1"/>
-                          </a:solidFill>
-                        </a:rPr>
                         <a:t>●</a:t>
                       </a:r>
                       <a:endParaRPr lang="zh-TW" altLang="en-US" sz="1200" dirty="0">
@@ -23896,47 +23716,19 @@
                   </a:txBody>
                   <a:tcPr marL="9525" marR="9525" marT="9525" marB="0" anchor="ctr"/>
                 </a:tc>
-                <a:extLst>
-                  <a:ext uri="{0D108BD9-81ED-4DB2-BD59-A6C34878D82A}">
-                    <a16:rowId xmlns="" xmlns:a16="http://schemas.microsoft.com/office/drawing/2014/main" val="10002"/>
-                  </a:ext>
-                </a:extLst>
-              </a:tr>
-              <a:tr h="363941">
-                <a:tc>
-                  <a:txBody>
-                    <a:bodyPr/>
-                    <a:lstStyle/>
-                    <a:p>
-                      <a:pPr algn="ctr"/>
-                      <a:r>
-                        <a:rPr lang="zh-TW" altLang="en-US" sz="1200" dirty="0">
-                          <a:latin typeface="微軟正黑體" panose="020B0604030504040204" pitchFamily="34" charset="-120"/>
-                          <a:ea typeface="微軟正黑體" panose="020B0604030504040204" pitchFamily="34" charset="-120"/>
-                        </a:rPr>
-                        <a:t>高鐵公司</a:t>
-                      </a:r>
-                      <a:endParaRPr lang="zh-TW" altLang="en-US" sz="1200" b="1" dirty="0">
-                        <a:latin typeface="微軟正黑體" panose="020B0604030504040204" pitchFamily="34" charset="-120"/>
-                        <a:ea typeface="微軟正黑體" panose="020B0604030504040204" pitchFamily="34" charset="-120"/>
-                      </a:endParaRPr>
-                    </a:p>
-                  </a:txBody>
-                  <a:tcPr marL="9525" marR="9525" marT="9525" marB="0" anchor="ctr"/>
-                </a:tc>
-                <a:tc>
-                  <a:txBody>
-                    <a:bodyPr/>
-                    <a:lstStyle/>
-                    <a:p>
-                      <a:pPr algn="ctr"/>
-                      <a:r>
-                        <a:rPr lang="zh-TW" altLang="en-US" sz="1200" kern="0" dirty="0">
-                          <a:solidFill>
-                            <a:schemeClr val="tx1"/>
-                          </a:solidFill>
-                        </a:rPr>
-                        <a:t>○</a:t>
+                <a:tc>
+                  <a:txBody>
+                    <a:bodyPr/>
+                    <a:lstStyle/>
+                    <a:p>
+                      <a:pPr algn="ctr"/>
+                      <a:r>
+                        <a:rPr lang="en-US" altLang="zh-TW" sz="1200" kern="0" dirty="0">
+                          <a:solidFill>
+                            <a:schemeClr val="tx1"/>
+                          </a:solidFill>
+                        </a:rPr>
+                        <a:t>●</a:t>
                       </a:r>
                       <a:endParaRPr lang="zh-TW" altLang="en-US" sz="1200" dirty="0">
                         <a:solidFill>
@@ -23956,24 +23748,6 @@
                     <a:p>
                       <a:pPr algn="ctr"/>
                       <a:r>
-                        <a:rPr lang="zh-TW" altLang="en-US" sz="1200" dirty="0">
-                          <a:solidFill>
-                            <a:schemeClr val="tx1"/>
-                          </a:solidFill>
-                        </a:rPr>
-                        <a:t>─</a:t>
-                      </a:r>
-                    </a:p>
-                  </a:txBody>
-                  <a:tcPr marL="9525" marR="9525" marT="9525" marB="0" anchor="ctr"/>
-                </a:tc>
-                <a:tc>
-                  <a:txBody>
-                    <a:bodyPr/>
-                    <a:lstStyle/>
-                    <a:p>
-                      <a:pPr algn="ctr"/>
-                      <a:r>
                         <a:rPr lang="en-US" altLang="zh-TW" sz="1200" kern="0" dirty="0">
                           <a:solidFill>
                             <a:schemeClr val="tx1"/>
@@ -23999,6 +23773,31 @@
                     <a:p>
                       <a:pPr algn="ctr"/>
                       <a:r>
+                        <a:rPr lang="en-US" altLang="zh-TW" sz="1200" b="0" kern="0" dirty="0">
+                          <a:solidFill>
+                            <a:schemeClr val="tx1"/>
+                          </a:solidFill>
+                        </a:rPr>
+                        <a:t>●</a:t>
+                      </a:r>
+                      <a:endParaRPr lang="zh-TW" altLang="en-US" sz="1200" b="0" dirty="0">
+                        <a:solidFill>
+                          <a:schemeClr val="tx1"/>
+                        </a:solidFill>
+                        <a:latin typeface="微軟正黑體" panose="020B0604030504040204" pitchFamily="34" charset="-120"/>
+                        <a:ea typeface="微軟正黑體" panose="020B0604030504040204" pitchFamily="34" charset="-120"/>
+                      </a:endParaRPr>
+                    </a:p>
+                  </a:txBody>
+                  <a:tcPr marL="9525" marR="9525" marT="9525" marB="0" anchor="ctr"/>
+                </a:tc>
+                <a:tc>
+                  <a:txBody>
+                    <a:bodyPr/>
+                    <a:lstStyle/>
+                    <a:p>
+                      <a:pPr algn="ctr"/>
+                      <a:r>
                         <a:rPr lang="en-US" altLang="zh-TW" sz="1200" kern="0" dirty="0">
                           <a:solidFill>
                             <a:schemeClr val="tx1"/>
@@ -24031,66 +23830,9 @@
                         </a:rPr>
                         <a:t>●</a:t>
                       </a:r>
-                      <a:endParaRPr lang="zh-TW" altLang="en-US" sz="1200" dirty="0">
-                        <a:solidFill>
-                          <a:schemeClr val="tx1"/>
-                        </a:solidFill>
-                        <a:latin typeface="微軟正黑體" panose="020B0604030504040204" pitchFamily="34" charset="-120"/>
-                        <a:ea typeface="微軟正黑體" panose="020B0604030504040204" pitchFamily="34" charset="-120"/>
-                      </a:endParaRPr>
-                    </a:p>
-                  </a:txBody>
-                  <a:tcPr marL="9525" marR="9525" marT="9525" marB="0" anchor="ctr"/>
-                </a:tc>
-                <a:tc>
-                  <a:txBody>
-                    <a:bodyPr/>
-                    <a:lstStyle/>
-                    <a:p>
-                      <a:pPr algn="ctr"/>
-                      <a:r>
-                        <a:rPr lang="zh-TW" altLang="en-US" sz="1200" dirty="0">
-                          <a:solidFill>
-                            <a:schemeClr val="tx1"/>
-                          </a:solidFill>
-                        </a:rPr>
-                        <a:t>─</a:t>
-                      </a:r>
-                    </a:p>
-                  </a:txBody>
-                  <a:tcPr marL="9525" marR="9525" marT="9525" marB="0" anchor="ctr"/>
-                </a:tc>
-                <a:tc>
-                  <a:txBody>
-                    <a:bodyPr/>
-                    <a:lstStyle/>
-                    <a:p>
-                      <a:pPr algn="ctr"/>
-                      <a:r>
-                        <a:rPr lang="en-US" altLang="zh-TW" sz="1200" kern="0" dirty="0">
-                          <a:solidFill>
-                            <a:schemeClr val="tx1"/>
-                          </a:solidFill>
-                        </a:rPr>
-                        <a:t>●</a:t>
-                      </a:r>
-                      <a:endParaRPr lang="zh-TW" altLang="en-US" sz="1200" dirty="0">
-                        <a:solidFill>
-                          <a:schemeClr val="tx1"/>
-                        </a:solidFill>
-                        <a:latin typeface="微軟正黑體" panose="020B0604030504040204" pitchFamily="34" charset="-120"/>
-                        <a:ea typeface="微軟正黑體" panose="020B0604030504040204" pitchFamily="34" charset="-120"/>
-                      </a:endParaRPr>
-                    </a:p>
-                  </a:txBody>
-                  <a:tcPr marL="9525" marR="9525" marT="9525" marB="0" anchor="ctr"/>
-                </a:tc>
-                <a:tc>
-                  <a:txBody>
-                    <a:bodyPr/>
-                    <a:lstStyle/>
-                    <a:p>
-                      <a:pPr marL="0" marR="0" lvl="0" indent="0" algn="ctr" defTabSz="914400" rtl="0" eaLnBrk="1" fontAlgn="auto" latinLnBrk="0" hangingPunct="1">
+                    </a:p>
+                    <a:p>
+                      <a:pPr marL="0" marR="0" indent="0" algn="ctr" defTabSz="914400" rtl="0" eaLnBrk="1" fontAlgn="auto" latinLnBrk="0" hangingPunct="1">
                         <a:lnSpc>
                           <a:spcPct val="100000"/>
                         </a:lnSpc>
@@ -24108,12 +23850,28 @@
                         <a:defRPr/>
                       </a:pPr>
                       <a:r>
+                        <a:rPr lang="en-US" altLang="zh-TW" sz="1200" kern="0" dirty="0">
+                          <a:solidFill>
+                            <a:schemeClr val="tx1"/>
+                          </a:solidFill>
+                        </a:rPr>
+                        <a:t>(60</a:t>
+                      </a:r>
+                      <a:r>
                         <a:rPr lang="zh-TW" altLang="en-US" sz="1200" kern="0" dirty="0">
                           <a:solidFill>
                             <a:schemeClr val="tx1"/>
                           </a:solidFill>
                         </a:rPr>
-                        <a:t>○</a:t>
+                        <a:t>天</a:t>
+                      </a:r>
+                      <a:r>
+                        <a:rPr lang="en-US" altLang="zh-TW" sz="1200" kern="0" dirty="0">
+                          <a:solidFill>
+                            <a:schemeClr val="tx1"/>
+                          </a:solidFill>
+                        </a:rPr>
+                        <a:t>)</a:t>
                       </a:r>
                       <a:endParaRPr lang="zh-TW" altLang="en-US" sz="1200" dirty="0">
                         <a:solidFill>
@@ -24133,73 +23891,80 @@
                     <a:p>
                       <a:pPr algn="ctr"/>
                       <a:r>
-                        <a:rPr lang="zh-TW" altLang="en-US" sz="1200" dirty="0">
-                          <a:solidFill>
-                            <a:schemeClr val="tx1"/>
-                          </a:solidFill>
-                        </a:rPr>
-                        <a:t>─</a:t>
-                      </a:r>
-                    </a:p>
-                  </a:txBody>
-                  <a:tcPr marL="9525" marR="9525" marT="9525" marB="0" anchor="ctr"/>
-                </a:tc>
-                <a:tc>
-                  <a:txBody>
-                    <a:bodyPr/>
-                    <a:lstStyle/>
-                    <a:p>
-                      <a:pPr algn="ctr"/>
-                      <a:r>
-                        <a:rPr lang="en-US" altLang="zh-TW" sz="1200" b="0" kern="0" dirty="0">
-                          <a:solidFill>
-                            <a:schemeClr val="tx1"/>
-                          </a:solidFill>
-                        </a:rPr>
-                        <a:t>●</a:t>
-                      </a:r>
-                      <a:endParaRPr lang="zh-TW" altLang="en-US" sz="1200" b="0" dirty="0">
-                        <a:solidFill>
-                          <a:schemeClr val="tx1"/>
-                        </a:solidFill>
-                        <a:latin typeface="微軟正黑體" panose="020B0604030504040204" pitchFamily="34" charset="-120"/>
-                        <a:ea typeface="微軟正黑體" panose="020B0604030504040204" pitchFamily="34" charset="-120"/>
-                      </a:endParaRPr>
-                    </a:p>
-                  </a:txBody>
-                  <a:tcPr marL="9525" marR="9525" marT="9525" marB="0" anchor="ctr"/>
-                </a:tc>
-                <a:tc>
-                  <a:txBody>
-                    <a:bodyPr/>
-                    <a:lstStyle/>
-                    <a:p>
-                      <a:pPr algn="ctr"/>
-                      <a:r>
-                        <a:rPr lang="en-US" altLang="zh-TW" sz="1200" b="0" kern="0" dirty="0">
-                          <a:solidFill>
-                            <a:schemeClr val="tx1"/>
-                          </a:solidFill>
-                        </a:rPr>
-                        <a:t>●</a:t>
-                      </a:r>
-                      <a:endParaRPr lang="zh-TW" altLang="en-US" sz="1200" b="0" dirty="0">
-                        <a:solidFill>
-                          <a:schemeClr val="tx1"/>
-                        </a:solidFill>
-                        <a:latin typeface="微軟正黑體" panose="020B0604030504040204" pitchFamily="34" charset="-120"/>
-                        <a:ea typeface="微軟正黑體" panose="020B0604030504040204" pitchFamily="34" charset="-120"/>
-                      </a:endParaRPr>
-                    </a:p>
-                  </a:txBody>
-                  <a:tcPr marL="9525" marR="9525" marT="9525" marB="0" anchor="ctr"/>
-                </a:tc>
-                <a:tc>
-                  <a:txBody>
-                    <a:bodyPr/>
-                    <a:lstStyle/>
-                    <a:p>
-                      <a:pPr marL="0" marR="0" indent="0" algn="ctr" defTabSz="914400" rtl="0" eaLnBrk="1" fontAlgn="auto" latinLnBrk="0" hangingPunct="1">
+                        <a:rPr lang="en-US" altLang="zh-TW" sz="1200" kern="0" dirty="0">
+                          <a:solidFill>
+                            <a:schemeClr val="tx1"/>
+                          </a:solidFill>
+                        </a:rPr>
+                        <a:t>●</a:t>
+                      </a:r>
+                      <a:endParaRPr lang="zh-TW" altLang="en-US" sz="1200" dirty="0">
+                        <a:solidFill>
+                          <a:schemeClr val="tx1"/>
+                        </a:solidFill>
+                        <a:latin typeface="微軟正黑體" panose="020B0604030504040204" pitchFamily="34" charset="-120"/>
+                        <a:ea typeface="微軟正黑體" panose="020B0604030504040204" pitchFamily="34" charset="-120"/>
+                      </a:endParaRPr>
+                    </a:p>
+                  </a:txBody>
+                  <a:tcPr marL="9525" marR="9525" marT="9525" marB="0" anchor="ctr"/>
+                </a:tc>
+                <a:tc>
+                  <a:txBody>
+                    <a:bodyPr/>
+                    <a:lstStyle/>
+                    <a:p>
+                      <a:pPr algn="ctr"/>
+                      <a:r>
+                        <a:rPr lang="en-US" altLang="zh-TW" sz="1200" kern="0" dirty="0">
+                          <a:solidFill>
+                            <a:schemeClr val="tx1"/>
+                          </a:solidFill>
+                        </a:rPr>
+                        <a:t>●</a:t>
+                      </a:r>
+                      <a:endParaRPr lang="zh-TW" altLang="en-US" sz="1200" dirty="0">
+                        <a:solidFill>
+                          <a:schemeClr val="tx1"/>
+                        </a:solidFill>
+                        <a:latin typeface="微軟正黑體" panose="020B0604030504040204" pitchFamily="34" charset="-120"/>
+                        <a:ea typeface="微軟正黑體" panose="020B0604030504040204" pitchFamily="34" charset="-120"/>
+                      </a:endParaRPr>
+                    </a:p>
+                  </a:txBody>
+                  <a:tcPr marL="9525" marR="9525" marT="9525" marB="0" anchor="ctr"/>
+                </a:tc>
+                <a:tc>
+                  <a:txBody>
+                    <a:bodyPr/>
+                    <a:lstStyle/>
+                    <a:p>
+                      <a:pPr algn="ctr"/>
+                      <a:r>
+                        <a:rPr lang="en-US" altLang="zh-TW" sz="1200" kern="0" dirty="0">
+                          <a:solidFill>
+                            <a:schemeClr val="tx1"/>
+                          </a:solidFill>
+                        </a:rPr>
+                        <a:t>●</a:t>
+                      </a:r>
+                      <a:endParaRPr lang="zh-TW" altLang="en-US" sz="1200" dirty="0">
+                        <a:solidFill>
+                          <a:schemeClr val="tx1"/>
+                        </a:solidFill>
+                        <a:latin typeface="微軟正黑體" panose="020B0604030504040204" pitchFamily="34" charset="-120"/>
+                        <a:ea typeface="微軟正黑體" panose="020B0604030504040204" pitchFamily="34" charset="-120"/>
+                      </a:endParaRPr>
+                    </a:p>
+                  </a:txBody>
+                  <a:tcPr marL="9525" marR="9525" marT="9525" marB="0" anchor="ctr"/>
+                </a:tc>
+                <a:tc>
+                  <a:txBody>
+                    <a:bodyPr/>
+                    <a:lstStyle/>
+                    <a:p>
+                      <a:pPr marL="0" marR="0" lvl="0" indent="0" algn="ctr" defTabSz="914400" rtl="0" eaLnBrk="1" fontAlgn="auto" latinLnBrk="0" hangingPunct="1">
                         <a:lnSpc>
                           <a:spcPct val="100000"/>
                         </a:lnSpc>
@@ -24217,12 +23982,12 @@
                         <a:defRPr/>
                       </a:pPr>
                       <a:r>
-                        <a:rPr lang="zh-TW" altLang="en-US" sz="1200" kern="0" dirty="0">
-                          <a:solidFill>
-                            <a:schemeClr val="tx1"/>
-                          </a:solidFill>
-                        </a:rPr>
-                        <a:t>○</a:t>
+                        <a:rPr lang="en-US" altLang="zh-TW" sz="1200" kern="0" dirty="0">
+                          <a:solidFill>
+                            <a:schemeClr val="tx1"/>
+                          </a:solidFill>
+                        </a:rPr>
+                        <a:t>●</a:t>
                       </a:r>
                       <a:endParaRPr lang="zh-TW" altLang="en-US" sz="1200" dirty="0">
                         <a:solidFill>
@@ -24240,18 +24005,7 @@
                     <a:bodyPr/>
                     <a:lstStyle/>
                     <a:p>
-                      <a:pPr algn="ctr"/>
-                      <a:r>
-                        <a:rPr lang="en-US" altLang="zh-TW" sz="1200" kern="0" dirty="0">
-                          <a:solidFill>
-                            <a:schemeClr val="tx1"/>
-                          </a:solidFill>
-                        </a:rPr>
-                        <a:t>●</a:t>
-                      </a:r>
-                    </a:p>
-                    <a:p>
-                      <a:pPr marL="0" marR="0" indent="0" algn="ctr" defTabSz="914400" rtl="0" eaLnBrk="1" fontAlgn="auto" latinLnBrk="0" hangingPunct="1">
+                      <a:pPr marL="0" marR="0" lvl="0" indent="0" algn="ctr" defTabSz="914400" rtl="0" eaLnBrk="1" fontAlgn="auto" latinLnBrk="0" hangingPunct="1">
                         <a:lnSpc>
                           <a:spcPct val="100000"/>
                         </a:lnSpc>
@@ -24269,28 +24023,12 @@
                         <a:defRPr/>
                       </a:pPr>
                       <a:r>
-                        <a:rPr lang="en-US" altLang="zh-TW" sz="1200" kern="0" dirty="0">
-                          <a:solidFill>
-                            <a:schemeClr val="tx1"/>
-                          </a:solidFill>
-                        </a:rPr>
-                        <a:t>(28</a:t>
-                      </a:r>
-                      <a:r>
-                        <a:rPr lang="zh-TW" altLang="en-US" sz="1200" kern="0" dirty="0">
-                          <a:solidFill>
-                            <a:schemeClr val="tx1"/>
-                          </a:solidFill>
-                        </a:rPr>
-                        <a:t>天</a:t>
-                      </a:r>
-                      <a:r>
-                        <a:rPr lang="en-US" altLang="zh-TW" sz="1200" kern="0" dirty="0">
-                          <a:solidFill>
-                            <a:schemeClr val="tx1"/>
-                          </a:solidFill>
-                        </a:rPr>
-                        <a:t>)</a:t>
+                        <a:rPr lang="en-US" altLang="zh-TW" sz="1200" kern="0" dirty="0" smtClean="0">
+                          <a:solidFill>
+                            <a:schemeClr val="tx1"/>
+                          </a:solidFill>
+                        </a:rPr>
+                        <a:t>●</a:t>
                       </a:r>
                       <a:endParaRPr lang="zh-TW" altLang="en-US" sz="1200" dirty="0">
                         <a:solidFill>
@@ -24326,6 +24064,102 @@
                         <a:defRPr/>
                       </a:pPr>
                       <a:r>
+                        <a:rPr lang="en-US" altLang="zh-TW" sz="1200" kern="0" dirty="0" smtClean="0">
+                          <a:solidFill>
+                            <a:schemeClr val="tx1"/>
+                          </a:solidFill>
+                        </a:rPr>
+                        <a:t>●</a:t>
+                      </a:r>
+                      <a:endParaRPr lang="zh-TW" altLang="en-US" sz="1200" dirty="0">
+                        <a:solidFill>
+                          <a:schemeClr val="tx1"/>
+                        </a:solidFill>
+                        <a:latin typeface="微軟正黑體" panose="020B0604030504040204" pitchFamily="34" charset="-120"/>
+                        <a:ea typeface="微軟正黑體" panose="020B0604030504040204" pitchFamily="34" charset="-120"/>
+                      </a:endParaRPr>
+                    </a:p>
+                  </a:txBody>
+                  <a:tcPr marL="9525" marR="9525" marT="9525" marB="0" anchor="ctr"/>
+                </a:tc>
+                <a:extLst>
+                  <a:ext uri="{0D108BD9-81ED-4DB2-BD59-A6C34878D82A}">
+                    <a16:rowId xmlns:a16="http://schemas.microsoft.com/office/drawing/2014/main" xmlns="" val="10002"/>
+                  </a:ext>
+                </a:extLst>
+              </a:tr>
+              <a:tr h="363941">
+                <a:tc>
+                  <a:txBody>
+                    <a:bodyPr/>
+                    <a:lstStyle/>
+                    <a:p>
+                      <a:pPr algn="ctr"/>
+                      <a:r>
+                        <a:rPr lang="zh-TW" altLang="en-US" sz="1200" dirty="0">
+                          <a:latin typeface="微軟正黑體" panose="020B0604030504040204" pitchFamily="34" charset="-120"/>
+                          <a:ea typeface="微軟正黑體" panose="020B0604030504040204" pitchFamily="34" charset="-120"/>
+                        </a:rPr>
+                        <a:t>高鐵公司</a:t>
+                      </a:r>
+                      <a:endParaRPr lang="zh-TW" altLang="en-US" sz="1200" b="1" dirty="0">
+                        <a:latin typeface="微軟正黑體" panose="020B0604030504040204" pitchFamily="34" charset="-120"/>
+                        <a:ea typeface="微軟正黑體" panose="020B0604030504040204" pitchFamily="34" charset="-120"/>
+                      </a:endParaRPr>
+                    </a:p>
+                  </a:txBody>
+                  <a:tcPr marL="9525" marR="9525" marT="9525" marB="0" anchor="ctr"/>
+                </a:tc>
+                <a:tc>
+                  <a:txBody>
+                    <a:bodyPr/>
+                    <a:lstStyle/>
+                    <a:p>
+                      <a:pPr algn="ctr"/>
+                      <a:r>
+                        <a:rPr lang="zh-TW" altLang="en-US" sz="1200" kern="0" dirty="0">
+                          <a:solidFill>
+                            <a:schemeClr val="tx1"/>
+                          </a:solidFill>
+                        </a:rPr>
+                        <a:t>○</a:t>
+                      </a:r>
+                      <a:endParaRPr lang="zh-TW" altLang="en-US" sz="1200" dirty="0">
+                        <a:solidFill>
+                          <a:schemeClr val="tx1"/>
+                        </a:solidFill>
+                        <a:latin typeface="微軟正黑體" panose="020B0604030504040204" pitchFamily="34" charset="-120"/>
+                        <a:ea typeface="微軟正黑體" panose="020B0604030504040204" pitchFamily="34" charset="-120"/>
+                      </a:endParaRPr>
+                    </a:p>
+                  </a:txBody>
+                  <a:tcPr marL="9525" marR="9525" marT="9525" marB="0" anchor="ctr"/>
+                </a:tc>
+                <a:tc>
+                  <a:txBody>
+                    <a:bodyPr/>
+                    <a:lstStyle/>
+                    <a:p>
+                      <a:pPr algn="ctr"/>
+                      <a:r>
+                        <a:rPr lang="zh-TW" altLang="en-US" sz="1200" dirty="0">
+                          <a:solidFill>
+                            <a:schemeClr val="tx1"/>
+                          </a:solidFill>
+                        </a:rPr>
+                        <a:t>─</a:t>
+                      </a:r>
+                    </a:p>
+                  </a:txBody>
+                  <a:tcPr marL="9525" marR="9525" marT="9525" marB="0" anchor="ctr"/>
+                </a:tc>
+                <a:tc>
+                  <a:txBody>
+                    <a:bodyPr/>
+                    <a:lstStyle/>
+                    <a:p>
+                      <a:pPr algn="ctr"/>
+                      <a:r>
                         <a:rPr lang="en-US" altLang="zh-TW" sz="1200" kern="0" dirty="0">
                           <a:solidFill>
                             <a:schemeClr val="tx1"/>
@@ -24376,14 +24210,57 @@
                     <a:p>
                       <a:pPr algn="ctr"/>
                       <a:r>
-                        <a:rPr lang="en-US" altLang="zh-TW" sz="1200" b="0" kern="0" dirty="0">
-                          <a:solidFill>
-                            <a:schemeClr val="tx1"/>
-                          </a:solidFill>
-                        </a:rPr>
-                        <a:t>●</a:t>
-                      </a:r>
-                      <a:endParaRPr lang="zh-TW" altLang="en-US" sz="1200" b="0" dirty="0">
+                        <a:rPr lang="en-US" altLang="zh-TW" sz="1200" kern="0" dirty="0">
+                          <a:solidFill>
+                            <a:schemeClr val="tx1"/>
+                          </a:solidFill>
+                        </a:rPr>
+                        <a:t>●</a:t>
+                      </a:r>
+                      <a:endParaRPr lang="zh-TW" altLang="en-US" sz="1200" dirty="0">
+                        <a:solidFill>
+                          <a:schemeClr val="tx1"/>
+                        </a:solidFill>
+                        <a:latin typeface="微軟正黑體" panose="020B0604030504040204" pitchFamily="34" charset="-120"/>
+                        <a:ea typeface="微軟正黑體" panose="020B0604030504040204" pitchFamily="34" charset="-120"/>
+                      </a:endParaRPr>
+                    </a:p>
+                  </a:txBody>
+                  <a:tcPr marL="9525" marR="9525" marT="9525" marB="0" anchor="ctr"/>
+                </a:tc>
+                <a:tc>
+                  <a:txBody>
+                    <a:bodyPr/>
+                    <a:lstStyle/>
+                    <a:p>
+                      <a:pPr algn="ctr"/>
+                      <a:r>
+                        <a:rPr lang="zh-TW" altLang="en-US" sz="1200" dirty="0">
+                          <a:solidFill>
+                            <a:schemeClr val="tx1"/>
+                          </a:solidFill>
+                        </a:rPr>
+                        <a:t>─</a:t>
+                      </a:r>
+                    </a:p>
+                  </a:txBody>
+                  <a:tcPr marL="9525" marR="9525" marT="9525" marB="0" anchor="ctr"/>
+                </a:tc>
+                <a:tc>
+                  <a:txBody>
+                    <a:bodyPr/>
+                    <a:lstStyle/>
+                    <a:p>
+                      <a:pPr algn="ctr"/>
+                      <a:r>
+                        <a:rPr lang="en-US" altLang="zh-TW" sz="1200" kern="0" dirty="0">
+                          <a:solidFill>
+                            <a:schemeClr val="tx1"/>
+                          </a:solidFill>
+                        </a:rPr>
+                        <a:t>●</a:t>
+                      </a:r>
+                      <a:endParaRPr lang="zh-TW" altLang="en-US" sz="1200" dirty="0">
                         <a:solidFill>
                           <a:schemeClr val="tx1"/>
                         </a:solidFill>
@@ -24417,6 +24294,31 @@
                         <a:defRPr/>
                       </a:pPr>
                       <a:r>
+                        <a:rPr lang="en-US" altLang="zh-TW" sz="1200" kern="0" dirty="0" smtClean="0">
+                          <a:solidFill>
+                            <a:schemeClr val="tx1"/>
+                          </a:solidFill>
+                        </a:rPr>
+                        <a:t>●</a:t>
+                      </a:r>
+                      <a:endParaRPr lang="zh-TW" altLang="en-US" sz="1200" dirty="0">
+                        <a:solidFill>
+                          <a:schemeClr val="tx1"/>
+                        </a:solidFill>
+                        <a:latin typeface="微軟正黑體" panose="020B0604030504040204" pitchFamily="34" charset="-120"/>
+                        <a:ea typeface="微軟正黑體" panose="020B0604030504040204" pitchFamily="34" charset="-120"/>
+                      </a:endParaRPr>
+                    </a:p>
+                  </a:txBody>
+                  <a:tcPr marL="9525" marR="9525" marT="9525" marB="0" anchor="ctr"/>
+                </a:tc>
+                <a:tc>
+                  <a:txBody>
+                    <a:bodyPr/>
+                    <a:lstStyle/>
+                    <a:p>
+                      <a:pPr algn="ctr"/>
+                      <a:r>
                         <a:rPr lang="zh-TW" altLang="en-US" sz="1200" dirty="0">
                           <a:solidFill>
                             <a:schemeClr val="tx1"/>
@@ -24424,13 +24326,375 @@
                         </a:rPr>
                         <a:t>─</a:t>
                       </a:r>
+                    </a:p>
+                  </a:txBody>
+                  <a:tcPr marL="9525" marR="9525" marT="9525" marB="0" anchor="ctr"/>
+                </a:tc>
+                <a:tc>
+                  <a:txBody>
+                    <a:bodyPr/>
+                    <a:lstStyle/>
+                    <a:p>
+                      <a:pPr algn="ctr"/>
+                      <a:r>
+                        <a:rPr lang="en-US" altLang="zh-TW" sz="1200" b="0" kern="0" dirty="0">
+                          <a:solidFill>
+                            <a:schemeClr val="tx1"/>
+                          </a:solidFill>
+                        </a:rPr>
+                        <a:t>●</a:t>
+                      </a:r>
+                      <a:endParaRPr lang="zh-TW" altLang="en-US" sz="1200" b="0" dirty="0">
+                        <a:solidFill>
+                          <a:schemeClr val="tx1"/>
+                        </a:solidFill>
+                        <a:latin typeface="微軟正黑體" panose="020B0604030504040204" pitchFamily="34" charset="-120"/>
+                        <a:ea typeface="微軟正黑體" panose="020B0604030504040204" pitchFamily="34" charset="-120"/>
+                      </a:endParaRPr>
+                    </a:p>
+                  </a:txBody>
+                  <a:tcPr marL="9525" marR="9525" marT="9525" marB="0" anchor="ctr"/>
+                </a:tc>
+                <a:tc>
+                  <a:txBody>
+                    <a:bodyPr/>
+                    <a:lstStyle/>
+                    <a:p>
+                      <a:pPr algn="ctr"/>
+                      <a:r>
+                        <a:rPr lang="en-US" altLang="zh-TW" sz="1200" b="0" kern="0" dirty="0">
+                          <a:solidFill>
+                            <a:schemeClr val="tx1"/>
+                          </a:solidFill>
+                        </a:rPr>
+                        <a:t>●</a:t>
+                      </a:r>
+                      <a:endParaRPr lang="zh-TW" altLang="en-US" sz="1200" b="0" dirty="0">
+                        <a:solidFill>
+                          <a:schemeClr val="tx1"/>
+                        </a:solidFill>
+                        <a:latin typeface="微軟正黑體" panose="020B0604030504040204" pitchFamily="34" charset="-120"/>
+                        <a:ea typeface="微軟正黑體" panose="020B0604030504040204" pitchFamily="34" charset="-120"/>
+                      </a:endParaRPr>
+                    </a:p>
+                  </a:txBody>
+                  <a:tcPr marL="9525" marR="9525" marT="9525" marB="0" anchor="ctr"/>
+                </a:tc>
+                <a:tc>
+                  <a:txBody>
+                    <a:bodyPr/>
+                    <a:lstStyle/>
+                    <a:p>
+                      <a:pPr marL="0" marR="0" indent="0" algn="ctr" defTabSz="914400" rtl="0" eaLnBrk="1" fontAlgn="auto" latinLnBrk="0" hangingPunct="1">
+                        <a:lnSpc>
+                          <a:spcPct val="100000"/>
+                        </a:lnSpc>
+                        <a:spcBef>
+                          <a:spcPts val="0"/>
+                        </a:spcBef>
+                        <a:spcAft>
+                          <a:spcPts val="0"/>
+                        </a:spcAft>
+                        <a:buClrTx/>
+                        <a:buSzTx/>
+                        <a:buFontTx/>
+                        <a:buNone/>
+                        <a:tabLst/>
+                        <a:defRPr/>
+                      </a:pPr>
+                      <a:r>
+                        <a:rPr lang="zh-TW" altLang="en-US" sz="1200" kern="0" dirty="0">
+                          <a:solidFill>
+                            <a:schemeClr val="tx1"/>
+                          </a:solidFill>
+                        </a:rPr>
+                        <a:t>○</a:t>
+                      </a:r>
+                      <a:endParaRPr lang="zh-TW" altLang="en-US" sz="1200" dirty="0">
+                        <a:solidFill>
+                          <a:schemeClr val="tx1"/>
+                        </a:solidFill>
+                        <a:latin typeface="微軟正黑體" panose="020B0604030504040204" pitchFamily="34" charset="-120"/>
+                        <a:ea typeface="微軟正黑體" panose="020B0604030504040204" pitchFamily="34" charset="-120"/>
+                      </a:endParaRPr>
+                    </a:p>
+                  </a:txBody>
+                  <a:tcPr marL="9525" marR="9525" marT="9525" marB="0" anchor="ctr"/>
+                </a:tc>
+                <a:tc>
+                  <a:txBody>
+                    <a:bodyPr/>
+                    <a:lstStyle/>
+                    <a:p>
+                      <a:pPr algn="ctr"/>
+                      <a:r>
+                        <a:rPr lang="en-US" altLang="zh-TW" sz="1200" kern="0" dirty="0">
+                          <a:solidFill>
+                            <a:schemeClr val="tx1"/>
+                          </a:solidFill>
+                        </a:rPr>
+                        <a:t>●</a:t>
+                      </a:r>
+                    </a:p>
+                    <a:p>
+                      <a:pPr marL="0" marR="0" indent="0" algn="ctr" defTabSz="914400" rtl="0" eaLnBrk="1" fontAlgn="auto" latinLnBrk="0" hangingPunct="1">
+                        <a:lnSpc>
+                          <a:spcPct val="100000"/>
+                        </a:lnSpc>
+                        <a:spcBef>
+                          <a:spcPts val="0"/>
+                        </a:spcBef>
+                        <a:spcAft>
+                          <a:spcPts val="0"/>
+                        </a:spcAft>
+                        <a:buClrTx/>
+                        <a:buSzTx/>
+                        <a:buFontTx/>
+                        <a:buNone/>
+                        <a:tabLst/>
+                        <a:defRPr/>
+                      </a:pPr>
+                      <a:r>
+                        <a:rPr lang="en-US" altLang="zh-TW" sz="1200" kern="0" dirty="0">
+                          <a:solidFill>
+                            <a:schemeClr val="tx1"/>
+                          </a:solidFill>
+                        </a:rPr>
+                        <a:t>(28</a:t>
+                      </a:r>
+                      <a:r>
+                        <a:rPr lang="zh-TW" altLang="en-US" sz="1200" kern="0" dirty="0">
+                          <a:solidFill>
+                            <a:schemeClr val="tx1"/>
+                          </a:solidFill>
+                        </a:rPr>
+                        <a:t>天</a:t>
+                      </a:r>
+                      <a:r>
+                        <a:rPr lang="en-US" altLang="zh-TW" sz="1200" kern="0" dirty="0">
+                          <a:solidFill>
+                            <a:schemeClr val="tx1"/>
+                          </a:solidFill>
+                        </a:rPr>
+                        <a:t>)</a:t>
+                      </a:r>
+                      <a:endParaRPr lang="zh-TW" altLang="en-US" sz="1200" dirty="0">
+                        <a:solidFill>
+                          <a:schemeClr val="tx1"/>
+                        </a:solidFill>
+                        <a:latin typeface="微軟正黑體" panose="020B0604030504040204" pitchFamily="34" charset="-120"/>
+                        <a:ea typeface="微軟正黑體" panose="020B0604030504040204" pitchFamily="34" charset="-120"/>
+                      </a:endParaRPr>
+                    </a:p>
+                  </a:txBody>
+                  <a:tcPr marL="9525" marR="9525" marT="9525" marB="0" anchor="ctr"/>
+                </a:tc>
+                <a:tc>
+                  <a:txBody>
+                    <a:bodyPr/>
+                    <a:lstStyle/>
+                    <a:p>
+                      <a:pPr marL="0" marR="0" lvl="0" indent="0" algn="ctr" defTabSz="914400" rtl="0" eaLnBrk="1" fontAlgn="auto" latinLnBrk="0" hangingPunct="1">
+                        <a:lnSpc>
+                          <a:spcPct val="100000"/>
+                        </a:lnSpc>
+                        <a:spcBef>
+                          <a:spcPts val="0"/>
+                        </a:spcBef>
+                        <a:spcAft>
+                          <a:spcPts val="0"/>
+                        </a:spcAft>
+                        <a:buClrTx/>
+                        <a:buSzTx/>
+                        <a:buFontTx/>
+                        <a:buNone/>
+                        <a:tabLst/>
+                        <a:defRPr/>
+                      </a:pPr>
+                      <a:r>
+                        <a:rPr lang="en-US" altLang="zh-TW" sz="1200" kern="0" dirty="0">
+                          <a:solidFill>
+                            <a:schemeClr val="tx1"/>
+                          </a:solidFill>
+                        </a:rPr>
+                        <a:t>●</a:t>
+                      </a:r>
+                      <a:endParaRPr lang="zh-TW" altLang="en-US" sz="1200" dirty="0">
+                        <a:solidFill>
+                          <a:schemeClr val="tx1"/>
+                        </a:solidFill>
+                        <a:latin typeface="微軟正黑體" panose="020B0604030504040204" pitchFamily="34" charset="-120"/>
+                        <a:ea typeface="微軟正黑體" panose="020B0604030504040204" pitchFamily="34" charset="-120"/>
+                      </a:endParaRPr>
+                    </a:p>
+                  </a:txBody>
+                  <a:tcPr marL="9525" marR="9525" marT="9525" marB="0" anchor="ctr"/>
+                </a:tc>
+                <a:tc>
+                  <a:txBody>
+                    <a:bodyPr/>
+                    <a:lstStyle/>
+                    <a:p>
+                      <a:pPr algn="ctr"/>
+                      <a:r>
+                        <a:rPr lang="en-US" altLang="zh-TW" sz="1200" kern="0" dirty="0">
+                          <a:solidFill>
+                            <a:schemeClr val="tx1"/>
+                          </a:solidFill>
+                        </a:rPr>
+                        <a:t>●</a:t>
+                      </a:r>
+                      <a:endParaRPr lang="zh-TW" altLang="en-US" sz="1200" dirty="0">
+                        <a:solidFill>
+                          <a:schemeClr val="tx1"/>
+                        </a:solidFill>
+                        <a:latin typeface="微軟正黑體" panose="020B0604030504040204" pitchFamily="34" charset="-120"/>
+                        <a:ea typeface="微軟正黑體" panose="020B0604030504040204" pitchFamily="34" charset="-120"/>
+                      </a:endParaRPr>
+                    </a:p>
+                  </a:txBody>
+                  <a:tcPr marL="9525" marR="9525" marT="9525" marB="0" anchor="ctr"/>
+                </a:tc>
+                <a:tc>
+                  <a:txBody>
+                    <a:bodyPr/>
+                    <a:lstStyle/>
+                    <a:p>
+                      <a:pPr algn="ctr"/>
+                      <a:r>
+                        <a:rPr lang="en-US" altLang="zh-TW" sz="1200" b="0" kern="0" dirty="0">
+                          <a:solidFill>
+                            <a:schemeClr val="tx1"/>
+                          </a:solidFill>
+                        </a:rPr>
+                        <a:t>●</a:t>
+                      </a:r>
+                      <a:endParaRPr lang="zh-TW" altLang="en-US" sz="1200" b="0" dirty="0">
+                        <a:solidFill>
+                          <a:schemeClr val="tx1"/>
+                        </a:solidFill>
+                        <a:latin typeface="微軟正黑體" panose="020B0604030504040204" pitchFamily="34" charset="-120"/>
+                        <a:ea typeface="微軟正黑體" panose="020B0604030504040204" pitchFamily="34" charset="-120"/>
+                      </a:endParaRPr>
+                    </a:p>
+                  </a:txBody>
+                  <a:tcPr marL="9525" marR="9525" marT="9525" marB="0" anchor="ctr"/>
+                </a:tc>
+                <a:tc>
+                  <a:txBody>
+                    <a:bodyPr/>
+                    <a:lstStyle/>
+                    <a:p>
+                      <a:pPr marL="0" marR="0" lvl="0" indent="0" algn="ctr" defTabSz="914400" rtl="0" eaLnBrk="1" fontAlgn="auto" latinLnBrk="0" hangingPunct="1">
+                        <a:lnSpc>
+                          <a:spcPct val="100000"/>
+                        </a:lnSpc>
+                        <a:spcBef>
+                          <a:spcPts val="0"/>
+                        </a:spcBef>
+                        <a:spcAft>
+                          <a:spcPts val="0"/>
+                        </a:spcAft>
+                        <a:buClrTx/>
+                        <a:buSzTx/>
+                        <a:buFontTx/>
+                        <a:buNone/>
+                        <a:tabLst/>
+                        <a:defRPr/>
+                      </a:pPr>
+                      <a:r>
+                        <a:rPr lang="zh-TW" altLang="en-US" sz="1200" dirty="0">
+                          <a:solidFill>
+                            <a:schemeClr val="tx1"/>
+                          </a:solidFill>
+                        </a:rPr>
+                        <a:t>─</a:t>
+                      </a:r>
+                    </a:p>
+                  </a:txBody>
+                  <a:tcPr marL="9525" marR="9525" marT="9525" marB="0" anchor="ctr"/>
+                </a:tc>
+                <a:tc>
+                  <a:txBody>
+                    <a:bodyPr/>
+                    <a:lstStyle/>
+                    <a:p>
+                      <a:pPr marL="0" marR="0" lvl="0" indent="0" algn="ctr" defTabSz="914400" rtl="0" eaLnBrk="1" fontAlgn="auto" latinLnBrk="0" hangingPunct="1">
+                        <a:lnSpc>
+                          <a:spcPct val="100000"/>
+                        </a:lnSpc>
+                        <a:spcBef>
+                          <a:spcPts val="0"/>
+                        </a:spcBef>
+                        <a:spcAft>
+                          <a:spcPts val="0"/>
+                        </a:spcAft>
+                        <a:buClrTx/>
+                        <a:buSzTx/>
+                        <a:buFontTx/>
+                        <a:buNone/>
+                        <a:tabLst/>
+                        <a:defRPr/>
+                      </a:pPr>
+                      <a:r>
+                        <a:rPr lang="zh-TW" altLang="en-US" sz="1200" kern="0" dirty="0" smtClean="0">
+                          <a:solidFill>
+                            <a:schemeClr val="tx1"/>
+                          </a:solidFill>
+                        </a:rPr>
+                        <a:t>○</a:t>
+                      </a:r>
+                      <a:endParaRPr lang="zh-TW" altLang="en-US" sz="1200" dirty="0">
+                        <a:solidFill>
+                          <a:schemeClr val="tx1"/>
+                        </a:solidFill>
+                      </a:endParaRPr>
+                    </a:p>
+                  </a:txBody>
+                  <a:tcPr marL="9525" marR="9525" marT="9525" marB="0" anchor="ctr"/>
+                </a:tc>
+                <a:tc>
+                  <a:txBody>
+                    <a:bodyPr/>
+                    <a:lstStyle/>
+                    <a:p>
+                      <a:pPr marL="0" marR="0" lvl="0" indent="0" algn="ctr" defTabSz="914400" rtl="0" eaLnBrk="1" fontAlgn="auto" latinLnBrk="0" hangingPunct="1">
+                        <a:lnSpc>
+                          <a:spcPct val="100000"/>
+                        </a:lnSpc>
+                        <a:spcBef>
+                          <a:spcPts val="0"/>
+                        </a:spcBef>
+                        <a:spcAft>
+                          <a:spcPts val="0"/>
+                        </a:spcAft>
+                        <a:buClrTx/>
+                        <a:buSzTx/>
+                        <a:buFontTx/>
+                        <a:buNone/>
+                        <a:tabLst/>
+                        <a:defRPr/>
+                      </a:pPr>
+                      <a:r>
+                        <a:rPr lang="zh-TW" altLang="en-US" sz="1200" kern="0" dirty="0" smtClean="0">
+                          <a:solidFill>
+                            <a:schemeClr val="tx1"/>
+                          </a:solidFill>
+                        </a:rPr>
+                        <a:t>○</a:t>
+                      </a:r>
+                      <a:endParaRPr lang="zh-TW" altLang="en-US" sz="1200" dirty="0">
+                        <a:solidFill>
+                          <a:schemeClr val="tx1"/>
+                        </a:solidFill>
+                      </a:endParaRPr>
                     </a:p>
                   </a:txBody>
                   <a:tcPr marL="9525" marR="9525" marT="9525" marB="0" anchor="ctr"/>
                 </a:tc>
                 <a:extLst>
                   <a:ext uri="{0D108BD9-81ED-4DB2-BD59-A6C34878D82A}">
-                    <a16:rowId xmlns="" xmlns:a16="http://schemas.microsoft.com/office/drawing/2014/main" val="10003"/>
+                    <a16:rowId xmlns:a16="http://schemas.microsoft.com/office/drawing/2014/main" xmlns="" val="10003"/>
                   </a:ext>
                 </a:extLst>
               </a:tr>
@@ -24447,13 +24711,13 @@
           <p:nvPr>
             <p:extLst>
               <p:ext uri="{D42A27DB-BD31-4B8C-83A1-F6EECF244321}">
-                <p14:modId xmlns:p14="http://schemas.microsoft.com/office/powerpoint/2010/main" val="3894859379"/>
+                <p14:modId xmlns:p14="http://schemas.microsoft.com/office/powerpoint/2010/main" val="344238001"/>
               </p:ext>
             </p:extLst>
           </p:nvPr>
         </p:nvGraphicFramePr>
         <p:xfrm>
-          <a:off x="1046533" y="3842526"/>
+          <a:off x="1046533" y="3932958"/>
           <a:ext cx="11057031" cy="2588832"/>
         </p:xfrm>
         <a:graphic>
@@ -24466,140 +24730,140 @@
                 <a:gridCol w="678743">
                   <a:extLst>
                     <a:ext uri="{9D8B030D-6E8A-4147-A177-3AD203B41FA5}">
-                      <a16:colId xmlns="" xmlns:a16="http://schemas.microsoft.com/office/drawing/2014/main" val="20003"/>
+                      <a16:colId xmlns:a16="http://schemas.microsoft.com/office/drawing/2014/main" xmlns="" val="20003"/>
                     </a:ext>
                   </a:extLst>
                 </a:gridCol>
                 <a:gridCol w="643923">
                   <a:extLst>
                     <a:ext uri="{9D8B030D-6E8A-4147-A177-3AD203B41FA5}">
-                      <a16:colId xmlns="" xmlns:a16="http://schemas.microsoft.com/office/drawing/2014/main" val="3950370602"/>
+                      <a16:colId xmlns:a16="http://schemas.microsoft.com/office/drawing/2014/main" xmlns="" val="3950370602"/>
                     </a:ext>
                   </a:extLst>
                 </a:gridCol>
                 <a:gridCol w="475651">
                   <a:extLst>
                     <a:ext uri="{9D8B030D-6E8A-4147-A177-3AD203B41FA5}">
-                      <a16:colId xmlns="" xmlns:a16="http://schemas.microsoft.com/office/drawing/2014/main" val="892499354"/>
+                      <a16:colId xmlns:a16="http://schemas.microsoft.com/office/drawing/2014/main" xmlns="" val="892499354"/>
                     </a:ext>
                   </a:extLst>
                 </a:gridCol>
                 <a:gridCol w="475651">
                   <a:extLst>
                     <a:ext uri="{9D8B030D-6E8A-4147-A177-3AD203B41FA5}">
-                      <a16:colId xmlns="" xmlns:a16="http://schemas.microsoft.com/office/drawing/2014/main" val="2890376269"/>
+                      <a16:colId xmlns:a16="http://schemas.microsoft.com/office/drawing/2014/main" xmlns="" val="2890376269"/>
                     </a:ext>
                   </a:extLst>
                 </a:gridCol>
                 <a:gridCol w="501602">
                   <a:extLst>
                     <a:ext uri="{9D8B030D-6E8A-4147-A177-3AD203B41FA5}">
-                      <a16:colId xmlns="" xmlns:a16="http://schemas.microsoft.com/office/drawing/2014/main" val="2351848522"/>
+                      <a16:colId xmlns:a16="http://schemas.microsoft.com/office/drawing/2014/main" xmlns="" val="2351848522"/>
                     </a:ext>
                   </a:extLst>
                 </a:gridCol>
                 <a:gridCol w="501602">
                   <a:extLst>
                     <a:ext uri="{9D8B030D-6E8A-4147-A177-3AD203B41FA5}">
-                      <a16:colId xmlns="" xmlns:a16="http://schemas.microsoft.com/office/drawing/2014/main" val="3951773805"/>
+                      <a16:colId xmlns:a16="http://schemas.microsoft.com/office/drawing/2014/main" xmlns="" val="3951773805"/>
                     </a:ext>
                   </a:extLst>
                 </a:gridCol>
                 <a:gridCol w="501602">
                   <a:extLst>
                     <a:ext uri="{9D8B030D-6E8A-4147-A177-3AD203B41FA5}">
-                      <a16:colId xmlns="" xmlns:a16="http://schemas.microsoft.com/office/drawing/2014/main" val="20005"/>
+                      <a16:colId xmlns:a16="http://schemas.microsoft.com/office/drawing/2014/main" xmlns="" val="20005"/>
                     </a:ext>
                   </a:extLst>
                 </a:gridCol>
                 <a:gridCol w="501602">
                   <a:extLst>
                     <a:ext uri="{9D8B030D-6E8A-4147-A177-3AD203B41FA5}">
-                      <a16:colId xmlns="" xmlns:a16="http://schemas.microsoft.com/office/drawing/2014/main" val="1658949460"/>
+                      <a16:colId xmlns:a16="http://schemas.microsoft.com/office/drawing/2014/main" xmlns="" val="1658949460"/>
                     </a:ext>
                   </a:extLst>
                 </a:gridCol>
                 <a:gridCol w="501602">
                   <a:extLst>
                     <a:ext uri="{9D8B030D-6E8A-4147-A177-3AD203B41FA5}">
-                      <a16:colId xmlns="" xmlns:a16="http://schemas.microsoft.com/office/drawing/2014/main" val="4009511739"/>
+                      <a16:colId xmlns:a16="http://schemas.microsoft.com/office/drawing/2014/main" xmlns="" val="4009511739"/>
                     </a:ext>
                   </a:extLst>
                 </a:gridCol>
                 <a:gridCol w="648032">
                   <a:extLst>
                     <a:ext uri="{9D8B030D-6E8A-4147-A177-3AD203B41FA5}">
-                      <a16:colId xmlns="" xmlns:a16="http://schemas.microsoft.com/office/drawing/2014/main" val="915448942"/>
+                      <a16:colId xmlns:a16="http://schemas.microsoft.com/office/drawing/2014/main" xmlns="" val="915448942"/>
                     </a:ext>
                   </a:extLst>
                 </a:gridCol>
                 <a:gridCol w="648032">
                   <a:extLst>
                     <a:ext uri="{9D8B030D-6E8A-4147-A177-3AD203B41FA5}">
-                      <a16:colId xmlns="" xmlns:a16="http://schemas.microsoft.com/office/drawing/2014/main" val="20004"/>
+                      <a16:colId xmlns:a16="http://schemas.microsoft.com/office/drawing/2014/main" xmlns="" val="20004"/>
                     </a:ext>
                   </a:extLst>
                 </a:gridCol>
                 <a:gridCol w="523461">
                   <a:extLst>
                     <a:ext uri="{9D8B030D-6E8A-4147-A177-3AD203B41FA5}">
-                      <a16:colId xmlns="" xmlns:a16="http://schemas.microsoft.com/office/drawing/2014/main" val="1735239135"/>
+                      <a16:colId xmlns:a16="http://schemas.microsoft.com/office/drawing/2014/main" xmlns="" val="1735239135"/>
                     </a:ext>
                   </a:extLst>
                 </a:gridCol>
                 <a:gridCol w="523461">
                   <a:extLst>
                     <a:ext uri="{9D8B030D-6E8A-4147-A177-3AD203B41FA5}">
-                      <a16:colId xmlns="" xmlns:a16="http://schemas.microsoft.com/office/drawing/2014/main" val="1012336583"/>
+                      <a16:colId xmlns:a16="http://schemas.microsoft.com/office/drawing/2014/main" xmlns="" val="1012336583"/>
                     </a:ext>
                   </a:extLst>
                 </a:gridCol>
                 <a:gridCol w="523461">
                   <a:extLst>
                     <a:ext uri="{9D8B030D-6E8A-4147-A177-3AD203B41FA5}">
-                      <a16:colId xmlns="" xmlns:a16="http://schemas.microsoft.com/office/drawing/2014/main" val="730367770"/>
+                      <a16:colId xmlns:a16="http://schemas.microsoft.com/office/drawing/2014/main" xmlns="" val="730367770"/>
                     </a:ext>
                   </a:extLst>
                 </a:gridCol>
                 <a:gridCol w="523461">
                   <a:extLst>
                     <a:ext uri="{9D8B030D-6E8A-4147-A177-3AD203B41FA5}">
-                      <a16:colId xmlns="" xmlns:a16="http://schemas.microsoft.com/office/drawing/2014/main" val="1995509689"/>
+                      <a16:colId xmlns:a16="http://schemas.microsoft.com/office/drawing/2014/main" xmlns="" val="1995509689"/>
                     </a:ext>
                   </a:extLst>
                 </a:gridCol>
                 <a:gridCol w="523461">
                   <a:extLst>
                     <a:ext uri="{9D8B030D-6E8A-4147-A177-3AD203B41FA5}">
-                      <a16:colId xmlns="" xmlns:a16="http://schemas.microsoft.com/office/drawing/2014/main" val="4059945013"/>
+                      <a16:colId xmlns:a16="http://schemas.microsoft.com/office/drawing/2014/main" xmlns="" val="4059945013"/>
                     </a:ext>
                   </a:extLst>
                 </a:gridCol>
                 <a:gridCol w="523461">
                   <a:extLst>
                     <a:ext uri="{9D8B030D-6E8A-4147-A177-3AD203B41FA5}">
-                      <a16:colId xmlns="" xmlns:a16="http://schemas.microsoft.com/office/drawing/2014/main" val="20013"/>
+                      <a16:colId xmlns:a16="http://schemas.microsoft.com/office/drawing/2014/main" xmlns="" val="20013"/>
                     </a:ext>
                   </a:extLst>
                 </a:gridCol>
                 <a:gridCol w="612741">
                   <a:extLst>
                     <a:ext uri="{9D8B030D-6E8A-4147-A177-3AD203B41FA5}">
-                      <a16:colId xmlns="" xmlns:a16="http://schemas.microsoft.com/office/drawing/2014/main" val="563954548"/>
+                      <a16:colId xmlns:a16="http://schemas.microsoft.com/office/drawing/2014/main" xmlns="" val="563954548"/>
                     </a:ext>
                   </a:extLst>
                 </a:gridCol>
                 <a:gridCol w="612741">
                   <a:extLst>
                     <a:ext uri="{9D8B030D-6E8A-4147-A177-3AD203B41FA5}">
-                      <a16:colId xmlns="" xmlns:a16="http://schemas.microsoft.com/office/drawing/2014/main" val="626849779"/>
+                      <a16:colId xmlns:a16="http://schemas.microsoft.com/office/drawing/2014/main" xmlns="" val="626849779"/>
                     </a:ext>
                   </a:extLst>
                 </a:gridCol>
                 <a:gridCol w="612741">
                   <a:extLst>
                     <a:ext uri="{9D8B030D-6E8A-4147-A177-3AD203B41FA5}">
-                      <a16:colId xmlns="" xmlns:a16="http://schemas.microsoft.com/office/drawing/2014/main" val="2774746132"/>
+                      <a16:colId xmlns:a16="http://schemas.microsoft.com/office/drawing/2014/main" xmlns="" val="2774746132"/>
                     </a:ext>
                   </a:extLst>
                 </a:gridCol>
@@ -24927,7 +25191,7 @@
                 </a:tc>
                 <a:extLst>
                   <a:ext uri="{0D108BD9-81ED-4DB2-BD59-A6C34878D82A}">
-                    <a16:rowId xmlns="" xmlns:a16="http://schemas.microsoft.com/office/drawing/2014/main" val="290152553"/>
+                    <a16:rowId xmlns:a16="http://schemas.microsoft.com/office/drawing/2014/main" xmlns="" val="290152553"/>
                   </a:ext>
                 </a:extLst>
               </a:tr>
@@ -25674,7 +25938,7 @@
                 </a:tc>
                 <a:extLst>
                   <a:ext uri="{0D108BD9-81ED-4DB2-BD59-A6C34878D82A}">
-                    <a16:rowId xmlns="" xmlns:a16="http://schemas.microsoft.com/office/drawing/2014/main" val="1372355905"/>
+                    <a16:rowId xmlns:a16="http://schemas.microsoft.com/office/drawing/2014/main" xmlns="" val="1372355905"/>
                   </a:ext>
                 </a:extLst>
               </a:tr>
@@ -26170,7 +26434,7 @@
                 </a:tc>
                 <a:extLst>
                   <a:ext uri="{0D108BD9-81ED-4DB2-BD59-A6C34878D82A}">
-                    <a16:rowId xmlns="" xmlns:a16="http://schemas.microsoft.com/office/drawing/2014/main" val="10005"/>
+                    <a16:rowId xmlns:a16="http://schemas.microsoft.com/office/drawing/2014/main" xmlns="" val="10005"/>
                   </a:ext>
                 </a:extLst>
               </a:tr>
@@ -26682,7 +26946,7 @@
                 </a:tc>
                 <a:extLst>
                   <a:ext uri="{0D108BD9-81ED-4DB2-BD59-A6C34878D82A}">
-                    <a16:rowId xmlns="" xmlns:a16="http://schemas.microsoft.com/office/drawing/2014/main" val="10006"/>
+                    <a16:rowId xmlns:a16="http://schemas.microsoft.com/office/drawing/2014/main" xmlns="" val="10006"/>
                   </a:ext>
                 </a:extLst>
               </a:tr>
@@ -27178,7 +27442,7 @@
                 </a:tc>
                 <a:extLst>
                   <a:ext uri="{0D108BD9-81ED-4DB2-BD59-A6C34878D82A}">
-                    <a16:rowId xmlns="" xmlns:a16="http://schemas.microsoft.com/office/drawing/2014/main" val="10007"/>
+                    <a16:rowId xmlns:a16="http://schemas.microsoft.com/office/drawing/2014/main" xmlns="" val="10007"/>
                   </a:ext>
                 </a:extLst>
               </a:tr>
@@ -27300,7 +27564,7 @@
                         <a:defRPr/>
                       </a:pPr>
                       <a:r>
-                        <a:rPr lang="en-US" altLang="zh-TW" sz="1200" kern="0">
+                        <a:rPr lang="en-US" altLang="zh-TW" sz="1200" kern="0" dirty="0">
                           <a:solidFill>
                             <a:srgbClr val="C00000"/>
                           </a:solidFill>
@@ -27805,7 +28069,7 @@
                 </a:tc>
                 <a:extLst>
                   <a:ext uri="{0D108BD9-81ED-4DB2-BD59-A6C34878D82A}">
-                    <a16:rowId xmlns="" xmlns:a16="http://schemas.microsoft.com/office/drawing/2014/main" val="10008"/>
+                    <a16:rowId xmlns:a16="http://schemas.microsoft.com/office/drawing/2014/main" xmlns="" val="10008"/>
                   </a:ext>
                 </a:extLst>
               </a:tr>
@@ -27821,7 +28085,7 @@
         </p:nvSpPr>
         <p:spPr>
           <a:xfrm>
-            <a:off x="76846" y="3842526"/>
+            <a:off x="76846" y="3932958"/>
             <a:ext cx="826053" cy="728096"/>
           </a:xfrm>
           <a:prstGeom prst="rect">
@@ -27883,7 +28147,7 @@
         </p:nvSpPr>
         <p:spPr>
           <a:xfrm>
-            <a:off x="3197022" y="6516799"/>
+            <a:off x="3197022" y="6607231"/>
             <a:ext cx="8299578" cy="430887"/>
           </a:xfrm>
           <a:prstGeom prst="rect">
@@ -28040,7 +28304,7 @@
         </p:nvSpPr>
         <p:spPr>
           <a:xfrm>
-            <a:off x="4079776" y="3502154"/>
+            <a:off x="4079776" y="3562442"/>
             <a:ext cx="7071360" cy="261610"/>
           </a:xfrm>
           <a:prstGeom prst="rect">
@@ -28621,35 +28885,35 @@
                 <a:gridCol w="1452286">
                   <a:extLst>
                     <a:ext uri="{9D8B030D-6E8A-4147-A177-3AD203B41FA5}">
-                      <a16:colId xmlns="" xmlns:a16="http://schemas.microsoft.com/office/drawing/2014/main" val="20003"/>
+                      <a16:colId xmlns:a16="http://schemas.microsoft.com/office/drawing/2014/main" xmlns="" val="20003"/>
                     </a:ext>
                   </a:extLst>
                 </a:gridCol>
                 <a:gridCol w="1131131">
                   <a:extLst>
                     <a:ext uri="{9D8B030D-6E8A-4147-A177-3AD203B41FA5}">
-                      <a16:colId xmlns="" xmlns:a16="http://schemas.microsoft.com/office/drawing/2014/main" val="3466895849"/>
+                      <a16:colId xmlns:a16="http://schemas.microsoft.com/office/drawing/2014/main" xmlns="" val="3466895849"/>
                     </a:ext>
                   </a:extLst>
                 </a:gridCol>
                 <a:gridCol w="1131131">
                   <a:extLst>
                     <a:ext uri="{9D8B030D-6E8A-4147-A177-3AD203B41FA5}">
-                      <a16:colId xmlns="" xmlns:a16="http://schemas.microsoft.com/office/drawing/2014/main" val="20004"/>
+                      <a16:colId xmlns:a16="http://schemas.microsoft.com/office/drawing/2014/main" xmlns="" val="20004"/>
                     </a:ext>
                   </a:extLst>
                 </a:gridCol>
                 <a:gridCol w="1131131">
                   <a:extLst>
                     <a:ext uri="{9D8B030D-6E8A-4147-A177-3AD203B41FA5}">
-                      <a16:colId xmlns="" xmlns:a16="http://schemas.microsoft.com/office/drawing/2014/main" val="730367770"/>
+                      <a16:colId xmlns:a16="http://schemas.microsoft.com/office/drawing/2014/main" xmlns="" val="730367770"/>
                     </a:ext>
                   </a:extLst>
                 </a:gridCol>
                 <a:gridCol w="1131131">
                   <a:extLst>
                     <a:ext uri="{9D8B030D-6E8A-4147-A177-3AD203B41FA5}">
-                      <a16:colId xmlns="" xmlns:a16="http://schemas.microsoft.com/office/drawing/2014/main" val="624460300"/>
+                      <a16:colId xmlns:a16="http://schemas.microsoft.com/office/drawing/2014/main" xmlns="" val="624460300"/>
                     </a:ext>
                   </a:extLst>
                 </a:gridCol>
@@ -28771,7 +29035,7 @@
                 </a:tc>
                 <a:extLst>
                   <a:ext uri="{0D108BD9-81ED-4DB2-BD59-A6C34878D82A}">
-                    <a16:rowId xmlns="" xmlns:a16="http://schemas.microsoft.com/office/drawing/2014/main" val="290152553"/>
+                    <a16:rowId xmlns:a16="http://schemas.microsoft.com/office/drawing/2014/main" xmlns="" val="290152553"/>
                   </a:ext>
                 </a:extLst>
               </a:tr>
@@ -28890,7 +29154,7 @@
                 </a:tc>
                 <a:extLst>
                   <a:ext uri="{0D108BD9-81ED-4DB2-BD59-A6C34878D82A}">
-                    <a16:rowId xmlns="" xmlns:a16="http://schemas.microsoft.com/office/drawing/2014/main" val="2028298506"/>
+                    <a16:rowId xmlns:a16="http://schemas.microsoft.com/office/drawing/2014/main" xmlns="" val="2028298506"/>
                   </a:ext>
                 </a:extLst>
               </a:tr>
@@ -29031,7 +29295,7 @@
                 </a:tc>
                 <a:extLst>
                   <a:ext uri="{0D108BD9-81ED-4DB2-BD59-A6C34878D82A}">
-                    <a16:rowId xmlns="" xmlns:a16="http://schemas.microsoft.com/office/drawing/2014/main" val="2660065325"/>
+                    <a16:rowId xmlns:a16="http://schemas.microsoft.com/office/drawing/2014/main" xmlns="" val="2660065325"/>
                   </a:ext>
                 </a:extLst>
               </a:tr>
@@ -29172,7 +29436,7 @@
                 </a:tc>
                 <a:extLst>
                   <a:ext uri="{0D108BD9-81ED-4DB2-BD59-A6C34878D82A}">
-                    <a16:rowId xmlns="" xmlns:a16="http://schemas.microsoft.com/office/drawing/2014/main" val="1596747635"/>
+                    <a16:rowId xmlns:a16="http://schemas.microsoft.com/office/drawing/2014/main" xmlns="" val="1596747635"/>
                   </a:ext>
                 </a:extLst>
               </a:tr>
@@ -29313,7 +29577,7 @@
                 </a:tc>
                 <a:extLst>
                   <a:ext uri="{0D108BD9-81ED-4DB2-BD59-A6C34878D82A}">
-                    <a16:rowId xmlns="" xmlns:a16="http://schemas.microsoft.com/office/drawing/2014/main" val="3774430207"/>
+                    <a16:rowId xmlns:a16="http://schemas.microsoft.com/office/drawing/2014/main" xmlns="" val="3774430207"/>
                   </a:ext>
                 </a:extLst>
               </a:tr>
@@ -29460,7 +29724,7 @@
                 </a:tc>
                 <a:extLst>
                   <a:ext uri="{0D108BD9-81ED-4DB2-BD59-A6C34878D82A}">
-                    <a16:rowId xmlns="" xmlns:a16="http://schemas.microsoft.com/office/drawing/2014/main" val="10005"/>
+                    <a16:rowId xmlns:a16="http://schemas.microsoft.com/office/drawing/2014/main" xmlns="" val="10005"/>
                   </a:ext>
                 </a:extLst>
               </a:tr>
@@ -29623,7 +29887,7 @@
                 </a:tc>
                 <a:extLst>
                   <a:ext uri="{0D108BD9-81ED-4DB2-BD59-A6C34878D82A}">
-                    <a16:rowId xmlns="" xmlns:a16="http://schemas.microsoft.com/office/drawing/2014/main" val="10006"/>
+                    <a16:rowId xmlns:a16="http://schemas.microsoft.com/office/drawing/2014/main" xmlns="" val="10006"/>
                   </a:ext>
                 </a:extLst>
               </a:tr>
@@ -29786,7 +30050,7 @@
                 </a:tc>
                 <a:extLst>
                   <a:ext uri="{0D108BD9-81ED-4DB2-BD59-A6C34878D82A}">
-                    <a16:rowId xmlns="" xmlns:a16="http://schemas.microsoft.com/office/drawing/2014/main" val="10007"/>
+                    <a16:rowId xmlns:a16="http://schemas.microsoft.com/office/drawing/2014/main" xmlns="" val="10007"/>
                   </a:ext>
                 </a:extLst>
               </a:tr>
@@ -29927,7 +30191,7 @@
                 </a:tc>
                 <a:extLst>
                   <a:ext uri="{0D108BD9-81ED-4DB2-BD59-A6C34878D82A}">
-                    <a16:rowId xmlns="" xmlns:a16="http://schemas.microsoft.com/office/drawing/2014/main" val="2717943080"/>
+                    <a16:rowId xmlns:a16="http://schemas.microsoft.com/office/drawing/2014/main" xmlns="" val="2717943080"/>
                   </a:ext>
                 </a:extLst>
               </a:tr>
@@ -30153,7 +30417,7 @@
                 </a:tc>
                 <a:extLst>
                   <a:ext uri="{0D108BD9-81ED-4DB2-BD59-A6C34878D82A}">
-                    <a16:rowId xmlns="" xmlns:a16="http://schemas.microsoft.com/office/drawing/2014/main" val="2802642166"/>
+                    <a16:rowId xmlns:a16="http://schemas.microsoft.com/office/drawing/2014/main" xmlns="" val="2802642166"/>
                   </a:ext>
                 </a:extLst>
               </a:tr>
@@ -30358,7 +30622,7 @@
                 </a:tc>
                 <a:extLst>
                   <a:ext uri="{0D108BD9-81ED-4DB2-BD59-A6C34878D82A}">
-                    <a16:rowId xmlns="" xmlns:a16="http://schemas.microsoft.com/office/drawing/2014/main" val="3968310820"/>
+                    <a16:rowId xmlns:a16="http://schemas.microsoft.com/office/drawing/2014/main" xmlns="" val="3968310820"/>
                   </a:ext>
                 </a:extLst>
               </a:tr>
@@ -30563,7 +30827,7 @@
                 </a:tc>
                 <a:extLst>
                   <a:ext uri="{0D108BD9-81ED-4DB2-BD59-A6C34878D82A}">
-                    <a16:rowId xmlns="" xmlns:a16="http://schemas.microsoft.com/office/drawing/2014/main" val="1715990511"/>
+                    <a16:rowId xmlns:a16="http://schemas.microsoft.com/office/drawing/2014/main" xmlns="" val="1715990511"/>
                   </a:ext>
                 </a:extLst>
               </a:tr>
@@ -30768,7 +31032,7 @@
                 </a:tc>
                 <a:extLst>
                   <a:ext uri="{0D108BD9-81ED-4DB2-BD59-A6C34878D82A}">
-                    <a16:rowId xmlns="" xmlns:a16="http://schemas.microsoft.com/office/drawing/2014/main" val="3192680700"/>
+                    <a16:rowId xmlns:a16="http://schemas.microsoft.com/office/drawing/2014/main" xmlns="" val="3192680700"/>
                   </a:ext>
                 </a:extLst>
               </a:tr>
@@ -30994,84 +31258,84 @@
                 <a:gridCol w="828562">
                   <a:extLst>
                     <a:ext uri="{9D8B030D-6E8A-4147-A177-3AD203B41FA5}">
-                      <a16:colId xmlns="" xmlns:a16="http://schemas.microsoft.com/office/drawing/2014/main" val="20000"/>
+                      <a16:colId xmlns:a16="http://schemas.microsoft.com/office/drawing/2014/main" xmlns="" val="20000"/>
                     </a:ext>
                   </a:extLst>
                 </a:gridCol>
                 <a:gridCol w="828562">
                   <a:extLst>
                     <a:ext uri="{9D8B030D-6E8A-4147-A177-3AD203B41FA5}">
-                      <a16:colId xmlns="" xmlns:a16="http://schemas.microsoft.com/office/drawing/2014/main" val="20001"/>
+                      <a16:colId xmlns:a16="http://schemas.microsoft.com/office/drawing/2014/main" xmlns="" val="20001"/>
                     </a:ext>
                   </a:extLst>
                 </a:gridCol>
                 <a:gridCol w="828562">
                   <a:extLst>
                     <a:ext uri="{9D8B030D-6E8A-4147-A177-3AD203B41FA5}">
-                      <a16:colId xmlns="" xmlns:a16="http://schemas.microsoft.com/office/drawing/2014/main" val="20002"/>
+                      <a16:colId xmlns:a16="http://schemas.microsoft.com/office/drawing/2014/main" xmlns="" val="20002"/>
                     </a:ext>
                   </a:extLst>
                 </a:gridCol>
                 <a:gridCol w="828562">
                   <a:extLst>
                     <a:ext uri="{9D8B030D-6E8A-4147-A177-3AD203B41FA5}">
-                      <a16:colId xmlns="" xmlns:a16="http://schemas.microsoft.com/office/drawing/2014/main" val="20003"/>
+                      <a16:colId xmlns:a16="http://schemas.microsoft.com/office/drawing/2014/main" xmlns="" val="20003"/>
                     </a:ext>
                   </a:extLst>
                 </a:gridCol>
                 <a:gridCol w="828562">
                   <a:extLst>
                     <a:ext uri="{9D8B030D-6E8A-4147-A177-3AD203B41FA5}">
-                      <a16:colId xmlns="" xmlns:a16="http://schemas.microsoft.com/office/drawing/2014/main" val="20004"/>
+                      <a16:colId xmlns:a16="http://schemas.microsoft.com/office/drawing/2014/main" xmlns="" val="20004"/>
                     </a:ext>
                   </a:extLst>
                 </a:gridCol>
                 <a:gridCol w="828562">
                   <a:extLst>
                     <a:ext uri="{9D8B030D-6E8A-4147-A177-3AD203B41FA5}">
-                      <a16:colId xmlns="" xmlns:a16="http://schemas.microsoft.com/office/drawing/2014/main" val="20005"/>
+                      <a16:colId xmlns:a16="http://schemas.microsoft.com/office/drawing/2014/main" xmlns="" val="20005"/>
                     </a:ext>
                   </a:extLst>
                 </a:gridCol>
                 <a:gridCol w="828562">
                   <a:extLst>
                     <a:ext uri="{9D8B030D-6E8A-4147-A177-3AD203B41FA5}">
-                      <a16:colId xmlns="" xmlns:a16="http://schemas.microsoft.com/office/drawing/2014/main" val="20006"/>
+                      <a16:colId xmlns:a16="http://schemas.microsoft.com/office/drawing/2014/main" xmlns="" val="20006"/>
                     </a:ext>
                   </a:extLst>
                 </a:gridCol>
                 <a:gridCol w="828562">
                   <a:extLst>
                     <a:ext uri="{9D8B030D-6E8A-4147-A177-3AD203B41FA5}">
-                      <a16:colId xmlns="" xmlns:a16="http://schemas.microsoft.com/office/drawing/2014/main" val="20007"/>
+                      <a16:colId xmlns:a16="http://schemas.microsoft.com/office/drawing/2014/main" xmlns="" val="20007"/>
                     </a:ext>
                   </a:extLst>
                 </a:gridCol>
                 <a:gridCol w="828562">
                   <a:extLst>
                     <a:ext uri="{9D8B030D-6E8A-4147-A177-3AD203B41FA5}">
-                      <a16:colId xmlns="" xmlns:a16="http://schemas.microsoft.com/office/drawing/2014/main" val="20008"/>
+                      <a16:colId xmlns:a16="http://schemas.microsoft.com/office/drawing/2014/main" xmlns="" val="20008"/>
                     </a:ext>
                   </a:extLst>
                 </a:gridCol>
                 <a:gridCol w="828562">
                   <a:extLst>
                     <a:ext uri="{9D8B030D-6E8A-4147-A177-3AD203B41FA5}">
-                      <a16:colId xmlns="" xmlns:a16="http://schemas.microsoft.com/office/drawing/2014/main" val="20009"/>
+                      <a16:colId xmlns:a16="http://schemas.microsoft.com/office/drawing/2014/main" xmlns="" val="20009"/>
                     </a:ext>
                   </a:extLst>
                 </a:gridCol>
                 <a:gridCol w="828562">
                   <a:extLst>
                     <a:ext uri="{9D8B030D-6E8A-4147-A177-3AD203B41FA5}">
-                      <a16:colId xmlns="" xmlns:a16="http://schemas.microsoft.com/office/drawing/2014/main" val="20010"/>
+                      <a16:colId xmlns:a16="http://schemas.microsoft.com/office/drawing/2014/main" xmlns="" val="20010"/>
                     </a:ext>
                   </a:extLst>
                 </a:gridCol>
                 <a:gridCol w="828562">
                   <a:extLst>
                     <a:ext uri="{9D8B030D-6E8A-4147-A177-3AD203B41FA5}">
-                      <a16:colId xmlns="" xmlns:a16="http://schemas.microsoft.com/office/drawing/2014/main" val="20011"/>
+                      <a16:colId xmlns:a16="http://schemas.microsoft.com/office/drawing/2014/main" xmlns="" val="20011"/>
                     </a:ext>
                   </a:extLst>
                 </a:gridCol>
@@ -31266,7 +31530,7 @@
                 </a:tc>
                 <a:extLst>
                   <a:ext uri="{0D108BD9-81ED-4DB2-BD59-A6C34878D82A}">
-                    <a16:rowId xmlns="" xmlns:a16="http://schemas.microsoft.com/office/drawing/2014/main" val="10000"/>
+                    <a16:rowId xmlns:a16="http://schemas.microsoft.com/office/drawing/2014/main" xmlns="" val="10000"/>
                   </a:ext>
                 </a:extLst>
               </a:tr>
@@ -31607,7 +31871,7 @@
                 </a:tc>
                 <a:extLst>
                   <a:ext uri="{0D108BD9-81ED-4DB2-BD59-A6C34878D82A}">
-                    <a16:rowId xmlns="" xmlns:a16="http://schemas.microsoft.com/office/drawing/2014/main" val="10001"/>
+                    <a16:rowId xmlns:a16="http://schemas.microsoft.com/office/drawing/2014/main" xmlns="" val="10001"/>
                   </a:ext>
                 </a:extLst>
               </a:tr>
@@ -31917,7 +32181,7 @@
                 </a:tc>
                 <a:extLst>
                   <a:ext uri="{0D108BD9-81ED-4DB2-BD59-A6C34878D82A}">
-                    <a16:rowId xmlns="" xmlns:a16="http://schemas.microsoft.com/office/drawing/2014/main" val="10002"/>
+                    <a16:rowId xmlns:a16="http://schemas.microsoft.com/office/drawing/2014/main" xmlns="" val="10002"/>
                   </a:ext>
                 </a:extLst>
               </a:tr>
@@ -32245,7 +32509,7 @@
                 </a:tc>
                 <a:extLst>
                   <a:ext uri="{0D108BD9-81ED-4DB2-BD59-A6C34878D82A}">
-                    <a16:rowId xmlns="" xmlns:a16="http://schemas.microsoft.com/office/drawing/2014/main" val="10003"/>
+                    <a16:rowId xmlns:a16="http://schemas.microsoft.com/office/drawing/2014/main" xmlns="" val="10003"/>
                   </a:ext>
                 </a:extLst>
               </a:tr>
@@ -32578,7 +32842,7 @@
                 </a:tc>
                 <a:extLst>
                   <a:ext uri="{0D108BD9-81ED-4DB2-BD59-A6C34878D82A}">
-                    <a16:rowId xmlns="" xmlns:a16="http://schemas.microsoft.com/office/drawing/2014/main" val="10004"/>
+                    <a16:rowId xmlns:a16="http://schemas.microsoft.com/office/drawing/2014/main" xmlns="" val="10004"/>
                   </a:ext>
                 </a:extLst>
               </a:tr>
@@ -32911,7 +33175,7 @@
                 </a:tc>
                 <a:extLst>
                   <a:ext uri="{0D108BD9-81ED-4DB2-BD59-A6C34878D82A}">
-                    <a16:rowId xmlns="" xmlns:a16="http://schemas.microsoft.com/office/drawing/2014/main" val="10005"/>
+                    <a16:rowId xmlns:a16="http://schemas.microsoft.com/office/drawing/2014/main" xmlns="" val="10005"/>
                   </a:ext>
                 </a:extLst>
               </a:tr>
@@ -33278,49 +33542,49 @@
                 <a:gridCol w="1693061">
                   <a:extLst>
                     <a:ext uri="{9D8B030D-6E8A-4147-A177-3AD203B41FA5}">
-                      <a16:colId xmlns="" xmlns:a16="http://schemas.microsoft.com/office/drawing/2014/main" val="596459514"/>
+                      <a16:colId xmlns:a16="http://schemas.microsoft.com/office/drawing/2014/main" xmlns="" val="596459514"/>
                     </a:ext>
                   </a:extLst>
                 </a:gridCol>
                 <a:gridCol w="1105830">
                   <a:extLst>
                     <a:ext uri="{9D8B030D-6E8A-4147-A177-3AD203B41FA5}">
-                      <a16:colId xmlns="" xmlns:a16="http://schemas.microsoft.com/office/drawing/2014/main" val="1104773170"/>
+                      <a16:colId xmlns:a16="http://schemas.microsoft.com/office/drawing/2014/main" xmlns="" val="1104773170"/>
                     </a:ext>
                   </a:extLst>
                 </a:gridCol>
                 <a:gridCol w="1105830">
                   <a:extLst>
                     <a:ext uri="{9D8B030D-6E8A-4147-A177-3AD203B41FA5}">
-                      <a16:colId xmlns="" xmlns:a16="http://schemas.microsoft.com/office/drawing/2014/main" val="2628879976"/>
+                      <a16:colId xmlns:a16="http://schemas.microsoft.com/office/drawing/2014/main" xmlns="" val="2628879976"/>
                     </a:ext>
                   </a:extLst>
                 </a:gridCol>
                 <a:gridCol w="1105830">
                   <a:extLst>
                     <a:ext uri="{9D8B030D-6E8A-4147-A177-3AD203B41FA5}">
-                      <a16:colId xmlns="" xmlns:a16="http://schemas.microsoft.com/office/drawing/2014/main" val="3824673393"/>
+                      <a16:colId xmlns:a16="http://schemas.microsoft.com/office/drawing/2014/main" xmlns="" val="3824673393"/>
                     </a:ext>
                   </a:extLst>
                 </a:gridCol>
                 <a:gridCol w="1105830">
                   <a:extLst>
                     <a:ext uri="{9D8B030D-6E8A-4147-A177-3AD203B41FA5}">
-                      <a16:colId xmlns="" xmlns:a16="http://schemas.microsoft.com/office/drawing/2014/main" val="1207929680"/>
+                      <a16:colId xmlns:a16="http://schemas.microsoft.com/office/drawing/2014/main" xmlns="" val="1207929680"/>
                     </a:ext>
                   </a:extLst>
                 </a:gridCol>
                 <a:gridCol w="1105830">
                   <a:extLst>
                     <a:ext uri="{9D8B030D-6E8A-4147-A177-3AD203B41FA5}">
-                      <a16:colId xmlns="" xmlns:a16="http://schemas.microsoft.com/office/drawing/2014/main" val="196725124"/>
+                      <a16:colId xmlns:a16="http://schemas.microsoft.com/office/drawing/2014/main" xmlns="" val="196725124"/>
                     </a:ext>
                   </a:extLst>
                 </a:gridCol>
                 <a:gridCol w="1105830">
                   <a:extLst>
                     <a:ext uri="{9D8B030D-6E8A-4147-A177-3AD203B41FA5}">
-                      <a16:colId xmlns="" xmlns:a16="http://schemas.microsoft.com/office/drawing/2014/main" val="4015488069"/>
+                      <a16:colId xmlns:a16="http://schemas.microsoft.com/office/drawing/2014/main" xmlns="" val="4015488069"/>
                     </a:ext>
                   </a:extLst>
                 </a:gridCol>
@@ -33430,7 +33694,7 @@
                 </a:tc>
                 <a:extLst>
                   <a:ext uri="{0D108BD9-81ED-4DB2-BD59-A6C34878D82A}">
-                    <a16:rowId xmlns="" xmlns:a16="http://schemas.microsoft.com/office/drawing/2014/main" val="2450048256"/>
+                    <a16:rowId xmlns:a16="http://schemas.microsoft.com/office/drawing/2014/main" xmlns="" val="2450048256"/>
                   </a:ext>
                 </a:extLst>
               </a:tr>
@@ -33570,7 +33834,7 @@
                 </a:tc>
                 <a:extLst>
                   <a:ext uri="{0D108BD9-81ED-4DB2-BD59-A6C34878D82A}">
-                    <a16:rowId xmlns="" xmlns:a16="http://schemas.microsoft.com/office/drawing/2014/main" val="1007795033"/>
+                    <a16:rowId xmlns:a16="http://schemas.microsoft.com/office/drawing/2014/main" xmlns="" val="1007795033"/>
                   </a:ext>
                 </a:extLst>
               </a:tr>
@@ -33706,7 +33970,7 @@
                 </a:tc>
                 <a:extLst>
                   <a:ext uri="{0D108BD9-81ED-4DB2-BD59-A6C34878D82A}">
-                    <a16:rowId xmlns="" xmlns:a16="http://schemas.microsoft.com/office/drawing/2014/main" val="3123214655"/>
+                    <a16:rowId xmlns:a16="http://schemas.microsoft.com/office/drawing/2014/main" xmlns="" val="3123214655"/>
                   </a:ext>
                 </a:extLst>
               </a:tr>
@@ -33852,35 +34116,35 @@
                 <a:gridCol w="1104280">
                   <a:extLst>
                     <a:ext uri="{9D8B030D-6E8A-4147-A177-3AD203B41FA5}">
-                      <a16:colId xmlns="" xmlns:a16="http://schemas.microsoft.com/office/drawing/2014/main" val="596459514"/>
+                      <a16:colId xmlns:a16="http://schemas.microsoft.com/office/drawing/2014/main" xmlns="" val="596459514"/>
                     </a:ext>
                   </a:extLst>
                 </a:gridCol>
                 <a:gridCol w="1082993">
                   <a:extLst>
                     <a:ext uri="{9D8B030D-6E8A-4147-A177-3AD203B41FA5}">
-                      <a16:colId xmlns="" xmlns:a16="http://schemas.microsoft.com/office/drawing/2014/main" val="1104773170"/>
+                      <a16:colId xmlns:a16="http://schemas.microsoft.com/office/drawing/2014/main" xmlns="" val="1104773170"/>
                     </a:ext>
                   </a:extLst>
                 </a:gridCol>
                 <a:gridCol w="1082993">
                   <a:extLst>
                     <a:ext uri="{9D8B030D-6E8A-4147-A177-3AD203B41FA5}">
-                      <a16:colId xmlns="" xmlns:a16="http://schemas.microsoft.com/office/drawing/2014/main" val="2628879976"/>
+                      <a16:colId xmlns:a16="http://schemas.microsoft.com/office/drawing/2014/main" xmlns="" val="2628879976"/>
                     </a:ext>
                   </a:extLst>
                 </a:gridCol>
                 <a:gridCol w="1082993">
                   <a:extLst>
                     <a:ext uri="{9D8B030D-6E8A-4147-A177-3AD203B41FA5}">
-                      <a16:colId xmlns="" xmlns:a16="http://schemas.microsoft.com/office/drawing/2014/main" val="3824673393"/>
+                      <a16:colId xmlns:a16="http://schemas.microsoft.com/office/drawing/2014/main" xmlns="" val="3824673393"/>
                     </a:ext>
                   </a:extLst>
                 </a:gridCol>
                 <a:gridCol w="1082993">
                   <a:extLst>
                     <a:ext uri="{9D8B030D-6E8A-4147-A177-3AD203B41FA5}">
-                      <a16:colId xmlns="" xmlns:a16="http://schemas.microsoft.com/office/drawing/2014/main" val="20004"/>
+                      <a16:colId xmlns:a16="http://schemas.microsoft.com/office/drawing/2014/main" xmlns="" val="20004"/>
                     </a:ext>
                   </a:extLst>
                 </a:gridCol>
@@ -33973,7 +34237,7 @@
                 </a:tc>
                 <a:extLst>
                   <a:ext uri="{0D108BD9-81ED-4DB2-BD59-A6C34878D82A}">
-                    <a16:rowId xmlns="" xmlns:a16="http://schemas.microsoft.com/office/drawing/2014/main" val="2450048256"/>
+                    <a16:rowId xmlns:a16="http://schemas.microsoft.com/office/drawing/2014/main" xmlns="" val="2450048256"/>
                   </a:ext>
                 </a:extLst>
               </a:tr>
@@ -34175,7 +34439,7 @@
                 </a:tc>
                 <a:extLst>
                   <a:ext uri="{0D108BD9-81ED-4DB2-BD59-A6C34878D82A}">
-                    <a16:rowId xmlns="" xmlns:a16="http://schemas.microsoft.com/office/drawing/2014/main" val="1007795033"/>
+                    <a16:rowId xmlns:a16="http://schemas.microsoft.com/office/drawing/2014/main" xmlns="" val="1007795033"/>
                   </a:ext>
                 </a:extLst>
               </a:tr>
@@ -34275,7 +34539,7 @@
                 </a:tc>
                 <a:extLst>
                   <a:ext uri="{0D108BD9-81ED-4DB2-BD59-A6C34878D82A}">
-                    <a16:rowId xmlns="" xmlns:a16="http://schemas.microsoft.com/office/drawing/2014/main" val="3123214655"/>
+                    <a16:rowId xmlns:a16="http://schemas.microsoft.com/office/drawing/2014/main" xmlns="" val="3123214655"/>
                   </a:ext>
                 </a:extLst>
               </a:tr>
@@ -34581,70 +34845,70 @@
                 <a:gridCol w="960187">
                   <a:extLst>
                     <a:ext uri="{9D8B030D-6E8A-4147-A177-3AD203B41FA5}">
-                      <a16:colId xmlns="" xmlns:a16="http://schemas.microsoft.com/office/drawing/2014/main" val="20003"/>
+                      <a16:colId xmlns:a16="http://schemas.microsoft.com/office/drawing/2014/main" xmlns="" val="20003"/>
                     </a:ext>
                   </a:extLst>
                 </a:gridCol>
                 <a:gridCol w="893677">
                   <a:extLst>
                     <a:ext uri="{9D8B030D-6E8A-4147-A177-3AD203B41FA5}">
-                      <a16:colId xmlns="" xmlns:a16="http://schemas.microsoft.com/office/drawing/2014/main" val="3258888783"/>
+                      <a16:colId xmlns:a16="http://schemas.microsoft.com/office/drawing/2014/main" xmlns="" val="3258888783"/>
                     </a:ext>
                   </a:extLst>
                 </a:gridCol>
                 <a:gridCol w="792575">
                   <a:extLst>
                     <a:ext uri="{9D8B030D-6E8A-4147-A177-3AD203B41FA5}">
-                      <a16:colId xmlns="" xmlns:a16="http://schemas.microsoft.com/office/drawing/2014/main" val="20002"/>
+                      <a16:colId xmlns:a16="http://schemas.microsoft.com/office/drawing/2014/main" xmlns="" val="20002"/>
                     </a:ext>
                   </a:extLst>
                 </a:gridCol>
                 <a:gridCol w="519885">
                   <a:extLst>
                     <a:ext uri="{9D8B030D-6E8A-4147-A177-3AD203B41FA5}">
-                      <a16:colId xmlns="" xmlns:a16="http://schemas.microsoft.com/office/drawing/2014/main" val="20004"/>
+                      <a16:colId xmlns:a16="http://schemas.microsoft.com/office/drawing/2014/main" xmlns="" val="20004"/>
                     </a:ext>
                   </a:extLst>
                 </a:gridCol>
                 <a:gridCol w="519885">
                   <a:extLst>
                     <a:ext uri="{9D8B030D-6E8A-4147-A177-3AD203B41FA5}">
-                      <a16:colId xmlns="" xmlns:a16="http://schemas.microsoft.com/office/drawing/2014/main" val="20006"/>
+                      <a16:colId xmlns:a16="http://schemas.microsoft.com/office/drawing/2014/main" xmlns="" val="20006"/>
                     </a:ext>
                   </a:extLst>
                 </a:gridCol>
                 <a:gridCol w="519885">
                   <a:extLst>
                     <a:ext uri="{9D8B030D-6E8A-4147-A177-3AD203B41FA5}">
-                      <a16:colId xmlns="" xmlns:a16="http://schemas.microsoft.com/office/drawing/2014/main" val="20007"/>
+                      <a16:colId xmlns:a16="http://schemas.microsoft.com/office/drawing/2014/main" xmlns="" val="20007"/>
                     </a:ext>
                   </a:extLst>
                 </a:gridCol>
                 <a:gridCol w="700220">
                   <a:extLst>
                     <a:ext uri="{9D8B030D-6E8A-4147-A177-3AD203B41FA5}">
-                      <a16:colId xmlns="" xmlns:a16="http://schemas.microsoft.com/office/drawing/2014/main" val="20008"/>
+                      <a16:colId xmlns:a16="http://schemas.microsoft.com/office/drawing/2014/main" xmlns="" val="20008"/>
                     </a:ext>
                   </a:extLst>
                 </a:gridCol>
                 <a:gridCol w="814245">
                   <a:extLst>
                     <a:ext uri="{9D8B030D-6E8A-4147-A177-3AD203B41FA5}">
-                      <a16:colId xmlns="" xmlns:a16="http://schemas.microsoft.com/office/drawing/2014/main" val="20009"/>
+                      <a16:colId xmlns:a16="http://schemas.microsoft.com/office/drawing/2014/main" xmlns="" val="20009"/>
                     </a:ext>
                   </a:extLst>
                 </a:gridCol>
                 <a:gridCol w="814245">
                   <a:extLst>
                     <a:ext uri="{9D8B030D-6E8A-4147-A177-3AD203B41FA5}">
-                      <a16:colId xmlns="" xmlns:a16="http://schemas.microsoft.com/office/drawing/2014/main" val="20005"/>
+                      <a16:colId xmlns:a16="http://schemas.microsoft.com/office/drawing/2014/main" xmlns="" val="20005"/>
                     </a:ext>
                   </a:extLst>
                 </a:gridCol>
                 <a:gridCol w="814245">
                   <a:extLst>
                     <a:ext uri="{9D8B030D-6E8A-4147-A177-3AD203B41FA5}">
-                      <a16:colId xmlns="" xmlns:a16="http://schemas.microsoft.com/office/drawing/2014/main" val="20010"/>
+                      <a16:colId xmlns:a16="http://schemas.microsoft.com/office/drawing/2014/main" xmlns="" val="20010"/>
                     </a:ext>
                   </a:extLst>
                 </a:gridCol>
@@ -34787,7 +35051,7 @@
                 </a:tc>
                 <a:extLst>
                   <a:ext uri="{0D108BD9-81ED-4DB2-BD59-A6C34878D82A}">
-                    <a16:rowId xmlns="" xmlns:a16="http://schemas.microsoft.com/office/drawing/2014/main" val="4157930470"/>
+                    <a16:rowId xmlns:a16="http://schemas.microsoft.com/office/drawing/2014/main" xmlns="" val="4157930470"/>
                   </a:ext>
                 </a:extLst>
               </a:tr>
@@ -35047,7 +35311,7 @@
                 </a:tc>
                 <a:extLst>
                   <a:ext uri="{0D108BD9-81ED-4DB2-BD59-A6C34878D82A}">
-                    <a16:rowId xmlns="" xmlns:a16="http://schemas.microsoft.com/office/drawing/2014/main" val="1942208770"/>
+                    <a16:rowId xmlns:a16="http://schemas.microsoft.com/office/drawing/2014/main" xmlns="" val="1942208770"/>
                   </a:ext>
                 </a:extLst>
               </a:tr>
@@ -35266,7 +35530,7 @@
                 </a:tc>
                 <a:extLst>
                   <a:ext uri="{0D108BD9-81ED-4DB2-BD59-A6C34878D82A}">
-                    <a16:rowId xmlns="" xmlns:a16="http://schemas.microsoft.com/office/drawing/2014/main" val="10004"/>
+                    <a16:rowId xmlns:a16="http://schemas.microsoft.com/office/drawing/2014/main" xmlns="" val="10004"/>
                   </a:ext>
                 </a:extLst>
               </a:tr>
@@ -35527,7 +35791,7 @@
                 </a:tc>
                 <a:extLst>
                   <a:ext uri="{0D108BD9-81ED-4DB2-BD59-A6C34878D82A}">
-                    <a16:rowId xmlns="" xmlns:a16="http://schemas.microsoft.com/office/drawing/2014/main" val="134965533"/>
+                    <a16:rowId xmlns:a16="http://schemas.microsoft.com/office/drawing/2014/main" xmlns="" val="134965533"/>
                   </a:ext>
                 </a:extLst>
               </a:tr>
@@ -35920,77 +36184,77 @@
                 <a:gridCol w="957305">
                   <a:extLst>
                     <a:ext uri="{9D8B030D-6E8A-4147-A177-3AD203B41FA5}">
-                      <a16:colId xmlns="" xmlns:a16="http://schemas.microsoft.com/office/drawing/2014/main" val="20000"/>
+                      <a16:colId xmlns:a16="http://schemas.microsoft.com/office/drawing/2014/main" xmlns="" val="20000"/>
                     </a:ext>
                   </a:extLst>
                 </a:gridCol>
                 <a:gridCol w="889770">
                   <a:extLst>
                     <a:ext uri="{9D8B030D-6E8A-4147-A177-3AD203B41FA5}">
-                      <a16:colId xmlns="" xmlns:a16="http://schemas.microsoft.com/office/drawing/2014/main" val="20001"/>
+                      <a16:colId xmlns:a16="http://schemas.microsoft.com/office/drawing/2014/main" xmlns="" val="20001"/>
                     </a:ext>
                   </a:extLst>
                 </a:gridCol>
                 <a:gridCol w="643470">
                   <a:extLst>
                     <a:ext uri="{9D8B030D-6E8A-4147-A177-3AD203B41FA5}">
-                      <a16:colId xmlns="" xmlns:a16="http://schemas.microsoft.com/office/drawing/2014/main" val="20002"/>
+                      <a16:colId xmlns:a16="http://schemas.microsoft.com/office/drawing/2014/main" xmlns="" val="20002"/>
                     </a:ext>
                   </a:extLst>
                 </a:gridCol>
                 <a:gridCol w="597600">
                   <a:extLst>
                     <a:ext uri="{9D8B030D-6E8A-4147-A177-3AD203B41FA5}">
-                      <a16:colId xmlns="" xmlns:a16="http://schemas.microsoft.com/office/drawing/2014/main" val="20003"/>
+                      <a16:colId xmlns:a16="http://schemas.microsoft.com/office/drawing/2014/main" xmlns="" val="20003"/>
                     </a:ext>
                   </a:extLst>
                 </a:gridCol>
                 <a:gridCol w="597600">
                   <a:extLst>
                     <a:ext uri="{9D8B030D-6E8A-4147-A177-3AD203B41FA5}">
-                      <a16:colId xmlns="" xmlns:a16="http://schemas.microsoft.com/office/drawing/2014/main" val="20004"/>
+                      <a16:colId xmlns:a16="http://schemas.microsoft.com/office/drawing/2014/main" xmlns="" val="20004"/>
                     </a:ext>
                   </a:extLst>
                 </a:gridCol>
                 <a:gridCol w="683238">
                   <a:extLst>
                     <a:ext uri="{9D8B030D-6E8A-4147-A177-3AD203B41FA5}">
-                      <a16:colId xmlns="" xmlns:a16="http://schemas.microsoft.com/office/drawing/2014/main" val="20005"/>
+                      <a16:colId xmlns:a16="http://schemas.microsoft.com/office/drawing/2014/main" xmlns="" val="20005"/>
                     </a:ext>
                   </a:extLst>
                 </a:gridCol>
                 <a:gridCol w="683238">
                   <a:extLst>
                     <a:ext uri="{9D8B030D-6E8A-4147-A177-3AD203B41FA5}">
-                      <a16:colId xmlns="" xmlns:a16="http://schemas.microsoft.com/office/drawing/2014/main" val="20006"/>
+                      <a16:colId xmlns:a16="http://schemas.microsoft.com/office/drawing/2014/main" xmlns="" val="20006"/>
                     </a:ext>
                   </a:extLst>
                 </a:gridCol>
                 <a:gridCol w="683238">
                   <a:extLst>
                     <a:ext uri="{9D8B030D-6E8A-4147-A177-3AD203B41FA5}">
-                      <a16:colId xmlns="" xmlns:a16="http://schemas.microsoft.com/office/drawing/2014/main" val="20007"/>
+                      <a16:colId xmlns:a16="http://schemas.microsoft.com/office/drawing/2014/main" xmlns="" val="20007"/>
                     </a:ext>
                   </a:extLst>
                 </a:gridCol>
                 <a:gridCol w="683238">
                   <a:extLst>
                     <a:ext uri="{9D8B030D-6E8A-4147-A177-3AD203B41FA5}">
-                      <a16:colId xmlns="" xmlns:a16="http://schemas.microsoft.com/office/drawing/2014/main" val="20008"/>
+                      <a16:colId xmlns:a16="http://schemas.microsoft.com/office/drawing/2014/main" xmlns="" val="20008"/>
                     </a:ext>
                   </a:extLst>
                 </a:gridCol>
                 <a:gridCol w="683238">
                   <a:extLst>
                     <a:ext uri="{9D8B030D-6E8A-4147-A177-3AD203B41FA5}">
-                      <a16:colId xmlns="" xmlns:a16="http://schemas.microsoft.com/office/drawing/2014/main" val="20009"/>
+                      <a16:colId xmlns:a16="http://schemas.microsoft.com/office/drawing/2014/main" xmlns="" val="20009"/>
                     </a:ext>
                   </a:extLst>
                 </a:gridCol>
                 <a:gridCol w="683238">
                   <a:extLst>
                     <a:ext uri="{9D8B030D-6E8A-4147-A177-3AD203B41FA5}">
-                      <a16:colId xmlns="" xmlns:a16="http://schemas.microsoft.com/office/drawing/2014/main" val="20010"/>
+                      <a16:colId xmlns:a16="http://schemas.microsoft.com/office/drawing/2014/main" xmlns="" val="20010"/>
                     </a:ext>
                   </a:extLst>
                 </a:gridCol>
@@ -36283,7 +36547,7 @@
                 </a:tc>
                 <a:extLst>
                   <a:ext uri="{0D108BD9-81ED-4DB2-BD59-A6C34878D82A}">
-                    <a16:rowId xmlns="" xmlns:a16="http://schemas.microsoft.com/office/drawing/2014/main" val="10000"/>
+                    <a16:rowId xmlns:a16="http://schemas.microsoft.com/office/drawing/2014/main" xmlns="" val="10000"/>
                   </a:ext>
                 </a:extLst>
               </a:tr>
@@ -36710,7 +36974,7 @@
                 </a:tc>
                 <a:extLst>
                   <a:ext uri="{0D108BD9-81ED-4DB2-BD59-A6C34878D82A}">
-                    <a16:rowId xmlns="" xmlns:a16="http://schemas.microsoft.com/office/drawing/2014/main" val="10001"/>
+                    <a16:rowId xmlns:a16="http://schemas.microsoft.com/office/drawing/2014/main" xmlns="" val="10001"/>
                   </a:ext>
                 </a:extLst>
               </a:tr>
@@ -37024,7 +37288,7 @@
                 </a:tc>
                 <a:extLst>
                   <a:ext uri="{0D108BD9-81ED-4DB2-BD59-A6C34878D82A}">
-                    <a16:rowId xmlns="" xmlns:a16="http://schemas.microsoft.com/office/drawing/2014/main" val="10002"/>
+                    <a16:rowId xmlns:a16="http://schemas.microsoft.com/office/drawing/2014/main" xmlns="" val="10002"/>
                   </a:ext>
                 </a:extLst>
               </a:tr>
@@ -37344,7 +37608,7 @@
                 </a:tc>
                 <a:extLst>
                   <a:ext uri="{0D108BD9-81ED-4DB2-BD59-A6C34878D82A}">
-                    <a16:rowId xmlns="" xmlns:a16="http://schemas.microsoft.com/office/drawing/2014/main" val="10003"/>
+                    <a16:rowId xmlns:a16="http://schemas.microsoft.com/office/drawing/2014/main" xmlns="" val="10003"/>
                   </a:ext>
                 </a:extLst>
               </a:tr>
@@ -37659,7 +37923,7 @@
                 </a:tc>
                 <a:extLst>
                   <a:ext uri="{0D108BD9-81ED-4DB2-BD59-A6C34878D82A}">
-                    <a16:rowId xmlns="" xmlns:a16="http://schemas.microsoft.com/office/drawing/2014/main" val="10004"/>
+                    <a16:rowId xmlns:a16="http://schemas.microsoft.com/office/drawing/2014/main" xmlns="" val="10004"/>
                   </a:ext>
                 </a:extLst>
               </a:tr>
@@ -37990,7 +38254,7 @@
                 </a:tc>
                 <a:extLst>
                   <a:ext uri="{0D108BD9-81ED-4DB2-BD59-A6C34878D82A}">
-                    <a16:rowId xmlns="" xmlns:a16="http://schemas.microsoft.com/office/drawing/2014/main" val="10005"/>
+                    <a16:rowId xmlns:a16="http://schemas.microsoft.com/office/drawing/2014/main" xmlns="" val="10005"/>
                   </a:ext>
                 </a:extLst>
               </a:tr>
@@ -38321,7 +38585,7 @@
                 </a:tc>
                 <a:extLst>
                   <a:ext uri="{0D108BD9-81ED-4DB2-BD59-A6C34878D82A}">
-                    <a16:rowId xmlns="" xmlns:a16="http://schemas.microsoft.com/office/drawing/2014/main" val="10006"/>
+                    <a16:rowId xmlns:a16="http://schemas.microsoft.com/office/drawing/2014/main" xmlns="" val="10006"/>
                   </a:ext>
                 </a:extLst>
               </a:tr>
@@ -38652,7 +38916,7 @@
                 </a:tc>
                 <a:extLst>
                   <a:ext uri="{0D108BD9-81ED-4DB2-BD59-A6C34878D82A}">
-                    <a16:rowId xmlns="" xmlns:a16="http://schemas.microsoft.com/office/drawing/2014/main" val="10007"/>
+                    <a16:rowId xmlns:a16="http://schemas.microsoft.com/office/drawing/2014/main" xmlns="" val="10007"/>
                   </a:ext>
                 </a:extLst>
               </a:tr>
@@ -38983,7 +39247,7 @@
                 </a:tc>
                 <a:extLst>
                   <a:ext uri="{0D108BD9-81ED-4DB2-BD59-A6C34878D82A}">
-                    <a16:rowId xmlns="" xmlns:a16="http://schemas.microsoft.com/office/drawing/2014/main" val="10008"/>
+                    <a16:rowId xmlns:a16="http://schemas.microsoft.com/office/drawing/2014/main" xmlns="" val="10008"/>
                   </a:ext>
                 </a:extLst>
               </a:tr>
@@ -39316,7 +39580,7 @@
                 </a:tc>
                 <a:extLst>
                   <a:ext uri="{0D108BD9-81ED-4DB2-BD59-A6C34878D82A}">
-                    <a16:rowId xmlns="" xmlns:a16="http://schemas.microsoft.com/office/drawing/2014/main" val="10009"/>
+                    <a16:rowId xmlns:a16="http://schemas.microsoft.com/office/drawing/2014/main" xmlns="" val="10009"/>
                   </a:ext>
                 </a:extLst>
               </a:tr>
@@ -39667,7 +39931,7 @@
                 </a:tc>
                 <a:extLst>
                   <a:ext uri="{0D108BD9-81ED-4DB2-BD59-A6C34878D82A}">
-                    <a16:rowId xmlns="" xmlns:a16="http://schemas.microsoft.com/office/drawing/2014/main" val="10010"/>
+                    <a16:rowId xmlns:a16="http://schemas.microsoft.com/office/drawing/2014/main" xmlns="" val="10010"/>
                   </a:ext>
                 </a:extLst>
               </a:tr>
@@ -39998,7 +40262,7 @@
                 </a:tc>
                 <a:extLst>
                   <a:ext uri="{0D108BD9-81ED-4DB2-BD59-A6C34878D82A}">
-                    <a16:rowId xmlns="" xmlns:a16="http://schemas.microsoft.com/office/drawing/2014/main" val="10011"/>
+                    <a16:rowId xmlns:a16="http://schemas.microsoft.com/office/drawing/2014/main" xmlns="" val="10011"/>
                   </a:ext>
                 </a:extLst>
               </a:tr>

--- a/各單位資料供應現況表.pptx
+++ b/各單位資料供應現況表.pptx
@@ -2463,7 +2463,7 @@
                 <a:latin typeface="微軟正黑體" panose="020B0604030504040204" pitchFamily="34" charset="-120"/>
                 <a:ea typeface="微軟正黑體" panose="020B0604030504040204" pitchFamily="34" charset="-120"/>
               </a:rPr>
-              <a:t>2019/10/07)</a:t>
+              <a:t>2019/11/21)</a:t>
             </a:r>
             <a:endParaRPr lang="zh-TW" altLang="en-US" sz="1600" b="1" dirty="0">
               <a:solidFill>
@@ -5317,140 +5317,140 @@
                 <a:gridCol w="826601">
                   <a:extLst>
                     <a:ext uri="{9D8B030D-6E8A-4147-A177-3AD203B41FA5}">
-                      <a16:colId xmlns:a16="http://schemas.microsoft.com/office/drawing/2014/main" xmlns="" val="20003"/>
+                      <a16:colId xmlns="" xmlns:a16="http://schemas.microsoft.com/office/drawing/2014/main" val="20003"/>
                     </a:ext>
                   </a:extLst>
                 </a:gridCol>
                 <a:gridCol w="510169">
                   <a:extLst>
                     <a:ext uri="{9D8B030D-6E8A-4147-A177-3AD203B41FA5}">
-                      <a16:colId xmlns:a16="http://schemas.microsoft.com/office/drawing/2014/main" xmlns="" val="20004"/>
+                      <a16:colId xmlns="" xmlns:a16="http://schemas.microsoft.com/office/drawing/2014/main" val="20004"/>
                     </a:ext>
                   </a:extLst>
                 </a:gridCol>
                 <a:gridCol w="510169">
                   <a:extLst>
                     <a:ext uri="{9D8B030D-6E8A-4147-A177-3AD203B41FA5}">
-                      <a16:colId xmlns:a16="http://schemas.microsoft.com/office/drawing/2014/main" xmlns="" val="20005"/>
+                      <a16:colId xmlns="" xmlns:a16="http://schemas.microsoft.com/office/drawing/2014/main" val="20005"/>
                     </a:ext>
                   </a:extLst>
                 </a:gridCol>
                 <a:gridCol w="510169">
                   <a:extLst>
                     <a:ext uri="{9D8B030D-6E8A-4147-A177-3AD203B41FA5}">
-                      <a16:colId xmlns:a16="http://schemas.microsoft.com/office/drawing/2014/main" xmlns="" val="20006"/>
+                      <a16:colId xmlns="" xmlns:a16="http://schemas.microsoft.com/office/drawing/2014/main" val="20006"/>
                     </a:ext>
                   </a:extLst>
                 </a:gridCol>
                 <a:gridCol w="510169">
                   <a:extLst>
                     <a:ext uri="{9D8B030D-6E8A-4147-A177-3AD203B41FA5}">
-                      <a16:colId xmlns:a16="http://schemas.microsoft.com/office/drawing/2014/main" xmlns="" val="3408207861"/>
+                      <a16:colId xmlns="" xmlns:a16="http://schemas.microsoft.com/office/drawing/2014/main" val="3408207861"/>
                     </a:ext>
                   </a:extLst>
                 </a:gridCol>
                 <a:gridCol w="510169">
                   <a:extLst>
                     <a:ext uri="{9D8B030D-6E8A-4147-A177-3AD203B41FA5}">
-                      <a16:colId xmlns:a16="http://schemas.microsoft.com/office/drawing/2014/main" xmlns="" val="2229076538"/>
+                      <a16:colId xmlns="" xmlns:a16="http://schemas.microsoft.com/office/drawing/2014/main" val="2229076538"/>
                     </a:ext>
                   </a:extLst>
                 </a:gridCol>
                 <a:gridCol w="510169">
                   <a:extLst>
                     <a:ext uri="{9D8B030D-6E8A-4147-A177-3AD203B41FA5}">
-                      <a16:colId xmlns:a16="http://schemas.microsoft.com/office/drawing/2014/main" xmlns="" val="3678966610"/>
+                      <a16:colId xmlns="" xmlns:a16="http://schemas.microsoft.com/office/drawing/2014/main" val="3678966610"/>
                     </a:ext>
                   </a:extLst>
                 </a:gridCol>
                 <a:gridCol w="510169">
                   <a:extLst>
                     <a:ext uri="{9D8B030D-6E8A-4147-A177-3AD203B41FA5}">
-                      <a16:colId xmlns:a16="http://schemas.microsoft.com/office/drawing/2014/main" xmlns="" val="20007"/>
+                      <a16:colId xmlns="" xmlns:a16="http://schemas.microsoft.com/office/drawing/2014/main" val="20007"/>
                     </a:ext>
                   </a:extLst>
                 </a:gridCol>
                 <a:gridCol w="510169">
                   <a:extLst>
                     <a:ext uri="{9D8B030D-6E8A-4147-A177-3AD203B41FA5}">
-                      <a16:colId xmlns:a16="http://schemas.microsoft.com/office/drawing/2014/main" xmlns="" val="20008"/>
+                      <a16:colId xmlns="" xmlns:a16="http://schemas.microsoft.com/office/drawing/2014/main" val="20008"/>
                     </a:ext>
                   </a:extLst>
                 </a:gridCol>
                 <a:gridCol w="510169">
                   <a:extLst>
                     <a:ext uri="{9D8B030D-6E8A-4147-A177-3AD203B41FA5}">
-                      <a16:colId xmlns:a16="http://schemas.microsoft.com/office/drawing/2014/main" xmlns="" val="3280403588"/>
+                      <a16:colId xmlns="" xmlns:a16="http://schemas.microsoft.com/office/drawing/2014/main" val="3280403588"/>
                     </a:ext>
                   </a:extLst>
                 </a:gridCol>
                 <a:gridCol w="510169">
                   <a:extLst>
                     <a:ext uri="{9D8B030D-6E8A-4147-A177-3AD203B41FA5}">
-                      <a16:colId xmlns:a16="http://schemas.microsoft.com/office/drawing/2014/main" xmlns="" val="3626256232"/>
+                      <a16:colId xmlns="" xmlns:a16="http://schemas.microsoft.com/office/drawing/2014/main" val="3626256232"/>
                     </a:ext>
                   </a:extLst>
                 </a:gridCol>
                 <a:gridCol w="510169">
                   <a:extLst>
                     <a:ext uri="{9D8B030D-6E8A-4147-A177-3AD203B41FA5}">
-                      <a16:colId xmlns:a16="http://schemas.microsoft.com/office/drawing/2014/main" xmlns="" val="1479022265"/>
+                      <a16:colId xmlns="" xmlns:a16="http://schemas.microsoft.com/office/drawing/2014/main" val="1479022265"/>
                     </a:ext>
                   </a:extLst>
                 </a:gridCol>
                 <a:gridCol w="510169">
                   <a:extLst>
                     <a:ext uri="{9D8B030D-6E8A-4147-A177-3AD203B41FA5}">
-                      <a16:colId xmlns:a16="http://schemas.microsoft.com/office/drawing/2014/main" xmlns="" val="29243554"/>
+                      <a16:colId xmlns="" xmlns:a16="http://schemas.microsoft.com/office/drawing/2014/main" val="29243554"/>
                     </a:ext>
                   </a:extLst>
                 </a:gridCol>
                 <a:gridCol w="510169">
                   <a:extLst>
                     <a:ext uri="{9D8B030D-6E8A-4147-A177-3AD203B41FA5}">
-                      <a16:colId xmlns:a16="http://schemas.microsoft.com/office/drawing/2014/main" xmlns="" val="1436252718"/>
+                      <a16:colId xmlns="" xmlns:a16="http://schemas.microsoft.com/office/drawing/2014/main" val="1436252718"/>
                     </a:ext>
                   </a:extLst>
                 </a:gridCol>
                 <a:gridCol w="510169">
                   <a:extLst>
                     <a:ext uri="{9D8B030D-6E8A-4147-A177-3AD203B41FA5}">
-                      <a16:colId xmlns:a16="http://schemas.microsoft.com/office/drawing/2014/main" xmlns="" val="20013"/>
+                      <a16:colId xmlns="" xmlns:a16="http://schemas.microsoft.com/office/drawing/2014/main" val="20013"/>
                     </a:ext>
                   </a:extLst>
                 </a:gridCol>
                 <a:gridCol w="510169">
                   <a:extLst>
                     <a:ext uri="{9D8B030D-6E8A-4147-A177-3AD203B41FA5}">
-                      <a16:colId xmlns:a16="http://schemas.microsoft.com/office/drawing/2014/main" xmlns="" val="2227699668"/>
+                      <a16:colId xmlns="" xmlns:a16="http://schemas.microsoft.com/office/drawing/2014/main" val="2227699668"/>
                     </a:ext>
                   </a:extLst>
                 </a:gridCol>
                 <a:gridCol w="510170">
                   <a:extLst>
                     <a:ext uri="{9D8B030D-6E8A-4147-A177-3AD203B41FA5}">
-                      <a16:colId xmlns:a16="http://schemas.microsoft.com/office/drawing/2014/main" xmlns="" val="3451906251"/>
+                      <a16:colId xmlns="" xmlns:a16="http://schemas.microsoft.com/office/drawing/2014/main" val="3451906251"/>
                     </a:ext>
                   </a:extLst>
                 </a:gridCol>
                 <a:gridCol w="510169">
                   <a:extLst>
                     <a:ext uri="{9D8B030D-6E8A-4147-A177-3AD203B41FA5}">
-                      <a16:colId xmlns:a16="http://schemas.microsoft.com/office/drawing/2014/main" xmlns="" val="660092051"/>
+                      <a16:colId xmlns="" xmlns:a16="http://schemas.microsoft.com/office/drawing/2014/main" val="660092051"/>
                     </a:ext>
                   </a:extLst>
                 </a:gridCol>
                 <a:gridCol w="510169">
                   <a:extLst>
                     <a:ext uri="{9D8B030D-6E8A-4147-A177-3AD203B41FA5}">
-                      <a16:colId xmlns:a16="http://schemas.microsoft.com/office/drawing/2014/main" xmlns="" val="2785807340"/>
+                      <a16:colId xmlns="" xmlns:a16="http://schemas.microsoft.com/office/drawing/2014/main" val="2785807340"/>
                     </a:ext>
                   </a:extLst>
                 </a:gridCol>
                 <a:gridCol w="510169">
                   <a:extLst>
                     <a:ext uri="{9D8B030D-6E8A-4147-A177-3AD203B41FA5}">
-                      <a16:colId xmlns:a16="http://schemas.microsoft.com/office/drawing/2014/main" xmlns="" val="20019"/>
+                      <a16:colId xmlns="" xmlns:a16="http://schemas.microsoft.com/office/drawing/2014/main" val="20019"/>
                     </a:ext>
                   </a:extLst>
                 </a:gridCol>
@@ -5713,7 +5713,7 @@
                 </a:tc>
                 <a:extLst>
                   <a:ext uri="{0D108BD9-81ED-4DB2-BD59-A6C34878D82A}">
-                    <a16:rowId xmlns:a16="http://schemas.microsoft.com/office/drawing/2014/main" xmlns="" val="4157930470"/>
+                    <a16:rowId xmlns="" xmlns:a16="http://schemas.microsoft.com/office/drawing/2014/main" val="4157930470"/>
                   </a:ext>
                 </a:extLst>
               </a:tr>
@@ -6212,7 +6212,7 @@
                 </a:tc>
                 <a:extLst>
                   <a:ext uri="{0D108BD9-81ED-4DB2-BD59-A6C34878D82A}">
-                    <a16:rowId xmlns:a16="http://schemas.microsoft.com/office/drawing/2014/main" xmlns="" val="10000"/>
+                    <a16:rowId xmlns="" xmlns:a16="http://schemas.microsoft.com/office/drawing/2014/main" val="10000"/>
                   </a:ext>
                 </a:extLst>
               </a:tr>
@@ -6614,7 +6614,7 @@
                 </a:tc>
                 <a:extLst>
                   <a:ext uri="{0D108BD9-81ED-4DB2-BD59-A6C34878D82A}">
-                    <a16:rowId xmlns:a16="http://schemas.microsoft.com/office/drawing/2014/main" xmlns="" val="10002"/>
+                    <a16:rowId xmlns="" xmlns:a16="http://schemas.microsoft.com/office/drawing/2014/main" val="10002"/>
                   </a:ext>
                 </a:extLst>
               </a:tr>
@@ -7207,7 +7207,7 @@
                 </a:tc>
                 <a:extLst>
                   <a:ext uri="{0D108BD9-81ED-4DB2-BD59-A6C34878D82A}">
-                    <a16:rowId xmlns:a16="http://schemas.microsoft.com/office/drawing/2014/main" xmlns="" val="3675162025"/>
+                    <a16:rowId xmlns="" xmlns:a16="http://schemas.microsoft.com/office/drawing/2014/main" val="3675162025"/>
                   </a:ext>
                 </a:extLst>
               </a:tr>
@@ -7832,7 +7832,7 @@
                 </a:tc>
                 <a:extLst>
                   <a:ext uri="{0D108BD9-81ED-4DB2-BD59-A6C34878D82A}">
-                    <a16:rowId xmlns:a16="http://schemas.microsoft.com/office/drawing/2014/main" xmlns="" val="3832608764"/>
+                    <a16:rowId xmlns="" xmlns:a16="http://schemas.microsoft.com/office/drawing/2014/main" val="3832608764"/>
                   </a:ext>
                 </a:extLst>
               </a:tr>
@@ -8347,7 +8347,7 @@
                 </a:tc>
                 <a:extLst>
                   <a:ext uri="{0D108BD9-81ED-4DB2-BD59-A6C34878D82A}">
-                    <a16:rowId xmlns:a16="http://schemas.microsoft.com/office/drawing/2014/main" xmlns="" val="2613742521"/>
+                    <a16:rowId xmlns="" xmlns:a16="http://schemas.microsoft.com/office/drawing/2014/main" val="2613742521"/>
                   </a:ext>
                 </a:extLst>
               </a:tr>
@@ -8862,7 +8862,7 @@
                 </a:tc>
                 <a:extLst>
                   <a:ext uri="{0D108BD9-81ED-4DB2-BD59-A6C34878D82A}">
-                    <a16:rowId xmlns:a16="http://schemas.microsoft.com/office/drawing/2014/main" xmlns="" val="1381442428"/>
+                    <a16:rowId xmlns="" xmlns:a16="http://schemas.microsoft.com/office/drawing/2014/main" val="1381442428"/>
                   </a:ext>
                 </a:extLst>
               </a:tr>
@@ -9456,7 +9456,7 @@
                 </a:tc>
                 <a:extLst>
                   <a:ext uri="{0D108BD9-81ED-4DB2-BD59-A6C34878D82A}">
-                    <a16:rowId xmlns:a16="http://schemas.microsoft.com/office/drawing/2014/main" xmlns="" val="4102929731"/>
+                    <a16:rowId xmlns="" xmlns:a16="http://schemas.microsoft.com/office/drawing/2014/main" val="4102929731"/>
                   </a:ext>
                 </a:extLst>
               </a:tr>
@@ -9984,7 +9984,7 @@
                 </a:tc>
                 <a:extLst>
                   <a:ext uri="{0D108BD9-81ED-4DB2-BD59-A6C34878D82A}">
-                    <a16:rowId xmlns:a16="http://schemas.microsoft.com/office/drawing/2014/main" xmlns="" val="2526977750"/>
+                    <a16:rowId xmlns="" xmlns:a16="http://schemas.microsoft.com/office/drawing/2014/main" val="2526977750"/>
                   </a:ext>
                 </a:extLst>
               </a:tr>
@@ -10540,7 +10540,7 @@
                 </a:tc>
                 <a:extLst>
                   <a:ext uri="{0D108BD9-81ED-4DB2-BD59-A6C34878D82A}">
-                    <a16:rowId xmlns:a16="http://schemas.microsoft.com/office/drawing/2014/main" xmlns="" val="10001"/>
+                    <a16:rowId xmlns="" xmlns:a16="http://schemas.microsoft.com/office/drawing/2014/main" val="10001"/>
                   </a:ext>
                 </a:extLst>
               </a:tr>
@@ -11094,7 +11094,7 @@
                 </a:tc>
                 <a:extLst>
                   <a:ext uri="{0D108BD9-81ED-4DB2-BD59-A6C34878D82A}">
-                    <a16:rowId xmlns:a16="http://schemas.microsoft.com/office/drawing/2014/main" xmlns="" val="10006"/>
+                    <a16:rowId xmlns="" xmlns:a16="http://schemas.microsoft.com/office/drawing/2014/main" val="10006"/>
                   </a:ext>
                 </a:extLst>
               </a:tr>
@@ -11648,7 +11648,7 @@
                 </a:tc>
                 <a:extLst>
                   <a:ext uri="{0D108BD9-81ED-4DB2-BD59-A6C34878D82A}">
-                    <a16:rowId xmlns:a16="http://schemas.microsoft.com/office/drawing/2014/main" xmlns="" val="10007"/>
+                    <a16:rowId xmlns="" xmlns:a16="http://schemas.microsoft.com/office/drawing/2014/main" val="10007"/>
                   </a:ext>
                 </a:extLst>
               </a:tr>
@@ -12202,7 +12202,7 @@
                 </a:tc>
                 <a:extLst>
                   <a:ext uri="{0D108BD9-81ED-4DB2-BD59-A6C34878D82A}">
-                    <a16:rowId xmlns:a16="http://schemas.microsoft.com/office/drawing/2014/main" xmlns="" val="10008"/>
+                    <a16:rowId xmlns="" xmlns:a16="http://schemas.microsoft.com/office/drawing/2014/main" val="10008"/>
                   </a:ext>
                 </a:extLst>
               </a:tr>
@@ -12758,7 +12758,7 @@
                 </a:tc>
                 <a:extLst>
                   <a:ext uri="{0D108BD9-81ED-4DB2-BD59-A6C34878D82A}">
-                    <a16:rowId xmlns:a16="http://schemas.microsoft.com/office/drawing/2014/main" xmlns="" val="10010"/>
+                    <a16:rowId xmlns="" xmlns:a16="http://schemas.microsoft.com/office/drawing/2014/main" val="10010"/>
                   </a:ext>
                 </a:extLst>
               </a:tr>
@@ -13309,7 +13309,7 @@
                 </a:tc>
                 <a:extLst>
                   <a:ext uri="{0D108BD9-81ED-4DB2-BD59-A6C34878D82A}">
-                    <a16:rowId xmlns:a16="http://schemas.microsoft.com/office/drawing/2014/main" xmlns="" val="1396562496"/>
+                    <a16:rowId xmlns="" xmlns:a16="http://schemas.microsoft.com/office/drawing/2014/main" val="1396562496"/>
                   </a:ext>
                 </a:extLst>
               </a:tr>
@@ -13896,140 +13896,140 @@
                 <a:gridCol w="901444">
                   <a:extLst>
                     <a:ext uri="{9D8B030D-6E8A-4147-A177-3AD203B41FA5}">
-                      <a16:colId xmlns:a16="http://schemas.microsoft.com/office/drawing/2014/main" xmlns="" val="20003"/>
+                      <a16:colId xmlns="" xmlns:a16="http://schemas.microsoft.com/office/drawing/2014/main" val="20003"/>
                     </a:ext>
                   </a:extLst>
                 </a:gridCol>
                 <a:gridCol w="501772">
                   <a:extLst>
                     <a:ext uri="{9D8B030D-6E8A-4147-A177-3AD203B41FA5}">
-                      <a16:colId xmlns:a16="http://schemas.microsoft.com/office/drawing/2014/main" xmlns="" val="20004"/>
+                      <a16:colId xmlns="" xmlns:a16="http://schemas.microsoft.com/office/drawing/2014/main" val="20004"/>
                     </a:ext>
                   </a:extLst>
                 </a:gridCol>
                 <a:gridCol w="501772">
                   <a:extLst>
                     <a:ext uri="{9D8B030D-6E8A-4147-A177-3AD203B41FA5}">
-                      <a16:colId xmlns:a16="http://schemas.microsoft.com/office/drawing/2014/main" xmlns="" val="20005"/>
+                      <a16:colId xmlns="" xmlns:a16="http://schemas.microsoft.com/office/drawing/2014/main" val="20005"/>
                     </a:ext>
                   </a:extLst>
                 </a:gridCol>
                 <a:gridCol w="501772">
                   <a:extLst>
                     <a:ext uri="{9D8B030D-6E8A-4147-A177-3AD203B41FA5}">
-                      <a16:colId xmlns:a16="http://schemas.microsoft.com/office/drawing/2014/main" xmlns="" val="20006"/>
+                      <a16:colId xmlns="" xmlns:a16="http://schemas.microsoft.com/office/drawing/2014/main" val="20006"/>
                     </a:ext>
                   </a:extLst>
                 </a:gridCol>
                 <a:gridCol w="501772">
                   <a:extLst>
                     <a:ext uri="{9D8B030D-6E8A-4147-A177-3AD203B41FA5}">
-                      <a16:colId xmlns:a16="http://schemas.microsoft.com/office/drawing/2014/main" xmlns="" val="3428608293"/>
+                      <a16:colId xmlns="" xmlns:a16="http://schemas.microsoft.com/office/drawing/2014/main" val="3428608293"/>
                     </a:ext>
                   </a:extLst>
                 </a:gridCol>
                 <a:gridCol w="501772">
                   <a:extLst>
                     <a:ext uri="{9D8B030D-6E8A-4147-A177-3AD203B41FA5}">
-                      <a16:colId xmlns:a16="http://schemas.microsoft.com/office/drawing/2014/main" xmlns="" val="2688910496"/>
+                      <a16:colId xmlns="" xmlns:a16="http://schemas.microsoft.com/office/drawing/2014/main" val="2688910496"/>
                     </a:ext>
                   </a:extLst>
                 </a:gridCol>
                 <a:gridCol w="501772">
                   <a:extLst>
                     <a:ext uri="{9D8B030D-6E8A-4147-A177-3AD203B41FA5}">
-                      <a16:colId xmlns:a16="http://schemas.microsoft.com/office/drawing/2014/main" xmlns="" val="3678966610"/>
+                      <a16:colId xmlns="" xmlns:a16="http://schemas.microsoft.com/office/drawing/2014/main" val="3678966610"/>
                     </a:ext>
                   </a:extLst>
                 </a:gridCol>
                 <a:gridCol w="501772">
                   <a:extLst>
                     <a:ext uri="{9D8B030D-6E8A-4147-A177-3AD203B41FA5}">
-                      <a16:colId xmlns:a16="http://schemas.microsoft.com/office/drawing/2014/main" xmlns="" val="20007"/>
+                      <a16:colId xmlns="" xmlns:a16="http://schemas.microsoft.com/office/drawing/2014/main" val="20007"/>
                     </a:ext>
                   </a:extLst>
                 </a:gridCol>
                 <a:gridCol w="501772">
                   <a:extLst>
                     <a:ext uri="{9D8B030D-6E8A-4147-A177-3AD203B41FA5}">
-                      <a16:colId xmlns:a16="http://schemas.microsoft.com/office/drawing/2014/main" xmlns="" val="20008"/>
+                      <a16:colId xmlns="" xmlns:a16="http://schemas.microsoft.com/office/drawing/2014/main" val="20008"/>
                     </a:ext>
                   </a:extLst>
                 </a:gridCol>
                 <a:gridCol w="501772">
                   <a:extLst>
                     <a:ext uri="{9D8B030D-6E8A-4147-A177-3AD203B41FA5}">
-                      <a16:colId xmlns:a16="http://schemas.microsoft.com/office/drawing/2014/main" xmlns="" val="3609824002"/>
+                      <a16:colId xmlns="" xmlns:a16="http://schemas.microsoft.com/office/drawing/2014/main" val="3609824002"/>
                     </a:ext>
                   </a:extLst>
                 </a:gridCol>
                 <a:gridCol w="501772">
                   <a:extLst>
                     <a:ext uri="{9D8B030D-6E8A-4147-A177-3AD203B41FA5}">
-                      <a16:colId xmlns:a16="http://schemas.microsoft.com/office/drawing/2014/main" xmlns="" val="1419103565"/>
+                      <a16:colId xmlns="" xmlns:a16="http://schemas.microsoft.com/office/drawing/2014/main" val="1419103565"/>
                     </a:ext>
                   </a:extLst>
                 </a:gridCol>
                 <a:gridCol w="501772">
                   <a:extLst>
                     <a:ext uri="{9D8B030D-6E8A-4147-A177-3AD203B41FA5}">
-                      <a16:colId xmlns:a16="http://schemas.microsoft.com/office/drawing/2014/main" xmlns="" val="2051610090"/>
+                      <a16:colId xmlns="" xmlns:a16="http://schemas.microsoft.com/office/drawing/2014/main" val="2051610090"/>
                     </a:ext>
                   </a:extLst>
                 </a:gridCol>
                 <a:gridCol w="501772">
                   <a:extLst>
                     <a:ext uri="{9D8B030D-6E8A-4147-A177-3AD203B41FA5}">
-                      <a16:colId xmlns:a16="http://schemas.microsoft.com/office/drawing/2014/main" xmlns="" val="29243554"/>
+                      <a16:colId xmlns="" xmlns:a16="http://schemas.microsoft.com/office/drawing/2014/main" val="29243554"/>
                     </a:ext>
                   </a:extLst>
                 </a:gridCol>
                 <a:gridCol w="501772">
                   <a:extLst>
                     <a:ext uri="{9D8B030D-6E8A-4147-A177-3AD203B41FA5}">
-                      <a16:colId xmlns:a16="http://schemas.microsoft.com/office/drawing/2014/main" xmlns="" val="1436252718"/>
+                      <a16:colId xmlns="" xmlns:a16="http://schemas.microsoft.com/office/drawing/2014/main" val="1436252718"/>
                     </a:ext>
                   </a:extLst>
                 </a:gridCol>
                 <a:gridCol w="501772">
                   <a:extLst>
                     <a:ext uri="{9D8B030D-6E8A-4147-A177-3AD203B41FA5}">
-                      <a16:colId xmlns:a16="http://schemas.microsoft.com/office/drawing/2014/main" xmlns="" val="963690119"/>
+                      <a16:colId xmlns="" xmlns:a16="http://schemas.microsoft.com/office/drawing/2014/main" val="963690119"/>
                     </a:ext>
                   </a:extLst>
                 </a:gridCol>
                 <a:gridCol w="501772">
                   <a:extLst>
                     <a:ext uri="{9D8B030D-6E8A-4147-A177-3AD203B41FA5}">
-                      <a16:colId xmlns:a16="http://schemas.microsoft.com/office/drawing/2014/main" xmlns="" val="2227699668"/>
+                      <a16:colId xmlns="" xmlns:a16="http://schemas.microsoft.com/office/drawing/2014/main" val="2227699668"/>
                     </a:ext>
                   </a:extLst>
                 </a:gridCol>
                 <a:gridCol w="501772">
                   <a:extLst>
                     <a:ext uri="{9D8B030D-6E8A-4147-A177-3AD203B41FA5}">
-                      <a16:colId xmlns:a16="http://schemas.microsoft.com/office/drawing/2014/main" xmlns="" val="1987638318"/>
+                      <a16:colId xmlns="" xmlns:a16="http://schemas.microsoft.com/office/drawing/2014/main" val="1987638318"/>
                     </a:ext>
                   </a:extLst>
                 </a:gridCol>
                 <a:gridCol w="501772">
                   <a:extLst>
                     <a:ext uri="{9D8B030D-6E8A-4147-A177-3AD203B41FA5}">
-                      <a16:colId xmlns:a16="http://schemas.microsoft.com/office/drawing/2014/main" xmlns="" val="1636838614"/>
+                      <a16:colId xmlns="" xmlns:a16="http://schemas.microsoft.com/office/drawing/2014/main" val="1636838614"/>
                     </a:ext>
                   </a:extLst>
                 </a:gridCol>
                 <a:gridCol w="501772">
                   <a:extLst>
                     <a:ext uri="{9D8B030D-6E8A-4147-A177-3AD203B41FA5}">
-                      <a16:colId xmlns:a16="http://schemas.microsoft.com/office/drawing/2014/main" xmlns="" val="1332406281"/>
+                      <a16:colId xmlns="" xmlns:a16="http://schemas.microsoft.com/office/drawing/2014/main" val="1332406281"/>
                     </a:ext>
                   </a:extLst>
                 </a:gridCol>
                 <a:gridCol w="501772">
                   <a:extLst>
                     <a:ext uri="{9D8B030D-6E8A-4147-A177-3AD203B41FA5}">
-                      <a16:colId xmlns:a16="http://schemas.microsoft.com/office/drawing/2014/main" xmlns="" val="20019"/>
+                      <a16:colId xmlns="" xmlns:a16="http://schemas.microsoft.com/office/drawing/2014/main" val="20019"/>
                     </a:ext>
                   </a:extLst>
                 </a:gridCol>
@@ -14296,7 +14296,7 @@
                 </a:tc>
                 <a:extLst>
                   <a:ext uri="{0D108BD9-81ED-4DB2-BD59-A6C34878D82A}">
-                    <a16:rowId xmlns:a16="http://schemas.microsoft.com/office/drawing/2014/main" xmlns="" val="4157930470"/>
+                    <a16:rowId xmlns="" xmlns:a16="http://schemas.microsoft.com/office/drawing/2014/main" val="4157930470"/>
                   </a:ext>
                 </a:extLst>
               </a:tr>
@@ -14829,7 +14829,7 @@
                 </a:tc>
                 <a:extLst>
                   <a:ext uri="{0D108BD9-81ED-4DB2-BD59-A6C34878D82A}">
-                    <a16:rowId xmlns:a16="http://schemas.microsoft.com/office/drawing/2014/main" xmlns="" val="10000"/>
+                    <a16:rowId xmlns="" xmlns:a16="http://schemas.microsoft.com/office/drawing/2014/main" val="10000"/>
                   </a:ext>
                 </a:extLst>
               </a:tr>
@@ -15131,7 +15131,7 @@
                 </a:tc>
                 <a:extLst>
                   <a:ext uri="{0D108BD9-81ED-4DB2-BD59-A6C34878D82A}">
-                    <a16:rowId xmlns:a16="http://schemas.microsoft.com/office/drawing/2014/main" xmlns="" val="10005"/>
+                    <a16:rowId xmlns="" xmlns:a16="http://schemas.microsoft.com/office/drawing/2014/main" val="10005"/>
                   </a:ext>
                 </a:extLst>
               </a:tr>
@@ -15668,7 +15668,7 @@
                 </a:tc>
                 <a:extLst>
                   <a:ext uri="{0D108BD9-81ED-4DB2-BD59-A6C34878D82A}">
-                    <a16:rowId xmlns:a16="http://schemas.microsoft.com/office/drawing/2014/main" xmlns="" val="10002"/>
+                    <a16:rowId xmlns="" xmlns:a16="http://schemas.microsoft.com/office/drawing/2014/main" val="10002"/>
                   </a:ext>
                 </a:extLst>
               </a:tr>
@@ -16205,7 +16205,7 @@
                 </a:tc>
                 <a:extLst>
                   <a:ext uri="{0D108BD9-81ED-4DB2-BD59-A6C34878D82A}">
-                    <a16:rowId xmlns:a16="http://schemas.microsoft.com/office/drawing/2014/main" xmlns="" val="10003"/>
+                    <a16:rowId xmlns="" xmlns:a16="http://schemas.microsoft.com/office/drawing/2014/main" val="10003"/>
                   </a:ext>
                 </a:extLst>
               </a:tr>
@@ -16742,7 +16742,7 @@
                 </a:tc>
                 <a:extLst>
                   <a:ext uri="{0D108BD9-81ED-4DB2-BD59-A6C34878D82A}">
-                    <a16:rowId xmlns:a16="http://schemas.microsoft.com/office/drawing/2014/main" xmlns="" val="10004"/>
+                    <a16:rowId xmlns="" xmlns:a16="http://schemas.microsoft.com/office/drawing/2014/main" val="10004"/>
                   </a:ext>
                 </a:extLst>
               </a:tr>
@@ -17279,7 +17279,7 @@
                 </a:tc>
                 <a:extLst>
                   <a:ext uri="{0D108BD9-81ED-4DB2-BD59-A6C34878D82A}">
-                    <a16:rowId xmlns:a16="http://schemas.microsoft.com/office/drawing/2014/main" xmlns="" val="10007"/>
+                    <a16:rowId xmlns="" xmlns:a16="http://schemas.microsoft.com/office/drawing/2014/main" val="10007"/>
                   </a:ext>
                 </a:extLst>
               </a:tr>
@@ -17816,7 +17816,7 @@
                 </a:tc>
                 <a:extLst>
                   <a:ext uri="{0D108BD9-81ED-4DB2-BD59-A6C34878D82A}">
-                    <a16:rowId xmlns:a16="http://schemas.microsoft.com/office/drawing/2014/main" xmlns="" val="10008"/>
+                    <a16:rowId xmlns="" xmlns:a16="http://schemas.microsoft.com/office/drawing/2014/main" val="10008"/>
                   </a:ext>
                 </a:extLst>
               </a:tr>
@@ -18353,7 +18353,7 @@
                 </a:tc>
                 <a:extLst>
                   <a:ext uri="{0D108BD9-81ED-4DB2-BD59-A6C34878D82A}">
-                    <a16:rowId xmlns:a16="http://schemas.microsoft.com/office/drawing/2014/main" xmlns="" val="10009"/>
+                    <a16:rowId xmlns="" xmlns:a16="http://schemas.microsoft.com/office/drawing/2014/main" val="10009"/>
                   </a:ext>
                 </a:extLst>
               </a:tr>
@@ -18900,7 +18900,7 @@
                 </a:tc>
                 <a:extLst>
                   <a:ext uri="{0D108BD9-81ED-4DB2-BD59-A6C34878D82A}">
-                    <a16:rowId xmlns:a16="http://schemas.microsoft.com/office/drawing/2014/main" xmlns="" val="2234251665"/>
+                    <a16:rowId xmlns="" xmlns:a16="http://schemas.microsoft.com/office/drawing/2014/main" val="2234251665"/>
                   </a:ext>
                 </a:extLst>
               </a:tr>
@@ -19426,7 +19426,7 @@
                 </a:tc>
                 <a:extLst>
                   <a:ext uri="{0D108BD9-81ED-4DB2-BD59-A6C34878D82A}">
-                    <a16:rowId xmlns:a16="http://schemas.microsoft.com/office/drawing/2014/main" xmlns="" val="2106796917"/>
+                    <a16:rowId xmlns="" xmlns:a16="http://schemas.microsoft.com/office/drawing/2014/main" val="2106796917"/>
                   </a:ext>
                 </a:extLst>
               </a:tr>
@@ -19968,7 +19968,7 @@
                 </a:tc>
                 <a:extLst>
                   <a:ext uri="{0D108BD9-81ED-4DB2-BD59-A6C34878D82A}">
-                    <a16:rowId xmlns:a16="http://schemas.microsoft.com/office/drawing/2014/main" xmlns="" val="3710798345"/>
+                    <a16:rowId xmlns="" xmlns:a16="http://schemas.microsoft.com/office/drawing/2014/main" val="3710798345"/>
                   </a:ext>
                 </a:extLst>
               </a:tr>
@@ -20494,7 +20494,7 @@
                 </a:tc>
                 <a:extLst>
                   <a:ext uri="{0D108BD9-81ED-4DB2-BD59-A6C34878D82A}">
-                    <a16:rowId xmlns:a16="http://schemas.microsoft.com/office/drawing/2014/main" xmlns="" val="2533665971"/>
+                    <a16:rowId xmlns="" xmlns:a16="http://schemas.microsoft.com/office/drawing/2014/main" val="2533665971"/>
                   </a:ext>
                 </a:extLst>
               </a:tr>
@@ -21004,7 +21004,7 @@
                 </a:tc>
                 <a:extLst>
                   <a:ext uri="{0D108BD9-81ED-4DB2-BD59-A6C34878D82A}">
-                    <a16:rowId xmlns:a16="http://schemas.microsoft.com/office/drawing/2014/main" xmlns="" val="10010"/>
+                    <a16:rowId xmlns="" xmlns:a16="http://schemas.microsoft.com/office/drawing/2014/main" val="10010"/>
                   </a:ext>
                 </a:extLst>
               </a:tr>
@@ -21818,7 +21818,7 @@
                 </a:tc>
                 <a:extLst>
                   <a:ext uri="{0D108BD9-81ED-4DB2-BD59-A6C34878D82A}">
-                    <a16:rowId xmlns:a16="http://schemas.microsoft.com/office/drawing/2014/main" xmlns="" val="2811962193"/>
+                    <a16:rowId xmlns="" xmlns:a16="http://schemas.microsoft.com/office/drawing/2014/main" val="2811962193"/>
                   </a:ext>
                 </a:extLst>
               </a:tr>
@@ -22414,126 +22414,126 @@
                 <a:gridCol w="610457">
                   <a:extLst>
                     <a:ext uri="{9D8B030D-6E8A-4147-A177-3AD203B41FA5}">
-                      <a16:colId xmlns:a16="http://schemas.microsoft.com/office/drawing/2014/main" xmlns="" val="20003"/>
+                      <a16:colId xmlns="" xmlns:a16="http://schemas.microsoft.com/office/drawing/2014/main" val="20003"/>
                     </a:ext>
                   </a:extLst>
                 </a:gridCol>
                 <a:gridCol w="531047">
                   <a:extLst>
                     <a:ext uri="{9D8B030D-6E8A-4147-A177-3AD203B41FA5}">
-                      <a16:colId xmlns:a16="http://schemas.microsoft.com/office/drawing/2014/main" xmlns="" val="20004"/>
+                      <a16:colId xmlns="" xmlns:a16="http://schemas.microsoft.com/office/drawing/2014/main" val="20004"/>
                     </a:ext>
                   </a:extLst>
                 </a:gridCol>
                 <a:gridCol w="531047">
                   <a:extLst>
                     <a:ext uri="{9D8B030D-6E8A-4147-A177-3AD203B41FA5}">
-                      <a16:colId xmlns:a16="http://schemas.microsoft.com/office/drawing/2014/main" xmlns="" val="3393601540"/>
+                      <a16:colId xmlns="" xmlns:a16="http://schemas.microsoft.com/office/drawing/2014/main" val="3393601540"/>
                     </a:ext>
                   </a:extLst>
                 </a:gridCol>
                 <a:gridCol w="531047">
                   <a:extLst>
                     <a:ext uri="{9D8B030D-6E8A-4147-A177-3AD203B41FA5}">
-                      <a16:colId xmlns:a16="http://schemas.microsoft.com/office/drawing/2014/main" xmlns="" val="3679918837"/>
+                      <a16:colId xmlns="" xmlns:a16="http://schemas.microsoft.com/office/drawing/2014/main" val="3679918837"/>
                     </a:ext>
                   </a:extLst>
                 </a:gridCol>
                 <a:gridCol w="514332">
                   <a:extLst>
                     <a:ext uri="{9D8B030D-6E8A-4147-A177-3AD203B41FA5}">
-                      <a16:colId xmlns:a16="http://schemas.microsoft.com/office/drawing/2014/main" xmlns="" val="2897207107"/>
+                      <a16:colId xmlns="" xmlns:a16="http://schemas.microsoft.com/office/drawing/2014/main" val="2897207107"/>
                     </a:ext>
                   </a:extLst>
                 </a:gridCol>
                 <a:gridCol w="514332">
                   <a:extLst>
                     <a:ext uri="{9D8B030D-6E8A-4147-A177-3AD203B41FA5}">
-                      <a16:colId xmlns:a16="http://schemas.microsoft.com/office/drawing/2014/main" xmlns="" val="2482035779"/>
+                      <a16:colId xmlns="" xmlns:a16="http://schemas.microsoft.com/office/drawing/2014/main" val="2482035779"/>
                     </a:ext>
                   </a:extLst>
                 </a:gridCol>
                 <a:gridCol w="514332">
                   <a:extLst>
                     <a:ext uri="{9D8B030D-6E8A-4147-A177-3AD203B41FA5}">
-                      <a16:colId xmlns:a16="http://schemas.microsoft.com/office/drawing/2014/main" xmlns="" val="3678108844"/>
+                      <a16:colId xmlns="" xmlns:a16="http://schemas.microsoft.com/office/drawing/2014/main" val="3678108844"/>
                     </a:ext>
                   </a:extLst>
                 </a:gridCol>
                 <a:gridCol w="514332">
                   <a:extLst>
                     <a:ext uri="{9D8B030D-6E8A-4147-A177-3AD203B41FA5}">
-                      <a16:colId xmlns:a16="http://schemas.microsoft.com/office/drawing/2014/main" xmlns="" val="1513467911"/>
+                      <a16:colId xmlns="" xmlns:a16="http://schemas.microsoft.com/office/drawing/2014/main" val="1513467911"/>
                     </a:ext>
                   </a:extLst>
                 </a:gridCol>
                 <a:gridCol w="514332">
                   <a:extLst>
                     <a:ext uri="{9D8B030D-6E8A-4147-A177-3AD203B41FA5}">
-                      <a16:colId xmlns:a16="http://schemas.microsoft.com/office/drawing/2014/main" xmlns="" val="20008"/>
+                      <a16:colId xmlns="" xmlns:a16="http://schemas.microsoft.com/office/drawing/2014/main" val="20008"/>
                     </a:ext>
                   </a:extLst>
                 </a:gridCol>
                 <a:gridCol w="514332">
                   <a:extLst>
                     <a:ext uri="{9D8B030D-6E8A-4147-A177-3AD203B41FA5}">
-                      <a16:colId xmlns:a16="http://schemas.microsoft.com/office/drawing/2014/main" xmlns="" val="3474974294"/>
+                      <a16:colId xmlns="" xmlns:a16="http://schemas.microsoft.com/office/drawing/2014/main" val="3474974294"/>
                     </a:ext>
                   </a:extLst>
                 </a:gridCol>
                 <a:gridCol w="514332">
                   <a:extLst>
                     <a:ext uri="{9D8B030D-6E8A-4147-A177-3AD203B41FA5}">
-                      <a16:colId xmlns:a16="http://schemas.microsoft.com/office/drawing/2014/main" xmlns="" val="2739021416"/>
+                      <a16:colId xmlns="" xmlns:a16="http://schemas.microsoft.com/office/drawing/2014/main" val="2739021416"/>
                     </a:ext>
                   </a:extLst>
                 </a:gridCol>
                 <a:gridCol w="514332">
                   <a:extLst>
                     <a:ext uri="{9D8B030D-6E8A-4147-A177-3AD203B41FA5}">
-                      <a16:colId xmlns:a16="http://schemas.microsoft.com/office/drawing/2014/main" xmlns="" val="876172250"/>
+                      <a16:colId xmlns="" xmlns:a16="http://schemas.microsoft.com/office/drawing/2014/main" val="876172250"/>
                     </a:ext>
                   </a:extLst>
                 </a:gridCol>
                 <a:gridCol w="514332">
                   <a:extLst>
                     <a:ext uri="{9D8B030D-6E8A-4147-A177-3AD203B41FA5}">
-                      <a16:colId xmlns:a16="http://schemas.microsoft.com/office/drawing/2014/main" xmlns="" val="20011"/>
+                      <a16:colId xmlns="" xmlns:a16="http://schemas.microsoft.com/office/drawing/2014/main" val="20011"/>
                     </a:ext>
                   </a:extLst>
                 </a:gridCol>
                 <a:gridCol w="514332">
                   <a:extLst>
                     <a:ext uri="{9D8B030D-6E8A-4147-A177-3AD203B41FA5}">
-                      <a16:colId xmlns:a16="http://schemas.microsoft.com/office/drawing/2014/main" xmlns="" val="20012"/>
+                      <a16:colId xmlns="" xmlns:a16="http://schemas.microsoft.com/office/drawing/2014/main" val="20012"/>
                     </a:ext>
                   </a:extLst>
                 </a:gridCol>
                 <a:gridCol w="514332">
                   <a:extLst>
                     <a:ext uri="{9D8B030D-6E8A-4147-A177-3AD203B41FA5}">
-                      <a16:colId xmlns:a16="http://schemas.microsoft.com/office/drawing/2014/main" xmlns="" val="20005"/>
+                      <a16:colId xmlns="" xmlns:a16="http://schemas.microsoft.com/office/drawing/2014/main" val="20005"/>
                     </a:ext>
                   </a:extLst>
                 </a:gridCol>
                 <a:gridCol w="514332">
                   <a:extLst>
                     <a:ext uri="{9D8B030D-6E8A-4147-A177-3AD203B41FA5}">
-                      <a16:colId xmlns:a16="http://schemas.microsoft.com/office/drawing/2014/main" xmlns="" val="3644493182"/>
+                      <a16:colId xmlns="" xmlns:a16="http://schemas.microsoft.com/office/drawing/2014/main" val="3644493182"/>
                     </a:ext>
                   </a:extLst>
                 </a:gridCol>
                 <a:gridCol w="514332">
                   <a:extLst>
                     <a:ext uri="{9D8B030D-6E8A-4147-A177-3AD203B41FA5}">
-                      <a16:colId xmlns:a16="http://schemas.microsoft.com/office/drawing/2014/main" xmlns="" val="20016"/>
+                      <a16:colId xmlns="" xmlns:a16="http://schemas.microsoft.com/office/drawing/2014/main" val="20016"/>
                     </a:ext>
                   </a:extLst>
                 </a:gridCol>
                 <a:gridCol w="514332">
                   <a:extLst>
                     <a:ext uri="{9D8B030D-6E8A-4147-A177-3AD203B41FA5}">
-                      <a16:colId xmlns:a16="http://schemas.microsoft.com/office/drawing/2014/main" xmlns="" val="20017"/>
+                      <a16:colId xmlns="" xmlns:a16="http://schemas.microsoft.com/office/drawing/2014/main" val="20017"/>
                     </a:ext>
                   </a:extLst>
                 </a:gridCol>
@@ -22806,7 +22806,7 @@
                 </a:tc>
                 <a:extLst>
                   <a:ext uri="{0D108BD9-81ED-4DB2-BD59-A6C34878D82A}">
-                    <a16:rowId xmlns:a16="http://schemas.microsoft.com/office/drawing/2014/main" xmlns="" val="4157930470"/>
+                    <a16:rowId xmlns="" xmlns:a16="http://schemas.microsoft.com/office/drawing/2014/main" val="4157930470"/>
                   </a:ext>
                 </a:extLst>
               </a:tr>
@@ -23449,7 +23449,7 @@
                 </a:tc>
                 <a:extLst>
                   <a:ext uri="{0D108BD9-81ED-4DB2-BD59-A6C34878D82A}">
-                    <a16:rowId xmlns:a16="http://schemas.microsoft.com/office/drawing/2014/main" xmlns="" val="10000"/>
+                    <a16:rowId xmlns="" xmlns:a16="http://schemas.microsoft.com/office/drawing/2014/main" val="10000"/>
                   </a:ext>
                 </a:extLst>
               </a:tr>
@@ -24084,7 +24084,7 @@
                 </a:tc>
                 <a:extLst>
                   <a:ext uri="{0D108BD9-81ED-4DB2-BD59-A6C34878D82A}">
-                    <a16:rowId xmlns:a16="http://schemas.microsoft.com/office/drawing/2014/main" xmlns="" val="10002"/>
+                    <a16:rowId xmlns="" xmlns:a16="http://schemas.microsoft.com/office/drawing/2014/main" val="10002"/>
                   </a:ext>
                 </a:extLst>
               </a:tr>
@@ -24694,7 +24694,7 @@
                 </a:tc>
                 <a:extLst>
                   <a:ext uri="{0D108BD9-81ED-4DB2-BD59-A6C34878D82A}">
-                    <a16:rowId xmlns:a16="http://schemas.microsoft.com/office/drawing/2014/main" xmlns="" val="10003"/>
+                    <a16:rowId xmlns="" xmlns:a16="http://schemas.microsoft.com/office/drawing/2014/main" val="10003"/>
                   </a:ext>
                 </a:extLst>
               </a:tr>
@@ -24730,140 +24730,140 @@
                 <a:gridCol w="678743">
                   <a:extLst>
                     <a:ext uri="{9D8B030D-6E8A-4147-A177-3AD203B41FA5}">
-                      <a16:colId xmlns:a16="http://schemas.microsoft.com/office/drawing/2014/main" xmlns="" val="20003"/>
+                      <a16:colId xmlns="" xmlns:a16="http://schemas.microsoft.com/office/drawing/2014/main" val="20003"/>
                     </a:ext>
                   </a:extLst>
                 </a:gridCol>
                 <a:gridCol w="643923">
                   <a:extLst>
                     <a:ext uri="{9D8B030D-6E8A-4147-A177-3AD203B41FA5}">
-                      <a16:colId xmlns:a16="http://schemas.microsoft.com/office/drawing/2014/main" xmlns="" val="3950370602"/>
+                      <a16:colId xmlns="" xmlns:a16="http://schemas.microsoft.com/office/drawing/2014/main" val="3950370602"/>
                     </a:ext>
                   </a:extLst>
                 </a:gridCol>
                 <a:gridCol w="475651">
                   <a:extLst>
                     <a:ext uri="{9D8B030D-6E8A-4147-A177-3AD203B41FA5}">
-                      <a16:colId xmlns:a16="http://schemas.microsoft.com/office/drawing/2014/main" xmlns="" val="892499354"/>
+                      <a16:colId xmlns="" xmlns:a16="http://schemas.microsoft.com/office/drawing/2014/main" val="892499354"/>
                     </a:ext>
                   </a:extLst>
                 </a:gridCol>
                 <a:gridCol w="475651">
                   <a:extLst>
                     <a:ext uri="{9D8B030D-6E8A-4147-A177-3AD203B41FA5}">
-                      <a16:colId xmlns:a16="http://schemas.microsoft.com/office/drawing/2014/main" xmlns="" val="2890376269"/>
+                      <a16:colId xmlns="" xmlns:a16="http://schemas.microsoft.com/office/drawing/2014/main" val="2890376269"/>
                     </a:ext>
                   </a:extLst>
                 </a:gridCol>
                 <a:gridCol w="501602">
                   <a:extLst>
                     <a:ext uri="{9D8B030D-6E8A-4147-A177-3AD203B41FA5}">
-                      <a16:colId xmlns:a16="http://schemas.microsoft.com/office/drawing/2014/main" xmlns="" val="2351848522"/>
+                      <a16:colId xmlns="" xmlns:a16="http://schemas.microsoft.com/office/drawing/2014/main" val="2351848522"/>
                     </a:ext>
                   </a:extLst>
                 </a:gridCol>
                 <a:gridCol w="501602">
                   <a:extLst>
                     <a:ext uri="{9D8B030D-6E8A-4147-A177-3AD203B41FA5}">
-                      <a16:colId xmlns:a16="http://schemas.microsoft.com/office/drawing/2014/main" xmlns="" val="3951773805"/>
+                      <a16:colId xmlns="" xmlns:a16="http://schemas.microsoft.com/office/drawing/2014/main" val="3951773805"/>
                     </a:ext>
                   </a:extLst>
                 </a:gridCol>
                 <a:gridCol w="501602">
                   <a:extLst>
                     <a:ext uri="{9D8B030D-6E8A-4147-A177-3AD203B41FA5}">
-                      <a16:colId xmlns:a16="http://schemas.microsoft.com/office/drawing/2014/main" xmlns="" val="20005"/>
+                      <a16:colId xmlns="" xmlns:a16="http://schemas.microsoft.com/office/drawing/2014/main" val="20005"/>
                     </a:ext>
                   </a:extLst>
                 </a:gridCol>
                 <a:gridCol w="501602">
                   <a:extLst>
                     <a:ext uri="{9D8B030D-6E8A-4147-A177-3AD203B41FA5}">
-                      <a16:colId xmlns:a16="http://schemas.microsoft.com/office/drawing/2014/main" xmlns="" val="1658949460"/>
+                      <a16:colId xmlns="" xmlns:a16="http://schemas.microsoft.com/office/drawing/2014/main" val="1658949460"/>
                     </a:ext>
                   </a:extLst>
                 </a:gridCol>
                 <a:gridCol w="501602">
                   <a:extLst>
                     <a:ext uri="{9D8B030D-6E8A-4147-A177-3AD203B41FA5}">
-                      <a16:colId xmlns:a16="http://schemas.microsoft.com/office/drawing/2014/main" xmlns="" val="4009511739"/>
+                      <a16:colId xmlns="" xmlns:a16="http://schemas.microsoft.com/office/drawing/2014/main" val="4009511739"/>
                     </a:ext>
                   </a:extLst>
                 </a:gridCol>
                 <a:gridCol w="648032">
                   <a:extLst>
                     <a:ext uri="{9D8B030D-6E8A-4147-A177-3AD203B41FA5}">
-                      <a16:colId xmlns:a16="http://schemas.microsoft.com/office/drawing/2014/main" xmlns="" val="915448942"/>
+                      <a16:colId xmlns="" xmlns:a16="http://schemas.microsoft.com/office/drawing/2014/main" val="915448942"/>
                     </a:ext>
                   </a:extLst>
                 </a:gridCol>
                 <a:gridCol w="648032">
                   <a:extLst>
                     <a:ext uri="{9D8B030D-6E8A-4147-A177-3AD203B41FA5}">
-                      <a16:colId xmlns:a16="http://schemas.microsoft.com/office/drawing/2014/main" xmlns="" val="20004"/>
+                      <a16:colId xmlns="" xmlns:a16="http://schemas.microsoft.com/office/drawing/2014/main" val="20004"/>
                     </a:ext>
                   </a:extLst>
                 </a:gridCol>
                 <a:gridCol w="523461">
                   <a:extLst>
                     <a:ext uri="{9D8B030D-6E8A-4147-A177-3AD203B41FA5}">
-                      <a16:colId xmlns:a16="http://schemas.microsoft.com/office/drawing/2014/main" xmlns="" val="1735239135"/>
+                      <a16:colId xmlns="" xmlns:a16="http://schemas.microsoft.com/office/drawing/2014/main" val="1735239135"/>
                     </a:ext>
                   </a:extLst>
                 </a:gridCol>
                 <a:gridCol w="523461">
                   <a:extLst>
                     <a:ext uri="{9D8B030D-6E8A-4147-A177-3AD203B41FA5}">
-                      <a16:colId xmlns:a16="http://schemas.microsoft.com/office/drawing/2014/main" xmlns="" val="1012336583"/>
+                      <a16:colId xmlns="" xmlns:a16="http://schemas.microsoft.com/office/drawing/2014/main" val="1012336583"/>
                     </a:ext>
                   </a:extLst>
                 </a:gridCol>
                 <a:gridCol w="523461">
                   <a:extLst>
                     <a:ext uri="{9D8B030D-6E8A-4147-A177-3AD203B41FA5}">
-                      <a16:colId xmlns:a16="http://schemas.microsoft.com/office/drawing/2014/main" xmlns="" val="730367770"/>
+                      <a16:colId xmlns="" xmlns:a16="http://schemas.microsoft.com/office/drawing/2014/main" val="730367770"/>
                     </a:ext>
                   </a:extLst>
                 </a:gridCol>
                 <a:gridCol w="523461">
                   <a:extLst>
                     <a:ext uri="{9D8B030D-6E8A-4147-A177-3AD203B41FA5}">
-                      <a16:colId xmlns:a16="http://schemas.microsoft.com/office/drawing/2014/main" xmlns="" val="1995509689"/>
+                      <a16:colId xmlns="" xmlns:a16="http://schemas.microsoft.com/office/drawing/2014/main" val="1995509689"/>
                     </a:ext>
                   </a:extLst>
                 </a:gridCol>
                 <a:gridCol w="523461">
                   <a:extLst>
                     <a:ext uri="{9D8B030D-6E8A-4147-A177-3AD203B41FA5}">
-                      <a16:colId xmlns:a16="http://schemas.microsoft.com/office/drawing/2014/main" xmlns="" val="4059945013"/>
+                      <a16:colId xmlns="" xmlns:a16="http://schemas.microsoft.com/office/drawing/2014/main" val="4059945013"/>
                     </a:ext>
                   </a:extLst>
                 </a:gridCol>
                 <a:gridCol w="523461">
                   <a:extLst>
                     <a:ext uri="{9D8B030D-6E8A-4147-A177-3AD203B41FA5}">
-                      <a16:colId xmlns:a16="http://schemas.microsoft.com/office/drawing/2014/main" xmlns="" val="20013"/>
+                      <a16:colId xmlns="" xmlns:a16="http://schemas.microsoft.com/office/drawing/2014/main" val="20013"/>
                     </a:ext>
                   </a:extLst>
                 </a:gridCol>
                 <a:gridCol w="612741">
                   <a:extLst>
                     <a:ext uri="{9D8B030D-6E8A-4147-A177-3AD203B41FA5}">
-                      <a16:colId xmlns:a16="http://schemas.microsoft.com/office/drawing/2014/main" xmlns="" val="563954548"/>
+                      <a16:colId xmlns="" xmlns:a16="http://schemas.microsoft.com/office/drawing/2014/main" val="563954548"/>
                     </a:ext>
                   </a:extLst>
                 </a:gridCol>
                 <a:gridCol w="612741">
                   <a:extLst>
                     <a:ext uri="{9D8B030D-6E8A-4147-A177-3AD203B41FA5}">
-                      <a16:colId xmlns:a16="http://schemas.microsoft.com/office/drawing/2014/main" xmlns="" val="626849779"/>
+                      <a16:colId xmlns="" xmlns:a16="http://schemas.microsoft.com/office/drawing/2014/main" val="626849779"/>
                     </a:ext>
                   </a:extLst>
                 </a:gridCol>
                 <a:gridCol w="612741">
                   <a:extLst>
                     <a:ext uri="{9D8B030D-6E8A-4147-A177-3AD203B41FA5}">
-                      <a16:colId xmlns:a16="http://schemas.microsoft.com/office/drawing/2014/main" xmlns="" val="2774746132"/>
+                      <a16:colId xmlns="" xmlns:a16="http://schemas.microsoft.com/office/drawing/2014/main" val="2774746132"/>
                     </a:ext>
                   </a:extLst>
                 </a:gridCol>
@@ -25191,7 +25191,7 @@
                 </a:tc>
                 <a:extLst>
                   <a:ext uri="{0D108BD9-81ED-4DB2-BD59-A6C34878D82A}">
-                    <a16:rowId xmlns:a16="http://schemas.microsoft.com/office/drawing/2014/main" xmlns="" val="290152553"/>
+                    <a16:rowId xmlns="" xmlns:a16="http://schemas.microsoft.com/office/drawing/2014/main" val="290152553"/>
                   </a:ext>
                 </a:extLst>
               </a:tr>
@@ -25938,7 +25938,7 @@
                 </a:tc>
                 <a:extLst>
                   <a:ext uri="{0D108BD9-81ED-4DB2-BD59-A6C34878D82A}">
-                    <a16:rowId xmlns:a16="http://schemas.microsoft.com/office/drawing/2014/main" xmlns="" val="1372355905"/>
+                    <a16:rowId xmlns="" xmlns:a16="http://schemas.microsoft.com/office/drawing/2014/main" val="1372355905"/>
                   </a:ext>
                 </a:extLst>
               </a:tr>
@@ -26434,7 +26434,7 @@
                 </a:tc>
                 <a:extLst>
                   <a:ext uri="{0D108BD9-81ED-4DB2-BD59-A6C34878D82A}">
-                    <a16:rowId xmlns:a16="http://schemas.microsoft.com/office/drawing/2014/main" xmlns="" val="10005"/>
+                    <a16:rowId xmlns="" xmlns:a16="http://schemas.microsoft.com/office/drawing/2014/main" val="10005"/>
                   </a:ext>
                 </a:extLst>
               </a:tr>
@@ -26946,7 +26946,7 @@
                 </a:tc>
                 <a:extLst>
                   <a:ext uri="{0D108BD9-81ED-4DB2-BD59-A6C34878D82A}">
-                    <a16:rowId xmlns:a16="http://schemas.microsoft.com/office/drawing/2014/main" xmlns="" val="10006"/>
+                    <a16:rowId xmlns="" xmlns:a16="http://schemas.microsoft.com/office/drawing/2014/main" val="10006"/>
                   </a:ext>
                 </a:extLst>
               </a:tr>
@@ -27442,7 +27442,7 @@
                 </a:tc>
                 <a:extLst>
                   <a:ext uri="{0D108BD9-81ED-4DB2-BD59-A6C34878D82A}">
-                    <a16:rowId xmlns:a16="http://schemas.microsoft.com/office/drawing/2014/main" xmlns="" val="10007"/>
+                    <a16:rowId xmlns="" xmlns:a16="http://schemas.microsoft.com/office/drawing/2014/main" val="10007"/>
                   </a:ext>
                 </a:extLst>
               </a:tr>
@@ -28069,7 +28069,7 @@
                 </a:tc>
                 <a:extLst>
                   <a:ext uri="{0D108BD9-81ED-4DB2-BD59-A6C34878D82A}">
-                    <a16:rowId xmlns:a16="http://schemas.microsoft.com/office/drawing/2014/main" xmlns="" val="10008"/>
+                    <a16:rowId xmlns="" xmlns:a16="http://schemas.microsoft.com/office/drawing/2014/main" val="10008"/>
                   </a:ext>
                 </a:extLst>
               </a:tr>
@@ -28885,35 +28885,35 @@
                 <a:gridCol w="1452286">
                   <a:extLst>
                     <a:ext uri="{9D8B030D-6E8A-4147-A177-3AD203B41FA5}">
-                      <a16:colId xmlns:a16="http://schemas.microsoft.com/office/drawing/2014/main" xmlns="" val="20003"/>
+                      <a16:colId xmlns="" xmlns:a16="http://schemas.microsoft.com/office/drawing/2014/main" val="20003"/>
                     </a:ext>
                   </a:extLst>
                 </a:gridCol>
                 <a:gridCol w="1131131">
                   <a:extLst>
                     <a:ext uri="{9D8B030D-6E8A-4147-A177-3AD203B41FA5}">
-                      <a16:colId xmlns:a16="http://schemas.microsoft.com/office/drawing/2014/main" xmlns="" val="3466895849"/>
+                      <a16:colId xmlns="" xmlns:a16="http://schemas.microsoft.com/office/drawing/2014/main" val="3466895849"/>
                     </a:ext>
                   </a:extLst>
                 </a:gridCol>
                 <a:gridCol w="1131131">
                   <a:extLst>
                     <a:ext uri="{9D8B030D-6E8A-4147-A177-3AD203B41FA5}">
-                      <a16:colId xmlns:a16="http://schemas.microsoft.com/office/drawing/2014/main" xmlns="" val="20004"/>
+                      <a16:colId xmlns="" xmlns:a16="http://schemas.microsoft.com/office/drawing/2014/main" val="20004"/>
                     </a:ext>
                   </a:extLst>
                 </a:gridCol>
                 <a:gridCol w="1131131">
                   <a:extLst>
                     <a:ext uri="{9D8B030D-6E8A-4147-A177-3AD203B41FA5}">
-                      <a16:colId xmlns:a16="http://schemas.microsoft.com/office/drawing/2014/main" xmlns="" val="730367770"/>
+                      <a16:colId xmlns="" xmlns:a16="http://schemas.microsoft.com/office/drawing/2014/main" val="730367770"/>
                     </a:ext>
                   </a:extLst>
                 </a:gridCol>
                 <a:gridCol w="1131131">
                   <a:extLst>
                     <a:ext uri="{9D8B030D-6E8A-4147-A177-3AD203B41FA5}">
-                      <a16:colId xmlns:a16="http://schemas.microsoft.com/office/drawing/2014/main" xmlns="" val="624460300"/>
+                      <a16:colId xmlns="" xmlns:a16="http://schemas.microsoft.com/office/drawing/2014/main" val="624460300"/>
                     </a:ext>
                   </a:extLst>
                 </a:gridCol>
@@ -29035,7 +29035,7 @@
                 </a:tc>
                 <a:extLst>
                   <a:ext uri="{0D108BD9-81ED-4DB2-BD59-A6C34878D82A}">
-                    <a16:rowId xmlns:a16="http://schemas.microsoft.com/office/drawing/2014/main" xmlns="" val="290152553"/>
+                    <a16:rowId xmlns="" xmlns:a16="http://schemas.microsoft.com/office/drawing/2014/main" val="290152553"/>
                   </a:ext>
                 </a:extLst>
               </a:tr>
@@ -29154,7 +29154,7 @@
                 </a:tc>
                 <a:extLst>
                   <a:ext uri="{0D108BD9-81ED-4DB2-BD59-A6C34878D82A}">
-                    <a16:rowId xmlns:a16="http://schemas.microsoft.com/office/drawing/2014/main" xmlns="" val="2028298506"/>
+                    <a16:rowId xmlns="" xmlns:a16="http://schemas.microsoft.com/office/drawing/2014/main" val="2028298506"/>
                   </a:ext>
                 </a:extLst>
               </a:tr>
@@ -29295,7 +29295,7 @@
                 </a:tc>
                 <a:extLst>
                   <a:ext uri="{0D108BD9-81ED-4DB2-BD59-A6C34878D82A}">
-                    <a16:rowId xmlns:a16="http://schemas.microsoft.com/office/drawing/2014/main" xmlns="" val="2660065325"/>
+                    <a16:rowId xmlns="" xmlns:a16="http://schemas.microsoft.com/office/drawing/2014/main" val="2660065325"/>
                   </a:ext>
                 </a:extLst>
               </a:tr>
@@ -29436,7 +29436,7 @@
                 </a:tc>
                 <a:extLst>
                   <a:ext uri="{0D108BD9-81ED-4DB2-BD59-A6C34878D82A}">
-                    <a16:rowId xmlns:a16="http://schemas.microsoft.com/office/drawing/2014/main" xmlns="" val="1596747635"/>
+                    <a16:rowId xmlns="" xmlns:a16="http://schemas.microsoft.com/office/drawing/2014/main" val="1596747635"/>
                   </a:ext>
                 </a:extLst>
               </a:tr>
@@ -29577,7 +29577,7 @@
                 </a:tc>
                 <a:extLst>
                   <a:ext uri="{0D108BD9-81ED-4DB2-BD59-A6C34878D82A}">
-                    <a16:rowId xmlns:a16="http://schemas.microsoft.com/office/drawing/2014/main" xmlns="" val="3774430207"/>
+                    <a16:rowId xmlns="" xmlns:a16="http://schemas.microsoft.com/office/drawing/2014/main" val="3774430207"/>
                   </a:ext>
                 </a:extLst>
               </a:tr>
@@ -29724,7 +29724,7 @@
                 </a:tc>
                 <a:extLst>
                   <a:ext uri="{0D108BD9-81ED-4DB2-BD59-A6C34878D82A}">
-                    <a16:rowId xmlns:a16="http://schemas.microsoft.com/office/drawing/2014/main" xmlns="" val="10005"/>
+                    <a16:rowId xmlns="" xmlns:a16="http://schemas.microsoft.com/office/drawing/2014/main" val="10005"/>
                   </a:ext>
                 </a:extLst>
               </a:tr>
@@ -29887,7 +29887,7 @@
                 </a:tc>
                 <a:extLst>
                   <a:ext uri="{0D108BD9-81ED-4DB2-BD59-A6C34878D82A}">
-                    <a16:rowId xmlns:a16="http://schemas.microsoft.com/office/drawing/2014/main" xmlns="" val="10006"/>
+                    <a16:rowId xmlns="" xmlns:a16="http://schemas.microsoft.com/office/drawing/2014/main" val="10006"/>
                   </a:ext>
                 </a:extLst>
               </a:tr>
@@ -30050,7 +30050,7 @@
                 </a:tc>
                 <a:extLst>
                   <a:ext uri="{0D108BD9-81ED-4DB2-BD59-A6C34878D82A}">
-                    <a16:rowId xmlns:a16="http://schemas.microsoft.com/office/drawing/2014/main" xmlns="" val="10007"/>
+                    <a16:rowId xmlns="" xmlns:a16="http://schemas.microsoft.com/office/drawing/2014/main" val="10007"/>
                   </a:ext>
                 </a:extLst>
               </a:tr>
@@ -30191,7 +30191,7 @@
                 </a:tc>
                 <a:extLst>
                   <a:ext uri="{0D108BD9-81ED-4DB2-BD59-A6C34878D82A}">
-                    <a16:rowId xmlns:a16="http://schemas.microsoft.com/office/drawing/2014/main" xmlns="" val="2717943080"/>
+                    <a16:rowId xmlns="" xmlns:a16="http://schemas.microsoft.com/office/drawing/2014/main" val="2717943080"/>
                   </a:ext>
                 </a:extLst>
               </a:tr>
@@ -30417,7 +30417,7 @@
                 </a:tc>
                 <a:extLst>
                   <a:ext uri="{0D108BD9-81ED-4DB2-BD59-A6C34878D82A}">
-                    <a16:rowId xmlns:a16="http://schemas.microsoft.com/office/drawing/2014/main" xmlns="" val="2802642166"/>
+                    <a16:rowId xmlns="" xmlns:a16="http://schemas.microsoft.com/office/drawing/2014/main" val="2802642166"/>
                   </a:ext>
                 </a:extLst>
               </a:tr>
@@ -30622,7 +30622,7 @@
                 </a:tc>
                 <a:extLst>
                   <a:ext uri="{0D108BD9-81ED-4DB2-BD59-A6C34878D82A}">
-                    <a16:rowId xmlns:a16="http://schemas.microsoft.com/office/drawing/2014/main" xmlns="" val="3968310820"/>
+                    <a16:rowId xmlns="" xmlns:a16="http://schemas.microsoft.com/office/drawing/2014/main" val="3968310820"/>
                   </a:ext>
                 </a:extLst>
               </a:tr>
@@ -30827,7 +30827,7 @@
                 </a:tc>
                 <a:extLst>
                   <a:ext uri="{0D108BD9-81ED-4DB2-BD59-A6C34878D82A}">
-                    <a16:rowId xmlns:a16="http://schemas.microsoft.com/office/drawing/2014/main" xmlns="" val="1715990511"/>
+                    <a16:rowId xmlns="" xmlns:a16="http://schemas.microsoft.com/office/drawing/2014/main" val="1715990511"/>
                   </a:ext>
                 </a:extLst>
               </a:tr>
@@ -31032,7 +31032,7 @@
                 </a:tc>
                 <a:extLst>
                   <a:ext uri="{0D108BD9-81ED-4DB2-BD59-A6C34878D82A}">
-                    <a16:rowId xmlns:a16="http://schemas.microsoft.com/office/drawing/2014/main" xmlns="" val="3192680700"/>
+                    <a16:rowId xmlns="" xmlns:a16="http://schemas.microsoft.com/office/drawing/2014/main" val="3192680700"/>
                   </a:ext>
                 </a:extLst>
               </a:tr>
@@ -31258,84 +31258,84 @@
                 <a:gridCol w="828562">
                   <a:extLst>
                     <a:ext uri="{9D8B030D-6E8A-4147-A177-3AD203B41FA5}">
-                      <a16:colId xmlns:a16="http://schemas.microsoft.com/office/drawing/2014/main" xmlns="" val="20000"/>
+                      <a16:colId xmlns="" xmlns:a16="http://schemas.microsoft.com/office/drawing/2014/main" val="20000"/>
                     </a:ext>
                   </a:extLst>
                 </a:gridCol>
                 <a:gridCol w="828562">
                   <a:extLst>
                     <a:ext uri="{9D8B030D-6E8A-4147-A177-3AD203B41FA5}">
-                      <a16:colId xmlns:a16="http://schemas.microsoft.com/office/drawing/2014/main" xmlns="" val="20001"/>
+                      <a16:colId xmlns="" xmlns:a16="http://schemas.microsoft.com/office/drawing/2014/main" val="20001"/>
                     </a:ext>
                   </a:extLst>
                 </a:gridCol>
                 <a:gridCol w="828562">
                   <a:extLst>
                     <a:ext uri="{9D8B030D-6E8A-4147-A177-3AD203B41FA5}">
-                      <a16:colId xmlns:a16="http://schemas.microsoft.com/office/drawing/2014/main" xmlns="" val="20002"/>
+                      <a16:colId xmlns="" xmlns:a16="http://schemas.microsoft.com/office/drawing/2014/main" val="20002"/>
                     </a:ext>
                   </a:extLst>
                 </a:gridCol>
                 <a:gridCol w="828562">
                   <a:extLst>
                     <a:ext uri="{9D8B030D-6E8A-4147-A177-3AD203B41FA5}">
-                      <a16:colId xmlns:a16="http://schemas.microsoft.com/office/drawing/2014/main" xmlns="" val="20003"/>
+                      <a16:colId xmlns="" xmlns:a16="http://schemas.microsoft.com/office/drawing/2014/main" val="20003"/>
                     </a:ext>
                   </a:extLst>
                 </a:gridCol>
                 <a:gridCol w="828562">
                   <a:extLst>
                     <a:ext uri="{9D8B030D-6E8A-4147-A177-3AD203B41FA5}">
-                      <a16:colId xmlns:a16="http://schemas.microsoft.com/office/drawing/2014/main" xmlns="" val="20004"/>
+                      <a16:colId xmlns="" xmlns:a16="http://schemas.microsoft.com/office/drawing/2014/main" val="20004"/>
                     </a:ext>
                   </a:extLst>
                 </a:gridCol>
                 <a:gridCol w="828562">
                   <a:extLst>
                     <a:ext uri="{9D8B030D-6E8A-4147-A177-3AD203B41FA5}">
-                      <a16:colId xmlns:a16="http://schemas.microsoft.com/office/drawing/2014/main" xmlns="" val="20005"/>
+                      <a16:colId xmlns="" xmlns:a16="http://schemas.microsoft.com/office/drawing/2014/main" val="20005"/>
                     </a:ext>
                   </a:extLst>
                 </a:gridCol>
                 <a:gridCol w="828562">
                   <a:extLst>
                     <a:ext uri="{9D8B030D-6E8A-4147-A177-3AD203B41FA5}">
-                      <a16:colId xmlns:a16="http://schemas.microsoft.com/office/drawing/2014/main" xmlns="" val="20006"/>
+                      <a16:colId xmlns="" xmlns:a16="http://schemas.microsoft.com/office/drawing/2014/main" val="20006"/>
                     </a:ext>
                   </a:extLst>
                 </a:gridCol>
                 <a:gridCol w="828562">
                   <a:extLst>
                     <a:ext uri="{9D8B030D-6E8A-4147-A177-3AD203B41FA5}">
-                      <a16:colId xmlns:a16="http://schemas.microsoft.com/office/drawing/2014/main" xmlns="" val="20007"/>
+                      <a16:colId xmlns="" xmlns:a16="http://schemas.microsoft.com/office/drawing/2014/main" val="20007"/>
                     </a:ext>
                   </a:extLst>
                 </a:gridCol>
                 <a:gridCol w="828562">
                   <a:extLst>
                     <a:ext uri="{9D8B030D-6E8A-4147-A177-3AD203B41FA5}">
-                      <a16:colId xmlns:a16="http://schemas.microsoft.com/office/drawing/2014/main" xmlns="" val="20008"/>
+                      <a16:colId xmlns="" xmlns:a16="http://schemas.microsoft.com/office/drawing/2014/main" val="20008"/>
                     </a:ext>
                   </a:extLst>
                 </a:gridCol>
                 <a:gridCol w="828562">
                   <a:extLst>
                     <a:ext uri="{9D8B030D-6E8A-4147-A177-3AD203B41FA5}">
-                      <a16:colId xmlns:a16="http://schemas.microsoft.com/office/drawing/2014/main" xmlns="" val="20009"/>
+                      <a16:colId xmlns="" xmlns:a16="http://schemas.microsoft.com/office/drawing/2014/main" val="20009"/>
                     </a:ext>
                   </a:extLst>
                 </a:gridCol>
                 <a:gridCol w="828562">
                   <a:extLst>
                     <a:ext uri="{9D8B030D-6E8A-4147-A177-3AD203B41FA5}">
-                      <a16:colId xmlns:a16="http://schemas.microsoft.com/office/drawing/2014/main" xmlns="" val="20010"/>
+                      <a16:colId xmlns="" xmlns:a16="http://schemas.microsoft.com/office/drawing/2014/main" val="20010"/>
                     </a:ext>
                   </a:extLst>
                 </a:gridCol>
                 <a:gridCol w="828562">
                   <a:extLst>
                     <a:ext uri="{9D8B030D-6E8A-4147-A177-3AD203B41FA5}">
-                      <a16:colId xmlns:a16="http://schemas.microsoft.com/office/drawing/2014/main" xmlns="" val="20011"/>
+                      <a16:colId xmlns="" xmlns:a16="http://schemas.microsoft.com/office/drawing/2014/main" val="20011"/>
                     </a:ext>
                   </a:extLst>
                 </a:gridCol>
@@ -31530,7 +31530,7 @@
                 </a:tc>
                 <a:extLst>
                   <a:ext uri="{0D108BD9-81ED-4DB2-BD59-A6C34878D82A}">
-                    <a16:rowId xmlns:a16="http://schemas.microsoft.com/office/drawing/2014/main" xmlns="" val="10000"/>
+                    <a16:rowId xmlns="" xmlns:a16="http://schemas.microsoft.com/office/drawing/2014/main" val="10000"/>
                   </a:ext>
                 </a:extLst>
               </a:tr>
@@ -31871,7 +31871,7 @@
                 </a:tc>
                 <a:extLst>
                   <a:ext uri="{0D108BD9-81ED-4DB2-BD59-A6C34878D82A}">
-                    <a16:rowId xmlns:a16="http://schemas.microsoft.com/office/drawing/2014/main" xmlns="" val="10001"/>
+                    <a16:rowId xmlns="" xmlns:a16="http://schemas.microsoft.com/office/drawing/2014/main" val="10001"/>
                   </a:ext>
                 </a:extLst>
               </a:tr>
@@ -32181,7 +32181,7 @@
                 </a:tc>
                 <a:extLst>
                   <a:ext uri="{0D108BD9-81ED-4DB2-BD59-A6C34878D82A}">
-                    <a16:rowId xmlns:a16="http://schemas.microsoft.com/office/drawing/2014/main" xmlns="" val="10002"/>
+                    <a16:rowId xmlns="" xmlns:a16="http://schemas.microsoft.com/office/drawing/2014/main" val="10002"/>
                   </a:ext>
                 </a:extLst>
               </a:tr>
@@ -32509,7 +32509,7 @@
                 </a:tc>
                 <a:extLst>
                   <a:ext uri="{0D108BD9-81ED-4DB2-BD59-A6C34878D82A}">
-                    <a16:rowId xmlns:a16="http://schemas.microsoft.com/office/drawing/2014/main" xmlns="" val="10003"/>
+                    <a16:rowId xmlns="" xmlns:a16="http://schemas.microsoft.com/office/drawing/2014/main" val="10003"/>
                   </a:ext>
                 </a:extLst>
               </a:tr>
@@ -32842,7 +32842,7 @@
                 </a:tc>
                 <a:extLst>
                   <a:ext uri="{0D108BD9-81ED-4DB2-BD59-A6C34878D82A}">
-                    <a16:rowId xmlns:a16="http://schemas.microsoft.com/office/drawing/2014/main" xmlns="" val="10004"/>
+                    <a16:rowId xmlns="" xmlns:a16="http://schemas.microsoft.com/office/drawing/2014/main" val="10004"/>
                   </a:ext>
                 </a:extLst>
               </a:tr>
@@ -33175,7 +33175,7 @@
                 </a:tc>
                 <a:extLst>
                   <a:ext uri="{0D108BD9-81ED-4DB2-BD59-A6C34878D82A}">
-                    <a16:rowId xmlns:a16="http://schemas.microsoft.com/office/drawing/2014/main" xmlns="" val="10005"/>
+                    <a16:rowId xmlns="" xmlns:a16="http://schemas.microsoft.com/office/drawing/2014/main" val="10005"/>
                   </a:ext>
                 </a:extLst>
               </a:tr>
@@ -33542,49 +33542,49 @@
                 <a:gridCol w="1693061">
                   <a:extLst>
                     <a:ext uri="{9D8B030D-6E8A-4147-A177-3AD203B41FA5}">
-                      <a16:colId xmlns:a16="http://schemas.microsoft.com/office/drawing/2014/main" xmlns="" val="596459514"/>
+                      <a16:colId xmlns="" xmlns:a16="http://schemas.microsoft.com/office/drawing/2014/main" val="596459514"/>
                     </a:ext>
                   </a:extLst>
                 </a:gridCol>
                 <a:gridCol w="1105830">
                   <a:extLst>
                     <a:ext uri="{9D8B030D-6E8A-4147-A177-3AD203B41FA5}">
-                      <a16:colId xmlns:a16="http://schemas.microsoft.com/office/drawing/2014/main" xmlns="" val="1104773170"/>
+                      <a16:colId xmlns="" xmlns:a16="http://schemas.microsoft.com/office/drawing/2014/main" val="1104773170"/>
                     </a:ext>
                   </a:extLst>
                 </a:gridCol>
                 <a:gridCol w="1105830">
                   <a:extLst>
                     <a:ext uri="{9D8B030D-6E8A-4147-A177-3AD203B41FA5}">
-                      <a16:colId xmlns:a16="http://schemas.microsoft.com/office/drawing/2014/main" xmlns="" val="2628879976"/>
+                      <a16:colId xmlns="" xmlns:a16="http://schemas.microsoft.com/office/drawing/2014/main" val="2628879976"/>
                     </a:ext>
                   </a:extLst>
                 </a:gridCol>
                 <a:gridCol w="1105830">
                   <a:extLst>
                     <a:ext uri="{9D8B030D-6E8A-4147-A177-3AD203B41FA5}">
-                      <a16:colId xmlns:a16="http://schemas.microsoft.com/office/drawing/2014/main" xmlns="" val="3824673393"/>
+                      <a16:colId xmlns="" xmlns:a16="http://schemas.microsoft.com/office/drawing/2014/main" val="3824673393"/>
                     </a:ext>
                   </a:extLst>
                 </a:gridCol>
                 <a:gridCol w="1105830">
                   <a:extLst>
                     <a:ext uri="{9D8B030D-6E8A-4147-A177-3AD203B41FA5}">
-                      <a16:colId xmlns:a16="http://schemas.microsoft.com/office/drawing/2014/main" xmlns="" val="1207929680"/>
+                      <a16:colId xmlns="" xmlns:a16="http://schemas.microsoft.com/office/drawing/2014/main" val="1207929680"/>
                     </a:ext>
                   </a:extLst>
                 </a:gridCol>
                 <a:gridCol w="1105830">
                   <a:extLst>
                     <a:ext uri="{9D8B030D-6E8A-4147-A177-3AD203B41FA5}">
-                      <a16:colId xmlns:a16="http://schemas.microsoft.com/office/drawing/2014/main" xmlns="" val="196725124"/>
+                      <a16:colId xmlns="" xmlns:a16="http://schemas.microsoft.com/office/drawing/2014/main" val="196725124"/>
                     </a:ext>
                   </a:extLst>
                 </a:gridCol>
                 <a:gridCol w="1105830">
                   <a:extLst>
                     <a:ext uri="{9D8B030D-6E8A-4147-A177-3AD203B41FA5}">
-                      <a16:colId xmlns:a16="http://schemas.microsoft.com/office/drawing/2014/main" xmlns="" val="4015488069"/>
+                      <a16:colId xmlns="" xmlns:a16="http://schemas.microsoft.com/office/drawing/2014/main" val="4015488069"/>
                     </a:ext>
                   </a:extLst>
                 </a:gridCol>
@@ -33694,7 +33694,7 @@
                 </a:tc>
                 <a:extLst>
                   <a:ext uri="{0D108BD9-81ED-4DB2-BD59-A6C34878D82A}">
-                    <a16:rowId xmlns:a16="http://schemas.microsoft.com/office/drawing/2014/main" xmlns="" val="2450048256"/>
+                    <a16:rowId xmlns="" xmlns:a16="http://schemas.microsoft.com/office/drawing/2014/main" val="2450048256"/>
                   </a:ext>
                 </a:extLst>
               </a:tr>
@@ -33834,7 +33834,7 @@
                 </a:tc>
                 <a:extLst>
                   <a:ext uri="{0D108BD9-81ED-4DB2-BD59-A6C34878D82A}">
-                    <a16:rowId xmlns:a16="http://schemas.microsoft.com/office/drawing/2014/main" xmlns="" val="1007795033"/>
+                    <a16:rowId xmlns="" xmlns:a16="http://schemas.microsoft.com/office/drawing/2014/main" val="1007795033"/>
                   </a:ext>
                 </a:extLst>
               </a:tr>
@@ -33970,7 +33970,7 @@
                 </a:tc>
                 <a:extLst>
                   <a:ext uri="{0D108BD9-81ED-4DB2-BD59-A6C34878D82A}">
-                    <a16:rowId xmlns:a16="http://schemas.microsoft.com/office/drawing/2014/main" xmlns="" val="3123214655"/>
+                    <a16:rowId xmlns="" xmlns:a16="http://schemas.microsoft.com/office/drawing/2014/main" val="3123214655"/>
                   </a:ext>
                 </a:extLst>
               </a:tr>
@@ -34116,35 +34116,35 @@
                 <a:gridCol w="1104280">
                   <a:extLst>
                     <a:ext uri="{9D8B030D-6E8A-4147-A177-3AD203B41FA5}">
-                      <a16:colId xmlns:a16="http://schemas.microsoft.com/office/drawing/2014/main" xmlns="" val="596459514"/>
+                      <a16:colId xmlns="" xmlns:a16="http://schemas.microsoft.com/office/drawing/2014/main" val="596459514"/>
                     </a:ext>
                   </a:extLst>
                 </a:gridCol>
                 <a:gridCol w="1082993">
                   <a:extLst>
                     <a:ext uri="{9D8B030D-6E8A-4147-A177-3AD203B41FA5}">
-                      <a16:colId xmlns:a16="http://schemas.microsoft.com/office/drawing/2014/main" xmlns="" val="1104773170"/>
+                      <a16:colId xmlns="" xmlns:a16="http://schemas.microsoft.com/office/drawing/2014/main" val="1104773170"/>
                     </a:ext>
                   </a:extLst>
                 </a:gridCol>
                 <a:gridCol w="1082993">
                   <a:extLst>
                     <a:ext uri="{9D8B030D-6E8A-4147-A177-3AD203B41FA5}">
-                      <a16:colId xmlns:a16="http://schemas.microsoft.com/office/drawing/2014/main" xmlns="" val="2628879976"/>
+                      <a16:colId xmlns="" xmlns:a16="http://schemas.microsoft.com/office/drawing/2014/main" val="2628879976"/>
                     </a:ext>
                   </a:extLst>
                 </a:gridCol>
                 <a:gridCol w="1082993">
                   <a:extLst>
                     <a:ext uri="{9D8B030D-6E8A-4147-A177-3AD203B41FA5}">
-                      <a16:colId xmlns:a16="http://schemas.microsoft.com/office/drawing/2014/main" xmlns="" val="3824673393"/>
+                      <a16:colId xmlns="" xmlns:a16="http://schemas.microsoft.com/office/drawing/2014/main" val="3824673393"/>
                     </a:ext>
                   </a:extLst>
                 </a:gridCol>
                 <a:gridCol w="1082993">
                   <a:extLst>
                     <a:ext uri="{9D8B030D-6E8A-4147-A177-3AD203B41FA5}">
-                      <a16:colId xmlns:a16="http://schemas.microsoft.com/office/drawing/2014/main" xmlns="" val="20004"/>
+                      <a16:colId xmlns="" xmlns:a16="http://schemas.microsoft.com/office/drawing/2014/main" val="20004"/>
                     </a:ext>
                   </a:extLst>
                 </a:gridCol>
@@ -34237,7 +34237,7 @@
                 </a:tc>
                 <a:extLst>
                   <a:ext uri="{0D108BD9-81ED-4DB2-BD59-A6C34878D82A}">
-                    <a16:rowId xmlns:a16="http://schemas.microsoft.com/office/drawing/2014/main" xmlns="" val="2450048256"/>
+                    <a16:rowId xmlns="" xmlns:a16="http://schemas.microsoft.com/office/drawing/2014/main" val="2450048256"/>
                   </a:ext>
                 </a:extLst>
               </a:tr>
@@ -34439,7 +34439,7 @@
                 </a:tc>
                 <a:extLst>
                   <a:ext uri="{0D108BD9-81ED-4DB2-BD59-A6C34878D82A}">
-                    <a16:rowId xmlns:a16="http://schemas.microsoft.com/office/drawing/2014/main" xmlns="" val="1007795033"/>
+                    <a16:rowId xmlns="" xmlns:a16="http://schemas.microsoft.com/office/drawing/2014/main" val="1007795033"/>
                   </a:ext>
                 </a:extLst>
               </a:tr>
@@ -34539,7 +34539,7 @@
                 </a:tc>
                 <a:extLst>
                   <a:ext uri="{0D108BD9-81ED-4DB2-BD59-A6C34878D82A}">
-                    <a16:rowId xmlns:a16="http://schemas.microsoft.com/office/drawing/2014/main" xmlns="" val="3123214655"/>
+                    <a16:rowId xmlns="" xmlns:a16="http://schemas.microsoft.com/office/drawing/2014/main" val="3123214655"/>
                   </a:ext>
                 </a:extLst>
               </a:tr>
@@ -34845,70 +34845,70 @@
                 <a:gridCol w="960187">
                   <a:extLst>
                     <a:ext uri="{9D8B030D-6E8A-4147-A177-3AD203B41FA5}">
-                      <a16:colId xmlns:a16="http://schemas.microsoft.com/office/drawing/2014/main" xmlns="" val="20003"/>
+                      <a16:colId xmlns="" xmlns:a16="http://schemas.microsoft.com/office/drawing/2014/main" val="20003"/>
                     </a:ext>
                   </a:extLst>
                 </a:gridCol>
                 <a:gridCol w="893677">
                   <a:extLst>
                     <a:ext uri="{9D8B030D-6E8A-4147-A177-3AD203B41FA5}">
-                      <a16:colId xmlns:a16="http://schemas.microsoft.com/office/drawing/2014/main" xmlns="" val="3258888783"/>
+                      <a16:colId xmlns="" xmlns:a16="http://schemas.microsoft.com/office/drawing/2014/main" val="3258888783"/>
                     </a:ext>
                   </a:extLst>
                 </a:gridCol>
                 <a:gridCol w="792575">
                   <a:extLst>
                     <a:ext uri="{9D8B030D-6E8A-4147-A177-3AD203B41FA5}">
-                      <a16:colId xmlns:a16="http://schemas.microsoft.com/office/drawing/2014/main" xmlns="" val="20002"/>
+                      <a16:colId xmlns="" xmlns:a16="http://schemas.microsoft.com/office/drawing/2014/main" val="20002"/>
                     </a:ext>
                   </a:extLst>
                 </a:gridCol>
                 <a:gridCol w="519885">
                   <a:extLst>
                     <a:ext uri="{9D8B030D-6E8A-4147-A177-3AD203B41FA5}">
-                      <a16:colId xmlns:a16="http://schemas.microsoft.com/office/drawing/2014/main" xmlns="" val="20004"/>
+                      <a16:colId xmlns="" xmlns:a16="http://schemas.microsoft.com/office/drawing/2014/main" val="20004"/>
                     </a:ext>
                   </a:extLst>
                 </a:gridCol>
                 <a:gridCol w="519885">
                   <a:extLst>
                     <a:ext uri="{9D8B030D-6E8A-4147-A177-3AD203B41FA5}">
-                      <a16:colId xmlns:a16="http://schemas.microsoft.com/office/drawing/2014/main" xmlns="" val="20006"/>
+                      <a16:colId xmlns="" xmlns:a16="http://schemas.microsoft.com/office/drawing/2014/main" val="20006"/>
                     </a:ext>
                   </a:extLst>
                 </a:gridCol>
                 <a:gridCol w="519885">
                   <a:extLst>
                     <a:ext uri="{9D8B030D-6E8A-4147-A177-3AD203B41FA5}">
-                      <a16:colId xmlns:a16="http://schemas.microsoft.com/office/drawing/2014/main" xmlns="" val="20007"/>
+                      <a16:colId xmlns="" xmlns:a16="http://schemas.microsoft.com/office/drawing/2014/main" val="20007"/>
                     </a:ext>
                   </a:extLst>
                 </a:gridCol>
                 <a:gridCol w="700220">
                   <a:extLst>
                     <a:ext uri="{9D8B030D-6E8A-4147-A177-3AD203B41FA5}">
-                      <a16:colId xmlns:a16="http://schemas.microsoft.com/office/drawing/2014/main" xmlns="" val="20008"/>
+                      <a16:colId xmlns="" xmlns:a16="http://schemas.microsoft.com/office/drawing/2014/main" val="20008"/>
                     </a:ext>
                   </a:extLst>
                 </a:gridCol>
                 <a:gridCol w="814245">
                   <a:extLst>
                     <a:ext uri="{9D8B030D-6E8A-4147-A177-3AD203B41FA5}">
-                      <a16:colId xmlns:a16="http://schemas.microsoft.com/office/drawing/2014/main" xmlns="" val="20009"/>
+                      <a16:colId xmlns="" xmlns:a16="http://schemas.microsoft.com/office/drawing/2014/main" val="20009"/>
                     </a:ext>
                   </a:extLst>
                 </a:gridCol>
                 <a:gridCol w="814245">
                   <a:extLst>
                     <a:ext uri="{9D8B030D-6E8A-4147-A177-3AD203B41FA5}">
-                      <a16:colId xmlns:a16="http://schemas.microsoft.com/office/drawing/2014/main" xmlns="" val="20005"/>
+                      <a16:colId xmlns="" xmlns:a16="http://schemas.microsoft.com/office/drawing/2014/main" val="20005"/>
                     </a:ext>
                   </a:extLst>
                 </a:gridCol>
                 <a:gridCol w="814245">
                   <a:extLst>
                     <a:ext uri="{9D8B030D-6E8A-4147-A177-3AD203B41FA5}">
-                      <a16:colId xmlns:a16="http://schemas.microsoft.com/office/drawing/2014/main" xmlns="" val="20010"/>
+                      <a16:colId xmlns="" xmlns:a16="http://schemas.microsoft.com/office/drawing/2014/main" val="20010"/>
                     </a:ext>
                   </a:extLst>
                 </a:gridCol>
@@ -35051,7 +35051,7 @@
                 </a:tc>
                 <a:extLst>
                   <a:ext uri="{0D108BD9-81ED-4DB2-BD59-A6C34878D82A}">
-                    <a16:rowId xmlns:a16="http://schemas.microsoft.com/office/drawing/2014/main" xmlns="" val="4157930470"/>
+                    <a16:rowId xmlns="" xmlns:a16="http://schemas.microsoft.com/office/drawing/2014/main" val="4157930470"/>
                   </a:ext>
                 </a:extLst>
               </a:tr>
@@ -35311,7 +35311,7 @@
                 </a:tc>
                 <a:extLst>
                   <a:ext uri="{0D108BD9-81ED-4DB2-BD59-A6C34878D82A}">
-                    <a16:rowId xmlns:a16="http://schemas.microsoft.com/office/drawing/2014/main" xmlns="" val="1942208770"/>
+                    <a16:rowId xmlns="" xmlns:a16="http://schemas.microsoft.com/office/drawing/2014/main" val="1942208770"/>
                   </a:ext>
                 </a:extLst>
               </a:tr>
@@ -35530,7 +35530,7 @@
                 </a:tc>
                 <a:extLst>
                   <a:ext uri="{0D108BD9-81ED-4DB2-BD59-A6C34878D82A}">
-                    <a16:rowId xmlns:a16="http://schemas.microsoft.com/office/drawing/2014/main" xmlns="" val="10004"/>
+                    <a16:rowId xmlns="" xmlns:a16="http://schemas.microsoft.com/office/drawing/2014/main" val="10004"/>
                   </a:ext>
                 </a:extLst>
               </a:tr>
@@ -35791,7 +35791,7 @@
                 </a:tc>
                 <a:extLst>
                   <a:ext uri="{0D108BD9-81ED-4DB2-BD59-A6C34878D82A}">
-                    <a16:rowId xmlns:a16="http://schemas.microsoft.com/office/drawing/2014/main" xmlns="" val="134965533"/>
+                    <a16:rowId xmlns="" xmlns:a16="http://schemas.microsoft.com/office/drawing/2014/main" val="134965533"/>
                   </a:ext>
                 </a:extLst>
               </a:tr>
@@ -36184,77 +36184,77 @@
                 <a:gridCol w="957305">
                   <a:extLst>
                     <a:ext uri="{9D8B030D-6E8A-4147-A177-3AD203B41FA5}">
-                      <a16:colId xmlns:a16="http://schemas.microsoft.com/office/drawing/2014/main" xmlns="" val="20000"/>
+                      <a16:colId xmlns="" xmlns:a16="http://schemas.microsoft.com/office/drawing/2014/main" val="20000"/>
                     </a:ext>
                   </a:extLst>
                 </a:gridCol>
                 <a:gridCol w="889770">
                   <a:extLst>
                     <a:ext uri="{9D8B030D-6E8A-4147-A177-3AD203B41FA5}">
-                      <a16:colId xmlns:a16="http://schemas.microsoft.com/office/drawing/2014/main" xmlns="" val="20001"/>
+                      <a16:colId xmlns="" xmlns:a16="http://schemas.microsoft.com/office/drawing/2014/main" val="20001"/>
                     </a:ext>
                   </a:extLst>
                 </a:gridCol>
                 <a:gridCol w="643470">
                   <a:extLst>
                     <a:ext uri="{9D8B030D-6E8A-4147-A177-3AD203B41FA5}">
-                      <a16:colId xmlns:a16="http://schemas.microsoft.com/office/drawing/2014/main" xmlns="" val="20002"/>
+                      <a16:colId xmlns="" xmlns:a16="http://schemas.microsoft.com/office/drawing/2014/main" val="20002"/>
                     </a:ext>
                   </a:extLst>
                 </a:gridCol>
                 <a:gridCol w="597600">
                   <a:extLst>
                     <a:ext uri="{9D8B030D-6E8A-4147-A177-3AD203B41FA5}">
-                      <a16:colId xmlns:a16="http://schemas.microsoft.com/office/drawing/2014/main" xmlns="" val="20003"/>
+                      <a16:colId xmlns="" xmlns:a16="http://schemas.microsoft.com/office/drawing/2014/main" val="20003"/>
                     </a:ext>
                   </a:extLst>
                 </a:gridCol>
                 <a:gridCol w="597600">
                   <a:extLst>
                     <a:ext uri="{9D8B030D-6E8A-4147-A177-3AD203B41FA5}">
-                      <a16:colId xmlns:a16="http://schemas.microsoft.com/office/drawing/2014/main" xmlns="" val="20004"/>
+                      <a16:colId xmlns="" xmlns:a16="http://schemas.microsoft.com/office/drawing/2014/main" val="20004"/>
                     </a:ext>
                   </a:extLst>
                 </a:gridCol>
                 <a:gridCol w="683238">
                   <a:extLst>
                     <a:ext uri="{9D8B030D-6E8A-4147-A177-3AD203B41FA5}">
-                      <a16:colId xmlns:a16="http://schemas.microsoft.com/office/drawing/2014/main" xmlns="" val="20005"/>
+                      <a16:colId xmlns="" xmlns:a16="http://schemas.microsoft.com/office/drawing/2014/main" val="20005"/>
                     </a:ext>
                   </a:extLst>
                 </a:gridCol>
                 <a:gridCol w="683238">
                   <a:extLst>
                     <a:ext uri="{9D8B030D-6E8A-4147-A177-3AD203B41FA5}">
-                      <a16:colId xmlns:a16="http://schemas.microsoft.com/office/drawing/2014/main" xmlns="" val="20006"/>
+                      <a16:colId xmlns="" xmlns:a16="http://schemas.microsoft.com/office/drawing/2014/main" val="20006"/>
                     </a:ext>
                   </a:extLst>
                 </a:gridCol>
                 <a:gridCol w="683238">
                   <a:extLst>
                     <a:ext uri="{9D8B030D-6E8A-4147-A177-3AD203B41FA5}">
-                      <a16:colId xmlns:a16="http://schemas.microsoft.com/office/drawing/2014/main" xmlns="" val="20007"/>
+                      <a16:colId xmlns="" xmlns:a16="http://schemas.microsoft.com/office/drawing/2014/main" val="20007"/>
                     </a:ext>
                   </a:extLst>
                 </a:gridCol>
                 <a:gridCol w="683238">
                   <a:extLst>
                     <a:ext uri="{9D8B030D-6E8A-4147-A177-3AD203B41FA5}">
-                      <a16:colId xmlns:a16="http://schemas.microsoft.com/office/drawing/2014/main" xmlns="" val="20008"/>
+                      <a16:colId xmlns="" xmlns:a16="http://schemas.microsoft.com/office/drawing/2014/main" val="20008"/>
                     </a:ext>
                   </a:extLst>
                 </a:gridCol>
                 <a:gridCol w="683238">
                   <a:extLst>
                     <a:ext uri="{9D8B030D-6E8A-4147-A177-3AD203B41FA5}">
-                      <a16:colId xmlns:a16="http://schemas.microsoft.com/office/drawing/2014/main" xmlns="" val="20009"/>
+                      <a16:colId xmlns="" xmlns:a16="http://schemas.microsoft.com/office/drawing/2014/main" val="20009"/>
                     </a:ext>
                   </a:extLst>
                 </a:gridCol>
                 <a:gridCol w="683238">
                   <a:extLst>
                     <a:ext uri="{9D8B030D-6E8A-4147-A177-3AD203B41FA5}">
-                      <a16:colId xmlns:a16="http://schemas.microsoft.com/office/drawing/2014/main" xmlns="" val="20010"/>
+                      <a16:colId xmlns="" xmlns:a16="http://schemas.microsoft.com/office/drawing/2014/main" val="20010"/>
                     </a:ext>
                   </a:extLst>
                 </a:gridCol>
@@ -36547,7 +36547,7 @@
                 </a:tc>
                 <a:extLst>
                   <a:ext uri="{0D108BD9-81ED-4DB2-BD59-A6C34878D82A}">
-                    <a16:rowId xmlns:a16="http://schemas.microsoft.com/office/drawing/2014/main" xmlns="" val="10000"/>
+                    <a16:rowId xmlns="" xmlns:a16="http://schemas.microsoft.com/office/drawing/2014/main" val="10000"/>
                   </a:ext>
                 </a:extLst>
               </a:tr>
@@ -36974,7 +36974,7 @@
                 </a:tc>
                 <a:extLst>
                   <a:ext uri="{0D108BD9-81ED-4DB2-BD59-A6C34878D82A}">
-                    <a16:rowId xmlns:a16="http://schemas.microsoft.com/office/drawing/2014/main" xmlns="" val="10001"/>
+                    <a16:rowId xmlns="" xmlns:a16="http://schemas.microsoft.com/office/drawing/2014/main" val="10001"/>
                   </a:ext>
                 </a:extLst>
               </a:tr>
@@ -37288,7 +37288,7 @@
                 </a:tc>
                 <a:extLst>
                   <a:ext uri="{0D108BD9-81ED-4DB2-BD59-A6C34878D82A}">
-                    <a16:rowId xmlns:a16="http://schemas.microsoft.com/office/drawing/2014/main" xmlns="" val="10002"/>
+                    <a16:rowId xmlns="" xmlns:a16="http://schemas.microsoft.com/office/drawing/2014/main" val="10002"/>
                   </a:ext>
                 </a:extLst>
               </a:tr>
@@ -37608,7 +37608,7 @@
                 </a:tc>
                 <a:extLst>
                   <a:ext uri="{0D108BD9-81ED-4DB2-BD59-A6C34878D82A}">
-                    <a16:rowId xmlns:a16="http://schemas.microsoft.com/office/drawing/2014/main" xmlns="" val="10003"/>
+                    <a16:rowId xmlns="" xmlns:a16="http://schemas.microsoft.com/office/drawing/2014/main" val="10003"/>
                   </a:ext>
                 </a:extLst>
               </a:tr>
@@ -37923,7 +37923,7 @@
                 </a:tc>
                 <a:extLst>
                   <a:ext uri="{0D108BD9-81ED-4DB2-BD59-A6C34878D82A}">
-                    <a16:rowId xmlns:a16="http://schemas.microsoft.com/office/drawing/2014/main" xmlns="" val="10004"/>
+                    <a16:rowId xmlns="" xmlns:a16="http://schemas.microsoft.com/office/drawing/2014/main" val="10004"/>
                   </a:ext>
                 </a:extLst>
               </a:tr>
@@ -38254,7 +38254,7 @@
                 </a:tc>
                 <a:extLst>
                   <a:ext uri="{0D108BD9-81ED-4DB2-BD59-A6C34878D82A}">
-                    <a16:rowId xmlns:a16="http://schemas.microsoft.com/office/drawing/2014/main" xmlns="" val="10005"/>
+                    <a16:rowId xmlns="" xmlns:a16="http://schemas.microsoft.com/office/drawing/2014/main" val="10005"/>
                   </a:ext>
                 </a:extLst>
               </a:tr>
@@ -38585,7 +38585,7 @@
                 </a:tc>
                 <a:extLst>
                   <a:ext uri="{0D108BD9-81ED-4DB2-BD59-A6C34878D82A}">
-                    <a16:rowId xmlns:a16="http://schemas.microsoft.com/office/drawing/2014/main" xmlns="" val="10006"/>
+                    <a16:rowId xmlns="" xmlns:a16="http://schemas.microsoft.com/office/drawing/2014/main" val="10006"/>
                   </a:ext>
                 </a:extLst>
               </a:tr>
@@ -38916,7 +38916,7 @@
                 </a:tc>
                 <a:extLst>
                   <a:ext uri="{0D108BD9-81ED-4DB2-BD59-A6C34878D82A}">
-                    <a16:rowId xmlns:a16="http://schemas.microsoft.com/office/drawing/2014/main" xmlns="" val="10007"/>
+                    <a16:rowId xmlns="" xmlns:a16="http://schemas.microsoft.com/office/drawing/2014/main" val="10007"/>
                   </a:ext>
                 </a:extLst>
               </a:tr>
@@ -39247,7 +39247,7 @@
                 </a:tc>
                 <a:extLst>
                   <a:ext uri="{0D108BD9-81ED-4DB2-BD59-A6C34878D82A}">
-                    <a16:rowId xmlns:a16="http://schemas.microsoft.com/office/drawing/2014/main" xmlns="" val="10008"/>
+                    <a16:rowId xmlns="" xmlns:a16="http://schemas.microsoft.com/office/drawing/2014/main" val="10008"/>
                   </a:ext>
                 </a:extLst>
               </a:tr>
@@ -39580,7 +39580,7 @@
                 </a:tc>
                 <a:extLst>
                   <a:ext uri="{0D108BD9-81ED-4DB2-BD59-A6C34878D82A}">
-                    <a16:rowId xmlns:a16="http://schemas.microsoft.com/office/drawing/2014/main" xmlns="" val="10009"/>
+                    <a16:rowId xmlns="" xmlns:a16="http://schemas.microsoft.com/office/drawing/2014/main" val="10009"/>
                   </a:ext>
                 </a:extLst>
               </a:tr>
@@ -39931,7 +39931,7 @@
                 </a:tc>
                 <a:extLst>
                   <a:ext uri="{0D108BD9-81ED-4DB2-BD59-A6C34878D82A}">
-                    <a16:rowId xmlns:a16="http://schemas.microsoft.com/office/drawing/2014/main" xmlns="" val="10010"/>
+                    <a16:rowId xmlns="" xmlns:a16="http://schemas.microsoft.com/office/drawing/2014/main" val="10010"/>
                   </a:ext>
                 </a:extLst>
               </a:tr>
@@ -40262,7 +40262,7 @@
                 </a:tc>
                 <a:extLst>
                   <a:ext uri="{0D108BD9-81ED-4DB2-BD59-A6C34878D82A}">
-                    <a16:rowId xmlns:a16="http://schemas.microsoft.com/office/drawing/2014/main" xmlns="" val="10011"/>
+                    <a16:rowId xmlns="" xmlns:a16="http://schemas.microsoft.com/office/drawing/2014/main" val="10011"/>
                   </a:ext>
                 </a:extLst>
               </a:tr>

--- a/各單位資料供應現況表.pptx
+++ b/各單位資料供應現況表.pptx
@@ -2,21 +2,21 @@
 <file path=ppt/presentation.xml><?xml version="1.0" encoding="utf-8"?>
 <p:presentation xmlns:a="http://schemas.openxmlformats.org/drawingml/2006/main" xmlns:r="http://schemas.openxmlformats.org/officeDocument/2006/relationships" xmlns:p="http://schemas.openxmlformats.org/presentationml/2006/main" saveSubsetFonts="1">
   <p:sldMasterIdLst>
-    <p:sldMasterId id="2147483660" r:id="rId1"/>
+    <p:sldMasterId id="2147483660" r:id="rId4"/>
   </p:sldMasterIdLst>
   <p:notesMasterIdLst>
-    <p:notesMasterId r:id="rId8"/>
+    <p:notesMasterId r:id="rId11"/>
   </p:notesMasterIdLst>
   <p:handoutMasterIdLst>
-    <p:handoutMasterId r:id="rId9"/>
+    <p:handoutMasterId r:id="rId12"/>
   </p:handoutMasterIdLst>
   <p:sldIdLst>
-    <p:sldId id="258" r:id="rId2"/>
-    <p:sldId id="259" r:id="rId3"/>
-    <p:sldId id="262" r:id="rId4"/>
-    <p:sldId id="261" r:id="rId5"/>
-    <p:sldId id="263" r:id="rId6"/>
-    <p:sldId id="265" r:id="rId7"/>
+    <p:sldId id="258" r:id="rId5"/>
+    <p:sldId id="259" r:id="rId6"/>
+    <p:sldId id="262" r:id="rId7"/>
+    <p:sldId id="261" r:id="rId8"/>
+    <p:sldId id="263" r:id="rId9"/>
+    <p:sldId id="265" r:id="rId10"/>
   </p:sldIdLst>
   <p:sldSz cx="12192000" cy="6858000"/>
   <p:notesSz cx="6807200" cy="9939338"/>
@@ -219,7 +219,7 @@
           <a:p>
             <a:fld id="{AC1AE0A4-47EE-4CE1-A88C-8E719F35BFA0}" type="datetimeFigureOut">
               <a:rPr lang="zh-TW" altLang="en-US" smtClean="0"/>
-              <a:t>2019/11/21</a:t>
+              <a:t>2019/12/5</a:t>
             </a:fld>
             <a:endParaRPr lang="zh-TW" altLang="en-US"/>
           </a:p>
@@ -384,7 +384,7 @@
           <a:p>
             <a:fld id="{92A7EAFB-AA00-4957-A793-D83734C20EF1}" type="datetimeFigureOut">
               <a:rPr lang="zh-TW" altLang="en-US" smtClean="0"/>
-              <a:t>2019/11/21</a:t>
+              <a:t>2019/12/5</a:t>
             </a:fld>
             <a:endParaRPr lang="zh-TW" altLang="en-US"/>
           </a:p>
@@ -2463,7 +2463,7 @@
                 <a:latin typeface="微軟正黑體" panose="020B0604030504040204" pitchFamily="34" charset="-120"/>
                 <a:ea typeface="微軟正黑體" panose="020B0604030504040204" pitchFamily="34" charset="-120"/>
               </a:rPr>
-              <a:t>2019/11/21)</a:t>
+              <a:t>2019/12/05)</a:t>
             </a:r>
             <a:endParaRPr lang="zh-TW" altLang="en-US" sz="1600" b="1" dirty="0">
               <a:solidFill>
@@ -13877,7 +13877,7 @@
           <p:nvPr>
             <p:extLst>
               <p:ext uri="{D42A27DB-BD31-4B8C-83A1-F6EECF244321}">
-                <p14:modId xmlns:p14="http://schemas.microsoft.com/office/powerpoint/2010/main" val="1862982535"/>
+                <p14:modId xmlns:p14="http://schemas.microsoft.com/office/powerpoint/2010/main" val="1974306279"/>
               </p:ext>
             </p:extLst>
           </p:nvPr>
@@ -20675,12 +20675,12 @@
                     <a:p>
                       <a:pPr algn="ctr"/>
                       <a:r>
-                        <a:rPr lang="zh-TW" altLang="en-US" sz="1200" b="0" kern="0" dirty="0">
-                          <a:solidFill>
-                            <a:schemeClr val="tx1"/>
-                          </a:solidFill>
-                        </a:rPr>
-                        <a:t>○</a:t>
+                        <a:rPr lang="zh-TW" altLang="en-US" sz="1200" b="0" kern="0" dirty="0" smtClean="0">
+                          <a:solidFill>
+                            <a:schemeClr val="tx1"/>
+                          </a:solidFill>
+                        </a:rPr>
+                        <a:t>◎</a:t>
                       </a:r>
                       <a:endParaRPr lang="zh-TW" altLang="en-US" sz="1200" b="0" dirty="0">
                         <a:solidFill>
@@ -36165,7 +36165,7 @@
           <p:nvPr>
             <p:extLst>
               <p:ext uri="{D42A27DB-BD31-4B8C-83A1-F6EECF244321}">
-                <p14:modId xmlns:p14="http://schemas.microsoft.com/office/powerpoint/2010/main" val="1519566515"/>
+                <p14:modId xmlns:p14="http://schemas.microsoft.com/office/powerpoint/2010/main" val="138981375"/>
               </p:ext>
             </p:extLst>
           </p:nvPr>
@@ -37124,180 +37124,6 @@
                     <a:bodyPr/>
                     <a:lstStyle/>
                     <a:p>
-                      <a:pPr algn="ctr"/>
-                      <a:r>
-                        <a:rPr lang="zh-TW" altLang="en-US" sz="1200" kern="1200" dirty="0" smtClean="0">
-                          <a:solidFill>
-                            <a:schemeClr val="tx1"/>
-                          </a:solidFill>
-                          <a:latin typeface="+mj-ea"/>
-                          <a:ea typeface="+mn-ea"/>
-                          <a:cs typeface="+mn-cs"/>
-                        </a:rPr>
-                        <a:t>◎</a:t>
-                      </a:r>
-                      <a:endParaRPr lang="zh-TW" altLang="en-US" sz="1200" b="0" dirty="0">
-                        <a:solidFill>
-                          <a:schemeClr val="tx1"/>
-                        </a:solidFill>
-                        <a:latin typeface="+mj-ea"/>
-                        <a:ea typeface="+mj-ea"/>
-                      </a:endParaRPr>
-                    </a:p>
-                  </a:txBody>
-                  <a:tcPr marL="9525" marR="9525" marT="9525" marB="0" anchor="ctr"/>
-                </a:tc>
-                <a:tc>
-                  <a:txBody>
-                    <a:bodyPr/>
-                    <a:lstStyle/>
-                    <a:p>
-                      <a:pPr algn="ctr"/>
-                      <a:r>
-                        <a:rPr lang="zh-TW" altLang="en-US" sz="1200" kern="1200" dirty="0" smtClean="0">
-                          <a:solidFill>
-                            <a:schemeClr val="tx1"/>
-                          </a:solidFill>
-                          <a:latin typeface="+mj-ea"/>
-                          <a:ea typeface="+mn-ea"/>
-                          <a:cs typeface="+mn-cs"/>
-                        </a:rPr>
-                        <a:t>◎</a:t>
-                      </a:r>
-                      <a:endParaRPr lang="zh-TW" altLang="en-US" sz="1200" b="0" kern="1200" dirty="0">
-                        <a:solidFill>
-                          <a:schemeClr val="tx1"/>
-                        </a:solidFill>
-                        <a:latin typeface="+mj-ea"/>
-                        <a:ea typeface="+mn-ea"/>
-                        <a:cs typeface="+mn-cs"/>
-                      </a:endParaRPr>
-                    </a:p>
-                  </a:txBody>
-                  <a:tcPr marL="9525" marR="9525" marT="9525" marB="0" anchor="ctr"/>
-                </a:tc>
-                <a:tc>
-                  <a:txBody>
-                    <a:bodyPr/>
-                    <a:lstStyle/>
-                    <a:p>
-                      <a:pPr algn="ctr"/>
-                      <a:r>
-                        <a:rPr lang="zh-TW" altLang="en-US" sz="1200" kern="0" dirty="0">
-                          <a:solidFill>
-                            <a:schemeClr val="tx1"/>
-                          </a:solidFill>
-                          <a:latin typeface="+mj-ea"/>
-                          <a:ea typeface="+mj-ea"/>
-                        </a:rPr>
-                        <a:t>○</a:t>
-                      </a:r>
-                      <a:endParaRPr lang="zh-TW" altLang="en-US" sz="1200" b="0" dirty="0">
-                        <a:solidFill>
-                          <a:schemeClr val="tx1"/>
-                        </a:solidFill>
-                        <a:latin typeface="+mj-ea"/>
-                        <a:ea typeface="+mj-ea"/>
-                      </a:endParaRPr>
-                    </a:p>
-                  </a:txBody>
-                  <a:tcPr marL="9525" marR="9525" marT="9525" marB="0" anchor="ctr"/>
-                </a:tc>
-                <a:tc>
-                  <a:txBody>
-                    <a:bodyPr/>
-                    <a:lstStyle/>
-                    <a:p>
-                      <a:pPr algn="ctr"/>
-                      <a:r>
-                        <a:rPr lang="zh-TW" altLang="en-US" sz="1200" kern="1200" dirty="0" smtClean="0">
-                          <a:solidFill>
-                            <a:schemeClr val="tx1"/>
-                          </a:solidFill>
-                          <a:latin typeface="+mj-ea"/>
-                          <a:ea typeface="+mn-ea"/>
-                          <a:cs typeface="+mn-cs"/>
-                        </a:rPr>
-                        <a:t>◎</a:t>
-                      </a:r>
-                      <a:endParaRPr lang="zh-TW" altLang="en-US" sz="1200" b="0" kern="1200" dirty="0">
-                        <a:solidFill>
-                          <a:schemeClr val="tx1"/>
-                        </a:solidFill>
-                        <a:latin typeface="+mj-ea"/>
-                        <a:ea typeface="+mn-ea"/>
-                        <a:cs typeface="+mn-cs"/>
-                      </a:endParaRPr>
-                    </a:p>
-                  </a:txBody>
-                  <a:tcPr marL="9525" marR="9525" marT="9525" marB="0" anchor="ctr"/>
-                </a:tc>
-                <a:tc>
-                  <a:txBody>
-                    <a:bodyPr/>
-                    <a:lstStyle/>
-                    <a:p>
-                      <a:pPr algn="ctr"/>
-                      <a:r>
-                        <a:rPr lang="zh-TW" altLang="en-US" sz="1200" kern="0">
-                          <a:solidFill>
-                            <a:schemeClr val="tx1"/>
-                          </a:solidFill>
-                          <a:latin typeface="+mj-ea"/>
-                          <a:ea typeface="+mj-ea"/>
-                        </a:rPr>
-                        <a:t>○</a:t>
-                      </a:r>
-                      <a:endParaRPr lang="zh-TW" altLang="en-US" sz="1200" b="0" dirty="0">
-                        <a:solidFill>
-                          <a:schemeClr val="tx1"/>
-                        </a:solidFill>
-                        <a:latin typeface="+mj-ea"/>
-                        <a:ea typeface="+mj-ea"/>
-                      </a:endParaRPr>
-                    </a:p>
-                  </a:txBody>
-                  <a:tcPr marL="9525" marR="9525" marT="9525" marB="0" anchor="ctr"/>
-                </a:tc>
-                <a:tc>
-                  <a:txBody>
-                    <a:bodyPr/>
-                    <a:lstStyle/>
-                    <a:p>
-                      <a:pPr algn="ctr"/>
-                      <a:r>
-                        <a:rPr lang="zh-TW" altLang="en-US" sz="1200" kern="0">
-                          <a:solidFill>
-                            <a:schemeClr val="tx1"/>
-                          </a:solidFill>
-                          <a:latin typeface="+mj-ea"/>
-                          <a:ea typeface="+mj-ea"/>
-                        </a:rPr>
-                        <a:t>○</a:t>
-                      </a:r>
-                      <a:endParaRPr lang="zh-TW" altLang="en-US" sz="1200" b="0" dirty="0">
-                        <a:solidFill>
-                          <a:schemeClr val="tx1"/>
-                        </a:solidFill>
-                        <a:latin typeface="+mj-ea"/>
-                        <a:ea typeface="+mj-ea"/>
-                      </a:endParaRPr>
-                    </a:p>
-                  </a:txBody>
-                  <a:tcPr marL="9525" marR="9525" marT="9525" marB="0" anchor="ctr"/>
-                </a:tc>
-                <a:extLst>
-                  <a:ext uri="{0D108BD9-81ED-4DB2-BD59-A6C34878D82A}">
-                    <a16:rowId xmlns="" xmlns:a16="http://schemas.microsoft.com/office/drawing/2014/main" val="10002"/>
-                  </a:ext>
-                </a:extLst>
-              </a:tr>
-              <a:tr h="458810">
-                <a:tc>
-                  <a:txBody>
-                    <a:bodyPr/>
-                    <a:lstStyle/>
-                    <a:p>
                       <a:pPr marL="0" marR="0" lvl="0" indent="0" algn="ctr" defTabSz="914400" rtl="0" eaLnBrk="1" fontAlgn="auto" latinLnBrk="0" hangingPunct="1">
                         <a:lnSpc>
                           <a:spcPct val="100000"/>
@@ -37316,618 +37142,24 @@
                         <a:defRPr/>
                       </a:pPr>
                       <a:r>
-                        <a:rPr lang="zh-TW" altLang="en-US" sz="1200" b="1" dirty="0">
-                          <a:solidFill>
-                            <a:schemeClr val="bg1"/>
-                          </a:solidFill>
-                          <a:effectLst/>
-                          <a:latin typeface="微軟正黑體" panose="020B0604030504040204" pitchFamily="34" charset="-120"/>
-                          <a:ea typeface="微軟正黑體" panose="020B0604030504040204" pitchFamily="34" charset="-120"/>
-                        </a:rPr>
-                        <a:t>港務公司</a:t>
-                      </a:r>
-                    </a:p>
-                  </a:txBody>
-                  <a:tcPr anchor="ctr">
-                    <a:solidFill>
-                      <a:srgbClr val="8064A2"/>
-                    </a:solidFill>
-                  </a:tcPr>
-                </a:tc>
-                <a:tc>
-                  <a:txBody>
-                    <a:bodyPr/>
-                    <a:lstStyle/>
-                    <a:p>
-                      <a:pPr algn="ctr"/>
-                      <a:r>
-                        <a:rPr lang="zh-TW" altLang="en-US" sz="1200" kern="0">
-                          <a:solidFill>
-                            <a:sysClr val="windowText" lastClr="000000"/>
-                          </a:solidFill>
-                          <a:latin typeface="+mj-ea"/>
-                          <a:ea typeface="+mj-ea"/>
-                        </a:rPr>
-                        <a:t>○</a:t>
-                      </a:r>
-                      <a:endParaRPr lang="zh-TW" altLang="en-US" sz="1200" b="0" dirty="0">
-                        <a:solidFill>
-                          <a:schemeClr val="tx1"/>
-                        </a:solidFill>
-                        <a:latin typeface="+mj-ea"/>
-                        <a:ea typeface="+mj-ea"/>
-                      </a:endParaRPr>
-                    </a:p>
-                  </a:txBody>
-                  <a:tcPr marL="9525" marR="9525" marT="9525" marB="0" anchor="ctr"/>
-                </a:tc>
-                <a:tc>
-                  <a:txBody>
-                    <a:bodyPr/>
-                    <a:lstStyle/>
-                    <a:p>
-                      <a:pPr algn="ctr"/>
-                      <a:r>
-                        <a:rPr lang="zh-TW" altLang="en-US" sz="1200" kern="0">
-                          <a:solidFill>
-                            <a:sysClr val="windowText" lastClr="000000"/>
-                          </a:solidFill>
-                          <a:latin typeface="+mj-ea"/>
-                          <a:ea typeface="+mj-ea"/>
-                        </a:rPr>
-                        <a:t>○</a:t>
-                      </a:r>
-                      <a:endParaRPr lang="zh-TW" altLang="en-US" sz="1200" b="0" dirty="0">
-                        <a:solidFill>
-                          <a:schemeClr val="tx1"/>
-                        </a:solidFill>
-                        <a:latin typeface="+mj-ea"/>
-                        <a:ea typeface="+mj-ea"/>
-                      </a:endParaRPr>
-                    </a:p>
-                  </a:txBody>
-                  <a:tcPr marL="9525" marR="9525" marT="9525" marB="0" anchor="ctr"/>
-                </a:tc>
-                <a:tc>
-                  <a:txBody>
-                    <a:bodyPr/>
-                    <a:lstStyle/>
-                    <a:p>
-                      <a:pPr algn="ctr"/>
-                      <a:r>
-                        <a:rPr lang="zh-TW" altLang="en-US" sz="1200" kern="0" dirty="0">
-                          <a:solidFill>
-                            <a:sysClr val="windowText" lastClr="000000"/>
-                          </a:solidFill>
-                          <a:latin typeface="+mj-ea"/>
-                          <a:ea typeface="+mj-ea"/>
-                        </a:rPr>
-                        <a:t>○</a:t>
-                      </a:r>
-                      <a:endParaRPr lang="zh-TW" altLang="en-US" sz="1200" b="0" dirty="0">
-                        <a:solidFill>
-                          <a:schemeClr val="tx1"/>
-                        </a:solidFill>
-                        <a:latin typeface="+mj-ea"/>
-                        <a:ea typeface="+mj-ea"/>
-                      </a:endParaRPr>
-                    </a:p>
-                  </a:txBody>
-                  <a:tcPr marL="9525" marR="9525" marT="9525" marB="0" anchor="ctr"/>
-                </a:tc>
-                <a:tc>
-                  <a:txBody>
-                    <a:bodyPr/>
-                    <a:lstStyle/>
-                    <a:p>
-                      <a:pPr algn="ctr"/>
-                      <a:r>
-                        <a:rPr lang="zh-TW" altLang="en-US" sz="1200" kern="0" dirty="0">
-                          <a:solidFill>
-                            <a:sysClr val="windowText" lastClr="000000"/>
-                          </a:solidFill>
-                          <a:latin typeface="+mj-ea"/>
-                          <a:ea typeface="+mj-ea"/>
-                        </a:rPr>
-                        <a:t>○</a:t>
-                      </a:r>
-                      <a:endParaRPr lang="zh-TW" altLang="en-US" sz="1200" b="0" dirty="0">
-                        <a:solidFill>
-                          <a:schemeClr val="tx1"/>
-                        </a:solidFill>
-                        <a:latin typeface="+mj-ea"/>
-                        <a:ea typeface="+mj-ea"/>
-                      </a:endParaRPr>
-                    </a:p>
-                  </a:txBody>
-                  <a:tcPr marL="9525" marR="9525" marT="9525" marB="0" anchor="ctr"/>
-                </a:tc>
-                <a:tc>
-                  <a:txBody>
-                    <a:bodyPr/>
-                    <a:lstStyle/>
-                    <a:p>
-                      <a:pPr algn="ctr"/>
-                      <a:r>
-                        <a:rPr lang="zh-TW" altLang="en-US" sz="1200" kern="0" dirty="0">
-                          <a:solidFill>
-                            <a:schemeClr val="tx1"/>
-                          </a:solidFill>
-                          <a:latin typeface="+mj-ea"/>
-                          <a:ea typeface="+mj-ea"/>
-                        </a:rPr>
-                        <a:t>○</a:t>
-                      </a:r>
-                      <a:endParaRPr lang="zh-TW" altLang="en-US" sz="1200" b="0" dirty="0">
-                        <a:solidFill>
-                          <a:schemeClr val="tx1"/>
-                        </a:solidFill>
-                        <a:latin typeface="+mj-ea"/>
-                        <a:ea typeface="+mj-ea"/>
-                      </a:endParaRPr>
-                    </a:p>
-                  </a:txBody>
-                  <a:tcPr marL="9525" marR="9525" marT="9525" marB="0" anchor="ctr"/>
-                </a:tc>
-                <a:tc>
-                  <a:txBody>
-                    <a:bodyPr/>
-                    <a:lstStyle/>
-                    <a:p>
-                      <a:pPr algn="ctr"/>
-                      <a:r>
-                        <a:rPr lang="zh-TW" altLang="en-US" sz="1200" kern="1200" dirty="0" smtClean="0">
-                          <a:solidFill>
-                            <a:schemeClr val="tx1"/>
-                          </a:solidFill>
-                          <a:latin typeface="+mj-ea"/>
-                          <a:ea typeface="+mn-ea"/>
-                          <a:cs typeface="+mn-cs"/>
-                        </a:rPr>
-                        <a:t>◎</a:t>
-                      </a:r>
-                      <a:endParaRPr lang="zh-TW" altLang="en-US" sz="1200" b="0" kern="1200" dirty="0">
-                        <a:solidFill>
-                          <a:schemeClr val="tx1"/>
-                        </a:solidFill>
-                        <a:latin typeface="+mj-ea"/>
-                        <a:ea typeface="+mn-ea"/>
-                        <a:cs typeface="+mn-cs"/>
-                      </a:endParaRPr>
-                    </a:p>
-                  </a:txBody>
-                  <a:tcPr marL="9525" marR="9525" marT="9525" marB="0" anchor="ctr"/>
-                </a:tc>
-                <a:tc>
-                  <a:txBody>
-                    <a:bodyPr/>
-                    <a:lstStyle/>
-                    <a:p>
-                      <a:pPr algn="ctr"/>
-                      <a:r>
-                        <a:rPr lang="zh-TW" altLang="en-US" sz="1200" kern="0" dirty="0">
-                          <a:solidFill>
-                            <a:schemeClr val="tx1"/>
-                          </a:solidFill>
-                          <a:latin typeface="+mj-ea"/>
-                          <a:ea typeface="+mj-ea"/>
-                        </a:rPr>
-                        <a:t>○</a:t>
-                      </a:r>
-                      <a:endParaRPr lang="zh-TW" altLang="en-US" sz="1200" b="0" dirty="0">
-                        <a:solidFill>
-                          <a:schemeClr val="tx1"/>
-                        </a:solidFill>
-                        <a:latin typeface="+mj-ea"/>
-                        <a:ea typeface="+mj-ea"/>
-                      </a:endParaRPr>
-                    </a:p>
-                  </a:txBody>
-                  <a:tcPr marL="9525" marR="9525" marT="9525" marB="0" anchor="ctr"/>
-                </a:tc>
-                <a:tc>
-                  <a:txBody>
-                    <a:bodyPr/>
-                    <a:lstStyle/>
-                    <a:p>
-                      <a:pPr algn="ctr"/>
-                      <a:r>
-                        <a:rPr lang="zh-TW" altLang="en-US" sz="1200" kern="0">
-                          <a:solidFill>
-                            <a:schemeClr val="tx1"/>
-                          </a:solidFill>
-                          <a:latin typeface="+mj-ea"/>
-                          <a:ea typeface="+mj-ea"/>
-                        </a:rPr>
-                        <a:t>○</a:t>
-                      </a:r>
-                      <a:endParaRPr lang="zh-TW" altLang="en-US" sz="1200" b="0" dirty="0">
-                        <a:solidFill>
-                          <a:schemeClr val="tx1"/>
-                        </a:solidFill>
-                        <a:latin typeface="+mj-ea"/>
-                        <a:ea typeface="+mj-ea"/>
-                      </a:endParaRPr>
-                    </a:p>
-                  </a:txBody>
-                  <a:tcPr marL="9525" marR="9525" marT="9525" marB="0" anchor="ctr"/>
-                </a:tc>
-                <a:tc>
-                  <a:txBody>
-                    <a:bodyPr/>
-                    <a:lstStyle/>
-                    <a:p>
-                      <a:pPr algn="ctr"/>
-                      <a:r>
-                        <a:rPr lang="zh-TW" altLang="en-US" sz="1200" kern="0">
-                          <a:solidFill>
-                            <a:schemeClr val="tx1"/>
-                          </a:solidFill>
-                          <a:latin typeface="+mj-ea"/>
-                          <a:ea typeface="+mj-ea"/>
-                        </a:rPr>
-                        <a:t>○</a:t>
-                      </a:r>
-                      <a:endParaRPr lang="zh-TW" altLang="en-US" sz="1200" b="0" dirty="0">
-                        <a:solidFill>
-                          <a:schemeClr val="tx1"/>
-                        </a:solidFill>
-                        <a:latin typeface="+mj-ea"/>
-                        <a:ea typeface="+mj-ea"/>
-                      </a:endParaRPr>
-                    </a:p>
-                  </a:txBody>
-                  <a:tcPr marL="9525" marR="9525" marT="9525" marB="0" anchor="ctr"/>
-                </a:tc>
-                <a:tc>
-                  <a:txBody>
-                    <a:bodyPr/>
-                    <a:lstStyle/>
-                    <a:p>
-                      <a:pPr algn="ctr"/>
-                      <a:r>
-                        <a:rPr lang="zh-TW" altLang="en-US" sz="1200" kern="0">
-                          <a:solidFill>
-                            <a:schemeClr val="tx1"/>
-                          </a:solidFill>
-                          <a:latin typeface="+mj-ea"/>
-                          <a:ea typeface="+mj-ea"/>
-                        </a:rPr>
-                        <a:t>○</a:t>
-                      </a:r>
-                      <a:endParaRPr lang="zh-TW" altLang="en-US" sz="1200" b="0" dirty="0">
-                        <a:solidFill>
-                          <a:schemeClr val="tx1"/>
-                        </a:solidFill>
-                        <a:latin typeface="+mj-ea"/>
-                        <a:ea typeface="+mj-ea"/>
-                      </a:endParaRPr>
-                    </a:p>
-                  </a:txBody>
-                  <a:tcPr marL="9525" marR="9525" marT="9525" marB="0" anchor="ctr"/>
-                </a:tc>
-                <a:extLst>
-                  <a:ext uri="{0D108BD9-81ED-4DB2-BD59-A6C34878D82A}">
-                    <a16:rowId xmlns="" xmlns:a16="http://schemas.microsoft.com/office/drawing/2014/main" val="10003"/>
-                  </a:ext>
-                </a:extLst>
-              </a:tr>
-              <a:tr h="458810">
-                <a:tc>
-                  <a:txBody>
-                    <a:bodyPr/>
-                    <a:lstStyle/>
-                    <a:p>
-                      <a:pPr algn="ctr"/>
-                      <a:r>
-                        <a:rPr lang="zh-TW" altLang="en-US" sz="1200" b="1" dirty="0">
-                          <a:solidFill>
-                            <a:schemeClr val="bg1"/>
-                          </a:solidFill>
-                          <a:effectLst/>
-                          <a:latin typeface="微軟正黑體" panose="020B0604030504040204" pitchFamily="34" charset="-120"/>
-                          <a:ea typeface="微軟正黑體" panose="020B0604030504040204" pitchFamily="34" charset="-120"/>
-                        </a:rPr>
-                        <a:t>臺北市政府</a:t>
-                      </a:r>
-                      <a:endParaRPr lang="zh-TW" altLang="en-US" sz="1200" b="1" dirty="0">
-                        <a:solidFill>
-                          <a:schemeClr val="bg1"/>
-                        </a:solidFill>
-                        <a:latin typeface="微軟正黑體" panose="020B0604030504040204" pitchFamily="34" charset="-120"/>
-                        <a:ea typeface="微軟正黑體" panose="020B0604030504040204" pitchFamily="34" charset="-120"/>
-                      </a:endParaRPr>
-                    </a:p>
-                  </a:txBody>
-                  <a:tcPr anchor="ctr">
-                    <a:solidFill>
-                      <a:srgbClr val="8064A2"/>
-                    </a:solidFill>
-                  </a:tcPr>
-                </a:tc>
-                <a:tc>
-                  <a:txBody>
-                    <a:bodyPr/>
-                    <a:lstStyle/>
-                    <a:p>
-                      <a:pPr algn="ctr"/>
-                      <a:r>
-                        <a:rPr lang="zh-TW" altLang="en-US" sz="1200" kern="0">
-                          <a:solidFill>
-                            <a:sysClr val="windowText" lastClr="000000"/>
-                          </a:solidFill>
-                          <a:latin typeface="+mj-ea"/>
-                          <a:ea typeface="+mj-ea"/>
-                        </a:rPr>
-                        <a:t>○</a:t>
-                      </a:r>
-                      <a:endParaRPr lang="zh-TW" altLang="en-US" sz="1200" b="0" dirty="0">
-                        <a:solidFill>
-                          <a:schemeClr val="tx1"/>
-                        </a:solidFill>
-                        <a:latin typeface="+mj-ea"/>
-                        <a:ea typeface="+mj-ea"/>
-                      </a:endParaRPr>
-                    </a:p>
-                  </a:txBody>
-                  <a:tcPr marL="9525" marR="9525" marT="9525" marB="0" anchor="ctr"/>
-                </a:tc>
-                <a:tc>
-                  <a:txBody>
-                    <a:bodyPr/>
-                    <a:lstStyle/>
-                    <a:p>
-                      <a:pPr algn="ctr"/>
-                      <a:r>
-                        <a:rPr lang="zh-TW" altLang="en-US" sz="1200" kern="0">
-                          <a:solidFill>
-                            <a:sysClr val="windowText" lastClr="000000"/>
-                          </a:solidFill>
-                          <a:latin typeface="+mj-ea"/>
-                          <a:ea typeface="+mj-ea"/>
-                        </a:rPr>
-                        <a:t>○</a:t>
-                      </a:r>
-                      <a:endParaRPr lang="zh-TW" altLang="en-US" sz="1200" b="0" dirty="0">
-                        <a:solidFill>
-                          <a:schemeClr val="tx1"/>
-                        </a:solidFill>
-                        <a:latin typeface="+mj-ea"/>
-                        <a:ea typeface="+mj-ea"/>
-                      </a:endParaRPr>
-                    </a:p>
-                  </a:txBody>
-                  <a:tcPr marL="9525" marR="9525" marT="9525" marB="0" anchor="ctr"/>
-                </a:tc>
-                <a:tc>
-                  <a:txBody>
-                    <a:bodyPr/>
-                    <a:lstStyle/>
-                    <a:p>
-                      <a:pPr algn="ctr"/>
-                      <a:r>
-                        <a:rPr lang="zh-TW" altLang="en-US" sz="1200" kern="0" dirty="0">
-                          <a:solidFill>
-                            <a:sysClr val="windowText" lastClr="000000"/>
-                          </a:solidFill>
-                          <a:latin typeface="+mj-ea"/>
-                          <a:ea typeface="+mj-ea"/>
-                        </a:rPr>
-                        <a:t>○</a:t>
-                      </a:r>
-                      <a:endParaRPr lang="zh-TW" altLang="en-US" sz="1200" b="0" dirty="0">
-                        <a:solidFill>
-                          <a:schemeClr val="tx1"/>
-                        </a:solidFill>
-                        <a:latin typeface="+mj-ea"/>
-                        <a:ea typeface="+mj-ea"/>
-                      </a:endParaRPr>
-                    </a:p>
-                  </a:txBody>
-                  <a:tcPr marL="9525" marR="9525" marT="9525" marB="0" anchor="ctr"/>
-                </a:tc>
-                <a:tc>
-                  <a:txBody>
-                    <a:bodyPr/>
-                    <a:lstStyle/>
-                    <a:p>
-                      <a:pPr algn="ctr"/>
-                      <a:r>
-                        <a:rPr lang="zh-TW" altLang="en-US" sz="1200" kern="0">
-                          <a:solidFill>
-                            <a:sysClr val="windowText" lastClr="000000"/>
-                          </a:solidFill>
-                          <a:latin typeface="+mj-ea"/>
-                          <a:ea typeface="+mj-ea"/>
-                        </a:rPr>
-                        <a:t>○</a:t>
-                      </a:r>
-                      <a:endParaRPr lang="zh-TW" altLang="en-US" sz="1200" b="0" dirty="0">
-                        <a:solidFill>
-                          <a:schemeClr val="tx1"/>
-                        </a:solidFill>
-                        <a:latin typeface="+mj-ea"/>
-                        <a:ea typeface="+mj-ea"/>
-                      </a:endParaRPr>
-                    </a:p>
-                  </a:txBody>
-                  <a:tcPr marL="9525" marR="9525" marT="9525" marB="0" anchor="ctr"/>
-                </a:tc>
-                <a:tc>
-                  <a:txBody>
-                    <a:bodyPr/>
-                    <a:lstStyle/>
-                    <a:p>
-                      <a:pPr algn="ctr"/>
-                      <a:r>
-                        <a:rPr lang="zh-TW" altLang="en-US" sz="1200" kern="1200" smtClean="0">
-                          <a:solidFill>
-                            <a:schemeClr val="tx1"/>
-                          </a:solidFill>
-                          <a:latin typeface="+mj-ea"/>
-                          <a:ea typeface="+mn-ea"/>
-                          <a:cs typeface="+mn-cs"/>
-                        </a:rPr>
-                        <a:t>◎</a:t>
-                      </a:r>
-                      <a:endParaRPr lang="zh-TW" altLang="en-US" sz="1200" b="0" kern="1200" dirty="0">
-                        <a:solidFill>
-                          <a:schemeClr val="tx1"/>
-                        </a:solidFill>
-                        <a:latin typeface="+mj-ea"/>
-                        <a:ea typeface="+mn-ea"/>
-                        <a:cs typeface="+mn-cs"/>
-                      </a:endParaRPr>
-                    </a:p>
-                  </a:txBody>
-                  <a:tcPr marL="9525" marR="9525" marT="9525" marB="0" anchor="ctr"/>
-                </a:tc>
-                <a:tc>
-                  <a:txBody>
-                    <a:bodyPr/>
-                    <a:lstStyle/>
-                    <a:p>
-                      <a:pPr algn="ctr"/>
-                      <a:r>
-                        <a:rPr lang="zh-TW" altLang="en-US" sz="1200" kern="1200" smtClean="0">
-                          <a:solidFill>
-                            <a:schemeClr val="tx1"/>
-                          </a:solidFill>
-                          <a:latin typeface="+mj-ea"/>
-                          <a:ea typeface="+mn-ea"/>
-                          <a:cs typeface="+mn-cs"/>
-                        </a:rPr>
-                        <a:t>◎</a:t>
-                      </a:r>
-                      <a:endParaRPr lang="zh-TW" altLang="en-US" sz="1200" b="0" kern="1200" dirty="0">
-                        <a:solidFill>
-                          <a:schemeClr val="tx1"/>
-                        </a:solidFill>
-                        <a:latin typeface="+mj-ea"/>
-                        <a:ea typeface="+mn-ea"/>
-                        <a:cs typeface="+mn-cs"/>
-                      </a:endParaRPr>
-                    </a:p>
-                  </a:txBody>
-                  <a:tcPr marL="9525" marR="9525" marT="9525" marB="0" anchor="ctr"/>
-                </a:tc>
-                <a:tc>
-                  <a:txBody>
-                    <a:bodyPr/>
-                    <a:lstStyle/>
-                    <a:p>
-                      <a:pPr algn="ctr"/>
-                      <a:r>
-                        <a:rPr lang="zh-TW" altLang="en-US" sz="1200" kern="0" dirty="0">
-                          <a:solidFill>
-                            <a:schemeClr val="tx1"/>
-                          </a:solidFill>
-                          <a:latin typeface="+mj-ea"/>
-                          <a:ea typeface="+mj-ea"/>
-                        </a:rPr>
-                        <a:t>○</a:t>
-                      </a:r>
-                      <a:endParaRPr lang="zh-TW" altLang="en-US" sz="1200" b="0" dirty="0">
-                        <a:solidFill>
-                          <a:schemeClr val="tx1"/>
-                        </a:solidFill>
-                        <a:latin typeface="+mj-ea"/>
-                        <a:ea typeface="+mj-ea"/>
-                      </a:endParaRPr>
-                    </a:p>
-                  </a:txBody>
-                  <a:tcPr marL="9525" marR="9525" marT="9525" marB="0" anchor="ctr"/>
-                </a:tc>
-                <a:tc>
-                  <a:txBody>
-                    <a:bodyPr/>
-                    <a:lstStyle/>
-                    <a:p>
-                      <a:pPr algn="ctr"/>
-                      <a:r>
-                        <a:rPr lang="zh-TW" altLang="en-US" sz="1200" kern="1200" smtClean="0">
-                          <a:solidFill>
-                            <a:schemeClr val="tx1"/>
-                          </a:solidFill>
-                          <a:latin typeface="+mj-ea"/>
-                          <a:ea typeface="+mn-ea"/>
-                          <a:cs typeface="+mn-cs"/>
-                        </a:rPr>
-                        <a:t>◎</a:t>
-                      </a:r>
-                      <a:endParaRPr lang="zh-TW" altLang="en-US" sz="1200" b="0" kern="1200" dirty="0">
-                        <a:solidFill>
-                          <a:schemeClr val="tx1"/>
-                        </a:solidFill>
-                        <a:latin typeface="+mj-ea"/>
-                        <a:ea typeface="+mn-ea"/>
-                        <a:cs typeface="+mn-cs"/>
-                      </a:endParaRPr>
-                    </a:p>
-                  </a:txBody>
-                  <a:tcPr marL="9525" marR="9525" marT="9525" marB="0" anchor="ctr"/>
-                </a:tc>
-                <a:tc>
-                  <a:txBody>
-                    <a:bodyPr/>
-                    <a:lstStyle/>
-                    <a:p>
-                      <a:pPr algn="ctr"/>
-                      <a:r>
-                        <a:rPr lang="zh-TW" altLang="en-US" sz="1200" kern="0">
-                          <a:solidFill>
-                            <a:schemeClr val="tx1"/>
-                          </a:solidFill>
-                          <a:latin typeface="+mj-ea"/>
-                          <a:ea typeface="+mj-ea"/>
-                        </a:rPr>
-                        <a:t>○</a:t>
-                      </a:r>
-                      <a:endParaRPr lang="zh-TW" altLang="en-US" sz="1200" b="0" dirty="0">
-                        <a:solidFill>
-                          <a:schemeClr val="tx1"/>
-                        </a:solidFill>
-                        <a:latin typeface="+mj-ea"/>
-                        <a:ea typeface="+mj-ea"/>
-                      </a:endParaRPr>
-                    </a:p>
-                  </a:txBody>
-                  <a:tcPr marL="9525" marR="9525" marT="9525" marB="0" anchor="ctr"/>
-                </a:tc>
-                <a:tc>
-                  <a:txBody>
-                    <a:bodyPr/>
-                    <a:lstStyle/>
-                    <a:p>
-                      <a:pPr algn="ctr"/>
-                      <a:r>
-                        <a:rPr lang="zh-TW" altLang="en-US" sz="1200" kern="0">
-                          <a:solidFill>
-                            <a:schemeClr val="tx1"/>
-                          </a:solidFill>
-                          <a:latin typeface="+mj-ea"/>
-                          <a:ea typeface="+mj-ea"/>
-                        </a:rPr>
-                        <a:t>○</a:t>
-                      </a:r>
-                      <a:endParaRPr lang="zh-TW" altLang="en-US" sz="1200" b="0" dirty="0">
-                        <a:solidFill>
-                          <a:schemeClr val="tx1"/>
-                        </a:solidFill>
-                        <a:latin typeface="+mj-ea"/>
-                        <a:ea typeface="+mj-ea"/>
-                      </a:endParaRPr>
-                    </a:p>
-                  </a:txBody>
-                  <a:tcPr marL="9525" marR="9525" marT="9525" marB="0" anchor="ctr"/>
-                </a:tc>
-                <a:extLst>
-                  <a:ext uri="{0D108BD9-81ED-4DB2-BD59-A6C34878D82A}">
-                    <a16:rowId xmlns="" xmlns:a16="http://schemas.microsoft.com/office/drawing/2014/main" val="10004"/>
-                  </a:ext>
-                </a:extLst>
-              </a:tr>
-              <a:tr h="458810">
+                        <a:rPr lang="en-US" altLang="zh-TW" sz="1200" b="0" kern="0" smtClean="0">
+                          <a:solidFill>
+                            <a:srgbClr val="C00000"/>
+                          </a:solidFill>
+                        </a:rPr>
+                        <a:t>●</a:t>
+                      </a:r>
+                      <a:endParaRPr lang="zh-TW" altLang="en-US" sz="1200" b="0" dirty="0">
+                        <a:solidFill>
+                          <a:srgbClr val="C00000"/>
+                        </a:solidFill>
+                        <a:latin typeface="微軟正黑體" panose="020B0604030504040204" pitchFamily="34" charset="-120"/>
+                        <a:ea typeface="微軟正黑體" panose="020B0604030504040204" pitchFamily="34" charset="-120"/>
+                      </a:endParaRPr>
+                    </a:p>
+                  </a:txBody>
+                  <a:tcPr marL="9525" marR="9525" marT="9525" marB="0" anchor="ctr"/>
+                </a:tc>
                 <a:tc>
                   <a:txBody>
                     <a:bodyPr/>
@@ -37951,30 +37183,23 @@
                         <a:defRPr/>
                       </a:pPr>
                       <a:r>
-                        <a:rPr lang="zh-TW" altLang="en-US" sz="1200" b="1" dirty="0">
-                          <a:solidFill>
-                            <a:schemeClr val="bg1"/>
-                          </a:solidFill>
-                          <a:effectLst/>
-                          <a:latin typeface="微軟正黑體" panose="020B0604030504040204" pitchFamily="34" charset="-120"/>
-                          <a:ea typeface="微軟正黑體" panose="020B0604030504040204" pitchFamily="34" charset="-120"/>
-                        </a:rPr>
-                        <a:t>新北市政府</a:t>
-                      </a:r>
-                      <a:endParaRPr lang="zh-TW" altLang="en-US" sz="1200" b="1" dirty="0">
-                        <a:solidFill>
-                          <a:schemeClr val="bg1"/>
-                        </a:solidFill>
-                        <a:latin typeface="微軟正黑體" panose="020B0604030504040204" pitchFamily="34" charset="-120"/>
-                        <a:ea typeface="微軟正黑體" panose="020B0604030504040204" pitchFamily="34" charset="-120"/>
-                      </a:endParaRPr>
-                    </a:p>
-                  </a:txBody>
-                  <a:tcPr anchor="ctr">
-                    <a:solidFill>
-                      <a:srgbClr val="8064A2"/>
-                    </a:solidFill>
-                  </a:tcPr>
+                        <a:rPr lang="en-US" altLang="zh-TW" sz="1200" b="0" kern="0" dirty="0" smtClean="0">
+                          <a:solidFill>
+                            <a:srgbClr val="C00000"/>
+                          </a:solidFill>
+                        </a:rPr>
+                        <a:t>●</a:t>
+                      </a:r>
+                      <a:endParaRPr lang="zh-TW" altLang="en-US" sz="1200" b="0" dirty="0">
+                        <a:solidFill>
+                          <a:srgbClr val="C00000"/>
+                        </a:solidFill>
+                        <a:latin typeface="微軟正黑體" panose="020B0604030504040204" pitchFamily="34" charset="-120"/>
+                        <a:ea typeface="微軟正黑體" panose="020B0604030504040204" pitchFamily="34" charset="-120"/>
+                      </a:endParaRPr>
+                    </a:p>
+                  </a:txBody>
+                  <a:tcPr marL="9525" marR="9525" marT="9525" marB="0" anchor="ctr"/>
                 </a:tc>
                 <a:tc>
                   <a:txBody>
@@ -37985,7 +37210,7 @@
                       <a:r>
                         <a:rPr lang="zh-TW" altLang="en-US" sz="1200" kern="0" dirty="0">
                           <a:solidFill>
-                            <a:sysClr val="windowText" lastClr="000000"/>
+                            <a:schemeClr val="tx1"/>
                           </a:solidFill>
                           <a:latin typeface="+mj-ea"/>
                           <a:ea typeface="+mj-ea"/>
@@ -38003,262 +37228,6 @@
                   </a:txBody>
                   <a:tcPr marL="9525" marR="9525" marT="9525" marB="0" anchor="ctr"/>
                 </a:tc>
-                <a:tc>
-                  <a:txBody>
-                    <a:bodyPr/>
-                    <a:lstStyle/>
-                    <a:p>
-                      <a:pPr algn="ctr"/>
-                      <a:r>
-                        <a:rPr lang="zh-TW" altLang="en-US" sz="1200" kern="0">
-                          <a:solidFill>
-                            <a:sysClr val="windowText" lastClr="000000"/>
-                          </a:solidFill>
-                          <a:latin typeface="+mj-ea"/>
-                          <a:ea typeface="+mj-ea"/>
-                        </a:rPr>
-                        <a:t>○</a:t>
-                      </a:r>
-                      <a:endParaRPr lang="zh-TW" altLang="en-US" sz="1200" b="0" dirty="0">
-                        <a:solidFill>
-                          <a:schemeClr val="tx1"/>
-                        </a:solidFill>
-                        <a:latin typeface="+mj-ea"/>
-                        <a:ea typeface="+mj-ea"/>
-                      </a:endParaRPr>
-                    </a:p>
-                  </a:txBody>
-                  <a:tcPr marL="9525" marR="9525" marT="9525" marB="0" anchor="ctr"/>
-                </a:tc>
-                <a:tc>
-                  <a:txBody>
-                    <a:bodyPr/>
-                    <a:lstStyle/>
-                    <a:p>
-                      <a:pPr algn="ctr"/>
-                      <a:r>
-                        <a:rPr lang="zh-TW" altLang="en-US" sz="1200" kern="0" dirty="0">
-                          <a:solidFill>
-                            <a:sysClr val="windowText" lastClr="000000"/>
-                          </a:solidFill>
-                          <a:latin typeface="+mj-ea"/>
-                          <a:ea typeface="+mj-ea"/>
-                        </a:rPr>
-                        <a:t>○</a:t>
-                      </a:r>
-                      <a:endParaRPr lang="zh-TW" altLang="en-US" sz="1200" b="0" dirty="0">
-                        <a:solidFill>
-                          <a:schemeClr val="tx1"/>
-                        </a:solidFill>
-                        <a:latin typeface="+mj-ea"/>
-                        <a:ea typeface="+mj-ea"/>
-                      </a:endParaRPr>
-                    </a:p>
-                  </a:txBody>
-                  <a:tcPr marL="9525" marR="9525" marT="9525" marB="0" anchor="ctr"/>
-                </a:tc>
-                <a:tc>
-                  <a:txBody>
-                    <a:bodyPr/>
-                    <a:lstStyle/>
-                    <a:p>
-                      <a:pPr algn="ctr"/>
-                      <a:r>
-                        <a:rPr lang="zh-TW" altLang="en-US" sz="1200" kern="0" dirty="0">
-                          <a:solidFill>
-                            <a:sysClr val="windowText" lastClr="000000"/>
-                          </a:solidFill>
-                          <a:latin typeface="+mj-ea"/>
-                          <a:ea typeface="+mj-ea"/>
-                        </a:rPr>
-                        <a:t>○</a:t>
-                      </a:r>
-                      <a:endParaRPr lang="zh-TW" altLang="en-US" sz="1200" b="0" dirty="0">
-                        <a:solidFill>
-                          <a:schemeClr val="tx1"/>
-                        </a:solidFill>
-                        <a:latin typeface="+mj-ea"/>
-                        <a:ea typeface="+mj-ea"/>
-                      </a:endParaRPr>
-                    </a:p>
-                  </a:txBody>
-                  <a:tcPr marL="9525" marR="9525" marT="9525" marB="0" anchor="ctr"/>
-                </a:tc>
-                <a:tc>
-                  <a:txBody>
-                    <a:bodyPr/>
-                    <a:lstStyle/>
-                    <a:p>
-                      <a:pPr algn="ctr"/>
-                      <a:r>
-                        <a:rPr lang="zh-TW" altLang="en-US" sz="1200" kern="1200" smtClean="0">
-                          <a:solidFill>
-                            <a:schemeClr val="tx1"/>
-                          </a:solidFill>
-                          <a:latin typeface="+mj-ea"/>
-                          <a:ea typeface="+mn-ea"/>
-                          <a:cs typeface="+mn-cs"/>
-                        </a:rPr>
-                        <a:t>◎</a:t>
-                      </a:r>
-                      <a:endParaRPr lang="zh-TW" altLang="en-US" sz="1200" b="0" kern="1200" dirty="0">
-                        <a:solidFill>
-                          <a:schemeClr val="tx1"/>
-                        </a:solidFill>
-                        <a:latin typeface="+mj-ea"/>
-                        <a:ea typeface="+mn-ea"/>
-                        <a:cs typeface="+mn-cs"/>
-                      </a:endParaRPr>
-                    </a:p>
-                  </a:txBody>
-                  <a:tcPr marL="9525" marR="9525" marT="9525" marB="0" anchor="ctr"/>
-                </a:tc>
-                <a:tc>
-                  <a:txBody>
-                    <a:bodyPr/>
-                    <a:lstStyle/>
-                    <a:p>
-                      <a:pPr algn="ctr"/>
-                      <a:r>
-                        <a:rPr lang="zh-TW" altLang="en-US" sz="1200" kern="1200" smtClean="0">
-                          <a:solidFill>
-                            <a:schemeClr val="tx1"/>
-                          </a:solidFill>
-                          <a:latin typeface="+mj-ea"/>
-                          <a:ea typeface="+mn-ea"/>
-                          <a:cs typeface="+mn-cs"/>
-                        </a:rPr>
-                        <a:t>◎</a:t>
-                      </a:r>
-                      <a:endParaRPr lang="zh-TW" altLang="en-US" sz="1200" b="0" kern="1200" dirty="0">
-                        <a:solidFill>
-                          <a:schemeClr val="tx1"/>
-                        </a:solidFill>
-                        <a:latin typeface="+mj-ea"/>
-                        <a:ea typeface="+mn-ea"/>
-                        <a:cs typeface="+mn-cs"/>
-                      </a:endParaRPr>
-                    </a:p>
-                  </a:txBody>
-                  <a:tcPr marL="9525" marR="9525" marT="9525" marB="0" anchor="ctr"/>
-                </a:tc>
-                <a:tc>
-                  <a:txBody>
-                    <a:bodyPr/>
-                    <a:lstStyle/>
-                    <a:p>
-                      <a:pPr algn="ctr"/>
-                      <a:r>
-                        <a:rPr lang="zh-TW" altLang="en-US" sz="1200" kern="0">
-                          <a:solidFill>
-                            <a:schemeClr val="tx1"/>
-                          </a:solidFill>
-                          <a:latin typeface="+mj-ea"/>
-                          <a:ea typeface="+mj-ea"/>
-                        </a:rPr>
-                        <a:t>○</a:t>
-                      </a:r>
-                      <a:endParaRPr lang="zh-TW" altLang="en-US" sz="1200" b="0" dirty="0">
-                        <a:solidFill>
-                          <a:schemeClr val="tx1"/>
-                        </a:solidFill>
-                        <a:latin typeface="+mj-ea"/>
-                        <a:ea typeface="+mj-ea"/>
-                      </a:endParaRPr>
-                    </a:p>
-                  </a:txBody>
-                  <a:tcPr marL="9525" marR="9525" marT="9525" marB="0" anchor="ctr"/>
-                </a:tc>
-                <a:tc>
-                  <a:txBody>
-                    <a:bodyPr/>
-                    <a:lstStyle/>
-                    <a:p>
-                      <a:pPr algn="ctr"/>
-                      <a:r>
-                        <a:rPr lang="zh-TW" altLang="en-US" sz="1200" kern="1200" dirty="0" smtClean="0">
-                          <a:solidFill>
-                            <a:schemeClr val="tx1"/>
-                          </a:solidFill>
-                          <a:latin typeface="+mj-ea"/>
-                          <a:ea typeface="+mn-ea"/>
-                          <a:cs typeface="+mn-cs"/>
-                        </a:rPr>
-                        <a:t>◎</a:t>
-                      </a:r>
-                      <a:endParaRPr lang="zh-TW" altLang="en-US" sz="1200" b="0" kern="1200" dirty="0">
-                        <a:solidFill>
-                          <a:schemeClr val="tx1"/>
-                        </a:solidFill>
-                        <a:latin typeface="+mj-ea"/>
-                        <a:ea typeface="+mn-ea"/>
-                        <a:cs typeface="+mn-cs"/>
-                      </a:endParaRPr>
-                    </a:p>
-                  </a:txBody>
-                  <a:tcPr marL="9525" marR="9525" marT="9525" marB="0" anchor="ctr"/>
-                </a:tc>
-                <a:tc>
-                  <a:txBody>
-                    <a:bodyPr/>
-                    <a:lstStyle/>
-                    <a:p>
-                      <a:pPr algn="ctr"/>
-                      <a:r>
-                        <a:rPr lang="zh-TW" altLang="en-US" sz="1200" kern="0">
-                          <a:solidFill>
-                            <a:schemeClr val="tx1"/>
-                          </a:solidFill>
-                          <a:latin typeface="+mj-ea"/>
-                          <a:ea typeface="+mj-ea"/>
-                        </a:rPr>
-                        <a:t>○</a:t>
-                      </a:r>
-                      <a:endParaRPr lang="zh-TW" altLang="en-US" sz="1200" b="0" dirty="0">
-                        <a:solidFill>
-                          <a:schemeClr val="tx1"/>
-                        </a:solidFill>
-                        <a:latin typeface="+mj-ea"/>
-                        <a:ea typeface="+mj-ea"/>
-                      </a:endParaRPr>
-                    </a:p>
-                  </a:txBody>
-                  <a:tcPr marL="9525" marR="9525" marT="9525" marB="0" anchor="ctr"/>
-                </a:tc>
-                <a:tc>
-                  <a:txBody>
-                    <a:bodyPr/>
-                    <a:lstStyle/>
-                    <a:p>
-                      <a:pPr algn="ctr"/>
-                      <a:r>
-                        <a:rPr lang="zh-TW" altLang="en-US" sz="1200" kern="0">
-                          <a:solidFill>
-                            <a:schemeClr val="tx1"/>
-                          </a:solidFill>
-                          <a:latin typeface="+mj-ea"/>
-                          <a:ea typeface="+mj-ea"/>
-                        </a:rPr>
-                        <a:t>○</a:t>
-                      </a:r>
-                      <a:endParaRPr lang="zh-TW" altLang="en-US" sz="1200" b="0" dirty="0">
-                        <a:solidFill>
-                          <a:schemeClr val="tx1"/>
-                        </a:solidFill>
-                        <a:latin typeface="+mj-ea"/>
-                        <a:ea typeface="+mj-ea"/>
-                      </a:endParaRPr>
-                    </a:p>
-                  </a:txBody>
-                  <a:tcPr marL="9525" marR="9525" marT="9525" marB="0" anchor="ctr"/>
-                </a:tc>
-                <a:extLst>
-                  <a:ext uri="{0D108BD9-81ED-4DB2-BD59-A6C34878D82A}">
-                    <a16:rowId xmlns="" xmlns:a16="http://schemas.microsoft.com/office/drawing/2014/main" val="10005"/>
-                  </a:ext>
-                </a:extLst>
-              </a:tr>
-              <a:tr h="458810">
                 <a:tc>
                   <a:txBody>
                     <a:bodyPr/>
@@ -38282,30 +37251,23 @@
                         <a:defRPr/>
                       </a:pPr>
                       <a:r>
-                        <a:rPr lang="zh-TW" altLang="en-US" sz="1200" b="1" dirty="0">
-                          <a:solidFill>
-                            <a:schemeClr val="bg1"/>
-                          </a:solidFill>
-                          <a:effectLst/>
-                          <a:latin typeface="微軟正黑體" panose="020B0604030504040204" pitchFamily="34" charset="-120"/>
-                          <a:ea typeface="微軟正黑體" panose="020B0604030504040204" pitchFamily="34" charset="-120"/>
-                        </a:rPr>
-                        <a:t>高雄市政府</a:t>
-                      </a:r>
-                      <a:endParaRPr lang="zh-TW" altLang="en-US" sz="1200" b="1" dirty="0">
-                        <a:solidFill>
-                          <a:schemeClr val="bg1"/>
-                        </a:solidFill>
-                        <a:latin typeface="微軟正黑體" panose="020B0604030504040204" pitchFamily="34" charset="-120"/>
-                        <a:ea typeface="微軟正黑體" panose="020B0604030504040204" pitchFamily="34" charset="-120"/>
-                      </a:endParaRPr>
-                    </a:p>
-                  </a:txBody>
-                  <a:tcPr anchor="ctr">
-                    <a:solidFill>
-                      <a:srgbClr val="8064A2"/>
-                    </a:solidFill>
-                  </a:tcPr>
+                        <a:rPr lang="en-US" altLang="zh-TW" sz="1200" b="0" kern="0" dirty="0" smtClean="0">
+                          <a:solidFill>
+                            <a:srgbClr val="C00000"/>
+                          </a:solidFill>
+                        </a:rPr>
+                        <a:t>●</a:t>
+                      </a:r>
+                      <a:endParaRPr lang="zh-TW" altLang="en-US" sz="1200" b="0" dirty="0">
+                        <a:solidFill>
+                          <a:srgbClr val="C00000"/>
+                        </a:solidFill>
+                        <a:latin typeface="微軟正黑體" panose="020B0604030504040204" pitchFamily="34" charset="-120"/>
+                        <a:ea typeface="微軟正黑體" panose="020B0604030504040204" pitchFamily="34" charset="-120"/>
+                      </a:endParaRPr>
+                    </a:p>
+                  </a:txBody>
+                  <a:tcPr marL="9525" marR="9525" marT="9525" marB="0" anchor="ctr"/>
                 </a:tc>
                 <a:tc>
                   <a:txBody>
@@ -38316,7 +37278,7 @@
                       <a:r>
                         <a:rPr lang="zh-TW" altLang="en-US" sz="1200" kern="0">
                           <a:solidFill>
-                            <a:sysClr val="windowText" lastClr="000000"/>
+                            <a:schemeClr val="tx1"/>
                           </a:solidFill>
                           <a:latin typeface="+mj-ea"/>
                           <a:ea typeface="+mj-ea"/>
@@ -38343,7 +37305,7 @@
                       <a:r>
                         <a:rPr lang="zh-TW" altLang="en-US" sz="1200" kern="0">
                           <a:solidFill>
-                            <a:sysClr val="windowText" lastClr="000000"/>
+                            <a:schemeClr val="tx1"/>
                           </a:solidFill>
                           <a:latin typeface="+mj-ea"/>
                           <a:ea typeface="+mj-ea"/>
@@ -38361,231 +37323,9 @@
                   </a:txBody>
                   <a:tcPr marL="9525" marR="9525" marT="9525" marB="0" anchor="ctr"/>
                 </a:tc>
-                <a:tc>
-                  <a:txBody>
-                    <a:bodyPr/>
-                    <a:lstStyle/>
-                    <a:p>
-                      <a:pPr algn="ctr"/>
-                      <a:r>
-                        <a:rPr lang="zh-TW" altLang="en-US" sz="1200" kern="0">
-                          <a:solidFill>
-                            <a:sysClr val="windowText" lastClr="000000"/>
-                          </a:solidFill>
-                          <a:latin typeface="+mj-ea"/>
-                          <a:ea typeface="+mj-ea"/>
-                        </a:rPr>
-                        <a:t>○</a:t>
-                      </a:r>
-                      <a:endParaRPr lang="zh-TW" altLang="en-US" sz="1200" b="0" dirty="0">
-                        <a:solidFill>
-                          <a:schemeClr val="tx1"/>
-                        </a:solidFill>
-                        <a:latin typeface="+mj-ea"/>
-                        <a:ea typeface="+mj-ea"/>
-                      </a:endParaRPr>
-                    </a:p>
-                  </a:txBody>
-                  <a:tcPr marL="9525" marR="9525" marT="9525" marB="0" anchor="ctr"/>
-                </a:tc>
-                <a:tc>
-                  <a:txBody>
-                    <a:bodyPr/>
-                    <a:lstStyle/>
-                    <a:p>
-                      <a:pPr algn="ctr"/>
-                      <a:r>
-                        <a:rPr lang="zh-TW" altLang="en-US" sz="1200" kern="0" dirty="0">
-                          <a:solidFill>
-                            <a:sysClr val="windowText" lastClr="000000"/>
-                          </a:solidFill>
-                          <a:latin typeface="+mj-ea"/>
-                          <a:ea typeface="+mj-ea"/>
-                        </a:rPr>
-                        <a:t>○</a:t>
-                      </a:r>
-                      <a:endParaRPr lang="zh-TW" altLang="en-US" sz="1200" b="0" dirty="0">
-                        <a:solidFill>
-                          <a:schemeClr val="tx1"/>
-                        </a:solidFill>
-                        <a:latin typeface="+mj-ea"/>
-                        <a:ea typeface="+mj-ea"/>
-                      </a:endParaRPr>
-                    </a:p>
-                  </a:txBody>
-                  <a:tcPr marL="9525" marR="9525" marT="9525" marB="0" anchor="ctr"/>
-                </a:tc>
-                <a:tc>
-                  <a:txBody>
-                    <a:bodyPr/>
-                    <a:lstStyle/>
-                    <a:p>
-                      <a:pPr algn="ctr"/>
-                      <a:r>
-                        <a:rPr lang="zh-TW" altLang="en-US" sz="1200" kern="1200" smtClean="0">
-                          <a:solidFill>
-                            <a:schemeClr val="tx1"/>
-                          </a:solidFill>
-                          <a:latin typeface="+mj-ea"/>
-                          <a:ea typeface="+mn-ea"/>
-                          <a:cs typeface="+mn-cs"/>
-                        </a:rPr>
-                        <a:t>◎</a:t>
-                      </a:r>
-                      <a:endParaRPr lang="zh-TW" altLang="en-US" sz="1200" b="0" kern="1200" dirty="0">
-                        <a:solidFill>
-                          <a:schemeClr val="tx1"/>
-                        </a:solidFill>
-                        <a:latin typeface="+mj-ea"/>
-                        <a:ea typeface="+mn-ea"/>
-                        <a:cs typeface="+mn-cs"/>
-                      </a:endParaRPr>
-                    </a:p>
-                  </a:txBody>
-                  <a:tcPr marL="9525" marR="9525" marT="9525" marB="0" anchor="ctr"/>
-                </a:tc>
-                <a:tc>
-                  <a:txBody>
-                    <a:bodyPr/>
-                    <a:lstStyle/>
-                    <a:p>
-                      <a:pPr algn="ctr"/>
-                      <a:r>
-                        <a:rPr lang="zh-TW" altLang="en-US" sz="1200" kern="1200" dirty="0" smtClean="0">
-                          <a:solidFill>
-                            <a:schemeClr val="tx1"/>
-                          </a:solidFill>
-                          <a:latin typeface="+mj-ea"/>
-                          <a:ea typeface="+mn-ea"/>
-                          <a:cs typeface="+mn-cs"/>
-                        </a:rPr>
-                        <a:t>◎</a:t>
-                      </a:r>
-                      <a:endParaRPr lang="zh-TW" altLang="en-US" sz="1200" b="0" kern="1200" dirty="0">
-                        <a:solidFill>
-                          <a:schemeClr val="tx1"/>
-                        </a:solidFill>
-                        <a:latin typeface="+mj-ea"/>
-                        <a:ea typeface="+mn-ea"/>
-                        <a:cs typeface="+mn-cs"/>
-                      </a:endParaRPr>
-                    </a:p>
-                  </a:txBody>
-                  <a:tcPr marL="9525" marR="9525" marT="9525" marB="0" anchor="ctr"/>
-                </a:tc>
-                <a:tc>
-                  <a:txBody>
-                    <a:bodyPr/>
-                    <a:lstStyle/>
-                    <a:p>
-                      <a:pPr algn="ctr"/>
-                      <a:r>
-                        <a:rPr lang="zh-TW" altLang="en-US" sz="1200" kern="0">
-                          <a:solidFill>
-                            <a:schemeClr val="tx1"/>
-                          </a:solidFill>
-                          <a:latin typeface="+mj-ea"/>
-                          <a:ea typeface="+mj-ea"/>
-                        </a:rPr>
-                        <a:t>○</a:t>
-                      </a:r>
-                      <a:endParaRPr lang="zh-TW" altLang="en-US" sz="1200" b="0" dirty="0">
-                        <a:solidFill>
-                          <a:schemeClr val="tx1"/>
-                        </a:solidFill>
-                        <a:latin typeface="+mj-ea"/>
-                        <a:ea typeface="+mj-ea"/>
-                      </a:endParaRPr>
-                    </a:p>
-                  </a:txBody>
-                  <a:tcPr marL="9525" marR="9525" marT="9525" marB="0" anchor="ctr"/>
-                </a:tc>
-                <a:tc>
-                  <a:txBody>
-                    <a:bodyPr/>
-                    <a:lstStyle/>
-                    <a:p>
-                      <a:pPr algn="ctr"/>
-                      <a:r>
-                        <a:rPr lang="zh-TW" altLang="en-US" sz="1200" kern="1200" dirty="0" smtClean="0">
-                          <a:solidFill>
-                            <a:schemeClr val="tx1"/>
-                          </a:solidFill>
-                          <a:latin typeface="+mj-ea"/>
-                          <a:ea typeface="+mn-ea"/>
-                          <a:cs typeface="+mn-cs"/>
-                        </a:rPr>
-                        <a:t>◎</a:t>
-                      </a:r>
-                      <a:endParaRPr lang="zh-TW" altLang="en-US" sz="1200" b="0" kern="1200" dirty="0">
-                        <a:solidFill>
-                          <a:schemeClr val="tx1"/>
-                        </a:solidFill>
-                        <a:latin typeface="+mj-ea"/>
-                        <a:ea typeface="+mn-ea"/>
-                        <a:cs typeface="+mn-cs"/>
-                      </a:endParaRPr>
-                    </a:p>
-                  </a:txBody>
-                  <a:tcPr marL="9525" marR="9525" marT="9525" marB="0" anchor="ctr"/>
-                </a:tc>
-                <a:tc>
-                  <a:txBody>
-                    <a:bodyPr/>
-                    <a:lstStyle/>
-                    <a:p>
-                      <a:pPr algn="ctr"/>
-                      <a:r>
-                        <a:rPr lang="zh-TW" altLang="en-US" sz="1200" kern="0" dirty="0">
-                          <a:solidFill>
-                            <a:schemeClr val="tx1"/>
-                          </a:solidFill>
-                          <a:latin typeface="+mj-ea"/>
-                          <a:ea typeface="+mj-ea"/>
-                        </a:rPr>
-                        <a:t>○</a:t>
-                      </a:r>
-                      <a:endParaRPr lang="zh-TW" altLang="en-US" sz="1200" b="0" dirty="0">
-                        <a:solidFill>
-                          <a:schemeClr val="tx1"/>
-                        </a:solidFill>
-                        <a:latin typeface="+mj-ea"/>
-                        <a:ea typeface="+mj-ea"/>
-                      </a:endParaRPr>
-                    </a:p>
-                  </a:txBody>
-                  <a:tcPr marL="9525" marR="9525" marT="9525" marB="0" anchor="ctr"/>
-                </a:tc>
-                <a:tc>
-                  <a:txBody>
-                    <a:bodyPr/>
-                    <a:lstStyle/>
-                    <a:p>
-                      <a:pPr algn="ctr"/>
-                      <a:r>
-                        <a:rPr lang="zh-TW" altLang="en-US" sz="1200" kern="0">
-                          <a:solidFill>
-                            <a:schemeClr val="tx1"/>
-                          </a:solidFill>
-                          <a:latin typeface="+mj-ea"/>
-                          <a:ea typeface="+mj-ea"/>
-                        </a:rPr>
-                        <a:t>○</a:t>
-                      </a:r>
-                      <a:endParaRPr lang="zh-TW" altLang="en-US" sz="1200" b="0" dirty="0">
-                        <a:solidFill>
-                          <a:schemeClr val="tx1"/>
-                        </a:solidFill>
-                        <a:latin typeface="+mj-ea"/>
-                        <a:ea typeface="+mj-ea"/>
-                      </a:endParaRPr>
-                    </a:p>
-                  </a:txBody>
-                  <a:tcPr marL="9525" marR="9525" marT="9525" marB="0" anchor="ctr"/>
-                </a:tc>
                 <a:extLst>
                   <a:ext uri="{0D108BD9-81ED-4DB2-BD59-A6C34878D82A}">
-                    <a16:rowId xmlns="" xmlns:a16="http://schemas.microsoft.com/office/drawing/2014/main" val="10006"/>
+                    <a16:rowId xmlns="" xmlns:a16="http://schemas.microsoft.com/office/drawing/2014/main" val="10002"/>
                   </a:ext>
                 </a:extLst>
               </a:tr>
@@ -38621,15 +37361,8 @@
                           <a:latin typeface="微軟正黑體" panose="020B0604030504040204" pitchFamily="34" charset="-120"/>
                           <a:ea typeface="微軟正黑體" panose="020B0604030504040204" pitchFamily="34" charset="-120"/>
                         </a:rPr>
-                        <a:t>屏東縣政府</a:t>
-                      </a:r>
-                      <a:endParaRPr lang="zh-TW" altLang="en-US" sz="1200" b="1" dirty="0">
-                        <a:solidFill>
-                          <a:schemeClr val="bg1"/>
-                        </a:solidFill>
-                        <a:latin typeface="微軟正黑體" panose="020B0604030504040204" pitchFamily="34" charset="-120"/>
-                        <a:ea typeface="微軟正黑體" panose="020B0604030504040204" pitchFamily="34" charset="-120"/>
-                      </a:endParaRPr>
+                        <a:t>港務公司</a:t>
+                      </a:r>
                     </a:p>
                   </a:txBody>
                   <a:tcPr anchor="ctr">
@@ -38699,7 +37432,7 @@
                     <a:p>
                       <a:pPr algn="ctr"/>
                       <a:r>
-                        <a:rPr lang="zh-TW" altLang="en-US" sz="1200" kern="0">
+                        <a:rPr lang="zh-TW" altLang="en-US" sz="1200" kern="0" dirty="0">
                           <a:solidFill>
                             <a:sysClr val="windowText" lastClr="000000"/>
                           </a:solidFill>
@@ -38753,7 +37486,7 @@
                     <a:p>
                       <a:pPr algn="ctr"/>
                       <a:r>
-                        <a:rPr lang="zh-TW" altLang="en-US" sz="1200" kern="1200" smtClean="0">
+                        <a:rPr lang="zh-TW" altLang="en-US" sz="1200" kern="1200" dirty="0" smtClean="0">
                           <a:solidFill>
                             <a:schemeClr val="tx1"/>
                           </a:solidFill>
@@ -38811,7 +37544,7 @@
                     <a:p>
                       <a:pPr algn="ctr"/>
                       <a:r>
-                        <a:rPr lang="zh-TW" altLang="en-US" sz="1200" kern="0">
+                        <a:rPr lang="zh-TW" altLang="en-US" sz="1200" kern="0" dirty="0">
                           <a:solidFill>
                             <a:schemeClr val="tx1"/>
                           </a:solidFill>
@@ -38838,7 +37571,235 @@
                     <a:p>
                       <a:pPr algn="ctr"/>
                       <a:r>
-                        <a:rPr lang="zh-TW" altLang="en-US" sz="1200" kern="1200" smtClean="0">
+                        <a:rPr lang="zh-TW" altLang="en-US" sz="1200" kern="0">
+                          <a:solidFill>
+                            <a:schemeClr val="tx1"/>
+                          </a:solidFill>
+                          <a:latin typeface="+mj-ea"/>
+                          <a:ea typeface="+mj-ea"/>
+                        </a:rPr>
+                        <a:t>○</a:t>
+                      </a:r>
+                      <a:endParaRPr lang="zh-TW" altLang="en-US" sz="1200" b="0" dirty="0">
+                        <a:solidFill>
+                          <a:schemeClr val="tx1"/>
+                        </a:solidFill>
+                        <a:latin typeface="+mj-ea"/>
+                        <a:ea typeface="+mj-ea"/>
+                      </a:endParaRPr>
+                    </a:p>
+                  </a:txBody>
+                  <a:tcPr marL="9525" marR="9525" marT="9525" marB="0" anchor="ctr"/>
+                </a:tc>
+                <a:tc>
+                  <a:txBody>
+                    <a:bodyPr/>
+                    <a:lstStyle/>
+                    <a:p>
+                      <a:pPr algn="ctr"/>
+                      <a:r>
+                        <a:rPr lang="zh-TW" altLang="en-US" sz="1200" kern="0">
+                          <a:solidFill>
+                            <a:schemeClr val="tx1"/>
+                          </a:solidFill>
+                          <a:latin typeface="+mj-ea"/>
+                          <a:ea typeface="+mj-ea"/>
+                        </a:rPr>
+                        <a:t>○</a:t>
+                      </a:r>
+                      <a:endParaRPr lang="zh-TW" altLang="en-US" sz="1200" b="0" dirty="0">
+                        <a:solidFill>
+                          <a:schemeClr val="tx1"/>
+                        </a:solidFill>
+                        <a:latin typeface="+mj-ea"/>
+                        <a:ea typeface="+mj-ea"/>
+                      </a:endParaRPr>
+                    </a:p>
+                  </a:txBody>
+                  <a:tcPr marL="9525" marR="9525" marT="9525" marB="0" anchor="ctr"/>
+                </a:tc>
+                <a:tc>
+                  <a:txBody>
+                    <a:bodyPr/>
+                    <a:lstStyle/>
+                    <a:p>
+                      <a:pPr algn="ctr"/>
+                      <a:r>
+                        <a:rPr lang="zh-TW" altLang="en-US" sz="1200" kern="0">
+                          <a:solidFill>
+                            <a:schemeClr val="tx1"/>
+                          </a:solidFill>
+                          <a:latin typeface="+mj-ea"/>
+                          <a:ea typeface="+mj-ea"/>
+                        </a:rPr>
+                        <a:t>○</a:t>
+                      </a:r>
+                      <a:endParaRPr lang="zh-TW" altLang="en-US" sz="1200" b="0" dirty="0">
+                        <a:solidFill>
+                          <a:schemeClr val="tx1"/>
+                        </a:solidFill>
+                        <a:latin typeface="+mj-ea"/>
+                        <a:ea typeface="+mj-ea"/>
+                      </a:endParaRPr>
+                    </a:p>
+                  </a:txBody>
+                  <a:tcPr marL="9525" marR="9525" marT="9525" marB="0" anchor="ctr"/>
+                </a:tc>
+                <a:extLst>
+                  <a:ext uri="{0D108BD9-81ED-4DB2-BD59-A6C34878D82A}">
+                    <a16:rowId xmlns="" xmlns:a16="http://schemas.microsoft.com/office/drawing/2014/main" val="10003"/>
+                  </a:ext>
+                </a:extLst>
+              </a:tr>
+              <a:tr h="458810">
+                <a:tc>
+                  <a:txBody>
+                    <a:bodyPr/>
+                    <a:lstStyle/>
+                    <a:p>
+                      <a:pPr algn="ctr"/>
+                      <a:r>
+                        <a:rPr lang="zh-TW" altLang="en-US" sz="1200" b="1" dirty="0">
+                          <a:solidFill>
+                            <a:schemeClr val="bg1"/>
+                          </a:solidFill>
+                          <a:effectLst/>
+                          <a:latin typeface="微軟正黑體" panose="020B0604030504040204" pitchFamily="34" charset="-120"/>
+                          <a:ea typeface="微軟正黑體" panose="020B0604030504040204" pitchFamily="34" charset="-120"/>
+                        </a:rPr>
+                        <a:t>臺北市政府</a:t>
+                      </a:r>
+                      <a:endParaRPr lang="zh-TW" altLang="en-US" sz="1200" b="1" dirty="0">
+                        <a:solidFill>
+                          <a:schemeClr val="bg1"/>
+                        </a:solidFill>
+                        <a:latin typeface="微軟正黑體" panose="020B0604030504040204" pitchFamily="34" charset="-120"/>
+                        <a:ea typeface="微軟正黑體" panose="020B0604030504040204" pitchFamily="34" charset="-120"/>
+                      </a:endParaRPr>
+                    </a:p>
+                  </a:txBody>
+                  <a:tcPr anchor="ctr">
+                    <a:solidFill>
+                      <a:srgbClr val="8064A2"/>
+                    </a:solidFill>
+                  </a:tcPr>
+                </a:tc>
+                <a:tc>
+                  <a:txBody>
+                    <a:bodyPr/>
+                    <a:lstStyle/>
+                    <a:p>
+                      <a:pPr algn="ctr"/>
+                      <a:r>
+                        <a:rPr lang="zh-TW" altLang="en-US" sz="1200" kern="0">
+                          <a:solidFill>
+                            <a:sysClr val="windowText" lastClr="000000"/>
+                          </a:solidFill>
+                          <a:latin typeface="+mj-ea"/>
+                          <a:ea typeface="+mj-ea"/>
+                        </a:rPr>
+                        <a:t>○</a:t>
+                      </a:r>
+                      <a:endParaRPr lang="zh-TW" altLang="en-US" sz="1200" b="0" dirty="0">
+                        <a:solidFill>
+                          <a:schemeClr val="tx1"/>
+                        </a:solidFill>
+                        <a:latin typeface="+mj-ea"/>
+                        <a:ea typeface="+mj-ea"/>
+                      </a:endParaRPr>
+                    </a:p>
+                  </a:txBody>
+                  <a:tcPr marL="9525" marR="9525" marT="9525" marB="0" anchor="ctr"/>
+                </a:tc>
+                <a:tc>
+                  <a:txBody>
+                    <a:bodyPr/>
+                    <a:lstStyle/>
+                    <a:p>
+                      <a:pPr algn="ctr"/>
+                      <a:r>
+                        <a:rPr lang="zh-TW" altLang="en-US" sz="1200" kern="0">
+                          <a:solidFill>
+                            <a:sysClr val="windowText" lastClr="000000"/>
+                          </a:solidFill>
+                          <a:latin typeface="+mj-ea"/>
+                          <a:ea typeface="+mj-ea"/>
+                        </a:rPr>
+                        <a:t>○</a:t>
+                      </a:r>
+                      <a:endParaRPr lang="zh-TW" altLang="en-US" sz="1200" b="0" dirty="0">
+                        <a:solidFill>
+                          <a:schemeClr val="tx1"/>
+                        </a:solidFill>
+                        <a:latin typeface="+mj-ea"/>
+                        <a:ea typeface="+mj-ea"/>
+                      </a:endParaRPr>
+                    </a:p>
+                  </a:txBody>
+                  <a:tcPr marL="9525" marR="9525" marT="9525" marB="0" anchor="ctr"/>
+                </a:tc>
+                <a:tc>
+                  <a:txBody>
+                    <a:bodyPr/>
+                    <a:lstStyle/>
+                    <a:p>
+                      <a:pPr algn="ctr"/>
+                      <a:r>
+                        <a:rPr lang="zh-TW" altLang="en-US" sz="1200" kern="0" dirty="0">
+                          <a:solidFill>
+                            <a:sysClr val="windowText" lastClr="000000"/>
+                          </a:solidFill>
+                          <a:latin typeface="+mj-ea"/>
+                          <a:ea typeface="+mj-ea"/>
+                        </a:rPr>
+                        <a:t>○</a:t>
+                      </a:r>
+                      <a:endParaRPr lang="zh-TW" altLang="en-US" sz="1200" b="0" dirty="0">
+                        <a:solidFill>
+                          <a:schemeClr val="tx1"/>
+                        </a:solidFill>
+                        <a:latin typeface="+mj-ea"/>
+                        <a:ea typeface="+mj-ea"/>
+                      </a:endParaRPr>
+                    </a:p>
+                  </a:txBody>
+                  <a:tcPr marL="9525" marR="9525" marT="9525" marB="0" anchor="ctr"/>
+                </a:tc>
+                <a:tc>
+                  <a:txBody>
+                    <a:bodyPr/>
+                    <a:lstStyle/>
+                    <a:p>
+                      <a:pPr algn="ctr"/>
+                      <a:r>
+                        <a:rPr lang="zh-TW" altLang="en-US" sz="1200" kern="0">
+                          <a:solidFill>
+                            <a:sysClr val="windowText" lastClr="000000"/>
+                          </a:solidFill>
+                          <a:latin typeface="+mj-ea"/>
+                          <a:ea typeface="+mj-ea"/>
+                        </a:rPr>
+                        <a:t>○</a:t>
+                      </a:r>
+                      <a:endParaRPr lang="zh-TW" altLang="en-US" sz="1200" b="0" dirty="0">
+                        <a:solidFill>
+                          <a:schemeClr val="tx1"/>
+                        </a:solidFill>
+                        <a:latin typeface="+mj-ea"/>
+                        <a:ea typeface="+mj-ea"/>
+                      </a:endParaRPr>
+                    </a:p>
+                  </a:txBody>
+                  <a:tcPr marL="9525" marR="9525" marT="9525" marB="0" anchor="ctr"/>
+                </a:tc>
+                <a:tc>
+                  <a:txBody>
+                    <a:bodyPr/>
+                    <a:lstStyle/>
+                    <a:p>
+                      <a:pPr algn="ctr"/>
+                      <a:r>
+                        <a:rPr lang="zh-TW" altLang="en-US" sz="1200" kern="1200" dirty="0" smtClean="0">
                           <a:solidFill>
                             <a:schemeClr val="tx1"/>
                           </a:solidFill>
@@ -38867,6 +37828,35 @@
                     <a:p>
                       <a:pPr algn="ctr"/>
                       <a:r>
+                        <a:rPr lang="zh-TW" altLang="en-US" sz="1200" kern="1200" dirty="0" smtClean="0">
+                          <a:solidFill>
+                            <a:schemeClr val="tx1"/>
+                          </a:solidFill>
+                          <a:latin typeface="+mj-ea"/>
+                          <a:ea typeface="+mn-ea"/>
+                          <a:cs typeface="+mn-cs"/>
+                        </a:rPr>
+                        <a:t>◎</a:t>
+                      </a:r>
+                      <a:endParaRPr lang="zh-TW" altLang="en-US" sz="1200" b="0" kern="1200" dirty="0">
+                        <a:solidFill>
+                          <a:schemeClr val="tx1"/>
+                        </a:solidFill>
+                        <a:latin typeface="+mj-ea"/>
+                        <a:ea typeface="+mn-ea"/>
+                        <a:cs typeface="+mn-cs"/>
+                      </a:endParaRPr>
+                    </a:p>
+                  </a:txBody>
+                  <a:tcPr marL="9525" marR="9525" marT="9525" marB="0" anchor="ctr"/>
+                </a:tc>
+                <a:tc>
+                  <a:txBody>
+                    <a:bodyPr/>
+                    <a:lstStyle/>
+                    <a:p>
+                      <a:pPr algn="ctr"/>
+                      <a:r>
                         <a:rPr lang="zh-TW" altLang="en-US" sz="1200" kern="0" dirty="0">
                           <a:solidFill>
                             <a:schemeClr val="tx1"/>
@@ -38894,6 +37884,35 @@
                     <a:p>
                       <a:pPr algn="ctr"/>
                       <a:r>
+                        <a:rPr lang="zh-TW" altLang="en-US" sz="1200" kern="1200" smtClean="0">
+                          <a:solidFill>
+                            <a:schemeClr val="tx1"/>
+                          </a:solidFill>
+                          <a:latin typeface="+mj-ea"/>
+                          <a:ea typeface="+mn-ea"/>
+                          <a:cs typeface="+mn-cs"/>
+                        </a:rPr>
+                        <a:t>◎</a:t>
+                      </a:r>
+                      <a:endParaRPr lang="zh-TW" altLang="en-US" sz="1200" b="0" kern="1200" dirty="0">
+                        <a:solidFill>
+                          <a:schemeClr val="tx1"/>
+                        </a:solidFill>
+                        <a:latin typeface="+mj-ea"/>
+                        <a:ea typeface="+mn-ea"/>
+                        <a:cs typeface="+mn-cs"/>
+                      </a:endParaRPr>
+                    </a:p>
+                  </a:txBody>
+                  <a:tcPr marL="9525" marR="9525" marT="9525" marB="0" anchor="ctr"/>
+                </a:tc>
+                <a:tc>
+                  <a:txBody>
+                    <a:bodyPr/>
+                    <a:lstStyle/>
+                    <a:p>
+                      <a:pPr algn="ctr"/>
+                      <a:r>
                         <a:rPr lang="zh-TW" altLang="en-US" sz="1200" kern="0">
                           <a:solidFill>
                             <a:schemeClr val="tx1"/>
@@ -38914,9 +37933,36 @@
                   </a:txBody>
                   <a:tcPr marL="9525" marR="9525" marT="9525" marB="0" anchor="ctr"/>
                 </a:tc>
+                <a:tc>
+                  <a:txBody>
+                    <a:bodyPr/>
+                    <a:lstStyle/>
+                    <a:p>
+                      <a:pPr algn="ctr"/>
+                      <a:r>
+                        <a:rPr lang="zh-TW" altLang="en-US" sz="1200" kern="0">
+                          <a:solidFill>
+                            <a:schemeClr val="tx1"/>
+                          </a:solidFill>
+                          <a:latin typeface="+mj-ea"/>
+                          <a:ea typeface="+mj-ea"/>
+                        </a:rPr>
+                        <a:t>○</a:t>
+                      </a:r>
+                      <a:endParaRPr lang="zh-TW" altLang="en-US" sz="1200" b="0" dirty="0">
+                        <a:solidFill>
+                          <a:schemeClr val="tx1"/>
+                        </a:solidFill>
+                        <a:latin typeface="+mj-ea"/>
+                        <a:ea typeface="+mj-ea"/>
+                      </a:endParaRPr>
+                    </a:p>
+                  </a:txBody>
+                  <a:tcPr marL="9525" marR="9525" marT="9525" marB="0" anchor="ctr"/>
+                </a:tc>
                 <a:extLst>
                   <a:ext uri="{0D108BD9-81ED-4DB2-BD59-A6C34878D82A}">
-                    <a16:rowId xmlns="" xmlns:a16="http://schemas.microsoft.com/office/drawing/2014/main" val="10007"/>
+                    <a16:rowId xmlns="" xmlns:a16="http://schemas.microsoft.com/office/drawing/2014/main" val="10004"/>
                   </a:ext>
                 </a:extLst>
               </a:tr>
@@ -38952,7 +37998,7 @@
                           <a:latin typeface="微軟正黑體" panose="020B0604030504040204" pitchFamily="34" charset="-120"/>
                           <a:ea typeface="微軟正黑體" panose="020B0604030504040204" pitchFamily="34" charset="-120"/>
                         </a:rPr>
-                        <a:t>臺東縣政府</a:t>
+                        <a:t>新北市政府</a:t>
                       </a:r>
                       <a:endParaRPr lang="zh-TW" altLang="en-US" sz="1200" b="1" dirty="0">
                         <a:solidFill>
@@ -38976,7 +38022,7 @@
                     <a:p>
                       <a:pPr algn="ctr"/>
                       <a:r>
-                        <a:rPr lang="zh-TW" altLang="en-US" sz="1200" kern="0">
+                        <a:rPr lang="zh-TW" altLang="en-US" sz="1200" kern="0" dirty="0">
                           <a:solidFill>
                             <a:sysClr val="windowText" lastClr="000000"/>
                           </a:solidFill>
@@ -39030,7 +38076,7 @@
                     <a:p>
                       <a:pPr algn="ctr"/>
                       <a:r>
-                        <a:rPr lang="zh-TW" altLang="en-US" sz="1200" kern="0">
+                        <a:rPr lang="zh-TW" altLang="en-US" sz="1200" kern="0" dirty="0">
                           <a:solidFill>
                             <a:sysClr val="windowText" lastClr="000000"/>
                           </a:solidFill>
@@ -39198,7 +38244,7 @@
                     <a:p>
                       <a:pPr algn="ctr"/>
                       <a:r>
-                        <a:rPr lang="zh-TW" altLang="en-US" sz="1200" kern="0" dirty="0">
+                        <a:rPr lang="zh-TW" altLang="en-US" sz="1200" kern="0">
                           <a:solidFill>
                             <a:schemeClr val="tx1"/>
                           </a:solidFill>
@@ -39225,7 +38271,7 @@
                     <a:p>
                       <a:pPr algn="ctr"/>
                       <a:r>
-                        <a:rPr lang="zh-TW" altLang="en-US" sz="1200" kern="0" dirty="0">
+                        <a:rPr lang="zh-TW" altLang="en-US" sz="1200" kern="0">
                           <a:solidFill>
                             <a:schemeClr val="tx1"/>
                           </a:solidFill>
@@ -39247,7 +38293,7 @@
                 </a:tc>
                 <a:extLst>
                   <a:ext uri="{0D108BD9-81ED-4DB2-BD59-A6C34878D82A}">
-                    <a16:rowId xmlns="" xmlns:a16="http://schemas.microsoft.com/office/drawing/2014/main" val="10008"/>
+                    <a16:rowId xmlns="" xmlns:a16="http://schemas.microsoft.com/office/drawing/2014/main" val="10005"/>
                   </a:ext>
                 </a:extLst>
               </a:tr>
@@ -39283,7 +38329,7 @@
                           <a:latin typeface="微軟正黑體" panose="020B0604030504040204" pitchFamily="34" charset="-120"/>
                           <a:ea typeface="微軟正黑體" panose="020B0604030504040204" pitchFamily="34" charset="-120"/>
                         </a:rPr>
-                        <a:t>金門縣政府</a:t>
+                        <a:t>高雄市政府</a:t>
                       </a:r>
                       <a:endParaRPr lang="zh-TW" altLang="en-US" sz="1200" b="1" dirty="0">
                         <a:solidFill>
@@ -39361,19 +38407,21 @@
                     <a:p>
                       <a:pPr algn="ctr"/>
                       <a:r>
-                        <a:rPr lang="zh-TW" altLang="en-US" sz="1200" b="0" kern="0" dirty="0" smtClean="0">
-                          <a:solidFill>
-                            <a:schemeClr val="tx1"/>
-                          </a:solidFill>
-                        </a:rPr>
-                        <a:t>◎</a:t>
-                      </a:r>
-                      <a:endParaRPr lang="zh-TW" altLang="en-US" sz="1200" b="0" dirty="0">
-                        <a:solidFill>
-                          <a:schemeClr val="tx1"/>
-                        </a:solidFill>
-                        <a:latin typeface="微軟正黑體" panose="020B0604030504040204" pitchFamily="34" charset="-120"/>
-                        <a:ea typeface="微軟正黑體" panose="020B0604030504040204" pitchFamily="34" charset="-120"/>
+                        <a:rPr lang="zh-TW" altLang="en-US" sz="1200" kern="0">
+                          <a:solidFill>
+                            <a:sysClr val="windowText" lastClr="000000"/>
+                          </a:solidFill>
+                          <a:latin typeface="+mj-ea"/>
+                          <a:ea typeface="+mj-ea"/>
+                        </a:rPr>
+                        <a:t>○</a:t>
+                      </a:r>
+                      <a:endParaRPr lang="zh-TW" altLang="en-US" sz="1200" b="0" dirty="0">
+                        <a:solidFill>
+                          <a:schemeClr val="tx1"/>
+                        </a:solidFill>
+                        <a:latin typeface="+mj-ea"/>
+                        <a:ea typeface="+mj-ea"/>
                       </a:endParaRPr>
                     </a:p>
                   </a:txBody>
@@ -39527,52 +38575,48 @@
                     <a:p>
                       <a:pPr algn="ctr"/>
                       <a:r>
-                        <a:rPr lang="zh-TW" altLang="en-US" sz="1200" kern="1200" dirty="0" smtClean="0">
+                        <a:rPr lang="zh-TW" altLang="en-US" sz="1200" kern="0" dirty="0">
                           <a:solidFill>
                             <a:schemeClr val="tx1"/>
                           </a:solidFill>
                           <a:latin typeface="+mj-ea"/>
-                          <a:ea typeface="+mn-ea"/>
-                          <a:cs typeface="+mn-cs"/>
-                        </a:rPr>
-                        <a:t>◎</a:t>
-                      </a:r>
-                      <a:endParaRPr lang="zh-TW" altLang="en-US" sz="1200" b="0" kern="1200" dirty="0">
+                          <a:ea typeface="+mj-ea"/>
+                        </a:rPr>
+                        <a:t>○</a:t>
+                      </a:r>
+                      <a:endParaRPr lang="zh-TW" altLang="en-US" sz="1200" b="0" dirty="0">
                         <a:solidFill>
                           <a:schemeClr val="tx1"/>
                         </a:solidFill>
                         <a:latin typeface="+mj-ea"/>
-                        <a:ea typeface="+mn-ea"/>
-                        <a:cs typeface="+mn-cs"/>
-                      </a:endParaRPr>
-                    </a:p>
-                  </a:txBody>
-                  <a:tcPr marL="9525" marR="9525" marT="9525" marB="0" anchor="ctr"/>
-                </a:tc>
-                <a:tc>
-                  <a:txBody>
-                    <a:bodyPr/>
-                    <a:lstStyle/>
-                    <a:p>
-                      <a:pPr algn="ctr"/>
-                      <a:r>
-                        <a:rPr lang="zh-TW" altLang="en-US" sz="1200" kern="1200" dirty="0" smtClean="0">
+                        <a:ea typeface="+mj-ea"/>
+                      </a:endParaRPr>
+                    </a:p>
+                  </a:txBody>
+                  <a:tcPr marL="9525" marR="9525" marT="9525" marB="0" anchor="ctr"/>
+                </a:tc>
+                <a:tc>
+                  <a:txBody>
+                    <a:bodyPr/>
+                    <a:lstStyle/>
+                    <a:p>
+                      <a:pPr algn="ctr"/>
+                      <a:r>
+                        <a:rPr lang="zh-TW" altLang="en-US" sz="1200" kern="0">
                           <a:solidFill>
                             <a:schemeClr val="tx1"/>
                           </a:solidFill>
                           <a:latin typeface="+mj-ea"/>
-                          <a:ea typeface="+mn-ea"/>
-                          <a:cs typeface="+mn-cs"/>
-                        </a:rPr>
-                        <a:t>◎</a:t>
-                      </a:r>
-                      <a:endParaRPr lang="zh-TW" altLang="en-US" sz="1200" b="0" kern="1200" dirty="0">
+                          <a:ea typeface="+mj-ea"/>
+                        </a:rPr>
+                        <a:t>○</a:t>
+                      </a:r>
+                      <a:endParaRPr lang="zh-TW" altLang="en-US" sz="1200" b="0" dirty="0">
                         <a:solidFill>
                           <a:schemeClr val="tx1"/>
                         </a:solidFill>
                         <a:latin typeface="+mj-ea"/>
-                        <a:ea typeface="+mn-ea"/>
-                        <a:cs typeface="+mn-cs"/>
+                        <a:ea typeface="+mj-ea"/>
                       </a:endParaRPr>
                     </a:p>
                   </a:txBody>
@@ -39580,7 +38624,7 @@
                 </a:tc>
                 <a:extLst>
                   <a:ext uri="{0D108BD9-81ED-4DB2-BD59-A6C34878D82A}">
-                    <a16:rowId xmlns="" xmlns:a16="http://schemas.microsoft.com/office/drawing/2014/main" val="10009"/>
+                    <a16:rowId xmlns="" xmlns:a16="http://schemas.microsoft.com/office/drawing/2014/main" val="10006"/>
                   </a:ext>
                 </a:extLst>
               </a:tr>
@@ -39616,7 +38660,7 @@
                           <a:latin typeface="微軟正黑體" panose="020B0604030504040204" pitchFamily="34" charset="-120"/>
                           <a:ea typeface="微軟正黑體" panose="020B0604030504040204" pitchFamily="34" charset="-120"/>
                         </a:rPr>
-                        <a:t>澎湖縣政府</a:t>
+                        <a:t>屏東縣政府</a:t>
                       </a:r>
                       <a:endParaRPr lang="zh-TW" altLang="en-US" sz="1200" b="1" dirty="0">
                         <a:solidFill>
@@ -39833,7 +38877,7 @@
                     <a:p>
                       <a:pPr algn="ctr"/>
                       <a:r>
-                        <a:rPr lang="zh-TW" altLang="en-US" sz="1200" kern="1200" dirty="0" smtClean="0">
+                        <a:rPr lang="zh-TW" altLang="en-US" sz="1200" kern="1200" smtClean="0">
                           <a:solidFill>
                             <a:schemeClr val="tx1"/>
                           </a:solidFill>
@@ -39855,6 +38899,67 @@
                   </a:txBody>
                   <a:tcPr marL="9525" marR="9525" marT="9525" marB="0" anchor="ctr"/>
                 </a:tc>
+                <a:tc>
+                  <a:txBody>
+                    <a:bodyPr/>
+                    <a:lstStyle/>
+                    <a:p>
+                      <a:pPr algn="ctr"/>
+                      <a:r>
+                        <a:rPr lang="zh-TW" altLang="en-US" sz="1200" kern="0" dirty="0">
+                          <a:solidFill>
+                            <a:schemeClr val="tx1"/>
+                          </a:solidFill>
+                          <a:latin typeface="+mj-ea"/>
+                          <a:ea typeface="+mj-ea"/>
+                        </a:rPr>
+                        <a:t>○</a:t>
+                      </a:r>
+                      <a:endParaRPr lang="zh-TW" altLang="en-US" sz="1200" b="0" dirty="0">
+                        <a:solidFill>
+                          <a:schemeClr val="tx1"/>
+                        </a:solidFill>
+                        <a:latin typeface="+mj-ea"/>
+                        <a:ea typeface="+mj-ea"/>
+                      </a:endParaRPr>
+                    </a:p>
+                  </a:txBody>
+                  <a:tcPr marL="9525" marR="9525" marT="9525" marB="0" anchor="ctr"/>
+                </a:tc>
+                <a:tc>
+                  <a:txBody>
+                    <a:bodyPr/>
+                    <a:lstStyle/>
+                    <a:p>
+                      <a:pPr algn="ctr"/>
+                      <a:r>
+                        <a:rPr lang="zh-TW" altLang="en-US" sz="1200" kern="0">
+                          <a:solidFill>
+                            <a:schemeClr val="tx1"/>
+                          </a:solidFill>
+                          <a:latin typeface="+mj-ea"/>
+                          <a:ea typeface="+mj-ea"/>
+                        </a:rPr>
+                        <a:t>○</a:t>
+                      </a:r>
+                      <a:endParaRPr lang="zh-TW" altLang="en-US" sz="1200" b="0" dirty="0">
+                        <a:solidFill>
+                          <a:schemeClr val="tx1"/>
+                        </a:solidFill>
+                        <a:latin typeface="+mj-ea"/>
+                        <a:ea typeface="+mj-ea"/>
+                      </a:endParaRPr>
+                    </a:p>
+                  </a:txBody>
+                  <a:tcPr marL="9525" marR="9525" marT="9525" marB="0" anchor="ctr"/>
+                </a:tc>
+                <a:extLst>
+                  <a:ext uri="{0D108BD9-81ED-4DB2-BD59-A6C34878D82A}">
+                    <a16:rowId xmlns="" xmlns:a16="http://schemas.microsoft.com/office/drawing/2014/main" val="10007"/>
+                  </a:ext>
+                </a:extLst>
+              </a:tr>
+              <a:tr h="458810">
                 <a:tc>
                   <a:txBody>
                     <a:bodyPr/>
@@ -39878,6 +38983,146 @@
                         <a:defRPr/>
                       </a:pPr>
                       <a:r>
+                        <a:rPr lang="zh-TW" altLang="en-US" sz="1200" b="1" dirty="0">
+                          <a:solidFill>
+                            <a:schemeClr val="bg1"/>
+                          </a:solidFill>
+                          <a:effectLst/>
+                          <a:latin typeface="微軟正黑體" panose="020B0604030504040204" pitchFamily="34" charset="-120"/>
+                          <a:ea typeface="微軟正黑體" panose="020B0604030504040204" pitchFamily="34" charset="-120"/>
+                        </a:rPr>
+                        <a:t>臺東縣政府</a:t>
+                      </a:r>
+                      <a:endParaRPr lang="zh-TW" altLang="en-US" sz="1200" b="1" dirty="0">
+                        <a:solidFill>
+                          <a:schemeClr val="bg1"/>
+                        </a:solidFill>
+                        <a:latin typeface="微軟正黑體" panose="020B0604030504040204" pitchFamily="34" charset="-120"/>
+                        <a:ea typeface="微軟正黑體" panose="020B0604030504040204" pitchFamily="34" charset="-120"/>
+                      </a:endParaRPr>
+                    </a:p>
+                  </a:txBody>
+                  <a:tcPr anchor="ctr">
+                    <a:solidFill>
+                      <a:srgbClr val="8064A2"/>
+                    </a:solidFill>
+                  </a:tcPr>
+                </a:tc>
+                <a:tc>
+                  <a:txBody>
+                    <a:bodyPr/>
+                    <a:lstStyle/>
+                    <a:p>
+                      <a:pPr algn="ctr"/>
+                      <a:r>
+                        <a:rPr lang="zh-TW" altLang="en-US" sz="1200" kern="0">
+                          <a:solidFill>
+                            <a:sysClr val="windowText" lastClr="000000"/>
+                          </a:solidFill>
+                          <a:latin typeface="+mj-ea"/>
+                          <a:ea typeface="+mj-ea"/>
+                        </a:rPr>
+                        <a:t>○</a:t>
+                      </a:r>
+                      <a:endParaRPr lang="zh-TW" altLang="en-US" sz="1200" b="0" dirty="0">
+                        <a:solidFill>
+                          <a:schemeClr val="tx1"/>
+                        </a:solidFill>
+                        <a:latin typeface="+mj-ea"/>
+                        <a:ea typeface="+mj-ea"/>
+                      </a:endParaRPr>
+                    </a:p>
+                  </a:txBody>
+                  <a:tcPr marL="9525" marR="9525" marT="9525" marB="0" anchor="ctr"/>
+                </a:tc>
+                <a:tc>
+                  <a:txBody>
+                    <a:bodyPr/>
+                    <a:lstStyle/>
+                    <a:p>
+                      <a:pPr algn="ctr"/>
+                      <a:r>
+                        <a:rPr lang="zh-TW" altLang="en-US" sz="1200" kern="0">
+                          <a:solidFill>
+                            <a:sysClr val="windowText" lastClr="000000"/>
+                          </a:solidFill>
+                          <a:latin typeface="+mj-ea"/>
+                          <a:ea typeface="+mj-ea"/>
+                        </a:rPr>
+                        <a:t>○</a:t>
+                      </a:r>
+                      <a:endParaRPr lang="zh-TW" altLang="en-US" sz="1200" b="0" dirty="0">
+                        <a:solidFill>
+                          <a:schemeClr val="tx1"/>
+                        </a:solidFill>
+                        <a:latin typeface="+mj-ea"/>
+                        <a:ea typeface="+mj-ea"/>
+                      </a:endParaRPr>
+                    </a:p>
+                  </a:txBody>
+                  <a:tcPr marL="9525" marR="9525" marT="9525" marB="0" anchor="ctr"/>
+                </a:tc>
+                <a:tc>
+                  <a:txBody>
+                    <a:bodyPr/>
+                    <a:lstStyle/>
+                    <a:p>
+                      <a:pPr algn="ctr"/>
+                      <a:r>
+                        <a:rPr lang="zh-TW" altLang="en-US" sz="1200" kern="0">
+                          <a:solidFill>
+                            <a:sysClr val="windowText" lastClr="000000"/>
+                          </a:solidFill>
+                          <a:latin typeface="+mj-ea"/>
+                          <a:ea typeface="+mj-ea"/>
+                        </a:rPr>
+                        <a:t>○</a:t>
+                      </a:r>
+                      <a:endParaRPr lang="zh-TW" altLang="en-US" sz="1200" b="0" dirty="0">
+                        <a:solidFill>
+                          <a:schemeClr val="tx1"/>
+                        </a:solidFill>
+                        <a:latin typeface="+mj-ea"/>
+                        <a:ea typeface="+mj-ea"/>
+                      </a:endParaRPr>
+                    </a:p>
+                  </a:txBody>
+                  <a:tcPr marL="9525" marR="9525" marT="9525" marB="0" anchor="ctr"/>
+                </a:tc>
+                <a:tc>
+                  <a:txBody>
+                    <a:bodyPr/>
+                    <a:lstStyle/>
+                    <a:p>
+                      <a:pPr algn="ctr"/>
+                      <a:r>
+                        <a:rPr lang="zh-TW" altLang="en-US" sz="1200" kern="0" dirty="0">
+                          <a:solidFill>
+                            <a:sysClr val="windowText" lastClr="000000"/>
+                          </a:solidFill>
+                          <a:latin typeface="+mj-ea"/>
+                          <a:ea typeface="+mj-ea"/>
+                        </a:rPr>
+                        <a:t>○</a:t>
+                      </a:r>
+                      <a:endParaRPr lang="zh-TW" altLang="en-US" sz="1200" b="0" dirty="0">
+                        <a:solidFill>
+                          <a:schemeClr val="tx1"/>
+                        </a:solidFill>
+                        <a:latin typeface="+mj-ea"/>
+                        <a:ea typeface="+mj-ea"/>
+                      </a:endParaRPr>
+                    </a:p>
+                  </a:txBody>
+                  <a:tcPr marL="9525" marR="9525" marT="9525" marB="0" anchor="ctr"/>
+                </a:tc>
+                <a:tc>
+                  <a:txBody>
+                    <a:bodyPr/>
+                    <a:lstStyle/>
+                    <a:p>
+                      <a:pPr algn="ctr"/>
+                      <a:r>
                         <a:rPr lang="zh-TW" altLang="en-US" sz="1200" kern="1200" dirty="0" smtClean="0">
                           <a:solidFill>
                             <a:schemeClr val="tx1"/>
@@ -39888,7 +39133,7 @@
                         </a:rPr>
                         <a:t>◎</a:t>
                       </a:r>
-                      <a:endParaRPr lang="zh-TW" altLang="en-US" sz="1200" b="0" kern="1200" dirty="0" smtClean="0">
+                      <a:endParaRPr lang="zh-TW" altLang="en-US" sz="1200" b="0" kern="1200" dirty="0">
                         <a:solidFill>
                           <a:schemeClr val="tx1"/>
                         </a:solidFill>
@@ -39929,9 +39174,119 @@
                   </a:txBody>
                   <a:tcPr marL="9525" marR="9525" marT="9525" marB="0" anchor="ctr"/>
                 </a:tc>
+                <a:tc>
+                  <a:txBody>
+                    <a:bodyPr/>
+                    <a:lstStyle/>
+                    <a:p>
+                      <a:pPr algn="ctr"/>
+                      <a:r>
+                        <a:rPr lang="zh-TW" altLang="en-US" sz="1200" kern="0">
+                          <a:solidFill>
+                            <a:schemeClr val="tx1"/>
+                          </a:solidFill>
+                          <a:latin typeface="+mj-ea"/>
+                          <a:ea typeface="+mj-ea"/>
+                        </a:rPr>
+                        <a:t>○</a:t>
+                      </a:r>
+                      <a:endParaRPr lang="zh-TW" altLang="en-US" sz="1200" b="0" dirty="0">
+                        <a:solidFill>
+                          <a:schemeClr val="tx1"/>
+                        </a:solidFill>
+                        <a:latin typeface="+mj-ea"/>
+                        <a:ea typeface="+mj-ea"/>
+                      </a:endParaRPr>
+                    </a:p>
+                  </a:txBody>
+                  <a:tcPr marL="9525" marR="9525" marT="9525" marB="0" anchor="ctr"/>
+                </a:tc>
+                <a:tc>
+                  <a:txBody>
+                    <a:bodyPr/>
+                    <a:lstStyle/>
+                    <a:p>
+                      <a:pPr algn="ctr"/>
+                      <a:r>
+                        <a:rPr lang="zh-TW" altLang="en-US" sz="1200" kern="1200" dirty="0" smtClean="0">
+                          <a:solidFill>
+                            <a:schemeClr val="tx1"/>
+                          </a:solidFill>
+                          <a:latin typeface="+mj-ea"/>
+                          <a:ea typeface="+mn-ea"/>
+                          <a:cs typeface="+mn-cs"/>
+                        </a:rPr>
+                        <a:t>◎</a:t>
+                      </a:r>
+                      <a:endParaRPr lang="zh-TW" altLang="en-US" sz="1200" b="0" kern="1200" dirty="0">
+                        <a:solidFill>
+                          <a:schemeClr val="tx1"/>
+                        </a:solidFill>
+                        <a:latin typeface="+mj-ea"/>
+                        <a:ea typeface="+mn-ea"/>
+                        <a:cs typeface="+mn-cs"/>
+                      </a:endParaRPr>
+                    </a:p>
+                  </a:txBody>
+                  <a:tcPr marL="9525" marR="9525" marT="9525" marB="0" anchor="ctr"/>
+                </a:tc>
+                <a:tc>
+                  <a:txBody>
+                    <a:bodyPr/>
+                    <a:lstStyle/>
+                    <a:p>
+                      <a:pPr algn="ctr"/>
+                      <a:r>
+                        <a:rPr lang="zh-TW" altLang="en-US" sz="1200" kern="0" dirty="0">
+                          <a:solidFill>
+                            <a:schemeClr val="tx1"/>
+                          </a:solidFill>
+                          <a:latin typeface="+mj-ea"/>
+                          <a:ea typeface="+mj-ea"/>
+                        </a:rPr>
+                        <a:t>○</a:t>
+                      </a:r>
+                      <a:endParaRPr lang="zh-TW" altLang="en-US" sz="1200" b="0" dirty="0">
+                        <a:solidFill>
+                          <a:schemeClr val="tx1"/>
+                        </a:solidFill>
+                        <a:latin typeface="+mj-ea"/>
+                        <a:ea typeface="+mj-ea"/>
+                      </a:endParaRPr>
+                    </a:p>
+                  </a:txBody>
+                  <a:tcPr marL="9525" marR="9525" marT="9525" marB="0" anchor="ctr"/>
+                </a:tc>
+                <a:tc>
+                  <a:txBody>
+                    <a:bodyPr/>
+                    <a:lstStyle/>
+                    <a:p>
+                      <a:pPr algn="ctr"/>
+                      <a:r>
+                        <a:rPr lang="zh-TW" altLang="en-US" sz="1200" kern="0" dirty="0">
+                          <a:solidFill>
+                            <a:schemeClr val="tx1"/>
+                          </a:solidFill>
+                          <a:latin typeface="+mj-ea"/>
+                          <a:ea typeface="+mj-ea"/>
+                        </a:rPr>
+                        <a:t>○</a:t>
+                      </a:r>
+                      <a:endParaRPr lang="zh-TW" altLang="en-US" sz="1200" b="0" dirty="0">
+                        <a:solidFill>
+                          <a:schemeClr val="tx1"/>
+                        </a:solidFill>
+                        <a:latin typeface="+mj-ea"/>
+                        <a:ea typeface="+mj-ea"/>
+                      </a:endParaRPr>
+                    </a:p>
+                  </a:txBody>
+                  <a:tcPr marL="9525" marR="9525" marT="9525" marB="0" anchor="ctr"/>
+                </a:tc>
                 <a:extLst>
                   <a:ext uri="{0D108BD9-81ED-4DB2-BD59-A6C34878D82A}">
-                    <a16:rowId xmlns="" xmlns:a16="http://schemas.microsoft.com/office/drawing/2014/main" val="10010"/>
+                    <a16:rowId xmlns="" xmlns:a16="http://schemas.microsoft.com/office/drawing/2014/main" val="10008"/>
                   </a:ext>
                 </a:extLst>
               </a:tr>
@@ -39967,7 +39322,7 @@
                           <a:latin typeface="微軟正黑體" panose="020B0604030504040204" pitchFamily="34" charset="-120"/>
                           <a:ea typeface="微軟正黑體" panose="020B0604030504040204" pitchFamily="34" charset="-120"/>
                         </a:rPr>
-                        <a:t>連江縣政府</a:t>
+                        <a:t>金門縣政府</a:t>
                       </a:r>
                       <a:endParaRPr lang="zh-TW" altLang="en-US" sz="1200" b="1" dirty="0">
                         <a:solidFill>
@@ -40045,7 +39400,32 @@
                     <a:p>
                       <a:pPr algn="ctr"/>
                       <a:r>
-                        <a:rPr lang="zh-TW" altLang="en-US" sz="1200" kern="0">
+                        <a:rPr lang="zh-TW" altLang="en-US" sz="1200" b="0" kern="0" dirty="0" smtClean="0">
+                          <a:solidFill>
+                            <a:schemeClr val="tx1"/>
+                          </a:solidFill>
+                        </a:rPr>
+                        <a:t>◎</a:t>
+                      </a:r>
+                      <a:endParaRPr lang="zh-TW" altLang="en-US" sz="1200" b="0" dirty="0">
+                        <a:solidFill>
+                          <a:schemeClr val="tx1"/>
+                        </a:solidFill>
+                        <a:latin typeface="微軟正黑體" panose="020B0604030504040204" pitchFamily="34" charset="-120"/>
+                        <a:ea typeface="微軟正黑體" panose="020B0604030504040204" pitchFamily="34" charset="-120"/>
+                      </a:endParaRPr>
+                    </a:p>
+                  </a:txBody>
+                  <a:tcPr marL="9525" marR="9525" marT="9525" marB="0" anchor="ctr"/>
+                </a:tc>
+                <a:tc>
+                  <a:txBody>
+                    <a:bodyPr/>
+                    <a:lstStyle/>
+                    <a:p>
+                      <a:pPr algn="ctr"/>
+                      <a:r>
+                        <a:rPr lang="zh-TW" altLang="en-US" sz="1200" kern="0" dirty="0">
                           <a:solidFill>
                             <a:sysClr val="windowText" lastClr="000000"/>
                           </a:solidFill>
@@ -40070,11 +39450,93 @@
                     <a:bodyPr/>
                     <a:lstStyle/>
                     <a:p>
-                      <a:pPr algn="ctr"/>
-                      <a:r>
-                        <a:rPr lang="zh-TW" altLang="en-US" sz="1200" kern="0" dirty="0">
-                          <a:solidFill>
-                            <a:sysClr val="windowText" lastClr="000000"/>
+                      <a:pPr marL="0" marR="0" lvl="0" indent="0" algn="ctr" defTabSz="914400" rtl="0" eaLnBrk="1" fontAlgn="auto" latinLnBrk="0" hangingPunct="1">
+                        <a:lnSpc>
+                          <a:spcPct val="100000"/>
+                        </a:lnSpc>
+                        <a:spcBef>
+                          <a:spcPts val="0"/>
+                        </a:spcBef>
+                        <a:spcAft>
+                          <a:spcPts val="0"/>
+                        </a:spcAft>
+                        <a:buClrTx/>
+                        <a:buSzTx/>
+                        <a:buFontTx/>
+                        <a:buNone/>
+                        <a:tabLst/>
+                        <a:defRPr/>
+                      </a:pPr>
+                      <a:r>
+                        <a:rPr lang="en-US" altLang="zh-TW" sz="1200" b="0" kern="0" dirty="0" smtClean="0">
+                          <a:solidFill>
+                            <a:srgbClr val="C00000"/>
+                          </a:solidFill>
+                        </a:rPr>
+                        <a:t>●</a:t>
+                      </a:r>
+                      <a:endParaRPr lang="zh-TW" altLang="en-US" sz="1200" b="0" dirty="0">
+                        <a:solidFill>
+                          <a:srgbClr val="C00000"/>
+                        </a:solidFill>
+                        <a:latin typeface="微軟正黑體" panose="020B0604030504040204" pitchFamily="34" charset="-120"/>
+                        <a:ea typeface="微軟正黑體" panose="020B0604030504040204" pitchFamily="34" charset="-120"/>
+                      </a:endParaRPr>
+                    </a:p>
+                  </a:txBody>
+                  <a:tcPr marL="9525" marR="9525" marT="9525" marB="0" anchor="ctr"/>
+                </a:tc>
+                <a:tc>
+                  <a:txBody>
+                    <a:bodyPr/>
+                    <a:lstStyle/>
+                    <a:p>
+                      <a:pPr marL="0" marR="0" lvl="0" indent="0" algn="ctr" defTabSz="914400" rtl="0" eaLnBrk="1" fontAlgn="auto" latinLnBrk="0" hangingPunct="1">
+                        <a:lnSpc>
+                          <a:spcPct val="100000"/>
+                        </a:lnSpc>
+                        <a:spcBef>
+                          <a:spcPts val="0"/>
+                        </a:spcBef>
+                        <a:spcAft>
+                          <a:spcPts val="0"/>
+                        </a:spcAft>
+                        <a:buClrTx/>
+                        <a:buSzTx/>
+                        <a:buFontTx/>
+                        <a:buNone/>
+                        <a:tabLst/>
+                        <a:defRPr/>
+                      </a:pPr>
+                      <a:r>
+                        <a:rPr lang="en-US" altLang="zh-TW" sz="1200" b="0" kern="0" dirty="0" smtClean="0">
+                          <a:solidFill>
+                            <a:srgbClr val="C00000"/>
+                          </a:solidFill>
+                        </a:rPr>
+                        <a:t>●</a:t>
+                      </a:r>
+                      <a:endParaRPr lang="zh-TW" altLang="en-US" sz="1200" b="0" dirty="0">
+                        <a:solidFill>
+                          <a:srgbClr val="C00000"/>
+                        </a:solidFill>
+                        <a:latin typeface="微軟正黑體" panose="020B0604030504040204" pitchFamily="34" charset="-120"/>
+                        <a:ea typeface="微軟正黑體" panose="020B0604030504040204" pitchFamily="34" charset="-120"/>
+                      </a:endParaRPr>
+                    </a:p>
+                  </a:txBody>
+                  <a:tcPr marL="9525" marR="9525" marT="9525" marB="0" anchor="ctr"/>
+                </a:tc>
+                <a:tc>
+                  <a:txBody>
+                    <a:bodyPr/>
+                    <a:lstStyle/>
+                    <a:p>
+                      <a:pPr algn="ctr"/>
+                      <a:r>
+                        <a:rPr lang="zh-TW" altLang="en-US" sz="1200" kern="0">
+                          <a:solidFill>
+                            <a:schemeClr val="tx1"/>
                           </a:solidFill>
                           <a:latin typeface="+mj-ea"/>
                           <a:ea typeface="+mj-ea"/>
@@ -40097,9 +39559,706 @@
                     <a:bodyPr/>
                     <a:lstStyle/>
                     <a:p>
-                      <a:pPr algn="ctr"/>
-                      <a:r>
-                        <a:rPr lang="zh-TW" altLang="en-US" sz="1200" kern="1200" smtClean="0">
+                      <a:pPr marL="0" marR="0" lvl="0" indent="0" algn="ctr" defTabSz="914400" rtl="0" eaLnBrk="1" fontAlgn="auto" latinLnBrk="0" hangingPunct="1">
+                        <a:lnSpc>
+                          <a:spcPct val="100000"/>
+                        </a:lnSpc>
+                        <a:spcBef>
+                          <a:spcPts val="0"/>
+                        </a:spcBef>
+                        <a:spcAft>
+                          <a:spcPts val="0"/>
+                        </a:spcAft>
+                        <a:buClrTx/>
+                        <a:buSzTx/>
+                        <a:buFontTx/>
+                        <a:buNone/>
+                        <a:tabLst/>
+                        <a:defRPr/>
+                      </a:pPr>
+                      <a:r>
+                        <a:rPr lang="en-US" altLang="zh-TW" sz="1200" b="0" kern="0" smtClean="0">
+                          <a:solidFill>
+                            <a:srgbClr val="C00000"/>
+                          </a:solidFill>
+                        </a:rPr>
+                        <a:t>●</a:t>
+                      </a:r>
+                      <a:endParaRPr lang="zh-TW" altLang="en-US" sz="1200" b="0" dirty="0">
+                        <a:solidFill>
+                          <a:srgbClr val="C00000"/>
+                        </a:solidFill>
+                        <a:latin typeface="微軟正黑體" panose="020B0604030504040204" pitchFamily="34" charset="-120"/>
+                        <a:ea typeface="微軟正黑體" panose="020B0604030504040204" pitchFamily="34" charset="-120"/>
+                      </a:endParaRPr>
+                    </a:p>
+                  </a:txBody>
+                  <a:tcPr marL="9525" marR="9525" marT="9525" marB="0" anchor="ctr"/>
+                </a:tc>
+                <a:tc>
+                  <a:txBody>
+                    <a:bodyPr/>
+                    <a:lstStyle/>
+                    <a:p>
+                      <a:pPr marL="0" marR="0" lvl="0" indent="0" algn="ctr" defTabSz="914400" rtl="0" eaLnBrk="1" fontAlgn="auto" latinLnBrk="0" hangingPunct="1">
+                        <a:lnSpc>
+                          <a:spcPct val="100000"/>
+                        </a:lnSpc>
+                        <a:spcBef>
+                          <a:spcPts val="0"/>
+                        </a:spcBef>
+                        <a:spcAft>
+                          <a:spcPts val="0"/>
+                        </a:spcAft>
+                        <a:buClrTx/>
+                        <a:buSzTx/>
+                        <a:buFontTx/>
+                        <a:buNone/>
+                        <a:tabLst/>
+                        <a:defRPr/>
+                      </a:pPr>
+                      <a:r>
+                        <a:rPr lang="en-US" altLang="zh-TW" sz="1200" b="0" kern="0" smtClean="0">
+                          <a:solidFill>
+                            <a:srgbClr val="C00000"/>
+                          </a:solidFill>
+                        </a:rPr>
+                        <a:t>●</a:t>
+                      </a:r>
+                      <a:endParaRPr lang="zh-TW" altLang="en-US" sz="1200" b="0" dirty="0">
+                        <a:solidFill>
+                          <a:srgbClr val="C00000"/>
+                        </a:solidFill>
+                        <a:latin typeface="微軟正黑體" panose="020B0604030504040204" pitchFamily="34" charset="-120"/>
+                        <a:ea typeface="微軟正黑體" panose="020B0604030504040204" pitchFamily="34" charset="-120"/>
+                      </a:endParaRPr>
+                    </a:p>
+                  </a:txBody>
+                  <a:tcPr marL="9525" marR="9525" marT="9525" marB="0" anchor="ctr"/>
+                </a:tc>
+                <a:tc>
+                  <a:txBody>
+                    <a:bodyPr/>
+                    <a:lstStyle/>
+                    <a:p>
+                      <a:pPr marL="0" marR="0" lvl="0" indent="0" algn="ctr" defTabSz="914400" rtl="0" eaLnBrk="1" fontAlgn="auto" latinLnBrk="0" hangingPunct="1">
+                        <a:lnSpc>
+                          <a:spcPct val="100000"/>
+                        </a:lnSpc>
+                        <a:spcBef>
+                          <a:spcPts val="0"/>
+                        </a:spcBef>
+                        <a:spcAft>
+                          <a:spcPts val="0"/>
+                        </a:spcAft>
+                        <a:buClrTx/>
+                        <a:buSzTx/>
+                        <a:buFontTx/>
+                        <a:buNone/>
+                        <a:tabLst/>
+                        <a:defRPr/>
+                      </a:pPr>
+                      <a:r>
+                        <a:rPr lang="en-US" altLang="zh-TW" sz="1200" b="0" kern="0" smtClean="0">
+                          <a:solidFill>
+                            <a:srgbClr val="C00000"/>
+                          </a:solidFill>
+                        </a:rPr>
+                        <a:t>●</a:t>
+                      </a:r>
+                      <a:endParaRPr lang="zh-TW" altLang="en-US" sz="1200" b="0" dirty="0">
+                        <a:solidFill>
+                          <a:srgbClr val="C00000"/>
+                        </a:solidFill>
+                        <a:latin typeface="微軟正黑體" panose="020B0604030504040204" pitchFamily="34" charset="-120"/>
+                        <a:ea typeface="微軟正黑體" panose="020B0604030504040204" pitchFamily="34" charset="-120"/>
+                      </a:endParaRPr>
+                    </a:p>
+                  </a:txBody>
+                  <a:tcPr marL="9525" marR="9525" marT="9525" marB="0" anchor="ctr"/>
+                </a:tc>
+                <a:extLst>
+                  <a:ext uri="{0D108BD9-81ED-4DB2-BD59-A6C34878D82A}">
+                    <a16:rowId xmlns="" xmlns:a16="http://schemas.microsoft.com/office/drawing/2014/main" val="10009"/>
+                  </a:ext>
+                </a:extLst>
+              </a:tr>
+              <a:tr h="458810">
+                <a:tc>
+                  <a:txBody>
+                    <a:bodyPr/>
+                    <a:lstStyle/>
+                    <a:p>
+                      <a:pPr marL="0" marR="0" lvl="0" indent="0" algn="ctr" defTabSz="914400" rtl="0" eaLnBrk="1" fontAlgn="auto" latinLnBrk="0" hangingPunct="1">
+                        <a:lnSpc>
+                          <a:spcPct val="100000"/>
+                        </a:lnSpc>
+                        <a:spcBef>
+                          <a:spcPts val="0"/>
+                        </a:spcBef>
+                        <a:spcAft>
+                          <a:spcPts val="0"/>
+                        </a:spcAft>
+                        <a:buClrTx/>
+                        <a:buSzTx/>
+                        <a:buFontTx/>
+                        <a:buNone/>
+                        <a:tabLst/>
+                        <a:defRPr/>
+                      </a:pPr>
+                      <a:r>
+                        <a:rPr lang="zh-TW" altLang="en-US" sz="1200" b="1" dirty="0">
+                          <a:solidFill>
+                            <a:schemeClr val="bg1"/>
+                          </a:solidFill>
+                          <a:effectLst/>
+                          <a:latin typeface="微軟正黑體" panose="020B0604030504040204" pitchFamily="34" charset="-120"/>
+                          <a:ea typeface="微軟正黑體" panose="020B0604030504040204" pitchFamily="34" charset="-120"/>
+                        </a:rPr>
+                        <a:t>澎湖縣政府</a:t>
+                      </a:r>
+                      <a:endParaRPr lang="zh-TW" altLang="en-US" sz="1200" b="1" dirty="0">
+                        <a:solidFill>
+                          <a:schemeClr val="bg1"/>
+                        </a:solidFill>
+                        <a:latin typeface="微軟正黑體" panose="020B0604030504040204" pitchFamily="34" charset="-120"/>
+                        <a:ea typeface="微軟正黑體" panose="020B0604030504040204" pitchFamily="34" charset="-120"/>
+                      </a:endParaRPr>
+                    </a:p>
+                  </a:txBody>
+                  <a:tcPr anchor="ctr">
+                    <a:solidFill>
+                      <a:srgbClr val="8064A2"/>
+                    </a:solidFill>
+                  </a:tcPr>
+                </a:tc>
+                <a:tc>
+                  <a:txBody>
+                    <a:bodyPr/>
+                    <a:lstStyle/>
+                    <a:p>
+                      <a:pPr algn="ctr"/>
+                      <a:r>
+                        <a:rPr lang="zh-TW" altLang="en-US" sz="1200" kern="0">
+                          <a:solidFill>
+                            <a:sysClr val="windowText" lastClr="000000"/>
+                          </a:solidFill>
+                          <a:latin typeface="+mj-ea"/>
+                          <a:ea typeface="+mj-ea"/>
+                        </a:rPr>
+                        <a:t>○</a:t>
+                      </a:r>
+                      <a:endParaRPr lang="zh-TW" altLang="en-US" sz="1200" b="0" dirty="0">
+                        <a:solidFill>
+                          <a:schemeClr val="tx1"/>
+                        </a:solidFill>
+                        <a:latin typeface="+mj-ea"/>
+                        <a:ea typeface="+mj-ea"/>
+                      </a:endParaRPr>
+                    </a:p>
+                  </a:txBody>
+                  <a:tcPr marL="9525" marR="9525" marT="9525" marB="0" anchor="ctr"/>
+                </a:tc>
+                <a:tc>
+                  <a:txBody>
+                    <a:bodyPr/>
+                    <a:lstStyle/>
+                    <a:p>
+                      <a:pPr algn="ctr"/>
+                      <a:r>
+                        <a:rPr lang="zh-TW" altLang="en-US" sz="1200" kern="0">
+                          <a:solidFill>
+                            <a:sysClr val="windowText" lastClr="000000"/>
+                          </a:solidFill>
+                          <a:latin typeface="+mj-ea"/>
+                          <a:ea typeface="+mj-ea"/>
+                        </a:rPr>
+                        <a:t>○</a:t>
+                      </a:r>
+                      <a:endParaRPr lang="zh-TW" altLang="en-US" sz="1200" b="0" dirty="0">
+                        <a:solidFill>
+                          <a:schemeClr val="tx1"/>
+                        </a:solidFill>
+                        <a:latin typeface="+mj-ea"/>
+                        <a:ea typeface="+mj-ea"/>
+                      </a:endParaRPr>
+                    </a:p>
+                  </a:txBody>
+                  <a:tcPr marL="9525" marR="9525" marT="9525" marB="0" anchor="ctr"/>
+                </a:tc>
+                <a:tc>
+                  <a:txBody>
+                    <a:bodyPr/>
+                    <a:lstStyle/>
+                    <a:p>
+                      <a:pPr algn="ctr"/>
+                      <a:r>
+                        <a:rPr lang="zh-TW" altLang="en-US" sz="1200" kern="0">
+                          <a:solidFill>
+                            <a:sysClr val="windowText" lastClr="000000"/>
+                          </a:solidFill>
+                          <a:latin typeface="+mj-ea"/>
+                          <a:ea typeface="+mj-ea"/>
+                        </a:rPr>
+                        <a:t>○</a:t>
+                      </a:r>
+                      <a:endParaRPr lang="zh-TW" altLang="en-US" sz="1200" b="0" dirty="0">
+                        <a:solidFill>
+                          <a:schemeClr val="tx1"/>
+                        </a:solidFill>
+                        <a:latin typeface="+mj-ea"/>
+                        <a:ea typeface="+mj-ea"/>
+                      </a:endParaRPr>
+                    </a:p>
+                  </a:txBody>
+                  <a:tcPr marL="9525" marR="9525" marT="9525" marB="0" anchor="ctr"/>
+                </a:tc>
+                <a:tc>
+                  <a:txBody>
+                    <a:bodyPr/>
+                    <a:lstStyle/>
+                    <a:p>
+                      <a:pPr algn="ctr"/>
+                      <a:r>
+                        <a:rPr lang="zh-TW" altLang="en-US" sz="1200" kern="0" dirty="0">
+                          <a:solidFill>
+                            <a:sysClr val="windowText" lastClr="000000"/>
+                          </a:solidFill>
+                          <a:latin typeface="+mj-ea"/>
+                          <a:ea typeface="+mj-ea"/>
+                        </a:rPr>
+                        <a:t>○</a:t>
+                      </a:r>
+                      <a:endParaRPr lang="zh-TW" altLang="en-US" sz="1200" b="0" dirty="0">
+                        <a:solidFill>
+                          <a:schemeClr val="tx1"/>
+                        </a:solidFill>
+                        <a:latin typeface="+mj-ea"/>
+                        <a:ea typeface="+mj-ea"/>
+                      </a:endParaRPr>
+                    </a:p>
+                  </a:txBody>
+                  <a:tcPr marL="9525" marR="9525" marT="9525" marB="0" anchor="ctr"/>
+                </a:tc>
+                <a:tc>
+                  <a:txBody>
+                    <a:bodyPr/>
+                    <a:lstStyle/>
+                    <a:p>
+                      <a:pPr marL="0" marR="0" lvl="0" indent="0" algn="ctr" defTabSz="914400" rtl="0" eaLnBrk="1" fontAlgn="auto" latinLnBrk="0" hangingPunct="1">
+                        <a:lnSpc>
+                          <a:spcPct val="100000"/>
+                        </a:lnSpc>
+                        <a:spcBef>
+                          <a:spcPts val="0"/>
+                        </a:spcBef>
+                        <a:spcAft>
+                          <a:spcPts val="0"/>
+                        </a:spcAft>
+                        <a:buClrTx/>
+                        <a:buSzTx/>
+                        <a:buFontTx/>
+                        <a:buNone/>
+                        <a:tabLst/>
+                        <a:defRPr/>
+                      </a:pPr>
+                      <a:r>
+                        <a:rPr lang="en-US" altLang="zh-TW" sz="1200" b="0" kern="0" dirty="0" smtClean="0">
+                          <a:solidFill>
+                            <a:srgbClr val="C00000"/>
+                          </a:solidFill>
+                        </a:rPr>
+                        <a:t>●</a:t>
+                      </a:r>
+                      <a:endParaRPr lang="zh-TW" altLang="en-US" sz="1200" b="0" dirty="0">
+                        <a:solidFill>
+                          <a:srgbClr val="C00000"/>
+                        </a:solidFill>
+                        <a:latin typeface="微軟正黑體" panose="020B0604030504040204" pitchFamily="34" charset="-120"/>
+                        <a:ea typeface="微軟正黑體" panose="020B0604030504040204" pitchFamily="34" charset="-120"/>
+                      </a:endParaRPr>
+                    </a:p>
+                  </a:txBody>
+                  <a:tcPr marL="9525" marR="9525" marT="9525" marB="0" anchor="ctr"/>
+                </a:tc>
+                <a:tc>
+                  <a:txBody>
+                    <a:bodyPr/>
+                    <a:lstStyle/>
+                    <a:p>
+                      <a:pPr marL="0" marR="0" lvl="0" indent="0" algn="ctr" defTabSz="914400" rtl="0" eaLnBrk="1" fontAlgn="auto" latinLnBrk="0" hangingPunct="1">
+                        <a:lnSpc>
+                          <a:spcPct val="100000"/>
+                        </a:lnSpc>
+                        <a:spcBef>
+                          <a:spcPts val="0"/>
+                        </a:spcBef>
+                        <a:spcAft>
+                          <a:spcPts val="0"/>
+                        </a:spcAft>
+                        <a:buClrTx/>
+                        <a:buSzTx/>
+                        <a:buFontTx/>
+                        <a:buNone/>
+                        <a:tabLst/>
+                        <a:defRPr/>
+                      </a:pPr>
+                      <a:r>
+                        <a:rPr lang="en-US" altLang="zh-TW" sz="1200" b="0" kern="0" dirty="0" smtClean="0">
+                          <a:solidFill>
+                            <a:srgbClr val="C00000"/>
+                          </a:solidFill>
+                        </a:rPr>
+                        <a:t>●</a:t>
+                      </a:r>
+                      <a:endParaRPr lang="zh-TW" altLang="en-US" sz="1200" b="0" dirty="0">
+                        <a:solidFill>
+                          <a:srgbClr val="C00000"/>
+                        </a:solidFill>
+                        <a:latin typeface="微軟正黑體" panose="020B0604030504040204" pitchFamily="34" charset="-120"/>
+                        <a:ea typeface="微軟正黑體" panose="020B0604030504040204" pitchFamily="34" charset="-120"/>
+                      </a:endParaRPr>
+                    </a:p>
+                  </a:txBody>
+                  <a:tcPr marL="9525" marR="9525" marT="9525" marB="0" anchor="ctr"/>
+                </a:tc>
+                <a:tc>
+                  <a:txBody>
+                    <a:bodyPr/>
+                    <a:lstStyle/>
+                    <a:p>
+                      <a:pPr algn="ctr"/>
+                      <a:r>
+                        <a:rPr lang="zh-TW" altLang="en-US" sz="1200" kern="0">
+                          <a:solidFill>
+                            <a:schemeClr val="tx1"/>
+                          </a:solidFill>
+                          <a:latin typeface="+mj-ea"/>
+                          <a:ea typeface="+mj-ea"/>
+                        </a:rPr>
+                        <a:t>○</a:t>
+                      </a:r>
+                      <a:endParaRPr lang="zh-TW" altLang="en-US" sz="1200" b="0" dirty="0">
+                        <a:solidFill>
+                          <a:schemeClr val="tx1"/>
+                        </a:solidFill>
+                        <a:latin typeface="+mj-ea"/>
+                        <a:ea typeface="+mj-ea"/>
+                      </a:endParaRPr>
+                    </a:p>
+                  </a:txBody>
+                  <a:tcPr marL="9525" marR="9525" marT="9525" marB="0" anchor="ctr"/>
+                </a:tc>
+                <a:tc>
+                  <a:txBody>
+                    <a:bodyPr/>
+                    <a:lstStyle/>
+                    <a:p>
+                      <a:pPr marL="0" marR="0" lvl="0" indent="0" algn="ctr" defTabSz="914400" rtl="0" eaLnBrk="1" fontAlgn="auto" latinLnBrk="0" hangingPunct="1">
+                        <a:lnSpc>
+                          <a:spcPct val="100000"/>
+                        </a:lnSpc>
+                        <a:spcBef>
+                          <a:spcPts val="0"/>
+                        </a:spcBef>
+                        <a:spcAft>
+                          <a:spcPts val="0"/>
+                        </a:spcAft>
+                        <a:buClrTx/>
+                        <a:buSzTx/>
+                        <a:buFontTx/>
+                        <a:buNone/>
+                        <a:tabLst/>
+                        <a:defRPr/>
+                      </a:pPr>
+                      <a:r>
+                        <a:rPr lang="en-US" altLang="zh-TW" sz="1200" b="0" kern="0" dirty="0" smtClean="0">
+                          <a:solidFill>
+                            <a:srgbClr val="C00000"/>
+                          </a:solidFill>
+                        </a:rPr>
+                        <a:t>●</a:t>
+                      </a:r>
+                      <a:endParaRPr lang="zh-TW" altLang="en-US" sz="1200" b="0" dirty="0">
+                        <a:solidFill>
+                          <a:srgbClr val="C00000"/>
+                        </a:solidFill>
+                        <a:latin typeface="微軟正黑體" panose="020B0604030504040204" pitchFamily="34" charset="-120"/>
+                        <a:ea typeface="微軟正黑體" panose="020B0604030504040204" pitchFamily="34" charset="-120"/>
+                      </a:endParaRPr>
+                    </a:p>
+                  </a:txBody>
+                  <a:tcPr marL="9525" marR="9525" marT="9525" marB="0" anchor="ctr"/>
+                </a:tc>
+                <a:tc>
+                  <a:txBody>
+                    <a:bodyPr/>
+                    <a:lstStyle/>
+                    <a:p>
+                      <a:pPr marL="0" marR="0" lvl="0" indent="0" algn="ctr" defTabSz="914400" rtl="0" eaLnBrk="1" fontAlgn="auto" latinLnBrk="0" hangingPunct="1">
+                        <a:lnSpc>
+                          <a:spcPct val="100000"/>
+                        </a:lnSpc>
+                        <a:spcBef>
+                          <a:spcPts val="0"/>
+                        </a:spcBef>
+                        <a:spcAft>
+                          <a:spcPts val="0"/>
+                        </a:spcAft>
+                        <a:buClrTx/>
+                        <a:buSzTx/>
+                        <a:buFontTx/>
+                        <a:buNone/>
+                        <a:tabLst/>
+                        <a:defRPr/>
+                      </a:pPr>
+                      <a:r>
+                        <a:rPr lang="en-US" altLang="zh-TW" sz="1200" b="0" kern="0" smtClean="0">
+                          <a:solidFill>
+                            <a:srgbClr val="C00000"/>
+                          </a:solidFill>
+                        </a:rPr>
+                        <a:t>●</a:t>
+                      </a:r>
+                      <a:endParaRPr lang="zh-TW" altLang="en-US" sz="1200" b="0" dirty="0">
+                        <a:solidFill>
+                          <a:srgbClr val="C00000"/>
+                        </a:solidFill>
+                        <a:latin typeface="微軟正黑體" panose="020B0604030504040204" pitchFamily="34" charset="-120"/>
+                        <a:ea typeface="微軟正黑體" panose="020B0604030504040204" pitchFamily="34" charset="-120"/>
+                      </a:endParaRPr>
+                    </a:p>
+                  </a:txBody>
+                  <a:tcPr marL="9525" marR="9525" marT="9525" marB="0" anchor="ctr"/>
+                </a:tc>
+                <a:tc>
+                  <a:txBody>
+                    <a:bodyPr/>
+                    <a:lstStyle/>
+                    <a:p>
+                      <a:pPr marL="0" marR="0" lvl="0" indent="0" algn="ctr" defTabSz="914400" rtl="0" eaLnBrk="1" fontAlgn="auto" latinLnBrk="0" hangingPunct="1">
+                        <a:lnSpc>
+                          <a:spcPct val="100000"/>
+                        </a:lnSpc>
+                        <a:spcBef>
+                          <a:spcPts val="0"/>
+                        </a:spcBef>
+                        <a:spcAft>
+                          <a:spcPts val="0"/>
+                        </a:spcAft>
+                        <a:buClrTx/>
+                        <a:buSzTx/>
+                        <a:buFontTx/>
+                        <a:buNone/>
+                        <a:tabLst/>
+                        <a:defRPr/>
+                      </a:pPr>
+                      <a:r>
+                        <a:rPr lang="en-US" altLang="zh-TW" sz="1200" b="0" kern="0" dirty="0" smtClean="0">
+                          <a:solidFill>
+                            <a:srgbClr val="C00000"/>
+                          </a:solidFill>
+                        </a:rPr>
+                        <a:t>●</a:t>
+                      </a:r>
+                      <a:endParaRPr lang="zh-TW" altLang="en-US" sz="1200" b="0" dirty="0">
+                        <a:solidFill>
+                          <a:srgbClr val="C00000"/>
+                        </a:solidFill>
+                        <a:latin typeface="微軟正黑體" panose="020B0604030504040204" pitchFamily="34" charset="-120"/>
+                        <a:ea typeface="微軟正黑體" panose="020B0604030504040204" pitchFamily="34" charset="-120"/>
+                      </a:endParaRPr>
+                    </a:p>
+                  </a:txBody>
+                  <a:tcPr marL="9525" marR="9525" marT="9525" marB="0" anchor="ctr"/>
+                </a:tc>
+                <a:extLst>
+                  <a:ext uri="{0D108BD9-81ED-4DB2-BD59-A6C34878D82A}">
+                    <a16:rowId xmlns="" xmlns:a16="http://schemas.microsoft.com/office/drawing/2014/main" val="10010"/>
+                  </a:ext>
+                </a:extLst>
+              </a:tr>
+              <a:tr h="458810">
+                <a:tc>
+                  <a:txBody>
+                    <a:bodyPr/>
+                    <a:lstStyle/>
+                    <a:p>
+                      <a:pPr marL="0" marR="0" lvl="0" indent="0" algn="ctr" defTabSz="914400" rtl="0" eaLnBrk="1" fontAlgn="auto" latinLnBrk="0" hangingPunct="1">
+                        <a:lnSpc>
+                          <a:spcPct val="100000"/>
+                        </a:lnSpc>
+                        <a:spcBef>
+                          <a:spcPts val="0"/>
+                        </a:spcBef>
+                        <a:spcAft>
+                          <a:spcPts val="0"/>
+                        </a:spcAft>
+                        <a:buClrTx/>
+                        <a:buSzTx/>
+                        <a:buFontTx/>
+                        <a:buNone/>
+                        <a:tabLst/>
+                        <a:defRPr/>
+                      </a:pPr>
+                      <a:r>
+                        <a:rPr lang="zh-TW" altLang="en-US" sz="1200" b="1" dirty="0">
+                          <a:solidFill>
+                            <a:schemeClr val="bg1"/>
+                          </a:solidFill>
+                          <a:effectLst/>
+                          <a:latin typeface="微軟正黑體" panose="020B0604030504040204" pitchFamily="34" charset="-120"/>
+                          <a:ea typeface="微軟正黑體" panose="020B0604030504040204" pitchFamily="34" charset="-120"/>
+                        </a:rPr>
+                        <a:t>連江縣政府</a:t>
+                      </a:r>
+                      <a:endParaRPr lang="zh-TW" altLang="en-US" sz="1200" b="1" dirty="0">
+                        <a:solidFill>
+                          <a:schemeClr val="bg1"/>
+                        </a:solidFill>
+                        <a:latin typeface="微軟正黑體" panose="020B0604030504040204" pitchFamily="34" charset="-120"/>
+                        <a:ea typeface="微軟正黑體" panose="020B0604030504040204" pitchFamily="34" charset="-120"/>
+                      </a:endParaRPr>
+                    </a:p>
+                  </a:txBody>
+                  <a:tcPr anchor="ctr">
+                    <a:solidFill>
+                      <a:srgbClr val="8064A2"/>
+                    </a:solidFill>
+                  </a:tcPr>
+                </a:tc>
+                <a:tc>
+                  <a:txBody>
+                    <a:bodyPr/>
+                    <a:lstStyle/>
+                    <a:p>
+                      <a:pPr algn="ctr"/>
+                      <a:r>
+                        <a:rPr lang="zh-TW" altLang="en-US" sz="1200" kern="0">
+                          <a:solidFill>
+                            <a:sysClr val="windowText" lastClr="000000"/>
+                          </a:solidFill>
+                          <a:latin typeface="+mj-ea"/>
+                          <a:ea typeface="+mj-ea"/>
+                        </a:rPr>
+                        <a:t>○</a:t>
+                      </a:r>
+                      <a:endParaRPr lang="zh-TW" altLang="en-US" sz="1200" b="0" dirty="0">
+                        <a:solidFill>
+                          <a:schemeClr val="tx1"/>
+                        </a:solidFill>
+                        <a:latin typeface="+mj-ea"/>
+                        <a:ea typeface="+mj-ea"/>
+                      </a:endParaRPr>
+                    </a:p>
+                  </a:txBody>
+                  <a:tcPr marL="9525" marR="9525" marT="9525" marB="0" anchor="ctr"/>
+                </a:tc>
+                <a:tc>
+                  <a:txBody>
+                    <a:bodyPr/>
+                    <a:lstStyle/>
+                    <a:p>
+                      <a:pPr algn="ctr"/>
+                      <a:r>
+                        <a:rPr lang="zh-TW" altLang="en-US" sz="1200" kern="0">
+                          <a:solidFill>
+                            <a:sysClr val="windowText" lastClr="000000"/>
+                          </a:solidFill>
+                          <a:latin typeface="+mj-ea"/>
+                          <a:ea typeface="+mj-ea"/>
+                        </a:rPr>
+                        <a:t>○</a:t>
+                      </a:r>
+                      <a:endParaRPr lang="zh-TW" altLang="en-US" sz="1200" b="0" dirty="0">
+                        <a:solidFill>
+                          <a:schemeClr val="tx1"/>
+                        </a:solidFill>
+                        <a:latin typeface="+mj-ea"/>
+                        <a:ea typeface="+mj-ea"/>
+                      </a:endParaRPr>
+                    </a:p>
+                  </a:txBody>
+                  <a:tcPr marL="9525" marR="9525" marT="9525" marB="0" anchor="ctr"/>
+                </a:tc>
+                <a:tc>
+                  <a:txBody>
+                    <a:bodyPr/>
+                    <a:lstStyle/>
+                    <a:p>
+                      <a:pPr algn="ctr"/>
+                      <a:r>
+                        <a:rPr lang="zh-TW" altLang="en-US" sz="1200" kern="0">
+                          <a:solidFill>
+                            <a:sysClr val="windowText" lastClr="000000"/>
+                          </a:solidFill>
+                          <a:latin typeface="+mj-ea"/>
+                          <a:ea typeface="+mj-ea"/>
+                        </a:rPr>
+                        <a:t>○</a:t>
+                      </a:r>
+                      <a:endParaRPr lang="zh-TW" altLang="en-US" sz="1200" b="0" dirty="0">
+                        <a:solidFill>
+                          <a:schemeClr val="tx1"/>
+                        </a:solidFill>
+                        <a:latin typeface="+mj-ea"/>
+                        <a:ea typeface="+mj-ea"/>
+                      </a:endParaRPr>
+                    </a:p>
+                  </a:txBody>
+                  <a:tcPr marL="9525" marR="9525" marT="9525" marB="0" anchor="ctr"/>
+                </a:tc>
+                <a:tc>
+                  <a:txBody>
+                    <a:bodyPr/>
+                    <a:lstStyle/>
+                    <a:p>
+                      <a:pPr algn="ctr"/>
+                      <a:r>
+                        <a:rPr lang="zh-TW" altLang="en-US" sz="1200" kern="0" dirty="0">
+                          <a:solidFill>
+                            <a:sysClr val="windowText" lastClr="000000"/>
+                          </a:solidFill>
+                          <a:latin typeface="+mj-ea"/>
+                          <a:ea typeface="+mj-ea"/>
+                        </a:rPr>
+                        <a:t>○</a:t>
+                      </a:r>
+                      <a:endParaRPr lang="zh-TW" altLang="en-US" sz="1200" b="0" dirty="0">
+                        <a:solidFill>
+                          <a:schemeClr val="tx1"/>
+                        </a:solidFill>
+                        <a:latin typeface="+mj-ea"/>
+                        <a:ea typeface="+mj-ea"/>
+                      </a:endParaRPr>
+                    </a:p>
+                  </a:txBody>
+                  <a:tcPr marL="9525" marR="9525" marT="9525" marB="0" anchor="ctr"/>
+                </a:tc>
+                <a:tc>
+                  <a:txBody>
+                    <a:bodyPr/>
+                    <a:lstStyle/>
+                    <a:p>
+                      <a:pPr marL="0" marR="0" lvl="0" indent="0" algn="ctr" defTabSz="914400" rtl="0" eaLnBrk="1" fontAlgn="auto" latinLnBrk="0" hangingPunct="1">
+                        <a:lnSpc>
+                          <a:spcPct val="100000"/>
+                        </a:lnSpc>
+                        <a:spcBef>
+                          <a:spcPts val="0"/>
+                        </a:spcBef>
+                        <a:spcAft>
+                          <a:spcPts val="0"/>
+                        </a:spcAft>
+                        <a:buClrTx/>
+                        <a:buSzTx/>
+                        <a:buFontTx/>
+                        <a:buNone/>
+                        <a:tabLst/>
+                        <a:defRPr/>
+                      </a:pPr>
+                      <a:r>
+                        <a:rPr lang="zh-TW" altLang="en-US" sz="1200" kern="1200" dirty="0" smtClean="0">
                           <a:solidFill>
                             <a:schemeClr val="tx1"/>
                           </a:solidFill>
@@ -40109,7 +40268,7 @@
                         </a:rPr>
                         <a:t>◎</a:t>
                       </a:r>
-                      <a:endParaRPr lang="zh-TW" altLang="en-US" sz="1200" b="0" kern="1200" dirty="0">
+                      <a:endParaRPr lang="zh-TW" altLang="en-US" sz="1200" b="0" kern="1200" dirty="0" smtClean="0">
                         <a:solidFill>
                           <a:schemeClr val="tx1"/>
                         </a:solidFill>
@@ -40126,7 +40285,23 @@
                     <a:bodyPr/>
                     <a:lstStyle/>
                     <a:p>
-                      <a:pPr algn="ctr"/>
+                      <a:pPr marL="0" marR="0" lvl="0" indent="0" algn="ctr" defTabSz="914400" rtl="0" eaLnBrk="1" fontAlgn="auto" latinLnBrk="0" hangingPunct="1">
+                        <a:lnSpc>
+                          <a:spcPct val="100000"/>
+                        </a:lnSpc>
+                        <a:spcBef>
+                          <a:spcPts val="0"/>
+                        </a:spcBef>
+                        <a:spcAft>
+                          <a:spcPts val="0"/>
+                        </a:spcAft>
+                        <a:buClrTx/>
+                        <a:buSzTx/>
+                        <a:buFontTx/>
+                        <a:buNone/>
+                        <a:tabLst/>
+                        <a:defRPr/>
+                      </a:pPr>
                       <a:r>
                         <a:rPr lang="zh-TW" altLang="en-US" sz="1200" kern="1200" dirty="0" smtClean="0">
                           <a:solidFill>
@@ -40138,7 +40313,7 @@
                         </a:rPr>
                         <a:t>◎</a:t>
                       </a:r>
-                      <a:endParaRPr lang="zh-TW" altLang="en-US" sz="1200" b="0" kern="1200" dirty="0">
+                      <a:endParaRPr lang="zh-TW" altLang="en-US" sz="1200" b="0" kern="1200" dirty="0" smtClean="0">
                         <a:solidFill>
                           <a:schemeClr val="tx1"/>
                         </a:solidFill>
@@ -41627,4 +41802,286 @@
     </a:ext>
   </a:extLst>
 </a:theme>
+</file>
+
+<file path=customXml/item1.xml><?xml version="1.0" encoding="utf-8"?>
+<ct:contentTypeSchema xmlns:ct="http://schemas.microsoft.com/office/2006/metadata/contentType" xmlns:ma="http://schemas.microsoft.com/office/2006/metadata/properties/metaAttributes" ct:_="" ma:_="" ma:contentTypeName="文件" ma:contentTypeID="0x010100CC24255BCCE3C44887CE5AE52F7778D9" ma:contentTypeVersion="13" ma:contentTypeDescription="建立新的文件。" ma:contentTypeScope="" ma:versionID="e5475f883ff71175c3fbb4cef5e99541">
+  <xsd:schema xmlns:xsd="http://www.w3.org/2001/XMLSchema" xmlns:xs="http://www.w3.org/2001/XMLSchema" xmlns:p="http://schemas.microsoft.com/office/2006/metadata/properties" xmlns:ns3="89cf3997-e9ea-4731-a3ec-f83abc6192e4" xmlns:ns4="1355e568-b629-494a-b444-4d5dfc55a281" targetNamespace="http://schemas.microsoft.com/office/2006/metadata/properties" ma:root="true" ma:fieldsID="1078d11313c66c1699c53b1357aa535c" ns3:_="" ns4:_="">
+    <xsd:import namespace="89cf3997-e9ea-4731-a3ec-f83abc6192e4"/>
+    <xsd:import namespace="1355e568-b629-494a-b444-4d5dfc55a281"/>
+    <xsd:element name="properties">
+      <xsd:complexType>
+        <xsd:sequence>
+          <xsd:element name="documentManagement">
+            <xsd:complexType>
+              <xsd:all>
+                <xsd:element ref="ns3:SharedWithUsers" minOccurs="0"/>
+                <xsd:element ref="ns3:SharedWithDetails" minOccurs="0"/>
+                <xsd:element ref="ns3:SharingHintHash" minOccurs="0"/>
+                <xsd:element ref="ns3:LastSharedByUser" minOccurs="0"/>
+                <xsd:element ref="ns3:LastSharedByTime" minOccurs="0"/>
+                <xsd:element ref="ns4:MediaServiceMetadata" minOccurs="0"/>
+                <xsd:element ref="ns4:MediaServiceFastMetadata" minOccurs="0"/>
+                <xsd:element ref="ns4:MediaServiceDateTaken" minOccurs="0"/>
+                <xsd:element ref="ns4:MediaServiceAutoTags" minOccurs="0"/>
+                <xsd:element ref="ns4:MediaServiceOCR" minOccurs="0"/>
+                <xsd:element ref="ns4:MediaServiceEventHashCode" minOccurs="0"/>
+                <xsd:element ref="ns4:MediaServiceGenerationTime" minOccurs="0"/>
+                <xsd:element ref="ns4:MediaServiceLocation" minOccurs="0"/>
+              </xsd:all>
+            </xsd:complexType>
+          </xsd:element>
+        </xsd:sequence>
+      </xsd:complexType>
+    </xsd:element>
+  </xsd:schema>
+  <xsd:schema xmlns:xsd="http://www.w3.org/2001/XMLSchema" xmlns:xs="http://www.w3.org/2001/XMLSchema" xmlns:dms="http://schemas.microsoft.com/office/2006/documentManagement/types" xmlns:pc="http://schemas.microsoft.com/office/infopath/2007/PartnerControls" targetNamespace="89cf3997-e9ea-4731-a3ec-f83abc6192e4" elementFormDefault="qualified">
+    <xsd:import namespace="http://schemas.microsoft.com/office/2006/documentManagement/types"/>
+    <xsd:import namespace="http://schemas.microsoft.com/office/infopath/2007/PartnerControls"/>
+    <xsd:element name="SharedWithUsers" ma:index="8" nillable="true" ma:displayName="共用對象:" ma:description="" ma:internalName="SharedWithUsers" ma:readOnly="true">
+      <xsd:complexType>
+        <xsd:complexContent>
+          <xsd:extension base="dms:UserMulti">
+            <xsd:sequence>
+              <xsd:element name="UserInfo" minOccurs="0" maxOccurs="unbounded">
+                <xsd:complexType>
+                  <xsd:sequence>
+                    <xsd:element name="DisplayName" type="xsd:string" minOccurs="0"/>
+                    <xsd:element name="AccountId" type="dms:UserId" minOccurs="0" nillable="true"/>
+                    <xsd:element name="AccountType" type="xsd:string" minOccurs="0"/>
+                  </xsd:sequence>
+                </xsd:complexType>
+              </xsd:element>
+            </xsd:sequence>
+          </xsd:extension>
+        </xsd:complexContent>
+      </xsd:complexType>
+    </xsd:element>
+    <xsd:element name="SharedWithDetails" ma:index="9" nillable="true" ma:displayName="共用詳細資料" ma:description="" ma:internalName="SharedWithDetails" ma:readOnly="true">
+      <xsd:simpleType>
+        <xsd:restriction base="dms:Note">
+          <xsd:maxLength value="255"/>
+        </xsd:restriction>
+      </xsd:simpleType>
+    </xsd:element>
+    <xsd:element name="SharingHintHash" ma:index="10" nillable="true" ma:displayName="共用提示雜湊" ma:description="" ma:hidden="true" ma:internalName="SharingHintHash" ma:readOnly="true">
+      <xsd:simpleType>
+        <xsd:restriction base="dms:Text"/>
+      </xsd:simpleType>
+    </xsd:element>
+    <xsd:element name="LastSharedByUser" ma:index="11" nillable="true" ma:displayName="依使用者最後一次共用" ma:description="" ma:internalName="LastSharedByUser" ma:readOnly="true">
+      <xsd:simpleType>
+        <xsd:restriction base="dms:Note">
+          <xsd:maxLength value="255"/>
+        </xsd:restriction>
+      </xsd:simpleType>
+    </xsd:element>
+    <xsd:element name="LastSharedByTime" ma:index="12" nillable="true" ma:displayName="依時間最後一次共用" ma:description="" ma:internalName="LastSharedByTime" ma:readOnly="true">
+      <xsd:simpleType>
+        <xsd:restriction base="dms:DateTime"/>
+      </xsd:simpleType>
+    </xsd:element>
+  </xsd:schema>
+  <xsd:schema xmlns:xsd="http://www.w3.org/2001/XMLSchema" xmlns:xs="http://www.w3.org/2001/XMLSchema" xmlns:dms="http://schemas.microsoft.com/office/2006/documentManagement/types" xmlns:pc="http://schemas.microsoft.com/office/infopath/2007/PartnerControls" targetNamespace="1355e568-b629-494a-b444-4d5dfc55a281" elementFormDefault="qualified">
+    <xsd:import namespace="http://schemas.microsoft.com/office/2006/documentManagement/types"/>
+    <xsd:import namespace="http://schemas.microsoft.com/office/infopath/2007/PartnerControls"/>
+    <xsd:element name="MediaServiceMetadata" ma:index="13" nillable="true" ma:displayName="MediaServiceMetadata" ma:description="" ma:hidden="true" ma:internalName="MediaServiceMetadata" ma:readOnly="true">
+      <xsd:simpleType>
+        <xsd:restriction base="dms:Note"/>
+      </xsd:simpleType>
+    </xsd:element>
+    <xsd:element name="MediaServiceFastMetadata" ma:index="14" nillable="true" ma:displayName="MediaServiceFastMetadata" ma:description="" ma:hidden="true" ma:internalName="MediaServiceFastMetadata" ma:readOnly="true">
+      <xsd:simpleType>
+        <xsd:restriction base="dms:Note"/>
+      </xsd:simpleType>
+    </xsd:element>
+    <xsd:element name="MediaServiceDateTaken" ma:index="15" nillable="true" ma:displayName="MediaServiceDateTaken" ma:description="" ma:hidden="true" ma:internalName="MediaServiceDateTaken" ma:readOnly="true">
+      <xsd:simpleType>
+        <xsd:restriction base="dms:Text"/>
+      </xsd:simpleType>
+    </xsd:element>
+    <xsd:element name="MediaServiceAutoTags" ma:index="16" nillable="true" ma:displayName="MediaServiceAutoTags" ma:description="" ma:internalName="MediaServiceAutoTags" ma:readOnly="true">
+      <xsd:simpleType>
+        <xsd:restriction base="dms:Text"/>
+      </xsd:simpleType>
+    </xsd:element>
+    <xsd:element name="MediaServiceOCR" ma:index="17" nillable="true" ma:displayName="MediaServiceOCR" ma:internalName="MediaServiceOCR" ma:readOnly="true">
+      <xsd:simpleType>
+        <xsd:restriction base="dms:Note">
+          <xsd:maxLength value="255"/>
+        </xsd:restriction>
+      </xsd:simpleType>
+    </xsd:element>
+    <xsd:element name="MediaServiceEventHashCode" ma:index="18" nillable="true" ma:displayName="MediaServiceEventHashCode" ma:hidden="true" ma:internalName="MediaServiceEventHashCode" ma:readOnly="true">
+      <xsd:simpleType>
+        <xsd:restriction base="dms:Text"/>
+      </xsd:simpleType>
+    </xsd:element>
+    <xsd:element name="MediaServiceGenerationTime" ma:index="19" nillable="true" ma:displayName="MediaServiceGenerationTime" ma:hidden="true" ma:internalName="MediaServiceGenerationTime" ma:readOnly="true">
+      <xsd:simpleType>
+        <xsd:restriction base="dms:Text"/>
+      </xsd:simpleType>
+    </xsd:element>
+    <xsd:element name="MediaServiceLocation" ma:index="20" nillable="true" ma:displayName="Location" ma:internalName="MediaServiceLocation" ma:readOnly="true">
+      <xsd:simpleType>
+        <xsd:restriction base="dms:Text"/>
+      </xsd:simpleType>
+    </xsd:element>
+  </xsd:schema>
+  <xsd:schema xmlns="http://schemas.openxmlformats.org/package/2006/metadata/core-properties" xmlns:xsd="http://www.w3.org/2001/XMLSchema" xmlns:xsi="http://www.w3.org/2001/XMLSchema-instance" xmlns:dc="http://purl.org/dc/elements/1.1/" xmlns:dcterms="http://purl.org/dc/terms/" xmlns:odoc="http://schemas.microsoft.com/internal/obd" targetNamespace="http://schemas.openxmlformats.org/package/2006/metadata/core-properties" elementFormDefault="qualified" attributeFormDefault="unqualified" blockDefault="#all">
+    <xsd:import namespace="http://purl.org/dc/elements/1.1/" schemaLocation="http://dublincore.org/schemas/xmls/qdc/2003/04/02/dc.xsd"/>
+    <xsd:import namespace="http://purl.org/dc/terms/" schemaLocation="http://dublincore.org/schemas/xmls/qdc/2003/04/02/dcterms.xsd"/>
+    <xsd:element name="coreProperties" type="CT_coreProperties"/>
+    <xsd:complexType name="CT_coreProperties">
+      <xsd:all>
+        <xsd:element ref="dc:creator" minOccurs="0" maxOccurs="1"/>
+        <xsd:element ref="dcterms:created" minOccurs="0" maxOccurs="1"/>
+        <xsd:element ref="dc:identifier" minOccurs="0" maxOccurs="1"/>
+        <xsd:element name="contentType" minOccurs="0" maxOccurs="1" type="xsd:string" ma:index="0" ma:displayName="內容類型"/>
+        <xsd:element ref="dc:title" minOccurs="0" maxOccurs="1" ma:index="4" ma:displayName="標題"/>
+        <xsd:element ref="dc:subject" minOccurs="0" maxOccurs="1"/>
+        <xsd:element ref="dc:description" minOccurs="0" maxOccurs="1"/>
+        <xsd:element name="keywords" minOccurs="0" maxOccurs="1" type="xsd:string"/>
+        <xsd:element ref="dc:language" minOccurs="0" maxOccurs="1"/>
+        <xsd:element name="category" minOccurs="0" maxOccurs="1" type="xsd:string"/>
+        <xsd:element name="version" minOccurs="0" maxOccurs="1" type="xsd:string"/>
+        <xsd:element name="revision" minOccurs="0" maxOccurs="1" type="xsd:string">
+          <xsd:annotation>
+            <xsd:documentation>
+                        This value indicates the number of saves or revisions. The application is responsible for updating this value after each revision.
+                    </xsd:documentation>
+          </xsd:annotation>
+        </xsd:element>
+        <xsd:element name="lastModifiedBy" minOccurs="0" maxOccurs="1" type="xsd:string"/>
+        <xsd:element ref="dcterms:modified" minOccurs="0" maxOccurs="1"/>
+        <xsd:element name="contentStatus" minOccurs="0" maxOccurs="1" type="xsd:string"/>
+      </xsd:all>
+    </xsd:complexType>
+  </xsd:schema>
+  <xs:schema xmlns:pc="http://schemas.microsoft.com/office/infopath/2007/PartnerControls" xmlns:xs="http://www.w3.org/2001/XMLSchema" targetNamespace="http://schemas.microsoft.com/office/infopath/2007/PartnerControls" elementFormDefault="qualified" attributeFormDefault="unqualified">
+    <xs:element name="Person">
+      <xs:complexType>
+        <xs:sequence>
+          <xs:element ref="pc:DisplayName" minOccurs="0"/>
+          <xs:element ref="pc:AccountId" minOccurs="0"/>
+          <xs:element ref="pc:AccountType" minOccurs="0"/>
+        </xs:sequence>
+      </xs:complexType>
+    </xs:element>
+    <xs:element name="DisplayName" type="xs:string"/>
+    <xs:element name="AccountId" type="xs:string"/>
+    <xs:element name="AccountType" type="xs:string"/>
+    <xs:element name="BDCAssociatedEntity">
+      <xs:complexType>
+        <xs:sequence>
+          <xs:element ref="pc:BDCEntity" minOccurs="0" maxOccurs="unbounded"/>
+        </xs:sequence>
+        <xs:attribute ref="pc:EntityNamespace"/>
+        <xs:attribute ref="pc:EntityName"/>
+        <xs:attribute ref="pc:SystemInstanceName"/>
+        <xs:attribute ref="pc:AssociationName"/>
+      </xs:complexType>
+    </xs:element>
+    <xs:attribute name="EntityNamespace" type="xs:string"/>
+    <xs:attribute name="EntityName" type="xs:string"/>
+    <xs:attribute name="SystemInstanceName" type="xs:string"/>
+    <xs:attribute name="AssociationName" type="xs:string"/>
+    <xs:element name="BDCEntity">
+      <xs:complexType>
+        <xs:sequence>
+          <xs:element ref="pc:EntityDisplayName" minOccurs="0"/>
+          <xs:element ref="pc:EntityInstanceReference" minOccurs="0"/>
+          <xs:element ref="pc:EntityId1" minOccurs="0"/>
+          <xs:element ref="pc:EntityId2" minOccurs="0"/>
+          <xs:element ref="pc:EntityId3" minOccurs="0"/>
+          <xs:element ref="pc:EntityId4" minOccurs="0"/>
+          <xs:element ref="pc:EntityId5" minOccurs="0"/>
+        </xs:sequence>
+      </xs:complexType>
+    </xs:element>
+    <xs:element name="EntityDisplayName" type="xs:string"/>
+    <xs:element name="EntityInstanceReference" type="xs:string"/>
+    <xs:element name="EntityId1" type="xs:string"/>
+    <xs:element name="EntityId2" type="xs:string"/>
+    <xs:element name="EntityId3" type="xs:string"/>
+    <xs:element name="EntityId4" type="xs:string"/>
+    <xs:element name="EntityId5" type="xs:string"/>
+    <xs:element name="Terms">
+      <xs:complexType>
+        <xs:sequence>
+          <xs:element ref="pc:TermInfo" minOccurs="0" maxOccurs="unbounded"/>
+        </xs:sequence>
+      </xs:complexType>
+    </xs:element>
+    <xs:element name="TermInfo">
+      <xs:complexType>
+        <xs:sequence>
+          <xs:element ref="pc:TermName" minOccurs="0"/>
+          <xs:element ref="pc:TermId" minOccurs="0"/>
+        </xs:sequence>
+      </xs:complexType>
+    </xs:element>
+    <xs:element name="TermName" type="xs:string"/>
+    <xs:element name="TermId" type="xs:string"/>
+  </xs:schema>
+</ct:contentTypeSchema>
+</file>
+
+<file path=customXml/item2.xml><?xml version="1.0" encoding="utf-8"?>
+<?mso-contentType ?>
+<FormTemplates xmlns="http://schemas.microsoft.com/sharepoint/v3/contenttype/forms">
+  <Display>DocumentLibraryForm</Display>
+  <Edit>DocumentLibraryForm</Edit>
+  <New>DocumentLibraryForm</New>
+</FormTemplates>
+</file>
+
+<file path=customXml/item3.xml><?xml version="1.0" encoding="utf-8"?>
+<p:properties xmlns:p="http://schemas.microsoft.com/office/2006/metadata/properties" xmlns:xsi="http://www.w3.org/2001/XMLSchema-instance" xmlns:pc="http://schemas.microsoft.com/office/infopath/2007/PartnerControls">
+  <documentManagement/>
+</p:properties>
+</file>
+
+<file path=customXml/itemProps1.xml><?xml version="1.0" encoding="utf-8"?>
+<ds:datastoreItem xmlns:ds="http://schemas.openxmlformats.org/officeDocument/2006/customXml" ds:itemID="{1FFA6012-8508-489B-8CA4-F05F7AC2376C}">
+  <ds:schemaRefs>
+    <ds:schemaRef ds:uri="http://schemas.microsoft.com/office/2006/metadata/contentType"/>
+    <ds:schemaRef ds:uri="http://schemas.microsoft.com/office/2006/metadata/properties/metaAttributes"/>
+    <ds:schemaRef ds:uri="http://www.w3.org/2001/XMLSchema"/>
+    <ds:schemaRef ds:uri="http://schemas.microsoft.com/office/2006/metadata/properties"/>
+    <ds:schemaRef ds:uri="89cf3997-e9ea-4731-a3ec-f83abc6192e4"/>
+    <ds:schemaRef ds:uri="1355e568-b629-494a-b444-4d5dfc55a281"/>
+    <ds:schemaRef ds:uri="http://schemas.microsoft.com/office/2006/documentManagement/types"/>
+    <ds:schemaRef ds:uri="http://schemas.microsoft.com/office/infopath/2007/PartnerControls"/>
+    <ds:schemaRef ds:uri="http://schemas.openxmlformats.org/package/2006/metadata/core-properties"/>
+    <ds:schemaRef ds:uri="http://purl.org/dc/elements/1.1/"/>
+    <ds:schemaRef ds:uri="http://purl.org/dc/terms/"/>
+    <ds:schemaRef ds:uri="http://schemas.microsoft.com/internal/obd"/>
+  </ds:schemaRefs>
+</ds:datastoreItem>
+</file>
+
+<file path=customXml/itemProps2.xml><?xml version="1.0" encoding="utf-8"?>
+<ds:datastoreItem xmlns:ds="http://schemas.openxmlformats.org/officeDocument/2006/customXml" ds:itemID="{0AAAC734-2F10-48CC-9CED-86FA8463B42F}">
+  <ds:schemaRefs>
+    <ds:schemaRef ds:uri="http://schemas.microsoft.com/sharepoint/v3/contenttype/forms"/>
+  </ds:schemaRefs>
+</ds:datastoreItem>
+</file>
+
+<file path=customXml/itemProps3.xml><?xml version="1.0" encoding="utf-8"?>
+<ds:datastoreItem xmlns:ds="http://schemas.openxmlformats.org/officeDocument/2006/customXml" ds:itemID="{4DB37E75-643A-4010-AC03-023EC1448CFC}">
+  <ds:schemaRefs>
+    <ds:schemaRef ds:uri="http://schemas.microsoft.com/office/2006/metadata/properties"/>
+    <ds:schemaRef ds:uri="http://purl.org/dc/terms/"/>
+    <ds:schemaRef ds:uri="http://schemas.openxmlformats.org/package/2006/metadata/core-properties"/>
+    <ds:schemaRef ds:uri="http://purl.org/dc/dcmitype/"/>
+    <ds:schemaRef ds:uri="http://schemas.microsoft.com/office/infopath/2007/PartnerControls"/>
+    <ds:schemaRef ds:uri="1355e568-b629-494a-b444-4d5dfc55a281"/>
+    <ds:schemaRef ds:uri="http://schemas.microsoft.com/office/2006/documentManagement/types"/>
+    <ds:schemaRef ds:uri="89cf3997-e9ea-4731-a3ec-f83abc6192e4"/>
+    <ds:schemaRef ds:uri="http://www.w3.org/XML/1998/namespace"/>
+    <ds:schemaRef ds:uri="http://purl.org/dc/elements/1.1/"/>
+  </ds:schemaRefs>
+</ds:datastoreItem>
 </file>
--- a/各單位資料供應現況表.pptx
+++ b/各單位資料供應現況表.pptx
@@ -137,6 +137,43 @@
 </p:presentation>
 </file>
 
+<file path=ppt/revisionInfo.xml><?xml version="1.0" encoding="utf-8"?>
+<p1510:revInfo xmlns:a="http://schemas.openxmlformats.org/drawingml/2006/main" xmlns:r="http://schemas.openxmlformats.org/officeDocument/2006/relationships" xmlns:p1510="http://schemas.microsoft.com/office/powerpoint/2015/10/main">
+  <p1510:revLst>
+    <p1510:client id="{61582E01-602C-76E6-CD73-2C7BEEACBDBC}" v="4" dt="2019-12-05T06:32:44.429"/>
+  </p1510:revLst>
+</p1510:revInfo>
+</file>
+
+<file path=ppt/changesInfos/changesInfo1.xml><?xml version="1.0" encoding="utf-8"?>
+<pc:chgInfo xmlns:a="http://schemas.openxmlformats.org/drawingml/2006/main" xmlns:r="http://schemas.openxmlformats.org/officeDocument/2006/relationships" xmlns:ac="http://schemas.microsoft.com/office/drawing/2013/main/command" xmlns:pc="http://schemas.microsoft.com/office/powerpoint/2013/main/command">
+  <pc:docChgLst>
+    <pc:chgData name="簡珮倫(Karan Chien)" userId="S::1902009@iisigroup.com::074ca67a-4f71-4edb-9ad4-a60425c5e00b" providerId="AD" clId="Web-{61582E01-602C-76E6-CD73-2C7BEEACBDBC}"/>
+    <pc:docChg chg="modSld">
+      <pc:chgData name="簡珮倫(Karan Chien)" userId="S::1902009@iisigroup.com::074ca67a-4f71-4edb-9ad4-a60425c5e00b" providerId="AD" clId="Web-{61582E01-602C-76E6-CD73-2C7BEEACBDBC}" dt="2019-12-05T06:32:40.225" v="2" actId="20577"/>
+      <pc:docMkLst>
+        <pc:docMk/>
+      </pc:docMkLst>
+      <pc:sldChg chg="modSp">
+        <pc:chgData name="簡珮倫(Karan Chien)" userId="S::1902009@iisigroup.com::074ca67a-4f71-4edb-9ad4-a60425c5e00b" providerId="AD" clId="Web-{61582E01-602C-76E6-CD73-2C7BEEACBDBC}" dt="2019-12-05T06:32:38.538" v="0" actId="20577"/>
+        <pc:sldMkLst>
+          <pc:docMk/>
+          <pc:sldMk cId="2987076929" sldId="258"/>
+        </pc:sldMkLst>
+        <pc:spChg chg="mod">
+          <ac:chgData name="簡珮倫(Karan Chien)" userId="S::1902009@iisigroup.com::074ca67a-4f71-4edb-9ad4-a60425c5e00b" providerId="AD" clId="Web-{61582E01-602C-76E6-CD73-2C7BEEACBDBC}" dt="2019-12-05T06:32:38.538" v="0" actId="20577"/>
+          <ac:spMkLst>
+            <pc:docMk/>
+            <pc:sldMk cId="2987076929" sldId="258"/>
+            <ac:spMk id="4" creationId="{00000000-0000-0000-0000-000000000000}"/>
+          </ac:spMkLst>
+        </pc:spChg>
+      </pc:sldChg>
+    </pc:docChg>
+  </pc:docChgLst>
+</pc:chgInfo>
+</file>
+
 <file path=ppt/handoutMasters/handoutMaster1.xml><?xml version="1.0" encoding="utf-8"?>
 <p:handoutMaster xmlns:a="http://schemas.openxmlformats.org/drawingml/2006/main" xmlns:r="http://schemas.openxmlformats.org/officeDocument/2006/relationships" xmlns:p="http://schemas.openxmlformats.org/presentationml/2006/main">
   <p:cSld>
@@ -219,7 +256,7 @@
           <a:p>
             <a:fld id="{AC1AE0A4-47EE-4CE1-A88C-8E719F35BFA0}" type="datetimeFigureOut">
               <a:rPr lang="zh-TW" altLang="en-US" smtClean="0"/>
-              <a:t>2019/12/5</a:t>
+              <a:t>2020/1/13</a:t>
             </a:fld>
             <a:endParaRPr lang="zh-TW" altLang="en-US"/>
           </a:p>
@@ -384,7 +421,7 @@
           <a:p>
             <a:fld id="{92A7EAFB-AA00-4957-A793-D83734C20EF1}" type="datetimeFigureOut">
               <a:rPr lang="zh-TW" altLang="en-US" smtClean="0"/>
-              <a:t>2019/12/5</a:t>
+              <a:t>2020/1/13</a:t>
             </a:fld>
             <a:endParaRPr lang="zh-TW" altLang="en-US"/>
           </a:p>
@@ -2463,7 +2500,7 @@
                 <a:latin typeface="微軟正黑體" panose="020B0604030504040204" pitchFamily="34" charset="-120"/>
                 <a:ea typeface="微軟正黑體" panose="020B0604030504040204" pitchFamily="34" charset="-120"/>
               </a:rPr>
-              <a:t>2019/12/05)</a:t>
+              <a:t>2020/01/13)</a:t>
             </a:r>
             <a:endParaRPr lang="zh-TW" altLang="en-US" sz="1600" b="1" dirty="0">
               <a:solidFill>
@@ -5317,140 +5354,140 @@
                 <a:gridCol w="826601">
                   <a:extLst>
                     <a:ext uri="{9D8B030D-6E8A-4147-A177-3AD203B41FA5}">
-                      <a16:colId xmlns="" xmlns:a16="http://schemas.microsoft.com/office/drawing/2014/main" val="20003"/>
+                      <a16:colId xmlns:a16="http://schemas.microsoft.com/office/drawing/2014/main" xmlns="" val="20003"/>
                     </a:ext>
                   </a:extLst>
                 </a:gridCol>
                 <a:gridCol w="510169">
                   <a:extLst>
                     <a:ext uri="{9D8B030D-6E8A-4147-A177-3AD203B41FA5}">
-                      <a16:colId xmlns="" xmlns:a16="http://schemas.microsoft.com/office/drawing/2014/main" val="20004"/>
+                      <a16:colId xmlns:a16="http://schemas.microsoft.com/office/drawing/2014/main" xmlns="" val="20004"/>
                     </a:ext>
                   </a:extLst>
                 </a:gridCol>
                 <a:gridCol w="510169">
                   <a:extLst>
                     <a:ext uri="{9D8B030D-6E8A-4147-A177-3AD203B41FA5}">
-                      <a16:colId xmlns="" xmlns:a16="http://schemas.microsoft.com/office/drawing/2014/main" val="20005"/>
+                      <a16:colId xmlns:a16="http://schemas.microsoft.com/office/drawing/2014/main" xmlns="" val="20005"/>
                     </a:ext>
                   </a:extLst>
                 </a:gridCol>
                 <a:gridCol w="510169">
                   <a:extLst>
                     <a:ext uri="{9D8B030D-6E8A-4147-A177-3AD203B41FA5}">
-                      <a16:colId xmlns="" xmlns:a16="http://schemas.microsoft.com/office/drawing/2014/main" val="20006"/>
+                      <a16:colId xmlns:a16="http://schemas.microsoft.com/office/drawing/2014/main" xmlns="" val="20006"/>
                     </a:ext>
                   </a:extLst>
                 </a:gridCol>
                 <a:gridCol w="510169">
                   <a:extLst>
                     <a:ext uri="{9D8B030D-6E8A-4147-A177-3AD203B41FA5}">
-                      <a16:colId xmlns="" xmlns:a16="http://schemas.microsoft.com/office/drawing/2014/main" val="3408207861"/>
+                      <a16:colId xmlns:a16="http://schemas.microsoft.com/office/drawing/2014/main" xmlns="" val="3408207861"/>
                     </a:ext>
                   </a:extLst>
                 </a:gridCol>
                 <a:gridCol w="510169">
                   <a:extLst>
                     <a:ext uri="{9D8B030D-6E8A-4147-A177-3AD203B41FA5}">
-                      <a16:colId xmlns="" xmlns:a16="http://schemas.microsoft.com/office/drawing/2014/main" val="2229076538"/>
+                      <a16:colId xmlns:a16="http://schemas.microsoft.com/office/drawing/2014/main" xmlns="" val="2229076538"/>
                     </a:ext>
                   </a:extLst>
                 </a:gridCol>
                 <a:gridCol w="510169">
                   <a:extLst>
                     <a:ext uri="{9D8B030D-6E8A-4147-A177-3AD203B41FA5}">
-                      <a16:colId xmlns="" xmlns:a16="http://schemas.microsoft.com/office/drawing/2014/main" val="3678966610"/>
+                      <a16:colId xmlns:a16="http://schemas.microsoft.com/office/drawing/2014/main" xmlns="" val="3678966610"/>
                     </a:ext>
                   </a:extLst>
                 </a:gridCol>
                 <a:gridCol w="510169">
                   <a:extLst>
                     <a:ext uri="{9D8B030D-6E8A-4147-A177-3AD203B41FA5}">
-                      <a16:colId xmlns="" xmlns:a16="http://schemas.microsoft.com/office/drawing/2014/main" val="20007"/>
+                      <a16:colId xmlns:a16="http://schemas.microsoft.com/office/drawing/2014/main" xmlns="" val="20007"/>
                     </a:ext>
                   </a:extLst>
                 </a:gridCol>
                 <a:gridCol w="510169">
                   <a:extLst>
                     <a:ext uri="{9D8B030D-6E8A-4147-A177-3AD203B41FA5}">
-                      <a16:colId xmlns="" xmlns:a16="http://schemas.microsoft.com/office/drawing/2014/main" val="20008"/>
+                      <a16:colId xmlns:a16="http://schemas.microsoft.com/office/drawing/2014/main" xmlns="" val="20008"/>
                     </a:ext>
                   </a:extLst>
                 </a:gridCol>
                 <a:gridCol w="510169">
                   <a:extLst>
                     <a:ext uri="{9D8B030D-6E8A-4147-A177-3AD203B41FA5}">
-                      <a16:colId xmlns="" xmlns:a16="http://schemas.microsoft.com/office/drawing/2014/main" val="3280403588"/>
+                      <a16:colId xmlns:a16="http://schemas.microsoft.com/office/drawing/2014/main" xmlns="" val="3280403588"/>
                     </a:ext>
                   </a:extLst>
                 </a:gridCol>
                 <a:gridCol w="510169">
                   <a:extLst>
                     <a:ext uri="{9D8B030D-6E8A-4147-A177-3AD203B41FA5}">
-                      <a16:colId xmlns="" xmlns:a16="http://schemas.microsoft.com/office/drawing/2014/main" val="3626256232"/>
+                      <a16:colId xmlns:a16="http://schemas.microsoft.com/office/drawing/2014/main" xmlns="" val="3626256232"/>
                     </a:ext>
                   </a:extLst>
                 </a:gridCol>
                 <a:gridCol w="510169">
                   <a:extLst>
                     <a:ext uri="{9D8B030D-6E8A-4147-A177-3AD203B41FA5}">
-                      <a16:colId xmlns="" xmlns:a16="http://schemas.microsoft.com/office/drawing/2014/main" val="1479022265"/>
+                      <a16:colId xmlns:a16="http://schemas.microsoft.com/office/drawing/2014/main" xmlns="" val="1479022265"/>
                     </a:ext>
                   </a:extLst>
                 </a:gridCol>
                 <a:gridCol w="510169">
                   <a:extLst>
                     <a:ext uri="{9D8B030D-6E8A-4147-A177-3AD203B41FA5}">
-                      <a16:colId xmlns="" xmlns:a16="http://schemas.microsoft.com/office/drawing/2014/main" val="29243554"/>
+                      <a16:colId xmlns:a16="http://schemas.microsoft.com/office/drawing/2014/main" xmlns="" val="29243554"/>
                     </a:ext>
                   </a:extLst>
                 </a:gridCol>
                 <a:gridCol w="510169">
                   <a:extLst>
                     <a:ext uri="{9D8B030D-6E8A-4147-A177-3AD203B41FA5}">
-                      <a16:colId xmlns="" xmlns:a16="http://schemas.microsoft.com/office/drawing/2014/main" val="1436252718"/>
+                      <a16:colId xmlns:a16="http://schemas.microsoft.com/office/drawing/2014/main" xmlns="" val="1436252718"/>
                     </a:ext>
                   </a:extLst>
                 </a:gridCol>
                 <a:gridCol w="510169">
                   <a:extLst>
                     <a:ext uri="{9D8B030D-6E8A-4147-A177-3AD203B41FA5}">
-                      <a16:colId xmlns="" xmlns:a16="http://schemas.microsoft.com/office/drawing/2014/main" val="20013"/>
+                      <a16:colId xmlns:a16="http://schemas.microsoft.com/office/drawing/2014/main" xmlns="" val="20013"/>
                     </a:ext>
                   </a:extLst>
                 </a:gridCol>
                 <a:gridCol w="510169">
                   <a:extLst>
                     <a:ext uri="{9D8B030D-6E8A-4147-A177-3AD203B41FA5}">
-                      <a16:colId xmlns="" xmlns:a16="http://schemas.microsoft.com/office/drawing/2014/main" val="2227699668"/>
+                      <a16:colId xmlns:a16="http://schemas.microsoft.com/office/drawing/2014/main" xmlns="" val="2227699668"/>
                     </a:ext>
                   </a:extLst>
                 </a:gridCol>
                 <a:gridCol w="510170">
                   <a:extLst>
                     <a:ext uri="{9D8B030D-6E8A-4147-A177-3AD203B41FA5}">
-                      <a16:colId xmlns="" xmlns:a16="http://schemas.microsoft.com/office/drawing/2014/main" val="3451906251"/>
+                      <a16:colId xmlns:a16="http://schemas.microsoft.com/office/drawing/2014/main" xmlns="" val="3451906251"/>
                     </a:ext>
                   </a:extLst>
                 </a:gridCol>
                 <a:gridCol w="510169">
                   <a:extLst>
                     <a:ext uri="{9D8B030D-6E8A-4147-A177-3AD203B41FA5}">
-                      <a16:colId xmlns="" xmlns:a16="http://schemas.microsoft.com/office/drawing/2014/main" val="660092051"/>
+                      <a16:colId xmlns:a16="http://schemas.microsoft.com/office/drawing/2014/main" xmlns="" val="660092051"/>
                     </a:ext>
                   </a:extLst>
                 </a:gridCol>
                 <a:gridCol w="510169">
                   <a:extLst>
                     <a:ext uri="{9D8B030D-6E8A-4147-A177-3AD203B41FA5}">
-                      <a16:colId xmlns="" xmlns:a16="http://schemas.microsoft.com/office/drawing/2014/main" val="2785807340"/>
+                      <a16:colId xmlns:a16="http://schemas.microsoft.com/office/drawing/2014/main" xmlns="" val="2785807340"/>
                     </a:ext>
                   </a:extLst>
                 </a:gridCol>
                 <a:gridCol w="510169">
                   <a:extLst>
                     <a:ext uri="{9D8B030D-6E8A-4147-A177-3AD203B41FA5}">
-                      <a16:colId xmlns="" xmlns:a16="http://schemas.microsoft.com/office/drawing/2014/main" val="20019"/>
+                      <a16:colId xmlns:a16="http://schemas.microsoft.com/office/drawing/2014/main" xmlns="" val="20019"/>
                     </a:ext>
                   </a:extLst>
                 </a:gridCol>
@@ -5713,7 +5750,7 @@
                 </a:tc>
                 <a:extLst>
                   <a:ext uri="{0D108BD9-81ED-4DB2-BD59-A6C34878D82A}">
-                    <a16:rowId xmlns="" xmlns:a16="http://schemas.microsoft.com/office/drawing/2014/main" val="4157930470"/>
+                    <a16:rowId xmlns:a16="http://schemas.microsoft.com/office/drawing/2014/main" xmlns="" val="4157930470"/>
                   </a:ext>
                 </a:extLst>
               </a:tr>
@@ -6212,7 +6249,7 @@
                 </a:tc>
                 <a:extLst>
                   <a:ext uri="{0D108BD9-81ED-4DB2-BD59-A6C34878D82A}">
-                    <a16:rowId xmlns="" xmlns:a16="http://schemas.microsoft.com/office/drawing/2014/main" val="10000"/>
+                    <a16:rowId xmlns:a16="http://schemas.microsoft.com/office/drawing/2014/main" xmlns="" val="10000"/>
                   </a:ext>
                 </a:extLst>
               </a:tr>
@@ -6614,7 +6651,7 @@
                 </a:tc>
                 <a:extLst>
                   <a:ext uri="{0D108BD9-81ED-4DB2-BD59-A6C34878D82A}">
-                    <a16:rowId xmlns="" xmlns:a16="http://schemas.microsoft.com/office/drawing/2014/main" val="10002"/>
+                    <a16:rowId xmlns:a16="http://schemas.microsoft.com/office/drawing/2014/main" xmlns="" val="10002"/>
                   </a:ext>
                 </a:extLst>
               </a:tr>
@@ -7207,7 +7244,7 @@
                 </a:tc>
                 <a:extLst>
                   <a:ext uri="{0D108BD9-81ED-4DB2-BD59-A6C34878D82A}">
-                    <a16:rowId xmlns="" xmlns:a16="http://schemas.microsoft.com/office/drawing/2014/main" val="3675162025"/>
+                    <a16:rowId xmlns:a16="http://schemas.microsoft.com/office/drawing/2014/main" xmlns="" val="3675162025"/>
                   </a:ext>
                 </a:extLst>
               </a:tr>
@@ -7832,7 +7869,7 @@
                 </a:tc>
                 <a:extLst>
                   <a:ext uri="{0D108BD9-81ED-4DB2-BD59-A6C34878D82A}">
-                    <a16:rowId xmlns="" xmlns:a16="http://schemas.microsoft.com/office/drawing/2014/main" val="3832608764"/>
+                    <a16:rowId xmlns:a16="http://schemas.microsoft.com/office/drawing/2014/main" xmlns="" val="3832608764"/>
                   </a:ext>
                 </a:extLst>
               </a:tr>
@@ -8347,7 +8384,7 @@
                 </a:tc>
                 <a:extLst>
                   <a:ext uri="{0D108BD9-81ED-4DB2-BD59-A6C34878D82A}">
-                    <a16:rowId xmlns="" xmlns:a16="http://schemas.microsoft.com/office/drawing/2014/main" val="2613742521"/>
+                    <a16:rowId xmlns:a16="http://schemas.microsoft.com/office/drawing/2014/main" xmlns="" val="2613742521"/>
                   </a:ext>
                 </a:extLst>
               </a:tr>
@@ -8862,7 +8899,7 @@
                 </a:tc>
                 <a:extLst>
                   <a:ext uri="{0D108BD9-81ED-4DB2-BD59-A6C34878D82A}">
-                    <a16:rowId xmlns="" xmlns:a16="http://schemas.microsoft.com/office/drawing/2014/main" val="1381442428"/>
+                    <a16:rowId xmlns:a16="http://schemas.microsoft.com/office/drawing/2014/main" xmlns="" val="1381442428"/>
                   </a:ext>
                 </a:extLst>
               </a:tr>
@@ -9456,7 +9493,7 @@
                 </a:tc>
                 <a:extLst>
                   <a:ext uri="{0D108BD9-81ED-4DB2-BD59-A6C34878D82A}">
-                    <a16:rowId xmlns="" xmlns:a16="http://schemas.microsoft.com/office/drawing/2014/main" val="4102929731"/>
+                    <a16:rowId xmlns:a16="http://schemas.microsoft.com/office/drawing/2014/main" xmlns="" val="4102929731"/>
                   </a:ext>
                 </a:extLst>
               </a:tr>
@@ -9984,7 +10021,7 @@
                 </a:tc>
                 <a:extLst>
                   <a:ext uri="{0D108BD9-81ED-4DB2-BD59-A6C34878D82A}">
-                    <a16:rowId xmlns="" xmlns:a16="http://schemas.microsoft.com/office/drawing/2014/main" val="2526977750"/>
+                    <a16:rowId xmlns:a16="http://schemas.microsoft.com/office/drawing/2014/main" xmlns="" val="2526977750"/>
                   </a:ext>
                 </a:extLst>
               </a:tr>
@@ -10540,7 +10577,7 @@
                 </a:tc>
                 <a:extLst>
                   <a:ext uri="{0D108BD9-81ED-4DB2-BD59-A6C34878D82A}">
-                    <a16:rowId xmlns="" xmlns:a16="http://schemas.microsoft.com/office/drawing/2014/main" val="10001"/>
+                    <a16:rowId xmlns:a16="http://schemas.microsoft.com/office/drawing/2014/main" xmlns="" val="10001"/>
                   </a:ext>
                 </a:extLst>
               </a:tr>
@@ -11094,7 +11131,7 @@
                 </a:tc>
                 <a:extLst>
                   <a:ext uri="{0D108BD9-81ED-4DB2-BD59-A6C34878D82A}">
-                    <a16:rowId xmlns="" xmlns:a16="http://schemas.microsoft.com/office/drawing/2014/main" val="10006"/>
+                    <a16:rowId xmlns:a16="http://schemas.microsoft.com/office/drawing/2014/main" xmlns="" val="10006"/>
                   </a:ext>
                 </a:extLst>
               </a:tr>
@@ -11648,7 +11685,7 @@
                 </a:tc>
                 <a:extLst>
                   <a:ext uri="{0D108BD9-81ED-4DB2-BD59-A6C34878D82A}">
-                    <a16:rowId xmlns="" xmlns:a16="http://schemas.microsoft.com/office/drawing/2014/main" val="10007"/>
+                    <a16:rowId xmlns:a16="http://schemas.microsoft.com/office/drawing/2014/main" xmlns="" val="10007"/>
                   </a:ext>
                 </a:extLst>
               </a:tr>
@@ -12202,7 +12239,7 @@
                 </a:tc>
                 <a:extLst>
                   <a:ext uri="{0D108BD9-81ED-4DB2-BD59-A6C34878D82A}">
-                    <a16:rowId xmlns="" xmlns:a16="http://schemas.microsoft.com/office/drawing/2014/main" val="10008"/>
+                    <a16:rowId xmlns:a16="http://schemas.microsoft.com/office/drawing/2014/main" xmlns="" val="10008"/>
                   </a:ext>
                 </a:extLst>
               </a:tr>
@@ -12758,7 +12795,7 @@
                 </a:tc>
                 <a:extLst>
                   <a:ext uri="{0D108BD9-81ED-4DB2-BD59-A6C34878D82A}">
-                    <a16:rowId xmlns="" xmlns:a16="http://schemas.microsoft.com/office/drawing/2014/main" val="10010"/>
+                    <a16:rowId xmlns:a16="http://schemas.microsoft.com/office/drawing/2014/main" xmlns="" val="10010"/>
                   </a:ext>
                 </a:extLst>
               </a:tr>
@@ -13309,7 +13346,7 @@
                 </a:tc>
                 <a:extLst>
                   <a:ext uri="{0D108BD9-81ED-4DB2-BD59-A6C34878D82A}">
-                    <a16:rowId xmlns="" xmlns:a16="http://schemas.microsoft.com/office/drawing/2014/main" val="1396562496"/>
+                    <a16:rowId xmlns:a16="http://schemas.microsoft.com/office/drawing/2014/main" xmlns="" val="1396562496"/>
                   </a:ext>
                 </a:extLst>
               </a:tr>
@@ -13448,13 +13485,13 @@
           <a:noFill/>
         </p:spPr>
         <p:txBody>
-          <a:bodyPr wrap="none" rtlCol="0">
+          <a:bodyPr wrap="none" rtlCol="0" anchor="t">
             <a:spAutoFit/>
           </a:bodyPr>
           <a:lstStyle/>
           <a:p>
             <a:r>
-              <a:rPr lang="zh-TW" altLang="en-US" sz="4400" b="1" dirty="0">
+              <a:rPr lang="zh-TW" altLang="en-US" sz="4400" b="1">
                 <a:solidFill>
                   <a:srgbClr val="002060"/>
                 </a:solidFill>
@@ -13877,7 +13914,7 @@
           <p:nvPr>
             <p:extLst>
               <p:ext uri="{D42A27DB-BD31-4B8C-83A1-F6EECF244321}">
-                <p14:modId xmlns:p14="http://schemas.microsoft.com/office/powerpoint/2010/main" val="1974306279"/>
+                <p14:modId xmlns:p14="http://schemas.microsoft.com/office/powerpoint/2010/main" val="470511861"/>
               </p:ext>
             </p:extLst>
           </p:nvPr>
@@ -13896,140 +13933,140 @@
                 <a:gridCol w="901444">
                   <a:extLst>
                     <a:ext uri="{9D8B030D-6E8A-4147-A177-3AD203B41FA5}">
-                      <a16:colId xmlns="" xmlns:a16="http://schemas.microsoft.com/office/drawing/2014/main" val="20003"/>
+                      <a16:colId xmlns:a16="http://schemas.microsoft.com/office/drawing/2014/main" xmlns="" val="20003"/>
                     </a:ext>
                   </a:extLst>
                 </a:gridCol>
                 <a:gridCol w="501772">
                   <a:extLst>
                     <a:ext uri="{9D8B030D-6E8A-4147-A177-3AD203B41FA5}">
-                      <a16:colId xmlns="" xmlns:a16="http://schemas.microsoft.com/office/drawing/2014/main" val="20004"/>
+                      <a16:colId xmlns:a16="http://schemas.microsoft.com/office/drawing/2014/main" xmlns="" val="20004"/>
                     </a:ext>
                   </a:extLst>
                 </a:gridCol>
                 <a:gridCol w="501772">
                   <a:extLst>
                     <a:ext uri="{9D8B030D-6E8A-4147-A177-3AD203B41FA5}">
-                      <a16:colId xmlns="" xmlns:a16="http://schemas.microsoft.com/office/drawing/2014/main" val="20005"/>
+                      <a16:colId xmlns:a16="http://schemas.microsoft.com/office/drawing/2014/main" xmlns="" val="20005"/>
                     </a:ext>
                   </a:extLst>
                 </a:gridCol>
                 <a:gridCol w="501772">
                   <a:extLst>
                     <a:ext uri="{9D8B030D-6E8A-4147-A177-3AD203B41FA5}">
-                      <a16:colId xmlns="" xmlns:a16="http://schemas.microsoft.com/office/drawing/2014/main" val="20006"/>
+                      <a16:colId xmlns:a16="http://schemas.microsoft.com/office/drawing/2014/main" xmlns="" val="20006"/>
                     </a:ext>
                   </a:extLst>
                 </a:gridCol>
                 <a:gridCol w="501772">
                   <a:extLst>
                     <a:ext uri="{9D8B030D-6E8A-4147-A177-3AD203B41FA5}">
-                      <a16:colId xmlns="" xmlns:a16="http://schemas.microsoft.com/office/drawing/2014/main" val="3428608293"/>
+                      <a16:colId xmlns:a16="http://schemas.microsoft.com/office/drawing/2014/main" xmlns="" val="3428608293"/>
                     </a:ext>
                   </a:extLst>
                 </a:gridCol>
                 <a:gridCol w="501772">
                   <a:extLst>
                     <a:ext uri="{9D8B030D-6E8A-4147-A177-3AD203B41FA5}">
-                      <a16:colId xmlns="" xmlns:a16="http://schemas.microsoft.com/office/drawing/2014/main" val="2688910496"/>
+                      <a16:colId xmlns:a16="http://schemas.microsoft.com/office/drawing/2014/main" xmlns="" val="2688910496"/>
                     </a:ext>
                   </a:extLst>
                 </a:gridCol>
                 <a:gridCol w="501772">
                   <a:extLst>
                     <a:ext uri="{9D8B030D-6E8A-4147-A177-3AD203B41FA5}">
-                      <a16:colId xmlns="" xmlns:a16="http://schemas.microsoft.com/office/drawing/2014/main" val="3678966610"/>
+                      <a16:colId xmlns:a16="http://schemas.microsoft.com/office/drawing/2014/main" xmlns="" val="3678966610"/>
                     </a:ext>
                   </a:extLst>
                 </a:gridCol>
                 <a:gridCol w="501772">
                   <a:extLst>
                     <a:ext uri="{9D8B030D-6E8A-4147-A177-3AD203B41FA5}">
-                      <a16:colId xmlns="" xmlns:a16="http://schemas.microsoft.com/office/drawing/2014/main" val="20007"/>
+                      <a16:colId xmlns:a16="http://schemas.microsoft.com/office/drawing/2014/main" xmlns="" val="20007"/>
                     </a:ext>
                   </a:extLst>
                 </a:gridCol>
                 <a:gridCol w="501772">
                   <a:extLst>
                     <a:ext uri="{9D8B030D-6E8A-4147-A177-3AD203B41FA5}">
-                      <a16:colId xmlns="" xmlns:a16="http://schemas.microsoft.com/office/drawing/2014/main" val="20008"/>
+                      <a16:colId xmlns:a16="http://schemas.microsoft.com/office/drawing/2014/main" xmlns="" val="20008"/>
                     </a:ext>
                   </a:extLst>
                 </a:gridCol>
                 <a:gridCol w="501772">
                   <a:extLst>
                     <a:ext uri="{9D8B030D-6E8A-4147-A177-3AD203B41FA5}">
-                      <a16:colId xmlns="" xmlns:a16="http://schemas.microsoft.com/office/drawing/2014/main" val="3609824002"/>
+                      <a16:colId xmlns:a16="http://schemas.microsoft.com/office/drawing/2014/main" xmlns="" val="3609824002"/>
                     </a:ext>
                   </a:extLst>
                 </a:gridCol>
                 <a:gridCol w="501772">
                   <a:extLst>
                     <a:ext uri="{9D8B030D-6E8A-4147-A177-3AD203B41FA5}">
-                      <a16:colId xmlns="" xmlns:a16="http://schemas.microsoft.com/office/drawing/2014/main" val="1419103565"/>
+                      <a16:colId xmlns:a16="http://schemas.microsoft.com/office/drawing/2014/main" xmlns="" val="1419103565"/>
                     </a:ext>
                   </a:extLst>
                 </a:gridCol>
                 <a:gridCol w="501772">
                   <a:extLst>
                     <a:ext uri="{9D8B030D-6E8A-4147-A177-3AD203B41FA5}">
-                      <a16:colId xmlns="" xmlns:a16="http://schemas.microsoft.com/office/drawing/2014/main" val="2051610090"/>
+                      <a16:colId xmlns:a16="http://schemas.microsoft.com/office/drawing/2014/main" xmlns="" val="2051610090"/>
                     </a:ext>
                   </a:extLst>
                 </a:gridCol>
                 <a:gridCol w="501772">
                   <a:extLst>
                     <a:ext uri="{9D8B030D-6E8A-4147-A177-3AD203B41FA5}">
-                      <a16:colId xmlns="" xmlns:a16="http://schemas.microsoft.com/office/drawing/2014/main" val="29243554"/>
+                      <a16:colId xmlns:a16="http://schemas.microsoft.com/office/drawing/2014/main" xmlns="" val="29243554"/>
                     </a:ext>
                   </a:extLst>
                 </a:gridCol>
                 <a:gridCol w="501772">
                   <a:extLst>
                     <a:ext uri="{9D8B030D-6E8A-4147-A177-3AD203B41FA5}">
-                      <a16:colId xmlns="" xmlns:a16="http://schemas.microsoft.com/office/drawing/2014/main" val="1436252718"/>
+                      <a16:colId xmlns:a16="http://schemas.microsoft.com/office/drawing/2014/main" xmlns="" val="1436252718"/>
                     </a:ext>
                   </a:extLst>
                 </a:gridCol>
                 <a:gridCol w="501772">
                   <a:extLst>
                     <a:ext uri="{9D8B030D-6E8A-4147-A177-3AD203B41FA5}">
-                      <a16:colId xmlns="" xmlns:a16="http://schemas.microsoft.com/office/drawing/2014/main" val="963690119"/>
+                      <a16:colId xmlns:a16="http://schemas.microsoft.com/office/drawing/2014/main" xmlns="" val="963690119"/>
                     </a:ext>
                   </a:extLst>
                 </a:gridCol>
                 <a:gridCol w="501772">
                   <a:extLst>
                     <a:ext uri="{9D8B030D-6E8A-4147-A177-3AD203B41FA5}">
-                      <a16:colId xmlns="" xmlns:a16="http://schemas.microsoft.com/office/drawing/2014/main" val="2227699668"/>
+                      <a16:colId xmlns:a16="http://schemas.microsoft.com/office/drawing/2014/main" xmlns="" val="2227699668"/>
                     </a:ext>
                   </a:extLst>
                 </a:gridCol>
                 <a:gridCol w="501772">
                   <a:extLst>
                     <a:ext uri="{9D8B030D-6E8A-4147-A177-3AD203B41FA5}">
-                      <a16:colId xmlns="" xmlns:a16="http://schemas.microsoft.com/office/drawing/2014/main" val="1987638318"/>
+                      <a16:colId xmlns:a16="http://schemas.microsoft.com/office/drawing/2014/main" xmlns="" val="1987638318"/>
                     </a:ext>
                   </a:extLst>
                 </a:gridCol>
                 <a:gridCol w="501772">
                   <a:extLst>
                     <a:ext uri="{9D8B030D-6E8A-4147-A177-3AD203B41FA5}">
-                      <a16:colId xmlns="" xmlns:a16="http://schemas.microsoft.com/office/drawing/2014/main" val="1636838614"/>
+                      <a16:colId xmlns:a16="http://schemas.microsoft.com/office/drawing/2014/main" xmlns="" val="1636838614"/>
                     </a:ext>
                   </a:extLst>
                 </a:gridCol>
                 <a:gridCol w="501772">
                   <a:extLst>
                     <a:ext uri="{9D8B030D-6E8A-4147-A177-3AD203B41FA5}">
-                      <a16:colId xmlns="" xmlns:a16="http://schemas.microsoft.com/office/drawing/2014/main" val="1332406281"/>
+                      <a16:colId xmlns:a16="http://schemas.microsoft.com/office/drawing/2014/main" xmlns="" val="1332406281"/>
                     </a:ext>
                   </a:extLst>
                 </a:gridCol>
                 <a:gridCol w="501772">
                   <a:extLst>
                     <a:ext uri="{9D8B030D-6E8A-4147-A177-3AD203B41FA5}">
-                      <a16:colId xmlns="" xmlns:a16="http://schemas.microsoft.com/office/drawing/2014/main" val="20019"/>
+                      <a16:colId xmlns:a16="http://schemas.microsoft.com/office/drawing/2014/main" xmlns="" val="20019"/>
                     </a:ext>
                   </a:extLst>
                 </a:gridCol>
@@ -14296,7 +14333,7 @@
                 </a:tc>
                 <a:extLst>
                   <a:ext uri="{0D108BD9-81ED-4DB2-BD59-A6C34878D82A}">
-                    <a16:rowId xmlns="" xmlns:a16="http://schemas.microsoft.com/office/drawing/2014/main" val="4157930470"/>
+                    <a16:rowId xmlns:a16="http://schemas.microsoft.com/office/drawing/2014/main" xmlns="" val="4157930470"/>
                   </a:ext>
                 </a:extLst>
               </a:tr>
@@ -14829,7 +14866,7 @@
                 </a:tc>
                 <a:extLst>
                   <a:ext uri="{0D108BD9-81ED-4DB2-BD59-A6C34878D82A}">
-                    <a16:rowId xmlns="" xmlns:a16="http://schemas.microsoft.com/office/drawing/2014/main" val="10000"/>
+                    <a16:rowId xmlns:a16="http://schemas.microsoft.com/office/drawing/2014/main" xmlns="" val="10000"/>
                   </a:ext>
                 </a:extLst>
               </a:tr>
@@ -15131,7 +15168,7 @@
                 </a:tc>
                 <a:extLst>
                   <a:ext uri="{0D108BD9-81ED-4DB2-BD59-A6C34878D82A}">
-                    <a16:rowId xmlns="" xmlns:a16="http://schemas.microsoft.com/office/drawing/2014/main" val="10005"/>
+                    <a16:rowId xmlns:a16="http://schemas.microsoft.com/office/drawing/2014/main" xmlns="" val="10005"/>
                   </a:ext>
                 </a:extLst>
               </a:tr>
@@ -15668,7 +15705,7 @@
                 </a:tc>
                 <a:extLst>
                   <a:ext uri="{0D108BD9-81ED-4DB2-BD59-A6C34878D82A}">
-                    <a16:rowId xmlns="" xmlns:a16="http://schemas.microsoft.com/office/drawing/2014/main" val="10002"/>
+                    <a16:rowId xmlns:a16="http://schemas.microsoft.com/office/drawing/2014/main" xmlns="" val="10002"/>
                   </a:ext>
                 </a:extLst>
               </a:tr>
@@ -16205,7 +16242,7 @@
                 </a:tc>
                 <a:extLst>
                   <a:ext uri="{0D108BD9-81ED-4DB2-BD59-A6C34878D82A}">
-                    <a16:rowId xmlns="" xmlns:a16="http://schemas.microsoft.com/office/drawing/2014/main" val="10003"/>
+                    <a16:rowId xmlns:a16="http://schemas.microsoft.com/office/drawing/2014/main" xmlns="" val="10003"/>
                   </a:ext>
                 </a:extLst>
               </a:tr>
@@ -16742,7 +16779,7 @@
                 </a:tc>
                 <a:extLst>
                   <a:ext uri="{0D108BD9-81ED-4DB2-BD59-A6C34878D82A}">
-                    <a16:rowId xmlns="" xmlns:a16="http://schemas.microsoft.com/office/drawing/2014/main" val="10004"/>
+                    <a16:rowId xmlns:a16="http://schemas.microsoft.com/office/drawing/2014/main" xmlns="" val="10004"/>
                   </a:ext>
                 </a:extLst>
               </a:tr>
@@ -17279,7 +17316,7 @@
                 </a:tc>
                 <a:extLst>
                   <a:ext uri="{0D108BD9-81ED-4DB2-BD59-A6C34878D82A}">
-                    <a16:rowId xmlns="" xmlns:a16="http://schemas.microsoft.com/office/drawing/2014/main" val="10007"/>
+                    <a16:rowId xmlns:a16="http://schemas.microsoft.com/office/drawing/2014/main" xmlns="" val="10007"/>
                   </a:ext>
                 </a:extLst>
               </a:tr>
@@ -17816,7 +17853,7 @@
                 </a:tc>
                 <a:extLst>
                   <a:ext uri="{0D108BD9-81ED-4DB2-BD59-A6C34878D82A}">
-                    <a16:rowId xmlns="" xmlns:a16="http://schemas.microsoft.com/office/drawing/2014/main" val="10008"/>
+                    <a16:rowId xmlns:a16="http://schemas.microsoft.com/office/drawing/2014/main" xmlns="" val="10008"/>
                   </a:ext>
                 </a:extLst>
               </a:tr>
@@ -18353,7 +18390,7 @@
                 </a:tc>
                 <a:extLst>
                   <a:ext uri="{0D108BD9-81ED-4DB2-BD59-A6C34878D82A}">
-                    <a16:rowId xmlns="" xmlns:a16="http://schemas.microsoft.com/office/drawing/2014/main" val="10009"/>
+                    <a16:rowId xmlns:a16="http://schemas.microsoft.com/office/drawing/2014/main" xmlns="" val="10009"/>
                   </a:ext>
                 </a:extLst>
               </a:tr>
@@ -18900,7 +18937,7 @@
                 </a:tc>
                 <a:extLst>
                   <a:ext uri="{0D108BD9-81ED-4DB2-BD59-A6C34878D82A}">
-                    <a16:rowId xmlns="" xmlns:a16="http://schemas.microsoft.com/office/drawing/2014/main" val="2234251665"/>
+                    <a16:rowId xmlns:a16="http://schemas.microsoft.com/office/drawing/2014/main" xmlns="" val="2234251665"/>
                   </a:ext>
                 </a:extLst>
               </a:tr>
@@ -19426,7 +19463,7 @@
                 </a:tc>
                 <a:extLst>
                   <a:ext uri="{0D108BD9-81ED-4DB2-BD59-A6C34878D82A}">
-                    <a16:rowId xmlns="" xmlns:a16="http://schemas.microsoft.com/office/drawing/2014/main" val="2106796917"/>
+                    <a16:rowId xmlns:a16="http://schemas.microsoft.com/office/drawing/2014/main" xmlns="" val="2106796917"/>
                   </a:ext>
                 </a:extLst>
               </a:tr>
@@ -19968,7 +20005,7 @@
                 </a:tc>
                 <a:extLst>
                   <a:ext uri="{0D108BD9-81ED-4DB2-BD59-A6C34878D82A}">
-                    <a16:rowId xmlns="" xmlns:a16="http://schemas.microsoft.com/office/drawing/2014/main" val="3710798345"/>
+                    <a16:rowId xmlns:a16="http://schemas.microsoft.com/office/drawing/2014/main" xmlns="" val="3710798345"/>
                   </a:ext>
                 </a:extLst>
               </a:tr>
@@ -20494,7 +20531,7 @@
                 </a:tc>
                 <a:extLst>
                   <a:ext uri="{0D108BD9-81ED-4DB2-BD59-A6C34878D82A}">
-                    <a16:rowId xmlns="" xmlns:a16="http://schemas.microsoft.com/office/drawing/2014/main" val="2533665971"/>
+                    <a16:rowId xmlns:a16="http://schemas.microsoft.com/office/drawing/2014/main" xmlns="" val="2533665971"/>
                   </a:ext>
                 </a:extLst>
               </a:tr>
@@ -20606,281 +20643,6 @@
                           </a:solidFill>
                         </a:rPr>
                         <a:t>○</a:t>
-                      </a:r>
-                      <a:endParaRPr lang="zh-TW" altLang="en-US" sz="1200" b="0" dirty="0">
-                        <a:solidFill>
-                          <a:schemeClr val="tx1"/>
-                        </a:solidFill>
-                        <a:latin typeface="微軟正黑體" panose="020B0604030504040204" pitchFamily="34" charset="-120"/>
-                        <a:ea typeface="微軟正黑體" panose="020B0604030504040204" pitchFamily="34" charset="-120"/>
-                      </a:endParaRPr>
-                    </a:p>
-                  </a:txBody>
-                  <a:tcPr marL="9525" marR="9525" marT="9525" marB="0" anchor="ctr"/>
-                </a:tc>
-                <a:tc>
-                  <a:txBody>
-                    <a:bodyPr/>
-                    <a:lstStyle/>
-                    <a:p>
-                      <a:pPr algn="ctr"/>
-                      <a:r>
-                        <a:rPr lang="zh-TW" altLang="en-US" sz="1200" b="0" kern="0" dirty="0" smtClean="0">
-                          <a:solidFill>
-                            <a:schemeClr val="tx1"/>
-                          </a:solidFill>
-                        </a:rPr>
-                        <a:t>◎</a:t>
-                      </a:r>
-                      <a:endParaRPr lang="zh-TW" altLang="en-US" sz="1200" b="0" dirty="0">
-                        <a:solidFill>
-                          <a:schemeClr val="tx1"/>
-                        </a:solidFill>
-                        <a:latin typeface="微軟正黑體" panose="020B0604030504040204" pitchFamily="34" charset="-120"/>
-                        <a:ea typeface="微軟正黑體" panose="020B0604030504040204" pitchFamily="34" charset="-120"/>
-                      </a:endParaRPr>
-                    </a:p>
-                  </a:txBody>
-                  <a:tcPr marL="9525" marR="9525" marT="9525" marB="0" anchor="ctr"/>
-                </a:tc>
-                <a:tc>
-                  <a:txBody>
-                    <a:bodyPr/>
-                    <a:lstStyle/>
-                    <a:p>
-                      <a:pPr algn="ctr"/>
-                      <a:r>
-                        <a:rPr lang="en-US" altLang="zh-TW" sz="1200" b="0" kern="0" dirty="0">
-                          <a:solidFill>
-                            <a:schemeClr val="tx1"/>
-                          </a:solidFill>
-                        </a:rPr>
-                        <a:t>●</a:t>
-                      </a:r>
-                      <a:endParaRPr lang="zh-TW" altLang="en-US" sz="1200" b="0" dirty="0">
-                        <a:solidFill>
-                          <a:schemeClr val="tx1"/>
-                        </a:solidFill>
-                        <a:latin typeface="微軟正黑體" panose="020B0604030504040204" pitchFamily="34" charset="-120"/>
-                        <a:ea typeface="微軟正黑體" panose="020B0604030504040204" pitchFamily="34" charset="-120"/>
-                      </a:endParaRPr>
-                    </a:p>
-                  </a:txBody>
-                  <a:tcPr marL="9525" marR="9525" marT="9525" marB="0" anchor="ctr"/>
-                </a:tc>
-                <a:tc>
-                  <a:txBody>
-                    <a:bodyPr/>
-                    <a:lstStyle/>
-                    <a:p>
-                      <a:pPr algn="ctr"/>
-                      <a:r>
-                        <a:rPr lang="zh-TW" altLang="en-US" sz="1200" b="0" kern="0" dirty="0" smtClean="0">
-                          <a:solidFill>
-                            <a:schemeClr val="tx1"/>
-                          </a:solidFill>
-                        </a:rPr>
-                        <a:t>◎</a:t>
-                      </a:r>
-                      <a:endParaRPr lang="zh-TW" altLang="en-US" sz="1200" b="0" dirty="0">
-                        <a:solidFill>
-                          <a:schemeClr val="tx1"/>
-                        </a:solidFill>
-                        <a:latin typeface="微軟正黑體" panose="020B0604030504040204" pitchFamily="34" charset="-120"/>
-                        <a:ea typeface="微軟正黑體" panose="020B0604030504040204" pitchFamily="34" charset="-120"/>
-                      </a:endParaRPr>
-                    </a:p>
-                  </a:txBody>
-                  <a:tcPr marL="9525" marR="9525" marT="9525" marB="0" anchor="ctr"/>
-                </a:tc>
-                <a:tc>
-                  <a:txBody>
-                    <a:bodyPr/>
-                    <a:lstStyle/>
-                    <a:p>
-                      <a:pPr algn="ctr"/>
-                      <a:r>
-                        <a:rPr lang="zh-TW" altLang="en-US" sz="1200" b="0" kern="0" dirty="0">
-                          <a:solidFill>
-                            <a:schemeClr val="tx1"/>
-                          </a:solidFill>
-                        </a:rPr>
-                        <a:t>○</a:t>
-                      </a:r>
-                      <a:endParaRPr lang="zh-TW" altLang="en-US" sz="1200" b="0" dirty="0">
-                        <a:solidFill>
-                          <a:schemeClr val="tx1"/>
-                        </a:solidFill>
-                        <a:latin typeface="微軟正黑體" panose="020B0604030504040204" pitchFamily="34" charset="-120"/>
-                        <a:ea typeface="微軟正黑體" panose="020B0604030504040204" pitchFamily="34" charset="-120"/>
-                      </a:endParaRPr>
-                    </a:p>
-                  </a:txBody>
-                  <a:tcPr marL="9525" marR="9525" marT="9525" marB="0" anchor="ctr"/>
-                </a:tc>
-                <a:tc>
-                  <a:txBody>
-                    <a:bodyPr/>
-                    <a:lstStyle/>
-                    <a:p>
-                      <a:pPr algn="ctr"/>
-                      <a:r>
-                        <a:rPr lang="en-US" altLang="zh-TW" sz="1200" b="0" kern="0" dirty="0">
-                          <a:solidFill>
-                            <a:schemeClr val="tx1"/>
-                          </a:solidFill>
-                        </a:rPr>
-                        <a:t>●</a:t>
-                      </a:r>
-                      <a:endParaRPr lang="zh-TW" altLang="en-US" sz="1200" b="0" dirty="0">
-                        <a:solidFill>
-                          <a:schemeClr val="tx1"/>
-                        </a:solidFill>
-                        <a:latin typeface="微軟正黑體" panose="020B0604030504040204" pitchFamily="34" charset="-120"/>
-                        <a:ea typeface="微軟正黑體" panose="020B0604030504040204" pitchFamily="34" charset="-120"/>
-                      </a:endParaRPr>
-                    </a:p>
-                  </a:txBody>
-                  <a:tcPr marL="9525" marR="9525" marT="9525" marB="0" anchor="ctr"/>
-                </a:tc>
-                <a:tc>
-                  <a:txBody>
-                    <a:bodyPr/>
-                    <a:lstStyle/>
-                    <a:p>
-                      <a:pPr algn="ctr"/>
-                      <a:r>
-                        <a:rPr lang="en-US" altLang="zh-TW" sz="1200" b="0" kern="0" dirty="0">
-                          <a:solidFill>
-                            <a:schemeClr val="tx1"/>
-                          </a:solidFill>
-                        </a:rPr>
-                        <a:t>●</a:t>
-                      </a:r>
-                      <a:endParaRPr lang="zh-TW" altLang="en-US" sz="1200" b="0" dirty="0">
-                        <a:solidFill>
-                          <a:schemeClr val="tx1"/>
-                        </a:solidFill>
-                        <a:latin typeface="微軟正黑體" panose="020B0604030504040204" pitchFamily="34" charset="-120"/>
-                        <a:ea typeface="微軟正黑體" panose="020B0604030504040204" pitchFamily="34" charset="-120"/>
-                      </a:endParaRPr>
-                    </a:p>
-                  </a:txBody>
-                  <a:tcPr marL="9525" marR="9525" marT="9525" marB="0" anchor="ctr"/>
-                </a:tc>
-                <a:tc>
-                  <a:txBody>
-                    <a:bodyPr/>
-                    <a:lstStyle/>
-                    <a:p>
-                      <a:pPr algn="ctr"/>
-                      <a:r>
-                        <a:rPr lang="en-US" altLang="zh-TW" sz="1200" b="0" kern="0" dirty="0">
-                          <a:solidFill>
-                            <a:schemeClr val="tx1"/>
-                          </a:solidFill>
-                        </a:rPr>
-                        <a:t>●</a:t>
-                      </a:r>
-                      <a:endParaRPr lang="zh-TW" altLang="en-US" sz="1200" b="0" dirty="0">
-                        <a:solidFill>
-                          <a:schemeClr val="tx1"/>
-                        </a:solidFill>
-                        <a:latin typeface="微軟正黑體" panose="020B0604030504040204" pitchFamily="34" charset="-120"/>
-                        <a:ea typeface="微軟正黑體" panose="020B0604030504040204" pitchFamily="34" charset="-120"/>
-                      </a:endParaRPr>
-                    </a:p>
-                  </a:txBody>
-                  <a:tcPr marL="9525" marR="9525" marT="9525" marB="0" anchor="ctr"/>
-                </a:tc>
-                <a:tc>
-                  <a:txBody>
-                    <a:bodyPr/>
-                    <a:lstStyle/>
-                    <a:p>
-                      <a:pPr algn="ctr"/>
-                      <a:r>
-                        <a:rPr lang="en-US" altLang="zh-TW" sz="1200" b="0" kern="0" dirty="0">
-                          <a:solidFill>
-                            <a:schemeClr val="tx1"/>
-                          </a:solidFill>
-                        </a:rPr>
-                        <a:t>●</a:t>
-                      </a:r>
-                      <a:endParaRPr lang="zh-TW" altLang="en-US" sz="1200" b="0" dirty="0">
-                        <a:solidFill>
-                          <a:schemeClr val="tx1"/>
-                        </a:solidFill>
-                        <a:latin typeface="微軟正黑體" panose="020B0604030504040204" pitchFamily="34" charset="-120"/>
-                        <a:ea typeface="微軟正黑體" panose="020B0604030504040204" pitchFamily="34" charset="-120"/>
-                      </a:endParaRPr>
-                    </a:p>
-                  </a:txBody>
-                  <a:tcPr marL="9525" marR="9525" marT="9525" marB="0" anchor="ctr"/>
-                </a:tc>
-                <a:tc>
-                  <a:txBody>
-                    <a:bodyPr/>
-                    <a:lstStyle/>
-                    <a:p>
-                      <a:pPr algn="ctr"/>
-                      <a:r>
-                        <a:rPr lang="en-US" altLang="zh-TW" sz="1200" b="0" kern="0" dirty="0">
-                          <a:solidFill>
-                            <a:schemeClr val="tx1"/>
-                          </a:solidFill>
-                        </a:rPr>
-                        <a:t>●</a:t>
-                      </a:r>
-                      <a:endParaRPr lang="zh-TW" altLang="en-US" sz="1200" b="0" dirty="0">
-                        <a:solidFill>
-                          <a:schemeClr val="tx1"/>
-                        </a:solidFill>
-                        <a:latin typeface="微軟正黑體" panose="020B0604030504040204" pitchFamily="34" charset="-120"/>
-                        <a:ea typeface="微軟正黑體" panose="020B0604030504040204" pitchFamily="34" charset="-120"/>
-                      </a:endParaRPr>
-                    </a:p>
-                  </a:txBody>
-                  <a:tcPr marL="9525" marR="9525" marT="9525" marB="0" anchor="ctr"/>
-                </a:tc>
-                <a:tc>
-                  <a:txBody>
-                    <a:bodyPr/>
-                    <a:lstStyle/>
-                    <a:p>
-                      <a:pPr algn="ctr"/>
-                      <a:r>
-                        <a:rPr lang="zh-TW" altLang="en-US" sz="1200" b="0" kern="0" dirty="0">
-                          <a:solidFill>
-                            <a:schemeClr val="tx1"/>
-                          </a:solidFill>
-                        </a:rPr>
-                        <a:t>○</a:t>
-                      </a:r>
-                      <a:endParaRPr lang="zh-TW" altLang="en-US" sz="1200" b="0" dirty="0">
-                        <a:solidFill>
-                          <a:schemeClr val="tx1"/>
-                        </a:solidFill>
-                        <a:latin typeface="微軟正黑體" panose="020B0604030504040204" pitchFamily="34" charset="-120"/>
-                        <a:ea typeface="微軟正黑體" panose="020B0604030504040204" pitchFamily="34" charset="-120"/>
-                      </a:endParaRPr>
-                    </a:p>
-                  </a:txBody>
-                  <a:tcPr marL="9525" marR="9525" marT="9525" marB="0" anchor="ctr"/>
-                </a:tc>
-                <a:tc>
-                  <a:txBody>
-                    <a:bodyPr/>
-                    <a:lstStyle/>
-                    <a:p>
-                      <a:pPr algn="ctr"/>
-                      <a:r>
-                        <a:rPr lang="en-US" altLang="zh-TW" sz="1200" b="0" kern="0" dirty="0">
-                          <a:solidFill>
-                            <a:schemeClr val="tx1"/>
-                          </a:solidFill>
-                        </a:rPr>
-                        <a:t>●</a:t>
                       </a:r>
                       <a:endParaRPr lang="zh-TW" altLang="en-US" sz="1200" b="0" dirty="0">
                         <a:solidFill>
@@ -20916,183 +20678,17 @@
                         <a:defRPr/>
                       </a:pPr>
                       <a:r>
-                        <a:rPr lang="zh-TW" altLang="en-US" sz="1200" b="0" dirty="0">
-                          <a:solidFill>
-                            <a:schemeClr val="tx1"/>
-                          </a:solidFill>
-                        </a:rPr>
-                        <a:t>─</a:t>
-                      </a:r>
-                    </a:p>
-                  </a:txBody>
-                  <a:tcPr marL="9525" marR="9525" marT="9525" marB="0" anchor="ctr"/>
-                </a:tc>
-                <a:tc>
-                  <a:txBody>
-                    <a:bodyPr/>
-                    <a:lstStyle/>
-                    <a:p>
-                      <a:pPr algn="ctr"/>
-                      <a:r>
-                        <a:rPr lang="zh-TW" altLang="en-US" sz="1200" b="0" kern="0" dirty="0" smtClean="0">
-                          <a:solidFill>
-                            <a:schemeClr val="tx1"/>
-                          </a:solidFill>
-                        </a:rPr>
-                        <a:t>◎</a:t>
-                      </a:r>
-                      <a:endParaRPr lang="zh-TW" altLang="en-US" sz="1200" b="0" dirty="0">
-                        <a:solidFill>
-                          <a:schemeClr val="tx1"/>
-                        </a:solidFill>
-                        <a:latin typeface="微軟正黑體" panose="020B0604030504040204" pitchFamily="34" charset="-120"/>
-                        <a:ea typeface="微軟正黑體" panose="020B0604030504040204" pitchFamily="34" charset="-120"/>
-                      </a:endParaRPr>
-                    </a:p>
-                  </a:txBody>
-                  <a:tcPr marL="9525" marR="9525" marT="9525" marB="0" anchor="ctr"/>
-                </a:tc>
-                <a:tc>
-                  <a:txBody>
-                    <a:bodyPr/>
-                    <a:lstStyle/>
-                    <a:p>
-                      <a:pPr algn="ctr"/>
-                      <a:r>
-                        <a:rPr lang="zh-TW" altLang="en-US" sz="1200" b="0" kern="0" dirty="0">
-                          <a:solidFill>
-                            <a:schemeClr val="tx1"/>
-                          </a:solidFill>
-                        </a:rPr>
-                        <a:t>○</a:t>
-                      </a:r>
-                      <a:endParaRPr lang="zh-TW" altLang="en-US" sz="1200" b="0" dirty="0">
-                        <a:solidFill>
-                          <a:schemeClr val="tx1"/>
-                        </a:solidFill>
-                        <a:latin typeface="微軟正黑體" panose="020B0604030504040204" pitchFamily="34" charset="-120"/>
-                        <a:ea typeface="微軟正黑體" panose="020B0604030504040204" pitchFamily="34" charset="-120"/>
-                      </a:endParaRPr>
-                    </a:p>
-                  </a:txBody>
-                  <a:tcPr marL="9525" marR="9525" marT="9525" marB="0" anchor="ctr"/>
-                </a:tc>
-                <a:tc>
-                  <a:txBody>
-                    <a:bodyPr/>
-                    <a:lstStyle/>
-                    <a:p>
-                      <a:pPr algn="ctr"/>
-                      <a:r>
-                        <a:rPr lang="zh-TW" altLang="en-US" sz="1200" b="0" kern="0" dirty="0" smtClean="0">
-                          <a:solidFill>
-                            <a:schemeClr val="tx1"/>
-                          </a:solidFill>
-                        </a:rPr>
-                        <a:t>◎</a:t>
-                      </a:r>
-                      <a:endParaRPr lang="zh-TW" altLang="en-US" sz="1200" b="0" dirty="0">
-                        <a:solidFill>
-                          <a:schemeClr val="tx1"/>
-                        </a:solidFill>
-                        <a:latin typeface="微軟正黑體" panose="020B0604030504040204" pitchFamily="34" charset="-120"/>
-                        <a:ea typeface="微軟正黑體" panose="020B0604030504040204" pitchFamily="34" charset="-120"/>
-                      </a:endParaRPr>
-                    </a:p>
-                  </a:txBody>
-                  <a:tcPr marL="9525" marR="9525" marT="9525" marB="0" anchor="ctr"/>
-                </a:tc>
-                <a:extLst>
-                  <a:ext uri="{0D108BD9-81ED-4DB2-BD59-A6C34878D82A}">
-                    <a16:rowId xmlns="" xmlns:a16="http://schemas.microsoft.com/office/drawing/2014/main" val="10010"/>
-                  </a:ext>
-                </a:extLst>
-              </a:tr>
-              <a:tr h="378604">
-                <a:tc>
-                  <a:txBody>
-                    <a:bodyPr/>
-                    <a:lstStyle/>
-                    <a:p>
-                      <a:pPr algn="ctr" rtl="0" fontAlgn="b"/>
-                      <a:r>
-                        <a:rPr lang="zh-TW" altLang="en-US" sz="1200" b="1" i="0" u="none" strike="noStrike" dirty="0">
-                          <a:solidFill>
-                            <a:schemeClr val="bg1"/>
-                          </a:solidFill>
-                          <a:effectLst/>
-                          <a:latin typeface="微軟正黑體" panose="020B0604030504040204" pitchFamily="34" charset="-120"/>
-                          <a:ea typeface="微軟正黑體" panose="020B0604030504040204" pitchFamily="34" charset="-120"/>
-                        </a:rPr>
-                        <a:t>觀光局</a:t>
-                      </a:r>
-                      <a:endParaRPr lang="en-US" altLang="zh-TW" sz="1200" b="1" i="0" u="none" strike="noStrike" dirty="0">
-                        <a:solidFill>
-                          <a:schemeClr val="bg1"/>
-                        </a:solidFill>
-                        <a:effectLst/>
-                        <a:latin typeface="微軟正黑體" panose="020B0604030504040204" pitchFamily="34" charset="-120"/>
-                        <a:ea typeface="微軟正黑體" panose="020B0604030504040204" pitchFamily="34" charset="-120"/>
-                      </a:endParaRPr>
-                    </a:p>
-                    <a:p>
-                      <a:pPr algn="ctr" rtl="0" fontAlgn="b"/>
-                      <a:r>
-                        <a:rPr lang="en-US" altLang="zh-TW" sz="1200" b="1" i="0" u="none" strike="noStrike" dirty="0">
-                          <a:solidFill>
-                            <a:schemeClr val="bg1"/>
-                          </a:solidFill>
-                          <a:effectLst/>
-                          <a:latin typeface="微軟正黑體" panose="020B0604030504040204" pitchFamily="34" charset="-120"/>
-                          <a:ea typeface="微軟正黑體" panose="020B0604030504040204" pitchFamily="34" charset="-120"/>
-                        </a:rPr>
-                        <a:t>(</a:t>
-                      </a:r>
-                      <a:r>
-                        <a:rPr lang="zh-TW" altLang="en-US" sz="1200" b="1" i="0" u="none" strike="noStrike" dirty="0">
-                          <a:solidFill>
-                            <a:schemeClr val="bg1"/>
-                          </a:solidFill>
-                          <a:effectLst/>
-                          <a:latin typeface="微軟正黑體" panose="020B0604030504040204" pitchFamily="34" charset="-120"/>
-                          <a:ea typeface="微軟正黑體" panose="020B0604030504040204" pitchFamily="34" charset="-120"/>
-                        </a:rPr>
-                        <a:t>台灣好行</a:t>
-                      </a:r>
-                      <a:r>
-                        <a:rPr lang="en-US" altLang="zh-TW" sz="1200" b="1" i="0" u="none" strike="noStrike" dirty="0">
-                          <a:solidFill>
-                            <a:schemeClr val="bg1"/>
-                          </a:solidFill>
-                          <a:effectLst/>
-                          <a:latin typeface="微軟正黑體" panose="020B0604030504040204" pitchFamily="34" charset="-120"/>
-                          <a:ea typeface="微軟正黑體" panose="020B0604030504040204" pitchFamily="34" charset="-120"/>
-                        </a:rPr>
-                        <a:t>)</a:t>
-                      </a:r>
-                      <a:endParaRPr lang="zh-TW" altLang="en-US" sz="1200" b="1" i="0" u="none" strike="noStrike" dirty="0">
-                        <a:solidFill>
-                          <a:schemeClr val="bg1"/>
-                        </a:solidFill>
-                        <a:effectLst/>
-                        <a:latin typeface="微軟正黑體" panose="020B0604030504040204" pitchFamily="34" charset="-120"/>
-                        <a:ea typeface="微軟正黑體" panose="020B0604030504040204" pitchFamily="34" charset="-120"/>
-                      </a:endParaRPr>
-                    </a:p>
-                  </a:txBody>
-                  <a:tcPr marL="9525" marR="9525" marT="9525" marB="0" anchor="ctr"/>
-                </a:tc>
-                <a:tc>
-                  <a:txBody>
-                    <a:bodyPr/>
-                    <a:lstStyle/>
-                    <a:p>
-                      <a:pPr algn="ctr"/>
-                      <a:r>
-                        <a:rPr lang="en-US" altLang="zh-TW" sz="1200" kern="0" dirty="0"/>
-                        <a:t>●</a:t>
-                      </a:r>
-                      <a:endParaRPr lang="zh-TW" altLang="en-US" sz="1200" dirty="0">
+                        <a:rPr lang="en-US" altLang="zh-TW" sz="1200" b="0" kern="0" dirty="0" smtClean="0">
+                          <a:solidFill>
+                            <a:srgbClr val="C00000"/>
+                          </a:solidFill>
+                        </a:rPr>
+                        <a:t>●</a:t>
+                      </a:r>
+                      <a:endParaRPr lang="zh-TW" altLang="en-US" sz="1200" b="0" dirty="0">
+                        <a:solidFill>
+                          <a:srgbClr val="C00000"/>
+                        </a:solidFill>
                         <a:latin typeface="微軟正黑體" panose="020B0604030504040204" pitchFamily="34" charset="-120"/>
                         <a:ea typeface="微軟正黑體" panose="020B0604030504040204" pitchFamily="34" charset="-120"/>
                       </a:endParaRPr>
@@ -21130,57 +20726,7 @@
                     <a:bodyPr/>
                     <a:lstStyle/>
                     <a:p>
-                      <a:pPr algn="ctr"/>
-                      <a:r>
-                        <a:rPr lang="en-US" altLang="zh-TW" sz="1200" b="0" kern="0" dirty="0">
-                          <a:solidFill>
-                            <a:schemeClr val="tx1"/>
-                          </a:solidFill>
-                        </a:rPr>
-                        <a:t>●</a:t>
-                      </a:r>
-                      <a:endParaRPr lang="zh-TW" altLang="en-US" sz="1200" b="0" dirty="0">
-                        <a:solidFill>
-                          <a:schemeClr val="tx1"/>
-                        </a:solidFill>
-                        <a:latin typeface="微軟正黑體" panose="020B0604030504040204" pitchFamily="34" charset="-120"/>
-                        <a:ea typeface="微軟正黑體" panose="020B0604030504040204" pitchFamily="34" charset="-120"/>
-                      </a:endParaRPr>
-                    </a:p>
-                  </a:txBody>
-                  <a:tcPr marL="9525" marR="9525" marT="9525" marB="0" anchor="ctr"/>
-                </a:tc>
-                <a:tc>
-                  <a:txBody>
-                    <a:bodyPr/>
-                    <a:lstStyle/>
-                    <a:p>
-                      <a:pPr algn="ctr"/>
-                      <a:r>
-                        <a:rPr lang="zh-TW" altLang="en-US" sz="1200" b="0" kern="0" dirty="0">
-                          <a:solidFill>
-                            <a:schemeClr val="tx1"/>
-                          </a:solidFill>
-                        </a:rPr>
-                        <a:t>○</a:t>
-                      </a:r>
-                      <a:endParaRPr lang="zh-TW" altLang="en-US" sz="1200" b="0" dirty="0">
-                        <a:solidFill>
-                          <a:schemeClr val="tx1"/>
-                        </a:solidFill>
-                        <a:latin typeface="微軟正黑體" panose="020B0604030504040204" pitchFamily="34" charset="-120"/>
-                        <a:ea typeface="微軟正黑體" panose="020B0604030504040204" pitchFamily="34" charset="-120"/>
-                      </a:endParaRPr>
-                    </a:p>
-                  </a:txBody>
-                  <a:tcPr marL="9525" marR="9525" marT="9525" marB="0" anchor="ctr"/>
-                </a:tc>
-                <a:tc>
-                  <a:txBody>
-                    <a:bodyPr/>
-                    <a:lstStyle/>
-                    <a:p>
-                      <a:pPr marL="0" marR="0" indent="0" algn="ctr" defTabSz="914400" rtl="0" eaLnBrk="1" fontAlgn="auto" latinLnBrk="0" hangingPunct="1">
+                      <a:pPr marL="0" marR="0" lvl="0" indent="0" algn="ctr" defTabSz="914400" rtl="0" eaLnBrk="1" fontAlgn="auto" latinLnBrk="0" hangingPunct="1">
                         <a:lnSpc>
                           <a:spcPct val="100000"/>
                         </a:lnSpc>
@@ -21198,6 +20744,56 @@
                         <a:defRPr/>
                       </a:pPr>
                       <a:r>
+                        <a:rPr lang="en-US" altLang="zh-TW" sz="1200" b="0" kern="0" dirty="0" smtClean="0">
+                          <a:solidFill>
+                            <a:srgbClr val="C00000"/>
+                          </a:solidFill>
+                        </a:rPr>
+                        <a:t>●</a:t>
+                      </a:r>
+                      <a:endParaRPr lang="zh-TW" altLang="en-US" sz="1200" b="0" dirty="0">
+                        <a:solidFill>
+                          <a:srgbClr val="C00000"/>
+                        </a:solidFill>
+                        <a:latin typeface="微軟正黑體" panose="020B0604030504040204" pitchFamily="34" charset="-120"/>
+                        <a:ea typeface="微軟正黑體" panose="020B0604030504040204" pitchFamily="34" charset="-120"/>
+                      </a:endParaRPr>
+                    </a:p>
+                  </a:txBody>
+                  <a:tcPr marL="9525" marR="9525" marT="9525" marB="0" anchor="ctr"/>
+                </a:tc>
+                <a:tc>
+                  <a:txBody>
+                    <a:bodyPr/>
+                    <a:lstStyle/>
+                    <a:p>
+                      <a:pPr algn="ctr"/>
+                      <a:r>
+                        <a:rPr lang="zh-TW" altLang="en-US" sz="1200" b="0" kern="0" dirty="0">
+                          <a:solidFill>
+                            <a:schemeClr val="tx1"/>
+                          </a:solidFill>
+                        </a:rPr>
+                        <a:t>○</a:t>
+                      </a:r>
+                      <a:endParaRPr lang="zh-TW" altLang="en-US" sz="1200" b="0" dirty="0">
+                        <a:solidFill>
+                          <a:schemeClr val="tx1"/>
+                        </a:solidFill>
+                        <a:latin typeface="微軟正黑體" panose="020B0604030504040204" pitchFamily="34" charset="-120"/>
+                        <a:ea typeface="微軟正黑體" panose="020B0604030504040204" pitchFamily="34" charset="-120"/>
+                      </a:endParaRPr>
+                    </a:p>
+                  </a:txBody>
+                  <a:tcPr marL="9525" marR="9525" marT="9525" marB="0" anchor="ctr"/>
+                </a:tc>
+                <a:tc>
+                  <a:txBody>
+                    <a:bodyPr/>
+                    <a:lstStyle/>
+                    <a:p>
+                      <a:pPr algn="ctr"/>
+                      <a:r>
                         <a:rPr lang="en-US" altLang="zh-TW" sz="1200" b="0" kern="0" dirty="0">
                           <a:solidFill>
                             <a:schemeClr val="tx1"/>
@@ -21248,12 +20844,112 @@
                     <a:p>
                       <a:pPr algn="ctr"/>
                       <a:r>
+                        <a:rPr lang="en-US" altLang="zh-TW" sz="1200" b="0" kern="0" dirty="0">
+                          <a:solidFill>
+                            <a:schemeClr val="tx1"/>
+                          </a:solidFill>
+                        </a:rPr>
+                        <a:t>●</a:t>
+                      </a:r>
+                      <a:endParaRPr lang="zh-TW" altLang="en-US" sz="1200" b="0" dirty="0">
+                        <a:solidFill>
+                          <a:schemeClr val="tx1"/>
+                        </a:solidFill>
+                        <a:latin typeface="微軟正黑體" panose="020B0604030504040204" pitchFamily="34" charset="-120"/>
+                        <a:ea typeface="微軟正黑體" panose="020B0604030504040204" pitchFamily="34" charset="-120"/>
+                      </a:endParaRPr>
+                    </a:p>
+                  </a:txBody>
+                  <a:tcPr marL="9525" marR="9525" marT="9525" marB="0" anchor="ctr"/>
+                </a:tc>
+                <a:tc>
+                  <a:txBody>
+                    <a:bodyPr/>
+                    <a:lstStyle/>
+                    <a:p>
+                      <a:pPr algn="ctr"/>
+                      <a:r>
+                        <a:rPr lang="en-US" altLang="zh-TW" sz="1200" b="0" kern="0" dirty="0">
+                          <a:solidFill>
+                            <a:schemeClr val="tx1"/>
+                          </a:solidFill>
+                        </a:rPr>
+                        <a:t>●</a:t>
+                      </a:r>
+                      <a:endParaRPr lang="zh-TW" altLang="en-US" sz="1200" b="0" dirty="0">
+                        <a:solidFill>
+                          <a:schemeClr val="tx1"/>
+                        </a:solidFill>
+                        <a:latin typeface="微軟正黑體" panose="020B0604030504040204" pitchFamily="34" charset="-120"/>
+                        <a:ea typeface="微軟正黑體" panose="020B0604030504040204" pitchFamily="34" charset="-120"/>
+                      </a:endParaRPr>
+                    </a:p>
+                  </a:txBody>
+                  <a:tcPr marL="9525" marR="9525" marT="9525" marB="0" anchor="ctr"/>
+                </a:tc>
+                <a:tc>
+                  <a:txBody>
+                    <a:bodyPr/>
+                    <a:lstStyle/>
+                    <a:p>
+                      <a:pPr algn="ctr"/>
+                      <a:r>
+                        <a:rPr lang="en-US" altLang="zh-TW" sz="1200" b="0" kern="0" dirty="0">
+                          <a:solidFill>
+                            <a:schemeClr val="tx1"/>
+                          </a:solidFill>
+                        </a:rPr>
+                        <a:t>●</a:t>
+                      </a:r>
+                      <a:endParaRPr lang="zh-TW" altLang="en-US" sz="1200" b="0" dirty="0">
+                        <a:solidFill>
+                          <a:schemeClr val="tx1"/>
+                        </a:solidFill>
+                        <a:latin typeface="微軟正黑體" panose="020B0604030504040204" pitchFamily="34" charset="-120"/>
+                        <a:ea typeface="微軟正黑體" panose="020B0604030504040204" pitchFamily="34" charset="-120"/>
+                      </a:endParaRPr>
+                    </a:p>
+                  </a:txBody>
+                  <a:tcPr marL="9525" marR="9525" marT="9525" marB="0" anchor="ctr"/>
+                </a:tc>
+                <a:tc>
+                  <a:txBody>
+                    <a:bodyPr/>
+                    <a:lstStyle/>
+                    <a:p>
+                      <a:pPr algn="ctr"/>
+                      <a:r>
                         <a:rPr lang="zh-TW" altLang="en-US" sz="1200" b="0" kern="0" dirty="0">
                           <a:solidFill>
                             <a:schemeClr val="tx1"/>
                           </a:solidFill>
                         </a:rPr>
                         <a:t>○</a:t>
+                      </a:r>
+                      <a:endParaRPr lang="zh-TW" altLang="en-US" sz="1200" b="0" dirty="0">
+                        <a:solidFill>
+                          <a:schemeClr val="tx1"/>
+                        </a:solidFill>
+                        <a:latin typeface="微軟正黑體" panose="020B0604030504040204" pitchFamily="34" charset="-120"/>
+                        <a:ea typeface="微軟正黑體" panose="020B0604030504040204" pitchFamily="34" charset="-120"/>
+                      </a:endParaRPr>
+                    </a:p>
+                  </a:txBody>
+                  <a:tcPr marL="9525" marR="9525" marT="9525" marB="0" anchor="ctr"/>
+                </a:tc>
+                <a:tc>
+                  <a:txBody>
+                    <a:bodyPr/>
+                    <a:lstStyle/>
+                    <a:p>
+                      <a:pPr algn="ctr"/>
+                      <a:r>
+                        <a:rPr lang="en-US" altLang="zh-TW" sz="1200" b="0" kern="0" dirty="0">
+                          <a:solidFill>
+                            <a:schemeClr val="tx1"/>
+                          </a:solidFill>
+                        </a:rPr>
+                        <a:t>●</a:t>
                       </a:r>
                       <a:endParaRPr lang="zh-TW" altLang="en-US" sz="1200" b="0" dirty="0">
                         <a:solidFill>
@@ -21289,11 +20985,54 @@
                         <a:defRPr/>
                       </a:pPr>
                       <a:r>
+                        <a:rPr lang="zh-TW" altLang="en-US" sz="1200" b="0" dirty="0">
+                          <a:solidFill>
+                            <a:schemeClr val="tx1"/>
+                          </a:solidFill>
+                        </a:rPr>
+                        <a:t>─</a:t>
+                      </a:r>
+                    </a:p>
+                  </a:txBody>
+                  <a:tcPr marL="9525" marR="9525" marT="9525" marB="0" anchor="ctr"/>
+                </a:tc>
+                <a:tc>
+                  <a:txBody>
+                    <a:bodyPr/>
+                    <a:lstStyle/>
+                    <a:p>
+                      <a:pPr algn="ctr"/>
+                      <a:r>
                         <a:rPr lang="zh-TW" altLang="en-US" sz="1200" b="0" kern="0" dirty="0">
                           <a:solidFill>
                             <a:schemeClr val="tx1"/>
                           </a:solidFill>
                         </a:rPr>
+                        <a:t>◎</a:t>
+                      </a:r>
+                      <a:endParaRPr lang="zh-TW" altLang="en-US" sz="1200" b="0" dirty="0">
+                        <a:solidFill>
+                          <a:schemeClr val="tx1"/>
+                        </a:solidFill>
+                        <a:latin typeface="微軟正黑體" panose="020B0604030504040204" pitchFamily="34" charset="-120"/>
+                        <a:ea typeface="微軟正黑體" panose="020B0604030504040204" pitchFamily="34" charset="-120"/>
+                      </a:endParaRPr>
+                    </a:p>
+                  </a:txBody>
+                  <a:tcPr marL="9525" marR="9525" marT="9525" marB="0" anchor="ctr"/>
+                </a:tc>
+                <a:tc>
+                  <a:txBody>
+                    <a:bodyPr/>
+                    <a:lstStyle/>
+                    <a:p>
+                      <a:pPr algn="ctr"/>
+                      <a:r>
+                        <a:rPr lang="zh-TW" altLang="en-US" sz="1200" b="0" kern="0" dirty="0">
+                          <a:solidFill>
+                            <a:schemeClr val="tx1"/>
+                          </a:solidFill>
+                        </a:rPr>
                         <a:t>○</a:t>
                       </a:r>
                       <a:endParaRPr lang="zh-TW" altLang="en-US" sz="1200" b="0" dirty="0">
@@ -21312,7 +21051,205 @@
                     <a:bodyPr/>
                     <a:lstStyle/>
                     <a:p>
-                      <a:pPr marL="0" marR="0" lvl="0" indent="0" algn="ctr" defTabSz="914400" rtl="0" eaLnBrk="1" fontAlgn="auto" latinLnBrk="0" hangingPunct="1">
+                      <a:pPr algn="ctr"/>
+                      <a:r>
+                        <a:rPr lang="zh-TW" altLang="en-US" sz="1200" b="0" kern="0" dirty="0">
+                          <a:solidFill>
+                            <a:schemeClr val="tx1"/>
+                          </a:solidFill>
+                        </a:rPr>
+                        <a:t>◎</a:t>
+                      </a:r>
+                      <a:endParaRPr lang="zh-TW" altLang="en-US" sz="1200" b="0" dirty="0">
+                        <a:solidFill>
+                          <a:schemeClr val="tx1"/>
+                        </a:solidFill>
+                        <a:latin typeface="微軟正黑體" panose="020B0604030504040204" pitchFamily="34" charset="-120"/>
+                        <a:ea typeface="微軟正黑體" panose="020B0604030504040204" pitchFamily="34" charset="-120"/>
+                      </a:endParaRPr>
+                    </a:p>
+                  </a:txBody>
+                  <a:tcPr marL="9525" marR="9525" marT="9525" marB="0" anchor="ctr"/>
+                </a:tc>
+                <a:extLst>
+                  <a:ext uri="{0D108BD9-81ED-4DB2-BD59-A6C34878D82A}">
+                    <a16:rowId xmlns:a16="http://schemas.microsoft.com/office/drawing/2014/main" xmlns="" val="10010"/>
+                  </a:ext>
+                </a:extLst>
+              </a:tr>
+              <a:tr h="378604">
+                <a:tc>
+                  <a:txBody>
+                    <a:bodyPr/>
+                    <a:lstStyle/>
+                    <a:p>
+                      <a:pPr algn="ctr" rtl="0" fontAlgn="b"/>
+                      <a:r>
+                        <a:rPr lang="zh-TW" altLang="en-US" sz="1200" b="1" i="0" u="none" strike="noStrike" dirty="0">
+                          <a:solidFill>
+                            <a:schemeClr val="bg1"/>
+                          </a:solidFill>
+                          <a:effectLst/>
+                          <a:latin typeface="微軟正黑體" panose="020B0604030504040204" pitchFamily="34" charset="-120"/>
+                          <a:ea typeface="微軟正黑體" panose="020B0604030504040204" pitchFamily="34" charset="-120"/>
+                        </a:rPr>
+                        <a:t>觀光局</a:t>
+                      </a:r>
+                      <a:endParaRPr lang="en-US" altLang="zh-TW" sz="1200" b="1" i="0" u="none" strike="noStrike" dirty="0">
+                        <a:solidFill>
+                          <a:schemeClr val="bg1"/>
+                        </a:solidFill>
+                        <a:effectLst/>
+                        <a:latin typeface="微軟正黑體" panose="020B0604030504040204" pitchFamily="34" charset="-120"/>
+                        <a:ea typeface="微軟正黑體" panose="020B0604030504040204" pitchFamily="34" charset="-120"/>
+                      </a:endParaRPr>
+                    </a:p>
+                    <a:p>
+                      <a:pPr algn="ctr" rtl="0" fontAlgn="b"/>
+                      <a:r>
+                        <a:rPr lang="en-US" altLang="zh-TW" sz="1200" b="1" i="0" u="none" strike="noStrike" dirty="0">
+                          <a:solidFill>
+                            <a:schemeClr val="bg1"/>
+                          </a:solidFill>
+                          <a:effectLst/>
+                          <a:latin typeface="微軟正黑體" panose="020B0604030504040204" pitchFamily="34" charset="-120"/>
+                          <a:ea typeface="微軟正黑體" panose="020B0604030504040204" pitchFamily="34" charset="-120"/>
+                        </a:rPr>
+                        <a:t>(</a:t>
+                      </a:r>
+                      <a:r>
+                        <a:rPr lang="zh-TW" altLang="en-US" sz="1200" b="1" i="0" u="none" strike="noStrike" dirty="0">
+                          <a:solidFill>
+                            <a:schemeClr val="bg1"/>
+                          </a:solidFill>
+                          <a:effectLst/>
+                          <a:latin typeface="微軟正黑體" panose="020B0604030504040204" pitchFamily="34" charset="-120"/>
+                          <a:ea typeface="微軟正黑體" panose="020B0604030504040204" pitchFamily="34" charset="-120"/>
+                        </a:rPr>
+                        <a:t>台灣好行</a:t>
+                      </a:r>
+                      <a:r>
+                        <a:rPr lang="en-US" altLang="zh-TW" sz="1200" b="1" i="0" u="none" strike="noStrike" dirty="0">
+                          <a:solidFill>
+                            <a:schemeClr val="bg1"/>
+                          </a:solidFill>
+                          <a:effectLst/>
+                          <a:latin typeface="微軟正黑體" panose="020B0604030504040204" pitchFamily="34" charset="-120"/>
+                          <a:ea typeface="微軟正黑體" panose="020B0604030504040204" pitchFamily="34" charset="-120"/>
+                        </a:rPr>
+                        <a:t>)</a:t>
+                      </a:r>
+                      <a:endParaRPr lang="zh-TW" altLang="en-US" sz="1200" b="1" i="0" u="none" strike="noStrike" dirty="0">
+                        <a:solidFill>
+                          <a:schemeClr val="bg1"/>
+                        </a:solidFill>
+                        <a:effectLst/>
+                        <a:latin typeface="微軟正黑體" panose="020B0604030504040204" pitchFamily="34" charset="-120"/>
+                        <a:ea typeface="微軟正黑體" panose="020B0604030504040204" pitchFamily="34" charset="-120"/>
+                      </a:endParaRPr>
+                    </a:p>
+                  </a:txBody>
+                  <a:tcPr marL="9525" marR="9525" marT="9525" marB="0" anchor="ctr"/>
+                </a:tc>
+                <a:tc>
+                  <a:txBody>
+                    <a:bodyPr/>
+                    <a:lstStyle/>
+                    <a:p>
+                      <a:pPr algn="ctr"/>
+                      <a:r>
+                        <a:rPr lang="en-US" altLang="zh-TW" sz="1200" kern="0" dirty="0"/>
+                        <a:t>●</a:t>
+                      </a:r>
+                      <a:endParaRPr lang="zh-TW" altLang="en-US" sz="1200" dirty="0">
+                        <a:latin typeface="微軟正黑體" panose="020B0604030504040204" pitchFamily="34" charset="-120"/>
+                        <a:ea typeface="微軟正黑體" panose="020B0604030504040204" pitchFamily="34" charset="-120"/>
+                      </a:endParaRPr>
+                    </a:p>
+                  </a:txBody>
+                  <a:tcPr marL="9525" marR="9525" marT="9525" marB="0" anchor="ctr"/>
+                </a:tc>
+                <a:tc>
+                  <a:txBody>
+                    <a:bodyPr/>
+                    <a:lstStyle/>
+                    <a:p>
+                      <a:pPr algn="ctr"/>
+                      <a:r>
+                        <a:rPr lang="en-US" altLang="zh-TW" sz="1200" b="0" kern="0" dirty="0">
+                          <a:solidFill>
+                            <a:schemeClr val="tx1"/>
+                          </a:solidFill>
+                        </a:rPr>
+                        <a:t>●</a:t>
+                      </a:r>
+                      <a:endParaRPr lang="zh-TW" altLang="en-US" sz="1200" b="0" dirty="0">
+                        <a:solidFill>
+                          <a:schemeClr val="tx1"/>
+                        </a:solidFill>
+                        <a:latin typeface="微軟正黑體" panose="020B0604030504040204" pitchFamily="34" charset="-120"/>
+                        <a:ea typeface="微軟正黑體" panose="020B0604030504040204" pitchFamily="34" charset="-120"/>
+                      </a:endParaRPr>
+                    </a:p>
+                  </a:txBody>
+                  <a:tcPr marL="9525" marR="9525" marT="9525" marB="0" anchor="ctr"/>
+                </a:tc>
+                <a:tc>
+                  <a:txBody>
+                    <a:bodyPr/>
+                    <a:lstStyle/>
+                    <a:p>
+                      <a:pPr algn="ctr"/>
+                      <a:r>
+                        <a:rPr lang="en-US" altLang="zh-TW" sz="1200" b="0" kern="0" dirty="0">
+                          <a:solidFill>
+                            <a:schemeClr val="tx1"/>
+                          </a:solidFill>
+                        </a:rPr>
+                        <a:t>●</a:t>
+                      </a:r>
+                      <a:endParaRPr lang="zh-TW" altLang="en-US" sz="1200" b="0" dirty="0">
+                        <a:solidFill>
+                          <a:schemeClr val="tx1"/>
+                        </a:solidFill>
+                        <a:latin typeface="微軟正黑體" panose="020B0604030504040204" pitchFamily="34" charset="-120"/>
+                        <a:ea typeface="微軟正黑體" panose="020B0604030504040204" pitchFamily="34" charset="-120"/>
+                      </a:endParaRPr>
+                    </a:p>
+                  </a:txBody>
+                  <a:tcPr marL="9525" marR="9525" marT="9525" marB="0" anchor="ctr"/>
+                </a:tc>
+                <a:tc>
+                  <a:txBody>
+                    <a:bodyPr/>
+                    <a:lstStyle/>
+                    <a:p>
+                      <a:pPr algn="ctr"/>
+                      <a:r>
+                        <a:rPr lang="zh-TW" altLang="en-US" sz="1200" b="0" kern="0" dirty="0">
+                          <a:solidFill>
+                            <a:schemeClr val="tx1"/>
+                          </a:solidFill>
+                        </a:rPr>
+                        <a:t>○</a:t>
+                      </a:r>
+                      <a:endParaRPr lang="zh-TW" altLang="en-US" sz="1200" b="0" dirty="0">
+                        <a:solidFill>
+                          <a:schemeClr val="tx1"/>
+                        </a:solidFill>
+                        <a:latin typeface="微軟正黑體" panose="020B0604030504040204" pitchFamily="34" charset="-120"/>
+                        <a:ea typeface="微軟正黑體" panose="020B0604030504040204" pitchFamily="34" charset="-120"/>
+                      </a:endParaRPr>
+                    </a:p>
+                  </a:txBody>
+                  <a:tcPr marL="9525" marR="9525" marT="9525" marB="0" anchor="ctr"/>
+                </a:tc>
+                <a:tc>
+                  <a:txBody>
+                    <a:bodyPr/>
+                    <a:lstStyle/>
+                    <a:p>
+                      <a:pPr marL="0" marR="0" indent="0" algn="ctr" defTabSz="914400" rtl="0" eaLnBrk="1" fontAlgn="auto" latinLnBrk="0" hangingPunct="1">
                         <a:lnSpc>
                           <a:spcPct val="100000"/>
                         </a:lnSpc>
@@ -21330,6 +21267,56 @@
                         <a:defRPr/>
                       </a:pPr>
                       <a:r>
+                        <a:rPr lang="en-US" altLang="zh-TW" sz="1200" b="0" kern="0" dirty="0">
+                          <a:solidFill>
+                            <a:schemeClr val="tx1"/>
+                          </a:solidFill>
+                        </a:rPr>
+                        <a:t>●</a:t>
+                      </a:r>
+                      <a:endParaRPr lang="zh-TW" altLang="en-US" sz="1200" b="0" dirty="0">
+                        <a:solidFill>
+                          <a:schemeClr val="tx1"/>
+                        </a:solidFill>
+                        <a:latin typeface="微軟正黑體" panose="020B0604030504040204" pitchFamily="34" charset="-120"/>
+                        <a:ea typeface="微軟正黑體" panose="020B0604030504040204" pitchFamily="34" charset="-120"/>
+                      </a:endParaRPr>
+                    </a:p>
+                  </a:txBody>
+                  <a:tcPr marL="9525" marR="9525" marT="9525" marB="0" anchor="ctr"/>
+                </a:tc>
+                <a:tc>
+                  <a:txBody>
+                    <a:bodyPr/>
+                    <a:lstStyle/>
+                    <a:p>
+                      <a:pPr algn="ctr"/>
+                      <a:r>
+                        <a:rPr lang="en-US" altLang="zh-TW" sz="1200" b="0" kern="0" dirty="0">
+                          <a:solidFill>
+                            <a:schemeClr val="tx1"/>
+                          </a:solidFill>
+                        </a:rPr>
+                        <a:t>●</a:t>
+                      </a:r>
+                      <a:endParaRPr lang="zh-TW" altLang="en-US" sz="1200" b="0" dirty="0">
+                        <a:solidFill>
+                          <a:schemeClr val="tx1"/>
+                        </a:solidFill>
+                        <a:latin typeface="微軟正黑體" panose="020B0604030504040204" pitchFamily="34" charset="-120"/>
+                        <a:ea typeface="微軟正黑體" panose="020B0604030504040204" pitchFamily="34" charset="-120"/>
+                      </a:endParaRPr>
+                    </a:p>
+                  </a:txBody>
+                  <a:tcPr marL="9525" marR="9525" marT="9525" marB="0" anchor="ctr"/>
+                </a:tc>
+                <a:tc>
+                  <a:txBody>
+                    <a:bodyPr/>
+                    <a:lstStyle/>
+                    <a:p>
+                      <a:pPr algn="ctr"/>
+                      <a:r>
                         <a:rPr lang="zh-TW" altLang="en-US" sz="1200" b="0" kern="0" dirty="0">
                           <a:solidFill>
                             <a:schemeClr val="tx1"/>
@@ -21412,12 +21399,12 @@
                         <a:defRPr/>
                       </a:pPr>
                       <a:r>
-                        <a:rPr lang="en-US" altLang="zh-TW" sz="1200" b="0" kern="0" dirty="0">
-                          <a:solidFill>
-                            <a:schemeClr val="tx1"/>
-                          </a:solidFill>
-                        </a:rPr>
-                        <a:t>●</a:t>
+                        <a:rPr lang="zh-TW" altLang="en-US" sz="1200" b="0" kern="0" dirty="0">
+                          <a:solidFill>
+                            <a:schemeClr val="tx1"/>
+                          </a:solidFill>
+                        </a:rPr>
+                        <a:t>○</a:t>
                       </a:r>
                       <a:endParaRPr lang="zh-TW" altLang="en-US" sz="1200" b="0" dirty="0">
                         <a:solidFill>
@@ -21453,30 +21440,30 @@
                         <a:defRPr/>
                       </a:pPr>
                       <a:r>
-                        <a:rPr lang="en-US" altLang="zh-TW" sz="1200" b="0" kern="0" dirty="0">
-                          <a:solidFill>
-                            <a:schemeClr val="tx1"/>
-                          </a:solidFill>
-                        </a:rPr>
-                        <a:t>●</a:t>
-                      </a:r>
-                      <a:endParaRPr lang="zh-TW" altLang="en-US" sz="1200" b="0" dirty="0">
-                        <a:solidFill>
-                          <a:schemeClr val="tx1"/>
-                        </a:solidFill>
-                        <a:latin typeface="微軟正黑體" panose="020B0604030504040204" pitchFamily="34" charset="-120"/>
-                        <a:ea typeface="微軟正黑體" panose="020B0604030504040204" pitchFamily="34" charset="-120"/>
-                      </a:endParaRPr>
-                    </a:p>
-                  </a:txBody>
-                  <a:tcPr marL="9525" marR="9525" marT="9525" marB="0" anchor="ctr"/>
-                </a:tc>
-                <a:tc>
-                  <a:txBody>
-                    <a:bodyPr/>
-                    <a:lstStyle/>
-                    <a:p>
-                      <a:pPr marL="0" marR="0" indent="0" algn="ctr" defTabSz="914400" rtl="0" eaLnBrk="1" fontAlgn="auto" latinLnBrk="0" hangingPunct="1">
+                        <a:rPr lang="zh-TW" altLang="en-US" sz="1200" b="0" kern="0" dirty="0">
+                          <a:solidFill>
+                            <a:schemeClr val="tx1"/>
+                          </a:solidFill>
+                        </a:rPr>
+                        <a:t>○</a:t>
+                      </a:r>
+                      <a:endParaRPr lang="zh-TW" altLang="en-US" sz="1200" b="0" dirty="0">
+                        <a:solidFill>
+                          <a:schemeClr val="tx1"/>
+                        </a:solidFill>
+                        <a:latin typeface="微軟正黑體" panose="020B0604030504040204" pitchFamily="34" charset="-120"/>
+                        <a:ea typeface="微軟正黑體" panose="020B0604030504040204" pitchFamily="34" charset="-120"/>
+                      </a:endParaRPr>
+                    </a:p>
+                  </a:txBody>
+                  <a:tcPr marL="9525" marR="9525" marT="9525" marB="0" anchor="ctr"/>
+                </a:tc>
+                <a:tc>
+                  <a:txBody>
+                    <a:bodyPr/>
+                    <a:lstStyle/>
+                    <a:p>
+                      <a:pPr marL="0" marR="0" lvl="0" indent="0" algn="ctr" defTabSz="914400" rtl="0" eaLnBrk="1" fontAlgn="auto" latinLnBrk="0" hangingPunct="1">
                         <a:lnSpc>
                           <a:spcPct val="100000"/>
                         </a:lnSpc>
@@ -21517,31 +21504,6 @@
                     <a:bodyPr/>
                     <a:lstStyle/>
                     <a:p>
-                      <a:pPr algn="ctr"/>
-                      <a:r>
-                        <a:rPr lang="en-US" altLang="zh-TW" sz="1200" b="0" kern="0" dirty="0">
-                          <a:solidFill>
-                            <a:schemeClr val="tx1"/>
-                          </a:solidFill>
-                        </a:rPr>
-                        <a:t>●</a:t>
-                      </a:r>
-                      <a:endParaRPr lang="zh-TW" altLang="en-US" sz="1200" b="0" dirty="0">
-                        <a:solidFill>
-                          <a:schemeClr val="tx1"/>
-                        </a:solidFill>
-                        <a:latin typeface="微軟正黑體" panose="020B0604030504040204" pitchFamily="34" charset="-120"/>
-                        <a:ea typeface="微軟正黑體" panose="020B0604030504040204" pitchFamily="34" charset="-120"/>
-                      </a:endParaRPr>
-                    </a:p>
-                  </a:txBody>
-                  <a:tcPr marL="9525" marR="9525" marT="9525" marB="0" anchor="ctr"/>
-                </a:tc>
-                <a:tc>
-                  <a:txBody>
-                    <a:bodyPr/>
-                    <a:lstStyle/>
-                    <a:p>
                       <a:pPr marL="0" marR="0" lvl="0" indent="0" algn="ctr" defTabSz="914400" rtl="0" eaLnBrk="1" fontAlgn="auto" latinLnBrk="0" hangingPunct="1">
                         <a:lnSpc>
                           <a:spcPct val="100000"/>
@@ -21583,7 +21545,7 @@
                     <a:bodyPr/>
                     <a:lstStyle/>
                     <a:p>
-                      <a:pPr marL="0" marR="0" lvl="0" indent="0" algn="ctr" defTabSz="914400" rtl="0" eaLnBrk="1" fontAlgn="auto" latinLnBrk="0" hangingPunct="1">
+                      <a:pPr marL="0" marR="0" indent="0" algn="ctr" defTabSz="914400" rtl="0" eaLnBrk="1" fontAlgn="auto" latinLnBrk="0" hangingPunct="1">
                         <a:lnSpc>
                           <a:spcPct val="100000"/>
                         </a:lnSpc>
@@ -21601,12 +21563,37 @@
                         <a:defRPr/>
                       </a:pPr>
                       <a:r>
-                        <a:rPr lang="zh-TW" altLang="en-US" sz="1200" b="0" kern="0" dirty="0">
-                          <a:solidFill>
-                            <a:schemeClr val="tx1"/>
-                          </a:solidFill>
-                        </a:rPr>
-                        <a:t>○</a:t>
+                        <a:rPr lang="en-US" altLang="zh-TW" sz="1200" b="0" kern="0" dirty="0">
+                          <a:solidFill>
+                            <a:schemeClr val="tx1"/>
+                          </a:solidFill>
+                        </a:rPr>
+                        <a:t>●</a:t>
+                      </a:r>
+                      <a:endParaRPr lang="zh-TW" altLang="en-US" sz="1200" b="0" dirty="0">
+                        <a:solidFill>
+                          <a:schemeClr val="tx1"/>
+                        </a:solidFill>
+                        <a:latin typeface="微軟正黑體" panose="020B0604030504040204" pitchFamily="34" charset="-120"/>
+                        <a:ea typeface="微軟正黑體" panose="020B0604030504040204" pitchFamily="34" charset="-120"/>
+                      </a:endParaRPr>
+                    </a:p>
+                  </a:txBody>
+                  <a:tcPr marL="9525" marR="9525" marT="9525" marB="0" anchor="ctr"/>
+                </a:tc>
+                <a:tc>
+                  <a:txBody>
+                    <a:bodyPr/>
+                    <a:lstStyle/>
+                    <a:p>
+                      <a:pPr algn="ctr"/>
+                      <a:r>
+                        <a:rPr lang="en-US" altLang="zh-TW" sz="1200" b="0" kern="0" dirty="0">
+                          <a:solidFill>
+                            <a:schemeClr val="tx1"/>
+                          </a:solidFill>
+                        </a:rPr>
+                        <a:t>●</a:t>
                       </a:r>
                       <a:endParaRPr lang="zh-TW" altLang="en-US" sz="1200" b="0" dirty="0">
                         <a:solidFill>
@@ -21642,12 +21629,12 @@
                         <a:defRPr/>
                       </a:pPr>
                       <a:r>
-                        <a:rPr lang="zh-TW" altLang="en-US" sz="1200" b="0" kern="0" dirty="0">
-                          <a:solidFill>
-                            <a:schemeClr val="tx1"/>
-                          </a:solidFill>
-                        </a:rPr>
-                        <a:t>○</a:t>
+                        <a:rPr lang="en-US" altLang="zh-TW" sz="1200" b="0" kern="0" dirty="0">
+                          <a:solidFill>
+                            <a:schemeClr val="tx1"/>
+                          </a:solidFill>
+                        </a:rPr>
+                        <a:t>●</a:t>
                       </a:r>
                       <a:endParaRPr lang="zh-TW" altLang="en-US" sz="1200" b="0" dirty="0">
                         <a:solidFill>
@@ -21683,31 +21670,28 @@
                         <a:defRPr/>
                       </a:pPr>
                       <a:r>
-                        <a:rPr kumimoji="0" lang="zh-TW" altLang="en-US" sz="1200" b="0" u="none" strike="noStrike" kern="0" cap="none" spc="0" normalizeH="0" baseline="0" noProof="0" dirty="0">
-                          <a:ln>
-                            <a:noFill/>
-                          </a:ln>
-                          <a:solidFill>
-                            <a:schemeClr val="tx1"/>
-                          </a:solidFill>
-                          <a:effectLst/>
-                          <a:uLnTx/>
-                          <a:uFillTx/>
-                        </a:rPr>
-                        <a:t>●</a:t>
-                      </a:r>
-                      <a:endParaRPr kumimoji="0" lang="en-US" altLang="zh-TW" sz="900" b="0" u="none" strike="noStrike" kern="0" cap="none" spc="0" normalizeH="0" baseline="0" noProof="0" dirty="0">
-                        <a:ln>
-                          <a:noFill/>
-                        </a:ln>
-                        <a:solidFill>
-                          <a:schemeClr val="tx1"/>
-                        </a:solidFill>
-                        <a:effectLst/>
-                        <a:uLnTx/>
-                        <a:uFillTx/>
-                      </a:endParaRPr>
-                    </a:p>
+                        <a:rPr lang="zh-TW" altLang="en-US" sz="1200" b="0" kern="0" dirty="0">
+                          <a:solidFill>
+                            <a:schemeClr val="tx1"/>
+                          </a:solidFill>
+                        </a:rPr>
+                        <a:t>○</a:t>
+                      </a:r>
+                      <a:endParaRPr lang="zh-TW" altLang="en-US" sz="1200" b="0" dirty="0">
+                        <a:solidFill>
+                          <a:schemeClr val="tx1"/>
+                        </a:solidFill>
+                        <a:latin typeface="微軟正黑體" panose="020B0604030504040204" pitchFamily="34" charset="-120"/>
+                        <a:ea typeface="微軟正黑體" panose="020B0604030504040204" pitchFamily="34" charset="-120"/>
+                      </a:endParaRPr>
+                    </a:p>
+                  </a:txBody>
+                  <a:tcPr marL="9525" marR="9525" marT="9525" marB="0" anchor="ctr"/>
+                </a:tc>
+                <a:tc>
+                  <a:txBody>
+                    <a:bodyPr/>
+                    <a:lstStyle/>
                     <a:p>
                       <a:pPr marL="0" marR="0" lvl="0" indent="0" algn="ctr" defTabSz="914400" rtl="0" eaLnBrk="1" fontAlgn="auto" latinLnBrk="0" hangingPunct="1">
                         <a:lnSpc>
@@ -21727,6 +21711,91 @@
                         <a:defRPr/>
                       </a:pPr>
                       <a:r>
+                        <a:rPr lang="zh-TW" altLang="en-US" sz="1200" b="0" kern="0" dirty="0">
+                          <a:solidFill>
+                            <a:schemeClr val="tx1"/>
+                          </a:solidFill>
+                        </a:rPr>
+                        <a:t>○</a:t>
+                      </a:r>
+                      <a:endParaRPr lang="zh-TW" altLang="en-US" sz="1200" b="0" dirty="0">
+                        <a:solidFill>
+                          <a:schemeClr val="tx1"/>
+                        </a:solidFill>
+                        <a:latin typeface="微軟正黑體" panose="020B0604030504040204" pitchFamily="34" charset="-120"/>
+                        <a:ea typeface="微軟正黑體" panose="020B0604030504040204" pitchFamily="34" charset="-120"/>
+                      </a:endParaRPr>
+                    </a:p>
+                  </a:txBody>
+                  <a:tcPr marL="9525" marR="9525" marT="9525" marB="0" anchor="ctr"/>
+                </a:tc>
+                <a:tc>
+                  <a:txBody>
+                    <a:bodyPr/>
+                    <a:lstStyle/>
+                    <a:p>
+                      <a:pPr marL="0" marR="0" lvl="0" indent="0" algn="ctr" defTabSz="914400" rtl="0" eaLnBrk="1" fontAlgn="auto" latinLnBrk="0" hangingPunct="1">
+                        <a:lnSpc>
+                          <a:spcPct val="100000"/>
+                        </a:lnSpc>
+                        <a:spcBef>
+                          <a:spcPts val="0"/>
+                        </a:spcBef>
+                        <a:spcAft>
+                          <a:spcPts val="0"/>
+                        </a:spcAft>
+                        <a:buClrTx/>
+                        <a:buSzTx/>
+                        <a:buFontTx/>
+                        <a:buNone/>
+                        <a:tabLst/>
+                        <a:defRPr/>
+                      </a:pPr>
+                      <a:r>
+                        <a:rPr kumimoji="0" lang="zh-TW" altLang="en-US" sz="1200" b="0" u="none" strike="noStrike" kern="0" cap="none" spc="0" normalizeH="0" baseline="0" noProof="0" dirty="0">
+                          <a:ln>
+                            <a:noFill/>
+                          </a:ln>
+                          <a:solidFill>
+                            <a:schemeClr val="tx1"/>
+                          </a:solidFill>
+                          <a:effectLst/>
+                          <a:uLnTx/>
+                          <a:uFillTx/>
+                        </a:rPr>
+                        <a:t>●</a:t>
+                      </a:r>
+                      <a:endParaRPr kumimoji="0" lang="en-US" altLang="zh-TW" sz="900" b="0" u="none" strike="noStrike" kern="0" cap="none" spc="0" normalizeH="0" baseline="0" noProof="0" dirty="0">
+                        <a:ln>
+                          <a:noFill/>
+                        </a:ln>
+                        <a:solidFill>
+                          <a:schemeClr val="tx1"/>
+                        </a:solidFill>
+                        <a:effectLst/>
+                        <a:uLnTx/>
+                        <a:uFillTx/>
+                      </a:endParaRPr>
+                    </a:p>
+                    <a:p>
+                      <a:pPr marL="0" marR="0" lvl="0" indent="0" algn="ctr" defTabSz="914400" rtl="0" eaLnBrk="1" fontAlgn="auto" latinLnBrk="0" hangingPunct="1">
+                        <a:lnSpc>
+                          <a:spcPct val="100000"/>
+                        </a:lnSpc>
+                        <a:spcBef>
+                          <a:spcPts val="0"/>
+                        </a:spcBef>
+                        <a:spcAft>
+                          <a:spcPts val="0"/>
+                        </a:spcAft>
+                        <a:buClrTx/>
+                        <a:buSzTx/>
+                        <a:buFontTx/>
+                        <a:buNone/>
+                        <a:tabLst/>
+                        <a:defRPr/>
+                      </a:pPr>
+                      <a:r>
                         <a:rPr kumimoji="0" lang="en-US" altLang="zh-TW" sz="900" b="0" i="0" u="none" strike="noStrike" kern="0" cap="none" spc="0" normalizeH="0" baseline="0" noProof="0" dirty="0">
                           <a:ln>
                             <a:noFill/>
@@ -21818,7 +21887,7 @@
                 </a:tc>
                 <a:extLst>
                   <a:ext uri="{0D108BD9-81ED-4DB2-BD59-A6C34878D82A}">
-                    <a16:rowId xmlns="" xmlns:a16="http://schemas.microsoft.com/office/drawing/2014/main" val="2811962193"/>
+                    <a16:rowId xmlns:a16="http://schemas.microsoft.com/office/drawing/2014/main" xmlns="" val="2811962193"/>
                   </a:ext>
                 </a:extLst>
               </a:tr>
@@ -22414,131 +22483,143 @@
                 <a:gridCol w="610457">
                   <a:extLst>
                     <a:ext uri="{9D8B030D-6E8A-4147-A177-3AD203B41FA5}">
-                      <a16:colId xmlns="" xmlns:a16="http://schemas.microsoft.com/office/drawing/2014/main" val="20003"/>
+                      <a16:colId xmlns:a16="http://schemas.microsoft.com/office/drawing/2014/main" xmlns="" val="20003"/>
                     </a:ext>
                   </a:extLst>
                 </a:gridCol>
                 <a:gridCol w="531047">
                   <a:extLst>
                     <a:ext uri="{9D8B030D-6E8A-4147-A177-3AD203B41FA5}">
-                      <a16:colId xmlns="" xmlns:a16="http://schemas.microsoft.com/office/drawing/2014/main" val="20004"/>
+                      <a16:colId xmlns:a16="http://schemas.microsoft.com/office/drawing/2014/main" xmlns="" val="20004"/>
                     </a:ext>
                   </a:extLst>
                 </a:gridCol>
                 <a:gridCol w="531047">
                   <a:extLst>
                     <a:ext uri="{9D8B030D-6E8A-4147-A177-3AD203B41FA5}">
-                      <a16:colId xmlns="" xmlns:a16="http://schemas.microsoft.com/office/drawing/2014/main" val="3393601540"/>
+                      <a16:colId xmlns:a16="http://schemas.microsoft.com/office/drawing/2014/main" xmlns="" val="3393601540"/>
                     </a:ext>
                   </a:extLst>
                 </a:gridCol>
                 <a:gridCol w="531047">
                   <a:extLst>
                     <a:ext uri="{9D8B030D-6E8A-4147-A177-3AD203B41FA5}">
-                      <a16:colId xmlns="" xmlns:a16="http://schemas.microsoft.com/office/drawing/2014/main" val="3679918837"/>
+                      <a16:colId xmlns:a16="http://schemas.microsoft.com/office/drawing/2014/main" xmlns="" val="3679918837"/>
                     </a:ext>
                   </a:extLst>
                 </a:gridCol>
                 <a:gridCol w="514332">
                   <a:extLst>
                     <a:ext uri="{9D8B030D-6E8A-4147-A177-3AD203B41FA5}">
-                      <a16:colId xmlns="" xmlns:a16="http://schemas.microsoft.com/office/drawing/2014/main" val="2897207107"/>
+                      <a16:colId xmlns:a16="http://schemas.microsoft.com/office/drawing/2014/main" xmlns="" val="2897207107"/>
                     </a:ext>
                   </a:extLst>
                 </a:gridCol>
                 <a:gridCol w="514332">
                   <a:extLst>
                     <a:ext uri="{9D8B030D-6E8A-4147-A177-3AD203B41FA5}">
-                      <a16:colId xmlns="" xmlns:a16="http://schemas.microsoft.com/office/drawing/2014/main" val="2482035779"/>
+                      <a16:colId xmlns:a16="http://schemas.microsoft.com/office/drawing/2014/main" xmlns="" val="2482035779"/>
                     </a:ext>
                   </a:extLst>
                 </a:gridCol>
                 <a:gridCol w="514332">
                   <a:extLst>
                     <a:ext uri="{9D8B030D-6E8A-4147-A177-3AD203B41FA5}">
-                      <a16:colId xmlns="" xmlns:a16="http://schemas.microsoft.com/office/drawing/2014/main" val="3678108844"/>
+                      <a16:colId xmlns:a16="http://schemas.microsoft.com/office/drawing/2014/main" xmlns="" val="3678108844"/>
                     </a:ext>
                   </a:extLst>
                 </a:gridCol>
                 <a:gridCol w="514332">
                   <a:extLst>
                     <a:ext uri="{9D8B030D-6E8A-4147-A177-3AD203B41FA5}">
-                      <a16:colId xmlns="" xmlns:a16="http://schemas.microsoft.com/office/drawing/2014/main" val="1513467911"/>
+                      <a16:colId xmlns:a16="http://schemas.microsoft.com/office/drawing/2014/main" xmlns="" val="1513467911"/>
                     </a:ext>
                   </a:extLst>
                 </a:gridCol>
                 <a:gridCol w="514332">
                   <a:extLst>
                     <a:ext uri="{9D8B030D-6E8A-4147-A177-3AD203B41FA5}">
-                      <a16:colId xmlns="" xmlns:a16="http://schemas.microsoft.com/office/drawing/2014/main" val="20008"/>
+                      <a16:colId xmlns:a16="http://schemas.microsoft.com/office/drawing/2014/main" xmlns="" val="20008"/>
                     </a:ext>
                   </a:extLst>
                 </a:gridCol>
                 <a:gridCol w="514332">
                   <a:extLst>
                     <a:ext uri="{9D8B030D-6E8A-4147-A177-3AD203B41FA5}">
-                      <a16:colId xmlns="" xmlns:a16="http://schemas.microsoft.com/office/drawing/2014/main" val="3474974294"/>
+                      <a16:colId xmlns:a16="http://schemas.microsoft.com/office/drawing/2014/main" xmlns="" val="3474974294"/>
                     </a:ext>
                   </a:extLst>
                 </a:gridCol>
                 <a:gridCol w="514332">
                   <a:extLst>
                     <a:ext uri="{9D8B030D-6E8A-4147-A177-3AD203B41FA5}">
-                      <a16:colId xmlns="" xmlns:a16="http://schemas.microsoft.com/office/drawing/2014/main" val="2739021416"/>
+                      <a16:colId xmlns:a16="http://schemas.microsoft.com/office/drawing/2014/main" xmlns="" val="2739021416"/>
                     </a:ext>
                   </a:extLst>
                 </a:gridCol>
                 <a:gridCol w="514332">
                   <a:extLst>
                     <a:ext uri="{9D8B030D-6E8A-4147-A177-3AD203B41FA5}">
-                      <a16:colId xmlns="" xmlns:a16="http://schemas.microsoft.com/office/drawing/2014/main" val="876172250"/>
+                      <a16:colId xmlns:a16="http://schemas.microsoft.com/office/drawing/2014/main" xmlns="" val="876172250"/>
                     </a:ext>
                   </a:extLst>
                 </a:gridCol>
                 <a:gridCol w="514332">
                   <a:extLst>
                     <a:ext uri="{9D8B030D-6E8A-4147-A177-3AD203B41FA5}">
-                      <a16:colId xmlns="" xmlns:a16="http://schemas.microsoft.com/office/drawing/2014/main" val="20011"/>
+                      <a16:colId xmlns:a16="http://schemas.microsoft.com/office/drawing/2014/main" xmlns="" val="20011"/>
                     </a:ext>
                   </a:extLst>
                 </a:gridCol>
                 <a:gridCol w="514332">
                   <a:extLst>
                     <a:ext uri="{9D8B030D-6E8A-4147-A177-3AD203B41FA5}">
-                      <a16:colId xmlns="" xmlns:a16="http://schemas.microsoft.com/office/drawing/2014/main" val="20012"/>
+                      <a16:colId xmlns:a16="http://schemas.microsoft.com/office/drawing/2014/main" xmlns="" val="20012"/>
                     </a:ext>
                   </a:extLst>
                 </a:gridCol>
                 <a:gridCol w="514332">
                   <a:extLst>
                     <a:ext uri="{9D8B030D-6E8A-4147-A177-3AD203B41FA5}">
-                      <a16:colId xmlns="" xmlns:a16="http://schemas.microsoft.com/office/drawing/2014/main" val="20005"/>
+                      <a16:colId xmlns:a16="http://schemas.microsoft.com/office/drawing/2014/main" xmlns="" val="20005"/>
                     </a:ext>
                   </a:extLst>
                 </a:gridCol>
                 <a:gridCol w="514332">
                   <a:extLst>
                     <a:ext uri="{9D8B030D-6E8A-4147-A177-3AD203B41FA5}">
-                      <a16:colId xmlns="" xmlns:a16="http://schemas.microsoft.com/office/drawing/2014/main" val="3644493182"/>
+                      <a16:colId xmlns:a16="http://schemas.microsoft.com/office/drawing/2014/main" xmlns="" val="3644493182"/>
                     </a:ext>
                   </a:extLst>
                 </a:gridCol>
                 <a:gridCol w="514332">
                   <a:extLst>
                     <a:ext uri="{9D8B030D-6E8A-4147-A177-3AD203B41FA5}">
-                      <a16:colId xmlns="" xmlns:a16="http://schemas.microsoft.com/office/drawing/2014/main" val="20016"/>
+                      <a16:colId xmlns:a16="http://schemas.microsoft.com/office/drawing/2014/main" xmlns="" val="20016"/>
                     </a:ext>
                   </a:extLst>
                 </a:gridCol>
                 <a:gridCol w="514332">
                   <a:extLst>
                     <a:ext uri="{9D8B030D-6E8A-4147-A177-3AD203B41FA5}">
-                      <a16:colId xmlns="" xmlns:a16="http://schemas.microsoft.com/office/drawing/2014/main" val="20017"/>
+                      <a16:colId xmlns:a16="http://schemas.microsoft.com/office/drawing/2014/main" xmlns="" val="20017"/>
                     </a:ext>
                   </a:extLst>
                 </a:gridCol>
-                <a:gridCol w="514332"/>
-                <a:gridCol w="514332"/>
+                <a:gridCol w="514332">
+                  <a:extLst>
+                    <a:ext uri="{9D8B030D-6E8A-4147-A177-3AD203B41FA5}">
+                      <a16:colId xmlns:a16="http://schemas.microsoft.com/office/drawing/2014/main" xmlns="" val="20018"/>
+                    </a:ext>
+                  </a:extLst>
+                </a:gridCol>
+                <a:gridCol w="514332">
+                  <a:extLst>
+                    <a:ext uri="{9D8B030D-6E8A-4147-A177-3AD203B41FA5}">
+                      <a16:colId xmlns:a16="http://schemas.microsoft.com/office/drawing/2014/main" xmlns="" val="20019"/>
+                    </a:ext>
+                  </a:extLst>
+                </a:gridCol>
               </a:tblGrid>
               <a:tr h="518623">
                 <a:tc>
@@ -22806,7 +22887,7 @@
                 </a:tc>
                 <a:extLst>
                   <a:ext uri="{0D108BD9-81ED-4DB2-BD59-A6C34878D82A}">
-                    <a16:rowId xmlns="" xmlns:a16="http://schemas.microsoft.com/office/drawing/2014/main" val="4157930470"/>
+                    <a16:rowId xmlns:a16="http://schemas.microsoft.com/office/drawing/2014/main" xmlns="" val="4157930470"/>
                   </a:ext>
                 </a:extLst>
               </a:tr>
@@ -23396,16 +23477,12 @@
                         <a:defRPr/>
                       </a:pPr>
                       <a:r>
-                        <a:rPr lang="zh-TW" altLang="en-US" sz="1200" dirty="0" smtClean="0">
+                        <a:rPr lang="zh-TW" altLang="en-US" sz="1200" dirty="0">
                           <a:latin typeface="微軟正黑體" panose="020B0604030504040204" pitchFamily="34" charset="-120"/>
                           <a:ea typeface="微軟正黑體" panose="020B0604030504040204" pitchFamily="34" charset="-120"/>
                         </a:rPr>
                         <a:t>營運業者</a:t>
                       </a:r>
-                      <a:endParaRPr lang="zh-TW" altLang="en-US" sz="1200" dirty="0">
-                        <a:latin typeface="微軟正黑體" panose="020B0604030504040204" pitchFamily="34" charset="-120"/>
-                        <a:ea typeface="微軟正黑體" panose="020B0604030504040204" pitchFamily="34" charset="-120"/>
-                      </a:endParaRPr>
                     </a:p>
                   </a:txBody>
                   <a:tcPr marL="17068" marR="17068" marT="0" marB="0" anchor="ctr"/>
@@ -23433,23 +23510,19 @@
                         <a:defRPr/>
                       </a:pPr>
                       <a:r>
-                        <a:rPr lang="zh-TW" altLang="en-US" sz="1200" dirty="0" smtClean="0">
+                        <a:rPr lang="zh-TW" altLang="en-US" sz="1200" dirty="0">
                           <a:latin typeface="微軟正黑體" panose="020B0604030504040204" pitchFamily="34" charset="-120"/>
                           <a:ea typeface="微軟正黑體" panose="020B0604030504040204" pitchFamily="34" charset="-120"/>
                         </a:rPr>
                         <a:t>路線網路拓撲</a:t>
                       </a:r>
-                      <a:endParaRPr lang="zh-TW" altLang="en-US" sz="1200" dirty="0">
-                        <a:latin typeface="微軟正黑體" panose="020B0604030504040204" pitchFamily="34" charset="-120"/>
-                        <a:ea typeface="微軟正黑體" panose="020B0604030504040204" pitchFamily="34" charset="-120"/>
-                      </a:endParaRPr>
                     </a:p>
                   </a:txBody>
                   <a:tcPr marL="17068" marR="17068" marT="0" marB="0" anchor="ctr"/>
                 </a:tc>
                 <a:extLst>
                   <a:ext uri="{0D108BD9-81ED-4DB2-BD59-A6C34878D82A}">
-                    <a16:rowId xmlns="" xmlns:a16="http://schemas.microsoft.com/office/drawing/2014/main" val="10000"/>
+                    <a16:rowId xmlns:a16="http://schemas.microsoft.com/office/drawing/2014/main" xmlns="" val="10000"/>
                   </a:ext>
                 </a:extLst>
               </a:tr>
@@ -24023,7 +24096,7 @@
                         <a:defRPr/>
                       </a:pPr>
                       <a:r>
-                        <a:rPr lang="en-US" altLang="zh-TW" sz="1200" kern="0" dirty="0" smtClean="0">
+                        <a:rPr lang="en-US" altLang="zh-TW" sz="1200" kern="0" dirty="0">
                           <a:solidFill>
                             <a:schemeClr val="tx1"/>
                           </a:solidFill>
@@ -24064,7 +24137,7 @@
                         <a:defRPr/>
                       </a:pPr>
                       <a:r>
-                        <a:rPr lang="en-US" altLang="zh-TW" sz="1200" kern="0" dirty="0" smtClean="0">
+                        <a:rPr lang="en-US" altLang="zh-TW" sz="1200" kern="0" dirty="0">
                           <a:solidFill>
                             <a:schemeClr val="tx1"/>
                           </a:solidFill>
@@ -24084,7 +24157,7 @@
                 </a:tc>
                 <a:extLst>
                   <a:ext uri="{0D108BD9-81ED-4DB2-BD59-A6C34878D82A}">
-                    <a16:rowId xmlns="" xmlns:a16="http://schemas.microsoft.com/office/drawing/2014/main" val="10002"/>
+                    <a16:rowId xmlns:a16="http://schemas.microsoft.com/office/drawing/2014/main" xmlns="" val="10002"/>
                   </a:ext>
                 </a:extLst>
               </a:tr>
@@ -24294,7 +24367,7 @@
                         <a:defRPr/>
                       </a:pPr>
                       <a:r>
-                        <a:rPr lang="en-US" altLang="zh-TW" sz="1200" kern="0" dirty="0" smtClean="0">
+                        <a:rPr lang="en-US" altLang="zh-TW" sz="1200" kern="0" dirty="0">
                           <a:solidFill>
                             <a:schemeClr val="tx1"/>
                           </a:solidFill>
@@ -24637,7 +24710,7 @@
                         <a:defRPr/>
                       </a:pPr>
                       <a:r>
-                        <a:rPr lang="zh-TW" altLang="en-US" sz="1200" kern="0" dirty="0" smtClean="0">
+                        <a:rPr lang="zh-TW" altLang="en-US" sz="1200" kern="0" dirty="0">
                           <a:solidFill>
                             <a:schemeClr val="tx1"/>
                           </a:solidFill>
@@ -24676,7 +24749,7 @@
                         <a:defRPr/>
                       </a:pPr>
                       <a:r>
-                        <a:rPr lang="zh-TW" altLang="en-US" sz="1200" kern="0" dirty="0" smtClean="0">
+                        <a:rPr lang="zh-TW" altLang="en-US" sz="1200" kern="0" dirty="0">
                           <a:solidFill>
                             <a:schemeClr val="tx1"/>
                           </a:solidFill>
@@ -24694,7 +24767,7 @@
                 </a:tc>
                 <a:extLst>
                   <a:ext uri="{0D108BD9-81ED-4DB2-BD59-A6C34878D82A}">
-                    <a16:rowId xmlns="" xmlns:a16="http://schemas.microsoft.com/office/drawing/2014/main" val="10003"/>
+                    <a16:rowId xmlns:a16="http://schemas.microsoft.com/office/drawing/2014/main" xmlns="" val="10003"/>
                   </a:ext>
                 </a:extLst>
               </a:tr>
@@ -24730,140 +24803,140 @@
                 <a:gridCol w="678743">
                   <a:extLst>
                     <a:ext uri="{9D8B030D-6E8A-4147-A177-3AD203B41FA5}">
-                      <a16:colId xmlns="" xmlns:a16="http://schemas.microsoft.com/office/drawing/2014/main" val="20003"/>
+                      <a16:colId xmlns:a16="http://schemas.microsoft.com/office/drawing/2014/main" xmlns="" val="20003"/>
                     </a:ext>
                   </a:extLst>
                 </a:gridCol>
                 <a:gridCol w="643923">
                   <a:extLst>
                     <a:ext uri="{9D8B030D-6E8A-4147-A177-3AD203B41FA5}">
-                      <a16:colId xmlns="" xmlns:a16="http://schemas.microsoft.com/office/drawing/2014/main" val="3950370602"/>
+                      <a16:colId xmlns:a16="http://schemas.microsoft.com/office/drawing/2014/main" xmlns="" val="3950370602"/>
                     </a:ext>
                   </a:extLst>
                 </a:gridCol>
                 <a:gridCol w="475651">
                   <a:extLst>
                     <a:ext uri="{9D8B030D-6E8A-4147-A177-3AD203B41FA5}">
-                      <a16:colId xmlns="" xmlns:a16="http://schemas.microsoft.com/office/drawing/2014/main" val="892499354"/>
+                      <a16:colId xmlns:a16="http://schemas.microsoft.com/office/drawing/2014/main" xmlns="" val="892499354"/>
                     </a:ext>
                   </a:extLst>
                 </a:gridCol>
                 <a:gridCol w="475651">
                   <a:extLst>
                     <a:ext uri="{9D8B030D-6E8A-4147-A177-3AD203B41FA5}">
-                      <a16:colId xmlns="" xmlns:a16="http://schemas.microsoft.com/office/drawing/2014/main" val="2890376269"/>
+                      <a16:colId xmlns:a16="http://schemas.microsoft.com/office/drawing/2014/main" xmlns="" val="2890376269"/>
                     </a:ext>
                   </a:extLst>
                 </a:gridCol>
                 <a:gridCol w="501602">
                   <a:extLst>
                     <a:ext uri="{9D8B030D-6E8A-4147-A177-3AD203B41FA5}">
-                      <a16:colId xmlns="" xmlns:a16="http://schemas.microsoft.com/office/drawing/2014/main" val="2351848522"/>
+                      <a16:colId xmlns:a16="http://schemas.microsoft.com/office/drawing/2014/main" xmlns="" val="2351848522"/>
                     </a:ext>
                   </a:extLst>
                 </a:gridCol>
                 <a:gridCol w="501602">
                   <a:extLst>
                     <a:ext uri="{9D8B030D-6E8A-4147-A177-3AD203B41FA5}">
-                      <a16:colId xmlns="" xmlns:a16="http://schemas.microsoft.com/office/drawing/2014/main" val="3951773805"/>
+                      <a16:colId xmlns:a16="http://schemas.microsoft.com/office/drawing/2014/main" xmlns="" val="3951773805"/>
                     </a:ext>
                   </a:extLst>
                 </a:gridCol>
                 <a:gridCol w="501602">
                   <a:extLst>
                     <a:ext uri="{9D8B030D-6E8A-4147-A177-3AD203B41FA5}">
-                      <a16:colId xmlns="" xmlns:a16="http://schemas.microsoft.com/office/drawing/2014/main" val="20005"/>
+                      <a16:colId xmlns:a16="http://schemas.microsoft.com/office/drawing/2014/main" xmlns="" val="20005"/>
                     </a:ext>
                   </a:extLst>
                 </a:gridCol>
                 <a:gridCol w="501602">
                   <a:extLst>
                     <a:ext uri="{9D8B030D-6E8A-4147-A177-3AD203B41FA5}">
-                      <a16:colId xmlns="" xmlns:a16="http://schemas.microsoft.com/office/drawing/2014/main" val="1658949460"/>
+                      <a16:colId xmlns:a16="http://schemas.microsoft.com/office/drawing/2014/main" xmlns="" val="1658949460"/>
                     </a:ext>
                   </a:extLst>
                 </a:gridCol>
                 <a:gridCol w="501602">
                   <a:extLst>
                     <a:ext uri="{9D8B030D-6E8A-4147-A177-3AD203B41FA5}">
-                      <a16:colId xmlns="" xmlns:a16="http://schemas.microsoft.com/office/drawing/2014/main" val="4009511739"/>
+                      <a16:colId xmlns:a16="http://schemas.microsoft.com/office/drawing/2014/main" xmlns="" val="4009511739"/>
                     </a:ext>
                   </a:extLst>
                 </a:gridCol>
                 <a:gridCol w="648032">
                   <a:extLst>
                     <a:ext uri="{9D8B030D-6E8A-4147-A177-3AD203B41FA5}">
-                      <a16:colId xmlns="" xmlns:a16="http://schemas.microsoft.com/office/drawing/2014/main" val="915448942"/>
+                      <a16:colId xmlns:a16="http://schemas.microsoft.com/office/drawing/2014/main" xmlns="" val="915448942"/>
                     </a:ext>
                   </a:extLst>
                 </a:gridCol>
                 <a:gridCol w="648032">
                   <a:extLst>
                     <a:ext uri="{9D8B030D-6E8A-4147-A177-3AD203B41FA5}">
-                      <a16:colId xmlns="" xmlns:a16="http://schemas.microsoft.com/office/drawing/2014/main" val="20004"/>
+                      <a16:colId xmlns:a16="http://schemas.microsoft.com/office/drawing/2014/main" xmlns="" val="20004"/>
                     </a:ext>
                   </a:extLst>
                 </a:gridCol>
                 <a:gridCol w="523461">
                   <a:extLst>
                     <a:ext uri="{9D8B030D-6E8A-4147-A177-3AD203B41FA5}">
-                      <a16:colId xmlns="" xmlns:a16="http://schemas.microsoft.com/office/drawing/2014/main" val="1735239135"/>
+                      <a16:colId xmlns:a16="http://schemas.microsoft.com/office/drawing/2014/main" xmlns="" val="1735239135"/>
                     </a:ext>
                   </a:extLst>
                 </a:gridCol>
                 <a:gridCol w="523461">
                   <a:extLst>
                     <a:ext uri="{9D8B030D-6E8A-4147-A177-3AD203B41FA5}">
-                      <a16:colId xmlns="" xmlns:a16="http://schemas.microsoft.com/office/drawing/2014/main" val="1012336583"/>
+                      <a16:colId xmlns:a16="http://schemas.microsoft.com/office/drawing/2014/main" xmlns="" val="1012336583"/>
                     </a:ext>
                   </a:extLst>
                 </a:gridCol>
                 <a:gridCol w="523461">
                   <a:extLst>
                     <a:ext uri="{9D8B030D-6E8A-4147-A177-3AD203B41FA5}">
-                      <a16:colId xmlns="" xmlns:a16="http://schemas.microsoft.com/office/drawing/2014/main" val="730367770"/>
+                      <a16:colId xmlns:a16="http://schemas.microsoft.com/office/drawing/2014/main" xmlns="" val="730367770"/>
                     </a:ext>
                   </a:extLst>
                 </a:gridCol>
                 <a:gridCol w="523461">
                   <a:extLst>
                     <a:ext uri="{9D8B030D-6E8A-4147-A177-3AD203B41FA5}">
-                      <a16:colId xmlns="" xmlns:a16="http://schemas.microsoft.com/office/drawing/2014/main" val="1995509689"/>
+                      <a16:colId xmlns:a16="http://schemas.microsoft.com/office/drawing/2014/main" xmlns="" val="1995509689"/>
                     </a:ext>
                   </a:extLst>
                 </a:gridCol>
                 <a:gridCol w="523461">
                   <a:extLst>
                     <a:ext uri="{9D8B030D-6E8A-4147-A177-3AD203B41FA5}">
-                      <a16:colId xmlns="" xmlns:a16="http://schemas.microsoft.com/office/drawing/2014/main" val="4059945013"/>
+                      <a16:colId xmlns:a16="http://schemas.microsoft.com/office/drawing/2014/main" xmlns="" val="4059945013"/>
                     </a:ext>
                   </a:extLst>
                 </a:gridCol>
                 <a:gridCol w="523461">
                   <a:extLst>
                     <a:ext uri="{9D8B030D-6E8A-4147-A177-3AD203B41FA5}">
-                      <a16:colId xmlns="" xmlns:a16="http://schemas.microsoft.com/office/drawing/2014/main" val="20013"/>
+                      <a16:colId xmlns:a16="http://schemas.microsoft.com/office/drawing/2014/main" xmlns="" val="20013"/>
                     </a:ext>
                   </a:extLst>
                 </a:gridCol>
                 <a:gridCol w="612741">
                   <a:extLst>
                     <a:ext uri="{9D8B030D-6E8A-4147-A177-3AD203B41FA5}">
-                      <a16:colId xmlns="" xmlns:a16="http://schemas.microsoft.com/office/drawing/2014/main" val="563954548"/>
+                      <a16:colId xmlns:a16="http://schemas.microsoft.com/office/drawing/2014/main" xmlns="" val="563954548"/>
                     </a:ext>
                   </a:extLst>
                 </a:gridCol>
                 <a:gridCol w="612741">
                   <a:extLst>
                     <a:ext uri="{9D8B030D-6E8A-4147-A177-3AD203B41FA5}">
-                      <a16:colId xmlns="" xmlns:a16="http://schemas.microsoft.com/office/drawing/2014/main" val="626849779"/>
+                      <a16:colId xmlns:a16="http://schemas.microsoft.com/office/drawing/2014/main" xmlns="" val="626849779"/>
                     </a:ext>
                   </a:extLst>
                 </a:gridCol>
                 <a:gridCol w="612741">
                   <a:extLst>
                     <a:ext uri="{9D8B030D-6E8A-4147-A177-3AD203B41FA5}">
-                      <a16:colId xmlns="" xmlns:a16="http://schemas.microsoft.com/office/drawing/2014/main" val="2774746132"/>
+                      <a16:colId xmlns:a16="http://schemas.microsoft.com/office/drawing/2014/main" xmlns="" val="2774746132"/>
                     </a:ext>
                   </a:extLst>
                 </a:gridCol>
@@ -25191,7 +25264,7 @@
                 </a:tc>
                 <a:extLst>
                   <a:ext uri="{0D108BD9-81ED-4DB2-BD59-A6C34878D82A}">
-                    <a16:rowId xmlns="" xmlns:a16="http://schemas.microsoft.com/office/drawing/2014/main" val="290152553"/>
+                    <a16:rowId xmlns:a16="http://schemas.microsoft.com/office/drawing/2014/main" xmlns="" val="290152553"/>
                   </a:ext>
                 </a:extLst>
               </a:tr>
@@ -25938,7 +26011,7 @@
                 </a:tc>
                 <a:extLst>
                   <a:ext uri="{0D108BD9-81ED-4DB2-BD59-A6C34878D82A}">
-                    <a16:rowId xmlns="" xmlns:a16="http://schemas.microsoft.com/office/drawing/2014/main" val="1372355905"/>
+                    <a16:rowId xmlns:a16="http://schemas.microsoft.com/office/drawing/2014/main" xmlns="" val="1372355905"/>
                   </a:ext>
                 </a:extLst>
               </a:tr>
@@ -26434,7 +26507,7 @@
                 </a:tc>
                 <a:extLst>
                   <a:ext uri="{0D108BD9-81ED-4DB2-BD59-A6C34878D82A}">
-                    <a16:rowId xmlns="" xmlns:a16="http://schemas.microsoft.com/office/drawing/2014/main" val="10005"/>
+                    <a16:rowId xmlns:a16="http://schemas.microsoft.com/office/drawing/2014/main" xmlns="" val="10005"/>
                   </a:ext>
                 </a:extLst>
               </a:tr>
@@ -26946,7 +27019,7 @@
                 </a:tc>
                 <a:extLst>
                   <a:ext uri="{0D108BD9-81ED-4DB2-BD59-A6C34878D82A}">
-                    <a16:rowId xmlns="" xmlns:a16="http://schemas.microsoft.com/office/drawing/2014/main" val="10006"/>
+                    <a16:rowId xmlns:a16="http://schemas.microsoft.com/office/drawing/2014/main" xmlns="" val="10006"/>
                   </a:ext>
                 </a:extLst>
               </a:tr>
@@ -27442,7 +27515,7 @@
                 </a:tc>
                 <a:extLst>
                   <a:ext uri="{0D108BD9-81ED-4DB2-BD59-A6C34878D82A}">
-                    <a16:rowId xmlns="" xmlns:a16="http://schemas.microsoft.com/office/drawing/2014/main" val="10007"/>
+                    <a16:rowId xmlns:a16="http://schemas.microsoft.com/office/drawing/2014/main" xmlns="" val="10007"/>
                   </a:ext>
                 </a:extLst>
               </a:tr>
@@ -28069,7 +28142,7 @@
                 </a:tc>
                 <a:extLst>
                   <a:ext uri="{0D108BD9-81ED-4DB2-BD59-A6C34878D82A}">
-                    <a16:rowId xmlns="" xmlns:a16="http://schemas.microsoft.com/office/drawing/2014/main" val="10008"/>
+                    <a16:rowId xmlns:a16="http://schemas.microsoft.com/office/drawing/2014/main" xmlns="" val="10008"/>
                   </a:ext>
                 </a:extLst>
               </a:tr>
@@ -28885,35 +28958,35 @@
                 <a:gridCol w="1452286">
                   <a:extLst>
                     <a:ext uri="{9D8B030D-6E8A-4147-A177-3AD203B41FA5}">
-                      <a16:colId xmlns="" xmlns:a16="http://schemas.microsoft.com/office/drawing/2014/main" val="20003"/>
+                      <a16:colId xmlns:a16="http://schemas.microsoft.com/office/drawing/2014/main" xmlns="" val="20003"/>
                     </a:ext>
                   </a:extLst>
                 </a:gridCol>
                 <a:gridCol w="1131131">
                   <a:extLst>
                     <a:ext uri="{9D8B030D-6E8A-4147-A177-3AD203B41FA5}">
-                      <a16:colId xmlns="" xmlns:a16="http://schemas.microsoft.com/office/drawing/2014/main" val="3466895849"/>
+                      <a16:colId xmlns:a16="http://schemas.microsoft.com/office/drawing/2014/main" xmlns="" val="3466895849"/>
                     </a:ext>
                   </a:extLst>
                 </a:gridCol>
                 <a:gridCol w="1131131">
                   <a:extLst>
                     <a:ext uri="{9D8B030D-6E8A-4147-A177-3AD203B41FA5}">
-                      <a16:colId xmlns="" xmlns:a16="http://schemas.microsoft.com/office/drawing/2014/main" val="20004"/>
+                      <a16:colId xmlns:a16="http://schemas.microsoft.com/office/drawing/2014/main" xmlns="" val="20004"/>
                     </a:ext>
                   </a:extLst>
                 </a:gridCol>
                 <a:gridCol w="1131131">
                   <a:extLst>
                     <a:ext uri="{9D8B030D-6E8A-4147-A177-3AD203B41FA5}">
-                      <a16:colId xmlns="" xmlns:a16="http://schemas.microsoft.com/office/drawing/2014/main" val="730367770"/>
+                      <a16:colId xmlns:a16="http://schemas.microsoft.com/office/drawing/2014/main" xmlns="" val="730367770"/>
                     </a:ext>
                   </a:extLst>
                 </a:gridCol>
                 <a:gridCol w="1131131">
                   <a:extLst>
                     <a:ext uri="{9D8B030D-6E8A-4147-A177-3AD203B41FA5}">
-                      <a16:colId xmlns="" xmlns:a16="http://schemas.microsoft.com/office/drawing/2014/main" val="624460300"/>
+                      <a16:colId xmlns:a16="http://schemas.microsoft.com/office/drawing/2014/main" xmlns="" val="624460300"/>
                     </a:ext>
                   </a:extLst>
                 </a:gridCol>
@@ -29035,7 +29108,7 @@
                 </a:tc>
                 <a:extLst>
                   <a:ext uri="{0D108BD9-81ED-4DB2-BD59-A6C34878D82A}">
-                    <a16:rowId xmlns="" xmlns:a16="http://schemas.microsoft.com/office/drawing/2014/main" val="290152553"/>
+                    <a16:rowId xmlns:a16="http://schemas.microsoft.com/office/drawing/2014/main" xmlns="" val="290152553"/>
                   </a:ext>
                 </a:extLst>
               </a:tr>
@@ -29154,7 +29227,7 @@
                 </a:tc>
                 <a:extLst>
                   <a:ext uri="{0D108BD9-81ED-4DB2-BD59-A6C34878D82A}">
-                    <a16:rowId xmlns="" xmlns:a16="http://schemas.microsoft.com/office/drawing/2014/main" val="2028298506"/>
+                    <a16:rowId xmlns:a16="http://schemas.microsoft.com/office/drawing/2014/main" xmlns="" val="2028298506"/>
                   </a:ext>
                 </a:extLst>
               </a:tr>
@@ -29295,7 +29368,7 @@
                 </a:tc>
                 <a:extLst>
                   <a:ext uri="{0D108BD9-81ED-4DB2-BD59-A6C34878D82A}">
-                    <a16:rowId xmlns="" xmlns:a16="http://schemas.microsoft.com/office/drawing/2014/main" val="2660065325"/>
+                    <a16:rowId xmlns:a16="http://schemas.microsoft.com/office/drawing/2014/main" xmlns="" val="2660065325"/>
                   </a:ext>
                 </a:extLst>
               </a:tr>
@@ -29436,7 +29509,7 @@
                 </a:tc>
                 <a:extLst>
                   <a:ext uri="{0D108BD9-81ED-4DB2-BD59-A6C34878D82A}">
-                    <a16:rowId xmlns="" xmlns:a16="http://schemas.microsoft.com/office/drawing/2014/main" val="1596747635"/>
+                    <a16:rowId xmlns:a16="http://schemas.microsoft.com/office/drawing/2014/main" xmlns="" val="1596747635"/>
                   </a:ext>
                 </a:extLst>
               </a:tr>
@@ -29577,7 +29650,7 @@
                 </a:tc>
                 <a:extLst>
                   <a:ext uri="{0D108BD9-81ED-4DB2-BD59-A6C34878D82A}">
-                    <a16:rowId xmlns="" xmlns:a16="http://schemas.microsoft.com/office/drawing/2014/main" val="3774430207"/>
+                    <a16:rowId xmlns:a16="http://schemas.microsoft.com/office/drawing/2014/main" xmlns="" val="3774430207"/>
                   </a:ext>
                 </a:extLst>
               </a:tr>
@@ -29724,7 +29797,7 @@
                 </a:tc>
                 <a:extLst>
                   <a:ext uri="{0D108BD9-81ED-4DB2-BD59-A6C34878D82A}">
-                    <a16:rowId xmlns="" xmlns:a16="http://schemas.microsoft.com/office/drawing/2014/main" val="10005"/>
+                    <a16:rowId xmlns:a16="http://schemas.microsoft.com/office/drawing/2014/main" xmlns="" val="10005"/>
                   </a:ext>
                 </a:extLst>
               </a:tr>
@@ -29887,7 +29960,7 @@
                 </a:tc>
                 <a:extLst>
                   <a:ext uri="{0D108BD9-81ED-4DB2-BD59-A6C34878D82A}">
-                    <a16:rowId xmlns="" xmlns:a16="http://schemas.microsoft.com/office/drawing/2014/main" val="10006"/>
+                    <a16:rowId xmlns:a16="http://schemas.microsoft.com/office/drawing/2014/main" xmlns="" val="10006"/>
                   </a:ext>
                 </a:extLst>
               </a:tr>
@@ -30050,7 +30123,7 @@
                 </a:tc>
                 <a:extLst>
                   <a:ext uri="{0D108BD9-81ED-4DB2-BD59-A6C34878D82A}">
-                    <a16:rowId xmlns="" xmlns:a16="http://schemas.microsoft.com/office/drawing/2014/main" val="10007"/>
+                    <a16:rowId xmlns:a16="http://schemas.microsoft.com/office/drawing/2014/main" xmlns="" val="10007"/>
                   </a:ext>
                 </a:extLst>
               </a:tr>
@@ -30191,7 +30264,7 @@
                 </a:tc>
                 <a:extLst>
                   <a:ext uri="{0D108BD9-81ED-4DB2-BD59-A6C34878D82A}">
-                    <a16:rowId xmlns="" xmlns:a16="http://schemas.microsoft.com/office/drawing/2014/main" val="2717943080"/>
+                    <a16:rowId xmlns:a16="http://schemas.microsoft.com/office/drawing/2014/main" xmlns="" val="2717943080"/>
                   </a:ext>
                 </a:extLst>
               </a:tr>
@@ -30417,7 +30490,7 @@
                 </a:tc>
                 <a:extLst>
                   <a:ext uri="{0D108BD9-81ED-4DB2-BD59-A6C34878D82A}">
-                    <a16:rowId xmlns="" xmlns:a16="http://schemas.microsoft.com/office/drawing/2014/main" val="2802642166"/>
+                    <a16:rowId xmlns:a16="http://schemas.microsoft.com/office/drawing/2014/main" xmlns="" val="2802642166"/>
                   </a:ext>
                 </a:extLst>
               </a:tr>
@@ -30622,7 +30695,7 @@
                 </a:tc>
                 <a:extLst>
                   <a:ext uri="{0D108BD9-81ED-4DB2-BD59-A6C34878D82A}">
-                    <a16:rowId xmlns="" xmlns:a16="http://schemas.microsoft.com/office/drawing/2014/main" val="3968310820"/>
+                    <a16:rowId xmlns:a16="http://schemas.microsoft.com/office/drawing/2014/main" xmlns="" val="3968310820"/>
                   </a:ext>
                 </a:extLst>
               </a:tr>
@@ -30827,7 +30900,7 @@
                 </a:tc>
                 <a:extLst>
                   <a:ext uri="{0D108BD9-81ED-4DB2-BD59-A6C34878D82A}">
-                    <a16:rowId xmlns="" xmlns:a16="http://schemas.microsoft.com/office/drawing/2014/main" val="1715990511"/>
+                    <a16:rowId xmlns:a16="http://schemas.microsoft.com/office/drawing/2014/main" xmlns="" val="1715990511"/>
                   </a:ext>
                 </a:extLst>
               </a:tr>
@@ -31032,7 +31105,7 @@
                 </a:tc>
                 <a:extLst>
                   <a:ext uri="{0D108BD9-81ED-4DB2-BD59-A6C34878D82A}">
-                    <a16:rowId xmlns="" xmlns:a16="http://schemas.microsoft.com/office/drawing/2014/main" val="3192680700"/>
+                    <a16:rowId xmlns:a16="http://schemas.microsoft.com/office/drawing/2014/main" xmlns="" val="3192680700"/>
                   </a:ext>
                 </a:extLst>
               </a:tr>
@@ -31258,84 +31331,84 @@
                 <a:gridCol w="828562">
                   <a:extLst>
                     <a:ext uri="{9D8B030D-6E8A-4147-A177-3AD203B41FA5}">
-                      <a16:colId xmlns="" xmlns:a16="http://schemas.microsoft.com/office/drawing/2014/main" val="20000"/>
+                      <a16:colId xmlns:a16="http://schemas.microsoft.com/office/drawing/2014/main" xmlns="" val="20000"/>
                     </a:ext>
                   </a:extLst>
                 </a:gridCol>
                 <a:gridCol w="828562">
                   <a:extLst>
                     <a:ext uri="{9D8B030D-6E8A-4147-A177-3AD203B41FA5}">
-                      <a16:colId xmlns="" xmlns:a16="http://schemas.microsoft.com/office/drawing/2014/main" val="20001"/>
+                      <a16:colId xmlns:a16="http://schemas.microsoft.com/office/drawing/2014/main" xmlns="" val="20001"/>
                     </a:ext>
                   </a:extLst>
                 </a:gridCol>
                 <a:gridCol w="828562">
                   <a:extLst>
                     <a:ext uri="{9D8B030D-6E8A-4147-A177-3AD203B41FA5}">
-                      <a16:colId xmlns="" xmlns:a16="http://schemas.microsoft.com/office/drawing/2014/main" val="20002"/>
+                      <a16:colId xmlns:a16="http://schemas.microsoft.com/office/drawing/2014/main" xmlns="" val="20002"/>
                     </a:ext>
                   </a:extLst>
                 </a:gridCol>
                 <a:gridCol w="828562">
                   <a:extLst>
                     <a:ext uri="{9D8B030D-6E8A-4147-A177-3AD203B41FA5}">
-                      <a16:colId xmlns="" xmlns:a16="http://schemas.microsoft.com/office/drawing/2014/main" val="20003"/>
+                      <a16:colId xmlns:a16="http://schemas.microsoft.com/office/drawing/2014/main" xmlns="" val="20003"/>
                     </a:ext>
                   </a:extLst>
                 </a:gridCol>
                 <a:gridCol w="828562">
                   <a:extLst>
                     <a:ext uri="{9D8B030D-6E8A-4147-A177-3AD203B41FA5}">
-                      <a16:colId xmlns="" xmlns:a16="http://schemas.microsoft.com/office/drawing/2014/main" val="20004"/>
+                      <a16:colId xmlns:a16="http://schemas.microsoft.com/office/drawing/2014/main" xmlns="" val="20004"/>
                     </a:ext>
                   </a:extLst>
                 </a:gridCol>
                 <a:gridCol w="828562">
                   <a:extLst>
                     <a:ext uri="{9D8B030D-6E8A-4147-A177-3AD203B41FA5}">
-                      <a16:colId xmlns="" xmlns:a16="http://schemas.microsoft.com/office/drawing/2014/main" val="20005"/>
+                      <a16:colId xmlns:a16="http://schemas.microsoft.com/office/drawing/2014/main" xmlns="" val="20005"/>
                     </a:ext>
                   </a:extLst>
                 </a:gridCol>
                 <a:gridCol w="828562">
                   <a:extLst>
                     <a:ext uri="{9D8B030D-6E8A-4147-A177-3AD203B41FA5}">
-                      <a16:colId xmlns="" xmlns:a16="http://schemas.microsoft.com/office/drawing/2014/main" val="20006"/>
+                      <a16:colId xmlns:a16="http://schemas.microsoft.com/office/drawing/2014/main" xmlns="" val="20006"/>
                     </a:ext>
                   </a:extLst>
                 </a:gridCol>
                 <a:gridCol w="828562">
                   <a:extLst>
                     <a:ext uri="{9D8B030D-6E8A-4147-A177-3AD203B41FA5}">
-                      <a16:colId xmlns="" xmlns:a16="http://schemas.microsoft.com/office/drawing/2014/main" val="20007"/>
+                      <a16:colId xmlns:a16="http://schemas.microsoft.com/office/drawing/2014/main" xmlns="" val="20007"/>
                     </a:ext>
                   </a:extLst>
                 </a:gridCol>
                 <a:gridCol w="828562">
                   <a:extLst>
                     <a:ext uri="{9D8B030D-6E8A-4147-A177-3AD203B41FA5}">
-                      <a16:colId xmlns="" xmlns:a16="http://schemas.microsoft.com/office/drawing/2014/main" val="20008"/>
+                      <a16:colId xmlns:a16="http://schemas.microsoft.com/office/drawing/2014/main" xmlns="" val="20008"/>
                     </a:ext>
                   </a:extLst>
                 </a:gridCol>
                 <a:gridCol w="828562">
                   <a:extLst>
                     <a:ext uri="{9D8B030D-6E8A-4147-A177-3AD203B41FA5}">
-                      <a16:colId xmlns="" xmlns:a16="http://schemas.microsoft.com/office/drawing/2014/main" val="20009"/>
+                      <a16:colId xmlns:a16="http://schemas.microsoft.com/office/drawing/2014/main" xmlns="" val="20009"/>
                     </a:ext>
                   </a:extLst>
                 </a:gridCol>
                 <a:gridCol w="828562">
                   <a:extLst>
                     <a:ext uri="{9D8B030D-6E8A-4147-A177-3AD203B41FA5}">
-                      <a16:colId xmlns="" xmlns:a16="http://schemas.microsoft.com/office/drawing/2014/main" val="20010"/>
+                      <a16:colId xmlns:a16="http://schemas.microsoft.com/office/drawing/2014/main" xmlns="" val="20010"/>
                     </a:ext>
                   </a:extLst>
                 </a:gridCol>
                 <a:gridCol w="828562">
                   <a:extLst>
                     <a:ext uri="{9D8B030D-6E8A-4147-A177-3AD203B41FA5}">
-                      <a16:colId xmlns="" xmlns:a16="http://schemas.microsoft.com/office/drawing/2014/main" val="20011"/>
+                      <a16:colId xmlns:a16="http://schemas.microsoft.com/office/drawing/2014/main" xmlns="" val="20011"/>
                     </a:ext>
                   </a:extLst>
                 </a:gridCol>
@@ -31530,7 +31603,7 @@
                 </a:tc>
                 <a:extLst>
                   <a:ext uri="{0D108BD9-81ED-4DB2-BD59-A6C34878D82A}">
-                    <a16:rowId xmlns="" xmlns:a16="http://schemas.microsoft.com/office/drawing/2014/main" val="10000"/>
+                    <a16:rowId xmlns:a16="http://schemas.microsoft.com/office/drawing/2014/main" xmlns="" val="10000"/>
                   </a:ext>
                 </a:extLst>
               </a:tr>
@@ -31871,7 +31944,7 @@
                 </a:tc>
                 <a:extLst>
                   <a:ext uri="{0D108BD9-81ED-4DB2-BD59-A6C34878D82A}">
-                    <a16:rowId xmlns="" xmlns:a16="http://schemas.microsoft.com/office/drawing/2014/main" val="10001"/>
+                    <a16:rowId xmlns:a16="http://schemas.microsoft.com/office/drawing/2014/main" xmlns="" val="10001"/>
                   </a:ext>
                 </a:extLst>
               </a:tr>
@@ -32181,7 +32254,7 @@
                 </a:tc>
                 <a:extLst>
                   <a:ext uri="{0D108BD9-81ED-4DB2-BD59-A6C34878D82A}">
-                    <a16:rowId xmlns="" xmlns:a16="http://schemas.microsoft.com/office/drawing/2014/main" val="10002"/>
+                    <a16:rowId xmlns:a16="http://schemas.microsoft.com/office/drawing/2014/main" xmlns="" val="10002"/>
                   </a:ext>
                 </a:extLst>
               </a:tr>
@@ -32509,7 +32582,7 @@
                 </a:tc>
                 <a:extLst>
                   <a:ext uri="{0D108BD9-81ED-4DB2-BD59-A6C34878D82A}">
-                    <a16:rowId xmlns="" xmlns:a16="http://schemas.microsoft.com/office/drawing/2014/main" val="10003"/>
+                    <a16:rowId xmlns:a16="http://schemas.microsoft.com/office/drawing/2014/main" xmlns="" val="10003"/>
                   </a:ext>
                 </a:extLst>
               </a:tr>
@@ -32842,7 +32915,7 @@
                 </a:tc>
                 <a:extLst>
                   <a:ext uri="{0D108BD9-81ED-4DB2-BD59-A6C34878D82A}">
-                    <a16:rowId xmlns="" xmlns:a16="http://schemas.microsoft.com/office/drawing/2014/main" val="10004"/>
+                    <a16:rowId xmlns:a16="http://schemas.microsoft.com/office/drawing/2014/main" xmlns="" val="10004"/>
                   </a:ext>
                 </a:extLst>
               </a:tr>
@@ -33175,7 +33248,7 @@
                 </a:tc>
                 <a:extLst>
                   <a:ext uri="{0D108BD9-81ED-4DB2-BD59-A6C34878D82A}">
-                    <a16:rowId xmlns="" xmlns:a16="http://schemas.microsoft.com/office/drawing/2014/main" val="10005"/>
+                    <a16:rowId xmlns:a16="http://schemas.microsoft.com/office/drawing/2014/main" xmlns="" val="10005"/>
                   </a:ext>
                 </a:extLst>
               </a:tr>
@@ -33542,49 +33615,49 @@
                 <a:gridCol w="1693061">
                   <a:extLst>
                     <a:ext uri="{9D8B030D-6E8A-4147-A177-3AD203B41FA5}">
-                      <a16:colId xmlns="" xmlns:a16="http://schemas.microsoft.com/office/drawing/2014/main" val="596459514"/>
+                      <a16:colId xmlns:a16="http://schemas.microsoft.com/office/drawing/2014/main" xmlns="" val="596459514"/>
                     </a:ext>
                   </a:extLst>
                 </a:gridCol>
                 <a:gridCol w="1105830">
                   <a:extLst>
                     <a:ext uri="{9D8B030D-6E8A-4147-A177-3AD203B41FA5}">
-                      <a16:colId xmlns="" xmlns:a16="http://schemas.microsoft.com/office/drawing/2014/main" val="1104773170"/>
+                      <a16:colId xmlns:a16="http://schemas.microsoft.com/office/drawing/2014/main" xmlns="" val="1104773170"/>
                     </a:ext>
                   </a:extLst>
                 </a:gridCol>
                 <a:gridCol w="1105830">
                   <a:extLst>
                     <a:ext uri="{9D8B030D-6E8A-4147-A177-3AD203B41FA5}">
-                      <a16:colId xmlns="" xmlns:a16="http://schemas.microsoft.com/office/drawing/2014/main" val="2628879976"/>
+                      <a16:colId xmlns:a16="http://schemas.microsoft.com/office/drawing/2014/main" xmlns="" val="2628879976"/>
                     </a:ext>
                   </a:extLst>
                 </a:gridCol>
                 <a:gridCol w="1105830">
                   <a:extLst>
                     <a:ext uri="{9D8B030D-6E8A-4147-A177-3AD203B41FA5}">
-                      <a16:colId xmlns="" xmlns:a16="http://schemas.microsoft.com/office/drawing/2014/main" val="3824673393"/>
+                      <a16:colId xmlns:a16="http://schemas.microsoft.com/office/drawing/2014/main" xmlns="" val="3824673393"/>
                     </a:ext>
                   </a:extLst>
                 </a:gridCol>
                 <a:gridCol w="1105830">
                   <a:extLst>
                     <a:ext uri="{9D8B030D-6E8A-4147-A177-3AD203B41FA5}">
-                      <a16:colId xmlns="" xmlns:a16="http://schemas.microsoft.com/office/drawing/2014/main" val="1207929680"/>
+                      <a16:colId xmlns:a16="http://schemas.microsoft.com/office/drawing/2014/main" xmlns="" val="1207929680"/>
                     </a:ext>
                   </a:extLst>
                 </a:gridCol>
                 <a:gridCol w="1105830">
                   <a:extLst>
                     <a:ext uri="{9D8B030D-6E8A-4147-A177-3AD203B41FA5}">
-                      <a16:colId xmlns="" xmlns:a16="http://schemas.microsoft.com/office/drawing/2014/main" val="196725124"/>
+                      <a16:colId xmlns:a16="http://schemas.microsoft.com/office/drawing/2014/main" xmlns="" val="196725124"/>
                     </a:ext>
                   </a:extLst>
                 </a:gridCol>
                 <a:gridCol w="1105830">
                   <a:extLst>
                     <a:ext uri="{9D8B030D-6E8A-4147-A177-3AD203B41FA5}">
-                      <a16:colId xmlns="" xmlns:a16="http://schemas.microsoft.com/office/drawing/2014/main" val="4015488069"/>
+                      <a16:colId xmlns:a16="http://schemas.microsoft.com/office/drawing/2014/main" xmlns="" val="4015488069"/>
                     </a:ext>
                   </a:extLst>
                 </a:gridCol>
@@ -33694,7 +33767,7 @@
                 </a:tc>
                 <a:extLst>
                   <a:ext uri="{0D108BD9-81ED-4DB2-BD59-A6C34878D82A}">
-                    <a16:rowId xmlns="" xmlns:a16="http://schemas.microsoft.com/office/drawing/2014/main" val="2450048256"/>
+                    <a16:rowId xmlns:a16="http://schemas.microsoft.com/office/drawing/2014/main" xmlns="" val="2450048256"/>
                   </a:ext>
                 </a:extLst>
               </a:tr>
@@ -33834,7 +33907,7 @@
                 </a:tc>
                 <a:extLst>
                   <a:ext uri="{0D108BD9-81ED-4DB2-BD59-A6C34878D82A}">
-                    <a16:rowId xmlns="" xmlns:a16="http://schemas.microsoft.com/office/drawing/2014/main" val="1007795033"/>
+                    <a16:rowId xmlns:a16="http://schemas.microsoft.com/office/drawing/2014/main" xmlns="" val="1007795033"/>
                   </a:ext>
                 </a:extLst>
               </a:tr>
@@ -33970,7 +34043,7 @@
                 </a:tc>
                 <a:extLst>
                   <a:ext uri="{0D108BD9-81ED-4DB2-BD59-A6C34878D82A}">
-                    <a16:rowId xmlns="" xmlns:a16="http://schemas.microsoft.com/office/drawing/2014/main" val="3123214655"/>
+                    <a16:rowId xmlns:a16="http://schemas.microsoft.com/office/drawing/2014/main" xmlns="" val="3123214655"/>
                   </a:ext>
                 </a:extLst>
               </a:tr>
@@ -34116,35 +34189,35 @@
                 <a:gridCol w="1104280">
                   <a:extLst>
                     <a:ext uri="{9D8B030D-6E8A-4147-A177-3AD203B41FA5}">
-                      <a16:colId xmlns="" xmlns:a16="http://schemas.microsoft.com/office/drawing/2014/main" val="596459514"/>
+                      <a16:colId xmlns:a16="http://schemas.microsoft.com/office/drawing/2014/main" xmlns="" val="596459514"/>
                     </a:ext>
                   </a:extLst>
                 </a:gridCol>
                 <a:gridCol w="1082993">
                   <a:extLst>
                     <a:ext uri="{9D8B030D-6E8A-4147-A177-3AD203B41FA5}">
-                      <a16:colId xmlns="" xmlns:a16="http://schemas.microsoft.com/office/drawing/2014/main" val="1104773170"/>
+                      <a16:colId xmlns:a16="http://schemas.microsoft.com/office/drawing/2014/main" xmlns="" val="1104773170"/>
                     </a:ext>
                   </a:extLst>
                 </a:gridCol>
                 <a:gridCol w="1082993">
                   <a:extLst>
                     <a:ext uri="{9D8B030D-6E8A-4147-A177-3AD203B41FA5}">
-                      <a16:colId xmlns="" xmlns:a16="http://schemas.microsoft.com/office/drawing/2014/main" val="2628879976"/>
+                      <a16:colId xmlns:a16="http://schemas.microsoft.com/office/drawing/2014/main" xmlns="" val="2628879976"/>
                     </a:ext>
                   </a:extLst>
                 </a:gridCol>
                 <a:gridCol w="1082993">
                   <a:extLst>
                     <a:ext uri="{9D8B030D-6E8A-4147-A177-3AD203B41FA5}">
-                      <a16:colId xmlns="" xmlns:a16="http://schemas.microsoft.com/office/drawing/2014/main" val="3824673393"/>
+                      <a16:colId xmlns:a16="http://schemas.microsoft.com/office/drawing/2014/main" xmlns="" val="3824673393"/>
                     </a:ext>
                   </a:extLst>
                 </a:gridCol>
                 <a:gridCol w="1082993">
                   <a:extLst>
                     <a:ext uri="{9D8B030D-6E8A-4147-A177-3AD203B41FA5}">
-                      <a16:colId xmlns="" xmlns:a16="http://schemas.microsoft.com/office/drawing/2014/main" val="20004"/>
+                      <a16:colId xmlns:a16="http://schemas.microsoft.com/office/drawing/2014/main" xmlns="" val="20004"/>
                     </a:ext>
                   </a:extLst>
                 </a:gridCol>
@@ -34237,7 +34310,7 @@
                 </a:tc>
                 <a:extLst>
                   <a:ext uri="{0D108BD9-81ED-4DB2-BD59-A6C34878D82A}">
-                    <a16:rowId xmlns="" xmlns:a16="http://schemas.microsoft.com/office/drawing/2014/main" val="2450048256"/>
+                    <a16:rowId xmlns:a16="http://schemas.microsoft.com/office/drawing/2014/main" xmlns="" val="2450048256"/>
                   </a:ext>
                 </a:extLst>
               </a:tr>
@@ -34439,7 +34512,7 @@
                 </a:tc>
                 <a:extLst>
                   <a:ext uri="{0D108BD9-81ED-4DB2-BD59-A6C34878D82A}">
-                    <a16:rowId xmlns="" xmlns:a16="http://schemas.microsoft.com/office/drawing/2014/main" val="1007795033"/>
+                    <a16:rowId xmlns:a16="http://schemas.microsoft.com/office/drawing/2014/main" xmlns="" val="1007795033"/>
                   </a:ext>
                 </a:extLst>
               </a:tr>
@@ -34539,7 +34612,7 @@
                 </a:tc>
                 <a:extLst>
                   <a:ext uri="{0D108BD9-81ED-4DB2-BD59-A6C34878D82A}">
-                    <a16:rowId xmlns="" xmlns:a16="http://schemas.microsoft.com/office/drawing/2014/main" val="3123214655"/>
+                    <a16:rowId xmlns:a16="http://schemas.microsoft.com/office/drawing/2014/main" xmlns="" val="3123214655"/>
                   </a:ext>
                 </a:extLst>
               </a:tr>
@@ -34845,70 +34918,70 @@
                 <a:gridCol w="960187">
                   <a:extLst>
                     <a:ext uri="{9D8B030D-6E8A-4147-A177-3AD203B41FA5}">
-                      <a16:colId xmlns="" xmlns:a16="http://schemas.microsoft.com/office/drawing/2014/main" val="20003"/>
+                      <a16:colId xmlns:a16="http://schemas.microsoft.com/office/drawing/2014/main" xmlns="" val="20003"/>
                     </a:ext>
                   </a:extLst>
                 </a:gridCol>
                 <a:gridCol w="893677">
                   <a:extLst>
                     <a:ext uri="{9D8B030D-6E8A-4147-A177-3AD203B41FA5}">
-                      <a16:colId xmlns="" xmlns:a16="http://schemas.microsoft.com/office/drawing/2014/main" val="3258888783"/>
+                      <a16:colId xmlns:a16="http://schemas.microsoft.com/office/drawing/2014/main" xmlns="" val="3258888783"/>
                     </a:ext>
                   </a:extLst>
                 </a:gridCol>
                 <a:gridCol w="792575">
                   <a:extLst>
                     <a:ext uri="{9D8B030D-6E8A-4147-A177-3AD203B41FA5}">
-                      <a16:colId xmlns="" xmlns:a16="http://schemas.microsoft.com/office/drawing/2014/main" val="20002"/>
+                      <a16:colId xmlns:a16="http://schemas.microsoft.com/office/drawing/2014/main" xmlns="" val="20002"/>
                     </a:ext>
                   </a:extLst>
                 </a:gridCol>
                 <a:gridCol w="519885">
                   <a:extLst>
                     <a:ext uri="{9D8B030D-6E8A-4147-A177-3AD203B41FA5}">
-                      <a16:colId xmlns="" xmlns:a16="http://schemas.microsoft.com/office/drawing/2014/main" val="20004"/>
+                      <a16:colId xmlns:a16="http://schemas.microsoft.com/office/drawing/2014/main" xmlns="" val="20004"/>
                     </a:ext>
                   </a:extLst>
                 </a:gridCol>
                 <a:gridCol w="519885">
                   <a:extLst>
                     <a:ext uri="{9D8B030D-6E8A-4147-A177-3AD203B41FA5}">
-                      <a16:colId xmlns="" xmlns:a16="http://schemas.microsoft.com/office/drawing/2014/main" val="20006"/>
+                      <a16:colId xmlns:a16="http://schemas.microsoft.com/office/drawing/2014/main" xmlns="" val="20006"/>
                     </a:ext>
                   </a:extLst>
                 </a:gridCol>
                 <a:gridCol w="519885">
                   <a:extLst>
                     <a:ext uri="{9D8B030D-6E8A-4147-A177-3AD203B41FA5}">
-                      <a16:colId xmlns="" xmlns:a16="http://schemas.microsoft.com/office/drawing/2014/main" val="20007"/>
+                      <a16:colId xmlns:a16="http://schemas.microsoft.com/office/drawing/2014/main" xmlns="" val="20007"/>
                     </a:ext>
                   </a:extLst>
                 </a:gridCol>
                 <a:gridCol w="700220">
                   <a:extLst>
                     <a:ext uri="{9D8B030D-6E8A-4147-A177-3AD203B41FA5}">
-                      <a16:colId xmlns="" xmlns:a16="http://schemas.microsoft.com/office/drawing/2014/main" val="20008"/>
+                      <a16:colId xmlns:a16="http://schemas.microsoft.com/office/drawing/2014/main" xmlns="" val="20008"/>
                     </a:ext>
                   </a:extLst>
                 </a:gridCol>
                 <a:gridCol w="814245">
                   <a:extLst>
                     <a:ext uri="{9D8B030D-6E8A-4147-A177-3AD203B41FA5}">
-                      <a16:colId xmlns="" xmlns:a16="http://schemas.microsoft.com/office/drawing/2014/main" val="20009"/>
+                      <a16:colId xmlns:a16="http://schemas.microsoft.com/office/drawing/2014/main" xmlns="" val="20009"/>
                     </a:ext>
                   </a:extLst>
                 </a:gridCol>
                 <a:gridCol w="814245">
                   <a:extLst>
                     <a:ext uri="{9D8B030D-6E8A-4147-A177-3AD203B41FA5}">
-                      <a16:colId xmlns="" xmlns:a16="http://schemas.microsoft.com/office/drawing/2014/main" val="20005"/>
+                      <a16:colId xmlns:a16="http://schemas.microsoft.com/office/drawing/2014/main" xmlns="" val="20005"/>
                     </a:ext>
                   </a:extLst>
                 </a:gridCol>
                 <a:gridCol w="814245">
                   <a:extLst>
                     <a:ext uri="{9D8B030D-6E8A-4147-A177-3AD203B41FA5}">
-                      <a16:colId xmlns="" xmlns:a16="http://schemas.microsoft.com/office/drawing/2014/main" val="20010"/>
+                      <a16:colId xmlns:a16="http://schemas.microsoft.com/office/drawing/2014/main" xmlns="" val="20010"/>
                     </a:ext>
                   </a:extLst>
                 </a:gridCol>
@@ -35051,7 +35124,7 @@
                 </a:tc>
                 <a:extLst>
                   <a:ext uri="{0D108BD9-81ED-4DB2-BD59-A6C34878D82A}">
-                    <a16:rowId xmlns="" xmlns:a16="http://schemas.microsoft.com/office/drawing/2014/main" val="4157930470"/>
+                    <a16:rowId xmlns:a16="http://schemas.microsoft.com/office/drawing/2014/main" xmlns="" val="4157930470"/>
                   </a:ext>
                 </a:extLst>
               </a:tr>
@@ -35311,7 +35384,7 @@
                 </a:tc>
                 <a:extLst>
                   <a:ext uri="{0D108BD9-81ED-4DB2-BD59-A6C34878D82A}">
-                    <a16:rowId xmlns="" xmlns:a16="http://schemas.microsoft.com/office/drawing/2014/main" val="1942208770"/>
+                    <a16:rowId xmlns:a16="http://schemas.microsoft.com/office/drawing/2014/main" xmlns="" val="1942208770"/>
                   </a:ext>
                 </a:extLst>
               </a:tr>
@@ -35530,7 +35603,7 @@
                 </a:tc>
                 <a:extLst>
                   <a:ext uri="{0D108BD9-81ED-4DB2-BD59-A6C34878D82A}">
-                    <a16:rowId xmlns="" xmlns:a16="http://schemas.microsoft.com/office/drawing/2014/main" val="10004"/>
+                    <a16:rowId xmlns:a16="http://schemas.microsoft.com/office/drawing/2014/main" xmlns="" val="10004"/>
                   </a:ext>
                 </a:extLst>
               </a:tr>
@@ -35791,7 +35864,7 @@
                 </a:tc>
                 <a:extLst>
                   <a:ext uri="{0D108BD9-81ED-4DB2-BD59-A6C34878D82A}">
-                    <a16:rowId xmlns="" xmlns:a16="http://schemas.microsoft.com/office/drawing/2014/main" val="134965533"/>
+                    <a16:rowId xmlns:a16="http://schemas.microsoft.com/office/drawing/2014/main" xmlns="" val="134965533"/>
                   </a:ext>
                 </a:extLst>
               </a:tr>
@@ -36184,77 +36257,77 @@
                 <a:gridCol w="957305">
                   <a:extLst>
                     <a:ext uri="{9D8B030D-6E8A-4147-A177-3AD203B41FA5}">
-                      <a16:colId xmlns="" xmlns:a16="http://schemas.microsoft.com/office/drawing/2014/main" val="20000"/>
+                      <a16:colId xmlns:a16="http://schemas.microsoft.com/office/drawing/2014/main" xmlns="" val="20000"/>
                     </a:ext>
                   </a:extLst>
                 </a:gridCol>
                 <a:gridCol w="889770">
                   <a:extLst>
                     <a:ext uri="{9D8B030D-6E8A-4147-A177-3AD203B41FA5}">
-                      <a16:colId xmlns="" xmlns:a16="http://schemas.microsoft.com/office/drawing/2014/main" val="20001"/>
+                      <a16:colId xmlns:a16="http://schemas.microsoft.com/office/drawing/2014/main" xmlns="" val="20001"/>
                     </a:ext>
                   </a:extLst>
                 </a:gridCol>
                 <a:gridCol w="643470">
                   <a:extLst>
                     <a:ext uri="{9D8B030D-6E8A-4147-A177-3AD203B41FA5}">
-                      <a16:colId xmlns="" xmlns:a16="http://schemas.microsoft.com/office/drawing/2014/main" val="20002"/>
+                      <a16:colId xmlns:a16="http://schemas.microsoft.com/office/drawing/2014/main" xmlns="" val="20002"/>
                     </a:ext>
                   </a:extLst>
                 </a:gridCol>
                 <a:gridCol w="597600">
                   <a:extLst>
                     <a:ext uri="{9D8B030D-6E8A-4147-A177-3AD203B41FA5}">
-                      <a16:colId xmlns="" xmlns:a16="http://schemas.microsoft.com/office/drawing/2014/main" val="20003"/>
+                      <a16:colId xmlns:a16="http://schemas.microsoft.com/office/drawing/2014/main" xmlns="" val="20003"/>
                     </a:ext>
                   </a:extLst>
                 </a:gridCol>
                 <a:gridCol w="597600">
                   <a:extLst>
                     <a:ext uri="{9D8B030D-6E8A-4147-A177-3AD203B41FA5}">
-                      <a16:colId xmlns="" xmlns:a16="http://schemas.microsoft.com/office/drawing/2014/main" val="20004"/>
+                      <a16:colId xmlns:a16="http://schemas.microsoft.com/office/drawing/2014/main" xmlns="" val="20004"/>
                     </a:ext>
                   </a:extLst>
                 </a:gridCol>
                 <a:gridCol w="683238">
                   <a:extLst>
                     <a:ext uri="{9D8B030D-6E8A-4147-A177-3AD203B41FA5}">
-                      <a16:colId xmlns="" xmlns:a16="http://schemas.microsoft.com/office/drawing/2014/main" val="20005"/>
+                      <a16:colId xmlns:a16="http://schemas.microsoft.com/office/drawing/2014/main" xmlns="" val="20005"/>
                     </a:ext>
                   </a:extLst>
                 </a:gridCol>
                 <a:gridCol w="683238">
                   <a:extLst>
                     <a:ext uri="{9D8B030D-6E8A-4147-A177-3AD203B41FA5}">
-                      <a16:colId xmlns="" xmlns:a16="http://schemas.microsoft.com/office/drawing/2014/main" val="20006"/>
+                      <a16:colId xmlns:a16="http://schemas.microsoft.com/office/drawing/2014/main" xmlns="" val="20006"/>
                     </a:ext>
                   </a:extLst>
                 </a:gridCol>
                 <a:gridCol w="683238">
                   <a:extLst>
                     <a:ext uri="{9D8B030D-6E8A-4147-A177-3AD203B41FA5}">
-                      <a16:colId xmlns="" xmlns:a16="http://schemas.microsoft.com/office/drawing/2014/main" val="20007"/>
+                      <a16:colId xmlns:a16="http://schemas.microsoft.com/office/drawing/2014/main" xmlns="" val="20007"/>
                     </a:ext>
                   </a:extLst>
                 </a:gridCol>
                 <a:gridCol w="683238">
                   <a:extLst>
                     <a:ext uri="{9D8B030D-6E8A-4147-A177-3AD203B41FA5}">
-                      <a16:colId xmlns="" xmlns:a16="http://schemas.microsoft.com/office/drawing/2014/main" val="20008"/>
+                      <a16:colId xmlns:a16="http://schemas.microsoft.com/office/drawing/2014/main" xmlns="" val="20008"/>
                     </a:ext>
                   </a:extLst>
                 </a:gridCol>
                 <a:gridCol w="683238">
                   <a:extLst>
                     <a:ext uri="{9D8B030D-6E8A-4147-A177-3AD203B41FA5}">
-                      <a16:colId xmlns="" xmlns:a16="http://schemas.microsoft.com/office/drawing/2014/main" val="20009"/>
+                      <a16:colId xmlns:a16="http://schemas.microsoft.com/office/drawing/2014/main" xmlns="" val="20009"/>
                     </a:ext>
                   </a:extLst>
                 </a:gridCol>
                 <a:gridCol w="683238">
                   <a:extLst>
                     <a:ext uri="{9D8B030D-6E8A-4147-A177-3AD203B41FA5}">
-                      <a16:colId xmlns="" xmlns:a16="http://schemas.microsoft.com/office/drawing/2014/main" val="20010"/>
+                      <a16:colId xmlns:a16="http://schemas.microsoft.com/office/drawing/2014/main" xmlns="" val="20010"/>
                     </a:ext>
                   </a:extLst>
                 </a:gridCol>
@@ -36547,7 +36620,7 @@
                 </a:tc>
                 <a:extLst>
                   <a:ext uri="{0D108BD9-81ED-4DB2-BD59-A6C34878D82A}">
-                    <a16:rowId xmlns="" xmlns:a16="http://schemas.microsoft.com/office/drawing/2014/main" val="10000"/>
+                    <a16:rowId xmlns:a16="http://schemas.microsoft.com/office/drawing/2014/main" xmlns="" val="10000"/>
                   </a:ext>
                 </a:extLst>
               </a:tr>
@@ -36974,7 +37047,7 @@
                 </a:tc>
                 <a:extLst>
                   <a:ext uri="{0D108BD9-81ED-4DB2-BD59-A6C34878D82A}">
-                    <a16:rowId xmlns="" xmlns:a16="http://schemas.microsoft.com/office/drawing/2014/main" val="10001"/>
+                    <a16:rowId xmlns:a16="http://schemas.microsoft.com/office/drawing/2014/main" xmlns="" val="10001"/>
                   </a:ext>
                 </a:extLst>
               </a:tr>
@@ -37142,7 +37215,7 @@
                         <a:defRPr/>
                       </a:pPr>
                       <a:r>
-                        <a:rPr lang="en-US" altLang="zh-TW" sz="1200" b="0" kern="0" smtClean="0">
+                        <a:rPr lang="en-US" altLang="zh-TW" sz="1200" b="0" kern="0">
                           <a:solidFill>
                             <a:srgbClr val="C00000"/>
                           </a:solidFill>
@@ -37183,7 +37256,7 @@
                         <a:defRPr/>
                       </a:pPr>
                       <a:r>
-                        <a:rPr lang="en-US" altLang="zh-TW" sz="1200" b="0" kern="0" dirty="0" smtClean="0">
+                        <a:rPr lang="en-US" altLang="zh-TW" sz="1200" b="0" kern="0" dirty="0">
                           <a:solidFill>
                             <a:srgbClr val="C00000"/>
                           </a:solidFill>
@@ -37251,7 +37324,7 @@
                         <a:defRPr/>
                       </a:pPr>
                       <a:r>
-                        <a:rPr lang="en-US" altLang="zh-TW" sz="1200" b="0" kern="0" dirty="0" smtClean="0">
+                        <a:rPr lang="en-US" altLang="zh-TW" sz="1200" b="0" kern="0" dirty="0">
                           <a:solidFill>
                             <a:srgbClr val="C00000"/>
                           </a:solidFill>
@@ -37325,7 +37398,7 @@
                 </a:tc>
                 <a:extLst>
                   <a:ext uri="{0D108BD9-81ED-4DB2-BD59-A6C34878D82A}">
-                    <a16:rowId xmlns="" xmlns:a16="http://schemas.microsoft.com/office/drawing/2014/main" val="10002"/>
+                    <a16:rowId xmlns:a16="http://schemas.microsoft.com/office/drawing/2014/main" xmlns="" val="10002"/>
                   </a:ext>
                 </a:extLst>
               </a:tr>
@@ -37486,7 +37559,7 @@
                     <a:p>
                       <a:pPr algn="ctr"/>
                       <a:r>
-                        <a:rPr lang="zh-TW" altLang="en-US" sz="1200" kern="1200" dirty="0" smtClean="0">
+                        <a:rPr lang="zh-TW" altLang="en-US" sz="1200" kern="1200" dirty="0">
                           <a:solidFill>
                             <a:schemeClr val="tx1"/>
                           </a:solidFill>
@@ -37515,7 +37588,7 @@
                     <a:p>
                       <a:pPr algn="ctr"/>
                       <a:r>
-                        <a:rPr lang="zh-TW" altLang="en-US" sz="1200" kern="1200" dirty="0" smtClean="0">
+                        <a:rPr lang="zh-TW" altLang="en-US" sz="1200" kern="1200" dirty="0">
                           <a:solidFill>
                             <a:schemeClr val="tx1"/>
                           </a:solidFill>
@@ -37647,7 +37720,7 @@
                 </a:tc>
                 <a:extLst>
                   <a:ext uri="{0D108BD9-81ED-4DB2-BD59-A6C34878D82A}">
-                    <a16:rowId xmlns="" xmlns:a16="http://schemas.microsoft.com/office/drawing/2014/main" val="10003"/>
+                    <a16:rowId xmlns:a16="http://schemas.microsoft.com/office/drawing/2014/main" xmlns="" val="10003"/>
                   </a:ext>
                 </a:extLst>
               </a:tr>
@@ -37799,7 +37872,7 @@
                     <a:p>
                       <a:pPr algn="ctr"/>
                       <a:r>
-                        <a:rPr lang="zh-TW" altLang="en-US" sz="1200" kern="1200" dirty="0" smtClean="0">
+                        <a:rPr lang="zh-TW" altLang="en-US" sz="1200" kern="1200" dirty="0">
                           <a:solidFill>
                             <a:schemeClr val="tx1"/>
                           </a:solidFill>
@@ -37828,7 +37901,7 @@
                     <a:p>
                       <a:pPr algn="ctr"/>
                       <a:r>
-                        <a:rPr lang="zh-TW" altLang="en-US" sz="1200" kern="1200" dirty="0" smtClean="0">
+                        <a:rPr lang="zh-TW" altLang="en-US" sz="1200" kern="1200" dirty="0">
                           <a:solidFill>
                             <a:schemeClr val="tx1"/>
                           </a:solidFill>
@@ -37884,7 +37957,7 @@
                     <a:p>
                       <a:pPr algn="ctr"/>
                       <a:r>
-                        <a:rPr lang="zh-TW" altLang="en-US" sz="1200" kern="1200" smtClean="0">
+                        <a:rPr lang="zh-TW" altLang="en-US" sz="1200" kern="1200">
                           <a:solidFill>
                             <a:schemeClr val="tx1"/>
                           </a:solidFill>
@@ -37962,7 +38035,7 @@
                 </a:tc>
                 <a:extLst>
                   <a:ext uri="{0D108BD9-81ED-4DB2-BD59-A6C34878D82A}">
-                    <a16:rowId xmlns="" xmlns:a16="http://schemas.microsoft.com/office/drawing/2014/main" val="10004"/>
+                    <a16:rowId xmlns:a16="http://schemas.microsoft.com/office/drawing/2014/main" xmlns="" val="10004"/>
                   </a:ext>
                 </a:extLst>
               </a:tr>
@@ -38130,7 +38203,7 @@
                     <a:p>
                       <a:pPr algn="ctr"/>
                       <a:r>
-                        <a:rPr lang="zh-TW" altLang="en-US" sz="1200" kern="1200" dirty="0" smtClean="0">
+                        <a:rPr lang="zh-TW" altLang="en-US" sz="1200" kern="1200" dirty="0">
                           <a:solidFill>
                             <a:schemeClr val="tx1"/>
                           </a:solidFill>
@@ -38159,7 +38232,7 @@
                     <a:p>
                       <a:pPr algn="ctr"/>
                       <a:r>
-                        <a:rPr lang="zh-TW" altLang="en-US" sz="1200" kern="1200" dirty="0" smtClean="0">
+                        <a:rPr lang="zh-TW" altLang="en-US" sz="1200" kern="1200" dirty="0">
                           <a:solidFill>
                             <a:schemeClr val="tx1"/>
                           </a:solidFill>
@@ -38215,7 +38288,7 @@
                     <a:p>
                       <a:pPr algn="ctr"/>
                       <a:r>
-                        <a:rPr lang="zh-TW" altLang="en-US" sz="1200" kern="1200" dirty="0" smtClean="0">
+                        <a:rPr lang="zh-TW" altLang="en-US" sz="1200" kern="1200" dirty="0">
                           <a:solidFill>
                             <a:schemeClr val="tx1"/>
                           </a:solidFill>
@@ -38293,7 +38366,7 @@
                 </a:tc>
                 <a:extLst>
                   <a:ext uri="{0D108BD9-81ED-4DB2-BD59-A6C34878D82A}">
-                    <a16:rowId xmlns="" xmlns:a16="http://schemas.microsoft.com/office/drawing/2014/main" val="10005"/>
+                    <a16:rowId xmlns:a16="http://schemas.microsoft.com/office/drawing/2014/main" xmlns="" val="10005"/>
                   </a:ext>
                 </a:extLst>
               </a:tr>
@@ -38461,7 +38534,7 @@
                     <a:p>
                       <a:pPr algn="ctr"/>
                       <a:r>
-                        <a:rPr lang="zh-TW" altLang="en-US" sz="1200" kern="1200" dirty="0" smtClean="0">
+                        <a:rPr lang="zh-TW" altLang="en-US" sz="1200" kern="1200" dirty="0">
                           <a:solidFill>
                             <a:schemeClr val="tx1"/>
                           </a:solidFill>
@@ -38490,7 +38563,7 @@
                     <a:p>
                       <a:pPr algn="ctr"/>
                       <a:r>
-                        <a:rPr lang="zh-TW" altLang="en-US" sz="1200" kern="1200" dirty="0" smtClean="0">
+                        <a:rPr lang="zh-TW" altLang="en-US" sz="1200" kern="1200" dirty="0">
                           <a:solidFill>
                             <a:schemeClr val="tx1"/>
                           </a:solidFill>
@@ -38546,7 +38619,7 @@
                     <a:p>
                       <a:pPr algn="ctr"/>
                       <a:r>
-                        <a:rPr lang="zh-TW" altLang="en-US" sz="1200" kern="1200" dirty="0" smtClean="0">
+                        <a:rPr lang="zh-TW" altLang="en-US" sz="1200" kern="1200" dirty="0">
                           <a:solidFill>
                             <a:schemeClr val="tx1"/>
                           </a:solidFill>
@@ -38624,7 +38697,7 @@
                 </a:tc>
                 <a:extLst>
                   <a:ext uri="{0D108BD9-81ED-4DB2-BD59-A6C34878D82A}">
-                    <a16:rowId xmlns="" xmlns:a16="http://schemas.microsoft.com/office/drawing/2014/main" val="10006"/>
+                    <a16:rowId xmlns:a16="http://schemas.microsoft.com/office/drawing/2014/main" xmlns="" val="10006"/>
                   </a:ext>
                 </a:extLst>
               </a:tr>
@@ -38792,7 +38865,7 @@
                     <a:p>
                       <a:pPr algn="ctr"/>
                       <a:r>
-                        <a:rPr lang="zh-TW" altLang="en-US" sz="1200" kern="1200" dirty="0" smtClean="0">
+                        <a:rPr lang="zh-TW" altLang="en-US" sz="1200" kern="1200" dirty="0">
                           <a:solidFill>
                             <a:schemeClr val="tx1"/>
                           </a:solidFill>
@@ -38821,7 +38894,7 @@
                     <a:p>
                       <a:pPr algn="ctr"/>
                       <a:r>
-                        <a:rPr lang="zh-TW" altLang="en-US" sz="1200" kern="1200" dirty="0" smtClean="0">
+                        <a:rPr lang="zh-TW" altLang="en-US" sz="1200" kern="1200" dirty="0">
                           <a:solidFill>
                             <a:schemeClr val="tx1"/>
                           </a:solidFill>
@@ -38877,7 +38950,7 @@
                     <a:p>
                       <a:pPr algn="ctr"/>
                       <a:r>
-                        <a:rPr lang="zh-TW" altLang="en-US" sz="1200" kern="1200" smtClean="0">
+                        <a:rPr lang="zh-TW" altLang="en-US" sz="1200" kern="1200">
                           <a:solidFill>
                             <a:schemeClr val="tx1"/>
                           </a:solidFill>
@@ -38955,7 +39028,7 @@
                 </a:tc>
                 <a:extLst>
                   <a:ext uri="{0D108BD9-81ED-4DB2-BD59-A6C34878D82A}">
-                    <a16:rowId xmlns="" xmlns:a16="http://schemas.microsoft.com/office/drawing/2014/main" val="10007"/>
+                    <a16:rowId xmlns:a16="http://schemas.microsoft.com/office/drawing/2014/main" xmlns="" val="10007"/>
                   </a:ext>
                 </a:extLst>
               </a:tr>
@@ -39123,7 +39196,7 @@
                     <a:p>
                       <a:pPr algn="ctr"/>
                       <a:r>
-                        <a:rPr lang="zh-TW" altLang="en-US" sz="1200" kern="1200" dirty="0" smtClean="0">
+                        <a:rPr lang="zh-TW" altLang="en-US" sz="1200" kern="1200" dirty="0">
                           <a:solidFill>
                             <a:schemeClr val="tx1"/>
                           </a:solidFill>
@@ -39152,7 +39225,7 @@
                     <a:p>
                       <a:pPr algn="ctr"/>
                       <a:r>
-                        <a:rPr lang="zh-TW" altLang="en-US" sz="1200" kern="1200" dirty="0" smtClean="0">
+                        <a:rPr lang="zh-TW" altLang="en-US" sz="1200" kern="1200" dirty="0">
                           <a:solidFill>
                             <a:schemeClr val="tx1"/>
                           </a:solidFill>
@@ -39208,7 +39281,7 @@
                     <a:p>
                       <a:pPr algn="ctr"/>
                       <a:r>
-                        <a:rPr lang="zh-TW" altLang="en-US" sz="1200" kern="1200" dirty="0" smtClean="0">
+                        <a:rPr lang="zh-TW" altLang="en-US" sz="1200" kern="1200" dirty="0">
                           <a:solidFill>
                             <a:schemeClr val="tx1"/>
                           </a:solidFill>
@@ -39286,7 +39359,7 @@
                 </a:tc>
                 <a:extLst>
                   <a:ext uri="{0D108BD9-81ED-4DB2-BD59-A6C34878D82A}">
-                    <a16:rowId xmlns="" xmlns:a16="http://schemas.microsoft.com/office/drawing/2014/main" val="10008"/>
+                    <a16:rowId xmlns:a16="http://schemas.microsoft.com/office/drawing/2014/main" xmlns="" val="10008"/>
                   </a:ext>
                 </a:extLst>
               </a:tr>
@@ -39400,7 +39473,7 @@
                     <a:p>
                       <a:pPr algn="ctr"/>
                       <a:r>
-                        <a:rPr lang="zh-TW" altLang="en-US" sz="1200" b="0" kern="0" dirty="0" smtClean="0">
+                        <a:rPr lang="zh-TW" altLang="en-US" sz="1200" b="0" kern="0" dirty="0">
                           <a:solidFill>
                             <a:schemeClr val="tx1"/>
                           </a:solidFill>
@@ -39468,7 +39541,7 @@
                         <a:defRPr/>
                       </a:pPr>
                       <a:r>
-                        <a:rPr lang="en-US" altLang="zh-TW" sz="1200" b="0" kern="0" dirty="0" smtClean="0">
+                        <a:rPr lang="en-US" altLang="zh-TW" sz="1200" b="0" kern="0" dirty="0">
                           <a:solidFill>
                             <a:srgbClr val="C00000"/>
                           </a:solidFill>
@@ -39509,7 +39582,7 @@
                         <a:defRPr/>
                       </a:pPr>
                       <a:r>
-                        <a:rPr lang="en-US" altLang="zh-TW" sz="1200" b="0" kern="0" dirty="0" smtClean="0">
+                        <a:rPr lang="en-US" altLang="zh-TW" sz="1200" b="0" kern="0" dirty="0">
                           <a:solidFill>
                             <a:srgbClr val="C00000"/>
                           </a:solidFill>
@@ -39577,7 +39650,7 @@
                         <a:defRPr/>
                       </a:pPr>
                       <a:r>
-                        <a:rPr lang="en-US" altLang="zh-TW" sz="1200" b="0" kern="0" smtClean="0">
+                        <a:rPr lang="en-US" altLang="zh-TW" sz="1200" b="0" kern="0">
                           <a:solidFill>
                             <a:srgbClr val="C00000"/>
                           </a:solidFill>
@@ -39618,7 +39691,7 @@
                         <a:defRPr/>
                       </a:pPr>
                       <a:r>
-                        <a:rPr lang="en-US" altLang="zh-TW" sz="1200" b="0" kern="0" smtClean="0">
+                        <a:rPr lang="en-US" altLang="zh-TW" sz="1200" b="0" kern="0">
                           <a:solidFill>
                             <a:srgbClr val="C00000"/>
                           </a:solidFill>
@@ -39659,7 +39732,7 @@
                         <a:defRPr/>
                       </a:pPr>
                       <a:r>
-                        <a:rPr lang="en-US" altLang="zh-TW" sz="1200" b="0" kern="0" smtClean="0">
+                        <a:rPr lang="en-US" altLang="zh-TW" sz="1200" b="0" kern="0">
                           <a:solidFill>
                             <a:srgbClr val="C00000"/>
                           </a:solidFill>
@@ -39679,7 +39752,7 @@
                 </a:tc>
                 <a:extLst>
                   <a:ext uri="{0D108BD9-81ED-4DB2-BD59-A6C34878D82A}">
-                    <a16:rowId xmlns="" xmlns:a16="http://schemas.microsoft.com/office/drawing/2014/main" val="10009"/>
+                    <a16:rowId xmlns:a16="http://schemas.microsoft.com/office/drawing/2014/main" xmlns="" val="10009"/>
                   </a:ext>
                 </a:extLst>
               </a:tr>
@@ -39863,7 +39936,7 @@
                         <a:defRPr/>
                       </a:pPr>
                       <a:r>
-                        <a:rPr lang="en-US" altLang="zh-TW" sz="1200" b="0" kern="0" dirty="0" smtClean="0">
+                        <a:rPr lang="en-US" altLang="zh-TW" sz="1200" b="0" kern="0" dirty="0">
                           <a:solidFill>
                             <a:srgbClr val="C00000"/>
                           </a:solidFill>
@@ -39904,7 +39977,7 @@
                         <a:defRPr/>
                       </a:pPr>
                       <a:r>
-                        <a:rPr lang="en-US" altLang="zh-TW" sz="1200" b="0" kern="0" dirty="0" smtClean="0">
+                        <a:rPr lang="en-US" altLang="zh-TW" sz="1200" b="0" kern="0" dirty="0">
                           <a:solidFill>
                             <a:srgbClr val="C00000"/>
                           </a:solidFill>
@@ -39972,7 +40045,7 @@
                         <a:defRPr/>
                       </a:pPr>
                       <a:r>
-                        <a:rPr lang="en-US" altLang="zh-TW" sz="1200" b="0" kern="0" dirty="0" smtClean="0">
+                        <a:rPr lang="en-US" altLang="zh-TW" sz="1200" b="0" kern="0" dirty="0">
                           <a:solidFill>
                             <a:srgbClr val="C00000"/>
                           </a:solidFill>
@@ -40013,7 +40086,7 @@
                         <a:defRPr/>
                       </a:pPr>
                       <a:r>
-                        <a:rPr lang="en-US" altLang="zh-TW" sz="1200" b="0" kern="0" smtClean="0">
+                        <a:rPr lang="en-US" altLang="zh-TW" sz="1200" b="0" kern="0">
                           <a:solidFill>
                             <a:srgbClr val="C00000"/>
                           </a:solidFill>
@@ -40054,7 +40127,7 @@
                         <a:defRPr/>
                       </a:pPr>
                       <a:r>
-                        <a:rPr lang="en-US" altLang="zh-TW" sz="1200" b="0" kern="0" dirty="0" smtClean="0">
+                        <a:rPr lang="en-US" altLang="zh-TW" sz="1200" b="0" kern="0" dirty="0">
                           <a:solidFill>
                             <a:srgbClr val="C00000"/>
                           </a:solidFill>
@@ -40074,7 +40147,7 @@
                 </a:tc>
                 <a:extLst>
                   <a:ext uri="{0D108BD9-81ED-4DB2-BD59-A6C34878D82A}">
-                    <a16:rowId xmlns="" xmlns:a16="http://schemas.microsoft.com/office/drawing/2014/main" val="10010"/>
+                    <a16:rowId xmlns:a16="http://schemas.microsoft.com/office/drawing/2014/main" xmlns="" val="10010"/>
                   </a:ext>
                 </a:extLst>
               </a:tr>
@@ -40258,7 +40331,7 @@
                         <a:defRPr/>
                       </a:pPr>
                       <a:r>
-                        <a:rPr lang="zh-TW" altLang="en-US" sz="1200" kern="1200" dirty="0" smtClean="0">
+                        <a:rPr lang="zh-TW" altLang="en-US" sz="1200" kern="1200" dirty="0">
                           <a:solidFill>
                             <a:schemeClr val="tx1"/>
                           </a:solidFill>
@@ -40268,7 +40341,7 @@
                         </a:rPr>
                         <a:t>◎</a:t>
                       </a:r>
-                      <a:endParaRPr lang="zh-TW" altLang="en-US" sz="1200" b="0" kern="1200" dirty="0" smtClean="0">
+                      <a:endParaRPr lang="zh-TW" altLang="en-US" sz="1200" b="0" kern="1200" dirty="0">
                         <a:solidFill>
                           <a:schemeClr val="tx1"/>
                         </a:solidFill>
@@ -40303,7 +40376,7 @@
                         <a:defRPr/>
                       </a:pPr>
                       <a:r>
-                        <a:rPr lang="zh-TW" altLang="en-US" sz="1200" kern="1200" dirty="0" smtClean="0">
+                        <a:rPr lang="zh-TW" altLang="en-US" sz="1200" kern="1200" dirty="0">
                           <a:solidFill>
                             <a:schemeClr val="tx1"/>
                           </a:solidFill>
@@ -40313,7 +40386,7 @@
                         </a:rPr>
                         <a:t>◎</a:t>
                       </a:r>
-                      <a:endParaRPr lang="zh-TW" altLang="en-US" sz="1200" b="0" kern="1200" dirty="0" smtClean="0">
+                      <a:endParaRPr lang="zh-TW" altLang="en-US" sz="1200" b="0" kern="1200" dirty="0">
                         <a:solidFill>
                           <a:schemeClr val="tx1"/>
                         </a:solidFill>
@@ -40359,7 +40432,7 @@
                     <a:p>
                       <a:pPr algn="ctr"/>
                       <a:r>
-                        <a:rPr lang="zh-TW" altLang="en-US" sz="1200" kern="1200" dirty="0" smtClean="0">
+                        <a:rPr lang="zh-TW" altLang="en-US" sz="1200" kern="1200" dirty="0">
                           <a:solidFill>
                             <a:schemeClr val="tx1"/>
                           </a:solidFill>
@@ -40437,7 +40510,7 @@
                 </a:tc>
                 <a:extLst>
                   <a:ext uri="{0D108BD9-81ED-4DB2-BD59-A6C34878D82A}">
-                    <a16:rowId xmlns="" xmlns:a16="http://schemas.microsoft.com/office/drawing/2014/main" val="10011"/>
+                    <a16:rowId xmlns:a16="http://schemas.microsoft.com/office/drawing/2014/main" xmlns="" val="10011"/>
                   </a:ext>
                 </a:extLst>
               </a:tr>
@@ -41805,6 +41878,12 @@
 </file>
 
 <file path=customXml/item1.xml><?xml version="1.0" encoding="utf-8"?>
+<p:properties xmlns:p="http://schemas.microsoft.com/office/2006/metadata/properties" xmlns:xsi="http://www.w3.org/2001/XMLSchema-instance" xmlns:pc="http://schemas.microsoft.com/office/infopath/2007/PartnerControls">
+  <documentManagement/>
+</p:properties>
+</file>
+
+<file path=customXml/item2.xml><?xml version="1.0" encoding="utf-8"?>
 <ct:contentTypeSchema xmlns:ct="http://schemas.microsoft.com/office/2006/metadata/contentType" xmlns:ma="http://schemas.microsoft.com/office/2006/metadata/properties/metaAttributes" ct:_="" ma:_="" ma:contentTypeName="文件" ma:contentTypeID="0x010100CC24255BCCE3C44887CE5AE52F7778D9" ma:contentTypeVersion="13" ma:contentTypeDescription="建立新的文件。" ma:contentTypeScope="" ma:versionID="e5475f883ff71175c3fbb4cef5e99541">
   <xsd:schema xmlns:xsd="http://www.w3.org/2001/XMLSchema" xmlns:xs="http://www.w3.org/2001/XMLSchema" xmlns:p="http://schemas.microsoft.com/office/2006/metadata/properties" xmlns:ns3="89cf3997-e9ea-4731-a3ec-f83abc6192e4" xmlns:ns4="1355e568-b629-494a-b444-4d5dfc55a281" targetNamespace="http://schemas.microsoft.com/office/2006/metadata/properties" ma:root="true" ma:fieldsID="1078d11313c66c1699c53b1357aa535c" ns3:_="" ns4:_="">
     <xsd:import namespace="89cf3997-e9ea-4731-a3ec-f83abc6192e4"/>
@@ -42027,7 +42106,7 @@
 </ct:contentTypeSchema>
 </file>
 
-<file path=customXml/item2.xml><?xml version="1.0" encoding="utf-8"?>
+<file path=customXml/item3.xml><?xml version="1.0" encoding="utf-8"?>
 <?mso-contentType ?>
 <FormTemplates xmlns="http://schemas.microsoft.com/sharepoint/v3/contenttype/forms">
   <Display>DocumentLibraryForm</Display>
@@ -42036,13 +42115,24 @@
 </FormTemplates>
 </file>
 
-<file path=customXml/item3.xml><?xml version="1.0" encoding="utf-8"?>
-<p:properties xmlns:p="http://schemas.microsoft.com/office/2006/metadata/properties" xmlns:xsi="http://www.w3.org/2001/XMLSchema-instance" xmlns:pc="http://schemas.microsoft.com/office/infopath/2007/PartnerControls">
-  <documentManagement/>
-</p:properties>
+<file path=customXml/itemProps1.xml><?xml version="1.0" encoding="utf-8"?>
+<ds:datastoreItem xmlns:ds="http://schemas.openxmlformats.org/officeDocument/2006/customXml" ds:itemID="{4DB37E75-643A-4010-AC03-023EC1448CFC}">
+  <ds:schemaRefs>
+    <ds:schemaRef ds:uri="http://purl.org/dc/elements/1.1/"/>
+    <ds:schemaRef ds:uri="http://schemas.microsoft.com/office/2006/metadata/properties"/>
+    <ds:schemaRef ds:uri="http://purl.org/dc/terms/"/>
+    <ds:schemaRef ds:uri="http://schemas.openxmlformats.org/package/2006/metadata/core-properties"/>
+    <ds:schemaRef ds:uri="http://schemas.microsoft.com/office/infopath/2007/PartnerControls"/>
+    <ds:schemaRef ds:uri="http://schemas.microsoft.com/office/2006/documentManagement/types"/>
+    <ds:schemaRef ds:uri="1355e568-b629-494a-b444-4d5dfc55a281"/>
+    <ds:schemaRef ds:uri="89cf3997-e9ea-4731-a3ec-f83abc6192e4"/>
+    <ds:schemaRef ds:uri="http://www.w3.org/XML/1998/namespace"/>
+    <ds:schemaRef ds:uri="http://purl.org/dc/dcmitype/"/>
+  </ds:schemaRefs>
+</ds:datastoreItem>
 </file>
 
-<file path=customXml/itemProps1.xml><?xml version="1.0" encoding="utf-8"?>
+<file path=customXml/itemProps2.xml><?xml version="1.0" encoding="utf-8"?>
 <ds:datastoreItem xmlns:ds="http://schemas.openxmlformats.org/officeDocument/2006/customXml" ds:itemID="{1FFA6012-8508-489B-8CA4-F05F7AC2376C}">
   <ds:schemaRefs>
     <ds:schemaRef ds:uri="http://schemas.microsoft.com/office/2006/metadata/contentType"/>
@@ -42061,27 +42151,10 @@
 </ds:datastoreItem>
 </file>
 
-<file path=customXml/itemProps2.xml><?xml version="1.0" encoding="utf-8"?>
+<file path=customXml/itemProps3.xml><?xml version="1.0" encoding="utf-8"?>
 <ds:datastoreItem xmlns:ds="http://schemas.openxmlformats.org/officeDocument/2006/customXml" ds:itemID="{0AAAC734-2F10-48CC-9CED-86FA8463B42F}">
   <ds:schemaRefs>
     <ds:schemaRef ds:uri="http://schemas.microsoft.com/sharepoint/v3/contenttype/forms"/>
   </ds:schemaRefs>
 </ds:datastoreItem>
-</file>
-
-<file path=customXml/itemProps3.xml><?xml version="1.0" encoding="utf-8"?>
-<ds:datastoreItem xmlns:ds="http://schemas.openxmlformats.org/officeDocument/2006/customXml" ds:itemID="{4DB37E75-643A-4010-AC03-023EC1448CFC}">
-  <ds:schemaRefs>
-    <ds:schemaRef ds:uri="http://schemas.microsoft.com/office/2006/metadata/properties"/>
-    <ds:schemaRef ds:uri="http://purl.org/dc/terms/"/>
-    <ds:schemaRef ds:uri="http://schemas.openxmlformats.org/package/2006/metadata/core-properties"/>
-    <ds:schemaRef ds:uri="http://purl.org/dc/dcmitype/"/>
-    <ds:schemaRef ds:uri="http://schemas.microsoft.com/office/infopath/2007/PartnerControls"/>
-    <ds:schemaRef ds:uri="1355e568-b629-494a-b444-4d5dfc55a281"/>
-    <ds:schemaRef ds:uri="http://schemas.microsoft.com/office/2006/documentManagement/types"/>
-    <ds:schemaRef ds:uri="89cf3997-e9ea-4731-a3ec-f83abc6192e4"/>
-    <ds:schemaRef ds:uri="http://www.w3.org/XML/1998/namespace"/>
-    <ds:schemaRef ds:uri="http://purl.org/dc/elements/1.1/"/>
-  </ds:schemaRefs>
-</ds:datastoreItem>
 </file>
--- a/各單位資料供應現況表.pptx
+++ b/各單位資料供應現況表.pptx
@@ -256,7 +256,7 @@
           <a:p>
             <a:fld id="{AC1AE0A4-47EE-4CE1-A88C-8E719F35BFA0}" type="datetimeFigureOut">
               <a:rPr lang="zh-TW" altLang="en-US" smtClean="0"/>
-              <a:t>2020/1/13</a:t>
+              <a:t>2020/1/16</a:t>
             </a:fld>
             <a:endParaRPr lang="zh-TW" altLang="en-US"/>
           </a:p>
@@ -421,7 +421,7 @@
           <a:p>
             <a:fld id="{92A7EAFB-AA00-4957-A793-D83734C20EF1}" type="datetimeFigureOut">
               <a:rPr lang="zh-TW" altLang="en-US" smtClean="0"/>
-              <a:t>2020/1/13</a:t>
+              <a:t>2020/1/16</a:t>
             </a:fld>
             <a:endParaRPr lang="zh-TW" altLang="en-US"/>
           </a:p>
@@ -2500,7 +2500,7 @@
                 <a:latin typeface="微軟正黑體" panose="020B0604030504040204" pitchFamily="34" charset="-120"/>
                 <a:ea typeface="微軟正黑體" panose="020B0604030504040204" pitchFamily="34" charset="-120"/>
               </a:rPr>
-              <a:t>2020/01/13)</a:t>
+              <a:t>2020/01/16)</a:t>
             </a:r>
             <a:endParaRPr lang="zh-TW" altLang="en-US" sz="1600" b="1" dirty="0">
               <a:solidFill>
@@ -5354,140 +5354,140 @@
                 <a:gridCol w="826601">
                   <a:extLst>
                     <a:ext uri="{9D8B030D-6E8A-4147-A177-3AD203B41FA5}">
-                      <a16:colId xmlns:a16="http://schemas.microsoft.com/office/drawing/2014/main" xmlns="" val="20003"/>
+                      <a16:colId xmlns="" xmlns:a16="http://schemas.microsoft.com/office/drawing/2014/main" val="20003"/>
                     </a:ext>
                   </a:extLst>
                 </a:gridCol>
                 <a:gridCol w="510169">
                   <a:extLst>
                     <a:ext uri="{9D8B030D-6E8A-4147-A177-3AD203B41FA5}">
-                      <a16:colId xmlns:a16="http://schemas.microsoft.com/office/drawing/2014/main" xmlns="" val="20004"/>
+                      <a16:colId xmlns="" xmlns:a16="http://schemas.microsoft.com/office/drawing/2014/main" val="20004"/>
                     </a:ext>
                   </a:extLst>
                 </a:gridCol>
                 <a:gridCol w="510169">
                   <a:extLst>
                     <a:ext uri="{9D8B030D-6E8A-4147-A177-3AD203B41FA5}">
-                      <a16:colId xmlns:a16="http://schemas.microsoft.com/office/drawing/2014/main" xmlns="" val="20005"/>
+                      <a16:colId xmlns="" xmlns:a16="http://schemas.microsoft.com/office/drawing/2014/main" val="20005"/>
                     </a:ext>
                   </a:extLst>
                 </a:gridCol>
                 <a:gridCol w="510169">
                   <a:extLst>
                     <a:ext uri="{9D8B030D-6E8A-4147-A177-3AD203B41FA5}">
-                      <a16:colId xmlns:a16="http://schemas.microsoft.com/office/drawing/2014/main" xmlns="" val="20006"/>
+                      <a16:colId xmlns="" xmlns:a16="http://schemas.microsoft.com/office/drawing/2014/main" val="20006"/>
                     </a:ext>
                   </a:extLst>
                 </a:gridCol>
                 <a:gridCol w="510169">
                   <a:extLst>
                     <a:ext uri="{9D8B030D-6E8A-4147-A177-3AD203B41FA5}">
-                      <a16:colId xmlns:a16="http://schemas.microsoft.com/office/drawing/2014/main" xmlns="" val="3408207861"/>
+                      <a16:colId xmlns="" xmlns:a16="http://schemas.microsoft.com/office/drawing/2014/main" val="3408207861"/>
                     </a:ext>
                   </a:extLst>
                 </a:gridCol>
                 <a:gridCol w="510169">
                   <a:extLst>
                     <a:ext uri="{9D8B030D-6E8A-4147-A177-3AD203B41FA5}">
-                      <a16:colId xmlns:a16="http://schemas.microsoft.com/office/drawing/2014/main" xmlns="" val="2229076538"/>
+                      <a16:colId xmlns="" xmlns:a16="http://schemas.microsoft.com/office/drawing/2014/main" val="2229076538"/>
                     </a:ext>
                   </a:extLst>
                 </a:gridCol>
                 <a:gridCol w="510169">
                   <a:extLst>
                     <a:ext uri="{9D8B030D-6E8A-4147-A177-3AD203B41FA5}">
-                      <a16:colId xmlns:a16="http://schemas.microsoft.com/office/drawing/2014/main" xmlns="" val="3678966610"/>
+                      <a16:colId xmlns="" xmlns:a16="http://schemas.microsoft.com/office/drawing/2014/main" val="3678966610"/>
                     </a:ext>
                   </a:extLst>
                 </a:gridCol>
                 <a:gridCol w="510169">
                   <a:extLst>
                     <a:ext uri="{9D8B030D-6E8A-4147-A177-3AD203B41FA5}">
-                      <a16:colId xmlns:a16="http://schemas.microsoft.com/office/drawing/2014/main" xmlns="" val="20007"/>
+                      <a16:colId xmlns="" xmlns:a16="http://schemas.microsoft.com/office/drawing/2014/main" val="20007"/>
                     </a:ext>
                   </a:extLst>
                 </a:gridCol>
                 <a:gridCol w="510169">
                   <a:extLst>
                     <a:ext uri="{9D8B030D-6E8A-4147-A177-3AD203B41FA5}">
-                      <a16:colId xmlns:a16="http://schemas.microsoft.com/office/drawing/2014/main" xmlns="" val="20008"/>
+                      <a16:colId xmlns="" xmlns:a16="http://schemas.microsoft.com/office/drawing/2014/main" val="20008"/>
                     </a:ext>
                   </a:extLst>
                 </a:gridCol>
                 <a:gridCol w="510169">
                   <a:extLst>
                     <a:ext uri="{9D8B030D-6E8A-4147-A177-3AD203B41FA5}">
-                      <a16:colId xmlns:a16="http://schemas.microsoft.com/office/drawing/2014/main" xmlns="" val="3280403588"/>
+                      <a16:colId xmlns="" xmlns:a16="http://schemas.microsoft.com/office/drawing/2014/main" val="3280403588"/>
                     </a:ext>
                   </a:extLst>
                 </a:gridCol>
                 <a:gridCol w="510169">
                   <a:extLst>
                     <a:ext uri="{9D8B030D-6E8A-4147-A177-3AD203B41FA5}">
-                      <a16:colId xmlns:a16="http://schemas.microsoft.com/office/drawing/2014/main" xmlns="" val="3626256232"/>
+                      <a16:colId xmlns="" xmlns:a16="http://schemas.microsoft.com/office/drawing/2014/main" val="3626256232"/>
                     </a:ext>
                   </a:extLst>
                 </a:gridCol>
                 <a:gridCol w="510169">
                   <a:extLst>
                     <a:ext uri="{9D8B030D-6E8A-4147-A177-3AD203B41FA5}">
-                      <a16:colId xmlns:a16="http://schemas.microsoft.com/office/drawing/2014/main" xmlns="" val="1479022265"/>
+                      <a16:colId xmlns="" xmlns:a16="http://schemas.microsoft.com/office/drawing/2014/main" val="1479022265"/>
                     </a:ext>
                   </a:extLst>
                 </a:gridCol>
                 <a:gridCol w="510169">
                   <a:extLst>
                     <a:ext uri="{9D8B030D-6E8A-4147-A177-3AD203B41FA5}">
-                      <a16:colId xmlns:a16="http://schemas.microsoft.com/office/drawing/2014/main" xmlns="" val="29243554"/>
+                      <a16:colId xmlns="" xmlns:a16="http://schemas.microsoft.com/office/drawing/2014/main" val="29243554"/>
                     </a:ext>
                   </a:extLst>
                 </a:gridCol>
                 <a:gridCol w="510169">
                   <a:extLst>
                     <a:ext uri="{9D8B030D-6E8A-4147-A177-3AD203B41FA5}">
-                      <a16:colId xmlns:a16="http://schemas.microsoft.com/office/drawing/2014/main" xmlns="" val="1436252718"/>
+                      <a16:colId xmlns="" xmlns:a16="http://schemas.microsoft.com/office/drawing/2014/main" val="1436252718"/>
                     </a:ext>
                   </a:extLst>
                 </a:gridCol>
                 <a:gridCol w="510169">
                   <a:extLst>
                     <a:ext uri="{9D8B030D-6E8A-4147-A177-3AD203B41FA5}">
-                      <a16:colId xmlns:a16="http://schemas.microsoft.com/office/drawing/2014/main" xmlns="" val="20013"/>
+                      <a16:colId xmlns="" xmlns:a16="http://schemas.microsoft.com/office/drawing/2014/main" val="20013"/>
                     </a:ext>
                   </a:extLst>
                 </a:gridCol>
                 <a:gridCol w="510169">
                   <a:extLst>
                     <a:ext uri="{9D8B030D-6E8A-4147-A177-3AD203B41FA5}">
-                      <a16:colId xmlns:a16="http://schemas.microsoft.com/office/drawing/2014/main" xmlns="" val="2227699668"/>
+                      <a16:colId xmlns="" xmlns:a16="http://schemas.microsoft.com/office/drawing/2014/main" val="2227699668"/>
                     </a:ext>
                   </a:extLst>
                 </a:gridCol>
                 <a:gridCol w="510170">
                   <a:extLst>
                     <a:ext uri="{9D8B030D-6E8A-4147-A177-3AD203B41FA5}">
-                      <a16:colId xmlns:a16="http://schemas.microsoft.com/office/drawing/2014/main" xmlns="" val="3451906251"/>
+                      <a16:colId xmlns="" xmlns:a16="http://schemas.microsoft.com/office/drawing/2014/main" val="3451906251"/>
                     </a:ext>
                   </a:extLst>
                 </a:gridCol>
                 <a:gridCol w="510169">
                   <a:extLst>
                     <a:ext uri="{9D8B030D-6E8A-4147-A177-3AD203B41FA5}">
-                      <a16:colId xmlns:a16="http://schemas.microsoft.com/office/drawing/2014/main" xmlns="" val="660092051"/>
+                      <a16:colId xmlns="" xmlns:a16="http://schemas.microsoft.com/office/drawing/2014/main" val="660092051"/>
                     </a:ext>
                   </a:extLst>
                 </a:gridCol>
                 <a:gridCol w="510169">
                   <a:extLst>
                     <a:ext uri="{9D8B030D-6E8A-4147-A177-3AD203B41FA5}">
-                      <a16:colId xmlns:a16="http://schemas.microsoft.com/office/drawing/2014/main" xmlns="" val="2785807340"/>
+                      <a16:colId xmlns="" xmlns:a16="http://schemas.microsoft.com/office/drawing/2014/main" val="2785807340"/>
                     </a:ext>
                   </a:extLst>
                 </a:gridCol>
                 <a:gridCol w="510169">
                   <a:extLst>
                     <a:ext uri="{9D8B030D-6E8A-4147-A177-3AD203B41FA5}">
-                      <a16:colId xmlns:a16="http://schemas.microsoft.com/office/drawing/2014/main" xmlns="" val="20019"/>
+                      <a16:colId xmlns="" xmlns:a16="http://schemas.microsoft.com/office/drawing/2014/main" val="20019"/>
                     </a:ext>
                   </a:extLst>
                 </a:gridCol>
@@ -5750,7 +5750,7 @@
                 </a:tc>
                 <a:extLst>
                   <a:ext uri="{0D108BD9-81ED-4DB2-BD59-A6C34878D82A}">
-                    <a16:rowId xmlns:a16="http://schemas.microsoft.com/office/drawing/2014/main" xmlns="" val="4157930470"/>
+                    <a16:rowId xmlns="" xmlns:a16="http://schemas.microsoft.com/office/drawing/2014/main" val="4157930470"/>
                   </a:ext>
                 </a:extLst>
               </a:tr>
@@ -6249,7 +6249,7 @@
                 </a:tc>
                 <a:extLst>
                   <a:ext uri="{0D108BD9-81ED-4DB2-BD59-A6C34878D82A}">
-                    <a16:rowId xmlns:a16="http://schemas.microsoft.com/office/drawing/2014/main" xmlns="" val="10000"/>
+                    <a16:rowId xmlns="" xmlns:a16="http://schemas.microsoft.com/office/drawing/2014/main" val="10000"/>
                   </a:ext>
                 </a:extLst>
               </a:tr>
@@ -6651,7 +6651,7 @@
                 </a:tc>
                 <a:extLst>
                   <a:ext uri="{0D108BD9-81ED-4DB2-BD59-A6C34878D82A}">
-                    <a16:rowId xmlns:a16="http://schemas.microsoft.com/office/drawing/2014/main" xmlns="" val="10002"/>
+                    <a16:rowId xmlns="" xmlns:a16="http://schemas.microsoft.com/office/drawing/2014/main" val="10002"/>
                   </a:ext>
                 </a:extLst>
               </a:tr>
@@ -7244,7 +7244,7 @@
                 </a:tc>
                 <a:extLst>
                   <a:ext uri="{0D108BD9-81ED-4DB2-BD59-A6C34878D82A}">
-                    <a16:rowId xmlns:a16="http://schemas.microsoft.com/office/drawing/2014/main" xmlns="" val="3675162025"/>
+                    <a16:rowId xmlns="" xmlns:a16="http://schemas.microsoft.com/office/drawing/2014/main" val="3675162025"/>
                   </a:ext>
                 </a:extLst>
               </a:tr>
@@ -7869,7 +7869,7 @@
                 </a:tc>
                 <a:extLst>
                   <a:ext uri="{0D108BD9-81ED-4DB2-BD59-A6C34878D82A}">
-                    <a16:rowId xmlns:a16="http://schemas.microsoft.com/office/drawing/2014/main" xmlns="" val="3832608764"/>
+                    <a16:rowId xmlns="" xmlns:a16="http://schemas.microsoft.com/office/drawing/2014/main" val="3832608764"/>
                   </a:ext>
                 </a:extLst>
               </a:tr>
@@ -8384,7 +8384,7 @@
                 </a:tc>
                 <a:extLst>
                   <a:ext uri="{0D108BD9-81ED-4DB2-BD59-A6C34878D82A}">
-                    <a16:rowId xmlns:a16="http://schemas.microsoft.com/office/drawing/2014/main" xmlns="" val="2613742521"/>
+                    <a16:rowId xmlns="" xmlns:a16="http://schemas.microsoft.com/office/drawing/2014/main" val="2613742521"/>
                   </a:ext>
                 </a:extLst>
               </a:tr>
@@ -8899,7 +8899,7 @@
                 </a:tc>
                 <a:extLst>
                   <a:ext uri="{0D108BD9-81ED-4DB2-BD59-A6C34878D82A}">
-                    <a16:rowId xmlns:a16="http://schemas.microsoft.com/office/drawing/2014/main" xmlns="" val="1381442428"/>
+                    <a16:rowId xmlns="" xmlns:a16="http://schemas.microsoft.com/office/drawing/2014/main" val="1381442428"/>
                   </a:ext>
                 </a:extLst>
               </a:tr>
@@ -9493,7 +9493,7 @@
                 </a:tc>
                 <a:extLst>
                   <a:ext uri="{0D108BD9-81ED-4DB2-BD59-A6C34878D82A}">
-                    <a16:rowId xmlns:a16="http://schemas.microsoft.com/office/drawing/2014/main" xmlns="" val="4102929731"/>
+                    <a16:rowId xmlns="" xmlns:a16="http://schemas.microsoft.com/office/drawing/2014/main" val="4102929731"/>
                   </a:ext>
                 </a:extLst>
               </a:tr>
@@ -10021,7 +10021,7 @@
                 </a:tc>
                 <a:extLst>
                   <a:ext uri="{0D108BD9-81ED-4DB2-BD59-A6C34878D82A}">
-                    <a16:rowId xmlns:a16="http://schemas.microsoft.com/office/drawing/2014/main" xmlns="" val="2526977750"/>
+                    <a16:rowId xmlns="" xmlns:a16="http://schemas.microsoft.com/office/drawing/2014/main" val="2526977750"/>
                   </a:ext>
                 </a:extLst>
               </a:tr>
@@ -10577,7 +10577,7 @@
                 </a:tc>
                 <a:extLst>
                   <a:ext uri="{0D108BD9-81ED-4DB2-BD59-A6C34878D82A}">
-                    <a16:rowId xmlns:a16="http://schemas.microsoft.com/office/drawing/2014/main" xmlns="" val="10001"/>
+                    <a16:rowId xmlns="" xmlns:a16="http://schemas.microsoft.com/office/drawing/2014/main" val="10001"/>
                   </a:ext>
                 </a:extLst>
               </a:tr>
@@ -11131,7 +11131,7 @@
                 </a:tc>
                 <a:extLst>
                   <a:ext uri="{0D108BD9-81ED-4DB2-BD59-A6C34878D82A}">
-                    <a16:rowId xmlns:a16="http://schemas.microsoft.com/office/drawing/2014/main" xmlns="" val="10006"/>
+                    <a16:rowId xmlns="" xmlns:a16="http://schemas.microsoft.com/office/drawing/2014/main" val="10006"/>
                   </a:ext>
                 </a:extLst>
               </a:tr>
@@ -11685,7 +11685,7 @@
                 </a:tc>
                 <a:extLst>
                   <a:ext uri="{0D108BD9-81ED-4DB2-BD59-A6C34878D82A}">
-                    <a16:rowId xmlns:a16="http://schemas.microsoft.com/office/drawing/2014/main" xmlns="" val="10007"/>
+                    <a16:rowId xmlns="" xmlns:a16="http://schemas.microsoft.com/office/drawing/2014/main" val="10007"/>
                   </a:ext>
                 </a:extLst>
               </a:tr>
@@ -12239,7 +12239,7 @@
                 </a:tc>
                 <a:extLst>
                   <a:ext uri="{0D108BD9-81ED-4DB2-BD59-A6C34878D82A}">
-                    <a16:rowId xmlns:a16="http://schemas.microsoft.com/office/drawing/2014/main" xmlns="" val="10008"/>
+                    <a16:rowId xmlns="" xmlns:a16="http://schemas.microsoft.com/office/drawing/2014/main" val="10008"/>
                   </a:ext>
                 </a:extLst>
               </a:tr>
@@ -12795,7 +12795,7 @@
                 </a:tc>
                 <a:extLst>
                   <a:ext uri="{0D108BD9-81ED-4DB2-BD59-A6C34878D82A}">
-                    <a16:rowId xmlns:a16="http://schemas.microsoft.com/office/drawing/2014/main" xmlns="" val="10010"/>
+                    <a16:rowId xmlns="" xmlns:a16="http://schemas.microsoft.com/office/drawing/2014/main" val="10010"/>
                   </a:ext>
                 </a:extLst>
               </a:tr>
@@ -13346,7 +13346,7 @@
                 </a:tc>
                 <a:extLst>
                   <a:ext uri="{0D108BD9-81ED-4DB2-BD59-A6C34878D82A}">
-                    <a16:rowId xmlns:a16="http://schemas.microsoft.com/office/drawing/2014/main" xmlns="" val="1396562496"/>
+                    <a16:rowId xmlns="" xmlns:a16="http://schemas.microsoft.com/office/drawing/2014/main" val="1396562496"/>
                   </a:ext>
                 </a:extLst>
               </a:tr>
@@ -13933,140 +13933,140 @@
                 <a:gridCol w="901444">
                   <a:extLst>
                     <a:ext uri="{9D8B030D-6E8A-4147-A177-3AD203B41FA5}">
-                      <a16:colId xmlns:a16="http://schemas.microsoft.com/office/drawing/2014/main" xmlns="" val="20003"/>
+                      <a16:colId xmlns="" xmlns:a16="http://schemas.microsoft.com/office/drawing/2014/main" val="20003"/>
                     </a:ext>
                   </a:extLst>
                 </a:gridCol>
                 <a:gridCol w="501772">
                   <a:extLst>
                     <a:ext uri="{9D8B030D-6E8A-4147-A177-3AD203B41FA5}">
-                      <a16:colId xmlns:a16="http://schemas.microsoft.com/office/drawing/2014/main" xmlns="" val="20004"/>
+                      <a16:colId xmlns="" xmlns:a16="http://schemas.microsoft.com/office/drawing/2014/main" val="20004"/>
                     </a:ext>
                   </a:extLst>
                 </a:gridCol>
                 <a:gridCol w="501772">
                   <a:extLst>
                     <a:ext uri="{9D8B030D-6E8A-4147-A177-3AD203B41FA5}">
-                      <a16:colId xmlns:a16="http://schemas.microsoft.com/office/drawing/2014/main" xmlns="" val="20005"/>
+                      <a16:colId xmlns="" xmlns:a16="http://schemas.microsoft.com/office/drawing/2014/main" val="20005"/>
                     </a:ext>
                   </a:extLst>
                 </a:gridCol>
                 <a:gridCol w="501772">
                   <a:extLst>
                     <a:ext uri="{9D8B030D-6E8A-4147-A177-3AD203B41FA5}">
-                      <a16:colId xmlns:a16="http://schemas.microsoft.com/office/drawing/2014/main" xmlns="" val="20006"/>
+                      <a16:colId xmlns="" xmlns:a16="http://schemas.microsoft.com/office/drawing/2014/main" val="20006"/>
                     </a:ext>
                   </a:extLst>
                 </a:gridCol>
                 <a:gridCol w="501772">
                   <a:extLst>
                     <a:ext uri="{9D8B030D-6E8A-4147-A177-3AD203B41FA5}">
-                      <a16:colId xmlns:a16="http://schemas.microsoft.com/office/drawing/2014/main" xmlns="" val="3428608293"/>
+                      <a16:colId xmlns="" xmlns:a16="http://schemas.microsoft.com/office/drawing/2014/main" val="3428608293"/>
                     </a:ext>
                   </a:extLst>
                 </a:gridCol>
                 <a:gridCol w="501772">
                   <a:extLst>
                     <a:ext uri="{9D8B030D-6E8A-4147-A177-3AD203B41FA5}">
-                      <a16:colId xmlns:a16="http://schemas.microsoft.com/office/drawing/2014/main" xmlns="" val="2688910496"/>
+                      <a16:colId xmlns="" xmlns:a16="http://schemas.microsoft.com/office/drawing/2014/main" val="2688910496"/>
                     </a:ext>
                   </a:extLst>
                 </a:gridCol>
                 <a:gridCol w="501772">
                   <a:extLst>
                     <a:ext uri="{9D8B030D-6E8A-4147-A177-3AD203B41FA5}">
-                      <a16:colId xmlns:a16="http://schemas.microsoft.com/office/drawing/2014/main" xmlns="" val="3678966610"/>
+                      <a16:colId xmlns="" xmlns:a16="http://schemas.microsoft.com/office/drawing/2014/main" val="3678966610"/>
                     </a:ext>
                   </a:extLst>
                 </a:gridCol>
                 <a:gridCol w="501772">
                   <a:extLst>
                     <a:ext uri="{9D8B030D-6E8A-4147-A177-3AD203B41FA5}">
-                      <a16:colId xmlns:a16="http://schemas.microsoft.com/office/drawing/2014/main" xmlns="" val="20007"/>
+                      <a16:colId xmlns="" xmlns:a16="http://schemas.microsoft.com/office/drawing/2014/main" val="20007"/>
                     </a:ext>
                   </a:extLst>
                 </a:gridCol>
                 <a:gridCol w="501772">
                   <a:extLst>
                     <a:ext uri="{9D8B030D-6E8A-4147-A177-3AD203B41FA5}">
-                      <a16:colId xmlns:a16="http://schemas.microsoft.com/office/drawing/2014/main" xmlns="" val="20008"/>
+                      <a16:colId xmlns="" xmlns:a16="http://schemas.microsoft.com/office/drawing/2014/main" val="20008"/>
                     </a:ext>
                   </a:extLst>
                 </a:gridCol>
                 <a:gridCol w="501772">
                   <a:extLst>
                     <a:ext uri="{9D8B030D-6E8A-4147-A177-3AD203B41FA5}">
-                      <a16:colId xmlns:a16="http://schemas.microsoft.com/office/drawing/2014/main" xmlns="" val="3609824002"/>
+                      <a16:colId xmlns="" xmlns:a16="http://schemas.microsoft.com/office/drawing/2014/main" val="3609824002"/>
                     </a:ext>
                   </a:extLst>
                 </a:gridCol>
                 <a:gridCol w="501772">
                   <a:extLst>
                     <a:ext uri="{9D8B030D-6E8A-4147-A177-3AD203B41FA5}">
-                      <a16:colId xmlns:a16="http://schemas.microsoft.com/office/drawing/2014/main" xmlns="" val="1419103565"/>
+                      <a16:colId xmlns="" xmlns:a16="http://schemas.microsoft.com/office/drawing/2014/main" val="1419103565"/>
                     </a:ext>
                   </a:extLst>
                 </a:gridCol>
                 <a:gridCol w="501772">
                   <a:extLst>
                     <a:ext uri="{9D8B030D-6E8A-4147-A177-3AD203B41FA5}">
-                      <a16:colId xmlns:a16="http://schemas.microsoft.com/office/drawing/2014/main" xmlns="" val="2051610090"/>
+                      <a16:colId xmlns="" xmlns:a16="http://schemas.microsoft.com/office/drawing/2014/main" val="2051610090"/>
                     </a:ext>
                   </a:extLst>
                 </a:gridCol>
                 <a:gridCol w="501772">
                   <a:extLst>
                     <a:ext uri="{9D8B030D-6E8A-4147-A177-3AD203B41FA5}">
-                      <a16:colId xmlns:a16="http://schemas.microsoft.com/office/drawing/2014/main" xmlns="" val="29243554"/>
+                      <a16:colId xmlns="" xmlns:a16="http://schemas.microsoft.com/office/drawing/2014/main" val="29243554"/>
                     </a:ext>
                   </a:extLst>
                 </a:gridCol>
                 <a:gridCol w="501772">
                   <a:extLst>
                     <a:ext uri="{9D8B030D-6E8A-4147-A177-3AD203B41FA5}">
-                      <a16:colId xmlns:a16="http://schemas.microsoft.com/office/drawing/2014/main" xmlns="" val="1436252718"/>
+                      <a16:colId xmlns="" xmlns:a16="http://schemas.microsoft.com/office/drawing/2014/main" val="1436252718"/>
                     </a:ext>
                   </a:extLst>
                 </a:gridCol>
                 <a:gridCol w="501772">
                   <a:extLst>
                     <a:ext uri="{9D8B030D-6E8A-4147-A177-3AD203B41FA5}">
-                      <a16:colId xmlns:a16="http://schemas.microsoft.com/office/drawing/2014/main" xmlns="" val="963690119"/>
+                      <a16:colId xmlns="" xmlns:a16="http://schemas.microsoft.com/office/drawing/2014/main" val="963690119"/>
                     </a:ext>
                   </a:extLst>
                 </a:gridCol>
                 <a:gridCol w="501772">
                   <a:extLst>
                     <a:ext uri="{9D8B030D-6E8A-4147-A177-3AD203B41FA5}">
-                      <a16:colId xmlns:a16="http://schemas.microsoft.com/office/drawing/2014/main" xmlns="" val="2227699668"/>
+                      <a16:colId xmlns="" xmlns:a16="http://schemas.microsoft.com/office/drawing/2014/main" val="2227699668"/>
                     </a:ext>
                   </a:extLst>
                 </a:gridCol>
                 <a:gridCol w="501772">
                   <a:extLst>
                     <a:ext uri="{9D8B030D-6E8A-4147-A177-3AD203B41FA5}">
-                      <a16:colId xmlns:a16="http://schemas.microsoft.com/office/drawing/2014/main" xmlns="" val="1987638318"/>
+                      <a16:colId xmlns="" xmlns:a16="http://schemas.microsoft.com/office/drawing/2014/main" val="1987638318"/>
                     </a:ext>
                   </a:extLst>
                 </a:gridCol>
                 <a:gridCol w="501772">
                   <a:extLst>
                     <a:ext uri="{9D8B030D-6E8A-4147-A177-3AD203B41FA5}">
-                      <a16:colId xmlns:a16="http://schemas.microsoft.com/office/drawing/2014/main" xmlns="" val="1636838614"/>
+                      <a16:colId xmlns="" xmlns:a16="http://schemas.microsoft.com/office/drawing/2014/main" val="1636838614"/>
                     </a:ext>
                   </a:extLst>
                 </a:gridCol>
                 <a:gridCol w="501772">
                   <a:extLst>
                     <a:ext uri="{9D8B030D-6E8A-4147-A177-3AD203B41FA5}">
-                      <a16:colId xmlns:a16="http://schemas.microsoft.com/office/drawing/2014/main" xmlns="" val="1332406281"/>
+                      <a16:colId xmlns="" xmlns:a16="http://schemas.microsoft.com/office/drawing/2014/main" val="1332406281"/>
                     </a:ext>
                   </a:extLst>
                 </a:gridCol>
                 <a:gridCol w="501772">
                   <a:extLst>
                     <a:ext uri="{9D8B030D-6E8A-4147-A177-3AD203B41FA5}">
-                      <a16:colId xmlns:a16="http://schemas.microsoft.com/office/drawing/2014/main" xmlns="" val="20019"/>
+                      <a16:colId xmlns="" xmlns:a16="http://schemas.microsoft.com/office/drawing/2014/main" val="20019"/>
                     </a:ext>
                   </a:extLst>
                 </a:gridCol>
@@ -14333,7 +14333,7 @@
                 </a:tc>
                 <a:extLst>
                   <a:ext uri="{0D108BD9-81ED-4DB2-BD59-A6C34878D82A}">
-                    <a16:rowId xmlns:a16="http://schemas.microsoft.com/office/drawing/2014/main" xmlns="" val="4157930470"/>
+                    <a16:rowId xmlns="" xmlns:a16="http://schemas.microsoft.com/office/drawing/2014/main" val="4157930470"/>
                   </a:ext>
                 </a:extLst>
               </a:tr>
@@ -14866,7 +14866,7 @@
                 </a:tc>
                 <a:extLst>
                   <a:ext uri="{0D108BD9-81ED-4DB2-BD59-A6C34878D82A}">
-                    <a16:rowId xmlns:a16="http://schemas.microsoft.com/office/drawing/2014/main" xmlns="" val="10000"/>
+                    <a16:rowId xmlns="" xmlns:a16="http://schemas.microsoft.com/office/drawing/2014/main" val="10000"/>
                   </a:ext>
                 </a:extLst>
               </a:tr>
@@ -15168,7 +15168,7 @@
                 </a:tc>
                 <a:extLst>
                   <a:ext uri="{0D108BD9-81ED-4DB2-BD59-A6C34878D82A}">
-                    <a16:rowId xmlns:a16="http://schemas.microsoft.com/office/drawing/2014/main" xmlns="" val="10005"/>
+                    <a16:rowId xmlns="" xmlns:a16="http://schemas.microsoft.com/office/drawing/2014/main" val="10005"/>
                   </a:ext>
                 </a:extLst>
               </a:tr>
@@ -15705,7 +15705,7 @@
                 </a:tc>
                 <a:extLst>
                   <a:ext uri="{0D108BD9-81ED-4DB2-BD59-A6C34878D82A}">
-                    <a16:rowId xmlns:a16="http://schemas.microsoft.com/office/drawing/2014/main" xmlns="" val="10002"/>
+                    <a16:rowId xmlns="" xmlns:a16="http://schemas.microsoft.com/office/drawing/2014/main" val="10002"/>
                   </a:ext>
                 </a:extLst>
               </a:tr>
@@ -16242,7 +16242,7 @@
                 </a:tc>
                 <a:extLst>
                   <a:ext uri="{0D108BD9-81ED-4DB2-BD59-A6C34878D82A}">
-                    <a16:rowId xmlns:a16="http://schemas.microsoft.com/office/drawing/2014/main" xmlns="" val="10003"/>
+                    <a16:rowId xmlns="" xmlns:a16="http://schemas.microsoft.com/office/drawing/2014/main" val="10003"/>
                   </a:ext>
                 </a:extLst>
               </a:tr>
@@ -16779,7 +16779,7 @@
                 </a:tc>
                 <a:extLst>
                   <a:ext uri="{0D108BD9-81ED-4DB2-BD59-A6C34878D82A}">
-                    <a16:rowId xmlns:a16="http://schemas.microsoft.com/office/drawing/2014/main" xmlns="" val="10004"/>
+                    <a16:rowId xmlns="" xmlns:a16="http://schemas.microsoft.com/office/drawing/2014/main" val="10004"/>
                   </a:ext>
                 </a:extLst>
               </a:tr>
@@ -17316,7 +17316,7 @@
                 </a:tc>
                 <a:extLst>
                   <a:ext uri="{0D108BD9-81ED-4DB2-BD59-A6C34878D82A}">
-                    <a16:rowId xmlns:a16="http://schemas.microsoft.com/office/drawing/2014/main" xmlns="" val="10007"/>
+                    <a16:rowId xmlns="" xmlns:a16="http://schemas.microsoft.com/office/drawing/2014/main" val="10007"/>
                   </a:ext>
                 </a:extLst>
               </a:tr>
@@ -17853,7 +17853,7 @@
                 </a:tc>
                 <a:extLst>
                   <a:ext uri="{0D108BD9-81ED-4DB2-BD59-A6C34878D82A}">
-                    <a16:rowId xmlns:a16="http://schemas.microsoft.com/office/drawing/2014/main" xmlns="" val="10008"/>
+                    <a16:rowId xmlns="" xmlns:a16="http://schemas.microsoft.com/office/drawing/2014/main" val="10008"/>
                   </a:ext>
                 </a:extLst>
               </a:tr>
@@ -18390,7 +18390,7 @@
                 </a:tc>
                 <a:extLst>
                   <a:ext uri="{0D108BD9-81ED-4DB2-BD59-A6C34878D82A}">
-                    <a16:rowId xmlns:a16="http://schemas.microsoft.com/office/drawing/2014/main" xmlns="" val="10009"/>
+                    <a16:rowId xmlns="" xmlns:a16="http://schemas.microsoft.com/office/drawing/2014/main" val="10009"/>
                   </a:ext>
                 </a:extLst>
               </a:tr>
@@ -18937,7 +18937,7 @@
                 </a:tc>
                 <a:extLst>
                   <a:ext uri="{0D108BD9-81ED-4DB2-BD59-A6C34878D82A}">
-                    <a16:rowId xmlns:a16="http://schemas.microsoft.com/office/drawing/2014/main" xmlns="" val="2234251665"/>
+                    <a16:rowId xmlns="" xmlns:a16="http://schemas.microsoft.com/office/drawing/2014/main" val="2234251665"/>
                   </a:ext>
                 </a:extLst>
               </a:tr>
@@ -19463,7 +19463,7 @@
                 </a:tc>
                 <a:extLst>
                   <a:ext uri="{0D108BD9-81ED-4DB2-BD59-A6C34878D82A}">
-                    <a16:rowId xmlns:a16="http://schemas.microsoft.com/office/drawing/2014/main" xmlns="" val="2106796917"/>
+                    <a16:rowId xmlns="" xmlns:a16="http://schemas.microsoft.com/office/drawing/2014/main" val="2106796917"/>
                   </a:ext>
                 </a:extLst>
               </a:tr>
@@ -20005,7 +20005,7 @@
                 </a:tc>
                 <a:extLst>
                   <a:ext uri="{0D108BD9-81ED-4DB2-BD59-A6C34878D82A}">
-                    <a16:rowId xmlns:a16="http://schemas.microsoft.com/office/drawing/2014/main" xmlns="" val="3710798345"/>
+                    <a16:rowId xmlns="" xmlns:a16="http://schemas.microsoft.com/office/drawing/2014/main" val="3710798345"/>
                   </a:ext>
                 </a:extLst>
               </a:tr>
@@ -20531,7 +20531,7 @@
                 </a:tc>
                 <a:extLst>
                   <a:ext uri="{0D108BD9-81ED-4DB2-BD59-A6C34878D82A}">
-                    <a16:rowId xmlns:a16="http://schemas.microsoft.com/office/drawing/2014/main" xmlns="" val="2533665971"/>
+                    <a16:rowId xmlns="" xmlns:a16="http://schemas.microsoft.com/office/drawing/2014/main" val="2533665971"/>
                   </a:ext>
                 </a:extLst>
               </a:tr>
@@ -21073,7 +21073,7 @@
                 </a:tc>
                 <a:extLst>
                   <a:ext uri="{0D108BD9-81ED-4DB2-BD59-A6C34878D82A}">
-                    <a16:rowId xmlns:a16="http://schemas.microsoft.com/office/drawing/2014/main" xmlns="" val="10010"/>
+                    <a16:rowId xmlns="" xmlns:a16="http://schemas.microsoft.com/office/drawing/2014/main" val="10010"/>
                   </a:ext>
                 </a:extLst>
               </a:tr>
@@ -21887,7 +21887,7 @@
                 </a:tc>
                 <a:extLst>
                   <a:ext uri="{0D108BD9-81ED-4DB2-BD59-A6C34878D82A}">
-                    <a16:rowId xmlns:a16="http://schemas.microsoft.com/office/drawing/2014/main" xmlns="" val="2811962193"/>
+                    <a16:rowId xmlns="" xmlns:a16="http://schemas.microsoft.com/office/drawing/2014/main" val="2811962193"/>
                   </a:ext>
                 </a:extLst>
               </a:tr>
@@ -22483,140 +22483,140 @@
                 <a:gridCol w="610457">
                   <a:extLst>
                     <a:ext uri="{9D8B030D-6E8A-4147-A177-3AD203B41FA5}">
-                      <a16:colId xmlns:a16="http://schemas.microsoft.com/office/drawing/2014/main" xmlns="" val="20003"/>
+                      <a16:colId xmlns="" xmlns:a16="http://schemas.microsoft.com/office/drawing/2014/main" val="20003"/>
                     </a:ext>
                   </a:extLst>
                 </a:gridCol>
                 <a:gridCol w="531047">
                   <a:extLst>
                     <a:ext uri="{9D8B030D-6E8A-4147-A177-3AD203B41FA5}">
-                      <a16:colId xmlns:a16="http://schemas.microsoft.com/office/drawing/2014/main" xmlns="" val="20004"/>
+                      <a16:colId xmlns="" xmlns:a16="http://schemas.microsoft.com/office/drawing/2014/main" val="20004"/>
                     </a:ext>
                   </a:extLst>
                 </a:gridCol>
                 <a:gridCol w="531047">
                   <a:extLst>
                     <a:ext uri="{9D8B030D-6E8A-4147-A177-3AD203B41FA5}">
-                      <a16:colId xmlns:a16="http://schemas.microsoft.com/office/drawing/2014/main" xmlns="" val="3393601540"/>
+                      <a16:colId xmlns="" xmlns:a16="http://schemas.microsoft.com/office/drawing/2014/main" val="3393601540"/>
                     </a:ext>
                   </a:extLst>
                 </a:gridCol>
                 <a:gridCol w="531047">
                   <a:extLst>
                     <a:ext uri="{9D8B030D-6E8A-4147-A177-3AD203B41FA5}">
-                      <a16:colId xmlns:a16="http://schemas.microsoft.com/office/drawing/2014/main" xmlns="" val="3679918837"/>
+                      <a16:colId xmlns="" xmlns:a16="http://schemas.microsoft.com/office/drawing/2014/main" val="3679918837"/>
                     </a:ext>
                   </a:extLst>
                 </a:gridCol>
                 <a:gridCol w="514332">
                   <a:extLst>
                     <a:ext uri="{9D8B030D-6E8A-4147-A177-3AD203B41FA5}">
-                      <a16:colId xmlns:a16="http://schemas.microsoft.com/office/drawing/2014/main" xmlns="" val="2897207107"/>
+                      <a16:colId xmlns="" xmlns:a16="http://schemas.microsoft.com/office/drawing/2014/main" val="2897207107"/>
                     </a:ext>
                   </a:extLst>
                 </a:gridCol>
                 <a:gridCol w="514332">
                   <a:extLst>
                     <a:ext uri="{9D8B030D-6E8A-4147-A177-3AD203B41FA5}">
-                      <a16:colId xmlns:a16="http://schemas.microsoft.com/office/drawing/2014/main" xmlns="" val="2482035779"/>
+                      <a16:colId xmlns="" xmlns:a16="http://schemas.microsoft.com/office/drawing/2014/main" val="2482035779"/>
                     </a:ext>
                   </a:extLst>
                 </a:gridCol>
                 <a:gridCol w="514332">
                   <a:extLst>
                     <a:ext uri="{9D8B030D-6E8A-4147-A177-3AD203B41FA5}">
-                      <a16:colId xmlns:a16="http://schemas.microsoft.com/office/drawing/2014/main" xmlns="" val="3678108844"/>
+                      <a16:colId xmlns="" xmlns:a16="http://schemas.microsoft.com/office/drawing/2014/main" val="3678108844"/>
                     </a:ext>
                   </a:extLst>
                 </a:gridCol>
                 <a:gridCol w="514332">
                   <a:extLst>
                     <a:ext uri="{9D8B030D-6E8A-4147-A177-3AD203B41FA5}">
-                      <a16:colId xmlns:a16="http://schemas.microsoft.com/office/drawing/2014/main" xmlns="" val="1513467911"/>
+                      <a16:colId xmlns="" xmlns:a16="http://schemas.microsoft.com/office/drawing/2014/main" val="1513467911"/>
                     </a:ext>
                   </a:extLst>
                 </a:gridCol>
                 <a:gridCol w="514332">
                   <a:extLst>
                     <a:ext uri="{9D8B030D-6E8A-4147-A177-3AD203B41FA5}">
-                      <a16:colId xmlns:a16="http://schemas.microsoft.com/office/drawing/2014/main" xmlns="" val="20008"/>
+                      <a16:colId xmlns="" xmlns:a16="http://schemas.microsoft.com/office/drawing/2014/main" val="20008"/>
                     </a:ext>
                   </a:extLst>
                 </a:gridCol>
                 <a:gridCol w="514332">
                   <a:extLst>
                     <a:ext uri="{9D8B030D-6E8A-4147-A177-3AD203B41FA5}">
-                      <a16:colId xmlns:a16="http://schemas.microsoft.com/office/drawing/2014/main" xmlns="" val="3474974294"/>
+                      <a16:colId xmlns="" xmlns:a16="http://schemas.microsoft.com/office/drawing/2014/main" val="3474974294"/>
                     </a:ext>
                   </a:extLst>
                 </a:gridCol>
                 <a:gridCol w="514332">
                   <a:extLst>
                     <a:ext uri="{9D8B030D-6E8A-4147-A177-3AD203B41FA5}">
-                      <a16:colId xmlns:a16="http://schemas.microsoft.com/office/drawing/2014/main" xmlns="" val="2739021416"/>
+                      <a16:colId xmlns="" xmlns:a16="http://schemas.microsoft.com/office/drawing/2014/main" val="2739021416"/>
                     </a:ext>
                   </a:extLst>
                 </a:gridCol>
                 <a:gridCol w="514332">
                   <a:extLst>
                     <a:ext uri="{9D8B030D-6E8A-4147-A177-3AD203B41FA5}">
-                      <a16:colId xmlns:a16="http://schemas.microsoft.com/office/drawing/2014/main" xmlns="" val="876172250"/>
+                      <a16:colId xmlns="" xmlns:a16="http://schemas.microsoft.com/office/drawing/2014/main" val="876172250"/>
                     </a:ext>
                   </a:extLst>
                 </a:gridCol>
                 <a:gridCol w="514332">
                   <a:extLst>
                     <a:ext uri="{9D8B030D-6E8A-4147-A177-3AD203B41FA5}">
-                      <a16:colId xmlns:a16="http://schemas.microsoft.com/office/drawing/2014/main" xmlns="" val="20011"/>
+                      <a16:colId xmlns="" xmlns:a16="http://schemas.microsoft.com/office/drawing/2014/main" val="20011"/>
                     </a:ext>
                   </a:extLst>
                 </a:gridCol>
                 <a:gridCol w="514332">
                   <a:extLst>
                     <a:ext uri="{9D8B030D-6E8A-4147-A177-3AD203B41FA5}">
-                      <a16:colId xmlns:a16="http://schemas.microsoft.com/office/drawing/2014/main" xmlns="" val="20012"/>
+                      <a16:colId xmlns="" xmlns:a16="http://schemas.microsoft.com/office/drawing/2014/main" val="20012"/>
                     </a:ext>
                   </a:extLst>
                 </a:gridCol>
                 <a:gridCol w="514332">
                   <a:extLst>
                     <a:ext uri="{9D8B030D-6E8A-4147-A177-3AD203B41FA5}">
-                      <a16:colId xmlns:a16="http://schemas.microsoft.com/office/drawing/2014/main" xmlns="" val="20005"/>
+                      <a16:colId xmlns="" xmlns:a16="http://schemas.microsoft.com/office/drawing/2014/main" val="20005"/>
                     </a:ext>
                   </a:extLst>
                 </a:gridCol>
                 <a:gridCol w="514332">
                   <a:extLst>
                     <a:ext uri="{9D8B030D-6E8A-4147-A177-3AD203B41FA5}">
-                      <a16:colId xmlns:a16="http://schemas.microsoft.com/office/drawing/2014/main" xmlns="" val="3644493182"/>
+                      <a16:colId xmlns="" xmlns:a16="http://schemas.microsoft.com/office/drawing/2014/main" val="3644493182"/>
                     </a:ext>
                   </a:extLst>
                 </a:gridCol>
                 <a:gridCol w="514332">
                   <a:extLst>
                     <a:ext uri="{9D8B030D-6E8A-4147-A177-3AD203B41FA5}">
-                      <a16:colId xmlns:a16="http://schemas.microsoft.com/office/drawing/2014/main" xmlns="" val="20016"/>
+                      <a16:colId xmlns="" xmlns:a16="http://schemas.microsoft.com/office/drawing/2014/main" val="20016"/>
                     </a:ext>
                   </a:extLst>
                 </a:gridCol>
                 <a:gridCol w="514332">
                   <a:extLst>
                     <a:ext uri="{9D8B030D-6E8A-4147-A177-3AD203B41FA5}">
-                      <a16:colId xmlns:a16="http://schemas.microsoft.com/office/drawing/2014/main" xmlns="" val="20017"/>
+                      <a16:colId xmlns="" xmlns:a16="http://schemas.microsoft.com/office/drawing/2014/main" val="20017"/>
                     </a:ext>
                   </a:extLst>
                 </a:gridCol>
                 <a:gridCol w="514332">
                   <a:extLst>
                     <a:ext uri="{9D8B030D-6E8A-4147-A177-3AD203B41FA5}">
-                      <a16:colId xmlns:a16="http://schemas.microsoft.com/office/drawing/2014/main" xmlns="" val="20018"/>
+                      <a16:colId xmlns="" xmlns:a16="http://schemas.microsoft.com/office/drawing/2014/main" val="20018"/>
                     </a:ext>
                   </a:extLst>
                 </a:gridCol>
                 <a:gridCol w="514332">
                   <a:extLst>
                     <a:ext uri="{9D8B030D-6E8A-4147-A177-3AD203B41FA5}">
-                      <a16:colId xmlns:a16="http://schemas.microsoft.com/office/drawing/2014/main" xmlns="" val="20019"/>
+                      <a16:colId xmlns="" xmlns:a16="http://schemas.microsoft.com/office/drawing/2014/main" val="20019"/>
                     </a:ext>
                   </a:extLst>
                 </a:gridCol>
@@ -22887,7 +22887,7 @@
                 </a:tc>
                 <a:extLst>
                   <a:ext uri="{0D108BD9-81ED-4DB2-BD59-A6C34878D82A}">
-                    <a16:rowId xmlns:a16="http://schemas.microsoft.com/office/drawing/2014/main" xmlns="" val="4157930470"/>
+                    <a16:rowId xmlns="" xmlns:a16="http://schemas.microsoft.com/office/drawing/2014/main" val="4157930470"/>
                   </a:ext>
                 </a:extLst>
               </a:tr>
@@ -23522,7 +23522,7 @@
                 </a:tc>
                 <a:extLst>
                   <a:ext uri="{0D108BD9-81ED-4DB2-BD59-A6C34878D82A}">
-                    <a16:rowId xmlns:a16="http://schemas.microsoft.com/office/drawing/2014/main" xmlns="" val="10000"/>
+                    <a16:rowId xmlns="" xmlns:a16="http://schemas.microsoft.com/office/drawing/2014/main" val="10000"/>
                   </a:ext>
                 </a:extLst>
               </a:tr>
@@ -24157,7 +24157,7 @@
                 </a:tc>
                 <a:extLst>
                   <a:ext uri="{0D108BD9-81ED-4DB2-BD59-A6C34878D82A}">
-                    <a16:rowId xmlns:a16="http://schemas.microsoft.com/office/drawing/2014/main" xmlns="" val="10002"/>
+                    <a16:rowId xmlns="" xmlns:a16="http://schemas.microsoft.com/office/drawing/2014/main" val="10002"/>
                   </a:ext>
                 </a:extLst>
               </a:tr>
@@ -24767,7 +24767,7 @@
                 </a:tc>
                 <a:extLst>
                   <a:ext uri="{0D108BD9-81ED-4DB2-BD59-A6C34878D82A}">
-                    <a16:rowId xmlns:a16="http://schemas.microsoft.com/office/drawing/2014/main" xmlns="" val="10003"/>
+                    <a16:rowId xmlns="" xmlns:a16="http://schemas.microsoft.com/office/drawing/2014/main" val="10003"/>
                   </a:ext>
                 </a:extLst>
               </a:tr>
@@ -24784,7 +24784,7 @@
           <p:nvPr>
             <p:extLst>
               <p:ext uri="{D42A27DB-BD31-4B8C-83A1-F6EECF244321}">
-                <p14:modId xmlns:p14="http://schemas.microsoft.com/office/powerpoint/2010/main" val="344238001"/>
+                <p14:modId xmlns:p14="http://schemas.microsoft.com/office/powerpoint/2010/main" val="4261269862"/>
               </p:ext>
             </p:extLst>
           </p:nvPr>
@@ -24803,140 +24803,140 @@
                 <a:gridCol w="678743">
                   <a:extLst>
                     <a:ext uri="{9D8B030D-6E8A-4147-A177-3AD203B41FA5}">
-                      <a16:colId xmlns:a16="http://schemas.microsoft.com/office/drawing/2014/main" xmlns="" val="20003"/>
+                      <a16:colId xmlns="" xmlns:a16="http://schemas.microsoft.com/office/drawing/2014/main" val="20003"/>
                     </a:ext>
                   </a:extLst>
                 </a:gridCol>
                 <a:gridCol w="643923">
                   <a:extLst>
                     <a:ext uri="{9D8B030D-6E8A-4147-A177-3AD203B41FA5}">
-                      <a16:colId xmlns:a16="http://schemas.microsoft.com/office/drawing/2014/main" xmlns="" val="3950370602"/>
+                      <a16:colId xmlns="" xmlns:a16="http://schemas.microsoft.com/office/drawing/2014/main" val="3950370602"/>
                     </a:ext>
                   </a:extLst>
                 </a:gridCol>
                 <a:gridCol w="475651">
                   <a:extLst>
                     <a:ext uri="{9D8B030D-6E8A-4147-A177-3AD203B41FA5}">
-                      <a16:colId xmlns:a16="http://schemas.microsoft.com/office/drawing/2014/main" xmlns="" val="892499354"/>
+                      <a16:colId xmlns="" xmlns:a16="http://schemas.microsoft.com/office/drawing/2014/main" val="892499354"/>
                     </a:ext>
                   </a:extLst>
                 </a:gridCol>
                 <a:gridCol w="475651">
                   <a:extLst>
                     <a:ext uri="{9D8B030D-6E8A-4147-A177-3AD203B41FA5}">
-                      <a16:colId xmlns:a16="http://schemas.microsoft.com/office/drawing/2014/main" xmlns="" val="2890376269"/>
+                      <a16:colId xmlns="" xmlns:a16="http://schemas.microsoft.com/office/drawing/2014/main" val="2890376269"/>
                     </a:ext>
                   </a:extLst>
                 </a:gridCol>
                 <a:gridCol w="501602">
                   <a:extLst>
                     <a:ext uri="{9D8B030D-6E8A-4147-A177-3AD203B41FA5}">
-                      <a16:colId xmlns:a16="http://schemas.microsoft.com/office/drawing/2014/main" xmlns="" val="2351848522"/>
+                      <a16:colId xmlns="" xmlns:a16="http://schemas.microsoft.com/office/drawing/2014/main" val="2351848522"/>
                     </a:ext>
                   </a:extLst>
                 </a:gridCol>
                 <a:gridCol w="501602">
                   <a:extLst>
                     <a:ext uri="{9D8B030D-6E8A-4147-A177-3AD203B41FA5}">
-                      <a16:colId xmlns:a16="http://schemas.microsoft.com/office/drawing/2014/main" xmlns="" val="3951773805"/>
+                      <a16:colId xmlns="" xmlns:a16="http://schemas.microsoft.com/office/drawing/2014/main" val="3951773805"/>
                     </a:ext>
                   </a:extLst>
                 </a:gridCol>
                 <a:gridCol w="501602">
                   <a:extLst>
                     <a:ext uri="{9D8B030D-6E8A-4147-A177-3AD203B41FA5}">
-                      <a16:colId xmlns:a16="http://schemas.microsoft.com/office/drawing/2014/main" xmlns="" val="20005"/>
+                      <a16:colId xmlns="" xmlns:a16="http://schemas.microsoft.com/office/drawing/2014/main" val="20005"/>
                     </a:ext>
                   </a:extLst>
                 </a:gridCol>
                 <a:gridCol w="501602">
                   <a:extLst>
                     <a:ext uri="{9D8B030D-6E8A-4147-A177-3AD203B41FA5}">
-                      <a16:colId xmlns:a16="http://schemas.microsoft.com/office/drawing/2014/main" xmlns="" val="1658949460"/>
+                      <a16:colId xmlns="" xmlns:a16="http://schemas.microsoft.com/office/drawing/2014/main" val="1658949460"/>
                     </a:ext>
                   </a:extLst>
                 </a:gridCol>
                 <a:gridCol w="501602">
                   <a:extLst>
                     <a:ext uri="{9D8B030D-6E8A-4147-A177-3AD203B41FA5}">
-                      <a16:colId xmlns:a16="http://schemas.microsoft.com/office/drawing/2014/main" xmlns="" val="4009511739"/>
+                      <a16:colId xmlns="" xmlns:a16="http://schemas.microsoft.com/office/drawing/2014/main" val="4009511739"/>
                     </a:ext>
                   </a:extLst>
                 </a:gridCol>
                 <a:gridCol w="648032">
                   <a:extLst>
                     <a:ext uri="{9D8B030D-6E8A-4147-A177-3AD203B41FA5}">
-                      <a16:colId xmlns:a16="http://schemas.microsoft.com/office/drawing/2014/main" xmlns="" val="915448942"/>
+                      <a16:colId xmlns="" xmlns:a16="http://schemas.microsoft.com/office/drawing/2014/main" val="915448942"/>
                     </a:ext>
                   </a:extLst>
                 </a:gridCol>
                 <a:gridCol w="648032">
                   <a:extLst>
                     <a:ext uri="{9D8B030D-6E8A-4147-A177-3AD203B41FA5}">
-                      <a16:colId xmlns:a16="http://schemas.microsoft.com/office/drawing/2014/main" xmlns="" val="20004"/>
+                      <a16:colId xmlns="" xmlns:a16="http://schemas.microsoft.com/office/drawing/2014/main" val="20004"/>
                     </a:ext>
                   </a:extLst>
                 </a:gridCol>
                 <a:gridCol w="523461">
                   <a:extLst>
                     <a:ext uri="{9D8B030D-6E8A-4147-A177-3AD203B41FA5}">
-                      <a16:colId xmlns:a16="http://schemas.microsoft.com/office/drawing/2014/main" xmlns="" val="1735239135"/>
+                      <a16:colId xmlns="" xmlns:a16="http://schemas.microsoft.com/office/drawing/2014/main" val="1735239135"/>
                     </a:ext>
                   </a:extLst>
                 </a:gridCol>
                 <a:gridCol w="523461">
                   <a:extLst>
                     <a:ext uri="{9D8B030D-6E8A-4147-A177-3AD203B41FA5}">
-                      <a16:colId xmlns:a16="http://schemas.microsoft.com/office/drawing/2014/main" xmlns="" val="1012336583"/>
+                      <a16:colId xmlns="" xmlns:a16="http://schemas.microsoft.com/office/drawing/2014/main" val="1012336583"/>
                     </a:ext>
                   </a:extLst>
                 </a:gridCol>
                 <a:gridCol w="523461">
                   <a:extLst>
                     <a:ext uri="{9D8B030D-6E8A-4147-A177-3AD203B41FA5}">
-                      <a16:colId xmlns:a16="http://schemas.microsoft.com/office/drawing/2014/main" xmlns="" val="730367770"/>
+                      <a16:colId xmlns="" xmlns:a16="http://schemas.microsoft.com/office/drawing/2014/main" val="730367770"/>
                     </a:ext>
                   </a:extLst>
                 </a:gridCol>
                 <a:gridCol w="523461">
                   <a:extLst>
                     <a:ext uri="{9D8B030D-6E8A-4147-A177-3AD203B41FA5}">
-                      <a16:colId xmlns:a16="http://schemas.microsoft.com/office/drawing/2014/main" xmlns="" val="1995509689"/>
+                      <a16:colId xmlns="" xmlns:a16="http://schemas.microsoft.com/office/drawing/2014/main" val="1995509689"/>
                     </a:ext>
                   </a:extLst>
                 </a:gridCol>
                 <a:gridCol w="523461">
                   <a:extLst>
                     <a:ext uri="{9D8B030D-6E8A-4147-A177-3AD203B41FA5}">
-                      <a16:colId xmlns:a16="http://schemas.microsoft.com/office/drawing/2014/main" xmlns="" val="4059945013"/>
+                      <a16:colId xmlns="" xmlns:a16="http://schemas.microsoft.com/office/drawing/2014/main" val="4059945013"/>
                     </a:ext>
                   </a:extLst>
                 </a:gridCol>
                 <a:gridCol w="523461">
                   <a:extLst>
                     <a:ext uri="{9D8B030D-6E8A-4147-A177-3AD203B41FA5}">
-                      <a16:colId xmlns:a16="http://schemas.microsoft.com/office/drawing/2014/main" xmlns="" val="20013"/>
+                      <a16:colId xmlns="" xmlns:a16="http://schemas.microsoft.com/office/drawing/2014/main" val="20013"/>
                     </a:ext>
                   </a:extLst>
                 </a:gridCol>
                 <a:gridCol w="612741">
                   <a:extLst>
                     <a:ext uri="{9D8B030D-6E8A-4147-A177-3AD203B41FA5}">
-                      <a16:colId xmlns:a16="http://schemas.microsoft.com/office/drawing/2014/main" xmlns="" val="563954548"/>
+                      <a16:colId xmlns="" xmlns:a16="http://schemas.microsoft.com/office/drawing/2014/main" val="563954548"/>
                     </a:ext>
                   </a:extLst>
                 </a:gridCol>
                 <a:gridCol w="612741">
                   <a:extLst>
                     <a:ext uri="{9D8B030D-6E8A-4147-A177-3AD203B41FA5}">
-                      <a16:colId xmlns:a16="http://schemas.microsoft.com/office/drawing/2014/main" xmlns="" val="626849779"/>
+                      <a16:colId xmlns="" xmlns:a16="http://schemas.microsoft.com/office/drawing/2014/main" val="626849779"/>
                     </a:ext>
                   </a:extLst>
                 </a:gridCol>
                 <a:gridCol w="612741">
                   <a:extLst>
                     <a:ext uri="{9D8B030D-6E8A-4147-A177-3AD203B41FA5}">
-                      <a16:colId xmlns:a16="http://schemas.microsoft.com/office/drawing/2014/main" xmlns="" val="2774746132"/>
+                      <a16:colId xmlns="" xmlns:a16="http://schemas.microsoft.com/office/drawing/2014/main" val="2774746132"/>
                     </a:ext>
                   </a:extLst>
                 </a:gridCol>
@@ -25264,7 +25264,7 @@
                 </a:tc>
                 <a:extLst>
                   <a:ext uri="{0D108BD9-81ED-4DB2-BD59-A6C34878D82A}">
-                    <a16:rowId xmlns:a16="http://schemas.microsoft.com/office/drawing/2014/main" xmlns="" val="290152553"/>
+                    <a16:rowId xmlns="" xmlns:a16="http://schemas.microsoft.com/office/drawing/2014/main" val="290152553"/>
                   </a:ext>
                 </a:extLst>
               </a:tr>
@@ -26011,7 +26011,7 @@
                 </a:tc>
                 <a:extLst>
                   <a:ext uri="{0D108BD9-81ED-4DB2-BD59-A6C34878D82A}">
-                    <a16:rowId xmlns:a16="http://schemas.microsoft.com/office/drawing/2014/main" xmlns="" val="1372355905"/>
+                    <a16:rowId xmlns="" xmlns:a16="http://schemas.microsoft.com/office/drawing/2014/main" val="1372355905"/>
                   </a:ext>
                 </a:extLst>
               </a:tr>
@@ -26069,30 +26069,35 @@
                     <a:p>
                       <a:pPr algn="ctr"/>
                       <a:r>
-                        <a:rPr lang="zh-TW" altLang="en-US" sz="1200" dirty="0">
-                          <a:solidFill>
-                            <a:schemeClr val="tx1"/>
-                          </a:solidFill>
-                        </a:rPr>
-                        <a:t>─</a:t>
-                      </a:r>
-                    </a:p>
-                  </a:txBody>
-                  <a:tcPr marL="9525" marR="9525" marT="9525" marB="0" anchor="ctr"/>
-                </a:tc>
-                <a:tc>
-                  <a:txBody>
-                    <a:bodyPr/>
-                    <a:lstStyle/>
-                    <a:p>
-                      <a:pPr algn="ctr"/>
-                      <a:r>
-                        <a:rPr lang="zh-TW" altLang="en-US" sz="1200" kern="0" dirty="0">
-                          <a:solidFill>
-                            <a:schemeClr val="tx1"/>
-                          </a:solidFill>
-                        </a:rPr>
-                        <a:t>○</a:t>
+                        <a:rPr lang="en-US" altLang="zh-TW" sz="1200" kern="0" dirty="0" smtClean="0">
+                          <a:solidFill>
+                            <a:schemeClr val="tx1"/>
+                          </a:solidFill>
+                        </a:rPr>
+                        <a:t>●</a:t>
+                      </a:r>
+                      <a:endParaRPr lang="zh-TW" altLang="en-US" sz="1200" dirty="0">
+                        <a:solidFill>
+                          <a:schemeClr val="tx1"/>
+                        </a:solidFill>
+                      </a:endParaRPr>
+                    </a:p>
+                  </a:txBody>
+                  <a:tcPr marL="9525" marR="9525" marT="9525" marB="0" anchor="ctr"/>
+                </a:tc>
+                <a:tc>
+                  <a:txBody>
+                    <a:bodyPr/>
+                    <a:lstStyle/>
+                    <a:p>
+                      <a:pPr algn="ctr"/>
+                      <a:r>
+                        <a:rPr lang="en-US" altLang="zh-TW" sz="1200" kern="0" dirty="0" smtClean="0">
+                          <a:solidFill>
+                            <a:schemeClr val="tx1"/>
+                          </a:solidFill>
+                        </a:rPr>
+                        <a:t>●</a:t>
                       </a:r>
                       <a:endParaRPr lang="zh-TW" altLang="en-US" sz="1200" dirty="0">
                         <a:solidFill>
@@ -26507,7 +26512,7 @@
                 </a:tc>
                 <a:extLst>
                   <a:ext uri="{0D108BD9-81ED-4DB2-BD59-A6C34878D82A}">
-                    <a16:rowId xmlns:a16="http://schemas.microsoft.com/office/drawing/2014/main" xmlns="" val="10005"/>
+                    <a16:rowId xmlns="" xmlns:a16="http://schemas.microsoft.com/office/drawing/2014/main" val="10005"/>
                   </a:ext>
                 </a:extLst>
               </a:tr>
@@ -27019,7 +27024,7 @@
                 </a:tc>
                 <a:extLst>
                   <a:ext uri="{0D108BD9-81ED-4DB2-BD59-A6C34878D82A}">
-                    <a16:rowId xmlns:a16="http://schemas.microsoft.com/office/drawing/2014/main" xmlns="" val="10006"/>
+                    <a16:rowId xmlns="" xmlns:a16="http://schemas.microsoft.com/office/drawing/2014/main" val="10006"/>
                   </a:ext>
                 </a:extLst>
               </a:tr>
@@ -27515,7 +27520,7 @@
                 </a:tc>
                 <a:extLst>
                   <a:ext uri="{0D108BD9-81ED-4DB2-BD59-A6C34878D82A}">
-                    <a16:rowId xmlns:a16="http://schemas.microsoft.com/office/drawing/2014/main" xmlns="" val="10007"/>
+                    <a16:rowId xmlns="" xmlns:a16="http://schemas.microsoft.com/office/drawing/2014/main" val="10007"/>
                   </a:ext>
                 </a:extLst>
               </a:tr>
@@ -28142,7 +28147,7 @@
                 </a:tc>
                 <a:extLst>
                   <a:ext uri="{0D108BD9-81ED-4DB2-BD59-A6C34878D82A}">
-                    <a16:rowId xmlns:a16="http://schemas.microsoft.com/office/drawing/2014/main" xmlns="" val="10008"/>
+                    <a16:rowId xmlns="" xmlns:a16="http://schemas.microsoft.com/office/drawing/2014/main" val="10008"/>
                   </a:ext>
                 </a:extLst>
               </a:tr>
@@ -28958,35 +28963,35 @@
                 <a:gridCol w="1452286">
                   <a:extLst>
                     <a:ext uri="{9D8B030D-6E8A-4147-A177-3AD203B41FA5}">
-                      <a16:colId xmlns:a16="http://schemas.microsoft.com/office/drawing/2014/main" xmlns="" val="20003"/>
+                      <a16:colId xmlns="" xmlns:a16="http://schemas.microsoft.com/office/drawing/2014/main" val="20003"/>
                     </a:ext>
                   </a:extLst>
                 </a:gridCol>
                 <a:gridCol w="1131131">
                   <a:extLst>
                     <a:ext uri="{9D8B030D-6E8A-4147-A177-3AD203B41FA5}">
-                      <a16:colId xmlns:a16="http://schemas.microsoft.com/office/drawing/2014/main" xmlns="" val="3466895849"/>
+                      <a16:colId xmlns="" xmlns:a16="http://schemas.microsoft.com/office/drawing/2014/main" val="3466895849"/>
                     </a:ext>
                   </a:extLst>
                 </a:gridCol>
                 <a:gridCol w="1131131">
                   <a:extLst>
                     <a:ext uri="{9D8B030D-6E8A-4147-A177-3AD203B41FA5}">
-                      <a16:colId xmlns:a16="http://schemas.microsoft.com/office/drawing/2014/main" xmlns="" val="20004"/>
+                      <a16:colId xmlns="" xmlns:a16="http://schemas.microsoft.com/office/drawing/2014/main" val="20004"/>
                     </a:ext>
                   </a:extLst>
                 </a:gridCol>
                 <a:gridCol w="1131131">
                   <a:extLst>
                     <a:ext uri="{9D8B030D-6E8A-4147-A177-3AD203B41FA5}">
-                      <a16:colId xmlns:a16="http://schemas.microsoft.com/office/drawing/2014/main" xmlns="" val="730367770"/>
+                      <a16:colId xmlns="" xmlns:a16="http://schemas.microsoft.com/office/drawing/2014/main" val="730367770"/>
                     </a:ext>
                   </a:extLst>
                 </a:gridCol>
                 <a:gridCol w="1131131">
                   <a:extLst>
                     <a:ext uri="{9D8B030D-6E8A-4147-A177-3AD203B41FA5}">
-                      <a16:colId xmlns:a16="http://schemas.microsoft.com/office/drawing/2014/main" xmlns="" val="624460300"/>
+                      <a16:colId xmlns="" xmlns:a16="http://schemas.microsoft.com/office/drawing/2014/main" val="624460300"/>
                     </a:ext>
                   </a:extLst>
                 </a:gridCol>
@@ -29108,7 +29113,7 @@
                 </a:tc>
                 <a:extLst>
                   <a:ext uri="{0D108BD9-81ED-4DB2-BD59-A6C34878D82A}">
-                    <a16:rowId xmlns:a16="http://schemas.microsoft.com/office/drawing/2014/main" xmlns="" val="290152553"/>
+                    <a16:rowId xmlns="" xmlns:a16="http://schemas.microsoft.com/office/drawing/2014/main" val="290152553"/>
                   </a:ext>
                 </a:extLst>
               </a:tr>
@@ -29227,7 +29232,7 @@
                 </a:tc>
                 <a:extLst>
                   <a:ext uri="{0D108BD9-81ED-4DB2-BD59-A6C34878D82A}">
-                    <a16:rowId xmlns:a16="http://schemas.microsoft.com/office/drawing/2014/main" xmlns="" val="2028298506"/>
+                    <a16:rowId xmlns="" xmlns:a16="http://schemas.microsoft.com/office/drawing/2014/main" val="2028298506"/>
                   </a:ext>
                 </a:extLst>
               </a:tr>
@@ -29368,7 +29373,7 @@
                 </a:tc>
                 <a:extLst>
                   <a:ext uri="{0D108BD9-81ED-4DB2-BD59-A6C34878D82A}">
-                    <a16:rowId xmlns:a16="http://schemas.microsoft.com/office/drawing/2014/main" xmlns="" val="2660065325"/>
+                    <a16:rowId xmlns="" xmlns:a16="http://schemas.microsoft.com/office/drawing/2014/main" val="2660065325"/>
                   </a:ext>
                 </a:extLst>
               </a:tr>
@@ -29509,7 +29514,7 @@
                 </a:tc>
                 <a:extLst>
                   <a:ext uri="{0D108BD9-81ED-4DB2-BD59-A6C34878D82A}">
-                    <a16:rowId xmlns:a16="http://schemas.microsoft.com/office/drawing/2014/main" xmlns="" val="1596747635"/>
+                    <a16:rowId xmlns="" xmlns:a16="http://schemas.microsoft.com/office/drawing/2014/main" val="1596747635"/>
                   </a:ext>
                 </a:extLst>
               </a:tr>
@@ -29650,7 +29655,7 @@
                 </a:tc>
                 <a:extLst>
                   <a:ext uri="{0D108BD9-81ED-4DB2-BD59-A6C34878D82A}">
-                    <a16:rowId xmlns:a16="http://schemas.microsoft.com/office/drawing/2014/main" xmlns="" val="3774430207"/>
+                    <a16:rowId xmlns="" xmlns:a16="http://schemas.microsoft.com/office/drawing/2014/main" val="3774430207"/>
                   </a:ext>
                 </a:extLst>
               </a:tr>
@@ -29797,7 +29802,7 @@
                 </a:tc>
                 <a:extLst>
                   <a:ext uri="{0D108BD9-81ED-4DB2-BD59-A6C34878D82A}">
-                    <a16:rowId xmlns:a16="http://schemas.microsoft.com/office/drawing/2014/main" xmlns="" val="10005"/>
+                    <a16:rowId xmlns="" xmlns:a16="http://schemas.microsoft.com/office/drawing/2014/main" val="10005"/>
                   </a:ext>
                 </a:extLst>
               </a:tr>
@@ -29960,7 +29965,7 @@
                 </a:tc>
                 <a:extLst>
                   <a:ext uri="{0D108BD9-81ED-4DB2-BD59-A6C34878D82A}">
-                    <a16:rowId xmlns:a16="http://schemas.microsoft.com/office/drawing/2014/main" xmlns="" val="10006"/>
+                    <a16:rowId xmlns="" xmlns:a16="http://schemas.microsoft.com/office/drawing/2014/main" val="10006"/>
                   </a:ext>
                 </a:extLst>
               </a:tr>
@@ -30123,7 +30128,7 @@
                 </a:tc>
                 <a:extLst>
                   <a:ext uri="{0D108BD9-81ED-4DB2-BD59-A6C34878D82A}">
-                    <a16:rowId xmlns:a16="http://schemas.microsoft.com/office/drawing/2014/main" xmlns="" val="10007"/>
+                    <a16:rowId xmlns="" xmlns:a16="http://schemas.microsoft.com/office/drawing/2014/main" val="10007"/>
                   </a:ext>
                 </a:extLst>
               </a:tr>
@@ -30264,7 +30269,7 @@
                 </a:tc>
                 <a:extLst>
                   <a:ext uri="{0D108BD9-81ED-4DB2-BD59-A6C34878D82A}">
-                    <a16:rowId xmlns:a16="http://schemas.microsoft.com/office/drawing/2014/main" xmlns="" val="2717943080"/>
+                    <a16:rowId xmlns="" xmlns:a16="http://schemas.microsoft.com/office/drawing/2014/main" val="2717943080"/>
                   </a:ext>
                 </a:extLst>
               </a:tr>
@@ -30490,7 +30495,7 @@
                 </a:tc>
                 <a:extLst>
                   <a:ext uri="{0D108BD9-81ED-4DB2-BD59-A6C34878D82A}">
-                    <a16:rowId xmlns:a16="http://schemas.microsoft.com/office/drawing/2014/main" xmlns="" val="2802642166"/>
+                    <a16:rowId xmlns="" xmlns:a16="http://schemas.microsoft.com/office/drawing/2014/main" val="2802642166"/>
                   </a:ext>
                 </a:extLst>
               </a:tr>
@@ -30695,7 +30700,7 @@
                 </a:tc>
                 <a:extLst>
                   <a:ext uri="{0D108BD9-81ED-4DB2-BD59-A6C34878D82A}">
-                    <a16:rowId xmlns:a16="http://schemas.microsoft.com/office/drawing/2014/main" xmlns="" val="3968310820"/>
+                    <a16:rowId xmlns="" xmlns:a16="http://schemas.microsoft.com/office/drawing/2014/main" val="3968310820"/>
                   </a:ext>
                 </a:extLst>
               </a:tr>
@@ -30900,7 +30905,7 @@
                 </a:tc>
                 <a:extLst>
                   <a:ext uri="{0D108BD9-81ED-4DB2-BD59-A6C34878D82A}">
-                    <a16:rowId xmlns:a16="http://schemas.microsoft.com/office/drawing/2014/main" xmlns="" val="1715990511"/>
+                    <a16:rowId xmlns="" xmlns:a16="http://schemas.microsoft.com/office/drawing/2014/main" val="1715990511"/>
                   </a:ext>
                 </a:extLst>
               </a:tr>
@@ -31105,7 +31110,7 @@
                 </a:tc>
                 <a:extLst>
                   <a:ext uri="{0D108BD9-81ED-4DB2-BD59-A6C34878D82A}">
-                    <a16:rowId xmlns:a16="http://schemas.microsoft.com/office/drawing/2014/main" xmlns="" val="3192680700"/>
+                    <a16:rowId xmlns="" xmlns:a16="http://schemas.microsoft.com/office/drawing/2014/main" val="3192680700"/>
                   </a:ext>
                 </a:extLst>
               </a:tr>
@@ -31331,84 +31336,84 @@
                 <a:gridCol w="828562">
                   <a:extLst>
                     <a:ext uri="{9D8B030D-6E8A-4147-A177-3AD203B41FA5}">
-                      <a16:colId xmlns:a16="http://schemas.microsoft.com/office/drawing/2014/main" xmlns="" val="20000"/>
+                      <a16:colId xmlns="" xmlns:a16="http://schemas.microsoft.com/office/drawing/2014/main" val="20000"/>
                     </a:ext>
                   </a:extLst>
                 </a:gridCol>
                 <a:gridCol w="828562">
                   <a:extLst>
                     <a:ext uri="{9D8B030D-6E8A-4147-A177-3AD203B41FA5}">
-                      <a16:colId xmlns:a16="http://schemas.microsoft.com/office/drawing/2014/main" xmlns="" val="20001"/>
+                      <a16:colId xmlns="" xmlns:a16="http://schemas.microsoft.com/office/drawing/2014/main" val="20001"/>
                     </a:ext>
                   </a:extLst>
                 </a:gridCol>
                 <a:gridCol w="828562">
                   <a:extLst>
                     <a:ext uri="{9D8B030D-6E8A-4147-A177-3AD203B41FA5}">
-                      <a16:colId xmlns:a16="http://schemas.microsoft.com/office/drawing/2014/main" xmlns="" val="20002"/>
+                      <a16:colId xmlns="" xmlns:a16="http://schemas.microsoft.com/office/drawing/2014/main" val="20002"/>
                     </a:ext>
                   </a:extLst>
                 </a:gridCol>
                 <a:gridCol w="828562">
                   <a:extLst>
                     <a:ext uri="{9D8B030D-6E8A-4147-A177-3AD203B41FA5}">
-                      <a16:colId xmlns:a16="http://schemas.microsoft.com/office/drawing/2014/main" xmlns="" val="20003"/>
+                      <a16:colId xmlns="" xmlns:a16="http://schemas.microsoft.com/office/drawing/2014/main" val="20003"/>
                     </a:ext>
                   </a:extLst>
                 </a:gridCol>
                 <a:gridCol w="828562">
                   <a:extLst>
                     <a:ext uri="{9D8B030D-6E8A-4147-A177-3AD203B41FA5}">
-                      <a16:colId xmlns:a16="http://schemas.microsoft.com/office/drawing/2014/main" xmlns="" val="20004"/>
+                      <a16:colId xmlns="" xmlns:a16="http://schemas.microsoft.com/office/drawing/2014/main" val="20004"/>
                     </a:ext>
                   </a:extLst>
                 </a:gridCol>
                 <a:gridCol w="828562">
                   <a:extLst>
                     <a:ext uri="{9D8B030D-6E8A-4147-A177-3AD203B41FA5}">
-                      <a16:colId xmlns:a16="http://schemas.microsoft.com/office/drawing/2014/main" xmlns="" val="20005"/>
+                      <a16:colId xmlns="" xmlns:a16="http://schemas.microsoft.com/office/drawing/2014/main" val="20005"/>
                     </a:ext>
                   </a:extLst>
                 </a:gridCol>
                 <a:gridCol w="828562">
                   <a:extLst>
                     <a:ext uri="{9D8B030D-6E8A-4147-A177-3AD203B41FA5}">
-                      <a16:colId xmlns:a16="http://schemas.microsoft.com/office/drawing/2014/main" xmlns="" val="20006"/>
+                      <a16:colId xmlns="" xmlns:a16="http://schemas.microsoft.com/office/drawing/2014/main" val="20006"/>
                     </a:ext>
                   </a:extLst>
                 </a:gridCol>
                 <a:gridCol w="828562">
                   <a:extLst>
                     <a:ext uri="{9D8B030D-6E8A-4147-A177-3AD203B41FA5}">
-                      <a16:colId xmlns:a16="http://schemas.microsoft.com/office/drawing/2014/main" xmlns="" val="20007"/>
+                      <a16:colId xmlns="" xmlns:a16="http://schemas.microsoft.com/office/drawing/2014/main" val="20007"/>
                     </a:ext>
                   </a:extLst>
                 </a:gridCol>
                 <a:gridCol w="828562">
                   <a:extLst>
                     <a:ext uri="{9D8B030D-6E8A-4147-A177-3AD203B41FA5}">
-                      <a16:colId xmlns:a16="http://schemas.microsoft.com/office/drawing/2014/main" xmlns="" val="20008"/>
+                      <a16:colId xmlns="" xmlns:a16="http://schemas.microsoft.com/office/drawing/2014/main" val="20008"/>
                     </a:ext>
                   </a:extLst>
                 </a:gridCol>
                 <a:gridCol w="828562">
                   <a:extLst>
                     <a:ext uri="{9D8B030D-6E8A-4147-A177-3AD203B41FA5}">
-                      <a16:colId xmlns:a16="http://schemas.microsoft.com/office/drawing/2014/main" xmlns="" val="20009"/>
+                      <a16:colId xmlns="" xmlns:a16="http://schemas.microsoft.com/office/drawing/2014/main" val="20009"/>
                     </a:ext>
                   </a:extLst>
                 </a:gridCol>
                 <a:gridCol w="828562">
                   <a:extLst>
                     <a:ext uri="{9D8B030D-6E8A-4147-A177-3AD203B41FA5}">
-                      <a16:colId xmlns:a16="http://schemas.microsoft.com/office/drawing/2014/main" xmlns="" val="20010"/>
+                      <a16:colId xmlns="" xmlns:a16="http://schemas.microsoft.com/office/drawing/2014/main" val="20010"/>
                     </a:ext>
                   </a:extLst>
                 </a:gridCol>
                 <a:gridCol w="828562">
                   <a:extLst>
                     <a:ext uri="{9D8B030D-6E8A-4147-A177-3AD203B41FA5}">
-                      <a16:colId xmlns:a16="http://schemas.microsoft.com/office/drawing/2014/main" xmlns="" val="20011"/>
+                      <a16:colId xmlns="" xmlns:a16="http://schemas.microsoft.com/office/drawing/2014/main" val="20011"/>
                     </a:ext>
                   </a:extLst>
                 </a:gridCol>
@@ -31603,7 +31608,7 @@
                 </a:tc>
                 <a:extLst>
                   <a:ext uri="{0D108BD9-81ED-4DB2-BD59-A6C34878D82A}">
-                    <a16:rowId xmlns:a16="http://schemas.microsoft.com/office/drawing/2014/main" xmlns="" val="10000"/>
+                    <a16:rowId xmlns="" xmlns:a16="http://schemas.microsoft.com/office/drawing/2014/main" val="10000"/>
                   </a:ext>
                 </a:extLst>
               </a:tr>
@@ -31944,7 +31949,7 @@
                 </a:tc>
                 <a:extLst>
                   <a:ext uri="{0D108BD9-81ED-4DB2-BD59-A6C34878D82A}">
-                    <a16:rowId xmlns:a16="http://schemas.microsoft.com/office/drawing/2014/main" xmlns="" val="10001"/>
+                    <a16:rowId xmlns="" xmlns:a16="http://schemas.microsoft.com/office/drawing/2014/main" val="10001"/>
                   </a:ext>
                 </a:extLst>
               </a:tr>
@@ -32254,7 +32259,7 @@
                 </a:tc>
                 <a:extLst>
                   <a:ext uri="{0D108BD9-81ED-4DB2-BD59-A6C34878D82A}">
-                    <a16:rowId xmlns:a16="http://schemas.microsoft.com/office/drawing/2014/main" xmlns="" val="10002"/>
+                    <a16:rowId xmlns="" xmlns:a16="http://schemas.microsoft.com/office/drawing/2014/main" val="10002"/>
                   </a:ext>
                 </a:extLst>
               </a:tr>
@@ -32582,7 +32587,7 @@
                 </a:tc>
                 <a:extLst>
                   <a:ext uri="{0D108BD9-81ED-4DB2-BD59-A6C34878D82A}">
-                    <a16:rowId xmlns:a16="http://schemas.microsoft.com/office/drawing/2014/main" xmlns="" val="10003"/>
+                    <a16:rowId xmlns="" xmlns:a16="http://schemas.microsoft.com/office/drawing/2014/main" val="10003"/>
                   </a:ext>
                 </a:extLst>
               </a:tr>
@@ -32915,7 +32920,7 @@
                 </a:tc>
                 <a:extLst>
                   <a:ext uri="{0D108BD9-81ED-4DB2-BD59-A6C34878D82A}">
-                    <a16:rowId xmlns:a16="http://schemas.microsoft.com/office/drawing/2014/main" xmlns="" val="10004"/>
+                    <a16:rowId xmlns="" xmlns:a16="http://schemas.microsoft.com/office/drawing/2014/main" val="10004"/>
                   </a:ext>
                 </a:extLst>
               </a:tr>
@@ -33248,7 +33253,7 @@
                 </a:tc>
                 <a:extLst>
                   <a:ext uri="{0D108BD9-81ED-4DB2-BD59-A6C34878D82A}">
-                    <a16:rowId xmlns:a16="http://schemas.microsoft.com/office/drawing/2014/main" xmlns="" val="10005"/>
+                    <a16:rowId xmlns="" xmlns:a16="http://schemas.microsoft.com/office/drawing/2014/main" val="10005"/>
                   </a:ext>
                 </a:extLst>
               </a:tr>
@@ -33615,49 +33620,49 @@
                 <a:gridCol w="1693061">
                   <a:extLst>
                     <a:ext uri="{9D8B030D-6E8A-4147-A177-3AD203B41FA5}">
-                      <a16:colId xmlns:a16="http://schemas.microsoft.com/office/drawing/2014/main" xmlns="" val="596459514"/>
+                      <a16:colId xmlns="" xmlns:a16="http://schemas.microsoft.com/office/drawing/2014/main" val="596459514"/>
                     </a:ext>
                   </a:extLst>
                 </a:gridCol>
                 <a:gridCol w="1105830">
                   <a:extLst>
                     <a:ext uri="{9D8B030D-6E8A-4147-A177-3AD203B41FA5}">
-                      <a16:colId xmlns:a16="http://schemas.microsoft.com/office/drawing/2014/main" xmlns="" val="1104773170"/>
+                      <a16:colId xmlns="" xmlns:a16="http://schemas.microsoft.com/office/drawing/2014/main" val="1104773170"/>
                     </a:ext>
                   </a:extLst>
                 </a:gridCol>
                 <a:gridCol w="1105830">
                   <a:extLst>
                     <a:ext uri="{9D8B030D-6E8A-4147-A177-3AD203B41FA5}">
-                      <a16:colId xmlns:a16="http://schemas.microsoft.com/office/drawing/2014/main" xmlns="" val="2628879976"/>
+                      <a16:colId xmlns="" xmlns:a16="http://schemas.microsoft.com/office/drawing/2014/main" val="2628879976"/>
                     </a:ext>
                   </a:extLst>
                 </a:gridCol>
                 <a:gridCol w="1105830">
                   <a:extLst>
                     <a:ext uri="{9D8B030D-6E8A-4147-A177-3AD203B41FA5}">
-                      <a16:colId xmlns:a16="http://schemas.microsoft.com/office/drawing/2014/main" xmlns="" val="3824673393"/>
+                      <a16:colId xmlns="" xmlns:a16="http://schemas.microsoft.com/office/drawing/2014/main" val="3824673393"/>
                     </a:ext>
                   </a:extLst>
                 </a:gridCol>
                 <a:gridCol w="1105830">
                   <a:extLst>
                     <a:ext uri="{9D8B030D-6E8A-4147-A177-3AD203B41FA5}">
-                      <a16:colId xmlns:a16="http://schemas.microsoft.com/office/drawing/2014/main" xmlns="" val="1207929680"/>
+                      <a16:colId xmlns="" xmlns:a16="http://schemas.microsoft.com/office/drawing/2014/main" val="1207929680"/>
                     </a:ext>
                   </a:extLst>
                 </a:gridCol>
                 <a:gridCol w="1105830">
                   <a:extLst>
                     <a:ext uri="{9D8B030D-6E8A-4147-A177-3AD203B41FA5}">
-                      <a16:colId xmlns:a16="http://schemas.microsoft.com/office/drawing/2014/main" xmlns="" val="196725124"/>
+                      <a16:colId xmlns="" xmlns:a16="http://schemas.microsoft.com/office/drawing/2014/main" val="196725124"/>
                     </a:ext>
                   </a:extLst>
                 </a:gridCol>
                 <a:gridCol w="1105830">
                   <a:extLst>
                     <a:ext uri="{9D8B030D-6E8A-4147-A177-3AD203B41FA5}">
-                      <a16:colId xmlns:a16="http://schemas.microsoft.com/office/drawing/2014/main" xmlns="" val="4015488069"/>
+                      <a16:colId xmlns="" xmlns:a16="http://schemas.microsoft.com/office/drawing/2014/main" val="4015488069"/>
                     </a:ext>
                   </a:extLst>
                 </a:gridCol>
@@ -33767,7 +33772,7 @@
                 </a:tc>
                 <a:extLst>
                   <a:ext uri="{0D108BD9-81ED-4DB2-BD59-A6C34878D82A}">
-                    <a16:rowId xmlns:a16="http://schemas.microsoft.com/office/drawing/2014/main" xmlns="" val="2450048256"/>
+                    <a16:rowId xmlns="" xmlns:a16="http://schemas.microsoft.com/office/drawing/2014/main" val="2450048256"/>
                   </a:ext>
                 </a:extLst>
               </a:tr>
@@ -33907,7 +33912,7 @@
                 </a:tc>
                 <a:extLst>
                   <a:ext uri="{0D108BD9-81ED-4DB2-BD59-A6C34878D82A}">
-                    <a16:rowId xmlns:a16="http://schemas.microsoft.com/office/drawing/2014/main" xmlns="" val="1007795033"/>
+                    <a16:rowId xmlns="" xmlns:a16="http://schemas.microsoft.com/office/drawing/2014/main" val="1007795033"/>
                   </a:ext>
                 </a:extLst>
               </a:tr>
@@ -34043,7 +34048,7 @@
                 </a:tc>
                 <a:extLst>
                   <a:ext uri="{0D108BD9-81ED-4DB2-BD59-A6C34878D82A}">
-                    <a16:rowId xmlns:a16="http://schemas.microsoft.com/office/drawing/2014/main" xmlns="" val="3123214655"/>
+                    <a16:rowId xmlns="" xmlns:a16="http://schemas.microsoft.com/office/drawing/2014/main" val="3123214655"/>
                   </a:ext>
                 </a:extLst>
               </a:tr>
@@ -34189,35 +34194,35 @@
                 <a:gridCol w="1104280">
                   <a:extLst>
                     <a:ext uri="{9D8B030D-6E8A-4147-A177-3AD203B41FA5}">
-                      <a16:colId xmlns:a16="http://schemas.microsoft.com/office/drawing/2014/main" xmlns="" val="596459514"/>
+                      <a16:colId xmlns="" xmlns:a16="http://schemas.microsoft.com/office/drawing/2014/main" val="596459514"/>
                     </a:ext>
                   </a:extLst>
                 </a:gridCol>
                 <a:gridCol w="1082993">
                   <a:extLst>
                     <a:ext uri="{9D8B030D-6E8A-4147-A177-3AD203B41FA5}">
-                      <a16:colId xmlns:a16="http://schemas.microsoft.com/office/drawing/2014/main" xmlns="" val="1104773170"/>
+                      <a16:colId xmlns="" xmlns:a16="http://schemas.microsoft.com/office/drawing/2014/main" val="1104773170"/>
                     </a:ext>
                   </a:extLst>
                 </a:gridCol>
                 <a:gridCol w="1082993">
                   <a:extLst>
                     <a:ext uri="{9D8B030D-6E8A-4147-A177-3AD203B41FA5}">
-                      <a16:colId xmlns:a16="http://schemas.microsoft.com/office/drawing/2014/main" xmlns="" val="2628879976"/>
+                      <a16:colId xmlns="" xmlns:a16="http://schemas.microsoft.com/office/drawing/2014/main" val="2628879976"/>
                     </a:ext>
                   </a:extLst>
                 </a:gridCol>
                 <a:gridCol w="1082993">
                   <a:extLst>
                     <a:ext uri="{9D8B030D-6E8A-4147-A177-3AD203B41FA5}">
-                      <a16:colId xmlns:a16="http://schemas.microsoft.com/office/drawing/2014/main" xmlns="" val="3824673393"/>
+                      <a16:colId xmlns="" xmlns:a16="http://schemas.microsoft.com/office/drawing/2014/main" val="3824673393"/>
                     </a:ext>
                   </a:extLst>
                 </a:gridCol>
                 <a:gridCol w="1082993">
                   <a:extLst>
                     <a:ext uri="{9D8B030D-6E8A-4147-A177-3AD203B41FA5}">
-                      <a16:colId xmlns:a16="http://schemas.microsoft.com/office/drawing/2014/main" xmlns="" val="20004"/>
+                      <a16:colId xmlns="" xmlns:a16="http://schemas.microsoft.com/office/drawing/2014/main" val="20004"/>
                     </a:ext>
                   </a:extLst>
                 </a:gridCol>
@@ -34310,7 +34315,7 @@
                 </a:tc>
                 <a:extLst>
                   <a:ext uri="{0D108BD9-81ED-4DB2-BD59-A6C34878D82A}">
-                    <a16:rowId xmlns:a16="http://schemas.microsoft.com/office/drawing/2014/main" xmlns="" val="2450048256"/>
+                    <a16:rowId xmlns="" xmlns:a16="http://schemas.microsoft.com/office/drawing/2014/main" val="2450048256"/>
                   </a:ext>
                 </a:extLst>
               </a:tr>
@@ -34512,7 +34517,7 @@
                 </a:tc>
                 <a:extLst>
                   <a:ext uri="{0D108BD9-81ED-4DB2-BD59-A6C34878D82A}">
-                    <a16:rowId xmlns:a16="http://schemas.microsoft.com/office/drawing/2014/main" xmlns="" val="1007795033"/>
+                    <a16:rowId xmlns="" xmlns:a16="http://schemas.microsoft.com/office/drawing/2014/main" val="1007795033"/>
                   </a:ext>
                 </a:extLst>
               </a:tr>
@@ -34612,7 +34617,7 @@
                 </a:tc>
                 <a:extLst>
                   <a:ext uri="{0D108BD9-81ED-4DB2-BD59-A6C34878D82A}">
-                    <a16:rowId xmlns:a16="http://schemas.microsoft.com/office/drawing/2014/main" xmlns="" val="3123214655"/>
+                    <a16:rowId xmlns="" xmlns:a16="http://schemas.microsoft.com/office/drawing/2014/main" val="3123214655"/>
                   </a:ext>
                 </a:extLst>
               </a:tr>
@@ -34918,70 +34923,70 @@
                 <a:gridCol w="960187">
                   <a:extLst>
                     <a:ext uri="{9D8B030D-6E8A-4147-A177-3AD203B41FA5}">
-                      <a16:colId xmlns:a16="http://schemas.microsoft.com/office/drawing/2014/main" xmlns="" val="20003"/>
+                      <a16:colId xmlns="" xmlns:a16="http://schemas.microsoft.com/office/drawing/2014/main" val="20003"/>
                     </a:ext>
                   </a:extLst>
                 </a:gridCol>
                 <a:gridCol w="893677">
                   <a:extLst>
                     <a:ext uri="{9D8B030D-6E8A-4147-A177-3AD203B41FA5}">
-                      <a16:colId xmlns:a16="http://schemas.microsoft.com/office/drawing/2014/main" xmlns="" val="3258888783"/>
+                      <a16:colId xmlns="" xmlns:a16="http://schemas.microsoft.com/office/drawing/2014/main" val="3258888783"/>
                     </a:ext>
                   </a:extLst>
                 </a:gridCol>
                 <a:gridCol w="792575">
                   <a:extLst>
                     <a:ext uri="{9D8B030D-6E8A-4147-A177-3AD203B41FA5}">
-                      <a16:colId xmlns:a16="http://schemas.microsoft.com/office/drawing/2014/main" xmlns="" val="20002"/>
+                      <a16:colId xmlns="" xmlns:a16="http://schemas.microsoft.com/office/drawing/2014/main" val="20002"/>
                     </a:ext>
                   </a:extLst>
                 </a:gridCol>
                 <a:gridCol w="519885">
                   <a:extLst>
                     <a:ext uri="{9D8B030D-6E8A-4147-A177-3AD203B41FA5}">
-                      <a16:colId xmlns:a16="http://schemas.microsoft.com/office/drawing/2014/main" xmlns="" val="20004"/>
+                      <a16:colId xmlns="" xmlns:a16="http://schemas.microsoft.com/office/drawing/2014/main" val="20004"/>
                     </a:ext>
                   </a:extLst>
                 </a:gridCol>
                 <a:gridCol w="519885">
                   <a:extLst>
                     <a:ext uri="{9D8B030D-6E8A-4147-A177-3AD203B41FA5}">
-                      <a16:colId xmlns:a16="http://schemas.microsoft.com/office/drawing/2014/main" xmlns="" val="20006"/>
+                      <a16:colId xmlns="" xmlns:a16="http://schemas.microsoft.com/office/drawing/2014/main" val="20006"/>
                     </a:ext>
                   </a:extLst>
                 </a:gridCol>
                 <a:gridCol w="519885">
                   <a:extLst>
                     <a:ext uri="{9D8B030D-6E8A-4147-A177-3AD203B41FA5}">
-                      <a16:colId xmlns:a16="http://schemas.microsoft.com/office/drawing/2014/main" xmlns="" val="20007"/>
+                      <a16:colId xmlns="" xmlns:a16="http://schemas.microsoft.com/office/drawing/2014/main" val="20007"/>
                     </a:ext>
                   </a:extLst>
                 </a:gridCol>
                 <a:gridCol w="700220">
                   <a:extLst>
                     <a:ext uri="{9D8B030D-6E8A-4147-A177-3AD203B41FA5}">
-                      <a16:colId xmlns:a16="http://schemas.microsoft.com/office/drawing/2014/main" xmlns="" val="20008"/>
+                      <a16:colId xmlns="" xmlns:a16="http://schemas.microsoft.com/office/drawing/2014/main" val="20008"/>
                     </a:ext>
                   </a:extLst>
                 </a:gridCol>
                 <a:gridCol w="814245">
                   <a:extLst>
                     <a:ext uri="{9D8B030D-6E8A-4147-A177-3AD203B41FA5}">
-                      <a16:colId xmlns:a16="http://schemas.microsoft.com/office/drawing/2014/main" xmlns="" val="20009"/>
+                      <a16:colId xmlns="" xmlns:a16="http://schemas.microsoft.com/office/drawing/2014/main" val="20009"/>
                     </a:ext>
                   </a:extLst>
                 </a:gridCol>
                 <a:gridCol w="814245">
                   <a:extLst>
                     <a:ext uri="{9D8B030D-6E8A-4147-A177-3AD203B41FA5}">
-                      <a16:colId xmlns:a16="http://schemas.microsoft.com/office/drawing/2014/main" xmlns="" val="20005"/>
+                      <a16:colId xmlns="" xmlns:a16="http://schemas.microsoft.com/office/drawing/2014/main" val="20005"/>
                     </a:ext>
                   </a:extLst>
                 </a:gridCol>
                 <a:gridCol w="814245">
                   <a:extLst>
                     <a:ext uri="{9D8B030D-6E8A-4147-A177-3AD203B41FA5}">
-                      <a16:colId xmlns:a16="http://schemas.microsoft.com/office/drawing/2014/main" xmlns="" val="20010"/>
+                      <a16:colId xmlns="" xmlns:a16="http://schemas.microsoft.com/office/drawing/2014/main" val="20010"/>
                     </a:ext>
                   </a:extLst>
                 </a:gridCol>
@@ -35124,7 +35129,7 @@
                 </a:tc>
                 <a:extLst>
                   <a:ext uri="{0D108BD9-81ED-4DB2-BD59-A6C34878D82A}">
-                    <a16:rowId xmlns:a16="http://schemas.microsoft.com/office/drawing/2014/main" xmlns="" val="4157930470"/>
+                    <a16:rowId xmlns="" xmlns:a16="http://schemas.microsoft.com/office/drawing/2014/main" val="4157930470"/>
                   </a:ext>
                 </a:extLst>
               </a:tr>
@@ -35384,7 +35389,7 @@
                 </a:tc>
                 <a:extLst>
                   <a:ext uri="{0D108BD9-81ED-4DB2-BD59-A6C34878D82A}">
-                    <a16:rowId xmlns:a16="http://schemas.microsoft.com/office/drawing/2014/main" xmlns="" val="1942208770"/>
+                    <a16:rowId xmlns="" xmlns:a16="http://schemas.microsoft.com/office/drawing/2014/main" val="1942208770"/>
                   </a:ext>
                 </a:extLst>
               </a:tr>
@@ -35603,7 +35608,7 @@
                 </a:tc>
                 <a:extLst>
                   <a:ext uri="{0D108BD9-81ED-4DB2-BD59-A6C34878D82A}">
-                    <a16:rowId xmlns:a16="http://schemas.microsoft.com/office/drawing/2014/main" xmlns="" val="10004"/>
+                    <a16:rowId xmlns="" xmlns:a16="http://schemas.microsoft.com/office/drawing/2014/main" val="10004"/>
                   </a:ext>
                 </a:extLst>
               </a:tr>
@@ -35864,7 +35869,7 @@
                 </a:tc>
                 <a:extLst>
                   <a:ext uri="{0D108BD9-81ED-4DB2-BD59-A6C34878D82A}">
-                    <a16:rowId xmlns:a16="http://schemas.microsoft.com/office/drawing/2014/main" xmlns="" val="134965533"/>
+                    <a16:rowId xmlns="" xmlns:a16="http://schemas.microsoft.com/office/drawing/2014/main" val="134965533"/>
                   </a:ext>
                 </a:extLst>
               </a:tr>
@@ -36257,77 +36262,77 @@
                 <a:gridCol w="957305">
                   <a:extLst>
                     <a:ext uri="{9D8B030D-6E8A-4147-A177-3AD203B41FA5}">
-                      <a16:colId xmlns:a16="http://schemas.microsoft.com/office/drawing/2014/main" xmlns="" val="20000"/>
+                      <a16:colId xmlns="" xmlns:a16="http://schemas.microsoft.com/office/drawing/2014/main" val="20000"/>
                     </a:ext>
                   </a:extLst>
                 </a:gridCol>
                 <a:gridCol w="889770">
                   <a:extLst>
                     <a:ext uri="{9D8B030D-6E8A-4147-A177-3AD203B41FA5}">
-                      <a16:colId xmlns:a16="http://schemas.microsoft.com/office/drawing/2014/main" xmlns="" val="20001"/>
+                      <a16:colId xmlns="" xmlns:a16="http://schemas.microsoft.com/office/drawing/2014/main" val="20001"/>
                     </a:ext>
                   </a:extLst>
                 </a:gridCol>
                 <a:gridCol w="643470">
                   <a:extLst>
                     <a:ext uri="{9D8B030D-6E8A-4147-A177-3AD203B41FA5}">
-                      <a16:colId xmlns:a16="http://schemas.microsoft.com/office/drawing/2014/main" xmlns="" val="20002"/>
+                      <a16:colId xmlns="" xmlns:a16="http://schemas.microsoft.com/office/drawing/2014/main" val="20002"/>
                     </a:ext>
                   </a:extLst>
                 </a:gridCol>
                 <a:gridCol w="597600">
                   <a:extLst>
                     <a:ext uri="{9D8B030D-6E8A-4147-A177-3AD203B41FA5}">
-                      <a16:colId xmlns:a16="http://schemas.microsoft.com/office/drawing/2014/main" xmlns="" val="20003"/>
+                      <a16:colId xmlns="" xmlns:a16="http://schemas.microsoft.com/office/drawing/2014/main" val="20003"/>
                     </a:ext>
                   </a:extLst>
                 </a:gridCol>
                 <a:gridCol w="597600">
                   <a:extLst>
                     <a:ext uri="{9D8B030D-6E8A-4147-A177-3AD203B41FA5}">
-                      <a16:colId xmlns:a16="http://schemas.microsoft.com/office/drawing/2014/main" xmlns="" val="20004"/>
+                      <a16:colId xmlns="" xmlns:a16="http://schemas.microsoft.com/office/drawing/2014/main" val="20004"/>
                     </a:ext>
                   </a:extLst>
                 </a:gridCol>
                 <a:gridCol w="683238">
                   <a:extLst>
                     <a:ext uri="{9D8B030D-6E8A-4147-A177-3AD203B41FA5}">
-                      <a16:colId xmlns:a16="http://schemas.microsoft.com/office/drawing/2014/main" xmlns="" val="20005"/>
+                      <a16:colId xmlns="" xmlns:a16="http://schemas.microsoft.com/office/drawing/2014/main" val="20005"/>
                     </a:ext>
                   </a:extLst>
                 </a:gridCol>
                 <a:gridCol w="683238">
                   <a:extLst>
                     <a:ext uri="{9D8B030D-6E8A-4147-A177-3AD203B41FA5}">
-                      <a16:colId xmlns:a16="http://schemas.microsoft.com/office/drawing/2014/main" xmlns="" val="20006"/>
+                      <a16:colId xmlns="" xmlns:a16="http://schemas.microsoft.com/office/drawing/2014/main" val="20006"/>
                     </a:ext>
                   </a:extLst>
                 </a:gridCol>
                 <a:gridCol w="683238">
                   <a:extLst>
                     <a:ext uri="{9D8B030D-6E8A-4147-A177-3AD203B41FA5}">
-                      <a16:colId xmlns:a16="http://schemas.microsoft.com/office/drawing/2014/main" xmlns="" val="20007"/>
+                      <a16:colId xmlns="" xmlns:a16="http://schemas.microsoft.com/office/drawing/2014/main" val="20007"/>
                     </a:ext>
                   </a:extLst>
                 </a:gridCol>
                 <a:gridCol w="683238">
                   <a:extLst>
                     <a:ext uri="{9D8B030D-6E8A-4147-A177-3AD203B41FA5}">
-                      <a16:colId xmlns:a16="http://schemas.microsoft.com/office/drawing/2014/main" xmlns="" val="20008"/>
+                      <a16:colId xmlns="" xmlns:a16="http://schemas.microsoft.com/office/drawing/2014/main" val="20008"/>
                     </a:ext>
                   </a:extLst>
                 </a:gridCol>
                 <a:gridCol w="683238">
                   <a:extLst>
                     <a:ext uri="{9D8B030D-6E8A-4147-A177-3AD203B41FA5}">
-                      <a16:colId xmlns:a16="http://schemas.microsoft.com/office/drawing/2014/main" xmlns="" val="20009"/>
+                      <a16:colId xmlns="" xmlns:a16="http://schemas.microsoft.com/office/drawing/2014/main" val="20009"/>
                     </a:ext>
                   </a:extLst>
                 </a:gridCol>
                 <a:gridCol w="683238">
                   <a:extLst>
                     <a:ext uri="{9D8B030D-6E8A-4147-A177-3AD203B41FA5}">
-                      <a16:colId xmlns:a16="http://schemas.microsoft.com/office/drawing/2014/main" xmlns="" val="20010"/>
+                      <a16:colId xmlns="" xmlns:a16="http://schemas.microsoft.com/office/drawing/2014/main" val="20010"/>
                     </a:ext>
                   </a:extLst>
                 </a:gridCol>
@@ -36620,7 +36625,7 @@
                 </a:tc>
                 <a:extLst>
                   <a:ext uri="{0D108BD9-81ED-4DB2-BD59-A6C34878D82A}">
-                    <a16:rowId xmlns:a16="http://schemas.microsoft.com/office/drawing/2014/main" xmlns="" val="10000"/>
+                    <a16:rowId xmlns="" xmlns:a16="http://schemas.microsoft.com/office/drawing/2014/main" val="10000"/>
                   </a:ext>
                 </a:extLst>
               </a:tr>
@@ -37047,7 +37052,7 @@
                 </a:tc>
                 <a:extLst>
                   <a:ext uri="{0D108BD9-81ED-4DB2-BD59-A6C34878D82A}">
-                    <a16:rowId xmlns:a16="http://schemas.microsoft.com/office/drawing/2014/main" xmlns="" val="10001"/>
+                    <a16:rowId xmlns="" xmlns:a16="http://schemas.microsoft.com/office/drawing/2014/main" val="10001"/>
                   </a:ext>
                 </a:extLst>
               </a:tr>
@@ -37398,7 +37403,7 @@
                 </a:tc>
                 <a:extLst>
                   <a:ext uri="{0D108BD9-81ED-4DB2-BD59-A6C34878D82A}">
-                    <a16:rowId xmlns:a16="http://schemas.microsoft.com/office/drawing/2014/main" xmlns="" val="10002"/>
+                    <a16:rowId xmlns="" xmlns:a16="http://schemas.microsoft.com/office/drawing/2014/main" val="10002"/>
                   </a:ext>
                 </a:extLst>
               </a:tr>
@@ -37720,7 +37725,7 @@
                 </a:tc>
                 <a:extLst>
                   <a:ext uri="{0D108BD9-81ED-4DB2-BD59-A6C34878D82A}">
-                    <a16:rowId xmlns:a16="http://schemas.microsoft.com/office/drawing/2014/main" xmlns="" val="10003"/>
+                    <a16:rowId xmlns="" xmlns:a16="http://schemas.microsoft.com/office/drawing/2014/main" val="10003"/>
                   </a:ext>
                 </a:extLst>
               </a:tr>
@@ -38035,7 +38040,7 @@
                 </a:tc>
                 <a:extLst>
                   <a:ext uri="{0D108BD9-81ED-4DB2-BD59-A6C34878D82A}">
-                    <a16:rowId xmlns:a16="http://schemas.microsoft.com/office/drawing/2014/main" xmlns="" val="10004"/>
+                    <a16:rowId xmlns="" xmlns:a16="http://schemas.microsoft.com/office/drawing/2014/main" val="10004"/>
                   </a:ext>
                 </a:extLst>
               </a:tr>
@@ -38366,7 +38371,7 @@
                 </a:tc>
                 <a:extLst>
                   <a:ext uri="{0D108BD9-81ED-4DB2-BD59-A6C34878D82A}">
-                    <a16:rowId xmlns:a16="http://schemas.microsoft.com/office/drawing/2014/main" xmlns="" val="10005"/>
+                    <a16:rowId xmlns="" xmlns:a16="http://schemas.microsoft.com/office/drawing/2014/main" val="10005"/>
                   </a:ext>
                 </a:extLst>
               </a:tr>
@@ -38697,7 +38702,7 @@
                 </a:tc>
                 <a:extLst>
                   <a:ext uri="{0D108BD9-81ED-4DB2-BD59-A6C34878D82A}">
-                    <a16:rowId xmlns:a16="http://schemas.microsoft.com/office/drawing/2014/main" xmlns="" val="10006"/>
+                    <a16:rowId xmlns="" xmlns:a16="http://schemas.microsoft.com/office/drawing/2014/main" val="10006"/>
                   </a:ext>
                 </a:extLst>
               </a:tr>
@@ -39028,7 +39033,7 @@
                 </a:tc>
                 <a:extLst>
                   <a:ext uri="{0D108BD9-81ED-4DB2-BD59-A6C34878D82A}">
-                    <a16:rowId xmlns:a16="http://schemas.microsoft.com/office/drawing/2014/main" xmlns="" val="10007"/>
+                    <a16:rowId xmlns="" xmlns:a16="http://schemas.microsoft.com/office/drawing/2014/main" val="10007"/>
                   </a:ext>
                 </a:extLst>
               </a:tr>
@@ -39359,7 +39364,7 @@
                 </a:tc>
                 <a:extLst>
                   <a:ext uri="{0D108BD9-81ED-4DB2-BD59-A6C34878D82A}">
-                    <a16:rowId xmlns:a16="http://schemas.microsoft.com/office/drawing/2014/main" xmlns="" val="10008"/>
+                    <a16:rowId xmlns="" xmlns:a16="http://schemas.microsoft.com/office/drawing/2014/main" val="10008"/>
                   </a:ext>
                 </a:extLst>
               </a:tr>
@@ -39752,7 +39757,7 @@
                 </a:tc>
                 <a:extLst>
                   <a:ext uri="{0D108BD9-81ED-4DB2-BD59-A6C34878D82A}">
-                    <a16:rowId xmlns:a16="http://schemas.microsoft.com/office/drawing/2014/main" xmlns="" val="10009"/>
+                    <a16:rowId xmlns="" xmlns:a16="http://schemas.microsoft.com/office/drawing/2014/main" val="10009"/>
                   </a:ext>
                 </a:extLst>
               </a:tr>
@@ -40147,7 +40152,7 @@
                 </a:tc>
                 <a:extLst>
                   <a:ext uri="{0D108BD9-81ED-4DB2-BD59-A6C34878D82A}">
-                    <a16:rowId xmlns:a16="http://schemas.microsoft.com/office/drawing/2014/main" xmlns="" val="10010"/>
+                    <a16:rowId xmlns="" xmlns:a16="http://schemas.microsoft.com/office/drawing/2014/main" val="10010"/>
                   </a:ext>
                 </a:extLst>
               </a:tr>
@@ -40510,7 +40515,7 @@
                 </a:tc>
                 <a:extLst>
                   <a:ext uri="{0D108BD9-81ED-4DB2-BD59-A6C34878D82A}">
-                    <a16:rowId xmlns:a16="http://schemas.microsoft.com/office/drawing/2014/main" xmlns="" val="10011"/>
+                    <a16:rowId xmlns="" xmlns:a16="http://schemas.microsoft.com/office/drawing/2014/main" val="10011"/>
                   </a:ext>
                 </a:extLst>
               </a:tr>
@@ -41884,6 +41889,15 @@
 </file>
 
 <file path=customXml/item2.xml><?xml version="1.0" encoding="utf-8"?>
+<?mso-contentType ?>
+<FormTemplates xmlns="http://schemas.microsoft.com/sharepoint/v3/contenttype/forms">
+  <Display>DocumentLibraryForm</Display>
+  <Edit>DocumentLibraryForm</Edit>
+  <New>DocumentLibraryForm</New>
+</FormTemplates>
+</file>
+
+<file path=customXml/item3.xml><?xml version="1.0" encoding="utf-8"?>
 <ct:contentTypeSchema xmlns:ct="http://schemas.microsoft.com/office/2006/metadata/contentType" xmlns:ma="http://schemas.microsoft.com/office/2006/metadata/properties/metaAttributes" ct:_="" ma:_="" ma:contentTypeName="文件" ma:contentTypeID="0x010100CC24255BCCE3C44887CE5AE52F7778D9" ma:contentTypeVersion="13" ma:contentTypeDescription="建立新的文件。" ma:contentTypeScope="" ma:versionID="e5475f883ff71175c3fbb4cef5e99541">
   <xsd:schema xmlns:xsd="http://www.w3.org/2001/XMLSchema" xmlns:xs="http://www.w3.org/2001/XMLSchema" xmlns:p="http://schemas.microsoft.com/office/2006/metadata/properties" xmlns:ns3="89cf3997-e9ea-4731-a3ec-f83abc6192e4" xmlns:ns4="1355e568-b629-494a-b444-4d5dfc55a281" targetNamespace="http://schemas.microsoft.com/office/2006/metadata/properties" ma:root="true" ma:fieldsID="1078d11313c66c1699c53b1357aa535c" ns3:_="" ns4:_="">
     <xsd:import namespace="89cf3997-e9ea-4731-a3ec-f83abc6192e4"/>
@@ -42106,15 +42120,6 @@
 </ct:contentTypeSchema>
 </file>
 
-<file path=customXml/item3.xml><?xml version="1.0" encoding="utf-8"?>
-<?mso-contentType ?>
-<FormTemplates xmlns="http://schemas.microsoft.com/sharepoint/v3/contenttype/forms">
-  <Display>DocumentLibraryForm</Display>
-  <Edit>DocumentLibraryForm</Edit>
-  <New>DocumentLibraryForm</New>
-</FormTemplates>
-</file>
-
 <file path=customXml/itemProps1.xml><?xml version="1.0" encoding="utf-8"?>
 <ds:datastoreItem xmlns:ds="http://schemas.openxmlformats.org/officeDocument/2006/customXml" ds:itemID="{4DB37E75-643A-4010-AC03-023EC1448CFC}">
   <ds:schemaRefs>
@@ -42133,6 +42138,14 @@
 </file>
 
 <file path=customXml/itemProps2.xml><?xml version="1.0" encoding="utf-8"?>
+<ds:datastoreItem xmlns:ds="http://schemas.openxmlformats.org/officeDocument/2006/customXml" ds:itemID="{0AAAC734-2F10-48CC-9CED-86FA8463B42F}">
+  <ds:schemaRefs>
+    <ds:schemaRef ds:uri="http://schemas.microsoft.com/sharepoint/v3/contenttype/forms"/>
+  </ds:schemaRefs>
+</ds:datastoreItem>
+</file>
+
+<file path=customXml/itemProps3.xml><?xml version="1.0" encoding="utf-8"?>
 <ds:datastoreItem xmlns:ds="http://schemas.openxmlformats.org/officeDocument/2006/customXml" ds:itemID="{1FFA6012-8508-489B-8CA4-F05F7AC2376C}">
   <ds:schemaRefs>
     <ds:schemaRef ds:uri="http://schemas.microsoft.com/office/2006/metadata/contentType"/>
@@ -42149,12 +42162,4 @@
     <ds:schemaRef ds:uri="http://schemas.microsoft.com/internal/obd"/>
   </ds:schemaRefs>
 </ds:datastoreItem>
-</file>
-
-<file path=customXml/itemProps3.xml><?xml version="1.0" encoding="utf-8"?>
-<ds:datastoreItem xmlns:ds="http://schemas.openxmlformats.org/officeDocument/2006/customXml" ds:itemID="{0AAAC734-2F10-48CC-9CED-86FA8463B42F}">
-  <ds:schemaRefs>
-    <ds:schemaRef ds:uri="http://schemas.microsoft.com/sharepoint/v3/contenttype/forms"/>
-  </ds:schemaRefs>
-</ds:datastoreItem>
 </file>
--- a/各單位資料供應現況表.pptx
+++ b/各單位資料供應現況表.pptx
@@ -256,7 +256,7 @@
           <a:p>
             <a:fld id="{AC1AE0A4-47EE-4CE1-A88C-8E719F35BFA0}" type="datetimeFigureOut">
               <a:rPr lang="zh-TW" altLang="en-US" smtClean="0"/>
-              <a:t>2020/1/16</a:t>
+              <a:t>2020/2/19</a:t>
             </a:fld>
             <a:endParaRPr lang="zh-TW" altLang="en-US"/>
           </a:p>
@@ -421,7 +421,7 @@
           <a:p>
             <a:fld id="{92A7EAFB-AA00-4957-A793-D83734C20EF1}" type="datetimeFigureOut">
               <a:rPr lang="zh-TW" altLang="en-US" smtClean="0"/>
-              <a:t>2020/1/16</a:t>
+              <a:t>2020/2/19</a:t>
             </a:fld>
             <a:endParaRPr lang="zh-TW" altLang="en-US"/>
           </a:p>
@@ -2500,7 +2500,7 @@
                 <a:latin typeface="微軟正黑體" panose="020B0604030504040204" pitchFamily="34" charset="-120"/>
                 <a:ea typeface="微軟正黑體" panose="020B0604030504040204" pitchFamily="34" charset="-120"/>
               </a:rPr>
-              <a:t>2020/01/16)</a:t>
+              <a:t>2020/02/18)</a:t>
             </a:r>
             <a:endParaRPr lang="zh-TW" altLang="en-US" sz="1600" b="1" dirty="0">
               <a:solidFill>
@@ -5335,7 +5335,7 @@
           <p:nvPr>
             <p:extLst>
               <p:ext uri="{D42A27DB-BD31-4B8C-83A1-F6EECF244321}">
-                <p14:modId xmlns:p14="http://schemas.microsoft.com/office/powerpoint/2010/main" val="602572772"/>
+                <p14:modId xmlns:p14="http://schemas.microsoft.com/office/powerpoint/2010/main" val="627389765"/>
               </p:ext>
             </p:extLst>
           </p:nvPr>
@@ -5354,140 +5354,140 @@
                 <a:gridCol w="826601">
                   <a:extLst>
                     <a:ext uri="{9D8B030D-6E8A-4147-A177-3AD203B41FA5}">
-                      <a16:colId xmlns="" xmlns:a16="http://schemas.microsoft.com/office/drawing/2014/main" val="20003"/>
+                      <a16:colId xmlns:a16="http://schemas.microsoft.com/office/drawing/2014/main" xmlns="" val="20003"/>
                     </a:ext>
                   </a:extLst>
                 </a:gridCol>
                 <a:gridCol w="510169">
                   <a:extLst>
                     <a:ext uri="{9D8B030D-6E8A-4147-A177-3AD203B41FA5}">
-                      <a16:colId xmlns="" xmlns:a16="http://schemas.microsoft.com/office/drawing/2014/main" val="20004"/>
+                      <a16:colId xmlns:a16="http://schemas.microsoft.com/office/drawing/2014/main" xmlns="" val="20004"/>
                     </a:ext>
                   </a:extLst>
                 </a:gridCol>
                 <a:gridCol w="510169">
                   <a:extLst>
                     <a:ext uri="{9D8B030D-6E8A-4147-A177-3AD203B41FA5}">
-                      <a16:colId xmlns="" xmlns:a16="http://schemas.microsoft.com/office/drawing/2014/main" val="20005"/>
+                      <a16:colId xmlns:a16="http://schemas.microsoft.com/office/drawing/2014/main" xmlns="" val="20005"/>
                     </a:ext>
                   </a:extLst>
                 </a:gridCol>
                 <a:gridCol w="510169">
                   <a:extLst>
                     <a:ext uri="{9D8B030D-6E8A-4147-A177-3AD203B41FA5}">
-                      <a16:colId xmlns="" xmlns:a16="http://schemas.microsoft.com/office/drawing/2014/main" val="20006"/>
+                      <a16:colId xmlns:a16="http://schemas.microsoft.com/office/drawing/2014/main" xmlns="" val="20006"/>
                     </a:ext>
                   </a:extLst>
                 </a:gridCol>
                 <a:gridCol w="510169">
                   <a:extLst>
                     <a:ext uri="{9D8B030D-6E8A-4147-A177-3AD203B41FA5}">
-                      <a16:colId xmlns="" xmlns:a16="http://schemas.microsoft.com/office/drawing/2014/main" val="3408207861"/>
+                      <a16:colId xmlns:a16="http://schemas.microsoft.com/office/drawing/2014/main" xmlns="" val="3408207861"/>
                     </a:ext>
                   </a:extLst>
                 </a:gridCol>
                 <a:gridCol w="510169">
                   <a:extLst>
                     <a:ext uri="{9D8B030D-6E8A-4147-A177-3AD203B41FA5}">
-                      <a16:colId xmlns="" xmlns:a16="http://schemas.microsoft.com/office/drawing/2014/main" val="2229076538"/>
+                      <a16:colId xmlns:a16="http://schemas.microsoft.com/office/drawing/2014/main" xmlns="" val="2229076538"/>
                     </a:ext>
                   </a:extLst>
                 </a:gridCol>
                 <a:gridCol w="510169">
                   <a:extLst>
                     <a:ext uri="{9D8B030D-6E8A-4147-A177-3AD203B41FA5}">
-                      <a16:colId xmlns="" xmlns:a16="http://schemas.microsoft.com/office/drawing/2014/main" val="3678966610"/>
+                      <a16:colId xmlns:a16="http://schemas.microsoft.com/office/drawing/2014/main" xmlns="" val="3678966610"/>
                     </a:ext>
                   </a:extLst>
                 </a:gridCol>
                 <a:gridCol w="510169">
                   <a:extLst>
                     <a:ext uri="{9D8B030D-6E8A-4147-A177-3AD203B41FA5}">
-                      <a16:colId xmlns="" xmlns:a16="http://schemas.microsoft.com/office/drawing/2014/main" val="20007"/>
+                      <a16:colId xmlns:a16="http://schemas.microsoft.com/office/drawing/2014/main" xmlns="" val="20007"/>
                     </a:ext>
                   </a:extLst>
                 </a:gridCol>
                 <a:gridCol w="510169">
                   <a:extLst>
                     <a:ext uri="{9D8B030D-6E8A-4147-A177-3AD203B41FA5}">
-                      <a16:colId xmlns="" xmlns:a16="http://schemas.microsoft.com/office/drawing/2014/main" val="20008"/>
+                      <a16:colId xmlns:a16="http://schemas.microsoft.com/office/drawing/2014/main" xmlns="" val="20008"/>
                     </a:ext>
                   </a:extLst>
                 </a:gridCol>
                 <a:gridCol w="510169">
                   <a:extLst>
                     <a:ext uri="{9D8B030D-6E8A-4147-A177-3AD203B41FA5}">
-                      <a16:colId xmlns="" xmlns:a16="http://schemas.microsoft.com/office/drawing/2014/main" val="3280403588"/>
+                      <a16:colId xmlns:a16="http://schemas.microsoft.com/office/drawing/2014/main" xmlns="" val="3280403588"/>
                     </a:ext>
                   </a:extLst>
                 </a:gridCol>
                 <a:gridCol w="510169">
                   <a:extLst>
                     <a:ext uri="{9D8B030D-6E8A-4147-A177-3AD203B41FA5}">
-                      <a16:colId xmlns="" xmlns:a16="http://schemas.microsoft.com/office/drawing/2014/main" val="3626256232"/>
+                      <a16:colId xmlns:a16="http://schemas.microsoft.com/office/drawing/2014/main" xmlns="" val="3626256232"/>
                     </a:ext>
                   </a:extLst>
                 </a:gridCol>
                 <a:gridCol w="510169">
                   <a:extLst>
                     <a:ext uri="{9D8B030D-6E8A-4147-A177-3AD203B41FA5}">
-                      <a16:colId xmlns="" xmlns:a16="http://schemas.microsoft.com/office/drawing/2014/main" val="1479022265"/>
+                      <a16:colId xmlns:a16="http://schemas.microsoft.com/office/drawing/2014/main" xmlns="" val="1479022265"/>
                     </a:ext>
                   </a:extLst>
                 </a:gridCol>
                 <a:gridCol w="510169">
                   <a:extLst>
                     <a:ext uri="{9D8B030D-6E8A-4147-A177-3AD203B41FA5}">
-                      <a16:colId xmlns="" xmlns:a16="http://schemas.microsoft.com/office/drawing/2014/main" val="29243554"/>
+                      <a16:colId xmlns:a16="http://schemas.microsoft.com/office/drawing/2014/main" xmlns="" val="29243554"/>
                     </a:ext>
                   </a:extLst>
                 </a:gridCol>
                 <a:gridCol w="510169">
                   <a:extLst>
                     <a:ext uri="{9D8B030D-6E8A-4147-A177-3AD203B41FA5}">
-                      <a16:colId xmlns="" xmlns:a16="http://schemas.microsoft.com/office/drawing/2014/main" val="1436252718"/>
+                      <a16:colId xmlns:a16="http://schemas.microsoft.com/office/drawing/2014/main" xmlns="" val="1436252718"/>
                     </a:ext>
                   </a:extLst>
                 </a:gridCol>
                 <a:gridCol w="510169">
                   <a:extLst>
                     <a:ext uri="{9D8B030D-6E8A-4147-A177-3AD203B41FA5}">
-                      <a16:colId xmlns="" xmlns:a16="http://schemas.microsoft.com/office/drawing/2014/main" val="20013"/>
+                      <a16:colId xmlns:a16="http://schemas.microsoft.com/office/drawing/2014/main" xmlns="" val="20013"/>
                     </a:ext>
                   </a:extLst>
                 </a:gridCol>
                 <a:gridCol w="510169">
                   <a:extLst>
                     <a:ext uri="{9D8B030D-6E8A-4147-A177-3AD203B41FA5}">
-                      <a16:colId xmlns="" xmlns:a16="http://schemas.microsoft.com/office/drawing/2014/main" val="2227699668"/>
+                      <a16:colId xmlns:a16="http://schemas.microsoft.com/office/drawing/2014/main" xmlns="" val="2227699668"/>
                     </a:ext>
                   </a:extLst>
                 </a:gridCol>
                 <a:gridCol w="510170">
                   <a:extLst>
                     <a:ext uri="{9D8B030D-6E8A-4147-A177-3AD203B41FA5}">
-                      <a16:colId xmlns="" xmlns:a16="http://schemas.microsoft.com/office/drawing/2014/main" val="3451906251"/>
+                      <a16:colId xmlns:a16="http://schemas.microsoft.com/office/drawing/2014/main" xmlns="" val="3451906251"/>
                     </a:ext>
                   </a:extLst>
                 </a:gridCol>
                 <a:gridCol w="510169">
                   <a:extLst>
                     <a:ext uri="{9D8B030D-6E8A-4147-A177-3AD203B41FA5}">
-                      <a16:colId xmlns="" xmlns:a16="http://schemas.microsoft.com/office/drawing/2014/main" val="660092051"/>
+                      <a16:colId xmlns:a16="http://schemas.microsoft.com/office/drawing/2014/main" xmlns="" val="660092051"/>
                     </a:ext>
                   </a:extLst>
                 </a:gridCol>
                 <a:gridCol w="510169">
                   <a:extLst>
                     <a:ext uri="{9D8B030D-6E8A-4147-A177-3AD203B41FA5}">
-                      <a16:colId xmlns="" xmlns:a16="http://schemas.microsoft.com/office/drawing/2014/main" val="2785807340"/>
+                      <a16:colId xmlns:a16="http://schemas.microsoft.com/office/drawing/2014/main" xmlns="" val="2785807340"/>
                     </a:ext>
                   </a:extLst>
                 </a:gridCol>
                 <a:gridCol w="510169">
                   <a:extLst>
                     <a:ext uri="{9D8B030D-6E8A-4147-A177-3AD203B41FA5}">
-                      <a16:colId xmlns="" xmlns:a16="http://schemas.microsoft.com/office/drawing/2014/main" val="20019"/>
+                      <a16:colId xmlns:a16="http://schemas.microsoft.com/office/drawing/2014/main" xmlns="" val="20019"/>
                     </a:ext>
                   </a:extLst>
                 </a:gridCol>
@@ -5750,7 +5750,7 @@
                 </a:tc>
                 <a:extLst>
                   <a:ext uri="{0D108BD9-81ED-4DB2-BD59-A6C34878D82A}">
-                    <a16:rowId xmlns="" xmlns:a16="http://schemas.microsoft.com/office/drawing/2014/main" val="4157930470"/>
+                    <a16:rowId xmlns:a16="http://schemas.microsoft.com/office/drawing/2014/main" xmlns="" val="4157930470"/>
                   </a:ext>
                 </a:extLst>
               </a:tr>
@@ -5988,11 +5988,11 @@
                     <a:p>
                       <a:pPr algn="ctr"/>
                       <a:r>
-                        <a:rPr lang="zh-TW" altLang="en-US" sz="1200" dirty="0">
+                        <a:rPr lang="zh-TW" altLang="en-US" sz="1200" dirty="0" smtClean="0">
                           <a:latin typeface="微軟正黑體" panose="020B0604030504040204" pitchFamily="34" charset="-120"/>
                           <a:ea typeface="微軟正黑體" panose="020B0604030504040204" pitchFamily="34" charset="-120"/>
                         </a:rPr>
-                        <a:t>站名碼</a:t>
+                        <a:t>組站位</a:t>
                       </a:r>
                       <a:endParaRPr lang="en-US" altLang="zh-TW" sz="1200" dirty="0">
                         <a:latin typeface="微軟正黑體" panose="020B0604030504040204" pitchFamily="34" charset="-120"/>
@@ -6249,7 +6249,7 @@
                 </a:tc>
                 <a:extLst>
                   <a:ext uri="{0D108BD9-81ED-4DB2-BD59-A6C34878D82A}">
-                    <a16:rowId xmlns="" xmlns:a16="http://schemas.microsoft.com/office/drawing/2014/main" val="10000"/>
+                    <a16:rowId xmlns:a16="http://schemas.microsoft.com/office/drawing/2014/main" xmlns="" val="10000"/>
                   </a:ext>
                 </a:extLst>
               </a:tr>
@@ -6651,7 +6651,7 @@
                 </a:tc>
                 <a:extLst>
                   <a:ext uri="{0D108BD9-81ED-4DB2-BD59-A6C34878D82A}">
-                    <a16:rowId xmlns="" xmlns:a16="http://schemas.microsoft.com/office/drawing/2014/main" val="10002"/>
+                    <a16:rowId xmlns:a16="http://schemas.microsoft.com/office/drawing/2014/main" xmlns="" val="10002"/>
                   </a:ext>
                 </a:extLst>
               </a:tr>
@@ -7244,7 +7244,7 @@
                 </a:tc>
                 <a:extLst>
                   <a:ext uri="{0D108BD9-81ED-4DB2-BD59-A6C34878D82A}">
-                    <a16:rowId xmlns="" xmlns:a16="http://schemas.microsoft.com/office/drawing/2014/main" val="3675162025"/>
+                    <a16:rowId xmlns:a16="http://schemas.microsoft.com/office/drawing/2014/main" xmlns="" val="3675162025"/>
                   </a:ext>
                 </a:extLst>
               </a:tr>
@@ -7869,7 +7869,7 @@
                 </a:tc>
                 <a:extLst>
                   <a:ext uri="{0D108BD9-81ED-4DB2-BD59-A6C34878D82A}">
-                    <a16:rowId xmlns="" xmlns:a16="http://schemas.microsoft.com/office/drawing/2014/main" val="3832608764"/>
+                    <a16:rowId xmlns:a16="http://schemas.microsoft.com/office/drawing/2014/main" xmlns="" val="3832608764"/>
                   </a:ext>
                 </a:extLst>
               </a:tr>
@@ -8384,7 +8384,7 @@
                 </a:tc>
                 <a:extLst>
                   <a:ext uri="{0D108BD9-81ED-4DB2-BD59-A6C34878D82A}">
-                    <a16:rowId xmlns="" xmlns:a16="http://schemas.microsoft.com/office/drawing/2014/main" val="2613742521"/>
+                    <a16:rowId xmlns:a16="http://schemas.microsoft.com/office/drawing/2014/main" xmlns="" val="2613742521"/>
                   </a:ext>
                 </a:extLst>
               </a:tr>
@@ -8899,7 +8899,7 @@
                 </a:tc>
                 <a:extLst>
                   <a:ext uri="{0D108BD9-81ED-4DB2-BD59-A6C34878D82A}">
-                    <a16:rowId xmlns="" xmlns:a16="http://schemas.microsoft.com/office/drawing/2014/main" val="1381442428"/>
+                    <a16:rowId xmlns:a16="http://schemas.microsoft.com/office/drawing/2014/main" xmlns="" val="1381442428"/>
                   </a:ext>
                 </a:extLst>
               </a:tr>
@@ -9018,14 +9018,14 @@
                       <a:r>
                         <a:rPr lang="en-US" altLang="zh-TW" sz="1200" b="0" kern="0" dirty="0">
                           <a:solidFill>
-                            <a:srgbClr val="C00000"/>
-                          </a:solidFill>
-                        </a:rPr>
-                        <a:t>●</a:t>
-                      </a:r>
-                      <a:endParaRPr lang="zh-TW" altLang="en-US" sz="1200" b="0" dirty="0">
-                        <a:solidFill>
-                          <a:srgbClr val="C00000"/>
+                            <a:schemeClr val="tx1"/>
+                          </a:solidFill>
+                        </a:rPr>
+                        <a:t>●</a:t>
+                      </a:r>
+                      <a:endParaRPr lang="zh-TW" altLang="en-US" sz="1200" b="0" dirty="0">
+                        <a:solidFill>
+                          <a:schemeClr val="tx1"/>
                         </a:solidFill>
                         <a:latin typeface="微軟正黑體" panose="020B0604030504040204" pitchFamily="34" charset="-120"/>
                         <a:ea typeface="微軟正黑體" panose="020B0604030504040204" pitchFamily="34" charset="-120"/>
@@ -9125,14 +9125,14 @@
                       <a:r>
                         <a:rPr lang="en-US" altLang="zh-TW" sz="1200" b="0" kern="0" dirty="0">
                           <a:solidFill>
-                            <a:srgbClr val="C00000"/>
-                          </a:solidFill>
-                        </a:rPr>
-                        <a:t>●</a:t>
-                      </a:r>
-                      <a:endParaRPr lang="zh-TW" altLang="en-US" sz="1200" b="0" dirty="0">
-                        <a:solidFill>
-                          <a:srgbClr val="C00000"/>
+                            <a:schemeClr val="tx1"/>
+                          </a:solidFill>
+                        </a:rPr>
+                        <a:t>●</a:t>
+                      </a:r>
+                      <a:endParaRPr lang="zh-TW" altLang="en-US" sz="1200" b="0" dirty="0">
+                        <a:solidFill>
+                          <a:schemeClr val="tx1"/>
                         </a:solidFill>
                         <a:latin typeface="微軟正黑體" panose="020B0604030504040204" pitchFamily="34" charset="-120"/>
                         <a:ea typeface="微軟正黑體" panose="020B0604030504040204" pitchFamily="34" charset="-120"/>
@@ -9493,7 +9493,7 @@
                 </a:tc>
                 <a:extLst>
                   <a:ext uri="{0D108BD9-81ED-4DB2-BD59-A6C34878D82A}">
-                    <a16:rowId xmlns="" xmlns:a16="http://schemas.microsoft.com/office/drawing/2014/main" val="4102929731"/>
+                    <a16:rowId xmlns:a16="http://schemas.microsoft.com/office/drawing/2014/main" xmlns="" val="4102929731"/>
                   </a:ext>
                 </a:extLst>
               </a:tr>
@@ -10021,7 +10021,7 @@
                 </a:tc>
                 <a:extLst>
                   <a:ext uri="{0D108BD9-81ED-4DB2-BD59-A6C34878D82A}">
-                    <a16:rowId xmlns="" xmlns:a16="http://schemas.microsoft.com/office/drawing/2014/main" val="2526977750"/>
+                    <a16:rowId xmlns:a16="http://schemas.microsoft.com/office/drawing/2014/main" xmlns="" val="2526977750"/>
                   </a:ext>
                 </a:extLst>
               </a:tr>
@@ -10261,14 +10261,14 @@
                       <a:r>
                         <a:rPr lang="en-US" altLang="zh-TW" sz="1200" b="0" kern="0" dirty="0">
                           <a:solidFill>
-                            <a:srgbClr val="C00000"/>
-                          </a:solidFill>
-                        </a:rPr>
-                        <a:t>●</a:t>
-                      </a:r>
-                      <a:endParaRPr lang="zh-TW" altLang="en-US" sz="1200" b="0" dirty="0">
-                        <a:solidFill>
-                          <a:srgbClr val="C00000"/>
+                            <a:schemeClr val="tx1"/>
+                          </a:solidFill>
+                        </a:rPr>
+                        <a:t>●</a:t>
+                      </a:r>
+                      <a:endParaRPr lang="zh-TW" altLang="en-US" sz="1200" b="0" dirty="0">
+                        <a:solidFill>
+                          <a:schemeClr val="tx1"/>
                         </a:solidFill>
                         <a:latin typeface="微軟正黑體" panose="020B0604030504040204" pitchFamily="34" charset="-120"/>
                         <a:ea typeface="微軟正黑體" panose="020B0604030504040204" pitchFamily="34" charset="-120"/>
@@ -10384,12 +10384,12 @@
                     <a:p>
                       <a:pPr algn="ctr"/>
                       <a:r>
-                        <a:rPr lang="zh-TW" altLang="en-US" sz="1200" b="0" kern="0" dirty="0">
-                          <a:solidFill>
-                            <a:schemeClr val="tx1"/>
-                          </a:solidFill>
-                        </a:rPr>
-                        <a:t>◎</a:t>
+                        <a:rPr lang="zh-TW" altLang="en-US" sz="1200" b="0" kern="0" smtClean="0">
+                          <a:solidFill>
+                            <a:schemeClr val="tx1"/>
+                          </a:solidFill>
+                        </a:rPr>
+                        <a:t>○</a:t>
                       </a:r>
                       <a:endParaRPr lang="zh-TW" altLang="en-US" sz="1200" b="0" dirty="0">
                         <a:solidFill>
@@ -10577,7 +10577,7 @@
                 </a:tc>
                 <a:extLst>
                   <a:ext uri="{0D108BD9-81ED-4DB2-BD59-A6C34878D82A}">
-                    <a16:rowId xmlns="" xmlns:a16="http://schemas.microsoft.com/office/drawing/2014/main" val="10001"/>
+                    <a16:rowId xmlns:a16="http://schemas.microsoft.com/office/drawing/2014/main" xmlns="" val="10001"/>
                   </a:ext>
                 </a:extLst>
               </a:tr>
@@ -10815,14 +10815,14 @@
                       <a:r>
                         <a:rPr lang="en-US" altLang="zh-TW" sz="1200" b="0" kern="0" dirty="0">
                           <a:solidFill>
-                            <a:srgbClr val="C00000"/>
-                          </a:solidFill>
-                        </a:rPr>
-                        <a:t>●</a:t>
-                      </a:r>
-                      <a:endParaRPr lang="zh-TW" altLang="en-US" sz="1200" b="0" dirty="0">
-                        <a:solidFill>
-                          <a:srgbClr val="C00000"/>
+                            <a:schemeClr val="tx1"/>
+                          </a:solidFill>
+                        </a:rPr>
+                        <a:t>●</a:t>
+                      </a:r>
+                      <a:endParaRPr lang="zh-TW" altLang="en-US" sz="1200" b="0" dirty="0">
+                        <a:solidFill>
+                          <a:schemeClr val="tx1"/>
                         </a:solidFill>
                         <a:latin typeface="微軟正黑體" panose="020B0604030504040204" pitchFamily="34" charset="-120"/>
                         <a:ea typeface="微軟正黑體" panose="020B0604030504040204" pitchFamily="34" charset="-120"/>
@@ -10938,12 +10938,12 @@
                     <a:p>
                       <a:pPr algn="ctr"/>
                       <a:r>
-                        <a:rPr lang="zh-TW" altLang="en-US" sz="1200" b="0" kern="0" dirty="0">
-                          <a:solidFill>
-                            <a:schemeClr val="tx1"/>
-                          </a:solidFill>
-                        </a:rPr>
-                        <a:t>◎</a:t>
+                        <a:rPr lang="zh-TW" altLang="en-US" sz="1200" b="0" kern="0" smtClean="0">
+                          <a:solidFill>
+                            <a:schemeClr val="tx1"/>
+                          </a:solidFill>
+                        </a:rPr>
+                        <a:t>○</a:t>
                       </a:r>
                       <a:endParaRPr lang="zh-TW" altLang="en-US" sz="1200" b="0" dirty="0">
                         <a:solidFill>
@@ -11131,7 +11131,7 @@
                 </a:tc>
                 <a:extLst>
                   <a:ext uri="{0D108BD9-81ED-4DB2-BD59-A6C34878D82A}">
-                    <a16:rowId xmlns="" xmlns:a16="http://schemas.microsoft.com/office/drawing/2014/main" val="10006"/>
+                    <a16:rowId xmlns:a16="http://schemas.microsoft.com/office/drawing/2014/main" xmlns="" val="10006"/>
                   </a:ext>
                 </a:extLst>
               </a:tr>
@@ -11369,14 +11369,14 @@
                       <a:r>
                         <a:rPr lang="en-US" altLang="zh-TW" sz="1200" b="0" kern="0" dirty="0">
                           <a:solidFill>
-                            <a:srgbClr val="C00000"/>
-                          </a:solidFill>
-                        </a:rPr>
-                        <a:t>●</a:t>
-                      </a:r>
-                      <a:endParaRPr lang="zh-TW" altLang="en-US" sz="1200" b="0" dirty="0">
-                        <a:solidFill>
-                          <a:srgbClr val="C00000"/>
+                            <a:schemeClr val="tx1"/>
+                          </a:solidFill>
+                        </a:rPr>
+                        <a:t>●</a:t>
+                      </a:r>
+                      <a:endParaRPr lang="zh-TW" altLang="en-US" sz="1200" b="0" dirty="0">
+                        <a:solidFill>
+                          <a:schemeClr val="tx1"/>
                         </a:solidFill>
                         <a:latin typeface="微軟正黑體" panose="020B0604030504040204" pitchFamily="34" charset="-120"/>
                         <a:ea typeface="微軟正黑體" panose="020B0604030504040204" pitchFamily="34" charset="-120"/>
@@ -11492,12 +11492,12 @@
                     <a:p>
                       <a:pPr algn="ctr"/>
                       <a:r>
-                        <a:rPr lang="zh-TW" altLang="en-US" sz="1200" b="0" kern="0" dirty="0">
-                          <a:solidFill>
-                            <a:schemeClr val="tx1"/>
-                          </a:solidFill>
-                        </a:rPr>
-                        <a:t>◎</a:t>
+                        <a:rPr lang="zh-TW" altLang="en-US" sz="1200" b="0" kern="0" smtClean="0">
+                          <a:solidFill>
+                            <a:schemeClr val="tx1"/>
+                          </a:solidFill>
+                        </a:rPr>
+                        <a:t>○</a:t>
                       </a:r>
                       <a:endParaRPr lang="zh-TW" altLang="en-US" sz="1200" b="0" dirty="0">
                         <a:solidFill>
@@ -11685,7 +11685,7 @@
                 </a:tc>
                 <a:extLst>
                   <a:ext uri="{0D108BD9-81ED-4DB2-BD59-A6C34878D82A}">
-                    <a16:rowId xmlns="" xmlns:a16="http://schemas.microsoft.com/office/drawing/2014/main" val="10007"/>
+                    <a16:rowId xmlns:a16="http://schemas.microsoft.com/office/drawing/2014/main" xmlns="" val="10007"/>
                   </a:ext>
                 </a:extLst>
               </a:tr>
@@ -11923,14 +11923,14 @@
                       <a:r>
                         <a:rPr lang="en-US" altLang="zh-TW" sz="1200" b="0" kern="0" dirty="0">
                           <a:solidFill>
-                            <a:srgbClr val="C00000"/>
-                          </a:solidFill>
-                        </a:rPr>
-                        <a:t>●</a:t>
-                      </a:r>
-                      <a:endParaRPr lang="zh-TW" altLang="en-US" sz="1200" b="0" dirty="0">
-                        <a:solidFill>
-                          <a:srgbClr val="C00000"/>
+                            <a:schemeClr val="tx1"/>
+                          </a:solidFill>
+                        </a:rPr>
+                        <a:t>●</a:t>
+                      </a:r>
+                      <a:endParaRPr lang="zh-TW" altLang="en-US" sz="1200" b="0" dirty="0">
+                        <a:solidFill>
+                          <a:schemeClr val="tx1"/>
                         </a:solidFill>
                         <a:latin typeface="微軟正黑體" panose="020B0604030504040204" pitchFamily="34" charset="-120"/>
                         <a:ea typeface="微軟正黑體" panose="020B0604030504040204" pitchFamily="34" charset="-120"/>
@@ -12046,12 +12046,12 @@
                     <a:p>
                       <a:pPr algn="ctr"/>
                       <a:r>
-                        <a:rPr lang="zh-TW" altLang="en-US" sz="1200" b="0" kern="0" dirty="0">
-                          <a:solidFill>
-                            <a:schemeClr val="tx1"/>
-                          </a:solidFill>
-                        </a:rPr>
-                        <a:t>◎</a:t>
+                        <a:rPr lang="zh-TW" altLang="en-US" sz="1200" b="0" kern="0" smtClean="0">
+                          <a:solidFill>
+                            <a:schemeClr val="tx1"/>
+                          </a:solidFill>
+                        </a:rPr>
+                        <a:t>○</a:t>
                       </a:r>
                       <a:endParaRPr lang="zh-TW" altLang="en-US" sz="1200" b="0" dirty="0">
                         <a:solidFill>
@@ -12239,7 +12239,7 @@
                 </a:tc>
                 <a:extLst>
                   <a:ext uri="{0D108BD9-81ED-4DB2-BD59-A6C34878D82A}">
-                    <a16:rowId xmlns="" xmlns:a16="http://schemas.microsoft.com/office/drawing/2014/main" val="10008"/>
+                    <a16:rowId xmlns:a16="http://schemas.microsoft.com/office/drawing/2014/main" xmlns="" val="10008"/>
                   </a:ext>
                 </a:extLst>
               </a:tr>
@@ -12479,14 +12479,14 @@
                       <a:r>
                         <a:rPr lang="en-US" altLang="zh-TW" sz="1200" b="0" kern="0" dirty="0">
                           <a:solidFill>
-                            <a:srgbClr val="C00000"/>
-                          </a:solidFill>
-                        </a:rPr>
-                        <a:t>●</a:t>
-                      </a:r>
-                      <a:endParaRPr lang="zh-TW" altLang="en-US" sz="1200" b="0" dirty="0">
-                        <a:solidFill>
-                          <a:srgbClr val="C00000"/>
+                            <a:schemeClr val="tx1"/>
+                          </a:solidFill>
+                        </a:rPr>
+                        <a:t>●</a:t>
+                      </a:r>
+                      <a:endParaRPr lang="zh-TW" altLang="en-US" sz="1200" b="0" dirty="0">
+                        <a:solidFill>
+                          <a:schemeClr val="tx1"/>
                         </a:solidFill>
                         <a:latin typeface="微軟正黑體" panose="020B0604030504040204" pitchFamily="34" charset="-120"/>
                         <a:ea typeface="微軟正黑體" panose="020B0604030504040204" pitchFamily="34" charset="-120"/>
@@ -12602,12 +12602,12 @@
                     <a:p>
                       <a:pPr algn="ctr"/>
                       <a:r>
-                        <a:rPr lang="zh-TW" altLang="en-US" sz="1200" b="0" kern="0" dirty="0">
-                          <a:solidFill>
-                            <a:schemeClr val="tx1"/>
-                          </a:solidFill>
-                        </a:rPr>
-                        <a:t>◎</a:t>
+                        <a:rPr lang="zh-TW" altLang="en-US" sz="1200" b="0" kern="0" smtClean="0">
+                          <a:solidFill>
+                            <a:schemeClr val="tx1"/>
+                          </a:solidFill>
+                        </a:rPr>
+                        <a:t>○</a:t>
                       </a:r>
                       <a:endParaRPr lang="zh-TW" altLang="en-US" sz="1200" b="0" dirty="0">
                         <a:solidFill>
@@ -12795,7 +12795,7 @@
                 </a:tc>
                 <a:extLst>
                   <a:ext uri="{0D108BD9-81ED-4DB2-BD59-A6C34878D82A}">
-                    <a16:rowId xmlns="" xmlns:a16="http://schemas.microsoft.com/office/drawing/2014/main" val="10010"/>
+                    <a16:rowId xmlns:a16="http://schemas.microsoft.com/office/drawing/2014/main" xmlns="" val="10010"/>
                   </a:ext>
                 </a:extLst>
               </a:tr>
@@ -13030,14 +13030,14 @@
                       <a:r>
                         <a:rPr lang="en-US" altLang="zh-TW" sz="1200" b="0" kern="0" dirty="0">
                           <a:solidFill>
-                            <a:srgbClr val="C00000"/>
-                          </a:solidFill>
-                        </a:rPr>
-                        <a:t>●</a:t>
-                      </a:r>
-                      <a:endParaRPr lang="zh-TW" altLang="en-US" sz="1200" b="0" dirty="0">
-                        <a:solidFill>
-                          <a:srgbClr val="C00000"/>
+                            <a:schemeClr val="tx1"/>
+                          </a:solidFill>
+                        </a:rPr>
+                        <a:t>●</a:t>
+                      </a:r>
+                      <a:endParaRPr lang="zh-TW" altLang="en-US" sz="1200" b="0" dirty="0">
+                        <a:solidFill>
+                          <a:schemeClr val="tx1"/>
                         </a:solidFill>
                         <a:latin typeface="微軟正黑體" panose="020B0604030504040204" pitchFamily="34" charset="-120"/>
                         <a:ea typeface="微軟正黑體" panose="020B0604030504040204" pitchFamily="34" charset="-120"/>
@@ -13153,12 +13153,12 @@
                     <a:p>
                       <a:pPr algn="ctr"/>
                       <a:r>
-                        <a:rPr lang="zh-TW" altLang="en-US" sz="1200" b="0" kern="0" dirty="0">
-                          <a:solidFill>
-                            <a:schemeClr val="tx1"/>
-                          </a:solidFill>
-                        </a:rPr>
-                        <a:t>◎</a:t>
+                        <a:rPr lang="zh-TW" altLang="en-US" sz="1200" b="0" kern="0" dirty="0" smtClean="0">
+                          <a:solidFill>
+                            <a:schemeClr val="tx1"/>
+                          </a:solidFill>
+                        </a:rPr>
+                        <a:t>○</a:t>
                       </a:r>
                       <a:endParaRPr lang="zh-TW" altLang="en-US" sz="1200" b="0" dirty="0">
                         <a:solidFill>
@@ -13346,7 +13346,7 @@
                 </a:tc>
                 <a:extLst>
                   <a:ext uri="{0D108BD9-81ED-4DB2-BD59-A6C34878D82A}">
-                    <a16:rowId xmlns="" xmlns:a16="http://schemas.microsoft.com/office/drawing/2014/main" val="1396562496"/>
+                    <a16:rowId xmlns:a16="http://schemas.microsoft.com/office/drawing/2014/main" xmlns="" val="1396562496"/>
                   </a:ext>
                 </a:extLst>
               </a:tr>
@@ -13914,7 +13914,7 @@
           <p:nvPr>
             <p:extLst>
               <p:ext uri="{D42A27DB-BD31-4B8C-83A1-F6EECF244321}">
-                <p14:modId xmlns:p14="http://schemas.microsoft.com/office/powerpoint/2010/main" val="470511861"/>
+                <p14:modId xmlns:p14="http://schemas.microsoft.com/office/powerpoint/2010/main" val="478498689"/>
               </p:ext>
             </p:extLst>
           </p:nvPr>
@@ -13933,140 +13933,140 @@
                 <a:gridCol w="901444">
                   <a:extLst>
                     <a:ext uri="{9D8B030D-6E8A-4147-A177-3AD203B41FA5}">
-                      <a16:colId xmlns="" xmlns:a16="http://schemas.microsoft.com/office/drawing/2014/main" val="20003"/>
+                      <a16:colId xmlns:a16="http://schemas.microsoft.com/office/drawing/2014/main" xmlns="" val="20003"/>
                     </a:ext>
                   </a:extLst>
                 </a:gridCol>
                 <a:gridCol w="501772">
                   <a:extLst>
                     <a:ext uri="{9D8B030D-6E8A-4147-A177-3AD203B41FA5}">
-                      <a16:colId xmlns="" xmlns:a16="http://schemas.microsoft.com/office/drawing/2014/main" val="20004"/>
+                      <a16:colId xmlns:a16="http://schemas.microsoft.com/office/drawing/2014/main" xmlns="" val="20004"/>
                     </a:ext>
                   </a:extLst>
                 </a:gridCol>
                 <a:gridCol w="501772">
                   <a:extLst>
                     <a:ext uri="{9D8B030D-6E8A-4147-A177-3AD203B41FA5}">
-                      <a16:colId xmlns="" xmlns:a16="http://schemas.microsoft.com/office/drawing/2014/main" val="20005"/>
+                      <a16:colId xmlns:a16="http://schemas.microsoft.com/office/drawing/2014/main" xmlns="" val="20005"/>
                     </a:ext>
                   </a:extLst>
                 </a:gridCol>
                 <a:gridCol w="501772">
                   <a:extLst>
                     <a:ext uri="{9D8B030D-6E8A-4147-A177-3AD203B41FA5}">
-                      <a16:colId xmlns="" xmlns:a16="http://schemas.microsoft.com/office/drawing/2014/main" val="20006"/>
+                      <a16:colId xmlns:a16="http://schemas.microsoft.com/office/drawing/2014/main" xmlns="" val="20006"/>
                     </a:ext>
                   </a:extLst>
                 </a:gridCol>
                 <a:gridCol w="501772">
                   <a:extLst>
                     <a:ext uri="{9D8B030D-6E8A-4147-A177-3AD203B41FA5}">
-                      <a16:colId xmlns="" xmlns:a16="http://schemas.microsoft.com/office/drawing/2014/main" val="3428608293"/>
+                      <a16:colId xmlns:a16="http://schemas.microsoft.com/office/drawing/2014/main" xmlns="" val="3428608293"/>
                     </a:ext>
                   </a:extLst>
                 </a:gridCol>
                 <a:gridCol w="501772">
                   <a:extLst>
                     <a:ext uri="{9D8B030D-6E8A-4147-A177-3AD203B41FA5}">
-                      <a16:colId xmlns="" xmlns:a16="http://schemas.microsoft.com/office/drawing/2014/main" val="2688910496"/>
+                      <a16:colId xmlns:a16="http://schemas.microsoft.com/office/drawing/2014/main" xmlns="" val="2688910496"/>
                     </a:ext>
                   </a:extLst>
                 </a:gridCol>
                 <a:gridCol w="501772">
                   <a:extLst>
                     <a:ext uri="{9D8B030D-6E8A-4147-A177-3AD203B41FA5}">
-                      <a16:colId xmlns="" xmlns:a16="http://schemas.microsoft.com/office/drawing/2014/main" val="3678966610"/>
+                      <a16:colId xmlns:a16="http://schemas.microsoft.com/office/drawing/2014/main" xmlns="" val="3678966610"/>
                     </a:ext>
                   </a:extLst>
                 </a:gridCol>
                 <a:gridCol w="501772">
                   <a:extLst>
                     <a:ext uri="{9D8B030D-6E8A-4147-A177-3AD203B41FA5}">
-                      <a16:colId xmlns="" xmlns:a16="http://schemas.microsoft.com/office/drawing/2014/main" val="20007"/>
+                      <a16:colId xmlns:a16="http://schemas.microsoft.com/office/drawing/2014/main" xmlns="" val="20007"/>
                     </a:ext>
                   </a:extLst>
                 </a:gridCol>
                 <a:gridCol w="501772">
                   <a:extLst>
                     <a:ext uri="{9D8B030D-6E8A-4147-A177-3AD203B41FA5}">
-                      <a16:colId xmlns="" xmlns:a16="http://schemas.microsoft.com/office/drawing/2014/main" val="20008"/>
+                      <a16:colId xmlns:a16="http://schemas.microsoft.com/office/drawing/2014/main" xmlns="" val="20008"/>
                     </a:ext>
                   </a:extLst>
                 </a:gridCol>
                 <a:gridCol w="501772">
                   <a:extLst>
                     <a:ext uri="{9D8B030D-6E8A-4147-A177-3AD203B41FA5}">
-                      <a16:colId xmlns="" xmlns:a16="http://schemas.microsoft.com/office/drawing/2014/main" val="3609824002"/>
+                      <a16:colId xmlns:a16="http://schemas.microsoft.com/office/drawing/2014/main" xmlns="" val="3609824002"/>
                     </a:ext>
                   </a:extLst>
                 </a:gridCol>
                 <a:gridCol w="501772">
                   <a:extLst>
                     <a:ext uri="{9D8B030D-6E8A-4147-A177-3AD203B41FA5}">
-                      <a16:colId xmlns="" xmlns:a16="http://schemas.microsoft.com/office/drawing/2014/main" val="1419103565"/>
+                      <a16:colId xmlns:a16="http://schemas.microsoft.com/office/drawing/2014/main" xmlns="" val="1419103565"/>
                     </a:ext>
                   </a:extLst>
                 </a:gridCol>
                 <a:gridCol w="501772">
                   <a:extLst>
                     <a:ext uri="{9D8B030D-6E8A-4147-A177-3AD203B41FA5}">
-                      <a16:colId xmlns="" xmlns:a16="http://schemas.microsoft.com/office/drawing/2014/main" val="2051610090"/>
+                      <a16:colId xmlns:a16="http://schemas.microsoft.com/office/drawing/2014/main" xmlns="" val="2051610090"/>
                     </a:ext>
                   </a:extLst>
                 </a:gridCol>
                 <a:gridCol w="501772">
                   <a:extLst>
                     <a:ext uri="{9D8B030D-6E8A-4147-A177-3AD203B41FA5}">
-                      <a16:colId xmlns="" xmlns:a16="http://schemas.microsoft.com/office/drawing/2014/main" val="29243554"/>
+                      <a16:colId xmlns:a16="http://schemas.microsoft.com/office/drawing/2014/main" xmlns="" val="29243554"/>
                     </a:ext>
                   </a:extLst>
                 </a:gridCol>
                 <a:gridCol w="501772">
                   <a:extLst>
                     <a:ext uri="{9D8B030D-6E8A-4147-A177-3AD203B41FA5}">
-                      <a16:colId xmlns="" xmlns:a16="http://schemas.microsoft.com/office/drawing/2014/main" val="1436252718"/>
+                      <a16:colId xmlns:a16="http://schemas.microsoft.com/office/drawing/2014/main" xmlns="" val="1436252718"/>
                     </a:ext>
                   </a:extLst>
                 </a:gridCol>
                 <a:gridCol w="501772">
                   <a:extLst>
                     <a:ext uri="{9D8B030D-6E8A-4147-A177-3AD203B41FA5}">
-                      <a16:colId xmlns="" xmlns:a16="http://schemas.microsoft.com/office/drawing/2014/main" val="963690119"/>
+                      <a16:colId xmlns:a16="http://schemas.microsoft.com/office/drawing/2014/main" xmlns="" val="963690119"/>
                     </a:ext>
                   </a:extLst>
                 </a:gridCol>
                 <a:gridCol w="501772">
                   <a:extLst>
                     <a:ext uri="{9D8B030D-6E8A-4147-A177-3AD203B41FA5}">
-                      <a16:colId xmlns="" xmlns:a16="http://schemas.microsoft.com/office/drawing/2014/main" val="2227699668"/>
+                      <a16:colId xmlns:a16="http://schemas.microsoft.com/office/drawing/2014/main" xmlns="" val="2227699668"/>
                     </a:ext>
                   </a:extLst>
                 </a:gridCol>
                 <a:gridCol w="501772">
                   <a:extLst>
                     <a:ext uri="{9D8B030D-6E8A-4147-A177-3AD203B41FA5}">
-                      <a16:colId xmlns="" xmlns:a16="http://schemas.microsoft.com/office/drawing/2014/main" val="1987638318"/>
+                      <a16:colId xmlns:a16="http://schemas.microsoft.com/office/drawing/2014/main" xmlns="" val="1987638318"/>
                     </a:ext>
                   </a:extLst>
                 </a:gridCol>
                 <a:gridCol w="501772">
                   <a:extLst>
                     <a:ext uri="{9D8B030D-6E8A-4147-A177-3AD203B41FA5}">
-                      <a16:colId xmlns="" xmlns:a16="http://schemas.microsoft.com/office/drawing/2014/main" val="1636838614"/>
+                      <a16:colId xmlns:a16="http://schemas.microsoft.com/office/drawing/2014/main" xmlns="" val="1636838614"/>
                     </a:ext>
                   </a:extLst>
                 </a:gridCol>
                 <a:gridCol w="501772">
                   <a:extLst>
                     <a:ext uri="{9D8B030D-6E8A-4147-A177-3AD203B41FA5}">
-                      <a16:colId xmlns="" xmlns:a16="http://schemas.microsoft.com/office/drawing/2014/main" val="1332406281"/>
+                      <a16:colId xmlns:a16="http://schemas.microsoft.com/office/drawing/2014/main" xmlns="" val="1332406281"/>
                     </a:ext>
                   </a:extLst>
                 </a:gridCol>
                 <a:gridCol w="501772">
                   <a:extLst>
                     <a:ext uri="{9D8B030D-6E8A-4147-A177-3AD203B41FA5}">
-                      <a16:colId xmlns="" xmlns:a16="http://schemas.microsoft.com/office/drawing/2014/main" val="20019"/>
+                      <a16:colId xmlns:a16="http://schemas.microsoft.com/office/drawing/2014/main" xmlns="" val="20019"/>
                     </a:ext>
                   </a:extLst>
                 </a:gridCol>
@@ -14333,7 +14333,7 @@
                 </a:tc>
                 <a:extLst>
                   <a:ext uri="{0D108BD9-81ED-4DB2-BD59-A6C34878D82A}">
-                    <a16:rowId xmlns="" xmlns:a16="http://schemas.microsoft.com/office/drawing/2014/main" val="4157930470"/>
+                    <a16:rowId xmlns:a16="http://schemas.microsoft.com/office/drawing/2014/main" xmlns="" val="4157930470"/>
                   </a:ext>
                 </a:extLst>
               </a:tr>
@@ -14571,11 +14571,11 @@
                     <a:p>
                       <a:pPr algn="ctr"/>
                       <a:r>
-                        <a:rPr lang="zh-TW" altLang="en-US" sz="1200" dirty="0">
+                        <a:rPr lang="zh-TW" altLang="en-US" sz="1200" dirty="0" smtClean="0">
                           <a:latin typeface="微軟正黑體" panose="020B0604030504040204" pitchFamily="34" charset="-120"/>
                           <a:ea typeface="微軟正黑體" panose="020B0604030504040204" pitchFamily="34" charset="-120"/>
                         </a:rPr>
-                        <a:t>站名碼</a:t>
+                        <a:t>組站位</a:t>
                       </a:r>
                       <a:endParaRPr lang="en-US" altLang="zh-TW" sz="1200" dirty="0">
                         <a:latin typeface="微軟正黑體" panose="020B0604030504040204" pitchFamily="34" charset="-120"/>
@@ -14866,7 +14866,7 @@
                 </a:tc>
                 <a:extLst>
                   <a:ext uri="{0D108BD9-81ED-4DB2-BD59-A6C34878D82A}">
-                    <a16:rowId xmlns="" xmlns:a16="http://schemas.microsoft.com/office/drawing/2014/main" val="10000"/>
+                    <a16:rowId xmlns:a16="http://schemas.microsoft.com/office/drawing/2014/main" xmlns="" val="10000"/>
                   </a:ext>
                 </a:extLst>
               </a:tr>
@@ -15168,7 +15168,7 @@
                 </a:tc>
                 <a:extLst>
                   <a:ext uri="{0D108BD9-81ED-4DB2-BD59-A6C34878D82A}">
-                    <a16:rowId xmlns="" xmlns:a16="http://schemas.microsoft.com/office/drawing/2014/main" val="10005"/>
+                    <a16:rowId xmlns:a16="http://schemas.microsoft.com/office/drawing/2014/main" xmlns="" val="10005"/>
                   </a:ext>
                 </a:extLst>
               </a:tr>
@@ -15403,14 +15403,14 @@
                       <a:r>
                         <a:rPr lang="en-US" altLang="zh-TW" sz="1200" b="0" kern="0" dirty="0">
                           <a:solidFill>
-                            <a:srgbClr val="C00000"/>
-                          </a:solidFill>
-                        </a:rPr>
-                        <a:t>●</a:t>
-                      </a:r>
-                      <a:endParaRPr lang="zh-TW" altLang="en-US" sz="1200" b="0" dirty="0">
-                        <a:solidFill>
-                          <a:srgbClr val="C00000"/>
+                            <a:schemeClr val="tx1"/>
+                          </a:solidFill>
+                        </a:rPr>
+                        <a:t>●</a:t>
+                      </a:r>
+                      <a:endParaRPr lang="zh-TW" altLang="en-US" sz="1200" b="0" dirty="0">
+                        <a:solidFill>
+                          <a:schemeClr val="tx1"/>
                         </a:solidFill>
                         <a:latin typeface="微軟正黑體" panose="020B0604030504040204" pitchFamily="34" charset="-120"/>
                         <a:ea typeface="微軟正黑體" panose="020B0604030504040204" pitchFamily="34" charset="-120"/>
@@ -15526,12 +15526,12 @@
                     <a:p>
                       <a:pPr algn="ctr"/>
                       <a:r>
-                        <a:rPr lang="zh-TW" altLang="en-US" sz="1200" b="0" kern="0" dirty="0">
-                          <a:solidFill>
-                            <a:schemeClr val="tx1"/>
-                          </a:solidFill>
-                        </a:rPr>
-                        <a:t>◎</a:t>
+                        <a:rPr lang="zh-TW" altLang="en-US" sz="1200" b="0" kern="0" smtClean="0">
+                          <a:solidFill>
+                            <a:schemeClr val="tx1"/>
+                          </a:solidFill>
+                        </a:rPr>
+                        <a:t>○</a:t>
                       </a:r>
                       <a:endParaRPr lang="zh-TW" altLang="en-US" sz="1200" b="0" dirty="0">
                         <a:solidFill>
@@ -15705,7 +15705,7 @@
                 </a:tc>
                 <a:extLst>
                   <a:ext uri="{0D108BD9-81ED-4DB2-BD59-A6C34878D82A}">
-                    <a16:rowId xmlns="" xmlns:a16="http://schemas.microsoft.com/office/drawing/2014/main" val="10002"/>
+                    <a16:rowId xmlns:a16="http://schemas.microsoft.com/office/drawing/2014/main" xmlns="" val="10002"/>
                   </a:ext>
                 </a:extLst>
               </a:tr>
@@ -15940,14 +15940,14 @@
                       <a:r>
                         <a:rPr lang="en-US" altLang="zh-TW" sz="1200" b="0" kern="0" dirty="0">
                           <a:solidFill>
-                            <a:srgbClr val="C00000"/>
-                          </a:solidFill>
-                        </a:rPr>
-                        <a:t>●</a:t>
-                      </a:r>
-                      <a:endParaRPr lang="zh-TW" altLang="en-US" sz="1200" b="0" dirty="0">
-                        <a:solidFill>
-                          <a:srgbClr val="C00000"/>
+                            <a:schemeClr val="tx1"/>
+                          </a:solidFill>
+                        </a:rPr>
+                        <a:t>●</a:t>
+                      </a:r>
+                      <a:endParaRPr lang="zh-TW" altLang="en-US" sz="1200" b="0" dirty="0">
+                        <a:solidFill>
+                          <a:schemeClr val="tx1"/>
                         </a:solidFill>
                         <a:latin typeface="微軟正黑體" panose="020B0604030504040204" pitchFamily="34" charset="-120"/>
                         <a:ea typeface="微軟正黑體" panose="020B0604030504040204" pitchFamily="34" charset="-120"/>
@@ -16063,12 +16063,12 @@
                     <a:p>
                       <a:pPr algn="ctr"/>
                       <a:r>
-                        <a:rPr lang="zh-TW" altLang="en-US" sz="1200" b="0" kern="0" dirty="0">
-                          <a:solidFill>
-                            <a:schemeClr val="tx1"/>
-                          </a:solidFill>
-                        </a:rPr>
-                        <a:t>◎</a:t>
+                        <a:rPr lang="zh-TW" altLang="en-US" sz="1200" b="0" kern="0" smtClean="0">
+                          <a:solidFill>
+                            <a:schemeClr val="tx1"/>
+                          </a:solidFill>
+                        </a:rPr>
+                        <a:t>○</a:t>
                       </a:r>
                       <a:endParaRPr lang="zh-TW" altLang="en-US" sz="1200" b="0" dirty="0">
                         <a:solidFill>
@@ -16242,7 +16242,7 @@
                 </a:tc>
                 <a:extLst>
                   <a:ext uri="{0D108BD9-81ED-4DB2-BD59-A6C34878D82A}">
-                    <a16:rowId xmlns="" xmlns:a16="http://schemas.microsoft.com/office/drawing/2014/main" val="10003"/>
+                    <a16:rowId xmlns:a16="http://schemas.microsoft.com/office/drawing/2014/main" xmlns="" val="10003"/>
                   </a:ext>
                 </a:extLst>
               </a:tr>
@@ -16477,14 +16477,14 @@
                       <a:r>
                         <a:rPr lang="en-US" altLang="zh-TW" sz="1200" b="0" kern="0" dirty="0">
                           <a:solidFill>
-                            <a:srgbClr val="C00000"/>
-                          </a:solidFill>
-                        </a:rPr>
-                        <a:t>●</a:t>
-                      </a:r>
-                      <a:endParaRPr lang="zh-TW" altLang="en-US" sz="1200" b="0" dirty="0">
-                        <a:solidFill>
-                          <a:srgbClr val="C00000"/>
+                            <a:schemeClr val="tx1"/>
+                          </a:solidFill>
+                        </a:rPr>
+                        <a:t>●</a:t>
+                      </a:r>
+                      <a:endParaRPr lang="zh-TW" altLang="en-US" sz="1200" b="0" dirty="0">
+                        <a:solidFill>
+                          <a:schemeClr val="tx1"/>
                         </a:solidFill>
                         <a:latin typeface="微軟正黑體" panose="020B0604030504040204" pitchFamily="34" charset="-120"/>
                         <a:ea typeface="微軟正黑體" panose="020B0604030504040204" pitchFamily="34" charset="-120"/>
@@ -16600,12 +16600,12 @@
                     <a:p>
                       <a:pPr algn="ctr"/>
                       <a:r>
-                        <a:rPr lang="zh-TW" altLang="en-US" sz="1200" b="0" kern="0" dirty="0">
-                          <a:solidFill>
-                            <a:schemeClr val="tx1"/>
-                          </a:solidFill>
-                        </a:rPr>
-                        <a:t>◎</a:t>
+                        <a:rPr lang="zh-TW" altLang="en-US" sz="1200" b="0" kern="0" smtClean="0">
+                          <a:solidFill>
+                            <a:schemeClr val="tx1"/>
+                          </a:solidFill>
+                        </a:rPr>
+                        <a:t>○</a:t>
                       </a:r>
                       <a:endParaRPr lang="zh-TW" altLang="en-US" sz="1200" b="0" dirty="0">
                         <a:solidFill>
@@ -16779,7 +16779,7 @@
                 </a:tc>
                 <a:extLst>
                   <a:ext uri="{0D108BD9-81ED-4DB2-BD59-A6C34878D82A}">
-                    <a16:rowId xmlns="" xmlns:a16="http://schemas.microsoft.com/office/drawing/2014/main" val="10004"/>
+                    <a16:rowId xmlns:a16="http://schemas.microsoft.com/office/drawing/2014/main" xmlns="" val="10004"/>
                   </a:ext>
                 </a:extLst>
               </a:tr>
@@ -17014,14 +17014,14 @@
                       <a:r>
                         <a:rPr lang="en-US" altLang="zh-TW" sz="1200" b="0" kern="0" dirty="0">
                           <a:solidFill>
-                            <a:srgbClr val="C00000"/>
-                          </a:solidFill>
-                        </a:rPr>
-                        <a:t>●</a:t>
-                      </a:r>
-                      <a:endParaRPr lang="zh-TW" altLang="en-US" sz="1200" b="0" dirty="0">
-                        <a:solidFill>
-                          <a:srgbClr val="C00000"/>
+                            <a:schemeClr val="tx1"/>
+                          </a:solidFill>
+                        </a:rPr>
+                        <a:t>●</a:t>
+                      </a:r>
+                      <a:endParaRPr lang="zh-TW" altLang="en-US" sz="1200" b="0" dirty="0">
+                        <a:solidFill>
+                          <a:schemeClr val="tx1"/>
                         </a:solidFill>
                         <a:latin typeface="微軟正黑體" panose="020B0604030504040204" pitchFamily="34" charset="-120"/>
                         <a:ea typeface="微軟正黑體" panose="020B0604030504040204" pitchFamily="34" charset="-120"/>
@@ -17137,12 +17137,12 @@
                     <a:p>
                       <a:pPr algn="ctr"/>
                       <a:r>
-                        <a:rPr lang="zh-TW" altLang="en-US" sz="1200" b="0" kern="0" dirty="0">
-                          <a:solidFill>
-                            <a:schemeClr val="tx1"/>
-                          </a:solidFill>
-                        </a:rPr>
-                        <a:t>◎</a:t>
+                        <a:rPr lang="zh-TW" altLang="en-US" sz="1200" b="0" kern="0" smtClean="0">
+                          <a:solidFill>
+                            <a:schemeClr val="tx1"/>
+                          </a:solidFill>
+                        </a:rPr>
+                        <a:t>○</a:t>
                       </a:r>
                       <a:endParaRPr lang="zh-TW" altLang="en-US" sz="1200" b="0" dirty="0">
                         <a:solidFill>
@@ -17316,7 +17316,7 @@
                 </a:tc>
                 <a:extLst>
                   <a:ext uri="{0D108BD9-81ED-4DB2-BD59-A6C34878D82A}">
-                    <a16:rowId xmlns="" xmlns:a16="http://schemas.microsoft.com/office/drawing/2014/main" val="10007"/>
+                    <a16:rowId xmlns:a16="http://schemas.microsoft.com/office/drawing/2014/main" xmlns="" val="10007"/>
                   </a:ext>
                 </a:extLst>
               </a:tr>
@@ -17551,14 +17551,14 @@
                       <a:r>
                         <a:rPr lang="en-US" altLang="zh-TW" sz="1200" b="0" kern="0" dirty="0">
                           <a:solidFill>
-                            <a:srgbClr val="C00000"/>
-                          </a:solidFill>
-                        </a:rPr>
-                        <a:t>●</a:t>
-                      </a:r>
-                      <a:endParaRPr lang="zh-TW" altLang="en-US" sz="1200" b="0" dirty="0">
-                        <a:solidFill>
-                          <a:srgbClr val="C00000"/>
+                            <a:schemeClr val="tx1"/>
+                          </a:solidFill>
+                        </a:rPr>
+                        <a:t>●</a:t>
+                      </a:r>
+                      <a:endParaRPr lang="zh-TW" altLang="en-US" sz="1200" b="0" dirty="0">
+                        <a:solidFill>
+                          <a:schemeClr val="tx1"/>
                         </a:solidFill>
                         <a:latin typeface="微軟正黑體" panose="020B0604030504040204" pitchFamily="34" charset="-120"/>
                         <a:ea typeface="微軟正黑體" panose="020B0604030504040204" pitchFamily="34" charset="-120"/>
@@ -17674,12 +17674,12 @@
                     <a:p>
                       <a:pPr algn="ctr"/>
                       <a:r>
-                        <a:rPr lang="zh-TW" altLang="en-US" sz="1200" b="0" kern="0" dirty="0">
-                          <a:solidFill>
-                            <a:schemeClr val="tx1"/>
-                          </a:solidFill>
-                        </a:rPr>
-                        <a:t>◎</a:t>
+                        <a:rPr lang="zh-TW" altLang="en-US" sz="1200" b="0" kern="0" smtClean="0">
+                          <a:solidFill>
+                            <a:schemeClr val="tx1"/>
+                          </a:solidFill>
+                        </a:rPr>
+                        <a:t>○</a:t>
                       </a:r>
                       <a:endParaRPr lang="zh-TW" altLang="en-US" sz="1200" b="0" dirty="0">
                         <a:solidFill>
@@ -17853,7 +17853,7 @@
                 </a:tc>
                 <a:extLst>
                   <a:ext uri="{0D108BD9-81ED-4DB2-BD59-A6C34878D82A}">
-                    <a16:rowId xmlns="" xmlns:a16="http://schemas.microsoft.com/office/drawing/2014/main" val="10008"/>
+                    <a16:rowId xmlns:a16="http://schemas.microsoft.com/office/drawing/2014/main" xmlns="" val="10008"/>
                   </a:ext>
                 </a:extLst>
               </a:tr>
@@ -18088,14 +18088,14 @@
                       <a:r>
                         <a:rPr lang="en-US" altLang="zh-TW" sz="1200" b="0" kern="0" dirty="0">
                           <a:solidFill>
-                            <a:srgbClr val="C00000"/>
-                          </a:solidFill>
-                        </a:rPr>
-                        <a:t>●</a:t>
-                      </a:r>
-                      <a:endParaRPr lang="zh-TW" altLang="en-US" sz="1200" b="0" dirty="0">
-                        <a:solidFill>
-                          <a:srgbClr val="C00000"/>
+                            <a:schemeClr val="tx1"/>
+                          </a:solidFill>
+                        </a:rPr>
+                        <a:t>●</a:t>
+                      </a:r>
+                      <a:endParaRPr lang="zh-TW" altLang="en-US" sz="1200" b="0" dirty="0">
+                        <a:solidFill>
+                          <a:schemeClr val="tx1"/>
                         </a:solidFill>
                         <a:latin typeface="微軟正黑體" panose="020B0604030504040204" pitchFamily="34" charset="-120"/>
                         <a:ea typeface="微軟正黑體" panose="020B0604030504040204" pitchFamily="34" charset="-120"/>
@@ -18211,12 +18211,12 @@
                     <a:p>
                       <a:pPr algn="ctr"/>
                       <a:r>
-                        <a:rPr lang="zh-TW" altLang="en-US" sz="1200" b="0" kern="0" dirty="0">
-                          <a:solidFill>
-                            <a:schemeClr val="tx1"/>
-                          </a:solidFill>
-                        </a:rPr>
-                        <a:t>◎</a:t>
+                        <a:rPr lang="zh-TW" altLang="en-US" sz="1200" b="0" kern="0" smtClean="0">
+                          <a:solidFill>
+                            <a:schemeClr val="tx1"/>
+                          </a:solidFill>
+                        </a:rPr>
+                        <a:t>○</a:t>
                       </a:r>
                       <a:endParaRPr lang="zh-TW" altLang="en-US" sz="1200" b="0" dirty="0">
                         <a:solidFill>
@@ -18390,7 +18390,7 @@
                 </a:tc>
                 <a:extLst>
                   <a:ext uri="{0D108BD9-81ED-4DB2-BD59-A6C34878D82A}">
-                    <a16:rowId xmlns="" xmlns:a16="http://schemas.microsoft.com/office/drawing/2014/main" val="10009"/>
+                    <a16:rowId xmlns:a16="http://schemas.microsoft.com/office/drawing/2014/main" xmlns="" val="10009"/>
                   </a:ext>
                 </a:extLst>
               </a:tr>
@@ -18625,14 +18625,14 @@
                       <a:r>
                         <a:rPr lang="en-US" altLang="zh-TW" sz="1200" b="0" kern="0" dirty="0">
                           <a:solidFill>
-                            <a:srgbClr val="C00000"/>
-                          </a:solidFill>
-                        </a:rPr>
-                        <a:t>●</a:t>
-                      </a:r>
-                      <a:endParaRPr lang="zh-TW" altLang="en-US" sz="1200" b="0" dirty="0">
-                        <a:solidFill>
-                          <a:srgbClr val="C00000"/>
+                            <a:schemeClr val="tx1"/>
+                          </a:solidFill>
+                        </a:rPr>
+                        <a:t>●</a:t>
+                      </a:r>
+                      <a:endParaRPr lang="zh-TW" altLang="en-US" sz="1200" b="0" dirty="0">
+                        <a:solidFill>
+                          <a:schemeClr val="tx1"/>
                         </a:solidFill>
                         <a:latin typeface="微軟正黑體" panose="020B0604030504040204" pitchFamily="34" charset="-120"/>
                         <a:ea typeface="微軟正黑體" panose="020B0604030504040204" pitchFamily="34" charset="-120"/>
@@ -18748,12 +18748,12 @@
                     <a:p>
                       <a:pPr algn="ctr"/>
                       <a:r>
-                        <a:rPr lang="zh-TW" altLang="en-US" sz="1200" b="0" kern="0" dirty="0">
-                          <a:solidFill>
-                            <a:schemeClr val="tx1"/>
-                          </a:solidFill>
-                        </a:rPr>
-                        <a:t>◎</a:t>
+                        <a:rPr lang="zh-TW" altLang="en-US" sz="1200" b="0" kern="0" dirty="0" smtClean="0">
+                          <a:solidFill>
+                            <a:schemeClr val="tx1"/>
+                          </a:solidFill>
+                        </a:rPr>
+                        <a:t>○</a:t>
                       </a:r>
                       <a:endParaRPr lang="zh-TW" altLang="en-US" sz="1200" b="0" dirty="0">
                         <a:solidFill>
@@ -18937,7 +18937,7 @@
                 </a:tc>
                 <a:extLst>
                   <a:ext uri="{0D108BD9-81ED-4DB2-BD59-A6C34878D82A}">
-                    <a16:rowId xmlns="" xmlns:a16="http://schemas.microsoft.com/office/drawing/2014/main" val="2234251665"/>
+                    <a16:rowId xmlns:a16="http://schemas.microsoft.com/office/drawing/2014/main" xmlns="" val="2234251665"/>
                   </a:ext>
                 </a:extLst>
               </a:tr>
@@ -19463,7 +19463,7 @@
                 </a:tc>
                 <a:extLst>
                   <a:ext uri="{0D108BD9-81ED-4DB2-BD59-A6C34878D82A}">
-                    <a16:rowId xmlns="" xmlns:a16="http://schemas.microsoft.com/office/drawing/2014/main" val="2106796917"/>
+                    <a16:rowId xmlns:a16="http://schemas.microsoft.com/office/drawing/2014/main" xmlns="" val="2106796917"/>
                   </a:ext>
                 </a:extLst>
               </a:tr>
@@ -19703,14 +19703,14 @@
                       <a:r>
                         <a:rPr lang="en-US" altLang="zh-TW" sz="1200" b="0" kern="0" dirty="0">
                           <a:solidFill>
-                            <a:srgbClr val="C00000"/>
-                          </a:solidFill>
-                        </a:rPr>
-                        <a:t>●</a:t>
-                      </a:r>
-                      <a:endParaRPr lang="zh-TW" altLang="en-US" sz="1200" b="0" dirty="0">
-                        <a:solidFill>
-                          <a:srgbClr val="C00000"/>
+                            <a:schemeClr val="tx1"/>
+                          </a:solidFill>
+                        </a:rPr>
+                        <a:t>●</a:t>
+                      </a:r>
+                      <a:endParaRPr lang="zh-TW" altLang="en-US" sz="1200" b="0" dirty="0">
+                        <a:solidFill>
+                          <a:schemeClr val="tx1"/>
                         </a:solidFill>
                         <a:latin typeface="微軟正黑體" panose="020B0604030504040204" pitchFamily="34" charset="-120"/>
                         <a:ea typeface="微軟正黑體" panose="020B0604030504040204" pitchFamily="34" charset="-120"/>
@@ -19826,12 +19826,12 @@
                     <a:p>
                       <a:pPr algn="ctr"/>
                       <a:r>
-                        <a:rPr lang="zh-TW" altLang="en-US" sz="1200" b="0" kern="0" dirty="0">
-                          <a:solidFill>
-                            <a:schemeClr val="tx1"/>
-                          </a:solidFill>
-                        </a:rPr>
-                        <a:t>◎</a:t>
+                        <a:rPr lang="zh-TW" altLang="en-US" sz="1200" b="0" kern="0" dirty="0" smtClean="0">
+                          <a:solidFill>
+                            <a:schemeClr val="tx1"/>
+                          </a:solidFill>
+                        </a:rPr>
+                        <a:t>○</a:t>
                       </a:r>
                       <a:endParaRPr lang="zh-TW" altLang="en-US" sz="1200" b="0" dirty="0">
                         <a:solidFill>
@@ -20005,7 +20005,7 @@
                 </a:tc>
                 <a:extLst>
                   <a:ext uri="{0D108BD9-81ED-4DB2-BD59-A6C34878D82A}">
-                    <a16:rowId xmlns="" xmlns:a16="http://schemas.microsoft.com/office/drawing/2014/main" val="3710798345"/>
+                    <a16:rowId xmlns:a16="http://schemas.microsoft.com/office/drawing/2014/main" xmlns="" val="3710798345"/>
                   </a:ext>
                 </a:extLst>
               </a:tr>
@@ -20531,7 +20531,7 @@
                 </a:tc>
                 <a:extLst>
                   <a:ext uri="{0D108BD9-81ED-4DB2-BD59-A6C34878D82A}">
-                    <a16:rowId xmlns="" xmlns:a16="http://schemas.microsoft.com/office/drawing/2014/main" val="2533665971"/>
+                    <a16:rowId xmlns:a16="http://schemas.microsoft.com/office/drawing/2014/main" xmlns="" val="2533665971"/>
                   </a:ext>
                 </a:extLst>
               </a:tr>
@@ -21051,205 +21051,7 @@
                     <a:bodyPr/>
                     <a:lstStyle/>
                     <a:p>
-                      <a:pPr algn="ctr"/>
-                      <a:r>
-                        <a:rPr lang="zh-TW" altLang="en-US" sz="1200" b="0" kern="0" dirty="0">
-                          <a:solidFill>
-                            <a:schemeClr val="tx1"/>
-                          </a:solidFill>
-                        </a:rPr>
-                        <a:t>◎</a:t>
-                      </a:r>
-                      <a:endParaRPr lang="zh-TW" altLang="en-US" sz="1200" b="0" dirty="0">
-                        <a:solidFill>
-                          <a:schemeClr val="tx1"/>
-                        </a:solidFill>
-                        <a:latin typeface="微軟正黑體" panose="020B0604030504040204" pitchFamily="34" charset="-120"/>
-                        <a:ea typeface="微軟正黑體" panose="020B0604030504040204" pitchFamily="34" charset="-120"/>
-                      </a:endParaRPr>
-                    </a:p>
-                  </a:txBody>
-                  <a:tcPr marL="9525" marR="9525" marT="9525" marB="0" anchor="ctr"/>
-                </a:tc>
-                <a:extLst>
-                  <a:ext uri="{0D108BD9-81ED-4DB2-BD59-A6C34878D82A}">
-                    <a16:rowId xmlns="" xmlns:a16="http://schemas.microsoft.com/office/drawing/2014/main" val="10010"/>
-                  </a:ext>
-                </a:extLst>
-              </a:tr>
-              <a:tr h="378604">
-                <a:tc>
-                  <a:txBody>
-                    <a:bodyPr/>
-                    <a:lstStyle/>
-                    <a:p>
-                      <a:pPr algn="ctr" rtl="0" fontAlgn="b"/>
-                      <a:r>
-                        <a:rPr lang="zh-TW" altLang="en-US" sz="1200" b="1" i="0" u="none" strike="noStrike" dirty="0">
-                          <a:solidFill>
-                            <a:schemeClr val="bg1"/>
-                          </a:solidFill>
-                          <a:effectLst/>
-                          <a:latin typeface="微軟正黑體" panose="020B0604030504040204" pitchFamily="34" charset="-120"/>
-                          <a:ea typeface="微軟正黑體" panose="020B0604030504040204" pitchFamily="34" charset="-120"/>
-                        </a:rPr>
-                        <a:t>觀光局</a:t>
-                      </a:r>
-                      <a:endParaRPr lang="en-US" altLang="zh-TW" sz="1200" b="1" i="0" u="none" strike="noStrike" dirty="0">
-                        <a:solidFill>
-                          <a:schemeClr val="bg1"/>
-                        </a:solidFill>
-                        <a:effectLst/>
-                        <a:latin typeface="微軟正黑體" panose="020B0604030504040204" pitchFamily="34" charset="-120"/>
-                        <a:ea typeface="微軟正黑體" panose="020B0604030504040204" pitchFamily="34" charset="-120"/>
-                      </a:endParaRPr>
-                    </a:p>
-                    <a:p>
-                      <a:pPr algn="ctr" rtl="0" fontAlgn="b"/>
-                      <a:r>
-                        <a:rPr lang="en-US" altLang="zh-TW" sz="1200" b="1" i="0" u="none" strike="noStrike" dirty="0">
-                          <a:solidFill>
-                            <a:schemeClr val="bg1"/>
-                          </a:solidFill>
-                          <a:effectLst/>
-                          <a:latin typeface="微軟正黑體" panose="020B0604030504040204" pitchFamily="34" charset="-120"/>
-                          <a:ea typeface="微軟正黑體" panose="020B0604030504040204" pitchFamily="34" charset="-120"/>
-                        </a:rPr>
-                        <a:t>(</a:t>
-                      </a:r>
-                      <a:r>
-                        <a:rPr lang="zh-TW" altLang="en-US" sz="1200" b="1" i="0" u="none" strike="noStrike" dirty="0">
-                          <a:solidFill>
-                            <a:schemeClr val="bg1"/>
-                          </a:solidFill>
-                          <a:effectLst/>
-                          <a:latin typeface="微軟正黑體" panose="020B0604030504040204" pitchFamily="34" charset="-120"/>
-                          <a:ea typeface="微軟正黑體" panose="020B0604030504040204" pitchFamily="34" charset="-120"/>
-                        </a:rPr>
-                        <a:t>台灣好行</a:t>
-                      </a:r>
-                      <a:r>
-                        <a:rPr lang="en-US" altLang="zh-TW" sz="1200" b="1" i="0" u="none" strike="noStrike" dirty="0">
-                          <a:solidFill>
-                            <a:schemeClr val="bg1"/>
-                          </a:solidFill>
-                          <a:effectLst/>
-                          <a:latin typeface="微軟正黑體" panose="020B0604030504040204" pitchFamily="34" charset="-120"/>
-                          <a:ea typeface="微軟正黑體" panose="020B0604030504040204" pitchFamily="34" charset="-120"/>
-                        </a:rPr>
-                        <a:t>)</a:t>
-                      </a:r>
-                      <a:endParaRPr lang="zh-TW" altLang="en-US" sz="1200" b="1" i="0" u="none" strike="noStrike" dirty="0">
-                        <a:solidFill>
-                          <a:schemeClr val="bg1"/>
-                        </a:solidFill>
-                        <a:effectLst/>
-                        <a:latin typeface="微軟正黑體" panose="020B0604030504040204" pitchFamily="34" charset="-120"/>
-                        <a:ea typeface="微軟正黑體" panose="020B0604030504040204" pitchFamily="34" charset="-120"/>
-                      </a:endParaRPr>
-                    </a:p>
-                  </a:txBody>
-                  <a:tcPr marL="9525" marR="9525" marT="9525" marB="0" anchor="ctr"/>
-                </a:tc>
-                <a:tc>
-                  <a:txBody>
-                    <a:bodyPr/>
-                    <a:lstStyle/>
-                    <a:p>
-                      <a:pPr algn="ctr"/>
-                      <a:r>
-                        <a:rPr lang="en-US" altLang="zh-TW" sz="1200" kern="0" dirty="0"/>
-                        <a:t>●</a:t>
-                      </a:r>
-                      <a:endParaRPr lang="zh-TW" altLang="en-US" sz="1200" dirty="0">
-                        <a:latin typeface="微軟正黑體" panose="020B0604030504040204" pitchFamily="34" charset="-120"/>
-                        <a:ea typeface="微軟正黑體" panose="020B0604030504040204" pitchFamily="34" charset="-120"/>
-                      </a:endParaRPr>
-                    </a:p>
-                  </a:txBody>
-                  <a:tcPr marL="9525" marR="9525" marT="9525" marB="0" anchor="ctr"/>
-                </a:tc>
-                <a:tc>
-                  <a:txBody>
-                    <a:bodyPr/>
-                    <a:lstStyle/>
-                    <a:p>
-                      <a:pPr algn="ctr"/>
-                      <a:r>
-                        <a:rPr lang="en-US" altLang="zh-TW" sz="1200" b="0" kern="0" dirty="0">
-                          <a:solidFill>
-                            <a:schemeClr val="tx1"/>
-                          </a:solidFill>
-                        </a:rPr>
-                        <a:t>●</a:t>
-                      </a:r>
-                      <a:endParaRPr lang="zh-TW" altLang="en-US" sz="1200" b="0" dirty="0">
-                        <a:solidFill>
-                          <a:schemeClr val="tx1"/>
-                        </a:solidFill>
-                        <a:latin typeface="微軟正黑體" panose="020B0604030504040204" pitchFamily="34" charset="-120"/>
-                        <a:ea typeface="微軟正黑體" panose="020B0604030504040204" pitchFamily="34" charset="-120"/>
-                      </a:endParaRPr>
-                    </a:p>
-                  </a:txBody>
-                  <a:tcPr marL="9525" marR="9525" marT="9525" marB="0" anchor="ctr"/>
-                </a:tc>
-                <a:tc>
-                  <a:txBody>
-                    <a:bodyPr/>
-                    <a:lstStyle/>
-                    <a:p>
-                      <a:pPr algn="ctr"/>
-                      <a:r>
-                        <a:rPr lang="en-US" altLang="zh-TW" sz="1200" b="0" kern="0" dirty="0">
-                          <a:solidFill>
-                            <a:schemeClr val="tx1"/>
-                          </a:solidFill>
-                        </a:rPr>
-                        <a:t>●</a:t>
-                      </a:r>
-                      <a:endParaRPr lang="zh-TW" altLang="en-US" sz="1200" b="0" dirty="0">
-                        <a:solidFill>
-                          <a:schemeClr val="tx1"/>
-                        </a:solidFill>
-                        <a:latin typeface="微軟正黑體" panose="020B0604030504040204" pitchFamily="34" charset="-120"/>
-                        <a:ea typeface="微軟正黑體" panose="020B0604030504040204" pitchFamily="34" charset="-120"/>
-                      </a:endParaRPr>
-                    </a:p>
-                  </a:txBody>
-                  <a:tcPr marL="9525" marR="9525" marT="9525" marB="0" anchor="ctr"/>
-                </a:tc>
-                <a:tc>
-                  <a:txBody>
-                    <a:bodyPr/>
-                    <a:lstStyle/>
-                    <a:p>
-                      <a:pPr algn="ctr"/>
-                      <a:r>
-                        <a:rPr lang="zh-TW" altLang="en-US" sz="1200" b="0" kern="0" dirty="0">
-                          <a:solidFill>
-                            <a:schemeClr val="tx1"/>
-                          </a:solidFill>
-                        </a:rPr>
-                        <a:t>○</a:t>
-                      </a:r>
-                      <a:endParaRPr lang="zh-TW" altLang="en-US" sz="1200" b="0" dirty="0">
-                        <a:solidFill>
-                          <a:schemeClr val="tx1"/>
-                        </a:solidFill>
-                        <a:latin typeface="微軟正黑體" panose="020B0604030504040204" pitchFamily="34" charset="-120"/>
-                        <a:ea typeface="微軟正黑體" panose="020B0604030504040204" pitchFamily="34" charset="-120"/>
-                      </a:endParaRPr>
-                    </a:p>
-                  </a:txBody>
-                  <a:tcPr marL="9525" marR="9525" marT="9525" marB="0" anchor="ctr"/>
-                </a:tc>
-                <a:tc>
-                  <a:txBody>
-                    <a:bodyPr/>
-                    <a:lstStyle/>
-                    <a:p>
-                      <a:pPr marL="0" marR="0" indent="0" algn="ctr" defTabSz="914400" rtl="0" eaLnBrk="1" fontAlgn="auto" latinLnBrk="0" hangingPunct="1">
+                      <a:pPr marL="0" marR="0" lvl="0" indent="0" algn="ctr" defTabSz="914400" rtl="0" eaLnBrk="1" fontAlgn="auto" latinLnBrk="0" hangingPunct="1">
                         <a:lnSpc>
                           <a:spcPct val="100000"/>
                         </a:lnSpc>
@@ -21267,6 +21069,129 @@
                         <a:defRPr/>
                       </a:pPr>
                       <a:r>
+                        <a:rPr lang="en-US" altLang="zh-TW" sz="1200" b="0" kern="0" dirty="0" smtClean="0">
+                          <a:solidFill>
+                            <a:srgbClr val="C00000"/>
+                          </a:solidFill>
+                        </a:rPr>
+                        <a:t>●</a:t>
+                      </a:r>
+                      <a:endParaRPr lang="zh-TW" altLang="en-US" sz="1200" b="0" dirty="0">
+                        <a:solidFill>
+                          <a:srgbClr val="C00000"/>
+                        </a:solidFill>
+                        <a:latin typeface="微軟正黑體" panose="020B0604030504040204" pitchFamily="34" charset="-120"/>
+                        <a:ea typeface="微軟正黑體" panose="020B0604030504040204" pitchFamily="34" charset="-120"/>
+                      </a:endParaRPr>
+                    </a:p>
+                  </a:txBody>
+                  <a:tcPr marL="9525" marR="9525" marT="9525" marB="0" anchor="ctr"/>
+                </a:tc>
+                <a:extLst>
+                  <a:ext uri="{0D108BD9-81ED-4DB2-BD59-A6C34878D82A}">
+                    <a16:rowId xmlns:a16="http://schemas.microsoft.com/office/drawing/2014/main" xmlns="" val="10010"/>
+                  </a:ext>
+                </a:extLst>
+              </a:tr>
+              <a:tr h="378604">
+                <a:tc>
+                  <a:txBody>
+                    <a:bodyPr/>
+                    <a:lstStyle/>
+                    <a:p>
+                      <a:pPr algn="ctr" rtl="0" fontAlgn="b"/>
+                      <a:r>
+                        <a:rPr lang="zh-TW" altLang="en-US" sz="1200" b="1" i="0" u="none" strike="noStrike" dirty="0">
+                          <a:solidFill>
+                            <a:schemeClr val="bg1"/>
+                          </a:solidFill>
+                          <a:effectLst/>
+                          <a:latin typeface="微軟正黑體" panose="020B0604030504040204" pitchFamily="34" charset="-120"/>
+                          <a:ea typeface="微軟正黑體" panose="020B0604030504040204" pitchFamily="34" charset="-120"/>
+                        </a:rPr>
+                        <a:t>觀光局</a:t>
+                      </a:r>
+                      <a:endParaRPr lang="en-US" altLang="zh-TW" sz="1200" b="1" i="0" u="none" strike="noStrike" dirty="0">
+                        <a:solidFill>
+                          <a:schemeClr val="bg1"/>
+                        </a:solidFill>
+                        <a:effectLst/>
+                        <a:latin typeface="微軟正黑體" panose="020B0604030504040204" pitchFamily="34" charset="-120"/>
+                        <a:ea typeface="微軟正黑體" panose="020B0604030504040204" pitchFamily="34" charset="-120"/>
+                      </a:endParaRPr>
+                    </a:p>
+                    <a:p>
+                      <a:pPr algn="ctr" rtl="0" fontAlgn="b"/>
+                      <a:r>
+                        <a:rPr lang="en-US" altLang="zh-TW" sz="1200" b="1" i="0" u="none" strike="noStrike" dirty="0">
+                          <a:solidFill>
+                            <a:schemeClr val="bg1"/>
+                          </a:solidFill>
+                          <a:effectLst/>
+                          <a:latin typeface="微軟正黑體" panose="020B0604030504040204" pitchFamily="34" charset="-120"/>
+                          <a:ea typeface="微軟正黑體" panose="020B0604030504040204" pitchFamily="34" charset="-120"/>
+                        </a:rPr>
+                        <a:t>(</a:t>
+                      </a:r>
+                      <a:r>
+                        <a:rPr lang="zh-TW" altLang="en-US" sz="1200" b="1" i="0" u="none" strike="noStrike" dirty="0">
+                          <a:solidFill>
+                            <a:schemeClr val="bg1"/>
+                          </a:solidFill>
+                          <a:effectLst/>
+                          <a:latin typeface="微軟正黑體" panose="020B0604030504040204" pitchFamily="34" charset="-120"/>
+                          <a:ea typeface="微軟正黑體" panose="020B0604030504040204" pitchFamily="34" charset="-120"/>
+                        </a:rPr>
+                        <a:t>台灣好行</a:t>
+                      </a:r>
+                      <a:r>
+                        <a:rPr lang="en-US" altLang="zh-TW" sz="1200" b="1" i="0" u="none" strike="noStrike" dirty="0">
+                          <a:solidFill>
+                            <a:schemeClr val="bg1"/>
+                          </a:solidFill>
+                          <a:effectLst/>
+                          <a:latin typeface="微軟正黑體" panose="020B0604030504040204" pitchFamily="34" charset="-120"/>
+                          <a:ea typeface="微軟正黑體" panose="020B0604030504040204" pitchFamily="34" charset="-120"/>
+                        </a:rPr>
+                        <a:t>)</a:t>
+                      </a:r>
+                      <a:endParaRPr lang="zh-TW" altLang="en-US" sz="1200" b="1" i="0" u="none" strike="noStrike" dirty="0">
+                        <a:solidFill>
+                          <a:schemeClr val="bg1"/>
+                        </a:solidFill>
+                        <a:effectLst/>
+                        <a:latin typeface="微軟正黑體" panose="020B0604030504040204" pitchFamily="34" charset="-120"/>
+                        <a:ea typeface="微軟正黑體" panose="020B0604030504040204" pitchFamily="34" charset="-120"/>
+                      </a:endParaRPr>
+                    </a:p>
+                  </a:txBody>
+                  <a:tcPr marL="9525" marR="9525" marT="9525" marB="0" anchor="ctr"/>
+                </a:tc>
+                <a:tc>
+                  <a:txBody>
+                    <a:bodyPr/>
+                    <a:lstStyle/>
+                    <a:p>
+                      <a:pPr algn="ctr"/>
+                      <a:r>
+                        <a:rPr lang="en-US" altLang="zh-TW" sz="1200" kern="0" dirty="0"/>
+                        <a:t>●</a:t>
+                      </a:r>
+                      <a:endParaRPr lang="zh-TW" altLang="en-US" sz="1200" dirty="0">
+                        <a:latin typeface="微軟正黑體" panose="020B0604030504040204" pitchFamily="34" charset="-120"/>
+                        <a:ea typeface="微軟正黑體" panose="020B0604030504040204" pitchFamily="34" charset="-120"/>
+                      </a:endParaRPr>
+                    </a:p>
+                  </a:txBody>
+                  <a:tcPr marL="9525" marR="9525" marT="9525" marB="0" anchor="ctr"/>
+                </a:tc>
+                <a:tc>
+                  <a:txBody>
+                    <a:bodyPr/>
+                    <a:lstStyle/>
+                    <a:p>
+                      <a:pPr algn="ctr"/>
+                      <a:r>
                         <a:rPr lang="en-US" altLang="zh-TW" sz="1200" b="0" kern="0" dirty="0">
                           <a:solidFill>
                             <a:schemeClr val="tx1"/>
@@ -21340,7 +21265,7 @@
                     <a:bodyPr/>
                     <a:lstStyle/>
                     <a:p>
-                      <a:pPr marL="0" marR="0" lvl="0" indent="0" algn="ctr" defTabSz="914400" rtl="0" eaLnBrk="1" fontAlgn="auto" latinLnBrk="0" hangingPunct="1">
+                      <a:pPr marL="0" marR="0" indent="0" algn="ctr" defTabSz="914400" rtl="0" eaLnBrk="1" fontAlgn="auto" latinLnBrk="0" hangingPunct="1">
                         <a:lnSpc>
                           <a:spcPct val="100000"/>
                         </a:lnSpc>
@@ -21358,6 +21283,56 @@
                         <a:defRPr/>
                       </a:pPr>
                       <a:r>
+                        <a:rPr lang="en-US" altLang="zh-TW" sz="1200" b="0" kern="0" dirty="0">
+                          <a:solidFill>
+                            <a:schemeClr val="tx1"/>
+                          </a:solidFill>
+                        </a:rPr>
+                        <a:t>●</a:t>
+                      </a:r>
+                      <a:endParaRPr lang="zh-TW" altLang="en-US" sz="1200" b="0" dirty="0">
+                        <a:solidFill>
+                          <a:schemeClr val="tx1"/>
+                        </a:solidFill>
+                        <a:latin typeface="微軟正黑體" panose="020B0604030504040204" pitchFamily="34" charset="-120"/>
+                        <a:ea typeface="微軟正黑體" panose="020B0604030504040204" pitchFamily="34" charset="-120"/>
+                      </a:endParaRPr>
+                    </a:p>
+                  </a:txBody>
+                  <a:tcPr marL="9525" marR="9525" marT="9525" marB="0" anchor="ctr"/>
+                </a:tc>
+                <a:tc>
+                  <a:txBody>
+                    <a:bodyPr/>
+                    <a:lstStyle/>
+                    <a:p>
+                      <a:pPr algn="ctr"/>
+                      <a:r>
+                        <a:rPr lang="en-US" altLang="zh-TW" sz="1200" b="0" kern="0" dirty="0">
+                          <a:solidFill>
+                            <a:schemeClr val="tx1"/>
+                          </a:solidFill>
+                        </a:rPr>
+                        <a:t>●</a:t>
+                      </a:r>
+                      <a:endParaRPr lang="zh-TW" altLang="en-US" sz="1200" b="0" dirty="0">
+                        <a:solidFill>
+                          <a:schemeClr val="tx1"/>
+                        </a:solidFill>
+                        <a:latin typeface="微軟正黑體" panose="020B0604030504040204" pitchFamily="34" charset="-120"/>
+                        <a:ea typeface="微軟正黑體" panose="020B0604030504040204" pitchFamily="34" charset="-120"/>
+                      </a:endParaRPr>
+                    </a:p>
+                  </a:txBody>
+                  <a:tcPr marL="9525" marR="9525" marT="9525" marB="0" anchor="ctr"/>
+                </a:tc>
+                <a:tc>
+                  <a:txBody>
+                    <a:bodyPr/>
+                    <a:lstStyle/>
+                    <a:p>
+                      <a:pPr algn="ctr"/>
+                      <a:r>
                         <a:rPr lang="zh-TW" altLang="en-US" sz="1200" b="0" kern="0" dirty="0">
                           <a:solidFill>
                             <a:schemeClr val="tx1"/>
@@ -21481,12 +21456,12 @@
                         <a:defRPr/>
                       </a:pPr>
                       <a:r>
-                        <a:rPr lang="en-US" altLang="zh-TW" sz="1200" b="0" kern="0" dirty="0">
-                          <a:solidFill>
-                            <a:schemeClr val="tx1"/>
-                          </a:solidFill>
-                        </a:rPr>
-                        <a:t>●</a:t>
+                        <a:rPr lang="zh-TW" altLang="en-US" sz="1200" b="0" kern="0" dirty="0">
+                          <a:solidFill>
+                            <a:schemeClr val="tx1"/>
+                          </a:solidFill>
+                        </a:rPr>
+                        <a:t>○</a:t>
                       </a:r>
                       <a:endParaRPr lang="zh-TW" altLang="en-US" sz="1200" b="0" dirty="0">
                         <a:solidFill>
@@ -21545,7 +21520,7 @@
                     <a:bodyPr/>
                     <a:lstStyle/>
                     <a:p>
-                      <a:pPr marL="0" marR="0" indent="0" algn="ctr" defTabSz="914400" rtl="0" eaLnBrk="1" fontAlgn="auto" latinLnBrk="0" hangingPunct="1">
+                      <a:pPr marL="0" marR="0" lvl="0" indent="0" algn="ctr" defTabSz="914400" rtl="0" eaLnBrk="1" fontAlgn="auto" latinLnBrk="0" hangingPunct="1">
                         <a:lnSpc>
                           <a:spcPct val="100000"/>
                         </a:lnSpc>
@@ -21586,32 +21561,7 @@
                     <a:bodyPr/>
                     <a:lstStyle/>
                     <a:p>
-                      <a:pPr algn="ctr"/>
-                      <a:r>
-                        <a:rPr lang="en-US" altLang="zh-TW" sz="1200" b="0" kern="0" dirty="0">
-                          <a:solidFill>
-                            <a:schemeClr val="tx1"/>
-                          </a:solidFill>
-                        </a:rPr>
-                        <a:t>●</a:t>
-                      </a:r>
-                      <a:endParaRPr lang="zh-TW" altLang="en-US" sz="1200" b="0" dirty="0">
-                        <a:solidFill>
-                          <a:schemeClr val="tx1"/>
-                        </a:solidFill>
-                        <a:latin typeface="微軟正黑體" panose="020B0604030504040204" pitchFamily="34" charset="-120"/>
-                        <a:ea typeface="微軟正黑體" panose="020B0604030504040204" pitchFamily="34" charset="-120"/>
-                      </a:endParaRPr>
-                    </a:p>
-                  </a:txBody>
-                  <a:tcPr marL="9525" marR="9525" marT="9525" marB="0" anchor="ctr"/>
-                </a:tc>
-                <a:tc>
-                  <a:txBody>
-                    <a:bodyPr/>
-                    <a:lstStyle/>
-                    <a:p>
-                      <a:pPr marL="0" marR="0" lvl="0" indent="0" algn="ctr" defTabSz="914400" rtl="0" eaLnBrk="1" fontAlgn="auto" latinLnBrk="0" hangingPunct="1">
+                      <a:pPr marL="0" marR="0" indent="0" algn="ctr" defTabSz="914400" rtl="0" eaLnBrk="1" fontAlgn="auto" latinLnBrk="0" hangingPunct="1">
                         <a:lnSpc>
                           <a:spcPct val="100000"/>
                         </a:lnSpc>
@@ -21652,6 +21602,31 @@
                     <a:bodyPr/>
                     <a:lstStyle/>
                     <a:p>
+                      <a:pPr algn="ctr"/>
+                      <a:r>
+                        <a:rPr lang="en-US" altLang="zh-TW" sz="1200" b="0" kern="0" dirty="0">
+                          <a:solidFill>
+                            <a:schemeClr val="tx1"/>
+                          </a:solidFill>
+                        </a:rPr>
+                        <a:t>●</a:t>
+                      </a:r>
+                      <a:endParaRPr lang="zh-TW" altLang="en-US" sz="1200" b="0" dirty="0">
+                        <a:solidFill>
+                          <a:schemeClr val="tx1"/>
+                        </a:solidFill>
+                        <a:latin typeface="微軟正黑體" panose="020B0604030504040204" pitchFamily="34" charset="-120"/>
+                        <a:ea typeface="微軟正黑體" panose="020B0604030504040204" pitchFamily="34" charset="-120"/>
+                      </a:endParaRPr>
+                    </a:p>
+                  </a:txBody>
+                  <a:tcPr marL="9525" marR="9525" marT="9525" marB="0" anchor="ctr"/>
+                </a:tc>
+                <a:tc>
+                  <a:txBody>
+                    <a:bodyPr/>
+                    <a:lstStyle/>
+                    <a:p>
                       <a:pPr marL="0" marR="0" lvl="0" indent="0" algn="ctr" defTabSz="914400" rtl="0" eaLnBrk="1" fontAlgn="auto" latinLnBrk="0" hangingPunct="1">
                         <a:lnSpc>
                           <a:spcPct val="100000"/>
@@ -21670,12 +21645,12 @@
                         <a:defRPr/>
                       </a:pPr>
                       <a:r>
-                        <a:rPr lang="zh-TW" altLang="en-US" sz="1200" b="0" kern="0" dirty="0">
-                          <a:solidFill>
-                            <a:schemeClr val="tx1"/>
-                          </a:solidFill>
-                        </a:rPr>
-                        <a:t>○</a:t>
+                        <a:rPr lang="en-US" altLang="zh-TW" sz="1200" b="0" kern="0" dirty="0">
+                          <a:solidFill>
+                            <a:schemeClr val="tx1"/>
+                          </a:solidFill>
+                        </a:rPr>
+                        <a:t>●</a:t>
                       </a:r>
                       <a:endParaRPr lang="zh-TW" altLang="en-US" sz="1200" b="0" dirty="0">
                         <a:solidFill>
@@ -21752,31 +21727,28 @@
                         <a:defRPr/>
                       </a:pPr>
                       <a:r>
-                        <a:rPr kumimoji="0" lang="zh-TW" altLang="en-US" sz="1200" b="0" u="none" strike="noStrike" kern="0" cap="none" spc="0" normalizeH="0" baseline="0" noProof="0" dirty="0">
-                          <a:ln>
-                            <a:noFill/>
-                          </a:ln>
-                          <a:solidFill>
-                            <a:schemeClr val="tx1"/>
-                          </a:solidFill>
-                          <a:effectLst/>
-                          <a:uLnTx/>
-                          <a:uFillTx/>
-                        </a:rPr>
-                        <a:t>●</a:t>
-                      </a:r>
-                      <a:endParaRPr kumimoji="0" lang="en-US" altLang="zh-TW" sz="900" b="0" u="none" strike="noStrike" kern="0" cap="none" spc="0" normalizeH="0" baseline="0" noProof="0" dirty="0">
-                        <a:ln>
-                          <a:noFill/>
-                        </a:ln>
-                        <a:solidFill>
-                          <a:schemeClr val="tx1"/>
-                        </a:solidFill>
-                        <a:effectLst/>
-                        <a:uLnTx/>
-                        <a:uFillTx/>
-                      </a:endParaRPr>
-                    </a:p>
+                        <a:rPr lang="zh-TW" altLang="en-US" sz="1200" b="0" kern="0" dirty="0">
+                          <a:solidFill>
+                            <a:schemeClr val="tx1"/>
+                          </a:solidFill>
+                        </a:rPr>
+                        <a:t>○</a:t>
+                      </a:r>
+                      <a:endParaRPr lang="zh-TW" altLang="en-US" sz="1200" b="0" dirty="0">
+                        <a:solidFill>
+                          <a:schemeClr val="tx1"/>
+                        </a:solidFill>
+                        <a:latin typeface="微軟正黑體" panose="020B0604030504040204" pitchFamily="34" charset="-120"/>
+                        <a:ea typeface="微軟正黑體" panose="020B0604030504040204" pitchFamily="34" charset="-120"/>
+                      </a:endParaRPr>
+                    </a:p>
+                  </a:txBody>
+                  <a:tcPr marL="9525" marR="9525" marT="9525" marB="0" anchor="ctr"/>
+                </a:tc>
+                <a:tc>
+                  <a:txBody>
+                    <a:bodyPr/>
+                    <a:lstStyle/>
                     <a:p>
                       <a:pPr marL="0" marR="0" lvl="0" indent="0" algn="ctr" defTabSz="914400" rtl="0" eaLnBrk="1" fontAlgn="auto" latinLnBrk="0" hangingPunct="1">
                         <a:lnSpc>
@@ -21796,6 +21768,50 @@
                         <a:defRPr/>
                       </a:pPr>
                       <a:r>
+                        <a:rPr kumimoji="0" lang="zh-TW" altLang="en-US" sz="1200" b="0" u="none" strike="noStrike" kern="0" cap="none" spc="0" normalizeH="0" baseline="0" noProof="0" dirty="0">
+                          <a:ln>
+                            <a:noFill/>
+                          </a:ln>
+                          <a:solidFill>
+                            <a:schemeClr val="tx1"/>
+                          </a:solidFill>
+                          <a:effectLst/>
+                          <a:uLnTx/>
+                          <a:uFillTx/>
+                        </a:rPr>
+                        <a:t>●</a:t>
+                      </a:r>
+                      <a:endParaRPr kumimoji="0" lang="en-US" altLang="zh-TW" sz="900" b="0" u="none" strike="noStrike" kern="0" cap="none" spc="0" normalizeH="0" baseline="0" noProof="0" dirty="0">
+                        <a:ln>
+                          <a:noFill/>
+                        </a:ln>
+                        <a:solidFill>
+                          <a:schemeClr val="tx1"/>
+                        </a:solidFill>
+                        <a:effectLst/>
+                        <a:uLnTx/>
+                        <a:uFillTx/>
+                      </a:endParaRPr>
+                    </a:p>
+                    <a:p>
+                      <a:pPr marL="0" marR="0" lvl="0" indent="0" algn="ctr" defTabSz="914400" rtl="0" eaLnBrk="1" fontAlgn="auto" latinLnBrk="0" hangingPunct="1">
+                        <a:lnSpc>
+                          <a:spcPct val="100000"/>
+                        </a:lnSpc>
+                        <a:spcBef>
+                          <a:spcPts val="0"/>
+                        </a:spcBef>
+                        <a:spcAft>
+                          <a:spcPts val="0"/>
+                        </a:spcAft>
+                        <a:buClrTx/>
+                        <a:buSzTx/>
+                        <a:buFontTx/>
+                        <a:buNone/>
+                        <a:tabLst/>
+                        <a:defRPr/>
+                      </a:pPr>
+                      <a:r>
                         <a:rPr kumimoji="0" lang="en-US" altLang="zh-TW" sz="900" b="0" i="0" u="none" strike="noStrike" kern="0" cap="none" spc="0" normalizeH="0" baseline="0" noProof="0" dirty="0">
                           <a:ln>
                             <a:noFill/>
@@ -21887,7 +21903,7 @@
                 </a:tc>
                 <a:extLst>
                   <a:ext uri="{0D108BD9-81ED-4DB2-BD59-A6C34878D82A}">
-                    <a16:rowId xmlns="" xmlns:a16="http://schemas.microsoft.com/office/drawing/2014/main" val="2811962193"/>
+                    <a16:rowId xmlns:a16="http://schemas.microsoft.com/office/drawing/2014/main" xmlns="" val="2811962193"/>
                   </a:ext>
                 </a:extLst>
               </a:tr>
@@ -22483,140 +22499,140 @@
                 <a:gridCol w="610457">
                   <a:extLst>
                     <a:ext uri="{9D8B030D-6E8A-4147-A177-3AD203B41FA5}">
-                      <a16:colId xmlns="" xmlns:a16="http://schemas.microsoft.com/office/drawing/2014/main" val="20003"/>
+                      <a16:colId xmlns:a16="http://schemas.microsoft.com/office/drawing/2014/main" xmlns="" val="20003"/>
                     </a:ext>
                   </a:extLst>
                 </a:gridCol>
                 <a:gridCol w="531047">
                   <a:extLst>
                     <a:ext uri="{9D8B030D-6E8A-4147-A177-3AD203B41FA5}">
-                      <a16:colId xmlns="" xmlns:a16="http://schemas.microsoft.com/office/drawing/2014/main" val="20004"/>
+                      <a16:colId xmlns:a16="http://schemas.microsoft.com/office/drawing/2014/main" xmlns="" val="20004"/>
                     </a:ext>
                   </a:extLst>
                 </a:gridCol>
                 <a:gridCol w="531047">
                   <a:extLst>
                     <a:ext uri="{9D8B030D-6E8A-4147-A177-3AD203B41FA5}">
-                      <a16:colId xmlns="" xmlns:a16="http://schemas.microsoft.com/office/drawing/2014/main" val="3393601540"/>
+                      <a16:colId xmlns:a16="http://schemas.microsoft.com/office/drawing/2014/main" xmlns="" val="3393601540"/>
                     </a:ext>
                   </a:extLst>
                 </a:gridCol>
                 <a:gridCol w="531047">
                   <a:extLst>
                     <a:ext uri="{9D8B030D-6E8A-4147-A177-3AD203B41FA5}">
-                      <a16:colId xmlns="" xmlns:a16="http://schemas.microsoft.com/office/drawing/2014/main" val="3679918837"/>
+                      <a16:colId xmlns:a16="http://schemas.microsoft.com/office/drawing/2014/main" xmlns="" val="3679918837"/>
                     </a:ext>
                   </a:extLst>
                 </a:gridCol>
                 <a:gridCol w="514332">
                   <a:extLst>
                     <a:ext uri="{9D8B030D-6E8A-4147-A177-3AD203B41FA5}">
-                      <a16:colId xmlns="" xmlns:a16="http://schemas.microsoft.com/office/drawing/2014/main" val="2897207107"/>
+                      <a16:colId xmlns:a16="http://schemas.microsoft.com/office/drawing/2014/main" xmlns="" val="2897207107"/>
                     </a:ext>
                   </a:extLst>
                 </a:gridCol>
                 <a:gridCol w="514332">
                   <a:extLst>
                     <a:ext uri="{9D8B030D-6E8A-4147-A177-3AD203B41FA5}">
-                      <a16:colId xmlns="" xmlns:a16="http://schemas.microsoft.com/office/drawing/2014/main" val="2482035779"/>
+                      <a16:colId xmlns:a16="http://schemas.microsoft.com/office/drawing/2014/main" xmlns="" val="2482035779"/>
                     </a:ext>
                   </a:extLst>
                 </a:gridCol>
                 <a:gridCol w="514332">
                   <a:extLst>
                     <a:ext uri="{9D8B030D-6E8A-4147-A177-3AD203B41FA5}">
-                      <a16:colId xmlns="" xmlns:a16="http://schemas.microsoft.com/office/drawing/2014/main" val="3678108844"/>
+                      <a16:colId xmlns:a16="http://schemas.microsoft.com/office/drawing/2014/main" xmlns="" val="3678108844"/>
                     </a:ext>
                   </a:extLst>
                 </a:gridCol>
                 <a:gridCol w="514332">
                   <a:extLst>
                     <a:ext uri="{9D8B030D-6E8A-4147-A177-3AD203B41FA5}">
-                      <a16:colId xmlns="" xmlns:a16="http://schemas.microsoft.com/office/drawing/2014/main" val="1513467911"/>
+                      <a16:colId xmlns:a16="http://schemas.microsoft.com/office/drawing/2014/main" xmlns="" val="1513467911"/>
                     </a:ext>
                   </a:extLst>
                 </a:gridCol>
                 <a:gridCol w="514332">
                   <a:extLst>
                     <a:ext uri="{9D8B030D-6E8A-4147-A177-3AD203B41FA5}">
-                      <a16:colId xmlns="" xmlns:a16="http://schemas.microsoft.com/office/drawing/2014/main" val="20008"/>
+                      <a16:colId xmlns:a16="http://schemas.microsoft.com/office/drawing/2014/main" xmlns="" val="20008"/>
                     </a:ext>
                   </a:extLst>
                 </a:gridCol>
                 <a:gridCol w="514332">
                   <a:extLst>
                     <a:ext uri="{9D8B030D-6E8A-4147-A177-3AD203B41FA5}">
-                      <a16:colId xmlns="" xmlns:a16="http://schemas.microsoft.com/office/drawing/2014/main" val="3474974294"/>
+                      <a16:colId xmlns:a16="http://schemas.microsoft.com/office/drawing/2014/main" xmlns="" val="3474974294"/>
                     </a:ext>
                   </a:extLst>
                 </a:gridCol>
                 <a:gridCol w="514332">
                   <a:extLst>
                     <a:ext uri="{9D8B030D-6E8A-4147-A177-3AD203B41FA5}">
-                      <a16:colId xmlns="" xmlns:a16="http://schemas.microsoft.com/office/drawing/2014/main" val="2739021416"/>
+                      <a16:colId xmlns:a16="http://schemas.microsoft.com/office/drawing/2014/main" xmlns="" val="2739021416"/>
                     </a:ext>
                   </a:extLst>
                 </a:gridCol>
                 <a:gridCol w="514332">
                   <a:extLst>
                     <a:ext uri="{9D8B030D-6E8A-4147-A177-3AD203B41FA5}">
-                      <a16:colId xmlns="" xmlns:a16="http://schemas.microsoft.com/office/drawing/2014/main" val="876172250"/>
+                      <a16:colId xmlns:a16="http://schemas.microsoft.com/office/drawing/2014/main" xmlns="" val="876172250"/>
                     </a:ext>
                   </a:extLst>
                 </a:gridCol>
                 <a:gridCol w="514332">
                   <a:extLst>
                     <a:ext uri="{9D8B030D-6E8A-4147-A177-3AD203B41FA5}">
-                      <a16:colId xmlns="" xmlns:a16="http://schemas.microsoft.com/office/drawing/2014/main" val="20011"/>
+                      <a16:colId xmlns:a16="http://schemas.microsoft.com/office/drawing/2014/main" xmlns="" val="20011"/>
                     </a:ext>
                   </a:extLst>
                 </a:gridCol>
                 <a:gridCol w="514332">
                   <a:extLst>
                     <a:ext uri="{9D8B030D-6E8A-4147-A177-3AD203B41FA5}">
-                      <a16:colId xmlns="" xmlns:a16="http://schemas.microsoft.com/office/drawing/2014/main" val="20012"/>
+                      <a16:colId xmlns:a16="http://schemas.microsoft.com/office/drawing/2014/main" xmlns="" val="20012"/>
                     </a:ext>
                   </a:extLst>
                 </a:gridCol>
                 <a:gridCol w="514332">
                   <a:extLst>
                     <a:ext uri="{9D8B030D-6E8A-4147-A177-3AD203B41FA5}">
-                      <a16:colId xmlns="" xmlns:a16="http://schemas.microsoft.com/office/drawing/2014/main" val="20005"/>
+                      <a16:colId xmlns:a16="http://schemas.microsoft.com/office/drawing/2014/main" xmlns="" val="20005"/>
                     </a:ext>
                   </a:extLst>
                 </a:gridCol>
                 <a:gridCol w="514332">
                   <a:extLst>
                     <a:ext uri="{9D8B030D-6E8A-4147-A177-3AD203B41FA5}">
-                      <a16:colId xmlns="" xmlns:a16="http://schemas.microsoft.com/office/drawing/2014/main" val="3644493182"/>
+                      <a16:colId xmlns:a16="http://schemas.microsoft.com/office/drawing/2014/main" xmlns="" val="3644493182"/>
                     </a:ext>
                   </a:extLst>
                 </a:gridCol>
                 <a:gridCol w="514332">
                   <a:extLst>
                     <a:ext uri="{9D8B030D-6E8A-4147-A177-3AD203B41FA5}">
-                      <a16:colId xmlns="" xmlns:a16="http://schemas.microsoft.com/office/drawing/2014/main" val="20016"/>
+                      <a16:colId xmlns:a16="http://schemas.microsoft.com/office/drawing/2014/main" xmlns="" val="20016"/>
                     </a:ext>
                   </a:extLst>
                 </a:gridCol>
                 <a:gridCol w="514332">
                   <a:extLst>
                     <a:ext uri="{9D8B030D-6E8A-4147-A177-3AD203B41FA5}">
-                      <a16:colId xmlns="" xmlns:a16="http://schemas.microsoft.com/office/drawing/2014/main" val="20017"/>
+                      <a16:colId xmlns:a16="http://schemas.microsoft.com/office/drawing/2014/main" xmlns="" val="20017"/>
                     </a:ext>
                   </a:extLst>
                 </a:gridCol>
                 <a:gridCol w="514332">
                   <a:extLst>
                     <a:ext uri="{9D8B030D-6E8A-4147-A177-3AD203B41FA5}">
-                      <a16:colId xmlns="" xmlns:a16="http://schemas.microsoft.com/office/drawing/2014/main" val="20018"/>
+                      <a16:colId xmlns:a16="http://schemas.microsoft.com/office/drawing/2014/main" xmlns="" val="20018"/>
                     </a:ext>
                   </a:extLst>
                 </a:gridCol>
                 <a:gridCol w="514332">
                   <a:extLst>
                     <a:ext uri="{9D8B030D-6E8A-4147-A177-3AD203B41FA5}">
-                      <a16:colId xmlns="" xmlns:a16="http://schemas.microsoft.com/office/drawing/2014/main" val="20019"/>
+                      <a16:colId xmlns:a16="http://schemas.microsoft.com/office/drawing/2014/main" xmlns="" val="20019"/>
                     </a:ext>
                   </a:extLst>
                 </a:gridCol>
@@ -22887,7 +22903,7 @@
                 </a:tc>
                 <a:extLst>
                   <a:ext uri="{0D108BD9-81ED-4DB2-BD59-A6C34878D82A}">
-                    <a16:rowId xmlns="" xmlns:a16="http://schemas.microsoft.com/office/drawing/2014/main" val="4157930470"/>
+                    <a16:rowId xmlns:a16="http://schemas.microsoft.com/office/drawing/2014/main" xmlns="" val="4157930470"/>
                   </a:ext>
                 </a:extLst>
               </a:tr>
@@ -23522,7 +23538,7 @@
                 </a:tc>
                 <a:extLst>
                   <a:ext uri="{0D108BD9-81ED-4DB2-BD59-A6C34878D82A}">
-                    <a16:rowId xmlns="" xmlns:a16="http://schemas.microsoft.com/office/drawing/2014/main" val="10000"/>
+                    <a16:rowId xmlns:a16="http://schemas.microsoft.com/office/drawing/2014/main" xmlns="" val="10000"/>
                   </a:ext>
                 </a:extLst>
               </a:tr>
@@ -24157,7 +24173,7 @@
                 </a:tc>
                 <a:extLst>
                   <a:ext uri="{0D108BD9-81ED-4DB2-BD59-A6C34878D82A}">
-                    <a16:rowId xmlns="" xmlns:a16="http://schemas.microsoft.com/office/drawing/2014/main" val="10002"/>
+                    <a16:rowId xmlns:a16="http://schemas.microsoft.com/office/drawing/2014/main" xmlns="" val="10002"/>
                   </a:ext>
                 </a:extLst>
               </a:tr>
@@ -24767,7 +24783,7 @@
                 </a:tc>
                 <a:extLst>
                   <a:ext uri="{0D108BD9-81ED-4DB2-BD59-A6C34878D82A}">
-                    <a16:rowId xmlns="" xmlns:a16="http://schemas.microsoft.com/office/drawing/2014/main" val="10003"/>
+                    <a16:rowId xmlns:a16="http://schemas.microsoft.com/office/drawing/2014/main" xmlns="" val="10003"/>
                   </a:ext>
                 </a:extLst>
               </a:tr>
@@ -24803,140 +24819,140 @@
                 <a:gridCol w="678743">
                   <a:extLst>
                     <a:ext uri="{9D8B030D-6E8A-4147-A177-3AD203B41FA5}">
-                      <a16:colId xmlns="" xmlns:a16="http://schemas.microsoft.com/office/drawing/2014/main" val="20003"/>
+                      <a16:colId xmlns:a16="http://schemas.microsoft.com/office/drawing/2014/main" xmlns="" val="20003"/>
                     </a:ext>
                   </a:extLst>
                 </a:gridCol>
                 <a:gridCol w="643923">
                   <a:extLst>
                     <a:ext uri="{9D8B030D-6E8A-4147-A177-3AD203B41FA5}">
-                      <a16:colId xmlns="" xmlns:a16="http://schemas.microsoft.com/office/drawing/2014/main" val="3950370602"/>
+                      <a16:colId xmlns:a16="http://schemas.microsoft.com/office/drawing/2014/main" xmlns="" val="3950370602"/>
                     </a:ext>
                   </a:extLst>
                 </a:gridCol>
                 <a:gridCol w="475651">
                   <a:extLst>
                     <a:ext uri="{9D8B030D-6E8A-4147-A177-3AD203B41FA5}">
-                      <a16:colId xmlns="" xmlns:a16="http://schemas.microsoft.com/office/drawing/2014/main" val="892499354"/>
+                      <a16:colId xmlns:a16="http://schemas.microsoft.com/office/drawing/2014/main" xmlns="" val="892499354"/>
                     </a:ext>
                   </a:extLst>
                 </a:gridCol>
                 <a:gridCol w="475651">
                   <a:extLst>
                     <a:ext uri="{9D8B030D-6E8A-4147-A177-3AD203B41FA5}">
-                      <a16:colId xmlns="" xmlns:a16="http://schemas.microsoft.com/office/drawing/2014/main" val="2890376269"/>
+                      <a16:colId xmlns:a16="http://schemas.microsoft.com/office/drawing/2014/main" xmlns="" val="2890376269"/>
                     </a:ext>
                   </a:extLst>
                 </a:gridCol>
                 <a:gridCol w="501602">
                   <a:extLst>
                     <a:ext uri="{9D8B030D-6E8A-4147-A177-3AD203B41FA5}">
-                      <a16:colId xmlns="" xmlns:a16="http://schemas.microsoft.com/office/drawing/2014/main" val="2351848522"/>
+                      <a16:colId xmlns:a16="http://schemas.microsoft.com/office/drawing/2014/main" xmlns="" val="2351848522"/>
                     </a:ext>
                   </a:extLst>
                 </a:gridCol>
                 <a:gridCol w="501602">
                   <a:extLst>
                     <a:ext uri="{9D8B030D-6E8A-4147-A177-3AD203B41FA5}">
-                      <a16:colId xmlns="" xmlns:a16="http://schemas.microsoft.com/office/drawing/2014/main" val="3951773805"/>
+                      <a16:colId xmlns:a16="http://schemas.microsoft.com/office/drawing/2014/main" xmlns="" val="3951773805"/>
                     </a:ext>
                   </a:extLst>
                 </a:gridCol>
                 <a:gridCol w="501602">
                   <a:extLst>
                     <a:ext uri="{9D8B030D-6E8A-4147-A177-3AD203B41FA5}">
-                      <a16:colId xmlns="" xmlns:a16="http://schemas.microsoft.com/office/drawing/2014/main" val="20005"/>
+                      <a16:colId xmlns:a16="http://schemas.microsoft.com/office/drawing/2014/main" xmlns="" val="20005"/>
                     </a:ext>
                   </a:extLst>
                 </a:gridCol>
                 <a:gridCol w="501602">
                   <a:extLst>
                     <a:ext uri="{9D8B030D-6E8A-4147-A177-3AD203B41FA5}">
-                      <a16:colId xmlns="" xmlns:a16="http://schemas.microsoft.com/office/drawing/2014/main" val="1658949460"/>
+                      <a16:colId xmlns:a16="http://schemas.microsoft.com/office/drawing/2014/main" xmlns="" val="1658949460"/>
                     </a:ext>
                   </a:extLst>
                 </a:gridCol>
                 <a:gridCol w="501602">
                   <a:extLst>
                     <a:ext uri="{9D8B030D-6E8A-4147-A177-3AD203B41FA5}">
-                      <a16:colId xmlns="" xmlns:a16="http://schemas.microsoft.com/office/drawing/2014/main" val="4009511739"/>
+                      <a16:colId xmlns:a16="http://schemas.microsoft.com/office/drawing/2014/main" xmlns="" val="4009511739"/>
                     </a:ext>
                   </a:extLst>
                 </a:gridCol>
                 <a:gridCol w="648032">
                   <a:extLst>
                     <a:ext uri="{9D8B030D-6E8A-4147-A177-3AD203B41FA5}">
-                      <a16:colId xmlns="" xmlns:a16="http://schemas.microsoft.com/office/drawing/2014/main" val="915448942"/>
+                      <a16:colId xmlns:a16="http://schemas.microsoft.com/office/drawing/2014/main" xmlns="" val="915448942"/>
                     </a:ext>
                   </a:extLst>
                 </a:gridCol>
                 <a:gridCol w="648032">
                   <a:extLst>
                     <a:ext uri="{9D8B030D-6E8A-4147-A177-3AD203B41FA5}">
-                      <a16:colId xmlns="" xmlns:a16="http://schemas.microsoft.com/office/drawing/2014/main" val="20004"/>
+                      <a16:colId xmlns:a16="http://schemas.microsoft.com/office/drawing/2014/main" xmlns="" val="20004"/>
                     </a:ext>
                   </a:extLst>
                 </a:gridCol>
                 <a:gridCol w="523461">
                   <a:extLst>
                     <a:ext uri="{9D8B030D-6E8A-4147-A177-3AD203B41FA5}">
-                      <a16:colId xmlns="" xmlns:a16="http://schemas.microsoft.com/office/drawing/2014/main" val="1735239135"/>
+                      <a16:colId xmlns:a16="http://schemas.microsoft.com/office/drawing/2014/main" xmlns="" val="1735239135"/>
                     </a:ext>
                   </a:extLst>
                 </a:gridCol>
                 <a:gridCol w="523461">
                   <a:extLst>
                     <a:ext uri="{9D8B030D-6E8A-4147-A177-3AD203B41FA5}">
-                      <a16:colId xmlns="" xmlns:a16="http://schemas.microsoft.com/office/drawing/2014/main" val="1012336583"/>
+                      <a16:colId xmlns:a16="http://schemas.microsoft.com/office/drawing/2014/main" xmlns="" val="1012336583"/>
                     </a:ext>
                   </a:extLst>
                 </a:gridCol>
                 <a:gridCol w="523461">
                   <a:extLst>
                     <a:ext uri="{9D8B030D-6E8A-4147-A177-3AD203B41FA5}">
-                      <a16:colId xmlns="" xmlns:a16="http://schemas.microsoft.com/office/drawing/2014/main" val="730367770"/>
+                      <a16:colId xmlns:a16="http://schemas.microsoft.com/office/drawing/2014/main" xmlns="" val="730367770"/>
                     </a:ext>
                   </a:extLst>
                 </a:gridCol>
                 <a:gridCol w="523461">
                   <a:extLst>
                     <a:ext uri="{9D8B030D-6E8A-4147-A177-3AD203B41FA5}">
-                      <a16:colId xmlns="" xmlns:a16="http://schemas.microsoft.com/office/drawing/2014/main" val="1995509689"/>
+                      <a16:colId xmlns:a16="http://schemas.microsoft.com/office/drawing/2014/main" xmlns="" val="1995509689"/>
                     </a:ext>
                   </a:extLst>
                 </a:gridCol>
                 <a:gridCol w="523461">
                   <a:extLst>
                     <a:ext uri="{9D8B030D-6E8A-4147-A177-3AD203B41FA5}">
-                      <a16:colId xmlns="" xmlns:a16="http://schemas.microsoft.com/office/drawing/2014/main" val="4059945013"/>
+                      <a16:colId xmlns:a16="http://schemas.microsoft.com/office/drawing/2014/main" xmlns="" val="4059945013"/>
                     </a:ext>
                   </a:extLst>
                 </a:gridCol>
                 <a:gridCol w="523461">
                   <a:extLst>
                     <a:ext uri="{9D8B030D-6E8A-4147-A177-3AD203B41FA5}">
-                      <a16:colId xmlns="" xmlns:a16="http://schemas.microsoft.com/office/drawing/2014/main" val="20013"/>
+                      <a16:colId xmlns:a16="http://schemas.microsoft.com/office/drawing/2014/main" xmlns="" val="20013"/>
                     </a:ext>
                   </a:extLst>
                 </a:gridCol>
                 <a:gridCol w="612741">
                   <a:extLst>
                     <a:ext uri="{9D8B030D-6E8A-4147-A177-3AD203B41FA5}">
-                      <a16:colId xmlns="" xmlns:a16="http://schemas.microsoft.com/office/drawing/2014/main" val="563954548"/>
+                      <a16:colId xmlns:a16="http://schemas.microsoft.com/office/drawing/2014/main" xmlns="" val="563954548"/>
                     </a:ext>
                   </a:extLst>
                 </a:gridCol>
                 <a:gridCol w="612741">
                   <a:extLst>
                     <a:ext uri="{9D8B030D-6E8A-4147-A177-3AD203B41FA5}">
-                      <a16:colId xmlns="" xmlns:a16="http://schemas.microsoft.com/office/drawing/2014/main" val="626849779"/>
+                      <a16:colId xmlns:a16="http://schemas.microsoft.com/office/drawing/2014/main" xmlns="" val="626849779"/>
                     </a:ext>
                   </a:extLst>
                 </a:gridCol>
                 <a:gridCol w="612741">
                   <a:extLst>
                     <a:ext uri="{9D8B030D-6E8A-4147-A177-3AD203B41FA5}">
-                      <a16:colId xmlns="" xmlns:a16="http://schemas.microsoft.com/office/drawing/2014/main" val="2774746132"/>
+                      <a16:colId xmlns:a16="http://schemas.microsoft.com/office/drawing/2014/main" xmlns="" val="2774746132"/>
                     </a:ext>
                   </a:extLst>
                 </a:gridCol>
@@ -25264,7 +25280,7 @@
                 </a:tc>
                 <a:extLst>
                   <a:ext uri="{0D108BD9-81ED-4DB2-BD59-A6C34878D82A}">
-                    <a16:rowId xmlns="" xmlns:a16="http://schemas.microsoft.com/office/drawing/2014/main" val="290152553"/>
+                    <a16:rowId xmlns:a16="http://schemas.microsoft.com/office/drawing/2014/main" xmlns="" val="290152553"/>
                   </a:ext>
                 </a:extLst>
               </a:tr>
@@ -26011,7 +26027,7 @@
                 </a:tc>
                 <a:extLst>
                   <a:ext uri="{0D108BD9-81ED-4DB2-BD59-A6C34878D82A}">
-                    <a16:rowId xmlns="" xmlns:a16="http://schemas.microsoft.com/office/drawing/2014/main" val="1372355905"/>
+                    <a16:rowId xmlns:a16="http://schemas.microsoft.com/office/drawing/2014/main" xmlns="" val="1372355905"/>
                   </a:ext>
                 </a:extLst>
               </a:tr>
@@ -26512,7 +26528,7 @@
                 </a:tc>
                 <a:extLst>
                   <a:ext uri="{0D108BD9-81ED-4DB2-BD59-A6C34878D82A}">
-                    <a16:rowId xmlns="" xmlns:a16="http://schemas.microsoft.com/office/drawing/2014/main" val="10005"/>
+                    <a16:rowId xmlns:a16="http://schemas.microsoft.com/office/drawing/2014/main" xmlns="" val="10005"/>
                   </a:ext>
                 </a:extLst>
               </a:tr>
@@ -27024,7 +27040,7 @@
                 </a:tc>
                 <a:extLst>
                   <a:ext uri="{0D108BD9-81ED-4DB2-BD59-A6C34878D82A}">
-                    <a16:rowId xmlns="" xmlns:a16="http://schemas.microsoft.com/office/drawing/2014/main" val="10006"/>
+                    <a16:rowId xmlns:a16="http://schemas.microsoft.com/office/drawing/2014/main" xmlns="" val="10006"/>
                   </a:ext>
                 </a:extLst>
               </a:tr>
@@ -27520,7 +27536,7 @@
                 </a:tc>
                 <a:extLst>
                   <a:ext uri="{0D108BD9-81ED-4DB2-BD59-A6C34878D82A}">
-                    <a16:rowId xmlns="" xmlns:a16="http://schemas.microsoft.com/office/drawing/2014/main" val="10007"/>
+                    <a16:rowId xmlns:a16="http://schemas.microsoft.com/office/drawing/2014/main" xmlns="" val="10007"/>
                   </a:ext>
                 </a:extLst>
               </a:tr>
@@ -28147,7 +28163,7 @@
                 </a:tc>
                 <a:extLst>
                   <a:ext uri="{0D108BD9-81ED-4DB2-BD59-A6C34878D82A}">
-                    <a16:rowId xmlns="" xmlns:a16="http://schemas.microsoft.com/office/drawing/2014/main" val="10008"/>
+                    <a16:rowId xmlns:a16="http://schemas.microsoft.com/office/drawing/2014/main" xmlns="" val="10008"/>
                   </a:ext>
                 </a:extLst>
               </a:tr>
@@ -28963,35 +28979,35 @@
                 <a:gridCol w="1452286">
                   <a:extLst>
                     <a:ext uri="{9D8B030D-6E8A-4147-A177-3AD203B41FA5}">
-                      <a16:colId xmlns="" xmlns:a16="http://schemas.microsoft.com/office/drawing/2014/main" val="20003"/>
+                      <a16:colId xmlns:a16="http://schemas.microsoft.com/office/drawing/2014/main" xmlns="" val="20003"/>
                     </a:ext>
                   </a:extLst>
                 </a:gridCol>
                 <a:gridCol w="1131131">
                   <a:extLst>
                     <a:ext uri="{9D8B030D-6E8A-4147-A177-3AD203B41FA5}">
-                      <a16:colId xmlns="" xmlns:a16="http://schemas.microsoft.com/office/drawing/2014/main" val="3466895849"/>
+                      <a16:colId xmlns:a16="http://schemas.microsoft.com/office/drawing/2014/main" xmlns="" val="3466895849"/>
                     </a:ext>
                   </a:extLst>
                 </a:gridCol>
                 <a:gridCol w="1131131">
                   <a:extLst>
                     <a:ext uri="{9D8B030D-6E8A-4147-A177-3AD203B41FA5}">
-                      <a16:colId xmlns="" xmlns:a16="http://schemas.microsoft.com/office/drawing/2014/main" val="20004"/>
+                      <a16:colId xmlns:a16="http://schemas.microsoft.com/office/drawing/2014/main" xmlns="" val="20004"/>
                     </a:ext>
                   </a:extLst>
                 </a:gridCol>
                 <a:gridCol w="1131131">
                   <a:extLst>
                     <a:ext uri="{9D8B030D-6E8A-4147-A177-3AD203B41FA5}">
-                      <a16:colId xmlns="" xmlns:a16="http://schemas.microsoft.com/office/drawing/2014/main" val="730367770"/>
+                      <a16:colId xmlns:a16="http://schemas.microsoft.com/office/drawing/2014/main" xmlns="" val="730367770"/>
                     </a:ext>
                   </a:extLst>
                 </a:gridCol>
                 <a:gridCol w="1131131">
                   <a:extLst>
                     <a:ext uri="{9D8B030D-6E8A-4147-A177-3AD203B41FA5}">
-                      <a16:colId xmlns="" xmlns:a16="http://schemas.microsoft.com/office/drawing/2014/main" val="624460300"/>
+                      <a16:colId xmlns:a16="http://schemas.microsoft.com/office/drawing/2014/main" xmlns="" val="624460300"/>
                     </a:ext>
                   </a:extLst>
                 </a:gridCol>
@@ -29113,7 +29129,7 @@
                 </a:tc>
                 <a:extLst>
                   <a:ext uri="{0D108BD9-81ED-4DB2-BD59-A6C34878D82A}">
-                    <a16:rowId xmlns="" xmlns:a16="http://schemas.microsoft.com/office/drawing/2014/main" val="290152553"/>
+                    <a16:rowId xmlns:a16="http://schemas.microsoft.com/office/drawing/2014/main" xmlns="" val="290152553"/>
                   </a:ext>
                 </a:extLst>
               </a:tr>
@@ -29232,7 +29248,7 @@
                 </a:tc>
                 <a:extLst>
                   <a:ext uri="{0D108BD9-81ED-4DB2-BD59-A6C34878D82A}">
-                    <a16:rowId xmlns="" xmlns:a16="http://schemas.microsoft.com/office/drawing/2014/main" val="2028298506"/>
+                    <a16:rowId xmlns:a16="http://schemas.microsoft.com/office/drawing/2014/main" xmlns="" val="2028298506"/>
                   </a:ext>
                 </a:extLst>
               </a:tr>
@@ -29373,7 +29389,7 @@
                 </a:tc>
                 <a:extLst>
                   <a:ext uri="{0D108BD9-81ED-4DB2-BD59-A6C34878D82A}">
-                    <a16:rowId xmlns="" xmlns:a16="http://schemas.microsoft.com/office/drawing/2014/main" val="2660065325"/>
+                    <a16:rowId xmlns:a16="http://schemas.microsoft.com/office/drawing/2014/main" xmlns="" val="2660065325"/>
                   </a:ext>
                 </a:extLst>
               </a:tr>
@@ -29514,7 +29530,7 @@
                 </a:tc>
                 <a:extLst>
                   <a:ext uri="{0D108BD9-81ED-4DB2-BD59-A6C34878D82A}">
-                    <a16:rowId xmlns="" xmlns:a16="http://schemas.microsoft.com/office/drawing/2014/main" val="1596747635"/>
+                    <a16:rowId xmlns:a16="http://schemas.microsoft.com/office/drawing/2014/main" xmlns="" val="1596747635"/>
                   </a:ext>
                 </a:extLst>
               </a:tr>
@@ -29655,7 +29671,7 @@
                 </a:tc>
                 <a:extLst>
                   <a:ext uri="{0D108BD9-81ED-4DB2-BD59-A6C34878D82A}">
-                    <a16:rowId xmlns="" xmlns:a16="http://schemas.microsoft.com/office/drawing/2014/main" val="3774430207"/>
+                    <a16:rowId xmlns:a16="http://schemas.microsoft.com/office/drawing/2014/main" xmlns="" val="3774430207"/>
                   </a:ext>
                 </a:extLst>
               </a:tr>
@@ -29802,7 +29818,7 @@
                 </a:tc>
                 <a:extLst>
                   <a:ext uri="{0D108BD9-81ED-4DB2-BD59-A6C34878D82A}">
-                    <a16:rowId xmlns="" xmlns:a16="http://schemas.microsoft.com/office/drawing/2014/main" val="10005"/>
+                    <a16:rowId xmlns:a16="http://schemas.microsoft.com/office/drawing/2014/main" xmlns="" val="10005"/>
                   </a:ext>
                 </a:extLst>
               </a:tr>
@@ -29965,7 +29981,7 @@
                 </a:tc>
                 <a:extLst>
                   <a:ext uri="{0D108BD9-81ED-4DB2-BD59-A6C34878D82A}">
-                    <a16:rowId xmlns="" xmlns:a16="http://schemas.microsoft.com/office/drawing/2014/main" val="10006"/>
+                    <a16:rowId xmlns:a16="http://schemas.microsoft.com/office/drawing/2014/main" xmlns="" val="10006"/>
                   </a:ext>
                 </a:extLst>
               </a:tr>
@@ -30128,7 +30144,7 @@
                 </a:tc>
                 <a:extLst>
                   <a:ext uri="{0D108BD9-81ED-4DB2-BD59-A6C34878D82A}">
-                    <a16:rowId xmlns="" xmlns:a16="http://schemas.microsoft.com/office/drawing/2014/main" val="10007"/>
+                    <a16:rowId xmlns:a16="http://schemas.microsoft.com/office/drawing/2014/main" xmlns="" val="10007"/>
                   </a:ext>
                 </a:extLst>
               </a:tr>
@@ -30269,7 +30285,7 @@
                 </a:tc>
                 <a:extLst>
                   <a:ext uri="{0D108BD9-81ED-4DB2-BD59-A6C34878D82A}">
-                    <a16:rowId xmlns="" xmlns:a16="http://schemas.microsoft.com/office/drawing/2014/main" val="2717943080"/>
+                    <a16:rowId xmlns:a16="http://schemas.microsoft.com/office/drawing/2014/main" xmlns="" val="2717943080"/>
                   </a:ext>
                 </a:extLst>
               </a:tr>
@@ -30495,7 +30511,7 @@
                 </a:tc>
                 <a:extLst>
                   <a:ext uri="{0D108BD9-81ED-4DB2-BD59-A6C34878D82A}">
-                    <a16:rowId xmlns="" xmlns:a16="http://schemas.microsoft.com/office/drawing/2014/main" val="2802642166"/>
+                    <a16:rowId xmlns:a16="http://schemas.microsoft.com/office/drawing/2014/main" xmlns="" val="2802642166"/>
                   </a:ext>
                 </a:extLst>
               </a:tr>
@@ -30700,7 +30716,7 @@
                 </a:tc>
                 <a:extLst>
                   <a:ext uri="{0D108BD9-81ED-4DB2-BD59-A6C34878D82A}">
-                    <a16:rowId xmlns="" xmlns:a16="http://schemas.microsoft.com/office/drawing/2014/main" val="3968310820"/>
+                    <a16:rowId xmlns:a16="http://schemas.microsoft.com/office/drawing/2014/main" xmlns="" val="3968310820"/>
                   </a:ext>
                 </a:extLst>
               </a:tr>
@@ -30905,7 +30921,7 @@
                 </a:tc>
                 <a:extLst>
                   <a:ext uri="{0D108BD9-81ED-4DB2-BD59-A6C34878D82A}">
-                    <a16:rowId xmlns="" xmlns:a16="http://schemas.microsoft.com/office/drawing/2014/main" val="1715990511"/>
+                    <a16:rowId xmlns:a16="http://schemas.microsoft.com/office/drawing/2014/main" xmlns="" val="1715990511"/>
                   </a:ext>
                 </a:extLst>
               </a:tr>
@@ -31110,7 +31126,7 @@
                 </a:tc>
                 <a:extLst>
                   <a:ext uri="{0D108BD9-81ED-4DB2-BD59-A6C34878D82A}">
-                    <a16:rowId xmlns="" xmlns:a16="http://schemas.microsoft.com/office/drawing/2014/main" val="3192680700"/>
+                    <a16:rowId xmlns:a16="http://schemas.microsoft.com/office/drawing/2014/main" xmlns="" val="3192680700"/>
                   </a:ext>
                 </a:extLst>
               </a:tr>
@@ -31336,84 +31352,84 @@
                 <a:gridCol w="828562">
                   <a:extLst>
                     <a:ext uri="{9D8B030D-6E8A-4147-A177-3AD203B41FA5}">
-                      <a16:colId xmlns="" xmlns:a16="http://schemas.microsoft.com/office/drawing/2014/main" val="20000"/>
+                      <a16:colId xmlns:a16="http://schemas.microsoft.com/office/drawing/2014/main" xmlns="" val="20000"/>
                     </a:ext>
                   </a:extLst>
                 </a:gridCol>
                 <a:gridCol w="828562">
                   <a:extLst>
                     <a:ext uri="{9D8B030D-6E8A-4147-A177-3AD203B41FA5}">
-                      <a16:colId xmlns="" xmlns:a16="http://schemas.microsoft.com/office/drawing/2014/main" val="20001"/>
+                      <a16:colId xmlns:a16="http://schemas.microsoft.com/office/drawing/2014/main" xmlns="" val="20001"/>
                     </a:ext>
                   </a:extLst>
                 </a:gridCol>
                 <a:gridCol w="828562">
                   <a:extLst>
                     <a:ext uri="{9D8B030D-6E8A-4147-A177-3AD203B41FA5}">
-                      <a16:colId xmlns="" xmlns:a16="http://schemas.microsoft.com/office/drawing/2014/main" val="20002"/>
+                      <a16:colId xmlns:a16="http://schemas.microsoft.com/office/drawing/2014/main" xmlns="" val="20002"/>
                     </a:ext>
                   </a:extLst>
                 </a:gridCol>
                 <a:gridCol w="828562">
                   <a:extLst>
                     <a:ext uri="{9D8B030D-6E8A-4147-A177-3AD203B41FA5}">
-                      <a16:colId xmlns="" xmlns:a16="http://schemas.microsoft.com/office/drawing/2014/main" val="20003"/>
+                      <a16:colId xmlns:a16="http://schemas.microsoft.com/office/drawing/2014/main" xmlns="" val="20003"/>
                     </a:ext>
                   </a:extLst>
                 </a:gridCol>
                 <a:gridCol w="828562">
                   <a:extLst>
                     <a:ext uri="{9D8B030D-6E8A-4147-A177-3AD203B41FA5}">
-                      <a16:colId xmlns="" xmlns:a16="http://schemas.microsoft.com/office/drawing/2014/main" val="20004"/>
+                      <a16:colId xmlns:a16="http://schemas.microsoft.com/office/drawing/2014/main" xmlns="" val="20004"/>
                     </a:ext>
                   </a:extLst>
                 </a:gridCol>
                 <a:gridCol w="828562">
                   <a:extLst>
                     <a:ext uri="{9D8B030D-6E8A-4147-A177-3AD203B41FA5}">
-                      <a16:colId xmlns="" xmlns:a16="http://schemas.microsoft.com/office/drawing/2014/main" val="20005"/>
+                      <a16:colId xmlns:a16="http://schemas.microsoft.com/office/drawing/2014/main" xmlns="" val="20005"/>
                     </a:ext>
                   </a:extLst>
                 </a:gridCol>
                 <a:gridCol w="828562">
                   <a:extLst>
                     <a:ext uri="{9D8B030D-6E8A-4147-A177-3AD203B41FA5}">
-                      <a16:colId xmlns="" xmlns:a16="http://schemas.microsoft.com/office/drawing/2014/main" val="20006"/>
+                      <a16:colId xmlns:a16="http://schemas.microsoft.com/office/drawing/2014/main" xmlns="" val="20006"/>
                     </a:ext>
                   </a:extLst>
                 </a:gridCol>
                 <a:gridCol w="828562">
                   <a:extLst>
                     <a:ext uri="{9D8B030D-6E8A-4147-A177-3AD203B41FA5}">
-                      <a16:colId xmlns="" xmlns:a16="http://schemas.microsoft.com/office/drawing/2014/main" val="20007"/>
+                      <a16:colId xmlns:a16="http://schemas.microsoft.com/office/drawing/2014/main" xmlns="" val="20007"/>
                     </a:ext>
                   </a:extLst>
                 </a:gridCol>
                 <a:gridCol w="828562">
                   <a:extLst>
                     <a:ext uri="{9D8B030D-6E8A-4147-A177-3AD203B41FA5}">
-                      <a16:colId xmlns="" xmlns:a16="http://schemas.microsoft.com/office/drawing/2014/main" val="20008"/>
+                      <a16:colId xmlns:a16="http://schemas.microsoft.com/office/drawing/2014/main" xmlns="" val="20008"/>
                     </a:ext>
                   </a:extLst>
                 </a:gridCol>
                 <a:gridCol w="828562">
                   <a:extLst>
                     <a:ext uri="{9D8B030D-6E8A-4147-A177-3AD203B41FA5}">
-                      <a16:colId xmlns="" xmlns:a16="http://schemas.microsoft.com/office/drawing/2014/main" val="20009"/>
+                      <a16:colId xmlns:a16="http://schemas.microsoft.com/office/drawing/2014/main" xmlns="" val="20009"/>
                     </a:ext>
                   </a:extLst>
                 </a:gridCol>
                 <a:gridCol w="828562">
                   <a:extLst>
                     <a:ext uri="{9D8B030D-6E8A-4147-A177-3AD203B41FA5}">
-                      <a16:colId xmlns="" xmlns:a16="http://schemas.microsoft.com/office/drawing/2014/main" val="20010"/>
+                      <a16:colId xmlns:a16="http://schemas.microsoft.com/office/drawing/2014/main" xmlns="" val="20010"/>
                     </a:ext>
                   </a:extLst>
                 </a:gridCol>
                 <a:gridCol w="828562">
                   <a:extLst>
                     <a:ext uri="{9D8B030D-6E8A-4147-A177-3AD203B41FA5}">
-                      <a16:colId xmlns="" xmlns:a16="http://schemas.microsoft.com/office/drawing/2014/main" val="20011"/>
+                      <a16:colId xmlns:a16="http://schemas.microsoft.com/office/drawing/2014/main" xmlns="" val="20011"/>
                     </a:ext>
                   </a:extLst>
                 </a:gridCol>
@@ -31608,7 +31624,7 @@
                 </a:tc>
                 <a:extLst>
                   <a:ext uri="{0D108BD9-81ED-4DB2-BD59-A6C34878D82A}">
-                    <a16:rowId xmlns="" xmlns:a16="http://schemas.microsoft.com/office/drawing/2014/main" val="10000"/>
+                    <a16:rowId xmlns:a16="http://schemas.microsoft.com/office/drawing/2014/main" xmlns="" val="10000"/>
                   </a:ext>
                 </a:extLst>
               </a:tr>
@@ -31949,7 +31965,7 @@
                 </a:tc>
                 <a:extLst>
                   <a:ext uri="{0D108BD9-81ED-4DB2-BD59-A6C34878D82A}">
-                    <a16:rowId xmlns="" xmlns:a16="http://schemas.microsoft.com/office/drawing/2014/main" val="10001"/>
+                    <a16:rowId xmlns:a16="http://schemas.microsoft.com/office/drawing/2014/main" xmlns="" val="10001"/>
                   </a:ext>
                 </a:extLst>
               </a:tr>
@@ -32259,7 +32275,7 @@
                 </a:tc>
                 <a:extLst>
                   <a:ext uri="{0D108BD9-81ED-4DB2-BD59-A6C34878D82A}">
-                    <a16:rowId xmlns="" xmlns:a16="http://schemas.microsoft.com/office/drawing/2014/main" val="10002"/>
+                    <a16:rowId xmlns:a16="http://schemas.microsoft.com/office/drawing/2014/main" xmlns="" val="10002"/>
                   </a:ext>
                 </a:extLst>
               </a:tr>
@@ -32587,7 +32603,7 @@
                 </a:tc>
                 <a:extLst>
                   <a:ext uri="{0D108BD9-81ED-4DB2-BD59-A6C34878D82A}">
-                    <a16:rowId xmlns="" xmlns:a16="http://schemas.microsoft.com/office/drawing/2014/main" val="10003"/>
+                    <a16:rowId xmlns:a16="http://schemas.microsoft.com/office/drawing/2014/main" xmlns="" val="10003"/>
                   </a:ext>
                 </a:extLst>
               </a:tr>
@@ -32920,7 +32936,7 @@
                 </a:tc>
                 <a:extLst>
                   <a:ext uri="{0D108BD9-81ED-4DB2-BD59-A6C34878D82A}">
-                    <a16:rowId xmlns="" xmlns:a16="http://schemas.microsoft.com/office/drawing/2014/main" val="10004"/>
+                    <a16:rowId xmlns:a16="http://schemas.microsoft.com/office/drawing/2014/main" xmlns="" val="10004"/>
                   </a:ext>
                 </a:extLst>
               </a:tr>
@@ -33253,7 +33269,7 @@
                 </a:tc>
                 <a:extLst>
                   <a:ext uri="{0D108BD9-81ED-4DB2-BD59-A6C34878D82A}">
-                    <a16:rowId xmlns="" xmlns:a16="http://schemas.microsoft.com/office/drawing/2014/main" val="10005"/>
+                    <a16:rowId xmlns:a16="http://schemas.microsoft.com/office/drawing/2014/main" xmlns="" val="10005"/>
                   </a:ext>
                 </a:extLst>
               </a:tr>
@@ -33620,49 +33636,49 @@
                 <a:gridCol w="1693061">
                   <a:extLst>
                     <a:ext uri="{9D8B030D-6E8A-4147-A177-3AD203B41FA5}">
-                      <a16:colId xmlns="" xmlns:a16="http://schemas.microsoft.com/office/drawing/2014/main" val="596459514"/>
+                      <a16:colId xmlns:a16="http://schemas.microsoft.com/office/drawing/2014/main" xmlns="" val="596459514"/>
                     </a:ext>
                   </a:extLst>
                 </a:gridCol>
                 <a:gridCol w="1105830">
                   <a:extLst>
                     <a:ext uri="{9D8B030D-6E8A-4147-A177-3AD203B41FA5}">
-                      <a16:colId xmlns="" xmlns:a16="http://schemas.microsoft.com/office/drawing/2014/main" val="1104773170"/>
+                      <a16:colId xmlns:a16="http://schemas.microsoft.com/office/drawing/2014/main" xmlns="" val="1104773170"/>
                     </a:ext>
                   </a:extLst>
                 </a:gridCol>
                 <a:gridCol w="1105830">
                   <a:extLst>
                     <a:ext uri="{9D8B030D-6E8A-4147-A177-3AD203B41FA5}">
-                      <a16:colId xmlns="" xmlns:a16="http://schemas.microsoft.com/office/drawing/2014/main" val="2628879976"/>
+                      <a16:colId xmlns:a16="http://schemas.microsoft.com/office/drawing/2014/main" xmlns="" val="2628879976"/>
                     </a:ext>
                   </a:extLst>
                 </a:gridCol>
                 <a:gridCol w="1105830">
                   <a:extLst>
                     <a:ext uri="{9D8B030D-6E8A-4147-A177-3AD203B41FA5}">
-                      <a16:colId xmlns="" xmlns:a16="http://schemas.microsoft.com/office/drawing/2014/main" val="3824673393"/>
+                      <a16:colId xmlns:a16="http://schemas.microsoft.com/office/drawing/2014/main" xmlns="" val="3824673393"/>
                     </a:ext>
                   </a:extLst>
                 </a:gridCol>
                 <a:gridCol w="1105830">
                   <a:extLst>
                     <a:ext uri="{9D8B030D-6E8A-4147-A177-3AD203B41FA5}">
-                      <a16:colId xmlns="" xmlns:a16="http://schemas.microsoft.com/office/drawing/2014/main" val="1207929680"/>
+                      <a16:colId xmlns:a16="http://schemas.microsoft.com/office/drawing/2014/main" xmlns="" val="1207929680"/>
                     </a:ext>
                   </a:extLst>
                 </a:gridCol>
                 <a:gridCol w="1105830">
                   <a:extLst>
                     <a:ext uri="{9D8B030D-6E8A-4147-A177-3AD203B41FA5}">
-                      <a16:colId xmlns="" xmlns:a16="http://schemas.microsoft.com/office/drawing/2014/main" val="196725124"/>
+                      <a16:colId xmlns:a16="http://schemas.microsoft.com/office/drawing/2014/main" xmlns="" val="196725124"/>
                     </a:ext>
                   </a:extLst>
                 </a:gridCol>
                 <a:gridCol w="1105830">
                   <a:extLst>
                     <a:ext uri="{9D8B030D-6E8A-4147-A177-3AD203B41FA5}">
-                      <a16:colId xmlns="" xmlns:a16="http://schemas.microsoft.com/office/drawing/2014/main" val="4015488069"/>
+                      <a16:colId xmlns:a16="http://schemas.microsoft.com/office/drawing/2014/main" xmlns="" val="4015488069"/>
                     </a:ext>
                   </a:extLst>
                 </a:gridCol>
@@ -33772,7 +33788,7 @@
                 </a:tc>
                 <a:extLst>
                   <a:ext uri="{0D108BD9-81ED-4DB2-BD59-A6C34878D82A}">
-                    <a16:rowId xmlns="" xmlns:a16="http://schemas.microsoft.com/office/drawing/2014/main" val="2450048256"/>
+                    <a16:rowId xmlns:a16="http://schemas.microsoft.com/office/drawing/2014/main" xmlns="" val="2450048256"/>
                   </a:ext>
                 </a:extLst>
               </a:tr>
@@ -33912,7 +33928,7 @@
                 </a:tc>
                 <a:extLst>
                   <a:ext uri="{0D108BD9-81ED-4DB2-BD59-A6C34878D82A}">
-                    <a16:rowId xmlns="" xmlns:a16="http://schemas.microsoft.com/office/drawing/2014/main" val="1007795033"/>
+                    <a16:rowId xmlns:a16="http://schemas.microsoft.com/office/drawing/2014/main" xmlns="" val="1007795033"/>
                   </a:ext>
                 </a:extLst>
               </a:tr>
@@ -34048,7 +34064,7 @@
                 </a:tc>
                 <a:extLst>
                   <a:ext uri="{0D108BD9-81ED-4DB2-BD59-A6C34878D82A}">
-                    <a16:rowId xmlns="" xmlns:a16="http://schemas.microsoft.com/office/drawing/2014/main" val="3123214655"/>
+                    <a16:rowId xmlns:a16="http://schemas.microsoft.com/office/drawing/2014/main" xmlns="" val="3123214655"/>
                   </a:ext>
                 </a:extLst>
               </a:tr>
@@ -34194,35 +34210,35 @@
                 <a:gridCol w="1104280">
                   <a:extLst>
                     <a:ext uri="{9D8B030D-6E8A-4147-A177-3AD203B41FA5}">
-                      <a16:colId xmlns="" xmlns:a16="http://schemas.microsoft.com/office/drawing/2014/main" val="596459514"/>
+                      <a16:colId xmlns:a16="http://schemas.microsoft.com/office/drawing/2014/main" xmlns="" val="596459514"/>
                     </a:ext>
                   </a:extLst>
                 </a:gridCol>
                 <a:gridCol w="1082993">
                   <a:extLst>
                     <a:ext uri="{9D8B030D-6E8A-4147-A177-3AD203B41FA5}">
-                      <a16:colId xmlns="" xmlns:a16="http://schemas.microsoft.com/office/drawing/2014/main" val="1104773170"/>
+                      <a16:colId xmlns:a16="http://schemas.microsoft.com/office/drawing/2014/main" xmlns="" val="1104773170"/>
                     </a:ext>
                   </a:extLst>
                 </a:gridCol>
                 <a:gridCol w="1082993">
                   <a:extLst>
                     <a:ext uri="{9D8B030D-6E8A-4147-A177-3AD203B41FA5}">
-                      <a16:colId xmlns="" xmlns:a16="http://schemas.microsoft.com/office/drawing/2014/main" val="2628879976"/>
+                      <a16:colId xmlns:a16="http://schemas.microsoft.com/office/drawing/2014/main" xmlns="" val="2628879976"/>
                     </a:ext>
                   </a:extLst>
                 </a:gridCol>
                 <a:gridCol w="1082993">
                   <a:extLst>
                     <a:ext uri="{9D8B030D-6E8A-4147-A177-3AD203B41FA5}">
-                      <a16:colId xmlns="" xmlns:a16="http://schemas.microsoft.com/office/drawing/2014/main" val="3824673393"/>
+                      <a16:colId xmlns:a16="http://schemas.microsoft.com/office/drawing/2014/main" xmlns="" val="3824673393"/>
                     </a:ext>
                   </a:extLst>
                 </a:gridCol>
                 <a:gridCol w="1082993">
                   <a:extLst>
                     <a:ext uri="{9D8B030D-6E8A-4147-A177-3AD203B41FA5}">
-                      <a16:colId xmlns="" xmlns:a16="http://schemas.microsoft.com/office/drawing/2014/main" val="20004"/>
+                      <a16:colId xmlns:a16="http://schemas.microsoft.com/office/drawing/2014/main" xmlns="" val="20004"/>
                     </a:ext>
                   </a:extLst>
                 </a:gridCol>
@@ -34315,7 +34331,7 @@
                 </a:tc>
                 <a:extLst>
                   <a:ext uri="{0D108BD9-81ED-4DB2-BD59-A6C34878D82A}">
-                    <a16:rowId xmlns="" xmlns:a16="http://schemas.microsoft.com/office/drawing/2014/main" val="2450048256"/>
+                    <a16:rowId xmlns:a16="http://schemas.microsoft.com/office/drawing/2014/main" xmlns="" val="2450048256"/>
                   </a:ext>
                 </a:extLst>
               </a:tr>
@@ -34517,7 +34533,7 @@
                 </a:tc>
                 <a:extLst>
                   <a:ext uri="{0D108BD9-81ED-4DB2-BD59-A6C34878D82A}">
-                    <a16:rowId xmlns="" xmlns:a16="http://schemas.microsoft.com/office/drawing/2014/main" val="1007795033"/>
+                    <a16:rowId xmlns:a16="http://schemas.microsoft.com/office/drawing/2014/main" xmlns="" val="1007795033"/>
                   </a:ext>
                 </a:extLst>
               </a:tr>
@@ -34617,7 +34633,7 @@
                 </a:tc>
                 <a:extLst>
                   <a:ext uri="{0D108BD9-81ED-4DB2-BD59-A6C34878D82A}">
-                    <a16:rowId xmlns="" xmlns:a16="http://schemas.microsoft.com/office/drawing/2014/main" val="3123214655"/>
+                    <a16:rowId xmlns:a16="http://schemas.microsoft.com/office/drawing/2014/main" xmlns="" val="3123214655"/>
                   </a:ext>
                 </a:extLst>
               </a:tr>
@@ -34923,70 +34939,70 @@
                 <a:gridCol w="960187">
                   <a:extLst>
                     <a:ext uri="{9D8B030D-6E8A-4147-A177-3AD203B41FA5}">
-                      <a16:colId xmlns="" xmlns:a16="http://schemas.microsoft.com/office/drawing/2014/main" val="20003"/>
+                      <a16:colId xmlns:a16="http://schemas.microsoft.com/office/drawing/2014/main" xmlns="" val="20003"/>
                     </a:ext>
                   </a:extLst>
                 </a:gridCol>
                 <a:gridCol w="893677">
                   <a:extLst>
                     <a:ext uri="{9D8B030D-6E8A-4147-A177-3AD203B41FA5}">
-                      <a16:colId xmlns="" xmlns:a16="http://schemas.microsoft.com/office/drawing/2014/main" val="3258888783"/>
+                      <a16:colId xmlns:a16="http://schemas.microsoft.com/office/drawing/2014/main" xmlns="" val="3258888783"/>
                     </a:ext>
                   </a:extLst>
                 </a:gridCol>
                 <a:gridCol w="792575">
                   <a:extLst>
                     <a:ext uri="{9D8B030D-6E8A-4147-A177-3AD203B41FA5}">
-                      <a16:colId xmlns="" xmlns:a16="http://schemas.microsoft.com/office/drawing/2014/main" val="20002"/>
+                      <a16:colId xmlns:a16="http://schemas.microsoft.com/office/drawing/2014/main" xmlns="" val="20002"/>
                     </a:ext>
                   </a:extLst>
                 </a:gridCol>
                 <a:gridCol w="519885">
                   <a:extLst>
                     <a:ext uri="{9D8B030D-6E8A-4147-A177-3AD203B41FA5}">
-                      <a16:colId xmlns="" xmlns:a16="http://schemas.microsoft.com/office/drawing/2014/main" val="20004"/>
+                      <a16:colId xmlns:a16="http://schemas.microsoft.com/office/drawing/2014/main" xmlns="" val="20004"/>
                     </a:ext>
                   </a:extLst>
                 </a:gridCol>
                 <a:gridCol w="519885">
                   <a:extLst>
                     <a:ext uri="{9D8B030D-6E8A-4147-A177-3AD203B41FA5}">
-                      <a16:colId xmlns="" xmlns:a16="http://schemas.microsoft.com/office/drawing/2014/main" val="20006"/>
+                      <a16:colId xmlns:a16="http://schemas.microsoft.com/office/drawing/2014/main" xmlns="" val="20006"/>
                     </a:ext>
                   </a:extLst>
                 </a:gridCol>
                 <a:gridCol w="519885">
                   <a:extLst>
                     <a:ext uri="{9D8B030D-6E8A-4147-A177-3AD203B41FA5}">
-                      <a16:colId xmlns="" xmlns:a16="http://schemas.microsoft.com/office/drawing/2014/main" val="20007"/>
+                      <a16:colId xmlns:a16="http://schemas.microsoft.com/office/drawing/2014/main" xmlns="" val="20007"/>
                     </a:ext>
                   </a:extLst>
                 </a:gridCol>
                 <a:gridCol w="700220">
                   <a:extLst>
                     <a:ext uri="{9D8B030D-6E8A-4147-A177-3AD203B41FA5}">
-                      <a16:colId xmlns="" xmlns:a16="http://schemas.microsoft.com/office/drawing/2014/main" val="20008"/>
+                      <a16:colId xmlns:a16="http://schemas.microsoft.com/office/drawing/2014/main" xmlns="" val="20008"/>
                     </a:ext>
                   </a:extLst>
                 </a:gridCol>
                 <a:gridCol w="814245">
                   <a:extLst>
                     <a:ext uri="{9D8B030D-6E8A-4147-A177-3AD203B41FA5}">
-                      <a16:colId xmlns="" xmlns:a16="http://schemas.microsoft.com/office/drawing/2014/main" val="20009"/>
+                      <a16:colId xmlns:a16="http://schemas.microsoft.com/office/drawing/2014/main" xmlns="" val="20009"/>
                     </a:ext>
                   </a:extLst>
                 </a:gridCol>
                 <a:gridCol w="814245">
                   <a:extLst>
                     <a:ext uri="{9D8B030D-6E8A-4147-A177-3AD203B41FA5}">
-                      <a16:colId xmlns="" xmlns:a16="http://schemas.microsoft.com/office/drawing/2014/main" val="20005"/>
+                      <a16:colId xmlns:a16="http://schemas.microsoft.com/office/drawing/2014/main" xmlns="" val="20005"/>
                     </a:ext>
                   </a:extLst>
                 </a:gridCol>
                 <a:gridCol w="814245">
                   <a:extLst>
                     <a:ext uri="{9D8B030D-6E8A-4147-A177-3AD203B41FA5}">
-                      <a16:colId xmlns="" xmlns:a16="http://schemas.microsoft.com/office/drawing/2014/main" val="20010"/>
+                      <a16:colId xmlns:a16="http://schemas.microsoft.com/office/drawing/2014/main" xmlns="" val="20010"/>
                     </a:ext>
                   </a:extLst>
                 </a:gridCol>
@@ -35129,7 +35145,7 @@
                 </a:tc>
                 <a:extLst>
                   <a:ext uri="{0D108BD9-81ED-4DB2-BD59-A6C34878D82A}">
-                    <a16:rowId xmlns="" xmlns:a16="http://schemas.microsoft.com/office/drawing/2014/main" val="4157930470"/>
+                    <a16:rowId xmlns:a16="http://schemas.microsoft.com/office/drawing/2014/main" xmlns="" val="4157930470"/>
                   </a:ext>
                 </a:extLst>
               </a:tr>
@@ -35389,7 +35405,7 @@
                 </a:tc>
                 <a:extLst>
                   <a:ext uri="{0D108BD9-81ED-4DB2-BD59-A6C34878D82A}">
-                    <a16:rowId xmlns="" xmlns:a16="http://schemas.microsoft.com/office/drawing/2014/main" val="1942208770"/>
+                    <a16:rowId xmlns:a16="http://schemas.microsoft.com/office/drawing/2014/main" xmlns="" val="1942208770"/>
                   </a:ext>
                 </a:extLst>
               </a:tr>
@@ -35608,7 +35624,7 @@
                 </a:tc>
                 <a:extLst>
                   <a:ext uri="{0D108BD9-81ED-4DB2-BD59-A6C34878D82A}">
-                    <a16:rowId xmlns="" xmlns:a16="http://schemas.microsoft.com/office/drawing/2014/main" val="10004"/>
+                    <a16:rowId xmlns:a16="http://schemas.microsoft.com/office/drawing/2014/main" xmlns="" val="10004"/>
                   </a:ext>
                 </a:extLst>
               </a:tr>
@@ -35869,7 +35885,7 @@
                 </a:tc>
                 <a:extLst>
                   <a:ext uri="{0D108BD9-81ED-4DB2-BD59-A6C34878D82A}">
-                    <a16:rowId xmlns="" xmlns:a16="http://schemas.microsoft.com/office/drawing/2014/main" val="134965533"/>
+                    <a16:rowId xmlns:a16="http://schemas.microsoft.com/office/drawing/2014/main" xmlns="" val="134965533"/>
                   </a:ext>
                 </a:extLst>
               </a:tr>
@@ -36243,7 +36259,7 @@
           <p:nvPr>
             <p:extLst>
               <p:ext uri="{D42A27DB-BD31-4B8C-83A1-F6EECF244321}">
-                <p14:modId xmlns:p14="http://schemas.microsoft.com/office/powerpoint/2010/main" val="138981375"/>
+                <p14:modId xmlns:p14="http://schemas.microsoft.com/office/powerpoint/2010/main" val="1486243062"/>
               </p:ext>
             </p:extLst>
           </p:nvPr>
@@ -36262,77 +36278,77 @@
                 <a:gridCol w="957305">
                   <a:extLst>
                     <a:ext uri="{9D8B030D-6E8A-4147-A177-3AD203B41FA5}">
-                      <a16:colId xmlns="" xmlns:a16="http://schemas.microsoft.com/office/drawing/2014/main" val="20000"/>
+                      <a16:colId xmlns:a16="http://schemas.microsoft.com/office/drawing/2014/main" xmlns="" val="20000"/>
                     </a:ext>
                   </a:extLst>
                 </a:gridCol>
                 <a:gridCol w="889770">
                   <a:extLst>
                     <a:ext uri="{9D8B030D-6E8A-4147-A177-3AD203B41FA5}">
-                      <a16:colId xmlns="" xmlns:a16="http://schemas.microsoft.com/office/drawing/2014/main" val="20001"/>
+                      <a16:colId xmlns:a16="http://schemas.microsoft.com/office/drawing/2014/main" xmlns="" val="20001"/>
                     </a:ext>
                   </a:extLst>
                 </a:gridCol>
                 <a:gridCol w="643470">
                   <a:extLst>
                     <a:ext uri="{9D8B030D-6E8A-4147-A177-3AD203B41FA5}">
-                      <a16:colId xmlns="" xmlns:a16="http://schemas.microsoft.com/office/drawing/2014/main" val="20002"/>
+                      <a16:colId xmlns:a16="http://schemas.microsoft.com/office/drawing/2014/main" xmlns="" val="20002"/>
                     </a:ext>
                   </a:extLst>
                 </a:gridCol>
                 <a:gridCol w="597600">
                   <a:extLst>
                     <a:ext uri="{9D8B030D-6E8A-4147-A177-3AD203B41FA5}">
-                      <a16:colId xmlns="" xmlns:a16="http://schemas.microsoft.com/office/drawing/2014/main" val="20003"/>
+                      <a16:colId xmlns:a16="http://schemas.microsoft.com/office/drawing/2014/main" xmlns="" val="20003"/>
                     </a:ext>
                   </a:extLst>
                 </a:gridCol>
                 <a:gridCol w="597600">
                   <a:extLst>
                     <a:ext uri="{9D8B030D-6E8A-4147-A177-3AD203B41FA5}">
-                      <a16:colId xmlns="" xmlns:a16="http://schemas.microsoft.com/office/drawing/2014/main" val="20004"/>
+                      <a16:colId xmlns:a16="http://schemas.microsoft.com/office/drawing/2014/main" xmlns="" val="20004"/>
                     </a:ext>
                   </a:extLst>
                 </a:gridCol>
                 <a:gridCol w="683238">
                   <a:extLst>
                     <a:ext uri="{9D8B030D-6E8A-4147-A177-3AD203B41FA5}">
-                      <a16:colId xmlns="" xmlns:a16="http://schemas.microsoft.com/office/drawing/2014/main" val="20005"/>
+                      <a16:colId xmlns:a16="http://schemas.microsoft.com/office/drawing/2014/main" xmlns="" val="20005"/>
                     </a:ext>
                   </a:extLst>
                 </a:gridCol>
                 <a:gridCol w="683238">
                   <a:extLst>
                     <a:ext uri="{9D8B030D-6E8A-4147-A177-3AD203B41FA5}">
-                      <a16:colId xmlns="" xmlns:a16="http://schemas.microsoft.com/office/drawing/2014/main" val="20006"/>
+                      <a16:colId xmlns:a16="http://schemas.microsoft.com/office/drawing/2014/main" xmlns="" val="20006"/>
                     </a:ext>
                   </a:extLst>
                 </a:gridCol>
                 <a:gridCol w="683238">
                   <a:extLst>
                     <a:ext uri="{9D8B030D-6E8A-4147-A177-3AD203B41FA5}">
-                      <a16:colId xmlns="" xmlns:a16="http://schemas.microsoft.com/office/drawing/2014/main" val="20007"/>
+                      <a16:colId xmlns:a16="http://schemas.microsoft.com/office/drawing/2014/main" xmlns="" val="20007"/>
                     </a:ext>
                   </a:extLst>
                 </a:gridCol>
                 <a:gridCol w="683238">
                   <a:extLst>
                     <a:ext uri="{9D8B030D-6E8A-4147-A177-3AD203B41FA5}">
-                      <a16:colId xmlns="" xmlns:a16="http://schemas.microsoft.com/office/drawing/2014/main" val="20008"/>
+                      <a16:colId xmlns:a16="http://schemas.microsoft.com/office/drawing/2014/main" xmlns="" val="20008"/>
                     </a:ext>
                   </a:extLst>
                 </a:gridCol>
                 <a:gridCol w="683238">
                   <a:extLst>
                     <a:ext uri="{9D8B030D-6E8A-4147-A177-3AD203B41FA5}">
-                      <a16:colId xmlns="" xmlns:a16="http://schemas.microsoft.com/office/drawing/2014/main" val="20009"/>
+                      <a16:colId xmlns:a16="http://schemas.microsoft.com/office/drawing/2014/main" xmlns="" val="20009"/>
                     </a:ext>
                   </a:extLst>
                 </a:gridCol>
                 <a:gridCol w="683238">
                   <a:extLst>
                     <a:ext uri="{9D8B030D-6E8A-4147-A177-3AD203B41FA5}">
-                      <a16:colId xmlns="" xmlns:a16="http://schemas.microsoft.com/office/drawing/2014/main" val="20010"/>
+                      <a16:colId xmlns:a16="http://schemas.microsoft.com/office/drawing/2014/main" xmlns="" val="20010"/>
                     </a:ext>
                   </a:extLst>
                 </a:gridCol>
@@ -36625,7 +36641,7 @@
                 </a:tc>
                 <a:extLst>
                   <a:ext uri="{0D108BD9-81ED-4DB2-BD59-A6C34878D82A}">
-                    <a16:rowId xmlns="" xmlns:a16="http://schemas.microsoft.com/office/drawing/2014/main" val="10000"/>
+                    <a16:rowId xmlns:a16="http://schemas.microsoft.com/office/drawing/2014/main" xmlns="" val="10000"/>
                   </a:ext>
                 </a:extLst>
               </a:tr>
@@ -37052,7 +37068,7 @@
                 </a:tc>
                 <a:extLst>
                   <a:ext uri="{0D108BD9-81ED-4DB2-BD59-A6C34878D82A}">
-                    <a16:rowId xmlns="" xmlns:a16="http://schemas.microsoft.com/office/drawing/2014/main" val="10001"/>
+                    <a16:rowId xmlns:a16="http://schemas.microsoft.com/office/drawing/2014/main" xmlns="" val="10001"/>
                   </a:ext>
                 </a:extLst>
               </a:tr>
@@ -37220,16 +37236,16 @@
                         <a:defRPr/>
                       </a:pPr>
                       <a:r>
-                        <a:rPr lang="en-US" altLang="zh-TW" sz="1200" b="0" kern="0">
-                          <a:solidFill>
-                            <a:srgbClr val="C00000"/>
-                          </a:solidFill>
-                        </a:rPr>
-                        <a:t>●</a:t>
-                      </a:r>
-                      <a:endParaRPr lang="zh-TW" altLang="en-US" sz="1200" b="0" dirty="0">
-                        <a:solidFill>
-                          <a:srgbClr val="C00000"/>
+                        <a:rPr lang="en-US" altLang="zh-TW" sz="1200" b="0" kern="0" dirty="0">
+                          <a:solidFill>
+                            <a:schemeClr val="tx1"/>
+                          </a:solidFill>
+                        </a:rPr>
+                        <a:t>●</a:t>
+                      </a:r>
+                      <a:endParaRPr lang="zh-TW" altLang="en-US" sz="1200" b="0" dirty="0">
+                        <a:solidFill>
+                          <a:schemeClr val="tx1"/>
                         </a:solidFill>
                         <a:latin typeface="微軟正黑體" panose="020B0604030504040204" pitchFamily="34" charset="-120"/>
                         <a:ea typeface="微軟正黑體" panose="020B0604030504040204" pitchFamily="34" charset="-120"/>
@@ -37263,14 +37279,14 @@
                       <a:r>
                         <a:rPr lang="en-US" altLang="zh-TW" sz="1200" b="0" kern="0" dirty="0">
                           <a:solidFill>
-                            <a:srgbClr val="C00000"/>
-                          </a:solidFill>
-                        </a:rPr>
-                        <a:t>●</a:t>
-                      </a:r>
-                      <a:endParaRPr lang="zh-TW" altLang="en-US" sz="1200" b="0" dirty="0">
-                        <a:solidFill>
-                          <a:srgbClr val="C00000"/>
+                            <a:schemeClr val="tx1"/>
+                          </a:solidFill>
+                        </a:rPr>
+                        <a:t>●</a:t>
+                      </a:r>
+                      <a:endParaRPr lang="zh-TW" altLang="en-US" sz="1200" b="0" dirty="0">
+                        <a:solidFill>
+                          <a:schemeClr val="tx1"/>
                         </a:solidFill>
                         <a:latin typeface="微軟正黑體" panose="020B0604030504040204" pitchFamily="34" charset="-120"/>
                         <a:ea typeface="微軟正黑體" panose="020B0604030504040204" pitchFamily="34" charset="-120"/>
@@ -37331,14 +37347,14 @@
                       <a:r>
                         <a:rPr lang="en-US" altLang="zh-TW" sz="1200" b="0" kern="0" dirty="0">
                           <a:solidFill>
-                            <a:srgbClr val="C00000"/>
-                          </a:solidFill>
-                        </a:rPr>
-                        <a:t>●</a:t>
-                      </a:r>
-                      <a:endParaRPr lang="zh-TW" altLang="en-US" sz="1200" b="0" dirty="0">
-                        <a:solidFill>
-                          <a:srgbClr val="C00000"/>
+                            <a:schemeClr val="tx1"/>
+                          </a:solidFill>
+                        </a:rPr>
+                        <a:t>●</a:t>
+                      </a:r>
+                      <a:endParaRPr lang="zh-TW" altLang="en-US" sz="1200" b="0" dirty="0">
+                        <a:solidFill>
+                          <a:schemeClr val="tx1"/>
                         </a:solidFill>
                         <a:latin typeface="微軟正黑體" panose="020B0604030504040204" pitchFamily="34" charset="-120"/>
                         <a:ea typeface="微軟正黑體" panose="020B0604030504040204" pitchFamily="34" charset="-120"/>
@@ -37403,7 +37419,7 @@
                 </a:tc>
                 <a:extLst>
                   <a:ext uri="{0D108BD9-81ED-4DB2-BD59-A6C34878D82A}">
-                    <a16:rowId xmlns="" xmlns:a16="http://schemas.microsoft.com/office/drawing/2014/main" val="10002"/>
+                    <a16:rowId xmlns:a16="http://schemas.microsoft.com/office/drawing/2014/main" xmlns="" val="10002"/>
                   </a:ext>
                 </a:extLst>
               </a:tr>
@@ -37725,7 +37741,7 @@
                 </a:tc>
                 <a:extLst>
                   <a:ext uri="{0D108BD9-81ED-4DB2-BD59-A6C34878D82A}">
-                    <a16:rowId xmlns="" xmlns:a16="http://schemas.microsoft.com/office/drawing/2014/main" val="10003"/>
+                    <a16:rowId xmlns:a16="http://schemas.microsoft.com/office/drawing/2014/main" xmlns="" val="10003"/>
                   </a:ext>
                 </a:extLst>
               </a:tr>
@@ -37962,7 +37978,7 @@
                     <a:p>
                       <a:pPr algn="ctr"/>
                       <a:r>
-                        <a:rPr lang="zh-TW" altLang="en-US" sz="1200" kern="1200">
+                        <a:rPr lang="zh-TW" altLang="en-US" sz="1200" kern="1200" dirty="0">
                           <a:solidFill>
                             <a:schemeClr val="tx1"/>
                           </a:solidFill>
@@ -38040,7 +38056,7 @@
                 </a:tc>
                 <a:extLst>
                   <a:ext uri="{0D108BD9-81ED-4DB2-BD59-A6C34878D82A}">
-                    <a16:rowId xmlns="" xmlns:a16="http://schemas.microsoft.com/office/drawing/2014/main" val="10004"/>
+                    <a16:rowId xmlns:a16="http://schemas.microsoft.com/office/drawing/2014/main" xmlns="" val="10004"/>
                   </a:ext>
                 </a:extLst>
               </a:tr>
@@ -38371,7 +38387,7 @@
                 </a:tc>
                 <a:extLst>
                   <a:ext uri="{0D108BD9-81ED-4DB2-BD59-A6C34878D82A}">
-                    <a16:rowId xmlns="" xmlns:a16="http://schemas.microsoft.com/office/drawing/2014/main" val="10005"/>
+                    <a16:rowId xmlns:a16="http://schemas.microsoft.com/office/drawing/2014/main" xmlns="" val="10005"/>
                   </a:ext>
                 </a:extLst>
               </a:tr>
@@ -38702,7 +38718,7 @@
                 </a:tc>
                 <a:extLst>
                   <a:ext uri="{0D108BD9-81ED-4DB2-BD59-A6C34878D82A}">
-                    <a16:rowId xmlns="" xmlns:a16="http://schemas.microsoft.com/office/drawing/2014/main" val="10006"/>
+                    <a16:rowId xmlns:a16="http://schemas.microsoft.com/office/drawing/2014/main" xmlns="" val="10006"/>
                   </a:ext>
                 </a:extLst>
               </a:tr>
@@ -39033,7 +39049,7 @@
                 </a:tc>
                 <a:extLst>
                   <a:ext uri="{0D108BD9-81ED-4DB2-BD59-A6C34878D82A}">
-                    <a16:rowId xmlns="" xmlns:a16="http://schemas.microsoft.com/office/drawing/2014/main" val="10007"/>
+                    <a16:rowId xmlns:a16="http://schemas.microsoft.com/office/drawing/2014/main" xmlns="" val="10007"/>
                   </a:ext>
                 </a:extLst>
               </a:tr>
@@ -39364,7 +39380,7 @@
                 </a:tc>
                 <a:extLst>
                   <a:ext uri="{0D108BD9-81ED-4DB2-BD59-A6C34878D82A}">
-                    <a16:rowId xmlns="" xmlns:a16="http://schemas.microsoft.com/office/drawing/2014/main" val="10008"/>
+                    <a16:rowId xmlns:a16="http://schemas.microsoft.com/office/drawing/2014/main" xmlns="" val="10008"/>
                   </a:ext>
                 </a:extLst>
               </a:tr>
@@ -39548,14 +39564,14 @@
                       <a:r>
                         <a:rPr lang="en-US" altLang="zh-TW" sz="1200" b="0" kern="0" dirty="0">
                           <a:solidFill>
-                            <a:srgbClr val="C00000"/>
-                          </a:solidFill>
-                        </a:rPr>
-                        <a:t>●</a:t>
-                      </a:r>
-                      <a:endParaRPr lang="zh-TW" altLang="en-US" sz="1200" b="0" dirty="0">
-                        <a:solidFill>
-                          <a:srgbClr val="C00000"/>
+                            <a:schemeClr val="tx1"/>
+                          </a:solidFill>
+                        </a:rPr>
+                        <a:t>●</a:t>
+                      </a:r>
+                      <a:endParaRPr lang="zh-TW" altLang="en-US" sz="1200" b="0" dirty="0">
+                        <a:solidFill>
+                          <a:schemeClr val="tx1"/>
                         </a:solidFill>
                         <a:latin typeface="微軟正黑體" panose="020B0604030504040204" pitchFamily="34" charset="-120"/>
                         <a:ea typeface="微軟正黑體" panose="020B0604030504040204" pitchFamily="34" charset="-120"/>
@@ -39589,14 +39605,14 @@
                       <a:r>
                         <a:rPr lang="en-US" altLang="zh-TW" sz="1200" b="0" kern="0" dirty="0">
                           <a:solidFill>
-                            <a:srgbClr val="C00000"/>
-                          </a:solidFill>
-                        </a:rPr>
-                        <a:t>●</a:t>
-                      </a:r>
-                      <a:endParaRPr lang="zh-TW" altLang="en-US" sz="1200" b="0" dirty="0">
-                        <a:solidFill>
-                          <a:srgbClr val="C00000"/>
+                            <a:schemeClr val="tx1"/>
+                          </a:solidFill>
+                        </a:rPr>
+                        <a:t>●</a:t>
+                      </a:r>
+                      <a:endParaRPr lang="zh-TW" altLang="en-US" sz="1200" b="0" dirty="0">
+                        <a:solidFill>
+                          <a:schemeClr val="tx1"/>
                         </a:solidFill>
                         <a:latin typeface="微軟正黑體" panose="020B0604030504040204" pitchFamily="34" charset="-120"/>
                         <a:ea typeface="微軟正黑體" panose="020B0604030504040204" pitchFamily="34" charset="-120"/>
@@ -39657,14 +39673,14 @@
                       <a:r>
                         <a:rPr lang="en-US" altLang="zh-TW" sz="1200" b="0" kern="0">
                           <a:solidFill>
-                            <a:srgbClr val="C00000"/>
-                          </a:solidFill>
-                        </a:rPr>
-                        <a:t>●</a:t>
-                      </a:r>
-                      <a:endParaRPr lang="zh-TW" altLang="en-US" sz="1200" b="0" dirty="0">
-                        <a:solidFill>
-                          <a:srgbClr val="C00000"/>
+                            <a:schemeClr val="tx1"/>
+                          </a:solidFill>
+                        </a:rPr>
+                        <a:t>●</a:t>
+                      </a:r>
+                      <a:endParaRPr lang="zh-TW" altLang="en-US" sz="1200" b="0" dirty="0">
+                        <a:solidFill>
+                          <a:schemeClr val="tx1"/>
                         </a:solidFill>
                         <a:latin typeface="微軟正黑體" panose="020B0604030504040204" pitchFamily="34" charset="-120"/>
                         <a:ea typeface="微軟正黑體" panose="020B0604030504040204" pitchFamily="34" charset="-120"/>
@@ -39698,14 +39714,14 @@
                       <a:r>
                         <a:rPr lang="en-US" altLang="zh-TW" sz="1200" b="0" kern="0">
                           <a:solidFill>
-                            <a:srgbClr val="C00000"/>
-                          </a:solidFill>
-                        </a:rPr>
-                        <a:t>●</a:t>
-                      </a:r>
-                      <a:endParaRPr lang="zh-TW" altLang="en-US" sz="1200" b="0" dirty="0">
-                        <a:solidFill>
-                          <a:srgbClr val="C00000"/>
+                            <a:schemeClr val="tx1"/>
+                          </a:solidFill>
+                        </a:rPr>
+                        <a:t>●</a:t>
+                      </a:r>
+                      <a:endParaRPr lang="zh-TW" altLang="en-US" sz="1200" b="0" dirty="0">
+                        <a:solidFill>
+                          <a:schemeClr val="tx1"/>
                         </a:solidFill>
                         <a:latin typeface="微軟正黑體" panose="020B0604030504040204" pitchFamily="34" charset="-120"/>
                         <a:ea typeface="微軟正黑體" panose="020B0604030504040204" pitchFamily="34" charset="-120"/>
@@ -39737,16 +39753,16 @@
                         <a:defRPr/>
                       </a:pPr>
                       <a:r>
-                        <a:rPr lang="en-US" altLang="zh-TW" sz="1200" b="0" kern="0">
-                          <a:solidFill>
-                            <a:srgbClr val="C00000"/>
-                          </a:solidFill>
-                        </a:rPr>
-                        <a:t>●</a:t>
-                      </a:r>
-                      <a:endParaRPr lang="zh-TW" altLang="en-US" sz="1200" b="0" dirty="0">
-                        <a:solidFill>
-                          <a:srgbClr val="C00000"/>
+                        <a:rPr lang="en-US" altLang="zh-TW" sz="1200" b="0" kern="0" dirty="0">
+                          <a:solidFill>
+                            <a:schemeClr val="tx1"/>
+                          </a:solidFill>
+                        </a:rPr>
+                        <a:t>●</a:t>
+                      </a:r>
+                      <a:endParaRPr lang="zh-TW" altLang="en-US" sz="1200" b="0" dirty="0">
+                        <a:solidFill>
+                          <a:schemeClr val="tx1"/>
                         </a:solidFill>
                         <a:latin typeface="微軟正黑體" panose="020B0604030504040204" pitchFamily="34" charset="-120"/>
                         <a:ea typeface="微軟正黑體" panose="020B0604030504040204" pitchFamily="34" charset="-120"/>
@@ -39757,7 +39773,7 @@
                 </a:tc>
                 <a:extLst>
                   <a:ext uri="{0D108BD9-81ED-4DB2-BD59-A6C34878D82A}">
-                    <a16:rowId xmlns="" xmlns:a16="http://schemas.microsoft.com/office/drawing/2014/main" val="10009"/>
+                    <a16:rowId xmlns:a16="http://schemas.microsoft.com/office/drawing/2014/main" xmlns="" val="10009"/>
                   </a:ext>
                 </a:extLst>
               </a:tr>
@@ -39943,14 +39959,14 @@
                       <a:r>
                         <a:rPr lang="en-US" altLang="zh-TW" sz="1200" b="0" kern="0" dirty="0">
                           <a:solidFill>
-                            <a:srgbClr val="C00000"/>
-                          </a:solidFill>
-                        </a:rPr>
-                        <a:t>●</a:t>
-                      </a:r>
-                      <a:endParaRPr lang="zh-TW" altLang="en-US" sz="1200" b="0" dirty="0">
-                        <a:solidFill>
-                          <a:srgbClr val="C00000"/>
+                            <a:schemeClr val="tx1"/>
+                          </a:solidFill>
+                        </a:rPr>
+                        <a:t>●</a:t>
+                      </a:r>
+                      <a:endParaRPr lang="zh-TW" altLang="en-US" sz="1200" b="0" dirty="0">
+                        <a:solidFill>
+                          <a:schemeClr val="tx1"/>
                         </a:solidFill>
                         <a:latin typeface="微軟正黑體" panose="020B0604030504040204" pitchFamily="34" charset="-120"/>
                         <a:ea typeface="微軟正黑體" panose="020B0604030504040204" pitchFamily="34" charset="-120"/>
@@ -39984,14 +40000,14 @@
                       <a:r>
                         <a:rPr lang="en-US" altLang="zh-TW" sz="1200" b="0" kern="0" dirty="0">
                           <a:solidFill>
-                            <a:srgbClr val="C00000"/>
-                          </a:solidFill>
-                        </a:rPr>
-                        <a:t>●</a:t>
-                      </a:r>
-                      <a:endParaRPr lang="zh-TW" altLang="en-US" sz="1200" b="0" dirty="0">
-                        <a:solidFill>
-                          <a:srgbClr val="C00000"/>
+                            <a:schemeClr val="tx1"/>
+                          </a:solidFill>
+                        </a:rPr>
+                        <a:t>●</a:t>
+                      </a:r>
+                      <a:endParaRPr lang="zh-TW" altLang="en-US" sz="1200" b="0" dirty="0">
+                        <a:solidFill>
+                          <a:schemeClr val="tx1"/>
                         </a:solidFill>
                         <a:latin typeface="微軟正黑體" panose="020B0604030504040204" pitchFamily="34" charset="-120"/>
                         <a:ea typeface="微軟正黑體" panose="020B0604030504040204" pitchFamily="34" charset="-120"/>
@@ -40052,14 +40068,14 @@
                       <a:r>
                         <a:rPr lang="en-US" altLang="zh-TW" sz="1200" b="0" kern="0" dirty="0">
                           <a:solidFill>
-                            <a:srgbClr val="C00000"/>
-                          </a:solidFill>
-                        </a:rPr>
-                        <a:t>●</a:t>
-                      </a:r>
-                      <a:endParaRPr lang="zh-TW" altLang="en-US" sz="1200" b="0" dirty="0">
-                        <a:solidFill>
-                          <a:srgbClr val="C00000"/>
+                            <a:schemeClr val="tx1"/>
+                          </a:solidFill>
+                        </a:rPr>
+                        <a:t>●</a:t>
+                      </a:r>
+                      <a:endParaRPr lang="zh-TW" altLang="en-US" sz="1200" b="0" dirty="0">
+                        <a:solidFill>
+                          <a:schemeClr val="tx1"/>
                         </a:solidFill>
                         <a:latin typeface="微軟正黑體" panose="020B0604030504040204" pitchFamily="34" charset="-120"/>
                         <a:ea typeface="微軟正黑體" panose="020B0604030504040204" pitchFamily="34" charset="-120"/>
@@ -40093,14 +40109,14 @@
                       <a:r>
                         <a:rPr lang="en-US" altLang="zh-TW" sz="1200" b="0" kern="0">
                           <a:solidFill>
-                            <a:srgbClr val="C00000"/>
-                          </a:solidFill>
-                        </a:rPr>
-                        <a:t>●</a:t>
-                      </a:r>
-                      <a:endParaRPr lang="zh-TW" altLang="en-US" sz="1200" b="0" dirty="0">
-                        <a:solidFill>
-                          <a:srgbClr val="C00000"/>
+                            <a:schemeClr val="tx1"/>
+                          </a:solidFill>
+                        </a:rPr>
+                        <a:t>●</a:t>
+                      </a:r>
+                      <a:endParaRPr lang="zh-TW" altLang="en-US" sz="1200" b="0" dirty="0">
+                        <a:solidFill>
+                          <a:schemeClr val="tx1"/>
                         </a:solidFill>
                         <a:latin typeface="微軟正黑體" panose="020B0604030504040204" pitchFamily="34" charset="-120"/>
                         <a:ea typeface="微軟正黑體" panose="020B0604030504040204" pitchFamily="34" charset="-120"/>
@@ -40134,14 +40150,14 @@
                       <a:r>
                         <a:rPr lang="en-US" altLang="zh-TW" sz="1200" b="0" kern="0" dirty="0">
                           <a:solidFill>
-                            <a:srgbClr val="C00000"/>
-                          </a:solidFill>
-                        </a:rPr>
-                        <a:t>●</a:t>
-                      </a:r>
-                      <a:endParaRPr lang="zh-TW" altLang="en-US" sz="1200" b="0" dirty="0">
-                        <a:solidFill>
-                          <a:srgbClr val="C00000"/>
+                            <a:schemeClr val="tx1"/>
+                          </a:solidFill>
+                        </a:rPr>
+                        <a:t>●</a:t>
+                      </a:r>
+                      <a:endParaRPr lang="zh-TW" altLang="en-US" sz="1200" b="0" dirty="0">
+                        <a:solidFill>
+                          <a:schemeClr val="tx1"/>
                         </a:solidFill>
                         <a:latin typeface="微軟正黑體" panose="020B0604030504040204" pitchFamily="34" charset="-120"/>
                         <a:ea typeface="微軟正黑體" panose="020B0604030504040204" pitchFamily="34" charset="-120"/>
@@ -40152,7 +40168,7 @@
                 </a:tc>
                 <a:extLst>
                   <a:ext uri="{0D108BD9-81ED-4DB2-BD59-A6C34878D82A}">
-                    <a16:rowId xmlns="" xmlns:a16="http://schemas.microsoft.com/office/drawing/2014/main" val="10010"/>
+                    <a16:rowId xmlns:a16="http://schemas.microsoft.com/office/drawing/2014/main" xmlns="" val="10010"/>
                   </a:ext>
                 </a:extLst>
               </a:tr>
@@ -40515,7 +40531,7 @@
                 </a:tc>
                 <a:extLst>
                   <a:ext uri="{0D108BD9-81ED-4DB2-BD59-A6C34878D82A}">
-                    <a16:rowId xmlns="" xmlns:a16="http://schemas.microsoft.com/office/drawing/2014/main" val="10011"/>
+                    <a16:rowId xmlns:a16="http://schemas.microsoft.com/office/drawing/2014/main" xmlns="" val="10011"/>
                   </a:ext>
                 </a:extLst>
               </a:tr>
@@ -41883,12 +41899,6 @@
 </file>
 
 <file path=customXml/item1.xml><?xml version="1.0" encoding="utf-8"?>
-<p:properties xmlns:p="http://schemas.microsoft.com/office/2006/metadata/properties" xmlns:xsi="http://www.w3.org/2001/XMLSchema-instance" xmlns:pc="http://schemas.microsoft.com/office/infopath/2007/PartnerControls">
-  <documentManagement/>
-</p:properties>
-</file>
-
-<file path=customXml/item2.xml><?xml version="1.0" encoding="utf-8"?>
 <?mso-contentType ?>
 <FormTemplates xmlns="http://schemas.microsoft.com/sharepoint/v3/contenttype/forms">
   <Display>DocumentLibraryForm</Display>
@@ -41897,9 +41907,15 @@
 </FormTemplates>
 </file>
 
+<file path=customXml/item2.xml><?xml version="1.0" encoding="utf-8"?>
+<p:properties xmlns:p="http://schemas.microsoft.com/office/2006/metadata/properties" xmlns:xsi="http://www.w3.org/2001/XMLSchema-instance" xmlns:pc="http://schemas.microsoft.com/office/infopath/2007/PartnerControls">
+  <documentManagement/>
+</p:properties>
+</file>
+
 <file path=customXml/item3.xml><?xml version="1.0" encoding="utf-8"?>
-<ct:contentTypeSchema xmlns:ct="http://schemas.microsoft.com/office/2006/metadata/contentType" xmlns:ma="http://schemas.microsoft.com/office/2006/metadata/properties/metaAttributes" ct:_="" ma:_="" ma:contentTypeName="文件" ma:contentTypeID="0x010100CC24255BCCE3C44887CE5AE52F7778D9" ma:contentTypeVersion="13" ma:contentTypeDescription="建立新的文件。" ma:contentTypeScope="" ma:versionID="e5475f883ff71175c3fbb4cef5e99541">
-  <xsd:schema xmlns:xsd="http://www.w3.org/2001/XMLSchema" xmlns:xs="http://www.w3.org/2001/XMLSchema" xmlns:p="http://schemas.microsoft.com/office/2006/metadata/properties" xmlns:ns3="89cf3997-e9ea-4731-a3ec-f83abc6192e4" xmlns:ns4="1355e568-b629-494a-b444-4d5dfc55a281" targetNamespace="http://schemas.microsoft.com/office/2006/metadata/properties" ma:root="true" ma:fieldsID="1078d11313c66c1699c53b1357aa535c" ns3:_="" ns4:_="">
+<ct:contentTypeSchema xmlns:ct="http://schemas.microsoft.com/office/2006/metadata/contentType" xmlns:ma="http://schemas.microsoft.com/office/2006/metadata/properties/metaAttributes" ct:_="" ma:_="" ma:contentTypeName="文件" ma:contentTypeID="0x010100CC24255BCCE3C44887CE5AE52F7778D9" ma:contentTypeVersion="15" ma:contentTypeDescription="建立新的文件。" ma:contentTypeScope="" ma:versionID="56fb3fe87ae2af94ef332e172d34f46f">
+  <xsd:schema xmlns:xsd="http://www.w3.org/2001/XMLSchema" xmlns:xs="http://www.w3.org/2001/XMLSchema" xmlns:p="http://schemas.microsoft.com/office/2006/metadata/properties" xmlns:ns3="89cf3997-e9ea-4731-a3ec-f83abc6192e4" xmlns:ns4="1355e568-b629-494a-b444-4d5dfc55a281" targetNamespace="http://schemas.microsoft.com/office/2006/metadata/properties" ma:root="true" ma:fieldsID="ab2aa64e8a7c11a12efc07ec9eb24688" ns3:_="" ns4:_="">
     <xsd:import namespace="89cf3997-e9ea-4731-a3ec-f83abc6192e4"/>
     <xsd:import namespace="1355e568-b629-494a-b444-4d5dfc55a281"/>
     <xsd:element name="properties">
@@ -41921,6 +41937,8 @@
                 <xsd:element ref="ns4:MediaServiceEventHashCode" minOccurs="0"/>
                 <xsd:element ref="ns4:MediaServiceGenerationTime" minOccurs="0"/>
                 <xsd:element ref="ns4:MediaServiceLocation" minOccurs="0"/>
+                <xsd:element ref="ns4:MediaServiceAutoKeyPoints" minOccurs="0"/>
+                <xsd:element ref="ns4:MediaServiceKeyPoints" minOccurs="0"/>
               </xsd:all>
             </xsd:complexType>
           </xsd:element>
@@ -42018,6 +42036,18 @@
     <xsd:element name="MediaServiceLocation" ma:index="20" nillable="true" ma:displayName="Location" ma:internalName="MediaServiceLocation" ma:readOnly="true">
       <xsd:simpleType>
         <xsd:restriction base="dms:Text"/>
+      </xsd:simpleType>
+    </xsd:element>
+    <xsd:element name="MediaServiceAutoKeyPoints" ma:index="21" nillable="true" ma:displayName="MediaServiceAutoKeyPoints" ma:hidden="true" ma:internalName="MediaServiceAutoKeyPoints" ma:readOnly="true">
+      <xsd:simpleType>
+        <xsd:restriction base="dms:Note"/>
+      </xsd:simpleType>
+    </xsd:element>
+    <xsd:element name="MediaServiceKeyPoints" ma:index="22" nillable="true" ma:displayName="KeyPoints" ma:internalName="MediaServiceKeyPoints" ma:readOnly="true">
+      <xsd:simpleType>
+        <xsd:restriction base="dms:Note">
+          <xsd:maxLength value="255"/>
+        </xsd:restriction>
       </xsd:simpleType>
     </xsd:element>
   </xsd:schema>
@@ -42121,23 +42151,6 @@
 </file>
 
 <file path=customXml/itemProps1.xml><?xml version="1.0" encoding="utf-8"?>
-<ds:datastoreItem xmlns:ds="http://schemas.openxmlformats.org/officeDocument/2006/customXml" ds:itemID="{4DB37E75-643A-4010-AC03-023EC1448CFC}">
-  <ds:schemaRefs>
-    <ds:schemaRef ds:uri="http://purl.org/dc/elements/1.1/"/>
-    <ds:schemaRef ds:uri="http://schemas.microsoft.com/office/2006/metadata/properties"/>
-    <ds:schemaRef ds:uri="http://purl.org/dc/terms/"/>
-    <ds:schemaRef ds:uri="http://schemas.openxmlformats.org/package/2006/metadata/core-properties"/>
-    <ds:schemaRef ds:uri="http://schemas.microsoft.com/office/infopath/2007/PartnerControls"/>
-    <ds:schemaRef ds:uri="http://schemas.microsoft.com/office/2006/documentManagement/types"/>
-    <ds:schemaRef ds:uri="1355e568-b629-494a-b444-4d5dfc55a281"/>
-    <ds:schemaRef ds:uri="89cf3997-e9ea-4731-a3ec-f83abc6192e4"/>
-    <ds:schemaRef ds:uri="http://www.w3.org/XML/1998/namespace"/>
-    <ds:schemaRef ds:uri="http://purl.org/dc/dcmitype/"/>
-  </ds:schemaRefs>
-</ds:datastoreItem>
-</file>
-
-<file path=customXml/itemProps2.xml><?xml version="1.0" encoding="utf-8"?>
 <ds:datastoreItem xmlns:ds="http://schemas.openxmlformats.org/officeDocument/2006/customXml" ds:itemID="{0AAAC734-2F10-48CC-9CED-86FA8463B42F}">
   <ds:schemaRefs>
     <ds:schemaRef ds:uri="http://schemas.microsoft.com/sharepoint/v3/contenttype/forms"/>
@@ -42145,8 +42158,25 @@
 </ds:datastoreItem>
 </file>
 
+<file path=customXml/itemProps2.xml><?xml version="1.0" encoding="utf-8"?>
+<ds:datastoreItem xmlns:ds="http://schemas.openxmlformats.org/officeDocument/2006/customXml" ds:itemID="{4DB37E75-643A-4010-AC03-023EC1448CFC}">
+  <ds:schemaRefs>
+    <ds:schemaRef ds:uri="http://schemas.microsoft.com/office/infopath/2007/PartnerControls"/>
+    <ds:schemaRef ds:uri="http://purl.org/dc/elements/1.1/"/>
+    <ds:schemaRef ds:uri="http://schemas.microsoft.com/office/2006/metadata/properties"/>
+    <ds:schemaRef ds:uri="89cf3997-e9ea-4731-a3ec-f83abc6192e4"/>
+    <ds:schemaRef ds:uri="http://purl.org/dc/terms/"/>
+    <ds:schemaRef ds:uri="http://schemas.openxmlformats.org/package/2006/metadata/core-properties"/>
+    <ds:schemaRef ds:uri="http://schemas.microsoft.com/office/2006/documentManagement/types"/>
+    <ds:schemaRef ds:uri="1355e568-b629-494a-b444-4d5dfc55a281"/>
+    <ds:schemaRef ds:uri="http://www.w3.org/XML/1998/namespace"/>
+    <ds:schemaRef ds:uri="http://purl.org/dc/dcmitype/"/>
+  </ds:schemaRefs>
+</ds:datastoreItem>
+</file>
+
 <file path=customXml/itemProps3.xml><?xml version="1.0" encoding="utf-8"?>
-<ds:datastoreItem xmlns:ds="http://schemas.openxmlformats.org/officeDocument/2006/customXml" ds:itemID="{1FFA6012-8508-489B-8CA4-F05F7AC2376C}">
+<ds:datastoreItem xmlns:ds="http://schemas.openxmlformats.org/officeDocument/2006/customXml" ds:itemID="{AD9600F2-DB2B-49F4-91E5-989C9B663918}">
   <ds:schemaRefs>
     <ds:schemaRef ds:uri="http://schemas.microsoft.com/office/2006/metadata/contentType"/>
     <ds:schemaRef ds:uri="http://schemas.microsoft.com/office/2006/metadata/properties/metaAttributes"/>

--- a/各單位資料供應現況表.pptx
+++ b/各單位資料供應現況表.pptx
@@ -256,7 +256,7 @@
           <a:p>
             <a:fld id="{AC1AE0A4-47EE-4CE1-A88C-8E719F35BFA0}" type="datetimeFigureOut">
               <a:rPr lang="zh-TW" altLang="en-US" smtClean="0"/>
-              <a:t>2020/2/19</a:t>
+              <a:t>2020/4/17</a:t>
             </a:fld>
             <a:endParaRPr lang="zh-TW" altLang="en-US"/>
           </a:p>
@@ -421,7 +421,7 @@
           <a:p>
             <a:fld id="{92A7EAFB-AA00-4957-A793-D83734C20EF1}" type="datetimeFigureOut">
               <a:rPr lang="zh-TW" altLang="en-US" smtClean="0"/>
-              <a:t>2020/2/19</a:t>
+              <a:t>2020/4/17</a:t>
             </a:fld>
             <a:endParaRPr lang="zh-TW" altLang="en-US"/>
           </a:p>
@@ -2500,7 +2500,7 @@
                 <a:latin typeface="微軟正黑體" panose="020B0604030504040204" pitchFamily="34" charset="-120"/>
                 <a:ea typeface="微軟正黑體" panose="020B0604030504040204" pitchFamily="34" charset="-120"/>
               </a:rPr>
-              <a:t>2020/02/18)</a:t>
+              <a:t>2020/04/17)</a:t>
             </a:r>
             <a:endParaRPr lang="zh-TW" altLang="en-US" sz="1600" b="1" dirty="0">
               <a:solidFill>
@@ -5335,7 +5335,7 @@
           <p:nvPr>
             <p:extLst>
               <p:ext uri="{D42A27DB-BD31-4B8C-83A1-F6EECF244321}">
-                <p14:modId xmlns:p14="http://schemas.microsoft.com/office/powerpoint/2010/main" val="627389765"/>
+                <p14:modId xmlns:p14="http://schemas.microsoft.com/office/powerpoint/2010/main" val="2780894107"/>
               </p:ext>
             </p:extLst>
           </p:nvPr>
@@ -5354,140 +5354,140 @@
                 <a:gridCol w="826601">
                   <a:extLst>
                     <a:ext uri="{9D8B030D-6E8A-4147-A177-3AD203B41FA5}">
-                      <a16:colId xmlns:a16="http://schemas.microsoft.com/office/drawing/2014/main" xmlns="" val="20003"/>
+                      <a16:colId xmlns="" xmlns:a16="http://schemas.microsoft.com/office/drawing/2014/main" val="20003"/>
                     </a:ext>
                   </a:extLst>
                 </a:gridCol>
                 <a:gridCol w="510169">
                   <a:extLst>
                     <a:ext uri="{9D8B030D-6E8A-4147-A177-3AD203B41FA5}">
-                      <a16:colId xmlns:a16="http://schemas.microsoft.com/office/drawing/2014/main" xmlns="" val="20004"/>
+                      <a16:colId xmlns="" xmlns:a16="http://schemas.microsoft.com/office/drawing/2014/main" val="20004"/>
                     </a:ext>
                   </a:extLst>
                 </a:gridCol>
                 <a:gridCol w="510169">
                   <a:extLst>
                     <a:ext uri="{9D8B030D-6E8A-4147-A177-3AD203B41FA5}">
-                      <a16:colId xmlns:a16="http://schemas.microsoft.com/office/drawing/2014/main" xmlns="" val="20005"/>
+                      <a16:colId xmlns="" xmlns:a16="http://schemas.microsoft.com/office/drawing/2014/main" val="20005"/>
                     </a:ext>
                   </a:extLst>
                 </a:gridCol>
                 <a:gridCol w="510169">
                   <a:extLst>
                     <a:ext uri="{9D8B030D-6E8A-4147-A177-3AD203B41FA5}">
-                      <a16:colId xmlns:a16="http://schemas.microsoft.com/office/drawing/2014/main" xmlns="" val="20006"/>
+                      <a16:colId xmlns="" xmlns:a16="http://schemas.microsoft.com/office/drawing/2014/main" val="20006"/>
                     </a:ext>
                   </a:extLst>
                 </a:gridCol>
                 <a:gridCol w="510169">
                   <a:extLst>
                     <a:ext uri="{9D8B030D-6E8A-4147-A177-3AD203B41FA5}">
-                      <a16:colId xmlns:a16="http://schemas.microsoft.com/office/drawing/2014/main" xmlns="" val="3408207861"/>
+                      <a16:colId xmlns="" xmlns:a16="http://schemas.microsoft.com/office/drawing/2014/main" val="3408207861"/>
                     </a:ext>
                   </a:extLst>
                 </a:gridCol>
                 <a:gridCol w="510169">
                   <a:extLst>
                     <a:ext uri="{9D8B030D-6E8A-4147-A177-3AD203B41FA5}">
-                      <a16:colId xmlns:a16="http://schemas.microsoft.com/office/drawing/2014/main" xmlns="" val="2229076538"/>
+                      <a16:colId xmlns="" xmlns:a16="http://schemas.microsoft.com/office/drawing/2014/main" val="2229076538"/>
                     </a:ext>
                   </a:extLst>
                 </a:gridCol>
                 <a:gridCol w="510169">
                   <a:extLst>
                     <a:ext uri="{9D8B030D-6E8A-4147-A177-3AD203B41FA5}">
-                      <a16:colId xmlns:a16="http://schemas.microsoft.com/office/drawing/2014/main" xmlns="" val="3678966610"/>
+                      <a16:colId xmlns="" xmlns:a16="http://schemas.microsoft.com/office/drawing/2014/main" val="3678966610"/>
                     </a:ext>
                   </a:extLst>
                 </a:gridCol>
                 <a:gridCol w="510169">
                   <a:extLst>
                     <a:ext uri="{9D8B030D-6E8A-4147-A177-3AD203B41FA5}">
-                      <a16:colId xmlns:a16="http://schemas.microsoft.com/office/drawing/2014/main" xmlns="" val="20007"/>
+                      <a16:colId xmlns="" xmlns:a16="http://schemas.microsoft.com/office/drawing/2014/main" val="20007"/>
                     </a:ext>
                   </a:extLst>
                 </a:gridCol>
                 <a:gridCol w="510169">
                   <a:extLst>
                     <a:ext uri="{9D8B030D-6E8A-4147-A177-3AD203B41FA5}">
-                      <a16:colId xmlns:a16="http://schemas.microsoft.com/office/drawing/2014/main" xmlns="" val="20008"/>
+                      <a16:colId xmlns="" xmlns:a16="http://schemas.microsoft.com/office/drawing/2014/main" val="20008"/>
                     </a:ext>
                   </a:extLst>
                 </a:gridCol>
                 <a:gridCol w="510169">
                   <a:extLst>
                     <a:ext uri="{9D8B030D-6E8A-4147-A177-3AD203B41FA5}">
-                      <a16:colId xmlns:a16="http://schemas.microsoft.com/office/drawing/2014/main" xmlns="" val="3280403588"/>
+                      <a16:colId xmlns="" xmlns:a16="http://schemas.microsoft.com/office/drawing/2014/main" val="3280403588"/>
                     </a:ext>
                   </a:extLst>
                 </a:gridCol>
                 <a:gridCol w="510169">
                   <a:extLst>
                     <a:ext uri="{9D8B030D-6E8A-4147-A177-3AD203B41FA5}">
-                      <a16:colId xmlns:a16="http://schemas.microsoft.com/office/drawing/2014/main" xmlns="" val="3626256232"/>
+                      <a16:colId xmlns="" xmlns:a16="http://schemas.microsoft.com/office/drawing/2014/main" val="3626256232"/>
                     </a:ext>
                   </a:extLst>
                 </a:gridCol>
                 <a:gridCol w="510169">
                   <a:extLst>
                     <a:ext uri="{9D8B030D-6E8A-4147-A177-3AD203B41FA5}">
-                      <a16:colId xmlns:a16="http://schemas.microsoft.com/office/drawing/2014/main" xmlns="" val="1479022265"/>
+                      <a16:colId xmlns="" xmlns:a16="http://schemas.microsoft.com/office/drawing/2014/main" val="1479022265"/>
                     </a:ext>
                   </a:extLst>
                 </a:gridCol>
                 <a:gridCol w="510169">
                   <a:extLst>
                     <a:ext uri="{9D8B030D-6E8A-4147-A177-3AD203B41FA5}">
-                      <a16:colId xmlns:a16="http://schemas.microsoft.com/office/drawing/2014/main" xmlns="" val="29243554"/>
+                      <a16:colId xmlns="" xmlns:a16="http://schemas.microsoft.com/office/drawing/2014/main" val="29243554"/>
                     </a:ext>
                   </a:extLst>
                 </a:gridCol>
                 <a:gridCol w="510169">
                   <a:extLst>
                     <a:ext uri="{9D8B030D-6E8A-4147-A177-3AD203B41FA5}">
-                      <a16:colId xmlns:a16="http://schemas.microsoft.com/office/drawing/2014/main" xmlns="" val="1436252718"/>
+                      <a16:colId xmlns="" xmlns:a16="http://schemas.microsoft.com/office/drawing/2014/main" val="1436252718"/>
                     </a:ext>
                   </a:extLst>
                 </a:gridCol>
                 <a:gridCol w="510169">
                   <a:extLst>
                     <a:ext uri="{9D8B030D-6E8A-4147-A177-3AD203B41FA5}">
-                      <a16:colId xmlns:a16="http://schemas.microsoft.com/office/drawing/2014/main" xmlns="" val="20013"/>
+                      <a16:colId xmlns="" xmlns:a16="http://schemas.microsoft.com/office/drawing/2014/main" val="20013"/>
                     </a:ext>
                   </a:extLst>
                 </a:gridCol>
                 <a:gridCol w="510169">
                   <a:extLst>
                     <a:ext uri="{9D8B030D-6E8A-4147-A177-3AD203B41FA5}">
-                      <a16:colId xmlns:a16="http://schemas.microsoft.com/office/drawing/2014/main" xmlns="" val="2227699668"/>
+                      <a16:colId xmlns="" xmlns:a16="http://schemas.microsoft.com/office/drawing/2014/main" val="2227699668"/>
                     </a:ext>
                   </a:extLst>
                 </a:gridCol>
                 <a:gridCol w="510170">
                   <a:extLst>
                     <a:ext uri="{9D8B030D-6E8A-4147-A177-3AD203B41FA5}">
-                      <a16:colId xmlns:a16="http://schemas.microsoft.com/office/drawing/2014/main" xmlns="" val="3451906251"/>
+                      <a16:colId xmlns="" xmlns:a16="http://schemas.microsoft.com/office/drawing/2014/main" val="3451906251"/>
                     </a:ext>
                   </a:extLst>
                 </a:gridCol>
                 <a:gridCol w="510169">
                   <a:extLst>
                     <a:ext uri="{9D8B030D-6E8A-4147-A177-3AD203B41FA5}">
-                      <a16:colId xmlns:a16="http://schemas.microsoft.com/office/drawing/2014/main" xmlns="" val="660092051"/>
+                      <a16:colId xmlns="" xmlns:a16="http://schemas.microsoft.com/office/drawing/2014/main" val="660092051"/>
                     </a:ext>
                   </a:extLst>
                 </a:gridCol>
                 <a:gridCol w="510169">
                   <a:extLst>
                     <a:ext uri="{9D8B030D-6E8A-4147-A177-3AD203B41FA5}">
-                      <a16:colId xmlns:a16="http://schemas.microsoft.com/office/drawing/2014/main" xmlns="" val="2785807340"/>
+                      <a16:colId xmlns="" xmlns:a16="http://schemas.microsoft.com/office/drawing/2014/main" val="2785807340"/>
                     </a:ext>
                   </a:extLst>
                 </a:gridCol>
                 <a:gridCol w="510169">
                   <a:extLst>
                     <a:ext uri="{9D8B030D-6E8A-4147-A177-3AD203B41FA5}">
-                      <a16:colId xmlns:a16="http://schemas.microsoft.com/office/drawing/2014/main" xmlns="" val="20019"/>
+                      <a16:colId xmlns="" xmlns:a16="http://schemas.microsoft.com/office/drawing/2014/main" val="20019"/>
                     </a:ext>
                   </a:extLst>
                 </a:gridCol>
@@ -5750,7 +5750,7 @@
                 </a:tc>
                 <a:extLst>
                   <a:ext uri="{0D108BD9-81ED-4DB2-BD59-A6C34878D82A}">
-                    <a16:rowId xmlns:a16="http://schemas.microsoft.com/office/drawing/2014/main" xmlns="" val="4157930470"/>
+                    <a16:rowId xmlns="" xmlns:a16="http://schemas.microsoft.com/office/drawing/2014/main" val="4157930470"/>
                   </a:ext>
                 </a:extLst>
               </a:tr>
@@ -6249,7 +6249,7 @@
                 </a:tc>
                 <a:extLst>
                   <a:ext uri="{0D108BD9-81ED-4DB2-BD59-A6C34878D82A}">
-                    <a16:rowId xmlns:a16="http://schemas.microsoft.com/office/drawing/2014/main" xmlns="" val="10000"/>
+                    <a16:rowId xmlns="" xmlns:a16="http://schemas.microsoft.com/office/drawing/2014/main" val="10000"/>
                   </a:ext>
                 </a:extLst>
               </a:tr>
@@ -6651,7 +6651,7 @@
                 </a:tc>
                 <a:extLst>
                   <a:ext uri="{0D108BD9-81ED-4DB2-BD59-A6C34878D82A}">
-                    <a16:rowId xmlns:a16="http://schemas.microsoft.com/office/drawing/2014/main" xmlns="" val="10002"/>
+                    <a16:rowId xmlns="" xmlns:a16="http://schemas.microsoft.com/office/drawing/2014/main" val="10002"/>
                   </a:ext>
                 </a:extLst>
               </a:tr>
@@ -7021,12 +7021,12 @@
                     <a:p>
                       <a:pPr algn="ctr"/>
                       <a:r>
-                        <a:rPr lang="en-US" altLang="zh-TW" sz="1200" b="0" kern="0" dirty="0">
-                          <a:solidFill>
-                            <a:schemeClr val="tx1"/>
-                          </a:solidFill>
-                        </a:rPr>
-                        <a:t>●</a:t>
+                        <a:rPr lang="zh-TW" altLang="en-US" sz="1200" b="0" kern="0" smtClean="0">
+                          <a:solidFill>
+                            <a:schemeClr val="tx1"/>
+                          </a:solidFill>
+                        </a:rPr>
+                        <a:t>○</a:t>
                       </a:r>
                       <a:endParaRPr lang="zh-TW" altLang="en-US" sz="1200" b="0" dirty="0">
                         <a:solidFill>
@@ -7244,7 +7244,7 @@
                 </a:tc>
                 <a:extLst>
                   <a:ext uri="{0D108BD9-81ED-4DB2-BD59-A6C34878D82A}">
-                    <a16:rowId xmlns:a16="http://schemas.microsoft.com/office/drawing/2014/main" xmlns="" val="3675162025"/>
+                    <a16:rowId xmlns="" xmlns:a16="http://schemas.microsoft.com/office/drawing/2014/main" val="3675162025"/>
                   </a:ext>
                 </a:extLst>
               </a:tr>
@@ -7614,12 +7614,12 @@
                     <a:p>
                       <a:pPr algn="ctr"/>
                       <a:r>
-                        <a:rPr lang="en-US" altLang="zh-TW" sz="1200" b="0" kern="0" dirty="0">
-                          <a:solidFill>
-                            <a:schemeClr val="tx1"/>
-                          </a:solidFill>
-                        </a:rPr>
-                        <a:t>●</a:t>
+                        <a:rPr lang="zh-TW" altLang="en-US" sz="1200" b="0" kern="0" dirty="0" smtClean="0">
+                          <a:solidFill>
+                            <a:schemeClr val="tx1"/>
+                          </a:solidFill>
+                        </a:rPr>
+                        <a:t>○</a:t>
                       </a:r>
                       <a:endParaRPr lang="zh-TW" altLang="en-US" sz="1200" b="0" dirty="0">
                         <a:solidFill>
@@ -7869,7 +7869,7 @@
                 </a:tc>
                 <a:extLst>
                   <a:ext uri="{0D108BD9-81ED-4DB2-BD59-A6C34878D82A}">
-                    <a16:rowId xmlns:a16="http://schemas.microsoft.com/office/drawing/2014/main" xmlns="" val="3832608764"/>
+                    <a16:rowId xmlns="" xmlns:a16="http://schemas.microsoft.com/office/drawing/2014/main" val="3832608764"/>
                   </a:ext>
                 </a:extLst>
               </a:tr>
@@ -8384,7 +8384,7 @@
                 </a:tc>
                 <a:extLst>
                   <a:ext uri="{0D108BD9-81ED-4DB2-BD59-A6C34878D82A}">
-                    <a16:rowId xmlns:a16="http://schemas.microsoft.com/office/drawing/2014/main" xmlns="" val="2613742521"/>
+                    <a16:rowId xmlns="" xmlns:a16="http://schemas.microsoft.com/office/drawing/2014/main" val="2613742521"/>
                   </a:ext>
                 </a:extLst>
               </a:tr>
@@ -8899,7 +8899,7 @@
                 </a:tc>
                 <a:extLst>
                   <a:ext uri="{0D108BD9-81ED-4DB2-BD59-A6C34878D82A}">
-                    <a16:rowId xmlns:a16="http://schemas.microsoft.com/office/drawing/2014/main" xmlns="" val="1381442428"/>
+                    <a16:rowId xmlns="" xmlns:a16="http://schemas.microsoft.com/office/drawing/2014/main" val="1381442428"/>
                   </a:ext>
                 </a:extLst>
               </a:tr>
@@ -9493,7 +9493,7 @@
                 </a:tc>
                 <a:extLst>
                   <a:ext uri="{0D108BD9-81ED-4DB2-BD59-A6C34878D82A}">
-                    <a16:rowId xmlns:a16="http://schemas.microsoft.com/office/drawing/2014/main" xmlns="" val="4102929731"/>
+                    <a16:rowId xmlns="" xmlns:a16="http://schemas.microsoft.com/office/drawing/2014/main" val="4102929731"/>
                   </a:ext>
                 </a:extLst>
               </a:tr>
@@ -10021,7 +10021,7 @@
                 </a:tc>
                 <a:extLst>
                   <a:ext uri="{0D108BD9-81ED-4DB2-BD59-A6C34878D82A}">
-                    <a16:rowId xmlns:a16="http://schemas.microsoft.com/office/drawing/2014/main" xmlns="" val="2526977750"/>
+                    <a16:rowId xmlns="" xmlns:a16="http://schemas.microsoft.com/office/drawing/2014/main" val="2526977750"/>
                   </a:ext>
                 </a:extLst>
               </a:tr>
@@ -10577,7 +10577,7 @@
                 </a:tc>
                 <a:extLst>
                   <a:ext uri="{0D108BD9-81ED-4DB2-BD59-A6C34878D82A}">
-                    <a16:rowId xmlns:a16="http://schemas.microsoft.com/office/drawing/2014/main" xmlns="" val="10001"/>
+                    <a16:rowId xmlns="" xmlns:a16="http://schemas.microsoft.com/office/drawing/2014/main" val="10001"/>
                   </a:ext>
                 </a:extLst>
               </a:tr>
@@ -11131,7 +11131,7 @@
                 </a:tc>
                 <a:extLst>
                   <a:ext uri="{0D108BD9-81ED-4DB2-BD59-A6C34878D82A}">
-                    <a16:rowId xmlns:a16="http://schemas.microsoft.com/office/drawing/2014/main" xmlns="" val="10006"/>
+                    <a16:rowId xmlns="" xmlns:a16="http://schemas.microsoft.com/office/drawing/2014/main" val="10006"/>
                   </a:ext>
                 </a:extLst>
               </a:tr>
@@ -11685,7 +11685,7 @@
                 </a:tc>
                 <a:extLst>
                   <a:ext uri="{0D108BD9-81ED-4DB2-BD59-A6C34878D82A}">
-                    <a16:rowId xmlns:a16="http://schemas.microsoft.com/office/drawing/2014/main" xmlns="" val="10007"/>
+                    <a16:rowId xmlns="" xmlns:a16="http://schemas.microsoft.com/office/drawing/2014/main" val="10007"/>
                   </a:ext>
                 </a:extLst>
               </a:tr>
@@ -12239,7 +12239,7 @@
                 </a:tc>
                 <a:extLst>
                   <a:ext uri="{0D108BD9-81ED-4DB2-BD59-A6C34878D82A}">
-                    <a16:rowId xmlns:a16="http://schemas.microsoft.com/office/drawing/2014/main" xmlns="" val="10008"/>
+                    <a16:rowId xmlns="" xmlns:a16="http://schemas.microsoft.com/office/drawing/2014/main" val="10008"/>
                   </a:ext>
                 </a:extLst>
               </a:tr>
@@ -12795,7 +12795,7 @@
                 </a:tc>
                 <a:extLst>
                   <a:ext uri="{0D108BD9-81ED-4DB2-BD59-A6C34878D82A}">
-                    <a16:rowId xmlns:a16="http://schemas.microsoft.com/office/drawing/2014/main" xmlns="" val="10010"/>
+                    <a16:rowId xmlns="" xmlns:a16="http://schemas.microsoft.com/office/drawing/2014/main" val="10010"/>
                   </a:ext>
                 </a:extLst>
               </a:tr>
@@ -13346,7 +13346,7 @@
                 </a:tc>
                 <a:extLst>
                   <a:ext uri="{0D108BD9-81ED-4DB2-BD59-A6C34878D82A}">
-                    <a16:rowId xmlns:a16="http://schemas.microsoft.com/office/drawing/2014/main" xmlns="" val="1396562496"/>
+                    <a16:rowId xmlns="" xmlns:a16="http://schemas.microsoft.com/office/drawing/2014/main" val="1396562496"/>
                   </a:ext>
                 </a:extLst>
               </a:tr>
@@ -13933,140 +13933,140 @@
                 <a:gridCol w="901444">
                   <a:extLst>
                     <a:ext uri="{9D8B030D-6E8A-4147-A177-3AD203B41FA5}">
-                      <a16:colId xmlns:a16="http://schemas.microsoft.com/office/drawing/2014/main" xmlns="" val="20003"/>
+                      <a16:colId xmlns="" xmlns:a16="http://schemas.microsoft.com/office/drawing/2014/main" val="20003"/>
                     </a:ext>
                   </a:extLst>
                 </a:gridCol>
                 <a:gridCol w="501772">
                   <a:extLst>
                     <a:ext uri="{9D8B030D-6E8A-4147-A177-3AD203B41FA5}">
-                      <a16:colId xmlns:a16="http://schemas.microsoft.com/office/drawing/2014/main" xmlns="" val="20004"/>
+                      <a16:colId xmlns="" xmlns:a16="http://schemas.microsoft.com/office/drawing/2014/main" val="20004"/>
                     </a:ext>
                   </a:extLst>
                 </a:gridCol>
                 <a:gridCol w="501772">
                   <a:extLst>
                     <a:ext uri="{9D8B030D-6E8A-4147-A177-3AD203B41FA5}">
-                      <a16:colId xmlns:a16="http://schemas.microsoft.com/office/drawing/2014/main" xmlns="" val="20005"/>
+                      <a16:colId xmlns="" xmlns:a16="http://schemas.microsoft.com/office/drawing/2014/main" val="20005"/>
                     </a:ext>
                   </a:extLst>
                 </a:gridCol>
                 <a:gridCol w="501772">
                   <a:extLst>
                     <a:ext uri="{9D8B030D-6E8A-4147-A177-3AD203B41FA5}">
-                      <a16:colId xmlns:a16="http://schemas.microsoft.com/office/drawing/2014/main" xmlns="" val="20006"/>
+                      <a16:colId xmlns="" xmlns:a16="http://schemas.microsoft.com/office/drawing/2014/main" val="20006"/>
                     </a:ext>
                   </a:extLst>
                 </a:gridCol>
                 <a:gridCol w="501772">
                   <a:extLst>
                     <a:ext uri="{9D8B030D-6E8A-4147-A177-3AD203B41FA5}">
-                      <a16:colId xmlns:a16="http://schemas.microsoft.com/office/drawing/2014/main" xmlns="" val="3428608293"/>
+                      <a16:colId xmlns="" xmlns:a16="http://schemas.microsoft.com/office/drawing/2014/main" val="3428608293"/>
                     </a:ext>
                   </a:extLst>
                 </a:gridCol>
                 <a:gridCol w="501772">
                   <a:extLst>
                     <a:ext uri="{9D8B030D-6E8A-4147-A177-3AD203B41FA5}">
-                      <a16:colId xmlns:a16="http://schemas.microsoft.com/office/drawing/2014/main" xmlns="" val="2688910496"/>
+                      <a16:colId xmlns="" xmlns:a16="http://schemas.microsoft.com/office/drawing/2014/main" val="2688910496"/>
                     </a:ext>
                   </a:extLst>
                 </a:gridCol>
                 <a:gridCol w="501772">
                   <a:extLst>
                     <a:ext uri="{9D8B030D-6E8A-4147-A177-3AD203B41FA5}">
-                      <a16:colId xmlns:a16="http://schemas.microsoft.com/office/drawing/2014/main" xmlns="" val="3678966610"/>
+                      <a16:colId xmlns="" xmlns:a16="http://schemas.microsoft.com/office/drawing/2014/main" val="3678966610"/>
                     </a:ext>
                   </a:extLst>
                 </a:gridCol>
                 <a:gridCol w="501772">
                   <a:extLst>
                     <a:ext uri="{9D8B030D-6E8A-4147-A177-3AD203B41FA5}">
-                      <a16:colId xmlns:a16="http://schemas.microsoft.com/office/drawing/2014/main" xmlns="" val="20007"/>
+                      <a16:colId xmlns="" xmlns:a16="http://schemas.microsoft.com/office/drawing/2014/main" val="20007"/>
                     </a:ext>
                   </a:extLst>
                 </a:gridCol>
                 <a:gridCol w="501772">
                   <a:extLst>
                     <a:ext uri="{9D8B030D-6E8A-4147-A177-3AD203B41FA5}">
-                      <a16:colId xmlns:a16="http://schemas.microsoft.com/office/drawing/2014/main" xmlns="" val="20008"/>
+                      <a16:colId xmlns="" xmlns:a16="http://schemas.microsoft.com/office/drawing/2014/main" val="20008"/>
                     </a:ext>
                   </a:extLst>
                 </a:gridCol>
                 <a:gridCol w="501772">
                   <a:extLst>
                     <a:ext uri="{9D8B030D-6E8A-4147-A177-3AD203B41FA5}">
-                      <a16:colId xmlns:a16="http://schemas.microsoft.com/office/drawing/2014/main" xmlns="" val="3609824002"/>
+                      <a16:colId xmlns="" xmlns:a16="http://schemas.microsoft.com/office/drawing/2014/main" val="3609824002"/>
                     </a:ext>
                   </a:extLst>
                 </a:gridCol>
                 <a:gridCol w="501772">
                   <a:extLst>
                     <a:ext uri="{9D8B030D-6E8A-4147-A177-3AD203B41FA5}">
-                      <a16:colId xmlns:a16="http://schemas.microsoft.com/office/drawing/2014/main" xmlns="" val="1419103565"/>
+                      <a16:colId xmlns="" xmlns:a16="http://schemas.microsoft.com/office/drawing/2014/main" val="1419103565"/>
                     </a:ext>
                   </a:extLst>
                 </a:gridCol>
                 <a:gridCol w="501772">
                   <a:extLst>
                     <a:ext uri="{9D8B030D-6E8A-4147-A177-3AD203B41FA5}">
-                      <a16:colId xmlns:a16="http://schemas.microsoft.com/office/drawing/2014/main" xmlns="" val="2051610090"/>
+                      <a16:colId xmlns="" xmlns:a16="http://schemas.microsoft.com/office/drawing/2014/main" val="2051610090"/>
                     </a:ext>
                   </a:extLst>
                 </a:gridCol>
                 <a:gridCol w="501772">
                   <a:extLst>
                     <a:ext uri="{9D8B030D-6E8A-4147-A177-3AD203B41FA5}">
-                      <a16:colId xmlns:a16="http://schemas.microsoft.com/office/drawing/2014/main" xmlns="" val="29243554"/>
+                      <a16:colId xmlns="" xmlns:a16="http://schemas.microsoft.com/office/drawing/2014/main" val="29243554"/>
                     </a:ext>
                   </a:extLst>
                 </a:gridCol>
                 <a:gridCol w="501772">
                   <a:extLst>
                     <a:ext uri="{9D8B030D-6E8A-4147-A177-3AD203B41FA5}">
-                      <a16:colId xmlns:a16="http://schemas.microsoft.com/office/drawing/2014/main" xmlns="" val="1436252718"/>
+                      <a16:colId xmlns="" xmlns:a16="http://schemas.microsoft.com/office/drawing/2014/main" val="1436252718"/>
                     </a:ext>
                   </a:extLst>
                 </a:gridCol>
                 <a:gridCol w="501772">
                   <a:extLst>
                     <a:ext uri="{9D8B030D-6E8A-4147-A177-3AD203B41FA5}">
-                      <a16:colId xmlns:a16="http://schemas.microsoft.com/office/drawing/2014/main" xmlns="" val="963690119"/>
+                      <a16:colId xmlns="" xmlns:a16="http://schemas.microsoft.com/office/drawing/2014/main" val="963690119"/>
                     </a:ext>
                   </a:extLst>
                 </a:gridCol>
                 <a:gridCol w="501772">
                   <a:extLst>
                     <a:ext uri="{9D8B030D-6E8A-4147-A177-3AD203B41FA5}">
-                      <a16:colId xmlns:a16="http://schemas.microsoft.com/office/drawing/2014/main" xmlns="" val="2227699668"/>
+                      <a16:colId xmlns="" xmlns:a16="http://schemas.microsoft.com/office/drawing/2014/main" val="2227699668"/>
                     </a:ext>
                   </a:extLst>
                 </a:gridCol>
                 <a:gridCol w="501772">
                   <a:extLst>
                     <a:ext uri="{9D8B030D-6E8A-4147-A177-3AD203B41FA5}">
-                      <a16:colId xmlns:a16="http://schemas.microsoft.com/office/drawing/2014/main" xmlns="" val="1987638318"/>
+                      <a16:colId xmlns="" xmlns:a16="http://schemas.microsoft.com/office/drawing/2014/main" val="1987638318"/>
                     </a:ext>
                   </a:extLst>
                 </a:gridCol>
                 <a:gridCol w="501772">
                   <a:extLst>
                     <a:ext uri="{9D8B030D-6E8A-4147-A177-3AD203B41FA5}">
-                      <a16:colId xmlns:a16="http://schemas.microsoft.com/office/drawing/2014/main" xmlns="" val="1636838614"/>
+                      <a16:colId xmlns="" xmlns:a16="http://schemas.microsoft.com/office/drawing/2014/main" val="1636838614"/>
                     </a:ext>
                   </a:extLst>
                 </a:gridCol>
                 <a:gridCol w="501772">
                   <a:extLst>
                     <a:ext uri="{9D8B030D-6E8A-4147-A177-3AD203B41FA5}">
-                      <a16:colId xmlns:a16="http://schemas.microsoft.com/office/drawing/2014/main" xmlns="" val="1332406281"/>
+                      <a16:colId xmlns="" xmlns:a16="http://schemas.microsoft.com/office/drawing/2014/main" val="1332406281"/>
                     </a:ext>
                   </a:extLst>
                 </a:gridCol>
                 <a:gridCol w="501772">
                   <a:extLst>
                     <a:ext uri="{9D8B030D-6E8A-4147-A177-3AD203B41FA5}">
-                      <a16:colId xmlns:a16="http://schemas.microsoft.com/office/drawing/2014/main" xmlns="" val="20019"/>
+                      <a16:colId xmlns="" xmlns:a16="http://schemas.microsoft.com/office/drawing/2014/main" val="20019"/>
                     </a:ext>
                   </a:extLst>
                 </a:gridCol>
@@ -14333,7 +14333,7 @@
                 </a:tc>
                 <a:extLst>
                   <a:ext uri="{0D108BD9-81ED-4DB2-BD59-A6C34878D82A}">
-                    <a16:rowId xmlns:a16="http://schemas.microsoft.com/office/drawing/2014/main" xmlns="" val="4157930470"/>
+                    <a16:rowId xmlns="" xmlns:a16="http://schemas.microsoft.com/office/drawing/2014/main" val="4157930470"/>
                   </a:ext>
                 </a:extLst>
               </a:tr>
@@ -14866,7 +14866,7 @@
                 </a:tc>
                 <a:extLst>
                   <a:ext uri="{0D108BD9-81ED-4DB2-BD59-A6C34878D82A}">
-                    <a16:rowId xmlns:a16="http://schemas.microsoft.com/office/drawing/2014/main" xmlns="" val="10000"/>
+                    <a16:rowId xmlns="" xmlns:a16="http://schemas.microsoft.com/office/drawing/2014/main" val="10000"/>
                   </a:ext>
                 </a:extLst>
               </a:tr>
@@ -15168,7 +15168,7 @@
                 </a:tc>
                 <a:extLst>
                   <a:ext uri="{0D108BD9-81ED-4DB2-BD59-A6C34878D82A}">
-                    <a16:rowId xmlns:a16="http://schemas.microsoft.com/office/drawing/2014/main" xmlns="" val="10005"/>
+                    <a16:rowId xmlns="" xmlns:a16="http://schemas.microsoft.com/office/drawing/2014/main" val="10005"/>
                   </a:ext>
                 </a:extLst>
               </a:tr>
@@ -15705,7 +15705,7 @@
                 </a:tc>
                 <a:extLst>
                   <a:ext uri="{0D108BD9-81ED-4DB2-BD59-A6C34878D82A}">
-                    <a16:rowId xmlns:a16="http://schemas.microsoft.com/office/drawing/2014/main" xmlns="" val="10002"/>
+                    <a16:rowId xmlns="" xmlns:a16="http://schemas.microsoft.com/office/drawing/2014/main" val="10002"/>
                   </a:ext>
                 </a:extLst>
               </a:tr>
@@ -16242,7 +16242,7 @@
                 </a:tc>
                 <a:extLst>
                   <a:ext uri="{0D108BD9-81ED-4DB2-BD59-A6C34878D82A}">
-                    <a16:rowId xmlns:a16="http://schemas.microsoft.com/office/drawing/2014/main" xmlns="" val="10003"/>
+                    <a16:rowId xmlns="" xmlns:a16="http://schemas.microsoft.com/office/drawing/2014/main" val="10003"/>
                   </a:ext>
                 </a:extLst>
               </a:tr>
@@ -16779,7 +16779,7 @@
                 </a:tc>
                 <a:extLst>
                   <a:ext uri="{0D108BD9-81ED-4DB2-BD59-A6C34878D82A}">
-                    <a16:rowId xmlns:a16="http://schemas.microsoft.com/office/drawing/2014/main" xmlns="" val="10004"/>
+                    <a16:rowId xmlns="" xmlns:a16="http://schemas.microsoft.com/office/drawing/2014/main" val="10004"/>
                   </a:ext>
                 </a:extLst>
               </a:tr>
@@ -17316,7 +17316,7 @@
                 </a:tc>
                 <a:extLst>
                   <a:ext uri="{0D108BD9-81ED-4DB2-BD59-A6C34878D82A}">
-                    <a16:rowId xmlns:a16="http://schemas.microsoft.com/office/drawing/2014/main" xmlns="" val="10007"/>
+                    <a16:rowId xmlns="" xmlns:a16="http://schemas.microsoft.com/office/drawing/2014/main" val="10007"/>
                   </a:ext>
                 </a:extLst>
               </a:tr>
@@ -17853,7 +17853,7 @@
                 </a:tc>
                 <a:extLst>
                   <a:ext uri="{0D108BD9-81ED-4DB2-BD59-A6C34878D82A}">
-                    <a16:rowId xmlns:a16="http://schemas.microsoft.com/office/drawing/2014/main" xmlns="" val="10008"/>
+                    <a16:rowId xmlns="" xmlns:a16="http://schemas.microsoft.com/office/drawing/2014/main" val="10008"/>
                   </a:ext>
                 </a:extLst>
               </a:tr>
@@ -18390,7 +18390,7 @@
                 </a:tc>
                 <a:extLst>
                   <a:ext uri="{0D108BD9-81ED-4DB2-BD59-A6C34878D82A}">
-                    <a16:rowId xmlns:a16="http://schemas.microsoft.com/office/drawing/2014/main" xmlns="" val="10009"/>
+                    <a16:rowId xmlns="" xmlns:a16="http://schemas.microsoft.com/office/drawing/2014/main" val="10009"/>
                   </a:ext>
                 </a:extLst>
               </a:tr>
@@ -18937,7 +18937,7 @@
                 </a:tc>
                 <a:extLst>
                   <a:ext uri="{0D108BD9-81ED-4DB2-BD59-A6C34878D82A}">
-                    <a16:rowId xmlns:a16="http://schemas.microsoft.com/office/drawing/2014/main" xmlns="" val="2234251665"/>
+                    <a16:rowId xmlns="" xmlns:a16="http://schemas.microsoft.com/office/drawing/2014/main" val="2234251665"/>
                   </a:ext>
                 </a:extLst>
               </a:tr>
@@ -19463,7 +19463,7 @@
                 </a:tc>
                 <a:extLst>
                   <a:ext uri="{0D108BD9-81ED-4DB2-BD59-A6C34878D82A}">
-                    <a16:rowId xmlns:a16="http://schemas.microsoft.com/office/drawing/2014/main" xmlns="" val="2106796917"/>
+                    <a16:rowId xmlns="" xmlns:a16="http://schemas.microsoft.com/office/drawing/2014/main" val="2106796917"/>
                   </a:ext>
                 </a:extLst>
               </a:tr>
@@ -20005,7 +20005,7 @@
                 </a:tc>
                 <a:extLst>
                   <a:ext uri="{0D108BD9-81ED-4DB2-BD59-A6C34878D82A}">
-                    <a16:rowId xmlns:a16="http://schemas.microsoft.com/office/drawing/2014/main" xmlns="" val="3710798345"/>
+                    <a16:rowId xmlns="" xmlns:a16="http://schemas.microsoft.com/office/drawing/2014/main" val="3710798345"/>
                   </a:ext>
                 </a:extLst>
               </a:tr>
@@ -20531,7 +20531,7 @@
                 </a:tc>
                 <a:extLst>
                   <a:ext uri="{0D108BD9-81ED-4DB2-BD59-A6C34878D82A}">
-                    <a16:rowId xmlns:a16="http://schemas.microsoft.com/office/drawing/2014/main" xmlns="" val="2533665971"/>
+                    <a16:rowId xmlns="" xmlns:a16="http://schemas.microsoft.com/office/drawing/2014/main" val="2533665971"/>
                   </a:ext>
                 </a:extLst>
               </a:tr>
@@ -21089,7 +21089,7 @@
                 </a:tc>
                 <a:extLst>
                   <a:ext uri="{0D108BD9-81ED-4DB2-BD59-A6C34878D82A}">
-                    <a16:rowId xmlns:a16="http://schemas.microsoft.com/office/drawing/2014/main" xmlns="" val="10010"/>
+                    <a16:rowId xmlns="" xmlns:a16="http://schemas.microsoft.com/office/drawing/2014/main" val="10010"/>
                   </a:ext>
                 </a:extLst>
               </a:tr>
@@ -21903,7 +21903,7 @@
                 </a:tc>
                 <a:extLst>
                   <a:ext uri="{0D108BD9-81ED-4DB2-BD59-A6C34878D82A}">
-                    <a16:rowId xmlns:a16="http://schemas.microsoft.com/office/drawing/2014/main" xmlns="" val="2811962193"/>
+                    <a16:rowId xmlns="" xmlns:a16="http://schemas.microsoft.com/office/drawing/2014/main" val="2811962193"/>
                   </a:ext>
                 </a:extLst>
               </a:tr>
@@ -22480,13 +22480,13 @@
           <p:nvPr>
             <p:extLst>
               <p:ext uri="{D42A27DB-BD31-4B8C-83A1-F6EECF244321}">
-                <p14:modId xmlns:p14="http://schemas.microsoft.com/office/powerpoint/2010/main" val="2522856507"/>
+                <p14:modId xmlns:p14="http://schemas.microsoft.com/office/powerpoint/2010/main" val="1395274548"/>
               </p:ext>
             </p:extLst>
           </p:nvPr>
         </p:nvGraphicFramePr>
         <p:xfrm>
-          <a:off x="1358595" y="1407331"/>
+          <a:off x="1358595" y="1153348"/>
           <a:ext cx="10432910" cy="2183593"/>
         </p:xfrm>
         <a:graphic>
@@ -22499,140 +22499,140 @@
                 <a:gridCol w="610457">
                   <a:extLst>
                     <a:ext uri="{9D8B030D-6E8A-4147-A177-3AD203B41FA5}">
-                      <a16:colId xmlns:a16="http://schemas.microsoft.com/office/drawing/2014/main" xmlns="" val="20003"/>
+                      <a16:colId xmlns="" xmlns:a16="http://schemas.microsoft.com/office/drawing/2014/main" val="20003"/>
                     </a:ext>
                   </a:extLst>
                 </a:gridCol>
                 <a:gridCol w="531047">
                   <a:extLst>
                     <a:ext uri="{9D8B030D-6E8A-4147-A177-3AD203B41FA5}">
-                      <a16:colId xmlns:a16="http://schemas.microsoft.com/office/drawing/2014/main" xmlns="" val="20004"/>
+                      <a16:colId xmlns="" xmlns:a16="http://schemas.microsoft.com/office/drawing/2014/main" val="20004"/>
                     </a:ext>
                   </a:extLst>
                 </a:gridCol>
                 <a:gridCol w="531047">
                   <a:extLst>
                     <a:ext uri="{9D8B030D-6E8A-4147-A177-3AD203B41FA5}">
-                      <a16:colId xmlns:a16="http://schemas.microsoft.com/office/drawing/2014/main" xmlns="" val="3393601540"/>
+                      <a16:colId xmlns="" xmlns:a16="http://schemas.microsoft.com/office/drawing/2014/main" val="3393601540"/>
                     </a:ext>
                   </a:extLst>
                 </a:gridCol>
                 <a:gridCol w="531047">
                   <a:extLst>
                     <a:ext uri="{9D8B030D-6E8A-4147-A177-3AD203B41FA5}">
-                      <a16:colId xmlns:a16="http://schemas.microsoft.com/office/drawing/2014/main" xmlns="" val="3679918837"/>
+                      <a16:colId xmlns="" xmlns:a16="http://schemas.microsoft.com/office/drawing/2014/main" val="3679918837"/>
                     </a:ext>
                   </a:extLst>
                 </a:gridCol>
                 <a:gridCol w="514332">
                   <a:extLst>
                     <a:ext uri="{9D8B030D-6E8A-4147-A177-3AD203B41FA5}">
-                      <a16:colId xmlns:a16="http://schemas.microsoft.com/office/drawing/2014/main" xmlns="" val="2897207107"/>
+                      <a16:colId xmlns="" xmlns:a16="http://schemas.microsoft.com/office/drawing/2014/main" val="2897207107"/>
                     </a:ext>
                   </a:extLst>
                 </a:gridCol>
                 <a:gridCol w="514332">
                   <a:extLst>
                     <a:ext uri="{9D8B030D-6E8A-4147-A177-3AD203B41FA5}">
-                      <a16:colId xmlns:a16="http://schemas.microsoft.com/office/drawing/2014/main" xmlns="" val="2482035779"/>
+                      <a16:colId xmlns="" xmlns:a16="http://schemas.microsoft.com/office/drawing/2014/main" val="2482035779"/>
                     </a:ext>
                   </a:extLst>
                 </a:gridCol>
                 <a:gridCol w="514332">
                   <a:extLst>
                     <a:ext uri="{9D8B030D-6E8A-4147-A177-3AD203B41FA5}">
-                      <a16:colId xmlns:a16="http://schemas.microsoft.com/office/drawing/2014/main" xmlns="" val="3678108844"/>
+                      <a16:colId xmlns="" xmlns:a16="http://schemas.microsoft.com/office/drawing/2014/main" val="3678108844"/>
                     </a:ext>
                   </a:extLst>
                 </a:gridCol>
                 <a:gridCol w="514332">
                   <a:extLst>
                     <a:ext uri="{9D8B030D-6E8A-4147-A177-3AD203B41FA5}">
-                      <a16:colId xmlns:a16="http://schemas.microsoft.com/office/drawing/2014/main" xmlns="" val="1513467911"/>
+                      <a16:colId xmlns="" xmlns:a16="http://schemas.microsoft.com/office/drawing/2014/main" val="1513467911"/>
                     </a:ext>
                   </a:extLst>
                 </a:gridCol>
                 <a:gridCol w="514332">
                   <a:extLst>
                     <a:ext uri="{9D8B030D-6E8A-4147-A177-3AD203B41FA5}">
-                      <a16:colId xmlns:a16="http://schemas.microsoft.com/office/drawing/2014/main" xmlns="" val="20008"/>
+                      <a16:colId xmlns="" xmlns:a16="http://schemas.microsoft.com/office/drawing/2014/main" val="20008"/>
                     </a:ext>
                   </a:extLst>
                 </a:gridCol>
                 <a:gridCol w="514332">
                   <a:extLst>
                     <a:ext uri="{9D8B030D-6E8A-4147-A177-3AD203B41FA5}">
-                      <a16:colId xmlns:a16="http://schemas.microsoft.com/office/drawing/2014/main" xmlns="" val="3474974294"/>
+                      <a16:colId xmlns="" xmlns:a16="http://schemas.microsoft.com/office/drawing/2014/main" val="3474974294"/>
                     </a:ext>
                   </a:extLst>
                 </a:gridCol>
                 <a:gridCol w="514332">
                   <a:extLst>
                     <a:ext uri="{9D8B030D-6E8A-4147-A177-3AD203B41FA5}">
-                      <a16:colId xmlns:a16="http://schemas.microsoft.com/office/drawing/2014/main" xmlns="" val="2739021416"/>
+                      <a16:colId xmlns="" xmlns:a16="http://schemas.microsoft.com/office/drawing/2014/main" val="2739021416"/>
                     </a:ext>
                   </a:extLst>
                 </a:gridCol>
                 <a:gridCol w="514332">
                   <a:extLst>
                     <a:ext uri="{9D8B030D-6E8A-4147-A177-3AD203B41FA5}">
-                      <a16:colId xmlns:a16="http://schemas.microsoft.com/office/drawing/2014/main" xmlns="" val="876172250"/>
+                      <a16:colId xmlns="" xmlns:a16="http://schemas.microsoft.com/office/drawing/2014/main" val="876172250"/>
                     </a:ext>
                   </a:extLst>
                 </a:gridCol>
                 <a:gridCol w="514332">
                   <a:extLst>
                     <a:ext uri="{9D8B030D-6E8A-4147-A177-3AD203B41FA5}">
-                      <a16:colId xmlns:a16="http://schemas.microsoft.com/office/drawing/2014/main" xmlns="" val="20011"/>
+                      <a16:colId xmlns="" xmlns:a16="http://schemas.microsoft.com/office/drawing/2014/main" val="20011"/>
                     </a:ext>
                   </a:extLst>
                 </a:gridCol>
                 <a:gridCol w="514332">
                   <a:extLst>
                     <a:ext uri="{9D8B030D-6E8A-4147-A177-3AD203B41FA5}">
-                      <a16:colId xmlns:a16="http://schemas.microsoft.com/office/drawing/2014/main" xmlns="" val="20012"/>
+                      <a16:colId xmlns="" xmlns:a16="http://schemas.microsoft.com/office/drawing/2014/main" val="20012"/>
                     </a:ext>
                   </a:extLst>
                 </a:gridCol>
                 <a:gridCol w="514332">
                   <a:extLst>
                     <a:ext uri="{9D8B030D-6E8A-4147-A177-3AD203B41FA5}">
-                      <a16:colId xmlns:a16="http://schemas.microsoft.com/office/drawing/2014/main" xmlns="" val="20005"/>
+                      <a16:colId xmlns="" xmlns:a16="http://schemas.microsoft.com/office/drawing/2014/main" val="20005"/>
                     </a:ext>
                   </a:extLst>
                 </a:gridCol>
                 <a:gridCol w="514332">
                   <a:extLst>
                     <a:ext uri="{9D8B030D-6E8A-4147-A177-3AD203B41FA5}">
-                      <a16:colId xmlns:a16="http://schemas.microsoft.com/office/drawing/2014/main" xmlns="" val="3644493182"/>
+                      <a16:colId xmlns="" xmlns:a16="http://schemas.microsoft.com/office/drawing/2014/main" val="3644493182"/>
                     </a:ext>
                   </a:extLst>
                 </a:gridCol>
                 <a:gridCol w="514332">
                   <a:extLst>
                     <a:ext uri="{9D8B030D-6E8A-4147-A177-3AD203B41FA5}">
-                      <a16:colId xmlns:a16="http://schemas.microsoft.com/office/drawing/2014/main" xmlns="" val="20016"/>
+                      <a16:colId xmlns="" xmlns:a16="http://schemas.microsoft.com/office/drawing/2014/main" val="20016"/>
                     </a:ext>
                   </a:extLst>
                 </a:gridCol>
                 <a:gridCol w="514332">
                   <a:extLst>
                     <a:ext uri="{9D8B030D-6E8A-4147-A177-3AD203B41FA5}">
-                      <a16:colId xmlns:a16="http://schemas.microsoft.com/office/drawing/2014/main" xmlns="" val="20017"/>
+                      <a16:colId xmlns="" xmlns:a16="http://schemas.microsoft.com/office/drawing/2014/main" val="20017"/>
                     </a:ext>
                   </a:extLst>
                 </a:gridCol>
                 <a:gridCol w="514332">
                   <a:extLst>
                     <a:ext uri="{9D8B030D-6E8A-4147-A177-3AD203B41FA5}">
-                      <a16:colId xmlns:a16="http://schemas.microsoft.com/office/drawing/2014/main" xmlns="" val="20018"/>
+                      <a16:colId xmlns="" xmlns:a16="http://schemas.microsoft.com/office/drawing/2014/main" val="20018"/>
                     </a:ext>
                   </a:extLst>
                 </a:gridCol>
                 <a:gridCol w="514332">
                   <a:extLst>
                     <a:ext uri="{9D8B030D-6E8A-4147-A177-3AD203B41FA5}">
-                      <a16:colId xmlns:a16="http://schemas.microsoft.com/office/drawing/2014/main" xmlns="" val="20019"/>
+                      <a16:colId xmlns="" xmlns:a16="http://schemas.microsoft.com/office/drawing/2014/main" val="20019"/>
                     </a:ext>
                   </a:extLst>
                 </a:gridCol>
@@ -22903,7 +22903,7 @@
                 </a:tc>
                 <a:extLst>
                   <a:ext uri="{0D108BD9-81ED-4DB2-BD59-A6C34878D82A}">
-                    <a16:rowId xmlns:a16="http://schemas.microsoft.com/office/drawing/2014/main" xmlns="" val="4157930470"/>
+                    <a16:rowId xmlns="" xmlns:a16="http://schemas.microsoft.com/office/drawing/2014/main" val="4157930470"/>
                   </a:ext>
                 </a:extLst>
               </a:tr>
@@ -23538,7 +23538,7 @@
                 </a:tc>
                 <a:extLst>
                   <a:ext uri="{0D108BD9-81ED-4DB2-BD59-A6C34878D82A}">
-                    <a16:rowId xmlns:a16="http://schemas.microsoft.com/office/drawing/2014/main" xmlns="" val="10000"/>
+                    <a16:rowId xmlns="" xmlns:a16="http://schemas.microsoft.com/office/drawing/2014/main" val="10000"/>
                   </a:ext>
                 </a:extLst>
               </a:tr>
@@ -24173,7 +24173,7 @@
                 </a:tc>
                 <a:extLst>
                   <a:ext uri="{0D108BD9-81ED-4DB2-BD59-A6C34878D82A}">
-                    <a16:rowId xmlns:a16="http://schemas.microsoft.com/office/drawing/2014/main" xmlns="" val="10002"/>
+                    <a16:rowId xmlns="" xmlns:a16="http://schemas.microsoft.com/office/drawing/2014/main" val="10002"/>
                   </a:ext>
                 </a:extLst>
               </a:tr>
@@ -24783,7 +24783,7 @@
                 </a:tc>
                 <a:extLst>
                   <a:ext uri="{0D108BD9-81ED-4DB2-BD59-A6C34878D82A}">
-                    <a16:rowId xmlns:a16="http://schemas.microsoft.com/office/drawing/2014/main" xmlns="" val="10003"/>
+                    <a16:rowId xmlns="" xmlns:a16="http://schemas.microsoft.com/office/drawing/2014/main" val="10003"/>
                   </a:ext>
                 </a:extLst>
               </a:tr>
@@ -24800,14 +24800,14 @@
           <p:nvPr>
             <p:extLst>
               <p:ext uri="{D42A27DB-BD31-4B8C-83A1-F6EECF244321}">
-                <p14:modId xmlns:p14="http://schemas.microsoft.com/office/powerpoint/2010/main" val="4261269862"/>
+                <p14:modId xmlns:p14="http://schemas.microsoft.com/office/powerpoint/2010/main" val="1253569340"/>
               </p:ext>
             </p:extLst>
           </p:nvPr>
         </p:nvGraphicFramePr>
         <p:xfrm>
-          <a:off x="1046533" y="3932958"/>
-          <a:ext cx="11057031" cy="2588832"/>
+          <a:off x="1046533" y="3483545"/>
+          <a:ext cx="11057031" cy="2989768"/>
         </p:xfrm>
         <a:graphic>
           <a:graphicData uri="http://schemas.openxmlformats.org/drawingml/2006/table">
@@ -24819,140 +24819,140 @@
                 <a:gridCol w="678743">
                   <a:extLst>
                     <a:ext uri="{9D8B030D-6E8A-4147-A177-3AD203B41FA5}">
-                      <a16:colId xmlns:a16="http://schemas.microsoft.com/office/drawing/2014/main" xmlns="" val="20003"/>
+                      <a16:colId xmlns="" xmlns:a16="http://schemas.microsoft.com/office/drawing/2014/main" val="20003"/>
                     </a:ext>
                   </a:extLst>
                 </a:gridCol>
                 <a:gridCol w="643923">
                   <a:extLst>
                     <a:ext uri="{9D8B030D-6E8A-4147-A177-3AD203B41FA5}">
-                      <a16:colId xmlns:a16="http://schemas.microsoft.com/office/drawing/2014/main" xmlns="" val="3950370602"/>
+                      <a16:colId xmlns="" xmlns:a16="http://schemas.microsoft.com/office/drawing/2014/main" val="3950370602"/>
                     </a:ext>
                   </a:extLst>
                 </a:gridCol>
                 <a:gridCol w="475651">
                   <a:extLst>
                     <a:ext uri="{9D8B030D-6E8A-4147-A177-3AD203B41FA5}">
-                      <a16:colId xmlns:a16="http://schemas.microsoft.com/office/drawing/2014/main" xmlns="" val="892499354"/>
+                      <a16:colId xmlns="" xmlns:a16="http://schemas.microsoft.com/office/drawing/2014/main" val="892499354"/>
                     </a:ext>
                   </a:extLst>
                 </a:gridCol>
                 <a:gridCol w="475651">
                   <a:extLst>
                     <a:ext uri="{9D8B030D-6E8A-4147-A177-3AD203B41FA5}">
-                      <a16:colId xmlns:a16="http://schemas.microsoft.com/office/drawing/2014/main" xmlns="" val="2890376269"/>
+                      <a16:colId xmlns="" xmlns:a16="http://schemas.microsoft.com/office/drawing/2014/main" val="2890376269"/>
                     </a:ext>
                   </a:extLst>
                 </a:gridCol>
                 <a:gridCol w="501602">
                   <a:extLst>
                     <a:ext uri="{9D8B030D-6E8A-4147-A177-3AD203B41FA5}">
-                      <a16:colId xmlns:a16="http://schemas.microsoft.com/office/drawing/2014/main" xmlns="" val="2351848522"/>
+                      <a16:colId xmlns="" xmlns:a16="http://schemas.microsoft.com/office/drawing/2014/main" val="2351848522"/>
                     </a:ext>
                   </a:extLst>
                 </a:gridCol>
                 <a:gridCol w="501602">
                   <a:extLst>
                     <a:ext uri="{9D8B030D-6E8A-4147-A177-3AD203B41FA5}">
-                      <a16:colId xmlns:a16="http://schemas.microsoft.com/office/drawing/2014/main" xmlns="" val="3951773805"/>
+                      <a16:colId xmlns="" xmlns:a16="http://schemas.microsoft.com/office/drawing/2014/main" val="3951773805"/>
                     </a:ext>
                   </a:extLst>
                 </a:gridCol>
                 <a:gridCol w="501602">
                   <a:extLst>
                     <a:ext uri="{9D8B030D-6E8A-4147-A177-3AD203B41FA5}">
-                      <a16:colId xmlns:a16="http://schemas.microsoft.com/office/drawing/2014/main" xmlns="" val="20005"/>
+                      <a16:colId xmlns="" xmlns:a16="http://schemas.microsoft.com/office/drawing/2014/main" val="20005"/>
                     </a:ext>
                   </a:extLst>
                 </a:gridCol>
                 <a:gridCol w="501602">
                   <a:extLst>
                     <a:ext uri="{9D8B030D-6E8A-4147-A177-3AD203B41FA5}">
-                      <a16:colId xmlns:a16="http://schemas.microsoft.com/office/drawing/2014/main" xmlns="" val="1658949460"/>
+                      <a16:colId xmlns="" xmlns:a16="http://schemas.microsoft.com/office/drawing/2014/main" val="1658949460"/>
                     </a:ext>
                   </a:extLst>
                 </a:gridCol>
                 <a:gridCol w="501602">
                   <a:extLst>
                     <a:ext uri="{9D8B030D-6E8A-4147-A177-3AD203B41FA5}">
-                      <a16:colId xmlns:a16="http://schemas.microsoft.com/office/drawing/2014/main" xmlns="" val="4009511739"/>
+                      <a16:colId xmlns="" xmlns:a16="http://schemas.microsoft.com/office/drawing/2014/main" val="4009511739"/>
                     </a:ext>
                   </a:extLst>
                 </a:gridCol>
                 <a:gridCol w="648032">
                   <a:extLst>
                     <a:ext uri="{9D8B030D-6E8A-4147-A177-3AD203B41FA5}">
-                      <a16:colId xmlns:a16="http://schemas.microsoft.com/office/drawing/2014/main" xmlns="" val="915448942"/>
+                      <a16:colId xmlns="" xmlns:a16="http://schemas.microsoft.com/office/drawing/2014/main" val="915448942"/>
                     </a:ext>
                   </a:extLst>
                 </a:gridCol>
                 <a:gridCol w="648032">
                   <a:extLst>
                     <a:ext uri="{9D8B030D-6E8A-4147-A177-3AD203B41FA5}">
-                      <a16:colId xmlns:a16="http://schemas.microsoft.com/office/drawing/2014/main" xmlns="" val="20004"/>
+                      <a16:colId xmlns="" xmlns:a16="http://schemas.microsoft.com/office/drawing/2014/main" val="20004"/>
                     </a:ext>
                   </a:extLst>
                 </a:gridCol>
                 <a:gridCol w="523461">
                   <a:extLst>
                     <a:ext uri="{9D8B030D-6E8A-4147-A177-3AD203B41FA5}">
-                      <a16:colId xmlns:a16="http://schemas.microsoft.com/office/drawing/2014/main" xmlns="" val="1735239135"/>
+                      <a16:colId xmlns="" xmlns:a16="http://schemas.microsoft.com/office/drawing/2014/main" val="1735239135"/>
                     </a:ext>
                   </a:extLst>
                 </a:gridCol>
                 <a:gridCol w="523461">
                   <a:extLst>
                     <a:ext uri="{9D8B030D-6E8A-4147-A177-3AD203B41FA5}">
-                      <a16:colId xmlns:a16="http://schemas.microsoft.com/office/drawing/2014/main" xmlns="" val="1012336583"/>
+                      <a16:colId xmlns="" xmlns:a16="http://schemas.microsoft.com/office/drawing/2014/main" val="1012336583"/>
                     </a:ext>
                   </a:extLst>
                 </a:gridCol>
                 <a:gridCol w="523461">
                   <a:extLst>
                     <a:ext uri="{9D8B030D-6E8A-4147-A177-3AD203B41FA5}">
-                      <a16:colId xmlns:a16="http://schemas.microsoft.com/office/drawing/2014/main" xmlns="" val="730367770"/>
+                      <a16:colId xmlns="" xmlns:a16="http://schemas.microsoft.com/office/drawing/2014/main" val="730367770"/>
                     </a:ext>
                   </a:extLst>
                 </a:gridCol>
                 <a:gridCol w="523461">
                   <a:extLst>
                     <a:ext uri="{9D8B030D-6E8A-4147-A177-3AD203B41FA5}">
-                      <a16:colId xmlns:a16="http://schemas.microsoft.com/office/drawing/2014/main" xmlns="" val="1995509689"/>
+                      <a16:colId xmlns="" xmlns:a16="http://schemas.microsoft.com/office/drawing/2014/main" val="1995509689"/>
                     </a:ext>
                   </a:extLst>
                 </a:gridCol>
                 <a:gridCol w="523461">
                   <a:extLst>
                     <a:ext uri="{9D8B030D-6E8A-4147-A177-3AD203B41FA5}">
-                      <a16:colId xmlns:a16="http://schemas.microsoft.com/office/drawing/2014/main" xmlns="" val="4059945013"/>
+                      <a16:colId xmlns="" xmlns:a16="http://schemas.microsoft.com/office/drawing/2014/main" val="4059945013"/>
                     </a:ext>
                   </a:extLst>
                 </a:gridCol>
                 <a:gridCol w="523461">
                   <a:extLst>
                     <a:ext uri="{9D8B030D-6E8A-4147-A177-3AD203B41FA5}">
-                      <a16:colId xmlns:a16="http://schemas.microsoft.com/office/drawing/2014/main" xmlns="" val="20013"/>
+                      <a16:colId xmlns="" xmlns:a16="http://schemas.microsoft.com/office/drawing/2014/main" val="20013"/>
                     </a:ext>
                   </a:extLst>
                 </a:gridCol>
                 <a:gridCol w="612741">
                   <a:extLst>
                     <a:ext uri="{9D8B030D-6E8A-4147-A177-3AD203B41FA5}">
-                      <a16:colId xmlns:a16="http://schemas.microsoft.com/office/drawing/2014/main" xmlns="" val="563954548"/>
+                      <a16:colId xmlns="" xmlns:a16="http://schemas.microsoft.com/office/drawing/2014/main" val="563954548"/>
                     </a:ext>
                   </a:extLst>
                 </a:gridCol>
                 <a:gridCol w="612741">
                   <a:extLst>
                     <a:ext uri="{9D8B030D-6E8A-4147-A177-3AD203B41FA5}">
-                      <a16:colId xmlns:a16="http://schemas.microsoft.com/office/drawing/2014/main" xmlns="" val="626849779"/>
+                      <a16:colId xmlns="" xmlns:a16="http://schemas.microsoft.com/office/drawing/2014/main" val="626849779"/>
                     </a:ext>
                   </a:extLst>
                 </a:gridCol>
                 <a:gridCol w="612741">
                   <a:extLst>
                     <a:ext uri="{9D8B030D-6E8A-4147-A177-3AD203B41FA5}">
-                      <a16:colId xmlns:a16="http://schemas.microsoft.com/office/drawing/2014/main" xmlns="" val="2774746132"/>
+                      <a16:colId xmlns="" xmlns:a16="http://schemas.microsoft.com/office/drawing/2014/main" val="2774746132"/>
                     </a:ext>
                   </a:extLst>
                 </a:gridCol>
@@ -25280,7 +25280,7 @@
                 </a:tc>
                 <a:extLst>
                   <a:ext uri="{0D108BD9-81ED-4DB2-BD59-A6C34878D82A}">
-                    <a16:rowId xmlns:a16="http://schemas.microsoft.com/office/drawing/2014/main" xmlns="" val="290152553"/>
+                    <a16:rowId xmlns="" xmlns:a16="http://schemas.microsoft.com/office/drawing/2014/main" val="290152553"/>
                   </a:ext>
                 </a:extLst>
               </a:tr>
@@ -26027,7 +26027,7 @@
                 </a:tc>
                 <a:extLst>
                   <a:ext uri="{0D108BD9-81ED-4DB2-BD59-A6C34878D82A}">
-                    <a16:rowId xmlns:a16="http://schemas.microsoft.com/office/drawing/2014/main" xmlns="" val="1372355905"/>
+                    <a16:rowId xmlns="" xmlns:a16="http://schemas.microsoft.com/office/drawing/2014/main" val="1372355905"/>
                   </a:ext>
                 </a:extLst>
               </a:tr>
@@ -26528,7 +26528,7 @@
                 </a:tc>
                 <a:extLst>
                   <a:ext uri="{0D108BD9-81ED-4DB2-BD59-A6C34878D82A}">
-                    <a16:rowId xmlns:a16="http://schemas.microsoft.com/office/drawing/2014/main" xmlns="" val="10005"/>
+                    <a16:rowId xmlns="" xmlns:a16="http://schemas.microsoft.com/office/drawing/2014/main" val="10005"/>
                   </a:ext>
                 </a:extLst>
               </a:tr>
@@ -27040,7 +27040,7 @@
                 </a:tc>
                 <a:extLst>
                   <a:ext uri="{0D108BD9-81ED-4DB2-BD59-A6C34878D82A}">
-                    <a16:rowId xmlns:a16="http://schemas.microsoft.com/office/drawing/2014/main" xmlns="" val="10006"/>
+                    <a16:rowId xmlns="" xmlns:a16="http://schemas.microsoft.com/office/drawing/2014/main" val="10006"/>
                   </a:ext>
                 </a:extLst>
               </a:tr>
@@ -27079,550 +27079,6 @@
                           </a:solidFill>
                         </a:rPr>
                         <a:t>●</a:t>
-                      </a:r>
-                      <a:endParaRPr lang="zh-TW" altLang="en-US" sz="1200" dirty="0">
-                        <a:solidFill>
-                          <a:schemeClr val="tx1"/>
-                        </a:solidFill>
-                        <a:latin typeface="微軟正黑體" panose="020B0604030504040204" pitchFamily="34" charset="-120"/>
-                        <a:ea typeface="微軟正黑體" panose="020B0604030504040204" pitchFamily="34" charset="-120"/>
-                      </a:endParaRPr>
-                    </a:p>
-                  </a:txBody>
-                  <a:tcPr marL="9525" marR="9525" marT="9525" marB="0" anchor="ctr"/>
-                </a:tc>
-                <a:tc>
-                  <a:txBody>
-                    <a:bodyPr/>
-                    <a:lstStyle/>
-                    <a:p>
-                      <a:pPr algn="ctr"/>
-                      <a:r>
-                        <a:rPr lang="zh-TW" altLang="en-US" sz="1200" dirty="0">
-                          <a:solidFill>
-                            <a:schemeClr val="tx1"/>
-                          </a:solidFill>
-                        </a:rPr>
-                        <a:t>─</a:t>
-                      </a:r>
-                    </a:p>
-                  </a:txBody>
-                  <a:tcPr marL="9525" marR="9525" marT="9525" marB="0" anchor="ctr"/>
-                </a:tc>
-                <a:tc>
-                  <a:txBody>
-                    <a:bodyPr/>
-                    <a:lstStyle/>
-                    <a:p>
-                      <a:pPr algn="ctr"/>
-                      <a:r>
-                        <a:rPr lang="zh-TW" altLang="en-US" sz="1200" kern="0" dirty="0">
-                          <a:solidFill>
-                            <a:schemeClr val="tx1"/>
-                          </a:solidFill>
-                        </a:rPr>
-                        <a:t>○</a:t>
-                      </a:r>
-                      <a:endParaRPr lang="zh-TW" altLang="en-US" sz="1200" dirty="0">
-                        <a:solidFill>
-                          <a:schemeClr val="tx1"/>
-                        </a:solidFill>
-                        <a:latin typeface="微軟正黑體" panose="020B0604030504040204" pitchFamily="34" charset="-120"/>
-                        <a:ea typeface="微軟正黑體" panose="020B0604030504040204" pitchFamily="34" charset="-120"/>
-                      </a:endParaRPr>
-                    </a:p>
-                  </a:txBody>
-                  <a:tcPr marL="9525" marR="9525" marT="9525" marB="0" anchor="ctr"/>
-                </a:tc>
-                <a:tc>
-                  <a:txBody>
-                    <a:bodyPr/>
-                    <a:lstStyle/>
-                    <a:p>
-                      <a:pPr algn="ctr"/>
-                      <a:r>
-                        <a:rPr lang="en-US" altLang="zh-TW" sz="1200" kern="0" dirty="0">
-                          <a:solidFill>
-                            <a:schemeClr val="tx1"/>
-                          </a:solidFill>
-                        </a:rPr>
-                        <a:t>●</a:t>
-                      </a:r>
-                      <a:endParaRPr lang="zh-TW" altLang="en-US" sz="1200" dirty="0">
-                        <a:solidFill>
-                          <a:schemeClr val="tx1"/>
-                        </a:solidFill>
-                        <a:latin typeface="微軟正黑體" panose="020B0604030504040204" pitchFamily="34" charset="-120"/>
-                        <a:ea typeface="微軟正黑體" panose="020B0604030504040204" pitchFamily="34" charset="-120"/>
-                      </a:endParaRPr>
-                    </a:p>
-                  </a:txBody>
-                  <a:tcPr marL="9525" marR="9525" marT="9525" marB="0" anchor="ctr"/>
-                </a:tc>
-                <a:tc>
-                  <a:txBody>
-                    <a:bodyPr/>
-                    <a:lstStyle/>
-                    <a:p>
-                      <a:pPr algn="ctr"/>
-                      <a:r>
-                        <a:rPr lang="en-US" altLang="zh-TW" sz="1200" kern="0" dirty="0">
-                          <a:solidFill>
-                            <a:schemeClr val="tx1"/>
-                          </a:solidFill>
-                        </a:rPr>
-                        <a:t>●</a:t>
-                      </a:r>
-                      <a:endParaRPr lang="zh-TW" altLang="en-US" sz="1200" dirty="0">
-                        <a:solidFill>
-                          <a:schemeClr val="tx1"/>
-                        </a:solidFill>
-                        <a:latin typeface="微軟正黑體" panose="020B0604030504040204" pitchFamily="34" charset="-120"/>
-                        <a:ea typeface="微軟正黑體" panose="020B0604030504040204" pitchFamily="34" charset="-120"/>
-                      </a:endParaRPr>
-                    </a:p>
-                  </a:txBody>
-                  <a:tcPr marL="9525" marR="9525" marT="9525" marB="0" anchor="ctr"/>
-                </a:tc>
-                <a:tc>
-                  <a:txBody>
-                    <a:bodyPr/>
-                    <a:lstStyle/>
-                    <a:p>
-                      <a:pPr algn="ctr"/>
-                      <a:r>
-                        <a:rPr lang="en-US" altLang="zh-TW" sz="1200" kern="0" dirty="0">
-                          <a:solidFill>
-                            <a:schemeClr val="tx1"/>
-                          </a:solidFill>
-                        </a:rPr>
-                        <a:t>●</a:t>
-                      </a:r>
-                      <a:endParaRPr lang="zh-TW" altLang="en-US" sz="1200" dirty="0">
-                        <a:solidFill>
-                          <a:schemeClr val="tx1"/>
-                        </a:solidFill>
-                        <a:latin typeface="微軟正黑體" panose="020B0604030504040204" pitchFamily="34" charset="-120"/>
-                        <a:ea typeface="微軟正黑體" panose="020B0604030504040204" pitchFamily="34" charset="-120"/>
-                      </a:endParaRPr>
-                    </a:p>
-                  </a:txBody>
-                  <a:tcPr marL="9525" marR="9525" marT="9525" marB="0" anchor="ctr"/>
-                </a:tc>
-                <a:tc>
-                  <a:txBody>
-                    <a:bodyPr/>
-                    <a:lstStyle/>
-                    <a:p>
-                      <a:pPr algn="ctr"/>
-                      <a:r>
-                        <a:rPr lang="en-US" altLang="zh-TW" sz="1200" kern="0" dirty="0">
-                          <a:solidFill>
-                            <a:schemeClr val="tx1"/>
-                          </a:solidFill>
-                        </a:rPr>
-                        <a:t>●</a:t>
-                      </a:r>
-                      <a:endParaRPr lang="zh-TW" altLang="en-US" sz="1200" dirty="0">
-                        <a:solidFill>
-                          <a:schemeClr val="tx1"/>
-                        </a:solidFill>
-                        <a:latin typeface="微軟正黑體" panose="020B0604030504040204" pitchFamily="34" charset="-120"/>
-                        <a:ea typeface="微軟正黑體" panose="020B0604030504040204" pitchFamily="34" charset="-120"/>
-                      </a:endParaRPr>
-                    </a:p>
-                  </a:txBody>
-                  <a:tcPr marL="9525" marR="9525" marT="9525" marB="0" anchor="ctr"/>
-                </a:tc>
-                <a:tc>
-                  <a:txBody>
-                    <a:bodyPr/>
-                    <a:lstStyle/>
-                    <a:p>
-                      <a:pPr algn="ctr"/>
-                      <a:r>
-                        <a:rPr lang="en-US" altLang="zh-TW" sz="1200" kern="0" dirty="0">
-                          <a:solidFill>
-                            <a:schemeClr val="tx1"/>
-                          </a:solidFill>
-                        </a:rPr>
-                        <a:t>●</a:t>
-                      </a:r>
-                      <a:endParaRPr lang="zh-TW" altLang="en-US" sz="1200" dirty="0">
-                        <a:solidFill>
-                          <a:schemeClr val="tx1"/>
-                        </a:solidFill>
-                        <a:latin typeface="微軟正黑體" panose="020B0604030504040204" pitchFamily="34" charset="-120"/>
-                        <a:ea typeface="微軟正黑體" panose="020B0604030504040204" pitchFamily="34" charset="-120"/>
-                      </a:endParaRPr>
-                    </a:p>
-                  </a:txBody>
-                  <a:tcPr marL="9525" marR="9525" marT="9525" marB="0" anchor="ctr"/>
-                </a:tc>
-                <a:tc>
-                  <a:txBody>
-                    <a:bodyPr/>
-                    <a:lstStyle/>
-                    <a:p>
-                      <a:pPr algn="ctr"/>
-                      <a:r>
-                        <a:rPr lang="en-US" altLang="zh-TW" sz="1200" kern="0" dirty="0">
-                          <a:solidFill>
-                            <a:schemeClr val="tx1"/>
-                          </a:solidFill>
-                        </a:rPr>
-                        <a:t>●</a:t>
-                      </a:r>
-                      <a:endParaRPr lang="zh-TW" altLang="en-US" sz="1200" dirty="0">
-                        <a:solidFill>
-                          <a:schemeClr val="tx1"/>
-                        </a:solidFill>
-                        <a:latin typeface="微軟正黑體" panose="020B0604030504040204" pitchFamily="34" charset="-120"/>
-                        <a:ea typeface="微軟正黑體" panose="020B0604030504040204" pitchFamily="34" charset="-120"/>
-                      </a:endParaRPr>
-                    </a:p>
-                  </a:txBody>
-                  <a:tcPr marL="9525" marR="9525" marT="9525" marB="0" anchor="ctr"/>
-                </a:tc>
-                <a:tc>
-                  <a:txBody>
-                    <a:bodyPr/>
-                    <a:lstStyle/>
-                    <a:p>
-                      <a:pPr algn="ctr"/>
-                      <a:r>
-                        <a:rPr lang="en-US" altLang="zh-TW" sz="1200" kern="0" dirty="0">
-                          <a:solidFill>
-                            <a:schemeClr val="tx1"/>
-                          </a:solidFill>
-                        </a:rPr>
-                        <a:t>●</a:t>
-                      </a:r>
-                      <a:endParaRPr lang="zh-TW" altLang="en-US" sz="1200" dirty="0">
-                        <a:solidFill>
-                          <a:schemeClr val="tx1"/>
-                        </a:solidFill>
-                        <a:latin typeface="微軟正黑體" panose="020B0604030504040204" pitchFamily="34" charset="-120"/>
-                        <a:ea typeface="微軟正黑體" panose="020B0604030504040204" pitchFamily="34" charset="-120"/>
-                      </a:endParaRPr>
-                    </a:p>
-                  </a:txBody>
-                  <a:tcPr marL="9525" marR="9525" marT="9525" marB="0" anchor="ctr"/>
-                </a:tc>
-                <a:tc>
-                  <a:txBody>
-                    <a:bodyPr/>
-                    <a:lstStyle/>
-                    <a:p>
-                      <a:pPr algn="ctr"/>
-                      <a:r>
-                        <a:rPr lang="en-US" altLang="zh-TW" sz="1200" b="0" kern="0" dirty="0">
-                          <a:solidFill>
-                            <a:schemeClr val="tx1"/>
-                          </a:solidFill>
-                        </a:rPr>
-                        <a:t>●</a:t>
-                      </a:r>
-                      <a:endParaRPr lang="zh-TW" altLang="en-US" sz="1200" b="0" dirty="0">
-                        <a:solidFill>
-                          <a:schemeClr val="tx1"/>
-                        </a:solidFill>
-                        <a:latin typeface="微軟正黑體" panose="020B0604030504040204" pitchFamily="34" charset="-120"/>
-                        <a:ea typeface="微軟正黑體" panose="020B0604030504040204" pitchFamily="34" charset="-120"/>
-                      </a:endParaRPr>
-                    </a:p>
-                  </a:txBody>
-                  <a:tcPr marL="9525" marR="9525" marT="9525" marB="0" anchor="ctr"/>
-                </a:tc>
-                <a:tc>
-                  <a:txBody>
-                    <a:bodyPr/>
-                    <a:lstStyle/>
-                    <a:p>
-                      <a:pPr algn="ctr"/>
-                      <a:r>
-                        <a:rPr lang="zh-TW" altLang="en-US" sz="1200" kern="0" dirty="0">
-                          <a:solidFill>
-                            <a:schemeClr val="tx1"/>
-                          </a:solidFill>
-                        </a:rPr>
-                        <a:t>○</a:t>
-                      </a:r>
-                      <a:endParaRPr lang="zh-TW" altLang="en-US" sz="1200" dirty="0">
-                        <a:solidFill>
-                          <a:schemeClr val="tx1"/>
-                        </a:solidFill>
-                        <a:latin typeface="微軟正黑體" panose="020B0604030504040204" pitchFamily="34" charset="-120"/>
-                        <a:ea typeface="微軟正黑體" panose="020B0604030504040204" pitchFamily="34" charset="-120"/>
-                      </a:endParaRPr>
-                    </a:p>
-                  </a:txBody>
-                  <a:tcPr marL="9525" marR="9525" marT="9525" marB="0" anchor="ctr"/>
-                </a:tc>
-                <a:tc>
-                  <a:txBody>
-                    <a:bodyPr/>
-                    <a:lstStyle/>
-                    <a:p>
-                      <a:pPr algn="ctr"/>
-                      <a:r>
-                        <a:rPr lang="en-US" altLang="zh-TW" sz="1200" kern="0" dirty="0">
-                          <a:solidFill>
-                            <a:schemeClr val="tx1"/>
-                          </a:solidFill>
-                        </a:rPr>
-                        <a:t>●</a:t>
-                      </a:r>
-                      <a:endParaRPr lang="zh-TW" altLang="en-US" sz="1200" dirty="0">
-                        <a:solidFill>
-                          <a:schemeClr val="tx1"/>
-                        </a:solidFill>
-                        <a:latin typeface="微軟正黑體" panose="020B0604030504040204" pitchFamily="34" charset="-120"/>
-                        <a:ea typeface="微軟正黑體" panose="020B0604030504040204" pitchFamily="34" charset="-120"/>
-                      </a:endParaRPr>
-                    </a:p>
-                  </a:txBody>
-                  <a:tcPr marL="9525" marR="9525" marT="9525" marB="0" anchor="ctr"/>
-                </a:tc>
-                <a:tc>
-                  <a:txBody>
-                    <a:bodyPr/>
-                    <a:lstStyle/>
-                    <a:p>
-                      <a:pPr algn="ctr"/>
-                      <a:r>
-                        <a:rPr lang="zh-TW" altLang="en-US" sz="1200" kern="0" dirty="0">
-                          <a:solidFill>
-                            <a:schemeClr val="tx1"/>
-                          </a:solidFill>
-                        </a:rPr>
-                        <a:t>○</a:t>
-                      </a:r>
-                      <a:endParaRPr lang="zh-TW" altLang="en-US" sz="1200" dirty="0">
-                        <a:solidFill>
-                          <a:schemeClr val="tx1"/>
-                        </a:solidFill>
-                        <a:latin typeface="微軟正黑體" panose="020B0604030504040204" pitchFamily="34" charset="-120"/>
-                        <a:ea typeface="微軟正黑體" panose="020B0604030504040204" pitchFamily="34" charset="-120"/>
-                      </a:endParaRPr>
-                    </a:p>
-                  </a:txBody>
-                  <a:tcPr marL="9525" marR="9525" marT="9525" marB="0" anchor="ctr"/>
-                </a:tc>
-                <a:tc>
-                  <a:txBody>
-                    <a:bodyPr/>
-                    <a:lstStyle/>
-                    <a:p>
-                      <a:pPr algn="ctr"/>
-                      <a:r>
-                        <a:rPr lang="en-US" altLang="zh-TW" sz="1200" kern="0" dirty="0">
-                          <a:solidFill>
-                            <a:schemeClr val="tx1"/>
-                          </a:solidFill>
-                        </a:rPr>
-                        <a:t>●</a:t>
-                      </a:r>
-                      <a:endParaRPr lang="zh-TW" altLang="en-US" sz="1200" dirty="0">
-                        <a:solidFill>
-                          <a:schemeClr val="tx1"/>
-                        </a:solidFill>
-                        <a:latin typeface="微軟正黑體" panose="020B0604030504040204" pitchFamily="34" charset="-120"/>
-                        <a:ea typeface="微軟正黑體" panose="020B0604030504040204" pitchFamily="34" charset="-120"/>
-                      </a:endParaRPr>
-                    </a:p>
-                  </a:txBody>
-                  <a:tcPr marL="9525" marR="9525" marT="9525" marB="0" anchor="ctr"/>
-                </a:tc>
-                <a:tc>
-                  <a:txBody>
-                    <a:bodyPr/>
-                    <a:lstStyle/>
-                    <a:p>
-                      <a:pPr algn="ctr"/>
-                      <a:r>
-                        <a:rPr lang="en-US" altLang="zh-TW" sz="1200" kern="0" dirty="0">
-                          <a:solidFill>
-                            <a:schemeClr val="tx1"/>
-                          </a:solidFill>
-                        </a:rPr>
-                        <a:t>●</a:t>
-                      </a:r>
-                      <a:endParaRPr lang="zh-TW" altLang="en-US" sz="1200" dirty="0">
-                        <a:solidFill>
-                          <a:schemeClr val="tx1"/>
-                        </a:solidFill>
-                        <a:latin typeface="微軟正黑體" panose="020B0604030504040204" pitchFamily="34" charset="-120"/>
-                        <a:ea typeface="微軟正黑體" panose="020B0604030504040204" pitchFamily="34" charset="-120"/>
-                      </a:endParaRPr>
-                    </a:p>
-                  </a:txBody>
-                  <a:tcPr marL="9525" marR="9525" marT="9525" marB="0" anchor="ctr"/>
-                </a:tc>
-                <a:tc>
-                  <a:txBody>
-                    <a:bodyPr/>
-                    <a:lstStyle/>
-                    <a:p>
-                      <a:pPr algn="ctr"/>
-                      <a:r>
-                        <a:rPr lang="en-US" altLang="zh-TW" sz="1200" kern="0" dirty="0">
-                          <a:solidFill>
-                            <a:schemeClr val="tx1"/>
-                          </a:solidFill>
-                        </a:rPr>
-                        <a:t>●</a:t>
-                      </a:r>
-                      <a:endParaRPr lang="zh-TW" altLang="en-US" sz="1200" dirty="0">
-                        <a:solidFill>
-                          <a:schemeClr val="tx1"/>
-                        </a:solidFill>
-                        <a:latin typeface="微軟正黑體" panose="020B0604030504040204" pitchFamily="34" charset="-120"/>
-                        <a:ea typeface="微軟正黑體" panose="020B0604030504040204" pitchFamily="34" charset="-120"/>
-                      </a:endParaRPr>
-                    </a:p>
-                  </a:txBody>
-                  <a:tcPr marL="9525" marR="9525" marT="9525" marB="0" anchor="ctr"/>
-                </a:tc>
-                <a:tc>
-                  <a:txBody>
-                    <a:bodyPr/>
-                    <a:lstStyle/>
-                    <a:p>
-                      <a:pPr algn="ctr"/>
-                      <a:r>
-                        <a:rPr lang="zh-TW" altLang="en-US" sz="1200" kern="0" dirty="0">
-                          <a:solidFill>
-                            <a:schemeClr val="tx1"/>
-                          </a:solidFill>
-                        </a:rPr>
-                        <a:t>○</a:t>
-                      </a:r>
-                      <a:endParaRPr lang="zh-TW" altLang="en-US" sz="1200" dirty="0">
-                        <a:solidFill>
-                          <a:schemeClr val="tx1"/>
-                        </a:solidFill>
-                        <a:latin typeface="微軟正黑體" panose="020B0604030504040204" pitchFamily="34" charset="-120"/>
-                        <a:ea typeface="微軟正黑體" panose="020B0604030504040204" pitchFamily="34" charset="-120"/>
-                      </a:endParaRPr>
-                    </a:p>
-                  </a:txBody>
-                  <a:tcPr marL="9525" marR="9525" marT="9525" marB="0" anchor="ctr"/>
-                </a:tc>
-                <a:tc>
-                  <a:txBody>
-                    <a:bodyPr/>
-                    <a:lstStyle/>
-                    <a:p>
-                      <a:pPr algn="ctr"/>
-                      <a:r>
-                        <a:rPr lang="en-US" altLang="zh-TW" sz="1200" kern="0" dirty="0">
-                          <a:solidFill>
-                            <a:schemeClr val="tx1"/>
-                          </a:solidFill>
-                        </a:rPr>
-                        <a:t>●</a:t>
-                      </a:r>
-                      <a:endParaRPr lang="zh-TW" altLang="en-US" sz="1200" dirty="0">
-                        <a:solidFill>
-                          <a:schemeClr val="tx1"/>
-                        </a:solidFill>
-                        <a:latin typeface="微軟正黑體" panose="020B0604030504040204" pitchFamily="34" charset="-120"/>
-                        <a:ea typeface="微軟正黑體" panose="020B0604030504040204" pitchFamily="34" charset="-120"/>
-                      </a:endParaRPr>
-                    </a:p>
-                  </a:txBody>
-                  <a:tcPr marL="9525" marR="9525" marT="9525" marB="0" anchor="ctr"/>
-                </a:tc>
-                <a:extLst>
-                  <a:ext uri="{0D108BD9-81ED-4DB2-BD59-A6C34878D82A}">
-                    <a16:rowId xmlns:a16="http://schemas.microsoft.com/office/drawing/2014/main" xmlns="" val="10007"/>
-                  </a:ext>
-                </a:extLst>
-              </a:tr>
-              <a:tr h="400936">
-                <a:tc>
-                  <a:txBody>
-                    <a:bodyPr/>
-                    <a:lstStyle/>
-                    <a:p>
-                      <a:pPr algn="ctr"/>
-                      <a:r>
-                        <a:rPr lang="zh-TW" altLang="en-US" sz="1200" dirty="0">
-                          <a:latin typeface="微軟正黑體" panose="020B0604030504040204" pitchFamily="34" charset="-120"/>
-                          <a:ea typeface="微軟正黑體" panose="020B0604030504040204" pitchFamily="34" charset="-120"/>
-                        </a:rPr>
-                        <a:t>高雄輕軌</a:t>
-                      </a:r>
-                      <a:endParaRPr lang="zh-TW" altLang="en-US" sz="1200" b="1" dirty="0">
-                        <a:latin typeface="微軟正黑體" panose="020B0604030504040204" pitchFamily="34" charset="-120"/>
-                        <a:ea typeface="微軟正黑體" panose="020B0604030504040204" pitchFamily="34" charset="-120"/>
-                      </a:endParaRPr>
-                    </a:p>
-                  </a:txBody>
-                  <a:tcPr marL="9525" marR="9525" marT="9525" marB="0" anchor="ctr"/>
-                </a:tc>
-                <a:tc>
-                  <a:txBody>
-                    <a:bodyPr/>
-                    <a:lstStyle/>
-                    <a:p>
-                      <a:pPr algn="ctr"/>
-                      <a:r>
-                        <a:rPr lang="zh-TW" altLang="en-US" sz="1200" kern="0" dirty="0">
-                          <a:solidFill>
-                            <a:schemeClr val="tx1"/>
-                          </a:solidFill>
-                        </a:rPr>
-                        <a:t>○</a:t>
-                      </a:r>
-                      <a:endParaRPr lang="zh-TW" altLang="en-US" sz="1200" dirty="0">
-                        <a:solidFill>
-                          <a:schemeClr val="tx1"/>
-                        </a:solidFill>
-                        <a:latin typeface="微軟正黑體" panose="020B0604030504040204" pitchFamily="34" charset="-120"/>
-                        <a:ea typeface="微軟正黑體" panose="020B0604030504040204" pitchFamily="34" charset="-120"/>
-                      </a:endParaRPr>
-                    </a:p>
-                  </a:txBody>
-                  <a:tcPr marL="9525" marR="9525" marT="9525" marB="0" anchor="ctr"/>
-                </a:tc>
-                <a:tc>
-                  <a:txBody>
-                    <a:bodyPr/>
-                    <a:lstStyle/>
-                    <a:p>
-                      <a:pPr algn="ctr"/>
-                      <a:r>
-                        <a:rPr lang="zh-TW" altLang="en-US" sz="1200" kern="0" dirty="0">
-                          <a:solidFill>
-                            <a:schemeClr val="tx1"/>
-                          </a:solidFill>
-                        </a:rPr>
-                        <a:t>○</a:t>
-                      </a:r>
-                      <a:endParaRPr lang="zh-TW" altLang="en-US" sz="1200" dirty="0">
-                        <a:solidFill>
-                          <a:schemeClr val="tx1"/>
-                        </a:solidFill>
-                      </a:endParaRPr>
-                    </a:p>
-                  </a:txBody>
-                  <a:tcPr marL="9525" marR="9525" marT="9525" marB="0" anchor="ctr"/>
-                </a:tc>
-                <a:tc>
-                  <a:txBody>
-                    <a:bodyPr/>
-                    <a:lstStyle/>
-                    <a:p>
-                      <a:pPr algn="ctr"/>
-                      <a:r>
-                        <a:rPr lang="zh-TW" altLang="en-US" sz="1200" kern="0" dirty="0">
-                          <a:solidFill>
-                            <a:schemeClr val="tx1"/>
-                          </a:solidFill>
-                        </a:rPr>
-                        <a:t>○</a:t>
                       </a:r>
                       <a:endParaRPr lang="zh-TW" altLang="en-US" sz="1200" dirty="0">
                         <a:solidFill>
@@ -27658,16 +27114,494 @@
                         <a:defRPr/>
                       </a:pPr>
                       <a:r>
+                        <a:rPr lang="en-US" altLang="zh-TW" sz="1200" kern="0" dirty="0" smtClean="0">
+                          <a:solidFill>
+                            <a:srgbClr val="C00000"/>
+                          </a:solidFill>
+                        </a:rPr>
+                        <a:t>●</a:t>
+                      </a:r>
+                      <a:endParaRPr lang="zh-TW" altLang="en-US" sz="1200" dirty="0" smtClean="0">
+                        <a:solidFill>
+                          <a:schemeClr val="tx1"/>
+                        </a:solidFill>
+                        <a:latin typeface="微軟正黑體" panose="020B0604030504040204" pitchFamily="34" charset="-120"/>
+                        <a:ea typeface="微軟正黑體" panose="020B0604030504040204" pitchFamily="34" charset="-120"/>
+                      </a:endParaRPr>
+                    </a:p>
+                  </a:txBody>
+                  <a:tcPr marL="9525" marR="9525" marT="9525" marB="0" anchor="ctr"/>
+                </a:tc>
+                <a:tc>
+                  <a:txBody>
+                    <a:bodyPr/>
+                    <a:lstStyle/>
+                    <a:p>
+                      <a:pPr algn="ctr"/>
+                      <a:r>
+                        <a:rPr lang="en-US" altLang="zh-TW" sz="1200" kern="0" dirty="0" smtClean="0">
+                          <a:solidFill>
+                            <a:srgbClr val="C00000"/>
+                          </a:solidFill>
+                        </a:rPr>
+                        <a:t>●</a:t>
+                      </a:r>
+                      <a:endParaRPr lang="zh-TW" altLang="en-US" sz="1200" dirty="0">
+                        <a:solidFill>
+                          <a:schemeClr val="tx1"/>
+                        </a:solidFill>
+                        <a:latin typeface="微軟正黑體" panose="020B0604030504040204" pitchFamily="34" charset="-120"/>
+                        <a:ea typeface="微軟正黑體" panose="020B0604030504040204" pitchFamily="34" charset="-120"/>
+                      </a:endParaRPr>
+                    </a:p>
+                  </a:txBody>
+                  <a:tcPr marL="9525" marR="9525" marT="9525" marB="0" anchor="ctr"/>
+                </a:tc>
+                <a:tc>
+                  <a:txBody>
+                    <a:bodyPr/>
+                    <a:lstStyle/>
+                    <a:p>
+                      <a:pPr algn="ctr"/>
+                      <a:r>
                         <a:rPr lang="en-US" altLang="zh-TW" sz="1200" kern="0" dirty="0">
                           <a:solidFill>
-                            <a:srgbClr val="C00000"/>
+                            <a:schemeClr val="tx1"/>
                           </a:solidFill>
                         </a:rPr>
                         <a:t>●</a:t>
                       </a:r>
                       <a:endParaRPr lang="zh-TW" altLang="en-US" sz="1200" dirty="0">
                         <a:solidFill>
-                          <a:srgbClr val="C00000"/>
+                          <a:schemeClr val="tx1"/>
+                        </a:solidFill>
+                        <a:latin typeface="微軟正黑體" panose="020B0604030504040204" pitchFamily="34" charset="-120"/>
+                        <a:ea typeface="微軟正黑體" panose="020B0604030504040204" pitchFamily="34" charset="-120"/>
+                      </a:endParaRPr>
+                    </a:p>
+                  </a:txBody>
+                  <a:tcPr marL="9525" marR="9525" marT="9525" marB="0" anchor="ctr"/>
+                </a:tc>
+                <a:tc>
+                  <a:txBody>
+                    <a:bodyPr/>
+                    <a:lstStyle/>
+                    <a:p>
+                      <a:pPr algn="ctr"/>
+                      <a:r>
+                        <a:rPr lang="en-US" altLang="zh-TW" sz="1200" kern="0" dirty="0">
+                          <a:solidFill>
+                            <a:schemeClr val="tx1"/>
+                          </a:solidFill>
+                        </a:rPr>
+                        <a:t>●</a:t>
+                      </a:r>
+                      <a:endParaRPr lang="zh-TW" altLang="en-US" sz="1200" dirty="0">
+                        <a:solidFill>
+                          <a:schemeClr val="tx1"/>
+                        </a:solidFill>
+                        <a:latin typeface="微軟正黑體" panose="020B0604030504040204" pitchFamily="34" charset="-120"/>
+                        <a:ea typeface="微軟正黑體" panose="020B0604030504040204" pitchFamily="34" charset="-120"/>
+                      </a:endParaRPr>
+                    </a:p>
+                  </a:txBody>
+                  <a:tcPr marL="9525" marR="9525" marT="9525" marB="0" anchor="ctr"/>
+                </a:tc>
+                <a:tc>
+                  <a:txBody>
+                    <a:bodyPr/>
+                    <a:lstStyle/>
+                    <a:p>
+                      <a:pPr algn="ctr"/>
+                      <a:r>
+                        <a:rPr lang="en-US" altLang="zh-TW" sz="1200" kern="0" dirty="0">
+                          <a:solidFill>
+                            <a:schemeClr val="tx1"/>
+                          </a:solidFill>
+                        </a:rPr>
+                        <a:t>●</a:t>
+                      </a:r>
+                      <a:endParaRPr lang="zh-TW" altLang="en-US" sz="1200" dirty="0">
+                        <a:solidFill>
+                          <a:schemeClr val="tx1"/>
+                        </a:solidFill>
+                        <a:latin typeface="微軟正黑體" panose="020B0604030504040204" pitchFamily="34" charset="-120"/>
+                        <a:ea typeface="微軟正黑體" panose="020B0604030504040204" pitchFamily="34" charset="-120"/>
+                      </a:endParaRPr>
+                    </a:p>
+                  </a:txBody>
+                  <a:tcPr marL="9525" marR="9525" marT="9525" marB="0" anchor="ctr"/>
+                </a:tc>
+                <a:tc>
+                  <a:txBody>
+                    <a:bodyPr/>
+                    <a:lstStyle/>
+                    <a:p>
+                      <a:pPr algn="ctr"/>
+                      <a:r>
+                        <a:rPr lang="en-US" altLang="zh-TW" sz="1200" kern="0" dirty="0">
+                          <a:solidFill>
+                            <a:schemeClr val="tx1"/>
+                          </a:solidFill>
+                        </a:rPr>
+                        <a:t>●</a:t>
+                      </a:r>
+                      <a:endParaRPr lang="zh-TW" altLang="en-US" sz="1200" dirty="0">
+                        <a:solidFill>
+                          <a:schemeClr val="tx1"/>
+                        </a:solidFill>
+                        <a:latin typeface="微軟正黑體" panose="020B0604030504040204" pitchFamily="34" charset="-120"/>
+                        <a:ea typeface="微軟正黑體" panose="020B0604030504040204" pitchFamily="34" charset="-120"/>
+                      </a:endParaRPr>
+                    </a:p>
+                  </a:txBody>
+                  <a:tcPr marL="9525" marR="9525" marT="9525" marB="0" anchor="ctr"/>
+                </a:tc>
+                <a:tc>
+                  <a:txBody>
+                    <a:bodyPr/>
+                    <a:lstStyle/>
+                    <a:p>
+                      <a:pPr algn="ctr"/>
+                      <a:r>
+                        <a:rPr lang="en-US" altLang="zh-TW" sz="1200" kern="0" dirty="0">
+                          <a:solidFill>
+                            <a:schemeClr val="tx1"/>
+                          </a:solidFill>
+                        </a:rPr>
+                        <a:t>●</a:t>
+                      </a:r>
+                      <a:endParaRPr lang="zh-TW" altLang="en-US" sz="1200" dirty="0">
+                        <a:solidFill>
+                          <a:schemeClr val="tx1"/>
+                        </a:solidFill>
+                        <a:latin typeface="微軟正黑體" panose="020B0604030504040204" pitchFamily="34" charset="-120"/>
+                        <a:ea typeface="微軟正黑體" panose="020B0604030504040204" pitchFamily="34" charset="-120"/>
+                      </a:endParaRPr>
+                    </a:p>
+                  </a:txBody>
+                  <a:tcPr marL="9525" marR="9525" marT="9525" marB="0" anchor="ctr"/>
+                </a:tc>
+                <a:tc>
+                  <a:txBody>
+                    <a:bodyPr/>
+                    <a:lstStyle/>
+                    <a:p>
+                      <a:pPr algn="ctr"/>
+                      <a:r>
+                        <a:rPr lang="en-US" altLang="zh-TW" sz="1200" kern="0" dirty="0">
+                          <a:solidFill>
+                            <a:schemeClr val="tx1"/>
+                          </a:solidFill>
+                        </a:rPr>
+                        <a:t>●</a:t>
+                      </a:r>
+                      <a:endParaRPr lang="zh-TW" altLang="en-US" sz="1200" dirty="0">
+                        <a:solidFill>
+                          <a:schemeClr val="tx1"/>
+                        </a:solidFill>
+                        <a:latin typeface="微軟正黑體" panose="020B0604030504040204" pitchFamily="34" charset="-120"/>
+                        <a:ea typeface="微軟正黑體" panose="020B0604030504040204" pitchFamily="34" charset="-120"/>
+                      </a:endParaRPr>
+                    </a:p>
+                  </a:txBody>
+                  <a:tcPr marL="9525" marR="9525" marT="9525" marB="0" anchor="ctr"/>
+                </a:tc>
+                <a:tc>
+                  <a:txBody>
+                    <a:bodyPr/>
+                    <a:lstStyle/>
+                    <a:p>
+                      <a:pPr algn="ctr"/>
+                      <a:r>
+                        <a:rPr lang="en-US" altLang="zh-TW" sz="1200" kern="0" dirty="0">
+                          <a:solidFill>
+                            <a:schemeClr val="tx1"/>
+                          </a:solidFill>
+                        </a:rPr>
+                        <a:t>●</a:t>
+                      </a:r>
+                      <a:endParaRPr lang="zh-TW" altLang="en-US" sz="1200" dirty="0">
+                        <a:solidFill>
+                          <a:schemeClr val="tx1"/>
+                        </a:solidFill>
+                        <a:latin typeface="微軟正黑體" panose="020B0604030504040204" pitchFamily="34" charset="-120"/>
+                        <a:ea typeface="微軟正黑體" panose="020B0604030504040204" pitchFamily="34" charset="-120"/>
+                      </a:endParaRPr>
+                    </a:p>
+                  </a:txBody>
+                  <a:tcPr marL="9525" marR="9525" marT="9525" marB="0" anchor="ctr"/>
+                </a:tc>
+                <a:tc>
+                  <a:txBody>
+                    <a:bodyPr/>
+                    <a:lstStyle/>
+                    <a:p>
+                      <a:pPr algn="ctr"/>
+                      <a:r>
+                        <a:rPr lang="en-US" altLang="zh-TW" sz="1200" b="0" kern="0" dirty="0">
+                          <a:solidFill>
+                            <a:schemeClr val="tx1"/>
+                          </a:solidFill>
+                        </a:rPr>
+                        <a:t>●</a:t>
+                      </a:r>
+                      <a:endParaRPr lang="zh-TW" altLang="en-US" sz="1200" b="0" dirty="0">
+                        <a:solidFill>
+                          <a:schemeClr val="tx1"/>
+                        </a:solidFill>
+                        <a:latin typeface="微軟正黑體" panose="020B0604030504040204" pitchFamily="34" charset="-120"/>
+                        <a:ea typeface="微軟正黑體" panose="020B0604030504040204" pitchFamily="34" charset="-120"/>
+                      </a:endParaRPr>
+                    </a:p>
+                  </a:txBody>
+                  <a:tcPr marL="9525" marR="9525" marT="9525" marB="0" anchor="ctr"/>
+                </a:tc>
+                <a:tc>
+                  <a:txBody>
+                    <a:bodyPr/>
+                    <a:lstStyle/>
+                    <a:p>
+                      <a:pPr algn="ctr"/>
+                      <a:r>
+                        <a:rPr lang="zh-TW" altLang="en-US" sz="1200" kern="0" dirty="0">
+                          <a:solidFill>
+                            <a:schemeClr val="tx1"/>
+                          </a:solidFill>
+                        </a:rPr>
+                        <a:t>○</a:t>
+                      </a:r>
+                      <a:endParaRPr lang="zh-TW" altLang="en-US" sz="1200" dirty="0">
+                        <a:solidFill>
+                          <a:schemeClr val="tx1"/>
+                        </a:solidFill>
+                        <a:latin typeface="微軟正黑體" panose="020B0604030504040204" pitchFamily="34" charset="-120"/>
+                        <a:ea typeface="微軟正黑體" panose="020B0604030504040204" pitchFamily="34" charset="-120"/>
+                      </a:endParaRPr>
+                    </a:p>
+                  </a:txBody>
+                  <a:tcPr marL="9525" marR="9525" marT="9525" marB="0" anchor="ctr"/>
+                </a:tc>
+                <a:tc>
+                  <a:txBody>
+                    <a:bodyPr/>
+                    <a:lstStyle/>
+                    <a:p>
+                      <a:pPr algn="ctr"/>
+                      <a:r>
+                        <a:rPr lang="en-US" altLang="zh-TW" sz="1200" kern="0" dirty="0">
+                          <a:solidFill>
+                            <a:schemeClr val="tx1"/>
+                          </a:solidFill>
+                        </a:rPr>
+                        <a:t>●</a:t>
+                      </a:r>
+                      <a:endParaRPr lang="zh-TW" altLang="en-US" sz="1200" dirty="0">
+                        <a:solidFill>
+                          <a:schemeClr val="tx1"/>
+                        </a:solidFill>
+                        <a:latin typeface="微軟正黑體" panose="020B0604030504040204" pitchFamily="34" charset="-120"/>
+                        <a:ea typeface="微軟正黑體" panose="020B0604030504040204" pitchFamily="34" charset="-120"/>
+                      </a:endParaRPr>
+                    </a:p>
+                  </a:txBody>
+                  <a:tcPr marL="9525" marR="9525" marT="9525" marB="0" anchor="ctr"/>
+                </a:tc>
+                <a:tc>
+                  <a:txBody>
+                    <a:bodyPr/>
+                    <a:lstStyle/>
+                    <a:p>
+                      <a:pPr algn="ctr"/>
+                      <a:r>
+                        <a:rPr lang="zh-TW" altLang="en-US" sz="1200" kern="0" dirty="0">
+                          <a:solidFill>
+                            <a:schemeClr val="tx1"/>
+                          </a:solidFill>
+                        </a:rPr>
+                        <a:t>○</a:t>
+                      </a:r>
+                      <a:endParaRPr lang="zh-TW" altLang="en-US" sz="1200" dirty="0">
+                        <a:solidFill>
+                          <a:schemeClr val="tx1"/>
+                        </a:solidFill>
+                        <a:latin typeface="微軟正黑體" panose="020B0604030504040204" pitchFamily="34" charset="-120"/>
+                        <a:ea typeface="微軟正黑體" panose="020B0604030504040204" pitchFamily="34" charset="-120"/>
+                      </a:endParaRPr>
+                    </a:p>
+                  </a:txBody>
+                  <a:tcPr marL="9525" marR="9525" marT="9525" marB="0" anchor="ctr"/>
+                </a:tc>
+                <a:tc>
+                  <a:txBody>
+                    <a:bodyPr/>
+                    <a:lstStyle/>
+                    <a:p>
+                      <a:pPr algn="ctr"/>
+                      <a:r>
+                        <a:rPr lang="en-US" altLang="zh-TW" sz="1200" kern="0" dirty="0">
+                          <a:solidFill>
+                            <a:schemeClr val="tx1"/>
+                          </a:solidFill>
+                        </a:rPr>
+                        <a:t>●</a:t>
+                      </a:r>
+                      <a:endParaRPr lang="zh-TW" altLang="en-US" sz="1200" dirty="0">
+                        <a:solidFill>
+                          <a:schemeClr val="tx1"/>
+                        </a:solidFill>
+                        <a:latin typeface="微軟正黑體" panose="020B0604030504040204" pitchFamily="34" charset="-120"/>
+                        <a:ea typeface="微軟正黑體" panose="020B0604030504040204" pitchFamily="34" charset="-120"/>
+                      </a:endParaRPr>
+                    </a:p>
+                  </a:txBody>
+                  <a:tcPr marL="9525" marR="9525" marT="9525" marB="0" anchor="ctr"/>
+                </a:tc>
+                <a:tc>
+                  <a:txBody>
+                    <a:bodyPr/>
+                    <a:lstStyle/>
+                    <a:p>
+                      <a:pPr algn="ctr"/>
+                      <a:r>
+                        <a:rPr lang="en-US" altLang="zh-TW" sz="1200" kern="0" dirty="0">
+                          <a:solidFill>
+                            <a:schemeClr val="tx1"/>
+                          </a:solidFill>
+                        </a:rPr>
+                        <a:t>●</a:t>
+                      </a:r>
+                      <a:endParaRPr lang="zh-TW" altLang="en-US" sz="1200" dirty="0">
+                        <a:solidFill>
+                          <a:schemeClr val="tx1"/>
+                        </a:solidFill>
+                        <a:latin typeface="微軟正黑體" panose="020B0604030504040204" pitchFamily="34" charset="-120"/>
+                        <a:ea typeface="微軟正黑體" panose="020B0604030504040204" pitchFamily="34" charset="-120"/>
+                      </a:endParaRPr>
+                    </a:p>
+                  </a:txBody>
+                  <a:tcPr marL="9525" marR="9525" marT="9525" marB="0" anchor="ctr"/>
+                </a:tc>
+                <a:tc>
+                  <a:txBody>
+                    <a:bodyPr/>
+                    <a:lstStyle/>
+                    <a:p>
+                      <a:pPr algn="ctr"/>
+                      <a:r>
+                        <a:rPr lang="en-US" altLang="zh-TW" sz="1200" kern="0" dirty="0">
+                          <a:solidFill>
+                            <a:schemeClr val="tx1"/>
+                          </a:solidFill>
+                        </a:rPr>
+                        <a:t>●</a:t>
+                      </a:r>
+                      <a:endParaRPr lang="zh-TW" altLang="en-US" sz="1200" dirty="0">
+                        <a:solidFill>
+                          <a:schemeClr val="tx1"/>
+                        </a:solidFill>
+                        <a:latin typeface="微軟正黑體" panose="020B0604030504040204" pitchFamily="34" charset="-120"/>
+                        <a:ea typeface="微軟正黑體" panose="020B0604030504040204" pitchFamily="34" charset="-120"/>
+                      </a:endParaRPr>
+                    </a:p>
+                  </a:txBody>
+                  <a:tcPr marL="9525" marR="9525" marT="9525" marB="0" anchor="ctr"/>
+                </a:tc>
+                <a:tc>
+                  <a:txBody>
+                    <a:bodyPr/>
+                    <a:lstStyle/>
+                    <a:p>
+                      <a:pPr algn="ctr"/>
+                      <a:r>
+                        <a:rPr lang="zh-TW" altLang="en-US" sz="1200" kern="0" dirty="0">
+                          <a:solidFill>
+                            <a:schemeClr val="tx1"/>
+                          </a:solidFill>
+                        </a:rPr>
+                        <a:t>○</a:t>
+                      </a:r>
+                      <a:endParaRPr lang="zh-TW" altLang="en-US" sz="1200" dirty="0">
+                        <a:solidFill>
+                          <a:schemeClr val="tx1"/>
+                        </a:solidFill>
+                        <a:latin typeface="微軟正黑體" panose="020B0604030504040204" pitchFamily="34" charset="-120"/>
+                        <a:ea typeface="微軟正黑體" panose="020B0604030504040204" pitchFamily="34" charset="-120"/>
+                      </a:endParaRPr>
+                    </a:p>
+                  </a:txBody>
+                  <a:tcPr marL="9525" marR="9525" marT="9525" marB="0" anchor="ctr"/>
+                </a:tc>
+                <a:tc>
+                  <a:txBody>
+                    <a:bodyPr/>
+                    <a:lstStyle/>
+                    <a:p>
+                      <a:pPr algn="ctr"/>
+                      <a:r>
+                        <a:rPr lang="en-US" altLang="zh-TW" sz="1200" kern="0" dirty="0">
+                          <a:solidFill>
+                            <a:schemeClr val="tx1"/>
+                          </a:solidFill>
+                        </a:rPr>
+                        <a:t>●</a:t>
+                      </a:r>
+                      <a:endParaRPr lang="zh-TW" altLang="en-US" sz="1200" dirty="0">
+                        <a:solidFill>
+                          <a:schemeClr val="tx1"/>
+                        </a:solidFill>
+                        <a:latin typeface="微軟正黑體" panose="020B0604030504040204" pitchFamily="34" charset="-120"/>
+                        <a:ea typeface="微軟正黑體" panose="020B0604030504040204" pitchFamily="34" charset="-120"/>
+                      </a:endParaRPr>
+                    </a:p>
+                  </a:txBody>
+                  <a:tcPr marL="9525" marR="9525" marT="9525" marB="0" anchor="ctr"/>
+                </a:tc>
+                <a:extLst>
+                  <a:ext uri="{0D108BD9-81ED-4DB2-BD59-A6C34878D82A}">
+                    <a16:rowId xmlns="" xmlns:a16="http://schemas.microsoft.com/office/drawing/2014/main" val="10007"/>
+                  </a:ext>
+                </a:extLst>
+              </a:tr>
+              <a:tr h="400936">
+                <a:tc>
+                  <a:txBody>
+                    <a:bodyPr/>
+                    <a:lstStyle/>
+                    <a:p>
+                      <a:pPr algn="ctr"/>
+                      <a:r>
+                        <a:rPr lang="zh-TW" altLang="en-US" sz="1200" dirty="0">
+                          <a:latin typeface="微軟正黑體" panose="020B0604030504040204" pitchFamily="34" charset="-120"/>
+                          <a:ea typeface="微軟正黑體" panose="020B0604030504040204" pitchFamily="34" charset="-120"/>
+                        </a:rPr>
+                        <a:t>高雄輕軌</a:t>
+                      </a:r>
+                      <a:endParaRPr lang="zh-TW" altLang="en-US" sz="1200" b="1" dirty="0">
+                        <a:latin typeface="微軟正黑體" panose="020B0604030504040204" pitchFamily="34" charset="-120"/>
+                        <a:ea typeface="微軟正黑體" panose="020B0604030504040204" pitchFamily="34" charset="-120"/>
+                      </a:endParaRPr>
+                    </a:p>
+                  </a:txBody>
+                  <a:tcPr marL="9525" marR="9525" marT="9525" marB="0" anchor="ctr"/>
+                </a:tc>
+                <a:tc>
+                  <a:txBody>
+                    <a:bodyPr/>
+                    <a:lstStyle/>
+                    <a:p>
+                      <a:pPr algn="ctr"/>
+                      <a:r>
+                        <a:rPr lang="zh-TW" altLang="en-US" sz="1200" kern="0" dirty="0">
+                          <a:solidFill>
+                            <a:schemeClr val="tx1"/>
+                          </a:solidFill>
+                        </a:rPr>
+                        <a:t>○</a:t>
+                      </a:r>
+                      <a:endParaRPr lang="zh-TW" altLang="en-US" sz="1200" dirty="0">
+                        <a:solidFill>
+                          <a:schemeClr val="tx1"/>
                         </a:solidFill>
                         <a:latin typeface="微軟正黑體" panose="020B0604030504040204" pitchFamily="34" charset="-120"/>
                         <a:ea typeface="微軟正黑體" panose="020B0604030504040204" pitchFamily="34" charset="-120"/>
@@ -27699,37 +27633,37 @@
                         <a:defRPr/>
                       </a:pPr>
                       <a:r>
-                        <a:rPr lang="en-US" altLang="zh-TW" sz="1200" kern="0" dirty="0">
+                        <a:rPr lang="en-US" altLang="zh-TW" sz="1200" kern="0" dirty="0" smtClean="0">
                           <a:solidFill>
                             <a:srgbClr val="C00000"/>
                           </a:solidFill>
                         </a:rPr>
                         <a:t>●</a:t>
                       </a:r>
-                      <a:endParaRPr lang="zh-TW" altLang="en-US" sz="1200" dirty="0">
-                        <a:solidFill>
-                          <a:srgbClr val="C00000"/>
-                        </a:solidFill>
-                        <a:latin typeface="微軟正黑體" panose="020B0604030504040204" pitchFamily="34" charset="-120"/>
-                        <a:ea typeface="微軟正黑體" panose="020B0604030504040204" pitchFamily="34" charset="-120"/>
-                      </a:endParaRPr>
-                    </a:p>
-                  </a:txBody>
-                  <a:tcPr marL="9525" marR="9525" marT="9525" marB="0" anchor="ctr"/>
-                </a:tc>
-                <a:tc>
-                  <a:txBody>
-                    <a:bodyPr/>
-                    <a:lstStyle/>
-                    <a:p>
-                      <a:pPr algn="ctr"/>
-                      <a:r>
-                        <a:rPr lang="zh-TW" altLang="en-US" sz="1200" kern="0" dirty="0">
-                          <a:solidFill>
-                            <a:schemeClr val="tx1"/>
-                          </a:solidFill>
-                        </a:rPr>
-                        <a:t>○</a:t>
+                      <a:endParaRPr lang="zh-TW" altLang="en-US" sz="1200" dirty="0" smtClean="0">
+                        <a:solidFill>
+                          <a:schemeClr val="tx1"/>
+                        </a:solidFill>
+                        <a:latin typeface="微軟正黑體" panose="020B0604030504040204" pitchFamily="34" charset="-120"/>
+                        <a:ea typeface="微軟正黑體" panose="020B0604030504040204" pitchFamily="34" charset="-120"/>
+                      </a:endParaRPr>
+                    </a:p>
+                  </a:txBody>
+                  <a:tcPr marL="9525" marR="9525" marT="9525" marB="0" anchor="ctr"/>
+                </a:tc>
+                <a:tc>
+                  <a:txBody>
+                    <a:bodyPr/>
+                    <a:lstStyle/>
+                    <a:p>
+                      <a:pPr algn="ctr"/>
+                      <a:r>
+                        <a:rPr lang="en-US" altLang="zh-TW" sz="1200" kern="0" dirty="0" smtClean="0">
+                          <a:solidFill>
+                            <a:srgbClr val="C00000"/>
+                          </a:solidFill>
+                        </a:rPr>
+                        <a:t>●</a:t>
                       </a:r>
                       <a:endParaRPr lang="zh-TW" altLang="en-US" sz="1200" dirty="0">
                         <a:solidFill>
@@ -27788,29 +27722,6 @@
                     <a:bodyPr/>
                     <a:lstStyle/>
                     <a:p>
-                      <a:pPr algn="ctr"/>
-                      <a:r>
-                        <a:rPr lang="zh-TW" altLang="en-US" sz="1200" kern="0" dirty="0">
-                          <a:solidFill>
-                            <a:schemeClr val="tx1"/>
-                          </a:solidFill>
-                        </a:rPr>
-                        <a:t>○</a:t>
-                      </a:r>
-                      <a:endParaRPr lang="zh-TW" altLang="en-US" sz="1200" dirty="0">
-                        <a:solidFill>
-                          <a:schemeClr val="tx1"/>
-                        </a:solidFill>
-                      </a:endParaRPr>
-                    </a:p>
-                  </a:txBody>
-                  <a:tcPr marL="9525" marR="9525" marT="9525" marB="0" anchor="ctr"/>
-                </a:tc>
-                <a:tc>
-                  <a:txBody>
-                    <a:bodyPr/>
-                    <a:lstStyle/>
-                    <a:p>
                       <a:pPr marL="0" marR="0" lvl="0" indent="0" algn="ctr" defTabSz="914400" rtl="0" eaLnBrk="1" fontAlgn="auto" latinLnBrk="0" hangingPunct="1">
                         <a:lnSpc>
                           <a:spcPct val="100000"/>
@@ -27852,7 +27763,32 @@
                     <a:bodyPr/>
                     <a:lstStyle/>
                     <a:p>
-                      <a:pPr marL="0" marR="0" indent="0" algn="ctr" defTabSz="914400" rtl="0" eaLnBrk="1" fontAlgn="auto" latinLnBrk="0" hangingPunct="1">
+                      <a:pPr algn="ctr"/>
+                      <a:r>
+                        <a:rPr lang="zh-TW" altLang="en-US" sz="1200" kern="0" dirty="0">
+                          <a:solidFill>
+                            <a:schemeClr val="tx1"/>
+                          </a:solidFill>
+                        </a:rPr>
+                        <a:t>○</a:t>
+                      </a:r>
+                      <a:endParaRPr lang="zh-TW" altLang="en-US" sz="1200" dirty="0">
+                        <a:solidFill>
+                          <a:schemeClr val="tx1"/>
+                        </a:solidFill>
+                        <a:latin typeface="微軟正黑體" panose="020B0604030504040204" pitchFamily="34" charset="-120"/>
+                        <a:ea typeface="微軟正黑體" panose="020B0604030504040204" pitchFamily="34" charset="-120"/>
+                      </a:endParaRPr>
+                    </a:p>
+                  </a:txBody>
+                  <a:tcPr marL="9525" marR="9525" marT="9525" marB="0" anchor="ctr"/>
+                </a:tc>
+                <a:tc>
+                  <a:txBody>
+                    <a:bodyPr/>
+                    <a:lstStyle/>
+                    <a:p>
+                      <a:pPr marL="0" marR="0" lvl="0" indent="0" algn="ctr" defTabSz="914400" rtl="0" eaLnBrk="1" fontAlgn="auto" latinLnBrk="0" hangingPunct="1">
                         <a:lnSpc>
                           <a:spcPct val="100000"/>
                         </a:lnSpc>
@@ -27870,6 +27806,31 @@
                         <a:defRPr/>
                       </a:pPr>
                       <a:r>
+                        <a:rPr lang="en-US" altLang="zh-TW" sz="1200" kern="0" dirty="0">
+                          <a:solidFill>
+                            <a:srgbClr val="C00000"/>
+                          </a:solidFill>
+                        </a:rPr>
+                        <a:t>●</a:t>
+                      </a:r>
+                      <a:endParaRPr lang="zh-TW" altLang="en-US" sz="1200" dirty="0">
+                        <a:solidFill>
+                          <a:srgbClr val="C00000"/>
+                        </a:solidFill>
+                        <a:latin typeface="微軟正黑體" panose="020B0604030504040204" pitchFamily="34" charset="-120"/>
+                        <a:ea typeface="微軟正黑體" panose="020B0604030504040204" pitchFamily="34" charset="-120"/>
+                      </a:endParaRPr>
+                    </a:p>
+                  </a:txBody>
+                  <a:tcPr marL="9525" marR="9525" marT="9525" marB="0" anchor="ctr"/>
+                </a:tc>
+                <a:tc>
+                  <a:txBody>
+                    <a:bodyPr/>
+                    <a:lstStyle/>
+                    <a:p>
+                      <a:pPr algn="ctr"/>
+                      <a:r>
                         <a:rPr lang="zh-TW" altLang="en-US" sz="1200" kern="0" dirty="0">
                           <a:solidFill>
                             <a:schemeClr val="tx1"/>
@@ -27881,33 +27842,6 @@
                         <a:solidFill>
                           <a:schemeClr val="tx1"/>
                         </a:solidFill>
-                        <a:latin typeface="微軟正黑體" panose="020B0604030504040204" pitchFamily="34" charset="-120"/>
-                        <a:ea typeface="微軟正黑體" panose="020B0604030504040204" pitchFamily="34" charset="-120"/>
-                      </a:endParaRPr>
-                    </a:p>
-                  </a:txBody>
-                  <a:tcPr marL="9525" marR="9525" marT="9525" marB="0" anchor="ctr"/>
-                </a:tc>
-                <a:tc>
-                  <a:txBody>
-                    <a:bodyPr/>
-                    <a:lstStyle/>
-                    <a:p>
-                      <a:pPr algn="ctr"/>
-                      <a:r>
-                        <a:rPr lang="zh-TW" altLang="en-US" sz="1200" kern="0" dirty="0">
-                          <a:solidFill>
-                            <a:schemeClr val="tx1"/>
-                          </a:solidFill>
-                        </a:rPr>
-                        <a:t>○</a:t>
-                      </a:r>
-                      <a:endParaRPr lang="zh-TW" altLang="en-US" sz="1200" dirty="0">
-                        <a:solidFill>
-                          <a:schemeClr val="tx1"/>
-                        </a:solidFill>
-                        <a:latin typeface="微軟正黑體" panose="020B0604030504040204" pitchFamily="34" charset="-120"/>
-                        <a:ea typeface="微軟正黑體" panose="020B0604030504040204" pitchFamily="34" charset="-120"/>
                       </a:endParaRPr>
                     </a:p>
                   </a:txBody>
@@ -27936,78 +27870,30 @@
                         <a:defRPr/>
                       </a:pPr>
                       <a:r>
-                        <a:rPr lang="zh-TW" altLang="en-US" sz="1200" kern="0" dirty="0">
-                          <a:solidFill>
-                            <a:schemeClr val="tx1"/>
-                          </a:solidFill>
-                        </a:rPr>
-                        <a:t>○</a:t>
+                        <a:rPr lang="en-US" altLang="zh-TW" sz="1200" kern="0" dirty="0">
+                          <a:solidFill>
+                            <a:srgbClr val="C00000"/>
+                          </a:solidFill>
+                        </a:rPr>
+                        <a:t>●</a:t>
                       </a:r>
                       <a:endParaRPr lang="zh-TW" altLang="en-US" sz="1200" dirty="0">
                         <a:solidFill>
-                          <a:schemeClr val="tx1"/>
-                        </a:solidFill>
-                        <a:latin typeface="微軟正黑體" panose="020B0604030504040204" pitchFamily="34" charset="-120"/>
-                        <a:ea typeface="微軟正黑體" panose="020B0604030504040204" pitchFamily="34" charset="-120"/>
-                      </a:endParaRPr>
-                    </a:p>
-                  </a:txBody>
-                  <a:tcPr marL="9525" marR="9525" marT="9525" marB="0" anchor="ctr"/>
-                </a:tc>
-                <a:tc>
-                  <a:txBody>
-                    <a:bodyPr/>
-                    <a:lstStyle/>
-                    <a:p>
-                      <a:pPr algn="ctr"/>
-                      <a:r>
-                        <a:rPr lang="zh-TW" altLang="en-US" sz="1200" kern="0" dirty="0">
-                          <a:solidFill>
-                            <a:schemeClr val="tx1"/>
-                          </a:solidFill>
-                        </a:rPr>
-                        <a:t>○</a:t>
-                      </a:r>
-                      <a:endParaRPr lang="zh-TW" altLang="en-US" sz="1200" dirty="0">
-                        <a:solidFill>
-                          <a:schemeClr val="tx1"/>
-                        </a:solidFill>
-                      </a:endParaRPr>
-                    </a:p>
-                  </a:txBody>
-                  <a:tcPr marL="9525" marR="9525" marT="9525" marB="0" anchor="ctr"/>
-                </a:tc>
-                <a:tc>
-                  <a:txBody>
-                    <a:bodyPr/>
-                    <a:lstStyle/>
-                    <a:p>
-                      <a:pPr algn="ctr"/>
-                      <a:r>
-                        <a:rPr lang="zh-TW" altLang="en-US" sz="1200" kern="0" dirty="0">
-                          <a:solidFill>
-                            <a:schemeClr val="tx1"/>
-                          </a:solidFill>
-                        </a:rPr>
-                        <a:t>○</a:t>
-                      </a:r>
-                      <a:endParaRPr lang="zh-TW" altLang="en-US" sz="1200" dirty="0">
-                        <a:solidFill>
-                          <a:schemeClr val="tx1"/>
-                        </a:solidFill>
-                        <a:latin typeface="微軟正黑體" panose="020B0604030504040204" pitchFamily="34" charset="-120"/>
-                        <a:ea typeface="微軟正黑體" panose="020B0604030504040204" pitchFamily="34" charset="-120"/>
-                      </a:endParaRPr>
-                    </a:p>
-                  </a:txBody>
-                  <a:tcPr marL="9525" marR="9525" marT="9525" marB="0" anchor="ctr"/>
-                </a:tc>
-                <a:tc>
-                  <a:txBody>
-                    <a:bodyPr/>
-                    <a:lstStyle/>
-                    <a:p>
-                      <a:pPr marL="0" marR="0" lvl="0" indent="0" algn="ctr" defTabSz="914400" rtl="0" eaLnBrk="1" fontAlgn="auto" latinLnBrk="0" hangingPunct="1">
+                          <a:srgbClr val="C00000"/>
+                        </a:solidFill>
+                        <a:latin typeface="微軟正黑體" panose="020B0604030504040204" pitchFamily="34" charset="-120"/>
+                        <a:ea typeface="微軟正黑體" panose="020B0604030504040204" pitchFamily="34" charset="-120"/>
+                      </a:endParaRPr>
+                    </a:p>
+                  </a:txBody>
+                  <a:tcPr marL="9525" marR="9525" marT="9525" marB="0" anchor="ctr"/>
+                </a:tc>
+                <a:tc>
+                  <a:txBody>
+                    <a:bodyPr/>
+                    <a:lstStyle/>
+                    <a:p>
+                      <a:pPr marL="0" marR="0" indent="0" algn="ctr" defTabSz="914400" rtl="0" eaLnBrk="1" fontAlgn="auto" latinLnBrk="0" hangingPunct="1">
                         <a:lnSpc>
                           <a:spcPct val="100000"/>
                         </a:lnSpc>
@@ -28025,16 +27911,41 @@
                         <a:defRPr/>
                       </a:pPr>
                       <a:r>
-                        <a:rPr lang="en-US" altLang="zh-TW" sz="1200" kern="0">
-                          <a:solidFill>
-                            <a:srgbClr val="C00000"/>
-                          </a:solidFill>
-                        </a:rPr>
-                        <a:t>●</a:t>
+                        <a:rPr lang="zh-TW" altLang="en-US" sz="1200" kern="0" dirty="0">
+                          <a:solidFill>
+                            <a:schemeClr val="tx1"/>
+                          </a:solidFill>
+                        </a:rPr>
+                        <a:t>○</a:t>
                       </a:r>
                       <a:endParaRPr lang="zh-TW" altLang="en-US" sz="1200" dirty="0">
                         <a:solidFill>
-                          <a:srgbClr val="C00000"/>
+                          <a:schemeClr val="tx1"/>
+                        </a:solidFill>
+                        <a:latin typeface="微軟正黑體" panose="020B0604030504040204" pitchFamily="34" charset="-120"/>
+                        <a:ea typeface="微軟正黑體" panose="020B0604030504040204" pitchFamily="34" charset="-120"/>
+                      </a:endParaRPr>
+                    </a:p>
+                  </a:txBody>
+                  <a:tcPr marL="9525" marR="9525" marT="9525" marB="0" anchor="ctr"/>
+                </a:tc>
+                <a:tc>
+                  <a:txBody>
+                    <a:bodyPr/>
+                    <a:lstStyle/>
+                    <a:p>
+                      <a:pPr algn="ctr"/>
+                      <a:r>
+                        <a:rPr lang="zh-TW" altLang="en-US" sz="1200" kern="0" dirty="0">
+                          <a:solidFill>
+                            <a:schemeClr val="tx1"/>
+                          </a:solidFill>
+                        </a:rPr>
+                        <a:t>○</a:t>
+                      </a:r>
+                      <a:endParaRPr lang="zh-TW" altLang="en-US" sz="1200" dirty="0">
+                        <a:solidFill>
+                          <a:schemeClr val="tx1"/>
                         </a:solidFill>
                         <a:latin typeface="微軟正黑體" panose="020B0604030504040204" pitchFamily="34" charset="-120"/>
                         <a:ea typeface="微軟正黑體" panose="020B0604030504040204" pitchFamily="34" charset="-120"/>
@@ -28066,6 +27977,136 @@
                         <a:defRPr/>
                       </a:pPr>
                       <a:r>
+                        <a:rPr lang="zh-TW" altLang="en-US" sz="1200" kern="0" dirty="0">
+                          <a:solidFill>
+                            <a:schemeClr val="tx1"/>
+                          </a:solidFill>
+                        </a:rPr>
+                        <a:t>○</a:t>
+                      </a:r>
+                      <a:endParaRPr lang="zh-TW" altLang="en-US" sz="1200" dirty="0">
+                        <a:solidFill>
+                          <a:schemeClr val="tx1"/>
+                        </a:solidFill>
+                        <a:latin typeface="微軟正黑體" panose="020B0604030504040204" pitchFamily="34" charset="-120"/>
+                        <a:ea typeface="微軟正黑體" panose="020B0604030504040204" pitchFamily="34" charset="-120"/>
+                      </a:endParaRPr>
+                    </a:p>
+                  </a:txBody>
+                  <a:tcPr marL="9525" marR="9525" marT="9525" marB="0" anchor="ctr"/>
+                </a:tc>
+                <a:tc>
+                  <a:txBody>
+                    <a:bodyPr/>
+                    <a:lstStyle/>
+                    <a:p>
+                      <a:pPr algn="ctr"/>
+                      <a:r>
+                        <a:rPr lang="zh-TW" altLang="en-US" sz="1200" kern="0" dirty="0">
+                          <a:solidFill>
+                            <a:schemeClr val="tx1"/>
+                          </a:solidFill>
+                        </a:rPr>
+                        <a:t>○</a:t>
+                      </a:r>
+                      <a:endParaRPr lang="zh-TW" altLang="en-US" sz="1200" dirty="0">
+                        <a:solidFill>
+                          <a:schemeClr val="tx1"/>
+                        </a:solidFill>
+                      </a:endParaRPr>
+                    </a:p>
+                  </a:txBody>
+                  <a:tcPr marL="9525" marR="9525" marT="9525" marB="0" anchor="ctr"/>
+                </a:tc>
+                <a:tc>
+                  <a:txBody>
+                    <a:bodyPr/>
+                    <a:lstStyle/>
+                    <a:p>
+                      <a:pPr algn="ctr"/>
+                      <a:r>
+                        <a:rPr lang="zh-TW" altLang="en-US" sz="1200" kern="0" dirty="0">
+                          <a:solidFill>
+                            <a:schemeClr val="tx1"/>
+                          </a:solidFill>
+                        </a:rPr>
+                        <a:t>○</a:t>
+                      </a:r>
+                      <a:endParaRPr lang="zh-TW" altLang="en-US" sz="1200" dirty="0">
+                        <a:solidFill>
+                          <a:schemeClr val="tx1"/>
+                        </a:solidFill>
+                        <a:latin typeface="微軟正黑體" panose="020B0604030504040204" pitchFamily="34" charset="-120"/>
+                        <a:ea typeface="微軟正黑體" panose="020B0604030504040204" pitchFamily="34" charset="-120"/>
+                      </a:endParaRPr>
+                    </a:p>
+                  </a:txBody>
+                  <a:tcPr marL="9525" marR="9525" marT="9525" marB="0" anchor="ctr"/>
+                </a:tc>
+                <a:tc>
+                  <a:txBody>
+                    <a:bodyPr/>
+                    <a:lstStyle/>
+                    <a:p>
+                      <a:pPr marL="0" marR="0" lvl="0" indent="0" algn="ctr" defTabSz="914400" rtl="0" eaLnBrk="1" fontAlgn="auto" latinLnBrk="0" hangingPunct="1">
+                        <a:lnSpc>
+                          <a:spcPct val="100000"/>
+                        </a:lnSpc>
+                        <a:spcBef>
+                          <a:spcPts val="0"/>
+                        </a:spcBef>
+                        <a:spcAft>
+                          <a:spcPts val="0"/>
+                        </a:spcAft>
+                        <a:buClrTx/>
+                        <a:buSzTx/>
+                        <a:buFontTx/>
+                        <a:buNone/>
+                        <a:tabLst/>
+                        <a:defRPr/>
+                      </a:pPr>
+                      <a:r>
+                        <a:rPr lang="en-US" altLang="zh-TW" sz="1200" kern="0">
+                          <a:solidFill>
+                            <a:srgbClr val="C00000"/>
+                          </a:solidFill>
+                        </a:rPr>
+                        <a:t>●</a:t>
+                      </a:r>
+                      <a:endParaRPr lang="zh-TW" altLang="en-US" sz="1200" dirty="0">
+                        <a:solidFill>
+                          <a:srgbClr val="C00000"/>
+                        </a:solidFill>
+                        <a:latin typeface="微軟正黑體" panose="020B0604030504040204" pitchFamily="34" charset="-120"/>
+                        <a:ea typeface="微軟正黑體" panose="020B0604030504040204" pitchFamily="34" charset="-120"/>
+                      </a:endParaRPr>
+                    </a:p>
+                  </a:txBody>
+                  <a:tcPr marL="9525" marR="9525" marT="9525" marB="0" anchor="ctr"/>
+                </a:tc>
+                <a:tc>
+                  <a:txBody>
+                    <a:bodyPr/>
+                    <a:lstStyle/>
+                    <a:p>
+                      <a:pPr marL="0" marR="0" lvl="0" indent="0" algn="ctr" defTabSz="914400" rtl="0" eaLnBrk="1" fontAlgn="auto" latinLnBrk="0" hangingPunct="1">
+                        <a:lnSpc>
+                          <a:spcPct val="100000"/>
+                        </a:lnSpc>
+                        <a:spcBef>
+                          <a:spcPts val="0"/>
+                        </a:spcBef>
+                        <a:spcAft>
+                          <a:spcPts val="0"/>
+                        </a:spcAft>
+                        <a:buClrTx/>
+                        <a:buSzTx/>
+                        <a:buFontTx/>
+                        <a:buNone/>
+                        <a:tabLst/>
+                        <a:defRPr/>
+                      </a:pPr>
+                      <a:r>
                         <a:rPr lang="en-US" altLang="zh-TW" sz="1200" kern="0" dirty="0">
                           <a:solidFill>
                             <a:srgbClr val="C00000"/>
@@ -28143,19 +28184,17 @@
                     <a:p>
                       <a:pPr algn="ctr"/>
                       <a:r>
-                        <a:rPr lang="zh-TW" altLang="en-US" sz="1200" kern="0" dirty="0">
+                        <a:rPr lang="zh-TW" altLang="en-US" sz="1200" kern="0" dirty="0" smtClean="0">
                           <a:solidFill>
                             <a:schemeClr val="tx1"/>
                           </a:solidFill>
                         </a:rPr>
                         <a:t>○</a:t>
                       </a:r>
-                      <a:endParaRPr lang="zh-TW" altLang="en-US" sz="1200" dirty="0">
-                        <a:solidFill>
-                          <a:schemeClr val="tx1"/>
-                        </a:solidFill>
-                        <a:latin typeface="微軟正黑體" panose="020B0604030504040204" pitchFamily="34" charset="-120"/>
-                        <a:ea typeface="微軟正黑體" panose="020B0604030504040204" pitchFamily="34" charset="-120"/>
+                      <a:endParaRPr lang="en-US" altLang="zh-TW" sz="1200" kern="0" dirty="0" smtClean="0">
+                        <a:solidFill>
+                          <a:schemeClr val="tx1"/>
+                        </a:solidFill>
                       </a:endParaRPr>
                     </a:p>
                   </a:txBody>
@@ -28163,9 +28202,644 @@
                 </a:tc>
                 <a:extLst>
                   <a:ext uri="{0D108BD9-81ED-4DB2-BD59-A6C34878D82A}">
-                    <a16:rowId xmlns:a16="http://schemas.microsoft.com/office/drawing/2014/main" xmlns="" val="10008"/>
+                    <a16:rowId xmlns="" xmlns:a16="http://schemas.microsoft.com/office/drawing/2014/main" val="10008"/>
                   </a:ext>
                 </a:extLst>
+              </a:tr>
+              <a:tr h="400936">
+                <a:tc>
+                  <a:txBody>
+                    <a:bodyPr/>
+                    <a:lstStyle/>
+                    <a:p>
+                      <a:pPr algn="ctr"/>
+                      <a:r>
+                        <a:rPr lang="zh-TW" altLang="en-US" sz="1200" b="1" dirty="0" smtClean="0">
+                          <a:latin typeface="微軟正黑體" panose="020B0604030504040204" pitchFamily="34" charset="-120"/>
+                          <a:ea typeface="微軟正黑體" panose="020B0604030504040204" pitchFamily="34" charset="-120"/>
+                        </a:rPr>
+                        <a:t>淡海輕軌</a:t>
+                      </a:r>
+                      <a:endParaRPr lang="zh-TW" altLang="en-US" sz="1200" b="1" dirty="0">
+                        <a:latin typeface="微軟正黑體" panose="020B0604030504040204" pitchFamily="34" charset="-120"/>
+                        <a:ea typeface="微軟正黑體" panose="020B0604030504040204" pitchFamily="34" charset="-120"/>
+                      </a:endParaRPr>
+                    </a:p>
+                  </a:txBody>
+                  <a:tcPr marL="9525" marR="9525" marT="9525" marB="0" anchor="ctr"/>
+                </a:tc>
+                <a:tc>
+                  <a:txBody>
+                    <a:bodyPr/>
+                    <a:lstStyle/>
+                    <a:p>
+                      <a:pPr algn="ctr"/>
+                      <a:r>
+                        <a:rPr lang="zh-TW" altLang="en-US" sz="1200" dirty="0" smtClean="0">
+                          <a:solidFill>
+                            <a:schemeClr val="tx1"/>
+                          </a:solidFill>
+                        </a:rPr>
+                        <a:t>─</a:t>
+                      </a:r>
+                      <a:endParaRPr lang="zh-TW" altLang="en-US" sz="1200" dirty="0">
+                        <a:solidFill>
+                          <a:schemeClr val="tx1"/>
+                        </a:solidFill>
+                        <a:latin typeface="微軟正黑體" panose="020B0604030504040204" pitchFamily="34" charset="-120"/>
+                        <a:ea typeface="微軟正黑體" panose="020B0604030504040204" pitchFamily="34" charset="-120"/>
+                      </a:endParaRPr>
+                    </a:p>
+                  </a:txBody>
+                  <a:tcPr marL="9525" marR="9525" marT="9525" marB="0" anchor="ctr"/>
+                </a:tc>
+                <a:tc>
+                  <a:txBody>
+                    <a:bodyPr/>
+                    <a:lstStyle/>
+                    <a:p>
+                      <a:pPr marL="0" marR="0" lvl="0" indent="0" algn="ctr" defTabSz="914400" rtl="0" eaLnBrk="1" fontAlgn="auto" latinLnBrk="0" hangingPunct="1">
+                        <a:lnSpc>
+                          <a:spcPct val="100000"/>
+                        </a:lnSpc>
+                        <a:spcBef>
+                          <a:spcPts val="0"/>
+                        </a:spcBef>
+                        <a:spcAft>
+                          <a:spcPts val="0"/>
+                        </a:spcAft>
+                        <a:buClrTx/>
+                        <a:buSzTx/>
+                        <a:buFontTx/>
+                        <a:buNone/>
+                        <a:tabLst/>
+                        <a:defRPr/>
+                      </a:pPr>
+                      <a:r>
+                        <a:rPr lang="zh-TW" altLang="en-US" sz="1200" dirty="0" smtClean="0">
+                          <a:solidFill>
+                            <a:schemeClr val="tx1"/>
+                          </a:solidFill>
+                        </a:rPr>
+                        <a:t>─</a:t>
+                      </a:r>
+                      <a:endParaRPr lang="zh-TW" altLang="en-US" sz="1200" dirty="0" smtClean="0">
+                        <a:solidFill>
+                          <a:schemeClr val="tx1"/>
+                        </a:solidFill>
+                        <a:latin typeface="微軟正黑體" panose="020B0604030504040204" pitchFamily="34" charset="-120"/>
+                        <a:ea typeface="微軟正黑體" panose="020B0604030504040204" pitchFamily="34" charset="-120"/>
+                      </a:endParaRPr>
+                    </a:p>
+                  </a:txBody>
+                  <a:tcPr marL="9525" marR="9525" marT="9525" marB="0" anchor="ctr"/>
+                </a:tc>
+                <a:tc>
+                  <a:txBody>
+                    <a:bodyPr/>
+                    <a:lstStyle/>
+                    <a:p>
+                      <a:pPr algn="ctr"/>
+                      <a:r>
+                        <a:rPr lang="zh-TW" altLang="en-US" sz="1200" dirty="0" smtClean="0">
+                          <a:solidFill>
+                            <a:schemeClr val="tx1"/>
+                          </a:solidFill>
+                        </a:rPr>
+                        <a:t>─</a:t>
+                      </a:r>
+                      <a:endParaRPr lang="zh-TW" altLang="en-US" sz="1200" dirty="0">
+                        <a:solidFill>
+                          <a:schemeClr val="tx1"/>
+                        </a:solidFill>
+                        <a:latin typeface="微軟正黑體" panose="020B0604030504040204" pitchFamily="34" charset="-120"/>
+                        <a:ea typeface="微軟正黑體" panose="020B0604030504040204" pitchFamily="34" charset="-120"/>
+                      </a:endParaRPr>
+                    </a:p>
+                  </a:txBody>
+                  <a:tcPr marL="9525" marR="9525" marT="9525" marB="0" anchor="ctr"/>
+                </a:tc>
+                <a:tc>
+                  <a:txBody>
+                    <a:bodyPr/>
+                    <a:lstStyle/>
+                    <a:p>
+                      <a:pPr marL="0" marR="0" lvl="0" indent="0" algn="ctr" defTabSz="914400" rtl="0" eaLnBrk="1" fontAlgn="auto" latinLnBrk="0" hangingPunct="1">
+                        <a:lnSpc>
+                          <a:spcPct val="100000"/>
+                        </a:lnSpc>
+                        <a:spcBef>
+                          <a:spcPts val="0"/>
+                        </a:spcBef>
+                        <a:spcAft>
+                          <a:spcPts val="0"/>
+                        </a:spcAft>
+                        <a:buClrTx/>
+                        <a:buSzTx/>
+                        <a:buFontTx/>
+                        <a:buNone/>
+                        <a:tabLst/>
+                        <a:defRPr/>
+                      </a:pPr>
+                      <a:r>
+                        <a:rPr lang="en-US" altLang="zh-TW" sz="1200" kern="0" dirty="0" smtClean="0">
+                          <a:solidFill>
+                            <a:srgbClr val="C00000"/>
+                          </a:solidFill>
+                        </a:rPr>
+                        <a:t>●</a:t>
+                      </a:r>
+                      <a:endParaRPr lang="zh-TW" altLang="en-US" sz="1200" dirty="0">
+                        <a:solidFill>
+                          <a:srgbClr val="C00000"/>
+                        </a:solidFill>
+                        <a:latin typeface="微軟正黑體" panose="020B0604030504040204" pitchFamily="34" charset="-120"/>
+                        <a:ea typeface="微軟正黑體" panose="020B0604030504040204" pitchFamily="34" charset="-120"/>
+                      </a:endParaRPr>
+                    </a:p>
+                  </a:txBody>
+                  <a:tcPr marL="9525" marR="9525" marT="9525" marB="0" anchor="ctr"/>
+                </a:tc>
+                <a:tc>
+                  <a:txBody>
+                    <a:bodyPr/>
+                    <a:lstStyle/>
+                    <a:p>
+                      <a:pPr marL="0" marR="0" lvl="0" indent="0" algn="ctr" defTabSz="914400" rtl="0" eaLnBrk="1" fontAlgn="auto" latinLnBrk="0" hangingPunct="1">
+                        <a:lnSpc>
+                          <a:spcPct val="100000"/>
+                        </a:lnSpc>
+                        <a:spcBef>
+                          <a:spcPts val="0"/>
+                        </a:spcBef>
+                        <a:spcAft>
+                          <a:spcPts val="0"/>
+                        </a:spcAft>
+                        <a:buClrTx/>
+                        <a:buSzTx/>
+                        <a:buFontTx/>
+                        <a:buNone/>
+                        <a:tabLst/>
+                        <a:defRPr/>
+                      </a:pPr>
+                      <a:r>
+                        <a:rPr lang="zh-TW" altLang="en-US" sz="1200" dirty="0" smtClean="0">
+                          <a:solidFill>
+                            <a:schemeClr val="tx1"/>
+                          </a:solidFill>
+                        </a:rPr>
+                        <a:t>─</a:t>
+                      </a:r>
+                      <a:endParaRPr lang="zh-TW" altLang="en-US" sz="1200" dirty="0">
+                        <a:solidFill>
+                          <a:srgbClr val="C00000"/>
+                        </a:solidFill>
+                        <a:latin typeface="微軟正黑體" panose="020B0604030504040204" pitchFamily="34" charset="-120"/>
+                        <a:ea typeface="微軟正黑體" panose="020B0604030504040204" pitchFamily="34" charset="-120"/>
+                      </a:endParaRPr>
+                    </a:p>
+                  </a:txBody>
+                  <a:tcPr marL="9525" marR="9525" marT="9525" marB="0" anchor="ctr"/>
+                </a:tc>
+                <a:tc>
+                  <a:txBody>
+                    <a:bodyPr/>
+                    <a:lstStyle/>
+                    <a:p>
+                      <a:pPr algn="ctr"/>
+       